--- a/Course.pptx
+++ b/Course.pptx
@@ -4,6 +4,9 @@
   <p:sldMasterIdLst>
     <p:sldMasterId id="2147483648" r:id="rId1"/>
   </p:sldMasterIdLst>
+  <p:notesMasterIdLst>
+    <p:notesMasterId r:id="rId72"/>
+  </p:notesMasterIdLst>
   <p:sldIdLst>
     <p:sldId id="256" r:id="rId2"/>
     <p:sldId id="258" r:id="rId3"/>
@@ -65,6 +68,16 @@
     <p:sldId id="314" r:id="rId59"/>
     <p:sldId id="315" r:id="rId60"/>
     <p:sldId id="316" r:id="rId61"/>
+    <p:sldId id="317" r:id="rId62"/>
+    <p:sldId id="318" r:id="rId63"/>
+    <p:sldId id="319" r:id="rId64"/>
+    <p:sldId id="320" r:id="rId65"/>
+    <p:sldId id="321" r:id="rId66"/>
+    <p:sldId id="322" r:id="rId67"/>
+    <p:sldId id="323" r:id="rId68"/>
+    <p:sldId id="324" r:id="rId69"/>
+    <p:sldId id="325" r:id="rId70"/>
+    <p:sldId id="326" r:id="rId71"/>
   </p:sldIdLst>
   <p:sldSz cx="12192000" cy="6858000"/>
   <p:notesSz cx="6858000" cy="9144000"/>
@@ -1004,6 +1017,3676 @@
 </pc:chgInfo>
 </file>
 
+<file path=ppt/notesMasters/notesMaster1.xml><?xml version="1.0" encoding="utf-8"?>
+<p:notesMaster xmlns:a="http://schemas.openxmlformats.org/drawingml/2006/main" xmlns:r="http://schemas.openxmlformats.org/officeDocument/2006/relationships" xmlns:p="http://schemas.openxmlformats.org/presentationml/2006/main">
+  <p:cSld>
+    <p:bg>
+      <p:bgRef idx="1001">
+        <a:schemeClr val="bg1"/>
+      </p:bgRef>
+    </p:bg>
+    <p:spTree>
+      <p:nvGrpSpPr>
+        <p:cNvPr id="1" name=""/>
+        <p:cNvGrpSpPr/>
+        <p:nvPr/>
+      </p:nvGrpSpPr>
+      <p:grpSpPr>
+        <a:xfrm>
+          <a:off x="0" y="0"/>
+          <a:ext cx="0" cy="0"/>
+          <a:chOff x="0" y="0"/>
+          <a:chExt cx="0" cy="0"/>
+        </a:xfrm>
+      </p:grpSpPr>
+      <p:sp>
+        <p:nvSpPr>
+          <p:cNvPr id="2" name="Верхний колонтитул 1"/>
+          <p:cNvSpPr>
+            <a:spLocks noGrp="1"/>
+          </p:cNvSpPr>
+          <p:nvPr>
+            <p:ph type="hdr" sz="quarter"/>
+          </p:nvPr>
+        </p:nvSpPr>
+        <p:spPr>
+          <a:xfrm>
+            <a:off x="0" y="0"/>
+            <a:ext cx="2971800" cy="458788"/>
+          </a:xfrm>
+          <a:prstGeom prst="rect">
+            <a:avLst/>
+          </a:prstGeom>
+        </p:spPr>
+        <p:txBody>
+          <a:bodyPr vert="horz" lIns="91440" tIns="45720" rIns="91440" bIns="45720" rtlCol="0"/>
+          <a:lstStyle>
+            <a:lvl1pPr algn="l">
+              <a:defRPr sz="1200"/>
+            </a:lvl1pPr>
+          </a:lstStyle>
+          <a:p>
+            <a:endParaRPr lang="ru-RU"/>
+          </a:p>
+        </p:txBody>
+      </p:sp>
+      <p:sp>
+        <p:nvSpPr>
+          <p:cNvPr id="3" name="Дата 2"/>
+          <p:cNvSpPr>
+            <a:spLocks noGrp="1"/>
+          </p:cNvSpPr>
+          <p:nvPr>
+            <p:ph type="dt" idx="1"/>
+          </p:nvPr>
+        </p:nvSpPr>
+        <p:spPr>
+          <a:xfrm>
+            <a:off x="3884613" y="0"/>
+            <a:ext cx="2971800" cy="458788"/>
+          </a:xfrm>
+          <a:prstGeom prst="rect">
+            <a:avLst/>
+          </a:prstGeom>
+        </p:spPr>
+        <p:txBody>
+          <a:bodyPr vert="horz" lIns="91440" tIns="45720" rIns="91440" bIns="45720" rtlCol="0"/>
+          <a:lstStyle>
+            <a:lvl1pPr algn="r">
+              <a:defRPr sz="1200"/>
+            </a:lvl1pPr>
+          </a:lstStyle>
+          <a:p>
+            <a:fld id="{2EE8E8F7-1DBA-4282-96A9-47FA334D89F2}" type="datetimeFigureOut">
+              <a:rPr lang="ru-RU" smtClean="0"/>
+              <a:t>13.07.2020</a:t>
+            </a:fld>
+            <a:endParaRPr lang="ru-RU"/>
+          </a:p>
+        </p:txBody>
+      </p:sp>
+      <p:sp>
+        <p:nvSpPr>
+          <p:cNvPr id="4" name="Образ слайда 3"/>
+          <p:cNvSpPr>
+            <a:spLocks noGrp="1" noRot="1" noChangeAspect="1"/>
+          </p:cNvSpPr>
+          <p:nvPr>
+            <p:ph type="sldImg" idx="2"/>
+          </p:nvPr>
+        </p:nvSpPr>
+        <p:spPr>
+          <a:xfrm>
+            <a:off x="685800" y="1143000"/>
+            <a:ext cx="5486400" cy="3086100"/>
+          </a:xfrm>
+          <a:prstGeom prst="rect">
+            <a:avLst/>
+          </a:prstGeom>
+          <a:noFill/>
+          <a:ln w="12700">
+            <a:solidFill>
+              <a:prstClr val="black"/>
+            </a:solidFill>
+          </a:ln>
+        </p:spPr>
+        <p:txBody>
+          <a:bodyPr vert="horz" lIns="91440" tIns="45720" rIns="91440" bIns="45720" rtlCol="0" anchor="ctr"/>
+          <a:lstStyle/>
+          <a:p>
+            <a:endParaRPr lang="ru-RU"/>
+          </a:p>
+        </p:txBody>
+      </p:sp>
+      <p:sp>
+        <p:nvSpPr>
+          <p:cNvPr id="5" name="Заметки 4"/>
+          <p:cNvSpPr>
+            <a:spLocks noGrp="1"/>
+          </p:cNvSpPr>
+          <p:nvPr>
+            <p:ph type="body" sz="quarter" idx="3"/>
+          </p:nvPr>
+        </p:nvSpPr>
+        <p:spPr>
+          <a:xfrm>
+            <a:off x="685800" y="4400550"/>
+            <a:ext cx="5486400" cy="3600450"/>
+          </a:xfrm>
+          <a:prstGeom prst="rect">
+            <a:avLst/>
+          </a:prstGeom>
+        </p:spPr>
+        <p:txBody>
+          <a:bodyPr vert="horz" lIns="91440" tIns="45720" rIns="91440" bIns="45720" rtlCol="0"/>
+          <a:lstStyle/>
+          <a:p>
+            <a:pPr lvl="0"/>
+            <a:r>
+              <a:rPr lang="ru-RU" smtClean="0"/>
+              <a:t>Образец текста</a:t>
+            </a:r>
+          </a:p>
+          <a:p>
+            <a:pPr lvl="1"/>
+            <a:r>
+              <a:rPr lang="ru-RU" smtClean="0"/>
+              <a:t>Второй уровень</a:t>
+            </a:r>
+          </a:p>
+          <a:p>
+            <a:pPr lvl="2"/>
+            <a:r>
+              <a:rPr lang="ru-RU" smtClean="0"/>
+              <a:t>Третий уровень</a:t>
+            </a:r>
+          </a:p>
+          <a:p>
+            <a:pPr lvl="3"/>
+            <a:r>
+              <a:rPr lang="ru-RU" smtClean="0"/>
+              <a:t>Четвертый уровень</a:t>
+            </a:r>
+          </a:p>
+          <a:p>
+            <a:pPr lvl="4"/>
+            <a:r>
+              <a:rPr lang="ru-RU" smtClean="0"/>
+              <a:t>Пятый уровень</a:t>
+            </a:r>
+            <a:endParaRPr lang="ru-RU"/>
+          </a:p>
+        </p:txBody>
+      </p:sp>
+      <p:sp>
+        <p:nvSpPr>
+          <p:cNvPr id="6" name="Нижний колонтитул 5"/>
+          <p:cNvSpPr>
+            <a:spLocks noGrp="1"/>
+          </p:cNvSpPr>
+          <p:nvPr>
+            <p:ph type="ftr" sz="quarter" idx="4"/>
+          </p:nvPr>
+        </p:nvSpPr>
+        <p:spPr>
+          <a:xfrm>
+            <a:off x="0" y="8685213"/>
+            <a:ext cx="2971800" cy="458787"/>
+          </a:xfrm>
+          <a:prstGeom prst="rect">
+            <a:avLst/>
+          </a:prstGeom>
+        </p:spPr>
+        <p:txBody>
+          <a:bodyPr vert="horz" lIns="91440" tIns="45720" rIns="91440" bIns="45720" rtlCol="0" anchor="b"/>
+          <a:lstStyle>
+            <a:lvl1pPr algn="l">
+              <a:defRPr sz="1200"/>
+            </a:lvl1pPr>
+          </a:lstStyle>
+          <a:p>
+            <a:endParaRPr lang="ru-RU"/>
+          </a:p>
+        </p:txBody>
+      </p:sp>
+      <p:sp>
+        <p:nvSpPr>
+          <p:cNvPr id="7" name="Номер слайда 6"/>
+          <p:cNvSpPr>
+            <a:spLocks noGrp="1"/>
+          </p:cNvSpPr>
+          <p:nvPr>
+            <p:ph type="sldNum" sz="quarter" idx="5"/>
+          </p:nvPr>
+        </p:nvSpPr>
+        <p:spPr>
+          <a:xfrm>
+            <a:off x="3884613" y="8685213"/>
+            <a:ext cx="2971800" cy="458787"/>
+          </a:xfrm>
+          <a:prstGeom prst="rect">
+            <a:avLst/>
+          </a:prstGeom>
+        </p:spPr>
+        <p:txBody>
+          <a:bodyPr vert="horz" lIns="91440" tIns="45720" rIns="91440" bIns="45720" rtlCol="0" anchor="b"/>
+          <a:lstStyle>
+            <a:lvl1pPr algn="r">
+              <a:defRPr sz="1200"/>
+            </a:lvl1pPr>
+          </a:lstStyle>
+          <a:p>
+            <a:fld id="{622F1C9E-D65E-417E-9FEF-9AD7ACC20294}" type="slidenum">
+              <a:rPr lang="ru-RU" smtClean="0"/>
+              <a:t>‹#›</a:t>
+            </a:fld>
+            <a:endParaRPr lang="ru-RU"/>
+          </a:p>
+        </p:txBody>
+      </p:sp>
+    </p:spTree>
+    <p:extLst>
+      <p:ext uri="{BB962C8B-B14F-4D97-AF65-F5344CB8AC3E}">
+        <p14:creationId xmlns:p14="http://schemas.microsoft.com/office/powerpoint/2010/main" val="2273712746"/>
+      </p:ext>
+    </p:extLst>
+  </p:cSld>
+  <p:clrMap bg1="lt1" tx1="dk1" bg2="lt2" tx2="dk2" accent1="accent1" accent2="accent2" accent3="accent3" accent4="accent4" accent5="accent5" accent6="accent6" hlink="hlink" folHlink="folHlink"/>
+  <p:notesStyle>
+    <a:lvl1pPr marL="0" algn="l" defTabSz="914400" rtl="0" eaLnBrk="1" latinLnBrk="0" hangingPunct="1">
+      <a:defRPr sz="1200" kern="1200">
+        <a:solidFill>
+          <a:schemeClr val="tx1"/>
+        </a:solidFill>
+        <a:latin typeface="+mn-lt"/>
+        <a:ea typeface="+mn-ea"/>
+        <a:cs typeface="+mn-cs"/>
+      </a:defRPr>
+    </a:lvl1pPr>
+    <a:lvl2pPr marL="457200" algn="l" defTabSz="914400" rtl="0" eaLnBrk="1" latinLnBrk="0" hangingPunct="1">
+      <a:defRPr sz="1200" kern="1200">
+        <a:solidFill>
+          <a:schemeClr val="tx1"/>
+        </a:solidFill>
+        <a:latin typeface="+mn-lt"/>
+        <a:ea typeface="+mn-ea"/>
+        <a:cs typeface="+mn-cs"/>
+      </a:defRPr>
+    </a:lvl2pPr>
+    <a:lvl3pPr marL="914400" algn="l" defTabSz="914400" rtl="0" eaLnBrk="1" latinLnBrk="0" hangingPunct="1">
+      <a:defRPr sz="1200" kern="1200">
+        <a:solidFill>
+          <a:schemeClr val="tx1"/>
+        </a:solidFill>
+        <a:latin typeface="+mn-lt"/>
+        <a:ea typeface="+mn-ea"/>
+        <a:cs typeface="+mn-cs"/>
+      </a:defRPr>
+    </a:lvl3pPr>
+    <a:lvl4pPr marL="1371600" algn="l" defTabSz="914400" rtl="0" eaLnBrk="1" latinLnBrk="0" hangingPunct="1">
+      <a:defRPr sz="1200" kern="1200">
+        <a:solidFill>
+          <a:schemeClr val="tx1"/>
+        </a:solidFill>
+        <a:latin typeface="+mn-lt"/>
+        <a:ea typeface="+mn-ea"/>
+        <a:cs typeface="+mn-cs"/>
+      </a:defRPr>
+    </a:lvl4pPr>
+    <a:lvl5pPr marL="1828800" algn="l" defTabSz="914400" rtl="0" eaLnBrk="1" latinLnBrk="0" hangingPunct="1">
+      <a:defRPr sz="1200" kern="1200">
+        <a:solidFill>
+          <a:schemeClr val="tx1"/>
+        </a:solidFill>
+        <a:latin typeface="+mn-lt"/>
+        <a:ea typeface="+mn-ea"/>
+        <a:cs typeface="+mn-cs"/>
+      </a:defRPr>
+    </a:lvl5pPr>
+    <a:lvl6pPr marL="2286000" algn="l" defTabSz="914400" rtl="0" eaLnBrk="1" latinLnBrk="0" hangingPunct="1">
+      <a:defRPr sz="1200" kern="1200">
+        <a:solidFill>
+          <a:schemeClr val="tx1"/>
+        </a:solidFill>
+        <a:latin typeface="+mn-lt"/>
+        <a:ea typeface="+mn-ea"/>
+        <a:cs typeface="+mn-cs"/>
+      </a:defRPr>
+    </a:lvl6pPr>
+    <a:lvl7pPr marL="2743200" algn="l" defTabSz="914400" rtl="0" eaLnBrk="1" latinLnBrk="0" hangingPunct="1">
+      <a:defRPr sz="1200" kern="1200">
+        <a:solidFill>
+          <a:schemeClr val="tx1"/>
+        </a:solidFill>
+        <a:latin typeface="+mn-lt"/>
+        <a:ea typeface="+mn-ea"/>
+        <a:cs typeface="+mn-cs"/>
+      </a:defRPr>
+    </a:lvl7pPr>
+    <a:lvl8pPr marL="3200400" algn="l" defTabSz="914400" rtl="0" eaLnBrk="1" latinLnBrk="0" hangingPunct="1">
+      <a:defRPr sz="1200" kern="1200">
+        <a:solidFill>
+          <a:schemeClr val="tx1"/>
+        </a:solidFill>
+        <a:latin typeface="+mn-lt"/>
+        <a:ea typeface="+mn-ea"/>
+        <a:cs typeface="+mn-cs"/>
+      </a:defRPr>
+    </a:lvl8pPr>
+    <a:lvl9pPr marL="3657600" algn="l" defTabSz="914400" rtl="0" eaLnBrk="1" latinLnBrk="0" hangingPunct="1">
+      <a:defRPr sz="1200" kern="1200">
+        <a:solidFill>
+          <a:schemeClr val="tx1"/>
+        </a:solidFill>
+        <a:latin typeface="+mn-lt"/>
+        <a:ea typeface="+mn-ea"/>
+        <a:cs typeface="+mn-cs"/>
+      </a:defRPr>
+    </a:lvl9pPr>
+  </p:notesStyle>
+</p:notesMaster>
+</file>
+
+<file path=ppt/notesSlides/notesSlide1.xml><?xml version="1.0" encoding="utf-8"?>
+<p:notes xmlns:a="http://schemas.openxmlformats.org/drawingml/2006/main" xmlns:r="http://schemas.openxmlformats.org/officeDocument/2006/relationships" xmlns:p="http://schemas.openxmlformats.org/presentationml/2006/main">
+  <p:cSld>
+    <p:spTree>
+      <p:nvGrpSpPr>
+        <p:cNvPr id="1" name=""/>
+        <p:cNvGrpSpPr/>
+        <p:nvPr/>
+      </p:nvGrpSpPr>
+      <p:grpSpPr>
+        <a:xfrm>
+          <a:off x="0" y="0"/>
+          <a:ext cx="0" cy="0"/>
+          <a:chOff x="0" y="0"/>
+          <a:chExt cx="0" cy="0"/>
+        </a:xfrm>
+      </p:grpSpPr>
+      <p:sp>
+        <p:nvSpPr>
+          <p:cNvPr id="2" name="Образ слайда 1"/>
+          <p:cNvSpPr>
+            <a:spLocks noGrp="1" noRot="1" noChangeAspect="1"/>
+          </p:cNvSpPr>
+          <p:nvPr>
+            <p:ph type="sldImg"/>
+          </p:nvPr>
+        </p:nvSpPr>
+        <p:spPr/>
+      </p:sp>
+      <p:sp>
+        <p:nvSpPr>
+          <p:cNvPr id="3" name="Заметки 2"/>
+          <p:cNvSpPr>
+            <a:spLocks noGrp="1"/>
+          </p:cNvSpPr>
+          <p:nvPr>
+            <p:ph type="body" idx="1"/>
+          </p:nvPr>
+        </p:nvSpPr>
+        <p:spPr/>
+        <p:txBody>
+          <a:bodyPr/>
+          <a:lstStyle/>
+          <a:p>
+            <a:pPr marL="228600" indent="-228600">
+              <a:buAutoNum type="arabicPeriod"/>
+            </a:pPr>
+            <a:r>
+              <a:rPr lang="ru-RU" sz="1200" b="0" i="0" kern="1200" dirty="0" smtClean="0">
+                <a:solidFill>
+                  <a:schemeClr val="tx1"/>
+                </a:solidFill>
+                <a:effectLst/>
+                <a:latin typeface="+mn-lt"/>
+                <a:ea typeface="+mn-ea"/>
+                <a:cs typeface="+mn-cs"/>
+              </a:rPr>
+              <a:t>Урок 7</a:t>
+            </a:r>
+          </a:p>
+          <a:p>
+            <a:pPr marL="228600" indent="-228600">
+              <a:buAutoNum type="arabicPeriod"/>
+            </a:pPr>
+            <a:r>
+              <a:rPr lang="ru-RU" sz="1200" b="0" i="0" kern="1200" dirty="0" smtClean="0">
+                <a:solidFill>
+                  <a:schemeClr val="tx1"/>
+                </a:solidFill>
+                <a:effectLst/>
+                <a:latin typeface="+mn-lt"/>
+                <a:ea typeface="+mn-ea"/>
+                <a:cs typeface="+mn-cs"/>
+              </a:rPr>
+              <a:t>Как и классы, интерфейсы могут расширять друг друга*</a:t>
+            </a:r>
+          </a:p>
+          <a:p>
+            <a:pPr marL="228600" indent="-228600">
+              <a:buAutoNum type="arabicPeriod"/>
+            </a:pPr>
+            <a:r>
+              <a:rPr lang="ru-RU" sz="1200" b="0" i="0" kern="1200" dirty="0" smtClean="0">
+                <a:solidFill>
+                  <a:schemeClr val="tx1"/>
+                </a:solidFill>
+                <a:effectLst/>
+                <a:latin typeface="+mn-lt"/>
+                <a:ea typeface="+mn-ea"/>
+                <a:cs typeface="+mn-cs"/>
+              </a:rPr>
+              <a:t>Интерфейсы могут наследовать более одного*</a:t>
+            </a:r>
+          </a:p>
+          <a:p>
+            <a:pPr marL="228600" indent="-228600">
+              <a:buAutoNum type="arabicPeriod"/>
+            </a:pPr>
+            <a:endParaRPr lang="ru-RU" dirty="0"/>
+          </a:p>
+        </p:txBody>
+      </p:sp>
+      <p:sp>
+        <p:nvSpPr>
+          <p:cNvPr id="4" name="Номер слайда 3"/>
+          <p:cNvSpPr>
+            <a:spLocks noGrp="1"/>
+          </p:cNvSpPr>
+          <p:nvPr>
+            <p:ph type="sldNum" sz="quarter" idx="10"/>
+          </p:nvPr>
+        </p:nvSpPr>
+        <p:spPr/>
+        <p:txBody>
+          <a:bodyPr/>
+          <a:lstStyle/>
+          <a:p>
+            <a:fld id="{622F1C9E-D65E-417E-9FEF-9AD7ACC20294}" type="slidenum">
+              <a:rPr lang="ru-RU" smtClean="0"/>
+              <a:t>61</a:t>
+            </a:fld>
+            <a:endParaRPr lang="ru-RU"/>
+          </a:p>
+        </p:txBody>
+      </p:sp>
+    </p:spTree>
+    <p:extLst>
+      <p:ext uri="{BB962C8B-B14F-4D97-AF65-F5344CB8AC3E}">
+        <p14:creationId xmlns:p14="http://schemas.microsoft.com/office/powerpoint/2010/main" val="3628353908"/>
+      </p:ext>
+    </p:extLst>
+  </p:cSld>
+  <p:clrMapOvr>
+    <a:masterClrMapping/>
+  </p:clrMapOvr>
+</p:notes>
+</file>
+
+<file path=ppt/notesSlides/notesSlide10.xml><?xml version="1.0" encoding="utf-8"?>
+<p:notes xmlns:a="http://schemas.openxmlformats.org/drawingml/2006/main" xmlns:r="http://schemas.openxmlformats.org/officeDocument/2006/relationships" xmlns:p="http://schemas.openxmlformats.org/presentationml/2006/main">
+  <p:cSld>
+    <p:spTree>
+      <p:nvGrpSpPr>
+        <p:cNvPr id="1" name=""/>
+        <p:cNvGrpSpPr/>
+        <p:nvPr/>
+      </p:nvGrpSpPr>
+      <p:grpSpPr>
+        <a:xfrm>
+          <a:off x="0" y="0"/>
+          <a:ext cx="0" cy="0"/>
+          <a:chOff x="0" y="0"/>
+          <a:chExt cx="0" cy="0"/>
+        </a:xfrm>
+      </p:grpSpPr>
+      <p:sp>
+        <p:nvSpPr>
+          <p:cNvPr id="2" name="Образ слайда 1"/>
+          <p:cNvSpPr>
+            <a:spLocks noGrp="1" noRot="1" noChangeAspect="1"/>
+          </p:cNvSpPr>
+          <p:nvPr>
+            <p:ph type="sldImg"/>
+          </p:nvPr>
+        </p:nvSpPr>
+        <p:spPr/>
+      </p:sp>
+      <p:sp>
+        <p:nvSpPr>
+          <p:cNvPr id="3" name="Заметки 2"/>
+          <p:cNvSpPr>
+            <a:spLocks noGrp="1"/>
+          </p:cNvSpPr>
+          <p:nvPr>
+            <p:ph type="body" idx="1"/>
+          </p:nvPr>
+        </p:nvSpPr>
+        <p:spPr/>
+        <p:txBody>
+          <a:bodyPr/>
+          <a:lstStyle/>
+          <a:p>
+            <a:pPr marL="228600" indent="-228600">
+              <a:buAutoNum type="arabicPeriod"/>
+            </a:pPr>
+            <a:r>
+              <a:rPr lang="ru-RU" sz="1200" b="0" i="0" kern="1200" dirty="0" err="1" smtClean="0">
+                <a:solidFill>
+                  <a:schemeClr val="tx1"/>
+                </a:solidFill>
+                <a:effectLst/>
+                <a:latin typeface="+mn-lt"/>
+                <a:ea typeface="+mn-ea"/>
+                <a:cs typeface="+mn-cs"/>
+              </a:rPr>
+              <a:t>JavaScript</a:t>
+            </a:r>
+            <a:r>
+              <a:rPr lang="ru-RU" sz="1200" b="0" i="0" kern="1200" dirty="0" smtClean="0">
+                <a:solidFill>
+                  <a:schemeClr val="tx1"/>
+                </a:solidFill>
+                <a:effectLst/>
+                <a:latin typeface="+mn-lt"/>
+                <a:ea typeface="+mn-ea"/>
+                <a:cs typeface="+mn-cs"/>
+              </a:rPr>
+              <a:t> является крайне динамичным языком</a:t>
+            </a:r>
+            <a:r>
+              <a:rPr lang="en-US" sz="1200" b="0" i="0" kern="1200" dirty="0" smtClean="0">
+                <a:solidFill>
+                  <a:schemeClr val="tx1"/>
+                </a:solidFill>
+                <a:effectLst/>
+                <a:latin typeface="+mn-lt"/>
+                <a:ea typeface="+mn-ea"/>
+                <a:cs typeface="+mn-cs"/>
+              </a:rPr>
+              <a:t> (</a:t>
+            </a:r>
+            <a:r>
+              <a:rPr lang="ru-RU" sz="1200" b="0" i="0" kern="1200" dirty="0" smtClean="0">
+                <a:solidFill>
+                  <a:schemeClr val="tx1"/>
+                </a:solidFill>
+                <a:effectLst/>
+                <a:latin typeface="+mn-lt"/>
+                <a:ea typeface="+mn-ea"/>
+                <a:cs typeface="+mn-cs"/>
+              </a:rPr>
+              <a:t>функция</a:t>
+            </a:r>
+            <a:r>
+              <a:rPr lang="ru-RU" sz="1200" b="0" i="0" kern="1200" baseline="0" dirty="0" smtClean="0">
+                <a:solidFill>
+                  <a:schemeClr val="tx1"/>
+                </a:solidFill>
+                <a:effectLst/>
+                <a:latin typeface="+mn-lt"/>
+                <a:ea typeface="+mn-ea"/>
+                <a:cs typeface="+mn-cs"/>
+              </a:rPr>
+              <a:t> возвращает несколько аргументов</a:t>
+            </a:r>
+            <a:r>
+              <a:rPr lang="en-US" sz="1200" b="0" i="0" kern="1200" dirty="0" smtClean="0">
+                <a:solidFill>
+                  <a:schemeClr val="tx1"/>
+                </a:solidFill>
+                <a:effectLst/>
+                <a:latin typeface="+mn-lt"/>
+                <a:ea typeface="+mn-ea"/>
+                <a:cs typeface="+mn-cs"/>
+              </a:rPr>
+              <a:t>)</a:t>
+            </a:r>
+            <a:r>
+              <a:rPr lang="ru-RU" sz="1200" b="0" i="0" kern="1200" dirty="0" smtClean="0">
+                <a:solidFill>
+                  <a:schemeClr val="tx1"/>
+                </a:solidFill>
+                <a:effectLst/>
+                <a:latin typeface="+mn-lt"/>
+                <a:ea typeface="+mn-ea"/>
+                <a:cs typeface="+mn-cs"/>
+              </a:rPr>
+              <a:t>*</a:t>
+            </a:r>
+          </a:p>
+          <a:p>
+            <a:pPr marL="228600" indent="-228600">
+              <a:buAutoNum type="arabicPeriod"/>
+            </a:pPr>
+            <a:r>
+              <a:rPr lang="ru-RU" sz="1200" b="0" i="0" kern="1200" dirty="0" smtClean="0">
+                <a:solidFill>
+                  <a:schemeClr val="tx1"/>
+                </a:solidFill>
+                <a:effectLst/>
+                <a:latin typeface="+mn-lt"/>
+                <a:ea typeface="+mn-ea"/>
+                <a:cs typeface="+mn-cs"/>
+              </a:rPr>
+              <a:t>Ответ заключается в передаче нескольких сигнатур функции в качестве типа одной единственной функции как список её перегрузок*</a:t>
+            </a:r>
+          </a:p>
+          <a:p>
+            <a:pPr marL="228600" indent="-228600">
+              <a:buAutoNum type="arabicPeriod"/>
+            </a:pPr>
+            <a:r>
+              <a:rPr lang="ru-RU" sz="1200" b="0" i="0" kern="1200" dirty="0" smtClean="0">
+                <a:solidFill>
+                  <a:schemeClr val="tx1"/>
+                </a:solidFill>
+                <a:effectLst/>
+                <a:latin typeface="+mn-lt"/>
+                <a:ea typeface="+mn-ea"/>
+                <a:cs typeface="+mn-cs"/>
+              </a:rPr>
+              <a:t>Порядок важен (сверху вниз)</a:t>
+            </a:r>
+          </a:p>
+          <a:p>
+            <a:pPr marL="228600" indent="-228600">
+              <a:buAutoNum type="arabicPeriod"/>
+            </a:pPr>
+            <a:r>
+              <a:rPr lang="ru-RU" sz="1200" b="0" i="0" kern="1200" dirty="0" smtClean="0">
+                <a:solidFill>
+                  <a:schemeClr val="tx1"/>
+                </a:solidFill>
+                <a:effectLst/>
+                <a:latin typeface="+mn-lt"/>
+                <a:ea typeface="+mn-ea"/>
+                <a:cs typeface="+mn-cs"/>
+              </a:rPr>
+              <a:t>Обращаем внимание на то что запись </a:t>
+            </a:r>
+            <a:r>
+              <a:rPr lang="ru-RU" sz="1200" b="0" i="0" kern="1200" dirty="0" err="1" smtClean="0">
+                <a:solidFill>
+                  <a:schemeClr val="tx1"/>
+                </a:solidFill>
+                <a:effectLst/>
+                <a:latin typeface="+mn-lt"/>
+                <a:ea typeface="+mn-ea"/>
+                <a:cs typeface="+mn-cs"/>
+              </a:rPr>
+              <a:t>returnDifferentThings</a:t>
+            </a:r>
+            <a:r>
+              <a:rPr lang="ru-RU" sz="1200" b="0" i="0" kern="1200" dirty="0" smtClean="0">
+                <a:solidFill>
+                  <a:schemeClr val="tx1"/>
+                </a:solidFill>
+                <a:effectLst/>
+                <a:latin typeface="+mn-lt"/>
+                <a:ea typeface="+mn-ea"/>
+                <a:cs typeface="+mn-cs"/>
+              </a:rPr>
+              <a:t>(a?: </a:t>
+            </a:r>
+            <a:r>
+              <a:rPr lang="ru-RU" sz="1200" b="0" i="0" kern="1200" dirty="0" err="1" smtClean="0">
+                <a:solidFill>
+                  <a:schemeClr val="tx1"/>
+                </a:solidFill>
+                <a:effectLst/>
+                <a:latin typeface="+mn-lt"/>
+                <a:ea typeface="+mn-ea"/>
+                <a:cs typeface="+mn-cs"/>
+              </a:rPr>
+              <a:t>any</a:t>
+            </a:r>
+            <a:r>
+              <a:rPr lang="ru-RU" sz="1200" b="0" i="0" kern="1200" dirty="0" smtClean="0">
+                <a:solidFill>
+                  <a:schemeClr val="tx1"/>
+                </a:solidFill>
+                <a:effectLst/>
+                <a:latin typeface="+mn-lt"/>
+                <a:ea typeface="+mn-ea"/>
+                <a:cs typeface="+mn-cs"/>
+              </a:rPr>
+              <a:t>, b?: </a:t>
+            </a:r>
+            <a:r>
+              <a:rPr lang="ru-RU" sz="1200" b="0" i="0" kern="1200" dirty="0" err="1" smtClean="0">
+                <a:solidFill>
+                  <a:schemeClr val="tx1"/>
+                </a:solidFill>
+                <a:effectLst/>
+                <a:latin typeface="+mn-lt"/>
+                <a:ea typeface="+mn-ea"/>
+                <a:cs typeface="+mn-cs"/>
+              </a:rPr>
+              <a:t>any</a:t>
+            </a:r>
+            <a:r>
+              <a:rPr lang="ru-RU" sz="1200" b="0" i="0" kern="1200" dirty="0" smtClean="0">
+                <a:solidFill>
+                  <a:schemeClr val="tx1"/>
+                </a:solidFill>
+                <a:effectLst/>
+                <a:latin typeface="+mn-lt"/>
+                <a:ea typeface="+mn-ea"/>
+                <a:cs typeface="+mn-cs"/>
+              </a:rPr>
+              <a:t>) - не является частью перегрузок</a:t>
+            </a:r>
+          </a:p>
+          <a:p>
+            <a:pPr marL="228600" indent="-228600">
+              <a:buAutoNum type="arabicPeriod"/>
+            </a:pPr>
+            <a:endParaRPr lang="ru-RU" sz="1200" b="0" i="0" kern="1200" dirty="0" smtClean="0">
+              <a:solidFill>
+                <a:schemeClr val="tx1"/>
+              </a:solidFill>
+              <a:effectLst/>
+              <a:latin typeface="+mn-lt"/>
+              <a:ea typeface="+mn-ea"/>
+              <a:cs typeface="+mn-cs"/>
+            </a:endParaRPr>
+          </a:p>
+          <a:p>
+            <a:pPr rtl="0" fontAlgn="base"/>
+            <a:r>
+              <a:rPr lang="ru-RU" sz="1200" b="0" i="0" kern="1200" dirty="0" smtClean="0">
+                <a:solidFill>
+                  <a:schemeClr val="tx1"/>
+                </a:solidFill>
+                <a:effectLst/>
+                <a:latin typeface="+mn-lt"/>
+                <a:ea typeface="+mn-ea"/>
+                <a:cs typeface="+mn-cs"/>
+              </a:rPr>
+              <a:t>Задание: реализовать пример с очередями с явным указанием </a:t>
+            </a:r>
+            <a:r>
+              <a:rPr lang="ru-RU" sz="1200" b="0" i="0" kern="1200" dirty="0" err="1" smtClean="0">
+                <a:solidFill>
+                  <a:schemeClr val="tx1"/>
+                </a:solidFill>
+                <a:effectLst/>
+                <a:latin typeface="+mn-lt"/>
+                <a:ea typeface="+mn-ea"/>
+                <a:cs typeface="+mn-cs"/>
+              </a:rPr>
+              <a:t>this</a:t>
+            </a:r>
+            <a:r>
+              <a:rPr lang="ru-RU" sz="1200" b="0" i="0" kern="1200" dirty="0" smtClean="0">
+                <a:solidFill>
+                  <a:schemeClr val="tx1"/>
+                </a:solidFill>
+                <a:effectLst/>
+                <a:latin typeface="+mn-lt"/>
+                <a:ea typeface="+mn-ea"/>
+                <a:cs typeface="+mn-cs"/>
+              </a:rPr>
+              <a:t>. </a:t>
+            </a:r>
+          </a:p>
+          <a:p>
+            <a:pPr rtl="0" fontAlgn="base"/>
+            <a:endParaRPr lang="ru-RU" sz="1200" b="0" i="0" kern="1200" dirty="0" smtClean="0">
+              <a:solidFill>
+                <a:schemeClr val="tx1"/>
+              </a:solidFill>
+              <a:effectLst/>
+              <a:latin typeface="+mn-lt"/>
+              <a:ea typeface="+mn-ea"/>
+              <a:cs typeface="+mn-cs"/>
+            </a:endParaRPr>
+          </a:p>
+          <a:p>
+            <a:pPr rtl="0" fontAlgn="base"/>
+            <a:r>
+              <a:rPr lang="ru-RU" sz="1200" b="0" i="0" kern="1200" dirty="0" smtClean="0">
+                <a:solidFill>
+                  <a:schemeClr val="tx1"/>
+                </a:solidFill>
+                <a:effectLst/>
+                <a:latin typeface="+mn-lt"/>
+                <a:ea typeface="+mn-ea"/>
+                <a:cs typeface="+mn-cs"/>
+              </a:rPr>
+              <a:t>Задача: создать функцию “филлер” для очередей. API функции должен представлять собой использование через </a:t>
+            </a:r>
+            <a:r>
+              <a:rPr lang="ru-RU" sz="1200" b="0" i="0" kern="1200" dirty="0" err="1" smtClean="0">
+                <a:solidFill>
+                  <a:schemeClr val="tx1"/>
+                </a:solidFill>
+                <a:effectLst/>
+                <a:latin typeface="+mn-lt"/>
+                <a:ea typeface="+mn-ea"/>
+                <a:cs typeface="+mn-cs"/>
+              </a:rPr>
+              <a:t>this</a:t>
+            </a:r>
+            <a:r>
+              <a:rPr lang="ru-RU" sz="1200" b="0" i="0" kern="1200" dirty="0" smtClean="0">
+                <a:solidFill>
+                  <a:schemeClr val="tx1"/>
+                </a:solidFill>
+                <a:effectLst/>
+                <a:latin typeface="+mn-lt"/>
+                <a:ea typeface="+mn-ea"/>
+                <a:cs typeface="+mn-cs"/>
+              </a:rPr>
+              <a:t>. </a:t>
+            </a:r>
+          </a:p>
+          <a:p>
+            <a:pPr rtl="0" fontAlgn="base"/>
+            <a:endParaRPr lang="ru-RU" sz="1200" b="0" i="0" kern="1200" dirty="0" smtClean="0">
+              <a:solidFill>
+                <a:schemeClr val="tx1"/>
+              </a:solidFill>
+              <a:effectLst/>
+              <a:latin typeface="+mn-lt"/>
+              <a:ea typeface="+mn-ea"/>
+              <a:cs typeface="+mn-cs"/>
+            </a:endParaRPr>
+          </a:p>
+          <a:p>
+            <a:pPr rtl="0" fontAlgn="base"/>
+            <a:r>
+              <a:rPr lang="ru-RU" sz="1200" b="0" i="0" kern="1200" dirty="0" smtClean="0">
+                <a:solidFill>
+                  <a:schemeClr val="tx1"/>
+                </a:solidFill>
+                <a:effectLst/>
+                <a:latin typeface="+mn-lt"/>
+                <a:ea typeface="+mn-ea"/>
+                <a:cs typeface="+mn-cs"/>
+              </a:rPr>
+              <a:t>Задача: создать функцию, принимающую любой список сотрудников и выводящей их обычном порядке.</a:t>
+            </a:r>
+            <a:r>
+              <a:rPr lang="ru-RU" sz="1200" b="0" i="0" kern="1200" smtClean="0">
+                <a:solidFill>
+                  <a:schemeClr val="tx1"/>
+                </a:solidFill>
+                <a:effectLst/>
+                <a:latin typeface="+mn-lt"/>
+                <a:ea typeface="+mn-ea"/>
+                <a:cs typeface="+mn-cs"/>
+              </a:rPr>
+              <a:t> </a:t>
+            </a:r>
+          </a:p>
+          <a:p>
+            <a:pPr rtl="0" fontAlgn="base"/>
+            <a:endParaRPr lang="ru-RU" sz="1200" b="0" i="0" kern="1200" dirty="0" smtClean="0">
+              <a:solidFill>
+                <a:schemeClr val="tx1"/>
+              </a:solidFill>
+              <a:effectLst/>
+              <a:latin typeface="+mn-lt"/>
+              <a:ea typeface="+mn-ea"/>
+              <a:cs typeface="+mn-cs"/>
+            </a:endParaRPr>
+          </a:p>
+          <a:p>
+            <a:pPr rtl="0" fontAlgn="base"/>
+            <a:r>
+              <a:rPr lang="ru-RU" sz="1200" b="0" i="0" kern="1200" dirty="0" smtClean="0">
+                <a:solidFill>
+                  <a:schemeClr val="tx1"/>
+                </a:solidFill>
+                <a:effectLst/>
+                <a:latin typeface="+mn-lt"/>
+                <a:ea typeface="+mn-ea"/>
+                <a:cs typeface="+mn-cs"/>
+              </a:rPr>
+              <a:t>Задача: реализовать функцию которая, принимая </a:t>
+            </a:r>
+            <a:r>
+              <a:rPr lang="ru-RU" sz="1200" b="0" i="0" kern="1200" dirty="0" err="1" smtClean="0">
+                <a:solidFill>
+                  <a:schemeClr val="tx1"/>
+                </a:solidFill>
+                <a:effectLst/>
+                <a:latin typeface="+mn-lt"/>
+                <a:ea typeface="+mn-ea"/>
+                <a:cs typeface="+mn-cs"/>
+              </a:rPr>
+              <a:t>грейд</a:t>
+            </a:r>
+            <a:r>
+              <a:rPr lang="ru-RU" sz="1200" b="0" i="0" kern="1200" dirty="0" smtClean="0">
+                <a:solidFill>
+                  <a:schemeClr val="tx1"/>
+                </a:solidFill>
+                <a:effectLst/>
+                <a:latin typeface="+mn-lt"/>
+                <a:ea typeface="+mn-ea"/>
+                <a:cs typeface="+mn-cs"/>
+              </a:rPr>
+              <a:t> возвращает строку с этим </a:t>
+            </a:r>
+            <a:r>
+              <a:rPr lang="ru-RU" sz="1200" b="0" i="0" kern="1200" dirty="0" err="1" smtClean="0">
+                <a:solidFill>
+                  <a:schemeClr val="tx1"/>
+                </a:solidFill>
+                <a:effectLst/>
+                <a:latin typeface="+mn-lt"/>
+                <a:ea typeface="+mn-ea"/>
+                <a:cs typeface="+mn-cs"/>
+              </a:rPr>
+              <a:t>грейдом</a:t>
+            </a:r>
+            <a:r>
+              <a:rPr lang="ru-RU" sz="1200" b="0" i="0" kern="1200" dirty="0" smtClean="0">
+                <a:solidFill>
+                  <a:schemeClr val="tx1"/>
+                </a:solidFill>
+                <a:effectLst/>
+                <a:latin typeface="+mn-lt"/>
+                <a:ea typeface="+mn-ea"/>
+                <a:cs typeface="+mn-cs"/>
+              </a:rPr>
+              <a:t>, принимая возраст возвращает примерный срок оставшейся жизни (считаем 100 лет максимальным сроком). </a:t>
+            </a:r>
+          </a:p>
+          <a:p>
+            <a:pPr marL="228600" indent="-228600">
+              <a:buAutoNum type="arabicPeriod"/>
+            </a:pPr>
+            <a:endParaRPr lang="ru-RU" dirty="0"/>
+          </a:p>
+        </p:txBody>
+      </p:sp>
+      <p:sp>
+        <p:nvSpPr>
+          <p:cNvPr id="4" name="Номер слайда 3"/>
+          <p:cNvSpPr>
+            <a:spLocks noGrp="1"/>
+          </p:cNvSpPr>
+          <p:nvPr>
+            <p:ph type="sldNum" sz="quarter" idx="10"/>
+          </p:nvPr>
+        </p:nvSpPr>
+        <p:spPr/>
+        <p:txBody>
+          <a:bodyPr/>
+          <a:lstStyle/>
+          <a:p>
+            <a:pPr marL="0" marR="0" lvl="0" indent="0" algn="r" defTabSz="914400" rtl="0" eaLnBrk="1" fontAlgn="auto" latinLnBrk="0" hangingPunct="1">
+              <a:lnSpc>
+                <a:spcPct val="100000"/>
+              </a:lnSpc>
+              <a:spcBef>
+                <a:spcPts val="0"/>
+              </a:spcBef>
+              <a:spcAft>
+                <a:spcPts val="0"/>
+              </a:spcAft>
+              <a:buClrTx/>
+              <a:buSzTx/>
+              <a:buFontTx/>
+              <a:buNone/>
+              <a:tabLst/>
+              <a:defRPr/>
+            </a:pPr>
+            <a:fld id="{622F1C9E-D65E-417E-9FEF-9AD7ACC20294}" type="slidenum">
+              <a:rPr kumimoji="0" lang="ru-RU" sz="1200" b="0" i="0" u="none" strike="noStrike" kern="1200" cap="none" spc="0" normalizeH="0" baseline="0" noProof="0" smtClean="0">
+                <a:ln>
+                  <a:noFill/>
+                </a:ln>
+                <a:solidFill>
+                  <a:prstClr val="black"/>
+                </a:solidFill>
+                <a:effectLst/>
+                <a:uLnTx/>
+                <a:uFillTx/>
+                <a:latin typeface="Calibri" panose="020F0502020204030204"/>
+                <a:ea typeface="+mn-ea"/>
+                <a:cs typeface="+mn-cs"/>
+              </a:rPr>
+              <a:pPr marL="0" marR="0" lvl="0" indent="0" algn="r" defTabSz="914400" rtl="0" eaLnBrk="1" fontAlgn="auto" latinLnBrk="0" hangingPunct="1">
+                <a:lnSpc>
+                  <a:spcPct val="100000"/>
+                </a:lnSpc>
+                <a:spcBef>
+                  <a:spcPts val="0"/>
+                </a:spcBef>
+                <a:spcAft>
+                  <a:spcPts val="0"/>
+                </a:spcAft>
+                <a:buClrTx/>
+                <a:buSzTx/>
+                <a:buFontTx/>
+                <a:buNone/>
+                <a:tabLst/>
+                <a:defRPr/>
+              </a:pPr>
+              <a:t>70</a:t>
+            </a:fld>
+            <a:endParaRPr kumimoji="0" lang="ru-RU" sz="1200" b="0" i="0" u="none" strike="noStrike" kern="1200" cap="none" spc="0" normalizeH="0" baseline="0" noProof="0">
+              <a:ln>
+                <a:noFill/>
+              </a:ln>
+              <a:solidFill>
+                <a:prstClr val="black"/>
+              </a:solidFill>
+              <a:effectLst/>
+              <a:uLnTx/>
+              <a:uFillTx/>
+              <a:latin typeface="Calibri" panose="020F0502020204030204"/>
+              <a:ea typeface="+mn-ea"/>
+              <a:cs typeface="+mn-cs"/>
+            </a:endParaRPr>
+          </a:p>
+        </p:txBody>
+      </p:sp>
+    </p:spTree>
+    <p:extLst>
+      <p:ext uri="{BB962C8B-B14F-4D97-AF65-F5344CB8AC3E}">
+        <p14:creationId xmlns:p14="http://schemas.microsoft.com/office/powerpoint/2010/main" val="2237977487"/>
+      </p:ext>
+    </p:extLst>
+  </p:cSld>
+  <p:clrMapOvr>
+    <a:masterClrMapping/>
+  </p:clrMapOvr>
+</p:notes>
+</file>
+
+<file path=ppt/notesSlides/notesSlide2.xml><?xml version="1.0" encoding="utf-8"?>
+<p:notes xmlns:a="http://schemas.openxmlformats.org/drawingml/2006/main" xmlns:r="http://schemas.openxmlformats.org/officeDocument/2006/relationships" xmlns:p="http://schemas.openxmlformats.org/presentationml/2006/main">
+  <p:cSld>
+    <p:spTree>
+      <p:nvGrpSpPr>
+        <p:cNvPr id="1" name=""/>
+        <p:cNvGrpSpPr/>
+        <p:nvPr/>
+      </p:nvGrpSpPr>
+      <p:grpSpPr>
+        <a:xfrm>
+          <a:off x="0" y="0"/>
+          <a:ext cx="0" cy="0"/>
+          <a:chOff x="0" y="0"/>
+          <a:chExt cx="0" cy="0"/>
+        </a:xfrm>
+      </p:grpSpPr>
+      <p:sp>
+        <p:nvSpPr>
+          <p:cNvPr id="2" name="Образ слайда 1"/>
+          <p:cNvSpPr>
+            <a:spLocks noGrp="1" noRot="1" noChangeAspect="1"/>
+          </p:cNvSpPr>
+          <p:nvPr>
+            <p:ph type="sldImg"/>
+          </p:nvPr>
+        </p:nvSpPr>
+        <p:spPr/>
+      </p:sp>
+      <p:sp>
+        <p:nvSpPr>
+          <p:cNvPr id="3" name="Заметки 2"/>
+          <p:cNvSpPr>
+            <a:spLocks noGrp="1"/>
+          </p:cNvSpPr>
+          <p:nvPr>
+            <p:ph type="body" idx="1"/>
+          </p:nvPr>
+        </p:nvSpPr>
+        <p:spPr/>
+        <p:txBody>
+          <a:bodyPr/>
+          <a:lstStyle/>
+          <a:p>
+            <a:pPr marL="228600" indent="-228600">
+              <a:buAutoNum type="arabicPeriod"/>
+            </a:pPr>
+            <a:r>
+              <a:rPr lang="ru-RU" baseline="0" dirty="0" smtClean="0"/>
+              <a:t>Визуальное представление</a:t>
+            </a:r>
+            <a:endParaRPr lang="en-US" baseline="0" dirty="0" smtClean="0"/>
+          </a:p>
+          <a:p>
+            <a:pPr marL="228600" indent="-228600">
+              <a:buAutoNum type="arabicPeriod"/>
+            </a:pPr>
+            <a:r>
+              <a:rPr lang="ru-RU" dirty="0" smtClean="0"/>
+              <a:t>Также</a:t>
+            </a:r>
+            <a:r>
+              <a:rPr lang="ru-RU" baseline="0" dirty="0" smtClean="0"/>
+              <a:t> возможно переопределение свойств. Свойство потомка должно быть совместимым со свойством родителя (объяснить почему)*</a:t>
+            </a:r>
+          </a:p>
+          <a:p>
+            <a:pPr marL="228600" indent="-228600">
+              <a:buAutoNum type="arabicPeriod"/>
+            </a:pPr>
+            <a:r>
+              <a:rPr lang="ru-RU" dirty="0" smtClean="0"/>
+              <a:t>Рассказать</a:t>
+            </a:r>
+            <a:r>
+              <a:rPr lang="ru-RU" baseline="0" dirty="0" smtClean="0"/>
+              <a:t> про </a:t>
+            </a:r>
+            <a:r>
+              <a:rPr lang="en-US" baseline="0" dirty="0" smtClean="0"/>
+              <a:t>type assertion Animal as Dog </a:t>
+            </a:r>
+            <a:r>
+              <a:rPr lang="ru-RU" baseline="0" dirty="0" smtClean="0"/>
+              <a:t>и </a:t>
+            </a:r>
+            <a:r>
+              <a:rPr lang="en-US" baseline="0" dirty="0" smtClean="0"/>
+              <a:t>Dog as Animal</a:t>
+            </a:r>
+            <a:r>
+              <a:rPr lang="ru-RU" baseline="0" dirty="0" smtClean="0"/>
+              <a:t>*</a:t>
+            </a:r>
+            <a:endParaRPr lang="en-US" baseline="0" dirty="0" smtClean="0"/>
+          </a:p>
+          <a:p>
+            <a:pPr marL="228600" indent="-228600">
+              <a:buAutoNum type="arabicPeriod"/>
+            </a:pPr>
+            <a:r>
+              <a:rPr lang="ru-RU" dirty="0" smtClean="0"/>
+              <a:t>Показать</a:t>
+            </a:r>
+            <a:r>
+              <a:rPr lang="ru-RU" baseline="0" dirty="0" smtClean="0"/>
+              <a:t> более чёткое различие между восприятием </a:t>
+            </a:r>
+            <a:r>
+              <a:rPr lang="en-US" baseline="0" dirty="0" err="1" smtClean="0"/>
+              <a:t>TypeScript</a:t>
+            </a:r>
+            <a:r>
+              <a:rPr lang="en-US" baseline="0" dirty="0" smtClean="0"/>
+              <a:t> </a:t>
+            </a:r>
+            <a:r>
+              <a:rPr lang="ru-RU" baseline="0" dirty="0" smtClean="0"/>
+              <a:t>наследования (т. к. это структурная типизация)*</a:t>
+            </a:r>
+          </a:p>
+          <a:p>
+            <a:pPr marL="228600" indent="-228600">
+              <a:buAutoNum type="arabicPeriod"/>
+            </a:pPr>
+            <a:endParaRPr lang="ru-RU" baseline="0" dirty="0" smtClean="0"/>
+          </a:p>
+          <a:p>
+            <a:pPr marL="228600" indent="-228600">
+              <a:buAutoNum type="arabicPeriod"/>
+            </a:pPr>
+            <a:r>
+              <a:rPr lang="ru-RU" baseline="0" dirty="0" smtClean="0"/>
+              <a:t>Задание - </a:t>
+            </a:r>
+            <a:r>
+              <a:rPr lang="ru-RU" sz="1200" b="0" i="0" kern="1200" dirty="0" smtClean="0">
+                <a:solidFill>
+                  <a:schemeClr val="tx1"/>
+                </a:solidFill>
+                <a:effectLst/>
+                <a:latin typeface="+mn-lt"/>
+                <a:ea typeface="+mn-ea"/>
+                <a:cs typeface="+mn-cs"/>
+              </a:rPr>
+              <a:t>написать функцию </a:t>
+            </a:r>
+            <a:r>
+              <a:rPr lang="ru-RU" sz="1200" b="0" i="0" kern="1200" dirty="0" err="1" smtClean="0">
+                <a:solidFill>
+                  <a:schemeClr val="tx1"/>
+                </a:solidFill>
+                <a:effectLst/>
+                <a:latin typeface="+mn-lt"/>
+                <a:ea typeface="+mn-ea"/>
+                <a:cs typeface="+mn-cs"/>
+              </a:rPr>
+              <a:t>логирования</a:t>
+            </a:r>
+            <a:r>
+              <a:rPr lang="ru-RU" sz="1200" b="0" i="0" kern="1200" dirty="0" smtClean="0">
+                <a:solidFill>
+                  <a:schemeClr val="tx1"/>
+                </a:solidFill>
+                <a:effectLst/>
+                <a:latin typeface="+mn-lt"/>
+                <a:ea typeface="+mn-ea"/>
+                <a:cs typeface="+mn-cs"/>
+              </a:rPr>
+              <a:t> животного и аналогичную функцию для питомца. Попробовать передать объекты разных интерфейсов к разным функциям.</a:t>
+            </a:r>
+            <a:endParaRPr lang="ru-RU" dirty="0"/>
+          </a:p>
+        </p:txBody>
+      </p:sp>
+      <p:sp>
+        <p:nvSpPr>
+          <p:cNvPr id="4" name="Номер слайда 3"/>
+          <p:cNvSpPr>
+            <a:spLocks noGrp="1"/>
+          </p:cNvSpPr>
+          <p:nvPr>
+            <p:ph type="sldNum" sz="quarter" idx="10"/>
+          </p:nvPr>
+        </p:nvSpPr>
+        <p:spPr/>
+        <p:txBody>
+          <a:bodyPr/>
+          <a:lstStyle/>
+          <a:p>
+            <a:fld id="{622F1C9E-D65E-417E-9FEF-9AD7ACC20294}" type="slidenum">
+              <a:rPr lang="ru-RU" smtClean="0"/>
+              <a:t>62</a:t>
+            </a:fld>
+            <a:endParaRPr lang="ru-RU"/>
+          </a:p>
+        </p:txBody>
+      </p:sp>
+    </p:spTree>
+    <p:extLst>
+      <p:ext uri="{BB962C8B-B14F-4D97-AF65-F5344CB8AC3E}">
+        <p14:creationId xmlns:p14="http://schemas.microsoft.com/office/powerpoint/2010/main" val="188899167"/>
+      </p:ext>
+    </p:extLst>
+  </p:cSld>
+  <p:clrMapOvr>
+    <a:masterClrMapping/>
+  </p:clrMapOvr>
+</p:notes>
+</file>
+
+<file path=ppt/notesSlides/notesSlide3.xml><?xml version="1.0" encoding="utf-8"?>
+<p:notes xmlns:a="http://schemas.openxmlformats.org/drawingml/2006/main" xmlns:r="http://schemas.openxmlformats.org/officeDocument/2006/relationships" xmlns:p="http://schemas.openxmlformats.org/presentationml/2006/main">
+  <p:cSld>
+    <p:spTree>
+      <p:nvGrpSpPr>
+        <p:cNvPr id="1" name=""/>
+        <p:cNvGrpSpPr/>
+        <p:nvPr/>
+      </p:nvGrpSpPr>
+      <p:grpSpPr>
+        <a:xfrm>
+          <a:off x="0" y="0"/>
+          <a:ext cx="0" cy="0"/>
+          <a:chOff x="0" y="0"/>
+          <a:chExt cx="0" cy="0"/>
+        </a:xfrm>
+      </p:grpSpPr>
+      <p:sp>
+        <p:nvSpPr>
+          <p:cNvPr id="2" name="Образ слайда 1"/>
+          <p:cNvSpPr>
+            <a:spLocks noGrp="1" noRot="1" noChangeAspect="1"/>
+          </p:cNvSpPr>
+          <p:nvPr>
+            <p:ph type="sldImg"/>
+          </p:nvPr>
+        </p:nvSpPr>
+        <p:spPr/>
+      </p:sp>
+      <p:sp>
+        <p:nvSpPr>
+          <p:cNvPr id="3" name="Заметки 2"/>
+          <p:cNvSpPr>
+            <a:spLocks noGrp="1"/>
+          </p:cNvSpPr>
+          <p:nvPr>
+            <p:ph type="body" idx="1"/>
+          </p:nvPr>
+        </p:nvSpPr>
+        <p:spPr/>
+        <p:txBody>
+          <a:bodyPr/>
+          <a:lstStyle/>
+          <a:p>
+            <a:pPr marL="228600" indent="-228600">
+              <a:buAutoNum type="arabicPeriod"/>
+            </a:pPr>
+            <a:r>
+              <a:rPr lang="ru-RU" dirty="0" smtClean="0"/>
+              <a:t>Ввиду</a:t>
+            </a:r>
+            <a:r>
+              <a:rPr lang="ru-RU" baseline="0" dirty="0" smtClean="0"/>
+              <a:t> динамической природы языка </a:t>
+            </a:r>
+            <a:r>
+              <a:rPr lang="en-US" baseline="0" dirty="0" smtClean="0"/>
+              <a:t>JS</a:t>
+            </a:r>
+            <a:r>
+              <a:rPr lang="ru-RU" baseline="0" dirty="0" smtClean="0"/>
+              <a:t> есть гибридные типы</a:t>
+            </a:r>
+          </a:p>
+          <a:p>
+            <a:pPr marL="228600" indent="-228600">
+              <a:buAutoNum type="arabicPeriod"/>
+            </a:pPr>
+            <a:r>
+              <a:rPr lang="ru-RU" sz="1200" b="0" i="0" kern="1200" dirty="0" smtClean="0">
+                <a:solidFill>
+                  <a:schemeClr val="tx1"/>
+                </a:solidFill>
+                <a:effectLst/>
+                <a:latin typeface="+mn-lt"/>
+                <a:ea typeface="+mn-ea"/>
+                <a:cs typeface="+mn-cs"/>
+              </a:rPr>
+              <a:t>Одним из таких примеров будет объект, который ведет себя одновременно и как функция и как объект с дополнительными свойствами*</a:t>
+            </a:r>
+          </a:p>
+          <a:p>
+            <a:pPr rtl="0" fontAlgn="base"/>
+            <a:endParaRPr lang="ru-RU" sz="1200" b="0" i="0" kern="1200" dirty="0" smtClean="0">
+              <a:solidFill>
+                <a:schemeClr val="tx1"/>
+              </a:solidFill>
+              <a:effectLst/>
+              <a:latin typeface="+mn-lt"/>
+              <a:ea typeface="+mn-ea"/>
+              <a:cs typeface="+mn-cs"/>
+            </a:endParaRPr>
+          </a:p>
+          <a:p>
+            <a:pPr rtl="0" fontAlgn="base"/>
+            <a:r>
+              <a:rPr lang="ru-RU" sz="1200" b="0" i="0" kern="1200" dirty="0" smtClean="0">
+                <a:solidFill>
+                  <a:schemeClr val="tx1"/>
+                </a:solidFill>
+                <a:effectLst/>
+                <a:latin typeface="+mn-lt"/>
+                <a:ea typeface="+mn-ea"/>
+                <a:cs typeface="+mn-cs"/>
+              </a:rPr>
+              <a:t>Задание: переделать пример с </a:t>
+            </a:r>
+            <a:r>
+              <a:rPr lang="ru-RU" sz="1200" b="0" i="0" kern="1200" dirty="0" err="1" smtClean="0">
+                <a:solidFill>
+                  <a:schemeClr val="tx1"/>
+                </a:solidFill>
+                <a:effectLst/>
+                <a:latin typeface="+mn-lt"/>
+                <a:ea typeface="+mn-ea"/>
+                <a:cs typeface="+mn-cs"/>
+              </a:rPr>
+              <a:t>мемоизацией</a:t>
+            </a:r>
+            <a:r>
+              <a:rPr lang="ru-RU" sz="1200" b="0" i="0" kern="1200" dirty="0" smtClean="0">
+                <a:solidFill>
+                  <a:schemeClr val="tx1"/>
+                </a:solidFill>
+                <a:effectLst/>
+                <a:latin typeface="+mn-lt"/>
+                <a:ea typeface="+mn-ea"/>
+                <a:cs typeface="+mn-cs"/>
+              </a:rPr>
+              <a:t>. Добавить возможность сброса </a:t>
+            </a:r>
+            <a:r>
+              <a:rPr lang="ru-RU" sz="1200" b="0" i="0" kern="1200" dirty="0" err="1" smtClean="0">
+                <a:solidFill>
+                  <a:schemeClr val="tx1"/>
+                </a:solidFill>
+                <a:effectLst/>
+                <a:latin typeface="+mn-lt"/>
+                <a:ea typeface="+mn-ea"/>
+                <a:cs typeface="+mn-cs"/>
+              </a:rPr>
+              <a:t>хеша</a:t>
+            </a:r>
+            <a:r>
+              <a:rPr lang="ru-RU" sz="1200" b="0" i="0" kern="1200" dirty="0" smtClean="0">
+                <a:solidFill>
+                  <a:schemeClr val="tx1"/>
+                </a:solidFill>
+                <a:effectLst/>
+                <a:latin typeface="+mn-lt"/>
+                <a:ea typeface="+mn-ea"/>
+                <a:cs typeface="+mn-cs"/>
+              </a:rPr>
+              <a:t>. </a:t>
+            </a:r>
+          </a:p>
+          <a:p>
+            <a:pPr rtl="0" fontAlgn="base"/>
+            <a:endParaRPr lang="ru-RU" sz="1200" b="0" i="0" kern="1200" dirty="0" smtClean="0">
+              <a:solidFill>
+                <a:schemeClr val="tx1"/>
+              </a:solidFill>
+              <a:effectLst/>
+              <a:latin typeface="+mn-lt"/>
+              <a:ea typeface="+mn-ea"/>
+              <a:cs typeface="+mn-cs"/>
+            </a:endParaRPr>
+          </a:p>
+          <a:p>
+            <a:pPr rtl="0" fontAlgn="base"/>
+            <a:r>
+              <a:rPr lang="ru-RU" sz="1200" b="0" i="0" kern="1200" dirty="0" smtClean="0">
+                <a:solidFill>
+                  <a:schemeClr val="tx1"/>
+                </a:solidFill>
+                <a:effectLst/>
+                <a:latin typeface="+mn-lt"/>
+                <a:ea typeface="+mn-ea"/>
+                <a:cs typeface="+mn-cs"/>
+              </a:rPr>
+              <a:t>Задание со </a:t>
+            </a:r>
+            <a:r>
+              <a:rPr lang="ru-RU" sz="1200" b="0" i="0" kern="1200" dirty="0" err="1" smtClean="0">
+                <a:solidFill>
+                  <a:schemeClr val="tx1"/>
+                </a:solidFill>
+                <a:effectLst/>
+                <a:latin typeface="+mn-lt"/>
+                <a:ea typeface="+mn-ea"/>
+                <a:cs typeface="+mn-cs"/>
+              </a:rPr>
+              <a:t>зведочкой</a:t>
+            </a:r>
+            <a:r>
+              <a:rPr lang="ru-RU" sz="1200" b="0" i="0" kern="1200" dirty="0" smtClean="0">
+                <a:solidFill>
+                  <a:schemeClr val="tx1"/>
+                </a:solidFill>
+                <a:effectLst/>
+                <a:latin typeface="+mn-lt"/>
+                <a:ea typeface="+mn-ea"/>
+                <a:cs typeface="+mn-cs"/>
+              </a:rPr>
+              <a:t>: реализовать </a:t>
+            </a:r>
+            <a:r>
+              <a:rPr lang="ru-RU" sz="1200" b="0" i="0" kern="1200" dirty="0" err="1" smtClean="0">
+                <a:solidFill>
+                  <a:schemeClr val="tx1"/>
+                </a:solidFill>
+                <a:effectLst/>
+                <a:latin typeface="+mn-lt"/>
+                <a:ea typeface="+mn-ea"/>
+                <a:cs typeface="+mn-cs"/>
+              </a:rPr>
+              <a:t>моковую</a:t>
+            </a:r>
+            <a:r>
+              <a:rPr lang="ru-RU" sz="1200" b="0" i="0" kern="1200" dirty="0" smtClean="0">
+                <a:solidFill>
+                  <a:schemeClr val="tx1"/>
+                </a:solidFill>
+                <a:effectLst/>
+                <a:latin typeface="+mn-lt"/>
+                <a:ea typeface="+mn-ea"/>
+                <a:cs typeface="+mn-cs"/>
+              </a:rPr>
+              <a:t> функцию </a:t>
+            </a:r>
+            <a:r>
+              <a:rPr lang="ru-RU" sz="1200" b="0" i="0" kern="1200" dirty="0" err="1" smtClean="0">
+                <a:solidFill>
+                  <a:schemeClr val="tx1"/>
+                </a:solidFill>
+                <a:effectLst/>
+                <a:latin typeface="+mn-lt"/>
+                <a:ea typeface="+mn-ea"/>
+                <a:cs typeface="+mn-cs"/>
+              </a:rPr>
+              <a:t>spy</a:t>
+            </a:r>
+            <a:r>
+              <a:rPr lang="ru-RU" sz="1200" b="0" i="0" kern="1200" dirty="0" smtClean="0">
+                <a:solidFill>
+                  <a:schemeClr val="tx1"/>
+                </a:solidFill>
+                <a:effectLst/>
+                <a:latin typeface="+mn-lt"/>
+                <a:ea typeface="+mn-ea"/>
+                <a:cs typeface="+mn-cs"/>
+              </a:rPr>
+              <a:t>. </a:t>
+            </a:r>
+          </a:p>
+          <a:p>
+            <a:pPr marL="228600" indent="-228600">
+              <a:buAutoNum type="arabicPeriod"/>
+            </a:pPr>
+            <a:endParaRPr lang="ru-RU" dirty="0"/>
+          </a:p>
+        </p:txBody>
+      </p:sp>
+      <p:sp>
+        <p:nvSpPr>
+          <p:cNvPr id="4" name="Номер слайда 3"/>
+          <p:cNvSpPr>
+            <a:spLocks noGrp="1"/>
+          </p:cNvSpPr>
+          <p:nvPr>
+            <p:ph type="sldNum" sz="quarter" idx="10"/>
+          </p:nvPr>
+        </p:nvSpPr>
+        <p:spPr/>
+        <p:txBody>
+          <a:bodyPr/>
+          <a:lstStyle/>
+          <a:p>
+            <a:pPr marL="0" marR="0" lvl="0" indent="0" algn="r" defTabSz="914400" rtl="0" eaLnBrk="1" fontAlgn="auto" latinLnBrk="0" hangingPunct="1">
+              <a:lnSpc>
+                <a:spcPct val="100000"/>
+              </a:lnSpc>
+              <a:spcBef>
+                <a:spcPts val="0"/>
+              </a:spcBef>
+              <a:spcAft>
+                <a:spcPts val="0"/>
+              </a:spcAft>
+              <a:buClrTx/>
+              <a:buSzTx/>
+              <a:buFontTx/>
+              <a:buNone/>
+              <a:tabLst/>
+              <a:defRPr/>
+            </a:pPr>
+            <a:fld id="{622F1C9E-D65E-417E-9FEF-9AD7ACC20294}" type="slidenum">
+              <a:rPr kumimoji="0" lang="ru-RU" sz="1200" b="0" i="0" u="none" strike="noStrike" kern="1200" cap="none" spc="0" normalizeH="0" baseline="0" noProof="0" smtClean="0">
+                <a:ln>
+                  <a:noFill/>
+                </a:ln>
+                <a:solidFill>
+                  <a:prstClr val="black"/>
+                </a:solidFill>
+                <a:effectLst/>
+                <a:uLnTx/>
+                <a:uFillTx/>
+                <a:latin typeface="Calibri" panose="020F0502020204030204"/>
+                <a:ea typeface="+mn-ea"/>
+                <a:cs typeface="+mn-cs"/>
+              </a:rPr>
+              <a:pPr marL="0" marR="0" lvl="0" indent="0" algn="r" defTabSz="914400" rtl="0" eaLnBrk="1" fontAlgn="auto" latinLnBrk="0" hangingPunct="1">
+                <a:lnSpc>
+                  <a:spcPct val="100000"/>
+                </a:lnSpc>
+                <a:spcBef>
+                  <a:spcPts val="0"/>
+                </a:spcBef>
+                <a:spcAft>
+                  <a:spcPts val="0"/>
+                </a:spcAft>
+                <a:buClrTx/>
+                <a:buSzTx/>
+                <a:buFontTx/>
+                <a:buNone/>
+                <a:tabLst/>
+                <a:defRPr/>
+              </a:pPr>
+              <a:t>63</a:t>
+            </a:fld>
+            <a:endParaRPr kumimoji="0" lang="ru-RU" sz="1200" b="0" i="0" u="none" strike="noStrike" kern="1200" cap="none" spc="0" normalizeH="0" baseline="0" noProof="0">
+              <a:ln>
+                <a:noFill/>
+              </a:ln>
+              <a:solidFill>
+                <a:prstClr val="black"/>
+              </a:solidFill>
+              <a:effectLst/>
+              <a:uLnTx/>
+              <a:uFillTx/>
+              <a:latin typeface="Calibri" panose="020F0502020204030204"/>
+              <a:ea typeface="+mn-ea"/>
+              <a:cs typeface="+mn-cs"/>
+            </a:endParaRPr>
+          </a:p>
+        </p:txBody>
+      </p:sp>
+    </p:spTree>
+    <p:extLst>
+      <p:ext uri="{BB962C8B-B14F-4D97-AF65-F5344CB8AC3E}">
+        <p14:creationId xmlns:p14="http://schemas.microsoft.com/office/powerpoint/2010/main" val="666065485"/>
+      </p:ext>
+    </p:extLst>
+  </p:cSld>
+  <p:clrMapOvr>
+    <a:masterClrMapping/>
+  </p:clrMapOvr>
+</p:notes>
+</file>
+
+<file path=ppt/notesSlides/notesSlide4.xml><?xml version="1.0" encoding="utf-8"?>
+<p:notes xmlns:a="http://schemas.openxmlformats.org/drawingml/2006/main" xmlns:r="http://schemas.openxmlformats.org/officeDocument/2006/relationships" xmlns:p="http://schemas.openxmlformats.org/presentationml/2006/main">
+  <p:cSld>
+    <p:spTree>
+      <p:nvGrpSpPr>
+        <p:cNvPr id="1" name=""/>
+        <p:cNvGrpSpPr/>
+        <p:nvPr/>
+      </p:nvGrpSpPr>
+      <p:grpSpPr>
+        <a:xfrm>
+          <a:off x="0" y="0"/>
+          <a:ext cx="0" cy="0"/>
+          <a:chOff x="0" y="0"/>
+          <a:chExt cx="0" cy="0"/>
+        </a:xfrm>
+      </p:grpSpPr>
+      <p:sp>
+        <p:nvSpPr>
+          <p:cNvPr id="2" name="Образ слайда 1"/>
+          <p:cNvSpPr>
+            <a:spLocks noGrp="1" noRot="1" noChangeAspect="1"/>
+          </p:cNvSpPr>
+          <p:nvPr>
+            <p:ph type="sldImg"/>
+          </p:nvPr>
+        </p:nvSpPr>
+        <p:spPr/>
+      </p:sp>
+      <p:sp>
+        <p:nvSpPr>
+          <p:cNvPr id="3" name="Заметки 2"/>
+          <p:cNvSpPr>
+            <a:spLocks noGrp="1"/>
+          </p:cNvSpPr>
+          <p:nvPr>
+            <p:ph type="body" idx="1"/>
+          </p:nvPr>
+        </p:nvSpPr>
+        <p:spPr/>
+        <p:txBody>
+          <a:bodyPr/>
+          <a:lstStyle/>
+          <a:p>
+            <a:pPr marL="228600" indent="-228600">
+              <a:buAutoNum type="arabicPeriod"/>
+            </a:pPr>
+            <a:r>
+              <a:rPr lang="ru-RU" sz="1200" b="0" i="0" kern="1200" dirty="0" smtClean="0">
+                <a:solidFill>
+                  <a:schemeClr val="tx1"/>
+                </a:solidFill>
+                <a:effectLst/>
+                <a:latin typeface="+mn-lt"/>
+                <a:ea typeface="+mn-ea"/>
+                <a:cs typeface="+mn-cs"/>
+              </a:rPr>
+              <a:t>Помимо наследования от других интерфейсов, последние также способны наследоваться и от классов</a:t>
+            </a:r>
+            <a:endParaRPr lang="en-US" sz="1200" b="0" i="0" kern="1200" dirty="0" smtClean="0">
+              <a:solidFill>
+                <a:schemeClr val="tx1"/>
+              </a:solidFill>
+              <a:effectLst/>
+              <a:latin typeface="+mn-lt"/>
+              <a:ea typeface="+mn-ea"/>
+              <a:cs typeface="+mn-cs"/>
+            </a:endParaRPr>
+          </a:p>
+          <a:p>
+            <a:pPr marL="228600" indent="-228600">
+              <a:buAutoNum type="arabicPeriod"/>
+            </a:pPr>
+            <a:r>
+              <a:rPr lang="ru-RU" dirty="0" smtClean="0"/>
+              <a:t>Приватные</a:t>
+            </a:r>
+            <a:r>
+              <a:rPr lang="ru-RU" baseline="0" dirty="0" smtClean="0"/>
+              <a:t> члены также наследуются (интерфейс может быть реализован только самим наследником)</a:t>
+            </a:r>
+          </a:p>
+          <a:p>
+            <a:pPr marL="228600" indent="-228600">
+              <a:buAutoNum type="arabicPeriod"/>
+            </a:pPr>
+            <a:r>
+              <a:rPr lang="ru-RU" baseline="0" dirty="0" smtClean="0"/>
+              <a:t>Таким образом достигается более строгая типизация и более конкретный контракт*</a:t>
+            </a:r>
+          </a:p>
+          <a:p>
+            <a:pPr marL="228600" indent="-228600">
+              <a:buAutoNum type="arabicPeriod"/>
+            </a:pPr>
+            <a:r>
+              <a:rPr lang="ru-RU" baseline="0" dirty="0" smtClean="0"/>
+              <a:t>Минусы</a:t>
+            </a:r>
+            <a:r>
+              <a:rPr lang="en-US" baseline="0" dirty="0" smtClean="0"/>
+              <a:t>:</a:t>
+            </a:r>
+          </a:p>
+          <a:p>
+            <a:pPr marL="228600" indent="-228600">
+              <a:buAutoNum type="arabicPeriod"/>
+            </a:pPr>
+            <a:r>
+              <a:rPr lang="ru-RU" sz="1200" b="0" i="0" kern="1200" dirty="0" smtClean="0">
+                <a:solidFill>
+                  <a:schemeClr val="tx1"/>
+                </a:solidFill>
+                <a:effectLst/>
+                <a:latin typeface="+mn-lt"/>
+                <a:ea typeface="+mn-ea"/>
+                <a:cs typeface="+mn-cs"/>
+              </a:rPr>
+              <a:t>Повышение </a:t>
+            </a:r>
+            <a:r>
+              <a:rPr lang="ru-RU" sz="1200" b="0" i="0" kern="1200" dirty="0" err="1" smtClean="0">
+                <a:solidFill>
+                  <a:schemeClr val="tx1"/>
+                </a:solidFill>
+                <a:effectLst/>
+                <a:latin typeface="+mn-lt"/>
+                <a:ea typeface="+mn-ea"/>
+                <a:cs typeface="+mn-cs"/>
+              </a:rPr>
+              <a:t>связаности</a:t>
+            </a:r>
+            <a:r>
+              <a:rPr lang="ru-RU" sz="1200" b="0" i="0" kern="1200" dirty="0" smtClean="0">
+                <a:solidFill>
+                  <a:schemeClr val="tx1"/>
+                </a:solidFill>
+                <a:effectLst/>
+                <a:latin typeface="+mn-lt"/>
+                <a:ea typeface="+mn-ea"/>
+                <a:cs typeface="+mn-cs"/>
+              </a:rPr>
+              <a:t> кода</a:t>
+            </a:r>
+            <a:endParaRPr lang="en-US" sz="1200" b="0" i="0" kern="1200" dirty="0" smtClean="0">
+              <a:solidFill>
+                <a:schemeClr val="tx1"/>
+              </a:solidFill>
+              <a:effectLst/>
+              <a:latin typeface="+mn-lt"/>
+              <a:ea typeface="+mn-ea"/>
+              <a:cs typeface="+mn-cs"/>
+            </a:endParaRPr>
+          </a:p>
+          <a:p>
+            <a:pPr marL="228600" indent="-228600">
+              <a:buAutoNum type="arabicPeriod"/>
+            </a:pPr>
+            <a:r>
+              <a:rPr lang="ru-RU" sz="1200" b="0" i="0" kern="1200" dirty="0" smtClean="0">
+                <a:solidFill>
+                  <a:schemeClr val="tx1"/>
+                </a:solidFill>
+                <a:effectLst/>
+                <a:latin typeface="+mn-lt"/>
+                <a:ea typeface="+mn-ea"/>
+                <a:cs typeface="+mn-cs"/>
+              </a:rPr>
+              <a:t>Нарушение инкапсуляции</a:t>
+            </a:r>
+            <a:endParaRPr lang="en-US" sz="1200" b="0" i="0" kern="1200" dirty="0" smtClean="0">
+              <a:solidFill>
+                <a:schemeClr val="tx1"/>
+              </a:solidFill>
+              <a:effectLst/>
+              <a:latin typeface="+mn-lt"/>
+              <a:ea typeface="+mn-ea"/>
+              <a:cs typeface="+mn-cs"/>
+            </a:endParaRPr>
+          </a:p>
+          <a:p>
+            <a:pPr marL="228600" indent="-228600">
+              <a:buAutoNum type="arabicPeriod"/>
+            </a:pPr>
+            <a:r>
+              <a:rPr lang="ru-RU" sz="1200" b="0" i="0" kern="1200" dirty="0" smtClean="0">
+                <a:solidFill>
+                  <a:schemeClr val="tx1"/>
+                </a:solidFill>
+                <a:effectLst/>
+                <a:latin typeface="+mn-lt"/>
+                <a:ea typeface="+mn-ea"/>
+                <a:cs typeface="+mn-cs"/>
+              </a:rPr>
+              <a:t>Связь на конкретную реализацию (базовый класс)</a:t>
+            </a:r>
+            <a:endParaRPr lang="ru-RU" dirty="0"/>
+          </a:p>
+        </p:txBody>
+      </p:sp>
+      <p:sp>
+        <p:nvSpPr>
+          <p:cNvPr id="4" name="Номер слайда 3"/>
+          <p:cNvSpPr>
+            <a:spLocks noGrp="1"/>
+          </p:cNvSpPr>
+          <p:nvPr>
+            <p:ph type="sldNum" sz="quarter" idx="10"/>
+          </p:nvPr>
+        </p:nvSpPr>
+        <p:spPr/>
+        <p:txBody>
+          <a:bodyPr/>
+          <a:lstStyle/>
+          <a:p>
+            <a:pPr marL="0" marR="0" lvl="0" indent="0" algn="r" defTabSz="914400" rtl="0" eaLnBrk="1" fontAlgn="auto" latinLnBrk="0" hangingPunct="1">
+              <a:lnSpc>
+                <a:spcPct val="100000"/>
+              </a:lnSpc>
+              <a:spcBef>
+                <a:spcPts val="0"/>
+              </a:spcBef>
+              <a:spcAft>
+                <a:spcPts val="0"/>
+              </a:spcAft>
+              <a:buClrTx/>
+              <a:buSzTx/>
+              <a:buFontTx/>
+              <a:buNone/>
+              <a:tabLst/>
+              <a:defRPr/>
+            </a:pPr>
+            <a:fld id="{622F1C9E-D65E-417E-9FEF-9AD7ACC20294}" type="slidenum">
+              <a:rPr kumimoji="0" lang="ru-RU" sz="1200" b="0" i="0" u="none" strike="noStrike" kern="1200" cap="none" spc="0" normalizeH="0" baseline="0" noProof="0" smtClean="0">
+                <a:ln>
+                  <a:noFill/>
+                </a:ln>
+                <a:solidFill>
+                  <a:prstClr val="black"/>
+                </a:solidFill>
+                <a:effectLst/>
+                <a:uLnTx/>
+                <a:uFillTx/>
+                <a:latin typeface="Calibri" panose="020F0502020204030204"/>
+                <a:ea typeface="+mn-ea"/>
+                <a:cs typeface="+mn-cs"/>
+              </a:rPr>
+              <a:pPr marL="0" marR="0" lvl="0" indent="0" algn="r" defTabSz="914400" rtl="0" eaLnBrk="1" fontAlgn="auto" latinLnBrk="0" hangingPunct="1">
+                <a:lnSpc>
+                  <a:spcPct val="100000"/>
+                </a:lnSpc>
+                <a:spcBef>
+                  <a:spcPts val="0"/>
+                </a:spcBef>
+                <a:spcAft>
+                  <a:spcPts val="0"/>
+                </a:spcAft>
+                <a:buClrTx/>
+                <a:buSzTx/>
+                <a:buFontTx/>
+                <a:buNone/>
+                <a:tabLst/>
+                <a:defRPr/>
+              </a:pPr>
+              <a:t>64</a:t>
+            </a:fld>
+            <a:endParaRPr kumimoji="0" lang="ru-RU" sz="1200" b="0" i="0" u="none" strike="noStrike" kern="1200" cap="none" spc="0" normalizeH="0" baseline="0" noProof="0">
+              <a:ln>
+                <a:noFill/>
+              </a:ln>
+              <a:solidFill>
+                <a:prstClr val="black"/>
+              </a:solidFill>
+              <a:effectLst/>
+              <a:uLnTx/>
+              <a:uFillTx/>
+              <a:latin typeface="Calibri" panose="020F0502020204030204"/>
+              <a:ea typeface="+mn-ea"/>
+              <a:cs typeface="+mn-cs"/>
+            </a:endParaRPr>
+          </a:p>
+        </p:txBody>
+      </p:sp>
+    </p:spTree>
+    <p:extLst>
+      <p:ext uri="{BB962C8B-B14F-4D97-AF65-F5344CB8AC3E}">
+        <p14:creationId xmlns:p14="http://schemas.microsoft.com/office/powerpoint/2010/main" val="945720133"/>
+      </p:ext>
+    </p:extLst>
+  </p:cSld>
+  <p:clrMapOvr>
+    <a:masterClrMapping/>
+  </p:clrMapOvr>
+</p:notes>
+</file>
+
+<file path=ppt/notesSlides/notesSlide5.xml><?xml version="1.0" encoding="utf-8"?>
+<p:notes xmlns:a="http://schemas.openxmlformats.org/drawingml/2006/main" xmlns:r="http://schemas.openxmlformats.org/officeDocument/2006/relationships" xmlns:p="http://schemas.openxmlformats.org/presentationml/2006/main">
+  <p:cSld>
+    <p:spTree>
+      <p:nvGrpSpPr>
+        <p:cNvPr id="1" name=""/>
+        <p:cNvGrpSpPr/>
+        <p:nvPr/>
+      </p:nvGrpSpPr>
+      <p:grpSpPr>
+        <a:xfrm>
+          <a:off x="0" y="0"/>
+          <a:ext cx="0" cy="0"/>
+          <a:chOff x="0" y="0"/>
+          <a:chExt cx="0" cy="0"/>
+        </a:xfrm>
+      </p:grpSpPr>
+      <p:sp>
+        <p:nvSpPr>
+          <p:cNvPr id="2" name="Образ слайда 1"/>
+          <p:cNvSpPr>
+            <a:spLocks noGrp="1" noRot="1" noChangeAspect="1"/>
+          </p:cNvSpPr>
+          <p:nvPr>
+            <p:ph type="sldImg"/>
+          </p:nvPr>
+        </p:nvSpPr>
+        <p:spPr/>
+      </p:sp>
+      <p:sp>
+        <p:nvSpPr>
+          <p:cNvPr id="3" name="Заметки 2"/>
+          <p:cNvSpPr>
+            <a:spLocks noGrp="1"/>
+          </p:cNvSpPr>
+          <p:nvPr>
+            <p:ph type="body" idx="1"/>
+          </p:nvPr>
+        </p:nvSpPr>
+        <p:spPr/>
+        <p:txBody>
+          <a:bodyPr/>
+          <a:lstStyle/>
+          <a:p>
+            <a:pPr marL="228600" indent="-228600">
+              <a:buAutoNum type="arabicPeriod"/>
+            </a:pPr>
+            <a:r>
+              <a:rPr lang="ru-RU" sz="1200" b="0" i="0" kern="1200" dirty="0" smtClean="0">
+                <a:solidFill>
+                  <a:schemeClr val="tx1"/>
+                </a:solidFill>
+                <a:effectLst/>
+                <a:latin typeface="+mn-lt"/>
+                <a:ea typeface="+mn-ea"/>
+                <a:cs typeface="+mn-cs"/>
+              </a:rPr>
+              <a:t>Урок</a:t>
+            </a:r>
+            <a:r>
+              <a:rPr lang="ru-RU" sz="1200" b="0" i="0" kern="1200" baseline="0" dirty="0" smtClean="0">
+                <a:solidFill>
+                  <a:schemeClr val="tx1"/>
+                </a:solidFill>
+                <a:effectLst/>
+                <a:latin typeface="+mn-lt"/>
+                <a:ea typeface="+mn-ea"/>
+                <a:cs typeface="+mn-cs"/>
+              </a:rPr>
+              <a:t> 8</a:t>
+            </a:r>
+            <a:endParaRPr lang="en-US" sz="1200" b="0" i="0" kern="1200" dirty="0" smtClean="0">
+              <a:solidFill>
+                <a:schemeClr val="tx1"/>
+              </a:solidFill>
+              <a:effectLst/>
+              <a:latin typeface="+mn-lt"/>
+              <a:ea typeface="+mn-ea"/>
+              <a:cs typeface="+mn-cs"/>
+            </a:endParaRPr>
+          </a:p>
+          <a:p>
+            <a:pPr marL="228600" indent="-228600">
+              <a:buAutoNum type="arabicPeriod"/>
+            </a:pPr>
+            <a:r>
+              <a:rPr lang="ru-RU" sz="1200" b="0" i="0" kern="1200" dirty="0" smtClean="0">
+                <a:solidFill>
+                  <a:schemeClr val="tx1"/>
+                </a:solidFill>
+                <a:effectLst/>
+                <a:latin typeface="+mn-lt"/>
+                <a:ea typeface="+mn-ea"/>
+                <a:cs typeface="+mn-cs"/>
+              </a:rPr>
+              <a:t>Функции — это фундаментальные кирпичики любого приложения на </a:t>
+            </a:r>
+            <a:r>
+              <a:rPr lang="ru-RU" sz="1200" b="0" i="0" kern="1200" dirty="0" err="1" smtClean="0">
+                <a:solidFill>
+                  <a:schemeClr val="tx1"/>
+                </a:solidFill>
+                <a:effectLst/>
+                <a:latin typeface="+mn-lt"/>
+                <a:ea typeface="+mn-ea"/>
+                <a:cs typeface="+mn-cs"/>
+              </a:rPr>
+              <a:t>JavaScript</a:t>
+            </a:r>
+            <a:endParaRPr lang="en-US" sz="1200" b="0" i="0" kern="1200" dirty="0" smtClean="0">
+              <a:solidFill>
+                <a:schemeClr val="tx1"/>
+              </a:solidFill>
+              <a:effectLst/>
+              <a:latin typeface="+mn-lt"/>
+              <a:ea typeface="+mn-ea"/>
+              <a:cs typeface="+mn-cs"/>
+            </a:endParaRPr>
+          </a:p>
+          <a:p>
+            <a:pPr marL="228600" indent="-228600">
+              <a:buAutoNum type="arabicPeriod"/>
+            </a:pPr>
+            <a:r>
+              <a:rPr lang="ru-RU" sz="1200" b="0" i="0" kern="1200" dirty="0" smtClean="0">
+                <a:solidFill>
+                  <a:schemeClr val="tx1"/>
+                </a:solidFill>
+                <a:effectLst/>
+                <a:latin typeface="+mn-lt"/>
+                <a:ea typeface="+mn-ea"/>
+                <a:cs typeface="+mn-cs"/>
+              </a:rPr>
+              <a:t>Они описывают то, как приложение делится на слои абстракций, они </a:t>
+            </a:r>
+            <a:r>
+              <a:rPr lang="ru-RU" sz="1200" b="0" i="0" kern="1200" dirty="0" err="1" smtClean="0">
+                <a:solidFill>
+                  <a:schemeClr val="tx1"/>
+                </a:solidFill>
+                <a:effectLst/>
+                <a:latin typeface="+mn-lt"/>
+                <a:ea typeface="+mn-ea"/>
+                <a:cs typeface="+mn-cs"/>
+              </a:rPr>
+              <a:t>мимикрируют</a:t>
+            </a:r>
+            <a:r>
+              <a:rPr lang="ru-RU" sz="1200" b="0" i="0" kern="1200" dirty="0" smtClean="0">
+                <a:solidFill>
+                  <a:schemeClr val="tx1"/>
+                </a:solidFill>
+                <a:effectLst/>
+                <a:latin typeface="+mn-lt"/>
+                <a:ea typeface="+mn-ea"/>
+                <a:cs typeface="+mn-cs"/>
+              </a:rPr>
+              <a:t> классы, скрывают поведения и реализуют модули</a:t>
+            </a:r>
+            <a:endParaRPr lang="en-US" sz="1200" b="0" i="0" kern="1200" dirty="0" smtClean="0">
+              <a:solidFill>
+                <a:schemeClr val="tx1"/>
+              </a:solidFill>
+              <a:effectLst/>
+              <a:latin typeface="+mn-lt"/>
+              <a:ea typeface="+mn-ea"/>
+              <a:cs typeface="+mn-cs"/>
+            </a:endParaRPr>
+          </a:p>
+          <a:p>
+            <a:pPr marL="228600" indent="-228600">
+              <a:buAutoNum type="arabicPeriod"/>
+            </a:pPr>
+            <a:r>
+              <a:rPr lang="ru-RU" sz="1200" b="0" i="0" kern="1200" dirty="0" smtClean="0">
+                <a:solidFill>
+                  <a:schemeClr val="tx1"/>
+                </a:solidFill>
+                <a:effectLst/>
+                <a:latin typeface="+mn-lt"/>
+                <a:ea typeface="+mn-ea"/>
+                <a:cs typeface="+mn-cs"/>
+              </a:rPr>
+              <a:t> В </a:t>
+            </a:r>
+            <a:r>
+              <a:rPr lang="ru-RU" sz="1200" b="0" i="0" kern="1200" dirty="0" err="1" smtClean="0">
+                <a:solidFill>
+                  <a:schemeClr val="tx1"/>
+                </a:solidFill>
+                <a:effectLst/>
+                <a:latin typeface="+mn-lt"/>
+                <a:ea typeface="+mn-ea"/>
+                <a:cs typeface="+mn-cs"/>
+              </a:rPr>
+              <a:t>TypeScript</a:t>
+            </a:r>
+            <a:r>
+              <a:rPr lang="ru-RU" sz="1200" b="0" i="0" kern="1200" dirty="0" smtClean="0">
+                <a:solidFill>
+                  <a:schemeClr val="tx1"/>
+                </a:solidFill>
+                <a:effectLst/>
+                <a:latin typeface="+mn-lt"/>
+                <a:ea typeface="+mn-ea"/>
+                <a:cs typeface="+mn-cs"/>
+              </a:rPr>
+              <a:t>, при наличии классов, пространств имен и модулей, функции занимают ключевую роль, особенно при описании конкретных реализаций. </a:t>
+            </a:r>
+            <a:r>
+              <a:rPr lang="ru-RU" sz="1200" b="0" i="0" kern="1200" dirty="0" err="1" smtClean="0">
+                <a:solidFill>
+                  <a:schemeClr val="tx1"/>
+                </a:solidFill>
+                <a:effectLst/>
+                <a:latin typeface="+mn-lt"/>
+                <a:ea typeface="+mn-ea"/>
+                <a:cs typeface="+mn-cs"/>
+              </a:rPr>
+              <a:t>TypeScript</a:t>
+            </a:r>
+            <a:r>
+              <a:rPr lang="ru-RU" sz="1200" b="0" i="0" kern="1200" dirty="0" smtClean="0">
+                <a:solidFill>
+                  <a:schemeClr val="tx1"/>
+                </a:solidFill>
+                <a:effectLst/>
+                <a:latin typeface="+mn-lt"/>
+                <a:ea typeface="+mn-ea"/>
+                <a:cs typeface="+mn-cs"/>
+              </a:rPr>
+              <a:t> также добавляет некоторые новые возможности к стандартным </a:t>
+            </a:r>
+            <a:r>
+              <a:rPr lang="ru-RU" sz="1200" b="0" i="0" kern="1200" dirty="0" err="1" smtClean="0">
+                <a:solidFill>
+                  <a:schemeClr val="tx1"/>
+                </a:solidFill>
+                <a:effectLst/>
+                <a:latin typeface="+mn-lt"/>
+                <a:ea typeface="+mn-ea"/>
+                <a:cs typeface="+mn-cs"/>
+              </a:rPr>
+              <a:t>JavaScript</a:t>
+            </a:r>
+            <a:r>
+              <a:rPr lang="ru-RU" sz="1200" b="0" i="0" kern="1200" dirty="0" smtClean="0">
+                <a:solidFill>
+                  <a:schemeClr val="tx1"/>
+                </a:solidFill>
+                <a:effectLst/>
+                <a:latin typeface="+mn-lt"/>
+                <a:ea typeface="+mn-ea"/>
+                <a:cs typeface="+mn-cs"/>
+              </a:rPr>
+              <a:t> функциям, делая работу с ними еще проще</a:t>
+            </a:r>
+            <a:endParaRPr lang="en-US" sz="1200" b="0" i="0" kern="1200" dirty="0" smtClean="0">
+              <a:solidFill>
+                <a:schemeClr val="tx1"/>
+              </a:solidFill>
+              <a:effectLst/>
+              <a:latin typeface="+mn-lt"/>
+              <a:ea typeface="+mn-ea"/>
+              <a:cs typeface="+mn-cs"/>
+            </a:endParaRPr>
+          </a:p>
+          <a:p>
+            <a:pPr marL="228600" indent="-228600">
+              <a:buAutoNum type="arabicPeriod"/>
+            </a:pPr>
+            <a:r>
+              <a:rPr lang="ru-RU" sz="1200" b="0" i="0" kern="1200" dirty="0" smtClean="0">
+                <a:solidFill>
+                  <a:schemeClr val="tx1"/>
+                </a:solidFill>
+                <a:effectLst/>
+                <a:latin typeface="+mn-lt"/>
+                <a:ea typeface="+mn-ea"/>
+                <a:cs typeface="+mn-cs"/>
+              </a:rPr>
+              <a:t>В качестве отправной точки, нужно рассмотреть способы объявления функций в </a:t>
+            </a:r>
+            <a:r>
+              <a:rPr lang="ru-RU" sz="1200" b="0" i="0" kern="1200" dirty="0" err="1" smtClean="0">
+                <a:solidFill>
+                  <a:schemeClr val="tx1"/>
+                </a:solidFill>
+                <a:effectLst/>
+                <a:latin typeface="+mn-lt"/>
+                <a:ea typeface="+mn-ea"/>
+                <a:cs typeface="+mn-cs"/>
+              </a:rPr>
+              <a:t>TypeScript</a:t>
+            </a:r>
+            <a:r>
+              <a:rPr lang="en-US" sz="1200" b="0" i="0" kern="1200" dirty="0" smtClean="0">
+                <a:solidFill>
+                  <a:schemeClr val="tx1"/>
+                </a:solidFill>
+                <a:effectLst/>
+                <a:latin typeface="+mn-lt"/>
+                <a:ea typeface="+mn-ea"/>
+                <a:cs typeface="+mn-cs"/>
+              </a:rPr>
+              <a:t>*</a:t>
+            </a:r>
+            <a:endParaRPr lang="ru-RU" dirty="0"/>
+          </a:p>
+        </p:txBody>
+      </p:sp>
+      <p:sp>
+        <p:nvSpPr>
+          <p:cNvPr id="4" name="Номер слайда 3"/>
+          <p:cNvSpPr>
+            <a:spLocks noGrp="1"/>
+          </p:cNvSpPr>
+          <p:nvPr>
+            <p:ph type="sldNum" sz="quarter" idx="10"/>
+          </p:nvPr>
+        </p:nvSpPr>
+        <p:spPr/>
+        <p:txBody>
+          <a:bodyPr/>
+          <a:lstStyle/>
+          <a:p>
+            <a:pPr marL="0" marR="0" lvl="0" indent="0" algn="r" defTabSz="914400" rtl="0" eaLnBrk="1" fontAlgn="auto" latinLnBrk="0" hangingPunct="1">
+              <a:lnSpc>
+                <a:spcPct val="100000"/>
+              </a:lnSpc>
+              <a:spcBef>
+                <a:spcPts val="0"/>
+              </a:spcBef>
+              <a:spcAft>
+                <a:spcPts val="0"/>
+              </a:spcAft>
+              <a:buClrTx/>
+              <a:buSzTx/>
+              <a:buFontTx/>
+              <a:buNone/>
+              <a:tabLst/>
+              <a:defRPr/>
+            </a:pPr>
+            <a:fld id="{622F1C9E-D65E-417E-9FEF-9AD7ACC20294}" type="slidenum">
+              <a:rPr kumimoji="0" lang="ru-RU" sz="1200" b="0" i="0" u="none" strike="noStrike" kern="1200" cap="none" spc="0" normalizeH="0" baseline="0" noProof="0" smtClean="0">
+                <a:ln>
+                  <a:noFill/>
+                </a:ln>
+                <a:solidFill>
+                  <a:prstClr val="black"/>
+                </a:solidFill>
+                <a:effectLst/>
+                <a:uLnTx/>
+                <a:uFillTx/>
+                <a:latin typeface="Calibri" panose="020F0502020204030204"/>
+                <a:ea typeface="+mn-ea"/>
+                <a:cs typeface="+mn-cs"/>
+              </a:rPr>
+              <a:pPr marL="0" marR="0" lvl="0" indent="0" algn="r" defTabSz="914400" rtl="0" eaLnBrk="1" fontAlgn="auto" latinLnBrk="0" hangingPunct="1">
+                <a:lnSpc>
+                  <a:spcPct val="100000"/>
+                </a:lnSpc>
+                <a:spcBef>
+                  <a:spcPts val="0"/>
+                </a:spcBef>
+                <a:spcAft>
+                  <a:spcPts val="0"/>
+                </a:spcAft>
+                <a:buClrTx/>
+                <a:buSzTx/>
+                <a:buFontTx/>
+                <a:buNone/>
+                <a:tabLst/>
+                <a:defRPr/>
+              </a:pPr>
+              <a:t>65</a:t>
+            </a:fld>
+            <a:endParaRPr kumimoji="0" lang="ru-RU" sz="1200" b="0" i="0" u="none" strike="noStrike" kern="1200" cap="none" spc="0" normalizeH="0" baseline="0" noProof="0">
+              <a:ln>
+                <a:noFill/>
+              </a:ln>
+              <a:solidFill>
+                <a:prstClr val="black"/>
+              </a:solidFill>
+              <a:effectLst/>
+              <a:uLnTx/>
+              <a:uFillTx/>
+              <a:latin typeface="Calibri" panose="020F0502020204030204"/>
+              <a:ea typeface="+mn-ea"/>
+              <a:cs typeface="+mn-cs"/>
+            </a:endParaRPr>
+          </a:p>
+        </p:txBody>
+      </p:sp>
+    </p:spTree>
+    <p:extLst>
+      <p:ext uri="{BB962C8B-B14F-4D97-AF65-F5344CB8AC3E}">
+        <p14:creationId xmlns:p14="http://schemas.microsoft.com/office/powerpoint/2010/main" val="1408737748"/>
+      </p:ext>
+    </p:extLst>
+  </p:cSld>
+  <p:clrMapOvr>
+    <a:masterClrMapping/>
+  </p:clrMapOvr>
+</p:notes>
+</file>
+
+<file path=ppt/notesSlides/notesSlide6.xml><?xml version="1.0" encoding="utf-8"?>
+<p:notes xmlns:a="http://schemas.openxmlformats.org/drawingml/2006/main" xmlns:r="http://schemas.openxmlformats.org/officeDocument/2006/relationships" xmlns:p="http://schemas.openxmlformats.org/presentationml/2006/main">
+  <p:cSld>
+    <p:spTree>
+      <p:nvGrpSpPr>
+        <p:cNvPr id="1" name=""/>
+        <p:cNvGrpSpPr/>
+        <p:nvPr/>
+      </p:nvGrpSpPr>
+      <p:grpSpPr>
+        <a:xfrm>
+          <a:off x="0" y="0"/>
+          <a:ext cx="0" cy="0"/>
+          <a:chOff x="0" y="0"/>
+          <a:chExt cx="0" cy="0"/>
+        </a:xfrm>
+      </p:grpSpPr>
+      <p:sp>
+        <p:nvSpPr>
+          <p:cNvPr id="2" name="Образ слайда 1"/>
+          <p:cNvSpPr>
+            <a:spLocks noGrp="1" noRot="1" noChangeAspect="1"/>
+          </p:cNvSpPr>
+          <p:nvPr>
+            <p:ph type="sldImg"/>
+          </p:nvPr>
+        </p:nvSpPr>
+        <p:spPr/>
+      </p:sp>
+      <p:sp>
+        <p:nvSpPr>
+          <p:cNvPr id="3" name="Заметки 2"/>
+          <p:cNvSpPr>
+            <a:spLocks noGrp="1"/>
+          </p:cNvSpPr>
+          <p:nvPr>
+            <p:ph type="body" idx="1"/>
+          </p:nvPr>
+        </p:nvSpPr>
+        <p:spPr/>
+        <p:txBody>
+          <a:bodyPr/>
+          <a:lstStyle/>
+          <a:p>
+            <a:pPr marL="228600" indent="-228600">
+              <a:buAutoNum type="arabicPeriod"/>
+            </a:pPr>
+            <a:r>
+              <a:rPr lang="ru-RU" sz="1200" b="0" i="0" kern="1200" dirty="0" smtClean="0">
+                <a:solidFill>
+                  <a:schemeClr val="tx1"/>
+                </a:solidFill>
+                <a:effectLst/>
+                <a:latin typeface="+mn-lt"/>
+                <a:ea typeface="+mn-ea"/>
+                <a:cs typeface="+mn-cs"/>
+              </a:rPr>
+              <a:t>Мы можем указывать тип каждого аргумента функции и также её возвращаемого значения.</a:t>
+            </a:r>
+            <a:r>
+              <a:rPr lang="en-US" sz="1200" b="0" i="0" kern="1200" dirty="0" smtClean="0">
+                <a:solidFill>
+                  <a:schemeClr val="tx1"/>
+                </a:solidFill>
+                <a:effectLst/>
+                <a:latin typeface="+mn-lt"/>
+                <a:ea typeface="+mn-ea"/>
+                <a:cs typeface="+mn-cs"/>
+              </a:rPr>
+              <a:t> *</a:t>
+            </a:r>
+          </a:p>
+          <a:p>
+            <a:pPr marL="228600" indent="-228600">
+              <a:buAutoNum type="arabicPeriod"/>
+            </a:pPr>
+            <a:r>
+              <a:rPr lang="ru-RU" sz="1200" b="0" i="0" kern="1200" dirty="0" smtClean="0">
+                <a:solidFill>
+                  <a:schemeClr val="tx1"/>
+                </a:solidFill>
+                <a:effectLst/>
+                <a:latin typeface="+mn-lt"/>
+                <a:ea typeface="+mn-ea"/>
+                <a:cs typeface="+mn-cs"/>
+              </a:rPr>
+              <a:t> </a:t>
+            </a:r>
+            <a:r>
+              <a:rPr lang="ru-RU" sz="1200" b="0" i="0" kern="1200" dirty="0" err="1" smtClean="0">
+                <a:solidFill>
+                  <a:schemeClr val="tx1"/>
+                </a:solidFill>
+                <a:effectLst/>
+                <a:latin typeface="+mn-lt"/>
+                <a:ea typeface="+mn-ea"/>
+                <a:cs typeface="+mn-cs"/>
+              </a:rPr>
+              <a:t>TypeScript</a:t>
+            </a:r>
+            <a:r>
+              <a:rPr lang="ru-RU" sz="1200" b="0" i="0" kern="1200" dirty="0" smtClean="0">
+                <a:solidFill>
+                  <a:schemeClr val="tx1"/>
+                </a:solidFill>
+                <a:effectLst/>
+                <a:latin typeface="+mn-lt"/>
+                <a:ea typeface="+mn-ea"/>
+                <a:cs typeface="+mn-cs"/>
+              </a:rPr>
+              <a:t> может сам вычислить тип последнего исходя из выражения в </a:t>
+            </a:r>
+            <a:r>
+              <a:rPr lang="ru-RU" sz="1200" b="0" i="0" kern="1200" dirty="0" err="1" smtClean="0">
+                <a:solidFill>
+                  <a:schemeClr val="tx1"/>
+                </a:solidFill>
+                <a:effectLst/>
+                <a:latin typeface="+mn-lt"/>
+                <a:ea typeface="+mn-ea"/>
+                <a:cs typeface="+mn-cs"/>
+              </a:rPr>
+              <a:t>return</a:t>
+            </a:r>
+            <a:r>
+              <a:rPr lang="ru-RU" sz="1200" b="0" i="0" kern="1200" dirty="0" smtClean="0">
+                <a:solidFill>
+                  <a:schemeClr val="tx1"/>
+                </a:solidFill>
+                <a:effectLst/>
+                <a:latin typeface="+mn-lt"/>
+                <a:ea typeface="+mn-ea"/>
+                <a:cs typeface="+mn-cs"/>
+              </a:rPr>
+              <a:t>, поэтому это вовсе не обязательно. Подробнее про механизм вывода типов будет рассказано позднее</a:t>
+            </a:r>
+            <a:endParaRPr lang="en-US" sz="1200" b="0" i="0" kern="1200" dirty="0" smtClean="0">
+              <a:solidFill>
+                <a:schemeClr val="tx1"/>
+              </a:solidFill>
+              <a:effectLst/>
+              <a:latin typeface="+mn-lt"/>
+              <a:ea typeface="+mn-ea"/>
+              <a:cs typeface="+mn-cs"/>
+            </a:endParaRPr>
+          </a:p>
+          <a:p>
+            <a:pPr marL="228600" indent="-228600">
+              <a:buAutoNum type="arabicPeriod"/>
+            </a:pPr>
+            <a:r>
+              <a:rPr lang="ru-RU" sz="1200" b="0" i="0" kern="1200" dirty="0" smtClean="0">
+                <a:solidFill>
+                  <a:schemeClr val="tx1"/>
+                </a:solidFill>
+                <a:effectLst/>
+                <a:latin typeface="+mn-lt"/>
+                <a:ea typeface="+mn-ea"/>
+                <a:cs typeface="+mn-cs"/>
+              </a:rPr>
+              <a:t>Помимо описания типов уже существующей функции мы можем описать тип самой функции в отрыве от её конкретной реализации</a:t>
+            </a:r>
+            <a:r>
+              <a:rPr lang="en-US" sz="1200" b="0" i="0" kern="1200" dirty="0" smtClean="0">
+                <a:solidFill>
+                  <a:schemeClr val="tx1"/>
+                </a:solidFill>
+                <a:effectLst/>
+                <a:latin typeface="+mn-lt"/>
+                <a:ea typeface="+mn-ea"/>
+                <a:cs typeface="+mn-cs"/>
+              </a:rPr>
+              <a:t>*</a:t>
+            </a:r>
+          </a:p>
+          <a:p>
+            <a:pPr marL="228600" indent="-228600">
+              <a:buAutoNum type="arabicPeriod"/>
+            </a:pPr>
+            <a:r>
+              <a:rPr lang="ru-RU" sz="1200" b="0" i="0" kern="1200" dirty="0" smtClean="0">
+                <a:solidFill>
+                  <a:schemeClr val="tx1"/>
+                </a:solidFill>
+                <a:effectLst/>
+                <a:latin typeface="+mn-lt"/>
+                <a:ea typeface="+mn-ea"/>
+                <a:cs typeface="+mn-cs"/>
+              </a:rPr>
+              <a:t>Для заметки, только аргументы функции и тип возвращаемого значения формируют её тип. Переменные лексического окружения не поддаются описанию ввиду того, что они не являются частью API функции, по факту их можно рассматривать как скрытое состояние или аналог приватных членов</a:t>
+            </a:r>
+            <a:r>
+              <a:rPr lang="en-US" sz="1200" b="0" i="0" kern="1200" dirty="0" smtClean="0">
+                <a:solidFill>
+                  <a:schemeClr val="tx1"/>
+                </a:solidFill>
+                <a:effectLst/>
+                <a:latin typeface="+mn-lt"/>
+                <a:ea typeface="+mn-ea"/>
+                <a:cs typeface="+mn-cs"/>
+              </a:rPr>
+              <a:t>*</a:t>
+            </a:r>
+            <a:endParaRPr lang="ru-RU" dirty="0"/>
+          </a:p>
+        </p:txBody>
+      </p:sp>
+      <p:sp>
+        <p:nvSpPr>
+          <p:cNvPr id="4" name="Номер слайда 3"/>
+          <p:cNvSpPr>
+            <a:spLocks noGrp="1"/>
+          </p:cNvSpPr>
+          <p:nvPr>
+            <p:ph type="sldNum" sz="quarter" idx="10"/>
+          </p:nvPr>
+        </p:nvSpPr>
+        <p:spPr/>
+        <p:txBody>
+          <a:bodyPr/>
+          <a:lstStyle/>
+          <a:p>
+            <a:pPr marL="0" marR="0" lvl="0" indent="0" algn="r" defTabSz="914400" rtl="0" eaLnBrk="1" fontAlgn="auto" latinLnBrk="0" hangingPunct="1">
+              <a:lnSpc>
+                <a:spcPct val="100000"/>
+              </a:lnSpc>
+              <a:spcBef>
+                <a:spcPts val="0"/>
+              </a:spcBef>
+              <a:spcAft>
+                <a:spcPts val="0"/>
+              </a:spcAft>
+              <a:buClrTx/>
+              <a:buSzTx/>
+              <a:buFontTx/>
+              <a:buNone/>
+              <a:tabLst/>
+              <a:defRPr/>
+            </a:pPr>
+            <a:fld id="{622F1C9E-D65E-417E-9FEF-9AD7ACC20294}" type="slidenum">
+              <a:rPr kumimoji="0" lang="ru-RU" sz="1200" b="0" i="0" u="none" strike="noStrike" kern="1200" cap="none" spc="0" normalizeH="0" baseline="0" noProof="0" smtClean="0">
+                <a:ln>
+                  <a:noFill/>
+                </a:ln>
+                <a:solidFill>
+                  <a:prstClr val="black"/>
+                </a:solidFill>
+                <a:effectLst/>
+                <a:uLnTx/>
+                <a:uFillTx/>
+                <a:latin typeface="Calibri" panose="020F0502020204030204"/>
+                <a:ea typeface="+mn-ea"/>
+                <a:cs typeface="+mn-cs"/>
+              </a:rPr>
+              <a:pPr marL="0" marR="0" lvl="0" indent="0" algn="r" defTabSz="914400" rtl="0" eaLnBrk="1" fontAlgn="auto" latinLnBrk="0" hangingPunct="1">
+                <a:lnSpc>
+                  <a:spcPct val="100000"/>
+                </a:lnSpc>
+                <a:spcBef>
+                  <a:spcPts val="0"/>
+                </a:spcBef>
+                <a:spcAft>
+                  <a:spcPts val="0"/>
+                </a:spcAft>
+                <a:buClrTx/>
+                <a:buSzTx/>
+                <a:buFontTx/>
+                <a:buNone/>
+                <a:tabLst/>
+                <a:defRPr/>
+              </a:pPr>
+              <a:t>66</a:t>
+            </a:fld>
+            <a:endParaRPr kumimoji="0" lang="ru-RU" sz="1200" b="0" i="0" u="none" strike="noStrike" kern="1200" cap="none" spc="0" normalizeH="0" baseline="0" noProof="0">
+              <a:ln>
+                <a:noFill/>
+              </a:ln>
+              <a:solidFill>
+                <a:prstClr val="black"/>
+              </a:solidFill>
+              <a:effectLst/>
+              <a:uLnTx/>
+              <a:uFillTx/>
+              <a:latin typeface="Calibri" panose="020F0502020204030204"/>
+              <a:ea typeface="+mn-ea"/>
+              <a:cs typeface="+mn-cs"/>
+            </a:endParaRPr>
+          </a:p>
+        </p:txBody>
+      </p:sp>
+    </p:spTree>
+    <p:extLst>
+      <p:ext uri="{BB962C8B-B14F-4D97-AF65-F5344CB8AC3E}">
+        <p14:creationId xmlns:p14="http://schemas.microsoft.com/office/powerpoint/2010/main" val="3665074765"/>
+      </p:ext>
+    </p:extLst>
+  </p:cSld>
+  <p:clrMapOvr>
+    <a:masterClrMapping/>
+  </p:clrMapOvr>
+</p:notes>
+</file>
+
+<file path=ppt/notesSlides/notesSlide7.xml><?xml version="1.0" encoding="utf-8"?>
+<p:notes xmlns:a="http://schemas.openxmlformats.org/drawingml/2006/main" xmlns:r="http://schemas.openxmlformats.org/officeDocument/2006/relationships" xmlns:p="http://schemas.openxmlformats.org/presentationml/2006/main">
+  <p:cSld>
+    <p:spTree>
+      <p:nvGrpSpPr>
+        <p:cNvPr id="1" name=""/>
+        <p:cNvGrpSpPr/>
+        <p:nvPr/>
+      </p:nvGrpSpPr>
+      <p:grpSpPr>
+        <a:xfrm>
+          <a:off x="0" y="0"/>
+          <a:ext cx="0" cy="0"/>
+          <a:chOff x="0" y="0"/>
+          <a:chExt cx="0" cy="0"/>
+        </a:xfrm>
+      </p:grpSpPr>
+      <p:sp>
+        <p:nvSpPr>
+          <p:cNvPr id="2" name="Образ слайда 1"/>
+          <p:cNvSpPr>
+            <a:spLocks noGrp="1" noRot="1" noChangeAspect="1"/>
+          </p:cNvSpPr>
+          <p:nvPr>
+            <p:ph type="sldImg"/>
+          </p:nvPr>
+        </p:nvSpPr>
+        <p:spPr/>
+      </p:sp>
+      <p:sp>
+        <p:nvSpPr>
+          <p:cNvPr id="3" name="Заметки 2"/>
+          <p:cNvSpPr>
+            <a:spLocks noGrp="1"/>
+          </p:cNvSpPr>
+          <p:nvPr>
+            <p:ph type="body" idx="1"/>
+          </p:nvPr>
+        </p:nvSpPr>
+        <p:spPr/>
+        <p:txBody>
+          <a:bodyPr/>
+          <a:lstStyle/>
+          <a:p>
+            <a:pPr marL="228600" indent="-228600">
+              <a:buAutoNum type="arabicPeriod"/>
+            </a:pPr>
+            <a:r>
+              <a:rPr lang="ru-RU" sz="1200" b="0" i="0" kern="1200" dirty="0" smtClean="0">
+                <a:solidFill>
+                  <a:schemeClr val="tx1"/>
+                </a:solidFill>
+                <a:effectLst/>
+                <a:latin typeface="+mn-lt"/>
+                <a:ea typeface="+mn-ea"/>
+                <a:cs typeface="+mn-cs"/>
+              </a:rPr>
+              <a:t>число параметров, переданных функции должно совпадать с числом параметров в этой функции объявленных</a:t>
+            </a:r>
+            <a:r>
+              <a:rPr lang="en-US" sz="1200" b="0" i="0" kern="1200" dirty="0" smtClean="0">
+                <a:solidFill>
+                  <a:schemeClr val="tx1"/>
+                </a:solidFill>
+                <a:effectLst/>
+                <a:latin typeface="+mn-lt"/>
+                <a:ea typeface="+mn-ea"/>
+                <a:cs typeface="+mn-cs"/>
+              </a:rPr>
+              <a:t> (null, undefined)*</a:t>
+            </a:r>
+          </a:p>
+          <a:p>
+            <a:pPr marL="228600" indent="-228600">
+              <a:buAutoNum type="arabicPeriod"/>
+            </a:pPr>
+            <a:r>
+              <a:rPr lang="ru-RU" sz="1200" b="0" i="0" kern="1200" dirty="0" smtClean="0">
+                <a:solidFill>
+                  <a:schemeClr val="tx1"/>
+                </a:solidFill>
+                <a:effectLst/>
+                <a:latin typeface="+mn-lt"/>
+                <a:ea typeface="+mn-ea"/>
+                <a:cs typeface="+mn-cs"/>
+              </a:rPr>
+              <a:t>В </a:t>
+            </a:r>
+            <a:r>
+              <a:rPr lang="ru-RU" sz="1200" b="0" i="0" kern="1200" dirty="0" err="1" smtClean="0">
+                <a:solidFill>
+                  <a:schemeClr val="tx1"/>
+                </a:solidFill>
+                <a:effectLst/>
+                <a:latin typeface="+mn-lt"/>
+                <a:ea typeface="+mn-ea"/>
+                <a:cs typeface="+mn-cs"/>
+              </a:rPr>
+              <a:t>JavaScript</a:t>
+            </a:r>
+            <a:r>
+              <a:rPr lang="ru-RU" sz="1200" b="0" i="0" kern="1200" dirty="0" smtClean="0">
+                <a:solidFill>
+                  <a:schemeClr val="tx1"/>
+                </a:solidFill>
+                <a:effectLst/>
+                <a:latin typeface="+mn-lt"/>
+                <a:ea typeface="+mn-ea"/>
+                <a:cs typeface="+mn-cs"/>
+              </a:rPr>
+              <a:t>, каждый аргумент функции является опциональным</a:t>
+            </a:r>
+            <a:r>
+              <a:rPr lang="en-US" sz="1200" b="0" i="0" kern="1200" dirty="0" smtClean="0">
+                <a:solidFill>
+                  <a:schemeClr val="tx1"/>
+                </a:solidFill>
+                <a:effectLst/>
+                <a:latin typeface="+mn-lt"/>
+                <a:ea typeface="+mn-ea"/>
+                <a:cs typeface="+mn-cs"/>
+              </a:rPr>
+              <a:t>,</a:t>
+            </a:r>
+            <a:r>
+              <a:rPr lang="en-US" sz="1200" b="0" i="0" kern="1200" baseline="0" dirty="0" smtClean="0">
+                <a:solidFill>
+                  <a:schemeClr val="tx1"/>
+                </a:solidFill>
+                <a:effectLst/>
+                <a:latin typeface="+mn-lt"/>
+                <a:ea typeface="+mn-ea"/>
+                <a:cs typeface="+mn-cs"/>
+              </a:rPr>
+              <a:t> </a:t>
+            </a:r>
+            <a:r>
+              <a:rPr lang="ru-RU" sz="1200" b="0" i="0" kern="1200" baseline="0" dirty="0" smtClean="0">
+                <a:solidFill>
+                  <a:schemeClr val="tx1"/>
+                </a:solidFill>
+                <a:effectLst/>
+                <a:latin typeface="+mn-lt"/>
+                <a:ea typeface="+mn-ea"/>
+                <a:cs typeface="+mn-cs"/>
+              </a:rPr>
+              <a:t>не переданные становятся </a:t>
+            </a:r>
+            <a:r>
+              <a:rPr lang="en-US" sz="1200" b="0" i="0" kern="1200" baseline="0" dirty="0" smtClean="0">
+                <a:solidFill>
+                  <a:schemeClr val="tx1"/>
+                </a:solidFill>
+                <a:effectLst/>
+                <a:latin typeface="+mn-lt"/>
+                <a:ea typeface="+mn-ea"/>
+                <a:cs typeface="+mn-cs"/>
+              </a:rPr>
+              <a:t>undefined</a:t>
+            </a:r>
+            <a:endParaRPr lang="en-US" sz="1200" b="0" i="0" kern="1200" dirty="0" smtClean="0">
+              <a:solidFill>
+                <a:schemeClr val="tx1"/>
+              </a:solidFill>
+              <a:effectLst/>
+              <a:latin typeface="+mn-lt"/>
+              <a:ea typeface="+mn-ea"/>
+              <a:cs typeface="+mn-cs"/>
+            </a:endParaRPr>
+          </a:p>
+          <a:p>
+            <a:pPr marL="228600" indent="-228600">
+              <a:buAutoNum type="arabicPeriod"/>
+            </a:pPr>
+            <a:r>
+              <a:rPr lang="ru-RU" dirty="0" smtClean="0"/>
+              <a:t>Далее</a:t>
+            </a:r>
+            <a:r>
+              <a:rPr lang="ru-RU" baseline="0" dirty="0" smtClean="0"/>
+              <a:t> про синтаксис</a:t>
+            </a:r>
+            <a:r>
+              <a:rPr lang="en-US" baseline="0" dirty="0" smtClean="0"/>
+              <a:t> </a:t>
+            </a:r>
+            <a:r>
+              <a:rPr lang="ru-RU" baseline="0" dirty="0" smtClean="0"/>
+              <a:t>опциональных аргументов</a:t>
+            </a:r>
+            <a:r>
+              <a:rPr lang="en-US" baseline="0" dirty="0" smtClean="0"/>
+              <a:t>*</a:t>
+            </a:r>
+            <a:endParaRPr lang="ru-RU" baseline="0" dirty="0" smtClean="0"/>
+          </a:p>
+          <a:p>
+            <a:pPr marL="228600" indent="-228600">
+              <a:buAutoNum type="arabicPeriod"/>
+            </a:pPr>
+            <a:r>
+              <a:rPr lang="ru-RU" baseline="0" dirty="0" smtClean="0"/>
+              <a:t>И про значения по умолчанию*</a:t>
+            </a:r>
+          </a:p>
+          <a:p>
+            <a:pPr marL="228600" indent="-228600">
+              <a:buAutoNum type="arabicPeriod"/>
+            </a:pPr>
+            <a:r>
+              <a:rPr lang="ru-RU" baseline="0" dirty="0" smtClean="0"/>
+              <a:t>Показать то что функции с дефолтными значениями совместимы с функциями с опциональными*</a:t>
+            </a:r>
+          </a:p>
+          <a:p>
+            <a:pPr marL="228600" indent="-228600">
+              <a:buAutoNum type="arabicPeriod"/>
+            </a:pPr>
+            <a:r>
+              <a:rPr lang="ru-RU" sz="1200" b="0" i="0" kern="1200" dirty="0" smtClean="0">
+                <a:solidFill>
+                  <a:schemeClr val="tx1"/>
+                </a:solidFill>
+                <a:effectLst/>
+                <a:latin typeface="+mn-lt"/>
+                <a:ea typeface="+mn-ea"/>
+                <a:cs typeface="+mn-cs"/>
+              </a:rPr>
+              <a:t>В отличии от опциональных аргументов, аргументы со значениями по умолчанию не должны быть перечислены после обязательны аргументов*</a:t>
+            </a:r>
+          </a:p>
+          <a:p>
+            <a:pPr marL="228600" indent="-228600">
+              <a:buAutoNum type="arabicPeriod"/>
+            </a:pPr>
+            <a:endParaRPr lang="ru-RU" sz="1200" b="0" i="0" kern="1200" dirty="0" smtClean="0">
+              <a:solidFill>
+                <a:schemeClr val="tx1"/>
+              </a:solidFill>
+              <a:effectLst/>
+              <a:latin typeface="+mn-lt"/>
+              <a:ea typeface="+mn-ea"/>
+              <a:cs typeface="+mn-cs"/>
+            </a:endParaRPr>
+          </a:p>
+          <a:p>
+            <a:pPr rtl="0" fontAlgn="base"/>
+            <a:r>
+              <a:rPr lang="ru-RU" sz="1200" b="0" i="0" kern="1200" dirty="0" smtClean="0">
+                <a:solidFill>
+                  <a:schemeClr val="tx1"/>
+                </a:solidFill>
+                <a:effectLst/>
+                <a:latin typeface="+mn-lt"/>
+                <a:ea typeface="+mn-ea"/>
+                <a:cs typeface="+mn-cs"/>
+              </a:rPr>
+              <a:t>Задание: написать </a:t>
+            </a:r>
+            <a:r>
+              <a:rPr lang="ru-RU" sz="1200" b="0" i="0" kern="1200" dirty="0" err="1" smtClean="0">
+                <a:solidFill>
+                  <a:schemeClr val="tx1"/>
+                </a:solidFill>
+                <a:effectLst/>
+                <a:latin typeface="+mn-lt"/>
+                <a:ea typeface="+mn-ea"/>
+                <a:cs typeface="+mn-cs"/>
+              </a:rPr>
+              <a:t>кэррируемый</a:t>
+            </a:r>
+            <a:r>
+              <a:rPr lang="ru-RU" sz="1200" b="0" i="0" kern="1200" dirty="0" smtClean="0">
+                <a:solidFill>
+                  <a:schemeClr val="tx1"/>
+                </a:solidFill>
+                <a:effectLst/>
+                <a:latin typeface="+mn-lt"/>
+                <a:ea typeface="+mn-ea"/>
+                <a:cs typeface="+mn-cs"/>
+              </a:rPr>
+              <a:t> вариант функции суммы </a:t>
+            </a:r>
+          </a:p>
+          <a:p>
+            <a:pPr rtl="0" fontAlgn="base"/>
+            <a:endParaRPr lang="ru-RU" sz="1200" b="0" i="0" kern="1200" dirty="0" smtClean="0">
+              <a:solidFill>
+                <a:schemeClr val="tx1"/>
+              </a:solidFill>
+              <a:effectLst/>
+              <a:latin typeface="+mn-lt"/>
+              <a:ea typeface="+mn-ea"/>
+              <a:cs typeface="+mn-cs"/>
+            </a:endParaRPr>
+          </a:p>
+          <a:p>
+            <a:pPr rtl="0" fontAlgn="base"/>
+            <a:r>
+              <a:rPr lang="ru-RU" sz="1200" b="0" i="0" kern="1200" dirty="0" smtClean="0">
+                <a:solidFill>
+                  <a:schemeClr val="tx1"/>
+                </a:solidFill>
+                <a:effectLst/>
+                <a:latin typeface="+mn-lt"/>
+                <a:ea typeface="+mn-ea"/>
+                <a:cs typeface="+mn-cs"/>
+              </a:rPr>
+              <a:t>Задание со звездочкой: добиться следующего поведения </a:t>
+            </a:r>
+            <a:r>
+              <a:rPr lang="ru-RU" sz="1200" b="0" i="0" kern="1200" dirty="0" err="1" smtClean="0">
+                <a:solidFill>
+                  <a:schemeClr val="tx1"/>
+                </a:solidFill>
+                <a:effectLst/>
+                <a:latin typeface="+mn-lt"/>
+                <a:ea typeface="+mn-ea"/>
+                <a:cs typeface="+mn-cs"/>
+              </a:rPr>
+              <a:t>sum</a:t>
+            </a:r>
+            <a:r>
+              <a:rPr lang="ru-RU" sz="1200" b="0" i="0" kern="1200" dirty="0" smtClean="0">
+                <a:solidFill>
+                  <a:schemeClr val="tx1"/>
+                </a:solidFill>
+                <a:effectLst/>
+                <a:latin typeface="+mn-lt"/>
+                <a:ea typeface="+mn-ea"/>
+                <a:cs typeface="+mn-cs"/>
+              </a:rPr>
+              <a:t>(2)(3)()</a:t>
+            </a:r>
+          </a:p>
+          <a:p>
+            <a:pPr marL="228600" indent="-228600">
+              <a:buAutoNum type="arabicPeriod"/>
+            </a:pPr>
+            <a:endParaRPr lang="ru-RU" dirty="0"/>
+          </a:p>
+        </p:txBody>
+      </p:sp>
+      <p:sp>
+        <p:nvSpPr>
+          <p:cNvPr id="4" name="Номер слайда 3"/>
+          <p:cNvSpPr>
+            <a:spLocks noGrp="1"/>
+          </p:cNvSpPr>
+          <p:nvPr>
+            <p:ph type="sldNum" sz="quarter" idx="10"/>
+          </p:nvPr>
+        </p:nvSpPr>
+        <p:spPr/>
+        <p:txBody>
+          <a:bodyPr/>
+          <a:lstStyle/>
+          <a:p>
+            <a:pPr marL="0" marR="0" lvl="0" indent="0" algn="r" defTabSz="914400" rtl="0" eaLnBrk="1" fontAlgn="auto" latinLnBrk="0" hangingPunct="1">
+              <a:lnSpc>
+                <a:spcPct val="100000"/>
+              </a:lnSpc>
+              <a:spcBef>
+                <a:spcPts val="0"/>
+              </a:spcBef>
+              <a:spcAft>
+                <a:spcPts val="0"/>
+              </a:spcAft>
+              <a:buClrTx/>
+              <a:buSzTx/>
+              <a:buFontTx/>
+              <a:buNone/>
+              <a:tabLst/>
+              <a:defRPr/>
+            </a:pPr>
+            <a:fld id="{622F1C9E-D65E-417E-9FEF-9AD7ACC20294}" type="slidenum">
+              <a:rPr kumimoji="0" lang="ru-RU" sz="1200" b="0" i="0" u="none" strike="noStrike" kern="1200" cap="none" spc="0" normalizeH="0" baseline="0" noProof="0" smtClean="0">
+                <a:ln>
+                  <a:noFill/>
+                </a:ln>
+                <a:solidFill>
+                  <a:prstClr val="black"/>
+                </a:solidFill>
+                <a:effectLst/>
+                <a:uLnTx/>
+                <a:uFillTx/>
+                <a:latin typeface="Calibri" panose="020F0502020204030204"/>
+                <a:ea typeface="+mn-ea"/>
+                <a:cs typeface="+mn-cs"/>
+              </a:rPr>
+              <a:pPr marL="0" marR="0" lvl="0" indent="0" algn="r" defTabSz="914400" rtl="0" eaLnBrk="1" fontAlgn="auto" latinLnBrk="0" hangingPunct="1">
+                <a:lnSpc>
+                  <a:spcPct val="100000"/>
+                </a:lnSpc>
+                <a:spcBef>
+                  <a:spcPts val="0"/>
+                </a:spcBef>
+                <a:spcAft>
+                  <a:spcPts val="0"/>
+                </a:spcAft>
+                <a:buClrTx/>
+                <a:buSzTx/>
+                <a:buFontTx/>
+                <a:buNone/>
+                <a:tabLst/>
+                <a:defRPr/>
+              </a:pPr>
+              <a:t>67</a:t>
+            </a:fld>
+            <a:endParaRPr kumimoji="0" lang="ru-RU" sz="1200" b="0" i="0" u="none" strike="noStrike" kern="1200" cap="none" spc="0" normalizeH="0" baseline="0" noProof="0">
+              <a:ln>
+                <a:noFill/>
+              </a:ln>
+              <a:solidFill>
+                <a:prstClr val="black"/>
+              </a:solidFill>
+              <a:effectLst/>
+              <a:uLnTx/>
+              <a:uFillTx/>
+              <a:latin typeface="Calibri" panose="020F0502020204030204"/>
+              <a:ea typeface="+mn-ea"/>
+              <a:cs typeface="+mn-cs"/>
+            </a:endParaRPr>
+          </a:p>
+        </p:txBody>
+      </p:sp>
+    </p:spTree>
+    <p:extLst>
+      <p:ext uri="{BB962C8B-B14F-4D97-AF65-F5344CB8AC3E}">
+        <p14:creationId xmlns:p14="http://schemas.microsoft.com/office/powerpoint/2010/main" val="1153176650"/>
+      </p:ext>
+    </p:extLst>
+  </p:cSld>
+  <p:clrMapOvr>
+    <a:masterClrMapping/>
+  </p:clrMapOvr>
+</p:notes>
+</file>
+
+<file path=ppt/notesSlides/notesSlide8.xml><?xml version="1.0" encoding="utf-8"?>
+<p:notes xmlns:a="http://schemas.openxmlformats.org/drawingml/2006/main" xmlns:r="http://schemas.openxmlformats.org/officeDocument/2006/relationships" xmlns:p="http://schemas.openxmlformats.org/presentationml/2006/main">
+  <p:cSld>
+    <p:spTree>
+      <p:nvGrpSpPr>
+        <p:cNvPr id="1" name=""/>
+        <p:cNvGrpSpPr/>
+        <p:nvPr/>
+      </p:nvGrpSpPr>
+      <p:grpSpPr>
+        <a:xfrm>
+          <a:off x="0" y="0"/>
+          <a:ext cx="0" cy="0"/>
+          <a:chOff x="0" y="0"/>
+          <a:chExt cx="0" cy="0"/>
+        </a:xfrm>
+      </p:grpSpPr>
+      <p:sp>
+        <p:nvSpPr>
+          <p:cNvPr id="2" name="Образ слайда 1"/>
+          <p:cNvSpPr>
+            <a:spLocks noGrp="1" noRot="1" noChangeAspect="1"/>
+          </p:cNvSpPr>
+          <p:nvPr>
+            <p:ph type="sldImg"/>
+          </p:nvPr>
+        </p:nvSpPr>
+        <p:spPr/>
+      </p:sp>
+      <p:sp>
+        <p:nvSpPr>
+          <p:cNvPr id="3" name="Заметки 2"/>
+          <p:cNvSpPr>
+            <a:spLocks noGrp="1"/>
+          </p:cNvSpPr>
+          <p:nvPr>
+            <p:ph type="body" idx="1"/>
+          </p:nvPr>
+        </p:nvSpPr>
+        <p:spPr/>
+        <p:txBody>
+          <a:bodyPr/>
+          <a:lstStyle/>
+          <a:p>
+            <a:pPr marL="228600" indent="-228600">
+              <a:buAutoNum type="arabicPeriod"/>
+            </a:pPr>
+            <a:r>
+              <a:rPr lang="ru-RU" dirty="0" smtClean="0"/>
+              <a:t>Рассказать</a:t>
+            </a:r>
+            <a:r>
+              <a:rPr lang="ru-RU" baseline="0" dirty="0" smtClean="0"/>
+              <a:t> как работать с группой аргументов*</a:t>
+            </a:r>
+          </a:p>
+          <a:p>
+            <a:pPr marL="228600" indent="-228600">
+              <a:buAutoNum type="arabicPeriod"/>
+            </a:pPr>
+            <a:r>
+              <a:rPr lang="ru-RU" sz="1200" b="0" i="0" kern="1200" dirty="0" smtClean="0">
+                <a:solidFill>
+                  <a:schemeClr val="tx1"/>
+                </a:solidFill>
+                <a:effectLst/>
+                <a:latin typeface="+mn-lt"/>
+                <a:ea typeface="+mn-ea"/>
+                <a:cs typeface="+mn-cs"/>
+              </a:rPr>
+              <a:t>Такой же оператор может быть использован и при описании типа функции*</a:t>
+            </a:r>
+          </a:p>
+          <a:p>
+            <a:pPr rtl="0" fontAlgn="base"/>
+            <a:r>
+              <a:rPr lang="ru-RU" sz="1200" b="0" i="0" kern="1200" dirty="0" smtClean="0">
+                <a:solidFill>
+                  <a:schemeClr val="tx1"/>
+                </a:solidFill>
+                <a:effectLst/>
+                <a:latin typeface="+mn-lt"/>
+                <a:ea typeface="+mn-ea"/>
+                <a:cs typeface="+mn-cs"/>
+              </a:rPr>
+              <a:t>Данный оператор может быть определен только после всех остальных аргументов, даже опциональных. </a:t>
+            </a:r>
+          </a:p>
+          <a:p>
+            <a:pPr rtl="0" fontAlgn="base"/>
+            <a:r>
+              <a:rPr lang="ru-RU" sz="1200" b="0" i="0" kern="1200" dirty="0" smtClean="0">
+                <a:solidFill>
+                  <a:schemeClr val="tx1"/>
+                </a:solidFill>
+                <a:effectLst/>
+                <a:latin typeface="+mn-lt"/>
+                <a:ea typeface="+mn-ea"/>
+                <a:cs typeface="+mn-cs"/>
+              </a:rPr>
+              <a:t>Оператор не может иметь значений по умолчанию, даже тех, что совместимы с массивом. Вместо этого можно описывать такие аргументы перед </a:t>
+            </a:r>
+            <a:r>
+              <a:rPr lang="ru-RU" sz="1200" b="0" i="0" kern="1200" dirty="0" err="1" smtClean="0">
+                <a:solidFill>
+                  <a:schemeClr val="tx1"/>
+                </a:solidFill>
+                <a:effectLst/>
+                <a:latin typeface="+mn-lt"/>
+                <a:ea typeface="+mn-ea"/>
+                <a:cs typeface="+mn-cs"/>
+              </a:rPr>
+              <a:t>rest</a:t>
+            </a:r>
+            <a:r>
+              <a:rPr lang="ru-RU" sz="1200" b="0" i="0" kern="1200" dirty="0" smtClean="0">
+                <a:solidFill>
+                  <a:schemeClr val="tx1"/>
+                </a:solidFill>
+                <a:effectLst/>
+                <a:latin typeface="+mn-lt"/>
+                <a:ea typeface="+mn-ea"/>
+                <a:cs typeface="+mn-cs"/>
+              </a:rPr>
+              <a:t>. </a:t>
+            </a:r>
+          </a:p>
+          <a:p>
+            <a:pPr rtl="0" fontAlgn="base"/>
+            <a:r>
+              <a:rPr lang="ru-RU" sz="1200" b="0" i="0" kern="1200" dirty="0" smtClean="0">
+                <a:solidFill>
+                  <a:schemeClr val="tx1"/>
+                </a:solidFill>
+                <a:effectLst/>
+                <a:latin typeface="+mn-lt"/>
+                <a:ea typeface="+mn-ea"/>
+                <a:cs typeface="+mn-cs"/>
+              </a:rPr>
+              <a:t>Если </a:t>
+            </a:r>
+            <a:r>
+              <a:rPr lang="ru-RU" sz="1200" b="0" i="0" kern="1200" dirty="0" err="1" smtClean="0">
+                <a:solidFill>
+                  <a:schemeClr val="tx1"/>
+                </a:solidFill>
+                <a:effectLst/>
+                <a:latin typeface="+mn-lt"/>
+                <a:ea typeface="+mn-ea"/>
+                <a:cs typeface="+mn-cs"/>
+              </a:rPr>
+              <a:t>rest</a:t>
+            </a:r>
+            <a:r>
+              <a:rPr lang="ru-RU" sz="1200" b="0" i="0" kern="1200" dirty="0" smtClean="0">
+                <a:solidFill>
+                  <a:schemeClr val="tx1"/>
+                </a:solidFill>
+                <a:effectLst/>
+                <a:latin typeface="+mn-lt"/>
+                <a:ea typeface="+mn-ea"/>
+                <a:cs typeface="+mn-cs"/>
+              </a:rPr>
+              <a:t> аргументы не были переданы функции, то значение такой переменной будет равно пустому списку. </a:t>
+            </a:r>
+          </a:p>
+          <a:p>
+            <a:pPr marL="228600" indent="-228600">
+              <a:buAutoNum type="arabicPeriod"/>
+            </a:pPr>
+            <a:endParaRPr lang="ru-RU" dirty="0"/>
+          </a:p>
+        </p:txBody>
+      </p:sp>
+      <p:sp>
+        <p:nvSpPr>
+          <p:cNvPr id="4" name="Номер слайда 3"/>
+          <p:cNvSpPr>
+            <a:spLocks noGrp="1"/>
+          </p:cNvSpPr>
+          <p:nvPr>
+            <p:ph type="sldNum" sz="quarter" idx="10"/>
+          </p:nvPr>
+        </p:nvSpPr>
+        <p:spPr/>
+        <p:txBody>
+          <a:bodyPr/>
+          <a:lstStyle/>
+          <a:p>
+            <a:pPr marL="0" marR="0" lvl="0" indent="0" algn="r" defTabSz="914400" rtl="0" eaLnBrk="1" fontAlgn="auto" latinLnBrk="0" hangingPunct="1">
+              <a:lnSpc>
+                <a:spcPct val="100000"/>
+              </a:lnSpc>
+              <a:spcBef>
+                <a:spcPts val="0"/>
+              </a:spcBef>
+              <a:spcAft>
+                <a:spcPts val="0"/>
+              </a:spcAft>
+              <a:buClrTx/>
+              <a:buSzTx/>
+              <a:buFontTx/>
+              <a:buNone/>
+              <a:tabLst/>
+              <a:defRPr/>
+            </a:pPr>
+            <a:fld id="{622F1C9E-D65E-417E-9FEF-9AD7ACC20294}" type="slidenum">
+              <a:rPr kumimoji="0" lang="ru-RU" sz="1200" b="0" i="0" u="none" strike="noStrike" kern="1200" cap="none" spc="0" normalizeH="0" baseline="0" noProof="0" smtClean="0">
+                <a:ln>
+                  <a:noFill/>
+                </a:ln>
+                <a:solidFill>
+                  <a:prstClr val="black"/>
+                </a:solidFill>
+                <a:effectLst/>
+                <a:uLnTx/>
+                <a:uFillTx/>
+                <a:latin typeface="Calibri" panose="020F0502020204030204"/>
+                <a:ea typeface="+mn-ea"/>
+                <a:cs typeface="+mn-cs"/>
+              </a:rPr>
+              <a:pPr marL="0" marR="0" lvl="0" indent="0" algn="r" defTabSz="914400" rtl="0" eaLnBrk="1" fontAlgn="auto" latinLnBrk="0" hangingPunct="1">
+                <a:lnSpc>
+                  <a:spcPct val="100000"/>
+                </a:lnSpc>
+                <a:spcBef>
+                  <a:spcPts val="0"/>
+                </a:spcBef>
+                <a:spcAft>
+                  <a:spcPts val="0"/>
+                </a:spcAft>
+                <a:buClrTx/>
+                <a:buSzTx/>
+                <a:buFontTx/>
+                <a:buNone/>
+                <a:tabLst/>
+                <a:defRPr/>
+              </a:pPr>
+              <a:t>68</a:t>
+            </a:fld>
+            <a:endParaRPr kumimoji="0" lang="ru-RU" sz="1200" b="0" i="0" u="none" strike="noStrike" kern="1200" cap="none" spc="0" normalizeH="0" baseline="0" noProof="0">
+              <a:ln>
+                <a:noFill/>
+              </a:ln>
+              <a:solidFill>
+                <a:prstClr val="black"/>
+              </a:solidFill>
+              <a:effectLst/>
+              <a:uLnTx/>
+              <a:uFillTx/>
+              <a:latin typeface="Calibri" panose="020F0502020204030204"/>
+              <a:ea typeface="+mn-ea"/>
+              <a:cs typeface="+mn-cs"/>
+            </a:endParaRPr>
+          </a:p>
+        </p:txBody>
+      </p:sp>
+    </p:spTree>
+    <p:extLst>
+      <p:ext uri="{BB962C8B-B14F-4D97-AF65-F5344CB8AC3E}">
+        <p14:creationId xmlns:p14="http://schemas.microsoft.com/office/powerpoint/2010/main" val="971380495"/>
+      </p:ext>
+    </p:extLst>
+  </p:cSld>
+  <p:clrMapOvr>
+    <a:masterClrMapping/>
+  </p:clrMapOvr>
+</p:notes>
+</file>
+
+<file path=ppt/notesSlides/notesSlide9.xml><?xml version="1.0" encoding="utf-8"?>
+<p:notes xmlns:a="http://schemas.openxmlformats.org/drawingml/2006/main" xmlns:r="http://schemas.openxmlformats.org/officeDocument/2006/relationships" xmlns:p="http://schemas.openxmlformats.org/presentationml/2006/main">
+  <p:cSld>
+    <p:spTree>
+      <p:nvGrpSpPr>
+        <p:cNvPr id="1" name=""/>
+        <p:cNvGrpSpPr/>
+        <p:nvPr/>
+      </p:nvGrpSpPr>
+      <p:grpSpPr>
+        <a:xfrm>
+          <a:off x="0" y="0"/>
+          <a:ext cx="0" cy="0"/>
+          <a:chOff x="0" y="0"/>
+          <a:chExt cx="0" cy="0"/>
+        </a:xfrm>
+      </p:grpSpPr>
+      <p:sp>
+        <p:nvSpPr>
+          <p:cNvPr id="2" name="Образ слайда 1"/>
+          <p:cNvSpPr>
+            <a:spLocks noGrp="1" noRot="1" noChangeAspect="1"/>
+          </p:cNvSpPr>
+          <p:nvPr>
+            <p:ph type="sldImg"/>
+          </p:nvPr>
+        </p:nvSpPr>
+        <p:spPr/>
+      </p:sp>
+      <p:sp>
+        <p:nvSpPr>
+          <p:cNvPr id="3" name="Заметки 2"/>
+          <p:cNvSpPr>
+            <a:spLocks noGrp="1"/>
+          </p:cNvSpPr>
+          <p:nvPr>
+            <p:ph type="body" idx="1"/>
+          </p:nvPr>
+        </p:nvSpPr>
+        <p:spPr/>
+        <p:txBody>
+          <a:bodyPr/>
+          <a:lstStyle/>
+          <a:p>
+            <a:pPr marL="228600" indent="-228600">
+              <a:buAutoNum type="arabicPeriod"/>
+            </a:pPr>
+            <a:r>
+              <a:rPr lang="ru-RU" sz="1200" b="0" i="0" kern="1200" dirty="0" smtClean="0">
+                <a:solidFill>
+                  <a:schemeClr val="tx1"/>
+                </a:solidFill>
+                <a:effectLst/>
+                <a:latin typeface="+mn-lt"/>
+                <a:ea typeface="+mn-ea"/>
+                <a:cs typeface="+mn-cs"/>
+              </a:rPr>
+              <a:t>пере использования</a:t>
+            </a:r>
+            <a:endParaRPr lang="en-US" sz="1200" b="0" i="0" kern="1200" dirty="0" smtClean="0">
+              <a:solidFill>
+                <a:schemeClr val="tx1"/>
+              </a:solidFill>
+              <a:effectLst/>
+              <a:latin typeface="+mn-lt"/>
+              <a:ea typeface="+mn-ea"/>
+              <a:cs typeface="+mn-cs"/>
+            </a:endParaRPr>
+          </a:p>
+          <a:p>
+            <a:pPr marL="228600" indent="-228600">
+              <a:buAutoNum type="arabicPeriod"/>
+            </a:pPr>
+            <a:r>
+              <a:rPr lang="ru-RU" sz="1200" b="0" i="0" kern="1200" dirty="0" smtClean="0">
+                <a:solidFill>
+                  <a:schemeClr val="tx1"/>
+                </a:solidFill>
+                <a:effectLst/>
+                <a:latin typeface="+mn-lt"/>
+                <a:ea typeface="+mn-ea"/>
+                <a:cs typeface="+mn-cs"/>
+              </a:rPr>
+              <a:t>В </a:t>
+            </a:r>
+            <a:r>
+              <a:rPr lang="ru-RU" sz="1200" b="0" i="0" kern="1200" dirty="0" err="1" smtClean="0">
+                <a:solidFill>
+                  <a:schemeClr val="tx1"/>
+                </a:solidFill>
+                <a:effectLst/>
+                <a:latin typeface="+mn-lt"/>
+                <a:ea typeface="+mn-ea"/>
+                <a:cs typeface="+mn-cs"/>
+              </a:rPr>
+              <a:t>JavaScript</a:t>
+            </a:r>
+            <a:r>
+              <a:rPr lang="ru-RU" sz="1200" b="0" i="0" kern="1200" dirty="0" smtClean="0">
+                <a:solidFill>
+                  <a:schemeClr val="tx1"/>
+                </a:solidFill>
+                <a:effectLst/>
+                <a:latin typeface="+mn-lt"/>
+                <a:ea typeface="+mn-ea"/>
+                <a:cs typeface="+mn-cs"/>
+              </a:rPr>
+              <a:t>, </a:t>
+            </a:r>
+            <a:r>
+              <a:rPr lang="ru-RU" sz="1200" b="0" i="0" kern="1200" dirty="0" err="1" smtClean="0">
+                <a:solidFill>
+                  <a:schemeClr val="tx1"/>
+                </a:solidFill>
+                <a:effectLst/>
+                <a:latin typeface="+mn-lt"/>
+                <a:ea typeface="+mn-ea"/>
+                <a:cs typeface="+mn-cs"/>
+              </a:rPr>
+              <a:t>this</a:t>
+            </a:r>
+            <a:r>
+              <a:rPr lang="ru-RU" sz="1200" b="0" i="0" kern="1200" dirty="0" smtClean="0">
+                <a:solidFill>
+                  <a:schemeClr val="tx1"/>
+                </a:solidFill>
+                <a:effectLst/>
+                <a:latin typeface="+mn-lt"/>
+                <a:ea typeface="+mn-ea"/>
+                <a:cs typeface="+mn-cs"/>
+              </a:rPr>
+              <a:t> это переменная, которая устанавливается в момент вызова функции</a:t>
+            </a:r>
+            <a:r>
+              <a:rPr lang="en-US" sz="1200" b="0" i="0" kern="1200" dirty="0" smtClean="0">
+                <a:solidFill>
+                  <a:schemeClr val="tx1"/>
+                </a:solidFill>
+                <a:effectLst/>
+                <a:latin typeface="+mn-lt"/>
+                <a:ea typeface="+mn-ea"/>
+                <a:cs typeface="+mn-cs"/>
+              </a:rPr>
+              <a:t>*</a:t>
+            </a:r>
+          </a:p>
+          <a:p>
+            <a:pPr marL="228600" indent="-228600">
+              <a:buAutoNum type="arabicPeriod"/>
+            </a:pPr>
+            <a:r>
+              <a:rPr lang="ru-RU" sz="1200" b="0" i="0" kern="1200" dirty="0" smtClean="0">
+                <a:solidFill>
+                  <a:schemeClr val="tx1"/>
+                </a:solidFill>
+                <a:effectLst/>
+                <a:latin typeface="+mn-lt"/>
+                <a:ea typeface="+mn-ea"/>
+                <a:cs typeface="+mn-cs"/>
+              </a:rPr>
+              <a:t>Заменим</a:t>
+            </a:r>
+            <a:r>
+              <a:rPr lang="ru-RU" sz="1200" b="0" i="0" kern="1200" baseline="0" dirty="0" smtClean="0">
+                <a:solidFill>
+                  <a:schemeClr val="tx1"/>
+                </a:solidFill>
+                <a:effectLst/>
+                <a:latin typeface="+mn-lt"/>
+                <a:ea typeface="+mn-ea"/>
+                <a:cs typeface="+mn-cs"/>
+              </a:rPr>
+              <a:t> на стрелочную функцию*</a:t>
+            </a:r>
+          </a:p>
+          <a:p>
+            <a:pPr marL="228600" indent="-228600">
+              <a:buAutoNum type="arabicPeriod"/>
+            </a:pPr>
+            <a:r>
+              <a:rPr lang="ru-RU" sz="1200" b="0" i="0" kern="1200" baseline="0" dirty="0" smtClean="0">
+                <a:solidFill>
+                  <a:schemeClr val="tx1"/>
+                </a:solidFill>
+                <a:effectLst/>
+                <a:latin typeface="+mn-lt"/>
+                <a:ea typeface="+mn-ea"/>
+                <a:cs typeface="+mn-cs"/>
+              </a:rPr>
+              <a:t>Пример решения проблемы с </a:t>
+            </a:r>
+            <a:r>
+              <a:rPr lang="en-US" sz="1200" b="0" i="0" kern="1200" baseline="0" dirty="0" smtClean="0">
+                <a:solidFill>
+                  <a:schemeClr val="tx1"/>
+                </a:solidFill>
+                <a:effectLst/>
+                <a:latin typeface="+mn-lt"/>
+                <a:ea typeface="+mn-ea"/>
+                <a:cs typeface="+mn-cs"/>
+              </a:rPr>
+              <a:t>this </a:t>
+            </a:r>
+            <a:r>
+              <a:rPr lang="ru-RU" sz="1200" b="0" i="0" kern="1200" baseline="0" dirty="0" smtClean="0">
+                <a:solidFill>
+                  <a:schemeClr val="tx1"/>
+                </a:solidFill>
+                <a:effectLst/>
+                <a:latin typeface="+mn-lt"/>
+                <a:ea typeface="+mn-ea"/>
+                <a:cs typeface="+mn-cs"/>
+              </a:rPr>
+              <a:t>в библиотеках*</a:t>
+            </a:r>
+          </a:p>
+          <a:p>
+            <a:pPr marL="228600" indent="-228600">
+              <a:buAutoNum type="arabicPeriod"/>
+            </a:pPr>
+            <a:endParaRPr lang="ru-RU" dirty="0"/>
+          </a:p>
+        </p:txBody>
+      </p:sp>
+      <p:sp>
+        <p:nvSpPr>
+          <p:cNvPr id="4" name="Номер слайда 3"/>
+          <p:cNvSpPr>
+            <a:spLocks noGrp="1"/>
+          </p:cNvSpPr>
+          <p:nvPr>
+            <p:ph type="sldNum" sz="quarter" idx="10"/>
+          </p:nvPr>
+        </p:nvSpPr>
+        <p:spPr/>
+        <p:txBody>
+          <a:bodyPr/>
+          <a:lstStyle/>
+          <a:p>
+            <a:pPr marL="0" marR="0" lvl="0" indent="0" algn="r" defTabSz="914400" rtl="0" eaLnBrk="1" fontAlgn="auto" latinLnBrk="0" hangingPunct="1">
+              <a:lnSpc>
+                <a:spcPct val="100000"/>
+              </a:lnSpc>
+              <a:spcBef>
+                <a:spcPts val="0"/>
+              </a:spcBef>
+              <a:spcAft>
+                <a:spcPts val="0"/>
+              </a:spcAft>
+              <a:buClrTx/>
+              <a:buSzTx/>
+              <a:buFontTx/>
+              <a:buNone/>
+              <a:tabLst/>
+              <a:defRPr/>
+            </a:pPr>
+            <a:fld id="{622F1C9E-D65E-417E-9FEF-9AD7ACC20294}" type="slidenum">
+              <a:rPr kumimoji="0" lang="ru-RU" sz="1200" b="0" i="0" u="none" strike="noStrike" kern="1200" cap="none" spc="0" normalizeH="0" baseline="0" noProof="0" smtClean="0">
+                <a:ln>
+                  <a:noFill/>
+                </a:ln>
+                <a:solidFill>
+                  <a:prstClr val="black"/>
+                </a:solidFill>
+                <a:effectLst/>
+                <a:uLnTx/>
+                <a:uFillTx/>
+                <a:latin typeface="Calibri" panose="020F0502020204030204"/>
+                <a:ea typeface="+mn-ea"/>
+                <a:cs typeface="+mn-cs"/>
+              </a:rPr>
+              <a:pPr marL="0" marR="0" lvl="0" indent="0" algn="r" defTabSz="914400" rtl="0" eaLnBrk="1" fontAlgn="auto" latinLnBrk="0" hangingPunct="1">
+                <a:lnSpc>
+                  <a:spcPct val="100000"/>
+                </a:lnSpc>
+                <a:spcBef>
+                  <a:spcPts val="0"/>
+                </a:spcBef>
+                <a:spcAft>
+                  <a:spcPts val="0"/>
+                </a:spcAft>
+                <a:buClrTx/>
+                <a:buSzTx/>
+                <a:buFontTx/>
+                <a:buNone/>
+                <a:tabLst/>
+                <a:defRPr/>
+              </a:pPr>
+              <a:t>69</a:t>
+            </a:fld>
+            <a:endParaRPr kumimoji="0" lang="ru-RU" sz="1200" b="0" i="0" u="none" strike="noStrike" kern="1200" cap="none" spc="0" normalizeH="0" baseline="0" noProof="0">
+              <a:ln>
+                <a:noFill/>
+              </a:ln>
+              <a:solidFill>
+                <a:prstClr val="black"/>
+              </a:solidFill>
+              <a:effectLst/>
+              <a:uLnTx/>
+              <a:uFillTx/>
+              <a:latin typeface="Calibri" panose="020F0502020204030204"/>
+              <a:ea typeface="+mn-ea"/>
+              <a:cs typeface="+mn-cs"/>
+            </a:endParaRPr>
+          </a:p>
+        </p:txBody>
+      </p:sp>
+    </p:spTree>
+    <p:extLst>
+      <p:ext uri="{BB962C8B-B14F-4D97-AF65-F5344CB8AC3E}">
+        <p14:creationId xmlns:p14="http://schemas.microsoft.com/office/powerpoint/2010/main" val="4215205336"/>
+      </p:ext>
+    </p:extLst>
+  </p:cSld>
+  <p:clrMapOvr>
+    <a:masterClrMapping/>
+  </p:clrMapOvr>
+</p:notes>
+</file>
+
 <file path=ppt/slideLayouts/slideLayout1.xml><?xml version="1.0" encoding="utf-8"?>
 <p:sldLayout xmlns:a="http://schemas.openxmlformats.org/drawingml/2006/main" xmlns:r="http://schemas.openxmlformats.org/officeDocument/2006/relationships" xmlns:p="http://schemas.openxmlformats.org/presentationml/2006/main" type="title" preserve="1">
   <p:cSld name="Титульный слайд">
@@ -1133,7 +4816,7 @@
           <a:p>
             <a:fld id="{F2FFB779-270B-4192-84BA-A697F48306DC}" type="datetimeFigureOut">
               <a:rPr lang="ru-RU" smtClean="0"/>
-              <a:t>10.07.2020</a:t>
+              <a:t>13.07.2020</a:t>
             </a:fld>
             <a:endParaRPr lang="ru-RU"/>
           </a:p>
@@ -1301,7 +4984,7 @@
           <a:p>
             <a:fld id="{F2FFB779-270B-4192-84BA-A697F48306DC}" type="datetimeFigureOut">
               <a:rPr lang="ru-RU" smtClean="0"/>
-              <a:t>10.07.2020</a:t>
+              <a:t>13.07.2020</a:t>
             </a:fld>
             <a:endParaRPr lang="ru-RU"/>
           </a:p>
@@ -1479,7 +5162,7 @@
           <a:p>
             <a:fld id="{F2FFB779-270B-4192-84BA-A697F48306DC}" type="datetimeFigureOut">
               <a:rPr lang="ru-RU" smtClean="0"/>
-              <a:t>10.07.2020</a:t>
+              <a:t>13.07.2020</a:t>
             </a:fld>
             <a:endParaRPr lang="ru-RU"/>
           </a:p>
@@ -1647,7 +5330,7 @@
           <a:p>
             <a:fld id="{F2FFB779-270B-4192-84BA-A697F48306DC}" type="datetimeFigureOut">
               <a:rPr lang="ru-RU" smtClean="0"/>
-              <a:t>10.07.2020</a:t>
+              <a:t>13.07.2020</a:t>
             </a:fld>
             <a:endParaRPr lang="ru-RU"/>
           </a:p>
@@ -1892,7 +5575,7 @@
           <a:p>
             <a:fld id="{F2FFB779-270B-4192-84BA-A697F48306DC}" type="datetimeFigureOut">
               <a:rPr lang="ru-RU" smtClean="0"/>
-              <a:t>10.07.2020</a:t>
+              <a:t>13.07.2020</a:t>
             </a:fld>
             <a:endParaRPr lang="ru-RU"/>
           </a:p>
@@ -2121,7 +5804,7 @@
           <a:p>
             <a:fld id="{F2FFB779-270B-4192-84BA-A697F48306DC}" type="datetimeFigureOut">
               <a:rPr lang="ru-RU" smtClean="0"/>
-              <a:t>10.07.2020</a:t>
+              <a:t>13.07.2020</a:t>
             </a:fld>
             <a:endParaRPr lang="ru-RU"/>
           </a:p>
@@ -2485,7 +6168,7 @@
           <a:p>
             <a:fld id="{F2FFB779-270B-4192-84BA-A697F48306DC}" type="datetimeFigureOut">
               <a:rPr lang="ru-RU" smtClean="0"/>
-              <a:t>10.07.2020</a:t>
+              <a:t>13.07.2020</a:t>
             </a:fld>
             <a:endParaRPr lang="ru-RU"/>
           </a:p>
@@ -2602,7 +6285,7 @@
           <a:p>
             <a:fld id="{F2FFB779-270B-4192-84BA-A697F48306DC}" type="datetimeFigureOut">
               <a:rPr lang="ru-RU" smtClean="0"/>
-              <a:t>10.07.2020</a:t>
+              <a:t>13.07.2020</a:t>
             </a:fld>
             <a:endParaRPr lang="ru-RU"/>
           </a:p>
@@ -2697,7 +6380,7 @@
           <a:p>
             <a:fld id="{F2FFB779-270B-4192-84BA-A697F48306DC}" type="datetimeFigureOut">
               <a:rPr lang="ru-RU" smtClean="0"/>
-              <a:t>10.07.2020</a:t>
+              <a:t>13.07.2020</a:t>
             </a:fld>
             <a:endParaRPr lang="ru-RU"/>
           </a:p>
@@ -2972,7 +6655,7 @@
           <a:p>
             <a:fld id="{F2FFB779-270B-4192-84BA-A697F48306DC}" type="datetimeFigureOut">
               <a:rPr lang="ru-RU" smtClean="0"/>
-              <a:t>10.07.2020</a:t>
+              <a:t>13.07.2020</a:t>
             </a:fld>
             <a:endParaRPr lang="ru-RU"/>
           </a:p>
@@ -3224,7 +6907,7 @@
           <a:p>
             <a:fld id="{F2FFB779-270B-4192-84BA-A697F48306DC}" type="datetimeFigureOut">
               <a:rPr lang="ru-RU" smtClean="0"/>
-              <a:t>10.07.2020</a:t>
+              <a:t>13.07.2020</a:t>
             </a:fld>
             <a:endParaRPr lang="ru-RU"/>
           </a:p>
@@ -3435,7 +7118,7 @@
           <a:p>
             <a:fld id="{F2FFB779-270B-4192-84BA-A697F48306DC}" type="datetimeFigureOut">
               <a:rPr lang="ru-RU" smtClean="0"/>
-              <a:t>10.07.2020</a:t>
+              <a:t>13.07.2020</a:t>
             </a:fld>
             <a:endParaRPr lang="ru-RU"/>
           </a:p>
@@ -3853,7 +7536,7 @@
           <p:cNvPr id="4" name="TextBox 3">
             <a:extLst>
               <a:ext uri="{FF2B5EF4-FFF2-40B4-BE49-F238E27FC236}">
-                <a16:creationId xmlns:a16="http://schemas.microsoft.com/office/drawing/2014/main" xmlns="" id="{04D158B8-9362-4BF2-882E-C13EA3EF3EF0}"/>
+                <a16:creationId xmlns:a16="http://schemas.microsoft.com/office/drawing/2014/main" id="{04D158B8-9362-4BF2-882E-C13EA3EF3EF0}"/>
               </a:ext>
             </a:extLst>
           </p:cNvPr>
@@ -3945,7 +7628,7 @@
           <p:cNvPr id="2" name="Рисунок 2" descr="Изображение выглядит как знак&#10;&#10;Автоматически созданное описание">
             <a:extLst>
               <a:ext uri="{FF2B5EF4-FFF2-40B4-BE49-F238E27FC236}">
-                <a16:creationId xmlns:a16="http://schemas.microsoft.com/office/drawing/2014/main" xmlns="" id="{643AF698-9649-4FE5-B57B-D63B1979621A}"/>
+                <a16:creationId xmlns:a16="http://schemas.microsoft.com/office/drawing/2014/main" id="{643AF698-9649-4FE5-B57B-D63B1979621A}"/>
               </a:ext>
             </a:extLst>
           </p:cNvPr>
@@ -3975,7 +7658,7 @@
           <p:cNvPr id="6" name="Рисунок 2" descr="Изображение выглядит как знак&#10;&#10;Автоматически созданное описание">
             <a:extLst>
               <a:ext uri="{FF2B5EF4-FFF2-40B4-BE49-F238E27FC236}">
-                <a16:creationId xmlns:a16="http://schemas.microsoft.com/office/drawing/2014/main" xmlns="" id="{E62650C7-5A56-4458-8455-E76C997A3CCA}"/>
+                <a16:creationId xmlns:a16="http://schemas.microsoft.com/office/drawing/2014/main" id="{E62650C7-5A56-4458-8455-E76C997A3CCA}"/>
               </a:ext>
             </a:extLst>
           </p:cNvPr>
@@ -4005,7 +7688,7 @@
           <p:cNvPr id="4" name="Рисунок 4" descr="Изображение выглядит как знак, часы&#10;&#10;Автоматически созданное описание">
             <a:extLst>
               <a:ext uri="{FF2B5EF4-FFF2-40B4-BE49-F238E27FC236}">
-                <a16:creationId xmlns:a16="http://schemas.microsoft.com/office/drawing/2014/main" xmlns="" id="{C0715713-18D8-4672-A392-99BE9242E0A0}"/>
+                <a16:creationId xmlns:a16="http://schemas.microsoft.com/office/drawing/2014/main" id="{C0715713-18D8-4672-A392-99BE9242E0A0}"/>
               </a:ext>
             </a:extLst>
           </p:cNvPr>
@@ -4073,7 +7756,7 @@
           <p:cNvPr id="7" name="Рисунок 2" descr="Изображение выглядит как знак&#10;&#10;Автоматически созданное описание">
             <a:extLst>
               <a:ext uri="{FF2B5EF4-FFF2-40B4-BE49-F238E27FC236}">
-                <a16:creationId xmlns:a16="http://schemas.microsoft.com/office/drawing/2014/main" xmlns="" id="{406787F7-34F3-4578-8383-E3660837B270}"/>
+                <a16:creationId xmlns:a16="http://schemas.microsoft.com/office/drawing/2014/main" id="{406787F7-34F3-4578-8383-E3660837B270}"/>
               </a:ext>
             </a:extLst>
           </p:cNvPr>
@@ -4103,7 +7786,7 @@
           <p:cNvPr id="3" name="Рисунок 3" descr="Изображение выглядит как рисунок&#10;&#10;Автоматически созданное описание">
             <a:extLst>
               <a:ext uri="{FF2B5EF4-FFF2-40B4-BE49-F238E27FC236}">
-                <a16:creationId xmlns:a16="http://schemas.microsoft.com/office/drawing/2014/main" xmlns="" id="{FC6F666A-A6B3-453F-9A9B-0A5B8D721905}"/>
+                <a16:creationId xmlns:a16="http://schemas.microsoft.com/office/drawing/2014/main" id="{FC6F666A-A6B3-453F-9A9B-0A5B8D721905}"/>
               </a:ext>
             </a:extLst>
           </p:cNvPr>
@@ -4132,7 +7815,7 @@
           <p:cNvPr id="5" name="Рисунок 5" descr="Изображение выглядит как стул&#10;&#10;Автоматически созданное описание">
             <a:extLst>
               <a:ext uri="{FF2B5EF4-FFF2-40B4-BE49-F238E27FC236}">
-                <a16:creationId xmlns:a16="http://schemas.microsoft.com/office/drawing/2014/main" xmlns="" id="{B7763C02-CDFF-4BDB-A137-3F2DC619E9F4}"/>
+                <a16:creationId xmlns:a16="http://schemas.microsoft.com/office/drawing/2014/main" id="{B7763C02-CDFF-4BDB-A137-3F2DC619E9F4}"/>
               </a:ext>
             </a:extLst>
           </p:cNvPr>
@@ -4200,7 +7883,7 @@
           <p:cNvPr id="5" name="Рисунок 2" descr="Изображение выглядит как знак&#10;&#10;Автоматически созданное описание">
             <a:extLst>
               <a:ext uri="{FF2B5EF4-FFF2-40B4-BE49-F238E27FC236}">
-                <a16:creationId xmlns:a16="http://schemas.microsoft.com/office/drawing/2014/main" xmlns="" id="{94CE257F-A4AB-4D99-8638-F51E066F3AF6}"/>
+                <a16:creationId xmlns:a16="http://schemas.microsoft.com/office/drawing/2014/main" id="{94CE257F-A4AB-4D99-8638-F51E066F3AF6}"/>
               </a:ext>
             </a:extLst>
           </p:cNvPr>
@@ -4230,7 +7913,7 @@
           <p:cNvPr id="7" name="Рисунок 2" descr="Изображение выглядит как рисунок&#10;&#10;Автоматически созданное описание">
             <a:extLst>
               <a:ext uri="{FF2B5EF4-FFF2-40B4-BE49-F238E27FC236}">
-                <a16:creationId xmlns:a16="http://schemas.microsoft.com/office/drawing/2014/main" xmlns="" id="{4EAD6ACE-3298-4D74-B944-64C6FF04E9A0}"/>
+                <a16:creationId xmlns:a16="http://schemas.microsoft.com/office/drawing/2014/main" id="{4EAD6ACE-3298-4D74-B944-64C6FF04E9A0}"/>
               </a:ext>
             </a:extLst>
           </p:cNvPr>
@@ -4305,7 +7988,7 @@
           <p:cNvPr id="4" name="Рисунок 4" descr="Изображение выглядит как знак, рисунок, часы&#10;&#10;Автоматически созданное описание">
             <a:extLst>
               <a:ext uri="{FF2B5EF4-FFF2-40B4-BE49-F238E27FC236}">
-                <a16:creationId xmlns:a16="http://schemas.microsoft.com/office/drawing/2014/main" xmlns="" id="{B6FB7A48-50FC-4BF0-B13B-ED1B6273FE43}"/>
+                <a16:creationId xmlns:a16="http://schemas.microsoft.com/office/drawing/2014/main" id="{B6FB7A48-50FC-4BF0-B13B-ED1B6273FE43}"/>
               </a:ext>
             </a:extLst>
           </p:cNvPr>
@@ -4373,7 +8056,7 @@
           <p:cNvPr id="3" name="Рисунок 3" descr="Изображение выглядит как устройство&#10;&#10;Автоматически созданное описание">
             <a:extLst>
               <a:ext uri="{FF2B5EF4-FFF2-40B4-BE49-F238E27FC236}">
-                <a16:creationId xmlns:a16="http://schemas.microsoft.com/office/drawing/2014/main" xmlns="" id="{A429CB02-01DF-4770-8DAB-A55DBEC1392F}"/>
+                <a16:creationId xmlns:a16="http://schemas.microsoft.com/office/drawing/2014/main" id="{A429CB02-01DF-4770-8DAB-A55DBEC1392F}"/>
               </a:ext>
             </a:extLst>
           </p:cNvPr>
@@ -4448,7 +8131,7 @@
           <p:cNvPr id="3" name="TextBox 2">
             <a:extLst>
               <a:ext uri="{FF2B5EF4-FFF2-40B4-BE49-F238E27FC236}">
-                <a16:creationId xmlns:a16="http://schemas.microsoft.com/office/drawing/2014/main" xmlns="" id="{AFAB66F8-ED4A-48EE-85D2-C79AC4668A7D}"/>
+                <a16:creationId xmlns:a16="http://schemas.microsoft.com/office/drawing/2014/main" id="{AFAB66F8-ED4A-48EE-85D2-C79AC4668A7D}"/>
               </a:ext>
             </a:extLst>
           </p:cNvPr>
@@ -4564,7 +8247,7 @@
           <p:cNvPr id="12" name="Овал 11">
             <a:extLst>
               <a:ext uri="{FF2B5EF4-FFF2-40B4-BE49-F238E27FC236}">
-                <a16:creationId xmlns:a16="http://schemas.microsoft.com/office/drawing/2014/main" xmlns="" id="{03E676E9-9DCC-4F60-B574-E1C1AA87C2CC}"/>
+                <a16:creationId xmlns:a16="http://schemas.microsoft.com/office/drawing/2014/main" id="{03E676E9-9DCC-4F60-B574-E1C1AA87C2CC}"/>
               </a:ext>
             </a:extLst>
           </p:cNvPr>
@@ -4610,7 +8293,7 @@
           <p:cNvPr id="10" name="Овал 9">
             <a:extLst>
               <a:ext uri="{FF2B5EF4-FFF2-40B4-BE49-F238E27FC236}">
-                <a16:creationId xmlns:a16="http://schemas.microsoft.com/office/drawing/2014/main" xmlns="" id="{03E676E9-9DCC-4F60-B574-E1C1AA87C2CC}"/>
+                <a16:creationId xmlns:a16="http://schemas.microsoft.com/office/drawing/2014/main" id="{03E676E9-9DCC-4F60-B574-E1C1AA87C2CC}"/>
               </a:ext>
             </a:extLst>
           </p:cNvPr>
@@ -4656,7 +8339,7 @@
           <p:cNvPr id="5" name="TextBox 4">
             <a:extLst>
               <a:ext uri="{FF2B5EF4-FFF2-40B4-BE49-F238E27FC236}">
-                <a16:creationId xmlns:a16="http://schemas.microsoft.com/office/drawing/2014/main" xmlns="" id="{A733F6D1-2B8A-4DC2-B0FA-03B41AD271CD}"/>
+                <a16:creationId xmlns:a16="http://schemas.microsoft.com/office/drawing/2014/main" id="{A733F6D1-2B8A-4DC2-B0FA-03B41AD271CD}"/>
               </a:ext>
             </a:extLst>
           </p:cNvPr>
@@ -4720,7 +8403,7 @@
             <p:cNvPr id="11" name="Овал 10">
               <a:extLst>
                 <a:ext uri="{FF2B5EF4-FFF2-40B4-BE49-F238E27FC236}">
-                  <a16:creationId xmlns:a16="http://schemas.microsoft.com/office/drawing/2014/main" xmlns="" id="{03E676E9-9DCC-4F60-B574-E1C1AA87C2CC}"/>
+                  <a16:creationId xmlns:a16="http://schemas.microsoft.com/office/drawing/2014/main" id="{03E676E9-9DCC-4F60-B574-E1C1AA87C2CC}"/>
                 </a:ext>
               </a:extLst>
             </p:cNvPr>
@@ -4766,7 +8449,7 @@
             <p:cNvPr id="7" name="TextBox 6">
               <a:extLst>
                 <a:ext uri="{FF2B5EF4-FFF2-40B4-BE49-F238E27FC236}">
-                  <a16:creationId xmlns:a16="http://schemas.microsoft.com/office/drawing/2014/main" xmlns="" id="{A733F6D1-2B8A-4DC2-B0FA-03B41AD271CD}"/>
+                  <a16:creationId xmlns:a16="http://schemas.microsoft.com/office/drawing/2014/main" id="{A733F6D1-2B8A-4DC2-B0FA-03B41AD271CD}"/>
                 </a:ext>
               </a:extLst>
             </p:cNvPr>
@@ -4829,7 +8512,7 @@
           <p:cNvPr id="9" name="TextBox 8">
             <a:extLst>
               <a:ext uri="{FF2B5EF4-FFF2-40B4-BE49-F238E27FC236}">
-                <a16:creationId xmlns:a16="http://schemas.microsoft.com/office/drawing/2014/main" xmlns="" id="{A733F6D1-2B8A-4DC2-B0FA-03B41AD271CD}"/>
+                <a16:creationId xmlns:a16="http://schemas.microsoft.com/office/drawing/2014/main" id="{A733F6D1-2B8A-4DC2-B0FA-03B41AD271CD}"/>
               </a:ext>
             </a:extLst>
           </p:cNvPr>
@@ -5300,7 +8983,7 @@
             <p:cNvPr id="12" name="Овал 11">
               <a:extLst>
                 <a:ext uri="{FF2B5EF4-FFF2-40B4-BE49-F238E27FC236}">
-                  <a16:creationId xmlns:a16="http://schemas.microsoft.com/office/drawing/2014/main" xmlns="" id="{03E676E9-9DCC-4F60-B574-E1C1AA87C2CC}"/>
+                  <a16:creationId xmlns:a16="http://schemas.microsoft.com/office/drawing/2014/main" id="{03E676E9-9DCC-4F60-B574-E1C1AA87C2CC}"/>
                 </a:ext>
               </a:extLst>
             </p:cNvPr>
@@ -5346,7 +9029,7 @@
             <p:cNvPr id="13" name="TextBox 12">
               <a:extLst>
                 <a:ext uri="{FF2B5EF4-FFF2-40B4-BE49-F238E27FC236}">
-                  <a16:creationId xmlns:a16="http://schemas.microsoft.com/office/drawing/2014/main" xmlns="" id="{A733F6D1-2B8A-4DC2-B0FA-03B41AD271CD}"/>
+                  <a16:creationId xmlns:a16="http://schemas.microsoft.com/office/drawing/2014/main" id="{A733F6D1-2B8A-4DC2-B0FA-03B41AD271CD}"/>
                 </a:ext>
               </a:extLst>
             </p:cNvPr>
@@ -5690,7 +9373,7 @@
           <p:cNvPr id="2" name="TextBox 1">
             <a:extLst>
               <a:ext uri="{FF2B5EF4-FFF2-40B4-BE49-F238E27FC236}">
-                <a16:creationId xmlns:a16="http://schemas.microsoft.com/office/drawing/2014/main" xmlns="" id="{AFAB66F8-ED4A-48EE-85D2-C79AC4668A7D}"/>
+                <a16:creationId xmlns:a16="http://schemas.microsoft.com/office/drawing/2014/main" id="{AFAB66F8-ED4A-48EE-85D2-C79AC4668A7D}"/>
               </a:ext>
             </a:extLst>
           </p:cNvPr>
@@ -5800,7 +9483,7 @@
           <p:cNvPr id="2" name="TextBox 1">
             <a:extLst>
               <a:ext uri="{FF2B5EF4-FFF2-40B4-BE49-F238E27FC236}">
-                <a16:creationId xmlns:a16="http://schemas.microsoft.com/office/drawing/2014/main" xmlns="" id="{AFAB66F8-ED4A-48EE-85D2-C79AC4668A7D}"/>
+                <a16:creationId xmlns:a16="http://schemas.microsoft.com/office/drawing/2014/main" id="{AFAB66F8-ED4A-48EE-85D2-C79AC4668A7D}"/>
               </a:ext>
             </a:extLst>
           </p:cNvPr>
@@ -5910,7 +9593,7 @@
           <p:cNvPr id="3" name="Рисунок 3">
             <a:extLst>
               <a:ext uri="{FF2B5EF4-FFF2-40B4-BE49-F238E27FC236}">
-                <a16:creationId xmlns:a16="http://schemas.microsoft.com/office/drawing/2014/main" xmlns="" id="{95C4A76A-44E2-479C-A2FE-C23CCB3FF729}"/>
+                <a16:creationId xmlns:a16="http://schemas.microsoft.com/office/drawing/2014/main" id="{95C4A76A-44E2-479C-A2FE-C23CCB3FF729}"/>
               </a:ext>
             </a:extLst>
           </p:cNvPr>
@@ -5940,7 +9623,7 @@
           <p:cNvPr id="4" name="Рисунок 4" descr="Изображение выглядит как знак&#10;&#10;Автоматически созданное описание">
             <a:extLst>
               <a:ext uri="{FF2B5EF4-FFF2-40B4-BE49-F238E27FC236}">
-                <a16:creationId xmlns:a16="http://schemas.microsoft.com/office/drawing/2014/main" xmlns="" id="{66730876-7F49-43AB-9DB2-FF5F99C2F4C1}"/>
+                <a16:creationId xmlns:a16="http://schemas.microsoft.com/office/drawing/2014/main" id="{66730876-7F49-43AB-9DB2-FF5F99C2F4C1}"/>
               </a:ext>
             </a:extLst>
           </p:cNvPr>
@@ -6008,7 +9691,7 @@
           <p:cNvPr id="2" name="TextBox 1">
             <a:extLst>
               <a:ext uri="{FF2B5EF4-FFF2-40B4-BE49-F238E27FC236}">
-                <a16:creationId xmlns:a16="http://schemas.microsoft.com/office/drawing/2014/main" xmlns="" id="{AFAB66F8-ED4A-48EE-85D2-C79AC4668A7D}"/>
+                <a16:creationId xmlns:a16="http://schemas.microsoft.com/office/drawing/2014/main" id="{AFAB66F8-ED4A-48EE-85D2-C79AC4668A7D}"/>
               </a:ext>
             </a:extLst>
           </p:cNvPr>
@@ -6132,7 +9815,7 @@
             <p:cNvPr id="12" name="Овал 11">
               <a:extLst>
                 <a:ext uri="{FF2B5EF4-FFF2-40B4-BE49-F238E27FC236}">
-                  <a16:creationId xmlns:a16="http://schemas.microsoft.com/office/drawing/2014/main" xmlns="" id="{03E676E9-9DCC-4F60-B574-E1C1AA87C2CC}"/>
+                  <a16:creationId xmlns:a16="http://schemas.microsoft.com/office/drawing/2014/main" id="{03E676E9-9DCC-4F60-B574-E1C1AA87C2CC}"/>
                 </a:ext>
               </a:extLst>
             </p:cNvPr>
@@ -6182,7 +9865,7 @@
             <p:cNvPr id="5" name="TextBox 4">
               <a:extLst>
                 <a:ext uri="{FF2B5EF4-FFF2-40B4-BE49-F238E27FC236}">
-                  <a16:creationId xmlns:a16="http://schemas.microsoft.com/office/drawing/2014/main" xmlns="" id="{A733F6D1-2B8A-4DC2-B0FA-03B41AD271CD}"/>
+                  <a16:creationId xmlns:a16="http://schemas.microsoft.com/office/drawing/2014/main" id="{A733F6D1-2B8A-4DC2-B0FA-03B41AD271CD}"/>
                 </a:ext>
               </a:extLst>
             </p:cNvPr>
@@ -6246,7 +9929,7 @@
             <p:cNvPr id="11" name="Овал 10">
               <a:extLst>
                 <a:ext uri="{FF2B5EF4-FFF2-40B4-BE49-F238E27FC236}">
-                  <a16:creationId xmlns:a16="http://schemas.microsoft.com/office/drawing/2014/main" xmlns="" id="{03E676E9-9DCC-4F60-B574-E1C1AA87C2CC}"/>
+                  <a16:creationId xmlns:a16="http://schemas.microsoft.com/office/drawing/2014/main" id="{03E676E9-9DCC-4F60-B574-E1C1AA87C2CC}"/>
                 </a:ext>
               </a:extLst>
             </p:cNvPr>
@@ -6296,7 +9979,7 @@
             <p:cNvPr id="7" name="TextBox 6">
               <a:extLst>
                 <a:ext uri="{FF2B5EF4-FFF2-40B4-BE49-F238E27FC236}">
-                  <a16:creationId xmlns:a16="http://schemas.microsoft.com/office/drawing/2014/main" xmlns="" id="{A733F6D1-2B8A-4DC2-B0FA-03B41AD271CD}"/>
+                  <a16:creationId xmlns:a16="http://schemas.microsoft.com/office/drawing/2014/main" id="{A733F6D1-2B8A-4DC2-B0FA-03B41AD271CD}"/>
                 </a:ext>
               </a:extLst>
             </p:cNvPr>
@@ -6373,7 +10056,7 @@
             <p:cNvPr id="10" name="Овал 9">
               <a:extLst>
                 <a:ext uri="{FF2B5EF4-FFF2-40B4-BE49-F238E27FC236}">
-                  <a16:creationId xmlns:a16="http://schemas.microsoft.com/office/drawing/2014/main" xmlns="" id="{03E676E9-9DCC-4F60-B574-E1C1AA87C2CC}"/>
+                  <a16:creationId xmlns:a16="http://schemas.microsoft.com/office/drawing/2014/main" id="{03E676E9-9DCC-4F60-B574-E1C1AA87C2CC}"/>
                 </a:ext>
               </a:extLst>
             </p:cNvPr>
@@ -6423,7 +10106,7 @@
             <p:cNvPr id="9" name="TextBox 8">
               <a:extLst>
                 <a:ext uri="{FF2B5EF4-FFF2-40B4-BE49-F238E27FC236}">
-                  <a16:creationId xmlns:a16="http://schemas.microsoft.com/office/drawing/2014/main" xmlns="" id="{A733F6D1-2B8A-4DC2-B0FA-03B41AD271CD}"/>
+                  <a16:creationId xmlns:a16="http://schemas.microsoft.com/office/drawing/2014/main" id="{A733F6D1-2B8A-4DC2-B0FA-03B41AD271CD}"/>
                 </a:ext>
               </a:extLst>
             </p:cNvPr>
@@ -6827,7 +10510,7 @@
             <p:cNvPr id="8" name="Овал 7">
               <a:extLst>
                 <a:ext uri="{FF2B5EF4-FFF2-40B4-BE49-F238E27FC236}">
-                  <a16:creationId xmlns:a16="http://schemas.microsoft.com/office/drawing/2014/main" xmlns="" id="{03E676E9-9DCC-4F60-B574-E1C1AA87C2CC}"/>
+                  <a16:creationId xmlns:a16="http://schemas.microsoft.com/office/drawing/2014/main" id="{03E676E9-9DCC-4F60-B574-E1C1AA87C2CC}"/>
                 </a:ext>
               </a:extLst>
             </p:cNvPr>
@@ -6877,7 +10560,7 @@
             <p:cNvPr id="9" name="TextBox 8">
               <a:extLst>
                 <a:ext uri="{FF2B5EF4-FFF2-40B4-BE49-F238E27FC236}">
-                  <a16:creationId xmlns:a16="http://schemas.microsoft.com/office/drawing/2014/main" xmlns="" id="{A733F6D1-2B8A-4DC2-B0FA-03B41AD271CD}"/>
+                  <a16:creationId xmlns:a16="http://schemas.microsoft.com/office/drawing/2014/main" id="{A733F6D1-2B8A-4DC2-B0FA-03B41AD271CD}"/>
                 </a:ext>
               </a:extLst>
             </p:cNvPr>
@@ -7067,7 +10750,7 @@
           <p:cNvPr id="2" name="TextBox 1">
             <a:extLst>
               <a:ext uri="{FF2B5EF4-FFF2-40B4-BE49-F238E27FC236}">
-                <a16:creationId xmlns:a16="http://schemas.microsoft.com/office/drawing/2014/main" xmlns="" id="{AFAB66F8-ED4A-48EE-85D2-C79AC4668A7D}"/>
+                <a16:creationId xmlns:a16="http://schemas.microsoft.com/office/drawing/2014/main" id="{AFAB66F8-ED4A-48EE-85D2-C79AC4668A7D}"/>
               </a:ext>
             </a:extLst>
           </p:cNvPr>
@@ -7177,7 +10860,7 @@
           <p:cNvPr id="2" name="TextBox 1">
             <a:extLst>
               <a:ext uri="{FF2B5EF4-FFF2-40B4-BE49-F238E27FC236}">
-                <a16:creationId xmlns:a16="http://schemas.microsoft.com/office/drawing/2014/main" xmlns="" id="{AFAB66F8-ED4A-48EE-85D2-C79AC4668A7D}"/>
+                <a16:creationId xmlns:a16="http://schemas.microsoft.com/office/drawing/2014/main" id="{AFAB66F8-ED4A-48EE-85D2-C79AC4668A7D}"/>
               </a:ext>
             </a:extLst>
           </p:cNvPr>
@@ -7297,7 +10980,7 @@
           <p:cNvPr id="2" name="TextBox 1">
             <a:extLst>
               <a:ext uri="{FF2B5EF4-FFF2-40B4-BE49-F238E27FC236}">
-                <a16:creationId xmlns:a16="http://schemas.microsoft.com/office/drawing/2014/main" xmlns="" id="{AFAB66F8-ED4A-48EE-85D2-C79AC4668A7D}"/>
+                <a16:creationId xmlns:a16="http://schemas.microsoft.com/office/drawing/2014/main" id="{AFAB66F8-ED4A-48EE-85D2-C79AC4668A7D}"/>
               </a:ext>
             </a:extLst>
           </p:cNvPr>
@@ -7548,7 +11231,7 @@
           <p:cNvPr id="2" name="TextBox 1">
             <a:extLst>
               <a:ext uri="{FF2B5EF4-FFF2-40B4-BE49-F238E27FC236}">
-                <a16:creationId xmlns:a16="http://schemas.microsoft.com/office/drawing/2014/main" xmlns="" id="{AFAB66F8-ED4A-48EE-85D2-C79AC4668A7D}"/>
+                <a16:creationId xmlns:a16="http://schemas.microsoft.com/office/drawing/2014/main" id="{AFAB66F8-ED4A-48EE-85D2-C79AC4668A7D}"/>
               </a:ext>
             </a:extLst>
           </p:cNvPr>
@@ -7739,7 +11422,7 @@
           <p:cNvPr id="2" name="TextBox 1">
             <a:extLst>
               <a:ext uri="{FF2B5EF4-FFF2-40B4-BE49-F238E27FC236}">
-                <a16:creationId xmlns:a16="http://schemas.microsoft.com/office/drawing/2014/main" xmlns="" id="{AFAB66F8-ED4A-48EE-85D2-C79AC4668A7D}"/>
+                <a16:creationId xmlns:a16="http://schemas.microsoft.com/office/drawing/2014/main" id="{AFAB66F8-ED4A-48EE-85D2-C79AC4668A7D}"/>
               </a:ext>
             </a:extLst>
           </p:cNvPr>
@@ -7871,7 +11554,7 @@
           <p:cNvPr id="2" name="TextBox 1">
             <a:extLst>
               <a:ext uri="{FF2B5EF4-FFF2-40B4-BE49-F238E27FC236}">
-                <a16:creationId xmlns:a16="http://schemas.microsoft.com/office/drawing/2014/main" xmlns="" id="{AFAB66F8-ED4A-48EE-85D2-C79AC4668A7D}"/>
+                <a16:creationId xmlns:a16="http://schemas.microsoft.com/office/drawing/2014/main" id="{AFAB66F8-ED4A-48EE-85D2-C79AC4668A7D}"/>
               </a:ext>
             </a:extLst>
           </p:cNvPr>
@@ -8266,7 +11949,7 @@
           <p:cNvPr id="2" name="TextBox 1">
             <a:extLst>
               <a:ext uri="{FF2B5EF4-FFF2-40B4-BE49-F238E27FC236}">
-                <a16:creationId xmlns:a16="http://schemas.microsoft.com/office/drawing/2014/main" xmlns="" id="{AFAB66F8-ED4A-48EE-85D2-C79AC4668A7D}"/>
+                <a16:creationId xmlns:a16="http://schemas.microsoft.com/office/drawing/2014/main" id="{AFAB66F8-ED4A-48EE-85D2-C79AC4668A7D}"/>
               </a:ext>
             </a:extLst>
           </p:cNvPr>
@@ -8363,7 +12046,7 @@
           <p:cNvPr id="2" name="Рисунок 2" descr="Изображение выглядит как рисунок&#10;&#10;Автоматически созданное описание">
             <a:extLst>
               <a:ext uri="{FF2B5EF4-FFF2-40B4-BE49-F238E27FC236}">
-                <a16:creationId xmlns:a16="http://schemas.microsoft.com/office/drawing/2014/main" xmlns="" id="{81DC1A7B-2B0C-47E5-A6F1-FCCAC192F23D}"/>
+                <a16:creationId xmlns:a16="http://schemas.microsoft.com/office/drawing/2014/main" id="{81DC1A7B-2B0C-47E5-A6F1-FCCAC192F23D}"/>
               </a:ext>
             </a:extLst>
           </p:cNvPr>
@@ -8393,7 +12076,7 @@
           <p:cNvPr id="5" name="Рисунок 5">
             <a:extLst>
               <a:ext uri="{FF2B5EF4-FFF2-40B4-BE49-F238E27FC236}">
-                <a16:creationId xmlns:a16="http://schemas.microsoft.com/office/drawing/2014/main" xmlns="" id="{B0D009A0-57C3-4D4D-B1D0-6B70F709CD8A}"/>
+                <a16:creationId xmlns:a16="http://schemas.microsoft.com/office/drawing/2014/main" id="{B0D009A0-57C3-4D4D-B1D0-6B70F709CD8A}"/>
               </a:ext>
             </a:extLst>
           </p:cNvPr>
@@ -8423,7 +12106,7 @@
           <p:cNvPr id="6" name="Рисунок 6" descr="Изображение выглядит как рисунок&#10;&#10;Автоматически созданное описание">
             <a:extLst>
               <a:ext uri="{FF2B5EF4-FFF2-40B4-BE49-F238E27FC236}">
-                <a16:creationId xmlns:a16="http://schemas.microsoft.com/office/drawing/2014/main" xmlns="" id="{8B4C1875-E39D-477D-84F6-3749F436D282}"/>
+                <a16:creationId xmlns:a16="http://schemas.microsoft.com/office/drawing/2014/main" id="{8B4C1875-E39D-477D-84F6-3749F436D282}"/>
               </a:ext>
             </a:extLst>
           </p:cNvPr>
@@ -8453,7 +12136,7 @@
           <p:cNvPr id="9" name="Рисунок 9">
             <a:extLst>
               <a:ext uri="{FF2B5EF4-FFF2-40B4-BE49-F238E27FC236}">
-                <a16:creationId xmlns:a16="http://schemas.microsoft.com/office/drawing/2014/main" xmlns="" id="{E8BB2BAD-B852-4F51-B94F-087CF76564AF}"/>
+                <a16:creationId xmlns:a16="http://schemas.microsoft.com/office/drawing/2014/main" id="{E8BB2BAD-B852-4F51-B94F-087CF76564AF}"/>
               </a:ext>
             </a:extLst>
           </p:cNvPr>
@@ -8483,7 +12166,7 @@
           <p:cNvPr id="11" name="Рисунок 11" descr="Изображение выглядит как рисунок&#10;&#10;Автоматически созданное описание">
             <a:extLst>
               <a:ext uri="{FF2B5EF4-FFF2-40B4-BE49-F238E27FC236}">
-                <a16:creationId xmlns:a16="http://schemas.microsoft.com/office/drawing/2014/main" xmlns="" id="{914ACEFC-461A-48C0-97AB-D2477D2D884D}"/>
+                <a16:creationId xmlns:a16="http://schemas.microsoft.com/office/drawing/2014/main" id="{914ACEFC-461A-48C0-97AB-D2477D2D884D}"/>
               </a:ext>
             </a:extLst>
           </p:cNvPr>
@@ -8513,7 +12196,7 @@
           <p:cNvPr id="13" name="Рисунок 13" descr="Изображение выглядит как часы&#10;&#10;Автоматически созданное описание">
             <a:extLst>
               <a:ext uri="{FF2B5EF4-FFF2-40B4-BE49-F238E27FC236}">
-                <a16:creationId xmlns:a16="http://schemas.microsoft.com/office/drawing/2014/main" xmlns="" id="{0FD59164-34BB-4E4F-94CD-FFC9E1E9D58C}"/>
+                <a16:creationId xmlns:a16="http://schemas.microsoft.com/office/drawing/2014/main" id="{0FD59164-34BB-4E4F-94CD-FFC9E1E9D58C}"/>
               </a:ext>
             </a:extLst>
           </p:cNvPr>
@@ -8581,7 +12264,7 @@
           <p:cNvPr id="8" name="Рисунок 2" descr="Изображение выглядит как знак&#10;&#10;Автоматически созданное описание">
             <a:extLst>
               <a:ext uri="{FF2B5EF4-FFF2-40B4-BE49-F238E27FC236}">
-                <a16:creationId xmlns:a16="http://schemas.microsoft.com/office/drawing/2014/main" xmlns="" id="{94CE257F-A4AB-4D99-8638-F51E066F3AF6}"/>
+                <a16:creationId xmlns:a16="http://schemas.microsoft.com/office/drawing/2014/main" id="{94CE257F-A4AB-4D99-8638-F51E066F3AF6}"/>
               </a:ext>
             </a:extLst>
           </p:cNvPr>
@@ -8611,7 +12294,7 @@
           <p:cNvPr id="9" name="Рисунок 2" descr="Изображение выглядит как рисунок&#10;&#10;Автоматически созданное описание">
             <a:extLst>
               <a:ext uri="{FF2B5EF4-FFF2-40B4-BE49-F238E27FC236}">
-                <a16:creationId xmlns:a16="http://schemas.microsoft.com/office/drawing/2014/main" xmlns="" id="{4EAD6ACE-3298-4D74-B944-64C6FF04E9A0}"/>
+                <a16:creationId xmlns:a16="http://schemas.microsoft.com/office/drawing/2014/main" id="{4EAD6ACE-3298-4D74-B944-64C6FF04E9A0}"/>
               </a:ext>
             </a:extLst>
           </p:cNvPr>
@@ -8968,7 +12651,7 @@
           <p:cNvPr id="9" name="Рисунок 2" descr="Изображение выглядит как рисунок&#10;&#10;Автоматически созданное описание">
             <a:extLst>
               <a:ext uri="{FF2B5EF4-FFF2-40B4-BE49-F238E27FC236}">
-                <a16:creationId xmlns:a16="http://schemas.microsoft.com/office/drawing/2014/main" xmlns="" id="{4EAD6ACE-3298-4D74-B944-64C6FF04E9A0}"/>
+                <a16:creationId xmlns:a16="http://schemas.microsoft.com/office/drawing/2014/main" id="{4EAD6ACE-3298-4D74-B944-64C6FF04E9A0}"/>
               </a:ext>
             </a:extLst>
           </p:cNvPr>
@@ -9012,7 +12695,7 @@
             <p:cNvPr id="8" name="Рисунок 2" descr="Изображение выглядит как знак&#10;&#10;Автоматически созданное описание">
               <a:extLst>
                 <a:ext uri="{FF2B5EF4-FFF2-40B4-BE49-F238E27FC236}">
-                  <a16:creationId xmlns:a16="http://schemas.microsoft.com/office/drawing/2014/main" xmlns="" id="{94CE257F-A4AB-4D99-8638-F51E066F3AF6}"/>
+                  <a16:creationId xmlns:a16="http://schemas.microsoft.com/office/drawing/2014/main" id="{94CE257F-A4AB-4D99-8638-F51E066F3AF6}"/>
                 </a:ext>
               </a:extLst>
             </p:cNvPr>
@@ -9268,7 +12951,7 @@
           <p:cNvPr id="2" name="TextBox 1">
             <a:extLst>
               <a:ext uri="{FF2B5EF4-FFF2-40B4-BE49-F238E27FC236}">
-                <a16:creationId xmlns:a16="http://schemas.microsoft.com/office/drawing/2014/main" xmlns="" id="{AFAB66F8-ED4A-48EE-85D2-C79AC4668A7D}"/>
+                <a16:creationId xmlns:a16="http://schemas.microsoft.com/office/drawing/2014/main" id="{AFAB66F8-ED4A-48EE-85D2-C79AC4668A7D}"/>
               </a:ext>
             </a:extLst>
           </p:cNvPr>
@@ -9385,7 +13068,7 @@
           <p:cNvPr id="2" name="TextBox 1">
             <a:extLst>
               <a:ext uri="{FF2B5EF4-FFF2-40B4-BE49-F238E27FC236}">
-                <a16:creationId xmlns:a16="http://schemas.microsoft.com/office/drawing/2014/main" xmlns="" id="{AFAB66F8-ED4A-48EE-85D2-C79AC4668A7D}"/>
+                <a16:creationId xmlns:a16="http://schemas.microsoft.com/office/drawing/2014/main" id="{AFAB66F8-ED4A-48EE-85D2-C79AC4668A7D}"/>
               </a:ext>
             </a:extLst>
           </p:cNvPr>
@@ -9508,7 +13191,7 @@
           <p:cNvPr id="2" name="TextBox 1">
             <a:extLst>
               <a:ext uri="{FF2B5EF4-FFF2-40B4-BE49-F238E27FC236}">
-                <a16:creationId xmlns:a16="http://schemas.microsoft.com/office/drawing/2014/main" xmlns="" id="{AFAB66F8-ED4A-48EE-85D2-C79AC4668A7D}"/>
+                <a16:creationId xmlns:a16="http://schemas.microsoft.com/office/drawing/2014/main" id="{AFAB66F8-ED4A-48EE-85D2-C79AC4668A7D}"/>
               </a:ext>
             </a:extLst>
           </p:cNvPr>
@@ -9664,7 +13347,7 @@
               <p:cNvPr id="10" name="Овал 9">
                 <a:extLst>
                   <a:ext uri="{FF2B5EF4-FFF2-40B4-BE49-F238E27FC236}">
-                    <a16:creationId xmlns:a16="http://schemas.microsoft.com/office/drawing/2014/main" xmlns="" id="{03E676E9-9DCC-4F60-B574-E1C1AA87C2CC}"/>
+                    <a16:creationId xmlns:a16="http://schemas.microsoft.com/office/drawing/2014/main" id="{03E676E9-9DCC-4F60-B574-E1C1AA87C2CC}"/>
                   </a:ext>
                 </a:extLst>
               </p:cNvPr>
@@ -9710,7 +13393,7 @@
               <p:cNvPr id="7" name="TextBox 6">
                 <a:extLst>
                   <a:ext uri="{FF2B5EF4-FFF2-40B4-BE49-F238E27FC236}">
-                    <a16:creationId xmlns:a16="http://schemas.microsoft.com/office/drawing/2014/main" xmlns="" id="{A733F6D1-2B8A-4DC2-B0FA-03B41AD271CD}"/>
+                    <a16:creationId xmlns:a16="http://schemas.microsoft.com/office/drawing/2014/main" id="{A733F6D1-2B8A-4DC2-B0FA-03B41AD271CD}"/>
                   </a:ext>
                 </a:extLst>
               </p:cNvPr>
@@ -9775,7 +13458,7 @@
               <p:cNvPr id="13" name="Овал 12">
                 <a:extLst>
                   <a:ext uri="{FF2B5EF4-FFF2-40B4-BE49-F238E27FC236}">
-                    <a16:creationId xmlns:a16="http://schemas.microsoft.com/office/drawing/2014/main" xmlns="" id="{03E676E9-9DCC-4F60-B574-E1C1AA87C2CC}"/>
+                    <a16:creationId xmlns:a16="http://schemas.microsoft.com/office/drawing/2014/main" id="{03E676E9-9DCC-4F60-B574-E1C1AA87C2CC}"/>
                   </a:ext>
                 </a:extLst>
               </p:cNvPr>
@@ -9821,7 +13504,7 @@
               <p:cNvPr id="14" name="TextBox 13">
                 <a:extLst>
                   <a:ext uri="{FF2B5EF4-FFF2-40B4-BE49-F238E27FC236}">
-                    <a16:creationId xmlns:a16="http://schemas.microsoft.com/office/drawing/2014/main" xmlns="" id="{A733F6D1-2B8A-4DC2-B0FA-03B41AD271CD}"/>
+                    <a16:creationId xmlns:a16="http://schemas.microsoft.com/office/drawing/2014/main" id="{A733F6D1-2B8A-4DC2-B0FA-03B41AD271CD}"/>
                   </a:ext>
                 </a:extLst>
               </p:cNvPr>
@@ -9886,7 +13569,7 @@
               <p:cNvPr id="16" name="Овал 15">
                 <a:extLst>
                   <a:ext uri="{FF2B5EF4-FFF2-40B4-BE49-F238E27FC236}">
-                    <a16:creationId xmlns:a16="http://schemas.microsoft.com/office/drawing/2014/main" xmlns="" id="{03E676E9-9DCC-4F60-B574-E1C1AA87C2CC}"/>
+                    <a16:creationId xmlns:a16="http://schemas.microsoft.com/office/drawing/2014/main" id="{03E676E9-9DCC-4F60-B574-E1C1AA87C2CC}"/>
                   </a:ext>
                 </a:extLst>
               </p:cNvPr>
@@ -9932,7 +13615,7 @@
               <p:cNvPr id="17" name="TextBox 16">
                 <a:extLst>
                   <a:ext uri="{FF2B5EF4-FFF2-40B4-BE49-F238E27FC236}">
-                    <a16:creationId xmlns:a16="http://schemas.microsoft.com/office/drawing/2014/main" xmlns="" id="{A733F6D1-2B8A-4DC2-B0FA-03B41AD271CD}"/>
+                    <a16:creationId xmlns:a16="http://schemas.microsoft.com/office/drawing/2014/main" id="{A733F6D1-2B8A-4DC2-B0FA-03B41AD271CD}"/>
                   </a:ext>
                 </a:extLst>
               </p:cNvPr>
@@ -10373,7 +14056,7 @@
           <p:cNvPr id="2" name="TextBox 1">
             <a:extLst>
               <a:ext uri="{FF2B5EF4-FFF2-40B4-BE49-F238E27FC236}">
-                <a16:creationId xmlns:a16="http://schemas.microsoft.com/office/drawing/2014/main" xmlns="" id="{AFAB66F8-ED4A-48EE-85D2-C79AC4668A7D}"/>
+                <a16:creationId xmlns:a16="http://schemas.microsoft.com/office/drawing/2014/main" id="{AFAB66F8-ED4A-48EE-85D2-C79AC4668A7D}"/>
               </a:ext>
             </a:extLst>
           </p:cNvPr>
@@ -10470,7 +14153,7 @@
           <p:cNvPr id="2" name="TextBox 1">
             <a:extLst>
               <a:ext uri="{FF2B5EF4-FFF2-40B4-BE49-F238E27FC236}">
-                <a16:creationId xmlns:a16="http://schemas.microsoft.com/office/drawing/2014/main" xmlns="" id="{AFAB66F8-ED4A-48EE-85D2-C79AC4668A7D}"/>
+                <a16:creationId xmlns:a16="http://schemas.microsoft.com/office/drawing/2014/main" id="{AFAB66F8-ED4A-48EE-85D2-C79AC4668A7D}"/>
               </a:ext>
             </a:extLst>
           </p:cNvPr>
@@ -10593,7 +14276,7 @@
           <p:cNvPr id="2" name="TextBox 1">
             <a:extLst>
               <a:ext uri="{FF2B5EF4-FFF2-40B4-BE49-F238E27FC236}">
-                <a16:creationId xmlns:a16="http://schemas.microsoft.com/office/drawing/2014/main" xmlns="" id="{AFAB66F8-ED4A-48EE-85D2-C79AC4668A7D}"/>
+                <a16:creationId xmlns:a16="http://schemas.microsoft.com/office/drawing/2014/main" id="{AFAB66F8-ED4A-48EE-85D2-C79AC4668A7D}"/>
               </a:ext>
             </a:extLst>
           </p:cNvPr>
@@ -10738,7 +14421,7 @@
               <p:cNvPr id="9" name="Овал 8">
                 <a:extLst>
                   <a:ext uri="{FF2B5EF4-FFF2-40B4-BE49-F238E27FC236}">
-                    <a16:creationId xmlns:a16="http://schemas.microsoft.com/office/drawing/2014/main" xmlns="" id="{03E676E9-9DCC-4F60-B574-E1C1AA87C2CC}"/>
+                    <a16:creationId xmlns:a16="http://schemas.microsoft.com/office/drawing/2014/main" id="{03E676E9-9DCC-4F60-B574-E1C1AA87C2CC}"/>
                   </a:ext>
                 </a:extLst>
               </p:cNvPr>
@@ -10784,7 +14467,7 @@
               <p:cNvPr id="10" name="TextBox 9">
                 <a:extLst>
                   <a:ext uri="{FF2B5EF4-FFF2-40B4-BE49-F238E27FC236}">
-                    <a16:creationId xmlns:a16="http://schemas.microsoft.com/office/drawing/2014/main" xmlns="" id="{A733F6D1-2B8A-4DC2-B0FA-03B41AD271CD}"/>
+                    <a16:creationId xmlns:a16="http://schemas.microsoft.com/office/drawing/2014/main" id="{A733F6D1-2B8A-4DC2-B0FA-03B41AD271CD}"/>
                   </a:ext>
                 </a:extLst>
               </p:cNvPr>
@@ -10843,7 +14526,7 @@
               <p:cNvPr id="13" name="Овал 12">
                 <a:extLst>
                   <a:ext uri="{FF2B5EF4-FFF2-40B4-BE49-F238E27FC236}">
-                    <a16:creationId xmlns:a16="http://schemas.microsoft.com/office/drawing/2014/main" xmlns="" id="{03E676E9-9DCC-4F60-B574-E1C1AA87C2CC}"/>
+                    <a16:creationId xmlns:a16="http://schemas.microsoft.com/office/drawing/2014/main" id="{03E676E9-9DCC-4F60-B574-E1C1AA87C2CC}"/>
                   </a:ext>
                 </a:extLst>
               </p:cNvPr>
@@ -10889,7 +14572,7 @@
               <p:cNvPr id="14" name="TextBox 13">
                 <a:extLst>
                   <a:ext uri="{FF2B5EF4-FFF2-40B4-BE49-F238E27FC236}">
-                    <a16:creationId xmlns:a16="http://schemas.microsoft.com/office/drawing/2014/main" xmlns="" id="{A733F6D1-2B8A-4DC2-B0FA-03B41AD271CD}"/>
+                    <a16:creationId xmlns:a16="http://schemas.microsoft.com/office/drawing/2014/main" id="{A733F6D1-2B8A-4DC2-B0FA-03B41AD271CD}"/>
                   </a:ext>
                 </a:extLst>
               </p:cNvPr>
@@ -10949,7 +14632,7 @@
               <p:cNvPr id="16" name="Овал 15">
                 <a:extLst>
                   <a:ext uri="{FF2B5EF4-FFF2-40B4-BE49-F238E27FC236}">
-                    <a16:creationId xmlns:a16="http://schemas.microsoft.com/office/drawing/2014/main" xmlns="" id="{03E676E9-9DCC-4F60-B574-E1C1AA87C2CC}"/>
+                    <a16:creationId xmlns:a16="http://schemas.microsoft.com/office/drawing/2014/main" id="{03E676E9-9DCC-4F60-B574-E1C1AA87C2CC}"/>
                   </a:ext>
                 </a:extLst>
               </p:cNvPr>
@@ -10995,7 +14678,7 @@
               <p:cNvPr id="17" name="TextBox 16">
                 <a:extLst>
                   <a:ext uri="{FF2B5EF4-FFF2-40B4-BE49-F238E27FC236}">
-                    <a16:creationId xmlns:a16="http://schemas.microsoft.com/office/drawing/2014/main" xmlns="" id="{A733F6D1-2B8A-4DC2-B0FA-03B41AD271CD}"/>
+                    <a16:creationId xmlns:a16="http://schemas.microsoft.com/office/drawing/2014/main" id="{A733F6D1-2B8A-4DC2-B0FA-03B41AD271CD}"/>
                   </a:ext>
                 </a:extLst>
               </p:cNvPr>
@@ -11054,7 +14737,7 @@
               <p:cNvPr id="19" name="Овал 18">
                 <a:extLst>
                   <a:ext uri="{FF2B5EF4-FFF2-40B4-BE49-F238E27FC236}">
-                    <a16:creationId xmlns:a16="http://schemas.microsoft.com/office/drawing/2014/main" xmlns="" id="{03E676E9-9DCC-4F60-B574-E1C1AA87C2CC}"/>
+                    <a16:creationId xmlns:a16="http://schemas.microsoft.com/office/drawing/2014/main" id="{03E676E9-9DCC-4F60-B574-E1C1AA87C2CC}"/>
                   </a:ext>
                 </a:extLst>
               </p:cNvPr>
@@ -11100,7 +14783,7 @@
               <p:cNvPr id="20" name="TextBox 19">
                 <a:extLst>
                   <a:ext uri="{FF2B5EF4-FFF2-40B4-BE49-F238E27FC236}">
-                    <a16:creationId xmlns:a16="http://schemas.microsoft.com/office/drawing/2014/main" xmlns="" id="{A733F6D1-2B8A-4DC2-B0FA-03B41AD271CD}"/>
+                    <a16:creationId xmlns:a16="http://schemas.microsoft.com/office/drawing/2014/main" id="{A733F6D1-2B8A-4DC2-B0FA-03B41AD271CD}"/>
                   </a:ext>
                 </a:extLst>
               </p:cNvPr>
@@ -11387,7 +15070,7 @@
           <p:cNvPr id="35" name="TextBox 34">
             <a:extLst>
               <a:ext uri="{FF2B5EF4-FFF2-40B4-BE49-F238E27FC236}">
-                <a16:creationId xmlns:a16="http://schemas.microsoft.com/office/drawing/2014/main" xmlns="" id="{A733F6D1-2B8A-4DC2-B0FA-03B41AD271CD}"/>
+                <a16:creationId xmlns:a16="http://schemas.microsoft.com/office/drawing/2014/main" id="{A733F6D1-2B8A-4DC2-B0FA-03B41AD271CD}"/>
               </a:ext>
             </a:extLst>
           </p:cNvPr>
@@ -11720,7 +15403,7 @@
           <p:cNvPr id="2" name="Рисунок 2" descr="Изображение выглядит как текст&#10;&#10;Автоматически созданное описание">
             <a:extLst>
               <a:ext uri="{FF2B5EF4-FFF2-40B4-BE49-F238E27FC236}">
-                <a16:creationId xmlns:a16="http://schemas.microsoft.com/office/drawing/2014/main" xmlns="" id="{D1C05644-018B-464B-AE75-F6CF04D683C7}"/>
+                <a16:creationId xmlns:a16="http://schemas.microsoft.com/office/drawing/2014/main" id="{D1C05644-018B-464B-AE75-F6CF04D683C7}"/>
               </a:ext>
             </a:extLst>
           </p:cNvPr>
@@ -11788,7 +15471,7 @@
           <p:cNvPr id="2" name="TextBox 1">
             <a:extLst>
               <a:ext uri="{FF2B5EF4-FFF2-40B4-BE49-F238E27FC236}">
-                <a16:creationId xmlns:a16="http://schemas.microsoft.com/office/drawing/2014/main" xmlns="" id="{AFAB66F8-ED4A-48EE-85D2-C79AC4668A7D}"/>
+                <a16:creationId xmlns:a16="http://schemas.microsoft.com/office/drawing/2014/main" id="{AFAB66F8-ED4A-48EE-85D2-C79AC4668A7D}"/>
               </a:ext>
             </a:extLst>
           </p:cNvPr>
@@ -11840,7 +15523,7 @@
           <p:cNvPr id="3" name="TextBox 2">
             <a:extLst>
               <a:ext uri="{FF2B5EF4-FFF2-40B4-BE49-F238E27FC236}">
-                <a16:creationId xmlns:a16="http://schemas.microsoft.com/office/drawing/2014/main" xmlns="" id="{AFAB66F8-ED4A-48EE-85D2-C79AC4668A7D}"/>
+                <a16:creationId xmlns:a16="http://schemas.microsoft.com/office/drawing/2014/main" id="{AFAB66F8-ED4A-48EE-85D2-C79AC4668A7D}"/>
               </a:ext>
             </a:extLst>
           </p:cNvPr>
@@ -12052,7 +15735,7 @@
           <p:cNvPr id="4" name="TextBox 3">
             <a:extLst>
               <a:ext uri="{FF2B5EF4-FFF2-40B4-BE49-F238E27FC236}">
-                <a16:creationId xmlns:a16="http://schemas.microsoft.com/office/drawing/2014/main" xmlns="" id="{AFAB66F8-ED4A-48EE-85D2-C79AC4668A7D}"/>
+                <a16:creationId xmlns:a16="http://schemas.microsoft.com/office/drawing/2014/main" id="{AFAB66F8-ED4A-48EE-85D2-C79AC4668A7D}"/>
               </a:ext>
             </a:extLst>
           </p:cNvPr>
@@ -12155,7 +15838,7 @@
           <p:cNvPr id="4" name="TextBox 3">
             <a:extLst>
               <a:ext uri="{FF2B5EF4-FFF2-40B4-BE49-F238E27FC236}">
-                <a16:creationId xmlns:a16="http://schemas.microsoft.com/office/drawing/2014/main" xmlns="" id="{AFAB66F8-ED4A-48EE-85D2-C79AC4668A7D}"/>
+                <a16:creationId xmlns:a16="http://schemas.microsoft.com/office/drawing/2014/main" id="{AFAB66F8-ED4A-48EE-85D2-C79AC4668A7D}"/>
               </a:ext>
             </a:extLst>
           </p:cNvPr>
@@ -12278,7 +15961,7 @@
           <p:cNvPr id="4" name="TextBox 3">
             <a:extLst>
               <a:ext uri="{FF2B5EF4-FFF2-40B4-BE49-F238E27FC236}">
-                <a16:creationId xmlns:a16="http://schemas.microsoft.com/office/drawing/2014/main" xmlns="" id="{AFAB66F8-ED4A-48EE-85D2-C79AC4668A7D}"/>
+                <a16:creationId xmlns:a16="http://schemas.microsoft.com/office/drawing/2014/main" id="{AFAB66F8-ED4A-48EE-85D2-C79AC4668A7D}"/>
               </a:ext>
             </a:extLst>
           </p:cNvPr>
@@ -12523,7 +16206,7 @@
           <p:cNvPr id="4" name="TextBox 3">
             <a:extLst>
               <a:ext uri="{FF2B5EF4-FFF2-40B4-BE49-F238E27FC236}">
-                <a16:creationId xmlns:a16="http://schemas.microsoft.com/office/drawing/2014/main" xmlns="" id="{AFAB66F8-ED4A-48EE-85D2-C79AC4668A7D}"/>
+                <a16:creationId xmlns:a16="http://schemas.microsoft.com/office/drawing/2014/main" id="{AFAB66F8-ED4A-48EE-85D2-C79AC4668A7D}"/>
               </a:ext>
             </a:extLst>
           </p:cNvPr>
@@ -12654,7 +16337,7 @@
             <p:cNvPr id="5" name="Рисунок 2" descr="Изображение выглядит как знак&#10;&#10;Автоматически созданное описание">
               <a:extLst>
                 <a:ext uri="{FF2B5EF4-FFF2-40B4-BE49-F238E27FC236}">
-                  <a16:creationId xmlns:a16="http://schemas.microsoft.com/office/drawing/2014/main" xmlns="" id="{94CE257F-A4AB-4D99-8638-F51E066F3AF6}"/>
+                  <a16:creationId xmlns:a16="http://schemas.microsoft.com/office/drawing/2014/main" id="{94CE257F-A4AB-4D99-8638-F51E066F3AF6}"/>
                 </a:ext>
               </a:extLst>
             </p:cNvPr>
@@ -12741,7 +16424,7 @@
             <p:cNvPr id="8" name="Рисунок 2" descr="Изображение выглядит как знак&#10;&#10;Автоматически созданное описание">
               <a:extLst>
                 <a:ext uri="{FF2B5EF4-FFF2-40B4-BE49-F238E27FC236}">
-                  <a16:creationId xmlns:a16="http://schemas.microsoft.com/office/drawing/2014/main" xmlns="" id="{94CE257F-A4AB-4D99-8638-F51E066F3AF6}"/>
+                  <a16:creationId xmlns:a16="http://schemas.microsoft.com/office/drawing/2014/main" id="{94CE257F-A4AB-4D99-8638-F51E066F3AF6}"/>
                 </a:ext>
               </a:extLst>
             </p:cNvPr>
@@ -13497,7 +17180,7 @@
           <p:cNvPr id="7" name="TextBox 6">
             <a:extLst>
               <a:ext uri="{FF2B5EF4-FFF2-40B4-BE49-F238E27FC236}">
-                <a16:creationId xmlns:a16="http://schemas.microsoft.com/office/drawing/2014/main" xmlns="" id="{AFAB66F8-ED4A-48EE-85D2-C79AC4668A7D}"/>
+                <a16:creationId xmlns:a16="http://schemas.microsoft.com/office/drawing/2014/main" id="{AFAB66F8-ED4A-48EE-85D2-C79AC4668A7D}"/>
               </a:ext>
             </a:extLst>
           </p:cNvPr>
@@ -13607,7 +17290,7 @@
           <p:cNvPr id="7" name="TextBox 6">
             <a:extLst>
               <a:ext uri="{FF2B5EF4-FFF2-40B4-BE49-F238E27FC236}">
-                <a16:creationId xmlns:a16="http://schemas.microsoft.com/office/drawing/2014/main" xmlns="" id="{AFAB66F8-ED4A-48EE-85D2-C79AC4668A7D}"/>
+                <a16:creationId xmlns:a16="http://schemas.microsoft.com/office/drawing/2014/main" id="{AFAB66F8-ED4A-48EE-85D2-C79AC4668A7D}"/>
               </a:ext>
             </a:extLst>
           </p:cNvPr>
@@ -13710,7 +17393,7 @@
           <p:cNvPr id="7" name="TextBox 6">
             <a:extLst>
               <a:ext uri="{FF2B5EF4-FFF2-40B4-BE49-F238E27FC236}">
-                <a16:creationId xmlns:a16="http://schemas.microsoft.com/office/drawing/2014/main" xmlns="" id="{AFAB66F8-ED4A-48EE-85D2-C79AC4668A7D}"/>
+                <a16:creationId xmlns:a16="http://schemas.microsoft.com/office/drawing/2014/main" id="{AFAB66F8-ED4A-48EE-85D2-C79AC4668A7D}"/>
               </a:ext>
             </a:extLst>
           </p:cNvPr>
@@ -13807,7 +17490,7 @@
           <p:cNvPr id="4" name="Рисунок 2" descr="Изображение выглядит как рисунок&#10;&#10;Автоматически созданное описание">
             <a:extLst>
               <a:ext uri="{FF2B5EF4-FFF2-40B4-BE49-F238E27FC236}">
-                <a16:creationId xmlns:a16="http://schemas.microsoft.com/office/drawing/2014/main" xmlns="" id="{AFCE28E7-A6A4-4ED2-AF42-F79DD8B66AE7}"/>
+                <a16:creationId xmlns:a16="http://schemas.microsoft.com/office/drawing/2014/main" id="{AFCE28E7-A6A4-4ED2-AF42-F79DD8B66AE7}"/>
               </a:ext>
             </a:extLst>
           </p:cNvPr>
@@ -13875,7 +17558,7 @@
           <p:cNvPr id="7" name="TextBox 6">
             <a:extLst>
               <a:ext uri="{FF2B5EF4-FFF2-40B4-BE49-F238E27FC236}">
-                <a16:creationId xmlns:a16="http://schemas.microsoft.com/office/drawing/2014/main" xmlns="" id="{AFAB66F8-ED4A-48EE-85D2-C79AC4668A7D}"/>
+                <a16:creationId xmlns:a16="http://schemas.microsoft.com/office/drawing/2014/main" id="{AFAB66F8-ED4A-48EE-85D2-C79AC4668A7D}"/>
               </a:ext>
             </a:extLst>
           </p:cNvPr>
@@ -13975,7 +17658,7 @@
           <p:cNvPr id="7" name="TextBox 6">
             <a:extLst>
               <a:ext uri="{FF2B5EF4-FFF2-40B4-BE49-F238E27FC236}">
-                <a16:creationId xmlns:a16="http://schemas.microsoft.com/office/drawing/2014/main" xmlns="" id="{AFAB66F8-ED4A-48EE-85D2-C79AC4668A7D}"/>
+                <a16:creationId xmlns:a16="http://schemas.microsoft.com/office/drawing/2014/main" id="{AFAB66F8-ED4A-48EE-85D2-C79AC4668A7D}"/>
               </a:ext>
             </a:extLst>
           </p:cNvPr>
@@ -14078,7 +17761,7 @@
           <p:cNvPr id="7" name="TextBox 6">
             <a:extLst>
               <a:ext uri="{FF2B5EF4-FFF2-40B4-BE49-F238E27FC236}">
-                <a16:creationId xmlns:a16="http://schemas.microsoft.com/office/drawing/2014/main" xmlns="" id="{AFAB66F8-ED4A-48EE-85D2-C79AC4668A7D}"/>
+                <a16:creationId xmlns:a16="http://schemas.microsoft.com/office/drawing/2014/main" id="{AFAB66F8-ED4A-48EE-85D2-C79AC4668A7D}"/>
               </a:ext>
             </a:extLst>
           </p:cNvPr>
@@ -14181,7 +17864,7 @@
           <p:cNvPr id="7" name="TextBox 6">
             <a:extLst>
               <a:ext uri="{FF2B5EF4-FFF2-40B4-BE49-F238E27FC236}">
-                <a16:creationId xmlns:a16="http://schemas.microsoft.com/office/drawing/2014/main" xmlns="" id="{AFAB66F8-ED4A-48EE-85D2-C79AC4668A7D}"/>
+                <a16:creationId xmlns:a16="http://schemas.microsoft.com/office/drawing/2014/main" id="{AFAB66F8-ED4A-48EE-85D2-C79AC4668A7D}"/>
               </a:ext>
             </a:extLst>
           </p:cNvPr>
@@ -14298,7 +17981,7 @@
           <p:cNvPr id="7" name="TextBox 6">
             <a:extLst>
               <a:ext uri="{FF2B5EF4-FFF2-40B4-BE49-F238E27FC236}">
-                <a16:creationId xmlns:a16="http://schemas.microsoft.com/office/drawing/2014/main" xmlns="" id="{AFAB66F8-ED4A-48EE-85D2-C79AC4668A7D}"/>
+                <a16:creationId xmlns:a16="http://schemas.microsoft.com/office/drawing/2014/main" id="{AFAB66F8-ED4A-48EE-85D2-C79AC4668A7D}"/>
               </a:ext>
             </a:extLst>
           </p:cNvPr>
@@ -14408,7 +18091,7 @@
           <p:cNvPr id="7" name="TextBox 6">
             <a:extLst>
               <a:ext uri="{FF2B5EF4-FFF2-40B4-BE49-F238E27FC236}">
-                <a16:creationId xmlns:a16="http://schemas.microsoft.com/office/drawing/2014/main" xmlns="" id="{AFAB66F8-ED4A-48EE-85D2-C79AC4668A7D}"/>
+                <a16:creationId xmlns:a16="http://schemas.microsoft.com/office/drawing/2014/main" id="{AFAB66F8-ED4A-48EE-85D2-C79AC4668A7D}"/>
               </a:ext>
             </a:extLst>
           </p:cNvPr>
@@ -14528,7 +18211,7 @@
           <p:cNvPr id="7" name="TextBox 6">
             <a:extLst>
               <a:ext uri="{FF2B5EF4-FFF2-40B4-BE49-F238E27FC236}">
-                <a16:creationId xmlns:a16="http://schemas.microsoft.com/office/drawing/2014/main" xmlns="" id="{AFAB66F8-ED4A-48EE-85D2-C79AC4668A7D}"/>
+                <a16:creationId xmlns:a16="http://schemas.microsoft.com/office/drawing/2014/main" id="{AFAB66F8-ED4A-48EE-85D2-C79AC4668A7D}"/>
               </a:ext>
             </a:extLst>
           </p:cNvPr>
@@ -14625,7 +18308,7 @@
           <p:cNvPr id="7" name="TextBox 6">
             <a:extLst>
               <a:ext uri="{FF2B5EF4-FFF2-40B4-BE49-F238E27FC236}">
-                <a16:creationId xmlns:a16="http://schemas.microsoft.com/office/drawing/2014/main" xmlns="" id="{AFAB66F8-ED4A-48EE-85D2-C79AC4668A7D}"/>
+                <a16:creationId xmlns:a16="http://schemas.microsoft.com/office/drawing/2014/main" id="{AFAB66F8-ED4A-48EE-85D2-C79AC4668A7D}"/>
               </a:ext>
             </a:extLst>
           </p:cNvPr>
@@ -14762,7 +18445,7 @@
           <p:cNvPr id="7" name="TextBox 6">
             <a:extLst>
               <a:ext uri="{FF2B5EF4-FFF2-40B4-BE49-F238E27FC236}">
-                <a16:creationId xmlns:a16="http://schemas.microsoft.com/office/drawing/2014/main" xmlns="" id="{AFAB66F8-ED4A-48EE-85D2-C79AC4668A7D}"/>
+                <a16:creationId xmlns:a16="http://schemas.microsoft.com/office/drawing/2014/main" id="{AFAB66F8-ED4A-48EE-85D2-C79AC4668A7D}"/>
               </a:ext>
             </a:extLst>
           </p:cNvPr>
@@ -14869,7 +18552,7 @@
           <p:cNvPr id="7" name="TextBox 6">
             <a:extLst>
               <a:ext uri="{FF2B5EF4-FFF2-40B4-BE49-F238E27FC236}">
-                <a16:creationId xmlns:a16="http://schemas.microsoft.com/office/drawing/2014/main" xmlns="" id="{AFAB66F8-ED4A-48EE-85D2-C79AC4668A7D}"/>
+                <a16:creationId xmlns:a16="http://schemas.microsoft.com/office/drawing/2014/main" id="{AFAB66F8-ED4A-48EE-85D2-C79AC4668A7D}"/>
               </a:ext>
             </a:extLst>
           </p:cNvPr>
@@ -14978,7 +18661,7 @@
           <p:cNvPr id="4" name="Рисунок 4" descr="Изображение выглядит как часы, рисунок&#10;&#10;Автоматически созданное описание">
             <a:extLst>
               <a:ext uri="{FF2B5EF4-FFF2-40B4-BE49-F238E27FC236}">
-                <a16:creationId xmlns:a16="http://schemas.microsoft.com/office/drawing/2014/main" xmlns="" id="{94FAFFE4-0131-4A6D-B497-6291BBBB7CD5}"/>
+                <a16:creationId xmlns:a16="http://schemas.microsoft.com/office/drawing/2014/main" id="{94FAFFE4-0131-4A6D-B497-6291BBBB7CD5}"/>
               </a:ext>
             </a:extLst>
           </p:cNvPr>
@@ -15008,7 +18691,7 @@
           <p:cNvPr id="6" name="Рисунок 2" descr="Изображение выглядит как рисунок&#10;&#10;Автоматически созданное описание">
             <a:extLst>
               <a:ext uri="{FF2B5EF4-FFF2-40B4-BE49-F238E27FC236}">
-                <a16:creationId xmlns:a16="http://schemas.microsoft.com/office/drawing/2014/main" xmlns="" id="{29ADE3EE-E3E7-4754-AC30-59FDFF3867D2}"/>
+                <a16:creationId xmlns:a16="http://schemas.microsoft.com/office/drawing/2014/main" id="{29ADE3EE-E3E7-4754-AC30-59FDFF3867D2}"/>
               </a:ext>
             </a:extLst>
           </p:cNvPr>
@@ -15038,7 +18721,7 @@
           <p:cNvPr id="8" name="Рисунок 2" descr="Изображение выглядит как знак&#10;&#10;Автоматически созданное описание">
             <a:extLst>
               <a:ext uri="{FF2B5EF4-FFF2-40B4-BE49-F238E27FC236}">
-                <a16:creationId xmlns:a16="http://schemas.microsoft.com/office/drawing/2014/main" xmlns="" id="{29762B8E-9DB8-45E8-A962-1D02C5044356}"/>
+                <a16:creationId xmlns:a16="http://schemas.microsoft.com/office/drawing/2014/main" id="{29762B8E-9DB8-45E8-A962-1D02C5044356}"/>
               </a:ext>
             </a:extLst>
           </p:cNvPr>
@@ -15101,134 +18784,611 @@
           <a:chExt cx="0" cy="0"/>
         </a:xfrm>
       </p:grpSpPr>
+      <p:grpSp>
+        <p:nvGrpSpPr>
+          <p:cNvPr id="10" name="Группа 9"/>
+          <p:cNvGrpSpPr/>
+          <p:nvPr/>
+        </p:nvGrpSpPr>
+        <p:grpSpPr>
+          <a:xfrm>
+            <a:off x="2633033" y="556841"/>
+            <a:ext cx="6176514" cy="6176514"/>
+            <a:chOff x="4089837" y="1466850"/>
+            <a:chExt cx="4320585" cy="4320585"/>
+          </a:xfrm>
+        </p:grpSpPr>
+        <p:sp>
+          <p:nvSpPr>
+            <p:cNvPr id="11" name="Овал 10"/>
+            <p:cNvSpPr/>
+            <p:nvPr/>
+          </p:nvSpPr>
+          <p:spPr>
+            <a:xfrm>
+              <a:off x="4089837" y="1466850"/>
+              <a:ext cx="4320585" cy="4320585"/>
+            </a:xfrm>
+            <a:prstGeom prst="ellipse">
+              <a:avLst/>
+            </a:prstGeom>
+            <a:noFill/>
+            <a:ln w="76200">
+              <a:solidFill>
+                <a:srgbClr val="00D8FF"/>
+              </a:solidFill>
+            </a:ln>
+          </p:spPr>
+          <p:style>
+            <a:lnRef idx="2">
+              <a:schemeClr val="accent1">
+                <a:shade val="50000"/>
+              </a:schemeClr>
+            </a:lnRef>
+            <a:fillRef idx="1">
+              <a:schemeClr val="accent1"/>
+            </a:fillRef>
+            <a:effectRef idx="0">
+              <a:schemeClr val="accent1"/>
+            </a:effectRef>
+            <a:fontRef idx="minor">
+              <a:schemeClr val="lt1"/>
+            </a:fontRef>
+          </p:style>
+          <p:txBody>
+            <a:bodyPr rtlCol="0" anchor="ctr"/>
+            <a:lstStyle/>
+            <a:p>
+              <a:pPr algn="ctr"/>
+              <a:endParaRPr lang="en-US"/>
+            </a:p>
+          </p:txBody>
+        </p:sp>
+        <p:sp>
+          <p:nvSpPr>
+            <p:cNvPr id="12" name="TextBox 11">
+              <a:extLst>
+                <a:ext uri="{FF2B5EF4-FFF2-40B4-BE49-F238E27FC236}">
+                  <a16:creationId xmlns:a16="http://schemas.microsoft.com/office/drawing/2014/main" id="{AFAB66F8-ED4A-48EE-85D2-C79AC4668A7D}"/>
+                </a:ext>
+              </a:extLst>
+            </p:cNvPr>
+            <p:cNvSpPr txBox="1"/>
+            <p:nvPr/>
+          </p:nvSpPr>
+          <p:spPr>
+            <a:xfrm>
+              <a:off x="5503652" y="2223166"/>
+              <a:ext cx="1492955" cy="495179"/>
+            </a:xfrm>
+            <a:prstGeom prst="rect">
+              <a:avLst/>
+            </a:prstGeom>
+            <a:noFill/>
+          </p:spPr>
+          <p:txBody>
+            <a:bodyPr rot="0" spcFirstLastPara="0" vertOverflow="overflow" horzOverflow="overflow" vert="horz" wrap="square" lIns="91440" tIns="45720" rIns="91440" bIns="45720" numCol="1" spcCol="0" rtlCol="0" fromWordArt="0" anchor="t" anchorCtr="0" forceAA="0" compatLnSpc="1">
+              <a:prstTxWarp prst="textNoShape">
+                <a:avLst/>
+              </a:prstTxWarp>
+              <a:spAutoFit/>
+            </a:bodyPr>
+            <a:lstStyle/>
+            <a:p>
+              <a:pPr marL="0" marR="0" lvl="0" indent="0" algn="ctr" defTabSz="914400" rtl="0" eaLnBrk="1" fontAlgn="auto" latinLnBrk="0" hangingPunct="1">
+                <a:lnSpc>
+                  <a:spcPct val="100000"/>
+                </a:lnSpc>
+                <a:spcBef>
+                  <a:spcPts val="0"/>
+                </a:spcBef>
+                <a:spcAft>
+                  <a:spcPts val="0"/>
+                </a:spcAft>
+                <a:buClrTx/>
+                <a:buSzTx/>
+                <a:buFontTx/>
+                <a:buNone/>
+                <a:tabLst/>
+                <a:defRPr/>
+              </a:pPr>
+              <a:r>
+                <a:rPr kumimoji="0" lang="en-US" sz="4000" b="0" i="0" u="none" strike="noStrike" kern="1200" cap="none" spc="0" normalizeH="0" baseline="0" noProof="0" dirty="0" smtClean="0">
+                  <a:ln>
+                    <a:noFill/>
+                  </a:ln>
+                  <a:solidFill>
+                    <a:srgbClr val="00D8FF"/>
+                  </a:solidFill>
+                  <a:effectLst/>
+                  <a:uLnTx/>
+                  <a:uFillTx/>
+                  <a:latin typeface="Consolas"/>
+                  <a:ea typeface="+mn-ea"/>
+                  <a:cs typeface="Calibri"/>
+                </a:rPr>
+                <a:t>class</a:t>
+              </a:r>
+              <a:endParaRPr kumimoji="0" lang="en-US" sz="4000" b="0" i="0" u="none" strike="noStrike" kern="1200" cap="none" spc="0" normalizeH="0" baseline="0" noProof="0" dirty="0">
+                <a:ln>
+                  <a:noFill/>
+                </a:ln>
+                <a:solidFill>
+                  <a:srgbClr val="00D8FF"/>
+                </a:solidFill>
+                <a:effectLst/>
+                <a:uLnTx/>
+                <a:uFillTx/>
+                <a:latin typeface="Consolas"/>
+                <a:ea typeface="+mn-ea"/>
+                <a:cs typeface="Calibri"/>
+              </a:endParaRPr>
+            </a:p>
+          </p:txBody>
+        </p:sp>
+      </p:grpSp>
+      <p:grpSp>
+        <p:nvGrpSpPr>
+          <p:cNvPr id="13" name="Группа 12"/>
+          <p:cNvGrpSpPr/>
+          <p:nvPr/>
+        </p:nvGrpSpPr>
+        <p:grpSpPr>
+          <a:xfrm>
+            <a:off x="3210230" y="3427119"/>
+            <a:ext cx="2218505" cy="2218505"/>
+            <a:chOff x="4089837" y="1466850"/>
+            <a:chExt cx="4320585" cy="4320585"/>
+          </a:xfrm>
+        </p:grpSpPr>
+        <p:sp>
+          <p:nvSpPr>
+            <p:cNvPr id="14" name="Овал 13"/>
+            <p:cNvSpPr/>
+            <p:nvPr/>
+          </p:nvSpPr>
+          <p:spPr>
+            <a:xfrm>
+              <a:off x="4089837" y="1466850"/>
+              <a:ext cx="4320585" cy="4320585"/>
+            </a:xfrm>
+            <a:prstGeom prst="ellipse">
+              <a:avLst/>
+            </a:prstGeom>
+            <a:noFill/>
+            <a:ln w="76200">
+              <a:solidFill>
+                <a:srgbClr val="F59117"/>
+              </a:solidFill>
+            </a:ln>
+          </p:spPr>
+          <p:style>
+            <a:lnRef idx="2">
+              <a:schemeClr val="accent1">
+                <a:shade val="50000"/>
+              </a:schemeClr>
+            </a:lnRef>
+            <a:fillRef idx="1">
+              <a:schemeClr val="accent1"/>
+            </a:fillRef>
+            <a:effectRef idx="0">
+              <a:schemeClr val="accent1"/>
+            </a:effectRef>
+            <a:fontRef idx="minor">
+              <a:schemeClr val="lt1"/>
+            </a:fontRef>
+          </p:style>
+          <p:txBody>
+            <a:bodyPr rtlCol="0" anchor="ctr"/>
+            <a:lstStyle/>
+            <a:p>
+              <a:pPr algn="ctr"/>
+              <a:endParaRPr lang="en-US">
+                <a:solidFill>
+                  <a:srgbClr val="F59117"/>
+                </a:solidFill>
+              </a:endParaRPr>
+            </a:p>
+          </p:txBody>
+        </p:sp>
+        <p:sp>
+          <p:nvSpPr>
+            <p:cNvPr id="15" name="TextBox 14">
+              <a:extLst>
+                <a:ext uri="{FF2B5EF4-FFF2-40B4-BE49-F238E27FC236}">
+                  <a16:creationId xmlns:a16="http://schemas.microsoft.com/office/drawing/2014/main" id="{AFAB66F8-ED4A-48EE-85D2-C79AC4668A7D}"/>
+                </a:ext>
+              </a:extLst>
+            </p:cNvPr>
+            <p:cNvSpPr txBox="1"/>
+            <p:nvPr/>
+          </p:nvSpPr>
+          <p:spPr>
+            <a:xfrm>
+              <a:off x="4307860" y="3001421"/>
+              <a:ext cx="3884537" cy="1378623"/>
+            </a:xfrm>
+            <a:prstGeom prst="rect">
+              <a:avLst/>
+            </a:prstGeom>
+            <a:noFill/>
+          </p:spPr>
+          <p:txBody>
+            <a:bodyPr rot="0" spcFirstLastPara="0" vertOverflow="overflow" horzOverflow="overflow" vert="horz" wrap="square" lIns="91440" tIns="45720" rIns="91440" bIns="45720" numCol="1" spcCol="0" rtlCol="0" fromWordArt="0" anchor="t" anchorCtr="0" forceAA="0" compatLnSpc="1">
+              <a:prstTxWarp prst="textNoShape">
+                <a:avLst/>
+              </a:prstTxWarp>
+              <a:spAutoFit/>
+            </a:bodyPr>
+            <a:lstStyle/>
+            <a:p>
+              <a:pPr marL="0" marR="0" lvl="0" indent="0" algn="ctr" defTabSz="914400" rtl="0" eaLnBrk="1" fontAlgn="auto" latinLnBrk="0" hangingPunct="1">
+                <a:lnSpc>
+                  <a:spcPct val="100000"/>
+                </a:lnSpc>
+                <a:spcBef>
+                  <a:spcPts val="0"/>
+                </a:spcBef>
+                <a:spcAft>
+                  <a:spcPts val="0"/>
+                </a:spcAft>
+                <a:buClrTx/>
+                <a:buSzTx/>
+                <a:buFontTx/>
+                <a:buNone/>
+                <a:tabLst/>
+                <a:defRPr/>
+              </a:pPr>
+              <a:r>
+                <a:rPr lang="en-US" sz="4000" dirty="0" smtClean="0">
+                  <a:solidFill>
+                    <a:srgbClr val="F59117"/>
+                  </a:solidFill>
+                  <a:latin typeface="Consolas"/>
+                  <a:cs typeface="Calibri"/>
+                </a:rPr>
+                <a:t>static</a:t>
+              </a:r>
+              <a:endParaRPr kumimoji="0" lang="en-US" sz="4000" b="0" i="0" u="none" strike="noStrike" kern="1200" cap="none" spc="0" normalizeH="0" baseline="0" noProof="0" dirty="0">
+                <a:ln>
+                  <a:noFill/>
+                </a:ln>
+                <a:solidFill>
+                  <a:srgbClr val="F59117"/>
+                </a:solidFill>
+                <a:effectLst/>
+                <a:uLnTx/>
+                <a:uFillTx/>
+                <a:latin typeface="Consolas"/>
+                <a:cs typeface="Calibri"/>
+              </a:endParaRPr>
+            </a:p>
+          </p:txBody>
+        </p:sp>
+      </p:grpSp>
+      <p:grpSp>
+        <p:nvGrpSpPr>
+          <p:cNvPr id="16" name="Группа 15"/>
+          <p:cNvGrpSpPr/>
+          <p:nvPr/>
+        </p:nvGrpSpPr>
+        <p:grpSpPr>
+          <a:xfrm>
+            <a:off x="6005932" y="3427118"/>
+            <a:ext cx="2218505" cy="2218505"/>
+            <a:chOff x="4089837" y="1466850"/>
+            <a:chExt cx="4320585" cy="4320585"/>
+          </a:xfrm>
+        </p:grpSpPr>
+        <p:sp>
+          <p:nvSpPr>
+            <p:cNvPr id="17" name="Овал 16"/>
+            <p:cNvSpPr/>
+            <p:nvPr/>
+          </p:nvSpPr>
+          <p:spPr>
+            <a:xfrm>
+              <a:off x="4089837" y="1466850"/>
+              <a:ext cx="4320585" cy="4320585"/>
+            </a:xfrm>
+            <a:prstGeom prst="ellipse">
+              <a:avLst/>
+            </a:prstGeom>
+            <a:noFill/>
+            <a:ln w="76200">
+              <a:solidFill>
+                <a:srgbClr val="F59117"/>
+              </a:solidFill>
+            </a:ln>
+          </p:spPr>
+          <p:style>
+            <a:lnRef idx="2">
+              <a:schemeClr val="accent1">
+                <a:shade val="50000"/>
+              </a:schemeClr>
+            </a:lnRef>
+            <a:fillRef idx="1">
+              <a:schemeClr val="accent1"/>
+            </a:fillRef>
+            <a:effectRef idx="0">
+              <a:schemeClr val="accent1"/>
+            </a:effectRef>
+            <a:fontRef idx="minor">
+              <a:schemeClr val="lt1"/>
+            </a:fontRef>
+          </p:style>
+          <p:txBody>
+            <a:bodyPr rtlCol="0" anchor="ctr"/>
+            <a:lstStyle/>
+            <a:p>
+              <a:pPr algn="ctr"/>
+              <a:endParaRPr lang="en-US"/>
+            </a:p>
+          </p:txBody>
+        </p:sp>
+        <p:sp>
+          <p:nvSpPr>
+            <p:cNvPr id="18" name="TextBox 17">
+              <a:extLst>
+                <a:ext uri="{FF2B5EF4-FFF2-40B4-BE49-F238E27FC236}">
+                  <a16:creationId xmlns:a16="http://schemas.microsoft.com/office/drawing/2014/main" id="{AFAB66F8-ED4A-48EE-85D2-C79AC4668A7D}"/>
+                </a:ext>
+              </a:extLst>
+            </p:cNvPr>
+            <p:cNvSpPr txBox="1"/>
+            <p:nvPr/>
+          </p:nvSpPr>
+          <p:spPr>
+            <a:xfrm>
+              <a:off x="4307860" y="3001421"/>
+              <a:ext cx="3884537" cy="1378623"/>
+            </a:xfrm>
+            <a:prstGeom prst="rect">
+              <a:avLst/>
+            </a:prstGeom>
+            <a:noFill/>
+          </p:spPr>
+          <p:txBody>
+            <a:bodyPr rot="0" spcFirstLastPara="0" vertOverflow="overflow" horzOverflow="overflow" vert="horz" wrap="square" lIns="91440" tIns="45720" rIns="91440" bIns="45720" numCol="1" spcCol="0" rtlCol="0" fromWordArt="0" anchor="t" anchorCtr="0" forceAA="0" compatLnSpc="1">
+              <a:prstTxWarp prst="textNoShape">
+                <a:avLst/>
+              </a:prstTxWarp>
+              <a:spAutoFit/>
+            </a:bodyPr>
+            <a:lstStyle/>
+            <a:p>
+              <a:pPr marL="0" marR="0" lvl="0" indent="0" algn="ctr" defTabSz="914400" rtl="0" eaLnBrk="1" fontAlgn="auto" latinLnBrk="0" hangingPunct="1">
+                <a:lnSpc>
+                  <a:spcPct val="100000"/>
+                </a:lnSpc>
+                <a:spcBef>
+                  <a:spcPts val="0"/>
+                </a:spcBef>
+                <a:spcAft>
+                  <a:spcPts val="0"/>
+                </a:spcAft>
+                <a:buClrTx/>
+                <a:buSzTx/>
+                <a:buFontTx/>
+                <a:buNone/>
+                <a:tabLst/>
+                <a:defRPr/>
+              </a:pPr>
+              <a:r>
+                <a:rPr lang="en-US" sz="4000" dirty="0" smtClean="0">
+                  <a:solidFill>
+                    <a:srgbClr val="F59117"/>
+                  </a:solidFill>
+                  <a:latin typeface="Consolas"/>
+                  <a:cs typeface="Calibri"/>
+                </a:rPr>
+                <a:t>this</a:t>
+              </a:r>
+              <a:endParaRPr kumimoji="0" lang="en-US" sz="4000" b="0" i="0" u="none" strike="noStrike" kern="1200" cap="none" spc="0" normalizeH="0" baseline="0" noProof="0" dirty="0">
+                <a:ln>
+                  <a:noFill/>
+                </a:ln>
+                <a:solidFill>
+                  <a:srgbClr val="F59117"/>
+                </a:solidFill>
+                <a:effectLst/>
+                <a:uLnTx/>
+                <a:uFillTx/>
+                <a:latin typeface="Consolas"/>
+                <a:cs typeface="Calibri"/>
+              </a:endParaRPr>
+            </a:p>
+          </p:txBody>
+        </p:sp>
+      </p:grpSp>
+    </p:spTree>
+    <p:extLst>
+      <p:ext uri="{BB962C8B-B14F-4D97-AF65-F5344CB8AC3E}">
+        <p14:creationId xmlns:p14="http://schemas.microsoft.com/office/powerpoint/2010/main" val="386006308"/>
+      </p:ext>
+    </p:extLst>
+  </p:cSld>
+  <p:clrMapOvr>
+    <a:masterClrMapping/>
+  </p:clrMapOvr>
+  <p:timing>
+    <p:tnLst>
+      <p:par>
+        <p:cTn id="1" dur="indefinite" restart="never" nodeType="tmRoot"/>
+      </p:par>
+    </p:tnLst>
+  </p:timing>
+</p:sld>
+</file>
+
+<file path=ppt/slides/slide61.xml><?xml version="1.0" encoding="utf-8"?>
+<p:sld xmlns:a="http://schemas.openxmlformats.org/drawingml/2006/main" xmlns:r="http://schemas.openxmlformats.org/officeDocument/2006/relationships" xmlns:p="http://schemas.openxmlformats.org/presentationml/2006/main">
+  <p:cSld>
+    <p:bg>
+      <p:bgPr>
+        <a:solidFill>
+          <a:srgbClr val="262626"/>
+        </a:solidFill>
+        <a:effectLst/>
+      </p:bgPr>
+    </p:bg>
+    <p:spTree>
+      <p:nvGrpSpPr>
+        <p:cNvPr id="1" name=""/>
+        <p:cNvGrpSpPr/>
+        <p:nvPr/>
+      </p:nvGrpSpPr>
+      <p:grpSpPr>
+        <a:xfrm>
+          <a:off x="0" y="0"/>
+          <a:ext cx="0" cy="0"/>
+          <a:chOff x="0" y="0"/>
+          <a:chExt cx="0" cy="0"/>
+        </a:xfrm>
+      </p:grpSpPr>
       <p:sp>
         <p:nvSpPr>
-          <p:cNvPr id="2" name="Овал 1"/>
+          <p:cNvPr id="7" name="TextBox 6">
+            <a:extLst>
+              <a:ext uri="{FF2B5EF4-FFF2-40B4-BE49-F238E27FC236}">
+                <a16:creationId xmlns:a16="http://schemas.microsoft.com/office/drawing/2014/main" id="{AFAB66F8-ED4A-48EE-85D2-C79AC4668A7D}"/>
+              </a:ext>
+            </a:extLst>
+          </p:cNvPr>
+          <p:cNvSpPr txBox="1"/>
+          <p:nvPr/>
+        </p:nvSpPr>
+        <p:spPr>
+          <a:xfrm>
+            <a:off x="2409826" y="3044920"/>
+            <a:ext cx="6696074" cy="707886"/>
+          </a:xfrm>
+          <a:prstGeom prst="rect">
+            <a:avLst/>
+          </a:prstGeom>
+          <a:noFill/>
+        </p:spPr>
+        <p:txBody>
+          <a:bodyPr rot="0" spcFirstLastPara="0" vertOverflow="overflow" horzOverflow="overflow" vert="horz" wrap="square" lIns="91440" tIns="45720" rIns="91440" bIns="45720" numCol="1" spcCol="0" rtlCol="0" fromWordArt="0" anchor="t" anchorCtr="0" forceAA="0" compatLnSpc="1">
+            <a:prstTxWarp prst="textNoShape">
+              <a:avLst/>
+            </a:prstTxWarp>
+            <a:spAutoFit/>
+          </a:bodyPr>
+          <a:lstStyle/>
+          <a:p>
+            <a:pPr lvl="0" algn="ctr"/>
+            <a:r>
+              <a:rPr kumimoji="0" lang="en-US" sz="4000" b="0" i="0" u="none" strike="noStrike" kern="1200" cap="none" spc="0" normalizeH="0" baseline="0" noProof="0" dirty="0" err="1" smtClean="0">
+                <a:ln>
+                  <a:noFill/>
+                </a:ln>
+                <a:solidFill>
+                  <a:srgbClr val="00D8FF"/>
+                </a:solidFill>
+                <a:effectLst/>
+                <a:uLnTx/>
+                <a:uFillTx/>
+                <a:latin typeface="Consolas"/>
+                <a:ea typeface="+mn-ea"/>
+                <a:cs typeface="Calibri"/>
+              </a:rPr>
+              <a:t>IDog</a:t>
+            </a:r>
+            <a:r>
+              <a:rPr kumimoji="0" lang="en-US" sz="4000" b="0" i="0" u="none" strike="noStrike" kern="1200" cap="none" spc="0" normalizeH="0" noProof="0" dirty="0" smtClean="0">
+                <a:ln>
+                  <a:noFill/>
+                </a:ln>
+                <a:solidFill>
+                  <a:srgbClr val="00D8FF"/>
+                </a:solidFill>
+                <a:effectLst/>
+                <a:uLnTx/>
+                <a:uFillTx/>
+                <a:latin typeface="Consolas"/>
+                <a:ea typeface="+mn-ea"/>
+                <a:cs typeface="Calibri"/>
+              </a:rPr>
+              <a:t> </a:t>
+            </a:r>
+            <a:r>
+              <a:rPr kumimoji="0" lang="en-US" sz="4000" b="0" i="0" u="none" strike="noStrike" kern="1200" cap="none" spc="0" normalizeH="0" noProof="0" dirty="0" smtClean="0">
+                <a:ln>
+                  <a:noFill/>
+                </a:ln>
+                <a:solidFill>
+                  <a:srgbClr val="BF4141"/>
+                </a:solidFill>
+                <a:effectLst/>
+                <a:uLnTx/>
+                <a:uFillTx/>
+                <a:latin typeface="Consolas"/>
+                <a:ea typeface="+mn-ea"/>
+                <a:cs typeface="Calibri"/>
+              </a:rPr>
+              <a:t>extends</a:t>
+            </a:r>
+            <a:r>
+              <a:rPr kumimoji="0" lang="en-US" sz="4000" b="0" i="0" u="none" strike="noStrike" kern="1200" cap="none" spc="0" normalizeH="0" noProof="0" dirty="0" smtClean="0">
+                <a:ln>
+                  <a:noFill/>
+                </a:ln>
+                <a:solidFill>
+                  <a:srgbClr val="00D8FF"/>
+                </a:solidFill>
+                <a:effectLst/>
+                <a:uLnTx/>
+                <a:uFillTx/>
+                <a:latin typeface="Consolas"/>
+                <a:ea typeface="+mn-ea"/>
+                <a:cs typeface="Calibri"/>
+              </a:rPr>
+              <a:t> </a:t>
+            </a:r>
+            <a:r>
+              <a:rPr kumimoji="0" lang="en-US" sz="4000" b="0" i="0" u="none" strike="noStrike" kern="1200" cap="none" spc="0" normalizeH="0" noProof="0" dirty="0" err="1" smtClean="0">
+                <a:ln>
+                  <a:noFill/>
+                </a:ln>
+                <a:solidFill>
+                  <a:srgbClr val="00D8FF"/>
+                </a:solidFill>
+                <a:effectLst/>
+                <a:uLnTx/>
+                <a:uFillTx/>
+                <a:latin typeface="Consolas"/>
+                <a:ea typeface="+mn-ea"/>
+                <a:cs typeface="Calibri"/>
+              </a:rPr>
+              <a:t>IAnimal</a:t>
+            </a:r>
+            <a:endParaRPr kumimoji="0" lang="en-US" sz="4000" b="0" i="0" u="none" strike="noStrike" kern="1200" cap="none" spc="0" normalizeH="0" baseline="0" noProof="0" dirty="0">
+              <a:ln>
+                <a:noFill/>
+              </a:ln>
+              <a:solidFill>
+                <a:srgbClr val="00D8FF"/>
+              </a:solidFill>
+              <a:effectLst/>
+              <a:uLnTx/>
+              <a:uFillTx/>
+              <a:latin typeface="Consolas"/>
+              <a:ea typeface="+mn-ea"/>
+              <a:cs typeface="Calibri"/>
+            </a:endParaRPr>
+          </a:p>
+        </p:txBody>
+      </p:sp>
+      <p:sp>
+        <p:nvSpPr>
+          <p:cNvPr id="4" name="Прямоугольник 3"/>
           <p:cNvSpPr/>
           <p:nvPr/>
         </p:nvSpPr>
         <p:spPr>
           <a:xfrm>
-            <a:off x="2633033" y="556841"/>
-            <a:ext cx="6176514" cy="6176514"/>
-          </a:xfrm>
-          <a:prstGeom prst="ellipse">
-            <a:avLst/>
-          </a:prstGeom>
-        </p:spPr>
-        <p:style>
-          <a:lnRef idx="2">
-            <a:schemeClr val="accent1">
-              <a:shade val="50000"/>
-            </a:schemeClr>
-          </a:lnRef>
-          <a:fillRef idx="1">
-            <a:schemeClr val="accent1"/>
-          </a:fillRef>
-          <a:effectRef idx="0">
-            <a:schemeClr val="accent1"/>
-          </a:effectRef>
-          <a:fontRef idx="minor">
-            <a:schemeClr val="lt1"/>
-          </a:fontRef>
-        </p:style>
-        <p:txBody>
-          <a:bodyPr rtlCol="0" anchor="ctr"/>
-          <a:lstStyle/>
-          <a:p>
-            <a:pPr algn="ctr"/>
-            <a:endParaRPr lang="en-US"/>
-          </a:p>
-        </p:txBody>
-      </p:sp>
-      <p:sp>
-        <p:nvSpPr>
-          <p:cNvPr id="3" name="Прямоугольник 2"/>
-          <p:cNvSpPr/>
-          <p:nvPr/>
-        </p:nvSpPr>
-        <p:spPr>
-          <a:xfrm>
-            <a:off x="4218315" y="1596689"/>
-            <a:ext cx="3005951" cy="1323439"/>
-          </a:xfrm>
-          <a:prstGeom prst="rect">
-            <a:avLst/>
-          </a:prstGeom>
-        </p:spPr>
-        <p:txBody>
-          <a:bodyPr wrap="none">
-            <a:spAutoFit/>
-          </a:bodyPr>
-          <a:lstStyle/>
-          <a:p>
-            <a:r>
-              <a:rPr lang="en-US" sz="8000" dirty="0">
-                <a:solidFill>
-                  <a:schemeClr val="bg1"/>
-                </a:solidFill>
-                <a:latin typeface="Consolas"/>
-                <a:cs typeface="Calibri"/>
-              </a:rPr>
-              <a:t>class</a:t>
-            </a:r>
-            <a:endParaRPr lang="en-US" sz="8000" dirty="0">
-              <a:solidFill>
-                <a:schemeClr val="bg1"/>
-              </a:solidFill>
-            </a:endParaRPr>
-          </a:p>
-        </p:txBody>
-      </p:sp>
-      <p:sp>
-        <p:nvSpPr>
-          <p:cNvPr id="6" name="Овал 5"/>
-          <p:cNvSpPr/>
-          <p:nvPr/>
-        </p:nvSpPr>
-        <p:spPr>
-          <a:xfrm>
-            <a:off x="3202317" y="3569135"/>
-            <a:ext cx="2305128" cy="2305128"/>
-          </a:xfrm>
-          <a:prstGeom prst="ellipse">
-            <a:avLst/>
-          </a:prstGeom>
-        </p:spPr>
-        <p:style>
-          <a:lnRef idx="2">
-            <a:schemeClr val="accent1">
-              <a:shade val="50000"/>
-            </a:schemeClr>
-          </a:lnRef>
-          <a:fillRef idx="1">
-            <a:schemeClr val="accent1"/>
-          </a:fillRef>
-          <a:effectRef idx="0">
-            <a:schemeClr val="accent1"/>
-          </a:effectRef>
-          <a:fontRef idx="minor">
-            <a:schemeClr val="lt1"/>
-          </a:fontRef>
-        </p:style>
-        <p:txBody>
-          <a:bodyPr rtlCol="0" anchor="ctr"/>
-          <a:lstStyle/>
-          <a:p>
-            <a:pPr algn="ctr"/>
-            <a:endParaRPr lang="en-US"/>
-          </a:p>
-        </p:txBody>
-      </p:sp>
-      <p:sp>
-        <p:nvSpPr>
-          <p:cNvPr id="5" name="Прямоугольник 4"/>
-          <p:cNvSpPr/>
-          <p:nvPr/>
-        </p:nvSpPr>
-        <p:spPr>
-          <a:xfrm>
-            <a:off x="3416162" y="4367756"/>
+            <a:off x="8529131" y="3044920"/>
             <a:ext cx="1877437" cy="707886"/>
           </a:xfrm>
           <a:prstGeom prst="rect">
@@ -15242,73 +19402,820 @@
           <a:lstStyle/>
           <a:p>
             <a:r>
-              <a:rPr lang="en-US" sz="4000" dirty="0" smtClean="0">
-                <a:solidFill>
-                  <a:schemeClr val="bg1"/>
+              <a:rPr lang="en-US" sz="4000" dirty="0">
+                <a:solidFill>
+                  <a:srgbClr val="00D8FF"/>
                 </a:solidFill>
                 <a:latin typeface="Consolas"/>
                 <a:cs typeface="Calibri"/>
               </a:rPr>
-              <a:t>static</a:t>
-            </a:r>
-            <a:endParaRPr lang="en-US" sz="4000" dirty="0">
+              <a:t>, </a:t>
+            </a:r>
+            <a:r>
+              <a:rPr lang="en-US" sz="4000" dirty="0" err="1">
+                <a:solidFill>
+                  <a:srgbClr val="00D8FF"/>
+                </a:solidFill>
+                <a:latin typeface="Consolas"/>
+                <a:cs typeface="Calibri"/>
+              </a:rPr>
+              <a:t>IPet</a:t>
+            </a:r>
+            <a:endParaRPr lang="ru-RU" dirty="0"/>
+          </a:p>
+        </p:txBody>
+      </p:sp>
+    </p:spTree>
+    <p:extLst>
+      <p:ext uri="{BB962C8B-B14F-4D97-AF65-F5344CB8AC3E}">
+        <p14:creationId xmlns:p14="http://schemas.microsoft.com/office/powerpoint/2010/main" val="321858508"/>
+      </p:ext>
+    </p:extLst>
+  </p:cSld>
+  <p:clrMapOvr>
+    <a:masterClrMapping/>
+  </p:clrMapOvr>
+  <p:timing>
+    <p:tnLst>
+      <p:par>
+        <p:cTn id="1" dur="indefinite" restart="never" nodeType="tmRoot">
+          <p:childTnLst>
+            <p:seq concurrent="1" nextAc="seek">
+              <p:cTn id="2" dur="indefinite" nodeType="mainSeq">
+                <p:childTnLst>
+                  <p:par>
+                    <p:cTn id="3" fill="hold">
+                      <p:stCondLst>
+                        <p:cond delay="indefinite"/>
+                      </p:stCondLst>
+                      <p:childTnLst>
+                        <p:par>
+                          <p:cTn id="4" fill="hold">
+                            <p:stCondLst>
+                              <p:cond delay="0"/>
+                            </p:stCondLst>
+                            <p:childTnLst>
+                              <p:par>
+                                <p:cTn id="5" presetID="10" presetClass="entr" presetSubtype="0" fill="hold" grpId="0" nodeType="clickEffect">
+                                  <p:stCondLst>
+                                    <p:cond delay="0"/>
+                                  </p:stCondLst>
+                                  <p:childTnLst>
+                                    <p:set>
+                                      <p:cBhvr>
+                                        <p:cTn id="6" dur="1" fill="hold">
+                                          <p:stCondLst>
+                                            <p:cond delay="0"/>
+                                          </p:stCondLst>
+                                        </p:cTn>
+                                        <p:tgtEl>
+                                          <p:spTgt spid="4"/>
+                                        </p:tgtEl>
+                                        <p:attrNameLst>
+                                          <p:attrName>style.visibility</p:attrName>
+                                        </p:attrNameLst>
+                                      </p:cBhvr>
+                                      <p:to>
+                                        <p:strVal val="visible"/>
+                                      </p:to>
+                                    </p:set>
+                                    <p:animEffect transition="in" filter="fade">
+                                      <p:cBhvr>
+                                        <p:cTn id="7" dur="500"/>
+                                        <p:tgtEl>
+                                          <p:spTgt spid="4"/>
+                                        </p:tgtEl>
+                                      </p:cBhvr>
+                                    </p:animEffect>
+                                  </p:childTnLst>
+                                </p:cTn>
+                              </p:par>
+                            </p:childTnLst>
+                          </p:cTn>
+                        </p:par>
+                      </p:childTnLst>
+                    </p:cTn>
+                  </p:par>
+                </p:childTnLst>
+              </p:cTn>
+              <p:prevCondLst>
+                <p:cond evt="onPrev" delay="0">
+                  <p:tgtEl>
+                    <p:sldTgt/>
+                  </p:tgtEl>
+                </p:cond>
+              </p:prevCondLst>
+              <p:nextCondLst>
+                <p:cond evt="onNext" delay="0">
+                  <p:tgtEl>
+                    <p:sldTgt/>
+                  </p:tgtEl>
+                </p:cond>
+              </p:nextCondLst>
+            </p:seq>
+          </p:childTnLst>
+        </p:cTn>
+      </p:par>
+    </p:tnLst>
+    <p:bldLst>
+      <p:bldP spid="4" grpId="0"/>
+    </p:bldLst>
+  </p:timing>
+</p:sld>
+</file>
+
+<file path=ppt/slides/slide62.xml><?xml version="1.0" encoding="utf-8"?>
+<p:sld xmlns:a="http://schemas.openxmlformats.org/drawingml/2006/main" xmlns:r="http://schemas.openxmlformats.org/officeDocument/2006/relationships" xmlns:p="http://schemas.openxmlformats.org/presentationml/2006/main">
+  <p:cSld>
+    <p:bg>
+      <p:bgPr>
+        <a:solidFill>
+          <a:srgbClr val="262626"/>
+        </a:solidFill>
+        <a:effectLst/>
+      </p:bgPr>
+    </p:bg>
+    <p:spTree>
+      <p:nvGrpSpPr>
+        <p:cNvPr id="1" name=""/>
+        <p:cNvGrpSpPr/>
+        <p:nvPr/>
+      </p:nvGrpSpPr>
+      <p:grpSpPr>
+        <a:xfrm>
+          <a:off x="0" y="0"/>
+          <a:ext cx="0" cy="0"/>
+          <a:chOff x="0" y="0"/>
+          <a:chExt cx="0" cy="0"/>
+        </a:xfrm>
+      </p:grpSpPr>
+      <p:grpSp>
+        <p:nvGrpSpPr>
+          <p:cNvPr id="2" name="Группа 1"/>
+          <p:cNvGrpSpPr/>
+          <p:nvPr/>
+        </p:nvGrpSpPr>
+        <p:grpSpPr>
+          <a:xfrm>
+            <a:off x="2476501" y="320239"/>
+            <a:ext cx="6200622" cy="6200622"/>
+            <a:chOff x="4089837" y="1466850"/>
+            <a:chExt cx="4320585" cy="4320585"/>
+          </a:xfrm>
+        </p:grpSpPr>
+        <p:sp>
+          <p:nvSpPr>
+            <p:cNvPr id="3" name="Овал 2"/>
+            <p:cNvSpPr/>
+            <p:nvPr/>
+          </p:nvSpPr>
+          <p:spPr>
+            <a:xfrm>
+              <a:off x="4089837" y="1466850"/>
+              <a:ext cx="4320585" cy="4320585"/>
+            </a:xfrm>
+            <a:prstGeom prst="ellipse">
+              <a:avLst/>
+            </a:prstGeom>
+            <a:noFill/>
+            <a:ln w="76200">
               <a:solidFill>
-                <a:schemeClr val="bg1"/>
+                <a:srgbClr val="00D8FF"/>
               </a:solidFill>
+            </a:ln>
+          </p:spPr>
+          <p:style>
+            <a:lnRef idx="2">
+              <a:schemeClr val="accent1">
+                <a:shade val="50000"/>
+              </a:schemeClr>
+            </a:lnRef>
+            <a:fillRef idx="1">
+              <a:schemeClr val="accent1"/>
+            </a:fillRef>
+            <a:effectRef idx="0">
+              <a:schemeClr val="accent1"/>
+            </a:effectRef>
+            <a:fontRef idx="minor">
+              <a:schemeClr val="lt1"/>
+            </a:fontRef>
+          </p:style>
+          <p:txBody>
+            <a:bodyPr rtlCol="0" anchor="ctr"/>
+            <a:lstStyle/>
+            <a:p>
+              <a:pPr algn="ctr"/>
+              <a:endParaRPr lang="en-US"/>
+            </a:p>
+          </p:txBody>
+        </p:sp>
+        <p:sp>
+          <p:nvSpPr>
+            <p:cNvPr id="7" name="TextBox 6">
+              <a:extLst>
+                <a:ext uri="{FF2B5EF4-FFF2-40B4-BE49-F238E27FC236}">
+                  <a16:creationId xmlns:a16="http://schemas.microsoft.com/office/drawing/2014/main" id="{AFAB66F8-ED4A-48EE-85D2-C79AC4668A7D}"/>
+                </a:ext>
+              </a:extLst>
+            </p:cNvPr>
+            <p:cNvSpPr txBox="1"/>
+            <p:nvPr/>
+          </p:nvSpPr>
+          <p:spPr>
+            <a:xfrm>
+              <a:off x="4693613" y="1887752"/>
+              <a:ext cx="1492955" cy="720060"/>
+            </a:xfrm>
+            <a:prstGeom prst="rect">
+              <a:avLst/>
+            </a:prstGeom>
+            <a:noFill/>
+          </p:spPr>
+          <p:txBody>
+            <a:bodyPr rot="0" spcFirstLastPara="0" vertOverflow="overflow" horzOverflow="overflow" vert="horz" wrap="square" lIns="91440" tIns="45720" rIns="91440" bIns="45720" numCol="1" spcCol="0" rtlCol="0" fromWordArt="0" anchor="t" anchorCtr="0" forceAA="0" compatLnSpc="1">
+              <a:prstTxWarp prst="textNoShape">
+                <a:avLst/>
+              </a:prstTxWarp>
+              <a:spAutoFit/>
+            </a:bodyPr>
+            <a:lstStyle/>
+            <a:p>
+              <a:pPr marL="0" marR="0" lvl="0" indent="0" algn="ctr" defTabSz="914400" rtl="0" eaLnBrk="1" fontAlgn="auto" latinLnBrk="0" hangingPunct="1">
+                <a:lnSpc>
+                  <a:spcPct val="100000"/>
+                </a:lnSpc>
+                <a:spcBef>
+                  <a:spcPts val="0"/>
+                </a:spcBef>
+                <a:spcAft>
+                  <a:spcPts val="0"/>
+                </a:spcAft>
+                <a:buClrTx/>
+                <a:buSzTx/>
+                <a:buFontTx/>
+                <a:buNone/>
+                <a:tabLst/>
+                <a:defRPr/>
+              </a:pPr>
+              <a:r>
+                <a:rPr kumimoji="0" lang="en-US" sz="4000" b="0" i="0" u="none" strike="noStrike" kern="1200" cap="none" spc="0" normalizeH="0" baseline="0" noProof="0" dirty="0" err="1" smtClean="0">
+                  <a:ln>
+                    <a:noFill/>
+                  </a:ln>
+                  <a:solidFill>
+                    <a:srgbClr val="00D8FF"/>
+                  </a:solidFill>
+                  <a:effectLst/>
+                  <a:uLnTx/>
+                  <a:uFillTx/>
+                  <a:latin typeface="Consolas"/>
+                  <a:ea typeface="+mn-ea"/>
+                  <a:cs typeface="Calibri"/>
+                </a:rPr>
+                <a:t>IDog</a:t>
+              </a:r>
+              <a:endParaRPr kumimoji="0" lang="en-US" sz="4000" b="0" i="0" u="none" strike="noStrike" kern="1200" cap="none" spc="0" normalizeH="0" baseline="0" noProof="0" dirty="0">
+                <a:ln>
+                  <a:noFill/>
+                </a:ln>
+                <a:solidFill>
+                  <a:srgbClr val="00D8FF"/>
+                </a:solidFill>
+                <a:effectLst/>
+                <a:uLnTx/>
+                <a:uFillTx/>
+                <a:latin typeface="Consolas"/>
+                <a:ea typeface="+mn-ea"/>
+                <a:cs typeface="Calibri"/>
+              </a:endParaRPr>
+            </a:p>
+          </p:txBody>
+        </p:sp>
+      </p:grpSp>
+      <p:grpSp>
+        <p:nvGrpSpPr>
+          <p:cNvPr id="6" name="Группа 5"/>
+          <p:cNvGrpSpPr/>
+          <p:nvPr/>
+        </p:nvGrpSpPr>
+        <p:grpSpPr>
+          <a:xfrm>
+            <a:off x="2990851" y="2282207"/>
+            <a:ext cx="4229102" cy="3958568"/>
+            <a:chOff x="5800903" y="3344845"/>
+            <a:chExt cx="2609519" cy="2442590"/>
+          </a:xfrm>
+        </p:grpSpPr>
+        <p:sp>
+          <p:nvSpPr>
+            <p:cNvPr id="8" name="Овал 7"/>
+            <p:cNvSpPr/>
+            <p:nvPr/>
+          </p:nvSpPr>
+          <p:spPr>
+            <a:xfrm>
+              <a:off x="5967832" y="3344845"/>
+              <a:ext cx="2442590" cy="2442590"/>
+            </a:xfrm>
+            <a:prstGeom prst="ellipse">
+              <a:avLst/>
+            </a:prstGeom>
+            <a:noFill/>
+            <a:ln w="76200">
+              <a:solidFill>
+                <a:srgbClr val="F59117"/>
+              </a:solidFill>
+            </a:ln>
+          </p:spPr>
+          <p:style>
+            <a:lnRef idx="2">
+              <a:schemeClr val="accent1">
+                <a:shade val="50000"/>
+              </a:schemeClr>
+            </a:lnRef>
+            <a:fillRef idx="1">
+              <a:schemeClr val="accent1"/>
+            </a:fillRef>
+            <a:effectRef idx="0">
+              <a:schemeClr val="accent1"/>
+            </a:effectRef>
+            <a:fontRef idx="minor">
+              <a:schemeClr val="lt1"/>
+            </a:fontRef>
+          </p:style>
+          <p:txBody>
+            <a:bodyPr rtlCol="0" anchor="ctr"/>
+            <a:lstStyle/>
+            <a:p>
+              <a:pPr algn="ctr"/>
+              <a:endParaRPr lang="en-US">
+                <a:solidFill>
+                  <a:srgbClr val="F59117"/>
+                </a:solidFill>
+              </a:endParaRPr>
+            </a:p>
+          </p:txBody>
+        </p:sp>
+        <p:sp>
+          <p:nvSpPr>
+            <p:cNvPr id="9" name="TextBox 8">
+              <a:extLst>
+                <a:ext uri="{FF2B5EF4-FFF2-40B4-BE49-F238E27FC236}">
+                  <a16:creationId xmlns:a16="http://schemas.microsoft.com/office/drawing/2014/main" id="{AFAB66F8-ED4A-48EE-85D2-C79AC4668A7D}"/>
+                </a:ext>
+              </a:extLst>
+            </p:cNvPr>
+            <p:cNvSpPr txBox="1"/>
+            <p:nvPr/>
+          </p:nvSpPr>
+          <p:spPr>
+            <a:xfrm>
+              <a:off x="5800903" y="3762536"/>
+              <a:ext cx="2279431" cy="693910"/>
+            </a:xfrm>
+            <a:prstGeom prst="rect">
+              <a:avLst/>
+            </a:prstGeom>
+            <a:noFill/>
+            <a:ln>
+              <a:noFill/>
+            </a:ln>
+          </p:spPr>
+          <p:txBody>
+            <a:bodyPr rot="0" spcFirstLastPara="0" vertOverflow="overflow" horzOverflow="overflow" vert="horz" wrap="square" lIns="91440" tIns="45720" rIns="91440" bIns="45720" numCol="1" spcCol="0" rtlCol="0" fromWordArt="0" anchor="t" anchorCtr="0" forceAA="0" compatLnSpc="1">
+              <a:prstTxWarp prst="textNoShape">
+                <a:avLst/>
+              </a:prstTxWarp>
+              <a:spAutoFit/>
+            </a:bodyPr>
+            <a:lstStyle/>
+            <a:p>
+              <a:pPr marL="0" marR="0" lvl="0" indent="0" algn="ctr" defTabSz="914400" rtl="0" eaLnBrk="1" fontAlgn="auto" latinLnBrk="0" hangingPunct="1">
+                <a:lnSpc>
+                  <a:spcPct val="100000"/>
+                </a:lnSpc>
+                <a:spcBef>
+                  <a:spcPts val="0"/>
+                </a:spcBef>
+                <a:spcAft>
+                  <a:spcPts val="0"/>
+                </a:spcAft>
+                <a:buClrTx/>
+                <a:buSzTx/>
+                <a:buFontTx/>
+                <a:buNone/>
+                <a:tabLst/>
+                <a:defRPr/>
+              </a:pPr>
+              <a:r>
+                <a:rPr kumimoji="0" lang="en-US" sz="4000" b="0" i="0" u="none" strike="noStrike" kern="1200" cap="none" spc="0" normalizeH="0" baseline="0" noProof="0" dirty="0" err="1" smtClean="0">
+                  <a:ln>
+                    <a:noFill/>
+                  </a:ln>
+                  <a:solidFill>
+                    <a:srgbClr val="F59117"/>
+                  </a:solidFill>
+                  <a:effectLst/>
+                  <a:uLnTx/>
+                  <a:uFillTx/>
+                  <a:latin typeface="Consolas"/>
+                  <a:ea typeface="+mn-ea"/>
+                  <a:cs typeface="Calibri"/>
+                </a:rPr>
+                <a:t>IAnimal</a:t>
+              </a:r>
+              <a:endParaRPr kumimoji="0" lang="en-US" sz="4000" b="0" i="0" u="none" strike="noStrike" kern="1200" cap="none" spc="0" normalizeH="0" baseline="0" noProof="0" dirty="0">
+                <a:ln>
+                  <a:noFill/>
+                </a:ln>
+                <a:solidFill>
+                  <a:srgbClr val="F59117"/>
+                </a:solidFill>
+                <a:effectLst/>
+                <a:uLnTx/>
+                <a:uFillTx/>
+                <a:latin typeface="Consolas"/>
+                <a:ea typeface="+mn-ea"/>
+                <a:cs typeface="Calibri"/>
+              </a:endParaRPr>
+            </a:p>
+          </p:txBody>
+        </p:sp>
+      </p:grpSp>
+      <p:sp>
+        <p:nvSpPr>
+          <p:cNvPr id="10" name="TextBox 9">
+            <a:extLst>
+              <a:ext uri="{FF2B5EF4-FFF2-40B4-BE49-F238E27FC236}">
+                <a16:creationId xmlns:a16="http://schemas.microsoft.com/office/drawing/2014/main" id="{AFAB66F8-ED4A-48EE-85D2-C79AC4668A7D}"/>
+              </a:ext>
+            </a:extLst>
+          </p:cNvPr>
+          <p:cNvSpPr txBox="1"/>
+          <p:nvPr/>
+        </p:nvSpPr>
+        <p:spPr>
+          <a:xfrm>
+            <a:off x="3343000" y="3676716"/>
+            <a:ext cx="3672061" cy="584775"/>
+          </a:xfrm>
+          <a:prstGeom prst="rect">
+            <a:avLst/>
+          </a:prstGeom>
+          <a:noFill/>
+          <a:ln>
+            <a:noFill/>
+          </a:ln>
+        </p:spPr>
+        <p:txBody>
+          <a:bodyPr rot="0" spcFirstLastPara="0" vertOverflow="overflow" horzOverflow="overflow" vert="horz" wrap="square" lIns="91440" tIns="45720" rIns="91440" bIns="45720" numCol="1" spcCol="0" rtlCol="0" fromWordArt="0" anchor="t" anchorCtr="0" forceAA="0" compatLnSpc="1">
+            <a:prstTxWarp prst="textNoShape">
+              <a:avLst/>
+            </a:prstTxWarp>
+            <a:spAutoFit/>
+          </a:bodyPr>
+          <a:lstStyle/>
+          <a:p>
+            <a:pPr marL="0" marR="0" lvl="0" indent="0" algn="ctr" defTabSz="914400" rtl="0" eaLnBrk="1" fontAlgn="auto" latinLnBrk="0" hangingPunct="1">
+              <a:lnSpc>
+                <a:spcPct val="100000"/>
+              </a:lnSpc>
+              <a:spcBef>
+                <a:spcPts val="0"/>
+              </a:spcBef>
+              <a:spcAft>
+                <a:spcPts val="0"/>
+              </a:spcAft>
+              <a:buClrTx/>
+              <a:buSzTx/>
+              <a:buFontTx/>
+              <a:buNone/>
+              <a:tabLst/>
+              <a:defRPr/>
+            </a:pPr>
+            <a:r>
+              <a:rPr kumimoji="0" lang="en-US" sz="3200" b="0" i="0" u="none" strike="noStrike" kern="1200" cap="none" spc="0" normalizeH="0" baseline="0" noProof="0" dirty="0" smtClean="0">
+                <a:ln>
+                  <a:noFill/>
+                </a:ln>
+                <a:solidFill>
+                  <a:srgbClr val="999999"/>
+                </a:solidFill>
+                <a:effectLst/>
+                <a:uLnTx/>
+                <a:uFillTx/>
+                <a:latin typeface="Consolas"/>
+                <a:ea typeface="+mn-ea"/>
+                <a:cs typeface="Calibri"/>
+              </a:rPr>
+              <a:t>name: </a:t>
+            </a:r>
+            <a:r>
+              <a:rPr kumimoji="0" lang="en-US" sz="3200" b="0" i="0" u="none" strike="noStrike" kern="1200" cap="none" spc="0" normalizeH="0" baseline="0" noProof="0" dirty="0" smtClean="0">
+                <a:ln>
+                  <a:noFill/>
+                </a:ln>
+                <a:solidFill>
+                  <a:srgbClr val="BF4141"/>
+                </a:solidFill>
+                <a:effectLst/>
+                <a:uLnTx/>
+                <a:uFillTx/>
+                <a:latin typeface="Consolas"/>
+                <a:ea typeface="+mn-ea"/>
+                <a:cs typeface="Calibri"/>
+              </a:rPr>
+              <a:t>string</a:t>
+            </a:r>
+            <a:endParaRPr kumimoji="0" lang="en-US" sz="3200" b="0" i="0" u="none" strike="noStrike" kern="1200" cap="none" spc="0" normalizeH="0" baseline="0" noProof="0" dirty="0">
+              <a:ln>
+                <a:noFill/>
+              </a:ln>
+              <a:solidFill>
+                <a:srgbClr val="BF4141"/>
+              </a:solidFill>
+              <a:effectLst/>
+              <a:uLnTx/>
+              <a:uFillTx/>
+              <a:latin typeface="Consolas"/>
+              <a:ea typeface="+mn-ea"/>
+              <a:cs typeface="Calibri"/>
             </a:endParaRPr>
           </a:p>
         </p:txBody>
       </p:sp>
       <p:sp>
         <p:nvSpPr>
-          <p:cNvPr id="8" name="Овал 7"/>
+          <p:cNvPr id="11" name="TextBox 10">
+            <a:extLst>
+              <a:ext uri="{FF2B5EF4-FFF2-40B4-BE49-F238E27FC236}">
+                <a16:creationId xmlns:a16="http://schemas.microsoft.com/office/drawing/2014/main" id="{AFAB66F8-ED4A-48EE-85D2-C79AC4668A7D}"/>
+              </a:ext>
+            </a:extLst>
+          </p:cNvPr>
+          <p:cNvSpPr txBox="1"/>
+          <p:nvPr/>
+        </p:nvSpPr>
+        <p:spPr>
+          <a:xfrm>
+            <a:off x="3343001" y="1649807"/>
+            <a:ext cx="3672061" cy="584775"/>
+          </a:xfrm>
+          <a:prstGeom prst="rect">
+            <a:avLst/>
+          </a:prstGeom>
+          <a:noFill/>
+          <a:ln>
+            <a:noFill/>
+          </a:ln>
+        </p:spPr>
+        <p:txBody>
+          <a:bodyPr rot="0" spcFirstLastPara="0" vertOverflow="overflow" horzOverflow="overflow" vert="horz" wrap="square" lIns="91440" tIns="45720" rIns="91440" bIns="45720" numCol="1" spcCol="0" rtlCol="0" fromWordArt="0" anchor="t" anchorCtr="0" forceAA="0" compatLnSpc="1">
+            <a:prstTxWarp prst="textNoShape">
+              <a:avLst/>
+            </a:prstTxWarp>
+            <a:spAutoFit/>
+          </a:bodyPr>
+          <a:lstStyle/>
+          <a:p>
+            <a:pPr marL="0" marR="0" lvl="0" indent="0" algn="ctr" defTabSz="914400" rtl="0" eaLnBrk="1" fontAlgn="auto" latinLnBrk="0" hangingPunct="1">
+              <a:lnSpc>
+                <a:spcPct val="100000"/>
+              </a:lnSpc>
+              <a:spcBef>
+                <a:spcPts val="0"/>
+              </a:spcBef>
+              <a:spcAft>
+                <a:spcPts val="0"/>
+              </a:spcAft>
+              <a:buClrTx/>
+              <a:buSzTx/>
+              <a:buFontTx/>
+              <a:buNone/>
+              <a:tabLst/>
+              <a:defRPr/>
+            </a:pPr>
+            <a:r>
+              <a:rPr kumimoji="0" lang="en-US" sz="3200" b="0" i="0" u="none" strike="noStrike" kern="1200" cap="none" spc="0" normalizeH="0" baseline="0" noProof="0" dirty="0" smtClean="0">
+                <a:ln>
+                  <a:noFill/>
+                </a:ln>
+                <a:solidFill>
+                  <a:srgbClr val="999999"/>
+                </a:solidFill>
+                <a:effectLst/>
+                <a:uLnTx/>
+                <a:uFillTx/>
+                <a:latin typeface="Consolas"/>
+                <a:ea typeface="+mn-ea"/>
+                <a:cs typeface="Calibri"/>
+              </a:rPr>
+              <a:t>name: </a:t>
+            </a:r>
+            <a:r>
+              <a:rPr kumimoji="0" lang="en-US" sz="3200" b="0" i="0" u="none" strike="noStrike" kern="1200" cap="none" spc="0" normalizeH="0" baseline="0" noProof="0" dirty="0" smtClean="0">
+                <a:ln>
+                  <a:noFill/>
+                </a:ln>
+                <a:solidFill>
+                  <a:srgbClr val="BF4141"/>
+                </a:solidFill>
+                <a:effectLst/>
+                <a:uLnTx/>
+                <a:uFillTx/>
+                <a:latin typeface="Consolas"/>
+                <a:ea typeface="+mn-ea"/>
+                <a:cs typeface="Calibri"/>
+              </a:rPr>
+              <a:t>number</a:t>
+            </a:r>
+            <a:endParaRPr kumimoji="0" lang="en-US" sz="3200" b="0" i="0" u="none" strike="noStrike" kern="1200" cap="none" spc="0" normalizeH="0" baseline="0" noProof="0" dirty="0">
+              <a:ln>
+                <a:noFill/>
+              </a:ln>
+              <a:solidFill>
+                <a:srgbClr val="BF4141"/>
+              </a:solidFill>
+              <a:effectLst/>
+              <a:uLnTx/>
+              <a:uFillTx/>
+              <a:latin typeface="Consolas"/>
+              <a:ea typeface="+mn-ea"/>
+              <a:cs typeface="Calibri"/>
+            </a:endParaRPr>
+          </a:p>
+        </p:txBody>
+      </p:sp>
+    </p:spTree>
+    <p:extLst>
+      <p:ext uri="{BB962C8B-B14F-4D97-AF65-F5344CB8AC3E}">
+        <p14:creationId xmlns:p14="http://schemas.microsoft.com/office/powerpoint/2010/main" val="3907585947"/>
+      </p:ext>
+    </p:extLst>
+  </p:cSld>
+  <p:clrMapOvr>
+    <a:masterClrMapping/>
+  </p:clrMapOvr>
+  <p:timing>
+    <p:tnLst>
+      <p:par>
+        <p:cTn id="1" dur="indefinite" restart="never" nodeType="tmRoot">
+          <p:childTnLst>
+            <p:seq concurrent="1" nextAc="seek">
+              <p:cTn id="2" dur="indefinite" nodeType="mainSeq">
+                <p:childTnLst>
+                  <p:par>
+                    <p:cTn id="3" fill="hold">
+                      <p:stCondLst>
+                        <p:cond delay="indefinite"/>
+                      </p:stCondLst>
+                      <p:childTnLst>
+                        <p:par>
+                          <p:cTn id="4" fill="hold">
+                            <p:stCondLst>
+                              <p:cond delay="0"/>
+                            </p:stCondLst>
+                            <p:childTnLst>
+                              <p:par>
+                                <p:cTn id="5" presetID="10" presetClass="entr" presetSubtype="0" fill="hold" grpId="0" nodeType="clickEffect">
+                                  <p:stCondLst>
+                                    <p:cond delay="0"/>
+                                  </p:stCondLst>
+                                  <p:childTnLst>
+                                    <p:set>
+                                      <p:cBhvr>
+                                        <p:cTn id="6" dur="1" fill="hold">
+                                          <p:stCondLst>
+                                            <p:cond delay="0"/>
+                                          </p:stCondLst>
+                                        </p:cTn>
+                                        <p:tgtEl>
+                                          <p:spTgt spid="11"/>
+                                        </p:tgtEl>
+                                        <p:attrNameLst>
+                                          <p:attrName>style.visibility</p:attrName>
+                                        </p:attrNameLst>
+                                      </p:cBhvr>
+                                      <p:to>
+                                        <p:strVal val="visible"/>
+                                      </p:to>
+                                    </p:set>
+                                    <p:animEffect transition="in" filter="fade">
+                                      <p:cBhvr>
+                                        <p:cTn id="7" dur="500"/>
+                                        <p:tgtEl>
+                                          <p:spTgt spid="11"/>
+                                        </p:tgtEl>
+                                      </p:cBhvr>
+                                    </p:animEffect>
+                                  </p:childTnLst>
+                                </p:cTn>
+                              </p:par>
+                              <p:par>
+                                <p:cTn id="8" presetID="10" presetClass="entr" presetSubtype="0" fill="hold" grpId="0" nodeType="withEffect">
+                                  <p:stCondLst>
+                                    <p:cond delay="0"/>
+                                  </p:stCondLst>
+                                  <p:childTnLst>
+                                    <p:set>
+                                      <p:cBhvr>
+                                        <p:cTn id="9" dur="1" fill="hold">
+                                          <p:stCondLst>
+                                            <p:cond delay="0"/>
+                                          </p:stCondLst>
+                                        </p:cTn>
+                                        <p:tgtEl>
+                                          <p:spTgt spid="10"/>
+                                        </p:tgtEl>
+                                        <p:attrNameLst>
+                                          <p:attrName>style.visibility</p:attrName>
+                                        </p:attrNameLst>
+                                      </p:cBhvr>
+                                      <p:to>
+                                        <p:strVal val="visible"/>
+                                      </p:to>
+                                    </p:set>
+                                    <p:animEffect transition="in" filter="fade">
+                                      <p:cBhvr>
+                                        <p:cTn id="10" dur="500"/>
+                                        <p:tgtEl>
+                                          <p:spTgt spid="10"/>
+                                        </p:tgtEl>
+                                      </p:cBhvr>
+                                    </p:animEffect>
+                                  </p:childTnLst>
+                                </p:cTn>
+                              </p:par>
+                            </p:childTnLst>
+                          </p:cTn>
+                        </p:par>
+                      </p:childTnLst>
+                    </p:cTn>
+                  </p:par>
+                </p:childTnLst>
+              </p:cTn>
+              <p:prevCondLst>
+                <p:cond evt="onPrev" delay="0">
+                  <p:tgtEl>
+                    <p:sldTgt/>
+                  </p:tgtEl>
+                </p:cond>
+              </p:prevCondLst>
+              <p:nextCondLst>
+                <p:cond evt="onNext" delay="0">
+                  <p:tgtEl>
+                    <p:sldTgt/>
+                  </p:tgtEl>
+                </p:cond>
+              </p:nextCondLst>
+            </p:seq>
+          </p:childTnLst>
+        </p:cTn>
+      </p:par>
+    </p:tnLst>
+    <p:bldLst>
+      <p:bldP spid="10" grpId="0"/>
+      <p:bldP spid="11" grpId="0"/>
+    </p:bldLst>
+  </p:timing>
+</p:sld>
+</file>
+
+<file path=ppt/slides/slide63.xml><?xml version="1.0" encoding="utf-8"?>
+<p:sld xmlns:a="http://schemas.openxmlformats.org/drawingml/2006/main" xmlns:r="http://schemas.openxmlformats.org/officeDocument/2006/relationships" xmlns:p="http://schemas.openxmlformats.org/presentationml/2006/main">
+  <p:cSld>
+    <p:bg>
+      <p:bgPr>
+        <a:solidFill>
+          <a:srgbClr val="262626"/>
+        </a:solidFill>
+        <a:effectLst/>
+      </p:bgPr>
+    </p:bg>
+    <p:spTree>
+      <p:nvGrpSpPr>
+        <p:cNvPr id="1" name=""/>
+        <p:cNvGrpSpPr/>
+        <p:nvPr/>
+      </p:nvGrpSpPr>
+      <p:grpSpPr>
+        <a:xfrm>
+          <a:off x="0" y="0"/>
+          <a:ext cx="0" cy="0"/>
+          <a:chOff x="0" y="0"/>
+          <a:chExt cx="0" cy="0"/>
+        </a:xfrm>
+      </p:grpSpPr>
+      <p:sp>
+        <p:nvSpPr>
+          <p:cNvPr id="5" name="Прямоугольник 4"/>
           <p:cNvSpPr/>
           <p:nvPr/>
         </p:nvSpPr>
         <p:spPr>
           <a:xfrm>
-            <a:off x="6005932" y="3569135"/>
-            <a:ext cx="2305128" cy="2305128"/>
-          </a:xfrm>
-          <a:prstGeom prst="ellipse">
-            <a:avLst/>
-          </a:prstGeom>
-        </p:spPr>
-        <p:style>
-          <a:lnRef idx="2">
-            <a:schemeClr val="accent1">
-              <a:shade val="50000"/>
-            </a:schemeClr>
-          </a:lnRef>
-          <a:fillRef idx="1">
-            <a:schemeClr val="accent1"/>
-          </a:fillRef>
-          <a:effectRef idx="0">
-            <a:schemeClr val="accent1"/>
-          </a:effectRef>
-          <a:fontRef idx="minor">
-            <a:schemeClr val="lt1"/>
-          </a:fontRef>
-        </p:style>
-        <p:txBody>
-          <a:bodyPr rtlCol="0" anchor="ctr"/>
-          <a:lstStyle/>
-          <a:p>
-            <a:pPr algn="ctr"/>
-            <a:endParaRPr lang="en-US"/>
-          </a:p>
-        </p:txBody>
-      </p:sp>
-      <p:sp>
-        <p:nvSpPr>
-          <p:cNvPr id="9" name="Прямоугольник 8"/>
-          <p:cNvSpPr/>
-          <p:nvPr/>
-        </p:nvSpPr>
-        <p:spPr>
-          <a:xfrm>
-            <a:off x="6495822" y="4367756"/>
-            <a:ext cx="1313180" cy="707886"/>
+            <a:off x="2124401" y="2998113"/>
+            <a:ext cx="7943201" cy="861774"/>
           </a:xfrm>
           <a:prstGeom prst="rect">
             <a:avLst/>
@@ -15320,20 +20227,53 @@
           </a:bodyPr>
           <a:lstStyle/>
           <a:p>
-            <a:r>
-              <a:rPr lang="en-US" sz="4000" dirty="0" smtClean="0">
-                <a:solidFill>
-                  <a:schemeClr val="bg1"/>
+            <a:pPr lvl="0" algn="ctr"/>
+            <a:r>
+              <a:rPr lang="en-US" sz="5000" dirty="0" err="1" smtClean="0">
+                <a:solidFill>
+                  <a:srgbClr val="00D8FF"/>
                 </a:solidFill>
                 <a:latin typeface="Consolas"/>
                 <a:cs typeface="Calibri"/>
               </a:rPr>
-              <a:t>this</a:t>
-            </a:r>
-            <a:endParaRPr lang="en-US" sz="4000" dirty="0">
+              <a:t>IFunction</a:t>
+            </a:r>
+            <a:r>
+              <a:rPr lang="ru-RU" sz="5000" dirty="0" smtClean="0">
+                <a:solidFill>
+                  <a:srgbClr val="00D8FF"/>
+                </a:solidFill>
+                <a:latin typeface="Consolas"/>
+                <a:cs typeface="Calibri"/>
+              </a:rPr>
+              <a:t> </a:t>
+            </a:r>
+            <a:r>
+              <a:rPr lang="en-US" sz="5000" dirty="0" smtClean="0">
+                <a:solidFill>
+                  <a:srgbClr val="00D8FF"/>
+                </a:solidFill>
+                <a:latin typeface="Consolas"/>
+                <a:cs typeface="Calibri"/>
+              </a:rPr>
+              <a:t>&amp; </a:t>
+            </a:r>
+            <a:r>
+              <a:rPr lang="en-US" sz="5000" dirty="0" err="1" smtClean="0">
+                <a:solidFill>
+                  <a:srgbClr val="00D8FF"/>
+                </a:solidFill>
+                <a:latin typeface="Consolas"/>
+                <a:cs typeface="Calibri"/>
+              </a:rPr>
+              <a:t>IInterface</a:t>
+            </a:r>
+            <a:endParaRPr lang="en-US" sz="5000" dirty="0">
               <a:solidFill>
-                <a:schemeClr val="bg1"/>
+                <a:srgbClr val="00D8FF"/>
               </a:solidFill>
+              <a:latin typeface="Consolas"/>
+              <a:cs typeface="Calibri"/>
             </a:endParaRPr>
           </a:p>
         </p:txBody>
@@ -15341,7 +20281,1595 @@
     </p:spTree>
     <p:extLst>
       <p:ext uri="{BB962C8B-B14F-4D97-AF65-F5344CB8AC3E}">
-        <p14:creationId xmlns:p14="http://schemas.microsoft.com/office/powerpoint/2010/main" val="386006308"/>
+        <p14:creationId xmlns:p14="http://schemas.microsoft.com/office/powerpoint/2010/main" val="1633447315"/>
+      </p:ext>
+    </p:extLst>
+  </p:cSld>
+  <p:clrMapOvr>
+    <a:masterClrMapping/>
+  </p:clrMapOvr>
+  <p:timing>
+    <p:tnLst>
+      <p:par>
+        <p:cTn id="1" dur="indefinite" restart="never" nodeType="tmRoot"/>
+      </p:par>
+    </p:tnLst>
+  </p:timing>
+</p:sld>
+</file>
+
+<file path=ppt/slides/slide64.xml><?xml version="1.0" encoding="utf-8"?>
+<p:sld xmlns:a="http://schemas.openxmlformats.org/drawingml/2006/main" xmlns:r="http://schemas.openxmlformats.org/officeDocument/2006/relationships" xmlns:p="http://schemas.openxmlformats.org/presentationml/2006/main">
+  <p:cSld>
+    <p:bg>
+      <p:bgPr>
+        <a:solidFill>
+          <a:srgbClr val="262626"/>
+        </a:solidFill>
+        <a:effectLst/>
+      </p:bgPr>
+    </p:bg>
+    <p:spTree>
+      <p:nvGrpSpPr>
+        <p:cNvPr id="1" name=""/>
+        <p:cNvGrpSpPr/>
+        <p:nvPr/>
+      </p:nvGrpSpPr>
+      <p:grpSpPr>
+        <a:xfrm>
+          <a:off x="0" y="0"/>
+          <a:ext cx="0" cy="0"/>
+          <a:chOff x="0" y="0"/>
+          <a:chExt cx="0" cy="0"/>
+        </a:xfrm>
+      </p:grpSpPr>
+      <p:grpSp>
+        <p:nvGrpSpPr>
+          <p:cNvPr id="2" name="Группа 1"/>
+          <p:cNvGrpSpPr/>
+          <p:nvPr/>
+        </p:nvGrpSpPr>
+        <p:grpSpPr>
+          <a:xfrm>
+            <a:off x="2476501" y="82114"/>
+            <a:ext cx="6200622" cy="6200622"/>
+            <a:chOff x="4089837" y="1466850"/>
+            <a:chExt cx="4320585" cy="4320585"/>
+          </a:xfrm>
+        </p:grpSpPr>
+        <p:sp>
+          <p:nvSpPr>
+            <p:cNvPr id="3" name="Овал 2"/>
+            <p:cNvSpPr/>
+            <p:nvPr/>
+          </p:nvSpPr>
+          <p:spPr>
+            <a:xfrm>
+              <a:off x="4089837" y="1466850"/>
+              <a:ext cx="4320585" cy="4320585"/>
+            </a:xfrm>
+            <a:prstGeom prst="ellipse">
+              <a:avLst/>
+            </a:prstGeom>
+            <a:noFill/>
+            <a:ln w="76200">
+              <a:solidFill>
+                <a:srgbClr val="00D8FF"/>
+              </a:solidFill>
+            </a:ln>
+          </p:spPr>
+          <p:style>
+            <a:lnRef idx="2">
+              <a:schemeClr val="accent1">
+                <a:shade val="50000"/>
+              </a:schemeClr>
+            </a:lnRef>
+            <a:fillRef idx="1">
+              <a:schemeClr val="accent1"/>
+            </a:fillRef>
+            <a:effectRef idx="0">
+              <a:schemeClr val="accent1"/>
+            </a:effectRef>
+            <a:fontRef idx="minor">
+              <a:schemeClr val="lt1"/>
+            </a:fontRef>
+          </p:style>
+          <p:txBody>
+            <a:bodyPr rtlCol="0" anchor="ctr"/>
+            <a:lstStyle/>
+            <a:p>
+              <a:pPr marL="0" marR="0" lvl="0" indent="0" algn="ctr" defTabSz="914400" rtl="0" eaLnBrk="1" fontAlgn="auto" latinLnBrk="0" hangingPunct="1">
+                <a:lnSpc>
+                  <a:spcPct val="100000"/>
+                </a:lnSpc>
+                <a:spcBef>
+                  <a:spcPts val="0"/>
+                </a:spcBef>
+                <a:spcAft>
+                  <a:spcPts val="0"/>
+                </a:spcAft>
+                <a:buClrTx/>
+                <a:buSzTx/>
+                <a:buFontTx/>
+                <a:buNone/>
+                <a:tabLst/>
+                <a:defRPr/>
+              </a:pPr>
+              <a:endParaRPr kumimoji="0" lang="en-US" sz="1800" b="0" i="0" u="none" strike="noStrike" kern="1200" cap="none" spc="0" normalizeH="0" baseline="0" noProof="0">
+                <a:ln>
+                  <a:noFill/>
+                </a:ln>
+                <a:solidFill>
+                  <a:prstClr val="white"/>
+                </a:solidFill>
+                <a:effectLst/>
+                <a:uLnTx/>
+                <a:uFillTx/>
+                <a:latin typeface="Calibri" panose="020F0502020204030204"/>
+                <a:ea typeface="+mn-ea"/>
+                <a:cs typeface="+mn-cs"/>
+              </a:endParaRPr>
+            </a:p>
+          </p:txBody>
+        </p:sp>
+        <p:sp>
+          <p:nvSpPr>
+            <p:cNvPr id="7" name="TextBox 6">
+              <a:extLst>
+                <a:ext uri="{FF2B5EF4-FFF2-40B4-BE49-F238E27FC236}">
+                  <a16:creationId xmlns:a16="http://schemas.microsoft.com/office/drawing/2014/main" id="{AFAB66F8-ED4A-48EE-85D2-C79AC4668A7D}"/>
+                </a:ext>
+              </a:extLst>
+            </p:cNvPr>
+            <p:cNvSpPr txBox="1"/>
+            <p:nvPr/>
+          </p:nvSpPr>
+          <p:spPr>
+            <a:xfrm>
+              <a:off x="5503651" y="1806961"/>
+              <a:ext cx="1492955" cy="720060"/>
+            </a:xfrm>
+            <a:prstGeom prst="rect">
+              <a:avLst/>
+            </a:prstGeom>
+            <a:noFill/>
+          </p:spPr>
+          <p:txBody>
+            <a:bodyPr rot="0" spcFirstLastPara="0" vertOverflow="overflow" horzOverflow="overflow" vert="horz" wrap="square" lIns="91440" tIns="45720" rIns="91440" bIns="45720" numCol="1" spcCol="0" rtlCol="0" fromWordArt="0" anchor="t" anchorCtr="0" forceAA="0" compatLnSpc="1">
+              <a:prstTxWarp prst="textNoShape">
+                <a:avLst/>
+              </a:prstTxWarp>
+              <a:spAutoFit/>
+            </a:bodyPr>
+            <a:lstStyle/>
+            <a:p>
+              <a:pPr marL="0" marR="0" lvl="0" indent="0" algn="ctr" defTabSz="914400" rtl="0" eaLnBrk="1" fontAlgn="auto" latinLnBrk="0" hangingPunct="1">
+                <a:lnSpc>
+                  <a:spcPct val="100000"/>
+                </a:lnSpc>
+                <a:spcBef>
+                  <a:spcPts val="0"/>
+                </a:spcBef>
+                <a:spcAft>
+                  <a:spcPts val="0"/>
+                </a:spcAft>
+                <a:buClrTx/>
+                <a:buSzTx/>
+                <a:buFontTx/>
+                <a:buNone/>
+                <a:tabLst/>
+                <a:defRPr/>
+              </a:pPr>
+              <a:r>
+                <a:rPr kumimoji="0" lang="en-US" sz="4000" b="0" i="0" u="none" strike="noStrike" kern="1200" cap="none" spc="0" normalizeH="0" baseline="0" noProof="0" dirty="0" err="1" smtClean="0">
+                  <a:ln>
+                    <a:noFill/>
+                  </a:ln>
+                  <a:solidFill>
+                    <a:srgbClr val="00D8FF"/>
+                  </a:solidFill>
+                  <a:effectLst/>
+                  <a:uLnTx/>
+                  <a:uFillTx/>
+                  <a:latin typeface="Consolas"/>
+                  <a:ea typeface="+mn-ea"/>
+                  <a:cs typeface="Calibri"/>
+                </a:rPr>
+                <a:t>IDog</a:t>
+              </a:r>
+              <a:endParaRPr kumimoji="0" lang="en-US" sz="4000" b="0" i="0" u="none" strike="noStrike" kern="1200" cap="none" spc="0" normalizeH="0" baseline="0" noProof="0" dirty="0">
+                <a:ln>
+                  <a:noFill/>
+                </a:ln>
+                <a:solidFill>
+                  <a:srgbClr val="00D8FF"/>
+                </a:solidFill>
+                <a:effectLst/>
+                <a:uLnTx/>
+                <a:uFillTx/>
+                <a:latin typeface="Consolas"/>
+                <a:ea typeface="+mn-ea"/>
+                <a:cs typeface="Calibri"/>
+              </a:endParaRPr>
+            </a:p>
+          </p:txBody>
+        </p:sp>
+      </p:grpSp>
+      <p:grpSp>
+        <p:nvGrpSpPr>
+          <p:cNvPr id="12" name="Группа 11"/>
+          <p:cNvGrpSpPr/>
+          <p:nvPr/>
+        </p:nvGrpSpPr>
+        <p:grpSpPr>
+          <a:xfrm>
+            <a:off x="3597527" y="1805957"/>
+            <a:ext cx="3958569" cy="3958568"/>
+            <a:chOff x="5967832" y="3344845"/>
+            <a:chExt cx="2442590" cy="2442590"/>
+          </a:xfrm>
+        </p:grpSpPr>
+        <p:sp>
+          <p:nvSpPr>
+            <p:cNvPr id="13" name="Овал 12"/>
+            <p:cNvSpPr/>
+            <p:nvPr/>
+          </p:nvSpPr>
+          <p:spPr>
+            <a:xfrm>
+              <a:off x="5967832" y="3344845"/>
+              <a:ext cx="2442590" cy="2442590"/>
+            </a:xfrm>
+            <a:prstGeom prst="ellipse">
+              <a:avLst/>
+            </a:prstGeom>
+            <a:noFill/>
+            <a:ln w="76200">
+              <a:solidFill>
+                <a:srgbClr val="F59117"/>
+              </a:solidFill>
+            </a:ln>
+          </p:spPr>
+          <p:style>
+            <a:lnRef idx="2">
+              <a:schemeClr val="accent1">
+                <a:shade val="50000"/>
+              </a:schemeClr>
+            </a:lnRef>
+            <a:fillRef idx="1">
+              <a:schemeClr val="accent1"/>
+            </a:fillRef>
+            <a:effectRef idx="0">
+              <a:schemeClr val="accent1"/>
+            </a:effectRef>
+            <a:fontRef idx="minor">
+              <a:schemeClr val="lt1"/>
+            </a:fontRef>
+          </p:style>
+          <p:txBody>
+            <a:bodyPr rtlCol="0" anchor="ctr"/>
+            <a:lstStyle/>
+            <a:p>
+              <a:pPr algn="ctr"/>
+              <a:endParaRPr lang="en-US">
+                <a:solidFill>
+                  <a:srgbClr val="F59117"/>
+                </a:solidFill>
+              </a:endParaRPr>
+            </a:p>
+          </p:txBody>
+        </p:sp>
+        <p:sp>
+          <p:nvSpPr>
+            <p:cNvPr id="14" name="TextBox 13">
+              <a:extLst>
+                <a:ext uri="{FF2B5EF4-FFF2-40B4-BE49-F238E27FC236}">
+                  <a16:creationId xmlns:a16="http://schemas.microsoft.com/office/drawing/2014/main" id="{AFAB66F8-ED4A-48EE-85D2-C79AC4668A7D}"/>
+                </a:ext>
+              </a:extLst>
+            </p:cNvPr>
+            <p:cNvSpPr txBox="1"/>
+            <p:nvPr/>
+          </p:nvSpPr>
+          <p:spPr>
+            <a:xfrm>
+              <a:off x="6049411" y="4347743"/>
+              <a:ext cx="2279431" cy="436793"/>
+            </a:xfrm>
+            <a:prstGeom prst="rect">
+              <a:avLst/>
+            </a:prstGeom>
+            <a:noFill/>
+            <a:ln>
+              <a:noFill/>
+            </a:ln>
+          </p:spPr>
+          <p:txBody>
+            <a:bodyPr rot="0" spcFirstLastPara="0" vertOverflow="overflow" horzOverflow="overflow" vert="horz" wrap="square" lIns="91440" tIns="45720" rIns="91440" bIns="45720" numCol="1" spcCol="0" rtlCol="0" fromWordArt="0" anchor="t" anchorCtr="0" forceAA="0" compatLnSpc="1">
+              <a:prstTxWarp prst="textNoShape">
+                <a:avLst/>
+              </a:prstTxWarp>
+              <a:spAutoFit/>
+            </a:bodyPr>
+            <a:lstStyle/>
+            <a:p>
+              <a:pPr marL="0" marR="0" lvl="0" indent="0" algn="ctr" defTabSz="914400" rtl="0" eaLnBrk="1" fontAlgn="auto" latinLnBrk="0" hangingPunct="1">
+                <a:lnSpc>
+                  <a:spcPct val="100000"/>
+                </a:lnSpc>
+                <a:spcBef>
+                  <a:spcPts val="0"/>
+                </a:spcBef>
+                <a:spcAft>
+                  <a:spcPts val="0"/>
+                </a:spcAft>
+                <a:buClrTx/>
+                <a:buSzTx/>
+                <a:buFontTx/>
+                <a:buNone/>
+                <a:tabLst/>
+                <a:defRPr/>
+              </a:pPr>
+              <a:r>
+                <a:rPr kumimoji="0" lang="en-US" sz="4000" b="0" i="0" u="none" strike="noStrike" kern="1200" cap="none" spc="0" normalizeH="0" baseline="0" noProof="0" dirty="0" smtClean="0">
+                  <a:ln>
+                    <a:noFill/>
+                  </a:ln>
+                  <a:solidFill>
+                    <a:srgbClr val="F59117"/>
+                  </a:solidFill>
+                  <a:effectLst/>
+                  <a:uLnTx/>
+                  <a:uFillTx/>
+                  <a:latin typeface="Consolas"/>
+                  <a:ea typeface="+mn-ea"/>
+                  <a:cs typeface="Calibri"/>
+                </a:rPr>
+                <a:t>class</a:t>
+              </a:r>
+              <a:r>
+                <a:rPr kumimoji="0" lang="en-US" sz="4000" b="0" i="0" u="none" strike="noStrike" kern="1200" cap="none" spc="0" normalizeH="0" noProof="0" dirty="0" smtClean="0">
+                  <a:ln>
+                    <a:noFill/>
+                  </a:ln>
+                  <a:solidFill>
+                    <a:srgbClr val="F59117"/>
+                  </a:solidFill>
+                  <a:effectLst/>
+                  <a:uLnTx/>
+                  <a:uFillTx/>
+                  <a:latin typeface="Consolas"/>
+                  <a:ea typeface="+mn-ea"/>
+                  <a:cs typeface="Calibri"/>
+                </a:rPr>
+                <a:t> (this)</a:t>
+              </a:r>
+              <a:endParaRPr kumimoji="0" lang="en-US" sz="4000" b="0" i="0" u="none" strike="noStrike" kern="1200" cap="none" spc="0" normalizeH="0" baseline="0" noProof="0" dirty="0">
+                <a:ln>
+                  <a:noFill/>
+                </a:ln>
+                <a:solidFill>
+                  <a:srgbClr val="F59117"/>
+                </a:solidFill>
+                <a:effectLst/>
+                <a:uLnTx/>
+                <a:uFillTx/>
+                <a:latin typeface="Consolas"/>
+                <a:ea typeface="+mn-ea"/>
+                <a:cs typeface="Calibri"/>
+              </a:endParaRPr>
+            </a:p>
+          </p:txBody>
+        </p:sp>
+      </p:grpSp>
+    </p:spTree>
+    <p:extLst>
+      <p:ext uri="{BB962C8B-B14F-4D97-AF65-F5344CB8AC3E}">
+        <p14:creationId xmlns:p14="http://schemas.microsoft.com/office/powerpoint/2010/main" val="2358990050"/>
+      </p:ext>
+    </p:extLst>
+  </p:cSld>
+  <p:clrMapOvr>
+    <a:masterClrMapping/>
+  </p:clrMapOvr>
+  <p:timing>
+    <p:tnLst>
+      <p:par>
+        <p:cTn id="1" dur="indefinite" restart="never" nodeType="tmRoot"/>
+      </p:par>
+    </p:tnLst>
+  </p:timing>
+</p:sld>
+</file>
+
+<file path=ppt/slides/slide65.xml><?xml version="1.0" encoding="utf-8"?>
+<p:sld xmlns:a="http://schemas.openxmlformats.org/drawingml/2006/main" xmlns:r="http://schemas.openxmlformats.org/officeDocument/2006/relationships" xmlns:p="http://schemas.openxmlformats.org/presentationml/2006/main">
+  <p:cSld>
+    <p:bg>
+      <p:bgPr>
+        <a:solidFill>
+          <a:srgbClr val="262626"/>
+        </a:solidFill>
+        <a:effectLst/>
+      </p:bgPr>
+    </p:bg>
+    <p:spTree>
+      <p:nvGrpSpPr>
+        <p:cNvPr id="1" name=""/>
+        <p:cNvGrpSpPr/>
+        <p:nvPr/>
+      </p:nvGrpSpPr>
+      <p:grpSpPr>
+        <a:xfrm>
+          <a:off x="0" y="0"/>
+          <a:ext cx="0" cy="0"/>
+          <a:chOff x="0" y="0"/>
+          <a:chExt cx="0" cy="0"/>
+        </a:xfrm>
+      </p:grpSpPr>
+      <p:sp>
+        <p:nvSpPr>
+          <p:cNvPr id="5" name="Прямоугольник 4"/>
+          <p:cNvSpPr/>
+          <p:nvPr/>
+        </p:nvSpPr>
+        <p:spPr>
+          <a:xfrm>
+            <a:off x="4716855" y="2998113"/>
+            <a:ext cx="3005951" cy="861774"/>
+          </a:xfrm>
+          <a:prstGeom prst="rect">
+            <a:avLst/>
+          </a:prstGeom>
+        </p:spPr>
+        <p:txBody>
+          <a:bodyPr wrap="none">
+            <a:spAutoFit/>
+          </a:bodyPr>
+          <a:lstStyle/>
+          <a:p>
+            <a:pPr marL="0" marR="0" lvl="0" indent="0" algn="ctr" defTabSz="914400" rtl="0" eaLnBrk="1" fontAlgn="auto" latinLnBrk="0" hangingPunct="1">
+              <a:lnSpc>
+                <a:spcPct val="100000"/>
+              </a:lnSpc>
+              <a:spcBef>
+                <a:spcPts val="0"/>
+              </a:spcBef>
+              <a:spcAft>
+                <a:spcPts val="0"/>
+              </a:spcAft>
+              <a:buClrTx/>
+              <a:buSzTx/>
+              <a:buFontTx/>
+              <a:buNone/>
+              <a:tabLst/>
+              <a:defRPr/>
+            </a:pPr>
+            <a:r>
+              <a:rPr kumimoji="0" lang="en-US" sz="5000" b="0" i="0" u="none" strike="noStrike" kern="1200" cap="none" spc="0" normalizeH="0" baseline="0" noProof="0" dirty="0" smtClean="0">
+                <a:ln>
+                  <a:noFill/>
+                </a:ln>
+                <a:solidFill>
+                  <a:srgbClr val="00D8FF"/>
+                </a:solidFill>
+                <a:effectLst/>
+                <a:uLnTx/>
+                <a:uFillTx/>
+                <a:latin typeface="Consolas"/>
+                <a:ea typeface="+mn-ea"/>
+                <a:cs typeface="Calibri"/>
+              </a:rPr>
+              <a:t>Function</a:t>
+            </a:r>
+          </a:p>
+        </p:txBody>
+      </p:sp>
+      <p:sp>
+        <p:nvSpPr>
+          <p:cNvPr id="3" name="Прямоугольник 2"/>
+          <p:cNvSpPr/>
+          <p:nvPr/>
+        </p:nvSpPr>
+        <p:spPr>
+          <a:xfrm>
+            <a:off x="2248230" y="1459230"/>
+            <a:ext cx="7943200" cy="3939540"/>
+          </a:xfrm>
+          <a:prstGeom prst="rect">
+            <a:avLst/>
+          </a:prstGeom>
+        </p:spPr>
+        <p:txBody>
+          <a:bodyPr wrap="none">
+            <a:spAutoFit/>
+          </a:bodyPr>
+          <a:lstStyle/>
+          <a:p>
+            <a:pPr marL="0" marR="0" lvl="0" indent="0" algn="ctr" defTabSz="914400" rtl="0" eaLnBrk="1" fontAlgn="auto" latinLnBrk="0" hangingPunct="1">
+              <a:lnSpc>
+                <a:spcPct val="100000"/>
+              </a:lnSpc>
+              <a:spcBef>
+                <a:spcPts val="0"/>
+              </a:spcBef>
+              <a:spcAft>
+                <a:spcPts val="0"/>
+              </a:spcAft>
+              <a:buClrTx/>
+              <a:buSzTx/>
+              <a:buFontTx/>
+              <a:buNone/>
+              <a:tabLst/>
+              <a:defRPr/>
+            </a:pPr>
+            <a:r>
+              <a:rPr kumimoji="0" lang="en-US" sz="5000" b="0" i="0" u="none" strike="noStrike" kern="1200" cap="none" spc="0" normalizeH="0" baseline="0" noProof="0" dirty="0" smtClean="0">
+                <a:ln>
+                  <a:noFill/>
+                </a:ln>
+                <a:solidFill>
+                  <a:srgbClr val="F59117"/>
+                </a:solidFill>
+                <a:effectLst/>
+                <a:uLnTx/>
+                <a:uFillTx/>
+                <a:latin typeface="Consolas"/>
+                <a:ea typeface="+mn-ea"/>
+                <a:cs typeface="Calibri"/>
+              </a:rPr>
+              <a:t>function f(x)</a:t>
+            </a:r>
+          </a:p>
+          <a:p>
+            <a:pPr marL="0" marR="0" lvl="0" indent="0" algn="ctr" defTabSz="914400" rtl="0" eaLnBrk="1" fontAlgn="auto" latinLnBrk="0" hangingPunct="1">
+              <a:lnSpc>
+                <a:spcPct val="100000"/>
+              </a:lnSpc>
+              <a:spcBef>
+                <a:spcPts val="0"/>
+              </a:spcBef>
+              <a:spcAft>
+                <a:spcPts val="0"/>
+              </a:spcAft>
+              <a:buClrTx/>
+              <a:buSzTx/>
+              <a:buFontTx/>
+              <a:buNone/>
+              <a:tabLst/>
+              <a:defRPr/>
+            </a:pPr>
+            <a:endParaRPr kumimoji="0" lang="en-US" sz="5000" b="0" i="0" u="none" strike="noStrike" kern="1200" cap="none" spc="0" normalizeH="0" baseline="0" noProof="0" dirty="0" smtClean="0">
+              <a:ln>
+                <a:noFill/>
+              </a:ln>
+              <a:solidFill>
+                <a:srgbClr val="F59117"/>
+              </a:solidFill>
+              <a:effectLst/>
+              <a:uLnTx/>
+              <a:uFillTx/>
+              <a:latin typeface="Consolas"/>
+              <a:ea typeface="+mn-ea"/>
+              <a:cs typeface="Calibri"/>
+            </a:endParaRPr>
+          </a:p>
+          <a:p>
+            <a:pPr marL="0" marR="0" lvl="0" indent="0" algn="ctr" defTabSz="914400" rtl="0" eaLnBrk="1" fontAlgn="auto" latinLnBrk="0" hangingPunct="1">
+              <a:lnSpc>
+                <a:spcPct val="100000"/>
+              </a:lnSpc>
+              <a:spcBef>
+                <a:spcPts val="0"/>
+              </a:spcBef>
+              <a:spcAft>
+                <a:spcPts val="0"/>
+              </a:spcAft>
+              <a:buClrTx/>
+              <a:buSzTx/>
+              <a:buFontTx/>
+              <a:buNone/>
+              <a:tabLst/>
+              <a:defRPr/>
+            </a:pPr>
+            <a:r>
+              <a:rPr lang="en-US" sz="5000" dirty="0" err="1" smtClean="0">
+                <a:solidFill>
+                  <a:srgbClr val="F59117"/>
+                </a:solidFill>
+                <a:latin typeface="Consolas"/>
+                <a:cs typeface="Calibri"/>
+              </a:rPr>
+              <a:t>const</a:t>
+            </a:r>
+            <a:r>
+              <a:rPr lang="en-US" sz="5000" dirty="0" smtClean="0">
+                <a:solidFill>
+                  <a:srgbClr val="F59117"/>
+                </a:solidFill>
+                <a:latin typeface="Consolas"/>
+                <a:cs typeface="Calibri"/>
+              </a:rPr>
+              <a:t> f = function (x)</a:t>
+            </a:r>
+          </a:p>
+          <a:p>
+            <a:pPr marL="0" marR="0" lvl="0" indent="0" algn="ctr" defTabSz="914400" rtl="0" eaLnBrk="1" fontAlgn="auto" latinLnBrk="0" hangingPunct="1">
+              <a:lnSpc>
+                <a:spcPct val="100000"/>
+              </a:lnSpc>
+              <a:spcBef>
+                <a:spcPts val="0"/>
+              </a:spcBef>
+              <a:spcAft>
+                <a:spcPts val="0"/>
+              </a:spcAft>
+              <a:buClrTx/>
+              <a:buSzTx/>
+              <a:buFontTx/>
+              <a:buNone/>
+              <a:tabLst/>
+              <a:defRPr/>
+            </a:pPr>
+            <a:endParaRPr lang="en-US" sz="5000" dirty="0" smtClean="0">
+              <a:solidFill>
+                <a:srgbClr val="F59117"/>
+              </a:solidFill>
+              <a:latin typeface="Consolas"/>
+              <a:cs typeface="Calibri"/>
+            </a:endParaRPr>
+          </a:p>
+          <a:p>
+            <a:pPr marL="0" marR="0" lvl="0" indent="0" algn="ctr" defTabSz="914400" rtl="0" eaLnBrk="1" fontAlgn="auto" latinLnBrk="0" hangingPunct="1">
+              <a:lnSpc>
+                <a:spcPct val="100000"/>
+              </a:lnSpc>
+              <a:spcBef>
+                <a:spcPts val="0"/>
+              </a:spcBef>
+              <a:spcAft>
+                <a:spcPts val="0"/>
+              </a:spcAft>
+              <a:buClrTx/>
+              <a:buSzTx/>
+              <a:buFontTx/>
+              <a:buNone/>
+              <a:tabLst/>
+              <a:defRPr/>
+            </a:pPr>
+            <a:r>
+              <a:rPr kumimoji="0" lang="en-US" sz="5000" b="0" i="0" u="none" strike="noStrike" kern="1200" cap="none" spc="0" normalizeH="0" baseline="0" noProof="0" dirty="0" err="1" smtClean="0">
+                <a:ln>
+                  <a:noFill/>
+                </a:ln>
+                <a:solidFill>
+                  <a:srgbClr val="F59117"/>
+                </a:solidFill>
+                <a:effectLst/>
+                <a:uLnTx/>
+                <a:uFillTx/>
+                <a:latin typeface="Consolas"/>
+                <a:ea typeface="+mn-ea"/>
+                <a:cs typeface="Calibri"/>
+              </a:rPr>
+              <a:t>const</a:t>
+            </a:r>
+            <a:r>
+              <a:rPr kumimoji="0" lang="en-US" sz="5000" b="0" i="0" u="none" strike="noStrike" kern="1200" cap="none" spc="0" normalizeH="0" baseline="0" noProof="0" dirty="0" smtClean="0">
+                <a:ln>
+                  <a:noFill/>
+                </a:ln>
+                <a:solidFill>
+                  <a:srgbClr val="F59117"/>
+                </a:solidFill>
+                <a:effectLst/>
+                <a:uLnTx/>
+                <a:uFillTx/>
+                <a:latin typeface="Consolas"/>
+                <a:ea typeface="+mn-ea"/>
+                <a:cs typeface="Calibri"/>
+              </a:rPr>
+              <a:t> f = (x) =&gt; y</a:t>
+            </a:r>
+          </a:p>
+        </p:txBody>
+      </p:sp>
+    </p:spTree>
+    <p:extLst>
+      <p:ext uri="{BB962C8B-B14F-4D97-AF65-F5344CB8AC3E}">
+        <p14:creationId xmlns:p14="http://schemas.microsoft.com/office/powerpoint/2010/main" val="1864205807"/>
+      </p:ext>
+    </p:extLst>
+  </p:cSld>
+  <p:clrMapOvr>
+    <a:masterClrMapping/>
+  </p:clrMapOvr>
+  <p:timing>
+    <p:tnLst>
+      <p:par>
+        <p:cTn id="1" dur="indefinite" restart="never" nodeType="tmRoot">
+          <p:childTnLst>
+            <p:seq concurrent="1" nextAc="seek">
+              <p:cTn id="2" dur="indefinite" nodeType="mainSeq">
+                <p:childTnLst>
+                  <p:par>
+                    <p:cTn id="3" fill="hold">
+                      <p:stCondLst>
+                        <p:cond delay="indefinite"/>
+                      </p:stCondLst>
+                      <p:childTnLst>
+                        <p:par>
+                          <p:cTn id="4" fill="hold">
+                            <p:stCondLst>
+                              <p:cond delay="0"/>
+                            </p:stCondLst>
+                            <p:childTnLst>
+                              <p:par>
+                                <p:cTn id="5" presetID="22" presetClass="entr" presetSubtype="1" fill="hold" grpId="0" nodeType="clickEffect">
+                                  <p:stCondLst>
+                                    <p:cond delay="0"/>
+                                  </p:stCondLst>
+                                  <p:childTnLst>
+                                    <p:set>
+                                      <p:cBhvr>
+                                        <p:cTn id="6" dur="1" fill="hold">
+                                          <p:stCondLst>
+                                            <p:cond delay="0"/>
+                                          </p:stCondLst>
+                                        </p:cTn>
+                                        <p:tgtEl>
+                                          <p:spTgt spid="3"/>
+                                        </p:tgtEl>
+                                        <p:attrNameLst>
+                                          <p:attrName>style.visibility</p:attrName>
+                                        </p:attrNameLst>
+                                      </p:cBhvr>
+                                      <p:to>
+                                        <p:strVal val="visible"/>
+                                      </p:to>
+                                    </p:set>
+                                    <p:animEffect transition="in" filter="wipe(up)">
+                                      <p:cBhvr>
+                                        <p:cTn id="7" dur="500"/>
+                                        <p:tgtEl>
+                                          <p:spTgt spid="3"/>
+                                        </p:tgtEl>
+                                      </p:cBhvr>
+                                    </p:animEffect>
+                                  </p:childTnLst>
+                                </p:cTn>
+                              </p:par>
+                              <p:par>
+                                <p:cTn id="8" presetID="10" presetClass="exit" presetSubtype="0" fill="hold" grpId="0" nodeType="withEffect">
+                                  <p:stCondLst>
+                                    <p:cond delay="0"/>
+                                  </p:stCondLst>
+                                  <p:childTnLst>
+                                    <p:animEffect transition="out" filter="fade">
+                                      <p:cBhvr>
+                                        <p:cTn id="9" dur="500"/>
+                                        <p:tgtEl>
+                                          <p:spTgt spid="5"/>
+                                        </p:tgtEl>
+                                      </p:cBhvr>
+                                    </p:animEffect>
+                                    <p:set>
+                                      <p:cBhvr>
+                                        <p:cTn id="10" dur="1" fill="hold">
+                                          <p:stCondLst>
+                                            <p:cond delay="499"/>
+                                          </p:stCondLst>
+                                        </p:cTn>
+                                        <p:tgtEl>
+                                          <p:spTgt spid="5"/>
+                                        </p:tgtEl>
+                                        <p:attrNameLst>
+                                          <p:attrName>style.visibility</p:attrName>
+                                        </p:attrNameLst>
+                                      </p:cBhvr>
+                                      <p:to>
+                                        <p:strVal val="hidden"/>
+                                      </p:to>
+                                    </p:set>
+                                  </p:childTnLst>
+                                </p:cTn>
+                              </p:par>
+                            </p:childTnLst>
+                          </p:cTn>
+                        </p:par>
+                      </p:childTnLst>
+                    </p:cTn>
+                  </p:par>
+                </p:childTnLst>
+              </p:cTn>
+              <p:prevCondLst>
+                <p:cond evt="onPrev" delay="0">
+                  <p:tgtEl>
+                    <p:sldTgt/>
+                  </p:tgtEl>
+                </p:cond>
+              </p:prevCondLst>
+              <p:nextCondLst>
+                <p:cond evt="onNext" delay="0">
+                  <p:tgtEl>
+                    <p:sldTgt/>
+                  </p:tgtEl>
+                </p:cond>
+              </p:nextCondLst>
+            </p:seq>
+          </p:childTnLst>
+        </p:cTn>
+      </p:par>
+    </p:tnLst>
+    <p:bldLst>
+      <p:bldP spid="5" grpId="0"/>
+      <p:bldP spid="3" grpId="0"/>
+    </p:bldLst>
+  </p:timing>
+</p:sld>
+</file>
+
+<file path=ppt/slides/slide66.xml><?xml version="1.0" encoding="utf-8"?>
+<p:sld xmlns:a="http://schemas.openxmlformats.org/drawingml/2006/main" xmlns:r="http://schemas.openxmlformats.org/officeDocument/2006/relationships" xmlns:p="http://schemas.openxmlformats.org/presentationml/2006/main">
+  <p:cSld>
+    <p:bg>
+      <p:bgPr>
+        <a:solidFill>
+          <a:srgbClr val="262626"/>
+        </a:solidFill>
+        <a:effectLst/>
+      </p:bgPr>
+    </p:bg>
+    <p:spTree>
+      <p:nvGrpSpPr>
+        <p:cNvPr id="1" name=""/>
+        <p:cNvGrpSpPr/>
+        <p:nvPr/>
+      </p:nvGrpSpPr>
+      <p:grpSpPr>
+        <a:xfrm>
+          <a:off x="0" y="0"/>
+          <a:ext cx="0" cy="0"/>
+          <a:chOff x="0" y="0"/>
+          <a:chExt cx="0" cy="0"/>
+        </a:xfrm>
+      </p:grpSpPr>
+      <p:sp>
+        <p:nvSpPr>
+          <p:cNvPr id="4" name="Прямоугольник 3"/>
+          <p:cNvSpPr/>
+          <p:nvPr/>
+        </p:nvSpPr>
+        <p:spPr>
+          <a:xfrm>
+            <a:off x="1066426" y="2998113"/>
+            <a:ext cx="10059164" cy="861774"/>
+          </a:xfrm>
+          <a:prstGeom prst="rect">
+            <a:avLst/>
+          </a:prstGeom>
+        </p:spPr>
+        <p:txBody>
+          <a:bodyPr wrap="none">
+            <a:spAutoFit/>
+          </a:bodyPr>
+          <a:lstStyle/>
+          <a:p>
+            <a:pPr lvl="0" algn="ctr"/>
+            <a:r>
+              <a:rPr lang="en-US" sz="5000" dirty="0" smtClean="0">
+                <a:solidFill>
+                  <a:srgbClr val="00D8FF"/>
+                </a:solidFill>
+                <a:latin typeface="Consolas"/>
+                <a:cs typeface="Calibri"/>
+              </a:rPr>
+              <a:t>function f(x</a:t>
+            </a:r>
+            <a:r>
+              <a:rPr lang="en-US" sz="5000" dirty="0" smtClean="0">
+                <a:solidFill>
+                  <a:srgbClr val="BF4141"/>
+                </a:solidFill>
+                <a:latin typeface="Consolas"/>
+                <a:cs typeface="Calibri"/>
+              </a:rPr>
+              <a:t>: </a:t>
+            </a:r>
+            <a:r>
+              <a:rPr lang="en-US" sz="5000" dirty="0" err="1" smtClean="0">
+                <a:solidFill>
+                  <a:srgbClr val="BF4141"/>
+                </a:solidFill>
+                <a:latin typeface="Consolas"/>
+                <a:cs typeface="Calibri"/>
+              </a:rPr>
+              <a:t>TArg</a:t>
+            </a:r>
+            <a:r>
+              <a:rPr lang="en-US" sz="5000" dirty="0" smtClean="0">
+                <a:solidFill>
+                  <a:srgbClr val="00D8FF"/>
+                </a:solidFill>
+                <a:latin typeface="Consolas"/>
+                <a:cs typeface="Calibri"/>
+              </a:rPr>
+              <a:t>)</a:t>
+            </a:r>
+            <a:r>
+              <a:rPr lang="en-US" sz="5000" dirty="0" smtClean="0">
+                <a:solidFill>
+                  <a:srgbClr val="BF4141"/>
+                </a:solidFill>
+                <a:latin typeface="Consolas"/>
+                <a:cs typeface="Calibri"/>
+              </a:rPr>
+              <a:t>: </a:t>
+            </a:r>
+            <a:r>
+              <a:rPr lang="en-US" sz="5000" dirty="0" err="1" smtClean="0">
+                <a:solidFill>
+                  <a:srgbClr val="BF4141"/>
+                </a:solidFill>
+                <a:latin typeface="Consolas"/>
+                <a:cs typeface="Calibri"/>
+              </a:rPr>
+              <a:t>TReturn</a:t>
+            </a:r>
+            <a:endParaRPr lang="en-US" sz="5000" dirty="0">
+              <a:solidFill>
+                <a:srgbClr val="BF4141"/>
+              </a:solidFill>
+              <a:latin typeface="Consolas"/>
+              <a:cs typeface="Calibri"/>
+            </a:endParaRPr>
+          </a:p>
+        </p:txBody>
+      </p:sp>
+      <p:sp>
+        <p:nvSpPr>
+          <p:cNvPr id="6" name="Прямоугольник 5"/>
+          <p:cNvSpPr/>
+          <p:nvPr/>
+        </p:nvSpPr>
+        <p:spPr>
+          <a:xfrm>
+            <a:off x="2739124" y="2998113"/>
+            <a:ext cx="6885218" cy="861774"/>
+          </a:xfrm>
+          <a:prstGeom prst="rect">
+            <a:avLst/>
+          </a:prstGeom>
+        </p:spPr>
+        <p:txBody>
+          <a:bodyPr wrap="none">
+            <a:spAutoFit/>
+          </a:bodyPr>
+          <a:lstStyle/>
+          <a:p>
+            <a:pPr lvl="0" algn="ctr"/>
+            <a:r>
+              <a:rPr lang="en-US" sz="5000" dirty="0" smtClean="0">
+                <a:solidFill>
+                  <a:srgbClr val="00D8FF"/>
+                </a:solidFill>
+                <a:latin typeface="Consolas"/>
+                <a:cs typeface="Calibri"/>
+              </a:rPr>
+              <a:t>function f(x</a:t>
+            </a:r>
+            <a:r>
+              <a:rPr lang="en-US" sz="5000" dirty="0" smtClean="0">
+                <a:solidFill>
+                  <a:srgbClr val="BF4141"/>
+                </a:solidFill>
+                <a:latin typeface="Consolas"/>
+                <a:cs typeface="Calibri"/>
+              </a:rPr>
+              <a:t>: </a:t>
+            </a:r>
+            <a:r>
+              <a:rPr lang="en-US" sz="5000" dirty="0" err="1" smtClean="0">
+                <a:solidFill>
+                  <a:srgbClr val="BF4141"/>
+                </a:solidFill>
+                <a:latin typeface="Consolas"/>
+                <a:cs typeface="Calibri"/>
+              </a:rPr>
+              <a:t>TArg</a:t>
+            </a:r>
+            <a:r>
+              <a:rPr lang="en-US" sz="5000" dirty="0" smtClean="0">
+                <a:solidFill>
+                  <a:srgbClr val="00D8FF"/>
+                </a:solidFill>
+                <a:latin typeface="Consolas"/>
+                <a:cs typeface="Calibri"/>
+              </a:rPr>
+              <a:t>)</a:t>
+            </a:r>
+            <a:endParaRPr lang="en-US" sz="5000" dirty="0">
+              <a:solidFill>
+                <a:srgbClr val="BF4141"/>
+              </a:solidFill>
+              <a:latin typeface="Consolas"/>
+              <a:cs typeface="Calibri"/>
+            </a:endParaRPr>
+          </a:p>
+        </p:txBody>
+      </p:sp>
+    </p:spTree>
+    <p:extLst>
+      <p:ext uri="{BB962C8B-B14F-4D97-AF65-F5344CB8AC3E}">
+        <p14:creationId xmlns:p14="http://schemas.microsoft.com/office/powerpoint/2010/main" val="4115034317"/>
+      </p:ext>
+    </p:extLst>
+  </p:cSld>
+  <p:clrMapOvr>
+    <a:masterClrMapping/>
+  </p:clrMapOvr>
+  <p:timing>
+    <p:tnLst>
+      <p:par>
+        <p:cTn id="1" dur="indefinite" restart="never" nodeType="tmRoot">
+          <p:childTnLst>
+            <p:seq concurrent="1" nextAc="seek">
+              <p:cTn id="2" dur="indefinite" nodeType="mainSeq">
+                <p:childTnLst>
+                  <p:par>
+                    <p:cTn id="3" fill="hold">
+                      <p:stCondLst>
+                        <p:cond delay="indefinite"/>
+                      </p:stCondLst>
+                      <p:childTnLst>
+                        <p:par>
+                          <p:cTn id="4" fill="hold">
+                            <p:stCondLst>
+                              <p:cond delay="0"/>
+                            </p:stCondLst>
+                            <p:childTnLst>
+                              <p:par>
+                                <p:cTn id="5" presetID="10" presetClass="exit" presetSubtype="0" fill="hold" grpId="0" nodeType="clickEffect">
+                                  <p:stCondLst>
+                                    <p:cond delay="0"/>
+                                  </p:stCondLst>
+                                  <p:childTnLst>
+                                    <p:animEffect transition="out" filter="fade">
+                                      <p:cBhvr>
+                                        <p:cTn id="6" dur="500"/>
+                                        <p:tgtEl>
+                                          <p:spTgt spid="4"/>
+                                        </p:tgtEl>
+                                      </p:cBhvr>
+                                    </p:animEffect>
+                                    <p:set>
+                                      <p:cBhvr>
+                                        <p:cTn id="7" dur="1" fill="hold">
+                                          <p:stCondLst>
+                                            <p:cond delay="499"/>
+                                          </p:stCondLst>
+                                        </p:cTn>
+                                        <p:tgtEl>
+                                          <p:spTgt spid="4"/>
+                                        </p:tgtEl>
+                                        <p:attrNameLst>
+                                          <p:attrName>style.visibility</p:attrName>
+                                        </p:attrNameLst>
+                                      </p:cBhvr>
+                                      <p:to>
+                                        <p:strVal val="hidden"/>
+                                      </p:to>
+                                    </p:set>
+                                  </p:childTnLst>
+                                </p:cTn>
+                              </p:par>
+                              <p:par>
+                                <p:cTn id="8" presetID="10" presetClass="entr" presetSubtype="0" fill="hold" grpId="0" nodeType="withEffect">
+                                  <p:stCondLst>
+                                    <p:cond delay="0"/>
+                                  </p:stCondLst>
+                                  <p:childTnLst>
+                                    <p:set>
+                                      <p:cBhvr>
+                                        <p:cTn id="9" dur="1" fill="hold">
+                                          <p:stCondLst>
+                                            <p:cond delay="0"/>
+                                          </p:stCondLst>
+                                        </p:cTn>
+                                        <p:tgtEl>
+                                          <p:spTgt spid="6"/>
+                                        </p:tgtEl>
+                                        <p:attrNameLst>
+                                          <p:attrName>style.visibility</p:attrName>
+                                        </p:attrNameLst>
+                                      </p:cBhvr>
+                                      <p:to>
+                                        <p:strVal val="visible"/>
+                                      </p:to>
+                                    </p:set>
+                                    <p:animEffect transition="in" filter="fade">
+                                      <p:cBhvr>
+                                        <p:cTn id="10" dur="500"/>
+                                        <p:tgtEl>
+                                          <p:spTgt spid="6"/>
+                                        </p:tgtEl>
+                                      </p:cBhvr>
+                                    </p:animEffect>
+                                  </p:childTnLst>
+                                </p:cTn>
+                              </p:par>
+                            </p:childTnLst>
+                          </p:cTn>
+                        </p:par>
+                      </p:childTnLst>
+                    </p:cTn>
+                  </p:par>
+                </p:childTnLst>
+              </p:cTn>
+              <p:prevCondLst>
+                <p:cond evt="onPrev" delay="0">
+                  <p:tgtEl>
+                    <p:sldTgt/>
+                  </p:tgtEl>
+                </p:cond>
+              </p:prevCondLst>
+              <p:nextCondLst>
+                <p:cond evt="onNext" delay="0">
+                  <p:tgtEl>
+                    <p:sldTgt/>
+                  </p:tgtEl>
+                </p:cond>
+              </p:nextCondLst>
+            </p:seq>
+          </p:childTnLst>
+        </p:cTn>
+      </p:par>
+    </p:tnLst>
+    <p:bldLst>
+      <p:bldP spid="4" grpId="0"/>
+      <p:bldP spid="6" grpId="0"/>
+    </p:bldLst>
+  </p:timing>
+</p:sld>
+</file>
+
+<file path=ppt/slides/slide67.xml><?xml version="1.0" encoding="utf-8"?>
+<p:sld xmlns:a="http://schemas.openxmlformats.org/drawingml/2006/main" xmlns:r="http://schemas.openxmlformats.org/officeDocument/2006/relationships" xmlns:p="http://schemas.openxmlformats.org/presentationml/2006/main">
+  <p:cSld>
+    <p:bg>
+      <p:bgPr>
+        <a:solidFill>
+          <a:srgbClr val="262626"/>
+        </a:solidFill>
+        <a:effectLst/>
+      </p:bgPr>
+    </p:bg>
+    <p:spTree>
+      <p:nvGrpSpPr>
+        <p:cNvPr id="1" name=""/>
+        <p:cNvGrpSpPr/>
+        <p:nvPr/>
+      </p:nvGrpSpPr>
+      <p:grpSpPr>
+        <a:xfrm>
+          <a:off x="0" y="0"/>
+          <a:ext cx="0" cy="0"/>
+          <a:chOff x="0" y="0"/>
+          <a:chExt cx="0" cy="0"/>
+        </a:xfrm>
+      </p:grpSpPr>
+      <p:sp>
+        <p:nvSpPr>
+          <p:cNvPr id="4" name="Прямоугольник 3"/>
+          <p:cNvSpPr/>
+          <p:nvPr/>
+        </p:nvSpPr>
+        <p:spPr>
+          <a:xfrm>
+            <a:off x="84592" y="2998113"/>
+            <a:ext cx="12022842" cy="830997"/>
+          </a:xfrm>
+          <a:prstGeom prst="rect">
+            <a:avLst/>
+          </a:prstGeom>
+        </p:spPr>
+        <p:txBody>
+          <a:bodyPr wrap="none">
+            <a:spAutoFit/>
+          </a:bodyPr>
+          <a:lstStyle/>
+          <a:p>
+            <a:pPr marL="0" marR="0" lvl="0" indent="0" algn="ctr" defTabSz="914400" rtl="0" eaLnBrk="1" fontAlgn="auto" latinLnBrk="0" hangingPunct="1">
+              <a:lnSpc>
+                <a:spcPct val="100000"/>
+              </a:lnSpc>
+              <a:spcBef>
+                <a:spcPts val="0"/>
+              </a:spcBef>
+              <a:spcAft>
+                <a:spcPts val="0"/>
+              </a:spcAft>
+              <a:buClrTx/>
+              <a:buSzTx/>
+              <a:buFontTx/>
+              <a:buNone/>
+              <a:tabLst/>
+              <a:defRPr/>
+            </a:pPr>
+            <a:r>
+              <a:rPr kumimoji="0" lang="en-US" sz="4800" b="0" i="0" u="none" strike="noStrike" kern="1200" cap="none" spc="0" normalizeH="0" baseline="0" noProof="0" dirty="0" smtClean="0">
+                <a:ln>
+                  <a:noFill/>
+                </a:ln>
+                <a:solidFill>
+                  <a:srgbClr val="00D8FF"/>
+                </a:solidFill>
+                <a:effectLst/>
+                <a:uLnTx/>
+                <a:uFillTx/>
+                <a:latin typeface="Consolas"/>
+                <a:ea typeface="+mn-ea"/>
+                <a:cs typeface="Calibri"/>
+              </a:rPr>
+              <a:t>function f(x1</a:t>
+            </a:r>
+            <a:r>
+              <a:rPr kumimoji="0" lang="en-US" sz="4800" b="0" i="0" u="none" strike="noStrike" kern="1200" cap="none" spc="0" normalizeH="0" baseline="0" noProof="0" dirty="0" smtClean="0">
+                <a:ln>
+                  <a:noFill/>
+                </a:ln>
+                <a:solidFill>
+                  <a:srgbClr val="BF4141"/>
+                </a:solidFill>
+                <a:effectLst/>
+                <a:uLnTx/>
+                <a:uFillTx/>
+                <a:latin typeface="Consolas"/>
+                <a:ea typeface="+mn-ea"/>
+                <a:cs typeface="Calibri"/>
+              </a:rPr>
+              <a:t>?</a:t>
+            </a:r>
+            <a:r>
+              <a:rPr kumimoji="0" lang="en-US" sz="4800" b="0" i="0" u="none" strike="noStrike" kern="1200" cap="none" spc="0" normalizeH="0" baseline="0" noProof="0" dirty="0" smtClean="0">
+                <a:ln>
+                  <a:noFill/>
+                </a:ln>
+                <a:solidFill>
+                  <a:srgbClr val="00D8FF"/>
+                </a:solidFill>
+                <a:effectLst/>
+                <a:uLnTx/>
+                <a:uFillTx/>
+                <a:latin typeface="Consolas"/>
+                <a:ea typeface="+mn-ea"/>
+                <a:cs typeface="Calibri"/>
+              </a:rPr>
+              <a:t>: T1, x2 </a:t>
+            </a:r>
+            <a:r>
+              <a:rPr kumimoji="0" lang="en-US" sz="4800" b="0" i="0" u="none" strike="noStrike" kern="1200" cap="none" spc="0" normalizeH="0" baseline="0" noProof="0" dirty="0" smtClean="0">
+                <a:ln>
+                  <a:noFill/>
+                </a:ln>
+                <a:solidFill>
+                  <a:srgbClr val="BF4141"/>
+                </a:solidFill>
+                <a:effectLst/>
+                <a:uLnTx/>
+                <a:uFillTx/>
+                <a:latin typeface="Consolas"/>
+                <a:ea typeface="+mn-ea"/>
+                <a:cs typeface="Calibri"/>
+              </a:rPr>
+              <a:t>= ‘default’</a:t>
+            </a:r>
+            <a:r>
+              <a:rPr kumimoji="0" lang="en-US" sz="4800" b="0" i="0" u="none" strike="noStrike" kern="1200" cap="none" spc="0" normalizeH="0" baseline="0" noProof="0" dirty="0" smtClean="0">
+                <a:ln>
+                  <a:noFill/>
+                </a:ln>
+                <a:solidFill>
+                  <a:srgbClr val="00D8FF"/>
+                </a:solidFill>
+                <a:effectLst/>
+                <a:uLnTx/>
+                <a:uFillTx/>
+                <a:latin typeface="Consolas"/>
+                <a:ea typeface="+mn-ea"/>
+                <a:cs typeface="Calibri"/>
+              </a:rPr>
+              <a:t>)</a:t>
+            </a:r>
+            <a:endParaRPr kumimoji="0" lang="en-US" sz="4800" b="0" i="0" u="none" strike="noStrike" kern="1200" cap="none" spc="0" normalizeH="0" baseline="0" noProof="0" dirty="0">
+              <a:ln>
+                <a:noFill/>
+              </a:ln>
+              <a:solidFill>
+                <a:srgbClr val="BF4141"/>
+              </a:solidFill>
+              <a:effectLst/>
+              <a:uLnTx/>
+              <a:uFillTx/>
+              <a:latin typeface="Consolas"/>
+              <a:ea typeface="+mn-ea"/>
+              <a:cs typeface="Calibri"/>
+            </a:endParaRPr>
+          </a:p>
+        </p:txBody>
+      </p:sp>
+    </p:spTree>
+    <p:extLst>
+      <p:ext uri="{BB962C8B-B14F-4D97-AF65-F5344CB8AC3E}">
+        <p14:creationId xmlns:p14="http://schemas.microsoft.com/office/powerpoint/2010/main" val="3294701617"/>
+      </p:ext>
+    </p:extLst>
+  </p:cSld>
+  <p:clrMapOvr>
+    <a:masterClrMapping/>
+  </p:clrMapOvr>
+  <p:timing>
+    <p:tnLst>
+      <p:par>
+        <p:cTn id="1" dur="indefinite" restart="never" nodeType="tmRoot"/>
+      </p:par>
+    </p:tnLst>
+  </p:timing>
+</p:sld>
+</file>
+
+<file path=ppt/slides/slide68.xml><?xml version="1.0" encoding="utf-8"?>
+<p:sld xmlns:a="http://schemas.openxmlformats.org/drawingml/2006/main" xmlns:r="http://schemas.openxmlformats.org/officeDocument/2006/relationships" xmlns:p="http://schemas.openxmlformats.org/presentationml/2006/main">
+  <p:cSld>
+    <p:bg>
+      <p:bgPr>
+        <a:solidFill>
+          <a:srgbClr val="262626"/>
+        </a:solidFill>
+        <a:effectLst/>
+      </p:bgPr>
+    </p:bg>
+    <p:spTree>
+      <p:nvGrpSpPr>
+        <p:cNvPr id="1" name=""/>
+        <p:cNvGrpSpPr/>
+        <p:nvPr/>
+      </p:nvGrpSpPr>
+      <p:grpSpPr>
+        <a:xfrm>
+          <a:off x="0" y="0"/>
+          <a:ext cx="0" cy="0"/>
+          <a:chOff x="0" y="0"/>
+          <a:chExt cx="0" cy="0"/>
+        </a:xfrm>
+      </p:grpSpPr>
+      <p:sp>
+        <p:nvSpPr>
+          <p:cNvPr id="4" name="Прямоугольник 3"/>
+          <p:cNvSpPr/>
+          <p:nvPr/>
+        </p:nvSpPr>
+        <p:spPr>
+          <a:xfrm>
+            <a:off x="3636048" y="2998113"/>
+            <a:ext cx="4919937" cy="830997"/>
+          </a:xfrm>
+          <a:prstGeom prst="rect">
+            <a:avLst/>
+          </a:prstGeom>
+        </p:spPr>
+        <p:txBody>
+          <a:bodyPr wrap="none">
+            <a:spAutoFit/>
+          </a:bodyPr>
+          <a:lstStyle/>
+          <a:p>
+            <a:pPr marL="0" marR="0" lvl="0" indent="0" algn="ctr" defTabSz="914400" rtl="0" eaLnBrk="1" fontAlgn="auto" latinLnBrk="0" hangingPunct="1">
+              <a:lnSpc>
+                <a:spcPct val="100000"/>
+              </a:lnSpc>
+              <a:spcBef>
+                <a:spcPts val="0"/>
+              </a:spcBef>
+              <a:spcAft>
+                <a:spcPts val="0"/>
+              </a:spcAft>
+              <a:buClrTx/>
+              <a:buSzTx/>
+              <a:buFontTx/>
+              <a:buNone/>
+              <a:tabLst/>
+              <a:defRPr/>
+            </a:pPr>
+            <a:r>
+              <a:rPr kumimoji="0" lang="en-US" sz="4800" b="0" i="0" u="none" strike="noStrike" kern="1200" cap="none" spc="0" normalizeH="0" baseline="0" noProof="0" dirty="0" smtClean="0">
+                <a:ln>
+                  <a:noFill/>
+                </a:ln>
+                <a:solidFill>
+                  <a:srgbClr val="00D8FF"/>
+                </a:solidFill>
+                <a:effectLst/>
+                <a:uLnTx/>
+                <a:uFillTx/>
+                <a:latin typeface="Consolas"/>
+                <a:ea typeface="+mn-ea"/>
+                <a:cs typeface="Calibri"/>
+              </a:rPr>
+              <a:t>Rest</a:t>
+            </a:r>
+            <a:r>
+              <a:rPr kumimoji="0" lang="en-US" sz="4800" b="0" i="0" u="none" strike="noStrike" kern="1200" cap="none" spc="0" normalizeH="0" noProof="0" dirty="0" smtClean="0">
+                <a:ln>
+                  <a:noFill/>
+                </a:ln>
+                <a:solidFill>
+                  <a:srgbClr val="00D8FF"/>
+                </a:solidFill>
+                <a:effectLst/>
+                <a:uLnTx/>
+                <a:uFillTx/>
+                <a:latin typeface="Consolas"/>
+                <a:ea typeface="+mn-ea"/>
+                <a:cs typeface="Calibri"/>
+              </a:rPr>
+              <a:t> arguments</a:t>
+            </a:r>
+            <a:endParaRPr kumimoji="0" lang="en-US" sz="4800" b="0" i="0" u="none" strike="noStrike" kern="1200" cap="none" spc="0" normalizeH="0" baseline="0" noProof="0" dirty="0">
+              <a:ln>
+                <a:noFill/>
+              </a:ln>
+              <a:solidFill>
+                <a:srgbClr val="00D8FF"/>
+              </a:solidFill>
+              <a:effectLst/>
+              <a:uLnTx/>
+              <a:uFillTx/>
+              <a:latin typeface="Consolas"/>
+              <a:ea typeface="+mn-ea"/>
+              <a:cs typeface="Calibri"/>
+            </a:endParaRPr>
+          </a:p>
+        </p:txBody>
+      </p:sp>
+    </p:spTree>
+    <p:extLst>
+      <p:ext uri="{BB962C8B-B14F-4D97-AF65-F5344CB8AC3E}">
+        <p14:creationId xmlns:p14="http://schemas.microsoft.com/office/powerpoint/2010/main" val="2177622587"/>
+      </p:ext>
+    </p:extLst>
+  </p:cSld>
+  <p:clrMapOvr>
+    <a:masterClrMapping/>
+  </p:clrMapOvr>
+  <p:timing>
+    <p:tnLst>
+      <p:par>
+        <p:cTn id="1" dur="indefinite" restart="never" nodeType="tmRoot"/>
+      </p:par>
+    </p:tnLst>
+  </p:timing>
+</p:sld>
+</file>
+
+<file path=ppt/slides/slide69.xml><?xml version="1.0" encoding="utf-8"?>
+<p:sld xmlns:a="http://schemas.openxmlformats.org/drawingml/2006/main" xmlns:r="http://schemas.openxmlformats.org/officeDocument/2006/relationships" xmlns:p="http://schemas.openxmlformats.org/presentationml/2006/main">
+  <p:cSld>
+    <p:bg>
+      <p:bgPr>
+        <a:solidFill>
+          <a:srgbClr val="262626"/>
+        </a:solidFill>
+        <a:effectLst/>
+      </p:bgPr>
+    </p:bg>
+    <p:spTree>
+      <p:nvGrpSpPr>
+        <p:cNvPr id="1" name=""/>
+        <p:cNvGrpSpPr/>
+        <p:nvPr/>
+      </p:nvGrpSpPr>
+      <p:grpSpPr>
+        <a:xfrm>
+          <a:off x="0" y="0"/>
+          <a:ext cx="0" cy="0"/>
+          <a:chOff x="0" y="0"/>
+          <a:chExt cx="0" cy="0"/>
+        </a:xfrm>
+      </p:grpSpPr>
+      <p:sp>
+        <p:nvSpPr>
+          <p:cNvPr id="4" name="Прямоугольник 3"/>
+          <p:cNvSpPr/>
+          <p:nvPr/>
+        </p:nvSpPr>
+        <p:spPr>
+          <a:xfrm>
+            <a:off x="2283122" y="2998113"/>
+            <a:ext cx="7625807" cy="830997"/>
+          </a:xfrm>
+          <a:prstGeom prst="rect">
+            <a:avLst/>
+          </a:prstGeom>
+        </p:spPr>
+        <p:txBody>
+          <a:bodyPr wrap="none">
+            <a:spAutoFit/>
+          </a:bodyPr>
+          <a:lstStyle/>
+          <a:p>
+            <a:pPr marL="0" marR="0" lvl="0" indent="0" algn="ctr" defTabSz="914400" rtl="0" eaLnBrk="1" fontAlgn="auto" latinLnBrk="0" hangingPunct="1">
+              <a:lnSpc>
+                <a:spcPct val="100000"/>
+              </a:lnSpc>
+              <a:spcBef>
+                <a:spcPts val="0"/>
+              </a:spcBef>
+              <a:spcAft>
+                <a:spcPts val="0"/>
+              </a:spcAft>
+              <a:buClrTx/>
+              <a:buSzTx/>
+              <a:buFontTx/>
+              <a:buNone/>
+              <a:tabLst/>
+              <a:defRPr/>
+            </a:pPr>
+            <a:r>
+              <a:rPr kumimoji="0" lang="en-US" sz="4800" b="0" i="0" u="none" strike="noStrike" kern="1200" cap="none" spc="0" normalizeH="0" baseline="0" noProof="0" dirty="0" smtClean="0">
+                <a:ln>
+                  <a:noFill/>
+                </a:ln>
+                <a:solidFill>
+                  <a:srgbClr val="00D8FF"/>
+                </a:solidFill>
+                <a:effectLst/>
+                <a:uLnTx/>
+                <a:uFillTx/>
+                <a:latin typeface="Consolas"/>
+                <a:ea typeface="+mn-ea"/>
+                <a:cs typeface="Calibri"/>
+              </a:rPr>
+              <a:t>Dynamic</a:t>
+            </a:r>
+            <a:r>
+              <a:rPr kumimoji="0" lang="en-US" sz="4800" b="0" i="0" u="none" strike="noStrike" kern="1200" cap="none" spc="0" normalizeH="0" noProof="0" dirty="0" smtClean="0">
+                <a:ln>
+                  <a:noFill/>
+                </a:ln>
+                <a:solidFill>
+                  <a:srgbClr val="00D8FF"/>
+                </a:solidFill>
+                <a:effectLst/>
+                <a:uLnTx/>
+                <a:uFillTx/>
+                <a:latin typeface="Consolas"/>
+                <a:ea typeface="+mn-ea"/>
+                <a:cs typeface="Calibri"/>
+              </a:rPr>
+              <a:t> context (this)</a:t>
+            </a:r>
+            <a:endParaRPr kumimoji="0" lang="en-US" sz="4800" b="0" i="0" u="none" strike="noStrike" kern="1200" cap="none" spc="0" normalizeH="0" baseline="0" noProof="0" dirty="0">
+              <a:ln>
+                <a:noFill/>
+              </a:ln>
+              <a:solidFill>
+                <a:srgbClr val="00D8FF"/>
+              </a:solidFill>
+              <a:effectLst/>
+              <a:uLnTx/>
+              <a:uFillTx/>
+              <a:latin typeface="Consolas"/>
+              <a:ea typeface="+mn-ea"/>
+              <a:cs typeface="Calibri"/>
+            </a:endParaRPr>
+          </a:p>
+        </p:txBody>
+      </p:sp>
+    </p:spTree>
+    <p:extLst>
+      <p:ext uri="{BB962C8B-B14F-4D97-AF65-F5344CB8AC3E}">
+        <p14:creationId xmlns:p14="http://schemas.microsoft.com/office/powerpoint/2010/main" val="1051993189"/>
       </p:ext>
     </p:extLst>
   </p:cSld>
@@ -15380,7 +21908,7 @@
           <p:cNvPr id="5" name="Рисунок 5" descr="Изображение выглядит как текст, карта, стол, большой&#10;&#10;Автоматически созданное описание">
             <a:extLst>
               <a:ext uri="{FF2B5EF4-FFF2-40B4-BE49-F238E27FC236}">
-                <a16:creationId xmlns:a16="http://schemas.microsoft.com/office/drawing/2014/main" xmlns="" id="{E933646D-3FE1-4B4E-9BC3-A601B4B2FE1B}"/>
+                <a16:creationId xmlns:a16="http://schemas.microsoft.com/office/drawing/2014/main" id="{E933646D-3FE1-4B4E-9BC3-A601B4B2FE1B}"/>
               </a:ext>
             </a:extLst>
           </p:cNvPr>
@@ -15418,6 +21946,123 @@
 </p:sld>
 </file>
 
+<file path=ppt/slides/slide70.xml><?xml version="1.0" encoding="utf-8"?>
+<p:sld xmlns:a="http://schemas.openxmlformats.org/drawingml/2006/main" xmlns:r="http://schemas.openxmlformats.org/officeDocument/2006/relationships" xmlns:p="http://schemas.openxmlformats.org/presentationml/2006/main">
+  <p:cSld>
+    <p:bg>
+      <p:bgPr>
+        <a:solidFill>
+          <a:srgbClr val="262626"/>
+        </a:solidFill>
+        <a:effectLst/>
+      </p:bgPr>
+    </p:bg>
+    <p:spTree>
+      <p:nvGrpSpPr>
+        <p:cNvPr id="1" name=""/>
+        <p:cNvGrpSpPr/>
+        <p:nvPr/>
+      </p:nvGrpSpPr>
+      <p:grpSpPr>
+        <a:xfrm>
+          <a:off x="0" y="0"/>
+          <a:ext cx="0" cy="0"/>
+          <a:chOff x="0" y="0"/>
+          <a:chExt cx="0" cy="0"/>
+        </a:xfrm>
+      </p:grpSpPr>
+      <p:sp>
+        <p:nvSpPr>
+          <p:cNvPr id="4" name="Прямоугольник 3"/>
+          <p:cNvSpPr/>
+          <p:nvPr/>
+        </p:nvSpPr>
+        <p:spPr>
+          <a:xfrm>
+            <a:off x="4481644" y="2998113"/>
+            <a:ext cx="3228769" cy="830997"/>
+          </a:xfrm>
+          <a:prstGeom prst="rect">
+            <a:avLst/>
+          </a:prstGeom>
+        </p:spPr>
+        <p:txBody>
+          <a:bodyPr wrap="none">
+            <a:spAutoFit/>
+          </a:bodyPr>
+          <a:lstStyle/>
+          <a:p>
+            <a:pPr marL="0" marR="0" lvl="0" indent="0" algn="ctr" defTabSz="914400" rtl="0" eaLnBrk="1" fontAlgn="auto" latinLnBrk="0" hangingPunct="1">
+              <a:lnSpc>
+                <a:spcPct val="100000"/>
+              </a:lnSpc>
+              <a:spcBef>
+                <a:spcPts val="0"/>
+              </a:spcBef>
+              <a:spcAft>
+                <a:spcPts val="0"/>
+              </a:spcAft>
+              <a:buClrTx/>
+              <a:buSzTx/>
+              <a:buFontTx/>
+              <a:buNone/>
+              <a:tabLst/>
+              <a:defRPr/>
+            </a:pPr>
+            <a:r>
+              <a:rPr kumimoji="0" lang="en-US" sz="4800" b="0" i="0" u="none" strike="noStrike" kern="1200" cap="none" spc="0" normalizeH="0" baseline="0" noProof="0" dirty="0" smtClean="0">
+                <a:ln>
+                  <a:noFill/>
+                </a:ln>
+                <a:solidFill>
+                  <a:srgbClr val="00D8FF"/>
+                </a:solidFill>
+                <a:effectLst/>
+                <a:uLnTx/>
+                <a:uFillTx/>
+                <a:latin typeface="Consolas"/>
+                <a:ea typeface="+mn-ea"/>
+                <a:cs typeface="Calibri"/>
+              </a:rPr>
+              <a:t>Overloads</a:t>
+            </a:r>
+            <a:endParaRPr kumimoji="0" lang="en-US" sz="4800" b="0" i="0" u="none" strike="noStrike" kern="1200" cap="none" spc="0" normalizeH="0" baseline="0" noProof="0" dirty="0">
+              <a:ln>
+                <a:noFill/>
+              </a:ln>
+              <a:solidFill>
+                <a:srgbClr val="00D8FF"/>
+              </a:solidFill>
+              <a:effectLst/>
+              <a:uLnTx/>
+              <a:uFillTx/>
+              <a:latin typeface="Consolas"/>
+              <a:ea typeface="+mn-ea"/>
+              <a:cs typeface="Calibri"/>
+            </a:endParaRPr>
+          </a:p>
+        </p:txBody>
+      </p:sp>
+    </p:spTree>
+    <p:extLst>
+      <p:ext uri="{BB962C8B-B14F-4D97-AF65-F5344CB8AC3E}">
+        <p14:creationId xmlns:p14="http://schemas.microsoft.com/office/powerpoint/2010/main" val="1980309396"/>
+      </p:ext>
+    </p:extLst>
+  </p:cSld>
+  <p:clrMapOvr>
+    <a:masterClrMapping/>
+  </p:clrMapOvr>
+  <p:timing>
+    <p:tnLst>
+      <p:par>
+        <p:cTn id="1" dur="indefinite" restart="never" nodeType="tmRoot"/>
+      </p:par>
+    </p:tnLst>
+  </p:timing>
+</p:sld>
+</file>
+
 <file path=ppt/slides/slide8.xml><?xml version="1.0" encoding="utf-8"?>
 <p:sld xmlns:a="http://schemas.openxmlformats.org/drawingml/2006/main" xmlns:r="http://schemas.openxmlformats.org/officeDocument/2006/relationships" xmlns:p="http://schemas.openxmlformats.org/presentationml/2006/main">
   <p:cSld>
@@ -15448,7 +22093,7 @@
           <p:cNvPr id="5" name="Рисунок 5" descr="Изображение выглядит как рисунок&#10;&#10;Автоматически созданное описание">
             <a:extLst>
               <a:ext uri="{FF2B5EF4-FFF2-40B4-BE49-F238E27FC236}">
-                <a16:creationId xmlns:a16="http://schemas.microsoft.com/office/drawing/2014/main" xmlns="" id="{CDD0D392-856C-47F0-9735-BEF68F5D9DAC}"/>
+                <a16:creationId xmlns:a16="http://schemas.microsoft.com/office/drawing/2014/main" id="{CDD0D392-856C-47F0-9735-BEF68F5D9DAC}"/>
               </a:ext>
             </a:extLst>
           </p:cNvPr>
@@ -15478,7 +22123,7 @@
           <p:cNvPr id="9" name="Рисунок 9" descr="Изображение выглядит как знак&#10;&#10;Автоматически созданное описание">
             <a:extLst>
               <a:ext uri="{FF2B5EF4-FFF2-40B4-BE49-F238E27FC236}">
-                <a16:creationId xmlns:a16="http://schemas.microsoft.com/office/drawing/2014/main" xmlns="" id="{05DBF68E-E15B-4C8D-B88E-DD5E51FB28A6}"/>
+                <a16:creationId xmlns:a16="http://schemas.microsoft.com/office/drawing/2014/main" id="{05DBF68E-E15B-4C8D-B88E-DD5E51FB28A6}"/>
               </a:ext>
             </a:extLst>
           </p:cNvPr>
@@ -15546,7 +22191,7 @@
           <p:cNvPr id="2" name="Рисунок 2" descr="Изображение выглядит как знак&#10;&#10;Автоматически созданное описание">
             <a:extLst>
               <a:ext uri="{FF2B5EF4-FFF2-40B4-BE49-F238E27FC236}">
-                <a16:creationId xmlns:a16="http://schemas.microsoft.com/office/drawing/2014/main" xmlns="" id="{0E8DF96B-8443-4131-BD5B-83E6EE370AF8}"/>
+                <a16:creationId xmlns:a16="http://schemas.microsoft.com/office/drawing/2014/main" id="{0E8DF96B-8443-4131-BD5B-83E6EE370AF8}"/>
               </a:ext>
             </a:extLst>
           </p:cNvPr>
@@ -15843,4 +22488,265 @@
     </a:ext>
   </a:extLst>
 </a:theme>
+</file>
+
+<file path=ppt/theme/theme2.xml><?xml version="1.0" encoding="utf-8"?>
+<a:theme xmlns:a="http://schemas.openxmlformats.org/drawingml/2006/main" name="Тема Office">
+  <a:themeElements>
+    <a:clrScheme name="Стандартная">
+      <a:dk1>
+        <a:sysClr val="windowText" lastClr="000000"/>
+      </a:dk1>
+      <a:lt1>
+        <a:sysClr val="window" lastClr="FFFFFF"/>
+      </a:lt1>
+      <a:dk2>
+        <a:srgbClr val="44546A"/>
+      </a:dk2>
+      <a:lt2>
+        <a:srgbClr val="E7E6E6"/>
+      </a:lt2>
+      <a:accent1>
+        <a:srgbClr val="5B9BD5"/>
+      </a:accent1>
+      <a:accent2>
+        <a:srgbClr val="ED7D31"/>
+      </a:accent2>
+      <a:accent3>
+        <a:srgbClr val="A5A5A5"/>
+      </a:accent3>
+      <a:accent4>
+        <a:srgbClr val="FFC000"/>
+      </a:accent4>
+      <a:accent5>
+        <a:srgbClr val="4472C4"/>
+      </a:accent5>
+      <a:accent6>
+        <a:srgbClr val="70AD47"/>
+      </a:accent6>
+      <a:hlink>
+        <a:srgbClr val="0563C1"/>
+      </a:hlink>
+      <a:folHlink>
+        <a:srgbClr val="954F72"/>
+      </a:folHlink>
+    </a:clrScheme>
+    <a:fontScheme name="Стандартная">
+      <a:majorFont>
+        <a:latin typeface="Calibri Light" panose="020F0302020204030204"/>
+        <a:ea typeface=""/>
+        <a:cs typeface=""/>
+        <a:font script="Jpan" typeface="游ゴシック Light"/>
+        <a:font script="Hang" typeface="맑은 고딕"/>
+        <a:font script="Hans" typeface="等线 Light"/>
+        <a:font script="Hant" typeface="新細明體"/>
+        <a:font script="Arab" typeface="Times New Roman"/>
+        <a:font script="Hebr" typeface="Times New Roman"/>
+        <a:font script="Thai" typeface="Angsana New"/>
+        <a:font script="Ethi" typeface="Nyala"/>
+        <a:font script="Beng" typeface="Vrinda"/>
+        <a:font script="Gujr" typeface="Shruti"/>
+        <a:font script="Khmr" typeface="MoolBoran"/>
+        <a:font script="Knda" typeface="Tunga"/>
+        <a:font script="Guru" typeface="Raavi"/>
+        <a:font script="Cans" typeface="Euphemia"/>
+        <a:font script="Cher" typeface="Plantagenet Cherokee"/>
+        <a:font script="Yiii" typeface="Microsoft Yi Baiti"/>
+        <a:font script="Tibt" typeface="Microsoft Himalaya"/>
+        <a:font script="Thaa" typeface="MV Boli"/>
+        <a:font script="Deva" typeface="Mangal"/>
+        <a:font script="Telu" typeface="Gautami"/>
+        <a:font script="Taml" typeface="Latha"/>
+        <a:font script="Syrc" typeface="Estrangelo Edessa"/>
+        <a:font script="Orya" typeface="Kalinga"/>
+        <a:font script="Mlym" typeface="Kartika"/>
+        <a:font script="Laoo" typeface="DokChampa"/>
+        <a:font script="Sinh" typeface="Iskoola Pota"/>
+        <a:font script="Mong" typeface="Mongolian Baiti"/>
+        <a:font script="Viet" typeface="Times New Roman"/>
+        <a:font script="Uigh" typeface="Microsoft Uighur"/>
+        <a:font script="Geor" typeface="Sylfaen"/>
+      </a:majorFont>
+      <a:minorFont>
+        <a:latin typeface="Calibri" panose="020F0502020204030204"/>
+        <a:ea typeface=""/>
+        <a:cs typeface=""/>
+        <a:font script="Jpan" typeface="游ゴシック"/>
+        <a:font script="Hang" typeface="맑은 고딕"/>
+        <a:font script="Hans" typeface="等线"/>
+        <a:font script="Hant" typeface="新細明體"/>
+        <a:font script="Arab" typeface="Arial"/>
+        <a:font script="Hebr" typeface="Arial"/>
+        <a:font script="Thai" typeface="Cordia New"/>
+        <a:font script="Ethi" typeface="Nyala"/>
+        <a:font script="Beng" typeface="Vrinda"/>
+        <a:font script="Gujr" typeface="Shruti"/>
+        <a:font script="Khmr" typeface="DaunPenh"/>
+        <a:font script="Knda" typeface="Tunga"/>
+        <a:font script="Guru" typeface="Raavi"/>
+        <a:font script="Cans" typeface="Euphemia"/>
+        <a:font script="Cher" typeface="Plantagenet Cherokee"/>
+        <a:font script="Yiii" typeface="Microsoft Yi Baiti"/>
+        <a:font script="Tibt" typeface="Microsoft Himalaya"/>
+        <a:font script="Thaa" typeface="MV Boli"/>
+        <a:font script="Deva" typeface="Mangal"/>
+        <a:font script="Telu" typeface="Gautami"/>
+        <a:font script="Taml" typeface="Latha"/>
+        <a:font script="Syrc" typeface="Estrangelo Edessa"/>
+        <a:font script="Orya" typeface="Kalinga"/>
+        <a:font script="Mlym" typeface="Kartika"/>
+        <a:font script="Laoo" typeface="DokChampa"/>
+        <a:font script="Sinh" typeface="Iskoola Pota"/>
+        <a:font script="Mong" typeface="Mongolian Baiti"/>
+        <a:font script="Viet" typeface="Arial"/>
+        <a:font script="Uigh" typeface="Microsoft Uighur"/>
+        <a:font script="Geor" typeface="Sylfaen"/>
+      </a:minorFont>
+    </a:fontScheme>
+    <a:fmtScheme name="Стандартная">
+      <a:fillStyleLst>
+        <a:solidFill>
+          <a:schemeClr val="phClr"/>
+        </a:solidFill>
+        <a:gradFill rotWithShape="1">
+          <a:gsLst>
+            <a:gs pos="0">
+              <a:schemeClr val="phClr">
+                <a:lumMod val="110000"/>
+                <a:satMod val="105000"/>
+                <a:tint val="67000"/>
+              </a:schemeClr>
+            </a:gs>
+            <a:gs pos="50000">
+              <a:schemeClr val="phClr">
+                <a:lumMod val="105000"/>
+                <a:satMod val="103000"/>
+                <a:tint val="73000"/>
+              </a:schemeClr>
+            </a:gs>
+            <a:gs pos="100000">
+              <a:schemeClr val="phClr">
+                <a:lumMod val="105000"/>
+                <a:satMod val="109000"/>
+                <a:tint val="81000"/>
+              </a:schemeClr>
+            </a:gs>
+          </a:gsLst>
+          <a:lin ang="5400000" scaled="0"/>
+        </a:gradFill>
+        <a:gradFill rotWithShape="1">
+          <a:gsLst>
+            <a:gs pos="0">
+              <a:schemeClr val="phClr">
+                <a:satMod val="103000"/>
+                <a:lumMod val="102000"/>
+                <a:tint val="94000"/>
+              </a:schemeClr>
+            </a:gs>
+            <a:gs pos="50000">
+              <a:schemeClr val="phClr">
+                <a:satMod val="110000"/>
+                <a:lumMod val="100000"/>
+                <a:shade val="100000"/>
+              </a:schemeClr>
+            </a:gs>
+            <a:gs pos="100000">
+              <a:schemeClr val="phClr">
+                <a:lumMod val="99000"/>
+                <a:satMod val="120000"/>
+                <a:shade val="78000"/>
+              </a:schemeClr>
+            </a:gs>
+          </a:gsLst>
+          <a:lin ang="5400000" scaled="0"/>
+        </a:gradFill>
+      </a:fillStyleLst>
+      <a:lnStyleLst>
+        <a:ln w="6350" cap="flat" cmpd="sng" algn="ctr">
+          <a:solidFill>
+            <a:schemeClr val="phClr"/>
+          </a:solidFill>
+          <a:prstDash val="solid"/>
+          <a:miter lim="800000"/>
+        </a:ln>
+        <a:ln w="12700" cap="flat" cmpd="sng" algn="ctr">
+          <a:solidFill>
+            <a:schemeClr val="phClr"/>
+          </a:solidFill>
+          <a:prstDash val="solid"/>
+          <a:miter lim="800000"/>
+        </a:ln>
+        <a:ln w="19050" cap="flat" cmpd="sng" algn="ctr">
+          <a:solidFill>
+            <a:schemeClr val="phClr"/>
+          </a:solidFill>
+          <a:prstDash val="solid"/>
+          <a:miter lim="800000"/>
+        </a:ln>
+      </a:lnStyleLst>
+      <a:effectStyleLst>
+        <a:effectStyle>
+          <a:effectLst/>
+        </a:effectStyle>
+        <a:effectStyle>
+          <a:effectLst/>
+        </a:effectStyle>
+        <a:effectStyle>
+          <a:effectLst>
+            <a:outerShdw blurRad="57150" dist="19050" dir="5400000" algn="ctr" rotWithShape="0">
+              <a:srgbClr val="000000">
+                <a:alpha val="63000"/>
+              </a:srgbClr>
+            </a:outerShdw>
+          </a:effectLst>
+        </a:effectStyle>
+      </a:effectStyleLst>
+      <a:bgFillStyleLst>
+        <a:solidFill>
+          <a:schemeClr val="phClr"/>
+        </a:solidFill>
+        <a:solidFill>
+          <a:schemeClr val="phClr">
+            <a:tint val="95000"/>
+            <a:satMod val="170000"/>
+          </a:schemeClr>
+        </a:solidFill>
+        <a:gradFill rotWithShape="1">
+          <a:gsLst>
+            <a:gs pos="0">
+              <a:schemeClr val="phClr">
+                <a:tint val="93000"/>
+                <a:satMod val="150000"/>
+                <a:shade val="98000"/>
+                <a:lumMod val="102000"/>
+              </a:schemeClr>
+            </a:gs>
+            <a:gs pos="50000">
+              <a:schemeClr val="phClr">
+                <a:tint val="98000"/>
+                <a:satMod val="130000"/>
+                <a:shade val="90000"/>
+                <a:lumMod val="103000"/>
+              </a:schemeClr>
+            </a:gs>
+            <a:gs pos="100000">
+              <a:schemeClr val="phClr">
+                <a:shade val="63000"/>
+                <a:satMod val="120000"/>
+              </a:schemeClr>
+            </a:gs>
+          </a:gsLst>
+          <a:lin ang="5400000" scaled="0"/>
+        </a:gradFill>
+      </a:bgFillStyleLst>
+    </a:fmtScheme>
+  </a:themeElements>
+  <a:objectDefaults/>
+  <a:extraClrSchemeLst/>
+  <a:extLst>
+    <a:ext uri="{05A4C25C-085E-4340-85A3-A5531E510DB2}">
+      <thm15:themeFamily xmlns:thm15="http://schemas.microsoft.com/office/thememl/2012/main" name="Office Theme" id="{62F939B6-93AF-4DB8-9C6B-D6C7DFDC589F}" vid="{4A3C46E8-61CC-4603-A589-7422A47A8E4A}"/>
+    </a:ext>
+  </a:extLst>
+</a:theme>
 </file>
--- a/Course.pptx
+++ b/Course.pptx
@@ -5,7 +5,7 @@
     <p:sldMasterId id="2147483648" r:id="rId1"/>
   </p:sldMasterIdLst>
   <p:notesMasterIdLst>
-    <p:notesMasterId r:id="rId72"/>
+    <p:notesMasterId r:id="rId85"/>
   </p:notesMasterIdLst>
   <p:sldIdLst>
     <p:sldId id="256" r:id="rId2"/>
@@ -78,6 +78,19 @@
     <p:sldId id="324" r:id="rId69"/>
     <p:sldId id="325" r:id="rId70"/>
     <p:sldId id="326" r:id="rId71"/>
+    <p:sldId id="332" r:id="rId72"/>
+    <p:sldId id="333" r:id="rId73"/>
+    <p:sldId id="334" r:id="rId74"/>
+    <p:sldId id="335" r:id="rId75"/>
+    <p:sldId id="336" r:id="rId76"/>
+    <p:sldId id="337" r:id="rId77"/>
+    <p:sldId id="338" r:id="rId78"/>
+    <p:sldId id="339" r:id="rId79"/>
+    <p:sldId id="327" r:id="rId80"/>
+    <p:sldId id="328" r:id="rId81"/>
+    <p:sldId id="329" r:id="rId82"/>
+    <p:sldId id="330" r:id="rId83"/>
+    <p:sldId id="331" r:id="rId84"/>
   </p:sldIdLst>
   <p:sldSz cx="12192000" cy="6858000"/>
   <p:notesSz cx="6858000" cy="9144000"/>
@@ -179,6 +192,9 @@
   <p:extLst>
     <p:ext uri="{EFAFB233-063F-42B5-8137-9DF3F51BA10A}">
       <p15:sldGuideLst xmlns:p15="http://schemas.microsoft.com/office/powerpoint/2012/main"/>
+    </p:ext>
+    <p:ext uri="{2D200454-40CA-4A62-9FC3-DE9A4176ACB9}">
+      <p15:notesGuideLst xmlns:p15="http://schemas.microsoft.com/office/powerpoint/2012/main"/>
     </p:ext>
   </p:extLst>
 </p:presentation>
@@ -1099,7 +1115,7 @@
           <a:p>
             <a:fld id="{2EE8E8F7-1DBA-4282-96A9-47FA334D89F2}" type="datetimeFigureOut">
               <a:rPr lang="ru-RU" smtClean="0"/>
-              <a:t>13.07.2020</a:t>
+              <a:t>14.07.2020</a:t>
             </a:fld>
             <a:endParaRPr lang="ru-RU"/>
           </a:p>
@@ -1888,19 +1904,7 @@
                 <a:ea typeface="+mn-ea"/>
                 <a:cs typeface="+mn-cs"/>
               </a:rPr>
-              <a:t>Задача: создать функцию, принимающую любой список сотрудников и выводящей их обычном порядке.</a:t>
-            </a:r>
-            <a:r>
-              <a:rPr lang="ru-RU" sz="1200" b="0" i="0" kern="1200" smtClean="0">
-                <a:solidFill>
-                  <a:schemeClr val="tx1"/>
-                </a:solidFill>
-                <a:effectLst/>
-                <a:latin typeface="+mn-lt"/>
-                <a:ea typeface="+mn-ea"/>
-                <a:cs typeface="+mn-cs"/>
-              </a:rPr>
-              <a:t> </a:t>
+              <a:t>Задача: создать функцию, принимающую любой список сотрудников и выводящей их обычном порядке. </a:t>
             </a:r>
           </a:p>
           <a:p>
@@ -2073,6 +2077,2424 @@
     <p:extLst>
       <p:ext uri="{BB962C8B-B14F-4D97-AF65-F5344CB8AC3E}">
         <p14:creationId xmlns:p14="http://schemas.microsoft.com/office/powerpoint/2010/main" val="2237977487"/>
+      </p:ext>
+    </p:extLst>
+  </p:cSld>
+  <p:clrMapOvr>
+    <a:masterClrMapping/>
+  </p:clrMapOvr>
+</p:notes>
+</file>
+
+<file path=ppt/notesSlides/notesSlide11.xml><?xml version="1.0" encoding="utf-8"?>
+<p:notes xmlns:a="http://schemas.openxmlformats.org/drawingml/2006/main" xmlns:r="http://schemas.openxmlformats.org/officeDocument/2006/relationships" xmlns:p="http://schemas.openxmlformats.org/presentationml/2006/main">
+  <p:cSld>
+    <p:spTree>
+      <p:nvGrpSpPr>
+        <p:cNvPr id="1" name=""/>
+        <p:cNvGrpSpPr/>
+        <p:nvPr/>
+      </p:nvGrpSpPr>
+      <p:grpSpPr>
+        <a:xfrm>
+          <a:off x="0" y="0"/>
+          <a:ext cx="0" cy="0"/>
+          <a:chOff x="0" y="0"/>
+          <a:chExt cx="0" cy="0"/>
+        </a:xfrm>
+      </p:grpSpPr>
+      <p:sp>
+        <p:nvSpPr>
+          <p:cNvPr id="2" name="Образ слайда 1"/>
+          <p:cNvSpPr>
+            <a:spLocks noGrp="1" noRot="1" noChangeAspect="1"/>
+          </p:cNvSpPr>
+          <p:nvPr>
+            <p:ph type="sldImg"/>
+          </p:nvPr>
+        </p:nvSpPr>
+        <p:spPr/>
+      </p:sp>
+      <p:sp>
+        <p:nvSpPr>
+          <p:cNvPr id="3" name="Заметки 2"/>
+          <p:cNvSpPr>
+            <a:spLocks noGrp="1"/>
+          </p:cNvSpPr>
+          <p:nvPr>
+            <p:ph type="body" idx="1"/>
+          </p:nvPr>
+        </p:nvSpPr>
+        <p:spPr/>
+        <p:txBody>
+          <a:bodyPr/>
+          <a:lstStyle/>
+          <a:p>
+            <a:pPr marL="228600" indent="-228600">
+              <a:buAutoNum type="arabicPeriod"/>
+            </a:pPr>
+            <a:r>
+              <a:rPr lang="ru-RU" sz="1200" b="0" i="0" kern="1200" dirty="0" smtClean="0">
+                <a:solidFill>
+                  <a:schemeClr val="tx1"/>
+                </a:solidFill>
+                <a:effectLst/>
+                <a:latin typeface="+mn-lt"/>
+                <a:ea typeface="+mn-ea"/>
+                <a:cs typeface="+mn-cs"/>
+              </a:rPr>
+              <a:t>Урок</a:t>
+            </a:r>
+            <a:r>
+              <a:rPr lang="ru-RU" sz="1200" b="0" i="0" kern="1200" baseline="0" dirty="0" smtClean="0">
+                <a:solidFill>
+                  <a:schemeClr val="tx1"/>
+                </a:solidFill>
+                <a:effectLst/>
+                <a:latin typeface="+mn-lt"/>
+                <a:ea typeface="+mn-ea"/>
+                <a:cs typeface="+mn-cs"/>
+              </a:rPr>
+              <a:t> 9.2</a:t>
+            </a:r>
+            <a:endParaRPr lang="en-US" sz="1200" b="0" i="0" kern="1200" dirty="0" smtClean="0">
+              <a:solidFill>
+                <a:schemeClr val="tx1"/>
+              </a:solidFill>
+              <a:effectLst/>
+              <a:latin typeface="+mn-lt"/>
+              <a:ea typeface="+mn-ea"/>
+              <a:cs typeface="+mn-cs"/>
+            </a:endParaRPr>
+          </a:p>
+          <a:p>
+            <a:pPr marL="228600" indent="-228600">
+              <a:buAutoNum type="arabicPeriod"/>
+            </a:pPr>
+            <a:r>
+              <a:rPr lang="ru-RU" sz="1200" b="0" i="0" kern="1200" dirty="0" smtClean="0">
+                <a:solidFill>
+                  <a:schemeClr val="tx1"/>
+                </a:solidFill>
+                <a:effectLst/>
+                <a:latin typeface="+mn-lt"/>
+                <a:ea typeface="+mn-ea"/>
+                <a:cs typeface="+mn-cs"/>
+              </a:rPr>
+              <a:t>До этого момента мы рассматривали типы как атомарные объекты.</a:t>
+            </a:r>
+            <a:r>
+              <a:rPr lang="ru-RU" sz="1200" b="0" i="0" kern="1200" baseline="0" dirty="0" smtClean="0">
+                <a:solidFill>
+                  <a:schemeClr val="tx1"/>
+                </a:solidFill>
+                <a:effectLst/>
+                <a:latin typeface="+mn-lt"/>
+                <a:ea typeface="+mn-ea"/>
+                <a:cs typeface="+mn-cs"/>
+              </a:rPr>
+              <a:t> При моделировании могут потребоваться их комбинация</a:t>
+            </a:r>
+            <a:endParaRPr lang="ru-RU" dirty="0"/>
+          </a:p>
+        </p:txBody>
+      </p:sp>
+      <p:sp>
+        <p:nvSpPr>
+          <p:cNvPr id="4" name="Номер слайда 3"/>
+          <p:cNvSpPr>
+            <a:spLocks noGrp="1"/>
+          </p:cNvSpPr>
+          <p:nvPr>
+            <p:ph type="sldNum" sz="quarter" idx="10"/>
+          </p:nvPr>
+        </p:nvSpPr>
+        <p:spPr/>
+        <p:txBody>
+          <a:bodyPr/>
+          <a:lstStyle/>
+          <a:p>
+            <a:pPr marL="0" marR="0" lvl="0" indent="0" algn="r" defTabSz="914400" rtl="0" eaLnBrk="1" fontAlgn="auto" latinLnBrk="0" hangingPunct="1">
+              <a:lnSpc>
+                <a:spcPct val="100000"/>
+              </a:lnSpc>
+              <a:spcBef>
+                <a:spcPts val="0"/>
+              </a:spcBef>
+              <a:spcAft>
+                <a:spcPts val="0"/>
+              </a:spcAft>
+              <a:buClrTx/>
+              <a:buSzTx/>
+              <a:buFontTx/>
+              <a:buNone/>
+              <a:tabLst/>
+              <a:defRPr/>
+            </a:pPr>
+            <a:fld id="{622F1C9E-D65E-417E-9FEF-9AD7ACC20294}" type="slidenum">
+              <a:rPr kumimoji="0" lang="ru-RU" sz="1200" b="0" i="0" u="none" strike="noStrike" kern="1200" cap="none" spc="0" normalizeH="0" baseline="0" noProof="0" smtClean="0">
+                <a:ln>
+                  <a:noFill/>
+                </a:ln>
+                <a:solidFill>
+                  <a:prstClr val="black"/>
+                </a:solidFill>
+                <a:effectLst/>
+                <a:uLnTx/>
+                <a:uFillTx/>
+                <a:latin typeface="Calibri" panose="020F0502020204030204"/>
+                <a:ea typeface="+mn-ea"/>
+                <a:cs typeface="+mn-cs"/>
+              </a:rPr>
+              <a:pPr marL="0" marR="0" lvl="0" indent="0" algn="r" defTabSz="914400" rtl="0" eaLnBrk="1" fontAlgn="auto" latinLnBrk="0" hangingPunct="1">
+                <a:lnSpc>
+                  <a:spcPct val="100000"/>
+                </a:lnSpc>
+                <a:spcBef>
+                  <a:spcPts val="0"/>
+                </a:spcBef>
+                <a:spcAft>
+                  <a:spcPts val="0"/>
+                </a:spcAft>
+                <a:buClrTx/>
+                <a:buSzTx/>
+                <a:buFontTx/>
+                <a:buNone/>
+                <a:tabLst/>
+                <a:defRPr/>
+              </a:pPr>
+              <a:t>71</a:t>
+            </a:fld>
+            <a:endParaRPr kumimoji="0" lang="ru-RU" sz="1200" b="0" i="0" u="none" strike="noStrike" kern="1200" cap="none" spc="0" normalizeH="0" baseline="0" noProof="0">
+              <a:ln>
+                <a:noFill/>
+              </a:ln>
+              <a:solidFill>
+                <a:prstClr val="black"/>
+              </a:solidFill>
+              <a:effectLst/>
+              <a:uLnTx/>
+              <a:uFillTx/>
+              <a:latin typeface="Calibri" panose="020F0502020204030204"/>
+              <a:ea typeface="+mn-ea"/>
+              <a:cs typeface="+mn-cs"/>
+            </a:endParaRPr>
+          </a:p>
+        </p:txBody>
+      </p:sp>
+    </p:spTree>
+    <p:extLst>
+      <p:ext uri="{BB962C8B-B14F-4D97-AF65-F5344CB8AC3E}">
+        <p14:creationId xmlns:p14="http://schemas.microsoft.com/office/powerpoint/2010/main" val="3103193911"/>
+      </p:ext>
+    </p:extLst>
+  </p:cSld>
+  <p:clrMapOvr>
+    <a:masterClrMapping/>
+  </p:clrMapOvr>
+</p:notes>
+</file>
+
+<file path=ppt/notesSlides/notesSlide12.xml><?xml version="1.0" encoding="utf-8"?>
+<p:notes xmlns:a="http://schemas.openxmlformats.org/drawingml/2006/main" xmlns:r="http://schemas.openxmlformats.org/officeDocument/2006/relationships" xmlns:p="http://schemas.openxmlformats.org/presentationml/2006/main">
+  <p:cSld>
+    <p:spTree>
+      <p:nvGrpSpPr>
+        <p:cNvPr id="1" name=""/>
+        <p:cNvGrpSpPr/>
+        <p:nvPr/>
+      </p:nvGrpSpPr>
+      <p:grpSpPr>
+        <a:xfrm>
+          <a:off x="0" y="0"/>
+          <a:ext cx="0" cy="0"/>
+          <a:chOff x="0" y="0"/>
+          <a:chExt cx="0" cy="0"/>
+        </a:xfrm>
+      </p:grpSpPr>
+      <p:sp>
+        <p:nvSpPr>
+          <p:cNvPr id="2" name="Образ слайда 1"/>
+          <p:cNvSpPr>
+            <a:spLocks noGrp="1" noRot="1" noChangeAspect="1"/>
+          </p:cNvSpPr>
+          <p:nvPr>
+            <p:ph type="sldImg"/>
+          </p:nvPr>
+        </p:nvSpPr>
+        <p:spPr/>
+      </p:sp>
+      <p:sp>
+        <p:nvSpPr>
+          <p:cNvPr id="3" name="Заметки 2"/>
+          <p:cNvSpPr>
+            <a:spLocks noGrp="1"/>
+          </p:cNvSpPr>
+          <p:nvPr>
+            <p:ph type="body" idx="1"/>
+          </p:nvPr>
+        </p:nvSpPr>
+        <p:spPr/>
+        <p:txBody>
+          <a:bodyPr/>
+          <a:lstStyle/>
+          <a:p>
+            <a:pPr marL="228600" indent="-228600">
+              <a:buAutoNum type="arabicPeriod"/>
+            </a:pPr>
+            <a:r>
+              <a:rPr lang="ru-RU" sz="1200" b="0" i="0" kern="1200" dirty="0" smtClean="0">
+                <a:solidFill>
+                  <a:schemeClr val="tx1"/>
+                </a:solidFill>
+                <a:effectLst/>
+                <a:latin typeface="+mn-lt"/>
+                <a:ea typeface="+mn-ea"/>
+                <a:cs typeface="+mn-cs"/>
+              </a:rPr>
+              <a:t>Прежде чем продолжить, необходимо поближе познакомиться с такой возможностью в </a:t>
+            </a:r>
+            <a:r>
+              <a:rPr lang="ru-RU" sz="1200" b="0" i="0" kern="1200" dirty="0" err="1" smtClean="0">
+                <a:solidFill>
+                  <a:schemeClr val="tx1"/>
+                </a:solidFill>
+                <a:effectLst/>
+                <a:latin typeface="+mn-lt"/>
+                <a:ea typeface="+mn-ea"/>
+                <a:cs typeface="+mn-cs"/>
+              </a:rPr>
+              <a:t>TypeScript</a:t>
+            </a:r>
+            <a:r>
+              <a:rPr lang="ru-RU" sz="1200" b="0" i="0" kern="1200" dirty="0" smtClean="0">
+                <a:solidFill>
+                  <a:schemeClr val="tx1"/>
+                </a:solidFill>
+                <a:effectLst/>
+                <a:latin typeface="+mn-lt"/>
+                <a:ea typeface="+mn-ea"/>
+                <a:cs typeface="+mn-cs"/>
+              </a:rPr>
+              <a:t> как </a:t>
+            </a:r>
+            <a:r>
+              <a:rPr lang="ru-RU" sz="1200" b="0" i="0" kern="1200" dirty="0" err="1" smtClean="0">
+                <a:solidFill>
+                  <a:schemeClr val="tx1"/>
+                </a:solidFill>
+                <a:effectLst/>
+                <a:latin typeface="+mn-lt"/>
+                <a:ea typeface="+mn-ea"/>
+                <a:cs typeface="+mn-cs"/>
+              </a:rPr>
+              <a:t>Type</a:t>
+            </a:r>
+            <a:r>
+              <a:rPr lang="ru-RU" sz="1200" b="0" i="0" kern="1200" dirty="0" smtClean="0">
+                <a:solidFill>
+                  <a:schemeClr val="tx1"/>
+                </a:solidFill>
+                <a:effectLst/>
+                <a:latin typeface="+mn-lt"/>
+                <a:ea typeface="+mn-ea"/>
+                <a:cs typeface="+mn-cs"/>
+              </a:rPr>
+              <a:t> </a:t>
+            </a:r>
+            <a:r>
+              <a:rPr lang="ru-RU" sz="1200" b="0" i="0" kern="1200" dirty="0" err="1" smtClean="0">
+                <a:solidFill>
+                  <a:schemeClr val="tx1"/>
+                </a:solidFill>
+                <a:effectLst/>
+                <a:latin typeface="+mn-lt"/>
+                <a:ea typeface="+mn-ea"/>
+                <a:cs typeface="+mn-cs"/>
+              </a:rPr>
+              <a:t>Aliases</a:t>
+            </a:r>
+            <a:endParaRPr lang="ru-RU" sz="1200" b="0" i="0" kern="1200" dirty="0" smtClean="0">
+              <a:solidFill>
+                <a:schemeClr val="tx1"/>
+              </a:solidFill>
+              <a:effectLst/>
+              <a:latin typeface="+mn-lt"/>
+              <a:ea typeface="+mn-ea"/>
+              <a:cs typeface="+mn-cs"/>
+            </a:endParaRPr>
+          </a:p>
+          <a:p>
+            <a:pPr marL="228600" indent="-228600">
+              <a:buAutoNum type="arabicPeriod"/>
+            </a:pPr>
+            <a:r>
+              <a:rPr lang="ru-RU" sz="1200" b="0" i="0" kern="1200" dirty="0" smtClean="0">
+                <a:solidFill>
+                  <a:schemeClr val="tx1"/>
+                </a:solidFill>
+                <a:effectLst/>
+                <a:latin typeface="+mn-lt"/>
+                <a:ea typeface="+mn-ea"/>
+                <a:cs typeface="+mn-cs"/>
+              </a:rPr>
+              <a:t>Они очень похожи</a:t>
+            </a:r>
+            <a:r>
+              <a:rPr lang="ru-RU" sz="1200" b="0" i="0" kern="1200" baseline="0" dirty="0" smtClean="0">
+                <a:solidFill>
+                  <a:schemeClr val="tx1"/>
+                </a:solidFill>
+                <a:effectLst/>
+                <a:latin typeface="+mn-lt"/>
+                <a:ea typeface="+mn-ea"/>
+                <a:cs typeface="+mn-cs"/>
+              </a:rPr>
+              <a:t> на интерфейсы но могут называть примитивы</a:t>
+            </a:r>
+            <a:r>
+              <a:rPr lang="en-US" sz="1200" b="0" i="0" kern="1200" baseline="0" dirty="0" smtClean="0">
+                <a:solidFill>
+                  <a:schemeClr val="tx1"/>
+                </a:solidFill>
+                <a:effectLst/>
+                <a:latin typeface="+mn-lt"/>
+                <a:ea typeface="+mn-ea"/>
+                <a:cs typeface="+mn-cs"/>
+              </a:rPr>
+              <a:t>, </a:t>
+            </a:r>
+            <a:r>
+              <a:rPr lang="ru-RU" sz="1200" b="0" i="0" kern="1200" baseline="0" dirty="0" smtClean="0">
+                <a:solidFill>
+                  <a:schemeClr val="tx1"/>
+                </a:solidFill>
+                <a:effectLst/>
+                <a:latin typeface="+mn-lt"/>
+                <a:ea typeface="+mn-ea"/>
+                <a:cs typeface="+mn-cs"/>
+              </a:rPr>
+              <a:t>объединения и т. п.*</a:t>
+            </a:r>
+          </a:p>
+          <a:p>
+            <a:pPr marL="228600" indent="-228600">
+              <a:buAutoNum type="arabicPeriod"/>
+            </a:pPr>
+            <a:r>
+              <a:rPr lang="ru-RU" sz="1200" b="0" i="0" kern="1200" dirty="0" smtClean="0">
+                <a:solidFill>
+                  <a:schemeClr val="tx1"/>
+                </a:solidFill>
+                <a:effectLst/>
+                <a:latin typeface="+mn-lt"/>
+                <a:ea typeface="+mn-ea"/>
+                <a:cs typeface="+mn-cs"/>
+              </a:rPr>
+              <a:t>Рассмотренных возможностей хватит для того, чтобы продолжить рассмотрение основной темы урока. Остальное будет охвачено позднее</a:t>
+            </a:r>
+            <a:endParaRPr lang="ru-RU" dirty="0"/>
+          </a:p>
+        </p:txBody>
+      </p:sp>
+      <p:sp>
+        <p:nvSpPr>
+          <p:cNvPr id="4" name="Номер слайда 3"/>
+          <p:cNvSpPr>
+            <a:spLocks noGrp="1"/>
+          </p:cNvSpPr>
+          <p:nvPr>
+            <p:ph type="sldNum" sz="quarter" idx="10"/>
+          </p:nvPr>
+        </p:nvSpPr>
+        <p:spPr/>
+        <p:txBody>
+          <a:bodyPr/>
+          <a:lstStyle/>
+          <a:p>
+            <a:pPr marL="0" marR="0" lvl="0" indent="0" algn="r" defTabSz="914400" rtl="0" eaLnBrk="1" fontAlgn="auto" latinLnBrk="0" hangingPunct="1">
+              <a:lnSpc>
+                <a:spcPct val="100000"/>
+              </a:lnSpc>
+              <a:spcBef>
+                <a:spcPts val="0"/>
+              </a:spcBef>
+              <a:spcAft>
+                <a:spcPts val="0"/>
+              </a:spcAft>
+              <a:buClrTx/>
+              <a:buSzTx/>
+              <a:buFontTx/>
+              <a:buNone/>
+              <a:tabLst/>
+              <a:defRPr/>
+            </a:pPr>
+            <a:fld id="{622F1C9E-D65E-417E-9FEF-9AD7ACC20294}" type="slidenum">
+              <a:rPr kumimoji="0" lang="ru-RU" sz="1200" b="0" i="0" u="none" strike="noStrike" kern="1200" cap="none" spc="0" normalizeH="0" baseline="0" noProof="0" smtClean="0">
+                <a:ln>
+                  <a:noFill/>
+                </a:ln>
+                <a:solidFill>
+                  <a:prstClr val="black"/>
+                </a:solidFill>
+                <a:effectLst/>
+                <a:uLnTx/>
+                <a:uFillTx/>
+                <a:latin typeface="Calibri" panose="020F0502020204030204"/>
+                <a:ea typeface="+mn-ea"/>
+                <a:cs typeface="+mn-cs"/>
+              </a:rPr>
+              <a:pPr marL="0" marR="0" lvl="0" indent="0" algn="r" defTabSz="914400" rtl="0" eaLnBrk="1" fontAlgn="auto" latinLnBrk="0" hangingPunct="1">
+                <a:lnSpc>
+                  <a:spcPct val="100000"/>
+                </a:lnSpc>
+                <a:spcBef>
+                  <a:spcPts val="0"/>
+                </a:spcBef>
+                <a:spcAft>
+                  <a:spcPts val="0"/>
+                </a:spcAft>
+                <a:buClrTx/>
+                <a:buSzTx/>
+                <a:buFontTx/>
+                <a:buNone/>
+                <a:tabLst/>
+                <a:defRPr/>
+              </a:pPr>
+              <a:t>72</a:t>
+            </a:fld>
+            <a:endParaRPr kumimoji="0" lang="ru-RU" sz="1200" b="0" i="0" u="none" strike="noStrike" kern="1200" cap="none" spc="0" normalizeH="0" baseline="0" noProof="0">
+              <a:ln>
+                <a:noFill/>
+              </a:ln>
+              <a:solidFill>
+                <a:prstClr val="black"/>
+              </a:solidFill>
+              <a:effectLst/>
+              <a:uLnTx/>
+              <a:uFillTx/>
+              <a:latin typeface="Calibri" panose="020F0502020204030204"/>
+              <a:ea typeface="+mn-ea"/>
+              <a:cs typeface="+mn-cs"/>
+            </a:endParaRPr>
+          </a:p>
+        </p:txBody>
+      </p:sp>
+    </p:spTree>
+    <p:extLst>
+      <p:ext uri="{BB962C8B-B14F-4D97-AF65-F5344CB8AC3E}">
+        <p14:creationId xmlns:p14="http://schemas.microsoft.com/office/powerpoint/2010/main" val="2264390682"/>
+      </p:ext>
+    </p:extLst>
+  </p:cSld>
+  <p:clrMapOvr>
+    <a:masterClrMapping/>
+  </p:clrMapOvr>
+</p:notes>
+</file>
+
+<file path=ppt/notesSlides/notesSlide13.xml><?xml version="1.0" encoding="utf-8"?>
+<p:notes xmlns:a="http://schemas.openxmlformats.org/drawingml/2006/main" xmlns:r="http://schemas.openxmlformats.org/officeDocument/2006/relationships" xmlns:p="http://schemas.openxmlformats.org/presentationml/2006/main">
+  <p:cSld>
+    <p:spTree>
+      <p:nvGrpSpPr>
+        <p:cNvPr id="1" name=""/>
+        <p:cNvGrpSpPr/>
+        <p:nvPr/>
+      </p:nvGrpSpPr>
+      <p:grpSpPr>
+        <a:xfrm>
+          <a:off x="0" y="0"/>
+          <a:ext cx="0" cy="0"/>
+          <a:chOff x="0" y="0"/>
+          <a:chExt cx="0" cy="0"/>
+        </a:xfrm>
+      </p:grpSpPr>
+      <p:sp>
+        <p:nvSpPr>
+          <p:cNvPr id="2" name="Образ слайда 1"/>
+          <p:cNvSpPr>
+            <a:spLocks noGrp="1" noRot="1" noChangeAspect="1"/>
+          </p:cNvSpPr>
+          <p:nvPr>
+            <p:ph type="sldImg"/>
+          </p:nvPr>
+        </p:nvSpPr>
+        <p:spPr/>
+      </p:sp>
+      <p:sp>
+        <p:nvSpPr>
+          <p:cNvPr id="3" name="Заметки 2"/>
+          <p:cNvSpPr>
+            <a:spLocks noGrp="1"/>
+          </p:cNvSpPr>
+          <p:nvPr>
+            <p:ph type="body" idx="1"/>
+          </p:nvPr>
+        </p:nvSpPr>
+        <p:spPr/>
+        <p:txBody>
+          <a:bodyPr/>
+          <a:lstStyle/>
+          <a:p>
+            <a:pPr marL="228600" indent="-228600">
+              <a:buAutoNum type="arabicPeriod"/>
+            </a:pPr>
+            <a:r>
+              <a:rPr lang="ru-RU" sz="1200" b="0" i="0" kern="1200" dirty="0" smtClean="0">
+                <a:solidFill>
+                  <a:schemeClr val="tx1"/>
+                </a:solidFill>
+                <a:effectLst/>
+                <a:latin typeface="+mn-lt"/>
+                <a:ea typeface="+mn-ea"/>
+                <a:cs typeface="+mn-cs"/>
+              </a:rPr>
+              <a:t>Периодически, будут встречаться библиотеки или необходимость написания функции, которая ожидает параметром либо число, либо строку</a:t>
+            </a:r>
+            <a:r>
+              <a:rPr lang="en-US" sz="1200" b="0" i="0" kern="1200" dirty="0" smtClean="0">
+                <a:solidFill>
+                  <a:schemeClr val="tx1"/>
+                </a:solidFill>
+                <a:effectLst/>
+                <a:latin typeface="+mn-lt"/>
+                <a:ea typeface="+mn-ea"/>
+                <a:cs typeface="+mn-cs"/>
+              </a:rPr>
+              <a:t>*</a:t>
+            </a:r>
+          </a:p>
+          <a:p>
+            <a:pPr marL="228600" indent="-228600">
+              <a:buAutoNum type="arabicPeriod"/>
+            </a:pPr>
+            <a:r>
+              <a:rPr lang="ru-RU" sz="1200" b="0" i="0" kern="1200" dirty="0" err="1" smtClean="0">
+                <a:solidFill>
+                  <a:schemeClr val="tx1"/>
+                </a:solidFill>
+                <a:effectLst/>
+                <a:latin typeface="+mn-lt"/>
+                <a:ea typeface="+mn-ea"/>
+                <a:cs typeface="+mn-cs"/>
+              </a:rPr>
+              <a:t>Union</a:t>
+            </a:r>
+            <a:r>
+              <a:rPr lang="ru-RU" sz="1200" b="0" i="0" kern="1200" dirty="0" smtClean="0">
+                <a:solidFill>
+                  <a:schemeClr val="tx1"/>
+                </a:solidFill>
+                <a:effectLst/>
+                <a:latin typeface="+mn-lt"/>
+                <a:ea typeface="+mn-ea"/>
+                <a:cs typeface="+mn-cs"/>
+              </a:rPr>
+              <a:t> тип описывает значение, которое может быть одним из нескольких типов. Мы используем вертикальную черту (|) для разделения каждого из возможных типов, таким образом </a:t>
+            </a:r>
+            <a:r>
+              <a:rPr lang="ru-RU" sz="1200" b="0" i="0" kern="1200" dirty="0" err="1" smtClean="0">
+                <a:solidFill>
+                  <a:schemeClr val="tx1"/>
+                </a:solidFill>
+                <a:effectLst/>
+                <a:latin typeface="+mn-lt"/>
+                <a:ea typeface="+mn-ea"/>
+                <a:cs typeface="+mn-cs"/>
+              </a:rPr>
+              <a:t>number</a:t>
+            </a:r>
+            <a:r>
+              <a:rPr lang="ru-RU" sz="1200" b="0" i="0" kern="1200" dirty="0" smtClean="0">
+                <a:solidFill>
+                  <a:schemeClr val="tx1"/>
+                </a:solidFill>
+                <a:effectLst/>
+                <a:latin typeface="+mn-lt"/>
+                <a:ea typeface="+mn-ea"/>
+                <a:cs typeface="+mn-cs"/>
+              </a:rPr>
+              <a:t> | </a:t>
+            </a:r>
+            <a:r>
+              <a:rPr lang="ru-RU" sz="1200" b="0" i="0" kern="1200" dirty="0" err="1" smtClean="0">
+                <a:solidFill>
+                  <a:schemeClr val="tx1"/>
+                </a:solidFill>
+                <a:effectLst/>
+                <a:latin typeface="+mn-lt"/>
+                <a:ea typeface="+mn-ea"/>
+                <a:cs typeface="+mn-cs"/>
+              </a:rPr>
+              <a:t>string</a:t>
+            </a:r>
+            <a:r>
+              <a:rPr lang="ru-RU" sz="1200" b="0" i="0" kern="1200" dirty="0" smtClean="0">
+                <a:solidFill>
+                  <a:schemeClr val="tx1"/>
+                </a:solidFill>
+                <a:effectLst/>
+                <a:latin typeface="+mn-lt"/>
+                <a:ea typeface="+mn-ea"/>
+                <a:cs typeface="+mn-cs"/>
+              </a:rPr>
+              <a:t> | </a:t>
+            </a:r>
+            <a:r>
+              <a:rPr lang="ru-RU" sz="1200" b="0" i="0" kern="1200" dirty="0" err="1" smtClean="0">
+                <a:solidFill>
+                  <a:schemeClr val="tx1"/>
+                </a:solidFill>
+                <a:effectLst/>
+                <a:latin typeface="+mn-lt"/>
+                <a:ea typeface="+mn-ea"/>
+                <a:cs typeface="+mn-cs"/>
+              </a:rPr>
+              <a:t>boolean</a:t>
+            </a:r>
+            <a:r>
+              <a:rPr lang="ru-RU" sz="1200" b="0" i="0" kern="1200" dirty="0" smtClean="0">
+                <a:solidFill>
+                  <a:schemeClr val="tx1"/>
+                </a:solidFill>
+                <a:effectLst/>
+                <a:latin typeface="+mn-lt"/>
+                <a:ea typeface="+mn-ea"/>
+                <a:cs typeface="+mn-cs"/>
+              </a:rPr>
+              <a:t> представляют тип значения, которое может быть числом, строкой или булевым. </a:t>
+            </a:r>
+            <a:endParaRPr lang="ru-RU" dirty="0"/>
+          </a:p>
+        </p:txBody>
+      </p:sp>
+      <p:sp>
+        <p:nvSpPr>
+          <p:cNvPr id="4" name="Номер слайда 3"/>
+          <p:cNvSpPr>
+            <a:spLocks noGrp="1"/>
+          </p:cNvSpPr>
+          <p:nvPr>
+            <p:ph type="sldNum" sz="quarter" idx="10"/>
+          </p:nvPr>
+        </p:nvSpPr>
+        <p:spPr/>
+        <p:txBody>
+          <a:bodyPr/>
+          <a:lstStyle/>
+          <a:p>
+            <a:pPr marL="0" marR="0" lvl="0" indent="0" algn="r" defTabSz="914400" rtl="0" eaLnBrk="1" fontAlgn="auto" latinLnBrk="0" hangingPunct="1">
+              <a:lnSpc>
+                <a:spcPct val="100000"/>
+              </a:lnSpc>
+              <a:spcBef>
+                <a:spcPts val="0"/>
+              </a:spcBef>
+              <a:spcAft>
+                <a:spcPts val="0"/>
+              </a:spcAft>
+              <a:buClrTx/>
+              <a:buSzTx/>
+              <a:buFontTx/>
+              <a:buNone/>
+              <a:tabLst/>
+              <a:defRPr/>
+            </a:pPr>
+            <a:fld id="{622F1C9E-D65E-417E-9FEF-9AD7ACC20294}" type="slidenum">
+              <a:rPr kumimoji="0" lang="ru-RU" sz="1200" b="0" i="0" u="none" strike="noStrike" kern="1200" cap="none" spc="0" normalizeH="0" baseline="0" noProof="0" smtClean="0">
+                <a:ln>
+                  <a:noFill/>
+                </a:ln>
+                <a:solidFill>
+                  <a:prstClr val="black"/>
+                </a:solidFill>
+                <a:effectLst/>
+                <a:uLnTx/>
+                <a:uFillTx/>
+                <a:latin typeface="Calibri" panose="020F0502020204030204"/>
+                <a:ea typeface="+mn-ea"/>
+                <a:cs typeface="+mn-cs"/>
+              </a:rPr>
+              <a:pPr marL="0" marR="0" lvl="0" indent="0" algn="r" defTabSz="914400" rtl="0" eaLnBrk="1" fontAlgn="auto" latinLnBrk="0" hangingPunct="1">
+                <a:lnSpc>
+                  <a:spcPct val="100000"/>
+                </a:lnSpc>
+                <a:spcBef>
+                  <a:spcPts val="0"/>
+                </a:spcBef>
+                <a:spcAft>
+                  <a:spcPts val="0"/>
+                </a:spcAft>
+                <a:buClrTx/>
+                <a:buSzTx/>
+                <a:buFontTx/>
+                <a:buNone/>
+                <a:tabLst/>
+                <a:defRPr/>
+              </a:pPr>
+              <a:t>73</a:t>
+            </a:fld>
+            <a:endParaRPr kumimoji="0" lang="ru-RU" sz="1200" b="0" i="0" u="none" strike="noStrike" kern="1200" cap="none" spc="0" normalizeH="0" baseline="0" noProof="0">
+              <a:ln>
+                <a:noFill/>
+              </a:ln>
+              <a:solidFill>
+                <a:prstClr val="black"/>
+              </a:solidFill>
+              <a:effectLst/>
+              <a:uLnTx/>
+              <a:uFillTx/>
+              <a:latin typeface="Calibri" panose="020F0502020204030204"/>
+              <a:ea typeface="+mn-ea"/>
+              <a:cs typeface="+mn-cs"/>
+            </a:endParaRPr>
+          </a:p>
+        </p:txBody>
+      </p:sp>
+    </p:spTree>
+    <p:extLst>
+      <p:ext uri="{BB962C8B-B14F-4D97-AF65-F5344CB8AC3E}">
+        <p14:creationId xmlns:p14="http://schemas.microsoft.com/office/powerpoint/2010/main" val="1370761868"/>
+      </p:ext>
+    </p:extLst>
+  </p:cSld>
+  <p:clrMapOvr>
+    <a:masterClrMapping/>
+  </p:clrMapOvr>
+</p:notes>
+</file>
+
+<file path=ppt/notesSlides/notesSlide14.xml><?xml version="1.0" encoding="utf-8"?>
+<p:notes xmlns:a="http://schemas.openxmlformats.org/drawingml/2006/main" xmlns:r="http://schemas.openxmlformats.org/officeDocument/2006/relationships" xmlns:p="http://schemas.openxmlformats.org/presentationml/2006/main">
+  <p:cSld>
+    <p:spTree>
+      <p:nvGrpSpPr>
+        <p:cNvPr id="1" name=""/>
+        <p:cNvGrpSpPr/>
+        <p:nvPr/>
+      </p:nvGrpSpPr>
+      <p:grpSpPr>
+        <a:xfrm>
+          <a:off x="0" y="0"/>
+          <a:ext cx="0" cy="0"/>
+          <a:chOff x="0" y="0"/>
+          <a:chExt cx="0" cy="0"/>
+        </a:xfrm>
+      </p:grpSpPr>
+      <p:sp>
+        <p:nvSpPr>
+          <p:cNvPr id="2" name="Образ слайда 1"/>
+          <p:cNvSpPr>
+            <a:spLocks noGrp="1" noRot="1" noChangeAspect="1"/>
+          </p:cNvSpPr>
+          <p:nvPr>
+            <p:ph type="sldImg"/>
+          </p:nvPr>
+        </p:nvSpPr>
+        <p:spPr/>
+      </p:sp>
+      <p:sp>
+        <p:nvSpPr>
+          <p:cNvPr id="3" name="Заметки 2"/>
+          <p:cNvSpPr>
+            <a:spLocks noGrp="1"/>
+          </p:cNvSpPr>
+          <p:nvPr>
+            <p:ph type="body" idx="1"/>
+          </p:nvPr>
+        </p:nvSpPr>
+        <p:spPr/>
+        <p:txBody>
+          <a:bodyPr/>
+          <a:lstStyle/>
+          <a:p>
+            <a:pPr marL="228600" indent="-228600">
+              <a:buAutoNum type="arabicPeriod"/>
+            </a:pPr>
+            <a:r>
+              <a:rPr lang="ru-RU" sz="1200" b="0" i="0" kern="1200" dirty="0" smtClean="0">
+                <a:solidFill>
+                  <a:schemeClr val="tx1"/>
+                </a:solidFill>
+                <a:effectLst/>
+                <a:latin typeface="+mn-lt"/>
+                <a:ea typeface="+mn-ea"/>
+                <a:cs typeface="+mn-cs"/>
+              </a:rPr>
+              <a:t>В случае если мы имеем значение, тип которого это </a:t>
+            </a:r>
+            <a:r>
+              <a:rPr lang="ru-RU" sz="1200" b="0" i="0" kern="1200" dirty="0" err="1" smtClean="0">
+                <a:solidFill>
+                  <a:schemeClr val="tx1"/>
+                </a:solidFill>
+                <a:effectLst/>
+                <a:latin typeface="+mn-lt"/>
+                <a:ea typeface="+mn-ea"/>
+                <a:cs typeface="+mn-cs"/>
+              </a:rPr>
+              <a:t>union</a:t>
+            </a:r>
+            <a:r>
+              <a:rPr lang="ru-RU" sz="1200" b="0" i="0" kern="1200" dirty="0" smtClean="0">
+                <a:solidFill>
+                  <a:schemeClr val="tx1"/>
+                </a:solidFill>
+                <a:effectLst/>
+                <a:latin typeface="+mn-lt"/>
+                <a:ea typeface="+mn-ea"/>
+                <a:cs typeface="+mn-cs"/>
+              </a:rPr>
+              <a:t> – мы можем получить доступ только к тем свойствам, которые присутствуют в каждом из членов </a:t>
+            </a:r>
+            <a:r>
+              <a:rPr lang="ru-RU" sz="1200" b="0" i="0" kern="1200" dirty="0" err="1" smtClean="0">
+                <a:solidFill>
+                  <a:schemeClr val="tx1"/>
+                </a:solidFill>
+                <a:effectLst/>
+                <a:latin typeface="+mn-lt"/>
+                <a:ea typeface="+mn-ea"/>
+                <a:cs typeface="+mn-cs"/>
+              </a:rPr>
+              <a:t>union</a:t>
+            </a:r>
+            <a:r>
+              <a:rPr lang="en-US" sz="1200" b="0" i="0" kern="1200" dirty="0" smtClean="0">
+                <a:solidFill>
+                  <a:schemeClr val="tx1"/>
+                </a:solidFill>
+                <a:effectLst/>
+                <a:latin typeface="+mn-lt"/>
+                <a:ea typeface="+mn-ea"/>
+                <a:cs typeface="+mn-cs"/>
+              </a:rPr>
+              <a:t>*</a:t>
+            </a:r>
+            <a:endParaRPr lang="ru-RU" dirty="0"/>
+          </a:p>
+        </p:txBody>
+      </p:sp>
+      <p:sp>
+        <p:nvSpPr>
+          <p:cNvPr id="4" name="Номер слайда 3"/>
+          <p:cNvSpPr>
+            <a:spLocks noGrp="1"/>
+          </p:cNvSpPr>
+          <p:nvPr>
+            <p:ph type="sldNum" sz="quarter" idx="10"/>
+          </p:nvPr>
+        </p:nvSpPr>
+        <p:spPr/>
+        <p:txBody>
+          <a:bodyPr/>
+          <a:lstStyle/>
+          <a:p>
+            <a:pPr marL="0" marR="0" lvl="0" indent="0" algn="r" defTabSz="914400" rtl="0" eaLnBrk="1" fontAlgn="auto" latinLnBrk="0" hangingPunct="1">
+              <a:lnSpc>
+                <a:spcPct val="100000"/>
+              </a:lnSpc>
+              <a:spcBef>
+                <a:spcPts val="0"/>
+              </a:spcBef>
+              <a:spcAft>
+                <a:spcPts val="0"/>
+              </a:spcAft>
+              <a:buClrTx/>
+              <a:buSzTx/>
+              <a:buFontTx/>
+              <a:buNone/>
+              <a:tabLst/>
+              <a:defRPr/>
+            </a:pPr>
+            <a:fld id="{622F1C9E-D65E-417E-9FEF-9AD7ACC20294}" type="slidenum">
+              <a:rPr kumimoji="0" lang="ru-RU" sz="1200" b="0" i="0" u="none" strike="noStrike" kern="1200" cap="none" spc="0" normalizeH="0" baseline="0" noProof="0" smtClean="0">
+                <a:ln>
+                  <a:noFill/>
+                </a:ln>
+                <a:solidFill>
+                  <a:prstClr val="black"/>
+                </a:solidFill>
+                <a:effectLst/>
+                <a:uLnTx/>
+                <a:uFillTx/>
+                <a:latin typeface="Calibri" panose="020F0502020204030204"/>
+                <a:ea typeface="+mn-ea"/>
+                <a:cs typeface="+mn-cs"/>
+              </a:rPr>
+              <a:pPr marL="0" marR="0" lvl="0" indent="0" algn="r" defTabSz="914400" rtl="0" eaLnBrk="1" fontAlgn="auto" latinLnBrk="0" hangingPunct="1">
+                <a:lnSpc>
+                  <a:spcPct val="100000"/>
+                </a:lnSpc>
+                <a:spcBef>
+                  <a:spcPts val="0"/>
+                </a:spcBef>
+                <a:spcAft>
+                  <a:spcPts val="0"/>
+                </a:spcAft>
+                <a:buClrTx/>
+                <a:buSzTx/>
+                <a:buFontTx/>
+                <a:buNone/>
+                <a:tabLst/>
+                <a:defRPr/>
+              </a:pPr>
+              <a:t>74</a:t>
+            </a:fld>
+            <a:endParaRPr kumimoji="0" lang="ru-RU" sz="1200" b="0" i="0" u="none" strike="noStrike" kern="1200" cap="none" spc="0" normalizeH="0" baseline="0" noProof="0">
+              <a:ln>
+                <a:noFill/>
+              </a:ln>
+              <a:solidFill>
+                <a:prstClr val="black"/>
+              </a:solidFill>
+              <a:effectLst/>
+              <a:uLnTx/>
+              <a:uFillTx/>
+              <a:latin typeface="Calibri" panose="020F0502020204030204"/>
+              <a:ea typeface="+mn-ea"/>
+              <a:cs typeface="+mn-cs"/>
+            </a:endParaRPr>
+          </a:p>
+        </p:txBody>
+      </p:sp>
+    </p:spTree>
+    <p:extLst>
+      <p:ext uri="{BB962C8B-B14F-4D97-AF65-F5344CB8AC3E}">
+        <p14:creationId xmlns:p14="http://schemas.microsoft.com/office/powerpoint/2010/main" val="1090477035"/>
+      </p:ext>
+    </p:extLst>
+  </p:cSld>
+  <p:clrMapOvr>
+    <a:masterClrMapping/>
+  </p:clrMapOvr>
+</p:notes>
+</file>
+
+<file path=ppt/notesSlides/notesSlide15.xml><?xml version="1.0" encoding="utf-8"?>
+<p:notes xmlns:a="http://schemas.openxmlformats.org/drawingml/2006/main" xmlns:r="http://schemas.openxmlformats.org/officeDocument/2006/relationships" xmlns:p="http://schemas.openxmlformats.org/presentationml/2006/main">
+  <p:cSld>
+    <p:spTree>
+      <p:nvGrpSpPr>
+        <p:cNvPr id="1" name=""/>
+        <p:cNvGrpSpPr/>
+        <p:nvPr/>
+      </p:nvGrpSpPr>
+      <p:grpSpPr>
+        <a:xfrm>
+          <a:off x="0" y="0"/>
+          <a:ext cx="0" cy="0"/>
+          <a:chOff x="0" y="0"/>
+          <a:chExt cx="0" cy="0"/>
+        </a:xfrm>
+      </p:grpSpPr>
+      <p:sp>
+        <p:nvSpPr>
+          <p:cNvPr id="2" name="Образ слайда 1"/>
+          <p:cNvSpPr>
+            <a:spLocks noGrp="1" noRot="1" noChangeAspect="1"/>
+          </p:cNvSpPr>
+          <p:nvPr>
+            <p:ph type="sldImg"/>
+          </p:nvPr>
+        </p:nvSpPr>
+        <p:spPr/>
+      </p:sp>
+      <p:sp>
+        <p:nvSpPr>
+          <p:cNvPr id="3" name="Заметки 2"/>
+          <p:cNvSpPr>
+            <a:spLocks noGrp="1"/>
+          </p:cNvSpPr>
+          <p:nvPr>
+            <p:ph type="body" idx="1"/>
+          </p:nvPr>
+        </p:nvSpPr>
+        <p:spPr/>
+        <p:txBody>
+          <a:bodyPr/>
+          <a:lstStyle/>
+          <a:p>
+            <a:pPr marL="228600" indent="-228600">
+              <a:buAutoNum type="arabicPeriod"/>
+            </a:pPr>
+            <a:endParaRPr lang="ru-RU" dirty="0"/>
+          </a:p>
+        </p:txBody>
+      </p:sp>
+      <p:sp>
+        <p:nvSpPr>
+          <p:cNvPr id="4" name="Номер слайда 3"/>
+          <p:cNvSpPr>
+            <a:spLocks noGrp="1"/>
+          </p:cNvSpPr>
+          <p:nvPr>
+            <p:ph type="sldNum" sz="quarter" idx="10"/>
+          </p:nvPr>
+        </p:nvSpPr>
+        <p:spPr/>
+        <p:txBody>
+          <a:bodyPr/>
+          <a:lstStyle/>
+          <a:p>
+            <a:pPr marL="0" marR="0" lvl="0" indent="0" algn="r" defTabSz="914400" rtl="0" eaLnBrk="1" fontAlgn="auto" latinLnBrk="0" hangingPunct="1">
+              <a:lnSpc>
+                <a:spcPct val="100000"/>
+              </a:lnSpc>
+              <a:spcBef>
+                <a:spcPts val="0"/>
+              </a:spcBef>
+              <a:spcAft>
+                <a:spcPts val="0"/>
+              </a:spcAft>
+              <a:buClrTx/>
+              <a:buSzTx/>
+              <a:buFontTx/>
+              <a:buNone/>
+              <a:tabLst/>
+              <a:defRPr/>
+            </a:pPr>
+            <a:fld id="{622F1C9E-D65E-417E-9FEF-9AD7ACC20294}" type="slidenum">
+              <a:rPr kumimoji="0" lang="ru-RU" sz="1200" b="0" i="0" u="none" strike="noStrike" kern="1200" cap="none" spc="0" normalizeH="0" baseline="0" noProof="0" smtClean="0">
+                <a:ln>
+                  <a:noFill/>
+                </a:ln>
+                <a:solidFill>
+                  <a:prstClr val="black"/>
+                </a:solidFill>
+                <a:effectLst/>
+                <a:uLnTx/>
+                <a:uFillTx/>
+                <a:latin typeface="Calibri" panose="020F0502020204030204"/>
+                <a:ea typeface="+mn-ea"/>
+                <a:cs typeface="+mn-cs"/>
+              </a:rPr>
+              <a:pPr marL="0" marR="0" lvl="0" indent="0" algn="r" defTabSz="914400" rtl="0" eaLnBrk="1" fontAlgn="auto" latinLnBrk="0" hangingPunct="1">
+                <a:lnSpc>
+                  <a:spcPct val="100000"/>
+                </a:lnSpc>
+                <a:spcBef>
+                  <a:spcPts val="0"/>
+                </a:spcBef>
+                <a:spcAft>
+                  <a:spcPts val="0"/>
+                </a:spcAft>
+                <a:buClrTx/>
+                <a:buSzTx/>
+                <a:buFontTx/>
+                <a:buNone/>
+                <a:tabLst/>
+                <a:defRPr/>
+              </a:pPr>
+              <a:t>75</a:t>
+            </a:fld>
+            <a:endParaRPr kumimoji="0" lang="ru-RU" sz="1200" b="0" i="0" u="none" strike="noStrike" kern="1200" cap="none" spc="0" normalizeH="0" baseline="0" noProof="0">
+              <a:ln>
+                <a:noFill/>
+              </a:ln>
+              <a:solidFill>
+                <a:prstClr val="black"/>
+              </a:solidFill>
+              <a:effectLst/>
+              <a:uLnTx/>
+              <a:uFillTx/>
+              <a:latin typeface="Calibri" panose="020F0502020204030204"/>
+              <a:ea typeface="+mn-ea"/>
+              <a:cs typeface="+mn-cs"/>
+            </a:endParaRPr>
+          </a:p>
+        </p:txBody>
+      </p:sp>
+    </p:spTree>
+    <p:extLst>
+      <p:ext uri="{BB962C8B-B14F-4D97-AF65-F5344CB8AC3E}">
+        <p14:creationId xmlns:p14="http://schemas.microsoft.com/office/powerpoint/2010/main" val="2866029198"/>
+      </p:ext>
+    </p:extLst>
+  </p:cSld>
+  <p:clrMapOvr>
+    <a:masterClrMapping/>
+  </p:clrMapOvr>
+</p:notes>
+</file>
+
+<file path=ppt/notesSlides/notesSlide16.xml><?xml version="1.0" encoding="utf-8"?>
+<p:notes xmlns:a="http://schemas.openxmlformats.org/drawingml/2006/main" xmlns:r="http://schemas.openxmlformats.org/officeDocument/2006/relationships" xmlns:p="http://schemas.openxmlformats.org/presentationml/2006/main">
+  <p:cSld>
+    <p:spTree>
+      <p:nvGrpSpPr>
+        <p:cNvPr id="1" name=""/>
+        <p:cNvGrpSpPr/>
+        <p:nvPr/>
+      </p:nvGrpSpPr>
+      <p:grpSpPr>
+        <a:xfrm>
+          <a:off x="0" y="0"/>
+          <a:ext cx="0" cy="0"/>
+          <a:chOff x="0" y="0"/>
+          <a:chExt cx="0" cy="0"/>
+        </a:xfrm>
+      </p:grpSpPr>
+      <p:sp>
+        <p:nvSpPr>
+          <p:cNvPr id="2" name="Образ слайда 1"/>
+          <p:cNvSpPr>
+            <a:spLocks noGrp="1" noRot="1" noChangeAspect="1"/>
+          </p:cNvSpPr>
+          <p:nvPr>
+            <p:ph type="sldImg"/>
+          </p:nvPr>
+        </p:nvSpPr>
+        <p:spPr/>
+      </p:sp>
+      <p:sp>
+        <p:nvSpPr>
+          <p:cNvPr id="3" name="Заметки 2"/>
+          <p:cNvSpPr>
+            <a:spLocks noGrp="1"/>
+          </p:cNvSpPr>
+          <p:nvPr>
+            <p:ph type="body" idx="1"/>
+          </p:nvPr>
+        </p:nvSpPr>
+        <p:spPr/>
+        <p:txBody>
+          <a:bodyPr/>
+          <a:lstStyle/>
+          <a:p>
+            <a:pPr marL="228600" indent="-228600">
+              <a:buAutoNum type="arabicPeriod"/>
+            </a:pPr>
+            <a:r>
+              <a:rPr lang="ru-RU" sz="1200" b="0" i="0" kern="1200" dirty="0" smtClean="0">
+                <a:solidFill>
+                  <a:schemeClr val="tx1"/>
+                </a:solidFill>
+                <a:effectLst/>
+                <a:latin typeface="+mn-lt"/>
+                <a:ea typeface="+mn-ea"/>
+                <a:cs typeface="+mn-cs"/>
+              </a:rPr>
+              <a:t>Популярной техникой работы с </a:t>
+            </a:r>
+            <a:r>
+              <a:rPr lang="ru-RU" sz="1200" b="0" i="0" kern="1200" dirty="0" err="1" smtClean="0">
+                <a:solidFill>
+                  <a:schemeClr val="tx1"/>
+                </a:solidFill>
+                <a:effectLst/>
+                <a:latin typeface="+mn-lt"/>
+                <a:ea typeface="+mn-ea"/>
+                <a:cs typeface="+mn-cs"/>
+              </a:rPr>
+              <a:t>union</a:t>
+            </a:r>
+            <a:r>
+              <a:rPr lang="ru-RU" sz="1200" b="0" i="0" kern="1200" dirty="0" smtClean="0">
+                <a:solidFill>
+                  <a:schemeClr val="tx1"/>
+                </a:solidFill>
+                <a:effectLst/>
+                <a:latin typeface="+mn-lt"/>
+                <a:ea typeface="+mn-ea"/>
+                <a:cs typeface="+mn-cs"/>
+              </a:rPr>
+              <a:t> является выделение единого поля, которое использует литеральный тип, благодаря которому </a:t>
+            </a:r>
+            <a:r>
+              <a:rPr lang="ru-RU" sz="1200" b="0" i="0" kern="1200" dirty="0" err="1" smtClean="0">
+                <a:solidFill>
+                  <a:schemeClr val="tx1"/>
+                </a:solidFill>
+                <a:effectLst/>
+                <a:latin typeface="+mn-lt"/>
+                <a:ea typeface="+mn-ea"/>
+                <a:cs typeface="+mn-cs"/>
+              </a:rPr>
+              <a:t>TypeScript</a:t>
+            </a:r>
+            <a:r>
+              <a:rPr lang="ru-RU" sz="1200" b="0" i="0" kern="1200" dirty="0" smtClean="0">
+                <a:solidFill>
+                  <a:schemeClr val="tx1"/>
+                </a:solidFill>
+                <a:effectLst/>
+                <a:latin typeface="+mn-lt"/>
+                <a:ea typeface="+mn-ea"/>
+                <a:cs typeface="+mn-cs"/>
+              </a:rPr>
+              <a:t> может сузить </a:t>
+            </a:r>
+            <a:r>
+              <a:rPr lang="ru-RU" sz="1200" b="0" i="0" kern="1200" dirty="0" err="1" smtClean="0">
+                <a:solidFill>
+                  <a:schemeClr val="tx1"/>
+                </a:solidFill>
+                <a:effectLst/>
+                <a:latin typeface="+mn-lt"/>
+                <a:ea typeface="+mn-ea"/>
+                <a:cs typeface="+mn-cs"/>
+              </a:rPr>
+              <a:t>union</a:t>
+            </a:r>
+            <a:r>
+              <a:rPr lang="ru-RU" sz="1200" b="0" i="0" kern="1200" dirty="0" smtClean="0">
+                <a:solidFill>
+                  <a:schemeClr val="tx1"/>
+                </a:solidFill>
+                <a:effectLst/>
+                <a:latin typeface="+mn-lt"/>
+                <a:ea typeface="+mn-ea"/>
+                <a:cs typeface="+mn-cs"/>
+              </a:rPr>
+              <a:t> до конкретного типа</a:t>
+            </a:r>
+            <a:r>
+              <a:rPr lang="en-US" sz="1200" b="0" i="0" kern="1200" dirty="0" smtClean="0">
+                <a:solidFill>
+                  <a:schemeClr val="tx1"/>
+                </a:solidFill>
+                <a:effectLst/>
+                <a:latin typeface="+mn-lt"/>
+                <a:ea typeface="+mn-ea"/>
+                <a:cs typeface="+mn-cs"/>
+              </a:rPr>
+              <a:t>*</a:t>
+            </a:r>
+          </a:p>
+          <a:p>
+            <a:pPr marL="228600" indent="-228600">
+              <a:buAutoNum type="arabicPeriod"/>
+            </a:pPr>
+            <a:endParaRPr lang="en-US" sz="1200" b="0" i="0" kern="1200" dirty="0" smtClean="0">
+              <a:solidFill>
+                <a:schemeClr val="tx1"/>
+              </a:solidFill>
+              <a:effectLst/>
+              <a:latin typeface="+mn-lt"/>
+              <a:ea typeface="+mn-ea"/>
+              <a:cs typeface="+mn-cs"/>
+            </a:endParaRPr>
+          </a:p>
+          <a:p>
+            <a:pPr rtl="0" fontAlgn="base"/>
+            <a:r>
+              <a:rPr lang="ru-RU" sz="1200" b="0" i="0" kern="1200" dirty="0" smtClean="0">
+                <a:solidFill>
+                  <a:schemeClr val="tx1"/>
+                </a:solidFill>
+                <a:effectLst/>
+                <a:latin typeface="+mn-lt"/>
+                <a:ea typeface="+mn-ea"/>
+                <a:cs typeface="+mn-cs"/>
+              </a:rPr>
+              <a:t>Задание: написать функцию </a:t>
+            </a:r>
+            <a:r>
+              <a:rPr lang="ru-RU" sz="1200" b="0" i="0" kern="1200" dirty="0" err="1" smtClean="0">
+                <a:solidFill>
+                  <a:schemeClr val="tx1"/>
+                </a:solidFill>
+                <a:effectLst/>
+                <a:latin typeface="+mn-lt"/>
+                <a:ea typeface="+mn-ea"/>
+                <a:cs typeface="+mn-cs"/>
+              </a:rPr>
+              <a:t>countBy</a:t>
+            </a:r>
+            <a:r>
+              <a:rPr lang="ru-RU" sz="1200" b="0" i="0" kern="1200" dirty="0" smtClean="0">
+                <a:solidFill>
+                  <a:schemeClr val="tx1"/>
+                </a:solidFill>
+                <a:effectLst/>
+                <a:latin typeface="+mn-lt"/>
+                <a:ea typeface="+mn-ea"/>
+                <a:cs typeface="+mn-cs"/>
+              </a:rPr>
+              <a:t> </a:t>
+            </a:r>
+            <a:r>
+              <a:rPr lang="ru-RU" sz="1200" b="0" i="0" u="sng" strike="noStrike" kern="1200" dirty="0" smtClean="0">
+                <a:solidFill>
+                  <a:schemeClr val="tx1"/>
+                </a:solidFill>
+                <a:effectLst/>
+                <a:latin typeface="+mn-lt"/>
+                <a:ea typeface="+mn-ea"/>
+                <a:cs typeface="+mn-cs"/>
+                <a:hlinkClick r:id="rId3"/>
+              </a:rPr>
+              <a:t>https://lodash.com/docs/4.17.15#countBy</a:t>
+            </a:r>
+            <a:r>
+              <a:rPr lang="ru-RU" sz="1200" b="0" i="0" kern="1200" dirty="0" smtClean="0">
+                <a:solidFill>
+                  <a:schemeClr val="tx1"/>
+                </a:solidFill>
+                <a:effectLst/>
+                <a:latin typeface="+mn-lt"/>
+                <a:ea typeface="+mn-ea"/>
+                <a:cs typeface="+mn-cs"/>
+              </a:rPr>
+              <a:t> </a:t>
+            </a:r>
+            <a:endParaRPr lang="en-US" sz="1200" b="0" i="0" kern="1200" dirty="0" smtClean="0">
+              <a:solidFill>
+                <a:schemeClr val="tx1"/>
+              </a:solidFill>
+              <a:effectLst/>
+              <a:latin typeface="+mn-lt"/>
+              <a:ea typeface="+mn-ea"/>
+              <a:cs typeface="+mn-cs"/>
+            </a:endParaRPr>
+          </a:p>
+          <a:p>
+            <a:pPr rtl="0" fontAlgn="base"/>
+            <a:endParaRPr lang="ru-RU" sz="1200" b="0" i="0" kern="1200" dirty="0" smtClean="0">
+              <a:solidFill>
+                <a:schemeClr val="tx1"/>
+              </a:solidFill>
+              <a:effectLst/>
+              <a:latin typeface="+mn-lt"/>
+              <a:ea typeface="+mn-ea"/>
+              <a:cs typeface="+mn-cs"/>
+            </a:endParaRPr>
+          </a:p>
+          <a:p>
+            <a:pPr rtl="0" fontAlgn="base"/>
+            <a:r>
+              <a:rPr lang="ru-RU" sz="1200" b="0" i="0" kern="1200" dirty="0" smtClean="0">
+                <a:solidFill>
+                  <a:schemeClr val="tx1"/>
+                </a:solidFill>
+                <a:effectLst/>
+                <a:latin typeface="+mn-lt"/>
+                <a:ea typeface="+mn-ea"/>
+                <a:cs typeface="+mn-cs"/>
+              </a:rPr>
+              <a:t>Задание со звездочкой: написать </a:t>
+            </a:r>
+            <a:r>
+              <a:rPr lang="ru-RU" sz="1200" b="0" i="0" kern="1200" dirty="0" err="1" smtClean="0">
+                <a:solidFill>
+                  <a:schemeClr val="tx1"/>
+                </a:solidFill>
+                <a:effectLst/>
+                <a:latin typeface="+mn-lt"/>
+                <a:ea typeface="+mn-ea"/>
+                <a:cs typeface="+mn-cs"/>
+              </a:rPr>
+              <a:t>редюсер</a:t>
+            </a:r>
+            <a:r>
+              <a:rPr lang="ru-RU" sz="1200" b="0" i="0" kern="1200" dirty="0" smtClean="0">
+                <a:solidFill>
+                  <a:schemeClr val="tx1"/>
+                </a:solidFill>
+                <a:effectLst/>
+                <a:latin typeface="+mn-lt"/>
+                <a:ea typeface="+mn-ea"/>
+                <a:cs typeface="+mn-cs"/>
+              </a:rPr>
+              <a:t> над действиями сотрудников с использованием </a:t>
+            </a:r>
+            <a:r>
+              <a:rPr lang="ru-RU" sz="1200" b="0" i="0" kern="1200" dirty="0" err="1" smtClean="0">
+                <a:solidFill>
+                  <a:schemeClr val="tx1"/>
+                </a:solidFill>
+                <a:effectLst/>
+                <a:latin typeface="+mn-lt"/>
+                <a:ea typeface="+mn-ea"/>
+                <a:cs typeface="+mn-cs"/>
+              </a:rPr>
+              <a:t>discriminated</a:t>
+            </a:r>
+            <a:r>
+              <a:rPr lang="ru-RU" sz="1200" b="0" i="0" kern="1200" dirty="0" smtClean="0">
+                <a:solidFill>
+                  <a:schemeClr val="tx1"/>
+                </a:solidFill>
+                <a:effectLst/>
+                <a:latin typeface="+mn-lt"/>
+                <a:ea typeface="+mn-ea"/>
+                <a:cs typeface="+mn-cs"/>
+              </a:rPr>
+              <a:t> техники. </a:t>
+            </a:r>
+          </a:p>
+          <a:p>
+            <a:pPr marL="228600" indent="-228600">
+              <a:buAutoNum type="arabicPeriod"/>
+            </a:pPr>
+            <a:endParaRPr lang="ru-RU" dirty="0"/>
+          </a:p>
+        </p:txBody>
+      </p:sp>
+      <p:sp>
+        <p:nvSpPr>
+          <p:cNvPr id="4" name="Номер слайда 3"/>
+          <p:cNvSpPr>
+            <a:spLocks noGrp="1"/>
+          </p:cNvSpPr>
+          <p:nvPr>
+            <p:ph type="sldNum" sz="quarter" idx="10"/>
+          </p:nvPr>
+        </p:nvSpPr>
+        <p:spPr/>
+        <p:txBody>
+          <a:bodyPr/>
+          <a:lstStyle/>
+          <a:p>
+            <a:pPr marL="0" marR="0" lvl="0" indent="0" algn="r" defTabSz="914400" rtl="0" eaLnBrk="1" fontAlgn="auto" latinLnBrk="0" hangingPunct="1">
+              <a:lnSpc>
+                <a:spcPct val="100000"/>
+              </a:lnSpc>
+              <a:spcBef>
+                <a:spcPts val="0"/>
+              </a:spcBef>
+              <a:spcAft>
+                <a:spcPts val="0"/>
+              </a:spcAft>
+              <a:buClrTx/>
+              <a:buSzTx/>
+              <a:buFontTx/>
+              <a:buNone/>
+              <a:tabLst/>
+              <a:defRPr/>
+            </a:pPr>
+            <a:fld id="{622F1C9E-D65E-417E-9FEF-9AD7ACC20294}" type="slidenum">
+              <a:rPr kumimoji="0" lang="ru-RU" sz="1200" b="0" i="0" u="none" strike="noStrike" kern="1200" cap="none" spc="0" normalizeH="0" baseline="0" noProof="0" smtClean="0">
+                <a:ln>
+                  <a:noFill/>
+                </a:ln>
+                <a:solidFill>
+                  <a:prstClr val="black"/>
+                </a:solidFill>
+                <a:effectLst/>
+                <a:uLnTx/>
+                <a:uFillTx/>
+                <a:latin typeface="Calibri" panose="020F0502020204030204"/>
+                <a:ea typeface="+mn-ea"/>
+                <a:cs typeface="+mn-cs"/>
+              </a:rPr>
+              <a:pPr marL="0" marR="0" lvl="0" indent="0" algn="r" defTabSz="914400" rtl="0" eaLnBrk="1" fontAlgn="auto" latinLnBrk="0" hangingPunct="1">
+                <a:lnSpc>
+                  <a:spcPct val="100000"/>
+                </a:lnSpc>
+                <a:spcBef>
+                  <a:spcPts val="0"/>
+                </a:spcBef>
+                <a:spcAft>
+                  <a:spcPts val="0"/>
+                </a:spcAft>
+                <a:buClrTx/>
+                <a:buSzTx/>
+                <a:buFontTx/>
+                <a:buNone/>
+                <a:tabLst/>
+                <a:defRPr/>
+              </a:pPr>
+              <a:t>76</a:t>
+            </a:fld>
+            <a:endParaRPr kumimoji="0" lang="ru-RU" sz="1200" b="0" i="0" u="none" strike="noStrike" kern="1200" cap="none" spc="0" normalizeH="0" baseline="0" noProof="0">
+              <a:ln>
+                <a:noFill/>
+              </a:ln>
+              <a:solidFill>
+                <a:prstClr val="black"/>
+              </a:solidFill>
+              <a:effectLst/>
+              <a:uLnTx/>
+              <a:uFillTx/>
+              <a:latin typeface="Calibri" panose="020F0502020204030204"/>
+              <a:ea typeface="+mn-ea"/>
+              <a:cs typeface="+mn-cs"/>
+            </a:endParaRPr>
+          </a:p>
+        </p:txBody>
+      </p:sp>
+    </p:spTree>
+    <p:extLst>
+      <p:ext uri="{BB962C8B-B14F-4D97-AF65-F5344CB8AC3E}">
+        <p14:creationId xmlns:p14="http://schemas.microsoft.com/office/powerpoint/2010/main" val="1176591930"/>
+      </p:ext>
+    </p:extLst>
+  </p:cSld>
+  <p:clrMapOvr>
+    <a:masterClrMapping/>
+  </p:clrMapOvr>
+</p:notes>
+</file>
+
+<file path=ppt/notesSlides/notesSlide17.xml><?xml version="1.0" encoding="utf-8"?>
+<p:notes xmlns:a="http://schemas.openxmlformats.org/drawingml/2006/main" xmlns:r="http://schemas.openxmlformats.org/officeDocument/2006/relationships" xmlns:p="http://schemas.openxmlformats.org/presentationml/2006/main">
+  <p:cSld>
+    <p:spTree>
+      <p:nvGrpSpPr>
+        <p:cNvPr id="1" name=""/>
+        <p:cNvGrpSpPr/>
+        <p:nvPr/>
+      </p:nvGrpSpPr>
+      <p:grpSpPr>
+        <a:xfrm>
+          <a:off x="0" y="0"/>
+          <a:ext cx="0" cy="0"/>
+          <a:chOff x="0" y="0"/>
+          <a:chExt cx="0" cy="0"/>
+        </a:xfrm>
+      </p:grpSpPr>
+      <p:sp>
+        <p:nvSpPr>
+          <p:cNvPr id="2" name="Образ слайда 1"/>
+          <p:cNvSpPr>
+            <a:spLocks noGrp="1" noRot="1" noChangeAspect="1"/>
+          </p:cNvSpPr>
+          <p:nvPr>
+            <p:ph type="sldImg"/>
+          </p:nvPr>
+        </p:nvSpPr>
+        <p:spPr/>
+      </p:sp>
+      <p:sp>
+        <p:nvSpPr>
+          <p:cNvPr id="3" name="Заметки 2"/>
+          <p:cNvSpPr>
+            <a:spLocks noGrp="1"/>
+          </p:cNvSpPr>
+          <p:nvPr>
+            <p:ph type="body" idx="1"/>
+          </p:nvPr>
+        </p:nvSpPr>
+        <p:spPr/>
+        <p:txBody>
+          <a:bodyPr/>
+          <a:lstStyle/>
+          <a:p>
+            <a:pPr marL="228600" indent="-228600">
+              <a:buAutoNum type="arabicPeriod"/>
+            </a:pPr>
+            <a:r>
+              <a:rPr lang="en-US" sz="1200" b="0" i="0" kern="1200" dirty="0" smtClean="0">
+                <a:solidFill>
+                  <a:schemeClr val="tx1"/>
+                </a:solidFill>
+                <a:effectLst/>
+                <a:latin typeface="+mn-lt"/>
+                <a:ea typeface="+mn-ea"/>
+                <a:cs typeface="+mn-cs"/>
+              </a:rPr>
+              <a:t>I</a:t>
+            </a:r>
+            <a:r>
+              <a:rPr lang="ru-RU" sz="1200" b="0" i="0" kern="1200" dirty="0" err="1" smtClean="0">
+                <a:solidFill>
+                  <a:schemeClr val="tx1"/>
+                </a:solidFill>
+                <a:effectLst/>
+                <a:latin typeface="+mn-lt"/>
+                <a:ea typeface="+mn-ea"/>
+                <a:cs typeface="+mn-cs"/>
+              </a:rPr>
+              <a:t>ntersection</a:t>
+            </a:r>
+            <a:r>
+              <a:rPr lang="ru-RU" sz="1200" b="0" i="0" kern="1200" dirty="0" smtClean="0">
+                <a:solidFill>
+                  <a:schemeClr val="tx1"/>
+                </a:solidFill>
+                <a:effectLst/>
+                <a:latin typeface="+mn-lt"/>
+                <a:ea typeface="+mn-ea"/>
+                <a:cs typeface="+mn-cs"/>
+              </a:rPr>
+              <a:t> очень тесно связаны с </a:t>
+            </a:r>
+            <a:r>
+              <a:rPr lang="ru-RU" sz="1200" b="0" i="0" kern="1200" dirty="0" err="1" smtClean="0">
+                <a:solidFill>
+                  <a:schemeClr val="tx1"/>
+                </a:solidFill>
+                <a:effectLst/>
+                <a:latin typeface="+mn-lt"/>
+                <a:ea typeface="+mn-ea"/>
+                <a:cs typeface="+mn-cs"/>
+              </a:rPr>
+              <a:t>union</a:t>
+            </a:r>
+            <a:r>
+              <a:rPr lang="ru-RU" sz="1200" b="0" i="0" kern="1200" dirty="0" smtClean="0">
+                <a:solidFill>
+                  <a:schemeClr val="tx1"/>
+                </a:solidFill>
+                <a:effectLst/>
+                <a:latin typeface="+mn-lt"/>
+                <a:ea typeface="+mn-ea"/>
+                <a:cs typeface="+mn-cs"/>
+              </a:rPr>
+              <a:t> типами, но используются они в совершенно разных ситуациях</a:t>
+            </a:r>
+            <a:endParaRPr lang="ru-RU" dirty="0"/>
+          </a:p>
+        </p:txBody>
+      </p:sp>
+      <p:sp>
+        <p:nvSpPr>
+          <p:cNvPr id="4" name="Номер слайда 3"/>
+          <p:cNvSpPr>
+            <a:spLocks noGrp="1"/>
+          </p:cNvSpPr>
+          <p:nvPr>
+            <p:ph type="sldNum" sz="quarter" idx="10"/>
+          </p:nvPr>
+        </p:nvSpPr>
+        <p:spPr/>
+        <p:txBody>
+          <a:bodyPr/>
+          <a:lstStyle/>
+          <a:p>
+            <a:pPr marL="0" marR="0" lvl="0" indent="0" algn="r" defTabSz="914400" rtl="0" eaLnBrk="1" fontAlgn="auto" latinLnBrk="0" hangingPunct="1">
+              <a:lnSpc>
+                <a:spcPct val="100000"/>
+              </a:lnSpc>
+              <a:spcBef>
+                <a:spcPts val="0"/>
+              </a:spcBef>
+              <a:spcAft>
+                <a:spcPts val="0"/>
+              </a:spcAft>
+              <a:buClrTx/>
+              <a:buSzTx/>
+              <a:buFontTx/>
+              <a:buNone/>
+              <a:tabLst/>
+              <a:defRPr/>
+            </a:pPr>
+            <a:fld id="{622F1C9E-D65E-417E-9FEF-9AD7ACC20294}" type="slidenum">
+              <a:rPr kumimoji="0" lang="ru-RU" sz="1200" b="0" i="0" u="none" strike="noStrike" kern="1200" cap="none" spc="0" normalizeH="0" baseline="0" noProof="0" smtClean="0">
+                <a:ln>
+                  <a:noFill/>
+                </a:ln>
+                <a:solidFill>
+                  <a:prstClr val="black"/>
+                </a:solidFill>
+                <a:effectLst/>
+                <a:uLnTx/>
+                <a:uFillTx/>
+                <a:latin typeface="Calibri" panose="020F0502020204030204"/>
+                <a:ea typeface="+mn-ea"/>
+                <a:cs typeface="+mn-cs"/>
+              </a:rPr>
+              <a:pPr marL="0" marR="0" lvl="0" indent="0" algn="r" defTabSz="914400" rtl="0" eaLnBrk="1" fontAlgn="auto" latinLnBrk="0" hangingPunct="1">
+                <a:lnSpc>
+                  <a:spcPct val="100000"/>
+                </a:lnSpc>
+                <a:spcBef>
+                  <a:spcPts val="0"/>
+                </a:spcBef>
+                <a:spcAft>
+                  <a:spcPts val="0"/>
+                </a:spcAft>
+                <a:buClrTx/>
+                <a:buSzTx/>
+                <a:buFontTx/>
+                <a:buNone/>
+                <a:tabLst/>
+                <a:defRPr/>
+              </a:pPr>
+              <a:t>77</a:t>
+            </a:fld>
+            <a:endParaRPr kumimoji="0" lang="ru-RU" sz="1200" b="0" i="0" u="none" strike="noStrike" kern="1200" cap="none" spc="0" normalizeH="0" baseline="0" noProof="0">
+              <a:ln>
+                <a:noFill/>
+              </a:ln>
+              <a:solidFill>
+                <a:prstClr val="black"/>
+              </a:solidFill>
+              <a:effectLst/>
+              <a:uLnTx/>
+              <a:uFillTx/>
+              <a:latin typeface="Calibri" panose="020F0502020204030204"/>
+              <a:ea typeface="+mn-ea"/>
+              <a:cs typeface="+mn-cs"/>
+            </a:endParaRPr>
+          </a:p>
+        </p:txBody>
+      </p:sp>
+    </p:spTree>
+    <p:extLst>
+      <p:ext uri="{BB962C8B-B14F-4D97-AF65-F5344CB8AC3E}">
+        <p14:creationId xmlns:p14="http://schemas.microsoft.com/office/powerpoint/2010/main" val="1059933947"/>
+      </p:ext>
+    </p:extLst>
+  </p:cSld>
+  <p:clrMapOvr>
+    <a:masterClrMapping/>
+  </p:clrMapOvr>
+</p:notes>
+</file>
+
+<file path=ppt/notesSlides/notesSlide18.xml><?xml version="1.0" encoding="utf-8"?>
+<p:notes xmlns:a="http://schemas.openxmlformats.org/drawingml/2006/main" xmlns:r="http://schemas.openxmlformats.org/officeDocument/2006/relationships" xmlns:p="http://schemas.openxmlformats.org/presentationml/2006/main">
+  <p:cSld>
+    <p:spTree>
+      <p:nvGrpSpPr>
+        <p:cNvPr id="1" name=""/>
+        <p:cNvGrpSpPr/>
+        <p:nvPr/>
+      </p:nvGrpSpPr>
+      <p:grpSpPr>
+        <a:xfrm>
+          <a:off x="0" y="0"/>
+          <a:ext cx="0" cy="0"/>
+          <a:chOff x="0" y="0"/>
+          <a:chExt cx="0" cy="0"/>
+        </a:xfrm>
+      </p:grpSpPr>
+      <p:sp>
+        <p:nvSpPr>
+          <p:cNvPr id="2" name="Образ слайда 1"/>
+          <p:cNvSpPr>
+            <a:spLocks noGrp="1" noRot="1" noChangeAspect="1"/>
+          </p:cNvSpPr>
+          <p:nvPr>
+            <p:ph type="sldImg"/>
+          </p:nvPr>
+        </p:nvSpPr>
+        <p:spPr/>
+      </p:sp>
+      <p:sp>
+        <p:nvSpPr>
+          <p:cNvPr id="3" name="Заметки 2"/>
+          <p:cNvSpPr>
+            <a:spLocks noGrp="1"/>
+          </p:cNvSpPr>
+          <p:nvPr>
+            <p:ph type="body" idx="1"/>
+          </p:nvPr>
+        </p:nvSpPr>
+        <p:spPr/>
+        <p:txBody>
+          <a:bodyPr/>
+          <a:lstStyle/>
+          <a:p>
+            <a:pPr marL="228600" indent="-228600">
+              <a:buAutoNum type="arabicPeriod"/>
+            </a:pPr>
+            <a:r>
+              <a:rPr lang="ru-RU" sz="1200" b="0" i="0" kern="1200" dirty="0" smtClean="0">
+                <a:solidFill>
+                  <a:schemeClr val="tx1"/>
+                </a:solidFill>
+                <a:effectLst/>
+                <a:latin typeface="+mn-lt"/>
+                <a:ea typeface="+mn-ea"/>
+                <a:cs typeface="+mn-cs"/>
+              </a:rPr>
+              <a:t>Это позволяет сливать вместе уже существующие типы для того чтобы получить тот, который имеет все свойства в себе. Например, </a:t>
+            </a:r>
+            <a:r>
+              <a:rPr lang="ru-RU" sz="1200" b="0" i="0" kern="1200" dirty="0" err="1" smtClean="0">
+                <a:solidFill>
+                  <a:schemeClr val="tx1"/>
+                </a:solidFill>
+                <a:effectLst/>
+                <a:latin typeface="+mn-lt"/>
+                <a:ea typeface="+mn-ea"/>
+                <a:cs typeface="+mn-cs"/>
+              </a:rPr>
+              <a:t>Person</a:t>
+            </a:r>
+            <a:r>
+              <a:rPr lang="ru-RU" sz="1200" b="0" i="0" kern="1200" dirty="0" smtClean="0">
+                <a:solidFill>
+                  <a:schemeClr val="tx1"/>
+                </a:solidFill>
+                <a:effectLst/>
+                <a:latin typeface="+mn-lt"/>
+                <a:ea typeface="+mn-ea"/>
+                <a:cs typeface="+mn-cs"/>
+              </a:rPr>
+              <a:t> &amp; </a:t>
+            </a:r>
+            <a:r>
+              <a:rPr lang="ru-RU" sz="1200" b="0" i="0" kern="1200" dirty="0" err="1" smtClean="0">
+                <a:solidFill>
+                  <a:schemeClr val="tx1"/>
+                </a:solidFill>
+                <a:effectLst/>
+                <a:latin typeface="+mn-lt"/>
+                <a:ea typeface="+mn-ea"/>
+                <a:cs typeface="+mn-cs"/>
+              </a:rPr>
+              <a:t>Serializable</a:t>
+            </a:r>
+            <a:r>
+              <a:rPr lang="ru-RU" sz="1200" b="0" i="0" kern="1200" dirty="0" smtClean="0">
+                <a:solidFill>
+                  <a:schemeClr val="tx1"/>
+                </a:solidFill>
+                <a:effectLst/>
+                <a:latin typeface="+mn-lt"/>
+                <a:ea typeface="+mn-ea"/>
+                <a:cs typeface="+mn-cs"/>
+              </a:rPr>
+              <a:t> &amp; </a:t>
+            </a:r>
+            <a:r>
+              <a:rPr lang="ru-RU" sz="1200" b="0" i="0" kern="1200" dirty="0" err="1" smtClean="0">
+                <a:solidFill>
+                  <a:schemeClr val="tx1"/>
+                </a:solidFill>
+                <a:effectLst/>
+                <a:latin typeface="+mn-lt"/>
+                <a:ea typeface="+mn-ea"/>
+                <a:cs typeface="+mn-cs"/>
+              </a:rPr>
+              <a:t>Loggable</a:t>
+            </a:r>
+            <a:r>
+              <a:rPr lang="ru-RU" sz="1200" b="0" i="0" kern="1200" dirty="0" smtClean="0">
+                <a:solidFill>
+                  <a:schemeClr val="tx1"/>
+                </a:solidFill>
+                <a:effectLst/>
+                <a:latin typeface="+mn-lt"/>
+                <a:ea typeface="+mn-ea"/>
+                <a:cs typeface="+mn-cs"/>
+              </a:rPr>
+              <a:t> это тип, который имеет все свойства каждого из указанных типов.</a:t>
+            </a:r>
+            <a:r>
+              <a:rPr lang="en-US" sz="1200" b="0" i="0" kern="1200" dirty="0" smtClean="0">
+                <a:solidFill>
+                  <a:schemeClr val="tx1"/>
+                </a:solidFill>
+                <a:effectLst/>
+                <a:latin typeface="+mn-lt"/>
+                <a:ea typeface="+mn-ea"/>
+                <a:cs typeface="+mn-cs"/>
+              </a:rPr>
+              <a:t>*</a:t>
+            </a:r>
+          </a:p>
+          <a:p>
+            <a:pPr marL="228600" indent="-228600">
+              <a:buAutoNum type="arabicPeriod"/>
+            </a:pPr>
+            <a:r>
+              <a:rPr lang="ru-RU" sz="1200" b="0" i="0" kern="1200" dirty="0" smtClean="0">
+                <a:solidFill>
+                  <a:schemeClr val="tx1"/>
+                </a:solidFill>
+                <a:effectLst/>
+                <a:latin typeface="+mn-lt"/>
+                <a:ea typeface="+mn-ea"/>
+                <a:cs typeface="+mn-cs"/>
+              </a:rPr>
+              <a:t>При попытке слияния типов с одинаковыми свойствами, будут также слиты типы этих свойств. Слово слиты здесь подходит не очень хорошо, на самом деле произойдет пересечение свойств данных типов. Взглянем на пример</a:t>
+            </a:r>
+            <a:r>
+              <a:rPr lang="en-US" sz="1200" b="0" i="0" kern="1200" dirty="0" smtClean="0">
+                <a:solidFill>
+                  <a:schemeClr val="tx1"/>
+                </a:solidFill>
+                <a:effectLst/>
+                <a:latin typeface="+mn-lt"/>
+                <a:ea typeface="+mn-ea"/>
+                <a:cs typeface="+mn-cs"/>
+              </a:rPr>
+              <a:t>*</a:t>
+            </a:r>
+          </a:p>
+          <a:p>
+            <a:pPr marL="228600" indent="-228600">
+              <a:buAutoNum type="arabicPeriod"/>
+            </a:pPr>
+            <a:endParaRPr lang="en-US" sz="1200" b="0" i="0" kern="1200" dirty="0" smtClean="0">
+              <a:solidFill>
+                <a:schemeClr val="tx1"/>
+              </a:solidFill>
+              <a:effectLst/>
+              <a:latin typeface="+mn-lt"/>
+              <a:ea typeface="+mn-ea"/>
+              <a:cs typeface="+mn-cs"/>
+            </a:endParaRPr>
+          </a:p>
+          <a:p>
+            <a:pPr marL="228600" indent="-228600">
+              <a:buAutoNum type="arabicPeriod"/>
+            </a:pPr>
+            <a:r>
+              <a:rPr lang="ru-RU" sz="1200" b="0" i="0" kern="1200" dirty="0" smtClean="0">
+                <a:solidFill>
+                  <a:schemeClr val="tx1"/>
+                </a:solidFill>
+                <a:effectLst/>
+                <a:latin typeface="+mn-lt"/>
+                <a:ea typeface="+mn-ea"/>
+                <a:cs typeface="+mn-cs"/>
+              </a:rPr>
+              <a:t>Задание: написать общую функцию обработки ошибок </a:t>
+            </a:r>
+            <a:endParaRPr lang="en-US" sz="1200" b="0" i="0" kern="1200" dirty="0" smtClean="0">
+              <a:solidFill>
+                <a:schemeClr val="tx1"/>
+              </a:solidFill>
+              <a:effectLst/>
+              <a:latin typeface="+mn-lt"/>
+              <a:ea typeface="+mn-ea"/>
+              <a:cs typeface="+mn-cs"/>
+            </a:endParaRPr>
+          </a:p>
+          <a:p>
+            <a:pPr marL="228600" indent="-228600">
+              <a:buAutoNum type="arabicPeriod"/>
+            </a:pPr>
+            <a:r>
+              <a:rPr lang="ru-RU" sz="1200" b="0" i="0" kern="1200" dirty="0" smtClean="0">
+                <a:solidFill>
+                  <a:schemeClr val="tx1"/>
+                </a:solidFill>
+                <a:effectLst/>
+                <a:latin typeface="+mn-lt"/>
+                <a:ea typeface="+mn-ea"/>
+                <a:cs typeface="+mn-cs"/>
+              </a:rPr>
+              <a:t>Задание: описать тип </a:t>
+            </a:r>
+            <a:r>
+              <a:rPr lang="ru-RU" sz="1200" b="0" i="0" kern="1200" dirty="0" err="1" smtClean="0">
+                <a:solidFill>
+                  <a:schemeClr val="tx1"/>
+                </a:solidFill>
+                <a:effectLst/>
+                <a:latin typeface="+mn-lt"/>
+                <a:ea typeface="+mn-ea"/>
+                <a:cs typeface="+mn-cs"/>
+              </a:rPr>
+              <a:t>логирования</a:t>
+            </a:r>
+            <a:r>
+              <a:rPr lang="ru-RU" sz="1200" b="0" i="0" kern="1200" dirty="0" smtClean="0">
+                <a:solidFill>
+                  <a:schemeClr val="tx1"/>
+                </a:solidFill>
+                <a:effectLst/>
+                <a:latin typeface="+mn-lt"/>
+                <a:ea typeface="+mn-ea"/>
+                <a:cs typeface="+mn-cs"/>
+              </a:rPr>
+              <a:t>. </a:t>
+            </a:r>
+            <a:r>
+              <a:rPr lang="ru-RU" sz="1200" b="0" i="0" kern="1200" smtClean="0">
+                <a:solidFill>
+                  <a:schemeClr val="tx1"/>
+                </a:solidFill>
+                <a:effectLst/>
+                <a:latin typeface="+mn-lt"/>
+                <a:ea typeface="+mn-ea"/>
+                <a:cs typeface="+mn-cs"/>
+              </a:rPr>
+              <a:t>Написать функцию, которая принимает объект сотрудника и добавляет к нему данный функционал. </a:t>
+            </a:r>
+            <a:endParaRPr lang="ru-RU" dirty="0"/>
+          </a:p>
+        </p:txBody>
+      </p:sp>
+      <p:sp>
+        <p:nvSpPr>
+          <p:cNvPr id="4" name="Номер слайда 3"/>
+          <p:cNvSpPr>
+            <a:spLocks noGrp="1"/>
+          </p:cNvSpPr>
+          <p:nvPr>
+            <p:ph type="sldNum" sz="quarter" idx="10"/>
+          </p:nvPr>
+        </p:nvSpPr>
+        <p:spPr/>
+        <p:txBody>
+          <a:bodyPr/>
+          <a:lstStyle/>
+          <a:p>
+            <a:pPr marL="0" marR="0" lvl="0" indent="0" algn="r" defTabSz="914400" rtl="0" eaLnBrk="1" fontAlgn="auto" latinLnBrk="0" hangingPunct="1">
+              <a:lnSpc>
+                <a:spcPct val="100000"/>
+              </a:lnSpc>
+              <a:spcBef>
+                <a:spcPts val="0"/>
+              </a:spcBef>
+              <a:spcAft>
+                <a:spcPts val="0"/>
+              </a:spcAft>
+              <a:buClrTx/>
+              <a:buSzTx/>
+              <a:buFontTx/>
+              <a:buNone/>
+              <a:tabLst/>
+              <a:defRPr/>
+            </a:pPr>
+            <a:fld id="{622F1C9E-D65E-417E-9FEF-9AD7ACC20294}" type="slidenum">
+              <a:rPr kumimoji="0" lang="ru-RU" sz="1200" b="0" i="0" u="none" strike="noStrike" kern="1200" cap="none" spc="0" normalizeH="0" baseline="0" noProof="0" smtClean="0">
+                <a:ln>
+                  <a:noFill/>
+                </a:ln>
+                <a:solidFill>
+                  <a:prstClr val="black"/>
+                </a:solidFill>
+                <a:effectLst/>
+                <a:uLnTx/>
+                <a:uFillTx/>
+                <a:latin typeface="Calibri" panose="020F0502020204030204"/>
+                <a:ea typeface="+mn-ea"/>
+                <a:cs typeface="+mn-cs"/>
+              </a:rPr>
+              <a:pPr marL="0" marR="0" lvl="0" indent="0" algn="r" defTabSz="914400" rtl="0" eaLnBrk="1" fontAlgn="auto" latinLnBrk="0" hangingPunct="1">
+                <a:lnSpc>
+                  <a:spcPct val="100000"/>
+                </a:lnSpc>
+                <a:spcBef>
+                  <a:spcPts val="0"/>
+                </a:spcBef>
+                <a:spcAft>
+                  <a:spcPts val="0"/>
+                </a:spcAft>
+                <a:buClrTx/>
+                <a:buSzTx/>
+                <a:buFontTx/>
+                <a:buNone/>
+                <a:tabLst/>
+                <a:defRPr/>
+              </a:pPr>
+              <a:t>78</a:t>
+            </a:fld>
+            <a:endParaRPr kumimoji="0" lang="ru-RU" sz="1200" b="0" i="0" u="none" strike="noStrike" kern="1200" cap="none" spc="0" normalizeH="0" baseline="0" noProof="0">
+              <a:ln>
+                <a:noFill/>
+              </a:ln>
+              <a:solidFill>
+                <a:prstClr val="black"/>
+              </a:solidFill>
+              <a:effectLst/>
+              <a:uLnTx/>
+              <a:uFillTx/>
+              <a:latin typeface="Calibri" panose="020F0502020204030204"/>
+              <a:ea typeface="+mn-ea"/>
+              <a:cs typeface="+mn-cs"/>
+            </a:endParaRPr>
+          </a:p>
+        </p:txBody>
+      </p:sp>
+    </p:spTree>
+    <p:extLst>
+      <p:ext uri="{BB962C8B-B14F-4D97-AF65-F5344CB8AC3E}">
+        <p14:creationId xmlns:p14="http://schemas.microsoft.com/office/powerpoint/2010/main" val="3887511330"/>
+      </p:ext>
+    </p:extLst>
+  </p:cSld>
+  <p:clrMapOvr>
+    <a:masterClrMapping/>
+  </p:clrMapOvr>
+</p:notes>
+</file>
+
+<file path=ppt/notesSlides/notesSlide19.xml><?xml version="1.0" encoding="utf-8"?>
+<p:notes xmlns:a="http://schemas.openxmlformats.org/drawingml/2006/main" xmlns:r="http://schemas.openxmlformats.org/officeDocument/2006/relationships" xmlns:p="http://schemas.openxmlformats.org/presentationml/2006/main">
+  <p:cSld>
+    <p:spTree>
+      <p:nvGrpSpPr>
+        <p:cNvPr id="1" name=""/>
+        <p:cNvGrpSpPr/>
+        <p:nvPr/>
+      </p:nvGrpSpPr>
+      <p:grpSpPr>
+        <a:xfrm>
+          <a:off x="0" y="0"/>
+          <a:ext cx="0" cy="0"/>
+          <a:chOff x="0" y="0"/>
+          <a:chExt cx="0" cy="0"/>
+        </a:xfrm>
+      </p:grpSpPr>
+      <p:sp>
+        <p:nvSpPr>
+          <p:cNvPr id="2" name="Образ слайда 1"/>
+          <p:cNvSpPr>
+            <a:spLocks noGrp="1" noRot="1" noChangeAspect="1"/>
+          </p:cNvSpPr>
+          <p:nvPr>
+            <p:ph type="sldImg"/>
+          </p:nvPr>
+        </p:nvSpPr>
+        <p:spPr/>
+      </p:sp>
+      <p:sp>
+        <p:nvSpPr>
+          <p:cNvPr id="3" name="Заметки 2"/>
+          <p:cNvSpPr>
+            <a:spLocks noGrp="1"/>
+          </p:cNvSpPr>
+          <p:nvPr>
+            <p:ph type="body" idx="1"/>
+          </p:nvPr>
+        </p:nvSpPr>
+        <p:spPr/>
+        <p:txBody>
+          <a:bodyPr/>
+          <a:lstStyle/>
+          <a:p>
+            <a:pPr marL="228600" indent="-228600">
+              <a:buAutoNum type="arabicPeriod"/>
+            </a:pPr>
+            <a:r>
+              <a:rPr lang="ru-RU" sz="1200" b="0" i="0" kern="1200" dirty="0" smtClean="0">
+                <a:solidFill>
+                  <a:schemeClr val="tx1"/>
+                </a:solidFill>
+                <a:effectLst/>
+                <a:latin typeface="+mn-lt"/>
+                <a:ea typeface="+mn-ea"/>
+                <a:cs typeface="+mn-cs"/>
+              </a:rPr>
+              <a:t>Литеральным, называется любой конкретный тип, явно отражающий конкретное значение множества любого типа. Это означается что “</a:t>
+            </a:r>
+            <a:r>
+              <a:rPr lang="ru-RU" sz="1200" b="0" i="0" kern="1200" dirty="0" err="1" smtClean="0">
+                <a:solidFill>
+                  <a:schemeClr val="tx1"/>
+                </a:solidFill>
+                <a:effectLst/>
+                <a:latin typeface="+mn-lt"/>
+                <a:ea typeface="+mn-ea"/>
+                <a:cs typeface="+mn-cs"/>
+              </a:rPr>
+              <a:t>Hello</a:t>
+            </a:r>
+            <a:r>
+              <a:rPr lang="ru-RU" sz="1200" b="0" i="0" kern="1200" dirty="0" smtClean="0">
+                <a:solidFill>
+                  <a:schemeClr val="tx1"/>
+                </a:solidFill>
+                <a:effectLst/>
+                <a:latin typeface="+mn-lt"/>
+                <a:ea typeface="+mn-ea"/>
+                <a:cs typeface="+mn-cs"/>
+              </a:rPr>
+              <a:t> </a:t>
+            </a:r>
+            <a:r>
+              <a:rPr lang="ru-RU" sz="1200" b="0" i="0" kern="1200" dirty="0" err="1" smtClean="0">
+                <a:solidFill>
+                  <a:schemeClr val="tx1"/>
+                </a:solidFill>
+                <a:effectLst/>
+                <a:latin typeface="+mn-lt"/>
+                <a:ea typeface="+mn-ea"/>
+                <a:cs typeface="+mn-cs"/>
+              </a:rPr>
+              <a:t>World</a:t>
+            </a:r>
+            <a:r>
+              <a:rPr lang="ru-RU" sz="1200" b="0" i="0" kern="1200" dirty="0" smtClean="0">
+                <a:solidFill>
+                  <a:schemeClr val="tx1"/>
+                </a:solidFill>
+                <a:effectLst/>
+                <a:latin typeface="+mn-lt"/>
+                <a:ea typeface="+mn-ea"/>
+                <a:cs typeface="+mn-cs"/>
+              </a:rPr>
+              <a:t>” это тип </a:t>
+            </a:r>
+            <a:r>
+              <a:rPr lang="ru-RU" sz="1200" b="0" i="0" kern="1200" dirty="0" err="1" smtClean="0">
+                <a:solidFill>
+                  <a:schemeClr val="tx1"/>
+                </a:solidFill>
+                <a:effectLst/>
+                <a:latin typeface="+mn-lt"/>
+                <a:ea typeface="+mn-ea"/>
+                <a:cs typeface="+mn-cs"/>
+              </a:rPr>
+              <a:t>string</a:t>
+            </a:r>
+            <a:r>
+              <a:rPr lang="ru-RU" sz="1200" b="0" i="0" kern="1200" dirty="0" smtClean="0">
+                <a:solidFill>
+                  <a:schemeClr val="tx1"/>
+                </a:solidFill>
+                <a:effectLst/>
+                <a:latin typeface="+mn-lt"/>
+                <a:ea typeface="+mn-ea"/>
+                <a:cs typeface="+mn-cs"/>
+              </a:rPr>
+              <a:t>, но сам </a:t>
+            </a:r>
+            <a:r>
+              <a:rPr lang="ru-RU" sz="1200" b="0" i="0" kern="1200" dirty="0" err="1" smtClean="0">
+                <a:solidFill>
+                  <a:schemeClr val="tx1"/>
+                </a:solidFill>
+                <a:effectLst/>
+                <a:latin typeface="+mn-lt"/>
+                <a:ea typeface="+mn-ea"/>
+                <a:cs typeface="+mn-cs"/>
+              </a:rPr>
+              <a:t>string</a:t>
+            </a:r>
+            <a:r>
+              <a:rPr lang="ru-RU" sz="1200" b="0" i="0" kern="1200" dirty="0" smtClean="0">
+                <a:solidFill>
+                  <a:schemeClr val="tx1"/>
+                </a:solidFill>
+                <a:effectLst/>
+                <a:latin typeface="+mn-lt"/>
+                <a:ea typeface="+mn-ea"/>
+                <a:cs typeface="+mn-cs"/>
+              </a:rPr>
+              <a:t> не равен типу “</a:t>
+            </a:r>
+            <a:r>
+              <a:rPr lang="ru-RU" sz="1200" b="0" i="0" kern="1200" dirty="0" err="1" smtClean="0">
+                <a:solidFill>
+                  <a:schemeClr val="tx1"/>
+                </a:solidFill>
+                <a:effectLst/>
+                <a:latin typeface="+mn-lt"/>
+                <a:ea typeface="+mn-ea"/>
+                <a:cs typeface="+mn-cs"/>
+              </a:rPr>
+              <a:t>Hello</a:t>
+            </a:r>
+            <a:r>
+              <a:rPr lang="ru-RU" sz="1200" b="0" i="0" kern="1200" dirty="0" smtClean="0">
+                <a:solidFill>
+                  <a:schemeClr val="tx1"/>
+                </a:solidFill>
+                <a:effectLst/>
+                <a:latin typeface="+mn-lt"/>
+                <a:ea typeface="+mn-ea"/>
+                <a:cs typeface="+mn-cs"/>
+              </a:rPr>
+              <a:t> </a:t>
+            </a:r>
+            <a:r>
+              <a:rPr lang="ru-RU" sz="1200" b="0" i="0" kern="1200" dirty="0" err="1" smtClean="0">
+                <a:solidFill>
+                  <a:schemeClr val="tx1"/>
+                </a:solidFill>
+                <a:effectLst/>
+                <a:latin typeface="+mn-lt"/>
+                <a:ea typeface="+mn-ea"/>
+                <a:cs typeface="+mn-cs"/>
+              </a:rPr>
+              <a:t>World</a:t>
+            </a:r>
+            <a:r>
+              <a:rPr lang="ru-RU" sz="1200" b="0" i="0" kern="1200" dirty="0" smtClean="0">
+                <a:solidFill>
+                  <a:schemeClr val="tx1"/>
+                </a:solidFill>
+                <a:effectLst/>
+                <a:latin typeface="+mn-lt"/>
+                <a:ea typeface="+mn-ea"/>
+                <a:cs typeface="+mn-cs"/>
+              </a:rPr>
+              <a:t>”. </a:t>
+            </a:r>
+            <a:endParaRPr lang="ru-RU" dirty="0"/>
+          </a:p>
+        </p:txBody>
+      </p:sp>
+      <p:sp>
+        <p:nvSpPr>
+          <p:cNvPr id="4" name="Номер слайда 3"/>
+          <p:cNvSpPr>
+            <a:spLocks noGrp="1"/>
+          </p:cNvSpPr>
+          <p:nvPr>
+            <p:ph type="sldNum" sz="quarter" idx="10"/>
+          </p:nvPr>
+        </p:nvSpPr>
+        <p:spPr/>
+        <p:txBody>
+          <a:bodyPr/>
+          <a:lstStyle/>
+          <a:p>
+            <a:pPr marL="0" marR="0" lvl="0" indent="0" algn="r" defTabSz="914400" rtl="0" eaLnBrk="1" fontAlgn="auto" latinLnBrk="0" hangingPunct="1">
+              <a:lnSpc>
+                <a:spcPct val="100000"/>
+              </a:lnSpc>
+              <a:spcBef>
+                <a:spcPts val="0"/>
+              </a:spcBef>
+              <a:spcAft>
+                <a:spcPts val="0"/>
+              </a:spcAft>
+              <a:buClrTx/>
+              <a:buSzTx/>
+              <a:buFontTx/>
+              <a:buNone/>
+              <a:tabLst/>
+              <a:defRPr/>
+            </a:pPr>
+            <a:fld id="{622F1C9E-D65E-417E-9FEF-9AD7ACC20294}" type="slidenum">
+              <a:rPr kumimoji="0" lang="ru-RU" sz="1200" b="0" i="0" u="none" strike="noStrike" kern="1200" cap="none" spc="0" normalizeH="0" baseline="0" noProof="0" smtClean="0">
+                <a:ln>
+                  <a:noFill/>
+                </a:ln>
+                <a:solidFill>
+                  <a:prstClr val="black"/>
+                </a:solidFill>
+                <a:effectLst/>
+                <a:uLnTx/>
+                <a:uFillTx/>
+                <a:latin typeface="Calibri" panose="020F0502020204030204"/>
+                <a:ea typeface="+mn-ea"/>
+                <a:cs typeface="+mn-cs"/>
+              </a:rPr>
+              <a:pPr marL="0" marR="0" lvl="0" indent="0" algn="r" defTabSz="914400" rtl="0" eaLnBrk="1" fontAlgn="auto" latinLnBrk="0" hangingPunct="1">
+                <a:lnSpc>
+                  <a:spcPct val="100000"/>
+                </a:lnSpc>
+                <a:spcBef>
+                  <a:spcPts val="0"/>
+                </a:spcBef>
+                <a:spcAft>
+                  <a:spcPts val="0"/>
+                </a:spcAft>
+                <a:buClrTx/>
+                <a:buSzTx/>
+                <a:buFontTx/>
+                <a:buNone/>
+                <a:tabLst/>
+                <a:defRPr/>
+              </a:pPr>
+              <a:t>79</a:t>
+            </a:fld>
+            <a:endParaRPr kumimoji="0" lang="ru-RU" sz="1200" b="0" i="0" u="none" strike="noStrike" kern="1200" cap="none" spc="0" normalizeH="0" baseline="0" noProof="0">
+              <a:ln>
+                <a:noFill/>
+              </a:ln>
+              <a:solidFill>
+                <a:prstClr val="black"/>
+              </a:solidFill>
+              <a:effectLst/>
+              <a:uLnTx/>
+              <a:uFillTx/>
+              <a:latin typeface="Calibri" panose="020F0502020204030204"/>
+              <a:ea typeface="+mn-ea"/>
+              <a:cs typeface="+mn-cs"/>
+            </a:endParaRPr>
+          </a:p>
+        </p:txBody>
+      </p:sp>
+    </p:spTree>
+    <p:extLst>
+      <p:ext uri="{BB962C8B-B14F-4D97-AF65-F5344CB8AC3E}">
+        <p14:creationId xmlns:p14="http://schemas.microsoft.com/office/powerpoint/2010/main" val="2186075306"/>
       </p:ext>
     </p:extLst>
   </p:cSld>
@@ -2284,6 +4706,1236 @@
     <p:extLst>
       <p:ext uri="{BB962C8B-B14F-4D97-AF65-F5344CB8AC3E}">
         <p14:creationId xmlns:p14="http://schemas.microsoft.com/office/powerpoint/2010/main" val="188899167"/>
+      </p:ext>
+    </p:extLst>
+  </p:cSld>
+  <p:clrMapOvr>
+    <a:masterClrMapping/>
+  </p:clrMapOvr>
+</p:notes>
+</file>
+
+<file path=ppt/notesSlides/notesSlide20.xml><?xml version="1.0" encoding="utf-8"?>
+<p:notes xmlns:a="http://schemas.openxmlformats.org/drawingml/2006/main" xmlns:r="http://schemas.openxmlformats.org/officeDocument/2006/relationships" xmlns:p="http://schemas.openxmlformats.org/presentationml/2006/main">
+  <p:cSld>
+    <p:spTree>
+      <p:nvGrpSpPr>
+        <p:cNvPr id="1" name=""/>
+        <p:cNvGrpSpPr/>
+        <p:nvPr/>
+      </p:nvGrpSpPr>
+      <p:grpSpPr>
+        <a:xfrm>
+          <a:off x="0" y="0"/>
+          <a:ext cx="0" cy="0"/>
+          <a:chOff x="0" y="0"/>
+          <a:chExt cx="0" cy="0"/>
+        </a:xfrm>
+      </p:grpSpPr>
+      <p:sp>
+        <p:nvSpPr>
+          <p:cNvPr id="2" name="Образ слайда 1"/>
+          <p:cNvSpPr>
+            <a:spLocks noGrp="1" noRot="1" noChangeAspect="1"/>
+          </p:cNvSpPr>
+          <p:nvPr>
+            <p:ph type="sldImg"/>
+          </p:nvPr>
+        </p:nvSpPr>
+        <p:spPr/>
+      </p:sp>
+      <p:sp>
+        <p:nvSpPr>
+          <p:cNvPr id="3" name="Заметки 2"/>
+          <p:cNvSpPr>
+            <a:spLocks noGrp="1"/>
+          </p:cNvSpPr>
+          <p:nvPr>
+            <p:ph type="body" idx="1"/>
+          </p:nvPr>
+        </p:nvSpPr>
+        <p:spPr/>
+        <p:txBody>
+          <a:bodyPr/>
+          <a:lstStyle/>
+          <a:p>
+            <a:pPr marL="228600" indent="-228600">
+              <a:buAutoNum type="arabicPeriod"/>
+            </a:pPr>
+            <a:r>
+              <a:rPr lang="ru-RU" dirty="0" smtClean="0"/>
+              <a:t>Пример*</a:t>
+            </a:r>
+          </a:p>
+          <a:p>
+            <a:pPr marL="228600" indent="-228600">
+              <a:buAutoNum type="arabicPeriod"/>
+            </a:pPr>
+            <a:r>
+              <a:rPr lang="ru-RU" dirty="0" smtClean="0"/>
+              <a:t>Описать процесс сужения (бесконечные строки к конкретному виду)</a:t>
+            </a:r>
+            <a:endParaRPr lang="ru-RU" dirty="0"/>
+          </a:p>
+        </p:txBody>
+      </p:sp>
+      <p:sp>
+        <p:nvSpPr>
+          <p:cNvPr id="4" name="Номер слайда 3"/>
+          <p:cNvSpPr>
+            <a:spLocks noGrp="1"/>
+          </p:cNvSpPr>
+          <p:nvPr>
+            <p:ph type="sldNum" sz="quarter" idx="10"/>
+          </p:nvPr>
+        </p:nvSpPr>
+        <p:spPr/>
+        <p:txBody>
+          <a:bodyPr/>
+          <a:lstStyle/>
+          <a:p>
+            <a:pPr marL="0" marR="0" lvl="0" indent="0" algn="r" defTabSz="914400" rtl="0" eaLnBrk="1" fontAlgn="auto" latinLnBrk="0" hangingPunct="1">
+              <a:lnSpc>
+                <a:spcPct val="100000"/>
+              </a:lnSpc>
+              <a:spcBef>
+                <a:spcPts val="0"/>
+              </a:spcBef>
+              <a:spcAft>
+                <a:spcPts val="0"/>
+              </a:spcAft>
+              <a:buClrTx/>
+              <a:buSzTx/>
+              <a:buFontTx/>
+              <a:buNone/>
+              <a:tabLst/>
+              <a:defRPr/>
+            </a:pPr>
+            <a:fld id="{622F1C9E-D65E-417E-9FEF-9AD7ACC20294}" type="slidenum">
+              <a:rPr kumimoji="0" lang="ru-RU" sz="1200" b="0" i="0" u="none" strike="noStrike" kern="1200" cap="none" spc="0" normalizeH="0" baseline="0" noProof="0" smtClean="0">
+                <a:ln>
+                  <a:noFill/>
+                </a:ln>
+                <a:solidFill>
+                  <a:prstClr val="black"/>
+                </a:solidFill>
+                <a:effectLst/>
+                <a:uLnTx/>
+                <a:uFillTx/>
+                <a:latin typeface="Calibri" panose="020F0502020204030204"/>
+                <a:ea typeface="+mn-ea"/>
+                <a:cs typeface="+mn-cs"/>
+              </a:rPr>
+              <a:pPr marL="0" marR="0" lvl="0" indent="0" algn="r" defTabSz="914400" rtl="0" eaLnBrk="1" fontAlgn="auto" latinLnBrk="0" hangingPunct="1">
+                <a:lnSpc>
+                  <a:spcPct val="100000"/>
+                </a:lnSpc>
+                <a:spcBef>
+                  <a:spcPts val="0"/>
+                </a:spcBef>
+                <a:spcAft>
+                  <a:spcPts val="0"/>
+                </a:spcAft>
+                <a:buClrTx/>
+                <a:buSzTx/>
+                <a:buFontTx/>
+                <a:buNone/>
+                <a:tabLst/>
+                <a:defRPr/>
+              </a:pPr>
+              <a:t>80</a:t>
+            </a:fld>
+            <a:endParaRPr kumimoji="0" lang="ru-RU" sz="1200" b="0" i="0" u="none" strike="noStrike" kern="1200" cap="none" spc="0" normalizeH="0" baseline="0" noProof="0">
+              <a:ln>
+                <a:noFill/>
+              </a:ln>
+              <a:solidFill>
+                <a:prstClr val="black"/>
+              </a:solidFill>
+              <a:effectLst/>
+              <a:uLnTx/>
+              <a:uFillTx/>
+              <a:latin typeface="Calibri" panose="020F0502020204030204"/>
+              <a:ea typeface="+mn-ea"/>
+              <a:cs typeface="+mn-cs"/>
+            </a:endParaRPr>
+          </a:p>
+        </p:txBody>
+      </p:sp>
+    </p:spTree>
+    <p:extLst>
+      <p:ext uri="{BB962C8B-B14F-4D97-AF65-F5344CB8AC3E}">
+        <p14:creationId xmlns:p14="http://schemas.microsoft.com/office/powerpoint/2010/main" val="1627114282"/>
+      </p:ext>
+    </p:extLst>
+  </p:cSld>
+  <p:clrMapOvr>
+    <a:masterClrMapping/>
+  </p:clrMapOvr>
+</p:notes>
+</file>
+
+<file path=ppt/notesSlides/notesSlide21.xml><?xml version="1.0" encoding="utf-8"?>
+<p:notes xmlns:a="http://schemas.openxmlformats.org/drawingml/2006/main" xmlns:r="http://schemas.openxmlformats.org/officeDocument/2006/relationships" xmlns:p="http://schemas.openxmlformats.org/presentationml/2006/main">
+  <p:cSld>
+    <p:spTree>
+      <p:nvGrpSpPr>
+        <p:cNvPr id="1" name=""/>
+        <p:cNvGrpSpPr/>
+        <p:nvPr/>
+      </p:nvGrpSpPr>
+      <p:grpSpPr>
+        <a:xfrm>
+          <a:off x="0" y="0"/>
+          <a:ext cx="0" cy="0"/>
+          <a:chOff x="0" y="0"/>
+          <a:chExt cx="0" cy="0"/>
+        </a:xfrm>
+      </p:grpSpPr>
+      <p:sp>
+        <p:nvSpPr>
+          <p:cNvPr id="2" name="Образ слайда 1"/>
+          <p:cNvSpPr>
+            <a:spLocks noGrp="1" noRot="1" noChangeAspect="1"/>
+          </p:cNvSpPr>
+          <p:nvPr>
+            <p:ph type="sldImg"/>
+          </p:nvPr>
+        </p:nvSpPr>
+        <p:spPr/>
+      </p:sp>
+      <p:sp>
+        <p:nvSpPr>
+          <p:cNvPr id="3" name="Заметки 2"/>
+          <p:cNvSpPr>
+            <a:spLocks noGrp="1"/>
+          </p:cNvSpPr>
+          <p:nvPr>
+            <p:ph type="body" idx="1"/>
+          </p:nvPr>
+        </p:nvSpPr>
+        <p:spPr/>
+        <p:txBody>
+          <a:bodyPr/>
+          <a:lstStyle/>
+          <a:p>
+            <a:pPr marL="228600" indent="-228600">
+              <a:buAutoNum type="arabicPeriod"/>
+            </a:pPr>
+            <a:r>
+              <a:rPr lang="ru-RU" sz="1200" b="0" i="0" kern="1200" dirty="0" smtClean="0">
+                <a:solidFill>
+                  <a:schemeClr val="tx1"/>
+                </a:solidFill>
+                <a:effectLst/>
+                <a:latin typeface="+mn-lt"/>
+                <a:ea typeface="+mn-ea"/>
+                <a:cs typeface="+mn-cs"/>
+              </a:rPr>
+              <a:t>Урок</a:t>
+            </a:r>
+            <a:r>
+              <a:rPr lang="ru-RU" sz="1200" b="0" i="0" kern="1200" baseline="0" dirty="0" smtClean="0">
+                <a:solidFill>
+                  <a:schemeClr val="tx1"/>
+                </a:solidFill>
+                <a:effectLst/>
+                <a:latin typeface="+mn-lt"/>
+                <a:ea typeface="+mn-ea"/>
+                <a:cs typeface="+mn-cs"/>
+              </a:rPr>
+              <a:t> 9.1</a:t>
+            </a:r>
+            <a:endParaRPr lang="en-US" sz="1200" b="0" i="0" kern="1200" dirty="0" smtClean="0">
+              <a:solidFill>
+                <a:schemeClr val="tx1"/>
+              </a:solidFill>
+              <a:effectLst/>
+              <a:latin typeface="+mn-lt"/>
+              <a:ea typeface="+mn-ea"/>
+              <a:cs typeface="+mn-cs"/>
+            </a:endParaRPr>
+          </a:p>
+          <a:p>
+            <a:pPr marL="228600" indent="-228600">
+              <a:buAutoNum type="arabicPeriod"/>
+            </a:pPr>
+            <a:r>
+              <a:rPr lang="ru-RU" sz="1200" b="0" i="0" kern="1200" dirty="0" smtClean="0">
+                <a:solidFill>
+                  <a:schemeClr val="tx1"/>
+                </a:solidFill>
+                <a:effectLst/>
+                <a:latin typeface="+mn-lt"/>
+                <a:ea typeface="+mn-ea"/>
+                <a:cs typeface="+mn-cs"/>
+              </a:rPr>
+              <a:t>На практике, строковые литералы отлично комбинируются с </a:t>
+            </a:r>
+            <a:r>
+              <a:rPr lang="ru-RU" sz="1200" b="0" i="0" kern="1200" dirty="0" err="1" smtClean="0">
+                <a:solidFill>
+                  <a:schemeClr val="tx1"/>
+                </a:solidFill>
+                <a:effectLst/>
+                <a:latin typeface="+mn-lt"/>
+                <a:ea typeface="+mn-ea"/>
+                <a:cs typeface="+mn-cs"/>
+              </a:rPr>
+              <a:t>объединеными</a:t>
+            </a:r>
+            <a:r>
+              <a:rPr lang="ru-RU" sz="1200" b="0" i="0" kern="1200" dirty="0" smtClean="0">
+                <a:solidFill>
+                  <a:schemeClr val="tx1"/>
+                </a:solidFill>
+                <a:effectLst/>
+                <a:latin typeface="+mn-lt"/>
+                <a:ea typeface="+mn-ea"/>
+                <a:cs typeface="+mn-cs"/>
+              </a:rPr>
+              <a:t> типами (</a:t>
+            </a:r>
+            <a:r>
+              <a:rPr lang="ru-RU" sz="1200" b="0" i="0" kern="1200" dirty="0" err="1" smtClean="0">
+                <a:solidFill>
+                  <a:schemeClr val="tx1"/>
+                </a:solidFill>
+                <a:effectLst/>
+                <a:latin typeface="+mn-lt"/>
+                <a:ea typeface="+mn-ea"/>
+                <a:cs typeface="+mn-cs"/>
+              </a:rPr>
+              <a:t>union</a:t>
+            </a:r>
+            <a:r>
+              <a:rPr lang="ru-RU" sz="1200" b="0" i="0" kern="1200" dirty="0" smtClean="0">
+                <a:solidFill>
+                  <a:schemeClr val="tx1"/>
+                </a:solidFill>
+                <a:effectLst/>
+                <a:latin typeface="+mn-lt"/>
+                <a:ea typeface="+mn-ea"/>
+                <a:cs typeface="+mn-cs"/>
+              </a:rPr>
+              <a:t> </a:t>
+            </a:r>
+            <a:r>
+              <a:rPr lang="ru-RU" sz="1200" b="0" i="0" kern="1200" dirty="0" err="1" smtClean="0">
+                <a:solidFill>
+                  <a:schemeClr val="tx1"/>
+                </a:solidFill>
+                <a:effectLst/>
+                <a:latin typeface="+mn-lt"/>
+                <a:ea typeface="+mn-ea"/>
+                <a:cs typeface="+mn-cs"/>
+              </a:rPr>
+              <a:t>types</a:t>
+            </a:r>
+            <a:r>
+              <a:rPr lang="ru-RU" sz="1200" b="0" i="0" kern="1200" dirty="0" smtClean="0">
+                <a:solidFill>
+                  <a:schemeClr val="tx1"/>
+                </a:solidFill>
+                <a:effectLst/>
+                <a:latin typeface="+mn-lt"/>
+                <a:ea typeface="+mn-ea"/>
+                <a:cs typeface="+mn-cs"/>
+              </a:rPr>
+              <a:t>), с </a:t>
+            </a:r>
+            <a:r>
+              <a:rPr lang="ru-RU" sz="1200" b="0" i="0" kern="1200" dirty="0" err="1" smtClean="0">
+                <a:solidFill>
+                  <a:schemeClr val="tx1"/>
+                </a:solidFill>
+                <a:effectLst/>
+                <a:latin typeface="+mn-lt"/>
+                <a:ea typeface="+mn-ea"/>
+                <a:cs typeface="+mn-cs"/>
+              </a:rPr>
+              <a:t>type</a:t>
+            </a:r>
+            <a:r>
+              <a:rPr lang="ru-RU" sz="1200" b="0" i="0" kern="1200" dirty="0" smtClean="0">
+                <a:solidFill>
+                  <a:schemeClr val="tx1"/>
+                </a:solidFill>
+                <a:effectLst/>
+                <a:latin typeface="+mn-lt"/>
+                <a:ea typeface="+mn-ea"/>
+                <a:cs typeface="+mn-cs"/>
+              </a:rPr>
+              <a:t> </a:t>
+            </a:r>
+            <a:r>
+              <a:rPr lang="ru-RU" sz="1200" b="0" i="0" kern="1200" dirty="0" err="1" smtClean="0">
+                <a:solidFill>
+                  <a:schemeClr val="tx1"/>
+                </a:solidFill>
+                <a:effectLst/>
+                <a:latin typeface="+mn-lt"/>
+                <a:ea typeface="+mn-ea"/>
+                <a:cs typeface="+mn-cs"/>
+              </a:rPr>
+              <a:t>guards</a:t>
+            </a:r>
+            <a:r>
+              <a:rPr lang="ru-RU" sz="1200" b="0" i="0" kern="1200" dirty="0" smtClean="0">
+                <a:solidFill>
+                  <a:schemeClr val="tx1"/>
+                </a:solidFill>
+                <a:effectLst/>
+                <a:latin typeface="+mn-lt"/>
+                <a:ea typeface="+mn-ea"/>
+                <a:cs typeface="+mn-cs"/>
+              </a:rPr>
+              <a:t> и </a:t>
+            </a:r>
+            <a:r>
+              <a:rPr lang="ru-RU" sz="1200" b="0" i="0" kern="1200" dirty="0" err="1" smtClean="0">
+                <a:solidFill>
+                  <a:schemeClr val="tx1"/>
+                </a:solidFill>
+                <a:effectLst/>
+                <a:latin typeface="+mn-lt"/>
+                <a:ea typeface="+mn-ea"/>
+                <a:cs typeface="+mn-cs"/>
+              </a:rPr>
+              <a:t>алиасами</a:t>
+            </a:r>
+            <a:r>
+              <a:rPr lang="ru-RU" sz="1200" b="0" i="0" kern="1200" dirty="0" smtClean="0">
+                <a:solidFill>
+                  <a:schemeClr val="tx1"/>
+                </a:solidFill>
+                <a:effectLst/>
+                <a:latin typeface="+mn-lt"/>
+                <a:ea typeface="+mn-ea"/>
+                <a:cs typeface="+mn-cs"/>
+              </a:rPr>
+              <a:t> типов</a:t>
+            </a:r>
+            <a:r>
+              <a:rPr lang="en-US" sz="1200" b="0" i="0" kern="1200" dirty="0" smtClean="0">
+                <a:solidFill>
+                  <a:schemeClr val="tx1"/>
+                </a:solidFill>
+                <a:effectLst/>
+                <a:latin typeface="+mn-lt"/>
+                <a:ea typeface="+mn-ea"/>
+                <a:cs typeface="+mn-cs"/>
+              </a:rPr>
+              <a:t>*</a:t>
+            </a:r>
+          </a:p>
+          <a:p>
+            <a:pPr marL="228600" indent="-228600">
+              <a:buAutoNum type="arabicPeriod"/>
+            </a:pPr>
+            <a:r>
+              <a:rPr lang="ru-RU" sz="1200" b="0" i="0" kern="1200" dirty="0" smtClean="0">
+                <a:solidFill>
+                  <a:schemeClr val="tx1"/>
+                </a:solidFill>
+                <a:effectLst/>
+                <a:latin typeface="+mn-lt"/>
+                <a:ea typeface="+mn-ea"/>
+                <a:cs typeface="+mn-cs"/>
+              </a:rPr>
+              <a:t>Строковые литералы также могут быть использованы похожим образом для перегрузок</a:t>
+            </a:r>
+            <a:r>
+              <a:rPr lang="en-US" sz="1200" b="0" i="0" kern="1200" dirty="0" smtClean="0">
+                <a:solidFill>
+                  <a:schemeClr val="tx1"/>
+                </a:solidFill>
+                <a:effectLst/>
+                <a:latin typeface="+mn-lt"/>
+                <a:ea typeface="+mn-ea"/>
+                <a:cs typeface="+mn-cs"/>
+              </a:rPr>
+              <a:t>*</a:t>
+            </a:r>
+          </a:p>
+          <a:p>
+            <a:pPr marL="228600" indent="-228600">
+              <a:buAutoNum type="arabicPeriod"/>
+            </a:pPr>
+            <a:endParaRPr lang="en-US" sz="1200" b="0" i="0" kern="1200" dirty="0" smtClean="0">
+              <a:solidFill>
+                <a:schemeClr val="tx1"/>
+              </a:solidFill>
+              <a:effectLst/>
+              <a:latin typeface="+mn-lt"/>
+              <a:ea typeface="+mn-ea"/>
+              <a:cs typeface="+mn-cs"/>
+            </a:endParaRPr>
+          </a:p>
+          <a:p>
+            <a:pPr rtl="0" fontAlgn="base"/>
+            <a:r>
+              <a:rPr lang="ru-RU" sz="1200" b="0" i="0" kern="1200" dirty="0" smtClean="0">
+                <a:solidFill>
+                  <a:schemeClr val="tx1"/>
+                </a:solidFill>
+                <a:effectLst/>
+                <a:latin typeface="+mn-lt"/>
+                <a:ea typeface="+mn-ea"/>
+                <a:cs typeface="+mn-cs"/>
+              </a:rPr>
+              <a:t>Задание: написать </a:t>
+            </a:r>
+            <a:r>
+              <a:rPr lang="ru-RU" sz="1200" b="0" i="0" kern="1200" dirty="0" err="1" smtClean="0">
+                <a:solidFill>
+                  <a:schemeClr val="tx1"/>
+                </a:solidFill>
+                <a:effectLst/>
+                <a:latin typeface="+mn-lt"/>
+                <a:ea typeface="+mn-ea"/>
+                <a:cs typeface="+mn-cs"/>
+              </a:rPr>
+              <a:t>reducer</a:t>
+            </a:r>
+            <a:r>
+              <a:rPr lang="ru-RU" sz="1200" b="0" i="0" kern="1200" dirty="0" smtClean="0">
+                <a:solidFill>
+                  <a:schemeClr val="tx1"/>
+                </a:solidFill>
+                <a:effectLst/>
+                <a:latin typeface="+mn-lt"/>
+                <a:ea typeface="+mn-ea"/>
+                <a:cs typeface="+mn-cs"/>
+              </a:rPr>
+              <a:t> для действий над сотрудником (пусть будут простые действия) </a:t>
+            </a:r>
+          </a:p>
+          <a:p>
+            <a:pPr rtl="0" fontAlgn="base"/>
+            <a:endParaRPr lang="en-US" sz="1200" b="0" i="0" kern="1200" dirty="0" smtClean="0">
+              <a:solidFill>
+                <a:schemeClr val="tx1"/>
+              </a:solidFill>
+              <a:effectLst/>
+              <a:latin typeface="+mn-lt"/>
+              <a:ea typeface="+mn-ea"/>
+              <a:cs typeface="+mn-cs"/>
+            </a:endParaRPr>
+          </a:p>
+          <a:p>
+            <a:pPr rtl="0" fontAlgn="base"/>
+            <a:r>
+              <a:rPr lang="ru-RU" sz="1200" b="0" i="0" kern="1200" dirty="0" smtClean="0">
+                <a:solidFill>
+                  <a:schemeClr val="tx1"/>
+                </a:solidFill>
+                <a:effectLst/>
+                <a:latin typeface="+mn-lt"/>
+                <a:ea typeface="+mn-ea"/>
+                <a:cs typeface="+mn-cs"/>
+              </a:rPr>
+              <a:t>Задание со звездочкой: написать простой </a:t>
+            </a:r>
+            <a:r>
+              <a:rPr lang="ru-RU" sz="1200" b="0" i="0" kern="1200" dirty="0" err="1" smtClean="0">
+                <a:solidFill>
+                  <a:schemeClr val="tx1"/>
+                </a:solidFill>
+                <a:effectLst/>
+                <a:latin typeface="+mn-lt"/>
+                <a:ea typeface="+mn-ea"/>
+                <a:cs typeface="+mn-cs"/>
+              </a:rPr>
+              <a:t>EventEmitter</a:t>
+            </a:r>
+            <a:r>
+              <a:rPr lang="ru-RU" sz="1200" b="0" i="0" kern="1200" dirty="0" smtClean="0">
+                <a:solidFill>
+                  <a:schemeClr val="tx1"/>
+                </a:solidFill>
+                <a:effectLst/>
+                <a:latin typeface="+mn-lt"/>
+                <a:ea typeface="+mn-ea"/>
+                <a:cs typeface="+mn-cs"/>
+              </a:rPr>
+              <a:t> для слежки над сотрудником. Интегрировать его в </a:t>
+            </a:r>
+            <a:r>
+              <a:rPr lang="ru-RU" sz="1200" b="0" i="0" kern="1200" dirty="0" err="1" smtClean="0">
+                <a:solidFill>
+                  <a:schemeClr val="tx1"/>
+                </a:solidFill>
+                <a:effectLst/>
+                <a:latin typeface="+mn-lt"/>
+                <a:ea typeface="+mn-ea"/>
+                <a:cs typeface="+mn-cs"/>
+              </a:rPr>
+              <a:t>reducer</a:t>
+            </a:r>
+            <a:r>
+              <a:rPr lang="ru-RU" sz="1200" b="0" i="0" kern="1200" dirty="0" smtClean="0">
+                <a:solidFill>
+                  <a:schemeClr val="tx1"/>
+                </a:solidFill>
+                <a:effectLst/>
+                <a:latin typeface="+mn-lt"/>
+                <a:ea typeface="+mn-ea"/>
+                <a:cs typeface="+mn-cs"/>
+              </a:rPr>
+              <a:t>. </a:t>
+            </a:r>
+          </a:p>
+          <a:p>
+            <a:pPr marL="228600" indent="-228600">
+              <a:buAutoNum type="arabicPeriod"/>
+            </a:pPr>
+            <a:endParaRPr lang="ru-RU" dirty="0"/>
+          </a:p>
+        </p:txBody>
+      </p:sp>
+      <p:sp>
+        <p:nvSpPr>
+          <p:cNvPr id="4" name="Номер слайда 3"/>
+          <p:cNvSpPr>
+            <a:spLocks noGrp="1"/>
+          </p:cNvSpPr>
+          <p:nvPr>
+            <p:ph type="sldNum" sz="quarter" idx="10"/>
+          </p:nvPr>
+        </p:nvSpPr>
+        <p:spPr/>
+        <p:txBody>
+          <a:bodyPr/>
+          <a:lstStyle/>
+          <a:p>
+            <a:pPr marL="0" marR="0" lvl="0" indent="0" algn="r" defTabSz="914400" rtl="0" eaLnBrk="1" fontAlgn="auto" latinLnBrk="0" hangingPunct="1">
+              <a:lnSpc>
+                <a:spcPct val="100000"/>
+              </a:lnSpc>
+              <a:spcBef>
+                <a:spcPts val="0"/>
+              </a:spcBef>
+              <a:spcAft>
+                <a:spcPts val="0"/>
+              </a:spcAft>
+              <a:buClrTx/>
+              <a:buSzTx/>
+              <a:buFontTx/>
+              <a:buNone/>
+              <a:tabLst/>
+              <a:defRPr/>
+            </a:pPr>
+            <a:fld id="{622F1C9E-D65E-417E-9FEF-9AD7ACC20294}" type="slidenum">
+              <a:rPr kumimoji="0" lang="ru-RU" sz="1200" b="0" i="0" u="none" strike="noStrike" kern="1200" cap="none" spc="0" normalizeH="0" baseline="0" noProof="0" smtClean="0">
+                <a:ln>
+                  <a:noFill/>
+                </a:ln>
+                <a:solidFill>
+                  <a:prstClr val="black"/>
+                </a:solidFill>
+                <a:effectLst/>
+                <a:uLnTx/>
+                <a:uFillTx/>
+                <a:latin typeface="Calibri" panose="020F0502020204030204"/>
+                <a:ea typeface="+mn-ea"/>
+                <a:cs typeface="+mn-cs"/>
+              </a:rPr>
+              <a:pPr marL="0" marR="0" lvl="0" indent="0" algn="r" defTabSz="914400" rtl="0" eaLnBrk="1" fontAlgn="auto" latinLnBrk="0" hangingPunct="1">
+                <a:lnSpc>
+                  <a:spcPct val="100000"/>
+                </a:lnSpc>
+                <a:spcBef>
+                  <a:spcPts val="0"/>
+                </a:spcBef>
+                <a:spcAft>
+                  <a:spcPts val="0"/>
+                </a:spcAft>
+                <a:buClrTx/>
+                <a:buSzTx/>
+                <a:buFontTx/>
+                <a:buNone/>
+                <a:tabLst/>
+                <a:defRPr/>
+              </a:pPr>
+              <a:t>81</a:t>
+            </a:fld>
+            <a:endParaRPr kumimoji="0" lang="ru-RU" sz="1200" b="0" i="0" u="none" strike="noStrike" kern="1200" cap="none" spc="0" normalizeH="0" baseline="0" noProof="0">
+              <a:ln>
+                <a:noFill/>
+              </a:ln>
+              <a:solidFill>
+                <a:prstClr val="black"/>
+              </a:solidFill>
+              <a:effectLst/>
+              <a:uLnTx/>
+              <a:uFillTx/>
+              <a:latin typeface="Calibri" panose="020F0502020204030204"/>
+              <a:ea typeface="+mn-ea"/>
+              <a:cs typeface="+mn-cs"/>
+            </a:endParaRPr>
+          </a:p>
+        </p:txBody>
+      </p:sp>
+    </p:spTree>
+    <p:extLst>
+      <p:ext uri="{BB962C8B-B14F-4D97-AF65-F5344CB8AC3E}">
+        <p14:creationId xmlns:p14="http://schemas.microsoft.com/office/powerpoint/2010/main" val="2683042905"/>
+      </p:ext>
+    </p:extLst>
+  </p:cSld>
+  <p:clrMapOvr>
+    <a:masterClrMapping/>
+  </p:clrMapOvr>
+</p:notes>
+</file>
+
+<file path=ppt/notesSlides/notesSlide22.xml><?xml version="1.0" encoding="utf-8"?>
+<p:notes xmlns:a="http://schemas.openxmlformats.org/drawingml/2006/main" xmlns:r="http://schemas.openxmlformats.org/officeDocument/2006/relationships" xmlns:p="http://schemas.openxmlformats.org/presentationml/2006/main">
+  <p:cSld>
+    <p:spTree>
+      <p:nvGrpSpPr>
+        <p:cNvPr id="1" name=""/>
+        <p:cNvGrpSpPr/>
+        <p:nvPr/>
+      </p:nvGrpSpPr>
+      <p:grpSpPr>
+        <a:xfrm>
+          <a:off x="0" y="0"/>
+          <a:ext cx="0" cy="0"/>
+          <a:chOff x="0" y="0"/>
+          <a:chExt cx="0" cy="0"/>
+        </a:xfrm>
+      </p:grpSpPr>
+      <p:sp>
+        <p:nvSpPr>
+          <p:cNvPr id="2" name="Образ слайда 1"/>
+          <p:cNvSpPr>
+            <a:spLocks noGrp="1" noRot="1" noChangeAspect="1"/>
+          </p:cNvSpPr>
+          <p:nvPr>
+            <p:ph type="sldImg"/>
+          </p:nvPr>
+        </p:nvSpPr>
+        <p:spPr/>
+      </p:sp>
+      <p:sp>
+        <p:nvSpPr>
+          <p:cNvPr id="3" name="Заметки 2"/>
+          <p:cNvSpPr>
+            <a:spLocks noGrp="1"/>
+          </p:cNvSpPr>
+          <p:nvPr>
+            <p:ph type="body" idx="1"/>
+          </p:nvPr>
+        </p:nvSpPr>
+        <p:spPr/>
+        <p:txBody>
+          <a:bodyPr/>
+          <a:lstStyle/>
+          <a:p>
+            <a:pPr marL="228600" indent="-228600">
+              <a:buAutoNum type="arabicPeriod"/>
+            </a:pPr>
+            <a:r>
+              <a:rPr lang="ru-RU" sz="1200" b="0" i="0" kern="1200" dirty="0" err="1" smtClean="0">
+                <a:solidFill>
+                  <a:schemeClr val="tx1"/>
+                </a:solidFill>
+                <a:effectLst/>
+                <a:latin typeface="+mn-lt"/>
+                <a:ea typeface="+mn-ea"/>
+                <a:cs typeface="+mn-cs"/>
+              </a:rPr>
+              <a:t>TypeScript</a:t>
+            </a:r>
+            <a:r>
+              <a:rPr lang="ru-RU" sz="1200" b="0" i="0" kern="1200" dirty="0" smtClean="0">
+                <a:solidFill>
+                  <a:schemeClr val="tx1"/>
+                </a:solidFill>
+                <a:effectLst/>
+                <a:latin typeface="+mn-lt"/>
+                <a:ea typeface="+mn-ea"/>
+                <a:cs typeface="+mn-cs"/>
+              </a:rPr>
+              <a:t> также поддерживает числовые литеральные типы</a:t>
+            </a:r>
+            <a:r>
+              <a:rPr lang="en-US" sz="1200" b="0" i="0" kern="1200" dirty="0" smtClean="0">
+                <a:solidFill>
+                  <a:schemeClr val="tx1"/>
+                </a:solidFill>
+                <a:effectLst/>
+                <a:latin typeface="+mn-lt"/>
+                <a:ea typeface="+mn-ea"/>
+                <a:cs typeface="+mn-cs"/>
+              </a:rPr>
+              <a:t>*</a:t>
+            </a:r>
+          </a:p>
+          <a:p>
+            <a:pPr marL="228600" indent="-228600">
+              <a:buAutoNum type="arabicPeriod"/>
+            </a:pPr>
+            <a:r>
+              <a:rPr lang="ru-RU" sz="1200" b="0" i="0" kern="1200" dirty="0" smtClean="0">
+                <a:solidFill>
+                  <a:schemeClr val="tx1"/>
+                </a:solidFill>
+                <a:effectLst/>
+                <a:latin typeface="+mn-lt"/>
+                <a:ea typeface="+mn-ea"/>
+                <a:cs typeface="+mn-cs"/>
+              </a:rPr>
+              <a:t>Обычно, их используют для описания возможных значений какой-то конфигурации</a:t>
+            </a:r>
+            <a:r>
+              <a:rPr lang="en-US" sz="1200" b="0" i="0" kern="1200" dirty="0" smtClean="0">
+                <a:solidFill>
+                  <a:schemeClr val="tx1"/>
+                </a:solidFill>
+                <a:effectLst/>
+                <a:latin typeface="+mn-lt"/>
+                <a:ea typeface="+mn-ea"/>
+                <a:cs typeface="+mn-cs"/>
+              </a:rPr>
+              <a:t>*</a:t>
+            </a:r>
+          </a:p>
+          <a:p>
+            <a:pPr marL="228600" indent="-228600">
+              <a:buAutoNum type="arabicPeriod"/>
+            </a:pPr>
+            <a:r>
+              <a:rPr lang="ru-RU" sz="1200" b="0" i="0" kern="1200" dirty="0" smtClean="0">
+                <a:solidFill>
+                  <a:schemeClr val="tx1"/>
+                </a:solidFill>
+                <a:effectLst/>
+                <a:latin typeface="+mn-lt"/>
+                <a:ea typeface="+mn-ea"/>
+                <a:cs typeface="+mn-cs"/>
+              </a:rPr>
+              <a:t>В целом, такой вид использования литералов через </a:t>
+            </a:r>
+            <a:r>
+              <a:rPr lang="ru-RU" sz="1200" b="0" i="0" kern="1200" dirty="0" err="1" smtClean="0">
+                <a:solidFill>
+                  <a:schemeClr val="tx1"/>
+                </a:solidFill>
+                <a:effectLst/>
+                <a:latin typeface="+mn-lt"/>
+                <a:ea typeface="+mn-ea"/>
+                <a:cs typeface="+mn-cs"/>
+              </a:rPr>
+              <a:t>union</a:t>
+            </a:r>
+            <a:r>
+              <a:rPr lang="ru-RU" sz="1200" b="0" i="0" kern="1200" dirty="0" smtClean="0">
+                <a:solidFill>
+                  <a:schemeClr val="tx1"/>
+                </a:solidFill>
+                <a:effectLst/>
+                <a:latin typeface="+mn-lt"/>
+                <a:ea typeface="+mn-ea"/>
+                <a:cs typeface="+mn-cs"/>
+              </a:rPr>
+              <a:t> можно рассматривать как “ленивую” аналогию перечислений.</a:t>
+            </a:r>
+            <a:endParaRPr lang="ru-RU" dirty="0"/>
+          </a:p>
+        </p:txBody>
+      </p:sp>
+      <p:sp>
+        <p:nvSpPr>
+          <p:cNvPr id="4" name="Номер слайда 3"/>
+          <p:cNvSpPr>
+            <a:spLocks noGrp="1"/>
+          </p:cNvSpPr>
+          <p:nvPr>
+            <p:ph type="sldNum" sz="quarter" idx="10"/>
+          </p:nvPr>
+        </p:nvSpPr>
+        <p:spPr/>
+        <p:txBody>
+          <a:bodyPr/>
+          <a:lstStyle/>
+          <a:p>
+            <a:pPr marL="0" marR="0" lvl="0" indent="0" algn="r" defTabSz="914400" rtl="0" eaLnBrk="1" fontAlgn="auto" latinLnBrk="0" hangingPunct="1">
+              <a:lnSpc>
+                <a:spcPct val="100000"/>
+              </a:lnSpc>
+              <a:spcBef>
+                <a:spcPts val="0"/>
+              </a:spcBef>
+              <a:spcAft>
+                <a:spcPts val="0"/>
+              </a:spcAft>
+              <a:buClrTx/>
+              <a:buSzTx/>
+              <a:buFontTx/>
+              <a:buNone/>
+              <a:tabLst/>
+              <a:defRPr/>
+            </a:pPr>
+            <a:fld id="{622F1C9E-D65E-417E-9FEF-9AD7ACC20294}" type="slidenum">
+              <a:rPr kumimoji="0" lang="ru-RU" sz="1200" b="0" i="0" u="none" strike="noStrike" kern="1200" cap="none" spc="0" normalizeH="0" baseline="0" noProof="0" smtClean="0">
+                <a:ln>
+                  <a:noFill/>
+                </a:ln>
+                <a:solidFill>
+                  <a:prstClr val="black"/>
+                </a:solidFill>
+                <a:effectLst/>
+                <a:uLnTx/>
+                <a:uFillTx/>
+                <a:latin typeface="Calibri" panose="020F0502020204030204"/>
+                <a:ea typeface="+mn-ea"/>
+                <a:cs typeface="+mn-cs"/>
+              </a:rPr>
+              <a:pPr marL="0" marR="0" lvl="0" indent="0" algn="r" defTabSz="914400" rtl="0" eaLnBrk="1" fontAlgn="auto" latinLnBrk="0" hangingPunct="1">
+                <a:lnSpc>
+                  <a:spcPct val="100000"/>
+                </a:lnSpc>
+                <a:spcBef>
+                  <a:spcPts val="0"/>
+                </a:spcBef>
+                <a:spcAft>
+                  <a:spcPts val="0"/>
+                </a:spcAft>
+                <a:buClrTx/>
+                <a:buSzTx/>
+                <a:buFontTx/>
+                <a:buNone/>
+                <a:tabLst/>
+                <a:defRPr/>
+              </a:pPr>
+              <a:t>82</a:t>
+            </a:fld>
+            <a:endParaRPr kumimoji="0" lang="ru-RU" sz="1200" b="0" i="0" u="none" strike="noStrike" kern="1200" cap="none" spc="0" normalizeH="0" baseline="0" noProof="0">
+              <a:ln>
+                <a:noFill/>
+              </a:ln>
+              <a:solidFill>
+                <a:prstClr val="black"/>
+              </a:solidFill>
+              <a:effectLst/>
+              <a:uLnTx/>
+              <a:uFillTx/>
+              <a:latin typeface="Calibri" panose="020F0502020204030204"/>
+              <a:ea typeface="+mn-ea"/>
+              <a:cs typeface="+mn-cs"/>
+            </a:endParaRPr>
+          </a:p>
+        </p:txBody>
+      </p:sp>
+    </p:spTree>
+    <p:extLst>
+      <p:ext uri="{BB962C8B-B14F-4D97-AF65-F5344CB8AC3E}">
+        <p14:creationId xmlns:p14="http://schemas.microsoft.com/office/powerpoint/2010/main" val="3874885931"/>
+      </p:ext>
+    </p:extLst>
+  </p:cSld>
+  <p:clrMapOvr>
+    <a:masterClrMapping/>
+  </p:clrMapOvr>
+</p:notes>
+</file>
+
+<file path=ppt/notesSlides/notesSlide23.xml><?xml version="1.0" encoding="utf-8"?>
+<p:notes xmlns:a="http://schemas.openxmlformats.org/drawingml/2006/main" xmlns:r="http://schemas.openxmlformats.org/officeDocument/2006/relationships" xmlns:p="http://schemas.openxmlformats.org/presentationml/2006/main">
+  <p:cSld>
+    <p:spTree>
+      <p:nvGrpSpPr>
+        <p:cNvPr id="1" name=""/>
+        <p:cNvGrpSpPr/>
+        <p:nvPr/>
+      </p:nvGrpSpPr>
+      <p:grpSpPr>
+        <a:xfrm>
+          <a:off x="0" y="0"/>
+          <a:ext cx="0" cy="0"/>
+          <a:chOff x="0" y="0"/>
+          <a:chExt cx="0" cy="0"/>
+        </a:xfrm>
+      </p:grpSpPr>
+      <p:sp>
+        <p:nvSpPr>
+          <p:cNvPr id="2" name="Образ слайда 1"/>
+          <p:cNvSpPr>
+            <a:spLocks noGrp="1" noRot="1" noChangeAspect="1"/>
+          </p:cNvSpPr>
+          <p:nvPr>
+            <p:ph type="sldImg"/>
+          </p:nvPr>
+        </p:nvSpPr>
+        <p:spPr/>
+      </p:sp>
+      <p:sp>
+        <p:nvSpPr>
+          <p:cNvPr id="3" name="Заметки 2"/>
+          <p:cNvSpPr>
+            <a:spLocks noGrp="1"/>
+          </p:cNvSpPr>
+          <p:nvPr>
+            <p:ph type="body" idx="1"/>
+          </p:nvPr>
+        </p:nvSpPr>
+        <p:spPr/>
+        <p:txBody>
+          <a:bodyPr/>
+          <a:lstStyle/>
+          <a:p>
+            <a:pPr marL="228600" indent="-228600">
+              <a:buAutoNum type="arabicPeriod"/>
+            </a:pPr>
+            <a:r>
+              <a:rPr lang="ru-RU" sz="1200" b="0" i="0" kern="1200" dirty="0" err="1" smtClean="0">
+                <a:solidFill>
+                  <a:schemeClr val="tx1"/>
+                </a:solidFill>
+                <a:effectLst/>
+                <a:latin typeface="+mn-lt"/>
+                <a:ea typeface="+mn-ea"/>
+                <a:cs typeface="+mn-cs"/>
+              </a:rPr>
+              <a:t>TypeScript</a:t>
+            </a:r>
+            <a:r>
+              <a:rPr lang="ru-RU" sz="1200" b="0" i="0" kern="1200" dirty="0" smtClean="0">
+                <a:solidFill>
+                  <a:schemeClr val="tx1"/>
+                </a:solidFill>
+                <a:effectLst/>
+                <a:latin typeface="+mn-lt"/>
+                <a:ea typeface="+mn-ea"/>
+                <a:cs typeface="+mn-cs"/>
+              </a:rPr>
+              <a:t> также способен различать и значения типа </a:t>
+            </a:r>
+            <a:r>
+              <a:rPr lang="en-US" sz="1200" b="0" i="0" kern="1200" dirty="0" smtClean="0">
+                <a:solidFill>
+                  <a:schemeClr val="tx1"/>
+                </a:solidFill>
+                <a:effectLst/>
+                <a:latin typeface="+mn-lt"/>
+                <a:ea typeface="+mn-ea"/>
+                <a:cs typeface="+mn-cs"/>
+              </a:rPr>
+              <a:t>B</a:t>
+            </a:r>
+            <a:r>
+              <a:rPr lang="ru-RU" sz="1200" b="0" i="0" kern="1200" dirty="0" err="1" smtClean="0">
+                <a:solidFill>
+                  <a:schemeClr val="tx1"/>
+                </a:solidFill>
+                <a:effectLst/>
+                <a:latin typeface="+mn-lt"/>
+                <a:ea typeface="+mn-ea"/>
+                <a:cs typeface="+mn-cs"/>
+              </a:rPr>
+              <a:t>oolean</a:t>
+            </a:r>
+            <a:r>
+              <a:rPr lang="en-US" sz="1200" b="0" i="0" kern="1200" dirty="0" smtClean="0">
+                <a:solidFill>
+                  <a:schemeClr val="tx1"/>
+                </a:solidFill>
+                <a:effectLst/>
+                <a:latin typeface="+mn-lt"/>
+                <a:ea typeface="+mn-ea"/>
+                <a:cs typeface="+mn-cs"/>
+              </a:rPr>
+              <a:t>*</a:t>
+            </a:r>
+          </a:p>
+          <a:p>
+            <a:pPr marL="228600" indent="-228600">
+              <a:buAutoNum type="arabicPeriod"/>
+            </a:pPr>
+            <a:r>
+              <a:rPr lang="ru-RU" sz="1200" b="0" i="0" kern="1200" dirty="0" smtClean="0">
+                <a:solidFill>
+                  <a:schemeClr val="tx1"/>
+                </a:solidFill>
+                <a:effectLst/>
+                <a:latin typeface="+mn-lt"/>
+                <a:ea typeface="+mn-ea"/>
+                <a:cs typeface="+mn-cs"/>
+              </a:rPr>
+              <a:t>Задание: написать функцию принимающую строку и флаг. Если флаг — это истина - функция должна возвращать массив из элементов строки. Если флаг - ложь, функция должна вернуть строку без пробелов. </a:t>
+            </a:r>
+            <a:endParaRPr lang="en-US" sz="1200" b="0" i="0" kern="1200" dirty="0" smtClean="0">
+              <a:solidFill>
+                <a:schemeClr val="tx1"/>
+              </a:solidFill>
+              <a:effectLst/>
+              <a:latin typeface="+mn-lt"/>
+              <a:ea typeface="+mn-ea"/>
+              <a:cs typeface="+mn-cs"/>
+            </a:endParaRPr>
+          </a:p>
+          <a:p>
+            <a:pPr marL="228600" indent="-228600">
+              <a:buAutoNum type="arabicPeriod"/>
+            </a:pPr>
+            <a:r>
+              <a:rPr lang="ru-RU" sz="1200" b="0" i="0" kern="1200" dirty="0" smtClean="0">
+                <a:solidFill>
+                  <a:schemeClr val="tx1"/>
+                </a:solidFill>
+                <a:effectLst/>
+                <a:latin typeface="+mn-lt"/>
+                <a:ea typeface="+mn-ea"/>
+                <a:cs typeface="+mn-cs"/>
+              </a:rPr>
+              <a:t>Вспомним пример с опциональными значениями</a:t>
+            </a:r>
+            <a:r>
+              <a:rPr lang="en-US" sz="1200" b="0" i="0" kern="1200" dirty="0" smtClean="0">
+                <a:solidFill>
+                  <a:schemeClr val="tx1"/>
+                </a:solidFill>
+                <a:effectLst/>
+                <a:latin typeface="+mn-lt"/>
+                <a:ea typeface="+mn-ea"/>
+                <a:cs typeface="+mn-cs"/>
+              </a:rPr>
+              <a:t>*</a:t>
+            </a:r>
+            <a:endParaRPr lang="ru-RU" sz="1200" b="0" i="0" kern="1200" dirty="0" smtClean="0">
+              <a:solidFill>
+                <a:schemeClr val="tx1"/>
+              </a:solidFill>
+              <a:effectLst/>
+              <a:latin typeface="+mn-lt"/>
+              <a:ea typeface="+mn-ea"/>
+              <a:cs typeface="+mn-cs"/>
+            </a:endParaRPr>
+          </a:p>
+          <a:p>
+            <a:pPr marL="228600" indent="-228600">
+              <a:buAutoNum type="arabicPeriod"/>
+            </a:pPr>
+            <a:endParaRPr lang="ru-RU" sz="1200" b="0" i="0" kern="1200" dirty="0" smtClean="0">
+              <a:solidFill>
+                <a:schemeClr val="tx1"/>
+              </a:solidFill>
+              <a:effectLst/>
+              <a:latin typeface="+mn-lt"/>
+              <a:ea typeface="+mn-ea"/>
+              <a:cs typeface="+mn-cs"/>
+            </a:endParaRPr>
+          </a:p>
+          <a:p>
+            <a:pPr marL="228600" indent="-228600">
+              <a:buAutoNum type="arabicPeriod"/>
+            </a:pPr>
+            <a:r>
+              <a:rPr lang="ru-RU" sz="1200" b="0" i="0" kern="1200" dirty="0" smtClean="0">
+                <a:solidFill>
+                  <a:schemeClr val="tx1"/>
+                </a:solidFill>
+                <a:effectLst/>
+                <a:latin typeface="+mn-lt"/>
+                <a:ea typeface="+mn-ea"/>
+                <a:cs typeface="+mn-cs"/>
+              </a:rPr>
+              <a:t>Задание: переделать указанный пример на перегрузку. Стало ли проще?</a:t>
+            </a:r>
+            <a:endParaRPr lang="ru-RU" dirty="0"/>
+          </a:p>
+        </p:txBody>
+      </p:sp>
+      <p:sp>
+        <p:nvSpPr>
+          <p:cNvPr id="4" name="Номер слайда 3"/>
+          <p:cNvSpPr>
+            <a:spLocks noGrp="1"/>
+          </p:cNvSpPr>
+          <p:nvPr>
+            <p:ph type="sldNum" sz="quarter" idx="10"/>
+          </p:nvPr>
+        </p:nvSpPr>
+        <p:spPr/>
+        <p:txBody>
+          <a:bodyPr/>
+          <a:lstStyle/>
+          <a:p>
+            <a:pPr marL="0" marR="0" lvl="0" indent="0" algn="r" defTabSz="914400" rtl="0" eaLnBrk="1" fontAlgn="auto" latinLnBrk="0" hangingPunct="1">
+              <a:lnSpc>
+                <a:spcPct val="100000"/>
+              </a:lnSpc>
+              <a:spcBef>
+                <a:spcPts val="0"/>
+              </a:spcBef>
+              <a:spcAft>
+                <a:spcPts val="0"/>
+              </a:spcAft>
+              <a:buClrTx/>
+              <a:buSzTx/>
+              <a:buFontTx/>
+              <a:buNone/>
+              <a:tabLst/>
+              <a:defRPr/>
+            </a:pPr>
+            <a:fld id="{622F1C9E-D65E-417E-9FEF-9AD7ACC20294}" type="slidenum">
+              <a:rPr kumimoji="0" lang="ru-RU" sz="1200" b="0" i="0" u="none" strike="noStrike" kern="1200" cap="none" spc="0" normalizeH="0" baseline="0" noProof="0" smtClean="0">
+                <a:ln>
+                  <a:noFill/>
+                </a:ln>
+                <a:solidFill>
+                  <a:prstClr val="black"/>
+                </a:solidFill>
+                <a:effectLst/>
+                <a:uLnTx/>
+                <a:uFillTx/>
+                <a:latin typeface="Calibri" panose="020F0502020204030204"/>
+                <a:ea typeface="+mn-ea"/>
+                <a:cs typeface="+mn-cs"/>
+              </a:rPr>
+              <a:pPr marL="0" marR="0" lvl="0" indent="0" algn="r" defTabSz="914400" rtl="0" eaLnBrk="1" fontAlgn="auto" latinLnBrk="0" hangingPunct="1">
+                <a:lnSpc>
+                  <a:spcPct val="100000"/>
+                </a:lnSpc>
+                <a:spcBef>
+                  <a:spcPts val="0"/>
+                </a:spcBef>
+                <a:spcAft>
+                  <a:spcPts val="0"/>
+                </a:spcAft>
+                <a:buClrTx/>
+                <a:buSzTx/>
+                <a:buFontTx/>
+                <a:buNone/>
+                <a:tabLst/>
+                <a:defRPr/>
+              </a:pPr>
+              <a:t>83</a:t>
+            </a:fld>
+            <a:endParaRPr kumimoji="0" lang="ru-RU" sz="1200" b="0" i="0" u="none" strike="noStrike" kern="1200" cap="none" spc="0" normalizeH="0" baseline="0" noProof="0">
+              <a:ln>
+                <a:noFill/>
+              </a:ln>
+              <a:solidFill>
+                <a:prstClr val="black"/>
+              </a:solidFill>
+              <a:effectLst/>
+              <a:uLnTx/>
+              <a:uFillTx/>
+              <a:latin typeface="Calibri" panose="020F0502020204030204"/>
+              <a:ea typeface="+mn-ea"/>
+              <a:cs typeface="+mn-cs"/>
+            </a:endParaRPr>
+          </a:p>
+        </p:txBody>
+      </p:sp>
+    </p:spTree>
+    <p:extLst>
+      <p:ext uri="{BB962C8B-B14F-4D97-AF65-F5344CB8AC3E}">
+        <p14:creationId xmlns:p14="http://schemas.microsoft.com/office/powerpoint/2010/main" val="3799842389"/>
       </p:ext>
     </p:extLst>
   </p:cSld>
@@ -4816,7 +8468,7 @@
           <a:p>
             <a:fld id="{F2FFB779-270B-4192-84BA-A697F48306DC}" type="datetimeFigureOut">
               <a:rPr lang="ru-RU" smtClean="0"/>
-              <a:t>13.07.2020</a:t>
+              <a:t>14.07.2020</a:t>
             </a:fld>
             <a:endParaRPr lang="ru-RU"/>
           </a:p>
@@ -4984,7 +8636,7 @@
           <a:p>
             <a:fld id="{F2FFB779-270B-4192-84BA-A697F48306DC}" type="datetimeFigureOut">
               <a:rPr lang="ru-RU" smtClean="0"/>
-              <a:t>13.07.2020</a:t>
+              <a:t>14.07.2020</a:t>
             </a:fld>
             <a:endParaRPr lang="ru-RU"/>
           </a:p>
@@ -5162,7 +8814,7 @@
           <a:p>
             <a:fld id="{F2FFB779-270B-4192-84BA-A697F48306DC}" type="datetimeFigureOut">
               <a:rPr lang="ru-RU" smtClean="0"/>
-              <a:t>13.07.2020</a:t>
+              <a:t>14.07.2020</a:t>
             </a:fld>
             <a:endParaRPr lang="ru-RU"/>
           </a:p>
@@ -5330,7 +8982,7 @@
           <a:p>
             <a:fld id="{F2FFB779-270B-4192-84BA-A697F48306DC}" type="datetimeFigureOut">
               <a:rPr lang="ru-RU" smtClean="0"/>
-              <a:t>13.07.2020</a:t>
+              <a:t>14.07.2020</a:t>
             </a:fld>
             <a:endParaRPr lang="ru-RU"/>
           </a:p>
@@ -5575,7 +9227,7 @@
           <a:p>
             <a:fld id="{F2FFB779-270B-4192-84BA-A697F48306DC}" type="datetimeFigureOut">
               <a:rPr lang="ru-RU" smtClean="0"/>
-              <a:t>13.07.2020</a:t>
+              <a:t>14.07.2020</a:t>
             </a:fld>
             <a:endParaRPr lang="ru-RU"/>
           </a:p>
@@ -5804,7 +9456,7 @@
           <a:p>
             <a:fld id="{F2FFB779-270B-4192-84BA-A697F48306DC}" type="datetimeFigureOut">
               <a:rPr lang="ru-RU" smtClean="0"/>
-              <a:t>13.07.2020</a:t>
+              <a:t>14.07.2020</a:t>
             </a:fld>
             <a:endParaRPr lang="ru-RU"/>
           </a:p>
@@ -6168,7 +9820,7 @@
           <a:p>
             <a:fld id="{F2FFB779-270B-4192-84BA-A697F48306DC}" type="datetimeFigureOut">
               <a:rPr lang="ru-RU" smtClean="0"/>
-              <a:t>13.07.2020</a:t>
+              <a:t>14.07.2020</a:t>
             </a:fld>
             <a:endParaRPr lang="ru-RU"/>
           </a:p>
@@ -6285,7 +9937,7 @@
           <a:p>
             <a:fld id="{F2FFB779-270B-4192-84BA-A697F48306DC}" type="datetimeFigureOut">
               <a:rPr lang="ru-RU" smtClean="0"/>
-              <a:t>13.07.2020</a:t>
+              <a:t>14.07.2020</a:t>
             </a:fld>
             <a:endParaRPr lang="ru-RU"/>
           </a:p>
@@ -6380,7 +10032,7 @@
           <a:p>
             <a:fld id="{F2FFB779-270B-4192-84BA-A697F48306DC}" type="datetimeFigureOut">
               <a:rPr lang="ru-RU" smtClean="0"/>
-              <a:t>13.07.2020</a:t>
+              <a:t>14.07.2020</a:t>
             </a:fld>
             <a:endParaRPr lang="ru-RU"/>
           </a:p>
@@ -6655,7 +10307,7 @@
           <a:p>
             <a:fld id="{F2FFB779-270B-4192-84BA-A697F48306DC}" type="datetimeFigureOut">
               <a:rPr lang="ru-RU" smtClean="0"/>
-              <a:t>13.07.2020</a:t>
+              <a:t>14.07.2020</a:t>
             </a:fld>
             <a:endParaRPr lang="ru-RU"/>
           </a:p>
@@ -6907,7 +10559,7 @@
           <a:p>
             <a:fld id="{F2FFB779-270B-4192-84BA-A697F48306DC}" type="datetimeFigureOut">
               <a:rPr lang="ru-RU" smtClean="0"/>
-              <a:t>13.07.2020</a:t>
+              <a:t>14.07.2020</a:t>
             </a:fld>
             <a:endParaRPr lang="ru-RU"/>
           </a:p>
@@ -7118,7 +10770,7 @@
           <a:p>
             <a:fld id="{F2FFB779-270B-4192-84BA-A697F48306DC}" type="datetimeFigureOut">
               <a:rPr lang="ru-RU" smtClean="0"/>
-              <a:t>13.07.2020</a:t>
+              <a:t>14.07.2020</a:t>
             </a:fld>
             <a:endParaRPr lang="ru-RU"/>
           </a:p>
@@ -22063,6 +25715,2455 @@
 </p:sld>
 </file>
 
+<file path=ppt/slides/slide71.xml><?xml version="1.0" encoding="utf-8"?>
+<p:sld xmlns:a="http://schemas.openxmlformats.org/drawingml/2006/main" xmlns:r="http://schemas.openxmlformats.org/officeDocument/2006/relationships" xmlns:p="http://schemas.openxmlformats.org/presentationml/2006/main">
+  <p:cSld>
+    <p:bg>
+      <p:bgPr>
+        <a:solidFill>
+          <a:srgbClr val="262626"/>
+        </a:solidFill>
+        <a:effectLst/>
+      </p:bgPr>
+    </p:bg>
+    <p:spTree>
+      <p:nvGrpSpPr>
+        <p:cNvPr id="1" name=""/>
+        <p:cNvGrpSpPr/>
+        <p:nvPr/>
+      </p:nvGrpSpPr>
+      <p:grpSpPr>
+        <a:xfrm>
+          <a:off x="0" y="0"/>
+          <a:ext cx="0" cy="0"/>
+          <a:chOff x="0" y="0"/>
+          <a:chExt cx="0" cy="0"/>
+        </a:xfrm>
+      </p:grpSpPr>
+      <p:sp>
+        <p:nvSpPr>
+          <p:cNvPr id="4" name="Прямоугольник 3"/>
+          <p:cNvSpPr/>
+          <p:nvPr/>
+        </p:nvSpPr>
+        <p:spPr>
+          <a:xfrm>
+            <a:off x="5327229" y="2998113"/>
+            <a:ext cx="1537600" cy="830997"/>
+          </a:xfrm>
+          <a:prstGeom prst="rect">
+            <a:avLst/>
+          </a:prstGeom>
+        </p:spPr>
+        <p:txBody>
+          <a:bodyPr wrap="none">
+            <a:spAutoFit/>
+          </a:bodyPr>
+          <a:lstStyle/>
+          <a:p>
+            <a:pPr marL="0" marR="0" lvl="0" indent="0" algn="ctr" defTabSz="914400" rtl="0" eaLnBrk="1" fontAlgn="auto" latinLnBrk="0" hangingPunct="1">
+              <a:lnSpc>
+                <a:spcPct val="100000"/>
+              </a:lnSpc>
+              <a:spcBef>
+                <a:spcPts val="0"/>
+              </a:spcBef>
+              <a:spcAft>
+                <a:spcPts val="0"/>
+              </a:spcAft>
+              <a:buClrTx/>
+              <a:buSzTx/>
+              <a:buFontTx/>
+              <a:buNone/>
+              <a:tabLst/>
+              <a:defRPr/>
+            </a:pPr>
+            <a:r>
+              <a:rPr lang="en-US" sz="4800" dirty="0" smtClean="0">
+                <a:solidFill>
+                  <a:srgbClr val="00D8FF"/>
+                </a:solidFill>
+                <a:latin typeface="Consolas"/>
+                <a:cs typeface="Calibri"/>
+              </a:rPr>
+              <a:t>Type</a:t>
+            </a:r>
+            <a:endParaRPr kumimoji="0" lang="en-US" sz="4800" b="0" i="0" u="none" strike="noStrike" kern="1200" cap="none" spc="0" normalizeH="0" baseline="0" noProof="0" dirty="0">
+              <a:ln>
+                <a:noFill/>
+              </a:ln>
+              <a:solidFill>
+                <a:srgbClr val="00D8FF"/>
+              </a:solidFill>
+              <a:effectLst/>
+              <a:uLnTx/>
+              <a:uFillTx/>
+              <a:latin typeface="Consolas"/>
+              <a:ea typeface="+mn-ea"/>
+              <a:cs typeface="Calibri"/>
+            </a:endParaRPr>
+          </a:p>
+        </p:txBody>
+      </p:sp>
+      <p:sp>
+        <p:nvSpPr>
+          <p:cNvPr id="3" name="Прямоугольник 2"/>
+          <p:cNvSpPr/>
+          <p:nvPr/>
+        </p:nvSpPr>
+        <p:spPr>
+          <a:xfrm>
+            <a:off x="3128710" y="2998112"/>
+            <a:ext cx="5934638" cy="830997"/>
+          </a:xfrm>
+          <a:prstGeom prst="rect">
+            <a:avLst/>
+          </a:prstGeom>
+        </p:spPr>
+        <p:txBody>
+          <a:bodyPr wrap="none">
+            <a:spAutoFit/>
+          </a:bodyPr>
+          <a:lstStyle/>
+          <a:p>
+            <a:pPr lvl="0" algn="ctr">
+              <a:defRPr/>
+            </a:pPr>
+            <a:r>
+              <a:rPr lang="en-US" sz="4800" dirty="0" smtClean="0">
+                <a:solidFill>
+                  <a:srgbClr val="00D8FF"/>
+                </a:solidFill>
+                <a:latin typeface="Consolas"/>
+                <a:cs typeface="Calibri"/>
+              </a:rPr>
+              <a:t>Type1 Type2 Type3</a:t>
+            </a:r>
+            <a:endParaRPr kumimoji="0" lang="en-US" sz="4800" b="0" i="0" u="none" strike="noStrike" kern="1200" cap="none" spc="0" normalizeH="0" baseline="0" noProof="0" dirty="0">
+              <a:ln>
+                <a:noFill/>
+              </a:ln>
+              <a:solidFill>
+                <a:srgbClr val="00D8FF"/>
+              </a:solidFill>
+              <a:effectLst/>
+              <a:uLnTx/>
+              <a:uFillTx/>
+              <a:latin typeface="Consolas"/>
+              <a:ea typeface="+mn-ea"/>
+              <a:cs typeface="Calibri"/>
+            </a:endParaRPr>
+          </a:p>
+        </p:txBody>
+      </p:sp>
+      <p:sp>
+        <p:nvSpPr>
+          <p:cNvPr id="5" name="Прямоугольник 4"/>
+          <p:cNvSpPr/>
+          <p:nvPr/>
+        </p:nvSpPr>
+        <p:spPr>
+          <a:xfrm>
+            <a:off x="2702500" y="2998112"/>
+            <a:ext cx="7287572" cy="830997"/>
+          </a:xfrm>
+          <a:prstGeom prst="rect">
+            <a:avLst/>
+          </a:prstGeom>
+        </p:spPr>
+        <p:txBody>
+          <a:bodyPr wrap="none">
+            <a:spAutoFit/>
+          </a:bodyPr>
+          <a:lstStyle/>
+          <a:p>
+            <a:pPr lvl="0" algn="ctr">
+              <a:defRPr/>
+            </a:pPr>
+            <a:r>
+              <a:rPr lang="en-US" sz="4800" dirty="0" smtClean="0">
+                <a:solidFill>
+                  <a:srgbClr val="00D8FF"/>
+                </a:solidFill>
+                <a:latin typeface="Consolas"/>
+                <a:cs typeface="Calibri"/>
+              </a:rPr>
+              <a:t>Union </a:t>
+            </a:r>
+            <a:r>
+              <a:rPr lang="en-US" sz="4800" dirty="0" smtClean="0">
+                <a:solidFill>
+                  <a:srgbClr val="BF4141"/>
+                </a:solidFill>
+                <a:latin typeface="Consolas"/>
+                <a:cs typeface="Calibri"/>
+              </a:rPr>
+              <a:t>or</a:t>
+            </a:r>
+            <a:r>
+              <a:rPr lang="en-US" sz="4800" dirty="0" smtClean="0">
+                <a:solidFill>
+                  <a:srgbClr val="00D8FF"/>
+                </a:solidFill>
+                <a:latin typeface="Consolas"/>
+                <a:cs typeface="Calibri"/>
+              </a:rPr>
+              <a:t> Intersection</a:t>
+            </a:r>
+            <a:endParaRPr kumimoji="0" lang="en-US" sz="4800" b="0" i="0" u="none" strike="noStrike" kern="1200" cap="none" spc="0" normalizeH="0" baseline="0" noProof="0" dirty="0">
+              <a:ln>
+                <a:noFill/>
+              </a:ln>
+              <a:solidFill>
+                <a:srgbClr val="00D8FF"/>
+              </a:solidFill>
+              <a:effectLst/>
+              <a:uLnTx/>
+              <a:uFillTx/>
+              <a:latin typeface="Consolas"/>
+              <a:ea typeface="+mn-ea"/>
+              <a:cs typeface="Calibri"/>
+            </a:endParaRPr>
+          </a:p>
+        </p:txBody>
+      </p:sp>
+    </p:spTree>
+    <p:extLst>
+      <p:ext uri="{BB962C8B-B14F-4D97-AF65-F5344CB8AC3E}">
+        <p14:creationId xmlns:p14="http://schemas.microsoft.com/office/powerpoint/2010/main" val="744578351"/>
+      </p:ext>
+    </p:extLst>
+  </p:cSld>
+  <p:clrMapOvr>
+    <a:masterClrMapping/>
+  </p:clrMapOvr>
+  <p:timing>
+    <p:tnLst>
+      <p:par>
+        <p:cTn id="1" dur="indefinite" restart="never" nodeType="tmRoot">
+          <p:childTnLst>
+            <p:seq concurrent="1" nextAc="seek">
+              <p:cTn id="2" dur="indefinite" nodeType="mainSeq">
+                <p:childTnLst>
+                  <p:par>
+                    <p:cTn id="3" fill="hold">
+                      <p:stCondLst>
+                        <p:cond delay="indefinite"/>
+                      </p:stCondLst>
+                      <p:childTnLst>
+                        <p:par>
+                          <p:cTn id="4" fill="hold">
+                            <p:stCondLst>
+                              <p:cond delay="0"/>
+                            </p:stCondLst>
+                            <p:childTnLst>
+                              <p:par>
+                                <p:cTn id="5" presetID="10" presetClass="exit" presetSubtype="0" fill="hold" grpId="0" nodeType="clickEffect">
+                                  <p:stCondLst>
+                                    <p:cond delay="0"/>
+                                  </p:stCondLst>
+                                  <p:childTnLst>
+                                    <p:animEffect transition="out" filter="fade">
+                                      <p:cBhvr>
+                                        <p:cTn id="6" dur="500"/>
+                                        <p:tgtEl>
+                                          <p:spTgt spid="4"/>
+                                        </p:tgtEl>
+                                      </p:cBhvr>
+                                    </p:animEffect>
+                                    <p:set>
+                                      <p:cBhvr>
+                                        <p:cTn id="7" dur="1" fill="hold">
+                                          <p:stCondLst>
+                                            <p:cond delay="499"/>
+                                          </p:stCondLst>
+                                        </p:cTn>
+                                        <p:tgtEl>
+                                          <p:spTgt spid="4"/>
+                                        </p:tgtEl>
+                                        <p:attrNameLst>
+                                          <p:attrName>style.visibility</p:attrName>
+                                        </p:attrNameLst>
+                                      </p:cBhvr>
+                                      <p:to>
+                                        <p:strVal val="hidden"/>
+                                      </p:to>
+                                    </p:set>
+                                  </p:childTnLst>
+                                </p:cTn>
+                              </p:par>
+                              <p:par>
+                                <p:cTn id="8" presetID="10" presetClass="entr" presetSubtype="0" fill="hold" grpId="0" nodeType="withEffect">
+                                  <p:stCondLst>
+                                    <p:cond delay="0"/>
+                                  </p:stCondLst>
+                                  <p:childTnLst>
+                                    <p:set>
+                                      <p:cBhvr>
+                                        <p:cTn id="9" dur="1" fill="hold">
+                                          <p:stCondLst>
+                                            <p:cond delay="0"/>
+                                          </p:stCondLst>
+                                        </p:cTn>
+                                        <p:tgtEl>
+                                          <p:spTgt spid="3"/>
+                                        </p:tgtEl>
+                                        <p:attrNameLst>
+                                          <p:attrName>style.visibility</p:attrName>
+                                        </p:attrNameLst>
+                                      </p:cBhvr>
+                                      <p:to>
+                                        <p:strVal val="visible"/>
+                                      </p:to>
+                                    </p:set>
+                                    <p:animEffect transition="in" filter="fade">
+                                      <p:cBhvr>
+                                        <p:cTn id="10" dur="500"/>
+                                        <p:tgtEl>
+                                          <p:spTgt spid="3"/>
+                                        </p:tgtEl>
+                                      </p:cBhvr>
+                                    </p:animEffect>
+                                  </p:childTnLst>
+                                </p:cTn>
+                              </p:par>
+                            </p:childTnLst>
+                          </p:cTn>
+                        </p:par>
+                      </p:childTnLst>
+                    </p:cTn>
+                  </p:par>
+                  <p:par>
+                    <p:cTn id="11" fill="hold">
+                      <p:stCondLst>
+                        <p:cond delay="indefinite"/>
+                      </p:stCondLst>
+                      <p:childTnLst>
+                        <p:par>
+                          <p:cTn id="12" fill="hold">
+                            <p:stCondLst>
+                              <p:cond delay="0"/>
+                            </p:stCondLst>
+                            <p:childTnLst>
+                              <p:par>
+                                <p:cTn id="13" presetID="10" presetClass="exit" presetSubtype="0" fill="hold" grpId="1" nodeType="clickEffect">
+                                  <p:stCondLst>
+                                    <p:cond delay="0"/>
+                                  </p:stCondLst>
+                                  <p:childTnLst>
+                                    <p:animEffect transition="out" filter="fade">
+                                      <p:cBhvr>
+                                        <p:cTn id="14" dur="500"/>
+                                        <p:tgtEl>
+                                          <p:spTgt spid="3"/>
+                                        </p:tgtEl>
+                                      </p:cBhvr>
+                                    </p:animEffect>
+                                    <p:set>
+                                      <p:cBhvr>
+                                        <p:cTn id="15" dur="1" fill="hold">
+                                          <p:stCondLst>
+                                            <p:cond delay="499"/>
+                                          </p:stCondLst>
+                                        </p:cTn>
+                                        <p:tgtEl>
+                                          <p:spTgt spid="3"/>
+                                        </p:tgtEl>
+                                        <p:attrNameLst>
+                                          <p:attrName>style.visibility</p:attrName>
+                                        </p:attrNameLst>
+                                      </p:cBhvr>
+                                      <p:to>
+                                        <p:strVal val="hidden"/>
+                                      </p:to>
+                                    </p:set>
+                                  </p:childTnLst>
+                                </p:cTn>
+                              </p:par>
+                              <p:par>
+                                <p:cTn id="16" presetID="10" presetClass="entr" presetSubtype="0" fill="hold" grpId="1" nodeType="withEffect">
+                                  <p:stCondLst>
+                                    <p:cond delay="0"/>
+                                  </p:stCondLst>
+                                  <p:childTnLst>
+                                    <p:set>
+                                      <p:cBhvr>
+                                        <p:cTn id="17" dur="1" fill="hold">
+                                          <p:stCondLst>
+                                            <p:cond delay="0"/>
+                                          </p:stCondLst>
+                                        </p:cTn>
+                                        <p:tgtEl>
+                                          <p:spTgt spid="5"/>
+                                        </p:tgtEl>
+                                        <p:attrNameLst>
+                                          <p:attrName>style.visibility</p:attrName>
+                                        </p:attrNameLst>
+                                      </p:cBhvr>
+                                      <p:to>
+                                        <p:strVal val="visible"/>
+                                      </p:to>
+                                    </p:set>
+                                    <p:animEffect transition="in" filter="fade">
+                                      <p:cBhvr>
+                                        <p:cTn id="18" dur="500"/>
+                                        <p:tgtEl>
+                                          <p:spTgt spid="5"/>
+                                        </p:tgtEl>
+                                      </p:cBhvr>
+                                    </p:animEffect>
+                                  </p:childTnLst>
+                                </p:cTn>
+                              </p:par>
+                            </p:childTnLst>
+                          </p:cTn>
+                        </p:par>
+                      </p:childTnLst>
+                    </p:cTn>
+                  </p:par>
+                </p:childTnLst>
+              </p:cTn>
+              <p:prevCondLst>
+                <p:cond evt="onPrev" delay="0">
+                  <p:tgtEl>
+                    <p:sldTgt/>
+                  </p:tgtEl>
+                </p:cond>
+              </p:prevCondLst>
+              <p:nextCondLst>
+                <p:cond evt="onNext" delay="0">
+                  <p:tgtEl>
+                    <p:sldTgt/>
+                  </p:tgtEl>
+                </p:cond>
+              </p:nextCondLst>
+            </p:seq>
+          </p:childTnLst>
+        </p:cTn>
+      </p:par>
+    </p:tnLst>
+    <p:bldLst>
+      <p:bldP spid="4" grpId="0"/>
+      <p:bldP spid="3" grpId="0"/>
+      <p:bldP spid="3" grpId="1"/>
+      <p:bldP spid="5" grpId="1"/>
+    </p:bldLst>
+  </p:timing>
+</p:sld>
+</file>
+
+<file path=ppt/slides/slide72.xml><?xml version="1.0" encoding="utf-8"?>
+<p:sld xmlns:a="http://schemas.openxmlformats.org/drawingml/2006/main" xmlns:r="http://schemas.openxmlformats.org/officeDocument/2006/relationships" xmlns:p="http://schemas.openxmlformats.org/presentationml/2006/main">
+  <p:cSld>
+    <p:bg>
+      <p:bgPr>
+        <a:solidFill>
+          <a:srgbClr val="262626"/>
+        </a:solidFill>
+        <a:effectLst/>
+      </p:bgPr>
+    </p:bg>
+    <p:spTree>
+      <p:nvGrpSpPr>
+        <p:cNvPr id="1" name=""/>
+        <p:cNvGrpSpPr/>
+        <p:nvPr/>
+      </p:nvGrpSpPr>
+      <p:grpSpPr>
+        <a:xfrm>
+          <a:off x="0" y="0"/>
+          <a:ext cx="0" cy="0"/>
+          <a:chOff x="0" y="0"/>
+          <a:chExt cx="0" cy="0"/>
+        </a:xfrm>
+      </p:grpSpPr>
+      <p:sp>
+        <p:nvSpPr>
+          <p:cNvPr id="5" name="Прямоугольник 4"/>
+          <p:cNvSpPr/>
+          <p:nvPr/>
+        </p:nvSpPr>
+        <p:spPr>
+          <a:xfrm>
+            <a:off x="4302907" y="2983650"/>
+            <a:ext cx="3567002" cy="830997"/>
+          </a:xfrm>
+          <a:prstGeom prst="rect">
+            <a:avLst/>
+          </a:prstGeom>
+        </p:spPr>
+        <p:txBody>
+          <a:bodyPr wrap="none">
+            <a:spAutoFit/>
+          </a:bodyPr>
+          <a:lstStyle/>
+          <a:p>
+            <a:pPr marL="0" marR="0" lvl="0" indent="0" algn="ctr" defTabSz="914400" rtl="0" eaLnBrk="1" fontAlgn="auto" latinLnBrk="0" hangingPunct="1">
+              <a:lnSpc>
+                <a:spcPct val="100000"/>
+              </a:lnSpc>
+              <a:spcBef>
+                <a:spcPts val="0"/>
+              </a:spcBef>
+              <a:spcAft>
+                <a:spcPts val="0"/>
+              </a:spcAft>
+              <a:buClrTx/>
+              <a:buSzTx/>
+              <a:buFontTx/>
+              <a:buNone/>
+              <a:tabLst/>
+              <a:defRPr/>
+            </a:pPr>
+            <a:r>
+              <a:rPr kumimoji="0" lang="en-US" sz="4800" b="0" i="0" u="none" strike="noStrike" kern="1200" cap="none" spc="0" normalizeH="0" baseline="0" noProof="0" dirty="0" smtClean="0">
+                <a:ln>
+                  <a:noFill/>
+                </a:ln>
+                <a:solidFill>
+                  <a:srgbClr val="00D8FF"/>
+                </a:solidFill>
+                <a:effectLst/>
+                <a:uLnTx/>
+                <a:uFillTx/>
+                <a:latin typeface="Consolas"/>
+                <a:ea typeface="+mn-ea"/>
+                <a:cs typeface="Calibri"/>
+              </a:rPr>
+              <a:t>Type</a:t>
+            </a:r>
+            <a:r>
+              <a:rPr kumimoji="0" lang="en-US" sz="4800" b="0" i="0" u="none" strike="noStrike" kern="1200" cap="none" spc="0" normalizeH="0" noProof="0" dirty="0" smtClean="0">
+                <a:ln>
+                  <a:noFill/>
+                </a:ln>
+                <a:solidFill>
+                  <a:srgbClr val="00D8FF"/>
+                </a:solidFill>
+                <a:effectLst/>
+                <a:uLnTx/>
+                <a:uFillTx/>
+                <a:latin typeface="Consolas"/>
+                <a:ea typeface="+mn-ea"/>
+                <a:cs typeface="Calibri"/>
+              </a:rPr>
+              <a:t> alias</a:t>
+            </a:r>
+            <a:endParaRPr kumimoji="0" lang="en-US" sz="4800" b="0" i="0" u="none" strike="noStrike" kern="1200" cap="none" spc="0" normalizeH="0" baseline="0" noProof="0" dirty="0">
+              <a:ln>
+                <a:noFill/>
+              </a:ln>
+              <a:solidFill>
+                <a:srgbClr val="00D8FF"/>
+              </a:solidFill>
+              <a:effectLst/>
+              <a:uLnTx/>
+              <a:uFillTx/>
+              <a:latin typeface="Consolas"/>
+              <a:ea typeface="+mn-ea"/>
+              <a:cs typeface="Calibri"/>
+            </a:endParaRPr>
+          </a:p>
+        </p:txBody>
+      </p:sp>
+    </p:spTree>
+    <p:extLst>
+      <p:ext uri="{BB962C8B-B14F-4D97-AF65-F5344CB8AC3E}">
+        <p14:creationId xmlns:p14="http://schemas.microsoft.com/office/powerpoint/2010/main" val="266192395"/>
+      </p:ext>
+    </p:extLst>
+  </p:cSld>
+  <p:clrMapOvr>
+    <a:masterClrMapping/>
+  </p:clrMapOvr>
+  <p:timing>
+    <p:tnLst>
+      <p:par>
+        <p:cTn id="1" dur="indefinite" restart="never" nodeType="tmRoot"/>
+      </p:par>
+    </p:tnLst>
+  </p:timing>
+</p:sld>
+</file>
+
+<file path=ppt/slides/slide73.xml><?xml version="1.0" encoding="utf-8"?>
+<p:sld xmlns:a="http://schemas.openxmlformats.org/drawingml/2006/main" xmlns:r="http://schemas.openxmlformats.org/officeDocument/2006/relationships" xmlns:p="http://schemas.openxmlformats.org/presentationml/2006/main">
+  <p:cSld>
+    <p:bg>
+      <p:bgPr>
+        <a:solidFill>
+          <a:srgbClr val="262626"/>
+        </a:solidFill>
+        <a:effectLst/>
+      </p:bgPr>
+    </p:bg>
+    <p:spTree>
+      <p:nvGrpSpPr>
+        <p:cNvPr id="1" name=""/>
+        <p:cNvGrpSpPr/>
+        <p:nvPr/>
+      </p:nvGrpSpPr>
+      <p:grpSpPr>
+        <a:xfrm>
+          <a:off x="0" y="0"/>
+          <a:ext cx="0" cy="0"/>
+          <a:chOff x="0" y="0"/>
+          <a:chExt cx="0" cy="0"/>
+        </a:xfrm>
+      </p:grpSpPr>
+      <p:sp>
+        <p:nvSpPr>
+          <p:cNvPr id="5" name="Прямоугольник 4"/>
+          <p:cNvSpPr/>
+          <p:nvPr/>
+        </p:nvSpPr>
+        <p:spPr>
+          <a:xfrm>
+            <a:off x="4133793" y="2983650"/>
+            <a:ext cx="3905236" cy="830997"/>
+          </a:xfrm>
+          <a:prstGeom prst="rect">
+            <a:avLst/>
+          </a:prstGeom>
+        </p:spPr>
+        <p:txBody>
+          <a:bodyPr wrap="none">
+            <a:spAutoFit/>
+          </a:bodyPr>
+          <a:lstStyle/>
+          <a:p>
+            <a:pPr marL="0" marR="0" lvl="0" indent="0" algn="ctr" defTabSz="914400" rtl="0" eaLnBrk="1" fontAlgn="auto" latinLnBrk="0" hangingPunct="1">
+              <a:lnSpc>
+                <a:spcPct val="100000"/>
+              </a:lnSpc>
+              <a:spcBef>
+                <a:spcPts val="0"/>
+              </a:spcBef>
+              <a:spcAft>
+                <a:spcPts val="0"/>
+              </a:spcAft>
+              <a:buClrTx/>
+              <a:buSzTx/>
+              <a:buFontTx/>
+              <a:buNone/>
+              <a:tabLst/>
+              <a:defRPr/>
+            </a:pPr>
+            <a:r>
+              <a:rPr kumimoji="0" lang="en-US" sz="4800" b="0" i="0" u="none" strike="noStrike" kern="1200" cap="none" spc="0" normalizeH="0" baseline="0" noProof="0" dirty="0" smtClean="0">
+                <a:ln>
+                  <a:noFill/>
+                </a:ln>
+                <a:solidFill>
+                  <a:srgbClr val="00D8FF"/>
+                </a:solidFill>
+                <a:effectLst/>
+                <a:uLnTx/>
+                <a:uFillTx/>
+                <a:latin typeface="Consolas"/>
+                <a:ea typeface="+mn-ea"/>
+                <a:cs typeface="Calibri"/>
+              </a:rPr>
+              <a:t>Union</a:t>
+            </a:r>
+            <a:r>
+              <a:rPr kumimoji="0" lang="en-US" sz="4800" b="0" i="0" u="none" strike="noStrike" kern="1200" cap="none" spc="0" normalizeH="0" noProof="0" dirty="0" smtClean="0">
+                <a:ln>
+                  <a:noFill/>
+                </a:ln>
+                <a:solidFill>
+                  <a:srgbClr val="00D8FF"/>
+                </a:solidFill>
+                <a:effectLst/>
+                <a:uLnTx/>
+                <a:uFillTx/>
+                <a:latin typeface="Consolas"/>
+                <a:ea typeface="+mn-ea"/>
+                <a:cs typeface="Calibri"/>
+              </a:rPr>
+              <a:t> types</a:t>
+            </a:r>
+            <a:endParaRPr kumimoji="0" lang="en-US" sz="4800" b="0" i="0" u="none" strike="noStrike" kern="1200" cap="none" spc="0" normalizeH="0" baseline="0" noProof="0" dirty="0">
+              <a:ln>
+                <a:noFill/>
+              </a:ln>
+              <a:solidFill>
+                <a:srgbClr val="00D8FF"/>
+              </a:solidFill>
+              <a:effectLst/>
+              <a:uLnTx/>
+              <a:uFillTx/>
+              <a:latin typeface="Consolas"/>
+              <a:ea typeface="+mn-ea"/>
+              <a:cs typeface="Calibri"/>
+            </a:endParaRPr>
+          </a:p>
+        </p:txBody>
+      </p:sp>
+    </p:spTree>
+    <p:extLst>
+      <p:ext uri="{BB962C8B-B14F-4D97-AF65-F5344CB8AC3E}">
+        <p14:creationId xmlns:p14="http://schemas.microsoft.com/office/powerpoint/2010/main" val="3825611619"/>
+      </p:ext>
+    </p:extLst>
+  </p:cSld>
+  <p:clrMapOvr>
+    <a:masterClrMapping/>
+  </p:clrMapOvr>
+  <p:timing>
+    <p:tnLst>
+      <p:par>
+        <p:cTn id="1" dur="indefinite" restart="never" nodeType="tmRoot"/>
+      </p:par>
+    </p:tnLst>
+  </p:timing>
+</p:sld>
+</file>
+
+<file path=ppt/slides/slide74.xml><?xml version="1.0" encoding="utf-8"?>
+<p:sld xmlns:a="http://schemas.openxmlformats.org/drawingml/2006/main" xmlns:r="http://schemas.openxmlformats.org/officeDocument/2006/relationships" xmlns:p="http://schemas.openxmlformats.org/presentationml/2006/main">
+  <p:cSld>
+    <p:bg>
+      <p:bgPr>
+        <a:solidFill>
+          <a:srgbClr val="262626"/>
+        </a:solidFill>
+        <a:effectLst/>
+      </p:bgPr>
+    </p:bg>
+    <p:spTree>
+      <p:nvGrpSpPr>
+        <p:cNvPr id="1" name=""/>
+        <p:cNvGrpSpPr/>
+        <p:nvPr/>
+      </p:nvGrpSpPr>
+      <p:grpSpPr>
+        <a:xfrm>
+          <a:off x="0" y="0"/>
+          <a:ext cx="0" cy="0"/>
+          <a:chOff x="0" y="0"/>
+          <a:chExt cx="0" cy="0"/>
+        </a:xfrm>
+      </p:grpSpPr>
+      <p:sp>
+        <p:nvSpPr>
+          <p:cNvPr id="5" name="Прямоугольник 4"/>
+          <p:cNvSpPr/>
+          <p:nvPr/>
+        </p:nvSpPr>
+        <p:spPr>
+          <a:xfrm>
+            <a:off x="1935277" y="2983650"/>
+            <a:ext cx="8302274" cy="830997"/>
+          </a:xfrm>
+          <a:prstGeom prst="rect">
+            <a:avLst/>
+          </a:prstGeom>
+        </p:spPr>
+        <p:txBody>
+          <a:bodyPr wrap="none">
+            <a:spAutoFit/>
+          </a:bodyPr>
+          <a:lstStyle/>
+          <a:p>
+            <a:pPr marL="0" marR="0" lvl="0" indent="0" algn="ctr" defTabSz="914400" rtl="0" eaLnBrk="1" fontAlgn="auto" latinLnBrk="0" hangingPunct="1">
+              <a:lnSpc>
+                <a:spcPct val="100000"/>
+              </a:lnSpc>
+              <a:spcBef>
+                <a:spcPts val="0"/>
+              </a:spcBef>
+              <a:spcAft>
+                <a:spcPts val="0"/>
+              </a:spcAft>
+              <a:buClrTx/>
+              <a:buSzTx/>
+              <a:buFontTx/>
+              <a:buNone/>
+              <a:tabLst/>
+              <a:defRPr/>
+            </a:pPr>
+            <a:r>
+              <a:rPr kumimoji="0" lang="en-US" sz="4800" b="0" i="0" u="none" strike="noStrike" kern="1200" cap="none" spc="0" normalizeH="0" baseline="0" noProof="0" dirty="0" smtClean="0">
+                <a:ln>
+                  <a:noFill/>
+                </a:ln>
+                <a:solidFill>
+                  <a:srgbClr val="00D8FF"/>
+                </a:solidFill>
+                <a:effectLst/>
+                <a:uLnTx/>
+                <a:uFillTx/>
+                <a:latin typeface="Consolas"/>
+                <a:ea typeface="+mn-ea"/>
+                <a:cs typeface="Calibri"/>
+              </a:rPr>
+              <a:t>Union with common fields</a:t>
+            </a:r>
+            <a:endParaRPr kumimoji="0" lang="en-US" sz="4800" b="0" i="0" u="none" strike="noStrike" kern="1200" cap="none" spc="0" normalizeH="0" baseline="0" noProof="0" dirty="0">
+              <a:ln>
+                <a:noFill/>
+              </a:ln>
+              <a:solidFill>
+                <a:srgbClr val="00D8FF"/>
+              </a:solidFill>
+              <a:effectLst/>
+              <a:uLnTx/>
+              <a:uFillTx/>
+              <a:latin typeface="Consolas"/>
+              <a:ea typeface="+mn-ea"/>
+              <a:cs typeface="Calibri"/>
+            </a:endParaRPr>
+          </a:p>
+        </p:txBody>
+      </p:sp>
+    </p:spTree>
+    <p:extLst>
+      <p:ext uri="{BB962C8B-B14F-4D97-AF65-F5344CB8AC3E}">
+        <p14:creationId xmlns:p14="http://schemas.microsoft.com/office/powerpoint/2010/main" val="2465628323"/>
+      </p:ext>
+    </p:extLst>
+  </p:cSld>
+  <p:clrMapOvr>
+    <a:masterClrMapping/>
+  </p:clrMapOvr>
+  <p:timing>
+    <p:tnLst>
+      <p:par>
+        <p:cTn id="1" dur="indefinite" restart="never" nodeType="tmRoot"/>
+      </p:par>
+    </p:tnLst>
+  </p:timing>
+</p:sld>
+</file>
+
+<file path=ppt/slides/slide75.xml><?xml version="1.0" encoding="utf-8"?>
+<p:sld xmlns:a="http://schemas.openxmlformats.org/drawingml/2006/main" xmlns:r="http://schemas.openxmlformats.org/officeDocument/2006/relationships" xmlns:p="http://schemas.openxmlformats.org/presentationml/2006/main">
+  <p:cSld>
+    <p:bg>
+      <p:bgPr>
+        <a:solidFill>
+          <a:srgbClr val="262626"/>
+        </a:solidFill>
+        <a:effectLst/>
+      </p:bgPr>
+    </p:bg>
+    <p:spTree>
+      <p:nvGrpSpPr>
+        <p:cNvPr id="1" name=""/>
+        <p:cNvGrpSpPr/>
+        <p:nvPr/>
+      </p:nvGrpSpPr>
+      <p:grpSpPr>
+        <a:xfrm>
+          <a:off x="0" y="0"/>
+          <a:ext cx="0" cy="0"/>
+          <a:chOff x="0" y="0"/>
+          <a:chExt cx="0" cy="0"/>
+        </a:xfrm>
+      </p:grpSpPr>
+      <p:grpSp>
+        <p:nvGrpSpPr>
+          <p:cNvPr id="3" name="Группа 2"/>
+          <p:cNvGrpSpPr/>
+          <p:nvPr/>
+        </p:nvGrpSpPr>
+        <p:grpSpPr>
+          <a:xfrm>
+            <a:off x="801705" y="712516"/>
+            <a:ext cx="6032231" cy="5553530"/>
+            <a:chOff x="4089837" y="3348091"/>
+            <a:chExt cx="2439344" cy="2439344"/>
+          </a:xfrm>
+        </p:grpSpPr>
+        <p:sp>
+          <p:nvSpPr>
+            <p:cNvPr id="4" name="Овал 3"/>
+            <p:cNvSpPr/>
+            <p:nvPr/>
+          </p:nvSpPr>
+          <p:spPr>
+            <a:xfrm>
+              <a:off x="4089837" y="3348091"/>
+              <a:ext cx="2439344" cy="2439344"/>
+            </a:xfrm>
+            <a:prstGeom prst="ellipse">
+              <a:avLst/>
+            </a:prstGeom>
+            <a:noFill/>
+            <a:ln w="76200">
+              <a:solidFill>
+                <a:srgbClr val="00D8FF"/>
+              </a:solidFill>
+            </a:ln>
+          </p:spPr>
+          <p:style>
+            <a:lnRef idx="2">
+              <a:schemeClr val="accent1">
+                <a:shade val="50000"/>
+              </a:schemeClr>
+            </a:lnRef>
+            <a:fillRef idx="1">
+              <a:schemeClr val="accent1"/>
+            </a:fillRef>
+            <a:effectRef idx="0">
+              <a:schemeClr val="accent1"/>
+            </a:effectRef>
+            <a:fontRef idx="minor">
+              <a:schemeClr val="lt1"/>
+            </a:fontRef>
+          </p:style>
+          <p:txBody>
+            <a:bodyPr rtlCol="0" anchor="ctr"/>
+            <a:lstStyle/>
+            <a:p>
+              <a:pPr marL="0" marR="0" lvl="0" indent="0" algn="ctr" defTabSz="914400" rtl="0" eaLnBrk="1" fontAlgn="auto" latinLnBrk="0" hangingPunct="1">
+                <a:lnSpc>
+                  <a:spcPct val="100000"/>
+                </a:lnSpc>
+                <a:spcBef>
+                  <a:spcPts val="0"/>
+                </a:spcBef>
+                <a:spcAft>
+                  <a:spcPts val="0"/>
+                </a:spcAft>
+                <a:buClrTx/>
+                <a:buSzTx/>
+                <a:buFontTx/>
+                <a:buNone/>
+                <a:tabLst/>
+                <a:defRPr/>
+              </a:pPr>
+              <a:endParaRPr kumimoji="0" lang="en-US" sz="1800" b="0" i="0" u="none" strike="noStrike" kern="1200" cap="none" spc="0" normalizeH="0" baseline="0" noProof="0">
+                <a:ln>
+                  <a:noFill/>
+                </a:ln>
+                <a:solidFill>
+                  <a:prstClr val="white"/>
+                </a:solidFill>
+                <a:effectLst/>
+                <a:uLnTx/>
+                <a:uFillTx/>
+                <a:latin typeface="Calibri" panose="020F0502020204030204"/>
+                <a:ea typeface="+mn-ea"/>
+                <a:cs typeface="+mn-cs"/>
+              </a:endParaRPr>
+            </a:p>
+          </p:txBody>
+        </p:sp>
+        <p:sp>
+          <p:nvSpPr>
+            <p:cNvPr id="6" name="TextBox 5">
+              <a:extLst>
+                <a:ext uri="{FF2B5EF4-FFF2-40B4-BE49-F238E27FC236}">
+                  <a16:creationId xmlns:a16="http://schemas.microsoft.com/office/drawing/2014/main" id="{AFAB66F8-ED4A-48EE-85D2-C79AC4668A7D}"/>
+                </a:ext>
+              </a:extLst>
+            </p:cNvPr>
+            <p:cNvSpPr txBox="1"/>
+            <p:nvPr/>
+          </p:nvSpPr>
+          <p:spPr>
+            <a:xfrm>
+              <a:off x="4890819" y="4412296"/>
+              <a:ext cx="837379" cy="310933"/>
+            </a:xfrm>
+            <a:prstGeom prst="rect">
+              <a:avLst/>
+            </a:prstGeom>
+            <a:noFill/>
+          </p:spPr>
+          <p:txBody>
+            <a:bodyPr rot="0" spcFirstLastPara="0" vertOverflow="overflow" horzOverflow="overflow" vert="horz" wrap="square" lIns="91440" tIns="45720" rIns="91440" bIns="45720" numCol="1" spcCol="0" rtlCol="0" fromWordArt="0" anchor="t" anchorCtr="0" forceAA="0" compatLnSpc="1">
+              <a:prstTxWarp prst="textNoShape">
+                <a:avLst/>
+              </a:prstTxWarp>
+              <a:spAutoFit/>
+            </a:bodyPr>
+            <a:lstStyle/>
+            <a:p>
+              <a:pPr marL="0" marR="0" lvl="0" indent="0" algn="ctr" defTabSz="914400" rtl="0" eaLnBrk="1" fontAlgn="auto" latinLnBrk="0" hangingPunct="1">
+                <a:lnSpc>
+                  <a:spcPct val="100000"/>
+                </a:lnSpc>
+                <a:spcBef>
+                  <a:spcPts val="0"/>
+                </a:spcBef>
+                <a:spcAft>
+                  <a:spcPts val="0"/>
+                </a:spcAft>
+                <a:buClrTx/>
+                <a:buSzTx/>
+                <a:buFontTx/>
+                <a:buNone/>
+                <a:tabLst/>
+                <a:defRPr/>
+              </a:pPr>
+              <a:r>
+                <a:rPr kumimoji="0" lang="en-US" sz="4000" b="0" i="0" u="none" strike="noStrike" kern="1200" cap="none" spc="0" normalizeH="0" baseline="0" noProof="0" dirty="0" err="1" smtClean="0">
+                  <a:ln>
+                    <a:noFill/>
+                  </a:ln>
+                  <a:solidFill>
+                    <a:srgbClr val="00D8FF"/>
+                  </a:solidFill>
+                  <a:effectLst/>
+                  <a:uLnTx/>
+                  <a:uFillTx/>
+                  <a:latin typeface="Consolas"/>
+                  <a:ea typeface="+mn-ea"/>
+                  <a:cs typeface="Calibri"/>
+                </a:rPr>
+                <a:t>TypeA</a:t>
+              </a:r>
+              <a:endParaRPr kumimoji="0" lang="en-US" sz="4000" b="0" i="0" u="none" strike="noStrike" kern="1200" cap="none" spc="0" normalizeH="0" baseline="0" noProof="0" dirty="0">
+                <a:ln>
+                  <a:noFill/>
+                </a:ln>
+                <a:solidFill>
+                  <a:srgbClr val="00D8FF"/>
+                </a:solidFill>
+                <a:effectLst/>
+                <a:uLnTx/>
+                <a:uFillTx/>
+                <a:latin typeface="Consolas"/>
+                <a:ea typeface="+mn-ea"/>
+                <a:cs typeface="Calibri"/>
+              </a:endParaRPr>
+            </a:p>
+          </p:txBody>
+        </p:sp>
+      </p:grpSp>
+      <p:grpSp>
+        <p:nvGrpSpPr>
+          <p:cNvPr id="7" name="Группа 6"/>
+          <p:cNvGrpSpPr/>
+          <p:nvPr/>
+        </p:nvGrpSpPr>
+        <p:grpSpPr>
+          <a:xfrm>
+            <a:off x="5073718" y="712514"/>
+            <a:ext cx="6032231" cy="5553530"/>
+            <a:chOff x="4089837" y="3348091"/>
+            <a:chExt cx="2439344" cy="2439344"/>
+          </a:xfrm>
+        </p:grpSpPr>
+        <p:sp>
+          <p:nvSpPr>
+            <p:cNvPr id="8" name="Овал 7"/>
+            <p:cNvSpPr/>
+            <p:nvPr/>
+          </p:nvSpPr>
+          <p:spPr>
+            <a:xfrm>
+              <a:off x="4089837" y="3348091"/>
+              <a:ext cx="2439344" cy="2439344"/>
+            </a:xfrm>
+            <a:prstGeom prst="ellipse">
+              <a:avLst/>
+            </a:prstGeom>
+            <a:noFill/>
+            <a:ln w="76200">
+              <a:solidFill>
+                <a:srgbClr val="F59117"/>
+              </a:solidFill>
+            </a:ln>
+          </p:spPr>
+          <p:style>
+            <a:lnRef idx="2">
+              <a:schemeClr val="accent1">
+                <a:shade val="50000"/>
+              </a:schemeClr>
+            </a:lnRef>
+            <a:fillRef idx="1">
+              <a:schemeClr val="accent1"/>
+            </a:fillRef>
+            <a:effectRef idx="0">
+              <a:schemeClr val="accent1"/>
+            </a:effectRef>
+            <a:fontRef idx="minor">
+              <a:schemeClr val="lt1"/>
+            </a:fontRef>
+          </p:style>
+          <p:txBody>
+            <a:bodyPr rtlCol="0" anchor="ctr"/>
+            <a:lstStyle/>
+            <a:p>
+              <a:pPr marL="0" marR="0" lvl="0" indent="0" algn="ctr" defTabSz="914400" rtl="0" eaLnBrk="1" fontAlgn="auto" latinLnBrk="0" hangingPunct="1">
+                <a:lnSpc>
+                  <a:spcPct val="100000"/>
+                </a:lnSpc>
+                <a:spcBef>
+                  <a:spcPts val="0"/>
+                </a:spcBef>
+                <a:spcAft>
+                  <a:spcPts val="0"/>
+                </a:spcAft>
+                <a:buClrTx/>
+                <a:buSzTx/>
+                <a:buFontTx/>
+                <a:buNone/>
+                <a:tabLst/>
+                <a:defRPr/>
+              </a:pPr>
+              <a:endParaRPr kumimoji="0" lang="en-US" sz="1800" b="0" i="0" u="none" strike="noStrike" kern="1200" cap="none" spc="0" normalizeH="0" baseline="0" noProof="0">
+                <a:ln>
+                  <a:noFill/>
+                </a:ln>
+                <a:solidFill>
+                  <a:prstClr val="white"/>
+                </a:solidFill>
+                <a:effectLst/>
+                <a:uLnTx/>
+                <a:uFillTx/>
+                <a:latin typeface="Calibri" panose="020F0502020204030204"/>
+                <a:ea typeface="+mn-ea"/>
+                <a:cs typeface="+mn-cs"/>
+              </a:endParaRPr>
+            </a:p>
+          </p:txBody>
+        </p:sp>
+        <p:sp>
+          <p:nvSpPr>
+            <p:cNvPr id="9" name="TextBox 8">
+              <a:extLst>
+                <a:ext uri="{FF2B5EF4-FFF2-40B4-BE49-F238E27FC236}">
+                  <a16:creationId xmlns:a16="http://schemas.microsoft.com/office/drawing/2014/main" id="{AFAB66F8-ED4A-48EE-85D2-C79AC4668A7D}"/>
+                </a:ext>
+              </a:extLst>
+            </p:cNvPr>
+            <p:cNvSpPr txBox="1"/>
+            <p:nvPr/>
+          </p:nvSpPr>
+          <p:spPr>
+            <a:xfrm>
+              <a:off x="4890819" y="4412296"/>
+              <a:ext cx="837379" cy="310933"/>
+            </a:xfrm>
+            <a:prstGeom prst="rect">
+              <a:avLst/>
+            </a:prstGeom>
+            <a:noFill/>
+          </p:spPr>
+          <p:txBody>
+            <a:bodyPr rot="0" spcFirstLastPara="0" vertOverflow="overflow" horzOverflow="overflow" vert="horz" wrap="square" lIns="91440" tIns="45720" rIns="91440" bIns="45720" numCol="1" spcCol="0" rtlCol="0" fromWordArt="0" anchor="t" anchorCtr="0" forceAA="0" compatLnSpc="1">
+              <a:prstTxWarp prst="textNoShape">
+                <a:avLst/>
+              </a:prstTxWarp>
+              <a:spAutoFit/>
+            </a:bodyPr>
+            <a:lstStyle/>
+            <a:p>
+              <a:pPr marL="0" marR="0" lvl="0" indent="0" algn="ctr" defTabSz="914400" rtl="0" eaLnBrk="1" fontAlgn="auto" latinLnBrk="0" hangingPunct="1">
+                <a:lnSpc>
+                  <a:spcPct val="100000"/>
+                </a:lnSpc>
+                <a:spcBef>
+                  <a:spcPts val="0"/>
+                </a:spcBef>
+                <a:spcAft>
+                  <a:spcPts val="0"/>
+                </a:spcAft>
+                <a:buClrTx/>
+                <a:buSzTx/>
+                <a:buFontTx/>
+                <a:buNone/>
+                <a:tabLst/>
+                <a:defRPr/>
+              </a:pPr>
+              <a:r>
+                <a:rPr kumimoji="0" lang="en-US" sz="4000" b="0" i="0" u="none" strike="noStrike" kern="1200" cap="none" spc="0" normalizeH="0" baseline="0" noProof="0" dirty="0" err="1" smtClean="0">
+                  <a:ln>
+                    <a:noFill/>
+                  </a:ln>
+                  <a:solidFill>
+                    <a:srgbClr val="F59117"/>
+                  </a:solidFill>
+                  <a:effectLst/>
+                  <a:uLnTx/>
+                  <a:uFillTx/>
+                  <a:latin typeface="Consolas"/>
+                  <a:ea typeface="+mn-ea"/>
+                  <a:cs typeface="Calibri"/>
+                </a:rPr>
+                <a:t>TypeB</a:t>
+              </a:r>
+              <a:endParaRPr kumimoji="0" lang="en-US" sz="4000" b="0" i="0" u="none" strike="noStrike" kern="1200" cap="none" spc="0" normalizeH="0" baseline="0" noProof="0" dirty="0">
+                <a:ln>
+                  <a:noFill/>
+                </a:ln>
+                <a:solidFill>
+                  <a:srgbClr val="F59117"/>
+                </a:solidFill>
+                <a:effectLst/>
+                <a:uLnTx/>
+                <a:uFillTx/>
+                <a:latin typeface="Consolas"/>
+                <a:ea typeface="+mn-ea"/>
+                <a:cs typeface="Calibri"/>
+              </a:endParaRPr>
+            </a:p>
+          </p:txBody>
+        </p:sp>
+      </p:grpSp>
+      <p:sp>
+        <p:nvSpPr>
+          <p:cNvPr id="10" name="TextBox 9">
+            <a:extLst>
+              <a:ext uri="{FF2B5EF4-FFF2-40B4-BE49-F238E27FC236}">
+                <a16:creationId xmlns:a16="http://schemas.microsoft.com/office/drawing/2014/main" id="{AFAB66F8-ED4A-48EE-85D2-C79AC4668A7D}"/>
+              </a:ext>
+            </a:extLst>
+          </p:cNvPr>
+          <p:cNvSpPr txBox="1"/>
+          <p:nvPr/>
+        </p:nvSpPr>
+        <p:spPr>
+          <a:xfrm>
+            <a:off x="4983712" y="3135333"/>
+            <a:ext cx="2070747" cy="707885"/>
+          </a:xfrm>
+          <a:prstGeom prst="rect">
+            <a:avLst/>
+          </a:prstGeom>
+          <a:noFill/>
+        </p:spPr>
+        <p:txBody>
+          <a:bodyPr rot="0" spcFirstLastPara="0" vertOverflow="overflow" horzOverflow="overflow" vert="horz" wrap="square" lIns="91440" tIns="45720" rIns="91440" bIns="45720" numCol="1" spcCol="0" rtlCol="0" fromWordArt="0" anchor="t" anchorCtr="0" forceAA="0" compatLnSpc="1">
+            <a:prstTxWarp prst="textNoShape">
+              <a:avLst/>
+            </a:prstTxWarp>
+            <a:spAutoFit/>
+          </a:bodyPr>
+          <a:lstStyle/>
+          <a:p>
+            <a:pPr marL="0" marR="0" lvl="0" indent="0" algn="ctr" defTabSz="914400" rtl="0" eaLnBrk="1" fontAlgn="auto" latinLnBrk="0" hangingPunct="1">
+              <a:lnSpc>
+                <a:spcPct val="100000"/>
+              </a:lnSpc>
+              <a:spcBef>
+                <a:spcPts val="0"/>
+              </a:spcBef>
+              <a:spcAft>
+                <a:spcPts val="0"/>
+              </a:spcAft>
+              <a:buClrTx/>
+              <a:buSzTx/>
+              <a:buFontTx/>
+              <a:buNone/>
+              <a:tabLst/>
+              <a:defRPr/>
+            </a:pPr>
+            <a:r>
+              <a:rPr kumimoji="0" lang="en-US" sz="4000" b="0" i="0" u="none" strike="noStrike" kern="1200" cap="none" spc="0" normalizeH="0" baseline="0" noProof="0" dirty="0" smtClean="0">
+                <a:ln>
+                  <a:noFill/>
+                </a:ln>
+                <a:solidFill>
+                  <a:srgbClr val="BF4141"/>
+                </a:solidFill>
+                <a:effectLst/>
+                <a:uLnTx/>
+                <a:uFillTx/>
+                <a:latin typeface="Consolas"/>
+                <a:ea typeface="+mn-ea"/>
+                <a:cs typeface="Calibri"/>
+              </a:rPr>
+              <a:t>Union</a:t>
+            </a:r>
+            <a:endParaRPr kumimoji="0" lang="en-US" sz="4000" b="0" i="0" u="none" strike="noStrike" kern="1200" cap="none" spc="0" normalizeH="0" baseline="0" noProof="0" dirty="0">
+              <a:ln>
+                <a:noFill/>
+              </a:ln>
+              <a:solidFill>
+                <a:srgbClr val="BF4141"/>
+              </a:solidFill>
+              <a:effectLst/>
+              <a:uLnTx/>
+              <a:uFillTx/>
+              <a:latin typeface="Consolas"/>
+              <a:ea typeface="+mn-ea"/>
+              <a:cs typeface="Calibri"/>
+            </a:endParaRPr>
+          </a:p>
+        </p:txBody>
+      </p:sp>
+    </p:spTree>
+    <p:extLst>
+      <p:ext uri="{BB962C8B-B14F-4D97-AF65-F5344CB8AC3E}">
+        <p14:creationId xmlns:p14="http://schemas.microsoft.com/office/powerpoint/2010/main" val="1399825733"/>
+      </p:ext>
+    </p:extLst>
+  </p:cSld>
+  <p:clrMapOvr>
+    <a:masterClrMapping/>
+  </p:clrMapOvr>
+  <p:timing>
+    <p:tnLst>
+      <p:par>
+        <p:cTn id="1" dur="indefinite" restart="never" nodeType="tmRoot"/>
+      </p:par>
+    </p:tnLst>
+  </p:timing>
+</p:sld>
+</file>
+
+<file path=ppt/slides/slide76.xml><?xml version="1.0" encoding="utf-8"?>
+<p:sld xmlns:a="http://schemas.openxmlformats.org/drawingml/2006/main" xmlns:r="http://schemas.openxmlformats.org/officeDocument/2006/relationships" xmlns:p="http://schemas.openxmlformats.org/presentationml/2006/main">
+  <p:cSld>
+    <p:bg>
+      <p:bgPr>
+        <a:solidFill>
+          <a:srgbClr val="262626"/>
+        </a:solidFill>
+        <a:effectLst/>
+      </p:bgPr>
+    </p:bg>
+    <p:spTree>
+      <p:nvGrpSpPr>
+        <p:cNvPr id="1" name=""/>
+        <p:cNvGrpSpPr/>
+        <p:nvPr/>
+      </p:nvGrpSpPr>
+      <p:grpSpPr>
+        <a:xfrm>
+          <a:off x="0" y="0"/>
+          <a:ext cx="0" cy="0"/>
+          <a:chOff x="0" y="0"/>
+          <a:chExt cx="0" cy="0"/>
+        </a:xfrm>
+      </p:grpSpPr>
+      <p:sp>
+        <p:nvSpPr>
+          <p:cNvPr id="5" name="Прямоугольник 4"/>
+          <p:cNvSpPr/>
+          <p:nvPr/>
+        </p:nvSpPr>
+        <p:spPr>
+          <a:xfrm>
+            <a:off x="2611746" y="2983650"/>
+            <a:ext cx="6949339" cy="830997"/>
+          </a:xfrm>
+          <a:prstGeom prst="rect">
+            <a:avLst/>
+          </a:prstGeom>
+        </p:spPr>
+        <p:txBody>
+          <a:bodyPr wrap="none">
+            <a:spAutoFit/>
+          </a:bodyPr>
+          <a:lstStyle/>
+          <a:p>
+            <a:pPr marL="0" marR="0" lvl="0" indent="0" algn="ctr" defTabSz="914400" rtl="0" eaLnBrk="1" fontAlgn="auto" latinLnBrk="0" hangingPunct="1">
+              <a:lnSpc>
+                <a:spcPct val="100000"/>
+              </a:lnSpc>
+              <a:spcBef>
+                <a:spcPts val="0"/>
+              </a:spcBef>
+              <a:spcAft>
+                <a:spcPts val="0"/>
+              </a:spcAft>
+              <a:buClrTx/>
+              <a:buSzTx/>
+              <a:buFontTx/>
+              <a:buNone/>
+              <a:tabLst/>
+              <a:defRPr/>
+            </a:pPr>
+            <a:r>
+              <a:rPr kumimoji="0" lang="en-US" sz="4800" b="0" i="0" u="none" strike="noStrike" kern="1200" cap="none" spc="0" normalizeH="0" baseline="0" noProof="0" dirty="0" smtClean="0">
+                <a:ln>
+                  <a:noFill/>
+                </a:ln>
+                <a:solidFill>
+                  <a:srgbClr val="00D8FF"/>
+                </a:solidFill>
+                <a:effectLst/>
+                <a:uLnTx/>
+                <a:uFillTx/>
+                <a:latin typeface="Consolas"/>
+                <a:ea typeface="+mn-ea"/>
+                <a:cs typeface="Calibri"/>
+              </a:rPr>
+              <a:t>Discriminated</a:t>
+            </a:r>
+            <a:r>
+              <a:rPr kumimoji="0" lang="en-US" sz="4800" b="0" i="0" u="none" strike="noStrike" kern="1200" cap="none" spc="0" normalizeH="0" noProof="0" dirty="0" smtClean="0">
+                <a:ln>
+                  <a:noFill/>
+                </a:ln>
+                <a:solidFill>
+                  <a:srgbClr val="00D8FF"/>
+                </a:solidFill>
+                <a:effectLst/>
+                <a:uLnTx/>
+                <a:uFillTx/>
+                <a:latin typeface="Consolas"/>
+                <a:ea typeface="+mn-ea"/>
+                <a:cs typeface="Calibri"/>
+              </a:rPr>
+              <a:t> unions</a:t>
+            </a:r>
+            <a:endParaRPr kumimoji="0" lang="en-US" sz="4800" b="0" i="0" u="none" strike="noStrike" kern="1200" cap="none" spc="0" normalizeH="0" baseline="0" noProof="0" dirty="0">
+              <a:ln>
+                <a:noFill/>
+              </a:ln>
+              <a:solidFill>
+                <a:srgbClr val="00D8FF"/>
+              </a:solidFill>
+              <a:effectLst/>
+              <a:uLnTx/>
+              <a:uFillTx/>
+              <a:latin typeface="Consolas"/>
+              <a:ea typeface="+mn-ea"/>
+              <a:cs typeface="Calibri"/>
+            </a:endParaRPr>
+          </a:p>
+        </p:txBody>
+      </p:sp>
+    </p:spTree>
+    <p:extLst>
+      <p:ext uri="{BB962C8B-B14F-4D97-AF65-F5344CB8AC3E}">
+        <p14:creationId xmlns:p14="http://schemas.microsoft.com/office/powerpoint/2010/main" val="1016381827"/>
+      </p:ext>
+    </p:extLst>
+  </p:cSld>
+  <p:clrMapOvr>
+    <a:masterClrMapping/>
+  </p:clrMapOvr>
+  <p:timing>
+    <p:tnLst>
+      <p:par>
+        <p:cTn id="1" dur="indefinite" restart="never" nodeType="tmRoot"/>
+      </p:par>
+    </p:tnLst>
+  </p:timing>
+</p:sld>
+</file>
+
+<file path=ppt/slides/slide77.xml><?xml version="1.0" encoding="utf-8"?>
+<p:sld xmlns:a="http://schemas.openxmlformats.org/drawingml/2006/main" xmlns:r="http://schemas.openxmlformats.org/officeDocument/2006/relationships" xmlns:p="http://schemas.openxmlformats.org/presentationml/2006/main">
+  <p:cSld>
+    <p:bg>
+      <p:bgPr>
+        <a:solidFill>
+          <a:srgbClr val="262626"/>
+        </a:solidFill>
+        <a:effectLst/>
+      </p:bgPr>
+    </p:bg>
+    <p:spTree>
+      <p:nvGrpSpPr>
+        <p:cNvPr id="1" name=""/>
+        <p:cNvGrpSpPr/>
+        <p:nvPr/>
+      </p:nvGrpSpPr>
+      <p:grpSpPr>
+        <a:xfrm>
+          <a:off x="0" y="0"/>
+          <a:ext cx="0" cy="0"/>
+          <a:chOff x="0" y="0"/>
+          <a:chExt cx="0" cy="0"/>
+        </a:xfrm>
+      </p:grpSpPr>
+      <p:sp>
+        <p:nvSpPr>
+          <p:cNvPr id="5" name="Прямоугольник 4"/>
+          <p:cNvSpPr/>
+          <p:nvPr/>
+        </p:nvSpPr>
+        <p:spPr>
+          <a:xfrm>
+            <a:off x="2949979" y="2983650"/>
+            <a:ext cx="6272872" cy="830997"/>
+          </a:xfrm>
+          <a:prstGeom prst="rect">
+            <a:avLst/>
+          </a:prstGeom>
+        </p:spPr>
+        <p:txBody>
+          <a:bodyPr wrap="none">
+            <a:spAutoFit/>
+          </a:bodyPr>
+          <a:lstStyle/>
+          <a:p>
+            <a:pPr marL="0" marR="0" lvl="0" indent="0" algn="ctr" defTabSz="914400" rtl="0" eaLnBrk="1" fontAlgn="auto" latinLnBrk="0" hangingPunct="1">
+              <a:lnSpc>
+                <a:spcPct val="100000"/>
+              </a:lnSpc>
+              <a:spcBef>
+                <a:spcPts val="0"/>
+              </a:spcBef>
+              <a:spcAft>
+                <a:spcPts val="0"/>
+              </a:spcAft>
+              <a:buClrTx/>
+              <a:buSzTx/>
+              <a:buFontTx/>
+              <a:buNone/>
+              <a:tabLst/>
+              <a:defRPr/>
+            </a:pPr>
+            <a:r>
+              <a:rPr kumimoji="0" lang="en-US" sz="4800" b="0" i="0" u="none" strike="noStrike" kern="1200" cap="none" spc="0" normalizeH="0" baseline="0" noProof="0" dirty="0" smtClean="0">
+                <a:ln>
+                  <a:noFill/>
+                </a:ln>
+                <a:solidFill>
+                  <a:srgbClr val="00D8FF"/>
+                </a:solidFill>
+                <a:effectLst/>
+                <a:uLnTx/>
+                <a:uFillTx/>
+                <a:latin typeface="Consolas"/>
+                <a:ea typeface="+mn-ea"/>
+                <a:cs typeface="Calibri"/>
+              </a:rPr>
+              <a:t>Intersection types</a:t>
+            </a:r>
+            <a:endParaRPr kumimoji="0" lang="en-US" sz="4800" b="0" i="0" u="none" strike="noStrike" kern="1200" cap="none" spc="0" normalizeH="0" baseline="0" noProof="0" dirty="0">
+              <a:ln>
+                <a:noFill/>
+              </a:ln>
+              <a:solidFill>
+                <a:srgbClr val="00D8FF"/>
+              </a:solidFill>
+              <a:effectLst/>
+              <a:uLnTx/>
+              <a:uFillTx/>
+              <a:latin typeface="Consolas"/>
+              <a:ea typeface="+mn-ea"/>
+              <a:cs typeface="Calibri"/>
+            </a:endParaRPr>
+          </a:p>
+        </p:txBody>
+      </p:sp>
+    </p:spTree>
+    <p:extLst>
+      <p:ext uri="{BB962C8B-B14F-4D97-AF65-F5344CB8AC3E}">
+        <p14:creationId xmlns:p14="http://schemas.microsoft.com/office/powerpoint/2010/main" val="2039004390"/>
+      </p:ext>
+    </p:extLst>
+  </p:cSld>
+  <p:clrMapOvr>
+    <a:masterClrMapping/>
+  </p:clrMapOvr>
+  <p:timing>
+    <p:tnLst>
+      <p:par>
+        <p:cTn id="1" dur="indefinite" restart="never" nodeType="tmRoot"/>
+      </p:par>
+    </p:tnLst>
+  </p:timing>
+</p:sld>
+</file>
+
+<file path=ppt/slides/slide78.xml><?xml version="1.0" encoding="utf-8"?>
+<p:sld xmlns:a="http://schemas.openxmlformats.org/drawingml/2006/main" xmlns:r="http://schemas.openxmlformats.org/officeDocument/2006/relationships" xmlns:p="http://schemas.openxmlformats.org/presentationml/2006/main">
+  <p:cSld>
+    <p:bg>
+      <p:bgPr>
+        <a:solidFill>
+          <a:srgbClr val="262626"/>
+        </a:solidFill>
+        <a:effectLst/>
+      </p:bgPr>
+    </p:bg>
+    <p:spTree>
+      <p:nvGrpSpPr>
+        <p:cNvPr id="1" name=""/>
+        <p:cNvGrpSpPr/>
+        <p:nvPr/>
+      </p:nvGrpSpPr>
+      <p:grpSpPr>
+        <a:xfrm>
+          <a:off x="0" y="0"/>
+          <a:ext cx="0" cy="0"/>
+          <a:chOff x="0" y="0"/>
+          <a:chExt cx="0" cy="0"/>
+        </a:xfrm>
+      </p:grpSpPr>
+      <p:grpSp>
+        <p:nvGrpSpPr>
+          <p:cNvPr id="3" name="Группа 2"/>
+          <p:cNvGrpSpPr/>
+          <p:nvPr/>
+        </p:nvGrpSpPr>
+        <p:grpSpPr>
+          <a:xfrm>
+            <a:off x="888333" y="1857674"/>
+            <a:ext cx="3910146" cy="3599848"/>
+            <a:chOff x="4089837" y="3348091"/>
+            <a:chExt cx="2439344" cy="2439344"/>
+          </a:xfrm>
+        </p:grpSpPr>
+        <p:sp>
+          <p:nvSpPr>
+            <p:cNvPr id="4" name="Овал 3"/>
+            <p:cNvSpPr/>
+            <p:nvPr/>
+          </p:nvSpPr>
+          <p:spPr>
+            <a:xfrm>
+              <a:off x="4089837" y="3348091"/>
+              <a:ext cx="2439344" cy="2439344"/>
+            </a:xfrm>
+            <a:prstGeom prst="ellipse">
+              <a:avLst/>
+            </a:prstGeom>
+            <a:noFill/>
+            <a:ln w="76200">
+              <a:solidFill>
+                <a:srgbClr val="00D8FF"/>
+              </a:solidFill>
+            </a:ln>
+          </p:spPr>
+          <p:style>
+            <a:lnRef idx="2">
+              <a:schemeClr val="accent1">
+                <a:shade val="50000"/>
+              </a:schemeClr>
+            </a:lnRef>
+            <a:fillRef idx="1">
+              <a:schemeClr val="accent1"/>
+            </a:fillRef>
+            <a:effectRef idx="0">
+              <a:schemeClr val="accent1"/>
+            </a:effectRef>
+            <a:fontRef idx="minor">
+              <a:schemeClr val="lt1"/>
+            </a:fontRef>
+          </p:style>
+          <p:txBody>
+            <a:bodyPr rtlCol="0" anchor="ctr"/>
+            <a:lstStyle/>
+            <a:p>
+              <a:pPr marL="0" marR="0" lvl="0" indent="0" algn="ctr" defTabSz="914400" rtl="0" eaLnBrk="1" fontAlgn="auto" latinLnBrk="0" hangingPunct="1">
+                <a:lnSpc>
+                  <a:spcPct val="100000"/>
+                </a:lnSpc>
+                <a:spcBef>
+                  <a:spcPts val="0"/>
+                </a:spcBef>
+                <a:spcAft>
+                  <a:spcPts val="0"/>
+                </a:spcAft>
+                <a:buClrTx/>
+                <a:buSzTx/>
+                <a:buFontTx/>
+                <a:buNone/>
+                <a:tabLst/>
+                <a:defRPr/>
+              </a:pPr>
+              <a:endParaRPr kumimoji="0" lang="en-US" sz="1800" b="0" i="0" u="none" strike="noStrike" kern="1200" cap="none" spc="0" normalizeH="0" baseline="0" noProof="0">
+                <a:ln>
+                  <a:noFill/>
+                </a:ln>
+                <a:solidFill>
+                  <a:prstClr val="white"/>
+                </a:solidFill>
+                <a:effectLst/>
+                <a:uLnTx/>
+                <a:uFillTx/>
+                <a:latin typeface="Calibri" panose="020F0502020204030204"/>
+                <a:ea typeface="+mn-ea"/>
+                <a:cs typeface="+mn-cs"/>
+              </a:endParaRPr>
+            </a:p>
+          </p:txBody>
+        </p:sp>
+        <p:sp>
+          <p:nvSpPr>
+            <p:cNvPr id="6" name="TextBox 5">
+              <a:extLst>
+                <a:ext uri="{FF2B5EF4-FFF2-40B4-BE49-F238E27FC236}">
+                  <a16:creationId xmlns:a16="http://schemas.microsoft.com/office/drawing/2014/main" id="{AFAB66F8-ED4A-48EE-85D2-C79AC4668A7D}"/>
+                </a:ext>
+              </a:extLst>
+            </p:cNvPr>
+            <p:cNvSpPr txBox="1"/>
+            <p:nvPr/>
+          </p:nvSpPr>
+          <p:spPr>
+            <a:xfrm>
+              <a:off x="4684889" y="4327922"/>
+              <a:ext cx="1249239" cy="479681"/>
+            </a:xfrm>
+            <a:prstGeom prst="rect">
+              <a:avLst/>
+            </a:prstGeom>
+            <a:noFill/>
+          </p:spPr>
+          <p:txBody>
+            <a:bodyPr rot="0" spcFirstLastPara="0" vertOverflow="overflow" horzOverflow="overflow" vert="horz" wrap="square" lIns="91440" tIns="45720" rIns="91440" bIns="45720" numCol="1" spcCol="0" rtlCol="0" fromWordArt="0" anchor="t" anchorCtr="0" forceAA="0" compatLnSpc="1">
+              <a:prstTxWarp prst="textNoShape">
+                <a:avLst/>
+              </a:prstTxWarp>
+              <a:spAutoFit/>
+            </a:bodyPr>
+            <a:lstStyle/>
+            <a:p>
+              <a:pPr marL="0" marR="0" lvl="0" indent="0" algn="ctr" defTabSz="914400" rtl="0" eaLnBrk="1" fontAlgn="auto" latinLnBrk="0" hangingPunct="1">
+                <a:lnSpc>
+                  <a:spcPct val="100000"/>
+                </a:lnSpc>
+                <a:spcBef>
+                  <a:spcPts val="0"/>
+                </a:spcBef>
+                <a:spcAft>
+                  <a:spcPts val="0"/>
+                </a:spcAft>
+                <a:buClrTx/>
+                <a:buSzTx/>
+                <a:buFontTx/>
+                <a:buNone/>
+                <a:tabLst/>
+                <a:defRPr/>
+              </a:pPr>
+              <a:r>
+                <a:rPr kumimoji="0" lang="en-US" sz="4000" b="0" i="0" u="none" strike="noStrike" kern="1200" cap="none" spc="0" normalizeH="0" baseline="0" noProof="0" dirty="0" err="1" smtClean="0">
+                  <a:ln>
+                    <a:noFill/>
+                  </a:ln>
+                  <a:solidFill>
+                    <a:srgbClr val="00D8FF"/>
+                  </a:solidFill>
+                  <a:effectLst/>
+                  <a:uLnTx/>
+                  <a:uFillTx/>
+                  <a:latin typeface="Consolas"/>
+                  <a:ea typeface="+mn-ea"/>
+                  <a:cs typeface="Calibri"/>
+                </a:rPr>
+                <a:t>TypeA</a:t>
+              </a:r>
+              <a:endParaRPr kumimoji="0" lang="en-US" sz="4000" b="0" i="0" u="none" strike="noStrike" kern="1200" cap="none" spc="0" normalizeH="0" baseline="0" noProof="0" dirty="0">
+                <a:ln>
+                  <a:noFill/>
+                </a:ln>
+                <a:solidFill>
+                  <a:srgbClr val="00D8FF"/>
+                </a:solidFill>
+                <a:effectLst/>
+                <a:uLnTx/>
+                <a:uFillTx/>
+                <a:latin typeface="Consolas"/>
+                <a:ea typeface="+mn-ea"/>
+                <a:cs typeface="Calibri"/>
+              </a:endParaRPr>
+            </a:p>
+          </p:txBody>
+        </p:sp>
+      </p:grpSp>
+      <p:grpSp>
+        <p:nvGrpSpPr>
+          <p:cNvPr id="11" name="Группа 10"/>
+          <p:cNvGrpSpPr/>
+          <p:nvPr/>
+        </p:nvGrpSpPr>
+        <p:grpSpPr>
+          <a:xfrm>
+            <a:off x="7470410" y="1857674"/>
+            <a:ext cx="3910146" cy="3599848"/>
+            <a:chOff x="4089837" y="3348091"/>
+            <a:chExt cx="2439344" cy="2439344"/>
+          </a:xfrm>
+        </p:grpSpPr>
+        <p:sp>
+          <p:nvSpPr>
+            <p:cNvPr id="12" name="Овал 11"/>
+            <p:cNvSpPr/>
+            <p:nvPr/>
+          </p:nvSpPr>
+          <p:spPr>
+            <a:xfrm>
+              <a:off x="4089837" y="3348091"/>
+              <a:ext cx="2439344" cy="2439344"/>
+            </a:xfrm>
+            <a:prstGeom prst="ellipse">
+              <a:avLst/>
+            </a:prstGeom>
+            <a:noFill/>
+            <a:ln w="76200">
+              <a:solidFill>
+                <a:srgbClr val="F59117"/>
+              </a:solidFill>
+            </a:ln>
+          </p:spPr>
+          <p:style>
+            <a:lnRef idx="2">
+              <a:schemeClr val="accent1">
+                <a:shade val="50000"/>
+              </a:schemeClr>
+            </a:lnRef>
+            <a:fillRef idx="1">
+              <a:schemeClr val="accent1"/>
+            </a:fillRef>
+            <a:effectRef idx="0">
+              <a:schemeClr val="accent1"/>
+            </a:effectRef>
+            <a:fontRef idx="minor">
+              <a:schemeClr val="lt1"/>
+            </a:fontRef>
+          </p:style>
+          <p:txBody>
+            <a:bodyPr rtlCol="0" anchor="ctr"/>
+            <a:lstStyle/>
+            <a:p>
+              <a:pPr marL="0" marR="0" lvl="0" indent="0" algn="ctr" defTabSz="914400" rtl="0" eaLnBrk="1" fontAlgn="auto" latinLnBrk="0" hangingPunct="1">
+                <a:lnSpc>
+                  <a:spcPct val="100000"/>
+                </a:lnSpc>
+                <a:spcBef>
+                  <a:spcPts val="0"/>
+                </a:spcBef>
+                <a:spcAft>
+                  <a:spcPts val="0"/>
+                </a:spcAft>
+                <a:buClrTx/>
+                <a:buSzTx/>
+                <a:buFontTx/>
+                <a:buNone/>
+                <a:tabLst/>
+                <a:defRPr/>
+              </a:pPr>
+              <a:endParaRPr kumimoji="0" lang="en-US" sz="1800" b="0" i="0" u="none" strike="noStrike" kern="1200" cap="none" spc="0" normalizeH="0" baseline="0" noProof="0">
+                <a:ln>
+                  <a:noFill/>
+                </a:ln>
+                <a:solidFill>
+                  <a:prstClr val="white"/>
+                </a:solidFill>
+                <a:effectLst/>
+                <a:uLnTx/>
+                <a:uFillTx/>
+                <a:latin typeface="Calibri" panose="020F0502020204030204"/>
+                <a:ea typeface="+mn-ea"/>
+                <a:cs typeface="+mn-cs"/>
+              </a:endParaRPr>
+            </a:p>
+          </p:txBody>
+        </p:sp>
+        <p:sp>
+          <p:nvSpPr>
+            <p:cNvPr id="13" name="TextBox 12">
+              <a:extLst>
+                <a:ext uri="{FF2B5EF4-FFF2-40B4-BE49-F238E27FC236}">
+                  <a16:creationId xmlns:a16="http://schemas.microsoft.com/office/drawing/2014/main" id="{AFAB66F8-ED4A-48EE-85D2-C79AC4668A7D}"/>
+                </a:ext>
+              </a:extLst>
+            </p:cNvPr>
+            <p:cNvSpPr txBox="1"/>
+            <p:nvPr/>
+          </p:nvSpPr>
+          <p:spPr>
+            <a:xfrm>
+              <a:off x="4684889" y="4327922"/>
+              <a:ext cx="1249239" cy="479681"/>
+            </a:xfrm>
+            <a:prstGeom prst="rect">
+              <a:avLst/>
+            </a:prstGeom>
+            <a:noFill/>
+          </p:spPr>
+          <p:txBody>
+            <a:bodyPr rot="0" spcFirstLastPara="0" vertOverflow="overflow" horzOverflow="overflow" vert="horz" wrap="square" lIns="91440" tIns="45720" rIns="91440" bIns="45720" numCol="1" spcCol="0" rtlCol="0" fromWordArt="0" anchor="t" anchorCtr="0" forceAA="0" compatLnSpc="1">
+              <a:prstTxWarp prst="textNoShape">
+                <a:avLst/>
+              </a:prstTxWarp>
+              <a:spAutoFit/>
+            </a:bodyPr>
+            <a:lstStyle/>
+            <a:p>
+              <a:pPr marL="0" marR="0" lvl="0" indent="0" algn="ctr" defTabSz="914400" rtl="0" eaLnBrk="1" fontAlgn="auto" latinLnBrk="0" hangingPunct="1">
+                <a:lnSpc>
+                  <a:spcPct val="100000"/>
+                </a:lnSpc>
+                <a:spcBef>
+                  <a:spcPts val="0"/>
+                </a:spcBef>
+                <a:spcAft>
+                  <a:spcPts val="0"/>
+                </a:spcAft>
+                <a:buClrTx/>
+                <a:buSzTx/>
+                <a:buFontTx/>
+                <a:buNone/>
+                <a:tabLst/>
+                <a:defRPr/>
+              </a:pPr>
+              <a:r>
+                <a:rPr kumimoji="0" lang="en-US" sz="4000" b="0" i="0" u="none" strike="noStrike" kern="1200" cap="none" spc="0" normalizeH="0" baseline="0" noProof="0" dirty="0" err="1" smtClean="0">
+                  <a:ln>
+                    <a:noFill/>
+                  </a:ln>
+                  <a:solidFill>
+                    <a:srgbClr val="F59117"/>
+                  </a:solidFill>
+                  <a:effectLst/>
+                  <a:uLnTx/>
+                  <a:uFillTx/>
+                  <a:latin typeface="Consolas"/>
+                  <a:ea typeface="+mn-ea"/>
+                  <a:cs typeface="Calibri"/>
+                </a:rPr>
+                <a:t>TypeB</a:t>
+              </a:r>
+              <a:endParaRPr kumimoji="0" lang="en-US" sz="4000" b="0" i="0" u="none" strike="noStrike" kern="1200" cap="none" spc="0" normalizeH="0" baseline="0" noProof="0" dirty="0">
+                <a:ln>
+                  <a:noFill/>
+                </a:ln>
+                <a:solidFill>
+                  <a:srgbClr val="F59117"/>
+                </a:solidFill>
+                <a:effectLst/>
+                <a:uLnTx/>
+                <a:uFillTx/>
+                <a:latin typeface="Consolas"/>
+                <a:ea typeface="+mn-ea"/>
+                <a:cs typeface="Calibri"/>
+              </a:endParaRPr>
+            </a:p>
+          </p:txBody>
+        </p:sp>
+      </p:grpSp>
+      <p:grpSp>
+        <p:nvGrpSpPr>
+          <p:cNvPr id="14" name="Группа 13"/>
+          <p:cNvGrpSpPr/>
+          <p:nvPr/>
+        </p:nvGrpSpPr>
+        <p:grpSpPr>
+          <a:xfrm>
+            <a:off x="3575170" y="1377711"/>
+            <a:ext cx="4952813" cy="4559772"/>
+            <a:chOff x="4089837" y="3348091"/>
+            <a:chExt cx="2439344" cy="2439344"/>
+          </a:xfrm>
+        </p:grpSpPr>
+        <p:sp>
+          <p:nvSpPr>
+            <p:cNvPr id="15" name="Овал 14"/>
+            <p:cNvSpPr/>
+            <p:nvPr/>
+          </p:nvSpPr>
+          <p:spPr>
+            <a:xfrm>
+              <a:off x="4089837" y="3348091"/>
+              <a:ext cx="2439344" cy="2439344"/>
+            </a:xfrm>
+            <a:prstGeom prst="ellipse">
+              <a:avLst/>
+            </a:prstGeom>
+            <a:noFill/>
+            <a:ln w="76200">
+              <a:solidFill>
+                <a:srgbClr val="00D8FF"/>
+              </a:solidFill>
+            </a:ln>
+          </p:spPr>
+          <p:style>
+            <a:lnRef idx="2">
+              <a:schemeClr val="accent1">
+                <a:shade val="50000"/>
+              </a:schemeClr>
+            </a:lnRef>
+            <a:fillRef idx="1">
+              <a:schemeClr val="accent1"/>
+            </a:fillRef>
+            <a:effectRef idx="0">
+              <a:schemeClr val="accent1"/>
+            </a:effectRef>
+            <a:fontRef idx="minor">
+              <a:schemeClr val="lt1"/>
+            </a:fontRef>
+          </p:style>
+          <p:txBody>
+            <a:bodyPr rtlCol="0" anchor="ctr"/>
+            <a:lstStyle/>
+            <a:p>
+              <a:pPr marL="0" marR="0" lvl="0" indent="0" algn="ctr" defTabSz="914400" rtl="0" eaLnBrk="1" fontAlgn="auto" latinLnBrk="0" hangingPunct="1">
+                <a:lnSpc>
+                  <a:spcPct val="100000"/>
+                </a:lnSpc>
+                <a:spcBef>
+                  <a:spcPts val="0"/>
+                </a:spcBef>
+                <a:spcAft>
+                  <a:spcPts val="0"/>
+                </a:spcAft>
+                <a:buClrTx/>
+                <a:buSzTx/>
+                <a:buFontTx/>
+                <a:buNone/>
+                <a:tabLst/>
+                <a:defRPr/>
+              </a:pPr>
+              <a:endParaRPr kumimoji="0" lang="en-US" sz="1800" b="0" i="0" u="none" strike="noStrike" kern="1200" cap="none" spc="0" normalizeH="0" baseline="0" noProof="0">
+                <a:ln>
+                  <a:noFill/>
+                </a:ln>
+                <a:solidFill>
+                  <a:prstClr val="white"/>
+                </a:solidFill>
+                <a:effectLst/>
+                <a:uLnTx/>
+                <a:uFillTx/>
+                <a:latin typeface="Calibri" panose="020F0502020204030204"/>
+                <a:ea typeface="+mn-ea"/>
+                <a:cs typeface="+mn-cs"/>
+              </a:endParaRPr>
+            </a:p>
+          </p:txBody>
+        </p:sp>
+        <p:sp>
+          <p:nvSpPr>
+            <p:cNvPr id="16" name="TextBox 15">
+              <a:extLst>
+                <a:ext uri="{FF2B5EF4-FFF2-40B4-BE49-F238E27FC236}">
+                  <a16:creationId xmlns:a16="http://schemas.microsoft.com/office/drawing/2014/main" id="{AFAB66F8-ED4A-48EE-85D2-C79AC4668A7D}"/>
+                </a:ext>
+              </a:extLst>
+            </p:cNvPr>
+            <p:cNvSpPr txBox="1"/>
+            <p:nvPr/>
+          </p:nvSpPr>
+          <p:spPr>
+            <a:xfrm>
+              <a:off x="4398181" y="4378414"/>
+              <a:ext cx="1822655" cy="378698"/>
+            </a:xfrm>
+            <a:prstGeom prst="rect">
+              <a:avLst/>
+            </a:prstGeom>
+            <a:noFill/>
+          </p:spPr>
+          <p:txBody>
+            <a:bodyPr rot="0" spcFirstLastPara="0" vertOverflow="overflow" horzOverflow="overflow" vert="horz" wrap="square" lIns="91440" tIns="45720" rIns="91440" bIns="45720" numCol="1" spcCol="0" rtlCol="0" fromWordArt="0" anchor="t" anchorCtr="0" forceAA="0" compatLnSpc="1">
+              <a:prstTxWarp prst="textNoShape">
+                <a:avLst/>
+              </a:prstTxWarp>
+              <a:spAutoFit/>
+            </a:bodyPr>
+            <a:lstStyle/>
+            <a:p>
+              <a:pPr marL="0" marR="0" lvl="0" indent="0" algn="ctr" defTabSz="914400" rtl="0" eaLnBrk="1" fontAlgn="auto" latinLnBrk="0" hangingPunct="1">
+                <a:lnSpc>
+                  <a:spcPct val="100000"/>
+                </a:lnSpc>
+                <a:spcBef>
+                  <a:spcPts val="0"/>
+                </a:spcBef>
+                <a:spcAft>
+                  <a:spcPts val="0"/>
+                </a:spcAft>
+                <a:buClrTx/>
+                <a:buSzTx/>
+                <a:buFontTx/>
+                <a:buNone/>
+                <a:tabLst/>
+                <a:defRPr/>
+              </a:pPr>
+              <a:r>
+                <a:rPr kumimoji="0" lang="en-US" sz="4000" b="0" i="0" u="none" strike="noStrike" kern="1200" cap="none" spc="0" normalizeH="0" baseline="0" noProof="0" dirty="0" smtClean="0">
+                  <a:ln>
+                    <a:noFill/>
+                  </a:ln>
+                  <a:solidFill>
+                    <a:srgbClr val="BF4141"/>
+                  </a:solidFill>
+                  <a:effectLst/>
+                  <a:uLnTx/>
+                  <a:uFillTx/>
+                  <a:latin typeface="Consolas"/>
+                  <a:ea typeface="+mn-ea"/>
+                  <a:cs typeface="Calibri"/>
+                </a:rPr>
+                <a:t>Intersection</a:t>
+              </a:r>
+              <a:endParaRPr kumimoji="0" lang="en-US" sz="4000" b="0" i="0" u="none" strike="noStrike" kern="1200" cap="none" spc="0" normalizeH="0" baseline="0" noProof="0" dirty="0">
+                <a:ln>
+                  <a:noFill/>
+                </a:ln>
+                <a:solidFill>
+                  <a:srgbClr val="BF4141"/>
+                </a:solidFill>
+                <a:effectLst/>
+                <a:uLnTx/>
+                <a:uFillTx/>
+                <a:latin typeface="Consolas"/>
+                <a:ea typeface="+mn-ea"/>
+                <a:cs typeface="Calibri"/>
+              </a:endParaRPr>
+            </a:p>
+          </p:txBody>
+        </p:sp>
+      </p:grpSp>
+    </p:spTree>
+    <p:extLst>
+      <p:ext uri="{BB962C8B-B14F-4D97-AF65-F5344CB8AC3E}">
+        <p14:creationId xmlns:p14="http://schemas.microsoft.com/office/powerpoint/2010/main" val="200050561"/>
+      </p:ext>
+    </p:extLst>
+  </p:cSld>
+  <p:clrMapOvr>
+    <a:masterClrMapping/>
+  </p:clrMapOvr>
+  <p:timing>
+    <p:tnLst>
+      <p:par>
+        <p:cTn id="1" dur="indefinite" restart="never" nodeType="tmRoot">
+          <p:childTnLst>
+            <p:seq concurrent="1" nextAc="seek">
+              <p:cTn id="2" dur="indefinite" nodeType="mainSeq">
+                <p:childTnLst>
+                  <p:par>
+                    <p:cTn id="3" fill="hold">
+                      <p:stCondLst>
+                        <p:cond delay="indefinite"/>
+                      </p:stCondLst>
+                      <p:childTnLst>
+                        <p:par>
+                          <p:cTn id="4" fill="hold">
+                            <p:stCondLst>
+                              <p:cond delay="0"/>
+                            </p:stCondLst>
+                            <p:childTnLst>
+                              <p:par>
+                                <p:cTn id="5" presetID="42" presetClass="path" presetSubtype="0" accel="50000" decel="50000" fill="hold" nodeType="clickEffect">
+                                  <p:stCondLst>
+                                    <p:cond delay="0"/>
+                                  </p:stCondLst>
+                                  <p:childTnLst>
+                                    <p:animMotion origin="layout" path="M -3.125E-6 -3.33333E-6 L 0.26498 0.00417 " pathEditMode="relative" rAng="0" ptsTypes="AA">
+                                      <p:cBhvr>
+                                        <p:cTn id="6" dur="600" fill="hold"/>
+                                        <p:tgtEl>
+                                          <p:spTgt spid="3"/>
+                                        </p:tgtEl>
+                                        <p:attrNameLst>
+                                          <p:attrName>ppt_x</p:attrName>
+                                          <p:attrName>ppt_y</p:attrName>
+                                        </p:attrNameLst>
+                                      </p:cBhvr>
+                                      <p:rCtr x="13242" y="208"/>
+                                    </p:animMotion>
+                                  </p:childTnLst>
+                                </p:cTn>
+                              </p:par>
+                              <p:par>
+                                <p:cTn id="7" presetID="42" presetClass="path" presetSubtype="0" accel="50000" decel="50000" fill="hold" nodeType="withEffect">
+                                  <p:stCondLst>
+                                    <p:cond delay="0"/>
+                                  </p:stCondLst>
+                                  <p:childTnLst>
+                                    <p:animMotion origin="layout" path="M 3.125E-6 -3.33333E-6 L -0.27644 0.00973 " pathEditMode="relative" rAng="0" ptsTypes="AA">
+                                      <p:cBhvr>
+                                        <p:cTn id="8" dur="600" fill="hold"/>
+                                        <p:tgtEl>
+                                          <p:spTgt spid="11"/>
+                                        </p:tgtEl>
+                                        <p:attrNameLst>
+                                          <p:attrName>ppt_x</p:attrName>
+                                          <p:attrName>ppt_y</p:attrName>
+                                        </p:attrNameLst>
+                                      </p:cBhvr>
+                                      <p:rCtr x="-13828" y="486"/>
+                                    </p:animMotion>
+                                  </p:childTnLst>
+                                </p:cTn>
+                              </p:par>
+                              <p:par>
+                                <p:cTn id="9" presetID="10" presetClass="exit" presetSubtype="0" fill="hold" nodeType="withEffect">
+                                  <p:stCondLst>
+                                    <p:cond delay="0"/>
+                                  </p:stCondLst>
+                                  <p:childTnLst>
+                                    <p:animEffect transition="out" filter="fade">
+                                      <p:cBhvr>
+                                        <p:cTn id="10" dur="500"/>
+                                        <p:tgtEl>
+                                          <p:spTgt spid="3"/>
+                                        </p:tgtEl>
+                                      </p:cBhvr>
+                                    </p:animEffect>
+                                    <p:set>
+                                      <p:cBhvr>
+                                        <p:cTn id="11" dur="1" fill="hold">
+                                          <p:stCondLst>
+                                            <p:cond delay="499"/>
+                                          </p:stCondLst>
+                                        </p:cTn>
+                                        <p:tgtEl>
+                                          <p:spTgt spid="3"/>
+                                        </p:tgtEl>
+                                        <p:attrNameLst>
+                                          <p:attrName>style.visibility</p:attrName>
+                                        </p:attrNameLst>
+                                      </p:cBhvr>
+                                      <p:to>
+                                        <p:strVal val="hidden"/>
+                                      </p:to>
+                                    </p:set>
+                                  </p:childTnLst>
+                                </p:cTn>
+                              </p:par>
+                              <p:par>
+                                <p:cTn id="12" presetID="10" presetClass="exit" presetSubtype="0" fill="hold" nodeType="withEffect">
+                                  <p:stCondLst>
+                                    <p:cond delay="0"/>
+                                  </p:stCondLst>
+                                  <p:childTnLst>
+                                    <p:animEffect transition="out" filter="fade">
+                                      <p:cBhvr>
+                                        <p:cTn id="13" dur="500"/>
+                                        <p:tgtEl>
+                                          <p:spTgt spid="11"/>
+                                        </p:tgtEl>
+                                      </p:cBhvr>
+                                    </p:animEffect>
+                                    <p:set>
+                                      <p:cBhvr>
+                                        <p:cTn id="14" dur="1" fill="hold">
+                                          <p:stCondLst>
+                                            <p:cond delay="499"/>
+                                          </p:stCondLst>
+                                        </p:cTn>
+                                        <p:tgtEl>
+                                          <p:spTgt spid="11"/>
+                                        </p:tgtEl>
+                                        <p:attrNameLst>
+                                          <p:attrName>style.visibility</p:attrName>
+                                        </p:attrNameLst>
+                                      </p:cBhvr>
+                                      <p:to>
+                                        <p:strVal val="hidden"/>
+                                      </p:to>
+                                    </p:set>
+                                  </p:childTnLst>
+                                </p:cTn>
+                              </p:par>
+                            </p:childTnLst>
+                          </p:cTn>
+                        </p:par>
+                        <p:par>
+                          <p:cTn id="15" fill="hold">
+                            <p:stCondLst>
+                              <p:cond delay="600"/>
+                            </p:stCondLst>
+                            <p:childTnLst>
+                              <p:par>
+                                <p:cTn id="16" presetID="10" presetClass="entr" presetSubtype="0" fill="hold" nodeType="afterEffect">
+                                  <p:stCondLst>
+                                    <p:cond delay="0"/>
+                                  </p:stCondLst>
+                                  <p:childTnLst>
+                                    <p:set>
+                                      <p:cBhvr>
+                                        <p:cTn id="17" dur="1" fill="hold">
+                                          <p:stCondLst>
+                                            <p:cond delay="0"/>
+                                          </p:stCondLst>
+                                        </p:cTn>
+                                        <p:tgtEl>
+                                          <p:spTgt spid="14"/>
+                                        </p:tgtEl>
+                                        <p:attrNameLst>
+                                          <p:attrName>style.visibility</p:attrName>
+                                        </p:attrNameLst>
+                                      </p:cBhvr>
+                                      <p:to>
+                                        <p:strVal val="visible"/>
+                                      </p:to>
+                                    </p:set>
+                                    <p:animEffect transition="in" filter="fade">
+                                      <p:cBhvr>
+                                        <p:cTn id="18" dur="500"/>
+                                        <p:tgtEl>
+                                          <p:spTgt spid="14"/>
+                                        </p:tgtEl>
+                                      </p:cBhvr>
+                                    </p:animEffect>
+                                  </p:childTnLst>
+                                </p:cTn>
+                              </p:par>
+                            </p:childTnLst>
+                          </p:cTn>
+                        </p:par>
+                      </p:childTnLst>
+                    </p:cTn>
+                  </p:par>
+                </p:childTnLst>
+              </p:cTn>
+              <p:prevCondLst>
+                <p:cond evt="onPrev" delay="0">
+                  <p:tgtEl>
+                    <p:sldTgt/>
+                  </p:tgtEl>
+                </p:cond>
+              </p:prevCondLst>
+              <p:nextCondLst>
+                <p:cond evt="onNext" delay="0">
+                  <p:tgtEl>
+                    <p:sldTgt/>
+                  </p:tgtEl>
+                </p:cond>
+              </p:nextCondLst>
+            </p:seq>
+          </p:childTnLst>
+        </p:cTn>
+      </p:par>
+    </p:tnLst>
+  </p:timing>
+</p:sld>
+</file>
+
+<file path=ppt/slides/slide79.xml><?xml version="1.0" encoding="utf-8"?>
+<p:sld xmlns:a="http://schemas.openxmlformats.org/drawingml/2006/main" xmlns:r="http://schemas.openxmlformats.org/officeDocument/2006/relationships" xmlns:p="http://schemas.openxmlformats.org/presentationml/2006/main">
+  <p:cSld>
+    <p:bg>
+      <p:bgPr>
+        <a:solidFill>
+          <a:srgbClr val="262626"/>
+        </a:solidFill>
+        <a:effectLst/>
+      </p:bgPr>
+    </p:bg>
+    <p:spTree>
+      <p:nvGrpSpPr>
+        <p:cNvPr id="1" name=""/>
+        <p:cNvGrpSpPr/>
+        <p:nvPr/>
+      </p:nvGrpSpPr>
+      <p:grpSpPr>
+        <a:xfrm>
+          <a:off x="0" y="0"/>
+          <a:ext cx="0" cy="0"/>
+          <a:chOff x="0" y="0"/>
+          <a:chExt cx="0" cy="0"/>
+        </a:xfrm>
+      </p:grpSpPr>
+      <p:sp>
+        <p:nvSpPr>
+          <p:cNvPr id="4" name="Прямоугольник 3"/>
+          <p:cNvSpPr/>
+          <p:nvPr/>
+        </p:nvSpPr>
+        <p:spPr>
+          <a:xfrm>
+            <a:off x="3128713" y="2998113"/>
+            <a:ext cx="5934638" cy="1569660"/>
+          </a:xfrm>
+          <a:prstGeom prst="rect">
+            <a:avLst/>
+          </a:prstGeom>
+        </p:spPr>
+        <p:txBody>
+          <a:bodyPr wrap="none">
+            <a:spAutoFit/>
+          </a:bodyPr>
+          <a:lstStyle/>
+          <a:p>
+            <a:pPr marL="0" marR="0" lvl="0" indent="0" algn="ctr" defTabSz="914400" rtl="0" eaLnBrk="1" fontAlgn="auto" latinLnBrk="0" hangingPunct="1">
+              <a:lnSpc>
+                <a:spcPct val="100000"/>
+              </a:lnSpc>
+              <a:spcBef>
+                <a:spcPts val="0"/>
+              </a:spcBef>
+              <a:spcAft>
+                <a:spcPts val="0"/>
+              </a:spcAft>
+              <a:buClrTx/>
+              <a:buSzTx/>
+              <a:buFontTx/>
+              <a:buNone/>
+              <a:tabLst/>
+              <a:defRPr/>
+            </a:pPr>
+            <a:r>
+              <a:rPr kumimoji="0" lang="en-US" sz="4800" b="0" i="0" u="none" strike="noStrike" kern="1200" cap="none" spc="0" normalizeH="0" baseline="0" noProof="0" dirty="0" smtClean="0">
+                <a:ln>
+                  <a:noFill/>
+                </a:ln>
+                <a:solidFill>
+                  <a:srgbClr val="00D8FF"/>
+                </a:solidFill>
+                <a:effectLst/>
+                <a:uLnTx/>
+                <a:uFillTx/>
+                <a:latin typeface="Consolas"/>
+                <a:ea typeface="+mn-ea"/>
+                <a:cs typeface="Calibri"/>
+              </a:rPr>
+              <a:t>Literal types</a:t>
+            </a:r>
+          </a:p>
+          <a:p>
+            <a:pPr marL="0" marR="0" lvl="0" indent="0" algn="ctr" defTabSz="914400" rtl="0" eaLnBrk="1" fontAlgn="auto" latinLnBrk="0" hangingPunct="1">
+              <a:lnSpc>
+                <a:spcPct val="100000"/>
+              </a:lnSpc>
+              <a:spcBef>
+                <a:spcPts val="0"/>
+              </a:spcBef>
+              <a:spcAft>
+                <a:spcPts val="0"/>
+              </a:spcAft>
+              <a:buClrTx/>
+              <a:buSzTx/>
+              <a:buFontTx/>
+              <a:buNone/>
+              <a:tabLst/>
+              <a:defRPr/>
+            </a:pPr>
+            <a:r>
+              <a:rPr lang="en-US" sz="4800" dirty="0" smtClean="0">
+                <a:solidFill>
+                  <a:srgbClr val="F59117"/>
+                </a:solidFill>
+                <a:latin typeface="Consolas"/>
+                <a:cs typeface="Calibri"/>
+              </a:rPr>
+              <a:t>‘string’, 0, true</a:t>
+            </a:r>
+            <a:endParaRPr kumimoji="0" lang="en-US" sz="4800" b="0" i="0" u="none" strike="noStrike" kern="1200" cap="none" spc="0" normalizeH="0" baseline="0" noProof="0" dirty="0">
+              <a:ln>
+                <a:noFill/>
+              </a:ln>
+              <a:solidFill>
+                <a:srgbClr val="F59117"/>
+              </a:solidFill>
+              <a:effectLst/>
+              <a:uLnTx/>
+              <a:uFillTx/>
+              <a:latin typeface="Consolas"/>
+              <a:cs typeface="Calibri"/>
+            </a:endParaRPr>
+          </a:p>
+        </p:txBody>
+      </p:sp>
+    </p:spTree>
+    <p:extLst>
+      <p:ext uri="{BB962C8B-B14F-4D97-AF65-F5344CB8AC3E}">
+        <p14:creationId xmlns:p14="http://schemas.microsoft.com/office/powerpoint/2010/main" val="4286597105"/>
+      </p:ext>
+    </p:extLst>
+  </p:cSld>
+  <p:clrMapOvr>
+    <a:masterClrMapping/>
+  </p:clrMapOvr>
+  <p:timing>
+    <p:tnLst>
+      <p:par>
+        <p:cTn id="1" dur="indefinite" restart="never" nodeType="tmRoot"/>
+      </p:par>
+    </p:tnLst>
+  </p:timing>
+</p:sld>
+</file>
+
 <file path=ppt/slides/slide8.xml><?xml version="1.0" encoding="utf-8"?>
 <p:sld xmlns:a="http://schemas.openxmlformats.org/drawingml/2006/main" xmlns:r="http://schemas.openxmlformats.org/officeDocument/2006/relationships" xmlns:p="http://schemas.openxmlformats.org/presentationml/2006/main">
   <p:cSld>
@@ -22158,6 +28259,490 @@
   <p:clrMapOvr>
     <a:masterClrMapping/>
   </p:clrMapOvr>
+</p:sld>
+</file>
+
+<file path=ppt/slides/slide80.xml><?xml version="1.0" encoding="utf-8"?>
+<p:sld xmlns:a="http://schemas.openxmlformats.org/drawingml/2006/main" xmlns:r="http://schemas.openxmlformats.org/officeDocument/2006/relationships" xmlns:p="http://schemas.openxmlformats.org/presentationml/2006/main">
+  <p:cSld>
+    <p:bg>
+      <p:bgPr>
+        <a:solidFill>
+          <a:srgbClr val="262626"/>
+        </a:solidFill>
+        <a:effectLst/>
+      </p:bgPr>
+    </p:bg>
+    <p:spTree>
+      <p:nvGrpSpPr>
+        <p:cNvPr id="1" name=""/>
+        <p:cNvGrpSpPr/>
+        <p:nvPr/>
+      </p:nvGrpSpPr>
+      <p:grpSpPr>
+        <a:xfrm>
+          <a:off x="0" y="0"/>
+          <a:ext cx="0" cy="0"/>
+          <a:chOff x="0" y="0"/>
+          <a:chExt cx="0" cy="0"/>
+        </a:xfrm>
+      </p:grpSpPr>
+      <p:sp>
+        <p:nvSpPr>
+          <p:cNvPr id="4" name="Прямоугольник 3"/>
+          <p:cNvSpPr/>
+          <p:nvPr/>
+        </p:nvSpPr>
+        <p:spPr>
+          <a:xfrm>
+            <a:off x="3974301" y="2998113"/>
+            <a:ext cx="4243469" cy="830997"/>
+          </a:xfrm>
+          <a:prstGeom prst="rect">
+            <a:avLst/>
+          </a:prstGeom>
+        </p:spPr>
+        <p:txBody>
+          <a:bodyPr wrap="none">
+            <a:spAutoFit/>
+          </a:bodyPr>
+          <a:lstStyle/>
+          <a:p>
+            <a:pPr marL="0" marR="0" lvl="0" indent="0" algn="ctr" defTabSz="914400" rtl="0" eaLnBrk="1" fontAlgn="auto" latinLnBrk="0" hangingPunct="1">
+              <a:lnSpc>
+                <a:spcPct val="100000"/>
+              </a:lnSpc>
+              <a:spcBef>
+                <a:spcPts val="0"/>
+              </a:spcBef>
+              <a:spcAft>
+                <a:spcPts val="0"/>
+              </a:spcAft>
+              <a:buClrTx/>
+              <a:buSzTx/>
+              <a:buFontTx/>
+              <a:buNone/>
+              <a:tabLst/>
+              <a:defRPr/>
+            </a:pPr>
+            <a:r>
+              <a:rPr lang="en-US" sz="4800" dirty="0" smtClean="0">
+                <a:solidFill>
+                  <a:srgbClr val="00D8FF"/>
+                </a:solidFill>
+                <a:latin typeface="Consolas"/>
+                <a:cs typeface="Calibri"/>
+              </a:rPr>
+              <a:t>let </a:t>
+            </a:r>
+            <a:r>
+              <a:rPr lang="en-US" sz="4800" dirty="0" smtClean="0">
+                <a:solidFill>
+                  <a:srgbClr val="BF4141"/>
+                </a:solidFill>
+                <a:latin typeface="Consolas"/>
+                <a:cs typeface="Calibri"/>
+              </a:rPr>
+              <a:t>vs</a:t>
+            </a:r>
+            <a:r>
+              <a:rPr lang="en-US" sz="4800" dirty="0" smtClean="0">
+                <a:solidFill>
+                  <a:srgbClr val="00D8FF"/>
+                </a:solidFill>
+                <a:latin typeface="Consolas"/>
+                <a:cs typeface="Calibri"/>
+              </a:rPr>
+              <a:t> </a:t>
+            </a:r>
+            <a:r>
+              <a:rPr lang="en-US" sz="4800" dirty="0" err="1" smtClean="0">
+                <a:solidFill>
+                  <a:srgbClr val="00D8FF"/>
+                </a:solidFill>
+                <a:latin typeface="Consolas"/>
+                <a:cs typeface="Calibri"/>
+              </a:rPr>
+              <a:t>const</a:t>
+            </a:r>
+            <a:endParaRPr kumimoji="0" lang="en-US" sz="4800" b="0" i="0" u="none" strike="noStrike" kern="1200" cap="none" spc="0" normalizeH="0" baseline="0" noProof="0" dirty="0">
+              <a:ln>
+                <a:noFill/>
+              </a:ln>
+              <a:solidFill>
+                <a:srgbClr val="F59117"/>
+              </a:solidFill>
+              <a:effectLst/>
+              <a:uLnTx/>
+              <a:uFillTx/>
+              <a:latin typeface="Consolas"/>
+              <a:ea typeface="+mn-ea"/>
+              <a:cs typeface="Calibri"/>
+            </a:endParaRPr>
+          </a:p>
+        </p:txBody>
+      </p:sp>
+    </p:spTree>
+    <p:extLst>
+      <p:ext uri="{BB962C8B-B14F-4D97-AF65-F5344CB8AC3E}">
+        <p14:creationId xmlns:p14="http://schemas.microsoft.com/office/powerpoint/2010/main" val="1693915259"/>
+      </p:ext>
+    </p:extLst>
+  </p:cSld>
+  <p:clrMapOvr>
+    <a:masterClrMapping/>
+  </p:clrMapOvr>
+  <p:timing>
+    <p:tnLst>
+      <p:par>
+        <p:cTn id="1" dur="indefinite" restart="never" nodeType="tmRoot"/>
+      </p:par>
+    </p:tnLst>
+  </p:timing>
+</p:sld>
+</file>
+
+<file path=ppt/slides/slide81.xml><?xml version="1.0" encoding="utf-8"?>
+<p:sld xmlns:a="http://schemas.openxmlformats.org/drawingml/2006/main" xmlns:r="http://schemas.openxmlformats.org/officeDocument/2006/relationships" xmlns:p="http://schemas.openxmlformats.org/presentationml/2006/main">
+  <p:cSld>
+    <p:bg>
+      <p:bgPr>
+        <a:solidFill>
+          <a:srgbClr val="262626"/>
+        </a:solidFill>
+        <a:effectLst/>
+      </p:bgPr>
+    </p:bg>
+    <p:spTree>
+      <p:nvGrpSpPr>
+        <p:cNvPr id="1" name=""/>
+        <p:cNvGrpSpPr/>
+        <p:nvPr/>
+      </p:nvGrpSpPr>
+      <p:grpSpPr>
+        <a:xfrm>
+          <a:off x="0" y="0"/>
+          <a:ext cx="0" cy="0"/>
+          <a:chOff x="0" y="0"/>
+          <a:chExt cx="0" cy="0"/>
+        </a:xfrm>
+      </p:grpSpPr>
+      <p:sp>
+        <p:nvSpPr>
+          <p:cNvPr id="4" name="Прямоугольник 3"/>
+          <p:cNvSpPr/>
+          <p:nvPr/>
+        </p:nvSpPr>
+        <p:spPr>
+          <a:xfrm>
+            <a:off x="3466953" y="2998113"/>
+            <a:ext cx="5258171" cy="830997"/>
+          </a:xfrm>
+          <a:prstGeom prst="rect">
+            <a:avLst/>
+          </a:prstGeom>
+        </p:spPr>
+        <p:txBody>
+          <a:bodyPr wrap="none">
+            <a:spAutoFit/>
+          </a:bodyPr>
+          <a:lstStyle/>
+          <a:p>
+            <a:pPr marL="0" marR="0" lvl="0" indent="0" algn="ctr" defTabSz="914400" rtl="0" eaLnBrk="1" fontAlgn="auto" latinLnBrk="0" hangingPunct="1">
+              <a:lnSpc>
+                <a:spcPct val="100000"/>
+              </a:lnSpc>
+              <a:spcBef>
+                <a:spcPts val="0"/>
+              </a:spcBef>
+              <a:spcAft>
+                <a:spcPts val="0"/>
+              </a:spcAft>
+              <a:buClrTx/>
+              <a:buSzTx/>
+              <a:buFontTx/>
+              <a:buNone/>
+              <a:tabLst/>
+              <a:defRPr/>
+            </a:pPr>
+            <a:r>
+              <a:rPr lang="en-US" sz="4800" dirty="0" smtClean="0">
+                <a:solidFill>
+                  <a:srgbClr val="00D8FF"/>
+                </a:solidFill>
+                <a:latin typeface="Consolas"/>
+                <a:cs typeface="Calibri"/>
+              </a:rPr>
+              <a:t>String literals</a:t>
+            </a:r>
+            <a:endParaRPr kumimoji="0" lang="en-US" sz="4800" b="0" i="0" u="none" strike="noStrike" kern="1200" cap="none" spc="0" normalizeH="0" baseline="0" noProof="0" dirty="0">
+              <a:ln>
+                <a:noFill/>
+              </a:ln>
+              <a:solidFill>
+                <a:srgbClr val="F59117"/>
+              </a:solidFill>
+              <a:effectLst/>
+              <a:uLnTx/>
+              <a:uFillTx/>
+              <a:latin typeface="Consolas"/>
+              <a:ea typeface="+mn-ea"/>
+              <a:cs typeface="Calibri"/>
+            </a:endParaRPr>
+          </a:p>
+        </p:txBody>
+      </p:sp>
+    </p:spTree>
+    <p:extLst>
+      <p:ext uri="{BB962C8B-B14F-4D97-AF65-F5344CB8AC3E}">
+        <p14:creationId xmlns:p14="http://schemas.microsoft.com/office/powerpoint/2010/main" val="99060689"/>
+      </p:ext>
+    </p:extLst>
+  </p:cSld>
+  <p:clrMapOvr>
+    <a:masterClrMapping/>
+  </p:clrMapOvr>
+  <p:timing>
+    <p:tnLst>
+      <p:par>
+        <p:cTn id="1" dur="indefinite" restart="never" nodeType="tmRoot"/>
+      </p:par>
+    </p:tnLst>
+  </p:timing>
+</p:sld>
+</file>
+
+<file path=ppt/slides/slide82.xml><?xml version="1.0" encoding="utf-8"?>
+<p:sld xmlns:a="http://schemas.openxmlformats.org/drawingml/2006/main" xmlns:r="http://schemas.openxmlformats.org/officeDocument/2006/relationships" xmlns:p="http://schemas.openxmlformats.org/presentationml/2006/main">
+  <p:cSld>
+    <p:bg>
+      <p:bgPr>
+        <a:solidFill>
+          <a:srgbClr val="262626"/>
+        </a:solidFill>
+        <a:effectLst/>
+      </p:bgPr>
+    </p:bg>
+    <p:spTree>
+      <p:nvGrpSpPr>
+        <p:cNvPr id="1" name=""/>
+        <p:cNvGrpSpPr/>
+        <p:nvPr/>
+      </p:nvGrpSpPr>
+      <p:grpSpPr>
+        <a:xfrm>
+          <a:off x="0" y="0"/>
+          <a:ext cx="0" cy="0"/>
+          <a:chOff x="0" y="0"/>
+          <a:chExt cx="0" cy="0"/>
+        </a:xfrm>
+      </p:grpSpPr>
+      <p:sp>
+        <p:nvSpPr>
+          <p:cNvPr id="4" name="Прямоугольник 3"/>
+          <p:cNvSpPr/>
+          <p:nvPr/>
+        </p:nvSpPr>
+        <p:spPr>
+          <a:xfrm>
+            <a:off x="3466953" y="2998113"/>
+            <a:ext cx="5258171" cy="830997"/>
+          </a:xfrm>
+          <a:prstGeom prst="rect">
+            <a:avLst/>
+          </a:prstGeom>
+        </p:spPr>
+        <p:txBody>
+          <a:bodyPr wrap="none">
+            <a:spAutoFit/>
+          </a:bodyPr>
+          <a:lstStyle/>
+          <a:p>
+            <a:pPr marL="0" marR="0" lvl="0" indent="0" algn="ctr" defTabSz="914400" rtl="0" eaLnBrk="1" fontAlgn="auto" latinLnBrk="0" hangingPunct="1">
+              <a:lnSpc>
+                <a:spcPct val="100000"/>
+              </a:lnSpc>
+              <a:spcBef>
+                <a:spcPts val="0"/>
+              </a:spcBef>
+              <a:spcAft>
+                <a:spcPts val="0"/>
+              </a:spcAft>
+              <a:buClrTx/>
+              <a:buSzTx/>
+              <a:buFontTx/>
+              <a:buNone/>
+              <a:tabLst/>
+              <a:defRPr/>
+            </a:pPr>
+            <a:r>
+              <a:rPr kumimoji="0" lang="en-US" sz="4800" b="0" i="0" u="none" strike="noStrike" kern="1200" cap="none" spc="0" normalizeH="0" baseline="0" noProof="0" dirty="0" smtClean="0">
+                <a:ln>
+                  <a:noFill/>
+                </a:ln>
+                <a:solidFill>
+                  <a:srgbClr val="00D8FF"/>
+                </a:solidFill>
+                <a:effectLst/>
+                <a:uLnTx/>
+                <a:uFillTx/>
+                <a:latin typeface="Consolas"/>
+                <a:ea typeface="+mn-ea"/>
+                <a:cs typeface="Calibri"/>
+              </a:rPr>
+              <a:t>Number literals</a:t>
+            </a:r>
+            <a:endParaRPr kumimoji="0" lang="en-US" sz="4800" b="0" i="0" u="none" strike="noStrike" kern="1200" cap="none" spc="0" normalizeH="0" baseline="0" noProof="0" dirty="0">
+              <a:ln>
+                <a:noFill/>
+              </a:ln>
+              <a:solidFill>
+                <a:srgbClr val="F59117"/>
+              </a:solidFill>
+              <a:effectLst/>
+              <a:uLnTx/>
+              <a:uFillTx/>
+              <a:latin typeface="Consolas"/>
+              <a:ea typeface="+mn-ea"/>
+              <a:cs typeface="Calibri"/>
+            </a:endParaRPr>
+          </a:p>
+        </p:txBody>
+      </p:sp>
+    </p:spTree>
+    <p:extLst>
+      <p:ext uri="{BB962C8B-B14F-4D97-AF65-F5344CB8AC3E}">
+        <p14:creationId xmlns:p14="http://schemas.microsoft.com/office/powerpoint/2010/main" val="3571895824"/>
+      </p:ext>
+    </p:extLst>
+  </p:cSld>
+  <p:clrMapOvr>
+    <a:masterClrMapping/>
+  </p:clrMapOvr>
+  <p:timing>
+    <p:tnLst>
+      <p:par>
+        <p:cTn id="1" dur="indefinite" restart="never" nodeType="tmRoot"/>
+      </p:par>
+    </p:tnLst>
+  </p:timing>
+</p:sld>
+</file>
+
+<file path=ppt/slides/slide83.xml><?xml version="1.0" encoding="utf-8"?>
+<p:sld xmlns:a="http://schemas.openxmlformats.org/drawingml/2006/main" xmlns:r="http://schemas.openxmlformats.org/officeDocument/2006/relationships" xmlns:p="http://schemas.openxmlformats.org/presentationml/2006/main">
+  <p:cSld>
+    <p:bg>
+      <p:bgPr>
+        <a:solidFill>
+          <a:srgbClr val="262626"/>
+        </a:solidFill>
+        <a:effectLst/>
+      </p:bgPr>
+    </p:bg>
+    <p:spTree>
+      <p:nvGrpSpPr>
+        <p:cNvPr id="1" name=""/>
+        <p:cNvGrpSpPr/>
+        <p:nvPr/>
+      </p:nvGrpSpPr>
+      <p:grpSpPr>
+        <a:xfrm>
+          <a:off x="0" y="0"/>
+          <a:ext cx="0" cy="0"/>
+          <a:chOff x="0" y="0"/>
+          <a:chExt cx="0" cy="0"/>
+        </a:xfrm>
+      </p:grpSpPr>
+      <p:sp>
+        <p:nvSpPr>
+          <p:cNvPr id="4" name="Прямоугольник 3"/>
+          <p:cNvSpPr/>
+          <p:nvPr/>
+        </p:nvSpPr>
+        <p:spPr>
+          <a:xfrm>
+            <a:off x="3297836" y="2998113"/>
+            <a:ext cx="5596405" cy="830997"/>
+          </a:xfrm>
+          <a:prstGeom prst="rect">
+            <a:avLst/>
+          </a:prstGeom>
+        </p:spPr>
+        <p:txBody>
+          <a:bodyPr wrap="none">
+            <a:spAutoFit/>
+          </a:bodyPr>
+          <a:lstStyle/>
+          <a:p>
+            <a:pPr marL="0" marR="0" lvl="0" indent="0" algn="ctr" defTabSz="914400" rtl="0" eaLnBrk="1" fontAlgn="auto" latinLnBrk="0" hangingPunct="1">
+              <a:lnSpc>
+                <a:spcPct val="100000"/>
+              </a:lnSpc>
+              <a:spcBef>
+                <a:spcPts val="0"/>
+              </a:spcBef>
+              <a:spcAft>
+                <a:spcPts val="0"/>
+              </a:spcAft>
+              <a:buClrTx/>
+              <a:buSzTx/>
+              <a:buFontTx/>
+              <a:buNone/>
+              <a:tabLst/>
+              <a:defRPr/>
+            </a:pPr>
+            <a:r>
+              <a:rPr kumimoji="0" lang="en-US" sz="4800" b="0" i="0" u="none" strike="noStrike" kern="1200" cap="none" spc="0" normalizeH="0" baseline="0" noProof="0" dirty="0" smtClean="0">
+                <a:ln>
+                  <a:noFill/>
+                </a:ln>
+                <a:solidFill>
+                  <a:srgbClr val="00D8FF"/>
+                </a:solidFill>
+                <a:effectLst/>
+                <a:uLnTx/>
+                <a:uFillTx/>
+                <a:latin typeface="Consolas"/>
+                <a:ea typeface="+mn-ea"/>
+                <a:cs typeface="Calibri"/>
+              </a:rPr>
+              <a:t>Boolean literals</a:t>
+            </a:r>
+            <a:endParaRPr kumimoji="0" lang="en-US" sz="4800" b="0" i="0" u="none" strike="noStrike" kern="1200" cap="none" spc="0" normalizeH="0" baseline="0" noProof="0" dirty="0">
+              <a:ln>
+                <a:noFill/>
+              </a:ln>
+              <a:solidFill>
+                <a:srgbClr val="F59117"/>
+              </a:solidFill>
+              <a:effectLst/>
+              <a:uLnTx/>
+              <a:uFillTx/>
+              <a:latin typeface="Consolas"/>
+              <a:ea typeface="+mn-ea"/>
+              <a:cs typeface="Calibri"/>
+            </a:endParaRPr>
+          </a:p>
+        </p:txBody>
+      </p:sp>
+    </p:spTree>
+    <p:extLst>
+      <p:ext uri="{BB962C8B-B14F-4D97-AF65-F5344CB8AC3E}">
+        <p14:creationId xmlns:p14="http://schemas.microsoft.com/office/powerpoint/2010/main" val="3970847943"/>
+      </p:ext>
+    </p:extLst>
+  </p:cSld>
+  <p:clrMapOvr>
+    <a:masterClrMapping/>
+  </p:clrMapOvr>
+  <p:timing>
+    <p:tnLst>
+      <p:par>
+        <p:cTn id="1" dur="indefinite" restart="never" nodeType="tmRoot"/>
+      </p:par>
+    </p:tnLst>
+  </p:timing>
 </p:sld>
 </file>
 

--- a/Course.pptx
+++ b/Course.pptx
@@ -5,7 +5,7 @@
     <p:sldMasterId id="2147483648" r:id="rId1"/>
   </p:sldMasterIdLst>
   <p:notesMasterIdLst>
-    <p:notesMasterId r:id="rId85"/>
+    <p:notesMasterId r:id="rId100"/>
   </p:notesMasterIdLst>
   <p:sldIdLst>
     <p:sldId id="256" r:id="rId2"/>
@@ -91,6 +91,21 @@
     <p:sldId id="329" r:id="rId82"/>
     <p:sldId id="330" r:id="rId83"/>
     <p:sldId id="331" r:id="rId84"/>
+    <p:sldId id="340" r:id="rId85"/>
+    <p:sldId id="341" r:id="rId86"/>
+    <p:sldId id="342" r:id="rId87"/>
+    <p:sldId id="343" r:id="rId88"/>
+    <p:sldId id="344" r:id="rId89"/>
+    <p:sldId id="345" r:id="rId90"/>
+    <p:sldId id="346" r:id="rId91"/>
+    <p:sldId id="347" r:id="rId92"/>
+    <p:sldId id="348" r:id="rId93"/>
+    <p:sldId id="349" r:id="rId94"/>
+    <p:sldId id="350" r:id="rId95"/>
+    <p:sldId id="351" r:id="rId96"/>
+    <p:sldId id="352" r:id="rId97"/>
+    <p:sldId id="353" r:id="rId98"/>
+    <p:sldId id="354" r:id="rId99"/>
   </p:sldIdLst>
   <p:sldSz cx="12192000" cy="6858000"/>
   <p:notesSz cx="6858000" cy="9144000"/>
@@ -1115,7 +1130,7 @@
           <a:p>
             <a:fld id="{2EE8E8F7-1DBA-4282-96A9-47FA334D89F2}" type="datetimeFigureOut">
               <a:rPr lang="ru-RU" smtClean="0"/>
-              <a:t>14.07.2020</a:t>
+              <a:t>16.07.2020</a:t>
             </a:fld>
             <a:endParaRPr lang="ru-RU"/>
           </a:p>
@@ -5945,6 +5960,1575 @@
 </p:notes>
 </file>
 
+<file path=ppt/notesSlides/notesSlide24.xml><?xml version="1.0" encoding="utf-8"?>
+<p:notes xmlns:a="http://schemas.openxmlformats.org/drawingml/2006/main" xmlns:r="http://schemas.openxmlformats.org/officeDocument/2006/relationships" xmlns:p="http://schemas.openxmlformats.org/presentationml/2006/main">
+  <p:cSld>
+    <p:spTree>
+      <p:nvGrpSpPr>
+        <p:cNvPr id="1" name=""/>
+        <p:cNvGrpSpPr/>
+        <p:nvPr/>
+      </p:nvGrpSpPr>
+      <p:grpSpPr>
+        <a:xfrm>
+          <a:off x="0" y="0"/>
+          <a:ext cx="0" cy="0"/>
+          <a:chOff x="0" y="0"/>
+          <a:chExt cx="0" cy="0"/>
+        </a:xfrm>
+      </p:grpSpPr>
+      <p:sp>
+        <p:nvSpPr>
+          <p:cNvPr id="2" name="Образ слайда 1"/>
+          <p:cNvSpPr>
+            <a:spLocks noGrp="1" noRot="1" noChangeAspect="1"/>
+          </p:cNvSpPr>
+          <p:nvPr>
+            <p:ph type="sldImg"/>
+          </p:nvPr>
+        </p:nvSpPr>
+        <p:spPr/>
+      </p:sp>
+      <p:sp>
+        <p:nvSpPr>
+          <p:cNvPr id="3" name="Заметки 2"/>
+          <p:cNvSpPr>
+            <a:spLocks noGrp="1"/>
+          </p:cNvSpPr>
+          <p:nvPr>
+            <p:ph type="body" idx="1"/>
+          </p:nvPr>
+        </p:nvSpPr>
+        <p:spPr/>
+        <p:txBody>
+          <a:bodyPr/>
+          <a:lstStyle/>
+          <a:p>
+            <a:pPr marL="228600" indent="-228600">
+              <a:buAutoNum type="arabicPeriod"/>
+            </a:pPr>
+            <a:r>
+              <a:rPr lang="ru-RU" dirty="0" smtClean="0"/>
+              <a:t>Урок 11</a:t>
+            </a:r>
+          </a:p>
+          <a:p>
+            <a:pPr marL="228600" indent="-228600">
+              <a:buAutoNum type="arabicPeriod"/>
+            </a:pPr>
+            <a:r>
+              <a:rPr lang="ru-RU" dirty="0" smtClean="0"/>
+              <a:t>То</a:t>
+            </a:r>
+            <a:r>
+              <a:rPr lang="ru-RU" baseline="0" dirty="0" smtClean="0"/>
+              <a:t> в каком виде они там присутствуют мы узнаем позднее</a:t>
+            </a:r>
+            <a:endParaRPr lang="ru-RU" dirty="0"/>
+          </a:p>
+        </p:txBody>
+      </p:sp>
+      <p:sp>
+        <p:nvSpPr>
+          <p:cNvPr id="4" name="Номер слайда 3"/>
+          <p:cNvSpPr>
+            <a:spLocks noGrp="1"/>
+          </p:cNvSpPr>
+          <p:nvPr>
+            <p:ph type="sldNum" sz="quarter" idx="10"/>
+          </p:nvPr>
+        </p:nvSpPr>
+        <p:spPr/>
+        <p:txBody>
+          <a:bodyPr/>
+          <a:lstStyle/>
+          <a:p>
+            <a:pPr marL="0" marR="0" lvl="0" indent="0" algn="r" defTabSz="914400" rtl="0" eaLnBrk="1" fontAlgn="auto" latinLnBrk="0" hangingPunct="1">
+              <a:lnSpc>
+                <a:spcPct val="100000"/>
+              </a:lnSpc>
+              <a:spcBef>
+                <a:spcPts val="0"/>
+              </a:spcBef>
+              <a:spcAft>
+                <a:spcPts val="0"/>
+              </a:spcAft>
+              <a:buClrTx/>
+              <a:buSzTx/>
+              <a:buFontTx/>
+              <a:buNone/>
+              <a:tabLst/>
+              <a:defRPr/>
+            </a:pPr>
+            <a:fld id="{622F1C9E-D65E-417E-9FEF-9AD7ACC20294}" type="slidenum">
+              <a:rPr kumimoji="0" lang="ru-RU" sz="1200" b="0" i="0" u="none" strike="noStrike" kern="1200" cap="none" spc="0" normalizeH="0" baseline="0" noProof="0" smtClean="0">
+                <a:ln>
+                  <a:noFill/>
+                </a:ln>
+                <a:solidFill>
+                  <a:prstClr val="black"/>
+                </a:solidFill>
+                <a:effectLst/>
+                <a:uLnTx/>
+                <a:uFillTx/>
+                <a:latin typeface="Calibri" panose="020F0502020204030204"/>
+                <a:ea typeface="+mn-ea"/>
+                <a:cs typeface="+mn-cs"/>
+              </a:rPr>
+              <a:pPr marL="0" marR="0" lvl="0" indent="0" algn="r" defTabSz="914400" rtl="0" eaLnBrk="1" fontAlgn="auto" latinLnBrk="0" hangingPunct="1">
+                <a:lnSpc>
+                  <a:spcPct val="100000"/>
+                </a:lnSpc>
+                <a:spcBef>
+                  <a:spcPts val="0"/>
+                </a:spcBef>
+                <a:spcAft>
+                  <a:spcPts val="0"/>
+                </a:spcAft>
+                <a:buClrTx/>
+                <a:buSzTx/>
+                <a:buFontTx/>
+                <a:buNone/>
+                <a:tabLst/>
+                <a:defRPr/>
+              </a:pPr>
+              <a:t>84</a:t>
+            </a:fld>
+            <a:endParaRPr kumimoji="0" lang="ru-RU" sz="1200" b="0" i="0" u="none" strike="noStrike" kern="1200" cap="none" spc="0" normalizeH="0" baseline="0" noProof="0">
+              <a:ln>
+                <a:noFill/>
+              </a:ln>
+              <a:solidFill>
+                <a:prstClr val="black"/>
+              </a:solidFill>
+              <a:effectLst/>
+              <a:uLnTx/>
+              <a:uFillTx/>
+              <a:latin typeface="Calibri" panose="020F0502020204030204"/>
+              <a:ea typeface="+mn-ea"/>
+              <a:cs typeface="+mn-cs"/>
+            </a:endParaRPr>
+          </a:p>
+        </p:txBody>
+      </p:sp>
+    </p:spTree>
+    <p:extLst>
+      <p:ext uri="{BB962C8B-B14F-4D97-AF65-F5344CB8AC3E}">
+        <p14:creationId xmlns:p14="http://schemas.microsoft.com/office/powerpoint/2010/main" val="874305936"/>
+      </p:ext>
+    </p:extLst>
+  </p:cSld>
+  <p:clrMapOvr>
+    <a:masterClrMapping/>
+  </p:clrMapOvr>
+</p:notes>
+</file>
+
+<file path=ppt/notesSlides/notesSlide25.xml><?xml version="1.0" encoding="utf-8"?>
+<p:notes xmlns:a="http://schemas.openxmlformats.org/drawingml/2006/main" xmlns:r="http://schemas.openxmlformats.org/officeDocument/2006/relationships" xmlns:p="http://schemas.openxmlformats.org/presentationml/2006/main">
+  <p:cSld>
+    <p:spTree>
+      <p:nvGrpSpPr>
+        <p:cNvPr id="1" name=""/>
+        <p:cNvGrpSpPr/>
+        <p:nvPr/>
+      </p:nvGrpSpPr>
+      <p:grpSpPr>
+        <a:xfrm>
+          <a:off x="0" y="0"/>
+          <a:ext cx="0" cy="0"/>
+          <a:chOff x="0" y="0"/>
+          <a:chExt cx="0" cy="0"/>
+        </a:xfrm>
+      </p:grpSpPr>
+      <p:sp>
+        <p:nvSpPr>
+          <p:cNvPr id="2" name="Образ слайда 1"/>
+          <p:cNvSpPr>
+            <a:spLocks noGrp="1" noRot="1" noChangeAspect="1"/>
+          </p:cNvSpPr>
+          <p:nvPr>
+            <p:ph type="sldImg"/>
+          </p:nvPr>
+        </p:nvSpPr>
+        <p:spPr/>
+      </p:sp>
+      <p:sp>
+        <p:nvSpPr>
+          <p:cNvPr id="3" name="Заметки 2"/>
+          <p:cNvSpPr>
+            <a:spLocks noGrp="1"/>
+          </p:cNvSpPr>
+          <p:nvPr>
+            <p:ph type="body" idx="1"/>
+          </p:nvPr>
+        </p:nvSpPr>
+        <p:spPr/>
+        <p:txBody>
+          <a:bodyPr/>
+          <a:lstStyle/>
+          <a:p>
+            <a:pPr marL="228600" indent="-228600">
+              <a:buAutoNum type="arabicPeriod"/>
+            </a:pPr>
+            <a:r>
+              <a:rPr lang="ru-RU" sz="1200" b="0" i="0" kern="1200" dirty="0" smtClean="0">
+                <a:solidFill>
+                  <a:schemeClr val="tx1"/>
+                </a:solidFill>
+                <a:effectLst/>
+                <a:latin typeface="+mn-lt"/>
+                <a:ea typeface="+mn-ea"/>
+                <a:cs typeface="+mn-cs"/>
+              </a:rPr>
+              <a:t>Далее</a:t>
+            </a:r>
+            <a:r>
+              <a:rPr lang="ru-RU" sz="1200" b="0" i="0" kern="1200" baseline="0" dirty="0" smtClean="0">
+                <a:solidFill>
+                  <a:schemeClr val="tx1"/>
+                </a:solidFill>
+                <a:effectLst/>
+                <a:latin typeface="+mn-lt"/>
+                <a:ea typeface="+mn-ea"/>
+                <a:cs typeface="+mn-cs"/>
+              </a:rPr>
+              <a:t> посмотрим на примерах*</a:t>
+            </a:r>
+            <a:endParaRPr lang="en-US" sz="1200" b="0" i="0" kern="1200" dirty="0" smtClean="0">
+              <a:solidFill>
+                <a:schemeClr val="tx1"/>
+              </a:solidFill>
+              <a:effectLst/>
+              <a:latin typeface="+mn-lt"/>
+              <a:ea typeface="+mn-ea"/>
+              <a:cs typeface="+mn-cs"/>
+            </a:endParaRPr>
+          </a:p>
+          <a:p>
+            <a:pPr marL="228600" indent="-228600">
+              <a:buAutoNum type="arabicPeriod"/>
+            </a:pPr>
+            <a:r>
+              <a:rPr lang="ru-RU" sz="1200" b="0" i="0" kern="1200" dirty="0" smtClean="0">
+                <a:solidFill>
+                  <a:schemeClr val="tx1"/>
+                </a:solidFill>
+                <a:effectLst/>
+                <a:latin typeface="+mn-lt"/>
+                <a:ea typeface="+mn-ea"/>
+                <a:cs typeface="+mn-cs"/>
+              </a:rPr>
+              <a:t>Перечисления без явных инициализаций должны либо идти первыми, либо сразу после константных свойств. Код ниже является недопустимым. </a:t>
+            </a:r>
+          </a:p>
+        </p:txBody>
+      </p:sp>
+      <p:sp>
+        <p:nvSpPr>
+          <p:cNvPr id="4" name="Номер слайда 3"/>
+          <p:cNvSpPr>
+            <a:spLocks noGrp="1"/>
+          </p:cNvSpPr>
+          <p:nvPr>
+            <p:ph type="sldNum" sz="quarter" idx="10"/>
+          </p:nvPr>
+        </p:nvSpPr>
+        <p:spPr/>
+        <p:txBody>
+          <a:bodyPr/>
+          <a:lstStyle/>
+          <a:p>
+            <a:pPr marL="0" marR="0" lvl="0" indent="0" algn="r" defTabSz="914400" rtl="0" eaLnBrk="1" fontAlgn="auto" latinLnBrk="0" hangingPunct="1">
+              <a:lnSpc>
+                <a:spcPct val="100000"/>
+              </a:lnSpc>
+              <a:spcBef>
+                <a:spcPts val="0"/>
+              </a:spcBef>
+              <a:spcAft>
+                <a:spcPts val="0"/>
+              </a:spcAft>
+              <a:buClrTx/>
+              <a:buSzTx/>
+              <a:buFontTx/>
+              <a:buNone/>
+              <a:tabLst/>
+              <a:defRPr/>
+            </a:pPr>
+            <a:fld id="{622F1C9E-D65E-417E-9FEF-9AD7ACC20294}" type="slidenum">
+              <a:rPr kumimoji="0" lang="ru-RU" sz="1200" b="0" i="0" u="none" strike="noStrike" kern="1200" cap="none" spc="0" normalizeH="0" baseline="0" noProof="0" smtClean="0">
+                <a:ln>
+                  <a:noFill/>
+                </a:ln>
+                <a:solidFill>
+                  <a:prstClr val="black"/>
+                </a:solidFill>
+                <a:effectLst/>
+                <a:uLnTx/>
+                <a:uFillTx/>
+                <a:latin typeface="Calibri" panose="020F0502020204030204"/>
+                <a:ea typeface="+mn-ea"/>
+                <a:cs typeface="+mn-cs"/>
+              </a:rPr>
+              <a:pPr marL="0" marR="0" lvl="0" indent="0" algn="r" defTabSz="914400" rtl="0" eaLnBrk="1" fontAlgn="auto" latinLnBrk="0" hangingPunct="1">
+                <a:lnSpc>
+                  <a:spcPct val="100000"/>
+                </a:lnSpc>
+                <a:spcBef>
+                  <a:spcPts val="0"/>
+                </a:spcBef>
+                <a:spcAft>
+                  <a:spcPts val="0"/>
+                </a:spcAft>
+                <a:buClrTx/>
+                <a:buSzTx/>
+                <a:buFontTx/>
+                <a:buNone/>
+                <a:tabLst/>
+                <a:defRPr/>
+              </a:pPr>
+              <a:t>85</a:t>
+            </a:fld>
+            <a:endParaRPr kumimoji="0" lang="ru-RU" sz="1200" b="0" i="0" u="none" strike="noStrike" kern="1200" cap="none" spc="0" normalizeH="0" baseline="0" noProof="0">
+              <a:ln>
+                <a:noFill/>
+              </a:ln>
+              <a:solidFill>
+                <a:prstClr val="black"/>
+              </a:solidFill>
+              <a:effectLst/>
+              <a:uLnTx/>
+              <a:uFillTx/>
+              <a:latin typeface="Calibri" panose="020F0502020204030204"/>
+              <a:ea typeface="+mn-ea"/>
+              <a:cs typeface="+mn-cs"/>
+            </a:endParaRPr>
+          </a:p>
+        </p:txBody>
+      </p:sp>
+    </p:spTree>
+    <p:extLst>
+      <p:ext uri="{BB962C8B-B14F-4D97-AF65-F5344CB8AC3E}">
+        <p14:creationId xmlns:p14="http://schemas.microsoft.com/office/powerpoint/2010/main" val="3604244447"/>
+      </p:ext>
+    </p:extLst>
+  </p:cSld>
+  <p:clrMapOvr>
+    <a:masterClrMapping/>
+  </p:clrMapOvr>
+</p:notes>
+</file>
+
+<file path=ppt/notesSlides/notesSlide26.xml><?xml version="1.0" encoding="utf-8"?>
+<p:notes xmlns:a="http://schemas.openxmlformats.org/drawingml/2006/main" xmlns:r="http://schemas.openxmlformats.org/officeDocument/2006/relationships" xmlns:p="http://schemas.openxmlformats.org/presentationml/2006/main">
+  <p:cSld>
+    <p:spTree>
+      <p:nvGrpSpPr>
+        <p:cNvPr id="1" name=""/>
+        <p:cNvGrpSpPr/>
+        <p:nvPr/>
+      </p:nvGrpSpPr>
+      <p:grpSpPr>
+        <a:xfrm>
+          <a:off x="0" y="0"/>
+          <a:ext cx="0" cy="0"/>
+          <a:chOff x="0" y="0"/>
+          <a:chExt cx="0" cy="0"/>
+        </a:xfrm>
+      </p:grpSpPr>
+      <p:sp>
+        <p:nvSpPr>
+          <p:cNvPr id="2" name="Образ слайда 1"/>
+          <p:cNvSpPr>
+            <a:spLocks noGrp="1" noRot="1" noChangeAspect="1"/>
+          </p:cNvSpPr>
+          <p:nvPr>
+            <p:ph type="sldImg"/>
+          </p:nvPr>
+        </p:nvSpPr>
+        <p:spPr/>
+      </p:sp>
+      <p:sp>
+        <p:nvSpPr>
+          <p:cNvPr id="3" name="Заметки 2"/>
+          <p:cNvSpPr>
+            <a:spLocks noGrp="1"/>
+          </p:cNvSpPr>
+          <p:nvPr>
+            <p:ph type="body" idx="1"/>
+          </p:nvPr>
+        </p:nvSpPr>
+        <p:spPr/>
+        <p:txBody>
+          <a:bodyPr/>
+          <a:lstStyle/>
+          <a:p>
+            <a:pPr rtl="0" fontAlgn="base"/>
+            <a:r>
+              <a:rPr lang="ru-RU" sz="1200" b="0" i="0" kern="1200" dirty="0" smtClean="0">
+                <a:solidFill>
+                  <a:schemeClr val="tx1"/>
+                </a:solidFill>
+                <a:effectLst/>
+                <a:latin typeface="+mn-lt"/>
+                <a:ea typeface="+mn-ea"/>
+                <a:cs typeface="+mn-cs"/>
+              </a:rPr>
+              <a:t>К константным значениям </a:t>
+            </a:r>
+            <a:r>
+              <a:rPr lang="ru-RU" sz="1200" b="0" i="0" kern="1200" dirty="0" err="1" smtClean="0">
+                <a:solidFill>
+                  <a:schemeClr val="tx1"/>
+                </a:solidFill>
+                <a:effectLst/>
+                <a:latin typeface="+mn-lt"/>
+                <a:ea typeface="+mn-ea"/>
+                <a:cs typeface="+mn-cs"/>
+              </a:rPr>
+              <a:t>enum</a:t>
+            </a:r>
+            <a:r>
+              <a:rPr lang="ru-RU" sz="1200" b="0" i="0" kern="1200" dirty="0" smtClean="0">
+                <a:solidFill>
+                  <a:schemeClr val="tx1"/>
+                </a:solidFill>
+                <a:effectLst/>
+                <a:latin typeface="+mn-lt"/>
+                <a:ea typeface="+mn-ea"/>
+                <a:cs typeface="+mn-cs"/>
+              </a:rPr>
+              <a:t> относятся следующие: </a:t>
+            </a:r>
+          </a:p>
+          <a:p>
+            <a:pPr rtl="0" fontAlgn="base"/>
+            <a:endParaRPr lang="en-US" sz="1200" b="0" i="0" kern="1200" dirty="0" smtClean="0">
+              <a:solidFill>
+                <a:schemeClr val="tx1"/>
+              </a:solidFill>
+              <a:effectLst/>
+              <a:latin typeface="+mn-lt"/>
+              <a:ea typeface="+mn-ea"/>
+              <a:cs typeface="+mn-cs"/>
+            </a:endParaRPr>
+          </a:p>
+          <a:p>
+            <a:pPr rtl="0" fontAlgn="base"/>
+            <a:r>
+              <a:rPr lang="ru-RU" sz="1200" b="0" i="0" kern="1200" dirty="0" smtClean="0">
+                <a:solidFill>
+                  <a:schemeClr val="tx1"/>
+                </a:solidFill>
+                <a:effectLst/>
+                <a:latin typeface="+mn-lt"/>
+                <a:ea typeface="+mn-ea"/>
+                <a:cs typeface="+mn-cs"/>
+              </a:rPr>
+              <a:t>Если определен первый член и он не имеет инициализатора </a:t>
+            </a:r>
+          </a:p>
+          <a:p>
+            <a:pPr rtl="0" fontAlgn="base"/>
+            <a:endParaRPr lang="en-US" sz="1200" b="0" i="0" kern="1200" dirty="0" smtClean="0">
+              <a:solidFill>
+                <a:schemeClr val="tx1"/>
+              </a:solidFill>
+              <a:effectLst/>
+              <a:latin typeface="+mn-lt"/>
+              <a:ea typeface="+mn-ea"/>
+              <a:cs typeface="+mn-cs"/>
+            </a:endParaRPr>
+          </a:p>
+          <a:p>
+            <a:pPr rtl="0" fontAlgn="base"/>
+            <a:r>
+              <a:rPr lang="ru-RU" sz="1200" b="0" i="0" kern="1200" dirty="0" smtClean="0">
+                <a:solidFill>
+                  <a:schemeClr val="tx1"/>
+                </a:solidFill>
+                <a:effectLst/>
+                <a:latin typeface="+mn-lt"/>
+                <a:ea typeface="+mn-ea"/>
+                <a:cs typeface="+mn-cs"/>
+              </a:rPr>
+              <a:t>Если член не имеет инициализатора и все идущие перед ним свойства также не имеют инициализатора </a:t>
+            </a:r>
+          </a:p>
+          <a:p>
+            <a:pPr rtl="0" fontAlgn="base"/>
+            <a:endParaRPr lang="en-US" sz="1200" b="0" i="0" kern="1200" dirty="0" smtClean="0">
+              <a:solidFill>
+                <a:schemeClr val="tx1"/>
+              </a:solidFill>
+              <a:effectLst/>
+              <a:latin typeface="+mn-lt"/>
+              <a:ea typeface="+mn-ea"/>
+              <a:cs typeface="+mn-cs"/>
+            </a:endParaRPr>
+          </a:p>
+          <a:p>
+            <a:pPr rtl="0" fontAlgn="base"/>
+            <a:r>
+              <a:rPr lang="ru-RU" sz="1200" b="0" i="0" kern="1200" dirty="0" smtClean="0">
+                <a:solidFill>
+                  <a:schemeClr val="tx1"/>
+                </a:solidFill>
+                <a:effectLst/>
+                <a:latin typeface="+mn-lt"/>
+                <a:ea typeface="+mn-ea"/>
+                <a:cs typeface="+mn-cs"/>
+              </a:rPr>
+              <a:t>Если свойство перечисления инициализировано с помощью некоторой константы. К таким выражениям </a:t>
+            </a:r>
+            <a:r>
+              <a:rPr lang="ru-RU" sz="1200" b="0" i="0" kern="1200" dirty="0" err="1" smtClean="0">
+                <a:solidFill>
+                  <a:schemeClr val="tx1"/>
+                </a:solidFill>
+                <a:effectLst/>
+                <a:latin typeface="+mn-lt"/>
+                <a:ea typeface="+mn-ea"/>
+                <a:cs typeface="+mn-cs"/>
+              </a:rPr>
+              <a:t>отностятся</a:t>
+            </a:r>
+            <a:r>
+              <a:rPr lang="ru-RU" sz="1200" b="0" i="0" kern="1200" dirty="0" smtClean="0">
+                <a:solidFill>
+                  <a:schemeClr val="tx1"/>
+                </a:solidFill>
+                <a:effectLst/>
+                <a:latin typeface="+mn-lt"/>
+                <a:ea typeface="+mn-ea"/>
+                <a:cs typeface="+mn-cs"/>
+              </a:rPr>
+              <a:t>: </a:t>
+            </a:r>
+          </a:p>
+          <a:p>
+            <a:pPr rtl="0" fontAlgn="base"/>
+            <a:endParaRPr lang="en-US" sz="1200" b="0" i="0" kern="1200" dirty="0" smtClean="0">
+              <a:solidFill>
+                <a:schemeClr val="tx1"/>
+              </a:solidFill>
+              <a:effectLst/>
+              <a:latin typeface="+mn-lt"/>
+              <a:ea typeface="+mn-ea"/>
+              <a:cs typeface="+mn-cs"/>
+            </a:endParaRPr>
+          </a:p>
+          <a:p>
+            <a:pPr rtl="0" fontAlgn="base"/>
+            <a:r>
+              <a:rPr lang="ru-RU" sz="1200" b="0" i="0" kern="1200" dirty="0" smtClean="0">
+                <a:solidFill>
+                  <a:schemeClr val="tx1"/>
+                </a:solidFill>
+                <a:effectLst/>
+                <a:latin typeface="+mn-lt"/>
+                <a:ea typeface="+mn-ea"/>
+                <a:cs typeface="+mn-cs"/>
+              </a:rPr>
+              <a:t>Литеральные выражения (явные значения строк и чисел) </a:t>
+            </a:r>
+          </a:p>
+          <a:p>
+            <a:pPr rtl="0" fontAlgn="base"/>
+            <a:endParaRPr lang="en-US" sz="1200" b="0" i="0" kern="1200" dirty="0" smtClean="0">
+              <a:solidFill>
+                <a:schemeClr val="tx1"/>
+              </a:solidFill>
+              <a:effectLst/>
+              <a:latin typeface="+mn-lt"/>
+              <a:ea typeface="+mn-ea"/>
+              <a:cs typeface="+mn-cs"/>
+            </a:endParaRPr>
+          </a:p>
+          <a:p>
+            <a:pPr rtl="0" fontAlgn="base"/>
+            <a:r>
+              <a:rPr lang="ru-RU" sz="1200" b="0" i="0" kern="1200" dirty="0" smtClean="0">
+                <a:solidFill>
+                  <a:schemeClr val="tx1"/>
+                </a:solidFill>
+                <a:effectLst/>
+                <a:latin typeface="+mn-lt"/>
+                <a:ea typeface="+mn-ea"/>
+                <a:cs typeface="+mn-cs"/>
+              </a:rPr>
+              <a:t>Ссылка на уже объявленное константное свойство (которое может и не принадлежать текущему перечислению) </a:t>
+            </a:r>
+            <a:endParaRPr lang="en-US" sz="1200" b="0" i="0" kern="1200" dirty="0" smtClean="0">
+              <a:solidFill>
+                <a:schemeClr val="tx1"/>
+              </a:solidFill>
+              <a:effectLst/>
+              <a:latin typeface="+mn-lt"/>
+              <a:ea typeface="+mn-ea"/>
+              <a:cs typeface="+mn-cs"/>
+            </a:endParaRPr>
+          </a:p>
+          <a:p>
+            <a:pPr rtl="0" fontAlgn="base"/>
+            <a:endParaRPr lang="en-US" sz="1200" b="0" i="0" kern="1200" dirty="0" smtClean="0">
+              <a:solidFill>
+                <a:schemeClr val="tx1"/>
+              </a:solidFill>
+              <a:effectLst/>
+              <a:latin typeface="+mn-lt"/>
+              <a:ea typeface="+mn-ea"/>
+              <a:cs typeface="+mn-cs"/>
+            </a:endParaRPr>
+          </a:p>
+          <a:p>
+            <a:pPr rtl="0" fontAlgn="base"/>
+            <a:r>
+              <a:rPr lang="ru-RU" sz="1200" b="0" i="0" kern="1200" dirty="0" smtClean="0">
+                <a:solidFill>
+                  <a:schemeClr val="tx1"/>
+                </a:solidFill>
+                <a:effectLst/>
+                <a:latin typeface="+mn-lt"/>
+                <a:ea typeface="+mn-ea"/>
+                <a:cs typeface="+mn-cs"/>
+              </a:rPr>
+              <a:t>Далее</a:t>
+            </a:r>
+            <a:r>
+              <a:rPr lang="ru-RU" sz="1200" b="0" i="0" kern="1200" baseline="0" dirty="0" smtClean="0">
+                <a:solidFill>
+                  <a:schemeClr val="tx1"/>
+                </a:solidFill>
+                <a:effectLst/>
+                <a:latin typeface="+mn-lt"/>
+                <a:ea typeface="+mn-ea"/>
+                <a:cs typeface="+mn-cs"/>
+              </a:rPr>
+              <a:t> пример с </a:t>
+            </a:r>
+            <a:r>
+              <a:rPr lang="en-US" sz="1200" b="0" i="0" kern="1200" baseline="0" dirty="0" err="1" smtClean="0">
+                <a:solidFill>
+                  <a:schemeClr val="tx1"/>
+                </a:solidFill>
+                <a:effectLst/>
+                <a:latin typeface="+mn-lt"/>
+                <a:ea typeface="+mn-ea"/>
+                <a:cs typeface="+mn-cs"/>
+              </a:rPr>
+              <a:t>enum</a:t>
+            </a:r>
+            <a:r>
+              <a:rPr lang="en-US" sz="1200" b="0" i="0" kern="1200" baseline="0" dirty="0" smtClean="0">
+                <a:solidFill>
+                  <a:schemeClr val="tx1"/>
+                </a:solidFill>
+                <a:effectLst/>
+                <a:latin typeface="+mn-lt"/>
+                <a:ea typeface="+mn-ea"/>
+                <a:cs typeface="+mn-cs"/>
+              </a:rPr>
+              <a:t> File Access*</a:t>
+            </a:r>
+            <a:endParaRPr lang="ru-RU" sz="1200" b="0" i="0" kern="1200" dirty="0" smtClean="0">
+              <a:solidFill>
+                <a:schemeClr val="tx1"/>
+              </a:solidFill>
+              <a:effectLst/>
+              <a:latin typeface="+mn-lt"/>
+              <a:ea typeface="+mn-ea"/>
+              <a:cs typeface="+mn-cs"/>
+            </a:endParaRPr>
+          </a:p>
+        </p:txBody>
+      </p:sp>
+      <p:sp>
+        <p:nvSpPr>
+          <p:cNvPr id="4" name="Номер слайда 3"/>
+          <p:cNvSpPr>
+            <a:spLocks noGrp="1"/>
+          </p:cNvSpPr>
+          <p:nvPr>
+            <p:ph type="sldNum" sz="quarter" idx="10"/>
+          </p:nvPr>
+        </p:nvSpPr>
+        <p:spPr/>
+        <p:txBody>
+          <a:bodyPr/>
+          <a:lstStyle/>
+          <a:p>
+            <a:pPr marL="0" marR="0" lvl="0" indent="0" algn="r" defTabSz="914400" rtl="0" eaLnBrk="1" fontAlgn="auto" latinLnBrk="0" hangingPunct="1">
+              <a:lnSpc>
+                <a:spcPct val="100000"/>
+              </a:lnSpc>
+              <a:spcBef>
+                <a:spcPts val="0"/>
+              </a:spcBef>
+              <a:spcAft>
+                <a:spcPts val="0"/>
+              </a:spcAft>
+              <a:buClrTx/>
+              <a:buSzTx/>
+              <a:buFontTx/>
+              <a:buNone/>
+              <a:tabLst/>
+              <a:defRPr/>
+            </a:pPr>
+            <a:fld id="{622F1C9E-D65E-417E-9FEF-9AD7ACC20294}" type="slidenum">
+              <a:rPr kumimoji="0" lang="ru-RU" sz="1200" b="0" i="0" u="none" strike="noStrike" kern="1200" cap="none" spc="0" normalizeH="0" baseline="0" noProof="0" smtClean="0">
+                <a:ln>
+                  <a:noFill/>
+                </a:ln>
+                <a:solidFill>
+                  <a:prstClr val="black"/>
+                </a:solidFill>
+                <a:effectLst/>
+                <a:uLnTx/>
+                <a:uFillTx/>
+                <a:latin typeface="Calibri" panose="020F0502020204030204"/>
+                <a:ea typeface="+mn-ea"/>
+                <a:cs typeface="+mn-cs"/>
+              </a:rPr>
+              <a:pPr marL="0" marR="0" lvl="0" indent="0" algn="r" defTabSz="914400" rtl="0" eaLnBrk="1" fontAlgn="auto" latinLnBrk="0" hangingPunct="1">
+                <a:lnSpc>
+                  <a:spcPct val="100000"/>
+                </a:lnSpc>
+                <a:spcBef>
+                  <a:spcPts val="0"/>
+                </a:spcBef>
+                <a:spcAft>
+                  <a:spcPts val="0"/>
+                </a:spcAft>
+                <a:buClrTx/>
+                <a:buSzTx/>
+                <a:buFontTx/>
+                <a:buNone/>
+                <a:tabLst/>
+                <a:defRPr/>
+              </a:pPr>
+              <a:t>86</a:t>
+            </a:fld>
+            <a:endParaRPr kumimoji="0" lang="ru-RU" sz="1200" b="0" i="0" u="none" strike="noStrike" kern="1200" cap="none" spc="0" normalizeH="0" baseline="0" noProof="0">
+              <a:ln>
+                <a:noFill/>
+              </a:ln>
+              <a:solidFill>
+                <a:prstClr val="black"/>
+              </a:solidFill>
+              <a:effectLst/>
+              <a:uLnTx/>
+              <a:uFillTx/>
+              <a:latin typeface="Calibri" panose="020F0502020204030204"/>
+              <a:ea typeface="+mn-ea"/>
+              <a:cs typeface="+mn-cs"/>
+            </a:endParaRPr>
+          </a:p>
+        </p:txBody>
+      </p:sp>
+    </p:spTree>
+    <p:extLst>
+      <p:ext uri="{BB962C8B-B14F-4D97-AF65-F5344CB8AC3E}">
+        <p14:creationId xmlns:p14="http://schemas.microsoft.com/office/powerpoint/2010/main" val="2667454076"/>
+      </p:ext>
+    </p:extLst>
+  </p:cSld>
+  <p:clrMapOvr>
+    <a:masterClrMapping/>
+  </p:clrMapOvr>
+</p:notes>
+</file>
+
+<file path=ppt/notesSlides/notesSlide27.xml><?xml version="1.0" encoding="utf-8"?>
+<p:notes xmlns:a="http://schemas.openxmlformats.org/drawingml/2006/main" xmlns:r="http://schemas.openxmlformats.org/officeDocument/2006/relationships" xmlns:p="http://schemas.openxmlformats.org/presentationml/2006/main">
+  <p:cSld>
+    <p:spTree>
+      <p:nvGrpSpPr>
+        <p:cNvPr id="1" name=""/>
+        <p:cNvGrpSpPr/>
+        <p:nvPr/>
+      </p:nvGrpSpPr>
+      <p:grpSpPr>
+        <a:xfrm>
+          <a:off x="0" y="0"/>
+          <a:ext cx="0" cy="0"/>
+          <a:chOff x="0" y="0"/>
+          <a:chExt cx="0" cy="0"/>
+        </a:xfrm>
+      </p:grpSpPr>
+      <p:sp>
+        <p:nvSpPr>
+          <p:cNvPr id="2" name="Образ слайда 1"/>
+          <p:cNvSpPr>
+            <a:spLocks noGrp="1" noRot="1" noChangeAspect="1"/>
+          </p:cNvSpPr>
+          <p:nvPr>
+            <p:ph type="sldImg"/>
+          </p:nvPr>
+        </p:nvSpPr>
+        <p:spPr/>
+      </p:sp>
+      <p:sp>
+        <p:nvSpPr>
+          <p:cNvPr id="3" name="Заметки 2"/>
+          <p:cNvSpPr>
+            <a:spLocks noGrp="1"/>
+          </p:cNvSpPr>
+          <p:nvPr>
+            <p:ph type="body" idx="1"/>
+          </p:nvPr>
+        </p:nvSpPr>
+        <p:spPr/>
+        <p:txBody>
+          <a:bodyPr/>
+          <a:lstStyle/>
+          <a:p>
+            <a:pPr rtl="0" fontAlgn="base"/>
+            <a:r>
+              <a:rPr lang="ru-RU" sz="1200" b="0" i="0" kern="1200" dirty="0" smtClean="0">
+                <a:solidFill>
+                  <a:schemeClr val="tx1"/>
+                </a:solidFill>
+                <a:effectLst/>
+                <a:latin typeface="+mn-lt"/>
+                <a:ea typeface="+mn-ea"/>
+                <a:cs typeface="+mn-cs"/>
+              </a:rPr>
+              <a:t>Существует специальное подмножество константных членов перечислений</a:t>
+            </a:r>
+            <a:endParaRPr lang="en-US" sz="1200" b="0" i="0" kern="1200" dirty="0" smtClean="0">
+              <a:solidFill>
+                <a:schemeClr val="tx1"/>
+              </a:solidFill>
+              <a:effectLst/>
+              <a:latin typeface="+mn-lt"/>
+              <a:ea typeface="+mn-ea"/>
+              <a:cs typeface="+mn-cs"/>
+            </a:endParaRPr>
+          </a:p>
+          <a:p>
+            <a:pPr rtl="0" fontAlgn="base"/>
+            <a:endParaRPr lang="en-US" sz="1200" b="0" i="0" kern="1200" dirty="0" smtClean="0">
+              <a:solidFill>
+                <a:schemeClr val="tx1"/>
+              </a:solidFill>
+              <a:effectLst/>
+              <a:latin typeface="+mn-lt"/>
+              <a:ea typeface="+mn-ea"/>
+              <a:cs typeface="+mn-cs"/>
+            </a:endParaRPr>
+          </a:p>
+          <a:p>
+            <a:pPr rtl="0" fontAlgn="base"/>
+            <a:r>
+              <a:rPr lang="ru-RU" sz="1200" b="0" i="0" kern="1200" dirty="0" smtClean="0">
+                <a:solidFill>
+                  <a:schemeClr val="tx1"/>
+                </a:solidFill>
+                <a:effectLst/>
+                <a:latin typeface="+mn-lt"/>
+                <a:ea typeface="+mn-ea"/>
+                <a:cs typeface="+mn-cs"/>
+              </a:rPr>
+              <a:t>Любого строкового литерала (“привет”, “мир”) </a:t>
+            </a:r>
+          </a:p>
+          <a:p>
+            <a:pPr rtl="0" fontAlgn="base"/>
+            <a:r>
+              <a:rPr lang="ru-RU" sz="1200" b="0" i="0" kern="1200" dirty="0" smtClean="0">
+                <a:solidFill>
+                  <a:schemeClr val="tx1"/>
+                </a:solidFill>
+                <a:effectLst/>
+                <a:latin typeface="+mn-lt"/>
+                <a:ea typeface="+mn-ea"/>
+                <a:cs typeface="+mn-cs"/>
+              </a:rPr>
+              <a:t>Любого числа (0, 1) </a:t>
+            </a:r>
+          </a:p>
+          <a:p>
+            <a:pPr rtl="0" fontAlgn="base"/>
+            <a:r>
+              <a:rPr lang="ru-RU" sz="1200" b="0" i="0" kern="1200" dirty="0" smtClean="0">
+                <a:solidFill>
+                  <a:schemeClr val="tx1"/>
+                </a:solidFill>
+                <a:effectLst/>
+                <a:latin typeface="+mn-lt"/>
+                <a:ea typeface="+mn-ea"/>
+                <a:cs typeface="+mn-cs"/>
+              </a:rPr>
+              <a:t>Любого отрицательного числа (-1, -2) </a:t>
+            </a:r>
+          </a:p>
+          <a:p>
+            <a:pPr rtl="0" fontAlgn="base"/>
+            <a:endParaRPr lang="ru-RU" sz="1200" b="0" i="0" kern="1200" dirty="0" smtClean="0">
+              <a:solidFill>
+                <a:schemeClr val="tx1"/>
+              </a:solidFill>
+              <a:effectLst/>
+              <a:latin typeface="+mn-lt"/>
+              <a:ea typeface="+mn-ea"/>
+              <a:cs typeface="+mn-cs"/>
+            </a:endParaRPr>
+          </a:p>
+        </p:txBody>
+      </p:sp>
+      <p:sp>
+        <p:nvSpPr>
+          <p:cNvPr id="4" name="Номер слайда 3"/>
+          <p:cNvSpPr>
+            <a:spLocks noGrp="1"/>
+          </p:cNvSpPr>
+          <p:nvPr>
+            <p:ph type="sldNum" sz="quarter" idx="10"/>
+          </p:nvPr>
+        </p:nvSpPr>
+        <p:spPr/>
+        <p:txBody>
+          <a:bodyPr/>
+          <a:lstStyle/>
+          <a:p>
+            <a:pPr marL="0" marR="0" lvl="0" indent="0" algn="r" defTabSz="914400" rtl="0" eaLnBrk="1" fontAlgn="auto" latinLnBrk="0" hangingPunct="1">
+              <a:lnSpc>
+                <a:spcPct val="100000"/>
+              </a:lnSpc>
+              <a:spcBef>
+                <a:spcPts val="0"/>
+              </a:spcBef>
+              <a:spcAft>
+                <a:spcPts val="0"/>
+              </a:spcAft>
+              <a:buClrTx/>
+              <a:buSzTx/>
+              <a:buFontTx/>
+              <a:buNone/>
+              <a:tabLst/>
+              <a:defRPr/>
+            </a:pPr>
+            <a:fld id="{622F1C9E-D65E-417E-9FEF-9AD7ACC20294}" type="slidenum">
+              <a:rPr kumimoji="0" lang="ru-RU" sz="1200" b="0" i="0" u="none" strike="noStrike" kern="1200" cap="none" spc="0" normalizeH="0" baseline="0" noProof="0" smtClean="0">
+                <a:ln>
+                  <a:noFill/>
+                </a:ln>
+                <a:solidFill>
+                  <a:prstClr val="black"/>
+                </a:solidFill>
+                <a:effectLst/>
+                <a:uLnTx/>
+                <a:uFillTx/>
+                <a:latin typeface="Calibri" panose="020F0502020204030204"/>
+                <a:ea typeface="+mn-ea"/>
+                <a:cs typeface="+mn-cs"/>
+              </a:rPr>
+              <a:pPr marL="0" marR="0" lvl="0" indent="0" algn="r" defTabSz="914400" rtl="0" eaLnBrk="1" fontAlgn="auto" latinLnBrk="0" hangingPunct="1">
+                <a:lnSpc>
+                  <a:spcPct val="100000"/>
+                </a:lnSpc>
+                <a:spcBef>
+                  <a:spcPts val="0"/>
+                </a:spcBef>
+                <a:spcAft>
+                  <a:spcPts val="0"/>
+                </a:spcAft>
+                <a:buClrTx/>
+                <a:buSzTx/>
+                <a:buFontTx/>
+                <a:buNone/>
+                <a:tabLst/>
+                <a:defRPr/>
+              </a:pPr>
+              <a:t>87</a:t>
+            </a:fld>
+            <a:endParaRPr kumimoji="0" lang="ru-RU" sz="1200" b="0" i="0" u="none" strike="noStrike" kern="1200" cap="none" spc="0" normalizeH="0" baseline="0" noProof="0">
+              <a:ln>
+                <a:noFill/>
+              </a:ln>
+              <a:solidFill>
+                <a:prstClr val="black"/>
+              </a:solidFill>
+              <a:effectLst/>
+              <a:uLnTx/>
+              <a:uFillTx/>
+              <a:latin typeface="Calibri" panose="020F0502020204030204"/>
+              <a:ea typeface="+mn-ea"/>
+              <a:cs typeface="+mn-cs"/>
+            </a:endParaRPr>
+          </a:p>
+        </p:txBody>
+      </p:sp>
+    </p:spTree>
+    <p:extLst>
+      <p:ext uri="{BB962C8B-B14F-4D97-AF65-F5344CB8AC3E}">
+        <p14:creationId xmlns:p14="http://schemas.microsoft.com/office/powerpoint/2010/main" val="1770309326"/>
+      </p:ext>
+    </p:extLst>
+  </p:cSld>
+  <p:clrMapOvr>
+    <a:masterClrMapping/>
+  </p:clrMapOvr>
+</p:notes>
+</file>
+
+<file path=ppt/notesSlides/notesSlide28.xml><?xml version="1.0" encoding="utf-8"?>
+<p:notes xmlns:a="http://schemas.openxmlformats.org/drawingml/2006/main" xmlns:r="http://schemas.openxmlformats.org/officeDocument/2006/relationships" xmlns:p="http://schemas.openxmlformats.org/presentationml/2006/main">
+  <p:cSld>
+    <p:spTree>
+      <p:nvGrpSpPr>
+        <p:cNvPr id="1" name=""/>
+        <p:cNvGrpSpPr/>
+        <p:nvPr/>
+      </p:nvGrpSpPr>
+      <p:grpSpPr>
+        <a:xfrm>
+          <a:off x="0" y="0"/>
+          <a:ext cx="0" cy="0"/>
+          <a:chOff x="0" y="0"/>
+          <a:chExt cx="0" cy="0"/>
+        </a:xfrm>
+      </p:grpSpPr>
+      <p:sp>
+        <p:nvSpPr>
+          <p:cNvPr id="2" name="Образ слайда 1"/>
+          <p:cNvSpPr>
+            <a:spLocks noGrp="1" noRot="1" noChangeAspect="1"/>
+          </p:cNvSpPr>
+          <p:nvPr>
+            <p:ph type="sldImg"/>
+          </p:nvPr>
+        </p:nvSpPr>
+        <p:spPr/>
+      </p:sp>
+      <p:sp>
+        <p:nvSpPr>
+          <p:cNvPr id="3" name="Заметки 2"/>
+          <p:cNvSpPr>
+            <a:spLocks noGrp="1"/>
+          </p:cNvSpPr>
+          <p:nvPr>
+            <p:ph type="body" idx="1"/>
+          </p:nvPr>
+        </p:nvSpPr>
+        <p:spPr/>
+        <p:txBody>
+          <a:bodyPr/>
+          <a:lstStyle/>
+          <a:p>
+            <a:pPr rtl="0" fontAlgn="base"/>
+            <a:r>
+              <a:rPr lang="ru-RU" sz="1200" b="0" i="0" kern="1200" dirty="0" smtClean="0">
+                <a:solidFill>
+                  <a:schemeClr val="tx1"/>
+                </a:solidFill>
+                <a:effectLst/>
+                <a:latin typeface="+mn-lt"/>
+                <a:ea typeface="+mn-ea"/>
+                <a:cs typeface="+mn-cs"/>
+              </a:rPr>
+              <a:t>Первое заключается в том, что такие свойства сами по себе становятся типами</a:t>
+            </a:r>
+            <a:r>
+              <a:rPr lang="en-US" sz="1200" b="0" i="0" kern="1200" dirty="0" smtClean="0">
+                <a:solidFill>
+                  <a:schemeClr val="tx1"/>
+                </a:solidFill>
+                <a:effectLst/>
+                <a:latin typeface="+mn-lt"/>
+                <a:ea typeface="+mn-ea"/>
+                <a:cs typeface="+mn-cs"/>
+              </a:rPr>
+              <a:t>*</a:t>
+            </a:r>
+          </a:p>
+          <a:p>
+            <a:pPr rtl="0" fontAlgn="base"/>
+            <a:r>
+              <a:rPr lang="ru-RU" sz="1200" b="0" i="0" kern="1200" dirty="0" smtClean="0">
+                <a:solidFill>
+                  <a:schemeClr val="tx1"/>
+                </a:solidFill>
+                <a:effectLst/>
+                <a:latin typeface="+mn-lt"/>
+                <a:ea typeface="+mn-ea"/>
+                <a:cs typeface="+mn-cs"/>
+              </a:rPr>
+              <a:t>Вторым последствием является то, что такое перечисление на самом деле представляет из себя объединение (</a:t>
+            </a:r>
+            <a:r>
+              <a:rPr lang="ru-RU" sz="1200" b="0" i="0" kern="1200" dirty="0" err="1" smtClean="0">
+                <a:solidFill>
+                  <a:schemeClr val="tx1"/>
+                </a:solidFill>
+                <a:effectLst/>
+                <a:latin typeface="+mn-lt"/>
+                <a:ea typeface="+mn-ea"/>
+                <a:cs typeface="+mn-cs"/>
+              </a:rPr>
+              <a:t>union</a:t>
+            </a:r>
+            <a:r>
+              <a:rPr lang="ru-RU" sz="1200" b="0" i="0" kern="1200" dirty="0" smtClean="0">
+                <a:solidFill>
+                  <a:schemeClr val="tx1"/>
+                </a:solidFill>
+                <a:effectLst/>
+                <a:latin typeface="+mn-lt"/>
+                <a:ea typeface="+mn-ea"/>
+                <a:cs typeface="+mn-cs"/>
+              </a:rPr>
+              <a:t>) всех свойств </a:t>
+            </a:r>
+            <a:r>
+              <a:rPr lang="ru-RU" sz="1200" b="0" i="0" kern="1200" dirty="0" err="1" smtClean="0">
+                <a:solidFill>
+                  <a:schemeClr val="tx1"/>
+                </a:solidFill>
+                <a:effectLst/>
+                <a:latin typeface="+mn-lt"/>
+                <a:ea typeface="+mn-ea"/>
+                <a:cs typeface="+mn-cs"/>
+              </a:rPr>
+              <a:t>enum</a:t>
+            </a:r>
+            <a:r>
+              <a:rPr lang="en-US" sz="1200" b="0" i="0" kern="1200" dirty="0" smtClean="0">
+                <a:solidFill>
+                  <a:schemeClr val="tx1"/>
+                </a:solidFill>
+                <a:effectLst/>
+                <a:latin typeface="+mn-lt"/>
+                <a:ea typeface="+mn-ea"/>
+                <a:cs typeface="+mn-cs"/>
+              </a:rPr>
+              <a:t>*</a:t>
+            </a:r>
+            <a:endParaRPr lang="ru-RU" sz="1200" b="0" i="0" kern="1200" dirty="0" smtClean="0">
+              <a:solidFill>
+                <a:schemeClr val="tx1"/>
+              </a:solidFill>
+              <a:effectLst/>
+              <a:latin typeface="+mn-lt"/>
+              <a:ea typeface="+mn-ea"/>
+              <a:cs typeface="+mn-cs"/>
+            </a:endParaRPr>
+          </a:p>
+        </p:txBody>
+      </p:sp>
+      <p:sp>
+        <p:nvSpPr>
+          <p:cNvPr id="4" name="Номер слайда 3"/>
+          <p:cNvSpPr>
+            <a:spLocks noGrp="1"/>
+          </p:cNvSpPr>
+          <p:nvPr>
+            <p:ph type="sldNum" sz="quarter" idx="10"/>
+          </p:nvPr>
+        </p:nvSpPr>
+        <p:spPr/>
+        <p:txBody>
+          <a:bodyPr/>
+          <a:lstStyle/>
+          <a:p>
+            <a:pPr marL="0" marR="0" lvl="0" indent="0" algn="r" defTabSz="914400" rtl="0" eaLnBrk="1" fontAlgn="auto" latinLnBrk="0" hangingPunct="1">
+              <a:lnSpc>
+                <a:spcPct val="100000"/>
+              </a:lnSpc>
+              <a:spcBef>
+                <a:spcPts val="0"/>
+              </a:spcBef>
+              <a:spcAft>
+                <a:spcPts val="0"/>
+              </a:spcAft>
+              <a:buClrTx/>
+              <a:buSzTx/>
+              <a:buFontTx/>
+              <a:buNone/>
+              <a:tabLst/>
+              <a:defRPr/>
+            </a:pPr>
+            <a:fld id="{622F1C9E-D65E-417E-9FEF-9AD7ACC20294}" type="slidenum">
+              <a:rPr kumimoji="0" lang="ru-RU" sz="1200" b="0" i="0" u="none" strike="noStrike" kern="1200" cap="none" spc="0" normalizeH="0" baseline="0" noProof="0" smtClean="0">
+                <a:ln>
+                  <a:noFill/>
+                </a:ln>
+                <a:solidFill>
+                  <a:prstClr val="black"/>
+                </a:solidFill>
+                <a:effectLst/>
+                <a:uLnTx/>
+                <a:uFillTx/>
+                <a:latin typeface="Calibri" panose="020F0502020204030204"/>
+                <a:ea typeface="+mn-ea"/>
+                <a:cs typeface="+mn-cs"/>
+              </a:rPr>
+              <a:pPr marL="0" marR="0" lvl="0" indent="0" algn="r" defTabSz="914400" rtl="0" eaLnBrk="1" fontAlgn="auto" latinLnBrk="0" hangingPunct="1">
+                <a:lnSpc>
+                  <a:spcPct val="100000"/>
+                </a:lnSpc>
+                <a:spcBef>
+                  <a:spcPts val="0"/>
+                </a:spcBef>
+                <a:spcAft>
+                  <a:spcPts val="0"/>
+                </a:spcAft>
+                <a:buClrTx/>
+                <a:buSzTx/>
+                <a:buFontTx/>
+                <a:buNone/>
+                <a:tabLst/>
+                <a:defRPr/>
+              </a:pPr>
+              <a:t>88</a:t>
+            </a:fld>
+            <a:endParaRPr kumimoji="0" lang="ru-RU" sz="1200" b="0" i="0" u="none" strike="noStrike" kern="1200" cap="none" spc="0" normalizeH="0" baseline="0" noProof="0">
+              <a:ln>
+                <a:noFill/>
+              </a:ln>
+              <a:solidFill>
+                <a:prstClr val="black"/>
+              </a:solidFill>
+              <a:effectLst/>
+              <a:uLnTx/>
+              <a:uFillTx/>
+              <a:latin typeface="Calibri" panose="020F0502020204030204"/>
+              <a:ea typeface="+mn-ea"/>
+              <a:cs typeface="+mn-cs"/>
+            </a:endParaRPr>
+          </a:p>
+        </p:txBody>
+      </p:sp>
+    </p:spTree>
+    <p:extLst>
+      <p:ext uri="{BB962C8B-B14F-4D97-AF65-F5344CB8AC3E}">
+        <p14:creationId xmlns:p14="http://schemas.microsoft.com/office/powerpoint/2010/main" val="960151930"/>
+      </p:ext>
+    </p:extLst>
+  </p:cSld>
+  <p:clrMapOvr>
+    <a:masterClrMapping/>
+  </p:clrMapOvr>
+</p:notes>
+</file>
+
+<file path=ppt/notesSlides/notesSlide29.xml><?xml version="1.0" encoding="utf-8"?>
+<p:notes xmlns:a="http://schemas.openxmlformats.org/drawingml/2006/main" xmlns:r="http://schemas.openxmlformats.org/officeDocument/2006/relationships" xmlns:p="http://schemas.openxmlformats.org/presentationml/2006/main">
+  <p:cSld>
+    <p:spTree>
+      <p:nvGrpSpPr>
+        <p:cNvPr id="1" name=""/>
+        <p:cNvGrpSpPr/>
+        <p:nvPr/>
+      </p:nvGrpSpPr>
+      <p:grpSpPr>
+        <a:xfrm>
+          <a:off x="0" y="0"/>
+          <a:ext cx="0" cy="0"/>
+          <a:chOff x="0" y="0"/>
+          <a:chExt cx="0" cy="0"/>
+        </a:xfrm>
+      </p:grpSpPr>
+      <p:sp>
+        <p:nvSpPr>
+          <p:cNvPr id="2" name="Образ слайда 1"/>
+          <p:cNvSpPr>
+            <a:spLocks noGrp="1" noRot="1" noChangeAspect="1"/>
+          </p:cNvSpPr>
+          <p:nvPr>
+            <p:ph type="sldImg"/>
+          </p:nvPr>
+        </p:nvSpPr>
+        <p:spPr/>
+      </p:sp>
+      <p:sp>
+        <p:nvSpPr>
+          <p:cNvPr id="3" name="Заметки 2"/>
+          <p:cNvSpPr>
+            <a:spLocks noGrp="1"/>
+          </p:cNvSpPr>
+          <p:nvPr>
+            <p:ph type="body" idx="1"/>
+          </p:nvPr>
+        </p:nvSpPr>
+        <p:spPr/>
+        <p:txBody>
+          <a:bodyPr/>
+          <a:lstStyle/>
+          <a:p>
+            <a:pPr rtl="0" fontAlgn="base"/>
+            <a:r>
+              <a:rPr lang="ru-RU" sz="1200" b="0" i="0" kern="1200" dirty="0" smtClean="0">
+                <a:solidFill>
+                  <a:schemeClr val="tx1"/>
+                </a:solidFill>
+                <a:effectLst/>
+                <a:latin typeface="+mn-lt"/>
+                <a:ea typeface="+mn-ea"/>
+                <a:cs typeface="+mn-cs"/>
+              </a:rPr>
+              <a:t>Пример*</a:t>
+            </a:r>
+          </a:p>
+          <a:p>
+            <a:pPr rtl="0" fontAlgn="base"/>
+            <a:r>
+              <a:rPr lang="ru-RU" sz="1200" b="0" i="0" kern="1200" dirty="0" smtClean="0">
+                <a:solidFill>
+                  <a:schemeClr val="tx1"/>
+                </a:solidFill>
+                <a:effectLst/>
+                <a:latin typeface="+mn-lt"/>
+                <a:ea typeface="+mn-ea"/>
+                <a:cs typeface="+mn-cs"/>
+              </a:rPr>
+              <a:t>Не смотря на то что </a:t>
+            </a:r>
+            <a:r>
+              <a:rPr lang="ru-RU" sz="1200" b="0" i="0" kern="1200" dirty="0" err="1" smtClean="0">
+                <a:solidFill>
+                  <a:schemeClr val="tx1"/>
+                </a:solidFill>
+                <a:effectLst/>
+                <a:latin typeface="+mn-lt"/>
+                <a:ea typeface="+mn-ea"/>
+                <a:cs typeface="+mn-cs"/>
+              </a:rPr>
+              <a:t>Enum</a:t>
+            </a:r>
+            <a:r>
+              <a:rPr lang="ru-RU" sz="1200" b="0" i="0" kern="1200" dirty="0" smtClean="0">
+                <a:solidFill>
+                  <a:schemeClr val="tx1"/>
+                </a:solidFill>
+                <a:effectLst/>
+                <a:latin typeface="+mn-lt"/>
+                <a:ea typeface="+mn-ea"/>
+                <a:cs typeface="+mn-cs"/>
+              </a:rPr>
+              <a:t> являются реальными объектами, оператор </a:t>
+            </a:r>
+            <a:r>
+              <a:rPr lang="ru-RU" sz="1200" b="0" i="0" kern="1200" dirty="0" err="1" smtClean="0">
+                <a:solidFill>
+                  <a:schemeClr val="tx1"/>
+                </a:solidFill>
+                <a:effectLst/>
+                <a:latin typeface="+mn-lt"/>
+                <a:ea typeface="+mn-ea"/>
+                <a:cs typeface="+mn-cs"/>
+              </a:rPr>
+              <a:t>keyof</a:t>
+            </a:r>
+            <a:r>
+              <a:rPr lang="ru-RU" sz="1200" b="0" i="0" kern="1200" dirty="0" smtClean="0">
+                <a:solidFill>
+                  <a:schemeClr val="tx1"/>
+                </a:solidFill>
+                <a:effectLst/>
+                <a:latin typeface="+mn-lt"/>
+                <a:ea typeface="+mn-ea"/>
+                <a:cs typeface="+mn-cs"/>
+              </a:rPr>
+              <a:t> может работать немного иначе, чем может показаться на первый взгляд. Вместо этого, стоит использовать </a:t>
+            </a:r>
+            <a:r>
+              <a:rPr lang="ru-RU" sz="1200" b="0" i="0" kern="1200" dirty="0" err="1" smtClean="0">
+                <a:solidFill>
+                  <a:schemeClr val="tx1"/>
+                </a:solidFill>
+                <a:effectLst/>
+                <a:latin typeface="+mn-lt"/>
+                <a:ea typeface="+mn-ea"/>
+                <a:cs typeface="+mn-cs"/>
+              </a:rPr>
+              <a:t>keyof</a:t>
+            </a:r>
+            <a:r>
+              <a:rPr lang="ru-RU" sz="1200" b="0" i="0" kern="1200" dirty="0" smtClean="0">
+                <a:solidFill>
+                  <a:schemeClr val="tx1"/>
+                </a:solidFill>
+                <a:effectLst/>
+                <a:latin typeface="+mn-lt"/>
+                <a:ea typeface="+mn-ea"/>
+                <a:cs typeface="+mn-cs"/>
+              </a:rPr>
+              <a:t> </a:t>
+            </a:r>
+            <a:r>
+              <a:rPr lang="ru-RU" sz="1200" b="0" i="0" kern="1200" dirty="0" err="1" smtClean="0">
+                <a:solidFill>
+                  <a:schemeClr val="tx1"/>
+                </a:solidFill>
+                <a:effectLst/>
+                <a:latin typeface="+mn-lt"/>
+                <a:ea typeface="+mn-ea"/>
+                <a:cs typeface="+mn-cs"/>
+              </a:rPr>
+              <a:t>typeof</a:t>
+            </a:r>
+            <a:r>
+              <a:rPr lang="ru-RU" sz="1200" b="0" i="0" kern="1200" dirty="0" smtClean="0">
+                <a:solidFill>
+                  <a:schemeClr val="tx1"/>
+                </a:solidFill>
+                <a:effectLst/>
+                <a:latin typeface="+mn-lt"/>
+                <a:ea typeface="+mn-ea"/>
+                <a:cs typeface="+mn-cs"/>
+              </a:rPr>
+              <a:t> для того, чтобы получить тип, представляющий из себя ключи </a:t>
+            </a:r>
+            <a:r>
+              <a:rPr lang="ru-RU" sz="1200" b="0" i="0" kern="1200" dirty="0" err="1" smtClean="0">
+                <a:solidFill>
+                  <a:schemeClr val="tx1"/>
+                </a:solidFill>
+                <a:effectLst/>
+                <a:latin typeface="+mn-lt"/>
+                <a:ea typeface="+mn-ea"/>
+                <a:cs typeface="+mn-cs"/>
+              </a:rPr>
+              <a:t>Enum</a:t>
+            </a:r>
+            <a:r>
+              <a:rPr lang="ru-RU" sz="1200" b="0" i="0" kern="1200" dirty="0" smtClean="0">
+                <a:solidFill>
+                  <a:schemeClr val="tx1"/>
+                </a:solidFill>
+                <a:effectLst/>
+                <a:latin typeface="+mn-lt"/>
+                <a:ea typeface="+mn-ea"/>
+                <a:cs typeface="+mn-cs"/>
+              </a:rPr>
+              <a:t> в качестве </a:t>
+            </a:r>
+            <a:r>
+              <a:rPr lang="ru-RU" sz="1200" b="0" i="0" kern="1200" dirty="0" err="1" smtClean="0">
+                <a:solidFill>
+                  <a:schemeClr val="tx1"/>
+                </a:solidFill>
+                <a:effectLst/>
+                <a:latin typeface="+mn-lt"/>
+                <a:ea typeface="+mn-ea"/>
+                <a:cs typeface="+mn-cs"/>
+              </a:rPr>
+              <a:t>union</a:t>
+            </a:r>
+            <a:r>
+              <a:rPr lang="ru-RU" sz="1200" b="0" i="0" kern="1200" dirty="0" smtClean="0">
+                <a:solidFill>
+                  <a:schemeClr val="tx1"/>
+                </a:solidFill>
+                <a:effectLst/>
+                <a:latin typeface="+mn-lt"/>
+                <a:ea typeface="+mn-ea"/>
+                <a:cs typeface="+mn-cs"/>
+              </a:rPr>
+              <a:t> строк*</a:t>
+            </a:r>
+          </a:p>
+        </p:txBody>
+      </p:sp>
+      <p:sp>
+        <p:nvSpPr>
+          <p:cNvPr id="4" name="Номер слайда 3"/>
+          <p:cNvSpPr>
+            <a:spLocks noGrp="1"/>
+          </p:cNvSpPr>
+          <p:nvPr>
+            <p:ph type="sldNum" sz="quarter" idx="10"/>
+          </p:nvPr>
+        </p:nvSpPr>
+        <p:spPr/>
+        <p:txBody>
+          <a:bodyPr/>
+          <a:lstStyle/>
+          <a:p>
+            <a:pPr marL="0" marR="0" lvl="0" indent="0" algn="r" defTabSz="914400" rtl="0" eaLnBrk="1" fontAlgn="auto" latinLnBrk="0" hangingPunct="1">
+              <a:lnSpc>
+                <a:spcPct val="100000"/>
+              </a:lnSpc>
+              <a:spcBef>
+                <a:spcPts val="0"/>
+              </a:spcBef>
+              <a:spcAft>
+                <a:spcPts val="0"/>
+              </a:spcAft>
+              <a:buClrTx/>
+              <a:buSzTx/>
+              <a:buFontTx/>
+              <a:buNone/>
+              <a:tabLst/>
+              <a:defRPr/>
+            </a:pPr>
+            <a:fld id="{622F1C9E-D65E-417E-9FEF-9AD7ACC20294}" type="slidenum">
+              <a:rPr kumimoji="0" lang="ru-RU" sz="1200" b="0" i="0" u="none" strike="noStrike" kern="1200" cap="none" spc="0" normalizeH="0" baseline="0" noProof="0" smtClean="0">
+                <a:ln>
+                  <a:noFill/>
+                </a:ln>
+                <a:solidFill>
+                  <a:prstClr val="black"/>
+                </a:solidFill>
+                <a:effectLst/>
+                <a:uLnTx/>
+                <a:uFillTx/>
+                <a:latin typeface="Calibri" panose="020F0502020204030204"/>
+                <a:ea typeface="+mn-ea"/>
+                <a:cs typeface="+mn-cs"/>
+              </a:rPr>
+              <a:pPr marL="0" marR="0" lvl="0" indent="0" algn="r" defTabSz="914400" rtl="0" eaLnBrk="1" fontAlgn="auto" latinLnBrk="0" hangingPunct="1">
+                <a:lnSpc>
+                  <a:spcPct val="100000"/>
+                </a:lnSpc>
+                <a:spcBef>
+                  <a:spcPts val="0"/>
+                </a:spcBef>
+                <a:spcAft>
+                  <a:spcPts val="0"/>
+                </a:spcAft>
+                <a:buClrTx/>
+                <a:buSzTx/>
+                <a:buFontTx/>
+                <a:buNone/>
+                <a:tabLst/>
+                <a:defRPr/>
+              </a:pPr>
+              <a:t>89</a:t>
+            </a:fld>
+            <a:endParaRPr kumimoji="0" lang="ru-RU" sz="1200" b="0" i="0" u="none" strike="noStrike" kern="1200" cap="none" spc="0" normalizeH="0" baseline="0" noProof="0">
+              <a:ln>
+                <a:noFill/>
+              </a:ln>
+              <a:solidFill>
+                <a:prstClr val="black"/>
+              </a:solidFill>
+              <a:effectLst/>
+              <a:uLnTx/>
+              <a:uFillTx/>
+              <a:latin typeface="Calibri" panose="020F0502020204030204"/>
+              <a:ea typeface="+mn-ea"/>
+              <a:cs typeface="+mn-cs"/>
+            </a:endParaRPr>
+          </a:p>
+        </p:txBody>
+      </p:sp>
+    </p:spTree>
+    <p:extLst>
+      <p:ext uri="{BB962C8B-B14F-4D97-AF65-F5344CB8AC3E}">
+        <p14:creationId xmlns:p14="http://schemas.microsoft.com/office/powerpoint/2010/main" val="2007658398"/>
+      </p:ext>
+    </p:extLst>
+  </p:cSld>
+  <p:clrMapOvr>
+    <a:masterClrMapping/>
+  </p:clrMapOvr>
+</p:notes>
+</file>
+
 <file path=ppt/notesSlides/notesSlide3.xml><?xml version="1.0" encoding="utf-8"?>
 <p:notes xmlns:a="http://schemas.openxmlformats.org/drawingml/2006/main" xmlns:r="http://schemas.openxmlformats.org/officeDocument/2006/relationships" xmlns:p="http://schemas.openxmlformats.org/presentationml/2006/main">
   <p:cSld>
@@ -6295,6 +7879,2520 @@
     <p:extLst>
       <p:ext uri="{BB962C8B-B14F-4D97-AF65-F5344CB8AC3E}">
         <p14:creationId xmlns:p14="http://schemas.microsoft.com/office/powerpoint/2010/main" val="666065485"/>
+      </p:ext>
+    </p:extLst>
+  </p:cSld>
+  <p:clrMapOvr>
+    <a:masterClrMapping/>
+  </p:clrMapOvr>
+</p:notes>
+</file>
+
+<file path=ppt/notesSlides/notesSlide30.xml><?xml version="1.0" encoding="utf-8"?>
+<p:notes xmlns:a="http://schemas.openxmlformats.org/drawingml/2006/main" xmlns:r="http://schemas.openxmlformats.org/officeDocument/2006/relationships" xmlns:p="http://schemas.openxmlformats.org/presentationml/2006/main">
+  <p:cSld>
+    <p:spTree>
+      <p:nvGrpSpPr>
+        <p:cNvPr id="1" name=""/>
+        <p:cNvGrpSpPr/>
+        <p:nvPr/>
+      </p:nvGrpSpPr>
+      <p:grpSpPr>
+        <a:xfrm>
+          <a:off x="0" y="0"/>
+          <a:ext cx="0" cy="0"/>
+          <a:chOff x="0" y="0"/>
+          <a:chExt cx="0" cy="0"/>
+        </a:xfrm>
+      </p:grpSpPr>
+      <p:sp>
+        <p:nvSpPr>
+          <p:cNvPr id="2" name="Образ слайда 1"/>
+          <p:cNvSpPr>
+            <a:spLocks noGrp="1" noRot="1" noChangeAspect="1"/>
+          </p:cNvSpPr>
+          <p:nvPr>
+            <p:ph type="sldImg"/>
+          </p:nvPr>
+        </p:nvSpPr>
+        <p:spPr/>
+      </p:sp>
+      <p:sp>
+        <p:nvSpPr>
+          <p:cNvPr id="3" name="Заметки 2"/>
+          <p:cNvSpPr>
+            <a:spLocks noGrp="1"/>
+          </p:cNvSpPr>
+          <p:nvPr>
+            <p:ph type="body" idx="1"/>
+          </p:nvPr>
+        </p:nvSpPr>
+        <p:spPr/>
+        <p:txBody>
+          <a:bodyPr/>
+          <a:lstStyle/>
+          <a:p>
+            <a:pPr rtl="0" fontAlgn="base"/>
+            <a:r>
+              <a:rPr lang="ru-RU" sz="1200" b="0" i="0" kern="1200" dirty="0" smtClean="0">
+                <a:solidFill>
+                  <a:schemeClr val="tx1"/>
+                </a:solidFill>
+                <a:effectLst/>
+                <a:latin typeface="+mn-lt"/>
+                <a:ea typeface="+mn-ea"/>
+                <a:cs typeface="+mn-cs"/>
+              </a:rPr>
+              <a:t>Однако, иногда требования могут быть довольно специфичные. Для того чтобы избежать генерацию дополнительного кода и уменьшить </a:t>
+            </a:r>
+            <a:r>
+              <a:rPr lang="ru-RU" sz="1200" b="0" i="0" kern="1200" dirty="0" err="1" smtClean="0">
+                <a:solidFill>
+                  <a:schemeClr val="tx1"/>
+                </a:solidFill>
+                <a:effectLst/>
+                <a:latin typeface="+mn-lt"/>
+                <a:ea typeface="+mn-ea"/>
+                <a:cs typeface="+mn-cs"/>
+              </a:rPr>
+              <a:t>импакт</a:t>
+            </a:r>
+            <a:r>
+              <a:rPr lang="ru-RU" sz="1200" b="0" i="0" kern="1200" dirty="0" smtClean="0">
+                <a:solidFill>
+                  <a:schemeClr val="tx1"/>
+                </a:solidFill>
+                <a:effectLst/>
+                <a:latin typeface="+mn-lt"/>
+                <a:ea typeface="+mn-ea"/>
+                <a:cs typeface="+mn-cs"/>
+              </a:rPr>
+              <a:t> на </a:t>
+            </a:r>
+            <a:r>
+              <a:rPr lang="ru-RU" sz="1200" b="0" i="0" kern="1200" dirty="0" err="1" smtClean="0">
+                <a:solidFill>
+                  <a:schemeClr val="tx1"/>
+                </a:solidFill>
+                <a:effectLst/>
+                <a:latin typeface="+mn-lt"/>
+                <a:ea typeface="+mn-ea"/>
+                <a:cs typeface="+mn-cs"/>
+              </a:rPr>
+              <a:t>runtime</a:t>
+            </a:r>
+            <a:r>
+              <a:rPr lang="ru-RU" sz="1200" b="0" i="0" kern="1200" dirty="0" smtClean="0">
+                <a:solidFill>
+                  <a:schemeClr val="tx1"/>
+                </a:solidFill>
+                <a:effectLst/>
+                <a:latin typeface="+mn-lt"/>
+                <a:ea typeface="+mn-ea"/>
+                <a:cs typeface="+mn-cs"/>
+              </a:rPr>
+              <a:t>, можно использовать </a:t>
+            </a:r>
+            <a:r>
+              <a:rPr lang="ru-RU" sz="1200" b="0" i="0" kern="1200" dirty="0" err="1" smtClean="0">
+                <a:solidFill>
+                  <a:schemeClr val="tx1"/>
+                </a:solidFill>
+                <a:effectLst/>
+                <a:latin typeface="+mn-lt"/>
+                <a:ea typeface="+mn-ea"/>
+                <a:cs typeface="+mn-cs"/>
+              </a:rPr>
+              <a:t>const</a:t>
+            </a:r>
+            <a:r>
+              <a:rPr lang="ru-RU" sz="1200" b="0" i="0" kern="1200" dirty="0" smtClean="0">
+                <a:solidFill>
+                  <a:schemeClr val="tx1"/>
+                </a:solidFill>
+                <a:effectLst/>
+                <a:latin typeface="+mn-lt"/>
+                <a:ea typeface="+mn-ea"/>
+                <a:cs typeface="+mn-cs"/>
+              </a:rPr>
+              <a:t> </a:t>
+            </a:r>
+            <a:r>
+              <a:rPr lang="ru-RU" sz="1200" b="0" i="0" kern="1200" dirty="0" err="1" smtClean="0">
+                <a:solidFill>
+                  <a:schemeClr val="tx1"/>
+                </a:solidFill>
+                <a:effectLst/>
+                <a:latin typeface="+mn-lt"/>
+                <a:ea typeface="+mn-ea"/>
+                <a:cs typeface="+mn-cs"/>
+              </a:rPr>
+              <a:t>enum</a:t>
+            </a:r>
+            <a:r>
+              <a:rPr lang="ru-RU" sz="1200" b="0" i="0" kern="1200" dirty="0" smtClean="0">
+                <a:solidFill>
+                  <a:schemeClr val="tx1"/>
+                </a:solidFill>
+                <a:effectLst/>
+                <a:latin typeface="+mn-lt"/>
+                <a:ea typeface="+mn-ea"/>
+                <a:cs typeface="+mn-cs"/>
+              </a:rPr>
+              <a:t>. Такие </a:t>
+            </a:r>
+            <a:r>
+              <a:rPr lang="ru-RU" sz="1200" b="0" i="0" kern="1200" dirty="0" err="1" smtClean="0">
+                <a:solidFill>
+                  <a:schemeClr val="tx1"/>
+                </a:solidFill>
+                <a:effectLst/>
+                <a:latin typeface="+mn-lt"/>
+                <a:ea typeface="+mn-ea"/>
+                <a:cs typeface="+mn-cs"/>
+              </a:rPr>
+              <a:t>перечесления</a:t>
+            </a:r>
+            <a:r>
+              <a:rPr lang="ru-RU" sz="1200" b="0" i="0" kern="1200" dirty="0" smtClean="0">
+                <a:solidFill>
+                  <a:schemeClr val="tx1"/>
+                </a:solidFill>
+                <a:effectLst/>
+                <a:latin typeface="+mn-lt"/>
+                <a:ea typeface="+mn-ea"/>
+                <a:cs typeface="+mn-cs"/>
+              </a:rPr>
+              <a:t> объявляются следующим образом</a:t>
+            </a:r>
+            <a:r>
+              <a:rPr lang="en-US" sz="1200" b="0" i="0" kern="1200" dirty="0" smtClean="0">
+                <a:solidFill>
+                  <a:schemeClr val="tx1"/>
+                </a:solidFill>
+                <a:effectLst/>
+                <a:latin typeface="+mn-lt"/>
+                <a:ea typeface="+mn-ea"/>
+                <a:cs typeface="+mn-cs"/>
+              </a:rPr>
+              <a:t>*</a:t>
+            </a:r>
+            <a:endParaRPr lang="ru-RU" sz="1200" b="0" i="0" kern="1200" dirty="0" smtClean="0">
+              <a:solidFill>
+                <a:schemeClr val="tx1"/>
+              </a:solidFill>
+              <a:effectLst/>
+              <a:latin typeface="+mn-lt"/>
+              <a:ea typeface="+mn-ea"/>
+              <a:cs typeface="+mn-cs"/>
+            </a:endParaRPr>
+          </a:p>
+        </p:txBody>
+      </p:sp>
+      <p:sp>
+        <p:nvSpPr>
+          <p:cNvPr id="4" name="Номер слайда 3"/>
+          <p:cNvSpPr>
+            <a:spLocks noGrp="1"/>
+          </p:cNvSpPr>
+          <p:nvPr>
+            <p:ph type="sldNum" sz="quarter" idx="10"/>
+          </p:nvPr>
+        </p:nvSpPr>
+        <p:spPr/>
+        <p:txBody>
+          <a:bodyPr/>
+          <a:lstStyle/>
+          <a:p>
+            <a:pPr marL="0" marR="0" lvl="0" indent="0" algn="r" defTabSz="914400" rtl="0" eaLnBrk="1" fontAlgn="auto" latinLnBrk="0" hangingPunct="1">
+              <a:lnSpc>
+                <a:spcPct val="100000"/>
+              </a:lnSpc>
+              <a:spcBef>
+                <a:spcPts val="0"/>
+              </a:spcBef>
+              <a:spcAft>
+                <a:spcPts val="0"/>
+              </a:spcAft>
+              <a:buClrTx/>
+              <a:buSzTx/>
+              <a:buFontTx/>
+              <a:buNone/>
+              <a:tabLst/>
+              <a:defRPr/>
+            </a:pPr>
+            <a:fld id="{622F1C9E-D65E-417E-9FEF-9AD7ACC20294}" type="slidenum">
+              <a:rPr kumimoji="0" lang="ru-RU" sz="1200" b="0" i="0" u="none" strike="noStrike" kern="1200" cap="none" spc="0" normalizeH="0" baseline="0" noProof="0" smtClean="0">
+                <a:ln>
+                  <a:noFill/>
+                </a:ln>
+                <a:solidFill>
+                  <a:prstClr val="black"/>
+                </a:solidFill>
+                <a:effectLst/>
+                <a:uLnTx/>
+                <a:uFillTx/>
+                <a:latin typeface="Calibri" panose="020F0502020204030204"/>
+                <a:ea typeface="+mn-ea"/>
+                <a:cs typeface="+mn-cs"/>
+              </a:rPr>
+              <a:pPr marL="0" marR="0" lvl="0" indent="0" algn="r" defTabSz="914400" rtl="0" eaLnBrk="1" fontAlgn="auto" latinLnBrk="0" hangingPunct="1">
+                <a:lnSpc>
+                  <a:spcPct val="100000"/>
+                </a:lnSpc>
+                <a:spcBef>
+                  <a:spcPts val="0"/>
+                </a:spcBef>
+                <a:spcAft>
+                  <a:spcPts val="0"/>
+                </a:spcAft>
+                <a:buClrTx/>
+                <a:buSzTx/>
+                <a:buFontTx/>
+                <a:buNone/>
+                <a:tabLst/>
+                <a:defRPr/>
+              </a:pPr>
+              <a:t>90</a:t>
+            </a:fld>
+            <a:endParaRPr kumimoji="0" lang="ru-RU" sz="1200" b="0" i="0" u="none" strike="noStrike" kern="1200" cap="none" spc="0" normalizeH="0" baseline="0" noProof="0">
+              <a:ln>
+                <a:noFill/>
+              </a:ln>
+              <a:solidFill>
+                <a:prstClr val="black"/>
+              </a:solidFill>
+              <a:effectLst/>
+              <a:uLnTx/>
+              <a:uFillTx/>
+              <a:latin typeface="Calibri" panose="020F0502020204030204"/>
+              <a:ea typeface="+mn-ea"/>
+              <a:cs typeface="+mn-cs"/>
+            </a:endParaRPr>
+          </a:p>
+        </p:txBody>
+      </p:sp>
+    </p:spTree>
+    <p:extLst>
+      <p:ext uri="{BB962C8B-B14F-4D97-AF65-F5344CB8AC3E}">
+        <p14:creationId xmlns:p14="http://schemas.microsoft.com/office/powerpoint/2010/main" val="840072792"/>
+      </p:ext>
+    </p:extLst>
+  </p:cSld>
+  <p:clrMapOvr>
+    <a:masterClrMapping/>
+  </p:clrMapOvr>
+</p:notes>
+</file>
+
+<file path=ppt/notesSlides/notesSlide31.xml><?xml version="1.0" encoding="utf-8"?>
+<p:notes xmlns:a="http://schemas.openxmlformats.org/drawingml/2006/main" xmlns:r="http://schemas.openxmlformats.org/officeDocument/2006/relationships" xmlns:p="http://schemas.openxmlformats.org/presentationml/2006/main">
+  <p:cSld>
+    <p:spTree>
+      <p:nvGrpSpPr>
+        <p:cNvPr id="1" name=""/>
+        <p:cNvGrpSpPr/>
+        <p:nvPr/>
+      </p:nvGrpSpPr>
+      <p:grpSpPr>
+        <a:xfrm>
+          <a:off x="0" y="0"/>
+          <a:ext cx="0" cy="0"/>
+          <a:chOff x="0" y="0"/>
+          <a:chExt cx="0" cy="0"/>
+        </a:xfrm>
+      </p:grpSpPr>
+      <p:sp>
+        <p:nvSpPr>
+          <p:cNvPr id="2" name="Образ слайда 1"/>
+          <p:cNvSpPr>
+            <a:spLocks noGrp="1" noRot="1" noChangeAspect="1"/>
+          </p:cNvSpPr>
+          <p:nvPr>
+            <p:ph type="sldImg"/>
+          </p:nvPr>
+        </p:nvSpPr>
+        <p:spPr/>
+      </p:sp>
+      <p:sp>
+        <p:nvSpPr>
+          <p:cNvPr id="3" name="Заметки 2"/>
+          <p:cNvSpPr>
+            <a:spLocks noGrp="1"/>
+          </p:cNvSpPr>
+          <p:nvPr>
+            <p:ph type="body" idx="1"/>
+          </p:nvPr>
+        </p:nvSpPr>
+        <p:spPr/>
+        <p:txBody>
+          <a:bodyPr/>
+          <a:lstStyle/>
+          <a:p>
+            <a:pPr rtl="0" fontAlgn="base"/>
+            <a:r>
+              <a:rPr lang="ru-RU" sz="1200" b="0" i="0" kern="1200" dirty="0" smtClean="0">
+                <a:solidFill>
+                  <a:schemeClr val="tx1"/>
+                </a:solidFill>
+                <a:effectLst/>
+                <a:latin typeface="+mn-lt"/>
+                <a:ea typeface="+mn-ea"/>
+                <a:cs typeface="+mn-cs"/>
+              </a:rPr>
+              <a:t>Показать пример с различием инициализаторов</a:t>
+            </a:r>
+            <a:r>
+              <a:rPr lang="ru-RU" sz="1200" b="0" i="0" kern="1200" baseline="0" dirty="0" smtClean="0">
+                <a:solidFill>
+                  <a:schemeClr val="tx1"/>
+                </a:solidFill>
+                <a:effectLst/>
+                <a:latin typeface="+mn-lt"/>
+                <a:ea typeface="+mn-ea"/>
+                <a:cs typeface="+mn-cs"/>
+              </a:rPr>
+              <a:t> для </a:t>
+            </a:r>
+            <a:r>
+              <a:rPr lang="ru-RU" sz="1200" b="0" i="0" kern="1200" baseline="0" dirty="0" err="1" smtClean="0">
+                <a:solidFill>
+                  <a:schemeClr val="tx1"/>
+                </a:solidFill>
+                <a:effectLst/>
+                <a:latin typeface="+mn-lt"/>
+                <a:ea typeface="+mn-ea"/>
+                <a:cs typeface="+mn-cs"/>
+              </a:rPr>
+              <a:t>амбиент</a:t>
+            </a:r>
+            <a:r>
+              <a:rPr lang="ru-RU" sz="1200" b="0" i="0" kern="1200" baseline="0" dirty="0" smtClean="0">
+                <a:solidFill>
+                  <a:schemeClr val="tx1"/>
+                </a:solidFill>
+                <a:effectLst/>
+                <a:latin typeface="+mn-lt"/>
+                <a:ea typeface="+mn-ea"/>
+                <a:cs typeface="+mn-cs"/>
+              </a:rPr>
+              <a:t> и обычных </a:t>
+            </a:r>
+            <a:r>
+              <a:rPr lang="ru-RU" sz="1200" b="0" i="0" kern="1200" baseline="0" dirty="0" err="1" smtClean="0">
+                <a:solidFill>
+                  <a:schemeClr val="tx1"/>
+                </a:solidFill>
+                <a:effectLst/>
+                <a:latin typeface="+mn-lt"/>
+                <a:ea typeface="+mn-ea"/>
+                <a:cs typeface="+mn-cs"/>
+              </a:rPr>
+              <a:t>енамов</a:t>
+            </a:r>
+            <a:endParaRPr lang="ru-RU" sz="1200" b="0" i="0" kern="1200" dirty="0" smtClean="0">
+              <a:solidFill>
+                <a:schemeClr val="tx1"/>
+              </a:solidFill>
+              <a:effectLst/>
+              <a:latin typeface="+mn-lt"/>
+              <a:ea typeface="+mn-ea"/>
+              <a:cs typeface="+mn-cs"/>
+            </a:endParaRPr>
+          </a:p>
+        </p:txBody>
+      </p:sp>
+      <p:sp>
+        <p:nvSpPr>
+          <p:cNvPr id="4" name="Номер слайда 3"/>
+          <p:cNvSpPr>
+            <a:spLocks noGrp="1"/>
+          </p:cNvSpPr>
+          <p:nvPr>
+            <p:ph type="sldNum" sz="quarter" idx="10"/>
+          </p:nvPr>
+        </p:nvSpPr>
+        <p:spPr/>
+        <p:txBody>
+          <a:bodyPr/>
+          <a:lstStyle/>
+          <a:p>
+            <a:pPr marL="0" marR="0" lvl="0" indent="0" algn="r" defTabSz="914400" rtl="0" eaLnBrk="1" fontAlgn="auto" latinLnBrk="0" hangingPunct="1">
+              <a:lnSpc>
+                <a:spcPct val="100000"/>
+              </a:lnSpc>
+              <a:spcBef>
+                <a:spcPts val="0"/>
+              </a:spcBef>
+              <a:spcAft>
+                <a:spcPts val="0"/>
+              </a:spcAft>
+              <a:buClrTx/>
+              <a:buSzTx/>
+              <a:buFontTx/>
+              <a:buNone/>
+              <a:tabLst/>
+              <a:defRPr/>
+            </a:pPr>
+            <a:fld id="{622F1C9E-D65E-417E-9FEF-9AD7ACC20294}" type="slidenum">
+              <a:rPr kumimoji="0" lang="ru-RU" sz="1200" b="0" i="0" u="none" strike="noStrike" kern="1200" cap="none" spc="0" normalizeH="0" baseline="0" noProof="0" smtClean="0">
+                <a:ln>
+                  <a:noFill/>
+                </a:ln>
+                <a:solidFill>
+                  <a:prstClr val="black"/>
+                </a:solidFill>
+                <a:effectLst/>
+                <a:uLnTx/>
+                <a:uFillTx/>
+                <a:latin typeface="Calibri" panose="020F0502020204030204"/>
+                <a:ea typeface="+mn-ea"/>
+                <a:cs typeface="+mn-cs"/>
+              </a:rPr>
+              <a:pPr marL="0" marR="0" lvl="0" indent="0" algn="r" defTabSz="914400" rtl="0" eaLnBrk="1" fontAlgn="auto" latinLnBrk="0" hangingPunct="1">
+                <a:lnSpc>
+                  <a:spcPct val="100000"/>
+                </a:lnSpc>
+                <a:spcBef>
+                  <a:spcPts val="0"/>
+                </a:spcBef>
+                <a:spcAft>
+                  <a:spcPts val="0"/>
+                </a:spcAft>
+                <a:buClrTx/>
+                <a:buSzTx/>
+                <a:buFontTx/>
+                <a:buNone/>
+                <a:tabLst/>
+                <a:defRPr/>
+              </a:pPr>
+              <a:t>91</a:t>
+            </a:fld>
+            <a:endParaRPr kumimoji="0" lang="ru-RU" sz="1200" b="0" i="0" u="none" strike="noStrike" kern="1200" cap="none" spc="0" normalizeH="0" baseline="0" noProof="0">
+              <a:ln>
+                <a:noFill/>
+              </a:ln>
+              <a:solidFill>
+                <a:prstClr val="black"/>
+              </a:solidFill>
+              <a:effectLst/>
+              <a:uLnTx/>
+              <a:uFillTx/>
+              <a:latin typeface="Calibri" panose="020F0502020204030204"/>
+              <a:ea typeface="+mn-ea"/>
+              <a:cs typeface="+mn-cs"/>
+            </a:endParaRPr>
+          </a:p>
+        </p:txBody>
+      </p:sp>
+    </p:spTree>
+    <p:extLst>
+      <p:ext uri="{BB962C8B-B14F-4D97-AF65-F5344CB8AC3E}">
+        <p14:creationId xmlns:p14="http://schemas.microsoft.com/office/powerpoint/2010/main" val="3355905655"/>
+      </p:ext>
+    </p:extLst>
+  </p:cSld>
+  <p:clrMapOvr>
+    <a:masterClrMapping/>
+  </p:clrMapOvr>
+</p:notes>
+</file>
+
+<file path=ppt/notesSlides/notesSlide32.xml><?xml version="1.0" encoding="utf-8"?>
+<p:notes xmlns:a="http://schemas.openxmlformats.org/drawingml/2006/main" xmlns:r="http://schemas.openxmlformats.org/officeDocument/2006/relationships" xmlns:p="http://schemas.openxmlformats.org/presentationml/2006/main">
+  <p:cSld>
+    <p:spTree>
+      <p:nvGrpSpPr>
+        <p:cNvPr id="1" name=""/>
+        <p:cNvGrpSpPr/>
+        <p:nvPr/>
+      </p:nvGrpSpPr>
+      <p:grpSpPr>
+        <a:xfrm>
+          <a:off x="0" y="0"/>
+          <a:ext cx="0" cy="0"/>
+          <a:chOff x="0" y="0"/>
+          <a:chExt cx="0" cy="0"/>
+        </a:xfrm>
+      </p:grpSpPr>
+      <p:sp>
+        <p:nvSpPr>
+          <p:cNvPr id="2" name="Образ слайда 1"/>
+          <p:cNvSpPr>
+            <a:spLocks noGrp="1" noRot="1" noChangeAspect="1"/>
+          </p:cNvSpPr>
+          <p:nvPr>
+            <p:ph type="sldImg"/>
+          </p:nvPr>
+        </p:nvSpPr>
+        <p:spPr/>
+      </p:sp>
+      <p:sp>
+        <p:nvSpPr>
+          <p:cNvPr id="3" name="Заметки 2"/>
+          <p:cNvSpPr>
+            <a:spLocks noGrp="1"/>
+          </p:cNvSpPr>
+          <p:nvPr>
+            <p:ph type="body" idx="1"/>
+          </p:nvPr>
+        </p:nvSpPr>
+        <p:spPr/>
+        <p:txBody>
+          <a:bodyPr/>
+          <a:lstStyle/>
+          <a:p>
+            <a:pPr rtl="0" fontAlgn="base"/>
+            <a:r>
+              <a:rPr lang="ru-RU" sz="1200" b="0" i="0" kern="1200" dirty="0" smtClean="0">
+                <a:solidFill>
+                  <a:schemeClr val="tx1"/>
+                </a:solidFill>
+                <a:effectLst/>
+                <a:latin typeface="+mn-lt"/>
+                <a:ea typeface="+mn-ea"/>
+                <a:cs typeface="+mn-cs"/>
+              </a:rPr>
+              <a:t>Весомой частью разработки ПО является построение компонентов, которые не только имеют ясно выраженный и консистентный API, но также предоставляют возможность повторного использования (в строго необходимых рамках). Компоненты, дизайн которых оказывается полезным не только для текущих требований, но и для будущих, дадут системе все те необходимые качества, которые позволят называть её гибкой</a:t>
+            </a:r>
+          </a:p>
+        </p:txBody>
+      </p:sp>
+      <p:sp>
+        <p:nvSpPr>
+          <p:cNvPr id="4" name="Номер слайда 3"/>
+          <p:cNvSpPr>
+            <a:spLocks noGrp="1"/>
+          </p:cNvSpPr>
+          <p:nvPr>
+            <p:ph type="sldNum" sz="quarter" idx="10"/>
+          </p:nvPr>
+        </p:nvSpPr>
+        <p:spPr/>
+        <p:txBody>
+          <a:bodyPr/>
+          <a:lstStyle/>
+          <a:p>
+            <a:pPr marL="0" marR="0" lvl="0" indent="0" algn="r" defTabSz="914400" rtl="0" eaLnBrk="1" fontAlgn="auto" latinLnBrk="0" hangingPunct="1">
+              <a:lnSpc>
+                <a:spcPct val="100000"/>
+              </a:lnSpc>
+              <a:spcBef>
+                <a:spcPts val="0"/>
+              </a:spcBef>
+              <a:spcAft>
+                <a:spcPts val="0"/>
+              </a:spcAft>
+              <a:buClrTx/>
+              <a:buSzTx/>
+              <a:buFontTx/>
+              <a:buNone/>
+              <a:tabLst/>
+              <a:defRPr/>
+            </a:pPr>
+            <a:fld id="{622F1C9E-D65E-417E-9FEF-9AD7ACC20294}" type="slidenum">
+              <a:rPr kumimoji="0" lang="ru-RU" sz="1200" b="0" i="0" u="none" strike="noStrike" kern="1200" cap="none" spc="0" normalizeH="0" baseline="0" noProof="0" smtClean="0">
+                <a:ln>
+                  <a:noFill/>
+                </a:ln>
+                <a:solidFill>
+                  <a:prstClr val="black"/>
+                </a:solidFill>
+                <a:effectLst/>
+                <a:uLnTx/>
+                <a:uFillTx/>
+                <a:latin typeface="Calibri" panose="020F0502020204030204"/>
+                <a:ea typeface="+mn-ea"/>
+                <a:cs typeface="+mn-cs"/>
+              </a:rPr>
+              <a:pPr marL="0" marR="0" lvl="0" indent="0" algn="r" defTabSz="914400" rtl="0" eaLnBrk="1" fontAlgn="auto" latinLnBrk="0" hangingPunct="1">
+                <a:lnSpc>
+                  <a:spcPct val="100000"/>
+                </a:lnSpc>
+                <a:spcBef>
+                  <a:spcPts val="0"/>
+                </a:spcBef>
+                <a:spcAft>
+                  <a:spcPts val="0"/>
+                </a:spcAft>
+                <a:buClrTx/>
+                <a:buSzTx/>
+                <a:buFontTx/>
+                <a:buNone/>
+                <a:tabLst/>
+                <a:defRPr/>
+              </a:pPr>
+              <a:t>92</a:t>
+            </a:fld>
+            <a:endParaRPr kumimoji="0" lang="ru-RU" sz="1200" b="0" i="0" u="none" strike="noStrike" kern="1200" cap="none" spc="0" normalizeH="0" baseline="0" noProof="0">
+              <a:ln>
+                <a:noFill/>
+              </a:ln>
+              <a:solidFill>
+                <a:prstClr val="black"/>
+              </a:solidFill>
+              <a:effectLst/>
+              <a:uLnTx/>
+              <a:uFillTx/>
+              <a:latin typeface="Calibri" panose="020F0502020204030204"/>
+              <a:ea typeface="+mn-ea"/>
+              <a:cs typeface="+mn-cs"/>
+            </a:endParaRPr>
+          </a:p>
+        </p:txBody>
+      </p:sp>
+    </p:spTree>
+    <p:extLst>
+      <p:ext uri="{BB962C8B-B14F-4D97-AF65-F5344CB8AC3E}">
+        <p14:creationId xmlns:p14="http://schemas.microsoft.com/office/powerpoint/2010/main" val="799471801"/>
+      </p:ext>
+    </p:extLst>
+  </p:cSld>
+  <p:clrMapOvr>
+    <a:masterClrMapping/>
+  </p:clrMapOvr>
+</p:notes>
+</file>
+
+<file path=ppt/notesSlides/notesSlide33.xml><?xml version="1.0" encoding="utf-8"?>
+<p:notes xmlns:a="http://schemas.openxmlformats.org/drawingml/2006/main" xmlns:r="http://schemas.openxmlformats.org/officeDocument/2006/relationships" xmlns:p="http://schemas.openxmlformats.org/presentationml/2006/main">
+  <p:cSld>
+    <p:spTree>
+      <p:nvGrpSpPr>
+        <p:cNvPr id="1" name=""/>
+        <p:cNvGrpSpPr/>
+        <p:nvPr/>
+      </p:nvGrpSpPr>
+      <p:grpSpPr>
+        <a:xfrm>
+          <a:off x="0" y="0"/>
+          <a:ext cx="0" cy="0"/>
+          <a:chOff x="0" y="0"/>
+          <a:chExt cx="0" cy="0"/>
+        </a:xfrm>
+      </p:grpSpPr>
+      <p:sp>
+        <p:nvSpPr>
+          <p:cNvPr id="2" name="Образ слайда 1"/>
+          <p:cNvSpPr>
+            <a:spLocks noGrp="1" noRot="1" noChangeAspect="1"/>
+          </p:cNvSpPr>
+          <p:nvPr>
+            <p:ph type="sldImg"/>
+          </p:nvPr>
+        </p:nvSpPr>
+        <p:spPr/>
+      </p:sp>
+      <p:sp>
+        <p:nvSpPr>
+          <p:cNvPr id="3" name="Заметки 2"/>
+          <p:cNvSpPr>
+            <a:spLocks noGrp="1"/>
+          </p:cNvSpPr>
+          <p:nvPr>
+            <p:ph type="body" idx="1"/>
+          </p:nvPr>
+        </p:nvSpPr>
+        <p:spPr/>
+        <p:txBody>
+          <a:bodyPr/>
+          <a:lstStyle/>
+          <a:p>
+            <a:pPr rtl="0" fontAlgn="base"/>
+            <a:r>
+              <a:rPr lang="ru-RU" sz="1200" b="0" i="0" kern="1200" dirty="0" smtClean="0">
+                <a:solidFill>
+                  <a:schemeClr val="tx1"/>
+                </a:solidFill>
+                <a:effectLst/>
+                <a:latin typeface="+mn-lt"/>
+                <a:ea typeface="+mn-ea"/>
+                <a:cs typeface="+mn-cs"/>
+              </a:rPr>
+              <a:t>В языках как C# и </a:t>
+            </a:r>
+            <a:r>
+              <a:rPr lang="ru-RU" sz="1200" b="0" i="0" kern="1200" dirty="0" err="1" smtClean="0">
+                <a:solidFill>
+                  <a:schemeClr val="tx1"/>
+                </a:solidFill>
+                <a:effectLst/>
+                <a:latin typeface="+mn-lt"/>
+                <a:ea typeface="+mn-ea"/>
+                <a:cs typeface="+mn-cs"/>
+              </a:rPr>
+              <a:t>Java</a:t>
+            </a:r>
+            <a:r>
+              <a:rPr lang="ru-RU" sz="1200" b="0" i="0" kern="1200" dirty="0" smtClean="0">
+                <a:solidFill>
+                  <a:schemeClr val="tx1"/>
+                </a:solidFill>
+                <a:effectLst/>
+                <a:latin typeface="+mn-lt"/>
+                <a:ea typeface="+mn-ea"/>
+                <a:cs typeface="+mn-cs"/>
+              </a:rPr>
+              <a:t>, одним из главных инструментов построения компонентов повторного использования являются </a:t>
+            </a:r>
+            <a:r>
+              <a:rPr lang="ru-RU" sz="1200" b="0" i="0" kern="1200" dirty="0" err="1" smtClean="0">
+                <a:solidFill>
+                  <a:schemeClr val="tx1"/>
+                </a:solidFill>
+                <a:effectLst/>
+                <a:latin typeface="+mn-lt"/>
+                <a:ea typeface="+mn-ea"/>
+                <a:cs typeface="+mn-cs"/>
+              </a:rPr>
+              <a:t>generics</a:t>
+            </a:r>
+            <a:r>
+              <a:rPr lang="ru-RU" sz="1200" b="0" i="0" kern="1200" dirty="0" smtClean="0">
+                <a:solidFill>
+                  <a:schemeClr val="tx1"/>
+                </a:solidFill>
+                <a:effectLst/>
+                <a:latin typeface="+mn-lt"/>
+                <a:ea typeface="+mn-ea"/>
+                <a:cs typeface="+mn-cs"/>
+              </a:rPr>
+              <a:t>. Что, по сути, предоставляет возможность создания компонента, способного к работе над широким перечнем данных, нежели только над определенным. Это также позволяет использовать такие компоненты в качестве сторонних библиотек, предоставляя свои структуры данных, которые удовлетворяют некоторым контрактам</a:t>
+            </a:r>
+            <a:endParaRPr lang="en-US" sz="1200" b="0" i="0" kern="1200" dirty="0" smtClean="0">
+              <a:solidFill>
+                <a:schemeClr val="tx1"/>
+              </a:solidFill>
+              <a:effectLst/>
+              <a:latin typeface="+mn-lt"/>
+              <a:ea typeface="+mn-ea"/>
+              <a:cs typeface="+mn-cs"/>
+            </a:endParaRPr>
+          </a:p>
+          <a:p>
+            <a:pPr rtl="0" fontAlgn="base"/>
+            <a:endParaRPr lang="en-US" sz="1200" b="0" i="0" kern="1200" dirty="0" smtClean="0">
+              <a:solidFill>
+                <a:schemeClr val="tx1"/>
+              </a:solidFill>
+              <a:effectLst/>
+              <a:latin typeface="+mn-lt"/>
+              <a:ea typeface="+mn-ea"/>
+              <a:cs typeface="+mn-cs"/>
+            </a:endParaRPr>
+          </a:p>
+          <a:p>
+            <a:pPr rtl="0" fontAlgn="base"/>
+            <a:r>
+              <a:rPr lang="ru-RU" sz="1200" b="0" i="0" kern="1200" dirty="0" smtClean="0">
+                <a:solidFill>
+                  <a:schemeClr val="tx1"/>
+                </a:solidFill>
+                <a:effectLst/>
+                <a:latin typeface="+mn-lt"/>
+                <a:ea typeface="+mn-ea"/>
+                <a:cs typeface="+mn-cs"/>
+              </a:rPr>
+              <a:t>Для того чтобы начать, попробуем написать аналог программы </a:t>
+            </a:r>
+            <a:r>
+              <a:rPr lang="ru-RU" sz="1200" b="0" i="0" kern="1200" dirty="0" err="1" smtClean="0">
+                <a:solidFill>
+                  <a:schemeClr val="tx1"/>
+                </a:solidFill>
+                <a:effectLst/>
+                <a:latin typeface="+mn-lt"/>
+                <a:ea typeface="+mn-ea"/>
+                <a:cs typeface="+mn-cs"/>
+              </a:rPr>
+              <a:t>Hello</a:t>
+            </a:r>
+            <a:r>
+              <a:rPr lang="ru-RU" sz="1200" b="0" i="0" kern="1200" dirty="0" smtClean="0">
+                <a:solidFill>
+                  <a:schemeClr val="tx1"/>
+                </a:solidFill>
+                <a:effectLst/>
+                <a:latin typeface="+mn-lt"/>
+                <a:ea typeface="+mn-ea"/>
+                <a:cs typeface="+mn-cs"/>
+              </a:rPr>
+              <a:t> </a:t>
+            </a:r>
+            <a:r>
+              <a:rPr lang="ru-RU" sz="1200" b="0" i="0" kern="1200" dirty="0" err="1" smtClean="0">
+                <a:solidFill>
+                  <a:schemeClr val="tx1"/>
+                </a:solidFill>
+                <a:effectLst/>
+                <a:latin typeface="+mn-lt"/>
+                <a:ea typeface="+mn-ea"/>
+                <a:cs typeface="+mn-cs"/>
+              </a:rPr>
+              <a:t>World</a:t>
+            </a:r>
+            <a:r>
+              <a:rPr lang="ru-RU" sz="1200" b="0" i="0" kern="1200" dirty="0" smtClean="0">
+                <a:solidFill>
+                  <a:schemeClr val="tx1"/>
+                </a:solidFill>
+                <a:effectLst/>
+                <a:latin typeface="+mn-lt"/>
+                <a:ea typeface="+mn-ea"/>
+                <a:cs typeface="+mn-cs"/>
+              </a:rPr>
+              <a:t> для </a:t>
+            </a:r>
+            <a:r>
+              <a:rPr lang="ru-RU" sz="1200" b="0" i="0" kern="1200" dirty="0" err="1" smtClean="0">
+                <a:solidFill>
+                  <a:schemeClr val="tx1"/>
+                </a:solidFill>
+                <a:effectLst/>
+                <a:latin typeface="+mn-lt"/>
+                <a:ea typeface="+mn-ea"/>
+                <a:cs typeface="+mn-cs"/>
+              </a:rPr>
+              <a:t>generics</a:t>
+            </a:r>
+            <a:r>
+              <a:rPr lang="ru-RU" sz="1200" b="0" i="0" kern="1200" dirty="0" smtClean="0">
+                <a:solidFill>
+                  <a:schemeClr val="tx1"/>
+                </a:solidFill>
+                <a:effectLst/>
+                <a:latin typeface="+mn-lt"/>
+                <a:ea typeface="+mn-ea"/>
+                <a:cs typeface="+mn-cs"/>
+              </a:rPr>
+              <a:t>. Напишем функцию </a:t>
+            </a:r>
+            <a:r>
+              <a:rPr lang="ru-RU" sz="1200" b="0" i="0" kern="1200" dirty="0" err="1" smtClean="0">
+                <a:solidFill>
+                  <a:schemeClr val="tx1"/>
+                </a:solidFill>
+                <a:effectLst/>
+                <a:latin typeface="+mn-lt"/>
+                <a:ea typeface="+mn-ea"/>
+                <a:cs typeface="+mn-cs"/>
+              </a:rPr>
+              <a:t>identity</a:t>
+            </a:r>
+            <a:r>
+              <a:rPr lang="ru-RU" sz="1200" b="0" i="0" kern="1200" dirty="0" smtClean="0">
+                <a:solidFill>
+                  <a:schemeClr val="tx1"/>
+                </a:solidFill>
+                <a:effectLst/>
+                <a:latin typeface="+mn-lt"/>
+                <a:ea typeface="+mn-ea"/>
+                <a:cs typeface="+mn-cs"/>
+              </a:rPr>
+              <a:t>, такая функция вернет все, что было передано в неё в качестве аргумента. </a:t>
+            </a:r>
+            <a:r>
+              <a:rPr lang="en-US" sz="1200" b="0" i="0" kern="1200" dirty="0" smtClean="0">
+                <a:solidFill>
+                  <a:schemeClr val="tx1"/>
+                </a:solidFill>
+                <a:effectLst/>
+                <a:latin typeface="+mn-lt"/>
+                <a:ea typeface="+mn-ea"/>
+                <a:cs typeface="+mn-cs"/>
+              </a:rPr>
+              <a:t>*</a:t>
+            </a:r>
+            <a:endParaRPr lang="ru-RU" sz="1200" b="0" i="0" kern="1200" dirty="0" smtClean="0">
+              <a:solidFill>
+                <a:schemeClr val="tx1"/>
+              </a:solidFill>
+              <a:effectLst/>
+              <a:latin typeface="+mn-lt"/>
+              <a:ea typeface="+mn-ea"/>
+              <a:cs typeface="+mn-cs"/>
+            </a:endParaRPr>
+          </a:p>
+        </p:txBody>
+      </p:sp>
+      <p:sp>
+        <p:nvSpPr>
+          <p:cNvPr id="4" name="Номер слайда 3"/>
+          <p:cNvSpPr>
+            <a:spLocks noGrp="1"/>
+          </p:cNvSpPr>
+          <p:nvPr>
+            <p:ph type="sldNum" sz="quarter" idx="10"/>
+          </p:nvPr>
+        </p:nvSpPr>
+        <p:spPr/>
+        <p:txBody>
+          <a:bodyPr/>
+          <a:lstStyle/>
+          <a:p>
+            <a:pPr marL="0" marR="0" lvl="0" indent="0" algn="r" defTabSz="914400" rtl="0" eaLnBrk="1" fontAlgn="auto" latinLnBrk="0" hangingPunct="1">
+              <a:lnSpc>
+                <a:spcPct val="100000"/>
+              </a:lnSpc>
+              <a:spcBef>
+                <a:spcPts val="0"/>
+              </a:spcBef>
+              <a:spcAft>
+                <a:spcPts val="0"/>
+              </a:spcAft>
+              <a:buClrTx/>
+              <a:buSzTx/>
+              <a:buFontTx/>
+              <a:buNone/>
+              <a:tabLst/>
+              <a:defRPr/>
+            </a:pPr>
+            <a:fld id="{622F1C9E-D65E-417E-9FEF-9AD7ACC20294}" type="slidenum">
+              <a:rPr kumimoji="0" lang="ru-RU" sz="1200" b="0" i="0" u="none" strike="noStrike" kern="1200" cap="none" spc="0" normalizeH="0" baseline="0" noProof="0" smtClean="0">
+                <a:ln>
+                  <a:noFill/>
+                </a:ln>
+                <a:solidFill>
+                  <a:prstClr val="black"/>
+                </a:solidFill>
+                <a:effectLst/>
+                <a:uLnTx/>
+                <a:uFillTx/>
+                <a:latin typeface="Calibri" panose="020F0502020204030204"/>
+                <a:ea typeface="+mn-ea"/>
+                <a:cs typeface="+mn-cs"/>
+              </a:rPr>
+              <a:pPr marL="0" marR="0" lvl="0" indent="0" algn="r" defTabSz="914400" rtl="0" eaLnBrk="1" fontAlgn="auto" latinLnBrk="0" hangingPunct="1">
+                <a:lnSpc>
+                  <a:spcPct val="100000"/>
+                </a:lnSpc>
+                <a:spcBef>
+                  <a:spcPts val="0"/>
+                </a:spcBef>
+                <a:spcAft>
+                  <a:spcPts val="0"/>
+                </a:spcAft>
+                <a:buClrTx/>
+                <a:buSzTx/>
+                <a:buFontTx/>
+                <a:buNone/>
+                <a:tabLst/>
+                <a:defRPr/>
+              </a:pPr>
+              <a:t>93</a:t>
+            </a:fld>
+            <a:endParaRPr kumimoji="0" lang="ru-RU" sz="1200" b="0" i="0" u="none" strike="noStrike" kern="1200" cap="none" spc="0" normalizeH="0" baseline="0" noProof="0">
+              <a:ln>
+                <a:noFill/>
+              </a:ln>
+              <a:solidFill>
+                <a:prstClr val="black"/>
+              </a:solidFill>
+              <a:effectLst/>
+              <a:uLnTx/>
+              <a:uFillTx/>
+              <a:latin typeface="Calibri" panose="020F0502020204030204"/>
+              <a:ea typeface="+mn-ea"/>
+              <a:cs typeface="+mn-cs"/>
+            </a:endParaRPr>
+          </a:p>
+        </p:txBody>
+      </p:sp>
+    </p:spTree>
+    <p:extLst>
+      <p:ext uri="{BB962C8B-B14F-4D97-AF65-F5344CB8AC3E}">
+        <p14:creationId xmlns:p14="http://schemas.microsoft.com/office/powerpoint/2010/main" val="4147110883"/>
+      </p:ext>
+    </p:extLst>
+  </p:cSld>
+  <p:clrMapOvr>
+    <a:masterClrMapping/>
+  </p:clrMapOvr>
+</p:notes>
+</file>
+
+<file path=ppt/notesSlides/notesSlide34.xml><?xml version="1.0" encoding="utf-8"?>
+<p:notes xmlns:a="http://schemas.openxmlformats.org/drawingml/2006/main" xmlns:r="http://schemas.openxmlformats.org/officeDocument/2006/relationships" xmlns:p="http://schemas.openxmlformats.org/presentationml/2006/main">
+  <p:cSld>
+    <p:spTree>
+      <p:nvGrpSpPr>
+        <p:cNvPr id="1" name=""/>
+        <p:cNvGrpSpPr/>
+        <p:nvPr/>
+      </p:nvGrpSpPr>
+      <p:grpSpPr>
+        <a:xfrm>
+          <a:off x="0" y="0"/>
+          <a:ext cx="0" cy="0"/>
+          <a:chOff x="0" y="0"/>
+          <a:chExt cx="0" cy="0"/>
+        </a:xfrm>
+      </p:grpSpPr>
+      <p:sp>
+        <p:nvSpPr>
+          <p:cNvPr id="2" name="Образ слайда 1"/>
+          <p:cNvSpPr>
+            <a:spLocks noGrp="1" noRot="1" noChangeAspect="1"/>
+          </p:cNvSpPr>
+          <p:nvPr>
+            <p:ph type="sldImg"/>
+          </p:nvPr>
+        </p:nvSpPr>
+        <p:spPr/>
+      </p:sp>
+      <p:sp>
+        <p:nvSpPr>
+          <p:cNvPr id="3" name="Заметки 2"/>
+          <p:cNvSpPr>
+            <a:spLocks noGrp="1"/>
+          </p:cNvSpPr>
+          <p:nvPr>
+            <p:ph type="body" idx="1"/>
+          </p:nvPr>
+        </p:nvSpPr>
+        <p:spPr/>
+        <p:txBody>
+          <a:bodyPr/>
+          <a:lstStyle/>
+          <a:p>
+            <a:pPr rtl="0" fontAlgn="base"/>
+            <a:r>
+              <a:rPr lang="ru-RU" sz="1200" b="0" i="0" kern="1200" dirty="0" smtClean="0">
+                <a:solidFill>
+                  <a:schemeClr val="tx1"/>
+                </a:solidFill>
+                <a:effectLst/>
+                <a:latin typeface="+mn-lt"/>
+                <a:ea typeface="+mn-ea"/>
+                <a:cs typeface="+mn-cs"/>
+              </a:rPr>
+              <a:t>Посмотрим на пример*</a:t>
+            </a:r>
+          </a:p>
+          <a:p>
+            <a:pPr rtl="0" fontAlgn="base"/>
+            <a:endParaRPr lang="ru-RU" sz="1200" b="0" i="0" kern="1200" dirty="0" smtClean="0">
+              <a:solidFill>
+                <a:schemeClr val="tx1"/>
+              </a:solidFill>
+              <a:effectLst/>
+              <a:latin typeface="+mn-lt"/>
+              <a:ea typeface="+mn-ea"/>
+              <a:cs typeface="+mn-cs"/>
+            </a:endParaRPr>
+          </a:p>
+          <a:p>
+            <a:pPr rtl="0" fontAlgn="base"/>
+            <a:r>
+              <a:rPr lang="ru-RU" sz="1200" b="0" i="0" kern="1200" dirty="0" smtClean="0">
+                <a:solidFill>
+                  <a:schemeClr val="tx1"/>
+                </a:solidFill>
+                <a:effectLst/>
+                <a:latin typeface="+mn-lt"/>
+                <a:ea typeface="+mn-ea"/>
+                <a:cs typeface="+mn-cs"/>
+              </a:rPr>
+              <a:t>Задание: реализовать функцию фильтрации массива. </a:t>
+            </a:r>
+          </a:p>
+          <a:p>
+            <a:pPr rtl="0" fontAlgn="base"/>
+            <a:endParaRPr lang="ru-RU" sz="1200" b="0" i="0" kern="1200" dirty="0" smtClean="0">
+              <a:solidFill>
+                <a:schemeClr val="tx1"/>
+              </a:solidFill>
+              <a:effectLst/>
+              <a:latin typeface="+mn-lt"/>
+              <a:ea typeface="+mn-ea"/>
+              <a:cs typeface="+mn-cs"/>
+            </a:endParaRPr>
+          </a:p>
+          <a:p>
+            <a:pPr rtl="0" fontAlgn="base"/>
+            <a:r>
+              <a:rPr lang="ru-RU" sz="1200" b="0" i="0" kern="1200" dirty="0" smtClean="0">
+                <a:solidFill>
+                  <a:schemeClr val="tx1"/>
+                </a:solidFill>
+                <a:effectLst/>
+                <a:latin typeface="+mn-lt"/>
+                <a:ea typeface="+mn-ea"/>
+                <a:cs typeface="+mn-cs"/>
+              </a:rPr>
+              <a:t>Задание со звездочкой: реализовать функцию сортировки массива используя прошлый пример с интерфейсами. </a:t>
+            </a:r>
+          </a:p>
+          <a:p>
+            <a:pPr rtl="0" fontAlgn="base"/>
+            <a:endParaRPr lang="ru-RU" sz="1200" b="0" i="0" kern="1200" dirty="0" smtClean="0">
+              <a:solidFill>
+                <a:schemeClr val="tx1"/>
+              </a:solidFill>
+              <a:effectLst/>
+              <a:latin typeface="+mn-lt"/>
+              <a:ea typeface="+mn-ea"/>
+              <a:cs typeface="+mn-cs"/>
+            </a:endParaRPr>
+          </a:p>
+        </p:txBody>
+      </p:sp>
+      <p:sp>
+        <p:nvSpPr>
+          <p:cNvPr id="4" name="Номер слайда 3"/>
+          <p:cNvSpPr>
+            <a:spLocks noGrp="1"/>
+          </p:cNvSpPr>
+          <p:nvPr>
+            <p:ph type="sldNum" sz="quarter" idx="10"/>
+          </p:nvPr>
+        </p:nvSpPr>
+        <p:spPr/>
+        <p:txBody>
+          <a:bodyPr/>
+          <a:lstStyle/>
+          <a:p>
+            <a:pPr marL="0" marR="0" lvl="0" indent="0" algn="r" defTabSz="914400" rtl="0" eaLnBrk="1" fontAlgn="auto" latinLnBrk="0" hangingPunct="1">
+              <a:lnSpc>
+                <a:spcPct val="100000"/>
+              </a:lnSpc>
+              <a:spcBef>
+                <a:spcPts val="0"/>
+              </a:spcBef>
+              <a:spcAft>
+                <a:spcPts val="0"/>
+              </a:spcAft>
+              <a:buClrTx/>
+              <a:buSzTx/>
+              <a:buFontTx/>
+              <a:buNone/>
+              <a:tabLst/>
+              <a:defRPr/>
+            </a:pPr>
+            <a:fld id="{622F1C9E-D65E-417E-9FEF-9AD7ACC20294}" type="slidenum">
+              <a:rPr kumimoji="0" lang="ru-RU" sz="1200" b="0" i="0" u="none" strike="noStrike" kern="1200" cap="none" spc="0" normalizeH="0" baseline="0" noProof="0" smtClean="0">
+                <a:ln>
+                  <a:noFill/>
+                </a:ln>
+                <a:solidFill>
+                  <a:prstClr val="black"/>
+                </a:solidFill>
+                <a:effectLst/>
+                <a:uLnTx/>
+                <a:uFillTx/>
+                <a:latin typeface="Calibri" panose="020F0502020204030204"/>
+                <a:ea typeface="+mn-ea"/>
+                <a:cs typeface="+mn-cs"/>
+              </a:rPr>
+              <a:pPr marL="0" marR="0" lvl="0" indent="0" algn="r" defTabSz="914400" rtl="0" eaLnBrk="1" fontAlgn="auto" latinLnBrk="0" hangingPunct="1">
+                <a:lnSpc>
+                  <a:spcPct val="100000"/>
+                </a:lnSpc>
+                <a:spcBef>
+                  <a:spcPts val="0"/>
+                </a:spcBef>
+                <a:spcAft>
+                  <a:spcPts val="0"/>
+                </a:spcAft>
+                <a:buClrTx/>
+                <a:buSzTx/>
+                <a:buFontTx/>
+                <a:buNone/>
+                <a:tabLst/>
+                <a:defRPr/>
+              </a:pPr>
+              <a:t>94</a:t>
+            </a:fld>
+            <a:endParaRPr kumimoji="0" lang="ru-RU" sz="1200" b="0" i="0" u="none" strike="noStrike" kern="1200" cap="none" spc="0" normalizeH="0" baseline="0" noProof="0">
+              <a:ln>
+                <a:noFill/>
+              </a:ln>
+              <a:solidFill>
+                <a:prstClr val="black"/>
+              </a:solidFill>
+              <a:effectLst/>
+              <a:uLnTx/>
+              <a:uFillTx/>
+              <a:latin typeface="Calibri" panose="020F0502020204030204"/>
+              <a:ea typeface="+mn-ea"/>
+              <a:cs typeface="+mn-cs"/>
+            </a:endParaRPr>
+          </a:p>
+        </p:txBody>
+      </p:sp>
+    </p:spTree>
+    <p:extLst>
+      <p:ext uri="{BB962C8B-B14F-4D97-AF65-F5344CB8AC3E}">
+        <p14:creationId xmlns:p14="http://schemas.microsoft.com/office/powerpoint/2010/main" val="431693849"/>
+      </p:ext>
+    </p:extLst>
+  </p:cSld>
+  <p:clrMapOvr>
+    <a:masterClrMapping/>
+  </p:clrMapOvr>
+</p:notes>
+</file>
+
+<file path=ppt/notesSlides/notesSlide35.xml><?xml version="1.0" encoding="utf-8"?>
+<p:notes xmlns:a="http://schemas.openxmlformats.org/drawingml/2006/main" xmlns:r="http://schemas.openxmlformats.org/officeDocument/2006/relationships" xmlns:p="http://schemas.openxmlformats.org/presentationml/2006/main">
+  <p:cSld>
+    <p:spTree>
+      <p:nvGrpSpPr>
+        <p:cNvPr id="1" name=""/>
+        <p:cNvGrpSpPr/>
+        <p:nvPr/>
+      </p:nvGrpSpPr>
+      <p:grpSpPr>
+        <a:xfrm>
+          <a:off x="0" y="0"/>
+          <a:ext cx="0" cy="0"/>
+          <a:chOff x="0" y="0"/>
+          <a:chExt cx="0" cy="0"/>
+        </a:xfrm>
+      </p:grpSpPr>
+      <p:sp>
+        <p:nvSpPr>
+          <p:cNvPr id="2" name="Образ слайда 1"/>
+          <p:cNvSpPr>
+            <a:spLocks noGrp="1" noRot="1" noChangeAspect="1"/>
+          </p:cNvSpPr>
+          <p:nvPr>
+            <p:ph type="sldImg"/>
+          </p:nvPr>
+        </p:nvSpPr>
+        <p:spPr/>
+      </p:sp>
+      <p:sp>
+        <p:nvSpPr>
+          <p:cNvPr id="3" name="Заметки 2"/>
+          <p:cNvSpPr>
+            <a:spLocks noGrp="1"/>
+          </p:cNvSpPr>
+          <p:nvPr>
+            <p:ph type="body" idx="1"/>
+          </p:nvPr>
+        </p:nvSpPr>
+        <p:spPr/>
+        <p:txBody>
+          <a:bodyPr/>
+          <a:lstStyle/>
+          <a:p>
+            <a:pPr rtl="0" fontAlgn="base"/>
+            <a:r>
+              <a:rPr lang="ru-RU" sz="1200" b="0" i="0" kern="1200" dirty="0" smtClean="0">
+                <a:solidFill>
+                  <a:schemeClr val="tx1"/>
+                </a:solidFill>
+                <a:effectLst/>
+                <a:latin typeface="+mn-lt"/>
+                <a:ea typeface="+mn-ea"/>
+                <a:cs typeface="+mn-cs"/>
+              </a:rPr>
+              <a:t>Примеры</a:t>
+            </a:r>
+            <a:r>
+              <a:rPr lang="ru-RU" sz="1200" b="0" i="0" kern="1200" baseline="0" dirty="0" smtClean="0">
+                <a:solidFill>
+                  <a:schemeClr val="tx1"/>
+                </a:solidFill>
+                <a:effectLst/>
+                <a:latin typeface="+mn-lt"/>
+                <a:ea typeface="+mn-ea"/>
+                <a:cs typeface="+mn-cs"/>
+              </a:rPr>
+              <a:t> плюс интерфейс с </a:t>
+            </a:r>
+            <a:r>
+              <a:rPr lang="ru-RU" sz="1200" b="0" i="0" kern="1200" baseline="0" dirty="0" err="1" smtClean="0">
+                <a:solidFill>
+                  <a:schemeClr val="tx1"/>
+                </a:solidFill>
+                <a:effectLst/>
+                <a:latin typeface="+mn-lt"/>
+                <a:ea typeface="+mn-ea"/>
+                <a:cs typeface="+mn-cs"/>
+              </a:rPr>
+              <a:t>колабл</a:t>
+            </a:r>
+            <a:r>
+              <a:rPr lang="ru-RU" sz="1200" b="0" i="0" kern="1200" baseline="0" dirty="0" smtClean="0">
+                <a:solidFill>
+                  <a:schemeClr val="tx1"/>
+                </a:solidFill>
+                <a:effectLst/>
+                <a:latin typeface="+mn-lt"/>
+                <a:ea typeface="+mn-ea"/>
+                <a:cs typeface="+mn-cs"/>
+              </a:rPr>
+              <a:t>*</a:t>
+            </a:r>
+          </a:p>
+          <a:p>
+            <a:pPr rtl="0" fontAlgn="base"/>
+            <a:endParaRPr lang="ru-RU" sz="1200" b="0" i="0" kern="1200" baseline="0" dirty="0" smtClean="0">
+              <a:solidFill>
+                <a:schemeClr val="tx1"/>
+              </a:solidFill>
+              <a:effectLst/>
+              <a:latin typeface="+mn-lt"/>
+              <a:ea typeface="+mn-ea"/>
+              <a:cs typeface="+mn-cs"/>
+            </a:endParaRPr>
+          </a:p>
+          <a:p>
+            <a:pPr rtl="0" fontAlgn="base"/>
+            <a:r>
+              <a:rPr lang="ru-RU" sz="1200" b="0" i="0" kern="1200" dirty="0" smtClean="0">
+                <a:solidFill>
+                  <a:schemeClr val="tx1"/>
+                </a:solidFill>
+                <a:effectLst/>
+                <a:latin typeface="+mn-lt"/>
+                <a:ea typeface="+mn-ea"/>
+                <a:cs typeface="+mn-cs"/>
+              </a:rPr>
+              <a:t>Задание: написать </a:t>
+            </a:r>
+            <a:r>
+              <a:rPr lang="ru-RU" sz="1200" b="0" i="0" kern="1200" dirty="0" err="1" smtClean="0">
+                <a:solidFill>
+                  <a:schemeClr val="tx1"/>
+                </a:solidFill>
+                <a:effectLst/>
+                <a:latin typeface="+mn-lt"/>
+                <a:ea typeface="+mn-ea"/>
+                <a:cs typeface="+mn-cs"/>
+              </a:rPr>
+              <a:t>Box</a:t>
+            </a:r>
+            <a:r>
+              <a:rPr lang="ru-RU" sz="1200" b="0" i="0" kern="1200" dirty="0" smtClean="0">
+                <a:solidFill>
+                  <a:schemeClr val="tx1"/>
+                </a:solidFill>
+                <a:effectLst/>
+                <a:latin typeface="+mn-lt"/>
+                <a:ea typeface="+mn-ea"/>
+                <a:cs typeface="+mn-cs"/>
+              </a:rPr>
+              <a:t> интерфейс с методами </a:t>
+            </a:r>
+            <a:r>
+              <a:rPr lang="ru-RU" sz="1200" b="0" i="0" kern="1200" dirty="0" err="1" smtClean="0">
+                <a:solidFill>
+                  <a:schemeClr val="tx1"/>
+                </a:solidFill>
+                <a:effectLst/>
+                <a:latin typeface="+mn-lt"/>
+                <a:ea typeface="+mn-ea"/>
+                <a:cs typeface="+mn-cs"/>
+              </a:rPr>
+              <a:t>set</a:t>
+            </a:r>
+            <a:r>
+              <a:rPr lang="ru-RU" sz="1200" b="0" i="0" kern="1200" dirty="0" smtClean="0">
+                <a:solidFill>
+                  <a:schemeClr val="tx1"/>
+                </a:solidFill>
+                <a:effectLst/>
+                <a:latin typeface="+mn-lt"/>
+                <a:ea typeface="+mn-ea"/>
+                <a:cs typeface="+mn-cs"/>
+              </a:rPr>
+              <a:t> и </a:t>
+            </a:r>
+            <a:r>
+              <a:rPr lang="ru-RU" sz="1200" b="0" i="0" kern="1200" dirty="0" err="1" smtClean="0">
+                <a:solidFill>
+                  <a:schemeClr val="tx1"/>
+                </a:solidFill>
+                <a:effectLst/>
+                <a:latin typeface="+mn-lt"/>
+                <a:ea typeface="+mn-ea"/>
+                <a:cs typeface="+mn-cs"/>
+              </a:rPr>
+              <a:t>get</a:t>
+            </a:r>
+            <a:r>
+              <a:rPr lang="ru-RU" sz="1200" b="0" i="0" kern="1200" dirty="0" smtClean="0">
+                <a:solidFill>
+                  <a:schemeClr val="tx1"/>
+                </a:solidFill>
+                <a:effectLst/>
+                <a:latin typeface="+mn-lt"/>
+                <a:ea typeface="+mn-ea"/>
+                <a:cs typeface="+mn-cs"/>
+              </a:rPr>
+              <a:t> для пояснения сказанного выше. </a:t>
+            </a:r>
+          </a:p>
+        </p:txBody>
+      </p:sp>
+      <p:sp>
+        <p:nvSpPr>
+          <p:cNvPr id="4" name="Номер слайда 3"/>
+          <p:cNvSpPr>
+            <a:spLocks noGrp="1"/>
+          </p:cNvSpPr>
+          <p:nvPr>
+            <p:ph type="sldNum" sz="quarter" idx="10"/>
+          </p:nvPr>
+        </p:nvSpPr>
+        <p:spPr/>
+        <p:txBody>
+          <a:bodyPr/>
+          <a:lstStyle/>
+          <a:p>
+            <a:pPr marL="0" marR="0" lvl="0" indent="0" algn="r" defTabSz="914400" rtl="0" eaLnBrk="1" fontAlgn="auto" latinLnBrk="0" hangingPunct="1">
+              <a:lnSpc>
+                <a:spcPct val="100000"/>
+              </a:lnSpc>
+              <a:spcBef>
+                <a:spcPts val="0"/>
+              </a:spcBef>
+              <a:spcAft>
+                <a:spcPts val="0"/>
+              </a:spcAft>
+              <a:buClrTx/>
+              <a:buSzTx/>
+              <a:buFontTx/>
+              <a:buNone/>
+              <a:tabLst/>
+              <a:defRPr/>
+            </a:pPr>
+            <a:fld id="{622F1C9E-D65E-417E-9FEF-9AD7ACC20294}" type="slidenum">
+              <a:rPr kumimoji="0" lang="ru-RU" sz="1200" b="0" i="0" u="none" strike="noStrike" kern="1200" cap="none" spc="0" normalizeH="0" baseline="0" noProof="0" smtClean="0">
+                <a:ln>
+                  <a:noFill/>
+                </a:ln>
+                <a:solidFill>
+                  <a:prstClr val="black"/>
+                </a:solidFill>
+                <a:effectLst/>
+                <a:uLnTx/>
+                <a:uFillTx/>
+                <a:latin typeface="Calibri" panose="020F0502020204030204"/>
+                <a:ea typeface="+mn-ea"/>
+                <a:cs typeface="+mn-cs"/>
+              </a:rPr>
+              <a:pPr marL="0" marR="0" lvl="0" indent="0" algn="r" defTabSz="914400" rtl="0" eaLnBrk="1" fontAlgn="auto" latinLnBrk="0" hangingPunct="1">
+                <a:lnSpc>
+                  <a:spcPct val="100000"/>
+                </a:lnSpc>
+                <a:spcBef>
+                  <a:spcPts val="0"/>
+                </a:spcBef>
+                <a:spcAft>
+                  <a:spcPts val="0"/>
+                </a:spcAft>
+                <a:buClrTx/>
+                <a:buSzTx/>
+                <a:buFontTx/>
+                <a:buNone/>
+                <a:tabLst/>
+                <a:defRPr/>
+              </a:pPr>
+              <a:t>95</a:t>
+            </a:fld>
+            <a:endParaRPr kumimoji="0" lang="ru-RU" sz="1200" b="0" i="0" u="none" strike="noStrike" kern="1200" cap="none" spc="0" normalizeH="0" baseline="0" noProof="0">
+              <a:ln>
+                <a:noFill/>
+              </a:ln>
+              <a:solidFill>
+                <a:prstClr val="black"/>
+              </a:solidFill>
+              <a:effectLst/>
+              <a:uLnTx/>
+              <a:uFillTx/>
+              <a:latin typeface="Calibri" panose="020F0502020204030204"/>
+              <a:ea typeface="+mn-ea"/>
+              <a:cs typeface="+mn-cs"/>
+            </a:endParaRPr>
+          </a:p>
+        </p:txBody>
+      </p:sp>
+    </p:spTree>
+    <p:extLst>
+      <p:ext uri="{BB962C8B-B14F-4D97-AF65-F5344CB8AC3E}">
+        <p14:creationId xmlns:p14="http://schemas.microsoft.com/office/powerpoint/2010/main" val="2090244856"/>
+      </p:ext>
+    </p:extLst>
+  </p:cSld>
+  <p:clrMapOvr>
+    <a:masterClrMapping/>
+  </p:clrMapOvr>
+</p:notes>
+</file>
+
+<file path=ppt/notesSlides/notesSlide36.xml><?xml version="1.0" encoding="utf-8"?>
+<p:notes xmlns:a="http://schemas.openxmlformats.org/drawingml/2006/main" xmlns:r="http://schemas.openxmlformats.org/officeDocument/2006/relationships" xmlns:p="http://schemas.openxmlformats.org/presentationml/2006/main">
+  <p:cSld>
+    <p:spTree>
+      <p:nvGrpSpPr>
+        <p:cNvPr id="1" name=""/>
+        <p:cNvGrpSpPr/>
+        <p:nvPr/>
+      </p:nvGrpSpPr>
+      <p:grpSpPr>
+        <a:xfrm>
+          <a:off x="0" y="0"/>
+          <a:ext cx="0" cy="0"/>
+          <a:chOff x="0" y="0"/>
+          <a:chExt cx="0" cy="0"/>
+        </a:xfrm>
+      </p:grpSpPr>
+      <p:sp>
+        <p:nvSpPr>
+          <p:cNvPr id="2" name="Образ слайда 1"/>
+          <p:cNvSpPr>
+            <a:spLocks noGrp="1" noRot="1" noChangeAspect="1"/>
+          </p:cNvSpPr>
+          <p:nvPr>
+            <p:ph type="sldImg"/>
+          </p:nvPr>
+        </p:nvSpPr>
+        <p:spPr/>
+      </p:sp>
+      <p:sp>
+        <p:nvSpPr>
+          <p:cNvPr id="3" name="Заметки 2"/>
+          <p:cNvSpPr>
+            <a:spLocks noGrp="1"/>
+          </p:cNvSpPr>
+          <p:nvPr>
+            <p:ph type="body" idx="1"/>
+          </p:nvPr>
+        </p:nvSpPr>
+        <p:spPr/>
+        <p:txBody>
+          <a:bodyPr/>
+          <a:lstStyle/>
+          <a:p>
+            <a:pPr rtl="0" fontAlgn="base"/>
+            <a:r>
+              <a:rPr lang="ru-RU" sz="1200" b="0" i="0" kern="1200" dirty="0" smtClean="0">
+                <a:solidFill>
+                  <a:schemeClr val="tx1"/>
+                </a:solidFill>
+                <a:effectLst/>
+                <a:latin typeface="+mn-lt"/>
+                <a:ea typeface="+mn-ea"/>
+                <a:cs typeface="+mn-cs"/>
+              </a:rPr>
+              <a:t>Показать примеры*</a:t>
+            </a:r>
+          </a:p>
+          <a:p>
+            <a:pPr rtl="0" fontAlgn="base"/>
+            <a:r>
+              <a:rPr lang="en-US" sz="1200" b="0" i="0" kern="1200" dirty="0" smtClean="0">
+                <a:solidFill>
+                  <a:schemeClr val="tx1"/>
+                </a:solidFill>
+                <a:effectLst/>
+                <a:latin typeface="+mn-lt"/>
+                <a:ea typeface="+mn-ea"/>
+                <a:cs typeface="+mn-cs"/>
+              </a:rPr>
+              <a:t>Generic</a:t>
+            </a:r>
+            <a:r>
+              <a:rPr lang="en-US" sz="1200" b="0" i="0" kern="1200" baseline="0" dirty="0" smtClean="0">
+                <a:solidFill>
+                  <a:schemeClr val="tx1"/>
+                </a:solidFill>
+                <a:effectLst/>
+                <a:latin typeface="+mn-lt"/>
+                <a:ea typeface="+mn-ea"/>
+                <a:cs typeface="+mn-cs"/>
+              </a:rPr>
+              <a:t> </a:t>
+            </a:r>
+            <a:r>
+              <a:rPr lang="ru-RU" sz="1200" b="0" i="0" kern="1200" baseline="0" dirty="0" smtClean="0">
+                <a:solidFill>
+                  <a:schemeClr val="tx1"/>
+                </a:solidFill>
+                <a:effectLst/>
+                <a:latin typeface="+mn-lt"/>
+                <a:ea typeface="+mn-ea"/>
+                <a:cs typeface="+mn-cs"/>
+              </a:rPr>
+              <a:t>определяет </a:t>
+            </a:r>
+            <a:r>
+              <a:rPr lang="en-US" sz="1200" b="0" i="0" kern="1200" baseline="0" dirty="0" smtClean="0">
+                <a:solidFill>
+                  <a:schemeClr val="tx1"/>
+                </a:solidFill>
+                <a:effectLst/>
+                <a:latin typeface="+mn-lt"/>
+                <a:ea typeface="+mn-ea"/>
+                <a:cs typeface="+mn-cs"/>
+              </a:rPr>
+              <a:t>this </a:t>
+            </a:r>
+            <a:r>
+              <a:rPr lang="ru-RU" sz="1200" b="0" i="0" kern="1200" baseline="0" dirty="0" smtClean="0">
+                <a:solidFill>
+                  <a:schemeClr val="tx1"/>
+                </a:solidFill>
+                <a:effectLst/>
+                <a:latin typeface="+mn-lt"/>
+                <a:ea typeface="+mn-ea"/>
+                <a:cs typeface="+mn-cs"/>
+              </a:rPr>
+              <a:t>сторону класса</a:t>
+            </a:r>
+          </a:p>
+          <a:p>
+            <a:pPr rtl="0" fontAlgn="base"/>
+            <a:endParaRPr lang="ru-RU" sz="1200" b="0" i="0" kern="1200" baseline="0" dirty="0" smtClean="0">
+              <a:solidFill>
+                <a:schemeClr val="tx1"/>
+              </a:solidFill>
+              <a:effectLst/>
+              <a:latin typeface="+mn-lt"/>
+              <a:ea typeface="+mn-ea"/>
+              <a:cs typeface="+mn-cs"/>
+            </a:endParaRPr>
+          </a:p>
+          <a:p>
+            <a:pPr rtl="0" fontAlgn="base"/>
+            <a:r>
+              <a:rPr lang="ru-RU" sz="1200" b="0" i="0" kern="1200" dirty="0" smtClean="0">
+                <a:solidFill>
+                  <a:schemeClr val="tx1"/>
+                </a:solidFill>
+                <a:effectLst/>
+                <a:latin typeface="+mn-lt"/>
+                <a:ea typeface="+mn-ea"/>
+                <a:cs typeface="+mn-cs"/>
+              </a:rPr>
+              <a:t>Задание: реализовать класс Очередь. Использовать данный класс вместе с классом сотрудника. </a:t>
+            </a:r>
+          </a:p>
+          <a:p>
+            <a:pPr rtl="0" fontAlgn="base"/>
+            <a:r>
+              <a:rPr lang="ru-RU" sz="1200" b="0" i="0" kern="1200" dirty="0" smtClean="0">
+                <a:solidFill>
+                  <a:schemeClr val="tx1"/>
+                </a:solidFill>
+                <a:effectLst/>
+                <a:latin typeface="+mn-lt"/>
+                <a:ea typeface="+mn-ea"/>
+                <a:cs typeface="+mn-cs"/>
+              </a:rPr>
+              <a:t>Задание со звездочкой: реализовать класс Двусвязный список. Также использовать данный класс с классом сотрудника. </a:t>
+            </a:r>
+          </a:p>
+          <a:p>
+            <a:pPr rtl="0" fontAlgn="base"/>
+            <a:endParaRPr lang="ru-RU" sz="1200" b="0" i="0" kern="1200" dirty="0" smtClean="0">
+              <a:solidFill>
+                <a:schemeClr val="tx1"/>
+              </a:solidFill>
+              <a:effectLst/>
+              <a:latin typeface="+mn-lt"/>
+              <a:ea typeface="+mn-ea"/>
+              <a:cs typeface="+mn-cs"/>
+            </a:endParaRPr>
+          </a:p>
+        </p:txBody>
+      </p:sp>
+      <p:sp>
+        <p:nvSpPr>
+          <p:cNvPr id="4" name="Номер слайда 3"/>
+          <p:cNvSpPr>
+            <a:spLocks noGrp="1"/>
+          </p:cNvSpPr>
+          <p:nvPr>
+            <p:ph type="sldNum" sz="quarter" idx="10"/>
+          </p:nvPr>
+        </p:nvSpPr>
+        <p:spPr/>
+        <p:txBody>
+          <a:bodyPr/>
+          <a:lstStyle/>
+          <a:p>
+            <a:pPr marL="0" marR="0" lvl="0" indent="0" algn="r" defTabSz="914400" rtl="0" eaLnBrk="1" fontAlgn="auto" latinLnBrk="0" hangingPunct="1">
+              <a:lnSpc>
+                <a:spcPct val="100000"/>
+              </a:lnSpc>
+              <a:spcBef>
+                <a:spcPts val="0"/>
+              </a:spcBef>
+              <a:spcAft>
+                <a:spcPts val="0"/>
+              </a:spcAft>
+              <a:buClrTx/>
+              <a:buSzTx/>
+              <a:buFontTx/>
+              <a:buNone/>
+              <a:tabLst/>
+              <a:defRPr/>
+            </a:pPr>
+            <a:fld id="{622F1C9E-D65E-417E-9FEF-9AD7ACC20294}" type="slidenum">
+              <a:rPr kumimoji="0" lang="ru-RU" sz="1200" b="0" i="0" u="none" strike="noStrike" kern="1200" cap="none" spc="0" normalizeH="0" baseline="0" noProof="0" smtClean="0">
+                <a:ln>
+                  <a:noFill/>
+                </a:ln>
+                <a:solidFill>
+                  <a:prstClr val="black"/>
+                </a:solidFill>
+                <a:effectLst/>
+                <a:uLnTx/>
+                <a:uFillTx/>
+                <a:latin typeface="Calibri" panose="020F0502020204030204"/>
+                <a:ea typeface="+mn-ea"/>
+                <a:cs typeface="+mn-cs"/>
+              </a:rPr>
+              <a:pPr marL="0" marR="0" lvl="0" indent="0" algn="r" defTabSz="914400" rtl="0" eaLnBrk="1" fontAlgn="auto" latinLnBrk="0" hangingPunct="1">
+                <a:lnSpc>
+                  <a:spcPct val="100000"/>
+                </a:lnSpc>
+                <a:spcBef>
+                  <a:spcPts val="0"/>
+                </a:spcBef>
+                <a:spcAft>
+                  <a:spcPts val="0"/>
+                </a:spcAft>
+                <a:buClrTx/>
+                <a:buSzTx/>
+                <a:buFontTx/>
+                <a:buNone/>
+                <a:tabLst/>
+                <a:defRPr/>
+              </a:pPr>
+              <a:t>96</a:t>
+            </a:fld>
+            <a:endParaRPr kumimoji="0" lang="ru-RU" sz="1200" b="0" i="0" u="none" strike="noStrike" kern="1200" cap="none" spc="0" normalizeH="0" baseline="0" noProof="0">
+              <a:ln>
+                <a:noFill/>
+              </a:ln>
+              <a:solidFill>
+                <a:prstClr val="black"/>
+              </a:solidFill>
+              <a:effectLst/>
+              <a:uLnTx/>
+              <a:uFillTx/>
+              <a:latin typeface="Calibri" panose="020F0502020204030204"/>
+              <a:ea typeface="+mn-ea"/>
+              <a:cs typeface="+mn-cs"/>
+            </a:endParaRPr>
+          </a:p>
+        </p:txBody>
+      </p:sp>
+    </p:spTree>
+    <p:extLst>
+      <p:ext uri="{BB962C8B-B14F-4D97-AF65-F5344CB8AC3E}">
+        <p14:creationId xmlns:p14="http://schemas.microsoft.com/office/powerpoint/2010/main" val="2428121990"/>
+      </p:ext>
+    </p:extLst>
+  </p:cSld>
+  <p:clrMapOvr>
+    <a:masterClrMapping/>
+  </p:clrMapOvr>
+</p:notes>
+</file>
+
+<file path=ppt/notesSlides/notesSlide37.xml><?xml version="1.0" encoding="utf-8"?>
+<p:notes xmlns:a="http://schemas.openxmlformats.org/drawingml/2006/main" xmlns:r="http://schemas.openxmlformats.org/officeDocument/2006/relationships" xmlns:p="http://schemas.openxmlformats.org/presentationml/2006/main">
+  <p:cSld>
+    <p:spTree>
+      <p:nvGrpSpPr>
+        <p:cNvPr id="1" name=""/>
+        <p:cNvGrpSpPr/>
+        <p:nvPr/>
+      </p:nvGrpSpPr>
+      <p:grpSpPr>
+        <a:xfrm>
+          <a:off x="0" y="0"/>
+          <a:ext cx="0" cy="0"/>
+          <a:chOff x="0" y="0"/>
+          <a:chExt cx="0" cy="0"/>
+        </a:xfrm>
+      </p:grpSpPr>
+      <p:sp>
+        <p:nvSpPr>
+          <p:cNvPr id="2" name="Образ слайда 1"/>
+          <p:cNvSpPr>
+            <a:spLocks noGrp="1" noRot="1" noChangeAspect="1"/>
+          </p:cNvSpPr>
+          <p:nvPr>
+            <p:ph type="sldImg"/>
+          </p:nvPr>
+        </p:nvSpPr>
+        <p:spPr/>
+      </p:sp>
+      <p:sp>
+        <p:nvSpPr>
+          <p:cNvPr id="3" name="Заметки 2"/>
+          <p:cNvSpPr>
+            <a:spLocks noGrp="1"/>
+          </p:cNvSpPr>
+          <p:nvPr>
+            <p:ph type="body" idx="1"/>
+          </p:nvPr>
+        </p:nvSpPr>
+        <p:spPr/>
+        <p:txBody>
+          <a:bodyPr/>
+          <a:lstStyle/>
+          <a:p>
+            <a:pPr rtl="0" fontAlgn="base"/>
+            <a:r>
+              <a:rPr lang="ru-RU" sz="1200" b="0" i="0" kern="1200" dirty="0" smtClean="0">
+                <a:solidFill>
+                  <a:schemeClr val="tx1"/>
+                </a:solidFill>
+                <a:effectLst/>
+                <a:latin typeface="+mn-lt"/>
+                <a:ea typeface="+mn-ea"/>
+                <a:cs typeface="+mn-cs"/>
+              </a:rPr>
+              <a:t>Задание: дать контракт модели в “Очередь” которая заставляет сущности иметь </a:t>
+            </a:r>
+            <a:r>
+              <a:rPr lang="ru-RU" sz="1200" b="0" i="0" kern="1200" dirty="0" err="1" smtClean="0">
+                <a:solidFill>
+                  <a:schemeClr val="tx1"/>
+                </a:solidFill>
+                <a:effectLst/>
+                <a:latin typeface="+mn-lt"/>
+                <a:ea typeface="+mn-ea"/>
+                <a:cs typeface="+mn-cs"/>
+              </a:rPr>
+              <a:t>id</a:t>
+            </a:r>
+            <a:r>
+              <a:rPr lang="ru-RU" sz="1200" b="0" i="0" kern="1200" dirty="0" smtClean="0">
+                <a:solidFill>
+                  <a:schemeClr val="tx1"/>
+                </a:solidFill>
+                <a:effectLst/>
+                <a:latin typeface="+mn-lt"/>
+                <a:ea typeface="+mn-ea"/>
+                <a:cs typeface="+mn-cs"/>
+              </a:rPr>
+              <a:t>. Реализовать метод </a:t>
+            </a:r>
+            <a:r>
+              <a:rPr lang="ru-RU" sz="1200" b="0" i="0" kern="1200" dirty="0" err="1" smtClean="0">
+                <a:solidFill>
+                  <a:schemeClr val="tx1"/>
+                </a:solidFill>
+                <a:effectLst/>
+                <a:latin typeface="+mn-lt"/>
+                <a:ea typeface="+mn-ea"/>
+                <a:cs typeface="+mn-cs"/>
+              </a:rPr>
+              <a:t>findAndPop</a:t>
+            </a:r>
+            <a:r>
+              <a:rPr lang="ru-RU" sz="1200" b="0" i="0" kern="1200" dirty="0" smtClean="0">
+                <a:solidFill>
+                  <a:schemeClr val="tx1"/>
+                </a:solidFill>
+                <a:effectLst/>
+                <a:latin typeface="+mn-lt"/>
+                <a:ea typeface="+mn-ea"/>
+                <a:cs typeface="+mn-cs"/>
+              </a:rPr>
+              <a:t> который возвращает найденный элемент и удаляет его из очереди. </a:t>
+            </a:r>
+            <a:endParaRPr lang="en-US" sz="1200" b="0" i="0" kern="1200" dirty="0" smtClean="0">
+              <a:solidFill>
+                <a:schemeClr val="tx1"/>
+              </a:solidFill>
+              <a:effectLst/>
+              <a:latin typeface="+mn-lt"/>
+              <a:ea typeface="+mn-ea"/>
+              <a:cs typeface="+mn-cs"/>
+            </a:endParaRPr>
+          </a:p>
+          <a:p>
+            <a:pPr rtl="0" fontAlgn="base"/>
+            <a:r>
+              <a:rPr lang="ru-RU" sz="1200" b="0" i="0" kern="1200" dirty="0" smtClean="0">
+                <a:solidFill>
+                  <a:schemeClr val="tx1"/>
+                </a:solidFill>
+                <a:effectLst/>
+                <a:latin typeface="+mn-lt"/>
+                <a:ea typeface="+mn-ea"/>
+                <a:cs typeface="+mn-cs"/>
+              </a:rPr>
+              <a:t>Задание со звездочкой: реализовать метод </a:t>
+            </a:r>
+            <a:r>
+              <a:rPr lang="ru-RU" sz="1200" b="0" i="0" kern="1200" dirty="0" err="1" smtClean="0">
+                <a:solidFill>
+                  <a:schemeClr val="tx1"/>
+                </a:solidFill>
+                <a:effectLst/>
+                <a:latin typeface="+mn-lt"/>
+                <a:ea typeface="+mn-ea"/>
+                <a:cs typeface="+mn-cs"/>
+              </a:rPr>
+              <a:t>reduce</a:t>
+            </a:r>
+            <a:r>
+              <a:rPr lang="ru-RU" sz="1200" b="0" i="0" kern="1200" dirty="0" smtClean="0">
+                <a:solidFill>
+                  <a:schemeClr val="tx1"/>
+                </a:solidFill>
+                <a:effectLst/>
+                <a:latin typeface="+mn-lt"/>
+                <a:ea typeface="+mn-ea"/>
+                <a:cs typeface="+mn-cs"/>
+              </a:rPr>
+              <a:t>. </a:t>
+            </a:r>
+            <a:endParaRPr lang="en-US" sz="1200" b="0" i="0" kern="1200" dirty="0" smtClean="0">
+              <a:solidFill>
+                <a:schemeClr val="tx1"/>
+              </a:solidFill>
+              <a:effectLst/>
+              <a:latin typeface="+mn-lt"/>
+              <a:ea typeface="+mn-ea"/>
+              <a:cs typeface="+mn-cs"/>
+            </a:endParaRPr>
+          </a:p>
+          <a:p>
+            <a:pPr rtl="0" fontAlgn="base"/>
+            <a:endParaRPr lang="en-US" sz="1200" b="0" i="0" kern="1200" dirty="0" smtClean="0">
+              <a:solidFill>
+                <a:schemeClr val="tx1"/>
+              </a:solidFill>
+              <a:effectLst/>
+              <a:latin typeface="+mn-lt"/>
+              <a:ea typeface="+mn-ea"/>
+              <a:cs typeface="+mn-cs"/>
+            </a:endParaRPr>
+          </a:p>
+          <a:p>
+            <a:pPr rtl="0" fontAlgn="base"/>
+            <a:r>
+              <a:rPr lang="ru-RU" sz="1200" b="0" i="0" kern="1200" dirty="0" smtClean="0">
+                <a:solidFill>
+                  <a:schemeClr val="tx1"/>
+                </a:solidFill>
+                <a:effectLst/>
+                <a:latin typeface="+mn-lt"/>
+                <a:ea typeface="+mn-ea"/>
+                <a:cs typeface="+mn-cs"/>
+              </a:rPr>
+              <a:t>Помимо того, что </a:t>
+            </a:r>
+            <a:r>
+              <a:rPr lang="ru-RU" sz="1200" b="0" i="0" kern="1200" dirty="0" err="1" smtClean="0">
+                <a:solidFill>
+                  <a:schemeClr val="tx1"/>
+                </a:solidFill>
+                <a:effectLst/>
+                <a:latin typeface="+mn-lt"/>
+                <a:ea typeface="+mn-ea"/>
+                <a:cs typeface="+mn-cs"/>
+              </a:rPr>
+              <a:t>type</a:t>
+            </a:r>
+            <a:r>
+              <a:rPr lang="ru-RU" sz="1200" b="0" i="0" kern="1200" dirty="0" smtClean="0">
+                <a:solidFill>
+                  <a:schemeClr val="tx1"/>
+                </a:solidFill>
+                <a:effectLst/>
+                <a:latin typeface="+mn-lt"/>
+                <a:ea typeface="+mn-ea"/>
+                <a:cs typeface="+mn-cs"/>
+              </a:rPr>
+              <a:t> параметров может быть несколько, мы можем связывать их между собой</a:t>
+            </a:r>
+            <a:r>
+              <a:rPr lang="en-US" sz="1200" b="0" i="0" kern="1200" dirty="0" smtClean="0">
+                <a:solidFill>
+                  <a:schemeClr val="tx1"/>
+                </a:solidFill>
+                <a:effectLst/>
+                <a:latin typeface="+mn-lt"/>
+                <a:ea typeface="+mn-ea"/>
+                <a:cs typeface="+mn-cs"/>
+              </a:rPr>
+              <a:t>*</a:t>
+            </a:r>
+          </a:p>
+          <a:p>
+            <a:pPr rtl="0" fontAlgn="base"/>
+            <a:endParaRPr lang="en-US" sz="1200" b="0" i="0" kern="1200" dirty="0" smtClean="0">
+              <a:solidFill>
+                <a:schemeClr val="tx1"/>
+              </a:solidFill>
+              <a:effectLst/>
+              <a:latin typeface="+mn-lt"/>
+              <a:ea typeface="+mn-ea"/>
+              <a:cs typeface="+mn-cs"/>
+            </a:endParaRPr>
+          </a:p>
+          <a:p>
+            <a:pPr rtl="0" fontAlgn="base"/>
+            <a:r>
+              <a:rPr lang="ru-RU" sz="1200" b="0" i="0" kern="1200" dirty="0" smtClean="0">
+                <a:solidFill>
+                  <a:schemeClr val="tx1"/>
+                </a:solidFill>
+                <a:effectLst/>
+                <a:latin typeface="+mn-lt"/>
+                <a:ea typeface="+mn-ea"/>
+                <a:cs typeface="+mn-cs"/>
+              </a:rPr>
+              <a:t>Задание со звездочкой: реализовать вариант функции которая способна возвращать более вложенные свойства (остановимся на 2-х уровнях). </a:t>
+            </a:r>
+            <a:endParaRPr lang="en-US" sz="1200" b="0" i="0" kern="1200" dirty="0" smtClean="0">
+              <a:solidFill>
+                <a:schemeClr val="tx1"/>
+              </a:solidFill>
+              <a:effectLst/>
+              <a:latin typeface="+mn-lt"/>
+              <a:ea typeface="+mn-ea"/>
+              <a:cs typeface="+mn-cs"/>
+            </a:endParaRPr>
+          </a:p>
+          <a:p>
+            <a:pPr rtl="0" fontAlgn="base"/>
+            <a:endParaRPr lang="en-US" sz="1200" b="0" i="0" kern="1200" dirty="0" smtClean="0">
+              <a:solidFill>
+                <a:schemeClr val="tx1"/>
+              </a:solidFill>
+              <a:effectLst/>
+              <a:latin typeface="+mn-lt"/>
+              <a:ea typeface="+mn-ea"/>
+              <a:cs typeface="+mn-cs"/>
+            </a:endParaRPr>
+          </a:p>
+          <a:p>
+            <a:pPr rtl="0" fontAlgn="base"/>
+            <a:r>
+              <a:rPr lang="ru-RU" sz="1200" b="0" i="0" kern="1200" dirty="0" smtClean="0">
+                <a:solidFill>
+                  <a:schemeClr val="tx1"/>
+                </a:solidFill>
+                <a:effectLst/>
+                <a:latin typeface="+mn-lt"/>
+                <a:ea typeface="+mn-ea"/>
+                <a:cs typeface="+mn-cs"/>
+              </a:rPr>
+              <a:t>При создании фабрик некоторых классов, очень важным является ссылка на конструктор-функции (ввиду использования </a:t>
+            </a:r>
+            <a:r>
+              <a:rPr lang="ru-RU" sz="1200" b="0" i="0" kern="1200" dirty="0" err="1" smtClean="0">
+                <a:solidFill>
+                  <a:schemeClr val="tx1"/>
+                </a:solidFill>
+                <a:effectLst/>
+                <a:latin typeface="+mn-lt"/>
+                <a:ea typeface="+mn-ea"/>
+                <a:cs typeface="+mn-cs"/>
+              </a:rPr>
+              <a:t>new</a:t>
+            </a:r>
+            <a:r>
+              <a:rPr lang="ru-RU" sz="1200" b="0" i="0" kern="1200" dirty="0" smtClean="0">
+                <a:solidFill>
+                  <a:schemeClr val="tx1"/>
+                </a:solidFill>
+                <a:effectLst/>
+                <a:latin typeface="+mn-lt"/>
+                <a:ea typeface="+mn-ea"/>
+                <a:cs typeface="+mn-cs"/>
+              </a:rPr>
+              <a:t>). </a:t>
+            </a:r>
+            <a:r>
+              <a:rPr lang="en-US" sz="1200" b="0" i="0" kern="1200" dirty="0" smtClean="0">
+                <a:solidFill>
+                  <a:schemeClr val="tx1"/>
+                </a:solidFill>
+                <a:effectLst/>
+                <a:latin typeface="+mn-lt"/>
+                <a:ea typeface="+mn-ea"/>
+                <a:cs typeface="+mn-cs"/>
+              </a:rPr>
+              <a:t>*</a:t>
+            </a:r>
+            <a:endParaRPr lang="ru-RU" sz="1200" b="0" i="0" kern="1200" dirty="0" smtClean="0">
+              <a:solidFill>
+                <a:schemeClr val="tx1"/>
+              </a:solidFill>
+              <a:effectLst/>
+              <a:latin typeface="+mn-lt"/>
+              <a:ea typeface="+mn-ea"/>
+              <a:cs typeface="+mn-cs"/>
+            </a:endParaRPr>
+          </a:p>
+        </p:txBody>
+      </p:sp>
+      <p:sp>
+        <p:nvSpPr>
+          <p:cNvPr id="4" name="Номер слайда 3"/>
+          <p:cNvSpPr>
+            <a:spLocks noGrp="1"/>
+          </p:cNvSpPr>
+          <p:nvPr>
+            <p:ph type="sldNum" sz="quarter" idx="10"/>
+          </p:nvPr>
+        </p:nvSpPr>
+        <p:spPr/>
+        <p:txBody>
+          <a:bodyPr/>
+          <a:lstStyle/>
+          <a:p>
+            <a:pPr marL="0" marR="0" lvl="0" indent="0" algn="r" defTabSz="914400" rtl="0" eaLnBrk="1" fontAlgn="auto" latinLnBrk="0" hangingPunct="1">
+              <a:lnSpc>
+                <a:spcPct val="100000"/>
+              </a:lnSpc>
+              <a:spcBef>
+                <a:spcPts val="0"/>
+              </a:spcBef>
+              <a:spcAft>
+                <a:spcPts val="0"/>
+              </a:spcAft>
+              <a:buClrTx/>
+              <a:buSzTx/>
+              <a:buFontTx/>
+              <a:buNone/>
+              <a:tabLst/>
+              <a:defRPr/>
+            </a:pPr>
+            <a:fld id="{622F1C9E-D65E-417E-9FEF-9AD7ACC20294}" type="slidenum">
+              <a:rPr kumimoji="0" lang="ru-RU" sz="1200" b="0" i="0" u="none" strike="noStrike" kern="1200" cap="none" spc="0" normalizeH="0" baseline="0" noProof="0" smtClean="0">
+                <a:ln>
+                  <a:noFill/>
+                </a:ln>
+                <a:solidFill>
+                  <a:prstClr val="black"/>
+                </a:solidFill>
+                <a:effectLst/>
+                <a:uLnTx/>
+                <a:uFillTx/>
+                <a:latin typeface="Calibri" panose="020F0502020204030204"/>
+                <a:ea typeface="+mn-ea"/>
+                <a:cs typeface="+mn-cs"/>
+              </a:rPr>
+              <a:pPr marL="0" marR="0" lvl="0" indent="0" algn="r" defTabSz="914400" rtl="0" eaLnBrk="1" fontAlgn="auto" latinLnBrk="0" hangingPunct="1">
+                <a:lnSpc>
+                  <a:spcPct val="100000"/>
+                </a:lnSpc>
+                <a:spcBef>
+                  <a:spcPts val="0"/>
+                </a:spcBef>
+                <a:spcAft>
+                  <a:spcPts val="0"/>
+                </a:spcAft>
+                <a:buClrTx/>
+                <a:buSzTx/>
+                <a:buFontTx/>
+                <a:buNone/>
+                <a:tabLst/>
+                <a:defRPr/>
+              </a:pPr>
+              <a:t>97</a:t>
+            </a:fld>
+            <a:endParaRPr kumimoji="0" lang="ru-RU" sz="1200" b="0" i="0" u="none" strike="noStrike" kern="1200" cap="none" spc="0" normalizeH="0" baseline="0" noProof="0">
+              <a:ln>
+                <a:noFill/>
+              </a:ln>
+              <a:solidFill>
+                <a:prstClr val="black"/>
+              </a:solidFill>
+              <a:effectLst/>
+              <a:uLnTx/>
+              <a:uFillTx/>
+              <a:latin typeface="Calibri" panose="020F0502020204030204"/>
+              <a:ea typeface="+mn-ea"/>
+              <a:cs typeface="+mn-cs"/>
+            </a:endParaRPr>
+          </a:p>
+        </p:txBody>
+      </p:sp>
+    </p:spTree>
+    <p:extLst>
+      <p:ext uri="{BB962C8B-B14F-4D97-AF65-F5344CB8AC3E}">
+        <p14:creationId xmlns:p14="http://schemas.microsoft.com/office/powerpoint/2010/main" val="1013592116"/>
+      </p:ext>
+    </p:extLst>
+  </p:cSld>
+  <p:clrMapOvr>
+    <a:masterClrMapping/>
+  </p:clrMapOvr>
+</p:notes>
+</file>
+
+<file path=ppt/notesSlides/notesSlide38.xml><?xml version="1.0" encoding="utf-8"?>
+<p:notes xmlns:a="http://schemas.openxmlformats.org/drawingml/2006/main" xmlns:r="http://schemas.openxmlformats.org/officeDocument/2006/relationships" xmlns:p="http://schemas.openxmlformats.org/presentationml/2006/main">
+  <p:cSld>
+    <p:spTree>
+      <p:nvGrpSpPr>
+        <p:cNvPr id="1" name=""/>
+        <p:cNvGrpSpPr/>
+        <p:nvPr/>
+      </p:nvGrpSpPr>
+      <p:grpSpPr>
+        <a:xfrm>
+          <a:off x="0" y="0"/>
+          <a:ext cx="0" cy="0"/>
+          <a:chOff x="0" y="0"/>
+          <a:chExt cx="0" cy="0"/>
+        </a:xfrm>
+      </p:grpSpPr>
+      <p:sp>
+        <p:nvSpPr>
+          <p:cNvPr id="2" name="Образ слайда 1"/>
+          <p:cNvSpPr>
+            <a:spLocks noGrp="1" noRot="1" noChangeAspect="1"/>
+          </p:cNvSpPr>
+          <p:nvPr>
+            <p:ph type="sldImg"/>
+          </p:nvPr>
+        </p:nvSpPr>
+        <p:spPr/>
+      </p:sp>
+      <p:sp>
+        <p:nvSpPr>
+          <p:cNvPr id="3" name="Заметки 2"/>
+          <p:cNvSpPr>
+            <a:spLocks noGrp="1"/>
+          </p:cNvSpPr>
+          <p:nvPr>
+            <p:ph type="body" idx="1"/>
+          </p:nvPr>
+        </p:nvSpPr>
+        <p:spPr/>
+        <p:txBody>
+          <a:bodyPr/>
+          <a:lstStyle/>
+          <a:p>
+            <a:pPr rtl="0" fontAlgn="base"/>
+            <a:r>
+              <a:rPr lang="ru-RU" sz="1200" b="0" i="0" kern="1200" dirty="0" smtClean="0">
+                <a:solidFill>
+                  <a:schemeClr val="tx1"/>
+                </a:solidFill>
+                <a:effectLst/>
+                <a:latin typeface="+mn-lt"/>
+                <a:ea typeface="+mn-ea"/>
+                <a:cs typeface="+mn-cs"/>
+              </a:rPr>
+              <a:t>Во всех примерах выше имена </a:t>
+            </a:r>
+            <a:r>
+              <a:rPr lang="ru-RU" sz="1200" b="0" i="0" kern="1200" dirty="0" err="1" smtClean="0">
+                <a:solidFill>
+                  <a:schemeClr val="tx1"/>
+                </a:solidFill>
+                <a:effectLst/>
+                <a:latin typeface="+mn-lt"/>
+                <a:ea typeface="+mn-ea"/>
+                <a:cs typeface="+mn-cs"/>
+              </a:rPr>
+              <a:t>generic</a:t>
+            </a:r>
+            <a:r>
+              <a:rPr lang="ru-RU" sz="1200" b="0" i="0" kern="1200" dirty="0" smtClean="0">
+                <a:solidFill>
+                  <a:schemeClr val="tx1"/>
+                </a:solidFill>
+                <a:effectLst/>
+                <a:latin typeface="+mn-lt"/>
+                <a:ea typeface="+mn-ea"/>
+                <a:cs typeface="+mn-cs"/>
+              </a:rPr>
+              <a:t> использовались в однобуквенном виде. Это не является хорошей практикой,</a:t>
+            </a:r>
+            <a:endParaRPr lang="en-US" sz="1200" b="0" i="0" kern="1200" dirty="0" smtClean="0">
+              <a:solidFill>
+                <a:schemeClr val="tx1"/>
+              </a:solidFill>
+              <a:effectLst/>
+              <a:latin typeface="+mn-lt"/>
+              <a:ea typeface="+mn-ea"/>
+              <a:cs typeface="+mn-cs"/>
+            </a:endParaRPr>
+          </a:p>
+          <a:p>
+            <a:pPr rtl="0" fontAlgn="base"/>
+            <a:endParaRPr lang="en-US" sz="1200" b="0" i="0" kern="1200" dirty="0" smtClean="0">
+              <a:solidFill>
+                <a:schemeClr val="tx1"/>
+              </a:solidFill>
+              <a:effectLst/>
+              <a:latin typeface="+mn-lt"/>
+              <a:ea typeface="+mn-ea"/>
+              <a:cs typeface="+mn-cs"/>
+            </a:endParaRPr>
+          </a:p>
+          <a:p>
+            <a:pPr rtl="0" fontAlgn="base"/>
+            <a:r>
+              <a:rPr lang="ru-RU" sz="1200" b="0" i="0" kern="1200" dirty="0" err="1" smtClean="0">
+                <a:solidFill>
+                  <a:schemeClr val="tx1"/>
+                </a:solidFill>
+                <a:effectLst/>
+                <a:latin typeface="+mn-lt"/>
+                <a:ea typeface="+mn-ea"/>
+                <a:cs typeface="+mn-cs"/>
+              </a:rPr>
+              <a:t>Generics</a:t>
+            </a:r>
+            <a:r>
+              <a:rPr lang="ru-RU" sz="1200" b="0" i="0" kern="1200" dirty="0" smtClean="0">
+                <a:solidFill>
+                  <a:schemeClr val="tx1"/>
+                </a:solidFill>
+                <a:effectLst/>
+                <a:latin typeface="+mn-lt"/>
+                <a:ea typeface="+mn-ea"/>
+                <a:cs typeface="+mn-cs"/>
+              </a:rPr>
+              <a:t> усложняют код, некоторые языки (например </a:t>
+            </a:r>
+            <a:r>
+              <a:rPr lang="ru-RU" sz="1200" b="0" i="0" kern="1200" dirty="0" err="1" smtClean="0">
+                <a:solidFill>
+                  <a:schemeClr val="tx1"/>
+                </a:solidFill>
+                <a:effectLst/>
+                <a:latin typeface="+mn-lt"/>
+                <a:ea typeface="+mn-ea"/>
+                <a:cs typeface="+mn-cs"/>
+              </a:rPr>
+              <a:t>Golang</a:t>
+            </a:r>
+            <a:r>
+              <a:rPr lang="ru-RU" sz="1200" b="0" i="0" kern="1200" dirty="0" smtClean="0">
+                <a:solidFill>
+                  <a:schemeClr val="tx1"/>
+                </a:solidFill>
+                <a:effectLst/>
+                <a:latin typeface="+mn-lt"/>
+                <a:ea typeface="+mn-ea"/>
+                <a:cs typeface="+mn-cs"/>
+              </a:rPr>
+              <a:t>) не включают в себя данную конструкцию из-за той нагрузки, которую они дают на синтаксис и восприятие.</a:t>
+            </a:r>
+            <a:r>
+              <a:rPr lang="en-US" sz="1200" b="0" i="0" kern="1200" dirty="0" smtClean="0">
+                <a:solidFill>
+                  <a:schemeClr val="tx1"/>
+                </a:solidFill>
+                <a:effectLst/>
+                <a:latin typeface="+mn-lt"/>
+                <a:ea typeface="+mn-ea"/>
+                <a:cs typeface="+mn-cs"/>
+              </a:rPr>
+              <a:t>*</a:t>
+            </a:r>
+            <a:endParaRPr lang="ru-RU" sz="1200" b="0" i="0" kern="1200" dirty="0" smtClean="0">
+              <a:solidFill>
+                <a:schemeClr val="tx1"/>
+              </a:solidFill>
+              <a:effectLst/>
+              <a:latin typeface="+mn-lt"/>
+              <a:ea typeface="+mn-ea"/>
+              <a:cs typeface="+mn-cs"/>
+            </a:endParaRPr>
+          </a:p>
+        </p:txBody>
+      </p:sp>
+      <p:sp>
+        <p:nvSpPr>
+          <p:cNvPr id="4" name="Номер слайда 3"/>
+          <p:cNvSpPr>
+            <a:spLocks noGrp="1"/>
+          </p:cNvSpPr>
+          <p:nvPr>
+            <p:ph type="sldNum" sz="quarter" idx="10"/>
+          </p:nvPr>
+        </p:nvSpPr>
+        <p:spPr/>
+        <p:txBody>
+          <a:bodyPr/>
+          <a:lstStyle/>
+          <a:p>
+            <a:pPr marL="0" marR="0" lvl="0" indent="0" algn="r" defTabSz="914400" rtl="0" eaLnBrk="1" fontAlgn="auto" latinLnBrk="0" hangingPunct="1">
+              <a:lnSpc>
+                <a:spcPct val="100000"/>
+              </a:lnSpc>
+              <a:spcBef>
+                <a:spcPts val="0"/>
+              </a:spcBef>
+              <a:spcAft>
+                <a:spcPts val="0"/>
+              </a:spcAft>
+              <a:buClrTx/>
+              <a:buSzTx/>
+              <a:buFontTx/>
+              <a:buNone/>
+              <a:tabLst/>
+              <a:defRPr/>
+            </a:pPr>
+            <a:fld id="{622F1C9E-D65E-417E-9FEF-9AD7ACC20294}" type="slidenum">
+              <a:rPr kumimoji="0" lang="ru-RU" sz="1200" b="0" i="0" u="none" strike="noStrike" kern="1200" cap="none" spc="0" normalizeH="0" baseline="0" noProof="0" smtClean="0">
+                <a:ln>
+                  <a:noFill/>
+                </a:ln>
+                <a:solidFill>
+                  <a:prstClr val="black"/>
+                </a:solidFill>
+                <a:effectLst/>
+                <a:uLnTx/>
+                <a:uFillTx/>
+                <a:latin typeface="Calibri" panose="020F0502020204030204"/>
+                <a:ea typeface="+mn-ea"/>
+                <a:cs typeface="+mn-cs"/>
+              </a:rPr>
+              <a:pPr marL="0" marR="0" lvl="0" indent="0" algn="r" defTabSz="914400" rtl="0" eaLnBrk="1" fontAlgn="auto" latinLnBrk="0" hangingPunct="1">
+                <a:lnSpc>
+                  <a:spcPct val="100000"/>
+                </a:lnSpc>
+                <a:spcBef>
+                  <a:spcPts val="0"/>
+                </a:spcBef>
+                <a:spcAft>
+                  <a:spcPts val="0"/>
+                </a:spcAft>
+                <a:buClrTx/>
+                <a:buSzTx/>
+                <a:buFontTx/>
+                <a:buNone/>
+                <a:tabLst/>
+                <a:defRPr/>
+              </a:pPr>
+              <a:t>98</a:t>
+            </a:fld>
+            <a:endParaRPr kumimoji="0" lang="ru-RU" sz="1200" b="0" i="0" u="none" strike="noStrike" kern="1200" cap="none" spc="0" normalizeH="0" baseline="0" noProof="0">
+              <a:ln>
+                <a:noFill/>
+              </a:ln>
+              <a:solidFill>
+                <a:prstClr val="black"/>
+              </a:solidFill>
+              <a:effectLst/>
+              <a:uLnTx/>
+              <a:uFillTx/>
+              <a:latin typeface="Calibri" panose="020F0502020204030204"/>
+              <a:ea typeface="+mn-ea"/>
+              <a:cs typeface="+mn-cs"/>
+            </a:endParaRPr>
+          </a:p>
+        </p:txBody>
+      </p:sp>
+    </p:spTree>
+    <p:extLst>
+      <p:ext uri="{BB962C8B-B14F-4D97-AF65-F5344CB8AC3E}">
+        <p14:creationId xmlns:p14="http://schemas.microsoft.com/office/powerpoint/2010/main" val="1315087921"/>
       </p:ext>
     </p:extLst>
   </p:cSld>
@@ -8468,7 +12566,7 @@
           <a:p>
             <a:fld id="{F2FFB779-270B-4192-84BA-A697F48306DC}" type="datetimeFigureOut">
               <a:rPr lang="ru-RU" smtClean="0"/>
-              <a:t>14.07.2020</a:t>
+              <a:t>16.07.2020</a:t>
             </a:fld>
             <a:endParaRPr lang="ru-RU"/>
           </a:p>
@@ -8636,7 +12734,7 @@
           <a:p>
             <a:fld id="{F2FFB779-270B-4192-84BA-A697F48306DC}" type="datetimeFigureOut">
               <a:rPr lang="ru-RU" smtClean="0"/>
-              <a:t>14.07.2020</a:t>
+              <a:t>16.07.2020</a:t>
             </a:fld>
             <a:endParaRPr lang="ru-RU"/>
           </a:p>
@@ -8814,7 +12912,7 @@
           <a:p>
             <a:fld id="{F2FFB779-270B-4192-84BA-A697F48306DC}" type="datetimeFigureOut">
               <a:rPr lang="ru-RU" smtClean="0"/>
-              <a:t>14.07.2020</a:t>
+              <a:t>16.07.2020</a:t>
             </a:fld>
             <a:endParaRPr lang="ru-RU"/>
           </a:p>
@@ -8982,7 +13080,7 @@
           <a:p>
             <a:fld id="{F2FFB779-270B-4192-84BA-A697F48306DC}" type="datetimeFigureOut">
               <a:rPr lang="ru-RU" smtClean="0"/>
-              <a:t>14.07.2020</a:t>
+              <a:t>16.07.2020</a:t>
             </a:fld>
             <a:endParaRPr lang="ru-RU"/>
           </a:p>
@@ -9227,7 +13325,7 @@
           <a:p>
             <a:fld id="{F2FFB779-270B-4192-84BA-A697F48306DC}" type="datetimeFigureOut">
               <a:rPr lang="ru-RU" smtClean="0"/>
-              <a:t>14.07.2020</a:t>
+              <a:t>16.07.2020</a:t>
             </a:fld>
             <a:endParaRPr lang="ru-RU"/>
           </a:p>
@@ -9456,7 +13554,7 @@
           <a:p>
             <a:fld id="{F2FFB779-270B-4192-84BA-A697F48306DC}" type="datetimeFigureOut">
               <a:rPr lang="ru-RU" smtClean="0"/>
-              <a:t>14.07.2020</a:t>
+              <a:t>16.07.2020</a:t>
             </a:fld>
             <a:endParaRPr lang="ru-RU"/>
           </a:p>
@@ -9820,7 +13918,7 @@
           <a:p>
             <a:fld id="{F2FFB779-270B-4192-84BA-A697F48306DC}" type="datetimeFigureOut">
               <a:rPr lang="ru-RU" smtClean="0"/>
-              <a:t>14.07.2020</a:t>
+              <a:t>16.07.2020</a:t>
             </a:fld>
             <a:endParaRPr lang="ru-RU"/>
           </a:p>
@@ -9937,7 +14035,7 @@
           <a:p>
             <a:fld id="{F2FFB779-270B-4192-84BA-A697F48306DC}" type="datetimeFigureOut">
               <a:rPr lang="ru-RU" smtClean="0"/>
-              <a:t>14.07.2020</a:t>
+              <a:t>16.07.2020</a:t>
             </a:fld>
             <a:endParaRPr lang="ru-RU"/>
           </a:p>
@@ -10032,7 +14130,7 @@
           <a:p>
             <a:fld id="{F2FFB779-270B-4192-84BA-A697F48306DC}" type="datetimeFigureOut">
               <a:rPr lang="ru-RU" smtClean="0"/>
-              <a:t>14.07.2020</a:t>
+              <a:t>16.07.2020</a:t>
             </a:fld>
             <a:endParaRPr lang="ru-RU"/>
           </a:p>
@@ -10307,7 +14405,7 @@
           <a:p>
             <a:fld id="{F2FFB779-270B-4192-84BA-A697F48306DC}" type="datetimeFigureOut">
               <a:rPr lang="ru-RU" smtClean="0"/>
-              <a:t>14.07.2020</a:t>
+              <a:t>16.07.2020</a:t>
             </a:fld>
             <a:endParaRPr lang="ru-RU"/>
           </a:p>
@@ -10559,7 +14657,7 @@
           <a:p>
             <a:fld id="{F2FFB779-270B-4192-84BA-A697F48306DC}" type="datetimeFigureOut">
               <a:rPr lang="ru-RU" smtClean="0"/>
-              <a:t>14.07.2020</a:t>
+              <a:t>16.07.2020</a:t>
             </a:fld>
             <a:endParaRPr lang="ru-RU"/>
           </a:p>
@@ -10770,7 +14868,7 @@
           <a:p>
             <a:fld id="{F2FFB779-270B-4192-84BA-A697F48306DC}" type="datetimeFigureOut">
               <a:rPr lang="ru-RU" smtClean="0"/>
-              <a:t>14.07.2020</a:t>
+              <a:t>16.07.2020</a:t>
             </a:fld>
             <a:endParaRPr lang="ru-RU"/>
           </a:p>
@@ -15883,6 +19981,13 @@
   <p:clrMapOvr>
     <a:masterClrMapping/>
   </p:clrMapOvr>
+  <p:timing>
+    <p:tnLst>
+      <p:par>
+        <p:cTn id="1" dur="indefinite" restart="never" nodeType="tmRoot"/>
+      </p:par>
+    </p:tnLst>
+  </p:timing>
 </p:sld>
 </file>
 
@@ -28746,6 +32851,2016 @@
 </p:sld>
 </file>
 
+<file path=ppt/slides/slide84.xml><?xml version="1.0" encoding="utf-8"?>
+<p:sld xmlns:a="http://schemas.openxmlformats.org/drawingml/2006/main" xmlns:r="http://schemas.openxmlformats.org/officeDocument/2006/relationships" xmlns:p="http://schemas.openxmlformats.org/presentationml/2006/main">
+  <p:cSld>
+    <p:bg>
+      <p:bgPr>
+        <a:solidFill>
+          <a:srgbClr val="262626"/>
+        </a:solidFill>
+        <a:effectLst/>
+      </p:bgPr>
+    </p:bg>
+    <p:spTree>
+      <p:nvGrpSpPr>
+        <p:cNvPr id="1" name=""/>
+        <p:cNvGrpSpPr/>
+        <p:nvPr/>
+      </p:nvGrpSpPr>
+      <p:grpSpPr>
+        <a:xfrm>
+          <a:off x="0" y="0"/>
+          <a:ext cx="0" cy="0"/>
+          <a:chOff x="0" y="0"/>
+          <a:chExt cx="0" cy="0"/>
+        </a:xfrm>
+      </p:grpSpPr>
+      <p:grpSp>
+        <p:nvGrpSpPr>
+          <p:cNvPr id="10" name="Группа 9"/>
+          <p:cNvGrpSpPr/>
+          <p:nvPr/>
+        </p:nvGrpSpPr>
+        <p:grpSpPr>
+          <a:xfrm>
+            <a:off x="3467197" y="971606"/>
+            <a:ext cx="5224415" cy="4809820"/>
+            <a:chOff x="3467197" y="971606"/>
+            <a:chExt cx="5224415" cy="4809820"/>
+          </a:xfrm>
+        </p:grpSpPr>
+        <p:sp>
+          <p:nvSpPr>
+            <p:cNvPr id="4" name="Прямоугольник 3"/>
+            <p:cNvSpPr/>
+            <p:nvPr/>
+          </p:nvSpPr>
+          <p:spPr>
+            <a:xfrm>
+              <a:off x="3957669" y="1979446"/>
+              <a:ext cx="4243469" cy="830997"/>
+            </a:xfrm>
+            <a:prstGeom prst="rect">
+              <a:avLst/>
+            </a:prstGeom>
+          </p:spPr>
+          <p:txBody>
+            <a:bodyPr wrap="none">
+              <a:spAutoFit/>
+            </a:bodyPr>
+            <a:lstStyle/>
+            <a:p>
+              <a:pPr marL="0" marR="0" lvl="0" indent="0" algn="ctr" defTabSz="914400" rtl="0" eaLnBrk="1" fontAlgn="auto" latinLnBrk="0" hangingPunct="1">
+                <a:lnSpc>
+                  <a:spcPct val="100000"/>
+                </a:lnSpc>
+                <a:spcBef>
+                  <a:spcPts val="0"/>
+                </a:spcBef>
+                <a:spcAft>
+                  <a:spcPts val="0"/>
+                </a:spcAft>
+                <a:buClrTx/>
+                <a:buSzTx/>
+                <a:buFontTx/>
+                <a:buNone/>
+                <a:tabLst/>
+                <a:defRPr/>
+              </a:pPr>
+              <a:r>
+                <a:rPr lang="en-US" sz="4800" dirty="0" smtClean="0">
+                  <a:solidFill>
+                    <a:srgbClr val="00D8FF"/>
+                  </a:solidFill>
+                  <a:latin typeface="Consolas"/>
+                  <a:cs typeface="Calibri"/>
+                </a:rPr>
+                <a:t>Compile time</a:t>
+              </a:r>
+              <a:endParaRPr kumimoji="0" lang="en-US" sz="4800" b="0" i="0" u="none" strike="noStrike" kern="1200" cap="none" spc="0" normalizeH="0" baseline="0" noProof="0" dirty="0">
+                <a:ln>
+                  <a:noFill/>
+                </a:ln>
+                <a:solidFill>
+                  <a:srgbClr val="F59117"/>
+                </a:solidFill>
+                <a:effectLst/>
+                <a:uLnTx/>
+                <a:uFillTx/>
+                <a:latin typeface="Consolas"/>
+                <a:ea typeface="+mn-ea"/>
+                <a:cs typeface="Calibri"/>
+              </a:endParaRPr>
+            </a:p>
+          </p:txBody>
+        </p:sp>
+        <p:sp>
+          <p:nvSpPr>
+            <p:cNvPr id="5" name="Овал 4"/>
+            <p:cNvSpPr/>
+            <p:nvPr/>
+          </p:nvSpPr>
+          <p:spPr>
+            <a:xfrm>
+              <a:off x="3467197" y="971606"/>
+              <a:ext cx="5224415" cy="4809820"/>
+            </a:xfrm>
+            <a:prstGeom prst="ellipse">
+              <a:avLst/>
+            </a:prstGeom>
+            <a:noFill/>
+            <a:ln w="76200">
+              <a:solidFill>
+                <a:srgbClr val="00D8FF"/>
+              </a:solidFill>
+            </a:ln>
+          </p:spPr>
+          <p:style>
+            <a:lnRef idx="2">
+              <a:schemeClr val="accent1">
+                <a:shade val="50000"/>
+              </a:schemeClr>
+            </a:lnRef>
+            <a:fillRef idx="1">
+              <a:schemeClr val="accent1"/>
+            </a:fillRef>
+            <a:effectRef idx="0">
+              <a:schemeClr val="accent1"/>
+            </a:effectRef>
+            <a:fontRef idx="minor">
+              <a:schemeClr val="lt1"/>
+            </a:fontRef>
+          </p:style>
+          <p:txBody>
+            <a:bodyPr rtlCol="0" anchor="ctr"/>
+            <a:lstStyle/>
+            <a:p>
+              <a:pPr marL="0" marR="0" lvl="0" indent="0" algn="ctr" defTabSz="914400" rtl="0" eaLnBrk="1" fontAlgn="auto" latinLnBrk="0" hangingPunct="1">
+                <a:lnSpc>
+                  <a:spcPct val="100000"/>
+                </a:lnSpc>
+                <a:spcBef>
+                  <a:spcPts val="0"/>
+                </a:spcBef>
+                <a:spcAft>
+                  <a:spcPts val="0"/>
+                </a:spcAft>
+                <a:buClrTx/>
+                <a:buSzTx/>
+                <a:buFontTx/>
+                <a:buNone/>
+                <a:tabLst/>
+                <a:defRPr/>
+              </a:pPr>
+              <a:endParaRPr kumimoji="0" lang="en-US" sz="1800" b="0" i="0" u="none" strike="noStrike" kern="1200" cap="none" spc="0" normalizeH="0" baseline="0" noProof="0">
+                <a:ln>
+                  <a:noFill/>
+                </a:ln>
+                <a:solidFill>
+                  <a:prstClr val="white"/>
+                </a:solidFill>
+                <a:effectLst/>
+                <a:uLnTx/>
+                <a:uFillTx/>
+                <a:latin typeface="Calibri" panose="020F0502020204030204"/>
+                <a:ea typeface="+mn-ea"/>
+                <a:cs typeface="+mn-cs"/>
+              </a:endParaRPr>
+            </a:p>
+          </p:txBody>
+        </p:sp>
+      </p:grpSp>
+      <p:sp>
+        <p:nvSpPr>
+          <p:cNvPr id="7" name="Прямоугольник 6"/>
+          <p:cNvSpPr/>
+          <p:nvPr/>
+        </p:nvSpPr>
+        <p:spPr>
+          <a:xfrm>
+            <a:off x="5310604" y="2961017"/>
+            <a:ext cx="1537600" cy="830997"/>
+          </a:xfrm>
+          <a:prstGeom prst="rect">
+            <a:avLst/>
+          </a:prstGeom>
+        </p:spPr>
+        <p:txBody>
+          <a:bodyPr wrap="none">
+            <a:spAutoFit/>
+          </a:bodyPr>
+          <a:lstStyle/>
+          <a:p>
+            <a:pPr marL="0" marR="0" lvl="0" indent="0" algn="ctr" defTabSz="914400" rtl="0" eaLnBrk="1" fontAlgn="auto" latinLnBrk="0" hangingPunct="1">
+              <a:lnSpc>
+                <a:spcPct val="100000"/>
+              </a:lnSpc>
+              <a:spcBef>
+                <a:spcPts val="0"/>
+              </a:spcBef>
+              <a:spcAft>
+                <a:spcPts val="0"/>
+              </a:spcAft>
+              <a:buClrTx/>
+              <a:buSzTx/>
+              <a:buFontTx/>
+              <a:buNone/>
+              <a:tabLst/>
+              <a:defRPr/>
+            </a:pPr>
+            <a:r>
+              <a:rPr lang="en-US" sz="4800" dirty="0" err="1" smtClean="0">
+                <a:solidFill>
+                  <a:srgbClr val="00D8FF"/>
+                </a:solidFill>
+                <a:latin typeface="Consolas"/>
+                <a:cs typeface="Calibri"/>
+              </a:rPr>
+              <a:t>Enum</a:t>
+            </a:r>
+            <a:endParaRPr kumimoji="0" lang="en-US" sz="4800" b="0" i="0" u="none" strike="noStrike" kern="1200" cap="none" spc="0" normalizeH="0" baseline="0" noProof="0" dirty="0">
+              <a:ln>
+                <a:noFill/>
+              </a:ln>
+              <a:solidFill>
+                <a:srgbClr val="F59117"/>
+              </a:solidFill>
+              <a:effectLst/>
+              <a:uLnTx/>
+              <a:uFillTx/>
+              <a:latin typeface="Consolas"/>
+              <a:ea typeface="+mn-ea"/>
+              <a:cs typeface="Calibri"/>
+            </a:endParaRPr>
+          </a:p>
+        </p:txBody>
+      </p:sp>
+      <p:grpSp>
+        <p:nvGrpSpPr>
+          <p:cNvPr id="2" name="Группа 1"/>
+          <p:cNvGrpSpPr/>
+          <p:nvPr/>
+        </p:nvGrpSpPr>
+        <p:grpSpPr>
+          <a:xfrm>
+            <a:off x="3467197" y="971605"/>
+            <a:ext cx="5224415" cy="4809820"/>
+            <a:chOff x="186962" y="721349"/>
+            <a:chExt cx="5224415" cy="4809820"/>
+          </a:xfrm>
+        </p:grpSpPr>
+        <p:sp>
+          <p:nvSpPr>
+            <p:cNvPr id="8" name="Прямоугольник 7"/>
+            <p:cNvSpPr/>
+            <p:nvPr/>
+          </p:nvSpPr>
+          <p:spPr>
+            <a:xfrm>
+              <a:off x="1353903" y="1729190"/>
+              <a:ext cx="2890535" cy="830997"/>
+            </a:xfrm>
+            <a:prstGeom prst="rect">
+              <a:avLst/>
+            </a:prstGeom>
+          </p:spPr>
+          <p:txBody>
+            <a:bodyPr wrap="none">
+              <a:spAutoFit/>
+            </a:bodyPr>
+            <a:lstStyle/>
+            <a:p>
+              <a:pPr marL="0" marR="0" lvl="0" indent="0" algn="ctr" defTabSz="914400" rtl="0" eaLnBrk="1" fontAlgn="auto" latinLnBrk="0" hangingPunct="1">
+                <a:lnSpc>
+                  <a:spcPct val="100000"/>
+                </a:lnSpc>
+                <a:spcBef>
+                  <a:spcPts val="0"/>
+                </a:spcBef>
+                <a:spcAft>
+                  <a:spcPts val="0"/>
+                </a:spcAft>
+                <a:buClrTx/>
+                <a:buSzTx/>
+                <a:buFontTx/>
+                <a:buNone/>
+                <a:tabLst/>
+                <a:defRPr/>
+              </a:pPr>
+              <a:r>
+                <a:rPr kumimoji="0" lang="en-US" sz="4800" b="0" i="0" u="none" strike="noStrike" kern="1200" cap="none" spc="0" normalizeH="0" baseline="0" noProof="0" dirty="0" smtClean="0">
+                  <a:ln>
+                    <a:noFill/>
+                  </a:ln>
+                  <a:solidFill>
+                    <a:srgbClr val="F59117"/>
+                  </a:solidFill>
+                  <a:effectLst/>
+                  <a:uLnTx/>
+                  <a:uFillTx/>
+                  <a:latin typeface="Consolas"/>
+                  <a:ea typeface="+mn-ea"/>
+                  <a:cs typeface="Calibri"/>
+                </a:rPr>
+                <a:t>Run time</a:t>
+              </a:r>
+              <a:endParaRPr kumimoji="0" lang="en-US" sz="4800" b="0" i="0" u="none" strike="noStrike" kern="1200" cap="none" spc="0" normalizeH="0" baseline="0" noProof="0" dirty="0">
+                <a:ln>
+                  <a:noFill/>
+                </a:ln>
+                <a:solidFill>
+                  <a:srgbClr val="F59117"/>
+                </a:solidFill>
+                <a:effectLst/>
+                <a:uLnTx/>
+                <a:uFillTx/>
+                <a:latin typeface="Consolas"/>
+                <a:ea typeface="+mn-ea"/>
+                <a:cs typeface="Calibri"/>
+              </a:endParaRPr>
+            </a:p>
+          </p:txBody>
+        </p:sp>
+        <p:sp>
+          <p:nvSpPr>
+            <p:cNvPr id="9" name="Овал 8"/>
+            <p:cNvSpPr/>
+            <p:nvPr/>
+          </p:nvSpPr>
+          <p:spPr>
+            <a:xfrm>
+              <a:off x="186962" y="721349"/>
+              <a:ext cx="5224415" cy="4809820"/>
+            </a:xfrm>
+            <a:prstGeom prst="ellipse">
+              <a:avLst/>
+            </a:prstGeom>
+            <a:noFill/>
+            <a:ln w="76200">
+              <a:solidFill>
+                <a:srgbClr val="F59117"/>
+              </a:solidFill>
+            </a:ln>
+          </p:spPr>
+          <p:style>
+            <a:lnRef idx="2">
+              <a:schemeClr val="accent1">
+                <a:shade val="50000"/>
+              </a:schemeClr>
+            </a:lnRef>
+            <a:fillRef idx="1">
+              <a:schemeClr val="accent1"/>
+            </a:fillRef>
+            <a:effectRef idx="0">
+              <a:schemeClr val="accent1"/>
+            </a:effectRef>
+            <a:fontRef idx="minor">
+              <a:schemeClr val="lt1"/>
+            </a:fontRef>
+          </p:style>
+          <p:txBody>
+            <a:bodyPr rtlCol="0" anchor="ctr"/>
+            <a:lstStyle/>
+            <a:p>
+              <a:pPr marL="0" marR="0" lvl="0" indent="0" algn="ctr" defTabSz="914400" rtl="0" eaLnBrk="1" fontAlgn="auto" latinLnBrk="0" hangingPunct="1">
+                <a:lnSpc>
+                  <a:spcPct val="100000"/>
+                </a:lnSpc>
+                <a:spcBef>
+                  <a:spcPts val="0"/>
+                </a:spcBef>
+                <a:spcAft>
+                  <a:spcPts val="0"/>
+                </a:spcAft>
+                <a:buClrTx/>
+                <a:buSzTx/>
+                <a:buFontTx/>
+                <a:buNone/>
+                <a:tabLst/>
+                <a:defRPr/>
+              </a:pPr>
+              <a:endParaRPr kumimoji="0" lang="en-US" sz="1800" b="0" i="0" u="none" strike="noStrike" kern="1200" cap="none" spc="0" normalizeH="0" baseline="0" noProof="0">
+                <a:ln>
+                  <a:noFill/>
+                </a:ln>
+                <a:solidFill>
+                  <a:prstClr val="white"/>
+                </a:solidFill>
+                <a:effectLst/>
+                <a:uLnTx/>
+                <a:uFillTx/>
+                <a:latin typeface="Calibri" panose="020F0502020204030204"/>
+                <a:ea typeface="+mn-ea"/>
+                <a:cs typeface="+mn-cs"/>
+              </a:endParaRPr>
+            </a:p>
+          </p:txBody>
+        </p:sp>
+      </p:grpSp>
+    </p:spTree>
+    <p:extLst>
+      <p:ext uri="{BB962C8B-B14F-4D97-AF65-F5344CB8AC3E}">
+        <p14:creationId xmlns:p14="http://schemas.microsoft.com/office/powerpoint/2010/main" val="1306012686"/>
+      </p:ext>
+    </p:extLst>
+  </p:cSld>
+  <p:clrMapOvr>
+    <a:masterClrMapping/>
+  </p:clrMapOvr>
+  <p:timing>
+    <p:tnLst>
+      <p:par>
+        <p:cTn id="1" dur="indefinite" restart="never" nodeType="tmRoot">
+          <p:childTnLst>
+            <p:seq concurrent="1" nextAc="seek">
+              <p:cTn id="2" dur="indefinite" nodeType="mainSeq">
+                <p:childTnLst>
+                  <p:par>
+                    <p:cTn id="3" fill="hold">
+                      <p:stCondLst>
+                        <p:cond delay="indefinite"/>
+                      </p:stCondLst>
+                      <p:childTnLst>
+                        <p:par>
+                          <p:cTn id="4" fill="hold">
+                            <p:stCondLst>
+                              <p:cond delay="0"/>
+                            </p:stCondLst>
+                            <p:childTnLst>
+                              <p:par>
+                                <p:cTn id="5" presetID="10" presetClass="entr" presetSubtype="0" fill="hold" nodeType="clickEffect">
+                                  <p:stCondLst>
+                                    <p:cond delay="0"/>
+                                  </p:stCondLst>
+                                  <p:childTnLst>
+                                    <p:set>
+                                      <p:cBhvr>
+                                        <p:cTn id="6" dur="1" fill="hold">
+                                          <p:stCondLst>
+                                            <p:cond delay="0"/>
+                                          </p:stCondLst>
+                                        </p:cTn>
+                                        <p:tgtEl>
+                                          <p:spTgt spid="10"/>
+                                        </p:tgtEl>
+                                        <p:attrNameLst>
+                                          <p:attrName>style.visibility</p:attrName>
+                                        </p:attrNameLst>
+                                      </p:cBhvr>
+                                      <p:to>
+                                        <p:strVal val="visible"/>
+                                      </p:to>
+                                    </p:set>
+                                    <p:animEffect transition="in" filter="fade">
+                                      <p:cBhvr>
+                                        <p:cTn id="7" dur="500"/>
+                                        <p:tgtEl>
+                                          <p:spTgt spid="10"/>
+                                        </p:tgtEl>
+                                      </p:cBhvr>
+                                    </p:animEffect>
+                                  </p:childTnLst>
+                                </p:cTn>
+                              </p:par>
+                            </p:childTnLst>
+                          </p:cTn>
+                        </p:par>
+                      </p:childTnLst>
+                    </p:cTn>
+                  </p:par>
+                  <p:par>
+                    <p:cTn id="8" fill="hold">
+                      <p:stCondLst>
+                        <p:cond delay="indefinite"/>
+                      </p:stCondLst>
+                      <p:childTnLst>
+                        <p:par>
+                          <p:cTn id="9" fill="hold">
+                            <p:stCondLst>
+                              <p:cond delay="0"/>
+                            </p:stCondLst>
+                            <p:childTnLst>
+                              <p:par>
+                                <p:cTn id="10" presetID="10" presetClass="entr" presetSubtype="0" fill="hold" nodeType="clickEffect">
+                                  <p:stCondLst>
+                                    <p:cond delay="0"/>
+                                  </p:stCondLst>
+                                  <p:childTnLst>
+                                    <p:set>
+                                      <p:cBhvr>
+                                        <p:cTn id="11" dur="1" fill="hold">
+                                          <p:stCondLst>
+                                            <p:cond delay="0"/>
+                                          </p:stCondLst>
+                                        </p:cTn>
+                                        <p:tgtEl>
+                                          <p:spTgt spid="2"/>
+                                        </p:tgtEl>
+                                        <p:attrNameLst>
+                                          <p:attrName>style.visibility</p:attrName>
+                                        </p:attrNameLst>
+                                      </p:cBhvr>
+                                      <p:to>
+                                        <p:strVal val="visible"/>
+                                      </p:to>
+                                    </p:set>
+                                    <p:animEffect transition="in" filter="fade">
+                                      <p:cBhvr>
+                                        <p:cTn id="12" dur="500"/>
+                                        <p:tgtEl>
+                                          <p:spTgt spid="2"/>
+                                        </p:tgtEl>
+                                      </p:cBhvr>
+                                    </p:animEffect>
+                                  </p:childTnLst>
+                                </p:cTn>
+                              </p:par>
+                              <p:par>
+                                <p:cTn id="13" presetID="10" presetClass="exit" presetSubtype="0" fill="hold" nodeType="withEffect">
+                                  <p:stCondLst>
+                                    <p:cond delay="0"/>
+                                  </p:stCondLst>
+                                  <p:childTnLst>
+                                    <p:animEffect transition="out" filter="fade">
+                                      <p:cBhvr>
+                                        <p:cTn id="14" dur="500"/>
+                                        <p:tgtEl>
+                                          <p:spTgt spid="10"/>
+                                        </p:tgtEl>
+                                      </p:cBhvr>
+                                    </p:animEffect>
+                                    <p:set>
+                                      <p:cBhvr>
+                                        <p:cTn id="15" dur="1" fill="hold">
+                                          <p:stCondLst>
+                                            <p:cond delay="499"/>
+                                          </p:stCondLst>
+                                        </p:cTn>
+                                        <p:tgtEl>
+                                          <p:spTgt spid="10"/>
+                                        </p:tgtEl>
+                                        <p:attrNameLst>
+                                          <p:attrName>style.visibility</p:attrName>
+                                        </p:attrNameLst>
+                                      </p:cBhvr>
+                                      <p:to>
+                                        <p:strVal val="hidden"/>
+                                      </p:to>
+                                    </p:set>
+                                  </p:childTnLst>
+                                </p:cTn>
+                              </p:par>
+                            </p:childTnLst>
+                          </p:cTn>
+                        </p:par>
+                      </p:childTnLst>
+                    </p:cTn>
+                  </p:par>
+                </p:childTnLst>
+              </p:cTn>
+              <p:prevCondLst>
+                <p:cond evt="onPrev" delay="0">
+                  <p:tgtEl>
+                    <p:sldTgt/>
+                  </p:tgtEl>
+                </p:cond>
+              </p:prevCondLst>
+              <p:nextCondLst>
+                <p:cond evt="onNext" delay="0">
+                  <p:tgtEl>
+                    <p:sldTgt/>
+                  </p:tgtEl>
+                </p:cond>
+              </p:nextCondLst>
+            </p:seq>
+          </p:childTnLst>
+        </p:cTn>
+      </p:par>
+    </p:tnLst>
+  </p:timing>
+</p:sld>
+</file>
+
+<file path=ppt/slides/slide85.xml><?xml version="1.0" encoding="utf-8"?>
+<p:sld xmlns:a="http://schemas.openxmlformats.org/drawingml/2006/main" xmlns:r="http://schemas.openxmlformats.org/officeDocument/2006/relationships" xmlns:p="http://schemas.openxmlformats.org/presentationml/2006/main">
+  <p:cSld>
+    <p:bg>
+      <p:bgPr>
+        <a:solidFill>
+          <a:srgbClr val="262626"/>
+        </a:solidFill>
+        <a:effectLst/>
+      </p:bgPr>
+    </p:bg>
+    <p:spTree>
+      <p:nvGrpSpPr>
+        <p:cNvPr id="1" name=""/>
+        <p:cNvGrpSpPr/>
+        <p:nvPr/>
+      </p:nvGrpSpPr>
+      <p:grpSpPr>
+        <a:xfrm>
+          <a:off x="0" y="0"/>
+          <a:ext cx="0" cy="0"/>
+          <a:chOff x="0" y="0"/>
+          <a:chExt cx="0" cy="0"/>
+        </a:xfrm>
+      </p:grpSpPr>
+      <p:sp>
+        <p:nvSpPr>
+          <p:cNvPr id="5" name="Овал 4"/>
+          <p:cNvSpPr/>
+          <p:nvPr/>
+        </p:nvSpPr>
+        <p:spPr>
+          <a:xfrm>
+            <a:off x="2993458" y="256013"/>
+            <a:ext cx="6785810" cy="6247307"/>
+          </a:xfrm>
+          <a:prstGeom prst="ellipse">
+            <a:avLst/>
+          </a:prstGeom>
+          <a:noFill/>
+          <a:ln w="76200">
+            <a:solidFill>
+              <a:srgbClr val="00D8FF"/>
+            </a:solidFill>
+          </a:ln>
+        </p:spPr>
+        <p:style>
+          <a:lnRef idx="2">
+            <a:schemeClr val="accent1">
+              <a:shade val="50000"/>
+            </a:schemeClr>
+          </a:lnRef>
+          <a:fillRef idx="1">
+            <a:schemeClr val="accent1"/>
+          </a:fillRef>
+          <a:effectRef idx="0">
+            <a:schemeClr val="accent1"/>
+          </a:effectRef>
+          <a:fontRef idx="minor">
+            <a:schemeClr val="lt1"/>
+          </a:fontRef>
+        </p:style>
+        <p:txBody>
+          <a:bodyPr rtlCol="0" anchor="ctr"/>
+          <a:lstStyle/>
+          <a:p>
+            <a:pPr marL="0" marR="0" lvl="0" indent="0" algn="ctr" defTabSz="914400" rtl="0" eaLnBrk="1" fontAlgn="auto" latinLnBrk="0" hangingPunct="1">
+              <a:lnSpc>
+                <a:spcPct val="100000"/>
+              </a:lnSpc>
+              <a:spcBef>
+                <a:spcPts val="0"/>
+              </a:spcBef>
+              <a:spcAft>
+                <a:spcPts val="0"/>
+              </a:spcAft>
+              <a:buClrTx/>
+              <a:buSzTx/>
+              <a:buFontTx/>
+              <a:buNone/>
+              <a:tabLst/>
+              <a:defRPr/>
+            </a:pPr>
+            <a:endParaRPr kumimoji="0" lang="en-US" sz="1800" b="0" i="0" u="none" strike="noStrike" kern="1200" cap="none" spc="0" normalizeH="0" baseline="0" noProof="0">
+              <a:ln>
+                <a:noFill/>
+              </a:ln>
+              <a:solidFill>
+                <a:prstClr val="white"/>
+              </a:solidFill>
+              <a:effectLst/>
+              <a:uLnTx/>
+              <a:uFillTx/>
+              <a:latin typeface="Calibri" panose="020F0502020204030204"/>
+              <a:ea typeface="+mn-ea"/>
+              <a:cs typeface="+mn-cs"/>
+            </a:endParaRPr>
+          </a:p>
+        </p:txBody>
+      </p:sp>
+      <p:sp>
+        <p:nvSpPr>
+          <p:cNvPr id="7" name="Прямоугольник 6"/>
+          <p:cNvSpPr/>
+          <p:nvPr/>
+        </p:nvSpPr>
+        <p:spPr>
+          <a:xfrm>
+            <a:off x="5617563" y="1045590"/>
+            <a:ext cx="1537600" cy="830997"/>
+          </a:xfrm>
+          <a:prstGeom prst="rect">
+            <a:avLst/>
+          </a:prstGeom>
+        </p:spPr>
+        <p:txBody>
+          <a:bodyPr wrap="none">
+            <a:spAutoFit/>
+          </a:bodyPr>
+          <a:lstStyle/>
+          <a:p>
+            <a:pPr marL="0" marR="0" lvl="0" indent="0" algn="ctr" defTabSz="914400" rtl="0" eaLnBrk="1" fontAlgn="auto" latinLnBrk="0" hangingPunct="1">
+              <a:lnSpc>
+                <a:spcPct val="100000"/>
+              </a:lnSpc>
+              <a:spcBef>
+                <a:spcPts val="0"/>
+              </a:spcBef>
+              <a:spcAft>
+                <a:spcPts val="0"/>
+              </a:spcAft>
+              <a:buClrTx/>
+              <a:buSzTx/>
+              <a:buFontTx/>
+              <a:buNone/>
+              <a:tabLst/>
+              <a:defRPr/>
+            </a:pPr>
+            <a:r>
+              <a:rPr kumimoji="0" lang="en-US" sz="4800" b="0" i="0" u="none" strike="noStrike" kern="1200" cap="none" spc="0" normalizeH="0" baseline="0" noProof="0" dirty="0" err="1" smtClean="0">
+                <a:ln>
+                  <a:noFill/>
+                </a:ln>
+                <a:solidFill>
+                  <a:srgbClr val="00D8FF"/>
+                </a:solidFill>
+                <a:effectLst/>
+                <a:uLnTx/>
+                <a:uFillTx/>
+                <a:latin typeface="Consolas"/>
+                <a:ea typeface="+mn-ea"/>
+                <a:cs typeface="Calibri"/>
+              </a:rPr>
+              <a:t>Enum</a:t>
+            </a:r>
+            <a:endParaRPr kumimoji="0" lang="en-US" sz="4800" b="0" i="0" u="none" strike="noStrike" kern="1200" cap="none" spc="0" normalizeH="0" baseline="0" noProof="0" dirty="0">
+              <a:ln>
+                <a:noFill/>
+              </a:ln>
+              <a:solidFill>
+                <a:srgbClr val="F59117"/>
+              </a:solidFill>
+              <a:effectLst/>
+              <a:uLnTx/>
+              <a:uFillTx/>
+              <a:latin typeface="Consolas"/>
+              <a:ea typeface="+mn-ea"/>
+              <a:cs typeface="Calibri"/>
+            </a:endParaRPr>
+          </a:p>
+        </p:txBody>
+      </p:sp>
+      <p:sp>
+        <p:nvSpPr>
+          <p:cNvPr id="11" name="Прямоугольник 10"/>
+          <p:cNvSpPr/>
+          <p:nvPr/>
+        </p:nvSpPr>
+        <p:spPr>
+          <a:xfrm>
+            <a:off x="3129944" y="2964167"/>
+            <a:ext cx="2890535" cy="830997"/>
+          </a:xfrm>
+          <a:prstGeom prst="rect">
+            <a:avLst/>
+          </a:prstGeom>
+        </p:spPr>
+        <p:txBody>
+          <a:bodyPr wrap="none">
+            <a:spAutoFit/>
+          </a:bodyPr>
+          <a:lstStyle/>
+          <a:p>
+            <a:pPr marL="0" marR="0" lvl="0" indent="0" algn="ctr" defTabSz="914400" rtl="0" eaLnBrk="1" fontAlgn="auto" latinLnBrk="0" hangingPunct="1">
+              <a:lnSpc>
+                <a:spcPct val="100000"/>
+              </a:lnSpc>
+              <a:spcBef>
+                <a:spcPts val="0"/>
+              </a:spcBef>
+              <a:spcAft>
+                <a:spcPts val="0"/>
+              </a:spcAft>
+              <a:buClrTx/>
+              <a:buSzTx/>
+              <a:buFontTx/>
+              <a:buNone/>
+              <a:tabLst/>
+              <a:defRPr/>
+            </a:pPr>
+            <a:r>
+              <a:rPr kumimoji="0" lang="en-US" sz="4800" b="0" i="0" u="none" strike="noStrike" kern="1200" cap="none" spc="0" normalizeH="0" baseline="0" noProof="0" dirty="0" smtClean="0">
+                <a:ln>
+                  <a:noFill/>
+                </a:ln>
+                <a:solidFill>
+                  <a:srgbClr val="F59117"/>
+                </a:solidFill>
+                <a:effectLst/>
+                <a:uLnTx/>
+                <a:uFillTx/>
+                <a:latin typeface="Consolas"/>
+                <a:ea typeface="+mn-ea"/>
+                <a:cs typeface="Calibri"/>
+              </a:rPr>
+              <a:t>Computed</a:t>
+            </a:r>
+            <a:endParaRPr kumimoji="0" lang="en-US" sz="4800" b="0" i="0" u="none" strike="noStrike" kern="1200" cap="none" spc="0" normalizeH="0" baseline="0" noProof="0" dirty="0">
+              <a:ln>
+                <a:noFill/>
+              </a:ln>
+              <a:solidFill>
+                <a:srgbClr val="F59117"/>
+              </a:solidFill>
+              <a:effectLst/>
+              <a:uLnTx/>
+              <a:uFillTx/>
+              <a:latin typeface="Consolas"/>
+              <a:ea typeface="+mn-ea"/>
+              <a:cs typeface="Calibri"/>
+            </a:endParaRPr>
+          </a:p>
+        </p:txBody>
+      </p:sp>
+      <p:sp>
+        <p:nvSpPr>
+          <p:cNvPr id="12" name="Прямоугольник 11"/>
+          <p:cNvSpPr/>
+          <p:nvPr/>
+        </p:nvSpPr>
+        <p:spPr>
+          <a:xfrm>
+            <a:off x="6728190" y="2943458"/>
+            <a:ext cx="2890535" cy="830997"/>
+          </a:xfrm>
+          <a:prstGeom prst="rect">
+            <a:avLst/>
+          </a:prstGeom>
+        </p:spPr>
+        <p:txBody>
+          <a:bodyPr wrap="none">
+            <a:spAutoFit/>
+          </a:bodyPr>
+          <a:lstStyle/>
+          <a:p>
+            <a:pPr marL="0" marR="0" lvl="0" indent="0" algn="ctr" defTabSz="914400" rtl="0" eaLnBrk="1" fontAlgn="auto" latinLnBrk="0" hangingPunct="1">
+              <a:lnSpc>
+                <a:spcPct val="100000"/>
+              </a:lnSpc>
+              <a:spcBef>
+                <a:spcPts val="0"/>
+              </a:spcBef>
+              <a:spcAft>
+                <a:spcPts val="0"/>
+              </a:spcAft>
+              <a:buClrTx/>
+              <a:buSzTx/>
+              <a:buFontTx/>
+              <a:buNone/>
+              <a:tabLst/>
+              <a:defRPr/>
+            </a:pPr>
+            <a:r>
+              <a:rPr kumimoji="0" lang="en-US" sz="4800" b="0" i="0" u="none" strike="noStrike" kern="1200" cap="none" spc="0" normalizeH="0" baseline="0" noProof="0" dirty="0" smtClean="0">
+                <a:ln>
+                  <a:noFill/>
+                </a:ln>
+                <a:solidFill>
+                  <a:srgbClr val="F59117"/>
+                </a:solidFill>
+                <a:effectLst/>
+                <a:uLnTx/>
+                <a:uFillTx/>
+                <a:latin typeface="Consolas"/>
+                <a:ea typeface="+mn-ea"/>
+                <a:cs typeface="Calibri"/>
+              </a:rPr>
+              <a:t>Constant</a:t>
+            </a:r>
+            <a:endParaRPr kumimoji="0" lang="en-US" sz="4800" b="0" i="0" u="none" strike="noStrike" kern="1200" cap="none" spc="0" normalizeH="0" baseline="0" noProof="0" dirty="0">
+              <a:ln>
+                <a:noFill/>
+              </a:ln>
+              <a:solidFill>
+                <a:srgbClr val="F59117"/>
+              </a:solidFill>
+              <a:effectLst/>
+              <a:uLnTx/>
+              <a:uFillTx/>
+              <a:latin typeface="Consolas"/>
+              <a:ea typeface="+mn-ea"/>
+              <a:cs typeface="Calibri"/>
+            </a:endParaRPr>
+          </a:p>
+        </p:txBody>
+      </p:sp>
+    </p:spTree>
+    <p:extLst>
+      <p:ext uri="{BB962C8B-B14F-4D97-AF65-F5344CB8AC3E}">
+        <p14:creationId xmlns:p14="http://schemas.microsoft.com/office/powerpoint/2010/main" val="277947657"/>
+      </p:ext>
+    </p:extLst>
+  </p:cSld>
+  <p:clrMapOvr>
+    <a:masterClrMapping/>
+  </p:clrMapOvr>
+  <p:timing>
+    <p:tnLst>
+      <p:par>
+        <p:cTn id="1" dur="indefinite" restart="never" nodeType="tmRoot"/>
+      </p:par>
+    </p:tnLst>
+  </p:timing>
+</p:sld>
+</file>
+
+<file path=ppt/slides/slide86.xml><?xml version="1.0" encoding="utf-8"?>
+<p:sld xmlns:a="http://schemas.openxmlformats.org/drawingml/2006/main" xmlns:r="http://schemas.openxmlformats.org/officeDocument/2006/relationships" xmlns:p="http://schemas.openxmlformats.org/presentationml/2006/main">
+  <p:cSld>
+    <p:bg>
+      <p:bgPr>
+        <a:solidFill>
+          <a:srgbClr val="262626"/>
+        </a:solidFill>
+        <a:effectLst/>
+      </p:bgPr>
+    </p:bg>
+    <p:spTree>
+      <p:nvGrpSpPr>
+        <p:cNvPr id="1" name=""/>
+        <p:cNvGrpSpPr/>
+        <p:nvPr/>
+      </p:nvGrpSpPr>
+      <p:grpSpPr>
+        <a:xfrm>
+          <a:off x="0" y="0"/>
+          <a:ext cx="0" cy="0"/>
+          <a:chOff x="0" y="0"/>
+          <a:chExt cx="0" cy="0"/>
+        </a:xfrm>
+      </p:grpSpPr>
+      <p:sp>
+        <p:nvSpPr>
+          <p:cNvPr id="12" name="Прямоугольник 11"/>
+          <p:cNvSpPr/>
+          <p:nvPr/>
+        </p:nvSpPr>
+        <p:spPr>
+          <a:xfrm>
+            <a:off x="1694179" y="2929280"/>
+            <a:ext cx="2890535" cy="830997"/>
+          </a:xfrm>
+          <a:prstGeom prst="rect">
+            <a:avLst/>
+          </a:prstGeom>
+        </p:spPr>
+        <p:txBody>
+          <a:bodyPr wrap="none">
+            <a:spAutoFit/>
+          </a:bodyPr>
+          <a:lstStyle/>
+          <a:p>
+            <a:pPr marL="0" marR="0" lvl="0" indent="0" algn="ctr" defTabSz="914400" rtl="0" eaLnBrk="1" fontAlgn="auto" latinLnBrk="0" hangingPunct="1">
+              <a:lnSpc>
+                <a:spcPct val="100000"/>
+              </a:lnSpc>
+              <a:spcBef>
+                <a:spcPts val="0"/>
+              </a:spcBef>
+              <a:spcAft>
+                <a:spcPts val="0"/>
+              </a:spcAft>
+              <a:buClrTx/>
+              <a:buSzTx/>
+              <a:buFontTx/>
+              <a:buNone/>
+              <a:tabLst/>
+              <a:defRPr/>
+            </a:pPr>
+            <a:r>
+              <a:rPr kumimoji="0" lang="en-US" sz="4800" b="0" i="0" u="none" strike="noStrike" kern="1200" cap="none" spc="0" normalizeH="0" baseline="0" noProof="0" dirty="0" smtClean="0">
+                <a:ln>
+                  <a:noFill/>
+                </a:ln>
+                <a:solidFill>
+                  <a:srgbClr val="00D8FF"/>
+                </a:solidFill>
+                <a:effectLst/>
+                <a:uLnTx/>
+                <a:uFillTx/>
+                <a:latin typeface="Consolas"/>
+                <a:ea typeface="+mn-ea"/>
+                <a:cs typeface="Calibri"/>
+              </a:rPr>
+              <a:t>Constant</a:t>
+            </a:r>
+            <a:endParaRPr kumimoji="0" lang="en-US" sz="4800" b="0" i="0" u="none" strike="noStrike" kern="1200" cap="none" spc="0" normalizeH="0" baseline="0" noProof="0" dirty="0">
+              <a:ln>
+                <a:noFill/>
+              </a:ln>
+              <a:solidFill>
+                <a:srgbClr val="00D8FF"/>
+              </a:solidFill>
+              <a:effectLst/>
+              <a:uLnTx/>
+              <a:uFillTx/>
+              <a:latin typeface="Consolas"/>
+              <a:ea typeface="+mn-ea"/>
+              <a:cs typeface="Calibri"/>
+            </a:endParaRPr>
+          </a:p>
+        </p:txBody>
+      </p:sp>
+      <p:cxnSp>
+        <p:nvCxnSpPr>
+          <p:cNvPr id="3" name="Прямая соединительная линия 2"/>
+          <p:cNvCxnSpPr/>
+          <p:nvPr/>
+        </p:nvCxnSpPr>
+        <p:spPr>
+          <a:xfrm>
+            <a:off x="5582653" y="587141"/>
+            <a:ext cx="0" cy="5515276"/>
+          </a:xfrm>
+          <a:prstGeom prst="line">
+            <a:avLst/>
+          </a:prstGeom>
+          <a:ln>
+            <a:solidFill>
+              <a:srgbClr val="00D8FF"/>
+            </a:solidFill>
+          </a:ln>
+        </p:spPr>
+        <p:style>
+          <a:lnRef idx="1">
+            <a:schemeClr val="accent1"/>
+          </a:lnRef>
+          <a:fillRef idx="0">
+            <a:schemeClr val="accent1"/>
+          </a:fillRef>
+          <a:effectRef idx="0">
+            <a:schemeClr val="accent1"/>
+          </a:effectRef>
+          <a:fontRef idx="minor">
+            <a:schemeClr val="tx1"/>
+          </a:fontRef>
+        </p:style>
+      </p:cxnSp>
+      <p:sp>
+        <p:nvSpPr>
+          <p:cNvPr id="8" name="Прямоугольник 7"/>
+          <p:cNvSpPr/>
+          <p:nvPr/>
+        </p:nvSpPr>
+        <p:spPr>
+          <a:xfrm>
+            <a:off x="6883382" y="1068404"/>
+            <a:ext cx="3905236" cy="830997"/>
+          </a:xfrm>
+          <a:prstGeom prst="rect">
+            <a:avLst/>
+          </a:prstGeom>
+        </p:spPr>
+        <p:txBody>
+          <a:bodyPr wrap="none">
+            <a:spAutoFit/>
+          </a:bodyPr>
+          <a:lstStyle/>
+          <a:p>
+            <a:pPr marL="0" marR="0" lvl="0" indent="0" algn="ctr" defTabSz="914400" rtl="0" eaLnBrk="1" fontAlgn="auto" latinLnBrk="0" hangingPunct="1">
+              <a:lnSpc>
+                <a:spcPct val="100000"/>
+              </a:lnSpc>
+              <a:spcBef>
+                <a:spcPts val="0"/>
+              </a:spcBef>
+              <a:spcAft>
+                <a:spcPts val="0"/>
+              </a:spcAft>
+              <a:buClrTx/>
+              <a:buSzTx/>
+              <a:buFontTx/>
+              <a:buNone/>
+              <a:tabLst/>
+              <a:defRPr/>
+            </a:pPr>
+            <a:r>
+              <a:rPr kumimoji="0" lang="en-US" sz="4800" b="0" i="0" u="none" strike="noStrike" kern="1200" cap="none" spc="0" normalizeH="0" baseline="0" noProof="0" dirty="0" smtClean="0">
+                <a:ln>
+                  <a:noFill/>
+                </a:ln>
+                <a:solidFill>
+                  <a:srgbClr val="F59117"/>
+                </a:solidFill>
+                <a:effectLst/>
+                <a:uLnTx/>
+                <a:uFillTx/>
+                <a:latin typeface="Consolas"/>
+                <a:ea typeface="+mn-ea"/>
+                <a:cs typeface="Calibri"/>
+              </a:rPr>
+              <a:t>Literal </a:t>
+            </a:r>
+            <a:r>
+              <a:rPr kumimoji="0" lang="en-US" sz="4800" b="0" i="0" u="none" strike="noStrike" kern="1200" cap="none" spc="0" normalizeH="0" baseline="0" noProof="0" dirty="0" err="1" smtClean="0">
+                <a:ln>
+                  <a:noFill/>
+                </a:ln>
+                <a:solidFill>
+                  <a:srgbClr val="F59117"/>
+                </a:solidFill>
+                <a:effectLst/>
+                <a:uLnTx/>
+                <a:uFillTx/>
+                <a:latin typeface="Consolas"/>
+                <a:ea typeface="+mn-ea"/>
+                <a:cs typeface="Calibri"/>
+              </a:rPr>
+              <a:t>exp</a:t>
+            </a:r>
+            <a:endParaRPr kumimoji="0" lang="en-US" sz="4800" b="0" i="0" u="none" strike="noStrike" kern="1200" cap="none" spc="0" normalizeH="0" baseline="0" noProof="0" dirty="0">
+              <a:ln>
+                <a:noFill/>
+              </a:ln>
+              <a:solidFill>
+                <a:srgbClr val="F59117"/>
+              </a:solidFill>
+              <a:effectLst/>
+              <a:uLnTx/>
+              <a:uFillTx/>
+              <a:latin typeface="Consolas"/>
+              <a:ea typeface="+mn-ea"/>
+              <a:cs typeface="Calibri"/>
+            </a:endParaRPr>
+          </a:p>
+        </p:txBody>
+      </p:sp>
+      <p:sp>
+        <p:nvSpPr>
+          <p:cNvPr id="9" name="Прямоугольник 8"/>
+          <p:cNvSpPr/>
+          <p:nvPr/>
+        </p:nvSpPr>
+        <p:spPr>
+          <a:xfrm>
+            <a:off x="6376032" y="2929280"/>
+            <a:ext cx="4919937" cy="830997"/>
+          </a:xfrm>
+          <a:prstGeom prst="rect">
+            <a:avLst/>
+          </a:prstGeom>
+        </p:spPr>
+        <p:txBody>
+          <a:bodyPr wrap="none">
+            <a:spAutoFit/>
+          </a:bodyPr>
+          <a:lstStyle/>
+          <a:p>
+            <a:pPr marL="0" marR="0" lvl="0" indent="0" algn="ctr" defTabSz="914400" rtl="0" eaLnBrk="1" fontAlgn="auto" latinLnBrk="0" hangingPunct="1">
+              <a:lnSpc>
+                <a:spcPct val="100000"/>
+              </a:lnSpc>
+              <a:spcBef>
+                <a:spcPts val="0"/>
+              </a:spcBef>
+              <a:spcAft>
+                <a:spcPts val="0"/>
+              </a:spcAft>
+              <a:buClrTx/>
+              <a:buSzTx/>
+              <a:buFontTx/>
+              <a:buNone/>
+              <a:tabLst/>
+              <a:defRPr/>
+            </a:pPr>
+            <a:r>
+              <a:rPr kumimoji="0" lang="en-US" sz="4800" b="0" i="0" u="none" strike="noStrike" kern="1200" cap="none" spc="0" normalizeH="0" baseline="0" noProof="0" dirty="0" smtClean="0">
+                <a:ln>
+                  <a:noFill/>
+                </a:ln>
+                <a:solidFill>
+                  <a:srgbClr val="F59117"/>
+                </a:solidFill>
+                <a:effectLst/>
+                <a:uLnTx/>
+                <a:uFillTx/>
+                <a:latin typeface="Consolas"/>
+                <a:ea typeface="+mn-ea"/>
+                <a:cs typeface="Calibri"/>
+              </a:rPr>
+              <a:t>Ref to literal</a:t>
+            </a:r>
+            <a:endParaRPr kumimoji="0" lang="en-US" sz="4800" b="0" i="0" u="none" strike="noStrike" kern="1200" cap="none" spc="0" normalizeH="0" baseline="0" noProof="0" dirty="0">
+              <a:ln>
+                <a:noFill/>
+              </a:ln>
+              <a:solidFill>
+                <a:srgbClr val="F59117"/>
+              </a:solidFill>
+              <a:effectLst/>
+              <a:uLnTx/>
+              <a:uFillTx/>
+              <a:latin typeface="Consolas"/>
+              <a:ea typeface="+mn-ea"/>
+              <a:cs typeface="Calibri"/>
+            </a:endParaRPr>
+          </a:p>
+        </p:txBody>
+      </p:sp>
+      <p:sp>
+        <p:nvSpPr>
+          <p:cNvPr id="10" name="Прямоугольник 9"/>
+          <p:cNvSpPr/>
+          <p:nvPr/>
+        </p:nvSpPr>
+        <p:spPr>
+          <a:xfrm>
+            <a:off x="5699568" y="4790156"/>
+            <a:ext cx="6272872" cy="830997"/>
+          </a:xfrm>
+          <a:prstGeom prst="rect">
+            <a:avLst/>
+          </a:prstGeom>
+        </p:spPr>
+        <p:txBody>
+          <a:bodyPr wrap="none">
+            <a:spAutoFit/>
+          </a:bodyPr>
+          <a:lstStyle/>
+          <a:p>
+            <a:pPr marL="0" marR="0" lvl="0" indent="0" algn="ctr" defTabSz="914400" rtl="0" eaLnBrk="1" fontAlgn="auto" latinLnBrk="0" hangingPunct="1">
+              <a:lnSpc>
+                <a:spcPct val="100000"/>
+              </a:lnSpc>
+              <a:spcBef>
+                <a:spcPts val="0"/>
+              </a:spcBef>
+              <a:spcAft>
+                <a:spcPts val="0"/>
+              </a:spcAft>
+              <a:buClrTx/>
+              <a:buSzTx/>
+              <a:buFontTx/>
+              <a:buNone/>
+              <a:tabLst/>
+              <a:defRPr/>
+            </a:pPr>
+            <a:r>
+              <a:rPr kumimoji="0" lang="en-US" sz="4800" b="0" i="0" u="none" strike="noStrike" kern="1200" cap="none" spc="0" normalizeH="0" baseline="0" noProof="0" dirty="0" smtClean="0">
+                <a:ln>
+                  <a:noFill/>
+                </a:ln>
+                <a:solidFill>
+                  <a:srgbClr val="F59117"/>
+                </a:solidFill>
+                <a:effectLst/>
+                <a:uLnTx/>
+                <a:uFillTx/>
+                <a:latin typeface="Consolas"/>
+                <a:ea typeface="+mn-ea"/>
+                <a:cs typeface="Calibri"/>
+              </a:rPr>
+              <a:t>++, +, -, &lt;&lt;,</a:t>
+            </a:r>
+            <a:r>
+              <a:rPr kumimoji="0" lang="en-US" sz="4800" b="0" i="0" u="none" strike="noStrike" kern="1200" cap="none" spc="0" normalizeH="0" noProof="0" dirty="0" smtClean="0">
+                <a:ln>
+                  <a:noFill/>
+                </a:ln>
+                <a:solidFill>
+                  <a:srgbClr val="F59117"/>
+                </a:solidFill>
+                <a:effectLst/>
+                <a:uLnTx/>
+                <a:uFillTx/>
+                <a:latin typeface="Consolas"/>
+                <a:ea typeface="+mn-ea"/>
+                <a:cs typeface="Calibri"/>
+              </a:rPr>
+              <a:t> |, &amp;</a:t>
+            </a:r>
+            <a:endParaRPr kumimoji="0" lang="en-US" sz="4800" b="0" i="0" u="none" strike="noStrike" kern="1200" cap="none" spc="0" normalizeH="0" baseline="0" noProof="0" dirty="0">
+              <a:ln>
+                <a:noFill/>
+              </a:ln>
+              <a:solidFill>
+                <a:srgbClr val="F59117"/>
+              </a:solidFill>
+              <a:effectLst/>
+              <a:uLnTx/>
+              <a:uFillTx/>
+              <a:latin typeface="Consolas"/>
+              <a:ea typeface="+mn-ea"/>
+              <a:cs typeface="Calibri"/>
+            </a:endParaRPr>
+          </a:p>
+        </p:txBody>
+      </p:sp>
+    </p:spTree>
+    <p:extLst>
+      <p:ext uri="{BB962C8B-B14F-4D97-AF65-F5344CB8AC3E}">
+        <p14:creationId xmlns:p14="http://schemas.microsoft.com/office/powerpoint/2010/main" val="2660731983"/>
+      </p:ext>
+    </p:extLst>
+  </p:cSld>
+  <p:clrMapOvr>
+    <a:masterClrMapping/>
+  </p:clrMapOvr>
+  <p:timing>
+    <p:tnLst>
+      <p:par>
+        <p:cTn id="1" dur="indefinite" restart="never" nodeType="tmRoot">
+          <p:childTnLst>
+            <p:seq concurrent="1" nextAc="seek">
+              <p:cTn id="2" dur="indefinite" nodeType="mainSeq">
+                <p:childTnLst>
+                  <p:par>
+                    <p:cTn id="3" fill="hold">
+                      <p:stCondLst>
+                        <p:cond delay="indefinite"/>
+                      </p:stCondLst>
+                      <p:childTnLst>
+                        <p:par>
+                          <p:cTn id="4" fill="hold">
+                            <p:stCondLst>
+                              <p:cond delay="0"/>
+                            </p:stCondLst>
+                            <p:childTnLst>
+                              <p:par>
+                                <p:cTn id="5" presetID="10" presetClass="entr" presetSubtype="0" fill="hold" grpId="0" nodeType="clickEffect">
+                                  <p:stCondLst>
+                                    <p:cond delay="0"/>
+                                  </p:stCondLst>
+                                  <p:childTnLst>
+                                    <p:set>
+                                      <p:cBhvr>
+                                        <p:cTn id="6" dur="1" fill="hold">
+                                          <p:stCondLst>
+                                            <p:cond delay="0"/>
+                                          </p:stCondLst>
+                                        </p:cTn>
+                                        <p:tgtEl>
+                                          <p:spTgt spid="8"/>
+                                        </p:tgtEl>
+                                        <p:attrNameLst>
+                                          <p:attrName>style.visibility</p:attrName>
+                                        </p:attrNameLst>
+                                      </p:cBhvr>
+                                      <p:to>
+                                        <p:strVal val="visible"/>
+                                      </p:to>
+                                    </p:set>
+                                    <p:animEffect transition="in" filter="fade">
+                                      <p:cBhvr>
+                                        <p:cTn id="7" dur="500"/>
+                                        <p:tgtEl>
+                                          <p:spTgt spid="8"/>
+                                        </p:tgtEl>
+                                      </p:cBhvr>
+                                    </p:animEffect>
+                                  </p:childTnLst>
+                                </p:cTn>
+                              </p:par>
+                            </p:childTnLst>
+                          </p:cTn>
+                        </p:par>
+                        <p:par>
+                          <p:cTn id="8" fill="hold">
+                            <p:stCondLst>
+                              <p:cond delay="500"/>
+                            </p:stCondLst>
+                            <p:childTnLst>
+                              <p:par>
+                                <p:cTn id="9" presetID="10" presetClass="entr" presetSubtype="0" fill="hold" grpId="0" nodeType="afterEffect">
+                                  <p:stCondLst>
+                                    <p:cond delay="0"/>
+                                  </p:stCondLst>
+                                  <p:childTnLst>
+                                    <p:set>
+                                      <p:cBhvr>
+                                        <p:cTn id="10" dur="1" fill="hold">
+                                          <p:stCondLst>
+                                            <p:cond delay="0"/>
+                                          </p:stCondLst>
+                                        </p:cTn>
+                                        <p:tgtEl>
+                                          <p:spTgt spid="9"/>
+                                        </p:tgtEl>
+                                        <p:attrNameLst>
+                                          <p:attrName>style.visibility</p:attrName>
+                                        </p:attrNameLst>
+                                      </p:cBhvr>
+                                      <p:to>
+                                        <p:strVal val="visible"/>
+                                      </p:to>
+                                    </p:set>
+                                    <p:animEffect transition="in" filter="fade">
+                                      <p:cBhvr>
+                                        <p:cTn id="11" dur="500"/>
+                                        <p:tgtEl>
+                                          <p:spTgt spid="9"/>
+                                        </p:tgtEl>
+                                      </p:cBhvr>
+                                    </p:animEffect>
+                                  </p:childTnLst>
+                                </p:cTn>
+                              </p:par>
+                            </p:childTnLst>
+                          </p:cTn>
+                        </p:par>
+                        <p:par>
+                          <p:cTn id="12" fill="hold">
+                            <p:stCondLst>
+                              <p:cond delay="1000"/>
+                            </p:stCondLst>
+                            <p:childTnLst>
+                              <p:par>
+                                <p:cTn id="13" presetID="10" presetClass="entr" presetSubtype="0" fill="hold" grpId="0" nodeType="afterEffect">
+                                  <p:stCondLst>
+                                    <p:cond delay="0"/>
+                                  </p:stCondLst>
+                                  <p:childTnLst>
+                                    <p:set>
+                                      <p:cBhvr>
+                                        <p:cTn id="14" dur="1" fill="hold">
+                                          <p:stCondLst>
+                                            <p:cond delay="0"/>
+                                          </p:stCondLst>
+                                        </p:cTn>
+                                        <p:tgtEl>
+                                          <p:spTgt spid="10"/>
+                                        </p:tgtEl>
+                                        <p:attrNameLst>
+                                          <p:attrName>style.visibility</p:attrName>
+                                        </p:attrNameLst>
+                                      </p:cBhvr>
+                                      <p:to>
+                                        <p:strVal val="visible"/>
+                                      </p:to>
+                                    </p:set>
+                                    <p:animEffect transition="in" filter="fade">
+                                      <p:cBhvr>
+                                        <p:cTn id="15" dur="500"/>
+                                        <p:tgtEl>
+                                          <p:spTgt spid="10"/>
+                                        </p:tgtEl>
+                                      </p:cBhvr>
+                                    </p:animEffect>
+                                  </p:childTnLst>
+                                </p:cTn>
+                              </p:par>
+                            </p:childTnLst>
+                          </p:cTn>
+                        </p:par>
+                      </p:childTnLst>
+                    </p:cTn>
+                  </p:par>
+                </p:childTnLst>
+              </p:cTn>
+              <p:prevCondLst>
+                <p:cond evt="onPrev" delay="0">
+                  <p:tgtEl>
+                    <p:sldTgt/>
+                  </p:tgtEl>
+                </p:cond>
+              </p:prevCondLst>
+              <p:nextCondLst>
+                <p:cond evt="onNext" delay="0">
+                  <p:tgtEl>
+                    <p:sldTgt/>
+                  </p:tgtEl>
+                </p:cond>
+              </p:nextCondLst>
+            </p:seq>
+          </p:childTnLst>
+        </p:cTn>
+      </p:par>
+    </p:tnLst>
+    <p:bldLst>
+      <p:bldP spid="8" grpId="0"/>
+      <p:bldP spid="9" grpId="0"/>
+      <p:bldP spid="10" grpId="0"/>
+    </p:bldLst>
+  </p:timing>
+</p:sld>
+</file>
+
+<file path=ppt/slides/slide87.xml><?xml version="1.0" encoding="utf-8"?>
+<p:sld xmlns:a="http://schemas.openxmlformats.org/drawingml/2006/main" xmlns:r="http://schemas.openxmlformats.org/officeDocument/2006/relationships" xmlns:p="http://schemas.openxmlformats.org/presentationml/2006/main">
+  <p:cSld>
+    <p:bg>
+      <p:bgPr>
+        <a:solidFill>
+          <a:srgbClr val="262626"/>
+        </a:solidFill>
+        <a:effectLst/>
+      </p:bgPr>
+    </p:bg>
+    <p:spTree>
+      <p:nvGrpSpPr>
+        <p:cNvPr id="1" name=""/>
+        <p:cNvGrpSpPr/>
+        <p:nvPr/>
+      </p:nvGrpSpPr>
+      <p:grpSpPr>
+        <a:xfrm>
+          <a:off x="0" y="0"/>
+          <a:ext cx="0" cy="0"/>
+          <a:chOff x="0" y="0"/>
+          <a:chExt cx="0" cy="0"/>
+        </a:xfrm>
+      </p:grpSpPr>
+      <p:sp>
+        <p:nvSpPr>
+          <p:cNvPr id="8" name="Прямоугольник 7"/>
+          <p:cNvSpPr/>
+          <p:nvPr/>
+        </p:nvSpPr>
+        <p:spPr>
+          <a:xfrm>
+            <a:off x="4999528" y="2877953"/>
+            <a:ext cx="2552302" cy="830997"/>
+          </a:xfrm>
+          <a:prstGeom prst="rect">
+            <a:avLst/>
+          </a:prstGeom>
+        </p:spPr>
+        <p:txBody>
+          <a:bodyPr wrap="none">
+            <a:spAutoFit/>
+          </a:bodyPr>
+          <a:lstStyle/>
+          <a:p>
+            <a:pPr marL="0" marR="0" lvl="0" indent="0" algn="ctr" defTabSz="914400" rtl="0" eaLnBrk="1" fontAlgn="auto" latinLnBrk="0" hangingPunct="1">
+              <a:lnSpc>
+                <a:spcPct val="100000"/>
+              </a:lnSpc>
+              <a:spcBef>
+                <a:spcPts val="0"/>
+              </a:spcBef>
+              <a:spcAft>
+                <a:spcPts val="0"/>
+              </a:spcAft>
+              <a:buClrTx/>
+              <a:buSzTx/>
+              <a:buFontTx/>
+              <a:buNone/>
+              <a:tabLst/>
+              <a:defRPr/>
+            </a:pPr>
+            <a:r>
+              <a:rPr kumimoji="0" lang="en-US" sz="4800" b="0" i="0" u="none" strike="noStrike" kern="1200" cap="none" spc="0" normalizeH="0" baseline="0" noProof="0" dirty="0" smtClean="0">
+                <a:ln>
+                  <a:noFill/>
+                </a:ln>
+                <a:solidFill>
+                  <a:srgbClr val="00D8FF"/>
+                </a:solidFill>
+                <a:effectLst/>
+                <a:uLnTx/>
+                <a:uFillTx/>
+                <a:latin typeface="Consolas"/>
+                <a:ea typeface="+mn-ea"/>
+                <a:cs typeface="Calibri"/>
+              </a:rPr>
+              <a:t>Literal</a:t>
+            </a:r>
+            <a:endParaRPr kumimoji="0" lang="en-US" sz="4800" b="0" i="0" u="none" strike="noStrike" kern="1200" cap="none" spc="0" normalizeH="0" baseline="0" noProof="0" dirty="0">
+              <a:ln>
+                <a:noFill/>
+              </a:ln>
+              <a:solidFill>
+                <a:srgbClr val="00D8FF"/>
+              </a:solidFill>
+              <a:effectLst/>
+              <a:uLnTx/>
+              <a:uFillTx/>
+              <a:latin typeface="Consolas"/>
+              <a:ea typeface="+mn-ea"/>
+              <a:cs typeface="Calibri"/>
+            </a:endParaRPr>
+          </a:p>
+        </p:txBody>
+      </p:sp>
+    </p:spTree>
+    <p:extLst>
+      <p:ext uri="{BB962C8B-B14F-4D97-AF65-F5344CB8AC3E}">
+        <p14:creationId xmlns:p14="http://schemas.microsoft.com/office/powerpoint/2010/main" val="3637922302"/>
+      </p:ext>
+    </p:extLst>
+  </p:cSld>
+  <p:clrMapOvr>
+    <a:masterClrMapping/>
+  </p:clrMapOvr>
+  <p:timing>
+    <p:tnLst>
+      <p:par>
+        <p:cTn id="1" dur="indefinite" restart="never" nodeType="tmRoot"/>
+      </p:par>
+    </p:tnLst>
+  </p:timing>
+</p:sld>
+</file>
+
+<file path=ppt/slides/slide88.xml><?xml version="1.0" encoding="utf-8"?>
+<p:sld xmlns:a="http://schemas.openxmlformats.org/drawingml/2006/main" xmlns:r="http://schemas.openxmlformats.org/officeDocument/2006/relationships" xmlns:p="http://schemas.openxmlformats.org/presentationml/2006/main">
+  <p:cSld>
+    <p:bg>
+      <p:bgPr>
+        <a:solidFill>
+          <a:srgbClr val="262626"/>
+        </a:solidFill>
+        <a:effectLst/>
+      </p:bgPr>
+    </p:bg>
+    <p:spTree>
+      <p:nvGrpSpPr>
+        <p:cNvPr id="1" name=""/>
+        <p:cNvGrpSpPr/>
+        <p:nvPr/>
+      </p:nvGrpSpPr>
+      <p:grpSpPr>
+        <a:xfrm>
+          <a:off x="0" y="0"/>
+          <a:ext cx="0" cy="0"/>
+          <a:chOff x="0" y="0"/>
+          <a:chExt cx="0" cy="0"/>
+        </a:xfrm>
+      </p:grpSpPr>
+      <p:sp>
+        <p:nvSpPr>
+          <p:cNvPr id="8" name="Прямоугольник 7"/>
+          <p:cNvSpPr/>
+          <p:nvPr/>
+        </p:nvSpPr>
+        <p:spPr>
+          <a:xfrm>
+            <a:off x="1824633" y="3003082"/>
+            <a:ext cx="4243469" cy="830997"/>
+          </a:xfrm>
+          <a:prstGeom prst="rect">
+            <a:avLst/>
+          </a:prstGeom>
+        </p:spPr>
+        <p:txBody>
+          <a:bodyPr wrap="none">
+            <a:spAutoFit/>
+          </a:bodyPr>
+          <a:lstStyle/>
+          <a:p>
+            <a:pPr marL="0" marR="0" lvl="0" indent="0" algn="ctr" defTabSz="914400" rtl="0" eaLnBrk="1" fontAlgn="auto" latinLnBrk="0" hangingPunct="1">
+              <a:lnSpc>
+                <a:spcPct val="100000"/>
+              </a:lnSpc>
+              <a:spcBef>
+                <a:spcPts val="0"/>
+              </a:spcBef>
+              <a:spcAft>
+                <a:spcPts val="0"/>
+              </a:spcAft>
+              <a:buClrTx/>
+              <a:buSzTx/>
+              <a:buFontTx/>
+              <a:buNone/>
+              <a:tabLst/>
+              <a:defRPr/>
+            </a:pPr>
+            <a:r>
+              <a:rPr kumimoji="0" lang="en-US" sz="4800" b="0" i="0" u="none" strike="noStrike" kern="1200" cap="none" spc="0" normalizeH="0" baseline="0" noProof="0" dirty="0" err="1" smtClean="0">
+                <a:ln>
+                  <a:noFill/>
+                </a:ln>
+                <a:solidFill>
+                  <a:srgbClr val="00D8FF"/>
+                </a:solidFill>
+                <a:effectLst/>
+                <a:uLnTx/>
+                <a:uFillTx/>
+                <a:latin typeface="Consolas"/>
+                <a:ea typeface="+mn-ea"/>
+                <a:cs typeface="Calibri"/>
+              </a:rPr>
+              <a:t>Enum.Literal</a:t>
+            </a:r>
+            <a:endParaRPr kumimoji="0" lang="en-US" sz="4800" b="0" i="0" u="none" strike="noStrike" kern="1200" cap="none" spc="0" normalizeH="0" baseline="0" noProof="0" dirty="0">
+              <a:ln>
+                <a:noFill/>
+              </a:ln>
+              <a:solidFill>
+                <a:srgbClr val="00D8FF"/>
+              </a:solidFill>
+              <a:effectLst/>
+              <a:uLnTx/>
+              <a:uFillTx/>
+              <a:latin typeface="Consolas"/>
+              <a:ea typeface="+mn-ea"/>
+              <a:cs typeface="Calibri"/>
+            </a:endParaRPr>
+          </a:p>
+        </p:txBody>
+      </p:sp>
+      <p:sp>
+        <p:nvSpPr>
+          <p:cNvPr id="3" name="Прямоугольник 2"/>
+          <p:cNvSpPr/>
+          <p:nvPr/>
+        </p:nvSpPr>
+        <p:spPr>
+          <a:xfrm>
+            <a:off x="6338537" y="3003081"/>
+            <a:ext cx="1199367" cy="830997"/>
+          </a:xfrm>
+          <a:prstGeom prst="rect">
+            <a:avLst/>
+          </a:prstGeom>
+        </p:spPr>
+        <p:txBody>
+          <a:bodyPr wrap="none">
+            <a:spAutoFit/>
+          </a:bodyPr>
+          <a:lstStyle/>
+          <a:p>
+            <a:pPr marL="0" marR="0" lvl="0" indent="0" algn="ctr" defTabSz="914400" rtl="0" eaLnBrk="1" fontAlgn="auto" latinLnBrk="0" hangingPunct="1">
+              <a:lnSpc>
+                <a:spcPct val="100000"/>
+              </a:lnSpc>
+              <a:spcBef>
+                <a:spcPts val="0"/>
+              </a:spcBef>
+              <a:spcAft>
+                <a:spcPts val="0"/>
+              </a:spcAft>
+              <a:buClrTx/>
+              <a:buSzTx/>
+              <a:buFontTx/>
+              <a:buNone/>
+              <a:tabLst/>
+              <a:defRPr/>
+            </a:pPr>
+            <a:r>
+              <a:rPr kumimoji="0" lang="en-US" sz="4800" b="0" i="0" u="none" strike="noStrike" kern="1200" cap="none" spc="0" normalizeH="0" baseline="0" noProof="0" dirty="0" smtClean="0">
+                <a:ln>
+                  <a:noFill/>
+                </a:ln>
+                <a:solidFill>
+                  <a:srgbClr val="BF4141"/>
+                </a:solidFill>
+                <a:effectLst/>
+                <a:uLnTx/>
+                <a:uFillTx/>
+                <a:latin typeface="Consolas"/>
+                <a:ea typeface="+mn-ea"/>
+                <a:cs typeface="Calibri"/>
+              </a:rPr>
+              <a:t>===</a:t>
+            </a:r>
+            <a:endParaRPr kumimoji="0" lang="en-US" sz="4800" b="0" i="0" u="none" strike="noStrike" kern="1200" cap="none" spc="0" normalizeH="0" baseline="0" noProof="0" dirty="0">
+              <a:ln>
+                <a:noFill/>
+              </a:ln>
+              <a:solidFill>
+                <a:srgbClr val="BF4141"/>
+              </a:solidFill>
+              <a:effectLst/>
+              <a:uLnTx/>
+              <a:uFillTx/>
+              <a:latin typeface="Consolas"/>
+              <a:ea typeface="+mn-ea"/>
+              <a:cs typeface="Calibri"/>
+            </a:endParaRPr>
+          </a:p>
+        </p:txBody>
+      </p:sp>
+      <p:sp>
+        <p:nvSpPr>
+          <p:cNvPr id="4" name="Прямоугольник 3"/>
+          <p:cNvSpPr/>
+          <p:nvPr/>
+        </p:nvSpPr>
+        <p:spPr>
+          <a:xfrm>
+            <a:off x="7808339" y="2993454"/>
+            <a:ext cx="1537600" cy="830997"/>
+          </a:xfrm>
+          <a:prstGeom prst="rect">
+            <a:avLst/>
+          </a:prstGeom>
+        </p:spPr>
+        <p:txBody>
+          <a:bodyPr wrap="none">
+            <a:spAutoFit/>
+          </a:bodyPr>
+          <a:lstStyle/>
+          <a:p>
+            <a:pPr marL="0" marR="0" lvl="0" indent="0" algn="ctr" defTabSz="914400" rtl="0" eaLnBrk="1" fontAlgn="auto" latinLnBrk="0" hangingPunct="1">
+              <a:lnSpc>
+                <a:spcPct val="100000"/>
+              </a:lnSpc>
+              <a:spcBef>
+                <a:spcPts val="0"/>
+              </a:spcBef>
+              <a:spcAft>
+                <a:spcPts val="0"/>
+              </a:spcAft>
+              <a:buClrTx/>
+              <a:buSzTx/>
+              <a:buFontTx/>
+              <a:buNone/>
+              <a:tabLst/>
+              <a:defRPr/>
+            </a:pPr>
+            <a:r>
+              <a:rPr kumimoji="0" lang="en-US" sz="4800" b="0" i="0" u="none" strike="noStrike" kern="1200" cap="none" spc="0" normalizeH="0" baseline="0" noProof="0" dirty="0" smtClean="0">
+                <a:ln>
+                  <a:noFill/>
+                </a:ln>
+                <a:solidFill>
+                  <a:srgbClr val="00D8FF"/>
+                </a:solidFill>
+                <a:effectLst/>
+                <a:uLnTx/>
+                <a:uFillTx/>
+                <a:latin typeface="Consolas"/>
+                <a:ea typeface="+mn-ea"/>
+                <a:cs typeface="Calibri"/>
+              </a:rPr>
+              <a:t>Type</a:t>
+            </a:r>
+            <a:endParaRPr kumimoji="0" lang="en-US" sz="4800" b="0" i="0" u="none" strike="noStrike" kern="1200" cap="none" spc="0" normalizeH="0" baseline="0" noProof="0" dirty="0">
+              <a:ln>
+                <a:noFill/>
+              </a:ln>
+              <a:solidFill>
+                <a:srgbClr val="00D8FF"/>
+              </a:solidFill>
+              <a:effectLst/>
+              <a:uLnTx/>
+              <a:uFillTx/>
+              <a:latin typeface="Consolas"/>
+              <a:ea typeface="+mn-ea"/>
+              <a:cs typeface="Calibri"/>
+            </a:endParaRPr>
+          </a:p>
+        </p:txBody>
+      </p:sp>
+    </p:spTree>
+    <p:extLst>
+      <p:ext uri="{BB962C8B-B14F-4D97-AF65-F5344CB8AC3E}">
+        <p14:creationId xmlns:p14="http://schemas.microsoft.com/office/powerpoint/2010/main" val="808528071"/>
+      </p:ext>
+    </p:extLst>
+  </p:cSld>
+  <p:clrMapOvr>
+    <a:masterClrMapping/>
+  </p:clrMapOvr>
+  <p:timing>
+    <p:tnLst>
+      <p:par>
+        <p:cTn id="1" dur="indefinite" restart="never" nodeType="tmRoot"/>
+      </p:par>
+    </p:tnLst>
+  </p:timing>
+</p:sld>
+</file>
+
+<file path=ppt/slides/slide89.xml><?xml version="1.0" encoding="utf-8"?>
+<p:sld xmlns:a="http://schemas.openxmlformats.org/drawingml/2006/main" xmlns:r="http://schemas.openxmlformats.org/officeDocument/2006/relationships" xmlns:p="http://schemas.openxmlformats.org/presentationml/2006/main">
+  <p:cSld>
+    <p:bg>
+      <p:bgPr>
+        <a:solidFill>
+          <a:srgbClr val="262626"/>
+        </a:solidFill>
+        <a:effectLst/>
+      </p:bgPr>
+    </p:bg>
+    <p:spTree>
+      <p:nvGrpSpPr>
+        <p:cNvPr id="1" name=""/>
+        <p:cNvGrpSpPr/>
+        <p:nvPr/>
+      </p:nvGrpSpPr>
+      <p:grpSpPr>
+        <a:xfrm>
+          <a:off x="0" y="0"/>
+          <a:ext cx="0" cy="0"/>
+          <a:chOff x="0" y="0"/>
+          <a:chExt cx="0" cy="0"/>
+        </a:xfrm>
+      </p:grpSpPr>
+      <p:sp>
+        <p:nvSpPr>
+          <p:cNvPr id="5" name="Прямоугольник 4"/>
+          <p:cNvSpPr/>
+          <p:nvPr/>
+        </p:nvSpPr>
+        <p:spPr>
+          <a:xfrm>
+            <a:off x="3646597" y="2877953"/>
+            <a:ext cx="5258171" cy="830997"/>
+          </a:xfrm>
+          <a:prstGeom prst="rect">
+            <a:avLst/>
+          </a:prstGeom>
+        </p:spPr>
+        <p:txBody>
+          <a:bodyPr wrap="none">
+            <a:spAutoFit/>
+          </a:bodyPr>
+          <a:lstStyle/>
+          <a:p>
+            <a:pPr marL="0" marR="0" lvl="0" indent="0" algn="ctr" defTabSz="914400" rtl="0" eaLnBrk="1" fontAlgn="auto" latinLnBrk="0" hangingPunct="1">
+              <a:lnSpc>
+                <a:spcPct val="100000"/>
+              </a:lnSpc>
+              <a:spcBef>
+                <a:spcPts val="0"/>
+              </a:spcBef>
+              <a:spcAft>
+                <a:spcPts val="0"/>
+              </a:spcAft>
+              <a:buClrTx/>
+              <a:buSzTx/>
+              <a:buFontTx/>
+              <a:buNone/>
+              <a:tabLst/>
+              <a:defRPr/>
+            </a:pPr>
+            <a:r>
+              <a:rPr kumimoji="0" lang="en-US" sz="4800" b="0" i="0" u="none" strike="noStrike" kern="1200" cap="none" spc="0" normalizeH="0" baseline="0" noProof="0" dirty="0" err="1" smtClean="0">
+                <a:ln>
+                  <a:noFill/>
+                </a:ln>
+                <a:solidFill>
+                  <a:srgbClr val="00D8FF"/>
+                </a:solidFill>
+                <a:effectLst/>
+                <a:uLnTx/>
+                <a:uFillTx/>
+                <a:latin typeface="Consolas"/>
+                <a:ea typeface="+mn-ea"/>
+                <a:cs typeface="Calibri"/>
+              </a:rPr>
+              <a:t>Enum</a:t>
+            </a:r>
+            <a:r>
+              <a:rPr kumimoji="0" lang="en-US" sz="4800" b="0" i="0" u="none" strike="noStrike" kern="1200" cap="none" spc="0" normalizeH="0" baseline="0" noProof="0" dirty="0" smtClean="0">
+                <a:ln>
+                  <a:noFill/>
+                </a:ln>
+                <a:solidFill>
+                  <a:srgbClr val="00D8FF"/>
+                </a:solidFill>
+                <a:effectLst/>
+                <a:uLnTx/>
+                <a:uFillTx/>
+                <a:latin typeface="Consolas"/>
+                <a:ea typeface="+mn-ea"/>
+                <a:cs typeface="Calibri"/>
+              </a:rPr>
+              <a:t> in runtime</a:t>
+            </a:r>
+            <a:endParaRPr kumimoji="0" lang="en-US" sz="4800" b="0" i="0" u="none" strike="noStrike" kern="1200" cap="none" spc="0" normalizeH="0" baseline="0" noProof="0" dirty="0">
+              <a:ln>
+                <a:noFill/>
+              </a:ln>
+              <a:solidFill>
+                <a:srgbClr val="00D8FF"/>
+              </a:solidFill>
+              <a:effectLst/>
+              <a:uLnTx/>
+              <a:uFillTx/>
+              <a:latin typeface="Consolas"/>
+              <a:ea typeface="+mn-ea"/>
+              <a:cs typeface="Calibri"/>
+            </a:endParaRPr>
+          </a:p>
+        </p:txBody>
+      </p:sp>
+    </p:spTree>
+    <p:extLst>
+      <p:ext uri="{BB962C8B-B14F-4D97-AF65-F5344CB8AC3E}">
+        <p14:creationId xmlns:p14="http://schemas.microsoft.com/office/powerpoint/2010/main" val="3415769468"/>
+      </p:ext>
+    </p:extLst>
+  </p:cSld>
+  <p:clrMapOvr>
+    <a:masterClrMapping/>
+  </p:clrMapOvr>
+  <p:timing>
+    <p:tnLst>
+      <p:par>
+        <p:cTn id="1" dur="indefinite" restart="never" nodeType="tmRoot"/>
+      </p:par>
+    </p:tnLst>
+  </p:timing>
+</p:sld>
+</file>
+
 <file path=ppt/slides/slide9.xml><?xml version="1.0" encoding="utf-8"?>
 <p:sld xmlns:a="http://schemas.openxmlformats.org/drawingml/2006/main" xmlns:r="http://schemas.openxmlformats.org/officeDocument/2006/relationships" xmlns:p="http://schemas.openxmlformats.org/presentationml/2006/main">
   <p:cSld>
@@ -28811,6 +34926,1873 @@
   <p:clrMapOvr>
     <a:masterClrMapping/>
   </p:clrMapOvr>
+</p:sld>
+</file>
+
+<file path=ppt/slides/slide90.xml><?xml version="1.0" encoding="utf-8"?>
+<p:sld xmlns:a="http://schemas.openxmlformats.org/drawingml/2006/main" xmlns:r="http://schemas.openxmlformats.org/officeDocument/2006/relationships" xmlns:p="http://schemas.openxmlformats.org/presentationml/2006/main">
+  <p:cSld>
+    <p:bg>
+      <p:bgPr>
+        <a:solidFill>
+          <a:srgbClr val="262626"/>
+        </a:solidFill>
+        <a:effectLst/>
+      </p:bgPr>
+    </p:bg>
+    <p:spTree>
+      <p:nvGrpSpPr>
+        <p:cNvPr id="1" name=""/>
+        <p:cNvGrpSpPr/>
+        <p:nvPr/>
+      </p:nvGrpSpPr>
+      <p:grpSpPr>
+        <a:xfrm>
+          <a:off x="0" y="0"/>
+          <a:ext cx="0" cy="0"/>
+          <a:chOff x="0" y="0"/>
+          <a:chExt cx="0" cy="0"/>
+        </a:xfrm>
+      </p:grpSpPr>
+      <p:sp>
+        <p:nvSpPr>
+          <p:cNvPr id="5" name="Прямоугольник 4"/>
+          <p:cNvSpPr/>
+          <p:nvPr/>
+        </p:nvSpPr>
+        <p:spPr>
+          <a:xfrm>
+            <a:off x="4492185" y="2877953"/>
+            <a:ext cx="3567002" cy="830997"/>
+          </a:xfrm>
+          <a:prstGeom prst="rect">
+            <a:avLst/>
+          </a:prstGeom>
+        </p:spPr>
+        <p:txBody>
+          <a:bodyPr wrap="none">
+            <a:spAutoFit/>
+          </a:bodyPr>
+          <a:lstStyle/>
+          <a:p>
+            <a:pPr marL="0" marR="0" lvl="0" indent="0" algn="ctr" defTabSz="914400" rtl="0" eaLnBrk="1" fontAlgn="auto" latinLnBrk="0" hangingPunct="1">
+              <a:lnSpc>
+                <a:spcPct val="100000"/>
+              </a:lnSpc>
+              <a:spcBef>
+                <a:spcPts val="0"/>
+              </a:spcBef>
+              <a:spcAft>
+                <a:spcPts val="0"/>
+              </a:spcAft>
+              <a:buClrTx/>
+              <a:buSzTx/>
+              <a:buFontTx/>
+              <a:buNone/>
+              <a:tabLst/>
+              <a:defRPr/>
+            </a:pPr>
+            <a:r>
+              <a:rPr kumimoji="0" lang="en-US" sz="4800" b="0" i="0" u="none" strike="noStrike" kern="1200" cap="none" spc="0" normalizeH="0" baseline="0" noProof="0" dirty="0" err="1" smtClean="0">
+                <a:ln>
+                  <a:noFill/>
+                </a:ln>
+                <a:solidFill>
+                  <a:srgbClr val="00D8FF"/>
+                </a:solidFill>
+                <a:effectLst/>
+                <a:uLnTx/>
+                <a:uFillTx/>
+                <a:latin typeface="Consolas"/>
+                <a:ea typeface="+mn-ea"/>
+                <a:cs typeface="Calibri"/>
+              </a:rPr>
+              <a:t>Const</a:t>
+            </a:r>
+            <a:r>
+              <a:rPr kumimoji="0" lang="en-US" sz="4800" b="0" i="0" u="none" strike="noStrike" kern="1200" cap="none" spc="0" normalizeH="0" noProof="0" dirty="0" smtClean="0">
+                <a:ln>
+                  <a:noFill/>
+                </a:ln>
+                <a:solidFill>
+                  <a:srgbClr val="00D8FF"/>
+                </a:solidFill>
+                <a:effectLst/>
+                <a:uLnTx/>
+                <a:uFillTx/>
+                <a:latin typeface="Consolas"/>
+                <a:ea typeface="+mn-ea"/>
+                <a:cs typeface="Calibri"/>
+              </a:rPr>
+              <a:t> </a:t>
+            </a:r>
+            <a:r>
+              <a:rPr kumimoji="0" lang="en-US" sz="4800" b="0" i="0" u="none" strike="noStrike" kern="1200" cap="none" spc="0" normalizeH="0" noProof="0" dirty="0" err="1" smtClean="0">
+                <a:ln>
+                  <a:noFill/>
+                </a:ln>
+                <a:solidFill>
+                  <a:srgbClr val="00D8FF"/>
+                </a:solidFill>
+                <a:effectLst/>
+                <a:uLnTx/>
+                <a:uFillTx/>
+                <a:latin typeface="Consolas"/>
+                <a:ea typeface="+mn-ea"/>
+                <a:cs typeface="Calibri"/>
+              </a:rPr>
+              <a:t>Enum</a:t>
+            </a:r>
+            <a:endParaRPr kumimoji="0" lang="en-US" sz="4800" b="0" i="0" u="none" strike="noStrike" kern="1200" cap="none" spc="0" normalizeH="0" baseline="0" noProof="0" dirty="0">
+              <a:ln>
+                <a:noFill/>
+              </a:ln>
+              <a:solidFill>
+                <a:srgbClr val="00D8FF"/>
+              </a:solidFill>
+              <a:effectLst/>
+              <a:uLnTx/>
+              <a:uFillTx/>
+              <a:latin typeface="Consolas"/>
+              <a:ea typeface="+mn-ea"/>
+              <a:cs typeface="Calibri"/>
+            </a:endParaRPr>
+          </a:p>
+        </p:txBody>
+      </p:sp>
+    </p:spTree>
+    <p:extLst>
+      <p:ext uri="{BB962C8B-B14F-4D97-AF65-F5344CB8AC3E}">
+        <p14:creationId xmlns:p14="http://schemas.microsoft.com/office/powerpoint/2010/main" val="1489810192"/>
+      </p:ext>
+    </p:extLst>
+  </p:cSld>
+  <p:clrMapOvr>
+    <a:masterClrMapping/>
+  </p:clrMapOvr>
+  <p:timing>
+    <p:tnLst>
+      <p:par>
+        <p:cTn id="1" dur="indefinite" restart="never" nodeType="tmRoot"/>
+      </p:par>
+    </p:tnLst>
+  </p:timing>
+</p:sld>
+</file>
+
+<file path=ppt/slides/slide91.xml><?xml version="1.0" encoding="utf-8"?>
+<p:sld xmlns:a="http://schemas.openxmlformats.org/drawingml/2006/main" xmlns:r="http://schemas.openxmlformats.org/officeDocument/2006/relationships" xmlns:p="http://schemas.openxmlformats.org/presentationml/2006/main">
+  <p:cSld>
+    <p:bg>
+      <p:bgPr>
+        <a:solidFill>
+          <a:srgbClr val="262626"/>
+        </a:solidFill>
+        <a:effectLst/>
+      </p:bgPr>
+    </p:bg>
+    <p:spTree>
+      <p:nvGrpSpPr>
+        <p:cNvPr id="1" name=""/>
+        <p:cNvGrpSpPr/>
+        <p:nvPr/>
+      </p:nvGrpSpPr>
+      <p:grpSpPr>
+        <a:xfrm>
+          <a:off x="0" y="0"/>
+          <a:ext cx="0" cy="0"/>
+          <a:chOff x="0" y="0"/>
+          <a:chExt cx="0" cy="0"/>
+        </a:xfrm>
+      </p:grpSpPr>
+      <p:sp>
+        <p:nvSpPr>
+          <p:cNvPr id="5" name="Прямоугольник 4"/>
+          <p:cNvSpPr/>
+          <p:nvPr/>
+        </p:nvSpPr>
+        <p:spPr>
+          <a:xfrm>
+            <a:off x="4153954" y="2877953"/>
+            <a:ext cx="4243469" cy="830997"/>
+          </a:xfrm>
+          <a:prstGeom prst="rect">
+            <a:avLst/>
+          </a:prstGeom>
+        </p:spPr>
+        <p:txBody>
+          <a:bodyPr wrap="none">
+            <a:spAutoFit/>
+          </a:bodyPr>
+          <a:lstStyle/>
+          <a:p>
+            <a:pPr marL="0" marR="0" lvl="0" indent="0" algn="ctr" defTabSz="914400" rtl="0" eaLnBrk="1" fontAlgn="auto" latinLnBrk="0" hangingPunct="1">
+              <a:lnSpc>
+                <a:spcPct val="100000"/>
+              </a:lnSpc>
+              <a:spcBef>
+                <a:spcPts val="0"/>
+              </a:spcBef>
+              <a:spcAft>
+                <a:spcPts val="0"/>
+              </a:spcAft>
+              <a:buClrTx/>
+              <a:buSzTx/>
+              <a:buFontTx/>
+              <a:buNone/>
+              <a:tabLst/>
+              <a:defRPr/>
+            </a:pPr>
+            <a:r>
+              <a:rPr kumimoji="0" lang="en-US" sz="4800" b="0" i="0" u="none" strike="noStrike" kern="1200" cap="none" spc="0" normalizeH="0" baseline="0" noProof="0" dirty="0" smtClean="0">
+                <a:ln>
+                  <a:noFill/>
+                </a:ln>
+                <a:solidFill>
+                  <a:srgbClr val="00D8FF"/>
+                </a:solidFill>
+                <a:effectLst/>
+                <a:uLnTx/>
+                <a:uFillTx/>
+                <a:latin typeface="Consolas"/>
+                <a:ea typeface="+mn-ea"/>
+                <a:cs typeface="Calibri"/>
+              </a:rPr>
+              <a:t>Ambient</a:t>
+            </a:r>
+            <a:r>
+              <a:rPr kumimoji="0" lang="en-US" sz="4800" b="0" i="0" u="none" strike="noStrike" kern="1200" cap="none" spc="0" normalizeH="0" noProof="0" dirty="0" smtClean="0">
+                <a:ln>
+                  <a:noFill/>
+                </a:ln>
+                <a:solidFill>
+                  <a:srgbClr val="00D8FF"/>
+                </a:solidFill>
+                <a:effectLst/>
+                <a:uLnTx/>
+                <a:uFillTx/>
+                <a:latin typeface="Consolas"/>
+                <a:ea typeface="+mn-ea"/>
+                <a:cs typeface="Calibri"/>
+              </a:rPr>
+              <a:t> </a:t>
+            </a:r>
+            <a:r>
+              <a:rPr kumimoji="0" lang="en-US" sz="4800" b="0" i="0" u="none" strike="noStrike" kern="1200" cap="none" spc="0" normalizeH="0" baseline="0" noProof="0" dirty="0" err="1" smtClean="0">
+                <a:ln>
+                  <a:noFill/>
+                </a:ln>
+                <a:solidFill>
+                  <a:srgbClr val="00D8FF"/>
+                </a:solidFill>
+                <a:effectLst/>
+                <a:uLnTx/>
+                <a:uFillTx/>
+                <a:latin typeface="Consolas"/>
+                <a:ea typeface="+mn-ea"/>
+                <a:cs typeface="Calibri"/>
+              </a:rPr>
+              <a:t>Enum</a:t>
+            </a:r>
+            <a:endParaRPr kumimoji="0" lang="en-US" sz="4800" b="0" i="0" u="none" strike="noStrike" kern="1200" cap="none" spc="0" normalizeH="0" baseline="0" noProof="0" dirty="0">
+              <a:ln>
+                <a:noFill/>
+              </a:ln>
+              <a:solidFill>
+                <a:srgbClr val="00D8FF"/>
+              </a:solidFill>
+              <a:effectLst/>
+              <a:uLnTx/>
+              <a:uFillTx/>
+              <a:latin typeface="Consolas"/>
+              <a:ea typeface="+mn-ea"/>
+              <a:cs typeface="Calibri"/>
+            </a:endParaRPr>
+          </a:p>
+        </p:txBody>
+      </p:sp>
+    </p:spTree>
+    <p:extLst>
+      <p:ext uri="{BB962C8B-B14F-4D97-AF65-F5344CB8AC3E}">
+        <p14:creationId xmlns:p14="http://schemas.microsoft.com/office/powerpoint/2010/main" val="1968894979"/>
+      </p:ext>
+    </p:extLst>
+  </p:cSld>
+  <p:clrMapOvr>
+    <a:masterClrMapping/>
+  </p:clrMapOvr>
+  <p:timing>
+    <p:tnLst>
+      <p:par>
+        <p:cTn id="1" dur="indefinite" restart="never" nodeType="tmRoot"/>
+      </p:par>
+    </p:tnLst>
+  </p:timing>
+</p:sld>
+</file>
+
+<file path=ppt/slides/slide92.xml><?xml version="1.0" encoding="utf-8"?>
+<p:sld xmlns:a="http://schemas.openxmlformats.org/drawingml/2006/main" xmlns:r="http://schemas.openxmlformats.org/officeDocument/2006/relationships" xmlns:p="http://schemas.openxmlformats.org/presentationml/2006/main">
+  <p:cSld>
+    <p:bg>
+      <p:bgPr>
+        <a:solidFill>
+          <a:srgbClr val="262626"/>
+        </a:solidFill>
+        <a:effectLst/>
+      </p:bgPr>
+    </p:bg>
+    <p:spTree>
+      <p:nvGrpSpPr>
+        <p:cNvPr id="1" name=""/>
+        <p:cNvGrpSpPr/>
+        <p:nvPr/>
+      </p:nvGrpSpPr>
+      <p:grpSpPr>
+        <a:xfrm>
+          <a:off x="0" y="0"/>
+          <a:ext cx="0" cy="0"/>
+          <a:chOff x="0" y="0"/>
+          <a:chExt cx="0" cy="0"/>
+        </a:xfrm>
+      </p:grpSpPr>
+      <p:pic>
+        <p:nvPicPr>
+          <p:cNvPr id="1028" name="Picture 4" descr="Brick Alt Icon Clipart Lego - Component Icon - Png Download - Full ..."/>
+          <p:cNvPicPr>
+            <a:picLocks noChangeAspect="1" noChangeArrowheads="1"/>
+          </p:cNvPicPr>
+          <p:nvPr/>
+        </p:nvPicPr>
+        <p:blipFill>
+          <a:blip r:embed="rId3" cstate="print">
+            <a:extLst>
+              <a:ext uri="{28A0092B-C50C-407E-A947-70E740481C1C}">
+                <a14:useLocalDpi xmlns:a14="http://schemas.microsoft.com/office/drawing/2010/main" val="0"/>
+              </a:ext>
+            </a:extLst>
+          </a:blip>
+          <a:srcRect/>
+          <a:stretch>
+            <a:fillRect/>
+          </a:stretch>
+        </p:blipFill>
+        <p:spPr bwMode="auto">
+          <a:xfrm>
+            <a:off x="4695924" y="2767815"/>
+            <a:ext cx="3222625" cy="3222625"/>
+          </a:xfrm>
+          <a:prstGeom prst="rect">
+            <a:avLst/>
+          </a:prstGeom>
+          <a:noFill/>
+          <a:extLst>
+            <a:ext uri="{909E8E84-426E-40DD-AFC4-6F175D3DCCD1}">
+              <a14:hiddenFill xmlns:a14="http://schemas.microsoft.com/office/drawing/2010/main">
+                <a:solidFill>
+                  <a:srgbClr val="FFFFFF"/>
+                </a:solidFill>
+              </a14:hiddenFill>
+            </a:ext>
+          </a:extLst>
+        </p:spPr>
+      </p:pic>
+      <p:pic>
+        <p:nvPicPr>
+          <p:cNvPr id="6" name="Picture 4" descr="Brick Alt Icon Clipart Lego - Component Icon - Png Download - Full ..."/>
+          <p:cNvPicPr>
+            <a:picLocks noChangeAspect="1" noChangeArrowheads="1"/>
+          </p:cNvPicPr>
+          <p:nvPr/>
+        </p:nvPicPr>
+        <p:blipFill>
+          <a:blip r:embed="rId3" cstate="print">
+            <a:extLst>
+              <a:ext uri="{28A0092B-C50C-407E-A947-70E740481C1C}">
+                <a14:useLocalDpi xmlns:a14="http://schemas.microsoft.com/office/drawing/2010/main" val="0"/>
+              </a:ext>
+            </a:extLst>
+          </a:blip>
+          <a:srcRect/>
+          <a:stretch>
+            <a:fillRect/>
+          </a:stretch>
+        </p:blipFill>
+        <p:spPr bwMode="auto">
+          <a:xfrm>
+            <a:off x="4695923" y="1514928"/>
+            <a:ext cx="3222625" cy="3222625"/>
+          </a:xfrm>
+          <a:prstGeom prst="rect">
+            <a:avLst/>
+          </a:prstGeom>
+          <a:noFill/>
+          <a:extLst>
+            <a:ext uri="{909E8E84-426E-40DD-AFC4-6F175D3DCCD1}">
+              <a14:hiddenFill xmlns:a14="http://schemas.microsoft.com/office/drawing/2010/main">
+                <a:solidFill>
+                  <a:srgbClr val="FFFFFF"/>
+                </a:solidFill>
+              </a14:hiddenFill>
+            </a:ext>
+          </a:extLst>
+        </p:spPr>
+      </p:pic>
+      <p:sp>
+        <p:nvSpPr>
+          <p:cNvPr id="9" name="Прямоугольник 8"/>
+          <p:cNvSpPr/>
+          <p:nvPr/>
+        </p:nvSpPr>
+        <p:spPr>
+          <a:xfrm>
+            <a:off x="522443" y="2949092"/>
+            <a:ext cx="3228769" cy="830997"/>
+          </a:xfrm>
+          <a:prstGeom prst="rect">
+            <a:avLst/>
+          </a:prstGeom>
+        </p:spPr>
+        <p:txBody>
+          <a:bodyPr wrap="none">
+            <a:spAutoFit/>
+          </a:bodyPr>
+          <a:lstStyle/>
+          <a:p>
+            <a:pPr marL="0" marR="0" lvl="0" indent="0" algn="ctr" defTabSz="914400" rtl="0" eaLnBrk="1" fontAlgn="auto" latinLnBrk="0" hangingPunct="1">
+              <a:lnSpc>
+                <a:spcPct val="100000"/>
+              </a:lnSpc>
+              <a:spcBef>
+                <a:spcPts val="0"/>
+              </a:spcBef>
+              <a:spcAft>
+                <a:spcPts val="0"/>
+              </a:spcAft>
+              <a:buClrTx/>
+              <a:buSzTx/>
+              <a:buFontTx/>
+              <a:buNone/>
+              <a:tabLst/>
+              <a:defRPr/>
+            </a:pPr>
+            <a:r>
+              <a:rPr kumimoji="0" lang="en-US" sz="4800" b="0" i="0" u="none" strike="noStrike" kern="1200" cap="none" spc="0" normalizeH="0" baseline="0" noProof="0" dirty="0" smtClean="0">
+                <a:ln>
+                  <a:noFill/>
+                </a:ln>
+                <a:solidFill>
+                  <a:srgbClr val="00D8FF"/>
+                </a:solidFill>
+                <a:effectLst/>
+                <a:uLnTx/>
+                <a:uFillTx/>
+                <a:latin typeface="Consolas"/>
+                <a:ea typeface="+mn-ea"/>
+                <a:cs typeface="Calibri"/>
+              </a:rPr>
+              <a:t>Program A</a:t>
+            </a:r>
+            <a:endParaRPr kumimoji="0" lang="en-US" sz="4800" b="0" i="0" u="none" strike="noStrike" kern="1200" cap="none" spc="0" normalizeH="0" baseline="0" noProof="0" dirty="0">
+              <a:ln>
+                <a:noFill/>
+              </a:ln>
+              <a:solidFill>
+                <a:srgbClr val="00D8FF"/>
+              </a:solidFill>
+              <a:effectLst/>
+              <a:uLnTx/>
+              <a:uFillTx/>
+              <a:latin typeface="Consolas"/>
+              <a:ea typeface="+mn-ea"/>
+              <a:cs typeface="Calibri"/>
+            </a:endParaRPr>
+          </a:p>
+        </p:txBody>
+      </p:sp>
+      <p:sp>
+        <p:nvSpPr>
+          <p:cNvPr id="10" name="Прямоугольник 9"/>
+          <p:cNvSpPr/>
+          <p:nvPr/>
+        </p:nvSpPr>
+        <p:spPr>
+          <a:xfrm>
+            <a:off x="8509807" y="2949091"/>
+            <a:ext cx="3228769" cy="830997"/>
+          </a:xfrm>
+          <a:prstGeom prst="rect">
+            <a:avLst/>
+          </a:prstGeom>
+        </p:spPr>
+        <p:txBody>
+          <a:bodyPr wrap="none">
+            <a:spAutoFit/>
+          </a:bodyPr>
+          <a:lstStyle/>
+          <a:p>
+            <a:pPr marL="0" marR="0" lvl="0" indent="0" algn="ctr" defTabSz="914400" rtl="0" eaLnBrk="1" fontAlgn="auto" latinLnBrk="0" hangingPunct="1">
+              <a:lnSpc>
+                <a:spcPct val="100000"/>
+              </a:lnSpc>
+              <a:spcBef>
+                <a:spcPts val="0"/>
+              </a:spcBef>
+              <a:spcAft>
+                <a:spcPts val="0"/>
+              </a:spcAft>
+              <a:buClrTx/>
+              <a:buSzTx/>
+              <a:buFontTx/>
+              <a:buNone/>
+              <a:tabLst/>
+              <a:defRPr/>
+            </a:pPr>
+            <a:r>
+              <a:rPr kumimoji="0" lang="en-US" sz="4800" b="0" i="0" u="none" strike="noStrike" kern="1200" cap="none" spc="0" normalizeH="0" baseline="0" noProof="0" dirty="0" smtClean="0">
+                <a:ln>
+                  <a:noFill/>
+                </a:ln>
+                <a:solidFill>
+                  <a:srgbClr val="00D8FF"/>
+                </a:solidFill>
+                <a:effectLst/>
+                <a:uLnTx/>
+                <a:uFillTx/>
+                <a:latin typeface="Consolas"/>
+                <a:ea typeface="+mn-ea"/>
+                <a:cs typeface="Calibri"/>
+              </a:rPr>
+              <a:t>Program B</a:t>
+            </a:r>
+            <a:endParaRPr kumimoji="0" lang="en-US" sz="4800" b="0" i="0" u="none" strike="noStrike" kern="1200" cap="none" spc="0" normalizeH="0" baseline="0" noProof="0" dirty="0">
+              <a:ln>
+                <a:noFill/>
+              </a:ln>
+              <a:solidFill>
+                <a:srgbClr val="00D8FF"/>
+              </a:solidFill>
+              <a:effectLst/>
+              <a:uLnTx/>
+              <a:uFillTx/>
+              <a:latin typeface="Consolas"/>
+              <a:ea typeface="+mn-ea"/>
+              <a:cs typeface="Calibri"/>
+            </a:endParaRPr>
+          </a:p>
+        </p:txBody>
+      </p:sp>
+    </p:spTree>
+    <p:extLst>
+      <p:ext uri="{BB962C8B-B14F-4D97-AF65-F5344CB8AC3E}">
+        <p14:creationId xmlns:p14="http://schemas.microsoft.com/office/powerpoint/2010/main" val="1911388670"/>
+      </p:ext>
+    </p:extLst>
+  </p:cSld>
+  <p:clrMapOvr>
+    <a:masterClrMapping/>
+  </p:clrMapOvr>
+  <p:timing>
+    <p:tnLst>
+      <p:par>
+        <p:cTn id="1" dur="indefinite" restart="never" nodeType="tmRoot">
+          <p:childTnLst>
+            <p:seq concurrent="1" nextAc="seek">
+              <p:cTn id="2" dur="indefinite" nodeType="mainSeq">
+                <p:childTnLst>
+                  <p:par>
+                    <p:cTn id="3" fill="hold">
+                      <p:stCondLst>
+                        <p:cond delay="indefinite"/>
+                      </p:stCondLst>
+                      <p:childTnLst>
+                        <p:par>
+                          <p:cTn id="4" fill="hold">
+                            <p:stCondLst>
+                              <p:cond delay="0"/>
+                            </p:stCondLst>
+                            <p:childTnLst>
+                              <p:par>
+                                <p:cTn id="5" presetID="10" presetClass="entr" presetSubtype="0" fill="hold" nodeType="clickEffect">
+                                  <p:stCondLst>
+                                    <p:cond delay="0"/>
+                                  </p:stCondLst>
+                                  <p:childTnLst>
+                                    <p:set>
+                                      <p:cBhvr>
+                                        <p:cTn id="6" dur="1" fill="hold">
+                                          <p:stCondLst>
+                                            <p:cond delay="0"/>
+                                          </p:stCondLst>
+                                        </p:cTn>
+                                        <p:tgtEl>
+                                          <p:spTgt spid="6"/>
+                                        </p:tgtEl>
+                                        <p:attrNameLst>
+                                          <p:attrName>style.visibility</p:attrName>
+                                        </p:attrNameLst>
+                                      </p:cBhvr>
+                                      <p:to>
+                                        <p:strVal val="visible"/>
+                                      </p:to>
+                                    </p:set>
+                                    <p:animEffect transition="in" filter="fade">
+                                      <p:cBhvr>
+                                        <p:cTn id="7" dur="500"/>
+                                        <p:tgtEl>
+                                          <p:spTgt spid="6"/>
+                                        </p:tgtEl>
+                                      </p:cBhvr>
+                                    </p:animEffect>
+                                  </p:childTnLst>
+                                </p:cTn>
+                              </p:par>
+                            </p:childTnLst>
+                          </p:cTn>
+                        </p:par>
+                      </p:childTnLst>
+                    </p:cTn>
+                  </p:par>
+                  <p:par>
+                    <p:cTn id="8" fill="hold">
+                      <p:stCondLst>
+                        <p:cond delay="indefinite"/>
+                      </p:stCondLst>
+                      <p:childTnLst>
+                        <p:par>
+                          <p:cTn id="9" fill="hold">
+                            <p:stCondLst>
+                              <p:cond delay="0"/>
+                            </p:stCondLst>
+                            <p:childTnLst>
+                              <p:par>
+                                <p:cTn id="10" presetID="10" presetClass="entr" presetSubtype="0" fill="hold" grpId="0" nodeType="clickEffect">
+                                  <p:stCondLst>
+                                    <p:cond delay="0"/>
+                                  </p:stCondLst>
+                                  <p:childTnLst>
+                                    <p:set>
+                                      <p:cBhvr>
+                                        <p:cTn id="11" dur="1" fill="hold">
+                                          <p:stCondLst>
+                                            <p:cond delay="0"/>
+                                          </p:stCondLst>
+                                        </p:cTn>
+                                        <p:tgtEl>
+                                          <p:spTgt spid="9"/>
+                                        </p:tgtEl>
+                                        <p:attrNameLst>
+                                          <p:attrName>style.visibility</p:attrName>
+                                        </p:attrNameLst>
+                                      </p:cBhvr>
+                                      <p:to>
+                                        <p:strVal val="visible"/>
+                                      </p:to>
+                                    </p:set>
+                                    <p:animEffect transition="in" filter="fade">
+                                      <p:cBhvr>
+                                        <p:cTn id="12" dur="500"/>
+                                        <p:tgtEl>
+                                          <p:spTgt spid="9"/>
+                                        </p:tgtEl>
+                                      </p:cBhvr>
+                                    </p:animEffect>
+                                  </p:childTnLst>
+                                </p:cTn>
+                              </p:par>
+                            </p:childTnLst>
+                          </p:cTn>
+                        </p:par>
+                      </p:childTnLst>
+                    </p:cTn>
+                  </p:par>
+                  <p:par>
+                    <p:cTn id="13" fill="hold">
+                      <p:stCondLst>
+                        <p:cond delay="indefinite"/>
+                      </p:stCondLst>
+                      <p:childTnLst>
+                        <p:par>
+                          <p:cTn id="14" fill="hold">
+                            <p:stCondLst>
+                              <p:cond delay="0"/>
+                            </p:stCondLst>
+                            <p:childTnLst>
+                              <p:par>
+                                <p:cTn id="15" presetID="10" presetClass="entr" presetSubtype="0" fill="hold" grpId="0" nodeType="clickEffect">
+                                  <p:stCondLst>
+                                    <p:cond delay="0"/>
+                                  </p:stCondLst>
+                                  <p:childTnLst>
+                                    <p:set>
+                                      <p:cBhvr>
+                                        <p:cTn id="16" dur="1" fill="hold">
+                                          <p:stCondLst>
+                                            <p:cond delay="0"/>
+                                          </p:stCondLst>
+                                        </p:cTn>
+                                        <p:tgtEl>
+                                          <p:spTgt spid="10"/>
+                                        </p:tgtEl>
+                                        <p:attrNameLst>
+                                          <p:attrName>style.visibility</p:attrName>
+                                        </p:attrNameLst>
+                                      </p:cBhvr>
+                                      <p:to>
+                                        <p:strVal val="visible"/>
+                                      </p:to>
+                                    </p:set>
+                                    <p:animEffect transition="in" filter="fade">
+                                      <p:cBhvr>
+                                        <p:cTn id="17" dur="500"/>
+                                        <p:tgtEl>
+                                          <p:spTgt spid="10"/>
+                                        </p:tgtEl>
+                                      </p:cBhvr>
+                                    </p:animEffect>
+                                  </p:childTnLst>
+                                </p:cTn>
+                              </p:par>
+                            </p:childTnLst>
+                          </p:cTn>
+                        </p:par>
+                      </p:childTnLst>
+                    </p:cTn>
+                  </p:par>
+                </p:childTnLst>
+              </p:cTn>
+              <p:prevCondLst>
+                <p:cond evt="onPrev" delay="0">
+                  <p:tgtEl>
+                    <p:sldTgt/>
+                  </p:tgtEl>
+                </p:cond>
+              </p:prevCondLst>
+              <p:nextCondLst>
+                <p:cond evt="onNext" delay="0">
+                  <p:tgtEl>
+                    <p:sldTgt/>
+                  </p:tgtEl>
+                </p:cond>
+              </p:nextCondLst>
+            </p:seq>
+          </p:childTnLst>
+        </p:cTn>
+      </p:par>
+    </p:tnLst>
+    <p:bldLst>
+      <p:bldP spid="9" grpId="0"/>
+      <p:bldP spid="10" grpId="0"/>
+    </p:bldLst>
+  </p:timing>
+</p:sld>
+</file>
+
+<file path=ppt/slides/slide93.xml><?xml version="1.0" encoding="utf-8"?>
+<p:sld xmlns:a="http://schemas.openxmlformats.org/drawingml/2006/main" xmlns:r="http://schemas.openxmlformats.org/officeDocument/2006/relationships" xmlns:p="http://schemas.openxmlformats.org/presentationml/2006/main">
+  <p:cSld>
+    <p:bg>
+      <p:bgPr>
+        <a:solidFill>
+          <a:srgbClr val="262626"/>
+        </a:solidFill>
+        <a:effectLst/>
+      </p:bgPr>
+    </p:bg>
+    <p:spTree>
+      <p:nvGrpSpPr>
+        <p:cNvPr id="1" name=""/>
+        <p:cNvGrpSpPr/>
+        <p:nvPr/>
+      </p:nvGrpSpPr>
+      <p:grpSpPr>
+        <a:xfrm>
+          <a:off x="0" y="0"/>
+          <a:ext cx="0" cy="0"/>
+          <a:chOff x="0" y="0"/>
+          <a:chExt cx="0" cy="0"/>
+        </a:xfrm>
+      </p:grpSpPr>
+      <p:pic>
+        <p:nvPicPr>
+          <p:cNvPr id="7" name="Рисунок 5">
+            <a:extLst>
+              <a:ext uri="{FF2B5EF4-FFF2-40B4-BE49-F238E27FC236}">
+                <a16:creationId xmlns:a16="http://schemas.microsoft.com/office/drawing/2014/main" id="{B0D009A0-57C3-4D4D-B1D0-6B70F709CD8A}"/>
+              </a:ext>
+            </a:extLst>
+          </p:cNvPr>
+          <p:cNvPicPr>
+            <a:picLocks noChangeAspect="1"/>
+          </p:cNvPicPr>
+          <p:nvPr/>
+        </p:nvPicPr>
+        <p:blipFill>
+          <a:blip r:embed="rId3"/>
+          <a:stretch>
+            <a:fillRect/>
+          </a:stretch>
+        </p:blipFill>
+        <p:spPr>
+          <a:xfrm>
+            <a:off x="2525874" y="3065834"/>
+            <a:ext cx="1823050" cy="2034312"/>
+          </a:xfrm>
+          <a:prstGeom prst="rect">
+            <a:avLst/>
+          </a:prstGeom>
+        </p:spPr>
+      </p:pic>
+      <p:pic>
+        <p:nvPicPr>
+          <p:cNvPr id="8" name="Рисунок 9">
+            <a:extLst>
+              <a:ext uri="{FF2B5EF4-FFF2-40B4-BE49-F238E27FC236}">
+                <a16:creationId xmlns:a16="http://schemas.microsoft.com/office/drawing/2014/main" id="{E8BB2BAD-B852-4F51-B94F-087CF76564AF}"/>
+              </a:ext>
+            </a:extLst>
+          </p:cNvPr>
+          <p:cNvPicPr>
+            <a:picLocks noChangeAspect="1"/>
+          </p:cNvPicPr>
+          <p:nvPr/>
+        </p:nvPicPr>
+        <p:blipFill>
+          <a:blip r:embed="rId4"/>
+          <a:stretch>
+            <a:fillRect/>
+          </a:stretch>
+        </p:blipFill>
+        <p:spPr>
+          <a:xfrm>
+            <a:off x="8219712" y="2408704"/>
+            <a:ext cx="1587698" cy="2691442"/>
+          </a:xfrm>
+          <a:prstGeom prst="rect">
+            <a:avLst/>
+          </a:prstGeom>
+        </p:spPr>
+      </p:pic>
+      <p:sp>
+        <p:nvSpPr>
+          <p:cNvPr id="3" name="Прямоугольник 2"/>
+          <p:cNvSpPr/>
+          <p:nvPr/>
+        </p:nvSpPr>
+        <p:spPr>
+          <a:xfrm>
+            <a:off x="4675470" y="799692"/>
+            <a:ext cx="3228769" cy="830997"/>
+          </a:xfrm>
+          <a:prstGeom prst="rect">
+            <a:avLst/>
+          </a:prstGeom>
+        </p:spPr>
+        <p:txBody>
+          <a:bodyPr wrap="none">
+            <a:spAutoFit/>
+          </a:bodyPr>
+          <a:lstStyle/>
+          <a:p>
+            <a:r>
+              <a:rPr lang="en-US" sz="4800" dirty="0" smtClean="0">
+                <a:solidFill>
+                  <a:srgbClr val="00D8FF"/>
+                </a:solidFill>
+                <a:latin typeface="Consolas"/>
+                <a:cs typeface="Calibri"/>
+              </a:rPr>
+              <a:t>&lt;Generic&gt;</a:t>
+            </a:r>
+            <a:endParaRPr lang="ru-RU" dirty="0"/>
+          </a:p>
+        </p:txBody>
+      </p:sp>
+    </p:spTree>
+    <p:extLst>
+      <p:ext uri="{BB962C8B-B14F-4D97-AF65-F5344CB8AC3E}">
+        <p14:creationId xmlns:p14="http://schemas.microsoft.com/office/powerpoint/2010/main" val="2667523666"/>
+      </p:ext>
+    </p:extLst>
+  </p:cSld>
+  <p:clrMapOvr>
+    <a:masterClrMapping/>
+  </p:clrMapOvr>
+  <p:timing>
+    <p:tnLst>
+      <p:par>
+        <p:cTn id="1" dur="indefinite" restart="never" nodeType="tmRoot"/>
+      </p:par>
+    </p:tnLst>
+  </p:timing>
+</p:sld>
+</file>
+
+<file path=ppt/slides/slide94.xml><?xml version="1.0" encoding="utf-8"?>
+<p:sld xmlns:a="http://schemas.openxmlformats.org/drawingml/2006/main" xmlns:r="http://schemas.openxmlformats.org/officeDocument/2006/relationships" xmlns:p="http://schemas.openxmlformats.org/presentationml/2006/main">
+  <p:cSld>
+    <p:bg>
+      <p:bgPr>
+        <a:solidFill>
+          <a:srgbClr val="262626"/>
+        </a:solidFill>
+        <a:effectLst/>
+      </p:bgPr>
+    </p:bg>
+    <p:spTree>
+      <p:nvGrpSpPr>
+        <p:cNvPr id="1" name=""/>
+        <p:cNvGrpSpPr/>
+        <p:nvPr/>
+      </p:nvGrpSpPr>
+      <p:grpSpPr>
+        <a:xfrm>
+          <a:off x="0" y="0"/>
+          <a:ext cx="0" cy="0"/>
+          <a:chOff x="0" y="0"/>
+          <a:chExt cx="0" cy="0"/>
+        </a:xfrm>
+      </p:grpSpPr>
+      <p:sp>
+        <p:nvSpPr>
+          <p:cNvPr id="5" name="Прямоугольник 4"/>
+          <p:cNvSpPr/>
+          <p:nvPr/>
+        </p:nvSpPr>
+        <p:spPr>
+          <a:xfrm>
+            <a:off x="1617207" y="2877953"/>
+            <a:ext cx="9316974" cy="830997"/>
+          </a:xfrm>
+          <a:prstGeom prst="rect">
+            <a:avLst/>
+          </a:prstGeom>
+        </p:spPr>
+        <p:txBody>
+          <a:bodyPr wrap="none">
+            <a:spAutoFit/>
+          </a:bodyPr>
+          <a:lstStyle/>
+          <a:p>
+            <a:pPr lvl="0" algn="ctr">
+              <a:defRPr/>
+            </a:pPr>
+            <a:r>
+              <a:rPr lang="en-US" sz="4800" dirty="0">
+                <a:solidFill>
+                  <a:srgbClr val="00D8FF"/>
+                </a:solidFill>
+                <a:latin typeface="Consolas"/>
+                <a:cs typeface="Calibri"/>
+              </a:rPr>
+              <a:t>f</a:t>
+            </a:r>
+            <a:r>
+              <a:rPr kumimoji="0" lang="en-US" sz="4800" b="0" i="0" u="none" strike="noStrike" kern="1200" cap="none" spc="0" normalizeH="0" baseline="0" noProof="0" dirty="0" smtClean="0">
+                <a:ln>
+                  <a:noFill/>
+                </a:ln>
+                <a:solidFill>
+                  <a:srgbClr val="00D8FF"/>
+                </a:solidFill>
+                <a:effectLst/>
+                <a:uLnTx/>
+                <a:uFillTx/>
+                <a:latin typeface="Consolas"/>
+                <a:ea typeface="+mn-ea"/>
+                <a:cs typeface="Calibri"/>
+              </a:rPr>
+              <a:t>unction y</a:t>
+            </a:r>
+            <a:r>
+              <a:rPr kumimoji="0" lang="en-US" sz="4800" b="0" i="0" u="none" strike="noStrike" kern="1200" cap="none" spc="0" normalizeH="0" baseline="0" noProof="0" dirty="0" smtClean="0">
+                <a:ln>
+                  <a:noFill/>
+                </a:ln>
+                <a:solidFill>
+                  <a:srgbClr val="BF4141"/>
+                </a:solidFill>
+                <a:effectLst/>
+                <a:uLnTx/>
+                <a:uFillTx/>
+                <a:latin typeface="Consolas"/>
+                <a:ea typeface="+mn-ea"/>
+                <a:cs typeface="Calibri"/>
+              </a:rPr>
+              <a:t>&lt;</a:t>
+            </a:r>
+            <a:r>
+              <a:rPr kumimoji="0" lang="en-US" sz="4800" b="0" i="0" u="none" strike="noStrike" kern="1200" cap="none" spc="0" normalizeH="0" baseline="0" noProof="0" dirty="0" err="1" smtClean="0">
+                <a:ln>
+                  <a:noFill/>
+                </a:ln>
+                <a:solidFill>
+                  <a:srgbClr val="BF4141"/>
+                </a:solidFill>
+                <a:effectLst/>
+                <a:uLnTx/>
+                <a:uFillTx/>
+                <a:latin typeface="Consolas"/>
+                <a:ea typeface="+mn-ea"/>
+                <a:cs typeface="Calibri"/>
+              </a:rPr>
+              <a:t>TType</a:t>
+            </a:r>
+            <a:r>
+              <a:rPr lang="en-US" sz="4800" dirty="0">
+                <a:solidFill>
+                  <a:srgbClr val="BF4141"/>
+                </a:solidFill>
+                <a:latin typeface="Consolas"/>
+                <a:cs typeface="Calibri"/>
+              </a:rPr>
+              <a:t>&gt;</a:t>
+            </a:r>
+            <a:r>
+              <a:rPr lang="en-US" sz="4800" dirty="0">
+                <a:solidFill>
+                  <a:srgbClr val="00D8FF"/>
+                </a:solidFill>
+                <a:latin typeface="Consolas"/>
+                <a:cs typeface="Calibri"/>
+              </a:rPr>
+              <a:t>(x</a:t>
+            </a:r>
+            <a:r>
+              <a:rPr lang="en-US" sz="4800" dirty="0">
+                <a:solidFill>
+                  <a:srgbClr val="BF4141"/>
+                </a:solidFill>
+                <a:latin typeface="Consolas"/>
+                <a:cs typeface="Calibri"/>
+              </a:rPr>
+              <a:t>: </a:t>
+            </a:r>
+            <a:r>
+              <a:rPr lang="en-US" sz="4800" dirty="0" err="1">
+                <a:solidFill>
+                  <a:srgbClr val="BF4141"/>
+                </a:solidFill>
+                <a:latin typeface="Consolas"/>
+                <a:cs typeface="Calibri"/>
+              </a:rPr>
+              <a:t>TType</a:t>
+            </a:r>
+            <a:r>
+              <a:rPr lang="en-US" sz="4800" dirty="0">
+                <a:solidFill>
+                  <a:srgbClr val="00D8FF"/>
+                </a:solidFill>
+                <a:latin typeface="Consolas"/>
+                <a:cs typeface="Calibri"/>
+              </a:rPr>
+              <a:t>)</a:t>
+            </a:r>
+            <a:endParaRPr kumimoji="0" lang="en-US" sz="4800" b="0" i="0" u="none" strike="noStrike" kern="1200" cap="none" spc="0" normalizeH="0" baseline="0" noProof="0" dirty="0">
+              <a:ln>
+                <a:noFill/>
+              </a:ln>
+              <a:solidFill>
+                <a:srgbClr val="00D8FF"/>
+              </a:solidFill>
+              <a:effectLst/>
+              <a:uLnTx/>
+              <a:uFillTx/>
+              <a:latin typeface="Consolas"/>
+              <a:ea typeface="+mn-ea"/>
+              <a:cs typeface="Calibri"/>
+            </a:endParaRPr>
+          </a:p>
+        </p:txBody>
+      </p:sp>
+      <p:sp>
+        <p:nvSpPr>
+          <p:cNvPr id="6" name="Прямоугольник 5"/>
+          <p:cNvSpPr/>
+          <p:nvPr/>
+        </p:nvSpPr>
+        <p:spPr>
+          <a:xfrm>
+            <a:off x="2164625" y="2877953"/>
+            <a:ext cx="8640507" cy="830997"/>
+          </a:xfrm>
+          <a:prstGeom prst="rect">
+            <a:avLst/>
+          </a:prstGeom>
+        </p:spPr>
+        <p:txBody>
+          <a:bodyPr wrap="none">
+            <a:spAutoFit/>
+          </a:bodyPr>
+          <a:lstStyle/>
+          <a:p>
+            <a:r>
+              <a:rPr lang="en-US" sz="4800" dirty="0" err="1" smtClean="0">
+                <a:solidFill>
+                  <a:srgbClr val="00D8FF"/>
+                </a:solidFill>
+                <a:latin typeface="Consolas"/>
+                <a:cs typeface="Calibri"/>
+              </a:rPr>
+              <a:t>TType</a:t>
+            </a:r>
+            <a:r>
+              <a:rPr lang="en-US" sz="4800" dirty="0" smtClean="0">
+                <a:solidFill>
+                  <a:srgbClr val="00D8FF"/>
+                </a:solidFill>
+                <a:latin typeface="Consolas"/>
+                <a:cs typeface="Calibri"/>
+              </a:rPr>
+              <a:t> </a:t>
+            </a:r>
+            <a:r>
+              <a:rPr lang="en-US" sz="4800" dirty="0" smtClean="0">
+                <a:solidFill>
+                  <a:srgbClr val="BF4141"/>
+                </a:solidFill>
+                <a:latin typeface="Consolas"/>
+                <a:cs typeface="Calibri"/>
+              </a:rPr>
+              <a:t>===</a:t>
+            </a:r>
+            <a:r>
+              <a:rPr lang="en-US" sz="4800" dirty="0" smtClean="0">
+                <a:solidFill>
+                  <a:srgbClr val="00D8FF"/>
+                </a:solidFill>
+                <a:latin typeface="Consolas"/>
+                <a:cs typeface="Calibri"/>
+              </a:rPr>
+              <a:t> {} (empty type)</a:t>
+            </a:r>
+            <a:endParaRPr lang="ru-RU" dirty="0">
+              <a:solidFill>
+                <a:srgbClr val="00D8FF"/>
+              </a:solidFill>
+            </a:endParaRPr>
+          </a:p>
+        </p:txBody>
+      </p:sp>
+    </p:spTree>
+    <p:extLst>
+      <p:ext uri="{BB962C8B-B14F-4D97-AF65-F5344CB8AC3E}">
+        <p14:creationId xmlns:p14="http://schemas.microsoft.com/office/powerpoint/2010/main" val="3148839028"/>
+      </p:ext>
+    </p:extLst>
+  </p:cSld>
+  <p:clrMapOvr>
+    <a:masterClrMapping/>
+  </p:clrMapOvr>
+  <p:timing>
+    <p:tnLst>
+      <p:par>
+        <p:cTn id="1" dur="indefinite" restart="never" nodeType="tmRoot">
+          <p:childTnLst>
+            <p:seq concurrent="1" nextAc="seek">
+              <p:cTn id="2" dur="indefinite" nodeType="mainSeq">
+                <p:childTnLst>
+                  <p:par>
+                    <p:cTn id="3" fill="hold">
+                      <p:stCondLst>
+                        <p:cond delay="indefinite"/>
+                      </p:stCondLst>
+                      <p:childTnLst>
+                        <p:par>
+                          <p:cTn id="4" fill="hold">
+                            <p:stCondLst>
+                              <p:cond delay="0"/>
+                            </p:stCondLst>
+                            <p:childTnLst>
+                              <p:par>
+                                <p:cTn id="5" presetID="10" presetClass="exit" presetSubtype="0" fill="hold" grpId="0" nodeType="clickEffect">
+                                  <p:stCondLst>
+                                    <p:cond delay="0"/>
+                                  </p:stCondLst>
+                                  <p:childTnLst>
+                                    <p:animEffect transition="out" filter="fade">
+                                      <p:cBhvr>
+                                        <p:cTn id="6" dur="500"/>
+                                        <p:tgtEl>
+                                          <p:spTgt spid="5"/>
+                                        </p:tgtEl>
+                                      </p:cBhvr>
+                                    </p:animEffect>
+                                    <p:set>
+                                      <p:cBhvr>
+                                        <p:cTn id="7" dur="1" fill="hold">
+                                          <p:stCondLst>
+                                            <p:cond delay="499"/>
+                                          </p:stCondLst>
+                                        </p:cTn>
+                                        <p:tgtEl>
+                                          <p:spTgt spid="5"/>
+                                        </p:tgtEl>
+                                        <p:attrNameLst>
+                                          <p:attrName>style.visibility</p:attrName>
+                                        </p:attrNameLst>
+                                      </p:cBhvr>
+                                      <p:to>
+                                        <p:strVal val="hidden"/>
+                                      </p:to>
+                                    </p:set>
+                                  </p:childTnLst>
+                                </p:cTn>
+                              </p:par>
+                              <p:par>
+                                <p:cTn id="8" presetID="10" presetClass="entr" presetSubtype="0" fill="hold" grpId="0" nodeType="withEffect">
+                                  <p:stCondLst>
+                                    <p:cond delay="0"/>
+                                  </p:stCondLst>
+                                  <p:childTnLst>
+                                    <p:set>
+                                      <p:cBhvr>
+                                        <p:cTn id="9" dur="1" fill="hold">
+                                          <p:stCondLst>
+                                            <p:cond delay="0"/>
+                                          </p:stCondLst>
+                                        </p:cTn>
+                                        <p:tgtEl>
+                                          <p:spTgt spid="6"/>
+                                        </p:tgtEl>
+                                        <p:attrNameLst>
+                                          <p:attrName>style.visibility</p:attrName>
+                                        </p:attrNameLst>
+                                      </p:cBhvr>
+                                      <p:to>
+                                        <p:strVal val="visible"/>
+                                      </p:to>
+                                    </p:set>
+                                    <p:animEffect transition="in" filter="fade">
+                                      <p:cBhvr>
+                                        <p:cTn id="10" dur="500"/>
+                                        <p:tgtEl>
+                                          <p:spTgt spid="6"/>
+                                        </p:tgtEl>
+                                      </p:cBhvr>
+                                    </p:animEffect>
+                                  </p:childTnLst>
+                                </p:cTn>
+                              </p:par>
+                            </p:childTnLst>
+                          </p:cTn>
+                        </p:par>
+                      </p:childTnLst>
+                    </p:cTn>
+                  </p:par>
+                </p:childTnLst>
+              </p:cTn>
+              <p:prevCondLst>
+                <p:cond evt="onPrev" delay="0">
+                  <p:tgtEl>
+                    <p:sldTgt/>
+                  </p:tgtEl>
+                </p:cond>
+              </p:prevCondLst>
+              <p:nextCondLst>
+                <p:cond evt="onNext" delay="0">
+                  <p:tgtEl>
+                    <p:sldTgt/>
+                  </p:tgtEl>
+                </p:cond>
+              </p:nextCondLst>
+            </p:seq>
+          </p:childTnLst>
+        </p:cTn>
+      </p:par>
+    </p:tnLst>
+    <p:bldLst>
+      <p:bldP spid="5" grpId="0"/>
+      <p:bldP spid="6" grpId="0"/>
+    </p:bldLst>
+  </p:timing>
+</p:sld>
+</file>
+
+<file path=ppt/slides/slide95.xml><?xml version="1.0" encoding="utf-8"?>
+<p:sld xmlns:a="http://schemas.openxmlformats.org/drawingml/2006/main" xmlns:r="http://schemas.openxmlformats.org/officeDocument/2006/relationships" xmlns:p="http://schemas.openxmlformats.org/presentationml/2006/main">
+  <p:cSld>
+    <p:bg>
+      <p:bgPr>
+        <a:solidFill>
+          <a:srgbClr val="262626"/>
+        </a:solidFill>
+        <a:effectLst/>
+      </p:bgPr>
+    </p:bg>
+    <p:spTree>
+      <p:nvGrpSpPr>
+        <p:cNvPr id="1" name=""/>
+        <p:cNvGrpSpPr/>
+        <p:nvPr/>
+      </p:nvGrpSpPr>
+      <p:grpSpPr>
+        <a:xfrm>
+          <a:off x="0" y="0"/>
+          <a:ext cx="0" cy="0"/>
+          <a:chOff x="0" y="0"/>
+          <a:chExt cx="0" cy="0"/>
+        </a:xfrm>
+      </p:grpSpPr>
+      <p:sp>
+        <p:nvSpPr>
+          <p:cNvPr id="5" name="Прямоугольник 4"/>
+          <p:cNvSpPr/>
+          <p:nvPr/>
+        </p:nvSpPr>
+        <p:spPr>
+          <a:xfrm>
+            <a:off x="240889" y="2839452"/>
+            <a:ext cx="11684610" cy="830997"/>
+          </a:xfrm>
+          <a:prstGeom prst="rect">
+            <a:avLst/>
+          </a:prstGeom>
+        </p:spPr>
+        <p:txBody>
+          <a:bodyPr wrap="none">
+            <a:spAutoFit/>
+          </a:bodyPr>
+          <a:lstStyle/>
+          <a:p>
+            <a:pPr lvl="0" algn="ctr">
+              <a:defRPr/>
+            </a:pPr>
+            <a:r>
+              <a:rPr lang="en-US" sz="4800" noProof="0" dirty="0" smtClean="0">
+                <a:solidFill>
+                  <a:srgbClr val="00D8FF"/>
+                </a:solidFill>
+                <a:latin typeface="Consolas"/>
+                <a:cs typeface="Calibri"/>
+              </a:rPr>
+              <a:t>Type t = </a:t>
+            </a:r>
+            <a:r>
+              <a:rPr lang="en-US" sz="4800" noProof="0" dirty="0" smtClean="0">
+                <a:solidFill>
+                  <a:srgbClr val="BF4141"/>
+                </a:solidFill>
+                <a:latin typeface="Consolas"/>
+                <a:cs typeface="Calibri"/>
+              </a:rPr>
+              <a:t>&lt;</a:t>
+            </a:r>
+            <a:r>
+              <a:rPr lang="en-US" sz="4800" noProof="0" dirty="0" err="1" smtClean="0">
+                <a:solidFill>
+                  <a:srgbClr val="BF4141"/>
+                </a:solidFill>
+                <a:latin typeface="Consolas"/>
+                <a:cs typeface="Calibri"/>
+              </a:rPr>
+              <a:t>TArg</a:t>
+            </a:r>
+            <a:r>
+              <a:rPr lang="en-US" sz="4800" noProof="0" dirty="0" smtClean="0">
+                <a:solidFill>
+                  <a:srgbClr val="BF4141"/>
+                </a:solidFill>
+                <a:latin typeface="Consolas"/>
+                <a:cs typeface="Calibri"/>
+              </a:rPr>
+              <a:t>&gt;</a:t>
+            </a:r>
+            <a:r>
+              <a:rPr lang="en-US" sz="4800" noProof="0" dirty="0" smtClean="0">
+                <a:solidFill>
+                  <a:srgbClr val="00D8FF"/>
+                </a:solidFill>
+                <a:latin typeface="Consolas"/>
+                <a:cs typeface="Calibri"/>
+              </a:rPr>
+              <a:t>(</a:t>
+            </a:r>
+            <a:r>
+              <a:rPr lang="en-US" sz="4800" noProof="0" dirty="0" err="1" smtClean="0">
+                <a:solidFill>
+                  <a:srgbClr val="00D8FF"/>
+                </a:solidFill>
+                <a:latin typeface="Consolas"/>
+                <a:cs typeface="Calibri"/>
+              </a:rPr>
+              <a:t>arg</a:t>
+            </a:r>
+            <a:r>
+              <a:rPr lang="en-US" sz="4800" dirty="0">
+                <a:solidFill>
+                  <a:srgbClr val="BF4141"/>
+                </a:solidFill>
+                <a:latin typeface="Consolas"/>
+                <a:cs typeface="Calibri"/>
+              </a:rPr>
+              <a:t>: </a:t>
+            </a:r>
+            <a:r>
+              <a:rPr lang="en-US" sz="4800" dirty="0" err="1" smtClean="0">
+                <a:solidFill>
+                  <a:srgbClr val="BF4141"/>
+                </a:solidFill>
+                <a:latin typeface="Consolas"/>
+                <a:cs typeface="Calibri"/>
+              </a:rPr>
+              <a:t>TArg</a:t>
+            </a:r>
+            <a:r>
+              <a:rPr lang="en-US" sz="4800" dirty="0" smtClean="0">
+                <a:solidFill>
+                  <a:srgbClr val="00D8FF"/>
+                </a:solidFill>
+                <a:latin typeface="Consolas"/>
+                <a:cs typeface="Calibri"/>
+              </a:rPr>
+              <a:t>) =&gt; </a:t>
+            </a:r>
+            <a:r>
+              <a:rPr lang="en-US" sz="4800" dirty="0" smtClean="0">
+                <a:solidFill>
+                  <a:srgbClr val="BF4141"/>
+                </a:solidFill>
+                <a:latin typeface="Consolas"/>
+                <a:cs typeface="Calibri"/>
+              </a:rPr>
+              <a:t>type</a:t>
+            </a:r>
+            <a:endParaRPr kumimoji="0" lang="en-US" sz="4800" b="0" i="0" u="none" strike="noStrike" kern="1200" cap="none" spc="0" normalizeH="0" baseline="0" noProof="0" dirty="0">
+              <a:ln>
+                <a:noFill/>
+              </a:ln>
+              <a:solidFill>
+                <a:srgbClr val="BF4141"/>
+              </a:solidFill>
+              <a:effectLst/>
+              <a:uLnTx/>
+              <a:uFillTx/>
+              <a:latin typeface="Consolas"/>
+              <a:cs typeface="Calibri"/>
+            </a:endParaRPr>
+          </a:p>
+        </p:txBody>
+      </p:sp>
+    </p:spTree>
+    <p:extLst>
+      <p:ext uri="{BB962C8B-B14F-4D97-AF65-F5344CB8AC3E}">
+        <p14:creationId xmlns:p14="http://schemas.microsoft.com/office/powerpoint/2010/main" val="3403077074"/>
+      </p:ext>
+    </p:extLst>
+  </p:cSld>
+  <p:clrMapOvr>
+    <a:masterClrMapping/>
+  </p:clrMapOvr>
+  <p:timing>
+    <p:tnLst>
+      <p:par>
+        <p:cTn id="1" dur="indefinite" restart="never" nodeType="tmRoot"/>
+      </p:par>
+    </p:tnLst>
+  </p:timing>
+</p:sld>
+</file>
+
+<file path=ppt/slides/slide96.xml><?xml version="1.0" encoding="utf-8"?>
+<p:sld xmlns:a="http://schemas.openxmlformats.org/drawingml/2006/main" xmlns:r="http://schemas.openxmlformats.org/officeDocument/2006/relationships" xmlns:p="http://schemas.openxmlformats.org/presentationml/2006/main">
+  <p:cSld>
+    <p:bg>
+      <p:bgPr>
+        <a:solidFill>
+          <a:srgbClr val="262626"/>
+        </a:solidFill>
+        <a:effectLst/>
+      </p:bgPr>
+    </p:bg>
+    <p:spTree>
+      <p:nvGrpSpPr>
+        <p:cNvPr id="1" name=""/>
+        <p:cNvGrpSpPr/>
+        <p:nvPr/>
+      </p:nvGrpSpPr>
+      <p:grpSpPr>
+        <a:xfrm>
+          <a:off x="0" y="0"/>
+          <a:ext cx="0" cy="0"/>
+          <a:chOff x="0" y="0"/>
+          <a:chExt cx="0" cy="0"/>
+        </a:xfrm>
+      </p:grpSpPr>
+      <p:sp>
+        <p:nvSpPr>
+          <p:cNvPr id="5" name="Прямоугольник 4"/>
+          <p:cNvSpPr/>
+          <p:nvPr/>
+        </p:nvSpPr>
+        <p:spPr>
+          <a:xfrm>
+            <a:off x="3284995" y="2839452"/>
+            <a:ext cx="5596405" cy="830997"/>
+          </a:xfrm>
+          <a:prstGeom prst="rect">
+            <a:avLst/>
+          </a:prstGeom>
+        </p:spPr>
+        <p:txBody>
+          <a:bodyPr wrap="none">
+            <a:spAutoFit/>
+          </a:bodyPr>
+          <a:lstStyle/>
+          <a:p>
+            <a:pPr marL="0" marR="0" lvl="0" indent="0" algn="ctr" defTabSz="914400" rtl="0" eaLnBrk="1" fontAlgn="auto" latinLnBrk="0" hangingPunct="1">
+              <a:lnSpc>
+                <a:spcPct val="100000"/>
+              </a:lnSpc>
+              <a:spcBef>
+                <a:spcPts val="0"/>
+              </a:spcBef>
+              <a:spcAft>
+                <a:spcPts val="0"/>
+              </a:spcAft>
+              <a:buClrTx/>
+              <a:buSzTx/>
+              <a:buFontTx/>
+              <a:buNone/>
+              <a:tabLst/>
+              <a:defRPr/>
+            </a:pPr>
+            <a:r>
+              <a:rPr kumimoji="0" lang="en-US" sz="4800" b="0" i="0" u="none" strike="noStrike" kern="1200" cap="none" spc="0" normalizeH="0" baseline="0" noProof="0" dirty="0" smtClean="0">
+                <a:ln>
+                  <a:noFill/>
+                </a:ln>
+                <a:solidFill>
+                  <a:srgbClr val="00D8FF"/>
+                </a:solidFill>
+                <a:effectLst/>
+                <a:uLnTx/>
+                <a:uFillTx/>
+                <a:latin typeface="Consolas"/>
+                <a:ea typeface="+mn-ea"/>
+                <a:cs typeface="Calibri"/>
+              </a:rPr>
+              <a:t>class</a:t>
+            </a:r>
+            <a:r>
+              <a:rPr kumimoji="0" lang="en-US" sz="4800" b="0" i="0" u="none" strike="noStrike" kern="1200" cap="none" spc="0" normalizeH="0" noProof="0" dirty="0" smtClean="0">
+                <a:ln>
+                  <a:noFill/>
+                </a:ln>
+                <a:solidFill>
+                  <a:srgbClr val="00D8FF"/>
+                </a:solidFill>
+                <a:effectLst/>
+                <a:uLnTx/>
+                <a:uFillTx/>
+                <a:latin typeface="Consolas"/>
+                <a:ea typeface="+mn-ea"/>
+                <a:cs typeface="Calibri"/>
+              </a:rPr>
+              <a:t> A&lt;Generic&gt;</a:t>
+            </a:r>
+            <a:endParaRPr kumimoji="0" lang="en-US" sz="4800" b="0" i="0" u="none" strike="noStrike" kern="1200" cap="none" spc="0" normalizeH="0" baseline="0" noProof="0" dirty="0">
+              <a:ln>
+                <a:noFill/>
+              </a:ln>
+              <a:solidFill>
+                <a:srgbClr val="00D8FF"/>
+              </a:solidFill>
+              <a:effectLst/>
+              <a:uLnTx/>
+              <a:uFillTx/>
+              <a:latin typeface="Consolas"/>
+              <a:ea typeface="+mn-ea"/>
+              <a:cs typeface="Calibri"/>
+            </a:endParaRPr>
+          </a:p>
+        </p:txBody>
+      </p:sp>
+    </p:spTree>
+    <p:extLst>
+      <p:ext uri="{BB962C8B-B14F-4D97-AF65-F5344CB8AC3E}">
+        <p14:creationId xmlns:p14="http://schemas.microsoft.com/office/powerpoint/2010/main" val="677248257"/>
+      </p:ext>
+    </p:extLst>
+  </p:cSld>
+  <p:clrMapOvr>
+    <a:masterClrMapping/>
+  </p:clrMapOvr>
+  <p:timing>
+    <p:tnLst>
+      <p:par>
+        <p:cTn id="1" dur="indefinite" restart="never" nodeType="tmRoot"/>
+      </p:par>
+    </p:tnLst>
+  </p:timing>
+</p:sld>
+</file>
+
+<file path=ppt/slides/slide97.xml><?xml version="1.0" encoding="utf-8"?>
+<p:sld xmlns:a="http://schemas.openxmlformats.org/drawingml/2006/main" xmlns:r="http://schemas.openxmlformats.org/officeDocument/2006/relationships" xmlns:p="http://schemas.openxmlformats.org/presentationml/2006/main">
+  <p:cSld>
+    <p:bg>
+      <p:bgPr>
+        <a:solidFill>
+          <a:srgbClr val="262626"/>
+        </a:solidFill>
+        <a:effectLst/>
+      </p:bgPr>
+    </p:bg>
+    <p:spTree>
+      <p:nvGrpSpPr>
+        <p:cNvPr id="1" name=""/>
+        <p:cNvGrpSpPr/>
+        <p:nvPr/>
+      </p:nvGrpSpPr>
+      <p:grpSpPr>
+        <a:xfrm>
+          <a:off x="0" y="0"/>
+          <a:ext cx="0" cy="0"/>
+          <a:chOff x="0" y="0"/>
+          <a:chExt cx="0" cy="0"/>
+        </a:xfrm>
+      </p:grpSpPr>
+      <p:sp>
+        <p:nvSpPr>
+          <p:cNvPr id="5" name="Прямоугольник 4"/>
+          <p:cNvSpPr/>
+          <p:nvPr/>
+        </p:nvSpPr>
+        <p:spPr>
+          <a:xfrm>
+            <a:off x="1593833" y="2839452"/>
+            <a:ext cx="8978741" cy="830997"/>
+          </a:xfrm>
+          <a:prstGeom prst="rect">
+            <a:avLst/>
+          </a:prstGeom>
+        </p:spPr>
+        <p:txBody>
+          <a:bodyPr wrap="none">
+            <a:spAutoFit/>
+          </a:bodyPr>
+          <a:lstStyle/>
+          <a:p>
+            <a:pPr marL="0" marR="0" lvl="0" indent="0" algn="ctr" defTabSz="914400" rtl="0" eaLnBrk="1" fontAlgn="auto" latinLnBrk="0" hangingPunct="1">
+              <a:lnSpc>
+                <a:spcPct val="100000"/>
+              </a:lnSpc>
+              <a:spcBef>
+                <a:spcPts val="0"/>
+              </a:spcBef>
+              <a:spcAft>
+                <a:spcPts val="0"/>
+              </a:spcAft>
+              <a:buClrTx/>
+              <a:buSzTx/>
+              <a:buFontTx/>
+              <a:buNone/>
+              <a:tabLst/>
+              <a:defRPr/>
+            </a:pPr>
+            <a:r>
+              <a:rPr kumimoji="0" lang="en-US" sz="4800" b="0" i="0" u="none" strike="noStrike" kern="1200" cap="none" spc="0" normalizeH="0" baseline="0" noProof="0" dirty="0" smtClean="0">
+                <a:ln>
+                  <a:noFill/>
+                </a:ln>
+                <a:solidFill>
+                  <a:srgbClr val="00D8FF"/>
+                </a:solidFill>
+                <a:effectLst/>
+                <a:uLnTx/>
+                <a:uFillTx/>
+                <a:latin typeface="Consolas"/>
+                <a:ea typeface="+mn-ea"/>
+                <a:cs typeface="Calibri"/>
+              </a:rPr>
+              <a:t>&lt;Generic extends </a:t>
+            </a:r>
+            <a:r>
+              <a:rPr kumimoji="0" lang="en-US" sz="4800" b="0" i="0" u="none" strike="noStrike" kern="1200" cap="none" spc="0" normalizeH="0" baseline="0" noProof="0" dirty="0" smtClean="0">
+                <a:ln>
+                  <a:noFill/>
+                </a:ln>
+                <a:solidFill>
+                  <a:srgbClr val="BF4141"/>
+                </a:solidFill>
+                <a:effectLst/>
+                <a:uLnTx/>
+                <a:uFillTx/>
+                <a:latin typeface="Consolas"/>
+                <a:ea typeface="+mn-ea"/>
+                <a:cs typeface="Calibri"/>
+              </a:rPr>
+              <a:t>Contract</a:t>
+            </a:r>
+            <a:r>
+              <a:rPr kumimoji="0" lang="en-US" sz="4800" b="0" i="0" u="none" strike="noStrike" kern="1200" cap="none" spc="0" normalizeH="0" baseline="0" noProof="0" dirty="0" smtClean="0">
+                <a:ln>
+                  <a:noFill/>
+                </a:ln>
+                <a:solidFill>
+                  <a:srgbClr val="00D8FF"/>
+                </a:solidFill>
+                <a:effectLst/>
+                <a:uLnTx/>
+                <a:uFillTx/>
+                <a:latin typeface="Consolas"/>
+                <a:ea typeface="+mn-ea"/>
+                <a:cs typeface="Calibri"/>
+              </a:rPr>
+              <a:t>&gt;</a:t>
+            </a:r>
+            <a:endParaRPr kumimoji="0" lang="en-US" sz="4800" b="0" i="0" u="none" strike="noStrike" kern="1200" cap="none" spc="0" normalizeH="0" baseline="0" noProof="0" dirty="0">
+              <a:ln>
+                <a:noFill/>
+              </a:ln>
+              <a:solidFill>
+                <a:srgbClr val="00D8FF"/>
+              </a:solidFill>
+              <a:effectLst/>
+              <a:uLnTx/>
+              <a:uFillTx/>
+              <a:latin typeface="Consolas"/>
+              <a:ea typeface="+mn-ea"/>
+              <a:cs typeface="Calibri"/>
+            </a:endParaRPr>
+          </a:p>
+        </p:txBody>
+      </p:sp>
+    </p:spTree>
+    <p:extLst>
+      <p:ext uri="{BB962C8B-B14F-4D97-AF65-F5344CB8AC3E}">
+        <p14:creationId xmlns:p14="http://schemas.microsoft.com/office/powerpoint/2010/main" val="2651734694"/>
+      </p:ext>
+    </p:extLst>
+  </p:cSld>
+  <p:clrMapOvr>
+    <a:masterClrMapping/>
+  </p:clrMapOvr>
+  <p:timing>
+    <p:tnLst>
+      <p:par>
+        <p:cTn id="1" dur="indefinite" restart="never" nodeType="tmRoot"/>
+      </p:par>
+    </p:tnLst>
+  </p:timing>
+</p:sld>
+</file>
+
+<file path=ppt/slides/slide98.xml><?xml version="1.0" encoding="utf-8"?>
+<p:sld xmlns:a="http://schemas.openxmlformats.org/drawingml/2006/main" xmlns:r="http://schemas.openxmlformats.org/officeDocument/2006/relationships" xmlns:p="http://schemas.openxmlformats.org/presentationml/2006/main">
+  <p:cSld>
+    <p:bg>
+      <p:bgPr>
+        <a:solidFill>
+          <a:srgbClr val="262626"/>
+        </a:solidFill>
+        <a:effectLst/>
+      </p:bgPr>
+    </p:bg>
+    <p:spTree>
+      <p:nvGrpSpPr>
+        <p:cNvPr id="1" name=""/>
+        <p:cNvGrpSpPr/>
+        <p:nvPr/>
+      </p:nvGrpSpPr>
+      <p:grpSpPr>
+        <a:xfrm>
+          <a:off x="0" y="0"/>
+          <a:ext cx="0" cy="0"/>
+          <a:chOff x="0" y="0"/>
+          <a:chExt cx="0" cy="0"/>
+        </a:xfrm>
+      </p:grpSpPr>
+      <p:sp>
+        <p:nvSpPr>
+          <p:cNvPr id="5" name="Прямоугольник 4"/>
+          <p:cNvSpPr/>
+          <p:nvPr/>
+        </p:nvSpPr>
+        <p:spPr>
+          <a:xfrm>
+            <a:off x="4807054" y="2839452"/>
+            <a:ext cx="2552302" cy="830997"/>
+          </a:xfrm>
+          <a:prstGeom prst="rect">
+            <a:avLst/>
+          </a:prstGeom>
+        </p:spPr>
+        <p:txBody>
+          <a:bodyPr wrap="none">
+            <a:spAutoFit/>
+          </a:bodyPr>
+          <a:lstStyle/>
+          <a:p>
+            <a:pPr marL="0" marR="0" lvl="0" indent="0" algn="ctr" defTabSz="914400" rtl="0" eaLnBrk="1" fontAlgn="auto" latinLnBrk="0" hangingPunct="1">
+              <a:lnSpc>
+                <a:spcPct val="100000"/>
+              </a:lnSpc>
+              <a:spcBef>
+                <a:spcPts val="0"/>
+              </a:spcBef>
+              <a:spcAft>
+                <a:spcPts val="0"/>
+              </a:spcAft>
+              <a:buClrTx/>
+              <a:buSzTx/>
+              <a:buFontTx/>
+              <a:buNone/>
+              <a:tabLst/>
+              <a:defRPr/>
+            </a:pPr>
+            <a:r>
+              <a:rPr kumimoji="0" lang="en-US" sz="4800" b="0" i="0" u="none" strike="noStrike" kern="1200" cap="none" spc="0" normalizeH="0" baseline="0" noProof="0" dirty="0" smtClean="0">
+                <a:ln>
+                  <a:noFill/>
+                </a:ln>
+                <a:solidFill>
+                  <a:srgbClr val="00D8FF"/>
+                </a:solidFill>
+                <a:effectLst/>
+                <a:uLnTx/>
+                <a:uFillTx/>
+                <a:latin typeface="Consolas"/>
+                <a:ea typeface="+mn-ea"/>
+                <a:cs typeface="Calibri"/>
+              </a:rPr>
+              <a:t>Generic</a:t>
+            </a:r>
+            <a:endParaRPr kumimoji="0" lang="en-US" sz="4800" b="0" i="0" u="none" strike="noStrike" kern="1200" cap="none" spc="0" normalizeH="0" baseline="0" noProof="0" dirty="0">
+              <a:ln>
+                <a:noFill/>
+              </a:ln>
+              <a:solidFill>
+                <a:srgbClr val="00D8FF"/>
+              </a:solidFill>
+              <a:effectLst/>
+              <a:uLnTx/>
+              <a:uFillTx/>
+              <a:latin typeface="Consolas"/>
+              <a:ea typeface="+mn-ea"/>
+              <a:cs typeface="Calibri"/>
+            </a:endParaRPr>
+          </a:p>
+        </p:txBody>
+      </p:sp>
+    </p:spTree>
+    <p:extLst>
+      <p:ext uri="{BB962C8B-B14F-4D97-AF65-F5344CB8AC3E}">
+        <p14:creationId xmlns:p14="http://schemas.microsoft.com/office/powerpoint/2010/main" val="749849987"/>
+      </p:ext>
+    </p:extLst>
+  </p:cSld>
+  <p:clrMapOvr>
+    <a:masterClrMapping/>
+  </p:clrMapOvr>
+  <p:timing>
+    <p:tnLst>
+      <p:par>
+        <p:cTn id="1" dur="indefinite" restart="never" nodeType="tmRoot"/>
+      </p:par>
+    </p:tnLst>
+  </p:timing>
 </p:sld>
 </file>
 

--- a/Course.pptx
+++ b/Course.pptx
@@ -5,7 +5,7 @@
     <p:sldMasterId id="2147483648" r:id="rId1"/>
   </p:sldMasterIdLst>
   <p:notesMasterIdLst>
-    <p:notesMasterId r:id="rId111"/>
+    <p:notesMasterId r:id="rId122"/>
   </p:notesMasterIdLst>
   <p:sldIdLst>
     <p:sldId id="256" r:id="rId2"/>
@@ -117,6 +117,17 @@
     <p:sldId id="352" r:id="rId108"/>
     <p:sldId id="353" r:id="rId109"/>
     <p:sldId id="354" r:id="rId110"/>
+    <p:sldId id="366" r:id="rId111"/>
+    <p:sldId id="367" r:id="rId112"/>
+    <p:sldId id="369" r:id="rId113"/>
+    <p:sldId id="370" r:id="rId114"/>
+    <p:sldId id="371" r:id="rId115"/>
+    <p:sldId id="372" r:id="rId116"/>
+    <p:sldId id="368" r:id="rId117"/>
+    <p:sldId id="373" r:id="rId118"/>
+    <p:sldId id="374" r:id="rId119"/>
+    <p:sldId id="375" r:id="rId120"/>
+    <p:sldId id="376" r:id="rId121"/>
   </p:sldIdLst>
   <p:sldSz cx="12192000" cy="6858000"/>
   <p:notesSz cx="6858000" cy="9144000"/>
@@ -1141,7 +1152,7 @@
           <a:p>
             <a:fld id="{2EE8E8F7-1DBA-4282-96A9-47FA334D89F2}" type="datetimeFigureOut">
               <a:rPr lang="ru-RU" smtClean="0"/>
-              <a:t>17.07.2020</a:t>
+              <a:t>20.07.2020</a:t>
             </a:fld>
             <a:endParaRPr lang="ru-RU"/>
           </a:p>
@@ -13398,6 +13409,1982 @@
 </p:notes>
 </file>
 
+<file path=ppt/notesSlides/notesSlide50.xml><?xml version="1.0" encoding="utf-8"?>
+<p:notes xmlns:a="http://schemas.openxmlformats.org/drawingml/2006/main" xmlns:r="http://schemas.openxmlformats.org/officeDocument/2006/relationships" xmlns:p="http://schemas.openxmlformats.org/presentationml/2006/main">
+  <p:cSld>
+    <p:spTree>
+      <p:nvGrpSpPr>
+        <p:cNvPr id="1" name=""/>
+        <p:cNvGrpSpPr/>
+        <p:nvPr/>
+      </p:nvGrpSpPr>
+      <p:grpSpPr>
+        <a:xfrm>
+          <a:off x="0" y="0"/>
+          <a:ext cx="0" cy="0"/>
+          <a:chOff x="0" y="0"/>
+          <a:chExt cx="0" cy="0"/>
+        </a:xfrm>
+      </p:grpSpPr>
+      <p:sp>
+        <p:nvSpPr>
+          <p:cNvPr id="2" name="Образ слайда 1"/>
+          <p:cNvSpPr>
+            <a:spLocks noGrp="1" noRot="1" noChangeAspect="1"/>
+          </p:cNvSpPr>
+          <p:nvPr>
+            <p:ph type="sldImg"/>
+          </p:nvPr>
+        </p:nvSpPr>
+        <p:spPr/>
+      </p:sp>
+      <p:sp>
+        <p:nvSpPr>
+          <p:cNvPr id="3" name="Заметки 2"/>
+          <p:cNvSpPr>
+            <a:spLocks noGrp="1"/>
+          </p:cNvSpPr>
+          <p:nvPr>
+            <p:ph type="body" idx="1"/>
+          </p:nvPr>
+        </p:nvSpPr>
+        <p:spPr/>
+        <p:txBody>
+          <a:bodyPr/>
+          <a:lstStyle/>
+          <a:p>
+            <a:pPr rtl="0" fontAlgn="base"/>
+            <a:r>
+              <a:rPr lang="ru-RU" sz="1200" b="0" i="0" kern="1200" dirty="0" smtClean="0">
+                <a:solidFill>
+                  <a:schemeClr val="tx1"/>
+                </a:solidFill>
+                <a:effectLst/>
+                <a:latin typeface="+mn-lt"/>
+                <a:ea typeface="+mn-ea"/>
+                <a:cs typeface="+mn-cs"/>
+              </a:rPr>
+              <a:t>Урок 12</a:t>
+            </a:r>
+          </a:p>
+          <a:p>
+            <a:pPr rtl="0" fontAlgn="base"/>
+            <a:endParaRPr lang="en-US" sz="1200" b="0" i="0" kern="1200" dirty="0" smtClean="0">
+              <a:solidFill>
+                <a:schemeClr val="tx1"/>
+              </a:solidFill>
+              <a:effectLst/>
+              <a:latin typeface="+mn-lt"/>
+              <a:ea typeface="+mn-ea"/>
+              <a:cs typeface="+mn-cs"/>
+            </a:endParaRPr>
+          </a:p>
+          <a:p>
+            <a:pPr rtl="0" fontAlgn="base"/>
+            <a:r>
+              <a:rPr lang="ru-RU" sz="1200" b="0" i="0" kern="1200" dirty="0" smtClean="0">
+                <a:solidFill>
+                  <a:schemeClr val="tx1"/>
+                </a:solidFill>
+                <a:effectLst/>
+                <a:latin typeface="+mn-lt"/>
+                <a:ea typeface="+mn-ea"/>
+                <a:cs typeface="+mn-cs"/>
+              </a:rPr>
+              <a:t>Union типы являются крайне полезной абстракцией для моделирования ситуаций, где значение может принимать некоторые из возможных форм</a:t>
+            </a:r>
+          </a:p>
+          <a:p>
+            <a:pPr rtl="0" fontAlgn="base"/>
+            <a:endParaRPr lang="ru-RU" sz="1200" b="0" i="0" kern="1200" dirty="0" smtClean="0">
+              <a:solidFill>
+                <a:schemeClr val="tx1"/>
+              </a:solidFill>
+              <a:effectLst/>
+              <a:latin typeface="+mn-lt"/>
+              <a:ea typeface="+mn-ea"/>
+              <a:cs typeface="+mn-cs"/>
+            </a:endParaRPr>
+          </a:p>
+          <a:p>
+            <a:pPr rtl="0" fontAlgn="base"/>
+            <a:r>
+              <a:rPr lang="ru-RU" sz="1200" b="0" i="0" kern="1200" dirty="0" smtClean="0">
+                <a:solidFill>
+                  <a:schemeClr val="tx1"/>
+                </a:solidFill>
+                <a:effectLst/>
+                <a:latin typeface="+mn-lt"/>
+                <a:ea typeface="+mn-ea"/>
+                <a:cs typeface="+mn-cs"/>
+              </a:rPr>
+              <a:t>Достаточно популярным методом в JavaScript для отличия одного объекта от другого является проверка на существования некоторого свойства*</a:t>
+            </a:r>
+            <a:endParaRPr lang="ru-RU" sz="1200" b="0" i="0" kern="1200" dirty="0" smtClean="0">
+              <a:solidFill>
+                <a:schemeClr val="tx1"/>
+              </a:solidFill>
+              <a:effectLst/>
+              <a:latin typeface="+mn-lt"/>
+              <a:ea typeface="+mn-ea"/>
+              <a:cs typeface="+mn-cs"/>
+            </a:endParaRPr>
+          </a:p>
+        </p:txBody>
+      </p:sp>
+      <p:sp>
+        <p:nvSpPr>
+          <p:cNvPr id="4" name="Номер слайда 3"/>
+          <p:cNvSpPr>
+            <a:spLocks noGrp="1"/>
+          </p:cNvSpPr>
+          <p:nvPr>
+            <p:ph type="sldNum" sz="quarter" idx="10"/>
+          </p:nvPr>
+        </p:nvSpPr>
+        <p:spPr/>
+        <p:txBody>
+          <a:bodyPr/>
+          <a:lstStyle/>
+          <a:p>
+            <a:pPr>
+              <a:defRPr/>
+            </a:pPr>
+            <a:fld id="{622F1C9E-D65E-417E-9FEF-9AD7ACC20294}" type="slidenum">
+              <a:rPr lang="ru-RU" smtClean="0">
+                <a:solidFill>
+                  <a:prstClr val="black"/>
+                </a:solidFill>
+              </a:rPr>
+              <a:pPr>
+                <a:defRPr/>
+              </a:pPr>
+              <a:t>110</a:t>
+            </a:fld>
+            <a:endParaRPr lang="ru-RU">
+              <a:solidFill>
+                <a:prstClr val="black"/>
+              </a:solidFill>
+            </a:endParaRPr>
+          </a:p>
+        </p:txBody>
+      </p:sp>
+    </p:spTree>
+    <p:extLst>
+      <p:ext uri="{BB962C8B-B14F-4D97-AF65-F5344CB8AC3E}">
+        <p14:creationId xmlns:p14="http://schemas.microsoft.com/office/powerpoint/2010/main" val="2200789352"/>
+      </p:ext>
+    </p:extLst>
+  </p:cSld>
+  <p:clrMapOvr>
+    <a:masterClrMapping/>
+  </p:clrMapOvr>
+</p:notes>
+</file>
+
+<file path=ppt/notesSlides/notesSlide51.xml><?xml version="1.0" encoding="utf-8"?>
+<p:notes xmlns:a="http://schemas.openxmlformats.org/drawingml/2006/main" xmlns:r="http://schemas.openxmlformats.org/officeDocument/2006/relationships" xmlns:p="http://schemas.openxmlformats.org/presentationml/2006/main">
+  <p:cSld>
+    <p:spTree>
+      <p:nvGrpSpPr>
+        <p:cNvPr id="1" name=""/>
+        <p:cNvGrpSpPr/>
+        <p:nvPr/>
+      </p:nvGrpSpPr>
+      <p:grpSpPr>
+        <a:xfrm>
+          <a:off x="0" y="0"/>
+          <a:ext cx="0" cy="0"/>
+          <a:chOff x="0" y="0"/>
+          <a:chExt cx="0" cy="0"/>
+        </a:xfrm>
+      </p:grpSpPr>
+      <p:sp>
+        <p:nvSpPr>
+          <p:cNvPr id="2" name="Образ слайда 1"/>
+          <p:cNvSpPr>
+            <a:spLocks noGrp="1" noRot="1" noChangeAspect="1"/>
+          </p:cNvSpPr>
+          <p:nvPr>
+            <p:ph type="sldImg"/>
+          </p:nvPr>
+        </p:nvSpPr>
+        <p:spPr/>
+      </p:sp>
+      <p:sp>
+        <p:nvSpPr>
+          <p:cNvPr id="3" name="Заметки 2"/>
+          <p:cNvSpPr>
+            <a:spLocks noGrp="1"/>
+          </p:cNvSpPr>
+          <p:nvPr>
+            <p:ph type="body" idx="1"/>
+          </p:nvPr>
+        </p:nvSpPr>
+        <p:spPr/>
+        <p:txBody>
+          <a:bodyPr/>
+          <a:lstStyle/>
+          <a:p>
+            <a:pPr rtl="0" fontAlgn="base"/>
+            <a:r>
+              <a:rPr lang="ru-RU" sz="1200" b="0" i="0" kern="1200" dirty="0" smtClean="0">
+                <a:solidFill>
+                  <a:schemeClr val="tx1"/>
+                </a:solidFill>
+                <a:effectLst/>
+                <a:latin typeface="+mn-lt"/>
+                <a:ea typeface="+mn-ea"/>
+                <a:cs typeface="+mn-cs"/>
+              </a:rPr>
+              <a:t>Нужно обратить внимание что компилятор достаточно “умный” для того, чтобы использовать и </a:t>
+            </a:r>
+            <a:r>
+              <a:rPr lang="en-US" sz="1200" b="0" i="0" kern="1200" dirty="0" smtClean="0">
+                <a:solidFill>
+                  <a:schemeClr val="tx1"/>
+                </a:solidFill>
+                <a:effectLst/>
+                <a:latin typeface="+mn-lt"/>
+                <a:ea typeface="+mn-ea"/>
+                <a:cs typeface="+mn-cs"/>
+              </a:rPr>
+              <a:t>false </a:t>
+            </a:r>
+            <a:r>
+              <a:rPr lang="ru-RU" sz="1200" b="0" i="0" kern="1200" dirty="0" smtClean="0">
+                <a:solidFill>
+                  <a:schemeClr val="tx1"/>
+                </a:solidFill>
+                <a:effectLst/>
+                <a:latin typeface="+mn-lt"/>
+                <a:ea typeface="+mn-ea"/>
+                <a:cs typeface="+mn-cs"/>
+              </a:rPr>
+              <a:t>ветви управления. В примере выше, в блоке </a:t>
+            </a:r>
+            <a:r>
+              <a:rPr lang="en-US" sz="1200" b="0" i="0" kern="1200" dirty="0" smtClean="0">
+                <a:solidFill>
+                  <a:schemeClr val="tx1"/>
+                </a:solidFill>
+                <a:effectLst/>
+                <a:latin typeface="+mn-lt"/>
+                <a:ea typeface="+mn-ea"/>
+                <a:cs typeface="+mn-cs"/>
+              </a:rPr>
+              <a:t>else </a:t>
+            </a:r>
+            <a:r>
+              <a:rPr lang="ru-RU" sz="1200" b="0" i="0" kern="1200" dirty="0" smtClean="0">
+                <a:solidFill>
+                  <a:schemeClr val="tx1"/>
+                </a:solidFill>
+                <a:effectLst/>
+                <a:latin typeface="+mn-lt"/>
+                <a:ea typeface="+mn-ea"/>
+                <a:cs typeface="+mn-cs"/>
+              </a:rPr>
+              <a:t>переменная </a:t>
+            </a:r>
+            <a:r>
+              <a:rPr lang="en-US" sz="1200" b="0" i="0" kern="1200" dirty="0" smtClean="0">
+                <a:solidFill>
+                  <a:schemeClr val="tx1"/>
+                </a:solidFill>
+                <a:effectLst/>
+                <a:latin typeface="+mn-lt"/>
+                <a:ea typeface="+mn-ea"/>
+                <a:cs typeface="+mn-cs"/>
+              </a:rPr>
+              <a:t>pet </a:t>
+            </a:r>
+            <a:r>
+              <a:rPr lang="ru-RU" sz="1200" b="0" i="0" kern="1200" dirty="0" smtClean="0">
+                <a:solidFill>
+                  <a:schemeClr val="tx1"/>
+                </a:solidFill>
+                <a:effectLst/>
+                <a:latin typeface="+mn-lt"/>
+                <a:ea typeface="+mn-ea"/>
+                <a:cs typeface="+mn-cs"/>
+              </a:rPr>
+              <a:t>имеет тип </a:t>
+            </a:r>
+            <a:r>
+              <a:rPr lang="en-US" sz="1200" b="0" i="0" kern="1200" dirty="0" smtClean="0">
+                <a:solidFill>
+                  <a:schemeClr val="tx1"/>
+                </a:solidFill>
+                <a:effectLst/>
+                <a:latin typeface="+mn-lt"/>
+                <a:ea typeface="+mn-ea"/>
+                <a:cs typeface="+mn-cs"/>
+              </a:rPr>
+              <a:t>Bird. *</a:t>
+            </a:r>
+            <a:endParaRPr lang="ru-RU" sz="1200" b="0" i="0" kern="1200" dirty="0" smtClean="0">
+              <a:solidFill>
+                <a:schemeClr val="tx1"/>
+              </a:solidFill>
+              <a:effectLst/>
+              <a:latin typeface="+mn-lt"/>
+              <a:ea typeface="+mn-ea"/>
+              <a:cs typeface="+mn-cs"/>
+            </a:endParaRPr>
+          </a:p>
+        </p:txBody>
+      </p:sp>
+      <p:sp>
+        <p:nvSpPr>
+          <p:cNvPr id="4" name="Номер слайда 3"/>
+          <p:cNvSpPr>
+            <a:spLocks noGrp="1"/>
+          </p:cNvSpPr>
+          <p:nvPr>
+            <p:ph type="sldNum" sz="quarter" idx="10"/>
+          </p:nvPr>
+        </p:nvSpPr>
+        <p:spPr/>
+        <p:txBody>
+          <a:bodyPr/>
+          <a:lstStyle/>
+          <a:p>
+            <a:pPr>
+              <a:defRPr/>
+            </a:pPr>
+            <a:fld id="{622F1C9E-D65E-417E-9FEF-9AD7ACC20294}" type="slidenum">
+              <a:rPr lang="ru-RU" smtClean="0">
+                <a:solidFill>
+                  <a:prstClr val="black"/>
+                </a:solidFill>
+              </a:rPr>
+              <a:pPr>
+                <a:defRPr/>
+              </a:pPr>
+              <a:t>111</a:t>
+            </a:fld>
+            <a:endParaRPr lang="ru-RU">
+              <a:solidFill>
+                <a:prstClr val="black"/>
+              </a:solidFill>
+            </a:endParaRPr>
+          </a:p>
+        </p:txBody>
+      </p:sp>
+    </p:spTree>
+    <p:extLst>
+      <p:ext uri="{BB962C8B-B14F-4D97-AF65-F5344CB8AC3E}">
+        <p14:creationId xmlns:p14="http://schemas.microsoft.com/office/powerpoint/2010/main" val="160940908"/>
+      </p:ext>
+    </p:extLst>
+  </p:cSld>
+  <p:clrMapOvr>
+    <a:masterClrMapping/>
+  </p:clrMapOvr>
+</p:notes>
+</file>
+
+<file path=ppt/notesSlides/notesSlide52.xml><?xml version="1.0" encoding="utf-8"?>
+<p:notes xmlns:a="http://schemas.openxmlformats.org/drawingml/2006/main" xmlns:r="http://schemas.openxmlformats.org/officeDocument/2006/relationships" xmlns:p="http://schemas.openxmlformats.org/presentationml/2006/main">
+  <p:cSld>
+    <p:spTree>
+      <p:nvGrpSpPr>
+        <p:cNvPr id="1" name=""/>
+        <p:cNvGrpSpPr/>
+        <p:nvPr/>
+      </p:nvGrpSpPr>
+      <p:grpSpPr>
+        <a:xfrm>
+          <a:off x="0" y="0"/>
+          <a:ext cx="0" cy="0"/>
+          <a:chOff x="0" y="0"/>
+          <a:chExt cx="0" cy="0"/>
+        </a:xfrm>
+      </p:grpSpPr>
+      <p:sp>
+        <p:nvSpPr>
+          <p:cNvPr id="2" name="Образ слайда 1"/>
+          <p:cNvSpPr>
+            <a:spLocks noGrp="1" noRot="1" noChangeAspect="1"/>
+          </p:cNvSpPr>
+          <p:nvPr>
+            <p:ph type="sldImg"/>
+          </p:nvPr>
+        </p:nvSpPr>
+        <p:spPr/>
+      </p:sp>
+      <p:sp>
+        <p:nvSpPr>
+          <p:cNvPr id="3" name="Заметки 2"/>
+          <p:cNvSpPr>
+            <a:spLocks noGrp="1"/>
+          </p:cNvSpPr>
+          <p:nvPr>
+            <p:ph type="body" idx="1"/>
+          </p:nvPr>
+        </p:nvSpPr>
+        <p:spPr/>
+        <p:txBody>
+          <a:bodyPr/>
+          <a:lstStyle/>
+          <a:p>
+            <a:pPr rtl="0" fontAlgn="base"/>
+            <a:r>
+              <a:rPr lang="ru-RU" sz="1200" b="0" i="0" kern="1200" dirty="0" smtClean="0">
+                <a:solidFill>
+                  <a:schemeClr val="tx1"/>
+                </a:solidFill>
+                <a:effectLst/>
+                <a:latin typeface="+mn-lt"/>
+                <a:ea typeface="+mn-ea"/>
+                <a:cs typeface="+mn-cs"/>
+              </a:rPr>
+              <a:t>Другим способом построения type guard является использование оператора in</a:t>
+            </a:r>
+            <a:r>
+              <a:rPr lang="en-US" sz="1200" b="0" i="0" kern="1200" dirty="0" smtClean="0">
+                <a:solidFill>
+                  <a:schemeClr val="tx1"/>
+                </a:solidFill>
+                <a:effectLst/>
+                <a:latin typeface="+mn-lt"/>
+                <a:ea typeface="+mn-ea"/>
+                <a:cs typeface="+mn-cs"/>
+              </a:rPr>
+              <a:t>*</a:t>
+            </a:r>
+          </a:p>
+          <a:p>
+            <a:pPr rtl="0" fontAlgn="base"/>
+            <a:r>
+              <a:rPr lang="ru-RU" sz="1200" b="0" i="0" kern="1200" dirty="0" smtClean="0">
+                <a:solidFill>
+                  <a:schemeClr val="tx1"/>
+                </a:solidFill>
+                <a:effectLst/>
+                <a:latin typeface="+mn-lt"/>
+                <a:ea typeface="+mn-ea"/>
+                <a:cs typeface="+mn-cs"/>
+              </a:rPr>
+              <a:t>где указанное свойство указано к обязательное или опциональное</a:t>
+            </a:r>
+            <a:endParaRPr lang="en-US" sz="1200" b="0" i="0" kern="1200" dirty="0" smtClean="0">
+              <a:solidFill>
+                <a:schemeClr val="tx1"/>
+              </a:solidFill>
+              <a:effectLst/>
+              <a:latin typeface="+mn-lt"/>
+              <a:ea typeface="+mn-ea"/>
+              <a:cs typeface="+mn-cs"/>
+            </a:endParaRPr>
+          </a:p>
+          <a:p>
+            <a:pPr rtl="0" fontAlgn="base"/>
+            <a:r>
+              <a:rPr lang="ru-RU" sz="1200" b="0" i="0" kern="1200" dirty="0" smtClean="0">
+                <a:solidFill>
+                  <a:schemeClr val="tx1"/>
+                </a:solidFill>
+                <a:effectLst/>
+                <a:latin typeface="+mn-lt"/>
+                <a:ea typeface="+mn-ea"/>
+                <a:cs typeface="+mn-cs"/>
+              </a:rPr>
+              <a:t>Где как false ветвь будет приравнивать к типу, где свойство опционально либо отсутствует вовсе.</a:t>
+            </a:r>
+            <a:endParaRPr lang="ru-RU" sz="1200" b="0" i="0" kern="1200" dirty="0" smtClean="0">
+              <a:solidFill>
+                <a:schemeClr val="tx1"/>
+              </a:solidFill>
+              <a:effectLst/>
+              <a:latin typeface="+mn-lt"/>
+              <a:ea typeface="+mn-ea"/>
+              <a:cs typeface="+mn-cs"/>
+            </a:endParaRPr>
+          </a:p>
+        </p:txBody>
+      </p:sp>
+      <p:sp>
+        <p:nvSpPr>
+          <p:cNvPr id="4" name="Номер слайда 3"/>
+          <p:cNvSpPr>
+            <a:spLocks noGrp="1"/>
+          </p:cNvSpPr>
+          <p:nvPr>
+            <p:ph type="sldNum" sz="quarter" idx="10"/>
+          </p:nvPr>
+        </p:nvSpPr>
+        <p:spPr/>
+        <p:txBody>
+          <a:bodyPr/>
+          <a:lstStyle/>
+          <a:p>
+            <a:pPr>
+              <a:defRPr/>
+            </a:pPr>
+            <a:fld id="{622F1C9E-D65E-417E-9FEF-9AD7ACC20294}" type="slidenum">
+              <a:rPr lang="ru-RU" smtClean="0">
+                <a:solidFill>
+                  <a:prstClr val="black"/>
+                </a:solidFill>
+              </a:rPr>
+              <a:pPr>
+                <a:defRPr/>
+              </a:pPr>
+              <a:t>112</a:t>
+            </a:fld>
+            <a:endParaRPr lang="ru-RU">
+              <a:solidFill>
+                <a:prstClr val="black"/>
+              </a:solidFill>
+            </a:endParaRPr>
+          </a:p>
+        </p:txBody>
+      </p:sp>
+    </p:spTree>
+    <p:extLst>
+      <p:ext uri="{BB962C8B-B14F-4D97-AF65-F5344CB8AC3E}">
+        <p14:creationId xmlns:p14="http://schemas.microsoft.com/office/powerpoint/2010/main" val="1230805320"/>
+      </p:ext>
+    </p:extLst>
+  </p:cSld>
+  <p:clrMapOvr>
+    <a:masterClrMapping/>
+  </p:clrMapOvr>
+</p:notes>
+</file>
+
+<file path=ppt/notesSlides/notesSlide53.xml><?xml version="1.0" encoding="utf-8"?>
+<p:notes xmlns:a="http://schemas.openxmlformats.org/drawingml/2006/main" xmlns:r="http://schemas.openxmlformats.org/officeDocument/2006/relationships" xmlns:p="http://schemas.openxmlformats.org/presentationml/2006/main">
+  <p:cSld>
+    <p:spTree>
+      <p:nvGrpSpPr>
+        <p:cNvPr id="1" name=""/>
+        <p:cNvGrpSpPr/>
+        <p:nvPr/>
+      </p:nvGrpSpPr>
+      <p:grpSpPr>
+        <a:xfrm>
+          <a:off x="0" y="0"/>
+          <a:ext cx="0" cy="0"/>
+          <a:chOff x="0" y="0"/>
+          <a:chExt cx="0" cy="0"/>
+        </a:xfrm>
+      </p:grpSpPr>
+      <p:sp>
+        <p:nvSpPr>
+          <p:cNvPr id="2" name="Образ слайда 1"/>
+          <p:cNvSpPr>
+            <a:spLocks noGrp="1" noRot="1" noChangeAspect="1"/>
+          </p:cNvSpPr>
+          <p:nvPr>
+            <p:ph type="sldImg"/>
+          </p:nvPr>
+        </p:nvSpPr>
+        <p:spPr/>
+      </p:sp>
+      <p:sp>
+        <p:nvSpPr>
+          <p:cNvPr id="3" name="Заметки 2"/>
+          <p:cNvSpPr>
+            <a:spLocks noGrp="1"/>
+          </p:cNvSpPr>
+          <p:nvPr>
+            <p:ph type="body" idx="1"/>
+          </p:nvPr>
+        </p:nvSpPr>
+        <p:spPr/>
+        <p:txBody>
+          <a:bodyPr/>
+          <a:lstStyle/>
+          <a:p>
+            <a:pPr rtl="0" fontAlgn="base"/>
+            <a:r>
+              <a:rPr lang="ru-RU" sz="1200" b="0" i="0" kern="1200" dirty="0" smtClean="0">
+                <a:solidFill>
+                  <a:schemeClr val="tx1"/>
+                </a:solidFill>
+                <a:effectLst/>
+                <a:latin typeface="+mn-lt"/>
+                <a:ea typeface="+mn-ea"/>
+                <a:cs typeface="+mn-cs"/>
+              </a:rPr>
+              <a:t>Следующим способом объявления type guard является использование typeof</a:t>
+            </a:r>
+            <a:r>
+              <a:rPr lang="en-US" sz="1200" b="0" i="0" kern="1200" dirty="0" smtClean="0">
+                <a:solidFill>
+                  <a:schemeClr val="tx1"/>
+                </a:solidFill>
+                <a:effectLst/>
+                <a:latin typeface="+mn-lt"/>
+                <a:ea typeface="+mn-ea"/>
+                <a:cs typeface="+mn-cs"/>
+              </a:rPr>
+              <a:t>*</a:t>
+            </a:r>
+            <a:endParaRPr lang="ru-RU" sz="1200" b="0" i="0" kern="1200" dirty="0" smtClean="0">
+              <a:solidFill>
+                <a:schemeClr val="tx1"/>
+              </a:solidFill>
+              <a:effectLst/>
+              <a:latin typeface="+mn-lt"/>
+              <a:ea typeface="+mn-ea"/>
+              <a:cs typeface="+mn-cs"/>
+            </a:endParaRPr>
+          </a:p>
+        </p:txBody>
+      </p:sp>
+      <p:sp>
+        <p:nvSpPr>
+          <p:cNvPr id="4" name="Номер слайда 3"/>
+          <p:cNvSpPr>
+            <a:spLocks noGrp="1"/>
+          </p:cNvSpPr>
+          <p:nvPr>
+            <p:ph type="sldNum" sz="quarter" idx="10"/>
+          </p:nvPr>
+        </p:nvSpPr>
+        <p:spPr/>
+        <p:txBody>
+          <a:bodyPr/>
+          <a:lstStyle/>
+          <a:p>
+            <a:pPr>
+              <a:defRPr/>
+            </a:pPr>
+            <a:fld id="{622F1C9E-D65E-417E-9FEF-9AD7ACC20294}" type="slidenum">
+              <a:rPr lang="ru-RU" smtClean="0">
+                <a:solidFill>
+                  <a:prstClr val="black"/>
+                </a:solidFill>
+              </a:rPr>
+              <a:pPr>
+                <a:defRPr/>
+              </a:pPr>
+              <a:t>113</a:t>
+            </a:fld>
+            <a:endParaRPr lang="ru-RU">
+              <a:solidFill>
+                <a:prstClr val="black"/>
+              </a:solidFill>
+            </a:endParaRPr>
+          </a:p>
+        </p:txBody>
+      </p:sp>
+    </p:spTree>
+    <p:extLst>
+      <p:ext uri="{BB962C8B-B14F-4D97-AF65-F5344CB8AC3E}">
+        <p14:creationId xmlns:p14="http://schemas.microsoft.com/office/powerpoint/2010/main" val="808140583"/>
+      </p:ext>
+    </p:extLst>
+  </p:cSld>
+  <p:clrMapOvr>
+    <a:masterClrMapping/>
+  </p:clrMapOvr>
+</p:notes>
+</file>
+
+<file path=ppt/notesSlides/notesSlide54.xml><?xml version="1.0" encoding="utf-8"?>
+<p:notes xmlns:a="http://schemas.openxmlformats.org/drawingml/2006/main" xmlns:r="http://schemas.openxmlformats.org/officeDocument/2006/relationships" xmlns:p="http://schemas.openxmlformats.org/presentationml/2006/main">
+  <p:cSld>
+    <p:spTree>
+      <p:nvGrpSpPr>
+        <p:cNvPr id="1" name=""/>
+        <p:cNvGrpSpPr/>
+        <p:nvPr/>
+      </p:nvGrpSpPr>
+      <p:grpSpPr>
+        <a:xfrm>
+          <a:off x="0" y="0"/>
+          <a:ext cx="0" cy="0"/>
+          <a:chOff x="0" y="0"/>
+          <a:chExt cx="0" cy="0"/>
+        </a:xfrm>
+      </p:grpSpPr>
+      <p:sp>
+        <p:nvSpPr>
+          <p:cNvPr id="2" name="Образ слайда 1"/>
+          <p:cNvSpPr>
+            <a:spLocks noGrp="1" noRot="1" noChangeAspect="1"/>
+          </p:cNvSpPr>
+          <p:nvPr>
+            <p:ph type="sldImg"/>
+          </p:nvPr>
+        </p:nvSpPr>
+        <p:spPr/>
+      </p:sp>
+      <p:sp>
+        <p:nvSpPr>
+          <p:cNvPr id="3" name="Заметки 2"/>
+          <p:cNvSpPr>
+            <a:spLocks noGrp="1"/>
+          </p:cNvSpPr>
+          <p:nvPr>
+            <p:ph type="body" idx="1"/>
+          </p:nvPr>
+        </p:nvSpPr>
+        <p:spPr/>
+        <p:txBody>
+          <a:bodyPr/>
+          <a:lstStyle/>
+          <a:p>
+            <a:pPr rtl="0" fontAlgn="base"/>
+            <a:r>
+              <a:rPr lang="ru-RU" sz="1200" b="0" i="0" kern="1200" dirty="0" smtClean="0">
+                <a:solidFill>
+                  <a:schemeClr val="tx1"/>
+                </a:solidFill>
+                <a:effectLst/>
+                <a:latin typeface="+mn-lt"/>
+                <a:ea typeface="+mn-ea"/>
+                <a:cs typeface="+mn-cs"/>
+              </a:rPr>
+              <a:t>Instanceof type guard это способ сужения типов с помощью проверки на функцию конструктор</a:t>
+            </a:r>
+            <a:r>
+              <a:rPr lang="en-US" sz="1200" b="0" i="0" kern="1200" dirty="0" smtClean="0">
+                <a:solidFill>
+                  <a:schemeClr val="tx1"/>
+                </a:solidFill>
+                <a:effectLst/>
+                <a:latin typeface="+mn-lt"/>
+                <a:ea typeface="+mn-ea"/>
+                <a:cs typeface="+mn-cs"/>
+              </a:rPr>
+              <a:t>*</a:t>
+            </a:r>
+            <a:endParaRPr lang="ru-RU" sz="1200" b="0" i="0" kern="1200" dirty="0" smtClean="0">
+              <a:solidFill>
+                <a:schemeClr val="tx1"/>
+              </a:solidFill>
+              <a:effectLst/>
+              <a:latin typeface="+mn-lt"/>
+              <a:ea typeface="+mn-ea"/>
+              <a:cs typeface="+mn-cs"/>
+            </a:endParaRPr>
+          </a:p>
+        </p:txBody>
+      </p:sp>
+      <p:sp>
+        <p:nvSpPr>
+          <p:cNvPr id="4" name="Номер слайда 3"/>
+          <p:cNvSpPr>
+            <a:spLocks noGrp="1"/>
+          </p:cNvSpPr>
+          <p:nvPr>
+            <p:ph type="sldNum" sz="quarter" idx="10"/>
+          </p:nvPr>
+        </p:nvSpPr>
+        <p:spPr/>
+        <p:txBody>
+          <a:bodyPr/>
+          <a:lstStyle/>
+          <a:p>
+            <a:pPr>
+              <a:defRPr/>
+            </a:pPr>
+            <a:fld id="{622F1C9E-D65E-417E-9FEF-9AD7ACC20294}" type="slidenum">
+              <a:rPr lang="ru-RU" smtClean="0">
+                <a:solidFill>
+                  <a:prstClr val="black"/>
+                </a:solidFill>
+              </a:rPr>
+              <a:pPr>
+                <a:defRPr/>
+              </a:pPr>
+              <a:t>114</a:t>
+            </a:fld>
+            <a:endParaRPr lang="ru-RU">
+              <a:solidFill>
+                <a:prstClr val="black"/>
+              </a:solidFill>
+            </a:endParaRPr>
+          </a:p>
+        </p:txBody>
+      </p:sp>
+    </p:spTree>
+    <p:extLst>
+      <p:ext uri="{BB962C8B-B14F-4D97-AF65-F5344CB8AC3E}">
+        <p14:creationId xmlns:p14="http://schemas.microsoft.com/office/powerpoint/2010/main" val="3261322552"/>
+      </p:ext>
+    </p:extLst>
+  </p:cSld>
+  <p:clrMapOvr>
+    <a:masterClrMapping/>
+  </p:clrMapOvr>
+</p:notes>
+</file>
+
+<file path=ppt/notesSlides/notesSlide55.xml><?xml version="1.0" encoding="utf-8"?>
+<p:notes xmlns:a="http://schemas.openxmlformats.org/drawingml/2006/main" xmlns:r="http://schemas.openxmlformats.org/officeDocument/2006/relationships" xmlns:p="http://schemas.openxmlformats.org/presentationml/2006/main">
+  <p:cSld>
+    <p:spTree>
+      <p:nvGrpSpPr>
+        <p:cNvPr id="1" name=""/>
+        <p:cNvGrpSpPr/>
+        <p:nvPr/>
+      </p:nvGrpSpPr>
+      <p:grpSpPr>
+        <a:xfrm>
+          <a:off x="0" y="0"/>
+          <a:ext cx="0" cy="0"/>
+          <a:chOff x="0" y="0"/>
+          <a:chExt cx="0" cy="0"/>
+        </a:xfrm>
+      </p:grpSpPr>
+      <p:sp>
+        <p:nvSpPr>
+          <p:cNvPr id="2" name="Образ слайда 1"/>
+          <p:cNvSpPr>
+            <a:spLocks noGrp="1" noRot="1" noChangeAspect="1"/>
+          </p:cNvSpPr>
+          <p:nvPr>
+            <p:ph type="sldImg"/>
+          </p:nvPr>
+        </p:nvSpPr>
+        <p:spPr/>
+      </p:sp>
+      <p:sp>
+        <p:nvSpPr>
+          <p:cNvPr id="3" name="Заметки 2"/>
+          <p:cNvSpPr>
+            <a:spLocks noGrp="1"/>
+          </p:cNvSpPr>
+          <p:nvPr>
+            <p:ph type="body" idx="1"/>
+          </p:nvPr>
+        </p:nvSpPr>
+        <p:spPr/>
+        <p:txBody>
+          <a:bodyPr/>
+          <a:lstStyle/>
+          <a:p>
+            <a:pPr rtl="0" fontAlgn="base"/>
+            <a:r>
+              <a:rPr lang="ru-RU" sz="1200" b="0" i="0" kern="1200" dirty="0" smtClean="0">
+                <a:solidFill>
+                  <a:schemeClr val="tx1"/>
+                </a:solidFill>
+                <a:effectLst/>
+                <a:latin typeface="+mn-lt"/>
+                <a:ea typeface="+mn-ea"/>
+                <a:cs typeface="+mn-cs"/>
+              </a:rPr>
+              <a:t>Степень надежности предположения напрямую зависит от выбранного способа проверки</a:t>
+            </a:r>
+          </a:p>
+          <a:p>
+            <a:pPr rtl="0" fontAlgn="base"/>
+            <a:endParaRPr lang="ru-RU" sz="1200" b="0" i="0" kern="1200" dirty="0" smtClean="0">
+              <a:solidFill>
+                <a:schemeClr val="tx1"/>
+              </a:solidFill>
+              <a:effectLst/>
+              <a:latin typeface="+mn-lt"/>
+              <a:ea typeface="+mn-ea"/>
+              <a:cs typeface="+mn-cs"/>
+            </a:endParaRPr>
+          </a:p>
+          <a:p>
+            <a:pPr rtl="0" fontAlgn="base"/>
+            <a:r>
+              <a:rPr lang="ru-RU" sz="1200" b="0" i="0" kern="1200" dirty="0" smtClean="0">
+                <a:solidFill>
+                  <a:schemeClr val="tx1"/>
+                </a:solidFill>
+                <a:effectLst/>
+                <a:latin typeface="+mn-lt"/>
+                <a:ea typeface="+mn-ea"/>
+                <a:cs typeface="+mn-cs"/>
+              </a:rPr>
+              <a:t>Возвращаясь к самому первому примеру, ничто не мешает написать следующим образом*</a:t>
+            </a:r>
+          </a:p>
+          <a:p>
+            <a:pPr rtl="0" fontAlgn="base"/>
+            <a:endParaRPr lang="ru-RU" sz="1200" b="0" i="0" kern="1200" dirty="0" smtClean="0">
+              <a:solidFill>
+                <a:schemeClr val="tx1"/>
+              </a:solidFill>
+              <a:effectLst/>
+              <a:latin typeface="+mn-lt"/>
+              <a:ea typeface="+mn-ea"/>
+              <a:cs typeface="+mn-cs"/>
+            </a:endParaRPr>
+          </a:p>
+          <a:p>
+            <a:pPr rtl="0" fontAlgn="base"/>
+            <a:r>
+              <a:rPr lang="ru-RU" sz="1200" b="0" i="0" kern="1200" dirty="0" smtClean="0">
+                <a:solidFill>
+                  <a:schemeClr val="tx1"/>
+                </a:solidFill>
+                <a:effectLst/>
+                <a:latin typeface="+mn-lt"/>
+                <a:ea typeface="+mn-ea"/>
+                <a:cs typeface="+mn-cs"/>
+              </a:rPr>
+              <a:t>Задание: реализовать класс начальника и функцию, принимающую массив сотрудников и начальников. В функции необходимо собрать все приказы начальников и передать их каждому сотруднику. Приказы собираются из функции </a:t>
+            </a:r>
+            <a:r>
+              <a:rPr lang="en-US" sz="1200" b="0" i="0" kern="1200" dirty="0" smtClean="0">
+                <a:solidFill>
+                  <a:schemeClr val="tx1"/>
+                </a:solidFill>
+                <a:effectLst/>
+                <a:latin typeface="+mn-lt"/>
+                <a:ea typeface="+mn-ea"/>
+                <a:cs typeface="+mn-cs"/>
+              </a:rPr>
+              <a:t>getOrders </a:t>
+            </a:r>
+            <a:r>
+              <a:rPr lang="ru-RU" sz="1200" b="0" i="0" kern="1200" dirty="0" smtClean="0">
+                <a:solidFill>
+                  <a:schemeClr val="tx1"/>
+                </a:solidFill>
+                <a:effectLst/>
+                <a:latin typeface="+mn-lt"/>
+                <a:ea typeface="+mn-ea"/>
+                <a:cs typeface="+mn-cs"/>
+              </a:rPr>
+              <a:t>у начальника и отдаются с помощью </a:t>
+            </a:r>
+            <a:r>
+              <a:rPr lang="en-US" sz="1200" b="0" i="0" kern="1200" dirty="0" smtClean="0">
+                <a:solidFill>
+                  <a:schemeClr val="tx1"/>
+                </a:solidFill>
+                <a:effectLst/>
+                <a:latin typeface="+mn-lt"/>
+                <a:ea typeface="+mn-ea"/>
+                <a:cs typeface="+mn-cs"/>
+              </a:rPr>
+              <a:t>giveOrders </a:t>
+            </a:r>
+            <a:r>
+              <a:rPr lang="ru-RU" sz="1200" b="0" i="0" kern="1200" dirty="0" smtClean="0">
+                <a:solidFill>
+                  <a:schemeClr val="tx1"/>
+                </a:solidFill>
+                <a:effectLst/>
+                <a:latin typeface="+mn-lt"/>
+                <a:ea typeface="+mn-ea"/>
+                <a:cs typeface="+mn-cs"/>
+              </a:rPr>
+              <a:t>у сотрудника. </a:t>
+            </a:r>
+          </a:p>
+          <a:p>
+            <a:pPr rtl="0" fontAlgn="base"/>
+            <a:endParaRPr lang="ru-RU" sz="1200" b="0" i="0" kern="1200" dirty="0" smtClean="0">
+              <a:solidFill>
+                <a:schemeClr val="tx1"/>
+              </a:solidFill>
+              <a:effectLst/>
+              <a:latin typeface="+mn-lt"/>
+              <a:ea typeface="+mn-ea"/>
+              <a:cs typeface="+mn-cs"/>
+            </a:endParaRPr>
+          </a:p>
+          <a:p>
+            <a:pPr rtl="0" fontAlgn="base"/>
+            <a:r>
+              <a:rPr lang="ru-RU" sz="1200" b="0" i="0" kern="1200" dirty="0" smtClean="0">
+                <a:solidFill>
+                  <a:schemeClr val="tx1"/>
+                </a:solidFill>
+                <a:effectLst/>
+                <a:latin typeface="+mn-lt"/>
+                <a:ea typeface="+mn-ea"/>
+                <a:cs typeface="+mn-cs"/>
+              </a:rPr>
+              <a:t>Задание со звездочкой: сделать так чтобы функция валидировала совпадения типов приказов у сотрудника и начальника (Добавить приказы разного вида и сотрудников</a:t>
+            </a:r>
+            <a:r>
+              <a:rPr lang="en-US" sz="1200" b="0" i="0" kern="1200" dirty="0" smtClean="0">
+                <a:solidFill>
+                  <a:schemeClr val="tx1"/>
+                </a:solidFill>
+                <a:effectLst/>
+                <a:latin typeface="+mn-lt"/>
+                <a:ea typeface="+mn-ea"/>
+                <a:cs typeface="+mn-cs"/>
+              </a:rPr>
+              <a:t>, </a:t>
+            </a:r>
+            <a:r>
+              <a:rPr lang="ru-RU" sz="1200" b="0" i="0" kern="1200" dirty="0" smtClean="0">
+                <a:solidFill>
+                  <a:schemeClr val="tx1"/>
+                </a:solidFill>
+                <a:effectLst/>
+                <a:latin typeface="+mn-lt"/>
+                <a:ea typeface="+mn-ea"/>
+                <a:cs typeface="+mn-cs"/>
+              </a:rPr>
+              <a:t>способных</a:t>
+            </a:r>
+            <a:r>
+              <a:rPr lang="ru-RU" sz="1200" b="0" i="0" kern="1200" baseline="0" dirty="0" smtClean="0">
+                <a:solidFill>
+                  <a:schemeClr val="tx1"/>
+                </a:solidFill>
+                <a:effectLst/>
+                <a:latin typeface="+mn-lt"/>
+                <a:ea typeface="+mn-ea"/>
+                <a:cs typeface="+mn-cs"/>
+              </a:rPr>
+              <a:t> их выполнять</a:t>
+            </a:r>
+            <a:r>
+              <a:rPr lang="ru-RU" sz="1200" b="0" i="0" kern="1200" dirty="0" smtClean="0">
+                <a:solidFill>
+                  <a:schemeClr val="tx1"/>
+                </a:solidFill>
+                <a:effectLst/>
+                <a:latin typeface="+mn-lt"/>
+                <a:ea typeface="+mn-ea"/>
+                <a:cs typeface="+mn-cs"/>
+              </a:rPr>
+              <a:t>). </a:t>
+            </a:r>
+          </a:p>
+          <a:p>
+            <a:pPr rtl="0" fontAlgn="base"/>
+            <a:endParaRPr lang="ru-RU" sz="1200" b="0" i="0" kern="1200" dirty="0" smtClean="0">
+              <a:solidFill>
+                <a:schemeClr val="tx1"/>
+              </a:solidFill>
+              <a:effectLst/>
+              <a:latin typeface="+mn-lt"/>
+              <a:ea typeface="+mn-ea"/>
+              <a:cs typeface="+mn-cs"/>
+            </a:endParaRPr>
+          </a:p>
+          <a:p>
+            <a:pPr rtl="0" fontAlgn="base"/>
+            <a:r>
+              <a:rPr lang="ru-RU" sz="1200" b="0" i="0" kern="1200" dirty="0" smtClean="0">
+                <a:solidFill>
+                  <a:schemeClr val="tx1"/>
+                </a:solidFill>
+                <a:effectLst/>
+                <a:latin typeface="+mn-lt"/>
+                <a:ea typeface="+mn-ea"/>
+                <a:cs typeface="+mn-cs"/>
+              </a:rPr>
+              <a:t>Задание со звездочкой: написать функцию, делающую массив любой вложенности плоским. </a:t>
+            </a:r>
+          </a:p>
+          <a:p>
+            <a:pPr rtl="0" fontAlgn="base"/>
+            <a:endParaRPr lang="ru-RU" sz="1200" b="0" i="0" kern="1200" dirty="0" smtClean="0">
+              <a:solidFill>
+                <a:schemeClr val="tx1"/>
+              </a:solidFill>
+              <a:effectLst/>
+              <a:latin typeface="+mn-lt"/>
+              <a:ea typeface="+mn-ea"/>
+              <a:cs typeface="+mn-cs"/>
+            </a:endParaRPr>
+          </a:p>
+        </p:txBody>
+      </p:sp>
+      <p:sp>
+        <p:nvSpPr>
+          <p:cNvPr id="4" name="Номер слайда 3"/>
+          <p:cNvSpPr>
+            <a:spLocks noGrp="1"/>
+          </p:cNvSpPr>
+          <p:nvPr>
+            <p:ph type="sldNum" sz="quarter" idx="10"/>
+          </p:nvPr>
+        </p:nvSpPr>
+        <p:spPr/>
+        <p:txBody>
+          <a:bodyPr/>
+          <a:lstStyle/>
+          <a:p>
+            <a:pPr>
+              <a:defRPr/>
+            </a:pPr>
+            <a:fld id="{622F1C9E-D65E-417E-9FEF-9AD7ACC20294}" type="slidenum">
+              <a:rPr lang="ru-RU" smtClean="0">
+                <a:solidFill>
+                  <a:prstClr val="black"/>
+                </a:solidFill>
+              </a:rPr>
+              <a:pPr>
+                <a:defRPr/>
+              </a:pPr>
+              <a:t>115</a:t>
+            </a:fld>
+            <a:endParaRPr lang="ru-RU">
+              <a:solidFill>
+                <a:prstClr val="black"/>
+              </a:solidFill>
+            </a:endParaRPr>
+          </a:p>
+        </p:txBody>
+      </p:sp>
+    </p:spTree>
+    <p:extLst>
+      <p:ext uri="{BB962C8B-B14F-4D97-AF65-F5344CB8AC3E}">
+        <p14:creationId xmlns:p14="http://schemas.microsoft.com/office/powerpoint/2010/main" val="482483637"/>
+      </p:ext>
+    </p:extLst>
+  </p:cSld>
+  <p:clrMapOvr>
+    <a:masterClrMapping/>
+  </p:clrMapOvr>
+</p:notes>
+</file>
+
+<file path=ppt/notesSlides/notesSlide56.xml><?xml version="1.0" encoding="utf-8"?>
+<p:notes xmlns:a="http://schemas.openxmlformats.org/drawingml/2006/main" xmlns:r="http://schemas.openxmlformats.org/officeDocument/2006/relationships" xmlns:p="http://schemas.openxmlformats.org/presentationml/2006/main">
+  <p:cSld>
+    <p:spTree>
+      <p:nvGrpSpPr>
+        <p:cNvPr id="1" name=""/>
+        <p:cNvGrpSpPr/>
+        <p:nvPr/>
+      </p:nvGrpSpPr>
+      <p:grpSpPr>
+        <a:xfrm>
+          <a:off x="0" y="0"/>
+          <a:ext cx="0" cy="0"/>
+          <a:chOff x="0" y="0"/>
+          <a:chExt cx="0" cy="0"/>
+        </a:xfrm>
+      </p:grpSpPr>
+      <p:sp>
+        <p:nvSpPr>
+          <p:cNvPr id="2" name="Образ слайда 1"/>
+          <p:cNvSpPr>
+            <a:spLocks noGrp="1" noRot="1" noChangeAspect="1"/>
+          </p:cNvSpPr>
+          <p:nvPr>
+            <p:ph type="sldImg"/>
+          </p:nvPr>
+        </p:nvSpPr>
+        <p:spPr/>
+      </p:sp>
+      <p:sp>
+        <p:nvSpPr>
+          <p:cNvPr id="3" name="Заметки 2"/>
+          <p:cNvSpPr>
+            <a:spLocks noGrp="1"/>
+          </p:cNvSpPr>
+          <p:nvPr>
+            <p:ph type="body" idx="1"/>
+          </p:nvPr>
+        </p:nvSpPr>
+        <p:spPr/>
+        <p:txBody>
+          <a:bodyPr/>
+          <a:lstStyle/>
+          <a:p>
+            <a:pPr rtl="0" fontAlgn="base"/>
+            <a:r>
+              <a:rPr lang="ru-RU" sz="1200" b="0" i="0" kern="1200" dirty="0" smtClean="0">
+                <a:solidFill>
+                  <a:schemeClr val="tx1"/>
+                </a:solidFill>
+                <a:effectLst/>
+                <a:latin typeface="+mn-lt"/>
+                <a:ea typeface="+mn-ea"/>
+                <a:cs typeface="+mn-cs"/>
+              </a:rPr>
+              <a:t>Все</a:t>
+            </a:r>
+            <a:r>
+              <a:rPr lang="ru-RU" sz="1200" b="0" i="0" kern="1200" baseline="0" dirty="0" smtClean="0">
+                <a:solidFill>
+                  <a:schemeClr val="tx1"/>
+                </a:solidFill>
+                <a:effectLst/>
+                <a:latin typeface="+mn-lt"/>
+                <a:ea typeface="+mn-ea"/>
+                <a:cs typeface="+mn-cs"/>
+              </a:rPr>
+              <a:t> что угодно приводимо к </a:t>
+            </a:r>
+            <a:r>
+              <a:rPr lang="en-US" sz="1200" b="0" i="0" kern="1200" baseline="0" dirty="0" smtClean="0">
+                <a:solidFill>
+                  <a:schemeClr val="tx1"/>
+                </a:solidFill>
+                <a:effectLst/>
+                <a:latin typeface="+mn-lt"/>
+                <a:ea typeface="+mn-ea"/>
+                <a:cs typeface="+mn-cs"/>
+              </a:rPr>
+              <a:t>unknown </a:t>
+            </a:r>
+            <a:r>
+              <a:rPr lang="ru-RU" sz="1200" b="0" i="0" kern="1200" baseline="0" dirty="0" smtClean="0">
+                <a:solidFill>
+                  <a:schemeClr val="tx1"/>
+                </a:solidFill>
+                <a:effectLst/>
+                <a:latin typeface="+mn-lt"/>
+                <a:ea typeface="+mn-ea"/>
+                <a:cs typeface="+mn-cs"/>
+              </a:rPr>
+              <a:t>но </a:t>
+            </a:r>
+            <a:r>
+              <a:rPr lang="en-US" sz="1200" b="0" i="0" kern="1200" baseline="0" dirty="0" smtClean="0">
+                <a:solidFill>
+                  <a:schemeClr val="tx1"/>
+                </a:solidFill>
+                <a:effectLst/>
+                <a:latin typeface="+mn-lt"/>
+                <a:ea typeface="+mn-ea"/>
+                <a:cs typeface="+mn-cs"/>
+              </a:rPr>
+              <a:t>unknown </a:t>
+            </a:r>
+            <a:r>
+              <a:rPr lang="ru-RU" sz="1200" b="0" i="0" kern="1200" baseline="0" dirty="0" smtClean="0">
+                <a:solidFill>
+                  <a:schemeClr val="tx1"/>
+                </a:solidFill>
+                <a:effectLst/>
+                <a:latin typeface="+mn-lt"/>
+                <a:ea typeface="+mn-ea"/>
+                <a:cs typeface="+mn-cs"/>
+              </a:rPr>
+              <a:t>не приводим ни к чему (кроме себя же и </a:t>
+            </a:r>
+            <a:r>
+              <a:rPr lang="en-US" sz="1200" b="0" i="0" kern="1200" baseline="0" dirty="0" smtClean="0">
+                <a:solidFill>
+                  <a:schemeClr val="tx1"/>
+                </a:solidFill>
+                <a:effectLst/>
+                <a:latin typeface="+mn-lt"/>
+                <a:ea typeface="+mn-ea"/>
+                <a:cs typeface="+mn-cs"/>
+              </a:rPr>
+              <a:t>any</a:t>
+            </a:r>
+            <a:r>
+              <a:rPr lang="ru-RU" sz="1200" b="0" i="0" kern="1200" baseline="0" dirty="0" smtClean="0">
+                <a:solidFill>
+                  <a:schemeClr val="tx1"/>
+                </a:solidFill>
+                <a:effectLst/>
+                <a:latin typeface="+mn-lt"/>
+                <a:ea typeface="+mn-ea"/>
+                <a:cs typeface="+mn-cs"/>
+              </a:rPr>
+              <a:t>)</a:t>
+            </a:r>
+          </a:p>
+          <a:p>
+            <a:pPr rtl="0" fontAlgn="base"/>
+            <a:endParaRPr lang="ru-RU" sz="1200" b="0" i="0" kern="1200" baseline="0" dirty="0" smtClean="0">
+              <a:solidFill>
+                <a:schemeClr val="tx1"/>
+              </a:solidFill>
+              <a:effectLst/>
+              <a:latin typeface="+mn-lt"/>
+              <a:ea typeface="+mn-ea"/>
+              <a:cs typeface="+mn-cs"/>
+            </a:endParaRPr>
+          </a:p>
+          <a:p>
+            <a:pPr rtl="0" fontAlgn="base"/>
+            <a:r>
+              <a:rPr lang="ru-RU" sz="1200" b="0" i="0" kern="1200" dirty="0" smtClean="0">
+                <a:solidFill>
+                  <a:schemeClr val="tx1"/>
+                </a:solidFill>
+                <a:effectLst/>
+                <a:latin typeface="+mn-lt"/>
+                <a:ea typeface="+mn-ea"/>
+                <a:cs typeface="+mn-cs"/>
+              </a:rPr>
+              <a:t>Показать что в пересечении unknown поглащается т. к. не имеет*</a:t>
+            </a:r>
+          </a:p>
+          <a:p>
+            <a:pPr rtl="0" fontAlgn="base"/>
+            <a:r>
+              <a:rPr lang="ru-RU" sz="1200" b="0" i="0" kern="1200" dirty="0" smtClean="0">
+                <a:solidFill>
+                  <a:schemeClr val="tx1"/>
+                </a:solidFill>
+                <a:effectLst/>
+                <a:latin typeface="+mn-lt"/>
+                <a:ea typeface="+mn-ea"/>
+                <a:cs typeface="+mn-cs"/>
+              </a:rPr>
+              <a:t>В </a:t>
+            </a:r>
+            <a:r>
+              <a:rPr lang="en-US" sz="1200" b="0" i="0" kern="1200" dirty="0" smtClean="0">
+                <a:solidFill>
+                  <a:schemeClr val="tx1"/>
+                </a:solidFill>
+                <a:effectLst/>
+                <a:latin typeface="+mn-lt"/>
+                <a:ea typeface="+mn-ea"/>
+                <a:cs typeface="+mn-cs"/>
+              </a:rPr>
+              <a:t>union </a:t>
+            </a:r>
+            <a:r>
+              <a:rPr lang="ru-RU" sz="1200" b="0" i="0" kern="1200" dirty="0" smtClean="0">
+                <a:solidFill>
+                  <a:schemeClr val="tx1"/>
+                </a:solidFill>
+                <a:effectLst/>
+                <a:latin typeface="+mn-lt"/>
+                <a:ea typeface="+mn-ea"/>
+                <a:cs typeface="+mn-cs"/>
+              </a:rPr>
+              <a:t>он поглощает все т. к. является </a:t>
+            </a:r>
+            <a:r>
+              <a:rPr lang="en-US" sz="1200" b="0" i="0" kern="1200" dirty="0" smtClean="0">
+                <a:solidFill>
+                  <a:schemeClr val="tx1"/>
+                </a:solidFill>
+                <a:effectLst/>
+                <a:latin typeface="+mn-lt"/>
+                <a:ea typeface="+mn-ea"/>
+                <a:cs typeface="+mn-cs"/>
+              </a:rPr>
+              <a:t>most common type </a:t>
+            </a:r>
+            <a:r>
+              <a:rPr lang="ru-RU" sz="1200" b="0" i="0" kern="1200" dirty="0" smtClean="0">
+                <a:solidFill>
+                  <a:schemeClr val="tx1"/>
+                </a:solidFill>
+                <a:effectLst/>
+                <a:latin typeface="+mn-lt"/>
+                <a:ea typeface="+mn-ea"/>
+                <a:cs typeface="+mn-cs"/>
+              </a:rPr>
+              <a:t>*</a:t>
+            </a:r>
+          </a:p>
+          <a:p>
+            <a:pPr rtl="0" fontAlgn="base"/>
+            <a:r>
+              <a:rPr lang="en-US" sz="1200" b="0" i="0" kern="1200" dirty="0" smtClean="0">
+                <a:solidFill>
+                  <a:schemeClr val="tx1"/>
+                </a:solidFill>
+                <a:effectLst/>
+                <a:latin typeface="+mn-lt"/>
+                <a:ea typeface="+mn-ea"/>
+                <a:cs typeface="+mn-cs"/>
+              </a:rPr>
+              <a:t>Only equality operators are allowed with unknown</a:t>
+            </a:r>
+            <a:r>
+              <a:rPr lang="ru-RU" sz="1200" b="0" i="0" kern="1200" dirty="0" smtClean="0">
+                <a:solidFill>
+                  <a:schemeClr val="tx1"/>
+                </a:solidFill>
+                <a:effectLst/>
+                <a:latin typeface="+mn-lt"/>
+                <a:ea typeface="+mn-ea"/>
+                <a:cs typeface="+mn-cs"/>
+              </a:rPr>
+              <a:t>*</a:t>
+            </a:r>
+            <a:endParaRPr lang="en-US" sz="1200" b="0" i="0" kern="1200" dirty="0" smtClean="0">
+              <a:solidFill>
+                <a:schemeClr val="tx1"/>
+              </a:solidFill>
+              <a:effectLst/>
+              <a:latin typeface="+mn-lt"/>
+              <a:ea typeface="+mn-ea"/>
+              <a:cs typeface="+mn-cs"/>
+            </a:endParaRPr>
+          </a:p>
+          <a:p>
+            <a:pPr rtl="0" fontAlgn="base"/>
+            <a:r>
+              <a:rPr lang="en-US" sz="1200" b="0" i="0" kern="1200" smtClean="0">
+                <a:solidFill>
+                  <a:schemeClr val="tx1"/>
+                </a:solidFill>
+                <a:effectLst/>
+                <a:latin typeface="+mn-lt"/>
+                <a:ea typeface="+mn-ea"/>
+                <a:cs typeface="+mn-cs"/>
+              </a:rPr>
+              <a:t>TypeGuards</a:t>
+            </a:r>
+            <a:r>
+              <a:rPr lang="en-US" sz="1200" b="0" i="0" kern="1200" baseline="0" smtClean="0">
+                <a:solidFill>
+                  <a:schemeClr val="tx1"/>
+                </a:solidFill>
+                <a:effectLst/>
+                <a:latin typeface="+mn-lt"/>
+                <a:ea typeface="+mn-ea"/>
+                <a:cs typeface="+mn-cs"/>
+              </a:rPr>
+              <a:t> with unknown*</a:t>
+            </a:r>
+            <a:endParaRPr lang="ru-RU" sz="1200" b="0" i="0" kern="1200" dirty="0" smtClean="0">
+              <a:solidFill>
+                <a:schemeClr val="tx1"/>
+              </a:solidFill>
+              <a:effectLst/>
+              <a:latin typeface="+mn-lt"/>
+              <a:ea typeface="+mn-ea"/>
+              <a:cs typeface="+mn-cs"/>
+            </a:endParaRPr>
+          </a:p>
+          <a:p>
+            <a:pPr rtl="0" fontAlgn="base"/>
+            <a:endParaRPr lang="ru-RU" sz="1200" b="0" i="0" kern="1200" dirty="0" smtClean="0">
+              <a:solidFill>
+                <a:schemeClr val="tx1"/>
+              </a:solidFill>
+              <a:effectLst/>
+              <a:latin typeface="+mn-lt"/>
+              <a:ea typeface="+mn-ea"/>
+              <a:cs typeface="+mn-cs"/>
+            </a:endParaRPr>
+          </a:p>
+        </p:txBody>
+      </p:sp>
+      <p:sp>
+        <p:nvSpPr>
+          <p:cNvPr id="4" name="Номер слайда 3"/>
+          <p:cNvSpPr>
+            <a:spLocks noGrp="1"/>
+          </p:cNvSpPr>
+          <p:nvPr>
+            <p:ph type="sldNum" sz="quarter" idx="10"/>
+          </p:nvPr>
+        </p:nvSpPr>
+        <p:spPr/>
+        <p:txBody>
+          <a:bodyPr/>
+          <a:lstStyle/>
+          <a:p>
+            <a:pPr>
+              <a:defRPr/>
+            </a:pPr>
+            <a:fld id="{622F1C9E-D65E-417E-9FEF-9AD7ACC20294}" type="slidenum">
+              <a:rPr lang="ru-RU" smtClean="0">
+                <a:solidFill>
+                  <a:prstClr val="black"/>
+                </a:solidFill>
+              </a:rPr>
+              <a:pPr>
+                <a:defRPr/>
+              </a:pPr>
+              <a:t>116</a:t>
+            </a:fld>
+            <a:endParaRPr lang="ru-RU">
+              <a:solidFill>
+                <a:prstClr val="black"/>
+              </a:solidFill>
+            </a:endParaRPr>
+          </a:p>
+        </p:txBody>
+      </p:sp>
+    </p:spTree>
+    <p:extLst>
+      <p:ext uri="{BB962C8B-B14F-4D97-AF65-F5344CB8AC3E}">
+        <p14:creationId xmlns:p14="http://schemas.microsoft.com/office/powerpoint/2010/main" val="3313843660"/>
+      </p:ext>
+    </p:extLst>
+  </p:cSld>
+  <p:clrMapOvr>
+    <a:masterClrMapping/>
+  </p:clrMapOvr>
+</p:notes>
+</file>
+
+<file path=ppt/notesSlides/notesSlide57.xml><?xml version="1.0" encoding="utf-8"?>
+<p:notes xmlns:a="http://schemas.openxmlformats.org/drawingml/2006/main" xmlns:r="http://schemas.openxmlformats.org/officeDocument/2006/relationships" xmlns:p="http://schemas.openxmlformats.org/presentationml/2006/main">
+  <p:cSld>
+    <p:spTree>
+      <p:nvGrpSpPr>
+        <p:cNvPr id="1" name=""/>
+        <p:cNvGrpSpPr/>
+        <p:nvPr/>
+      </p:nvGrpSpPr>
+      <p:grpSpPr>
+        <a:xfrm>
+          <a:off x="0" y="0"/>
+          <a:ext cx="0" cy="0"/>
+          <a:chOff x="0" y="0"/>
+          <a:chExt cx="0" cy="0"/>
+        </a:xfrm>
+      </p:grpSpPr>
+      <p:sp>
+        <p:nvSpPr>
+          <p:cNvPr id="2" name="Образ слайда 1"/>
+          <p:cNvSpPr>
+            <a:spLocks noGrp="1" noRot="1" noChangeAspect="1"/>
+          </p:cNvSpPr>
+          <p:nvPr>
+            <p:ph type="sldImg"/>
+          </p:nvPr>
+        </p:nvSpPr>
+        <p:spPr/>
+      </p:sp>
+      <p:sp>
+        <p:nvSpPr>
+          <p:cNvPr id="3" name="Заметки 2"/>
+          <p:cNvSpPr>
+            <a:spLocks noGrp="1"/>
+          </p:cNvSpPr>
+          <p:nvPr>
+            <p:ph type="body" idx="1"/>
+          </p:nvPr>
+        </p:nvSpPr>
+        <p:spPr/>
+        <p:txBody>
+          <a:bodyPr/>
+          <a:lstStyle/>
+          <a:p>
+            <a:pPr rtl="0" fontAlgn="base"/>
+            <a:r>
+              <a:rPr lang="ru-RU" sz="1200" b="0" i="0" kern="1200" dirty="0" smtClean="0">
+                <a:solidFill>
+                  <a:schemeClr val="tx1"/>
+                </a:solidFill>
+                <a:effectLst/>
+                <a:latin typeface="+mn-lt"/>
+                <a:ea typeface="+mn-ea"/>
+                <a:cs typeface="+mn-cs"/>
+              </a:rPr>
+              <a:t>TypeScript имеет два специальных типа: null и undefined, которые принимают значения null и undefined соответственно</a:t>
+            </a:r>
+            <a:r>
+              <a:rPr lang="en-US" sz="1200" b="0" i="0" kern="1200" dirty="0" smtClean="0">
+                <a:solidFill>
+                  <a:schemeClr val="tx1"/>
+                </a:solidFill>
+                <a:effectLst/>
+                <a:latin typeface="+mn-lt"/>
+                <a:ea typeface="+mn-ea"/>
+                <a:cs typeface="+mn-cs"/>
+              </a:rPr>
+              <a:t>*</a:t>
+            </a:r>
+          </a:p>
+          <a:p>
+            <a:pPr rtl="0" fontAlgn="base"/>
+            <a:endParaRPr lang="en-US" sz="1200" b="0" i="0" kern="1200" dirty="0" smtClean="0">
+              <a:solidFill>
+                <a:schemeClr val="tx1"/>
+              </a:solidFill>
+              <a:effectLst/>
+              <a:latin typeface="+mn-lt"/>
+              <a:ea typeface="+mn-ea"/>
+              <a:cs typeface="+mn-cs"/>
+            </a:endParaRPr>
+          </a:p>
+          <a:p>
+            <a:pPr rtl="0" fontAlgn="base"/>
+            <a:r>
+              <a:rPr lang="ru-RU" sz="1200" b="0" i="0" kern="1200" dirty="0" smtClean="0">
+                <a:solidFill>
+                  <a:schemeClr val="tx1"/>
+                </a:solidFill>
+                <a:effectLst/>
+                <a:latin typeface="+mn-lt"/>
+                <a:ea typeface="+mn-ea"/>
+                <a:cs typeface="+mn-cs"/>
+              </a:rPr>
+              <a:t>По</a:t>
+            </a:r>
+            <a:r>
+              <a:rPr lang="ru-RU" sz="1200" b="0" i="0" kern="1200" baseline="0" dirty="0" smtClean="0">
+                <a:solidFill>
+                  <a:schemeClr val="tx1"/>
+                </a:solidFill>
+                <a:effectLst/>
+                <a:latin typeface="+mn-lt"/>
+                <a:ea typeface="+mn-ea"/>
+                <a:cs typeface="+mn-cs"/>
+              </a:rPr>
+              <a:t> умолчанию они приводимы ко всем типам*</a:t>
+            </a:r>
+          </a:p>
+          <a:p>
+            <a:pPr rtl="0" fontAlgn="base"/>
+            <a:r>
+              <a:rPr lang="ru-RU" sz="1200" b="0" i="0" kern="1200" dirty="0" smtClean="0">
+                <a:solidFill>
+                  <a:schemeClr val="tx1"/>
+                </a:solidFill>
+                <a:effectLst/>
+                <a:latin typeface="+mn-lt"/>
+                <a:ea typeface="+mn-ea"/>
+                <a:cs typeface="+mn-cs"/>
+              </a:rPr>
+              <a:t>Исправить данное недоразумение поможет флаг –strictNullChecks*</a:t>
+            </a:r>
+            <a:endParaRPr lang="ru-RU" sz="1200" b="0" i="0" kern="1200" dirty="0" smtClean="0">
+              <a:solidFill>
+                <a:schemeClr val="tx1"/>
+              </a:solidFill>
+              <a:effectLst/>
+              <a:latin typeface="+mn-lt"/>
+              <a:ea typeface="+mn-ea"/>
+              <a:cs typeface="+mn-cs"/>
+            </a:endParaRPr>
+          </a:p>
+        </p:txBody>
+      </p:sp>
+      <p:sp>
+        <p:nvSpPr>
+          <p:cNvPr id="4" name="Номер слайда 3"/>
+          <p:cNvSpPr>
+            <a:spLocks noGrp="1"/>
+          </p:cNvSpPr>
+          <p:nvPr>
+            <p:ph type="sldNum" sz="quarter" idx="10"/>
+          </p:nvPr>
+        </p:nvSpPr>
+        <p:spPr/>
+        <p:txBody>
+          <a:bodyPr/>
+          <a:lstStyle/>
+          <a:p>
+            <a:pPr>
+              <a:defRPr/>
+            </a:pPr>
+            <a:fld id="{622F1C9E-D65E-417E-9FEF-9AD7ACC20294}" type="slidenum">
+              <a:rPr lang="ru-RU" smtClean="0">
+                <a:solidFill>
+                  <a:prstClr val="black"/>
+                </a:solidFill>
+              </a:rPr>
+              <a:pPr>
+                <a:defRPr/>
+              </a:pPr>
+              <a:t>117</a:t>
+            </a:fld>
+            <a:endParaRPr lang="ru-RU">
+              <a:solidFill>
+                <a:prstClr val="black"/>
+              </a:solidFill>
+            </a:endParaRPr>
+          </a:p>
+        </p:txBody>
+      </p:sp>
+    </p:spTree>
+    <p:extLst>
+      <p:ext uri="{BB962C8B-B14F-4D97-AF65-F5344CB8AC3E}">
+        <p14:creationId xmlns:p14="http://schemas.microsoft.com/office/powerpoint/2010/main" val="241645216"/>
+      </p:ext>
+    </p:extLst>
+  </p:cSld>
+  <p:clrMapOvr>
+    <a:masterClrMapping/>
+  </p:clrMapOvr>
+</p:notes>
+</file>
+
+<file path=ppt/notesSlides/notesSlide58.xml><?xml version="1.0" encoding="utf-8"?>
+<p:notes xmlns:a="http://schemas.openxmlformats.org/drawingml/2006/main" xmlns:r="http://schemas.openxmlformats.org/officeDocument/2006/relationships" xmlns:p="http://schemas.openxmlformats.org/presentationml/2006/main">
+  <p:cSld>
+    <p:spTree>
+      <p:nvGrpSpPr>
+        <p:cNvPr id="1" name=""/>
+        <p:cNvGrpSpPr/>
+        <p:nvPr/>
+      </p:nvGrpSpPr>
+      <p:grpSpPr>
+        <a:xfrm>
+          <a:off x="0" y="0"/>
+          <a:ext cx="0" cy="0"/>
+          <a:chOff x="0" y="0"/>
+          <a:chExt cx="0" cy="0"/>
+        </a:xfrm>
+      </p:grpSpPr>
+      <p:sp>
+        <p:nvSpPr>
+          <p:cNvPr id="2" name="Образ слайда 1"/>
+          <p:cNvSpPr>
+            <a:spLocks noGrp="1" noRot="1" noChangeAspect="1"/>
+          </p:cNvSpPr>
+          <p:nvPr>
+            <p:ph type="sldImg"/>
+          </p:nvPr>
+        </p:nvSpPr>
+        <p:spPr/>
+      </p:sp>
+      <p:sp>
+        <p:nvSpPr>
+          <p:cNvPr id="3" name="Заметки 2"/>
+          <p:cNvSpPr>
+            <a:spLocks noGrp="1"/>
+          </p:cNvSpPr>
+          <p:nvPr>
+            <p:ph type="body" idx="1"/>
+          </p:nvPr>
+        </p:nvSpPr>
+        <p:spPr/>
+        <p:txBody>
+          <a:bodyPr/>
+          <a:lstStyle/>
+          <a:p>
+            <a:pPr rtl="0" fontAlgn="base"/>
+            <a:r>
+              <a:rPr lang="ru-RU" sz="1200" b="0" i="0" kern="1200" dirty="0" smtClean="0">
+                <a:solidFill>
+                  <a:schemeClr val="tx1"/>
+                </a:solidFill>
+                <a:effectLst/>
+                <a:latin typeface="+mn-lt"/>
+                <a:ea typeface="+mn-ea"/>
+                <a:cs typeface="+mn-cs"/>
+              </a:rPr>
+              <a:t>При вложенных опциональных свойствах объекта зачастую возникает следующая проблема</a:t>
+            </a:r>
+            <a:r>
+              <a:rPr lang="en-US" sz="1200" b="0" i="0" kern="1200" dirty="0" smtClean="0">
+                <a:solidFill>
+                  <a:schemeClr val="tx1"/>
+                </a:solidFill>
+                <a:effectLst/>
+                <a:latin typeface="+mn-lt"/>
+                <a:ea typeface="+mn-ea"/>
+                <a:cs typeface="+mn-cs"/>
+              </a:rPr>
+              <a:t>*</a:t>
+            </a:r>
+          </a:p>
+          <a:p>
+            <a:pPr rtl="0" fontAlgn="base"/>
+            <a:r>
+              <a:rPr lang="ru-RU" sz="1200" b="0" i="0" kern="1200" dirty="0" smtClean="0">
+                <a:solidFill>
+                  <a:schemeClr val="tx1"/>
+                </a:solidFill>
+                <a:effectLst/>
+                <a:latin typeface="+mn-lt"/>
+                <a:ea typeface="+mn-ea"/>
+                <a:cs typeface="+mn-cs"/>
+              </a:rPr>
+              <a:t>Для помощи в данной ситуации приходит новый оператор optional property accesses</a:t>
+            </a:r>
+            <a:r>
+              <a:rPr lang="en-US" sz="1200" b="0" i="0" kern="1200" dirty="0" smtClean="0">
+                <a:solidFill>
+                  <a:schemeClr val="tx1"/>
+                </a:solidFill>
+                <a:effectLst/>
+                <a:latin typeface="+mn-lt"/>
+                <a:ea typeface="+mn-ea"/>
+                <a:cs typeface="+mn-cs"/>
+              </a:rPr>
+              <a:t>*</a:t>
+            </a:r>
+            <a:endParaRPr lang="ru-RU" sz="1200" b="0" i="0" kern="1200" dirty="0" smtClean="0">
+              <a:solidFill>
+                <a:schemeClr val="tx1"/>
+              </a:solidFill>
+              <a:effectLst/>
+              <a:latin typeface="+mn-lt"/>
+              <a:ea typeface="+mn-ea"/>
+              <a:cs typeface="+mn-cs"/>
+            </a:endParaRPr>
+          </a:p>
+        </p:txBody>
+      </p:sp>
+      <p:sp>
+        <p:nvSpPr>
+          <p:cNvPr id="4" name="Номер слайда 3"/>
+          <p:cNvSpPr>
+            <a:spLocks noGrp="1"/>
+          </p:cNvSpPr>
+          <p:nvPr>
+            <p:ph type="sldNum" sz="quarter" idx="10"/>
+          </p:nvPr>
+        </p:nvSpPr>
+        <p:spPr/>
+        <p:txBody>
+          <a:bodyPr/>
+          <a:lstStyle/>
+          <a:p>
+            <a:pPr>
+              <a:defRPr/>
+            </a:pPr>
+            <a:fld id="{622F1C9E-D65E-417E-9FEF-9AD7ACC20294}" type="slidenum">
+              <a:rPr lang="ru-RU" smtClean="0">
+                <a:solidFill>
+                  <a:prstClr val="black"/>
+                </a:solidFill>
+              </a:rPr>
+              <a:pPr>
+                <a:defRPr/>
+              </a:pPr>
+              <a:t>118</a:t>
+            </a:fld>
+            <a:endParaRPr lang="ru-RU">
+              <a:solidFill>
+                <a:prstClr val="black"/>
+              </a:solidFill>
+            </a:endParaRPr>
+          </a:p>
+        </p:txBody>
+      </p:sp>
+    </p:spTree>
+    <p:extLst>
+      <p:ext uri="{BB962C8B-B14F-4D97-AF65-F5344CB8AC3E}">
+        <p14:creationId xmlns:p14="http://schemas.microsoft.com/office/powerpoint/2010/main" val="3614456394"/>
+      </p:ext>
+    </p:extLst>
+  </p:cSld>
+  <p:clrMapOvr>
+    <a:masterClrMapping/>
+  </p:clrMapOvr>
+</p:notes>
+</file>
+
+<file path=ppt/notesSlides/notesSlide59.xml><?xml version="1.0" encoding="utf-8"?>
+<p:notes xmlns:a="http://schemas.openxmlformats.org/drawingml/2006/main" xmlns:r="http://schemas.openxmlformats.org/officeDocument/2006/relationships" xmlns:p="http://schemas.openxmlformats.org/presentationml/2006/main">
+  <p:cSld>
+    <p:spTree>
+      <p:nvGrpSpPr>
+        <p:cNvPr id="1" name=""/>
+        <p:cNvGrpSpPr/>
+        <p:nvPr/>
+      </p:nvGrpSpPr>
+      <p:grpSpPr>
+        <a:xfrm>
+          <a:off x="0" y="0"/>
+          <a:ext cx="0" cy="0"/>
+          <a:chOff x="0" y="0"/>
+          <a:chExt cx="0" cy="0"/>
+        </a:xfrm>
+      </p:grpSpPr>
+      <p:sp>
+        <p:nvSpPr>
+          <p:cNvPr id="2" name="Образ слайда 1"/>
+          <p:cNvSpPr>
+            <a:spLocks noGrp="1" noRot="1" noChangeAspect="1"/>
+          </p:cNvSpPr>
+          <p:nvPr>
+            <p:ph type="sldImg"/>
+          </p:nvPr>
+        </p:nvSpPr>
+        <p:spPr/>
+      </p:sp>
+      <p:sp>
+        <p:nvSpPr>
+          <p:cNvPr id="3" name="Заметки 2"/>
+          <p:cNvSpPr>
+            <a:spLocks noGrp="1"/>
+          </p:cNvSpPr>
+          <p:nvPr>
+            <p:ph type="body" idx="1"/>
+          </p:nvPr>
+        </p:nvSpPr>
+        <p:spPr/>
+        <p:txBody>
+          <a:bodyPr/>
+          <a:lstStyle/>
+          <a:p>
+            <a:pPr rtl="0" fontAlgn="base"/>
+            <a:r>
+              <a:rPr lang="ru-RU" sz="1200" b="0" i="0" kern="1200" dirty="0" smtClean="0">
+                <a:solidFill>
+                  <a:schemeClr val="tx1"/>
+                </a:solidFill>
+                <a:effectLst/>
+                <a:latin typeface="+mn-lt"/>
+                <a:ea typeface="+mn-ea"/>
+                <a:cs typeface="+mn-cs"/>
+              </a:rPr>
+              <a:t>Ввиду того что nullable типы реализованы через union, понадобится использовать type guard для того, чтобы избавится от пустых типов</a:t>
+            </a:r>
+            <a:r>
+              <a:rPr lang="en-US" sz="1200" b="0" i="0" kern="1200" dirty="0" smtClean="0">
+                <a:solidFill>
+                  <a:schemeClr val="tx1"/>
+                </a:solidFill>
+                <a:effectLst/>
+                <a:latin typeface="+mn-lt"/>
+                <a:ea typeface="+mn-ea"/>
+                <a:cs typeface="+mn-cs"/>
+              </a:rPr>
+              <a:t>*</a:t>
+            </a:r>
+            <a:endParaRPr lang="ru-RU" sz="1200" b="0" i="0" kern="1200" dirty="0" smtClean="0">
+              <a:solidFill>
+                <a:schemeClr val="tx1"/>
+              </a:solidFill>
+              <a:effectLst/>
+              <a:latin typeface="+mn-lt"/>
+              <a:ea typeface="+mn-ea"/>
+              <a:cs typeface="+mn-cs"/>
+            </a:endParaRPr>
+          </a:p>
+        </p:txBody>
+      </p:sp>
+      <p:sp>
+        <p:nvSpPr>
+          <p:cNvPr id="4" name="Номер слайда 3"/>
+          <p:cNvSpPr>
+            <a:spLocks noGrp="1"/>
+          </p:cNvSpPr>
+          <p:nvPr>
+            <p:ph type="sldNum" sz="quarter" idx="10"/>
+          </p:nvPr>
+        </p:nvSpPr>
+        <p:spPr/>
+        <p:txBody>
+          <a:bodyPr/>
+          <a:lstStyle/>
+          <a:p>
+            <a:pPr>
+              <a:defRPr/>
+            </a:pPr>
+            <a:fld id="{622F1C9E-D65E-417E-9FEF-9AD7ACC20294}" type="slidenum">
+              <a:rPr lang="ru-RU" smtClean="0">
+                <a:solidFill>
+                  <a:prstClr val="black"/>
+                </a:solidFill>
+              </a:rPr>
+              <a:pPr>
+                <a:defRPr/>
+              </a:pPr>
+              <a:t>119</a:t>
+            </a:fld>
+            <a:endParaRPr lang="ru-RU">
+              <a:solidFill>
+                <a:prstClr val="black"/>
+              </a:solidFill>
+            </a:endParaRPr>
+          </a:p>
+        </p:txBody>
+      </p:sp>
+    </p:spTree>
+    <p:extLst>
+      <p:ext uri="{BB962C8B-B14F-4D97-AF65-F5344CB8AC3E}">
+        <p14:creationId xmlns:p14="http://schemas.microsoft.com/office/powerpoint/2010/main" val="4115145993"/>
+      </p:ext>
+    </p:extLst>
+  </p:cSld>
+  <p:clrMapOvr>
+    <a:masterClrMapping/>
+  </p:clrMapOvr>
+</p:notes>
+</file>
+
 <file path=ppt/notesSlides/notesSlide6.xml><?xml version="1.0" encoding="utf-8"?>
 <p:notes xmlns:a="http://schemas.openxmlformats.org/drawingml/2006/main" xmlns:r="http://schemas.openxmlformats.org/officeDocument/2006/relationships" xmlns:p="http://schemas.openxmlformats.org/presentationml/2006/main">
   <p:cSld>
@@ -13692,6 +15679,275 @@
     <p:extLst>
       <p:ext uri="{BB962C8B-B14F-4D97-AF65-F5344CB8AC3E}">
         <p14:creationId xmlns:p14="http://schemas.microsoft.com/office/powerpoint/2010/main" val="3665074765"/>
+      </p:ext>
+    </p:extLst>
+  </p:cSld>
+  <p:clrMapOvr>
+    <a:masterClrMapping/>
+  </p:clrMapOvr>
+</p:notes>
+</file>
+
+<file path=ppt/notesSlides/notesSlide60.xml><?xml version="1.0" encoding="utf-8"?>
+<p:notes xmlns:a="http://schemas.openxmlformats.org/drawingml/2006/main" xmlns:r="http://schemas.openxmlformats.org/officeDocument/2006/relationships" xmlns:p="http://schemas.openxmlformats.org/presentationml/2006/main">
+  <p:cSld>
+    <p:spTree>
+      <p:nvGrpSpPr>
+        <p:cNvPr id="1" name=""/>
+        <p:cNvGrpSpPr/>
+        <p:nvPr/>
+      </p:nvGrpSpPr>
+      <p:grpSpPr>
+        <a:xfrm>
+          <a:off x="0" y="0"/>
+          <a:ext cx="0" cy="0"/>
+          <a:chOff x="0" y="0"/>
+          <a:chExt cx="0" cy="0"/>
+        </a:xfrm>
+      </p:grpSpPr>
+      <p:sp>
+        <p:nvSpPr>
+          <p:cNvPr id="2" name="Образ слайда 1"/>
+          <p:cNvSpPr>
+            <a:spLocks noGrp="1" noRot="1" noChangeAspect="1"/>
+          </p:cNvSpPr>
+          <p:nvPr>
+            <p:ph type="sldImg"/>
+          </p:nvPr>
+        </p:nvSpPr>
+        <p:spPr/>
+      </p:sp>
+      <p:sp>
+        <p:nvSpPr>
+          <p:cNvPr id="3" name="Заметки 2"/>
+          <p:cNvSpPr>
+            <a:spLocks noGrp="1"/>
+          </p:cNvSpPr>
+          <p:nvPr>
+            <p:ph type="body" idx="1"/>
+          </p:nvPr>
+        </p:nvSpPr>
+        <p:spPr/>
+        <p:txBody>
+          <a:bodyPr/>
+          <a:lstStyle/>
+          <a:p>
+            <a:pPr rtl="0" fontAlgn="base"/>
+            <a:r>
+              <a:rPr lang="ru-RU" sz="1200" b="0" i="0" kern="1200" dirty="0" smtClean="0">
+                <a:solidFill>
+                  <a:schemeClr val="tx1"/>
+                </a:solidFill>
+                <a:effectLst/>
+                <a:latin typeface="+mn-lt"/>
+                <a:ea typeface="+mn-ea"/>
+                <a:cs typeface="+mn-cs"/>
+              </a:rPr>
+              <a:t>Задание: реализовать класс односвязного списка с </a:t>
+            </a:r>
+            <a:r>
+              <a:rPr lang="en-US" sz="1200" b="0" i="0" kern="1200" dirty="0" smtClean="0">
+                <a:solidFill>
+                  <a:schemeClr val="tx1"/>
+                </a:solidFill>
+                <a:effectLst/>
+                <a:latin typeface="+mn-lt"/>
+                <a:ea typeface="+mn-ea"/>
+                <a:cs typeface="+mn-cs"/>
+              </a:rPr>
+              <a:t>next </a:t>
+            </a:r>
+            <a:r>
+              <a:rPr lang="ru-RU" sz="1200" b="0" i="0" kern="1200" dirty="0" smtClean="0">
+                <a:solidFill>
+                  <a:schemeClr val="tx1"/>
+                </a:solidFill>
+                <a:effectLst/>
+                <a:latin typeface="+mn-lt"/>
+                <a:ea typeface="+mn-ea"/>
+                <a:cs typeface="+mn-cs"/>
+              </a:rPr>
+              <a:t>возможным как </a:t>
+            </a:r>
+            <a:r>
+              <a:rPr lang="en-US" sz="1200" b="0" i="0" kern="1200" dirty="0" smtClean="0">
+                <a:solidFill>
+                  <a:schemeClr val="tx1"/>
+                </a:solidFill>
+                <a:effectLst/>
+                <a:latin typeface="+mn-lt"/>
+                <a:ea typeface="+mn-ea"/>
+                <a:cs typeface="+mn-cs"/>
+              </a:rPr>
+              <a:t>undefined. </a:t>
+            </a:r>
+            <a:r>
+              <a:rPr lang="ru-RU" sz="1200" b="0" i="0" kern="1200" dirty="0" smtClean="0">
+                <a:solidFill>
+                  <a:schemeClr val="tx1"/>
+                </a:solidFill>
+                <a:effectLst/>
+                <a:latin typeface="+mn-lt"/>
+                <a:ea typeface="+mn-ea"/>
+                <a:cs typeface="+mn-cs"/>
+              </a:rPr>
+              <a:t>Создать функцию логирующую все элементы списка. </a:t>
+            </a:r>
+          </a:p>
+          <a:p>
+            <a:pPr rtl="0" fontAlgn="base"/>
+            <a:endParaRPr lang="en-US" sz="1200" b="0" i="0" kern="1200" dirty="0" smtClean="0">
+              <a:solidFill>
+                <a:schemeClr val="tx1"/>
+              </a:solidFill>
+              <a:effectLst/>
+              <a:latin typeface="+mn-lt"/>
+              <a:ea typeface="+mn-ea"/>
+              <a:cs typeface="+mn-cs"/>
+            </a:endParaRPr>
+          </a:p>
+          <a:p>
+            <a:pPr rtl="0" fontAlgn="base"/>
+            <a:r>
+              <a:rPr lang="ru-RU" sz="1200" b="0" i="0" kern="1200" dirty="0" smtClean="0">
+                <a:solidFill>
+                  <a:schemeClr val="tx1"/>
+                </a:solidFill>
+                <a:effectLst/>
+                <a:latin typeface="+mn-lt"/>
+                <a:ea typeface="+mn-ea"/>
+                <a:cs typeface="+mn-cs"/>
+              </a:rPr>
+              <a:t>Задание со звездочкой: написать функцию </a:t>
+            </a:r>
+            <a:r>
+              <a:rPr lang="en-US" sz="1200" b="0" i="0" kern="1200" dirty="0" smtClean="0">
+                <a:solidFill>
+                  <a:schemeClr val="tx1"/>
+                </a:solidFill>
+                <a:effectLst/>
+                <a:latin typeface="+mn-lt"/>
+                <a:ea typeface="+mn-ea"/>
+                <a:cs typeface="+mn-cs"/>
+              </a:rPr>
+              <a:t>keyBy. </a:t>
+            </a:r>
+            <a:r>
+              <a:rPr lang="ru-RU" sz="1200" b="0" i="0" kern="1200" dirty="0" smtClean="0">
+                <a:solidFill>
+                  <a:schemeClr val="tx1"/>
+                </a:solidFill>
+                <a:effectLst/>
+                <a:latin typeface="+mn-lt"/>
+                <a:ea typeface="+mn-ea"/>
+                <a:cs typeface="+mn-cs"/>
+              </a:rPr>
+              <a:t>Комплятор должен контролировать чтобы </a:t>
+            </a:r>
+            <a:r>
+              <a:rPr lang="en-US" sz="1200" b="0" i="0" kern="1200" dirty="0" smtClean="0">
+                <a:solidFill>
+                  <a:schemeClr val="tx1"/>
+                </a:solidFill>
+                <a:effectLst/>
+                <a:latin typeface="+mn-lt"/>
+                <a:ea typeface="+mn-ea"/>
+                <a:cs typeface="+mn-cs"/>
+              </a:rPr>
+              <a:t>callback </a:t>
+            </a:r>
+            <a:r>
+              <a:rPr lang="ru-RU" sz="1200" b="0" i="0" kern="1200" dirty="0" smtClean="0">
+                <a:solidFill>
+                  <a:schemeClr val="tx1"/>
+                </a:solidFill>
+                <a:effectLst/>
+                <a:latin typeface="+mn-lt"/>
+                <a:ea typeface="+mn-ea"/>
+                <a:cs typeface="+mn-cs"/>
+              </a:rPr>
+              <a:t>возвращает </a:t>
+            </a:r>
+            <a:r>
+              <a:rPr lang="en-US" sz="1200" b="0" i="0" kern="1200" dirty="0" smtClean="0">
+                <a:solidFill>
+                  <a:schemeClr val="tx1"/>
+                </a:solidFill>
+                <a:effectLst/>
+                <a:latin typeface="+mn-lt"/>
+                <a:ea typeface="+mn-ea"/>
+                <a:cs typeface="+mn-cs"/>
+              </a:rPr>
+              <a:t>non nullable </a:t>
+            </a:r>
+            <a:r>
+              <a:rPr lang="ru-RU" sz="1200" b="0" i="0" kern="1200" dirty="0" smtClean="0">
+                <a:solidFill>
+                  <a:schemeClr val="tx1"/>
+                </a:solidFill>
+                <a:effectLst/>
+                <a:latin typeface="+mn-lt"/>
+                <a:ea typeface="+mn-ea"/>
+                <a:cs typeface="+mn-cs"/>
+              </a:rPr>
+              <a:t>значение. </a:t>
+            </a:r>
+          </a:p>
+          <a:p>
+            <a:pPr rtl="0" fontAlgn="base"/>
+            <a:endParaRPr lang="ru-RU" sz="1200" b="0" i="0" kern="1200" dirty="0" smtClean="0">
+              <a:solidFill>
+                <a:schemeClr val="tx1"/>
+              </a:solidFill>
+              <a:effectLst/>
+              <a:latin typeface="+mn-lt"/>
+              <a:ea typeface="+mn-ea"/>
+              <a:cs typeface="+mn-cs"/>
+            </a:endParaRPr>
+          </a:p>
+        </p:txBody>
+      </p:sp>
+      <p:sp>
+        <p:nvSpPr>
+          <p:cNvPr id="4" name="Номер слайда 3"/>
+          <p:cNvSpPr>
+            <a:spLocks noGrp="1"/>
+          </p:cNvSpPr>
+          <p:nvPr>
+            <p:ph type="sldNum" sz="quarter" idx="10"/>
+          </p:nvPr>
+        </p:nvSpPr>
+        <p:spPr/>
+        <p:txBody>
+          <a:bodyPr/>
+          <a:lstStyle/>
+          <a:p>
+            <a:pPr>
+              <a:defRPr/>
+            </a:pPr>
+            <a:fld id="{622F1C9E-D65E-417E-9FEF-9AD7ACC20294}" type="slidenum">
+              <a:rPr lang="ru-RU" smtClean="0">
+                <a:solidFill>
+                  <a:prstClr val="black"/>
+                </a:solidFill>
+              </a:rPr>
+              <a:pPr>
+                <a:defRPr/>
+              </a:pPr>
+              <a:t>120</a:t>
+            </a:fld>
+            <a:endParaRPr lang="ru-RU">
+              <a:solidFill>
+                <a:prstClr val="black"/>
+              </a:solidFill>
+            </a:endParaRPr>
+          </a:p>
+        </p:txBody>
+      </p:sp>
+    </p:spTree>
+    <p:extLst>
+      <p:ext uri="{BB962C8B-B14F-4D97-AF65-F5344CB8AC3E}">
+        <p14:creationId xmlns:p14="http://schemas.microsoft.com/office/powerpoint/2010/main" val="166560693"/>
       </p:ext>
     </p:extLst>
   </p:cSld>
@@ -14859,7 +17115,7 @@
           <a:p>
             <a:fld id="{F2FFB779-270B-4192-84BA-A697F48306DC}" type="datetimeFigureOut">
               <a:rPr lang="ru-RU" smtClean="0"/>
-              <a:t>17.07.2020</a:t>
+              <a:t>20.07.2020</a:t>
             </a:fld>
             <a:endParaRPr lang="ru-RU"/>
           </a:p>
@@ -15027,7 +17283,7 @@
           <a:p>
             <a:fld id="{F2FFB779-270B-4192-84BA-A697F48306DC}" type="datetimeFigureOut">
               <a:rPr lang="ru-RU" smtClean="0"/>
-              <a:t>17.07.2020</a:t>
+              <a:t>20.07.2020</a:t>
             </a:fld>
             <a:endParaRPr lang="ru-RU"/>
           </a:p>
@@ -15205,7 +17461,7 @@
           <a:p>
             <a:fld id="{F2FFB779-270B-4192-84BA-A697F48306DC}" type="datetimeFigureOut">
               <a:rPr lang="ru-RU" smtClean="0"/>
-              <a:t>17.07.2020</a:t>
+              <a:t>20.07.2020</a:t>
             </a:fld>
             <a:endParaRPr lang="ru-RU"/>
           </a:p>
@@ -15373,7 +17629,7 @@
           <a:p>
             <a:fld id="{F2FFB779-270B-4192-84BA-A697F48306DC}" type="datetimeFigureOut">
               <a:rPr lang="ru-RU" smtClean="0"/>
-              <a:t>17.07.2020</a:t>
+              <a:t>20.07.2020</a:t>
             </a:fld>
             <a:endParaRPr lang="ru-RU"/>
           </a:p>
@@ -15618,7 +17874,7 @@
           <a:p>
             <a:fld id="{F2FFB779-270B-4192-84BA-A697F48306DC}" type="datetimeFigureOut">
               <a:rPr lang="ru-RU" smtClean="0"/>
-              <a:t>17.07.2020</a:t>
+              <a:t>20.07.2020</a:t>
             </a:fld>
             <a:endParaRPr lang="ru-RU"/>
           </a:p>
@@ -15847,7 +18103,7 @@
           <a:p>
             <a:fld id="{F2FFB779-270B-4192-84BA-A697F48306DC}" type="datetimeFigureOut">
               <a:rPr lang="ru-RU" smtClean="0"/>
-              <a:t>17.07.2020</a:t>
+              <a:t>20.07.2020</a:t>
             </a:fld>
             <a:endParaRPr lang="ru-RU"/>
           </a:p>
@@ -16211,7 +18467,7 @@
           <a:p>
             <a:fld id="{F2FFB779-270B-4192-84BA-A697F48306DC}" type="datetimeFigureOut">
               <a:rPr lang="ru-RU" smtClean="0"/>
-              <a:t>17.07.2020</a:t>
+              <a:t>20.07.2020</a:t>
             </a:fld>
             <a:endParaRPr lang="ru-RU"/>
           </a:p>
@@ -16328,7 +18584,7 @@
           <a:p>
             <a:fld id="{F2FFB779-270B-4192-84BA-A697F48306DC}" type="datetimeFigureOut">
               <a:rPr lang="ru-RU" smtClean="0"/>
-              <a:t>17.07.2020</a:t>
+              <a:t>20.07.2020</a:t>
             </a:fld>
             <a:endParaRPr lang="ru-RU"/>
           </a:p>
@@ -16423,7 +18679,7 @@
           <a:p>
             <a:fld id="{F2FFB779-270B-4192-84BA-A697F48306DC}" type="datetimeFigureOut">
               <a:rPr lang="ru-RU" smtClean="0"/>
-              <a:t>17.07.2020</a:t>
+              <a:t>20.07.2020</a:t>
             </a:fld>
             <a:endParaRPr lang="ru-RU"/>
           </a:p>
@@ -16698,7 +18954,7 @@
           <a:p>
             <a:fld id="{F2FFB779-270B-4192-84BA-A697F48306DC}" type="datetimeFigureOut">
               <a:rPr lang="ru-RU" smtClean="0"/>
-              <a:t>17.07.2020</a:t>
+              <a:t>20.07.2020</a:t>
             </a:fld>
             <a:endParaRPr lang="ru-RU"/>
           </a:p>
@@ -16950,7 +19206,7 @@
           <a:p>
             <a:fld id="{F2FFB779-270B-4192-84BA-A697F48306DC}" type="datetimeFigureOut">
               <a:rPr lang="ru-RU" smtClean="0"/>
-              <a:t>17.07.2020</a:t>
+              <a:t>20.07.2020</a:t>
             </a:fld>
             <a:endParaRPr lang="ru-RU"/>
           </a:p>
@@ -17161,7 +19417,7 @@
           <a:p>
             <a:fld id="{F2FFB779-270B-4192-84BA-A697F48306DC}" type="datetimeFigureOut">
               <a:rPr lang="ru-RU" smtClean="0"/>
-              <a:t>17.07.2020</a:t>
+              <a:t>20.07.2020</a:t>
             </a:fld>
             <a:endParaRPr lang="ru-RU"/>
           </a:p>
@@ -17579,7 +19835,7 @@
           <p:cNvPr id="4" name="TextBox 3">
             <a:extLst>
               <a:ext uri="{FF2B5EF4-FFF2-40B4-BE49-F238E27FC236}">
-                <a16:creationId xmlns:a16="http://schemas.microsoft.com/office/drawing/2014/main" xmlns="" id="{04D158B8-9362-4BF2-882E-C13EA3EF3EF0}"/>
+                <a16:creationId xmlns="" xmlns:a16="http://schemas.microsoft.com/office/drawing/2014/main" id="{04D158B8-9362-4BF2-882E-C13EA3EF3EF0}"/>
               </a:ext>
             </a:extLst>
           </p:cNvPr>
@@ -17671,7 +19927,7 @@
           <p:cNvPr id="2" name="Рисунок 2" descr="Изображение выглядит как знак&#10;&#10;Автоматически созданное описание">
             <a:extLst>
               <a:ext uri="{FF2B5EF4-FFF2-40B4-BE49-F238E27FC236}">
-                <a16:creationId xmlns:a16="http://schemas.microsoft.com/office/drawing/2014/main" xmlns="" id="{643AF698-9649-4FE5-B57B-D63B1979621A}"/>
+                <a16:creationId xmlns="" xmlns:a16="http://schemas.microsoft.com/office/drawing/2014/main" id="{643AF698-9649-4FE5-B57B-D63B1979621A}"/>
               </a:ext>
             </a:extLst>
           </p:cNvPr>
@@ -17701,7 +19957,7 @@
           <p:cNvPr id="6" name="Рисунок 2" descr="Изображение выглядит как знак&#10;&#10;Автоматически созданное описание">
             <a:extLst>
               <a:ext uri="{FF2B5EF4-FFF2-40B4-BE49-F238E27FC236}">
-                <a16:creationId xmlns:a16="http://schemas.microsoft.com/office/drawing/2014/main" xmlns="" id="{E62650C7-5A56-4458-8455-E76C997A3CCA}"/>
+                <a16:creationId xmlns="" xmlns:a16="http://schemas.microsoft.com/office/drawing/2014/main" id="{E62650C7-5A56-4458-8455-E76C997A3CCA}"/>
               </a:ext>
             </a:extLst>
           </p:cNvPr>
@@ -17731,7 +19987,7 @@
           <p:cNvPr id="4" name="Рисунок 4" descr="Изображение выглядит как знак, часы&#10;&#10;Автоматически созданное описание">
             <a:extLst>
               <a:ext uri="{FF2B5EF4-FFF2-40B4-BE49-F238E27FC236}">
-                <a16:creationId xmlns:a16="http://schemas.microsoft.com/office/drawing/2014/main" xmlns="" id="{C0715713-18D8-4672-A392-99BE9242E0A0}"/>
+                <a16:creationId xmlns="" xmlns:a16="http://schemas.microsoft.com/office/drawing/2014/main" id="{C0715713-18D8-4672-A392-99BE9242E0A0}"/>
               </a:ext>
             </a:extLst>
           </p:cNvPr>
@@ -18692,7 +20948,7 @@
           <p:cNvPr id="7" name="Рисунок 5">
             <a:extLst>
               <a:ext uri="{FF2B5EF4-FFF2-40B4-BE49-F238E27FC236}">
-                <a16:creationId xmlns:a16="http://schemas.microsoft.com/office/drawing/2014/main" xmlns="" id="{B0D009A0-57C3-4D4D-B1D0-6B70F709CD8A}"/>
+                <a16:creationId xmlns="" xmlns:a16="http://schemas.microsoft.com/office/drawing/2014/main" id="{B0D009A0-57C3-4D4D-B1D0-6B70F709CD8A}"/>
               </a:ext>
             </a:extLst>
           </p:cNvPr>
@@ -18722,7 +20978,7 @@
           <p:cNvPr id="8" name="Рисунок 9">
             <a:extLst>
               <a:ext uri="{FF2B5EF4-FFF2-40B4-BE49-F238E27FC236}">
-                <a16:creationId xmlns:a16="http://schemas.microsoft.com/office/drawing/2014/main" xmlns="" id="{E8BB2BAD-B852-4F51-B94F-087CF76564AF}"/>
+                <a16:creationId xmlns="" xmlns:a16="http://schemas.microsoft.com/office/drawing/2014/main" id="{E8BB2BAD-B852-4F51-B94F-087CF76564AF}"/>
               </a:ext>
             </a:extLst>
           </p:cNvPr>
@@ -19800,7 +22056,7 @@
           <p:cNvPr id="7" name="Рисунок 2" descr="Изображение выглядит как знак&#10;&#10;Автоматически созданное описание">
             <a:extLst>
               <a:ext uri="{FF2B5EF4-FFF2-40B4-BE49-F238E27FC236}">
-                <a16:creationId xmlns:a16="http://schemas.microsoft.com/office/drawing/2014/main" xmlns="" id="{406787F7-34F3-4578-8383-E3660837B270}"/>
+                <a16:creationId xmlns="" xmlns:a16="http://schemas.microsoft.com/office/drawing/2014/main" id="{406787F7-34F3-4578-8383-E3660837B270}"/>
               </a:ext>
             </a:extLst>
           </p:cNvPr>
@@ -19830,7 +22086,7 @@
           <p:cNvPr id="3" name="Рисунок 3" descr="Изображение выглядит как рисунок&#10;&#10;Автоматически созданное описание">
             <a:extLst>
               <a:ext uri="{FF2B5EF4-FFF2-40B4-BE49-F238E27FC236}">
-                <a16:creationId xmlns:a16="http://schemas.microsoft.com/office/drawing/2014/main" xmlns="" id="{FC6F666A-A6B3-453F-9A9B-0A5B8D721905}"/>
+                <a16:creationId xmlns="" xmlns:a16="http://schemas.microsoft.com/office/drawing/2014/main" id="{FC6F666A-A6B3-453F-9A9B-0A5B8D721905}"/>
               </a:ext>
             </a:extLst>
           </p:cNvPr>
@@ -19859,7 +22115,7 @@
           <p:cNvPr id="5" name="Рисунок 5" descr="Изображение выглядит как стул&#10;&#10;Автоматически созданное описание">
             <a:extLst>
               <a:ext uri="{FF2B5EF4-FFF2-40B4-BE49-F238E27FC236}">
-                <a16:creationId xmlns:a16="http://schemas.microsoft.com/office/drawing/2014/main" xmlns="" id="{B7763C02-CDFF-4BDB-A137-3F2DC619E9F4}"/>
+                <a16:creationId xmlns="" xmlns:a16="http://schemas.microsoft.com/office/drawing/2014/main" id="{B7763C02-CDFF-4BDB-A137-3F2DC619E9F4}"/>
               </a:ext>
             </a:extLst>
           </p:cNvPr>
@@ -19897,6 +22153,1359 @@
 </p:sld>
 </file>
 
+<file path=ppt/slides/slide110.xml><?xml version="1.0" encoding="utf-8"?>
+<p:sld xmlns:a="http://schemas.openxmlformats.org/drawingml/2006/main" xmlns:r="http://schemas.openxmlformats.org/officeDocument/2006/relationships" xmlns:p="http://schemas.openxmlformats.org/presentationml/2006/main">
+  <p:cSld>
+    <p:bg>
+      <p:bgPr>
+        <a:solidFill>
+          <a:srgbClr val="262626"/>
+        </a:solidFill>
+        <a:effectLst/>
+      </p:bgPr>
+    </p:bg>
+    <p:spTree>
+      <p:nvGrpSpPr>
+        <p:cNvPr id="1" name=""/>
+        <p:cNvGrpSpPr/>
+        <p:nvPr/>
+      </p:nvGrpSpPr>
+      <p:grpSpPr>
+        <a:xfrm>
+          <a:off x="0" y="0"/>
+          <a:ext cx="0" cy="0"/>
+          <a:chOff x="0" y="0"/>
+          <a:chExt cx="0" cy="0"/>
+        </a:xfrm>
+      </p:grpSpPr>
+      <p:sp>
+        <p:nvSpPr>
+          <p:cNvPr id="5" name="Прямоугольник 4"/>
+          <p:cNvSpPr/>
+          <p:nvPr/>
+        </p:nvSpPr>
+        <p:spPr>
+          <a:xfrm>
+            <a:off x="4130590" y="2839452"/>
+            <a:ext cx="3905236" cy="830997"/>
+          </a:xfrm>
+          <a:prstGeom prst="rect">
+            <a:avLst/>
+          </a:prstGeom>
+        </p:spPr>
+        <p:txBody>
+          <a:bodyPr wrap="none">
+            <a:spAutoFit/>
+          </a:bodyPr>
+          <a:lstStyle/>
+          <a:p>
+            <a:pPr algn="ctr">
+              <a:defRPr/>
+            </a:pPr>
+            <a:r>
+              <a:rPr lang="en-US" sz="4800" dirty="0" smtClean="0">
+                <a:solidFill>
+                  <a:srgbClr val="00D8FF"/>
+                </a:solidFill>
+                <a:latin typeface="Consolas"/>
+                <a:cs typeface="Calibri"/>
+              </a:rPr>
+              <a:t>Type guards</a:t>
+            </a:r>
+            <a:endParaRPr lang="en-US" sz="4800" dirty="0">
+              <a:solidFill>
+                <a:srgbClr val="00D8FF"/>
+              </a:solidFill>
+              <a:latin typeface="Consolas"/>
+              <a:cs typeface="Calibri"/>
+            </a:endParaRPr>
+          </a:p>
+        </p:txBody>
+      </p:sp>
+    </p:spTree>
+    <p:extLst>
+      <p:ext uri="{BB962C8B-B14F-4D97-AF65-F5344CB8AC3E}">
+        <p14:creationId xmlns:p14="http://schemas.microsoft.com/office/powerpoint/2010/main" val="3108606343"/>
+      </p:ext>
+    </p:extLst>
+  </p:cSld>
+  <p:clrMapOvr>
+    <a:masterClrMapping/>
+  </p:clrMapOvr>
+  <p:timing>
+    <p:tnLst>
+      <p:par>
+        <p:cTn id="1" dur="indefinite" restart="never" nodeType="tmRoot"/>
+      </p:par>
+    </p:tnLst>
+  </p:timing>
+</p:sld>
+</file>
+
+<file path=ppt/slides/slide111.xml><?xml version="1.0" encoding="utf-8"?>
+<p:sld xmlns:a="http://schemas.openxmlformats.org/drawingml/2006/main" xmlns:r="http://schemas.openxmlformats.org/officeDocument/2006/relationships" xmlns:p="http://schemas.openxmlformats.org/presentationml/2006/main">
+  <p:cSld>
+    <p:bg>
+      <p:bgPr>
+        <a:solidFill>
+          <a:srgbClr val="262626"/>
+        </a:solidFill>
+        <a:effectLst/>
+      </p:bgPr>
+    </p:bg>
+    <p:spTree>
+      <p:nvGrpSpPr>
+        <p:cNvPr id="1" name=""/>
+        <p:cNvGrpSpPr/>
+        <p:nvPr/>
+      </p:nvGrpSpPr>
+      <p:grpSpPr>
+        <a:xfrm>
+          <a:off x="0" y="0"/>
+          <a:ext cx="0" cy="0"/>
+          <a:chOff x="0" y="0"/>
+          <a:chExt cx="0" cy="0"/>
+        </a:xfrm>
+      </p:grpSpPr>
+      <p:sp>
+        <p:nvSpPr>
+          <p:cNvPr id="5" name="Прямоугольник 4"/>
+          <p:cNvSpPr/>
+          <p:nvPr/>
+        </p:nvSpPr>
+        <p:spPr>
+          <a:xfrm>
+            <a:off x="905361" y="2839452"/>
+            <a:ext cx="10355719" cy="584775"/>
+          </a:xfrm>
+          <a:prstGeom prst="rect">
+            <a:avLst/>
+          </a:prstGeom>
+        </p:spPr>
+        <p:txBody>
+          <a:bodyPr wrap="none">
+            <a:spAutoFit/>
+          </a:bodyPr>
+          <a:lstStyle/>
+          <a:p>
+            <a:pPr algn="ctr">
+              <a:defRPr/>
+            </a:pPr>
+            <a:r>
+              <a:rPr lang="en-US" sz="3200" dirty="0" smtClean="0">
+                <a:solidFill>
+                  <a:srgbClr val="00D8FF"/>
+                </a:solidFill>
+                <a:latin typeface="Consolas"/>
+                <a:cs typeface="Calibri"/>
+              </a:rPr>
+              <a:t>function predicate(var: unknown)</a:t>
+            </a:r>
+            <a:r>
+              <a:rPr lang="en-US" sz="3200" dirty="0" smtClean="0">
+                <a:solidFill>
+                  <a:srgbClr val="BF4141"/>
+                </a:solidFill>
+                <a:latin typeface="Consolas"/>
+                <a:cs typeface="Calibri"/>
+              </a:rPr>
+              <a:t>: var is type</a:t>
+            </a:r>
+            <a:endParaRPr lang="en-US" sz="3200" dirty="0">
+              <a:solidFill>
+                <a:srgbClr val="BF4141"/>
+              </a:solidFill>
+              <a:latin typeface="Consolas"/>
+              <a:cs typeface="Calibri"/>
+            </a:endParaRPr>
+          </a:p>
+        </p:txBody>
+      </p:sp>
+    </p:spTree>
+    <p:extLst>
+      <p:ext uri="{BB962C8B-B14F-4D97-AF65-F5344CB8AC3E}">
+        <p14:creationId xmlns:p14="http://schemas.microsoft.com/office/powerpoint/2010/main" val="1516262792"/>
+      </p:ext>
+    </p:extLst>
+  </p:cSld>
+  <p:clrMapOvr>
+    <a:masterClrMapping/>
+  </p:clrMapOvr>
+  <p:timing>
+    <p:tnLst>
+      <p:par>
+        <p:cTn id="1" dur="indefinite" restart="never" nodeType="tmRoot"/>
+      </p:par>
+    </p:tnLst>
+  </p:timing>
+</p:sld>
+</file>
+
+<file path=ppt/slides/slide112.xml><?xml version="1.0" encoding="utf-8"?>
+<p:sld xmlns:a="http://schemas.openxmlformats.org/drawingml/2006/main" xmlns:r="http://schemas.openxmlformats.org/officeDocument/2006/relationships" xmlns:p="http://schemas.openxmlformats.org/presentationml/2006/main">
+  <p:cSld>
+    <p:bg>
+      <p:bgPr>
+        <a:solidFill>
+          <a:srgbClr val="262626"/>
+        </a:solidFill>
+        <a:effectLst/>
+      </p:bgPr>
+    </p:bg>
+    <p:spTree>
+      <p:nvGrpSpPr>
+        <p:cNvPr id="1" name=""/>
+        <p:cNvGrpSpPr/>
+        <p:nvPr/>
+      </p:nvGrpSpPr>
+      <p:grpSpPr>
+        <a:xfrm>
+          <a:off x="0" y="0"/>
+          <a:ext cx="0" cy="0"/>
+          <a:chOff x="0" y="0"/>
+          <a:chExt cx="0" cy="0"/>
+        </a:xfrm>
+      </p:grpSpPr>
+      <p:sp>
+        <p:nvSpPr>
+          <p:cNvPr id="5" name="Прямоугольник 4"/>
+          <p:cNvSpPr/>
+          <p:nvPr/>
+        </p:nvSpPr>
+        <p:spPr>
+          <a:xfrm>
+            <a:off x="3956682" y="2839452"/>
+            <a:ext cx="4253087" cy="584775"/>
+          </a:xfrm>
+          <a:prstGeom prst="rect">
+            <a:avLst/>
+          </a:prstGeom>
+        </p:spPr>
+        <p:txBody>
+          <a:bodyPr wrap="none">
+            <a:spAutoFit/>
+          </a:bodyPr>
+          <a:lstStyle/>
+          <a:p>
+            <a:pPr algn="ctr">
+              <a:defRPr/>
+            </a:pPr>
+            <a:r>
+              <a:rPr lang="en-US" sz="3200" dirty="0" smtClean="0">
+                <a:solidFill>
+                  <a:srgbClr val="00D8FF"/>
+                </a:solidFill>
+                <a:latin typeface="Consolas"/>
+                <a:cs typeface="Calibri"/>
+              </a:rPr>
+              <a:t>Property </a:t>
+            </a:r>
+            <a:r>
+              <a:rPr lang="en-US" sz="3200" dirty="0" smtClean="0">
+                <a:solidFill>
+                  <a:srgbClr val="BF4141"/>
+                </a:solidFill>
+                <a:latin typeface="Consolas"/>
+                <a:cs typeface="Calibri"/>
+              </a:rPr>
+              <a:t>in</a:t>
+            </a:r>
+            <a:r>
+              <a:rPr lang="en-US" sz="3200" dirty="0" smtClean="0">
+                <a:solidFill>
+                  <a:srgbClr val="00D8FF"/>
+                </a:solidFill>
+                <a:latin typeface="Consolas"/>
+                <a:cs typeface="Calibri"/>
+              </a:rPr>
+              <a:t> object</a:t>
+            </a:r>
+            <a:endParaRPr lang="en-US" sz="3200" dirty="0">
+              <a:solidFill>
+                <a:srgbClr val="BF4141"/>
+              </a:solidFill>
+              <a:latin typeface="Consolas"/>
+              <a:cs typeface="Calibri"/>
+            </a:endParaRPr>
+          </a:p>
+        </p:txBody>
+      </p:sp>
+    </p:spTree>
+    <p:extLst>
+      <p:ext uri="{BB962C8B-B14F-4D97-AF65-F5344CB8AC3E}">
+        <p14:creationId xmlns:p14="http://schemas.microsoft.com/office/powerpoint/2010/main" val="944120823"/>
+      </p:ext>
+    </p:extLst>
+  </p:cSld>
+  <p:clrMapOvr>
+    <a:masterClrMapping/>
+  </p:clrMapOvr>
+  <p:timing>
+    <p:tnLst>
+      <p:par>
+        <p:cTn id="1" dur="indefinite" restart="never" nodeType="tmRoot"/>
+      </p:par>
+    </p:tnLst>
+  </p:timing>
+</p:sld>
+</file>
+
+<file path=ppt/slides/slide113.xml><?xml version="1.0" encoding="utf-8"?>
+<p:sld xmlns:a="http://schemas.openxmlformats.org/drawingml/2006/main" xmlns:r="http://schemas.openxmlformats.org/officeDocument/2006/relationships" xmlns:p="http://schemas.openxmlformats.org/presentationml/2006/main">
+  <p:cSld>
+    <p:bg>
+      <p:bgPr>
+        <a:solidFill>
+          <a:srgbClr val="262626"/>
+        </a:solidFill>
+        <a:effectLst/>
+      </p:bgPr>
+    </p:bg>
+    <p:spTree>
+      <p:nvGrpSpPr>
+        <p:cNvPr id="1" name=""/>
+        <p:cNvGrpSpPr/>
+        <p:nvPr/>
+      </p:nvGrpSpPr>
+      <p:grpSpPr>
+        <a:xfrm>
+          <a:off x="0" y="0"/>
+          <a:ext cx="0" cy="0"/>
+          <a:chOff x="0" y="0"/>
+          <a:chExt cx="0" cy="0"/>
+        </a:xfrm>
+      </p:grpSpPr>
+      <p:sp>
+        <p:nvSpPr>
+          <p:cNvPr id="5" name="Прямоугольник 4"/>
+          <p:cNvSpPr/>
+          <p:nvPr/>
+        </p:nvSpPr>
+        <p:spPr>
+          <a:xfrm>
+            <a:off x="4860778" y="2839452"/>
+            <a:ext cx="2444900" cy="584775"/>
+          </a:xfrm>
+          <a:prstGeom prst="rect">
+            <a:avLst/>
+          </a:prstGeom>
+        </p:spPr>
+        <p:txBody>
+          <a:bodyPr wrap="none">
+            <a:spAutoFit/>
+          </a:bodyPr>
+          <a:lstStyle/>
+          <a:p>
+            <a:pPr algn="ctr">
+              <a:defRPr/>
+            </a:pPr>
+            <a:r>
+              <a:rPr lang="en-US" sz="3200" dirty="0" smtClean="0">
+                <a:solidFill>
+                  <a:srgbClr val="BF4141"/>
+                </a:solidFill>
+                <a:latin typeface="Consolas"/>
+                <a:cs typeface="Calibri"/>
+              </a:rPr>
+              <a:t>typeof</a:t>
+            </a:r>
+            <a:r>
+              <a:rPr lang="en-US" sz="3200" dirty="0" smtClean="0">
+                <a:solidFill>
+                  <a:srgbClr val="00D8FF"/>
+                </a:solidFill>
+                <a:latin typeface="Consolas"/>
+                <a:cs typeface="Calibri"/>
+              </a:rPr>
+              <a:t> var</a:t>
+            </a:r>
+            <a:endParaRPr lang="en-US" sz="3200" dirty="0">
+              <a:solidFill>
+                <a:srgbClr val="BF4141"/>
+              </a:solidFill>
+              <a:latin typeface="Consolas"/>
+              <a:cs typeface="Calibri"/>
+            </a:endParaRPr>
+          </a:p>
+        </p:txBody>
+      </p:sp>
+    </p:spTree>
+    <p:extLst>
+      <p:ext uri="{BB962C8B-B14F-4D97-AF65-F5344CB8AC3E}">
+        <p14:creationId xmlns:p14="http://schemas.microsoft.com/office/powerpoint/2010/main" val="4087670561"/>
+      </p:ext>
+    </p:extLst>
+  </p:cSld>
+  <p:clrMapOvr>
+    <a:masterClrMapping/>
+  </p:clrMapOvr>
+  <p:timing>
+    <p:tnLst>
+      <p:par>
+        <p:cTn id="1" dur="indefinite" restart="never" nodeType="tmRoot"/>
+      </p:par>
+    </p:tnLst>
+  </p:timing>
+</p:sld>
+</file>
+
+<file path=ppt/slides/slide114.xml><?xml version="1.0" encoding="utf-8"?>
+<p:sld xmlns:a="http://schemas.openxmlformats.org/drawingml/2006/main" xmlns:r="http://schemas.openxmlformats.org/officeDocument/2006/relationships" xmlns:p="http://schemas.openxmlformats.org/presentationml/2006/main">
+  <p:cSld>
+    <p:bg>
+      <p:bgPr>
+        <a:solidFill>
+          <a:srgbClr val="262626"/>
+        </a:solidFill>
+        <a:effectLst/>
+      </p:bgPr>
+    </p:bg>
+    <p:spTree>
+      <p:nvGrpSpPr>
+        <p:cNvPr id="1" name=""/>
+        <p:cNvGrpSpPr/>
+        <p:nvPr/>
+      </p:nvGrpSpPr>
+      <p:grpSpPr>
+        <a:xfrm>
+          <a:off x="0" y="0"/>
+          <a:ext cx="0" cy="0"/>
+          <a:chOff x="0" y="0"/>
+          <a:chExt cx="0" cy="0"/>
+        </a:xfrm>
+      </p:grpSpPr>
+      <p:sp>
+        <p:nvSpPr>
+          <p:cNvPr id="5" name="Прямоугольник 4"/>
+          <p:cNvSpPr/>
+          <p:nvPr/>
+        </p:nvSpPr>
+        <p:spPr>
+          <a:xfrm>
+            <a:off x="4069699" y="2839452"/>
+            <a:ext cx="4027064" cy="584775"/>
+          </a:xfrm>
+          <a:prstGeom prst="rect">
+            <a:avLst/>
+          </a:prstGeom>
+        </p:spPr>
+        <p:txBody>
+          <a:bodyPr wrap="none">
+            <a:spAutoFit/>
+          </a:bodyPr>
+          <a:lstStyle/>
+          <a:p>
+            <a:pPr algn="ctr">
+              <a:defRPr/>
+            </a:pPr>
+            <a:r>
+              <a:rPr lang="en-US" sz="3200" dirty="0" smtClean="0">
+                <a:solidFill>
+                  <a:srgbClr val="BF4141"/>
+                </a:solidFill>
+                <a:latin typeface="Consolas"/>
+                <a:cs typeface="Calibri"/>
+              </a:rPr>
+              <a:t>instanceof</a:t>
+            </a:r>
+            <a:r>
+              <a:rPr lang="en-US" sz="3200" dirty="0" smtClean="0">
+                <a:solidFill>
+                  <a:srgbClr val="00D8FF"/>
+                </a:solidFill>
+                <a:latin typeface="Consolas"/>
+                <a:cs typeface="Calibri"/>
+              </a:rPr>
+              <a:t> object</a:t>
+            </a:r>
+            <a:endParaRPr lang="en-US" sz="3200" dirty="0">
+              <a:solidFill>
+                <a:srgbClr val="BF4141"/>
+              </a:solidFill>
+              <a:latin typeface="Consolas"/>
+              <a:cs typeface="Calibri"/>
+            </a:endParaRPr>
+          </a:p>
+        </p:txBody>
+      </p:sp>
+    </p:spTree>
+    <p:extLst>
+      <p:ext uri="{BB962C8B-B14F-4D97-AF65-F5344CB8AC3E}">
+        <p14:creationId xmlns:p14="http://schemas.microsoft.com/office/powerpoint/2010/main" val="1847730309"/>
+      </p:ext>
+    </p:extLst>
+  </p:cSld>
+  <p:clrMapOvr>
+    <a:masterClrMapping/>
+  </p:clrMapOvr>
+  <p:timing>
+    <p:tnLst>
+      <p:par>
+        <p:cTn id="1" dur="indefinite" restart="never" nodeType="tmRoot"/>
+      </p:par>
+    </p:tnLst>
+  </p:timing>
+</p:sld>
+</file>
+
+<file path=ppt/slides/slide115.xml><?xml version="1.0" encoding="utf-8"?>
+<p:sld xmlns:a="http://schemas.openxmlformats.org/drawingml/2006/main" xmlns:r="http://schemas.openxmlformats.org/officeDocument/2006/relationships" xmlns:p="http://schemas.openxmlformats.org/presentationml/2006/main">
+  <p:cSld>
+    <p:bg>
+      <p:bgPr>
+        <a:solidFill>
+          <a:srgbClr val="262626"/>
+        </a:solidFill>
+        <a:effectLst/>
+      </p:bgPr>
+    </p:bg>
+    <p:spTree>
+      <p:nvGrpSpPr>
+        <p:cNvPr id="1" name=""/>
+        <p:cNvGrpSpPr/>
+        <p:nvPr/>
+      </p:nvGrpSpPr>
+      <p:grpSpPr>
+        <a:xfrm>
+          <a:off x="0" y="0"/>
+          <a:ext cx="0" cy="0"/>
+          <a:chOff x="0" y="0"/>
+          <a:chExt cx="0" cy="0"/>
+        </a:xfrm>
+      </p:grpSpPr>
+      <p:sp>
+        <p:nvSpPr>
+          <p:cNvPr id="5" name="Прямоугольник 4"/>
+          <p:cNvSpPr/>
+          <p:nvPr/>
+        </p:nvSpPr>
+        <p:spPr>
+          <a:xfrm>
+            <a:off x="1809474" y="2839452"/>
+            <a:ext cx="8547533" cy="584775"/>
+          </a:xfrm>
+          <a:prstGeom prst="rect">
+            <a:avLst/>
+          </a:prstGeom>
+        </p:spPr>
+        <p:txBody>
+          <a:bodyPr wrap="none">
+            <a:spAutoFit/>
+          </a:bodyPr>
+          <a:lstStyle/>
+          <a:p>
+            <a:pPr algn="ctr">
+              <a:defRPr/>
+            </a:pPr>
+            <a:r>
+              <a:rPr lang="en-US" sz="3200" dirty="0" smtClean="0">
+                <a:solidFill>
+                  <a:srgbClr val="00D8FF"/>
+                </a:solidFill>
+                <a:latin typeface="Consolas"/>
+                <a:cs typeface="Calibri"/>
+              </a:rPr>
+              <a:t>Type guards </a:t>
+            </a:r>
+            <a:r>
+              <a:rPr lang="en-US" sz="3200" dirty="0" smtClean="0">
+                <a:solidFill>
+                  <a:srgbClr val="BF4141"/>
+                </a:solidFill>
+                <a:latin typeface="Consolas"/>
+                <a:cs typeface="Calibri"/>
+              </a:rPr>
+              <a:t>do </a:t>
+            </a:r>
+            <a:r>
+              <a:rPr lang="en-US" sz="3200" dirty="0">
+                <a:solidFill>
+                  <a:srgbClr val="BF4141"/>
+                </a:solidFill>
+                <a:latin typeface="Consolas"/>
+                <a:cs typeface="Calibri"/>
+              </a:rPr>
+              <a:t>not</a:t>
+            </a:r>
+            <a:r>
+              <a:rPr lang="en-US" sz="3200" dirty="0">
+                <a:solidFill>
+                  <a:srgbClr val="00D8FF"/>
+                </a:solidFill>
+                <a:latin typeface="Consolas"/>
+                <a:cs typeface="Calibri"/>
+              </a:rPr>
+              <a:t> guarantee </a:t>
+            </a:r>
+            <a:r>
+              <a:rPr lang="en-US" sz="3200" dirty="0" smtClean="0">
+                <a:solidFill>
+                  <a:srgbClr val="00D8FF"/>
+                </a:solidFill>
+                <a:latin typeface="Consolas"/>
+                <a:cs typeface="Calibri"/>
+              </a:rPr>
+              <a:t>anything</a:t>
+            </a:r>
+            <a:endParaRPr lang="en-US" sz="3200" dirty="0">
+              <a:solidFill>
+                <a:srgbClr val="00D8FF"/>
+              </a:solidFill>
+              <a:latin typeface="Consolas"/>
+              <a:cs typeface="Calibri"/>
+            </a:endParaRPr>
+          </a:p>
+        </p:txBody>
+      </p:sp>
+    </p:spTree>
+    <p:extLst>
+      <p:ext uri="{BB962C8B-B14F-4D97-AF65-F5344CB8AC3E}">
+        <p14:creationId xmlns:p14="http://schemas.microsoft.com/office/powerpoint/2010/main" val="1392745186"/>
+      </p:ext>
+    </p:extLst>
+  </p:cSld>
+  <p:clrMapOvr>
+    <a:masterClrMapping/>
+  </p:clrMapOvr>
+  <p:timing>
+    <p:tnLst>
+      <p:par>
+        <p:cTn id="1" dur="indefinite" restart="never" nodeType="tmRoot"/>
+      </p:par>
+    </p:tnLst>
+  </p:timing>
+</p:sld>
+</file>
+
+<file path=ppt/slides/slide116.xml><?xml version="1.0" encoding="utf-8"?>
+<p:sld xmlns:a="http://schemas.openxmlformats.org/drawingml/2006/main" xmlns:r="http://schemas.openxmlformats.org/officeDocument/2006/relationships" xmlns:p="http://schemas.openxmlformats.org/presentationml/2006/main">
+  <p:cSld>
+    <p:bg>
+      <p:bgPr>
+        <a:solidFill>
+          <a:srgbClr val="262626"/>
+        </a:solidFill>
+        <a:effectLst/>
+      </p:bgPr>
+    </p:bg>
+    <p:spTree>
+      <p:nvGrpSpPr>
+        <p:cNvPr id="1" name=""/>
+        <p:cNvGrpSpPr/>
+        <p:nvPr/>
+      </p:nvGrpSpPr>
+      <p:grpSpPr>
+        <a:xfrm>
+          <a:off x="0" y="0"/>
+          <a:ext cx="0" cy="0"/>
+          <a:chOff x="0" y="0"/>
+          <a:chExt cx="0" cy="0"/>
+        </a:xfrm>
+      </p:grpSpPr>
+      <p:sp>
+        <p:nvSpPr>
+          <p:cNvPr id="5" name="Прямоугольник 4"/>
+          <p:cNvSpPr/>
+          <p:nvPr/>
+        </p:nvSpPr>
+        <p:spPr>
+          <a:xfrm>
+            <a:off x="3285007" y="2839452"/>
+            <a:ext cx="5596405" cy="830997"/>
+          </a:xfrm>
+          <a:prstGeom prst="rect">
+            <a:avLst/>
+          </a:prstGeom>
+        </p:spPr>
+        <p:txBody>
+          <a:bodyPr wrap="none">
+            <a:spAutoFit/>
+          </a:bodyPr>
+          <a:lstStyle/>
+          <a:p>
+            <a:pPr algn="ctr">
+              <a:defRPr/>
+            </a:pPr>
+            <a:r>
+              <a:rPr lang="en-US" sz="4800" dirty="0" smtClean="0">
+                <a:solidFill>
+                  <a:srgbClr val="00D8FF"/>
+                </a:solidFill>
+                <a:latin typeface="Consolas"/>
+                <a:cs typeface="Calibri"/>
+              </a:rPr>
+              <a:t>Unknown top type</a:t>
+            </a:r>
+            <a:endParaRPr lang="en-US" sz="4800" dirty="0">
+              <a:solidFill>
+                <a:srgbClr val="00D8FF"/>
+              </a:solidFill>
+              <a:latin typeface="Consolas"/>
+              <a:cs typeface="Calibri"/>
+            </a:endParaRPr>
+          </a:p>
+        </p:txBody>
+      </p:sp>
+    </p:spTree>
+    <p:extLst>
+      <p:ext uri="{BB962C8B-B14F-4D97-AF65-F5344CB8AC3E}">
+        <p14:creationId xmlns:p14="http://schemas.microsoft.com/office/powerpoint/2010/main" val="4134749721"/>
+      </p:ext>
+    </p:extLst>
+  </p:cSld>
+  <p:clrMapOvr>
+    <a:masterClrMapping/>
+  </p:clrMapOvr>
+  <p:timing>
+    <p:tnLst>
+      <p:par>
+        <p:cTn id="1" dur="indefinite" restart="never" nodeType="tmRoot"/>
+      </p:par>
+    </p:tnLst>
+  </p:timing>
+</p:sld>
+</file>
+
+<file path=ppt/slides/slide117.xml><?xml version="1.0" encoding="utf-8"?>
+<p:sld xmlns:a="http://schemas.openxmlformats.org/drawingml/2006/main" xmlns:r="http://schemas.openxmlformats.org/officeDocument/2006/relationships" xmlns:p="http://schemas.openxmlformats.org/presentationml/2006/main">
+  <p:cSld>
+    <p:bg>
+      <p:bgPr>
+        <a:solidFill>
+          <a:srgbClr val="262626"/>
+        </a:solidFill>
+        <a:effectLst/>
+      </p:bgPr>
+    </p:bg>
+    <p:spTree>
+      <p:nvGrpSpPr>
+        <p:cNvPr id="1" name=""/>
+        <p:cNvGrpSpPr/>
+        <p:nvPr/>
+      </p:nvGrpSpPr>
+      <p:grpSpPr>
+        <a:xfrm>
+          <a:off x="0" y="0"/>
+          <a:ext cx="0" cy="0"/>
+          <a:chOff x="0" y="0"/>
+          <a:chExt cx="0" cy="0"/>
+        </a:xfrm>
+      </p:grpSpPr>
+      <p:sp>
+        <p:nvSpPr>
+          <p:cNvPr id="5" name="Прямоугольник 4"/>
+          <p:cNvSpPr/>
+          <p:nvPr/>
+        </p:nvSpPr>
+        <p:spPr>
+          <a:xfrm>
+            <a:off x="4299711" y="2839452"/>
+            <a:ext cx="3567002" cy="830997"/>
+          </a:xfrm>
+          <a:prstGeom prst="rect">
+            <a:avLst/>
+          </a:prstGeom>
+        </p:spPr>
+        <p:txBody>
+          <a:bodyPr wrap="none">
+            <a:spAutoFit/>
+          </a:bodyPr>
+          <a:lstStyle/>
+          <a:p>
+            <a:pPr algn="ctr">
+              <a:defRPr/>
+            </a:pPr>
+            <a:r>
+              <a:rPr lang="en-US" sz="4800" dirty="0" smtClean="0">
+                <a:solidFill>
+                  <a:srgbClr val="00D8FF"/>
+                </a:solidFill>
+                <a:latin typeface="Consolas"/>
+                <a:cs typeface="Calibri"/>
+              </a:rPr>
+              <a:t>Null types</a:t>
+            </a:r>
+            <a:endParaRPr lang="en-US" sz="4800" dirty="0">
+              <a:solidFill>
+                <a:srgbClr val="00D8FF"/>
+              </a:solidFill>
+              <a:latin typeface="Consolas"/>
+              <a:cs typeface="Calibri"/>
+            </a:endParaRPr>
+          </a:p>
+        </p:txBody>
+      </p:sp>
+    </p:spTree>
+    <p:extLst>
+      <p:ext uri="{BB962C8B-B14F-4D97-AF65-F5344CB8AC3E}">
+        <p14:creationId xmlns:p14="http://schemas.microsoft.com/office/powerpoint/2010/main" val="1528212995"/>
+      </p:ext>
+    </p:extLst>
+  </p:cSld>
+  <p:clrMapOvr>
+    <a:masterClrMapping/>
+  </p:clrMapOvr>
+  <p:timing>
+    <p:tnLst>
+      <p:par>
+        <p:cTn id="1" dur="indefinite" restart="never" nodeType="tmRoot"/>
+      </p:par>
+    </p:tnLst>
+  </p:timing>
+</p:sld>
+</file>
+
+<file path=ppt/slides/slide118.xml><?xml version="1.0" encoding="utf-8"?>
+<p:sld xmlns:a="http://schemas.openxmlformats.org/drawingml/2006/main" xmlns:r="http://schemas.openxmlformats.org/officeDocument/2006/relationships" xmlns:p="http://schemas.openxmlformats.org/presentationml/2006/main">
+  <p:cSld>
+    <p:bg>
+      <p:bgPr>
+        <a:solidFill>
+          <a:srgbClr val="262626"/>
+        </a:solidFill>
+        <a:effectLst/>
+      </p:bgPr>
+    </p:bg>
+    <p:spTree>
+      <p:nvGrpSpPr>
+        <p:cNvPr id="1" name=""/>
+        <p:cNvGrpSpPr/>
+        <p:nvPr/>
+      </p:nvGrpSpPr>
+      <p:grpSpPr>
+        <a:xfrm>
+          <a:off x="0" y="0"/>
+          <a:ext cx="0" cy="0"/>
+          <a:chOff x="0" y="0"/>
+          <a:chExt cx="0" cy="0"/>
+        </a:xfrm>
+      </p:grpSpPr>
+      <p:sp>
+        <p:nvSpPr>
+          <p:cNvPr id="5" name="Прямоугольник 4"/>
+          <p:cNvSpPr/>
+          <p:nvPr/>
+        </p:nvSpPr>
+        <p:spPr>
+          <a:xfrm>
+            <a:off x="1932082" y="2839452"/>
+            <a:ext cx="8302274" cy="830997"/>
+          </a:xfrm>
+          <a:prstGeom prst="rect">
+            <a:avLst/>
+          </a:prstGeom>
+        </p:spPr>
+        <p:txBody>
+          <a:bodyPr wrap="none">
+            <a:spAutoFit/>
+          </a:bodyPr>
+          <a:lstStyle/>
+          <a:p>
+            <a:pPr algn="ctr">
+              <a:defRPr/>
+            </a:pPr>
+            <a:r>
+              <a:rPr lang="en-US" sz="4800" dirty="0" smtClean="0">
+                <a:solidFill>
+                  <a:srgbClr val="00D8FF"/>
+                </a:solidFill>
+                <a:latin typeface="Consolas"/>
+                <a:cs typeface="Calibri"/>
+              </a:rPr>
+              <a:t>object.optional.required</a:t>
+            </a:r>
+            <a:endParaRPr lang="en-US" sz="4800" dirty="0">
+              <a:solidFill>
+                <a:srgbClr val="00D8FF"/>
+              </a:solidFill>
+              <a:latin typeface="Consolas"/>
+              <a:cs typeface="Calibri"/>
+            </a:endParaRPr>
+          </a:p>
+        </p:txBody>
+      </p:sp>
+      <p:sp>
+        <p:nvSpPr>
+          <p:cNvPr id="3" name="Прямоугольник 2"/>
+          <p:cNvSpPr/>
+          <p:nvPr/>
+        </p:nvSpPr>
+        <p:spPr>
+          <a:xfrm>
+            <a:off x="714601" y="2931784"/>
+            <a:ext cx="11075468" cy="646331"/>
+          </a:xfrm>
+          <a:prstGeom prst="rect">
+            <a:avLst/>
+          </a:prstGeom>
+        </p:spPr>
+        <p:txBody>
+          <a:bodyPr wrap="none">
+            <a:spAutoFit/>
+          </a:bodyPr>
+          <a:lstStyle/>
+          <a:p>
+            <a:pPr algn="ctr">
+              <a:defRPr/>
+            </a:pPr>
+            <a:r>
+              <a:rPr lang="en-US" sz="3600" dirty="0" smtClean="0">
+                <a:solidFill>
+                  <a:srgbClr val="00D8FF"/>
+                </a:solidFill>
+                <a:latin typeface="Consolas"/>
+                <a:cs typeface="Calibri"/>
+              </a:rPr>
+              <a:t>object.optional </a:t>
+            </a:r>
+            <a:r>
+              <a:rPr lang="en-US" sz="3600" dirty="0" smtClean="0">
+                <a:solidFill>
+                  <a:srgbClr val="BF4141"/>
+                </a:solidFill>
+                <a:latin typeface="Consolas"/>
+                <a:cs typeface="Calibri"/>
+              </a:rPr>
+              <a:t>&amp;&amp;</a:t>
+            </a:r>
+            <a:r>
+              <a:rPr lang="en-US" sz="3600" dirty="0" smtClean="0">
+                <a:solidFill>
+                  <a:srgbClr val="00D8FF"/>
+                </a:solidFill>
+                <a:latin typeface="Consolas"/>
+                <a:cs typeface="Calibri"/>
+              </a:rPr>
+              <a:t> </a:t>
+            </a:r>
+            <a:r>
+              <a:rPr lang="en-US" sz="3600" dirty="0">
+                <a:solidFill>
+                  <a:srgbClr val="00D8FF"/>
+                </a:solidFill>
+                <a:latin typeface="Consolas"/>
+                <a:cs typeface="Calibri"/>
+              </a:rPr>
+              <a:t>object.optional</a:t>
+            </a:r>
+            <a:r>
+              <a:rPr lang="en-US" sz="3600" dirty="0" smtClean="0">
+                <a:solidFill>
+                  <a:srgbClr val="00D8FF"/>
+                </a:solidFill>
+                <a:latin typeface="Consolas"/>
+                <a:cs typeface="Calibri"/>
+              </a:rPr>
+              <a:t>.required</a:t>
+            </a:r>
+            <a:endParaRPr lang="en-US" sz="3600" dirty="0">
+              <a:solidFill>
+                <a:srgbClr val="00D8FF"/>
+              </a:solidFill>
+              <a:latin typeface="Consolas"/>
+              <a:cs typeface="Calibri"/>
+            </a:endParaRPr>
+          </a:p>
+        </p:txBody>
+      </p:sp>
+      <p:sp>
+        <p:nvSpPr>
+          <p:cNvPr id="4" name="Прямоугольник 3"/>
+          <p:cNvSpPr/>
+          <p:nvPr/>
+        </p:nvSpPr>
+        <p:spPr>
+          <a:xfrm>
+            <a:off x="1932081" y="2839452"/>
+            <a:ext cx="8640507" cy="830997"/>
+          </a:xfrm>
+          <a:prstGeom prst="rect">
+            <a:avLst/>
+          </a:prstGeom>
+        </p:spPr>
+        <p:txBody>
+          <a:bodyPr wrap="none">
+            <a:spAutoFit/>
+          </a:bodyPr>
+          <a:lstStyle/>
+          <a:p>
+            <a:pPr algn="ctr">
+              <a:defRPr/>
+            </a:pPr>
+            <a:r>
+              <a:rPr lang="en-US" sz="4800" dirty="0" smtClean="0">
+                <a:solidFill>
+                  <a:srgbClr val="00D8FF"/>
+                </a:solidFill>
+                <a:latin typeface="Consolas"/>
+                <a:cs typeface="Calibri"/>
+              </a:rPr>
+              <a:t>object.optional</a:t>
+            </a:r>
+            <a:r>
+              <a:rPr lang="en-US" sz="4800" dirty="0" smtClean="0">
+                <a:solidFill>
+                  <a:srgbClr val="BF4141"/>
+                </a:solidFill>
+                <a:latin typeface="Consolas"/>
+                <a:cs typeface="Calibri"/>
+              </a:rPr>
+              <a:t>?</a:t>
+            </a:r>
+            <a:r>
+              <a:rPr lang="en-US" sz="4800" dirty="0" smtClean="0">
+                <a:solidFill>
+                  <a:srgbClr val="00D8FF"/>
+                </a:solidFill>
+                <a:latin typeface="Consolas"/>
+                <a:cs typeface="Calibri"/>
+              </a:rPr>
+              <a:t>.required</a:t>
+            </a:r>
+            <a:endParaRPr lang="en-US" sz="4800" dirty="0">
+              <a:solidFill>
+                <a:srgbClr val="00D8FF"/>
+              </a:solidFill>
+              <a:latin typeface="Consolas"/>
+              <a:cs typeface="Calibri"/>
+            </a:endParaRPr>
+          </a:p>
+        </p:txBody>
+      </p:sp>
+    </p:spTree>
+    <p:extLst>
+      <p:ext uri="{BB962C8B-B14F-4D97-AF65-F5344CB8AC3E}">
+        <p14:creationId xmlns:p14="http://schemas.microsoft.com/office/powerpoint/2010/main" val="3970361046"/>
+      </p:ext>
+    </p:extLst>
+  </p:cSld>
+  <p:clrMapOvr>
+    <a:masterClrMapping/>
+  </p:clrMapOvr>
+  <p:timing>
+    <p:tnLst>
+      <p:par>
+        <p:cTn id="1" dur="indefinite" restart="never" nodeType="tmRoot">
+          <p:childTnLst>
+            <p:seq concurrent="1" nextAc="seek">
+              <p:cTn id="2" dur="indefinite" nodeType="mainSeq">
+                <p:childTnLst>
+                  <p:par>
+                    <p:cTn id="3" fill="hold">
+                      <p:stCondLst>
+                        <p:cond delay="indefinite"/>
+                      </p:stCondLst>
+                      <p:childTnLst>
+                        <p:par>
+                          <p:cTn id="4" fill="hold">
+                            <p:stCondLst>
+                              <p:cond delay="0"/>
+                            </p:stCondLst>
+                            <p:childTnLst>
+                              <p:par>
+                                <p:cTn id="5" presetID="10" presetClass="exit" presetSubtype="0" fill="hold" grpId="0" nodeType="clickEffect">
+                                  <p:stCondLst>
+                                    <p:cond delay="0"/>
+                                  </p:stCondLst>
+                                  <p:childTnLst>
+                                    <p:animEffect transition="out" filter="fade">
+                                      <p:cBhvr>
+                                        <p:cTn id="6" dur="500"/>
+                                        <p:tgtEl>
+                                          <p:spTgt spid="5"/>
+                                        </p:tgtEl>
+                                      </p:cBhvr>
+                                    </p:animEffect>
+                                    <p:set>
+                                      <p:cBhvr>
+                                        <p:cTn id="7" dur="1" fill="hold">
+                                          <p:stCondLst>
+                                            <p:cond delay="499"/>
+                                          </p:stCondLst>
+                                        </p:cTn>
+                                        <p:tgtEl>
+                                          <p:spTgt spid="5"/>
+                                        </p:tgtEl>
+                                        <p:attrNameLst>
+                                          <p:attrName>style.visibility</p:attrName>
+                                        </p:attrNameLst>
+                                      </p:cBhvr>
+                                      <p:to>
+                                        <p:strVal val="hidden"/>
+                                      </p:to>
+                                    </p:set>
+                                  </p:childTnLst>
+                                </p:cTn>
+                              </p:par>
+                              <p:par>
+                                <p:cTn id="8" presetID="10" presetClass="entr" presetSubtype="0" fill="hold" grpId="0" nodeType="withEffect">
+                                  <p:stCondLst>
+                                    <p:cond delay="0"/>
+                                  </p:stCondLst>
+                                  <p:childTnLst>
+                                    <p:set>
+                                      <p:cBhvr>
+                                        <p:cTn id="9" dur="1" fill="hold">
+                                          <p:stCondLst>
+                                            <p:cond delay="0"/>
+                                          </p:stCondLst>
+                                        </p:cTn>
+                                        <p:tgtEl>
+                                          <p:spTgt spid="3"/>
+                                        </p:tgtEl>
+                                        <p:attrNameLst>
+                                          <p:attrName>style.visibility</p:attrName>
+                                        </p:attrNameLst>
+                                      </p:cBhvr>
+                                      <p:to>
+                                        <p:strVal val="visible"/>
+                                      </p:to>
+                                    </p:set>
+                                    <p:animEffect transition="in" filter="fade">
+                                      <p:cBhvr>
+                                        <p:cTn id="10" dur="500"/>
+                                        <p:tgtEl>
+                                          <p:spTgt spid="3"/>
+                                        </p:tgtEl>
+                                      </p:cBhvr>
+                                    </p:animEffect>
+                                  </p:childTnLst>
+                                </p:cTn>
+                              </p:par>
+                            </p:childTnLst>
+                          </p:cTn>
+                        </p:par>
+                      </p:childTnLst>
+                    </p:cTn>
+                  </p:par>
+                  <p:par>
+                    <p:cTn id="11" fill="hold">
+                      <p:stCondLst>
+                        <p:cond delay="indefinite"/>
+                      </p:stCondLst>
+                      <p:childTnLst>
+                        <p:par>
+                          <p:cTn id="12" fill="hold">
+                            <p:stCondLst>
+                              <p:cond delay="0"/>
+                            </p:stCondLst>
+                            <p:childTnLst>
+                              <p:par>
+                                <p:cTn id="13" presetID="10" presetClass="exit" presetSubtype="0" fill="hold" grpId="1" nodeType="clickEffect">
+                                  <p:stCondLst>
+                                    <p:cond delay="0"/>
+                                  </p:stCondLst>
+                                  <p:childTnLst>
+                                    <p:animEffect transition="out" filter="fade">
+                                      <p:cBhvr>
+                                        <p:cTn id="14" dur="500"/>
+                                        <p:tgtEl>
+                                          <p:spTgt spid="3"/>
+                                        </p:tgtEl>
+                                      </p:cBhvr>
+                                    </p:animEffect>
+                                    <p:set>
+                                      <p:cBhvr>
+                                        <p:cTn id="15" dur="1" fill="hold">
+                                          <p:stCondLst>
+                                            <p:cond delay="499"/>
+                                          </p:stCondLst>
+                                        </p:cTn>
+                                        <p:tgtEl>
+                                          <p:spTgt spid="3"/>
+                                        </p:tgtEl>
+                                        <p:attrNameLst>
+                                          <p:attrName>style.visibility</p:attrName>
+                                        </p:attrNameLst>
+                                      </p:cBhvr>
+                                      <p:to>
+                                        <p:strVal val="hidden"/>
+                                      </p:to>
+                                    </p:set>
+                                  </p:childTnLst>
+                                </p:cTn>
+                              </p:par>
+                              <p:par>
+                                <p:cTn id="16" presetID="10" presetClass="entr" presetSubtype="0" fill="hold" grpId="0" nodeType="withEffect">
+                                  <p:stCondLst>
+                                    <p:cond delay="0"/>
+                                  </p:stCondLst>
+                                  <p:childTnLst>
+                                    <p:set>
+                                      <p:cBhvr>
+                                        <p:cTn id="17" dur="1" fill="hold">
+                                          <p:stCondLst>
+                                            <p:cond delay="0"/>
+                                          </p:stCondLst>
+                                        </p:cTn>
+                                        <p:tgtEl>
+                                          <p:spTgt spid="4"/>
+                                        </p:tgtEl>
+                                        <p:attrNameLst>
+                                          <p:attrName>style.visibility</p:attrName>
+                                        </p:attrNameLst>
+                                      </p:cBhvr>
+                                      <p:to>
+                                        <p:strVal val="visible"/>
+                                      </p:to>
+                                    </p:set>
+                                    <p:animEffect transition="in" filter="fade">
+                                      <p:cBhvr>
+                                        <p:cTn id="18" dur="500"/>
+                                        <p:tgtEl>
+                                          <p:spTgt spid="4"/>
+                                        </p:tgtEl>
+                                      </p:cBhvr>
+                                    </p:animEffect>
+                                  </p:childTnLst>
+                                </p:cTn>
+                              </p:par>
+                            </p:childTnLst>
+                          </p:cTn>
+                        </p:par>
+                      </p:childTnLst>
+                    </p:cTn>
+                  </p:par>
+                </p:childTnLst>
+              </p:cTn>
+              <p:prevCondLst>
+                <p:cond evt="onPrev" delay="0">
+                  <p:tgtEl>
+                    <p:sldTgt/>
+                  </p:tgtEl>
+                </p:cond>
+              </p:prevCondLst>
+              <p:nextCondLst>
+                <p:cond evt="onNext" delay="0">
+                  <p:tgtEl>
+                    <p:sldTgt/>
+                  </p:tgtEl>
+                </p:cond>
+              </p:nextCondLst>
+            </p:seq>
+          </p:childTnLst>
+        </p:cTn>
+      </p:par>
+    </p:tnLst>
+    <p:bldLst>
+      <p:bldP spid="5" grpId="0"/>
+      <p:bldP spid="3" grpId="0"/>
+      <p:bldP spid="3" grpId="1"/>
+      <p:bldP spid="4" grpId="0"/>
+    </p:bldLst>
+  </p:timing>
+</p:sld>
+</file>
+
+<file path=ppt/slides/slide119.xml><?xml version="1.0" encoding="utf-8"?>
+<p:sld xmlns:a="http://schemas.openxmlformats.org/drawingml/2006/main" xmlns:r="http://schemas.openxmlformats.org/officeDocument/2006/relationships" xmlns:p="http://schemas.openxmlformats.org/presentationml/2006/main">
+  <p:cSld>
+    <p:bg>
+      <p:bgPr>
+        <a:solidFill>
+          <a:srgbClr val="262626"/>
+        </a:solidFill>
+        <a:effectLst/>
+      </p:bgPr>
+    </p:bg>
+    <p:spTree>
+      <p:nvGrpSpPr>
+        <p:cNvPr id="1" name=""/>
+        <p:cNvGrpSpPr/>
+        <p:nvPr/>
+      </p:nvGrpSpPr>
+      <p:grpSpPr>
+        <a:xfrm>
+          <a:off x="0" y="0"/>
+          <a:ext cx="0" cy="0"/>
+          <a:chOff x="0" y="0"/>
+          <a:chExt cx="0" cy="0"/>
+        </a:xfrm>
+      </p:grpSpPr>
+      <p:sp>
+        <p:nvSpPr>
+          <p:cNvPr id="6" name="Прямоугольник 5"/>
+          <p:cNvSpPr/>
+          <p:nvPr/>
+        </p:nvSpPr>
+        <p:spPr>
+          <a:xfrm>
+            <a:off x="1932081" y="2839452"/>
+            <a:ext cx="8302274" cy="830997"/>
+          </a:xfrm>
+          <a:prstGeom prst="rect">
+            <a:avLst/>
+          </a:prstGeom>
+        </p:spPr>
+        <p:txBody>
+          <a:bodyPr wrap="none">
+            <a:spAutoFit/>
+          </a:bodyPr>
+          <a:lstStyle/>
+          <a:p>
+            <a:pPr algn="ctr">
+              <a:defRPr/>
+            </a:pPr>
+            <a:r>
+              <a:rPr lang="en-US" sz="4800" dirty="0" smtClean="0">
+                <a:solidFill>
+                  <a:srgbClr val="00D8FF"/>
+                </a:solidFill>
+                <a:latin typeface="Consolas"/>
+                <a:cs typeface="Calibri"/>
+              </a:rPr>
+              <a:t>Type assertion</a:t>
+            </a:r>
+            <a:r>
+              <a:rPr lang="en-US" sz="4800" dirty="0" smtClean="0">
+                <a:solidFill>
+                  <a:srgbClr val="BF4141"/>
+                </a:solidFill>
+                <a:latin typeface="Consolas"/>
+                <a:cs typeface="Calibri"/>
+              </a:rPr>
+              <a:t>!</a:t>
+            </a:r>
+            <a:r>
+              <a:rPr lang="en-US" sz="4800" dirty="0" smtClean="0">
+                <a:solidFill>
+                  <a:srgbClr val="00D8FF"/>
+                </a:solidFill>
+                <a:latin typeface="Consolas"/>
+                <a:cs typeface="Calibri"/>
+              </a:rPr>
+              <a:t> operator</a:t>
+            </a:r>
+            <a:endParaRPr lang="en-US" sz="4800" dirty="0">
+              <a:solidFill>
+                <a:srgbClr val="00D8FF"/>
+              </a:solidFill>
+              <a:latin typeface="Consolas"/>
+              <a:cs typeface="Calibri"/>
+            </a:endParaRPr>
+          </a:p>
+        </p:txBody>
+      </p:sp>
+    </p:spTree>
+    <p:extLst>
+      <p:ext uri="{BB962C8B-B14F-4D97-AF65-F5344CB8AC3E}">
+        <p14:creationId xmlns:p14="http://schemas.microsoft.com/office/powerpoint/2010/main" val="3789925928"/>
+      </p:ext>
+    </p:extLst>
+  </p:cSld>
+  <p:clrMapOvr>
+    <a:masterClrMapping/>
+  </p:clrMapOvr>
+  <p:timing>
+    <p:tnLst>
+      <p:par>
+        <p:cTn id="1" dur="indefinite" restart="never" nodeType="tmRoot"/>
+      </p:par>
+    </p:tnLst>
+  </p:timing>
+</p:sld>
+</file>
+
 <file path=ppt/slides/slide12.xml><?xml version="1.0" encoding="utf-8"?>
 <p:sld xmlns:a="http://schemas.openxmlformats.org/drawingml/2006/main" xmlns:r="http://schemas.openxmlformats.org/officeDocument/2006/relationships" xmlns:p="http://schemas.openxmlformats.org/presentationml/2006/main">
   <p:cSld>
@@ -19927,7 +23536,7 @@
           <p:cNvPr id="5" name="Рисунок 2" descr="Изображение выглядит как знак&#10;&#10;Автоматически созданное описание">
             <a:extLst>
               <a:ext uri="{FF2B5EF4-FFF2-40B4-BE49-F238E27FC236}">
-                <a16:creationId xmlns:a16="http://schemas.microsoft.com/office/drawing/2014/main" xmlns="" id="{94CE257F-A4AB-4D99-8638-F51E066F3AF6}"/>
+                <a16:creationId xmlns="" xmlns:a16="http://schemas.microsoft.com/office/drawing/2014/main" id="{94CE257F-A4AB-4D99-8638-F51E066F3AF6}"/>
               </a:ext>
             </a:extLst>
           </p:cNvPr>
@@ -19957,7 +23566,7 @@
           <p:cNvPr id="7" name="Рисунок 2" descr="Изображение выглядит как рисунок&#10;&#10;Автоматически созданное описание">
             <a:extLst>
               <a:ext uri="{FF2B5EF4-FFF2-40B4-BE49-F238E27FC236}">
-                <a16:creationId xmlns:a16="http://schemas.microsoft.com/office/drawing/2014/main" xmlns="" id="{4EAD6ACE-3298-4D74-B944-64C6FF04E9A0}"/>
+                <a16:creationId xmlns="" xmlns:a16="http://schemas.microsoft.com/office/drawing/2014/main" id="{4EAD6ACE-3298-4D74-B944-64C6FF04E9A0}"/>
               </a:ext>
             </a:extLst>
           </p:cNvPr>
@@ -19986,6 +23595,125 @@
     <p:extLst>
       <p:ext uri="{BB962C8B-B14F-4D97-AF65-F5344CB8AC3E}">
         <p14:creationId xmlns:p14="http://schemas.microsoft.com/office/powerpoint/2010/main" val="4195804504"/>
+      </p:ext>
+    </p:extLst>
+  </p:cSld>
+  <p:clrMapOvr>
+    <a:masterClrMapping/>
+  </p:clrMapOvr>
+  <p:timing>
+    <p:tnLst>
+      <p:par>
+        <p:cTn id="1" dur="indefinite" restart="never" nodeType="tmRoot"/>
+      </p:par>
+    </p:tnLst>
+  </p:timing>
+</p:sld>
+</file>
+
+<file path=ppt/slides/slide120.xml><?xml version="1.0" encoding="utf-8"?>
+<p:sld xmlns:a="http://schemas.openxmlformats.org/drawingml/2006/main" xmlns:r="http://schemas.openxmlformats.org/officeDocument/2006/relationships" xmlns:p="http://schemas.openxmlformats.org/presentationml/2006/main">
+  <p:cSld>
+    <p:bg>
+      <p:bgPr>
+        <a:solidFill>
+          <a:srgbClr val="262626"/>
+        </a:solidFill>
+        <a:effectLst/>
+      </p:bgPr>
+    </p:bg>
+    <p:spTree>
+      <p:nvGrpSpPr>
+        <p:cNvPr id="1" name=""/>
+        <p:cNvGrpSpPr/>
+        <p:nvPr/>
+      </p:nvGrpSpPr>
+      <p:grpSpPr>
+        <a:xfrm>
+          <a:off x="0" y="0"/>
+          <a:ext cx="0" cy="0"/>
+          <a:chOff x="0" y="0"/>
+          <a:chExt cx="0" cy="0"/>
+        </a:xfrm>
+      </p:grpSpPr>
+      <p:sp>
+        <p:nvSpPr>
+          <p:cNvPr id="6" name="Прямоугольник 5"/>
+          <p:cNvSpPr/>
+          <p:nvPr/>
+        </p:nvSpPr>
+        <p:spPr>
+          <a:xfrm>
+            <a:off x="545492" y="2839452"/>
+            <a:ext cx="11075468" cy="646331"/>
+          </a:xfrm>
+          <a:prstGeom prst="rect">
+            <a:avLst/>
+          </a:prstGeom>
+        </p:spPr>
+        <p:txBody>
+          <a:bodyPr wrap="none">
+            <a:spAutoFit/>
+          </a:bodyPr>
+          <a:lstStyle/>
+          <a:p>
+            <a:pPr algn="ctr">
+              <a:defRPr/>
+            </a:pPr>
+            <a:r>
+              <a:rPr lang="en-US" sz="3600" dirty="0" smtClean="0">
+                <a:solidFill>
+                  <a:srgbClr val="00D8FF"/>
+                </a:solidFill>
+                <a:latin typeface="Consolas"/>
+                <a:cs typeface="Calibri"/>
+              </a:rPr>
+              <a:t>Type </a:t>
+            </a:r>
+            <a:r>
+              <a:rPr lang="en-US" sz="3600" dirty="0" smtClean="0">
+                <a:solidFill>
+                  <a:srgbClr val="00D8FF"/>
+                </a:solidFill>
+                <a:latin typeface="Consolas"/>
+                <a:cs typeface="Calibri"/>
+              </a:rPr>
+              <a:t>assertion operator</a:t>
+            </a:r>
+            <a:r>
+              <a:rPr lang="en-US" sz="3600" dirty="0" smtClean="0">
+                <a:solidFill>
+                  <a:srgbClr val="BF4141"/>
+                </a:solidFill>
+                <a:latin typeface="Consolas"/>
+                <a:cs typeface="Calibri"/>
+              </a:rPr>
+              <a:t> is (not always) </a:t>
+            </a:r>
+            <a:r>
+              <a:rPr lang="en-US" sz="3600" dirty="0" smtClean="0">
+                <a:solidFill>
+                  <a:srgbClr val="00D8FF"/>
+                </a:solidFill>
+                <a:latin typeface="Consolas"/>
+                <a:cs typeface="Calibri"/>
+              </a:rPr>
+              <a:t>bad</a:t>
+            </a:r>
+            <a:endParaRPr lang="en-US" sz="3600" dirty="0">
+              <a:solidFill>
+                <a:srgbClr val="00D8FF"/>
+              </a:solidFill>
+              <a:latin typeface="Consolas"/>
+              <a:cs typeface="Calibri"/>
+            </a:endParaRPr>
+          </a:p>
+        </p:txBody>
+      </p:sp>
+    </p:spTree>
+    <p:extLst>
+      <p:ext uri="{BB962C8B-B14F-4D97-AF65-F5344CB8AC3E}">
+        <p14:creationId xmlns:p14="http://schemas.microsoft.com/office/powerpoint/2010/main" val="2988977965"/>
       </p:ext>
     </p:extLst>
   </p:cSld>
@@ -20032,7 +23760,7 @@
           <p:cNvPr id="4" name="Рисунок 4" descr="Изображение выглядит как знак, рисунок, часы&#10;&#10;Автоматически созданное описание">
             <a:extLst>
               <a:ext uri="{FF2B5EF4-FFF2-40B4-BE49-F238E27FC236}">
-                <a16:creationId xmlns:a16="http://schemas.microsoft.com/office/drawing/2014/main" xmlns="" id="{B6FB7A48-50FC-4BF0-B13B-ED1B6273FE43}"/>
+                <a16:creationId xmlns="" xmlns:a16="http://schemas.microsoft.com/office/drawing/2014/main" id="{B6FB7A48-50FC-4BF0-B13B-ED1B6273FE43}"/>
               </a:ext>
             </a:extLst>
           </p:cNvPr>
@@ -20100,7 +23828,7 @@
           <p:cNvPr id="3" name="Рисунок 3" descr="Изображение выглядит как устройство&#10;&#10;Автоматически созданное описание">
             <a:extLst>
               <a:ext uri="{FF2B5EF4-FFF2-40B4-BE49-F238E27FC236}">
-                <a16:creationId xmlns:a16="http://schemas.microsoft.com/office/drawing/2014/main" xmlns="" id="{A429CB02-01DF-4770-8DAB-A55DBEC1392F}"/>
+                <a16:creationId xmlns="" xmlns:a16="http://schemas.microsoft.com/office/drawing/2014/main" id="{A429CB02-01DF-4770-8DAB-A55DBEC1392F}"/>
               </a:ext>
             </a:extLst>
           </p:cNvPr>
@@ -20175,7 +23903,7 @@
           <p:cNvPr id="3" name="TextBox 2">
             <a:extLst>
               <a:ext uri="{FF2B5EF4-FFF2-40B4-BE49-F238E27FC236}">
-                <a16:creationId xmlns:a16="http://schemas.microsoft.com/office/drawing/2014/main" xmlns="" id="{AFAB66F8-ED4A-48EE-85D2-C79AC4668A7D}"/>
+                <a16:creationId xmlns="" xmlns:a16="http://schemas.microsoft.com/office/drawing/2014/main" id="{AFAB66F8-ED4A-48EE-85D2-C79AC4668A7D}"/>
               </a:ext>
             </a:extLst>
           </p:cNvPr>
@@ -20291,7 +24019,7 @@
           <p:cNvPr id="12" name="Овал 11">
             <a:extLst>
               <a:ext uri="{FF2B5EF4-FFF2-40B4-BE49-F238E27FC236}">
-                <a16:creationId xmlns:a16="http://schemas.microsoft.com/office/drawing/2014/main" xmlns="" id="{03E676E9-9DCC-4F60-B574-E1C1AA87C2CC}"/>
+                <a16:creationId xmlns="" xmlns:a16="http://schemas.microsoft.com/office/drawing/2014/main" id="{03E676E9-9DCC-4F60-B574-E1C1AA87C2CC}"/>
               </a:ext>
             </a:extLst>
           </p:cNvPr>
@@ -20337,7 +24065,7 @@
           <p:cNvPr id="10" name="Овал 9">
             <a:extLst>
               <a:ext uri="{FF2B5EF4-FFF2-40B4-BE49-F238E27FC236}">
-                <a16:creationId xmlns:a16="http://schemas.microsoft.com/office/drawing/2014/main" xmlns="" id="{03E676E9-9DCC-4F60-B574-E1C1AA87C2CC}"/>
+                <a16:creationId xmlns="" xmlns:a16="http://schemas.microsoft.com/office/drawing/2014/main" id="{03E676E9-9DCC-4F60-B574-E1C1AA87C2CC}"/>
               </a:ext>
             </a:extLst>
           </p:cNvPr>
@@ -20383,7 +24111,7 @@
           <p:cNvPr id="5" name="TextBox 4">
             <a:extLst>
               <a:ext uri="{FF2B5EF4-FFF2-40B4-BE49-F238E27FC236}">
-                <a16:creationId xmlns:a16="http://schemas.microsoft.com/office/drawing/2014/main" xmlns="" id="{A733F6D1-2B8A-4DC2-B0FA-03B41AD271CD}"/>
+                <a16:creationId xmlns="" xmlns:a16="http://schemas.microsoft.com/office/drawing/2014/main" id="{A733F6D1-2B8A-4DC2-B0FA-03B41AD271CD}"/>
               </a:ext>
             </a:extLst>
           </p:cNvPr>
@@ -20447,7 +24175,7 @@
             <p:cNvPr id="11" name="Овал 10">
               <a:extLst>
                 <a:ext uri="{FF2B5EF4-FFF2-40B4-BE49-F238E27FC236}">
-                  <a16:creationId xmlns:a16="http://schemas.microsoft.com/office/drawing/2014/main" xmlns="" id="{03E676E9-9DCC-4F60-B574-E1C1AA87C2CC}"/>
+                  <a16:creationId xmlns="" xmlns:a16="http://schemas.microsoft.com/office/drawing/2014/main" id="{03E676E9-9DCC-4F60-B574-E1C1AA87C2CC}"/>
                 </a:ext>
               </a:extLst>
             </p:cNvPr>
@@ -20493,7 +24221,7 @@
             <p:cNvPr id="7" name="TextBox 6">
               <a:extLst>
                 <a:ext uri="{FF2B5EF4-FFF2-40B4-BE49-F238E27FC236}">
-                  <a16:creationId xmlns:a16="http://schemas.microsoft.com/office/drawing/2014/main" xmlns="" id="{A733F6D1-2B8A-4DC2-B0FA-03B41AD271CD}"/>
+                  <a16:creationId xmlns="" xmlns:a16="http://schemas.microsoft.com/office/drawing/2014/main" id="{A733F6D1-2B8A-4DC2-B0FA-03B41AD271CD}"/>
                 </a:ext>
               </a:extLst>
             </p:cNvPr>
@@ -20556,7 +24284,7 @@
           <p:cNvPr id="9" name="TextBox 8">
             <a:extLst>
               <a:ext uri="{FF2B5EF4-FFF2-40B4-BE49-F238E27FC236}">
-                <a16:creationId xmlns:a16="http://schemas.microsoft.com/office/drawing/2014/main" xmlns="" id="{A733F6D1-2B8A-4DC2-B0FA-03B41AD271CD}"/>
+                <a16:creationId xmlns="" xmlns:a16="http://schemas.microsoft.com/office/drawing/2014/main" id="{A733F6D1-2B8A-4DC2-B0FA-03B41AD271CD}"/>
               </a:ext>
             </a:extLst>
           </p:cNvPr>
@@ -21027,7 +24755,7 @@
             <p:cNvPr id="12" name="Овал 11">
               <a:extLst>
                 <a:ext uri="{FF2B5EF4-FFF2-40B4-BE49-F238E27FC236}">
-                  <a16:creationId xmlns:a16="http://schemas.microsoft.com/office/drawing/2014/main" xmlns="" id="{03E676E9-9DCC-4F60-B574-E1C1AA87C2CC}"/>
+                  <a16:creationId xmlns="" xmlns:a16="http://schemas.microsoft.com/office/drawing/2014/main" id="{03E676E9-9DCC-4F60-B574-E1C1AA87C2CC}"/>
                 </a:ext>
               </a:extLst>
             </p:cNvPr>
@@ -21073,7 +24801,7 @@
             <p:cNvPr id="13" name="TextBox 12">
               <a:extLst>
                 <a:ext uri="{FF2B5EF4-FFF2-40B4-BE49-F238E27FC236}">
-                  <a16:creationId xmlns:a16="http://schemas.microsoft.com/office/drawing/2014/main" xmlns="" id="{A733F6D1-2B8A-4DC2-B0FA-03B41AD271CD}"/>
+                  <a16:creationId xmlns="" xmlns:a16="http://schemas.microsoft.com/office/drawing/2014/main" id="{A733F6D1-2B8A-4DC2-B0FA-03B41AD271CD}"/>
                 </a:ext>
               </a:extLst>
             </p:cNvPr>
@@ -21417,7 +25145,7 @@
           <p:cNvPr id="2" name="TextBox 1">
             <a:extLst>
               <a:ext uri="{FF2B5EF4-FFF2-40B4-BE49-F238E27FC236}">
-                <a16:creationId xmlns:a16="http://schemas.microsoft.com/office/drawing/2014/main" xmlns="" id="{AFAB66F8-ED4A-48EE-85D2-C79AC4668A7D}"/>
+                <a16:creationId xmlns="" xmlns:a16="http://schemas.microsoft.com/office/drawing/2014/main" id="{AFAB66F8-ED4A-48EE-85D2-C79AC4668A7D}"/>
               </a:ext>
             </a:extLst>
           </p:cNvPr>
@@ -21527,7 +25255,7 @@
           <p:cNvPr id="2" name="TextBox 1">
             <a:extLst>
               <a:ext uri="{FF2B5EF4-FFF2-40B4-BE49-F238E27FC236}">
-                <a16:creationId xmlns:a16="http://schemas.microsoft.com/office/drawing/2014/main" xmlns="" id="{AFAB66F8-ED4A-48EE-85D2-C79AC4668A7D}"/>
+                <a16:creationId xmlns="" xmlns:a16="http://schemas.microsoft.com/office/drawing/2014/main" id="{AFAB66F8-ED4A-48EE-85D2-C79AC4668A7D}"/>
               </a:ext>
             </a:extLst>
           </p:cNvPr>
@@ -21637,7 +25365,7 @@
           <p:cNvPr id="3" name="Рисунок 3">
             <a:extLst>
               <a:ext uri="{FF2B5EF4-FFF2-40B4-BE49-F238E27FC236}">
-                <a16:creationId xmlns:a16="http://schemas.microsoft.com/office/drawing/2014/main" xmlns="" id="{95C4A76A-44E2-479C-A2FE-C23CCB3FF729}"/>
+                <a16:creationId xmlns="" xmlns:a16="http://schemas.microsoft.com/office/drawing/2014/main" id="{95C4A76A-44E2-479C-A2FE-C23CCB3FF729}"/>
               </a:ext>
             </a:extLst>
           </p:cNvPr>
@@ -21667,7 +25395,7 @@
           <p:cNvPr id="4" name="Рисунок 4" descr="Изображение выглядит как знак&#10;&#10;Автоматически созданное описание">
             <a:extLst>
               <a:ext uri="{FF2B5EF4-FFF2-40B4-BE49-F238E27FC236}">
-                <a16:creationId xmlns:a16="http://schemas.microsoft.com/office/drawing/2014/main" xmlns="" id="{66730876-7F49-43AB-9DB2-FF5F99C2F4C1}"/>
+                <a16:creationId xmlns="" xmlns:a16="http://schemas.microsoft.com/office/drawing/2014/main" id="{66730876-7F49-43AB-9DB2-FF5F99C2F4C1}"/>
               </a:ext>
             </a:extLst>
           </p:cNvPr>
@@ -21735,7 +25463,7 @@
           <p:cNvPr id="2" name="TextBox 1">
             <a:extLst>
               <a:ext uri="{FF2B5EF4-FFF2-40B4-BE49-F238E27FC236}">
-                <a16:creationId xmlns:a16="http://schemas.microsoft.com/office/drawing/2014/main" xmlns="" id="{AFAB66F8-ED4A-48EE-85D2-C79AC4668A7D}"/>
+                <a16:creationId xmlns="" xmlns:a16="http://schemas.microsoft.com/office/drawing/2014/main" id="{AFAB66F8-ED4A-48EE-85D2-C79AC4668A7D}"/>
               </a:ext>
             </a:extLst>
           </p:cNvPr>
@@ -21859,7 +25587,7 @@
             <p:cNvPr id="12" name="Овал 11">
               <a:extLst>
                 <a:ext uri="{FF2B5EF4-FFF2-40B4-BE49-F238E27FC236}">
-                  <a16:creationId xmlns:a16="http://schemas.microsoft.com/office/drawing/2014/main" xmlns="" id="{03E676E9-9DCC-4F60-B574-E1C1AA87C2CC}"/>
+                  <a16:creationId xmlns="" xmlns:a16="http://schemas.microsoft.com/office/drawing/2014/main" id="{03E676E9-9DCC-4F60-B574-E1C1AA87C2CC}"/>
                 </a:ext>
               </a:extLst>
             </p:cNvPr>
@@ -21909,7 +25637,7 @@
             <p:cNvPr id="5" name="TextBox 4">
               <a:extLst>
                 <a:ext uri="{FF2B5EF4-FFF2-40B4-BE49-F238E27FC236}">
-                  <a16:creationId xmlns:a16="http://schemas.microsoft.com/office/drawing/2014/main" xmlns="" id="{A733F6D1-2B8A-4DC2-B0FA-03B41AD271CD}"/>
+                  <a16:creationId xmlns="" xmlns:a16="http://schemas.microsoft.com/office/drawing/2014/main" id="{A733F6D1-2B8A-4DC2-B0FA-03B41AD271CD}"/>
                 </a:ext>
               </a:extLst>
             </p:cNvPr>
@@ -21973,7 +25701,7 @@
             <p:cNvPr id="11" name="Овал 10">
               <a:extLst>
                 <a:ext uri="{FF2B5EF4-FFF2-40B4-BE49-F238E27FC236}">
-                  <a16:creationId xmlns:a16="http://schemas.microsoft.com/office/drawing/2014/main" xmlns="" id="{03E676E9-9DCC-4F60-B574-E1C1AA87C2CC}"/>
+                  <a16:creationId xmlns="" xmlns:a16="http://schemas.microsoft.com/office/drawing/2014/main" id="{03E676E9-9DCC-4F60-B574-E1C1AA87C2CC}"/>
                 </a:ext>
               </a:extLst>
             </p:cNvPr>
@@ -22023,7 +25751,7 @@
             <p:cNvPr id="7" name="TextBox 6">
               <a:extLst>
                 <a:ext uri="{FF2B5EF4-FFF2-40B4-BE49-F238E27FC236}">
-                  <a16:creationId xmlns:a16="http://schemas.microsoft.com/office/drawing/2014/main" xmlns="" id="{A733F6D1-2B8A-4DC2-B0FA-03B41AD271CD}"/>
+                  <a16:creationId xmlns="" xmlns:a16="http://schemas.microsoft.com/office/drawing/2014/main" id="{A733F6D1-2B8A-4DC2-B0FA-03B41AD271CD}"/>
                 </a:ext>
               </a:extLst>
             </p:cNvPr>
@@ -22100,7 +25828,7 @@
             <p:cNvPr id="10" name="Овал 9">
               <a:extLst>
                 <a:ext uri="{FF2B5EF4-FFF2-40B4-BE49-F238E27FC236}">
-                  <a16:creationId xmlns:a16="http://schemas.microsoft.com/office/drawing/2014/main" xmlns="" id="{03E676E9-9DCC-4F60-B574-E1C1AA87C2CC}"/>
+                  <a16:creationId xmlns="" xmlns:a16="http://schemas.microsoft.com/office/drawing/2014/main" id="{03E676E9-9DCC-4F60-B574-E1C1AA87C2CC}"/>
                 </a:ext>
               </a:extLst>
             </p:cNvPr>
@@ -22150,7 +25878,7 @@
             <p:cNvPr id="9" name="TextBox 8">
               <a:extLst>
                 <a:ext uri="{FF2B5EF4-FFF2-40B4-BE49-F238E27FC236}">
-                  <a16:creationId xmlns:a16="http://schemas.microsoft.com/office/drawing/2014/main" xmlns="" id="{A733F6D1-2B8A-4DC2-B0FA-03B41AD271CD}"/>
+                  <a16:creationId xmlns="" xmlns:a16="http://schemas.microsoft.com/office/drawing/2014/main" id="{A733F6D1-2B8A-4DC2-B0FA-03B41AD271CD}"/>
                 </a:ext>
               </a:extLst>
             </p:cNvPr>
@@ -22554,7 +26282,7 @@
             <p:cNvPr id="8" name="Овал 7">
               <a:extLst>
                 <a:ext uri="{FF2B5EF4-FFF2-40B4-BE49-F238E27FC236}">
-                  <a16:creationId xmlns:a16="http://schemas.microsoft.com/office/drawing/2014/main" xmlns="" id="{03E676E9-9DCC-4F60-B574-E1C1AA87C2CC}"/>
+                  <a16:creationId xmlns="" xmlns:a16="http://schemas.microsoft.com/office/drawing/2014/main" id="{03E676E9-9DCC-4F60-B574-E1C1AA87C2CC}"/>
                 </a:ext>
               </a:extLst>
             </p:cNvPr>
@@ -22604,7 +26332,7 @@
             <p:cNvPr id="9" name="TextBox 8">
               <a:extLst>
                 <a:ext uri="{FF2B5EF4-FFF2-40B4-BE49-F238E27FC236}">
-                  <a16:creationId xmlns:a16="http://schemas.microsoft.com/office/drawing/2014/main" xmlns="" id="{A733F6D1-2B8A-4DC2-B0FA-03B41AD271CD}"/>
+                  <a16:creationId xmlns="" xmlns:a16="http://schemas.microsoft.com/office/drawing/2014/main" id="{A733F6D1-2B8A-4DC2-B0FA-03B41AD271CD}"/>
                 </a:ext>
               </a:extLst>
             </p:cNvPr>
@@ -22794,7 +26522,7 @@
           <p:cNvPr id="2" name="TextBox 1">
             <a:extLst>
               <a:ext uri="{FF2B5EF4-FFF2-40B4-BE49-F238E27FC236}">
-                <a16:creationId xmlns:a16="http://schemas.microsoft.com/office/drawing/2014/main" xmlns="" id="{AFAB66F8-ED4A-48EE-85D2-C79AC4668A7D}"/>
+                <a16:creationId xmlns="" xmlns:a16="http://schemas.microsoft.com/office/drawing/2014/main" id="{AFAB66F8-ED4A-48EE-85D2-C79AC4668A7D}"/>
               </a:ext>
             </a:extLst>
           </p:cNvPr>
@@ -22904,7 +26632,7 @@
           <p:cNvPr id="2" name="TextBox 1">
             <a:extLst>
               <a:ext uri="{FF2B5EF4-FFF2-40B4-BE49-F238E27FC236}">
-                <a16:creationId xmlns:a16="http://schemas.microsoft.com/office/drawing/2014/main" xmlns="" id="{AFAB66F8-ED4A-48EE-85D2-C79AC4668A7D}"/>
+                <a16:creationId xmlns="" xmlns:a16="http://schemas.microsoft.com/office/drawing/2014/main" id="{AFAB66F8-ED4A-48EE-85D2-C79AC4668A7D}"/>
               </a:ext>
             </a:extLst>
           </p:cNvPr>
@@ -23024,7 +26752,7 @@
           <p:cNvPr id="2" name="TextBox 1">
             <a:extLst>
               <a:ext uri="{FF2B5EF4-FFF2-40B4-BE49-F238E27FC236}">
-                <a16:creationId xmlns:a16="http://schemas.microsoft.com/office/drawing/2014/main" xmlns="" id="{AFAB66F8-ED4A-48EE-85D2-C79AC4668A7D}"/>
+                <a16:creationId xmlns="" xmlns:a16="http://schemas.microsoft.com/office/drawing/2014/main" id="{AFAB66F8-ED4A-48EE-85D2-C79AC4668A7D}"/>
               </a:ext>
             </a:extLst>
           </p:cNvPr>
@@ -23275,7 +27003,7 @@
           <p:cNvPr id="2" name="TextBox 1">
             <a:extLst>
               <a:ext uri="{FF2B5EF4-FFF2-40B4-BE49-F238E27FC236}">
-                <a16:creationId xmlns:a16="http://schemas.microsoft.com/office/drawing/2014/main" xmlns="" id="{AFAB66F8-ED4A-48EE-85D2-C79AC4668A7D}"/>
+                <a16:creationId xmlns="" xmlns:a16="http://schemas.microsoft.com/office/drawing/2014/main" id="{AFAB66F8-ED4A-48EE-85D2-C79AC4668A7D}"/>
               </a:ext>
             </a:extLst>
           </p:cNvPr>
@@ -23466,7 +27194,7 @@
           <p:cNvPr id="2" name="TextBox 1">
             <a:extLst>
               <a:ext uri="{FF2B5EF4-FFF2-40B4-BE49-F238E27FC236}">
-                <a16:creationId xmlns:a16="http://schemas.microsoft.com/office/drawing/2014/main" xmlns="" id="{AFAB66F8-ED4A-48EE-85D2-C79AC4668A7D}"/>
+                <a16:creationId xmlns="" xmlns:a16="http://schemas.microsoft.com/office/drawing/2014/main" id="{AFAB66F8-ED4A-48EE-85D2-C79AC4668A7D}"/>
               </a:ext>
             </a:extLst>
           </p:cNvPr>
@@ -23598,7 +27326,7 @@
           <p:cNvPr id="2" name="TextBox 1">
             <a:extLst>
               <a:ext uri="{FF2B5EF4-FFF2-40B4-BE49-F238E27FC236}">
-                <a16:creationId xmlns:a16="http://schemas.microsoft.com/office/drawing/2014/main" xmlns="" id="{AFAB66F8-ED4A-48EE-85D2-C79AC4668A7D}"/>
+                <a16:creationId xmlns="" xmlns:a16="http://schemas.microsoft.com/office/drawing/2014/main" id="{AFAB66F8-ED4A-48EE-85D2-C79AC4668A7D}"/>
               </a:ext>
             </a:extLst>
           </p:cNvPr>
@@ -23993,7 +27721,7 @@
           <p:cNvPr id="2" name="TextBox 1">
             <a:extLst>
               <a:ext uri="{FF2B5EF4-FFF2-40B4-BE49-F238E27FC236}">
-                <a16:creationId xmlns:a16="http://schemas.microsoft.com/office/drawing/2014/main" xmlns="" id="{AFAB66F8-ED4A-48EE-85D2-C79AC4668A7D}"/>
+                <a16:creationId xmlns="" xmlns:a16="http://schemas.microsoft.com/office/drawing/2014/main" id="{AFAB66F8-ED4A-48EE-85D2-C79AC4668A7D}"/>
               </a:ext>
             </a:extLst>
           </p:cNvPr>
@@ -24090,7 +27818,7 @@
           <p:cNvPr id="2" name="Рисунок 2" descr="Изображение выглядит как рисунок&#10;&#10;Автоматически созданное описание">
             <a:extLst>
               <a:ext uri="{FF2B5EF4-FFF2-40B4-BE49-F238E27FC236}">
-                <a16:creationId xmlns:a16="http://schemas.microsoft.com/office/drawing/2014/main" xmlns="" id="{81DC1A7B-2B0C-47E5-A6F1-FCCAC192F23D}"/>
+                <a16:creationId xmlns="" xmlns:a16="http://schemas.microsoft.com/office/drawing/2014/main" id="{81DC1A7B-2B0C-47E5-A6F1-FCCAC192F23D}"/>
               </a:ext>
             </a:extLst>
           </p:cNvPr>
@@ -24120,7 +27848,7 @@
           <p:cNvPr id="5" name="Рисунок 5">
             <a:extLst>
               <a:ext uri="{FF2B5EF4-FFF2-40B4-BE49-F238E27FC236}">
-                <a16:creationId xmlns:a16="http://schemas.microsoft.com/office/drawing/2014/main" xmlns="" id="{B0D009A0-57C3-4D4D-B1D0-6B70F709CD8A}"/>
+                <a16:creationId xmlns="" xmlns:a16="http://schemas.microsoft.com/office/drawing/2014/main" id="{B0D009A0-57C3-4D4D-B1D0-6B70F709CD8A}"/>
               </a:ext>
             </a:extLst>
           </p:cNvPr>
@@ -24150,7 +27878,7 @@
           <p:cNvPr id="6" name="Рисунок 6" descr="Изображение выглядит как рисунок&#10;&#10;Автоматически созданное описание">
             <a:extLst>
               <a:ext uri="{FF2B5EF4-FFF2-40B4-BE49-F238E27FC236}">
-                <a16:creationId xmlns:a16="http://schemas.microsoft.com/office/drawing/2014/main" xmlns="" id="{8B4C1875-E39D-477D-84F6-3749F436D282}"/>
+                <a16:creationId xmlns="" xmlns:a16="http://schemas.microsoft.com/office/drawing/2014/main" id="{8B4C1875-E39D-477D-84F6-3749F436D282}"/>
               </a:ext>
             </a:extLst>
           </p:cNvPr>
@@ -24180,7 +27908,7 @@
           <p:cNvPr id="9" name="Рисунок 9">
             <a:extLst>
               <a:ext uri="{FF2B5EF4-FFF2-40B4-BE49-F238E27FC236}">
-                <a16:creationId xmlns:a16="http://schemas.microsoft.com/office/drawing/2014/main" xmlns="" id="{E8BB2BAD-B852-4F51-B94F-087CF76564AF}"/>
+                <a16:creationId xmlns="" xmlns:a16="http://schemas.microsoft.com/office/drawing/2014/main" id="{E8BB2BAD-B852-4F51-B94F-087CF76564AF}"/>
               </a:ext>
             </a:extLst>
           </p:cNvPr>
@@ -24210,7 +27938,7 @@
           <p:cNvPr id="11" name="Рисунок 11" descr="Изображение выглядит как рисунок&#10;&#10;Автоматически созданное описание">
             <a:extLst>
               <a:ext uri="{FF2B5EF4-FFF2-40B4-BE49-F238E27FC236}">
-                <a16:creationId xmlns:a16="http://schemas.microsoft.com/office/drawing/2014/main" xmlns="" id="{914ACEFC-461A-48C0-97AB-D2477D2D884D}"/>
+                <a16:creationId xmlns="" xmlns:a16="http://schemas.microsoft.com/office/drawing/2014/main" id="{914ACEFC-461A-48C0-97AB-D2477D2D884D}"/>
               </a:ext>
             </a:extLst>
           </p:cNvPr>
@@ -24240,7 +27968,7 @@
           <p:cNvPr id="13" name="Рисунок 13" descr="Изображение выглядит как часы&#10;&#10;Автоматически созданное описание">
             <a:extLst>
               <a:ext uri="{FF2B5EF4-FFF2-40B4-BE49-F238E27FC236}">
-                <a16:creationId xmlns:a16="http://schemas.microsoft.com/office/drawing/2014/main" xmlns="" id="{0FD59164-34BB-4E4F-94CD-FFC9E1E9D58C}"/>
+                <a16:creationId xmlns="" xmlns:a16="http://schemas.microsoft.com/office/drawing/2014/main" id="{0FD59164-34BB-4E4F-94CD-FFC9E1E9D58C}"/>
               </a:ext>
             </a:extLst>
           </p:cNvPr>
@@ -24315,7 +28043,7 @@
           <p:cNvPr id="8" name="Рисунок 2" descr="Изображение выглядит как знак&#10;&#10;Автоматически созданное описание">
             <a:extLst>
               <a:ext uri="{FF2B5EF4-FFF2-40B4-BE49-F238E27FC236}">
-                <a16:creationId xmlns:a16="http://schemas.microsoft.com/office/drawing/2014/main" xmlns="" id="{94CE257F-A4AB-4D99-8638-F51E066F3AF6}"/>
+                <a16:creationId xmlns="" xmlns:a16="http://schemas.microsoft.com/office/drawing/2014/main" id="{94CE257F-A4AB-4D99-8638-F51E066F3AF6}"/>
               </a:ext>
             </a:extLst>
           </p:cNvPr>
@@ -24345,7 +28073,7 @@
           <p:cNvPr id="9" name="Рисунок 2" descr="Изображение выглядит как рисунок&#10;&#10;Автоматически созданное описание">
             <a:extLst>
               <a:ext uri="{FF2B5EF4-FFF2-40B4-BE49-F238E27FC236}">
-                <a16:creationId xmlns:a16="http://schemas.microsoft.com/office/drawing/2014/main" xmlns="" id="{4EAD6ACE-3298-4D74-B944-64C6FF04E9A0}"/>
+                <a16:creationId xmlns="" xmlns:a16="http://schemas.microsoft.com/office/drawing/2014/main" id="{4EAD6ACE-3298-4D74-B944-64C6FF04E9A0}"/>
               </a:ext>
             </a:extLst>
           </p:cNvPr>
@@ -24702,7 +28430,7 @@
           <p:cNvPr id="9" name="Рисунок 2" descr="Изображение выглядит как рисунок&#10;&#10;Автоматически созданное описание">
             <a:extLst>
               <a:ext uri="{FF2B5EF4-FFF2-40B4-BE49-F238E27FC236}">
-                <a16:creationId xmlns:a16="http://schemas.microsoft.com/office/drawing/2014/main" xmlns="" id="{4EAD6ACE-3298-4D74-B944-64C6FF04E9A0}"/>
+                <a16:creationId xmlns="" xmlns:a16="http://schemas.microsoft.com/office/drawing/2014/main" id="{4EAD6ACE-3298-4D74-B944-64C6FF04E9A0}"/>
               </a:ext>
             </a:extLst>
           </p:cNvPr>
@@ -24746,7 +28474,7 @@
             <p:cNvPr id="8" name="Рисунок 2" descr="Изображение выглядит как знак&#10;&#10;Автоматически созданное описание">
               <a:extLst>
                 <a:ext uri="{FF2B5EF4-FFF2-40B4-BE49-F238E27FC236}">
-                  <a16:creationId xmlns:a16="http://schemas.microsoft.com/office/drawing/2014/main" xmlns="" id="{94CE257F-A4AB-4D99-8638-F51E066F3AF6}"/>
+                  <a16:creationId xmlns="" xmlns:a16="http://schemas.microsoft.com/office/drawing/2014/main" id="{94CE257F-A4AB-4D99-8638-F51E066F3AF6}"/>
                 </a:ext>
               </a:extLst>
             </p:cNvPr>
@@ -25002,7 +28730,7 @@
           <p:cNvPr id="2" name="TextBox 1">
             <a:extLst>
               <a:ext uri="{FF2B5EF4-FFF2-40B4-BE49-F238E27FC236}">
-                <a16:creationId xmlns:a16="http://schemas.microsoft.com/office/drawing/2014/main" xmlns="" id="{AFAB66F8-ED4A-48EE-85D2-C79AC4668A7D}"/>
+                <a16:creationId xmlns="" xmlns:a16="http://schemas.microsoft.com/office/drawing/2014/main" id="{AFAB66F8-ED4A-48EE-85D2-C79AC4668A7D}"/>
               </a:ext>
             </a:extLst>
           </p:cNvPr>
@@ -25119,7 +28847,7 @@
           <p:cNvPr id="2" name="TextBox 1">
             <a:extLst>
               <a:ext uri="{FF2B5EF4-FFF2-40B4-BE49-F238E27FC236}">
-                <a16:creationId xmlns:a16="http://schemas.microsoft.com/office/drawing/2014/main" xmlns="" id="{AFAB66F8-ED4A-48EE-85D2-C79AC4668A7D}"/>
+                <a16:creationId xmlns="" xmlns:a16="http://schemas.microsoft.com/office/drawing/2014/main" id="{AFAB66F8-ED4A-48EE-85D2-C79AC4668A7D}"/>
               </a:ext>
             </a:extLst>
           </p:cNvPr>
@@ -25242,7 +28970,7 @@
           <p:cNvPr id="2" name="TextBox 1">
             <a:extLst>
               <a:ext uri="{FF2B5EF4-FFF2-40B4-BE49-F238E27FC236}">
-                <a16:creationId xmlns:a16="http://schemas.microsoft.com/office/drawing/2014/main" xmlns="" id="{AFAB66F8-ED4A-48EE-85D2-C79AC4668A7D}"/>
+                <a16:creationId xmlns="" xmlns:a16="http://schemas.microsoft.com/office/drawing/2014/main" id="{AFAB66F8-ED4A-48EE-85D2-C79AC4668A7D}"/>
               </a:ext>
             </a:extLst>
           </p:cNvPr>
@@ -25398,7 +29126,7 @@
               <p:cNvPr id="10" name="Овал 9">
                 <a:extLst>
                   <a:ext uri="{FF2B5EF4-FFF2-40B4-BE49-F238E27FC236}">
-                    <a16:creationId xmlns:a16="http://schemas.microsoft.com/office/drawing/2014/main" xmlns="" id="{03E676E9-9DCC-4F60-B574-E1C1AA87C2CC}"/>
+                    <a16:creationId xmlns="" xmlns:a16="http://schemas.microsoft.com/office/drawing/2014/main" id="{03E676E9-9DCC-4F60-B574-E1C1AA87C2CC}"/>
                   </a:ext>
                 </a:extLst>
               </p:cNvPr>
@@ -25444,7 +29172,7 @@
               <p:cNvPr id="7" name="TextBox 6">
                 <a:extLst>
                   <a:ext uri="{FF2B5EF4-FFF2-40B4-BE49-F238E27FC236}">
-                    <a16:creationId xmlns:a16="http://schemas.microsoft.com/office/drawing/2014/main" xmlns="" id="{A733F6D1-2B8A-4DC2-B0FA-03B41AD271CD}"/>
+                    <a16:creationId xmlns="" xmlns:a16="http://schemas.microsoft.com/office/drawing/2014/main" id="{A733F6D1-2B8A-4DC2-B0FA-03B41AD271CD}"/>
                   </a:ext>
                 </a:extLst>
               </p:cNvPr>
@@ -25509,7 +29237,7 @@
               <p:cNvPr id="13" name="Овал 12">
                 <a:extLst>
                   <a:ext uri="{FF2B5EF4-FFF2-40B4-BE49-F238E27FC236}">
-                    <a16:creationId xmlns:a16="http://schemas.microsoft.com/office/drawing/2014/main" xmlns="" id="{03E676E9-9DCC-4F60-B574-E1C1AA87C2CC}"/>
+                    <a16:creationId xmlns="" xmlns:a16="http://schemas.microsoft.com/office/drawing/2014/main" id="{03E676E9-9DCC-4F60-B574-E1C1AA87C2CC}"/>
                   </a:ext>
                 </a:extLst>
               </p:cNvPr>
@@ -25555,7 +29283,7 @@
               <p:cNvPr id="14" name="TextBox 13">
                 <a:extLst>
                   <a:ext uri="{FF2B5EF4-FFF2-40B4-BE49-F238E27FC236}">
-                    <a16:creationId xmlns:a16="http://schemas.microsoft.com/office/drawing/2014/main" xmlns="" id="{A733F6D1-2B8A-4DC2-B0FA-03B41AD271CD}"/>
+                    <a16:creationId xmlns="" xmlns:a16="http://schemas.microsoft.com/office/drawing/2014/main" id="{A733F6D1-2B8A-4DC2-B0FA-03B41AD271CD}"/>
                   </a:ext>
                 </a:extLst>
               </p:cNvPr>
@@ -25620,7 +29348,7 @@
               <p:cNvPr id="16" name="Овал 15">
                 <a:extLst>
                   <a:ext uri="{FF2B5EF4-FFF2-40B4-BE49-F238E27FC236}">
-                    <a16:creationId xmlns:a16="http://schemas.microsoft.com/office/drawing/2014/main" xmlns="" id="{03E676E9-9DCC-4F60-B574-E1C1AA87C2CC}"/>
+                    <a16:creationId xmlns="" xmlns:a16="http://schemas.microsoft.com/office/drawing/2014/main" id="{03E676E9-9DCC-4F60-B574-E1C1AA87C2CC}"/>
                   </a:ext>
                 </a:extLst>
               </p:cNvPr>
@@ -25666,7 +29394,7 @@
               <p:cNvPr id="17" name="TextBox 16">
                 <a:extLst>
                   <a:ext uri="{FF2B5EF4-FFF2-40B4-BE49-F238E27FC236}">
-                    <a16:creationId xmlns:a16="http://schemas.microsoft.com/office/drawing/2014/main" xmlns="" id="{A733F6D1-2B8A-4DC2-B0FA-03B41AD271CD}"/>
+                    <a16:creationId xmlns="" xmlns:a16="http://schemas.microsoft.com/office/drawing/2014/main" id="{A733F6D1-2B8A-4DC2-B0FA-03B41AD271CD}"/>
                   </a:ext>
                 </a:extLst>
               </p:cNvPr>
@@ -26107,7 +29835,7 @@
           <p:cNvPr id="2" name="TextBox 1">
             <a:extLst>
               <a:ext uri="{FF2B5EF4-FFF2-40B4-BE49-F238E27FC236}">
-                <a16:creationId xmlns:a16="http://schemas.microsoft.com/office/drawing/2014/main" xmlns="" id="{AFAB66F8-ED4A-48EE-85D2-C79AC4668A7D}"/>
+                <a16:creationId xmlns="" xmlns:a16="http://schemas.microsoft.com/office/drawing/2014/main" id="{AFAB66F8-ED4A-48EE-85D2-C79AC4668A7D}"/>
               </a:ext>
             </a:extLst>
           </p:cNvPr>
@@ -26204,7 +29932,7 @@
           <p:cNvPr id="2" name="TextBox 1">
             <a:extLst>
               <a:ext uri="{FF2B5EF4-FFF2-40B4-BE49-F238E27FC236}">
-                <a16:creationId xmlns:a16="http://schemas.microsoft.com/office/drawing/2014/main" xmlns="" id="{AFAB66F8-ED4A-48EE-85D2-C79AC4668A7D}"/>
+                <a16:creationId xmlns="" xmlns:a16="http://schemas.microsoft.com/office/drawing/2014/main" id="{AFAB66F8-ED4A-48EE-85D2-C79AC4668A7D}"/>
               </a:ext>
             </a:extLst>
           </p:cNvPr>
@@ -26327,7 +30055,7 @@
           <p:cNvPr id="2" name="TextBox 1">
             <a:extLst>
               <a:ext uri="{FF2B5EF4-FFF2-40B4-BE49-F238E27FC236}">
-                <a16:creationId xmlns:a16="http://schemas.microsoft.com/office/drawing/2014/main" xmlns="" id="{AFAB66F8-ED4A-48EE-85D2-C79AC4668A7D}"/>
+                <a16:creationId xmlns="" xmlns:a16="http://schemas.microsoft.com/office/drawing/2014/main" id="{AFAB66F8-ED4A-48EE-85D2-C79AC4668A7D}"/>
               </a:ext>
             </a:extLst>
           </p:cNvPr>
@@ -26472,7 +30200,7 @@
               <p:cNvPr id="9" name="Овал 8">
                 <a:extLst>
                   <a:ext uri="{FF2B5EF4-FFF2-40B4-BE49-F238E27FC236}">
-                    <a16:creationId xmlns:a16="http://schemas.microsoft.com/office/drawing/2014/main" xmlns="" id="{03E676E9-9DCC-4F60-B574-E1C1AA87C2CC}"/>
+                    <a16:creationId xmlns="" xmlns:a16="http://schemas.microsoft.com/office/drawing/2014/main" id="{03E676E9-9DCC-4F60-B574-E1C1AA87C2CC}"/>
                   </a:ext>
                 </a:extLst>
               </p:cNvPr>
@@ -26518,7 +30246,7 @@
               <p:cNvPr id="10" name="TextBox 9">
                 <a:extLst>
                   <a:ext uri="{FF2B5EF4-FFF2-40B4-BE49-F238E27FC236}">
-                    <a16:creationId xmlns:a16="http://schemas.microsoft.com/office/drawing/2014/main" xmlns="" id="{A733F6D1-2B8A-4DC2-B0FA-03B41AD271CD}"/>
+                    <a16:creationId xmlns="" xmlns:a16="http://schemas.microsoft.com/office/drawing/2014/main" id="{A733F6D1-2B8A-4DC2-B0FA-03B41AD271CD}"/>
                   </a:ext>
                 </a:extLst>
               </p:cNvPr>
@@ -26577,7 +30305,7 @@
               <p:cNvPr id="13" name="Овал 12">
                 <a:extLst>
                   <a:ext uri="{FF2B5EF4-FFF2-40B4-BE49-F238E27FC236}">
-                    <a16:creationId xmlns:a16="http://schemas.microsoft.com/office/drawing/2014/main" xmlns="" id="{03E676E9-9DCC-4F60-B574-E1C1AA87C2CC}"/>
+                    <a16:creationId xmlns="" xmlns:a16="http://schemas.microsoft.com/office/drawing/2014/main" id="{03E676E9-9DCC-4F60-B574-E1C1AA87C2CC}"/>
                   </a:ext>
                 </a:extLst>
               </p:cNvPr>
@@ -26623,7 +30351,7 @@
               <p:cNvPr id="14" name="TextBox 13">
                 <a:extLst>
                   <a:ext uri="{FF2B5EF4-FFF2-40B4-BE49-F238E27FC236}">
-                    <a16:creationId xmlns:a16="http://schemas.microsoft.com/office/drawing/2014/main" xmlns="" id="{A733F6D1-2B8A-4DC2-B0FA-03B41AD271CD}"/>
+                    <a16:creationId xmlns="" xmlns:a16="http://schemas.microsoft.com/office/drawing/2014/main" id="{A733F6D1-2B8A-4DC2-B0FA-03B41AD271CD}"/>
                   </a:ext>
                 </a:extLst>
               </p:cNvPr>
@@ -26683,7 +30411,7 @@
               <p:cNvPr id="16" name="Овал 15">
                 <a:extLst>
                   <a:ext uri="{FF2B5EF4-FFF2-40B4-BE49-F238E27FC236}">
-                    <a16:creationId xmlns:a16="http://schemas.microsoft.com/office/drawing/2014/main" xmlns="" id="{03E676E9-9DCC-4F60-B574-E1C1AA87C2CC}"/>
+                    <a16:creationId xmlns="" xmlns:a16="http://schemas.microsoft.com/office/drawing/2014/main" id="{03E676E9-9DCC-4F60-B574-E1C1AA87C2CC}"/>
                   </a:ext>
                 </a:extLst>
               </p:cNvPr>
@@ -26729,7 +30457,7 @@
               <p:cNvPr id="17" name="TextBox 16">
                 <a:extLst>
                   <a:ext uri="{FF2B5EF4-FFF2-40B4-BE49-F238E27FC236}">
-                    <a16:creationId xmlns:a16="http://schemas.microsoft.com/office/drawing/2014/main" xmlns="" id="{A733F6D1-2B8A-4DC2-B0FA-03B41AD271CD}"/>
+                    <a16:creationId xmlns="" xmlns:a16="http://schemas.microsoft.com/office/drawing/2014/main" id="{A733F6D1-2B8A-4DC2-B0FA-03B41AD271CD}"/>
                   </a:ext>
                 </a:extLst>
               </p:cNvPr>
@@ -26788,7 +30516,7 @@
               <p:cNvPr id="19" name="Овал 18">
                 <a:extLst>
                   <a:ext uri="{FF2B5EF4-FFF2-40B4-BE49-F238E27FC236}">
-                    <a16:creationId xmlns:a16="http://schemas.microsoft.com/office/drawing/2014/main" xmlns="" id="{03E676E9-9DCC-4F60-B574-E1C1AA87C2CC}"/>
+                    <a16:creationId xmlns="" xmlns:a16="http://schemas.microsoft.com/office/drawing/2014/main" id="{03E676E9-9DCC-4F60-B574-E1C1AA87C2CC}"/>
                   </a:ext>
                 </a:extLst>
               </p:cNvPr>
@@ -26834,7 +30562,7 @@
               <p:cNvPr id="20" name="TextBox 19">
                 <a:extLst>
                   <a:ext uri="{FF2B5EF4-FFF2-40B4-BE49-F238E27FC236}">
-                    <a16:creationId xmlns:a16="http://schemas.microsoft.com/office/drawing/2014/main" xmlns="" id="{A733F6D1-2B8A-4DC2-B0FA-03B41AD271CD}"/>
+                    <a16:creationId xmlns="" xmlns:a16="http://schemas.microsoft.com/office/drawing/2014/main" id="{A733F6D1-2B8A-4DC2-B0FA-03B41AD271CD}"/>
                   </a:ext>
                 </a:extLst>
               </p:cNvPr>
@@ -27121,7 +30849,7 @@
           <p:cNvPr id="35" name="TextBox 34">
             <a:extLst>
               <a:ext uri="{FF2B5EF4-FFF2-40B4-BE49-F238E27FC236}">
-                <a16:creationId xmlns:a16="http://schemas.microsoft.com/office/drawing/2014/main" xmlns="" id="{A733F6D1-2B8A-4DC2-B0FA-03B41AD271CD}"/>
+                <a16:creationId xmlns="" xmlns:a16="http://schemas.microsoft.com/office/drawing/2014/main" id="{A733F6D1-2B8A-4DC2-B0FA-03B41AD271CD}"/>
               </a:ext>
             </a:extLst>
           </p:cNvPr>
@@ -27454,7 +31182,7 @@
           <p:cNvPr id="2" name="Рисунок 2" descr="Изображение выглядит как текст&#10;&#10;Автоматически созданное описание">
             <a:extLst>
               <a:ext uri="{FF2B5EF4-FFF2-40B4-BE49-F238E27FC236}">
-                <a16:creationId xmlns:a16="http://schemas.microsoft.com/office/drawing/2014/main" xmlns="" id="{D1C05644-018B-464B-AE75-F6CF04D683C7}"/>
+                <a16:creationId xmlns="" xmlns:a16="http://schemas.microsoft.com/office/drawing/2014/main" id="{D1C05644-018B-464B-AE75-F6CF04D683C7}"/>
               </a:ext>
             </a:extLst>
           </p:cNvPr>
@@ -27522,7 +31250,7 @@
           <p:cNvPr id="2" name="TextBox 1">
             <a:extLst>
               <a:ext uri="{FF2B5EF4-FFF2-40B4-BE49-F238E27FC236}">
-                <a16:creationId xmlns:a16="http://schemas.microsoft.com/office/drawing/2014/main" xmlns="" id="{AFAB66F8-ED4A-48EE-85D2-C79AC4668A7D}"/>
+                <a16:creationId xmlns="" xmlns:a16="http://schemas.microsoft.com/office/drawing/2014/main" id="{AFAB66F8-ED4A-48EE-85D2-C79AC4668A7D}"/>
               </a:ext>
             </a:extLst>
           </p:cNvPr>
@@ -27574,7 +31302,7 @@
           <p:cNvPr id="3" name="TextBox 2">
             <a:extLst>
               <a:ext uri="{FF2B5EF4-FFF2-40B4-BE49-F238E27FC236}">
-                <a16:creationId xmlns:a16="http://schemas.microsoft.com/office/drawing/2014/main" xmlns="" id="{AFAB66F8-ED4A-48EE-85D2-C79AC4668A7D}"/>
+                <a16:creationId xmlns="" xmlns:a16="http://schemas.microsoft.com/office/drawing/2014/main" id="{AFAB66F8-ED4A-48EE-85D2-C79AC4668A7D}"/>
               </a:ext>
             </a:extLst>
           </p:cNvPr>
@@ -27786,7 +31514,7 @@
           <p:cNvPr id="4" name="TextBox 3">
             <a:extLst>
               <a:ext uri="{FF2B5EF4-FFF2-40B4-BE49-F238E27FC236}">
-                <a16:creationId xmlns:a16="http://schemas.microsoft.com/office/drawing/2014/main" xmlns="" id="{AFAB66F8-ED4A-48EE-85D2-C79AC4668A7D}"/>
+                <a16:creationId xmlns="" xmlns:a16="http://schemas.microsoft.com/office/drawing/2014/main" id="{AFAB66F8-ED4A-48EE-85D2-C79AC4668A7D}"/>
               </a:ext>
             </a:extLst>
           </p:cNvPr>
@@ -27889,7 +31617,7 @@
           <p:cNvPr id="4" name="TextBox 3">
             <a:extLst>
               <a:ext uri="{FF2B5EF4-FFF2-40B4-BE49-F238E27FC236}">
-                <a16:creationId xmlns:a16="http://schemas.microsoft.com/office/drawing/2014/main" xmlns="" id="{AFAB66F8-ED4A-48EE-85D2-C79AC4668A7D}"/>
+                <a16:creationId xmlns="" xmlns:a16="http://schemas.microsoft.com/office/drawing/2014/main" id="{AFAB66F8-ED4A-48EE-85D2-C79AC4668A7D}"/>
               </a:ext>
             </a:extLst>
           </p:cNvPr>
@@ -28012,7 +31740,7 @@
           <p:cNvPr id="4" name="TextBox 3">
             <a:extLst>
               <a:ext uri="{FF2B5EF4-FFF2-40B4-BE49-F238E27FC236}">
-                <a16:creationId xmlns:a16="http://schemas.microsoft.com/office/drawing/2014/main" xmlns="" id="{AFAB66F8-ED4A-48EE-85D2-C79AC4668A7D}"/>
+                <a16:creationId xmlns="" xmlns:a16="http://schemas.microsoft.com/office/drawing/2014/main" id="{AFAB66F8-ED4A-48EE-85D2-C79AC4668A7D}"/>
               </a:ext>
             </a:extLst>
           </p:cNvPr>
@@ -28257,7 +31985,7 @@
           <p:cNvPr id="4" name="TextBox 3">
             <a:extLst>
               <a:ext uri="{FF2B5EF4-FFF2-40B4-BE49-F238E27FC236}">
-                <a16:creationId xmlns:a16="http://schemas.microsoft.com/office/drawing/2014/main" xmlns="" id="{AFAB66F8-ED4A-48EE-85D2-C79AC4668A7D}"/>
+                <a16:creationId xmlns="" xmlns:a16="http://schemas.microsoft.com/office/drawing/2014/main" id="{AFAB66F8-ED4A-48EE-85D2-C79AC4668A7D}"/>
               </a:ext>
             </a:extLst>
           </p:cNvPr>
@@ -28388,7 +32116,7 @@
             <p:cNvPr id="5" name="Рисунок 2" descr="Изображение выглядит как знак&#10;&#10;Автоматически созданное описание">
               <a:extLst>
                 <a:ext uri="{FF2B5EF4-FFF2-40B4-BE49-F238E27FC236}">
-                  <a16:creationId xmlns:a16="http://schemas.microsoft.com/office/drawing/2014/main" xmlns="" id="{94CE257F-A4AB-4D99-8638-F51E066F3AF6}"/>
+                  <a16:creationId xmlns="" xmlns:a16="http://schemas.microsoft.com/office/drawing/2014/main" id="{94CE257F-A4AB-4D99-8638-F51E066F3AF6}"/>
                 </a:ext>
               </a:extLst>
             </p:cNvPr>
@@ -28475,7 +32203,7 @@
             <p:cNvPr id="8" name="Рисунок 2" descr="Изображение выглядит как знак&#10;&#10;Автоматически созданное описание">
               <a:extLst>
                 <a:ext uri="{FF2B5EF4-FFF2-40B4-BE49-F238E27FC236}">
-                  <a16:creationId xmlns:a16="http://schemas.microsoft.com/office/drawing/2014/main" xmlns="" id="{94CE257F-A4AB-4D99-8638-F51E066F3AF6}"/>
+                  <a16:creationId xmlns="" xmlns:a16="http://schemas.microsoft.com/office/drawing/2014/main" id="{94CE257F-A4AB-4D99-8638-F51E066F3AF6}"/>
                 </a:ext>
               </a:extLst>
             </p:cNvPr>
@@ -29231,7 +32959,7 @@
           <p:cNvPr id="7" name="TextBox 6">
             <a:extLst>
               <a:ext uri="{FF2B5EF4-FFF2-40B4-BE49-F238E27FC236}">
-                <a16:creationId xmlns:a16="http://schemas.microsoft.com/office/drawing/2014/main" xmlns="" id="{AFAB66F8-ED4A-48EE-85D2-C79AC4668A7D}"/>
+                <a16:creationId xmlns="" xmlns:a16="http://schemas.microsoft.com/office/drawing/2014/main" id="{AFAB66F8-ED4A-48EE-85D2-C79AC4668A7D}"/>
               </a:ext>
             </a:extLst>
           </p:cNvPr>
@@ -29341,7 +33069,7 @@
           <p:cNvPr id="7" name="TextBox 6">
             <a:extLst>
               <a:ext uri="{FF2B5EF4-FFF2-40B4-BE49-F238E27FC236}">
-                <a16:creationId xmlns:a16="http://schemas.microsoft.com/office/drawing/2014/main" xmlns="" id="{AFAB66F8-ED4A-48EE-85D2-C79AC4668A7D}"/>
+                <a16:creationId xmlns="" xmlns:a16="http://schemas.microsoft.com/office/drawing/2014/main" id="{AFAB66F8-ED4A-48EE-85D2-C79AC4668A7D}"/>
               </a:ext>
             </a:extLst>
           </p:cNvPr>
@@ -29444,7 +33172,7 @@
           <p:cNvPr id="7" name="TextBox 6">
             <a:extLst>
               <a:ext uri="{FF2B5EF4-FFF2-40B4-BE49-F238E27FC236}">
-                <a16:creationId xmlns:a16="http://schemas.microsoft.com/office/drawing/2014/main" xmlns="" id="{AFAB66F8-ED4A-48EE-85D2-C79AC4668A7D}"/>
+                <a16:creationId xmlns="" xmlns:a16="http://schemas.microsoft.com/office/drawing/2014/main" id="{AFAB66F8-ED4A-48EE-85D2-C79AC4668A7D}"/>
               </a:ext>
             </a:extLst>
           </p:cNvPr>
@@ -29541,7 +33269,7 @@
           <p:cNvPr id="4" name="Рисунок 2" descr="Изображение выглядит как рисунок&#10;&#10;Автоматически созданное описание">
             <a:extLst>
               <a:ext uri="{FF2B5EF4-FFF2-40B4-BE49-F238E27FC236}">
-                <a16:creationId xmlns:a16="http://schemas.microsoft.com/office/drawing/2014/main" xmlns="" id="{AFCE28E7-A6A4-4ED2-AF42-F79DD8B66AE7}"/>
+                <a16:creationId xmlns="" xmlns:a16="http://schemas.microsoft.com/office/drawing/2014/main" id="{AFCE28E7-A6A4-4ED2-AF42-F79DD8B66AE7}"/>
               </a:ext>
             </a:extLst>
           </p:cNvPr>
@@ -29609,7 +33337,7 @@
           <p:cNvPr id="7" name="TextBox 6">
             <a:extLst>
               <a:ext uri="{FF2B5EF4-FFF2-40B4-BE49-F238E27FC236}">
-                <a16:creationId xmlns:a16="http://schemas.microsoft.com/office/drawing/2014/main" xmlns="" id="{AFAB66F8-ED4A-48EE-85D2-C79AC4668A7D}"/>
+                <a16:creationId xmlns="" xmlns:a16="http://schemas.microsoft.com/office/drawing/2014/main" id="{AFAB66F8-ED4A-48EE-85D2-C79AC4668A7D}"/>
               </a:ext>
             </a:extLst>
           </p:cNvPr>
@@ -29709,7 +33437,7 @@
           <p:cNvPr id="7" name="TextBox 6">
             <a:extLst>
               <a:ext uri="{FF2B5EF4-FFF2-40B4-BE49-F238E27FC236}">
-                <a16:creationId xmlns:a16="http://schemas.microsoft.com/office/drawing/2014/main" xmlns="" id="{AFAB66F8-ED4A-48EE-85D2-C79AC4668A7D}"/>
+                <a16:creationId xmlns="" xmlns:a16="http://schemas.microsoft.com/office/drawing/2014/main" id="{AFAB66F8-ED4A-48EE-85D2-C79AC4668A7D}"/>
               </a:ext>
             </a:extLst>
           </p:cNvPr>
@@ -29812,7 +33540,7 @@
           <p:cNvPr id="7" name="TextBox 6">
             <a:extLst>
               <a:ext uri="{FF2B5EF4-FFF2-40B4-BE49-F238E27FC236}">
-                <a16:creationId xmlns:a16="http://schemas.microsoft.com/office/drawing/2014/main" xmlns="" id="{AFAB66F8-ED4A-48EE-85D2-C79AC4668A7D}"/>
+                <a16:creationId xmlns="" xmlns:a16="http://schemas.microsoft.com/office/drawing/2014/main" id="{AFAB66F8-ED4A-48EE-85D2-C79AC4668A7D}"/>
               </a:ext>
             </a:extLst>
           </p:cNvPr>
@@ -29915,7 +33643,7 @@
           <p:cNvPr id="7" name="TextBox 6">
             <a:extLst>
               <a:ext uri="{FF2B5EF4-FFF2-40B4-BE49-F238E27FC236}">
-                <a16:creationId xmlns:a16="http://schemas.microsoft.com/office/drawing/2014/main" xmlns="" id="{AFAB66F8-ED4A-48EE-85D2-C79AC4668A7D}"/>
+                <a16:creationId xmlns="" xmlns:a16="http://schemas.microsoft.com/office/drawing/2014/main" id="{AFAB66F8-ED4A-48EE-85D2-C79AC4668A7D}"/>
               </a:ext>
             </a:extLst>
           </p:cNvPr>
@@ -30032,7 +33760,7 @@
           <p:cNvPr id="7" name="TextBox 6">
             <a:extLst>
               <a:ext uri="{FF2B5EF4-FFF2-40B4-BE49-F238E27FC236}">
-                <a16:creationId xmlns:a16="http://schemas.microsoft.com/office/drawing/2014/main" xmlns="" id="{AFAB66F8-ED4A-48EE-85D2-C79AC4668A7D}"/>
+                <a16:creationId xmlns="" xmlns:a16="http://schemas.microsoft.com/office/drawing/2014/main" id="{AFAB66F8-ED4A-48EE-85D2-C79AC4668A7D}"/>
               </a:ext>
             </a:extLst>
           </p:cNvPr>
@@ -30142,7 +33870,7 @@
           <p:cNvPr id="7" name="TextBox 6">
             <a:extLst>
               <a:ext uri="{FF2B5EF4-FFF2-40B4-BE49-F238E27FC236}">
-                <a16:creationId xmlns:a16="http://schemas.microsoft.com/office/drawing/2014/main" xmlns="" id="{AFAB66F8-ED4A-48EE-85D2-C79AC4668A7D}"/>
+                <a16:creationId xmlns="" xmlns:a16="http://schemas.microsoft.com/office/drawing/2014/main" id="{AFAB66F8-ED4A-48EE-85D2-C79AC4668A7D}"/>
               </a:ext>
             </a:extLst>
           </p:cNvPr>
@@ -30262,7 +33990,7 @@
           <p:cNvPr id="7" name="TextBox 6">
             <a:extLst>
               <a:ext uri="{FF2B5EF4-FFF2-40B4-BE49-F238E27FC236}">
-                <a16:creationId xmlns:a16="http://schemas.microsoft.com/office/drawing/2014/main" xmlns="" id="{AFAB66F8-ED4A-48EE-85D2-C79AC4668A7D}"/>
+                <a16:creationId xmlns="" xmlns:a16="http://schemas.microsoft.com/office/drawing/2014/main" id="{AFAB66F8-ED4A-48EE-85D2-C79AC4668A7D}"/>
               </a:ext>
             </a:extLst>
           </p:cNvPr>
@@ -30359,7 +34087,7 @@
           <p:cNvPr id="7" name="TextBox 6">
             <a:extLst>
               <a:ext uri="{FF2B5EF4-FFF2-40B4-BE49-F238E27FC236}">
-                <a16:creationId xmlns:a16="http://schemas.microsoft.com/office/drawing/2014/main" xmlns="" id="{AFAB66F8-ED4A-48EE-85D2-C79AC4668A7D}"/>
+                <a16:creationId xmlns="" xmlns:a16="http://schemas.microsoft.com/office/drawing/2014/main" id="{AFAB66F8-ED4A-48EE-85D2-C79AC4668A7D}"/>
               </a:ext>
             </a:extLst>
           </p:cNvPr>
@@ -30496,7 +34224,7 @@
           <p:cNvPr id="7" name="TextBox 6">
             <a:extLst>
               <a:ext uri="{FF2B5EF4-FFF2-40B4-BE49-F238E27FC236}">
-                <a16:creationId xmlns:a16="http://schemas.microsoft.com/office/drawing/2014/main" xmlns="" id="{AFAB66F8-ED4A-48EE-85D2-C79AC4668A7D}"/>
+                <a16:creationId xmlns="" xmlns:a16="http://schemas.microsoft.com/office/drawing/2014/main" id="{AFAB66F8-ED4A-48EE-85D2-C79AC4668A7D}"/>
               </a:ext>
             </a:extLst>
           </p:cNvPr>
@@ -30603,7 +34331,7 @@
           <p:cNvPr id="7" name="TextBox 6">
             <a:extLst>
               <a:ext uri="{FF2B5EF4-FFF2-40B4-BE49-F238E27FC236}">
-                <a16:creationId xmlns:a16="http://schemas.microsoft.com/office/drawing/2014/main" xmlns="" id="{AFAB66F8-ED4A-48EE-85D2-C79AC4668A7D}"/>
+                <a16:creationId xmlns="" xmlns:a16="http://schemas.microsoft.com/office/drawing/2014/main" id="{AFAB66F8-ED4A-48EE-85D2-C79AC4668A7D}"/>
               </a:ext>
             </a:extLst>
           </p:cNvPr>
@@ -30712,7 +34440,7 @@
           <p:cNvPr id="4" name="Рисунок 4" descr="Изображение выглядит как часы, рисунок&#10;&#10;Автоматически созданное описание">
             <a:extLst>
               <a:ext uri="{FF2B5EF4-FFF2-40B4-BE49-F238E27FC236}">
-                <a16:creationId xmlns:a16="http://schemas.microsoft.com/office/drawing/2014/main" xmlns="" id="{94FAFFE4-0131-4A6D-B497-6291BBBB7CD5}"/>
+                <a16:creationId xmlns="" xmlns:a16="http://schemas.microsoft.com/office/drawing/2014/main" id="{94FAFFE4-0131-4A6D-B497-6291BBBB7CD5}"/>
               </a:ext>
             </a:extLst>
           </p:cNvPr>
@@ -30742,7 +34470,7 @@
           <p:cNvPr id="6" name="Рисунок 2" descr="Изображение выглядит как рисунок&#10;&#10;Автоматически созданное описание">
             <a:extLst>
               <a:ext uri="{FF2B5EF4-FFF2-40B4-BE49-F238E27FC236}">
-                <a16:creationId xmlns:a16="http://schemas.microsoft.com/office/drawing/2014/main" xmlns="" id="{29ADE3EE-E3E7-4754-AC30-59FDFF3867D2}"/>
+                <a16:creationId xmlns="" xmlns:a16="http://schemas.microsoft.com/office/drawing/2014/main" id="{29ADE3EE-E3E7-4754-AC30-59FDFF3867D2}"/>
               </a:ext>
             </a:extLst>
           </p:cNvPr>
@@ -30772,7 +34500,7 @@
           <p:cNvPr id="8" name="Рисунок 2" descr="Изображение выглядит как знак&#10;&#10;Автоматически созданное описание">
             <a:extLst>
               <a:ext uri="{FF2B5EF4-FFF2-40B4-BE49-F238E27FC236}">
-                <a16:creationId xmlns:a16="http://schemas.microsoft.com/office/drawing/2014/main" xmlns="" id="{29762B8E-9DB8-45E8-A962-1D02C5044356}"/>
+                <a16:creationId xmlns="" xmlns:a16="http://schemas.microsoft.com/office/drawing/2014/main" id="{29762B8E-9DB8-45E8-A962-1D02C5044356}"/>
               </a:ext>
             </a:extLst>
           </p:cNvPr>
@@ -30900,7 +34628,7 @@
             <p:cNvPr id="12" name="TextBox 11">
               <a:extLst>
                 <a:ext uri="{FF2B5EF4-FFF2-40B4-BE49-F238E27FC236}">
-                  <a16:creationId xmlns:a16="http://schemas.microsoft.com/office/drawing/2014/main" xmlns="" id="{AFAB66F8-ED4A-48EE-85D2-C79AC4668A7D}"/>
+                  <a16:creationId xmlns="" xmlns:a16="http://schemas.microsoft.com/office/drawing/2014/main" id="{AFAB66F8-ED4A-48EE-85D2-C79AC4668A7D}"/>
                 </a:ext>
               </a:extLst>
             </p:cNvPr>
@@ -31047,7 +34775,7 @@
             <p:cNvPr id="15" name="TextBox 14">
               <a:extLst>
                 <a:ext uri="{FF2B5EF4-FFF2-40B4-BE49-F238E27FC236}">
-                  <a16:creationId xmlns:a16="http://schemas.microsoft.com/office/drawing/2014/main" xmlns="" id="{AFAB66F8-ED4A-48EE-85D2-C79AC4668A7D}"/>
+                  <a16:creationId xmlns="" xmlns:a16="http://schemas.microsoft.com/office/drawing/2014/main" id="{AFAB66F8-ED4A-48EE-85D2-C79AC4668A7D}"/>
                 </a:ext>
               </a:extLst>
             </p:cNvPr>
@@ -31182,7 +34910,7 @@
             <p:cNvPr id="18" name="TextBox 17">
               <a:extLst>
                 <a:ext uri="{FF2B5EF4-FFF2-40B4-BE49-F238E27FC236}">
-                  <a16:creationId xmlns:a16="http://schemas.microsoft.com/office/drawing/2014/main" xmlns="" id="{AFAB66F8-ED4A-48EE-85D2-C79AC4668A7D}"/>
+                  <a16:creationId xmlns="" xmlns:a16="http://schemas.microsoft.com/office/drawing/2014/main" id="{AFAB66F8-ED4A-48EE-85D2-C79AC4668A7D}"/>
                 </a:ext>
               </a:extLst>
             </p:cNvPr>
@@ -31302,7 +35030,7 @@
           <p:cNvPr id="7" name="TextBox 6">
             <a:extLst>
               <a:ext uri="{FF2B5EF4-FFF2-40B4-BE49-F238E27FC236}">
-                <a16:creationId xmlns:a16="http://schemas.microsoft.com/office/drawing/2014/main" xmlns="" id="{AFAB66F8-ED4A-48EE-85D2-C79AC4668A7D}"/>
+                <a16:creationId xmlns="" xmlns:a16="http://schemas.microsoft.com/office/drawing/2014/main" id="{AFAB66F8-ED4A-48EE-85D2-C79AC4668A7D}"/>
               </a:ext>
             </a:extLst>
           </p:cNvPr>
@@ -31665,7 +35393,7 @@
             <p:cNvPr id="7" name="TextBox 6">
               <a:extLst>
                 <a:ext uri="{FF2B5EF4-FFF2-40B4-BE49-F238E27FC236}">
-                  <a16:creationId xmlns:a16="http://schemas.microsoft.com/office/drawing/2014/main" xmlns="" id="{AFAB66F8-ED4A-48EE-85D2-C79AC4668A7D}"/>
+                  <a16:creationId xmlns="" xmlns:a16="http://schemas.microsoft.com/office/drawing/2014/main" id="{AFAB66F8-ED4A-48EE-85D2-C79AC4668A7D}"/>
                 </a:ext>
               </a:extLst>
             </p:cNvPr>
@@ -31812,7 +35540,7 @@
             <p:cNvPr id="9" name="TextBox 8">
               <a:extLst>
                 <a:ext uri="{FF2B5EF4-FFF2-40B4-BE49-F238E27FC236}">
-                  <a16:creationId xmlns:a16="http://schemas.microsoft.com/office/drawing/2014/main" xmlns="" id="{AFAB66F8-ED4A-48EE-85D2-C79AC4668A7D}"/>
+                  <a16:creationId xmlns="" xmlns:a16="http://schemas.microsoft.com/office/drawing/2014/main" id="{AFAB66F8-ED4A-48EE-85D2-C79AC4668A7D}"/>
                 </a:ext>
               </a:extLst>
             </p:cNvPr>
@@ -31898,7 +35626,7 @@
           <p:cNvPr id="10" name="TextBox 9">
             <a:extLst>
               <a:ext uri="{FF2B5EF4-FFF2-40B4-BE49-F238E27FC236}">
-                <a16:creationId xmlns:a16="http://schemas.microsoft.com/office/drawing/2014/main" xmlns="" id="{AFAB66F8-ED4A-48EE-85D2-C79AC4668A7D}"/>
+                <a16:creationId xmlns="" xmlns:a16="http://schemas.microsoft.com/office/drawing/2014/main" id="{AFAB66F8-ED4A-48EE-85D2-C79AC4668A7D}"/>
               </a:ext>
             </a:extLst>
           </p:cNvPr>
@@ -32000,7 +35728,7 @@
           <p:cNvPr id="11" name="TextBox 10">
             <a:extLst>
               <a:ext uri="{FF2B5EF4-FFF2-40B4-BE49-F238E27FC236}">
-                <a16:creationId xmlns:a16="http://schemas.microsoft.com/office/drawing/2014/main" xmlns="" id="{AFAB66F8-ED4A-48EE-85D2-C79AC4668A7D}"/>
+                <a16:creationId xmlns="" xmlns:a16="http://schemas.microsoft.com/office/drawing/2014/main" id="{AFAB66F8-ED4A-48EE-85D2-C79AC4668A7D}"/>
               </a:ext>
             </a:extLst>
           </p:cNvPr>
@@ -32468,7 +36196,7 @@
             <p:cNvPr id="7" name="TextBox 6">
               <a:extLst>
                 <a:ext uri="{FF2B5EF4-FFF2-40B4-BE49-F238E27FC236}">
-                  <a16:creationId xmlns:a16="http://schemas.microsoft.com/office/drawing/2014/main" xmlns="" id="{AFAB66F8-ED4A-48EE-85D2-C79AC4668A7D}"/>
+                  <a16:creationId xmlns="" xmlns:a16="http://schemas.microsoft.com/office/drawing/2014/main" id="{AFAB66F8-ED4A-48EE-85D2-C79AC4668A7D}"/>
                 </a:ext>
               </a:extLst>
             </p:cNvPr>
@@ -32615,7 +36343,7 @@
             <p:cNvPr id="14" name="TextBox 13">
               <a:extLst>
                 <a:ext uri="{FF2B5EF4-FFF2-40B4-BE49-F238E27FC236}">
-                  <a16:creationId xmlns:a16="http://schemas.microsoft.com/office/drawing/2014/main" xmlns="" id="{AFAB66F8-ED4A-48EE-85D2-C79AC4668A7D}"/>
+                  <a16:creationId xmlns="" xmlns:a16="http://schemas.microsoft.com/office/drawing/2014/main" id="{AFAB66F8-ED4A-48EE-85D2-C79AC4668A7D}"/>
                 </a:ext>
               </a:extLst>
             </p:cNvPr>
@@ -33959,7 +37687,7 @@
           <p:cNvPr id="5" name="Рисунок 5" descr="Изображение выглядит как текст, карта, стол, большой&#10;&#10;Автоматически созданное описание">
             <a:extLst>
               <a:ext uri="{FF2B5EF4-FFF2-40B4-BE49-F238E27FC236}">
-                <a16:creationId xmlns:a16="http://schemas.microsoft.com/office/drawing/2014/main" xmlns="" id="{E933646D-3FE1-4B4E-9BC3-A601B4B2FE1B}"/>
+                <a16:creationId xmlns="" xmlns:a16="http://schemas.microsoft.com/office/drawing/2014/main" id="{E933646D-3FE1-4B4E-9BC3-A601B4B2FE1B}"/>
               </a:ext>
             </a:extLst>
           </p:cNvPr>
@@ -35055,7 +38783,7 @@
             <p:cNvPr id="6" name="TextBox 5">
               <a:extLst>
                 <a:ext uri="{FF2B5EF4-FFF2-40B4-BE49-F238E27FC236}">
-                  <a16:creationId xmlns:a16="http://schemas.microsoft.com/office/drawing/2014/main" xmlns="" id="{AFAB66F8-ED4A-48EE-85D2-C79AC4668A7D}"/>
+                  <a16:creationId xmlns="" xmlns:a16="http://schemas.microsoft.com/office/drawing/2014/main" id="{AFAB66F8-ED4A-48EE-85D2-C79AC4668A7D}"/>
                 </a:ext>
               </a:extLst>
             </p:cNvPr>
@@ -35227,7 +38955,7 @@
             <p:cNvPr id="9" name="TextBox 8">
               <a:extLst>
                 <a:ext uri="{FF2B5EF4-FFF2-40B4-BE49-F238E27FC236}">
-                  <a16:creationId xmlns:a16="http://schemas.microsoft.com/office/drawing/2014/main" xmlns="" id="{AFAB66F8-ED4A-48EE-85D2-C79AC4668A7D}"/>
+                  <a16:creationId xmlns="" xmlns:a16="http://schemas.microsoft.com/office/drawing/2014/main" id="{AFAB66F8-ED4A-48EE-85D2-C79AC4668A7D}"/>
                 </a:ext>
               </a:extLst>
             </p:cNvPr>
@@ -35310,7 +39038,7 @@
           <p:cNvPr id="10" name="TextBox 9">
             <a:extLst>
               <a:ext uri="{FF2B5EF4-FFF2-40B4-BE49-F238E27FC236}">
-                <a16:creationId xmlns:a16="http://schemas.microsoft.com/office/drawing/2014/main" xmlns="" id="{AFAB66F8-ED4A-48EE-85D2-C79AC4668A7D}"/>
+                <a16:creationId xmlns="" xmlns:a16="http://schemas.microsoft.com/office/drawing/2014/main" id="{AFAB66F8-ED4A-48EE-85D2-C79AC4668A7D}"/>
               </a:ext>
             </a:extLst>
           </p:cNvPr>
@@ -35777,7 +39505,7 @@
             <p:cNvPr id="6" name="TextBox 5">
               <a:extLst>
                 <a:ext uri="{FF2B5EF4-FFF2-40B4-BE49-F238E27FC236}">
-                  <a16:creationId xmlns:a16="http://schemas.microsoft.com/office/drawing/2014/main" xmlns="" id="{AFAB66F8-ED4A-48EE-85D2-C79AC4668A7D}"/>
+                  <a16:creationId xmlns="" xmlns:a16="http://schemas.microsoft.com/office/drawing/2014/main" id="{AFAB66F8-ED4A-48EE-85D2-C79AC4668A7D}"/>
                 </a:ext>
               </a:extLst>
             </p:cNvPr>
@@ -35949,7 +39677,7 @@
             <p:cNvPr id="13" name="TextBox 12">
               <a:extLst>
                 <a:ext uri="{FF2B5EF4-FFF2-40B4-BE49-F238E27FC236}">
-                  <a16:creationId xmlns:a16="http://schemas.microsoft.com/office/drawing/2014/main" xmlns="" id="{AFAB66F8-ED4A-48EE-85D2-C79AC4668A7D}"/>
+                  <a16:creationId xmlns="" xmlns:a16="http://schemas.microsoft.com/office/drawing/2014/main" id="{AFAB66F8-ED4A-48EE-85D2-C79AC4668A7D}"/>
                 </a:ext>
               </a:extLst>
             </p:cNvPr>
@@ -36121,7 +39849,7 @@
             <p:cNvPr id="16" name="TextBox 15">
               <a:extLst>
                 <a:ext uri="{FF2B5EF4-FFF2-40B4-BE49-F238E27FC236}">
-                  <a16:creationId xmlns:a16="http://schemas.microsoft.com/office/drawing/2014/main" xmlns="" id="{AFAB66F8-ED4A-48EE-85D2-C79AC4668A7D}"/>
+                  <a16:creationId xmlns="" xmlns:a16="http://schemas.microsoft.com/office/drawing/2014/main" id="{AFAB66F8-ED4A-48EE-85D2-C79AC4668A7D}"/>
                 </a:ext>
               </a:extLst>
             </p:cNvPr>
@@ -36593,7 +40321,7 @@
           <p:cNvPr id="5" name="Рисунок 5" descr="Изображение выглядит как рисунок&#10;&#10;Автоматически созданное описание">
             <a:extLst>
               <a:ext uri="{FF2B5EF4-FFF2-40B4-BE49-F238E27FC236}">
-                <a16:creationId xmlns:a16="http://schemas.microsoft.com/office/drawing/2014/main" xmlns="" id="{CDD0D392-856C-47F0-9735-BEF68F5D9DAC}"/>
+                <a16:creationId xmlns="" xmlns:a16="http://schemas.microsoft.com/office/drawing/2014/main" id="{CDD0D392-856C-47F0-9735-BEF68F5D9DAC}"/>
               </a:ext>
             </a:extLst>
           </p:cNvPr>
@@ -36623,7 +40351,7 @@
           <p:cNvPr id="9" name="Рисунок 9" descr="Изображение выглядит как знак&#10;&#10;Автоматически созданное описание">
             <a:extLst>
               <a:ext uri="{FF2B5EF4-FFF2-40B4-BE49-F238E27FC236}">
-                <a16:creationId xmlns:a16="http://schemas.microsoft.com/office/drawing/2014/main" xmlns="" id="{05DBF68E-E15B-4C8D-B88E-DD5E51FB28A6}"/>
+                <a16:creationId xmlns="" xmlns:a16="http://schemas.microsoft.com/office/drawing/2014/main" id="{05DBF68E-E15B-4C8D-B88E-DD5E51FB28A6}"/>
               </a:ext>
             </a:extLst>
           </p:cNvPr>
@@ -37570,7 +41298,7 @@
             <p:cNvPr id="6" name="TextBox 5">
               <a:extLst>
                 <a:ext uri="{FF2B5EF4-FFF2-40B4-BE49-F238E27FC236}">
-                  <a16:creationId xmlns="" xmlns:a16="http://schemas.microsoft.com/office/drawing/2014/main" id="{AFAB66F8-ED4A-48EE-85D2-C79AC4668A7D}"/>
+                  <a16:creationId xmlns:a16="http://schemas.microsoft.com/office/drawing/2014/main" xmlns="" id="{AFAB66F8-ED4A-48EE-85D2-C79AC4668A7D}"/>
                 </a:ext>
               </a:extLst>
             </p:cNvPr>
@@ -37625,7 +41353,7 @@
           <p:cNvPr id="7" name="TextBox 6">
             <a:extLst>
               <a:ext uri="{FF2B5EF4-FFF2-40B4-BE49-F238E27FC236}">
-                <a16:creationId xmlns="" xmlns:a16="http://schemas.microsoft.com/office/drawing/2014/main" id="{AFAB66F8-ED4A-48EE-85D2-C79AC4668A7D}"/>
+                <a16:creationId xmlns:a16="http://schemas.microsoft.com/office/drawing/2014/main" xmlns="" id="{AFAB66F8-ED4A-48EE-85D2-C79AC4668A7D}"/>
               </a:ext>
             </a:extLst>
           </p:cNvPr>
@@ -37755,7 +41483,7 @@
             <p:cNvPr id="10" name="TextBox 9">
               <a:extLst>
                 <a:ext uri="{FF2B5EF4-FFF2-40B4-BE49-F238E27FC236}">
-                  <a16:creationId xmlns="" xmlns:a16="http://schemas.microsoft.com/office/drawing/2014/main" id="{AFAB66F8-ED4A-48EE-85D2-C79AC4668A7D}"/>
+                  <a16:creationId xmlns:a16="http://schemas.microsoft.com/office/drawing/2014/main" xmlns="" id="{AFAB66F8-ED4A-48EE-85D2-C79AC4668A7D}"/>
                 </a:ext>
               </a:extLst>
             </p:cNvPr>
@@ -37810,7 +41538,7 @@
           <p:cNvPr id="11" name="TextBox 10">
             <a:extLst>
               <a:ext uri="{FF2B5EF4-FFF2-40B4-BE49-F238E27FC236}">
-                <a16:creationId xmlns="" xmlns:a16="http://schemas.microsoft.com/office/drawing/2014/main" id="{AFAB66F8-ED4A-48EE-85D2-C79AC4668A7D}"/>
+                <a16:creationId xmlns:a16="http://schemas.microsoft.com/office/drawing/2014/main" xmlns="" id="{AFAB66F8-ED4A-48EE-85D2-C79AC4668A7D}"/>
               </a:ext>
             </a:extLst>
           </p:cNvPr>
@@ -37874,7 +41602,7 @@
           <p:cNvPr id="12" name="TextBox 11">
             <a:extLst>
               <a:ext uri="{FF2B5EF4-FFF2-40B4-BE49-F238E27FC236}">
-                <a16:creationId xmlns="" xmlns:a16="http://schemas.microsoft.com/office/drawing/2014/main" id="{AFAB66F8-ED4A-48EE-85D2-C79AC4668A7D}"/>
+                <a16:creationId xmlns:a16="http://schemas.microsoft.com/office/drawing/2014/main" xmlns="" id="{AFAB66F8-ED4A-48EE-85D2-C79AC4668A7D}"/>
               </a:ext>
             </a:extLst>
           </p:cNvPr>
@@ -37928,7 +41656,7 @@
           <p:cNvPr id="13" name="TextBox 12">
             <a:extLst>
               <a:ext uri="{FF2B5EF4-FFF2-40B4-BE49-F238E27FC236}">
-                <a16:creationId xmlns="" xmlns:a16="http://schemas.microsoft.com/office/drawing/2014/main" id="{AFAB66F8-ED4A-48EE-85D2-C79AC4668A7D}"/>
+                <a16:creationId xmlns:a16="http://schemas.microsoft.com/office/drawing/2014/main" xmlns="" id="{AFAB66F8-ED4A-48EE-85D2-C79AC4668A7D}"/>
               </a:ext>
             </a:extLst>
           </p:cNvPr>
@@ -37992,7 +41720,7 @@
           <p:cNvPr id="14" name="TextBox 13">
             <a:extLst>
               <a:ext uri="{FF2B5EF4-FFF2-40B4-BE49-F238E27FC236}">
-                <a16:creationId xmlns="" xmlns:a16="http://schemas.microsoft.com/office/drawing/2014/main" id="{AFAB66F8-ED4A-48EE-85D2-C79AC4668A7D}"/>
+                <a16:creationId xmlns:a16="http://schemas.microsoft.com/office/drawing/2014/main" xmlns="" id="{AFAB66F8-ED4A-48EE-85D2-C79AC4668A7D}"/>
               </a:ext>
             </a:extLst>
           </p:cNvPr>
@@ -38056,7 +41784,7 @@
           <p:cNvPr id="15" name="TextBox 14">
             <a:extLst>
               <a:ext uri="{FF2B5EF4-FFF2-40B4-BE49-F238E27FC236}">
-                <a16:creationId xmlns="" xmlns:a16="http://schemas.microsoft.com/office/drawing/2014/main" id="{AFAB66F8-ED4A-48EE-85D2-C79AC4668A7D}"/>
+                <a16:creationId xmlns:a16="http://schemas.microsoft.com/office/drawing/2014/main" xmlns="" id="{AFAB66F8-ED4A-48EE-85D2-C79AC4668A7D}"/>
               </a:ext>
             </a:extLst>
           </p:cNvPr>
@@ -38612,7 +42340,7 @@
           <p:cNvPr id="2" name="Рисунок 2" descr="Изображение выглядит как знак&#10;&#10;Автоматически созданное описание">
             <a:extLst>
               <a:ext uri="{FF2B5EF4-FFF2-40B4-BE49-F238E27FC236}">
-                <a16:creationId xmlns:a16="http://schemas.microsoft.com/office/drawing/2014/main" xmlns="" id="{0E8DF96B-8443-4131-BD5B-83E6EE370AF8}"/>
+                <a16:creationId xmlns="" xmlns:a16="http://schemas.microsoft.com/office/drawing/2014/main" id="{0E8DF96B-8443-4131-BD5B-83E6EE370AF8}"/>
               </a:ext>
             </a:extLst>
           </p:cNvPr>
@@ -39100,7 +42828,7 @@
             <p:cNvPr id="12" name="TextBox 11">
               <a:extLst>
                 <a:ext uri="{FF2B5EF4-FFF2-40B4-BE49-F238E27FC236}">
-                  <a16:creationId xmlns="" xmlns:a16="http://schemas.microsoft.com/office/drawing/2014/main" id="{AFAB66F8-ED4A-48EE-85D2-C79AC4668A7D}"/>
+                  <a16:creationId xmlns:a16="http://schemas.microsoft.com/office/drawing/2014/main" xmlns="" id="{AFAB66F8-ED4A-48EE-85D2-C79AC4668A7D}"/>
                 </a:ext>
               </a:extLst>
             </p:cNvPr>
@@ -39219,7 +42947,7 @@
             <p:cNvPr id="15" name="TextBox 14">
               <a:extLst>
                 <a:ext uri="{FF2B5EF4-FFF2-40B4-BE49-F238E27FC236}">
-                  <a16:creationId xmlns="" xmlns:a16="http://schemas.microsoft.com/office/drawing/2014/main" id="{AFAB66F8-ED4A-48EE-85D2-C79AC4668A7D}"/>
+                  <a16:creationId xmlns:a16="http://schemas.microsoft.com/office/drawing/2014/main" xmlns="" id="{AFAB66F8-ED4A-48EE-85D2-C79AC4668A7D}"/>
                 </a:ext>
               </a:extLst>
             </p:cNvPr>
@@ -39338,7 +43066,7 @@
             <p:cNvPr id="18" name="TextBox 17">
               <a:extLst>
                 <a:ext uri="{FF2B5EF4-FFF2-40B4-BE49-F238E27FC236}">
-                  <a16:creationId xmlns="" xmlns:a16="http://schemas.microsoft.com/office/drawing/2014/main" id="{AFAB66F8-ED4A-48EE-85D2-C79AC4668A7D}"/>
+                  <a16:creationId xmlns:a16="http://schemas.microsoft.com/office/drawing/2014/main" xmlns="" id="{AFAB66F8-ED4A-48EE-85D2-C79AC4668A7D}"/>
                 </a:ext>
               </a:extLst>
             </p:cNvPr>

--- a/Course.pptx
+++ b/Course.pptx
@@ -5,7 +5,7 @@
     <p:sldMasterId id="2147483648" r:id="rId1"/>
   </p:sldMasterIdLst>
   <p:notesMasterIdLst>
-    <p:notesMasterId r:id="rId122"/>
+    <p:notesMasterId r:id="rId130"/>
   </p:notesMasterIdLst>
   <p:sldIdLst>
     <p:sldId id="256" r:id="rId2"/>
@@ -128,6 +128,14 @@
     <p:sldId id="374" r:id="rId119"/>
     <p:sldId id="375" r:id="rId120"/>
     <p:sldId id="376" r:id="rId121"/>
+    <p:sldId id="377" r:id="rId122"/>
+    <p:sldId id="378" r:id="rId123"/>
+    <p:sldId id="379" r:id="rId124"/>
+    <p:sldId id="380" r:id="rId125"/>
+    <p:sldId id="381" r:id="rId126"/>
+    <p:sldId id="382" r:id="rId127"/>
+    <p:sldId id="383" r:id="rId128"/>
+    <p:sldId id="384" r:id="rId129"/>
   </p:sldIdLst>
   <p:sldSz cx="12192000" cy="6858000"/>
   <p:notesSz cx="6858000" cy="9144000"/>
@@ -1152,7 +1160,7 @@
           <a:p>
             <a:fld id="{2EE8E8F7-1DBA-4282-96A9-47FA334D89F2}" type="datetimeFigureOut">
               <a:rPr lang="ru-RU" smtClean="0"/>
-              <a:t>20.07.2020</a:t>
+              <a:t>21.07.2020</a:t>
             </a:fld>
             <a:endParaRPr lang="ru-RU"/>
           </a:p>
@@ -13520,15 +13528,6 @@
               </a:rPr>
               <a:t>Достаточно популярным методом в JavaScript для отличия одного объекта от другого является проверка на существования некоторого свойства*</a:t>
             </a:r>
-            <a:endParaRPr lang="ru-RU" sz="1200" b="0" i="0" kern="1200" dirty="0" smtClean="0">
-              <a:solidFill>
-                <a:schemeClr val="tx1"/>
-              </a:solidFill>
-              <a:effectLst/>
-              <a:latin typeface="+mn-lt"/>
-              <a:ea typeface="+mn-ea"/>
-              <a:cs typeface="+mn-cs"/>
-            </a:endParaRPr>
           </a:p>
         </p:txBody>
       </p:sp>
@@ -13893,15 +13892,6 @@
               </a:rPr>
               <a:t>Где как false ветвь будет приравнивать к типу, где свойство опционально либо отсутствует вовсе.</a:t>
             </a:r>
-            <a:endParaRPr lang="ru-RU" sz="1200" b="0" i="0" kern="1200" dirty="0" smtClean="0">
-              <a:solidFill>
-                <a:schemeClr val="tx1"/>
-              </a:solidFill>
-              <a:effectLst/>
-              <a:latin typeface="+mn-lt"/>
-              <a:ea typeface="+mn-ea"/>
-              <a:cs typeface="+mn-cs"/>
-            </a:endParaRPr>
           </a:p>
         </p:txBody>
       </p:sp>
@@ -15034,15 +15024,6 @@
               </a:rPr>
               <a:t>Исправить данное недоразумение поможет флаг –strictNullChecks*</a:t>
             </a:r>
-            <a:endParaRPr lang="ru-RU" sz="1200" b="0" i="0" kern="1200" dirty="0" smtClean="0">
-              <a:solidFill>
-                <a:schemeClr val="tx1"/>
-              </a:solidFill>
-              <a:effectLst/>
-              <a:latin typeface="+mn-lt"/>
-              <a:ea typeface="+mn-ea"/>
-              <a:cs typeface="+mn-cs"/>
-            </a:endParaRPr>
           </a:p>
         </p:txBody>
       </p:sp>
@@ -15957,6 +15938,2115 @@
 </p:notes>
 </file>
 
+<file path=ppt/notesSlides/notesSlide61.xml><?xml version="1.0" encoding="utf-8"?>
+<p:notes xmlns:a="http://schemas.openxmlformats.org/drawingml/2006/main" xmlns:r="http://schemas.openxmlformats.org/officeDocument/2006/relationships" xmlns:p="http://schemas.openxmlformats.org/presentationml/2006/main">
+  <p:cSld>
+    <p:spTree>
+      <p:nvGrpSpPr>
+        <p:cNvPr id="1" name=""/>
+        <p:cNvGrpSpPr/>
+        <p:nvPr/>
+      </p:nvGrpSpPr>
+      <p:grpSpPr>
+        <a:xfrm>
+          <a:off x="0" y="0"/>
+          <a:ext cx="0" cy="0"/>
+          <a:chOff x="0" y="0"/>
+          <a:chExt cx="0" cy="0"/>
+        </a:xfrm>
+      </p:grpSpPr>
+      <p:sp>
+        <p:nvSpPr>
+          <p:cNvPr id="2" name="Образ слайда 1"/>
+          <p:cNvSpPr>
+            <a:spLocks noGrp="1" noRot="1" noChangeAspect="1"/>
+          </p:cNvSpPr>
+          <p:nvPr>
+            <p:ph type="sldImg"/>
+          </p:nvPr>
+        </p:nvSpPr>
+        <p:spPr/>
+      </p:sp>
+      <p:sp>
+        <p:nvSpPr>
+          <p:cNvPr id="3" name="Заметки 2"/>
+          <p:cNvSpPr>
+            <a:spLocks noGrp="1"/>
+          </p:cNvSpPr>
+          <p:nvPr>
+            <p:ph type="body" idx="1"/>
+          </p:nvPr>
+        </p:nvSpPr>
+        <p:spPr/>
+        <p:txBody>
+          <a:bodyPr/>
+          <a:lstStyle/>
+          <a:p>
+            <a:pPr rtl="0" fontAlgn="base"/>
+            <a:r>
+              <a:rPr lang="ru-RU" sz="1200" b="0" i="0" kern="1200" dirty="0" smtClean="0">
+                <a:solidFill>
+                  <a:schemeClr val="tx1"/>
+                </a:solidFill>
+                <a:effectLst/>
+                <a:latin typeface="+mn-lt"/>
+                <a:ea typeface="+mn-ea"/>
+                <a:cs typeface="+mn-cs"/>
+              </a:rPr>
+              <a:t>Урок 13</a:t>
+            </a:r>
+          </a:p>
+          <a:p>
+            <a:pPr rtl="0" fontAlgn="base"/>
+            <a:endParaRPr lang="ru-RU" sz="1200" b="0" i="0" kern="1200" dirty="0" smtClean="0">
+              <a:solidFill>
+                <a:schemeClr val="tx1"/>
+              </a:solidFill>
+              <a:effectLst/>
+              <a:latin typeface="+mn-lt"/>
+              <a:ea typeface="+mn-ea"/>
+              <a:cs typeface="+mn-cs"/>
+            </a:endParaRPr>
+          </a:p>
+          <a:p>
+            <a:pPr rtl="0" fontAlgn="base"/>
+            <a:r>
+              <a:rPr lang="ru-RU" sz="1200" b="0" i="0" kern="1200" dirty="0" smtClean="0">
+                <a:solidFill>
+                  <a:schemeClr val="tx1"/>
+                </a:solidFill>
+                <a:effectLst/>
+                <a:latin typeface="+mn-lt"/>
+                <a:ea typeface="+mn-ea"/>
+                <a:cs typeface="+mn-cs"/>
+              </a:rPr>
+              <a:t>Ровно как интерфейсы, </a:t>
+            </a:r>
+            <a:r>
+              <a:rPr lang="ru-RU" sz="1200" b="0" i="0" kern="1200" dirty="0" err="1" smtClean="0">
+                <a:solidFill>
+                  <a:schemeClr val="tx1"/>
+                </a:solidFill>
+                <a:effectLst/>
+                <a:latin typeface="+mn-lt"/>
+                <a:ea typeface="+mn-ea"/>
+                <a:cs typeface="+mn-cs"/>
+              </a:rPr>
+              <a:t>алиасы</a:t>
+            </a:r>
+            <a:r>
+              <a:rPr lang="ru-RU" sz="1200" b="0" i="0" kern="1200" dirty="0" smtClean="0">
+                <a:solidFill>
+                  <a:schemeClr val="tx1"/>
+                </a:solidFill>
+                <a:effectLst/>
+                <a:latin typeface="+mn-lt"/>
+                <a:ea typeface="+mn-ea"/>
+                <a:cs typeface="+mn-cs"/>
+              </a:rPr>
+              <a:t> могут использовать </a:t>
+            </a:r>
+            <a:r>
+              <a:rPr lang="ru-RU" sz="1200" b="0" i="0" kern="1200" dirty="0" err="1" smtClean="0">
+                <a:solidFill>
+                  <a:schemeClr val="tx1"/>
+                </a:solidFill>
+                <a:effectLst/>
+                <a:latin typeface="+mn-lt"/>
+                <a:ea typeface="+mn-ea"/>
+                <a:cs typeface="+mn-cs"/>
+              </a:rPr>
+              <a:t>generic</a:t>
+            </a:r>
+            <a:r>
+              <a:rPr lang="en-US" sz="1200" b="0" i="0" kern="1200" dirty="0" smtClean="0">
+                <a:solidFill>
+                  <a:schemeClr val="tx1"/>
+                </a:solidFill>
+                <a:effectLst/>
+                <a:latin typeface="+mn-lt"/>
+                <a:ea typeface="+mn-ea"/>
+                <a:cs typeface="+mn-cs"/>
+              </a:rPr>
+              <a:t>*</a:t>
+            </a:r>
+          </a:p>
+          <a:p>
+            <a:pPr rtl="0" fontAlgn="base"/>
+            <a:endParaRPr lang="ru-RU" sz="1200" b="0" i="0" kern="1200" dirty="0" smtClean="0">
+              <a:solidFill>
+                <a:schemeClr val="tx1"/>
+              </a:solidFill>
+              <a:effectLst/>
+              <a:latin typeface="+mn-lt"/>
+              <a:ea typeface="+mn-ea"/>
+              <a:cs typeface="+mn-cs"/>
+            </a:endParaRPr>
+          </a:p>
+        </p:txBody>
+      </p:sp>
+      <p:sp>
+        <p:nvSpPr>
+          <p:cNvPr id="4" name="Номер слайда 3"/>
+          <p:cNvSpPr>
+            <a:spLocks noGrp="1"/>
+          </p:cNvSpPr>
+          <p:nvPr>
+            <p:ph type="sldNum" sz="quarter" idx="10"/>
+          </p:nvPr>
+        </p:nvSpPr>
+        <p:spPr/>
+        <p:txBody>
+          <a:bodyPr/>
+          <a:lstStyle/>
+          <a:p>
+            <a:pPr marL="0" marR="0" lvl="0" indent="0" algn="r" defTabSz="914400" rtl="0" eaLnBrk="1" fontAlgn="auto" latinLnBrk="0" hangingPunct="1">
+              <a:lnSpc>
+                <a:spcPct val="100000"/>
+              </a:lnSpc>
+              <a:spcBef>
+                <a:spcPts val="0"/>
+              </a:spcBef>
+              <a:spcAft>
+                <a:spcPts val="0"/>
+              </a:spcAft>
+              <a:buClrTx/>
+              <a:buSzTx/>
+              <a:buFontTx/>
+              <a:buNone/>
+              <a:tabLst/>
+              <a:defRPr/>
+            </a:pPr>
+            <a:fld id="{622F1C9E-D65E-417E-9FEF-9AD7ACC20294}" type="slidenum">
+              <a:rPr kumimoji="0" lang="ru-RU" sz="1200" b="0" i="0" u="none" strike="noStrike" kern="1200" cap="none" spc="0" normalizeH="0" baseline="0" noProof="0" smtClean="0">
+                <a:ln>
+                  <a:noFill/>
+                </a:ln>
+                <a:solidFill>
+                  <a:prstClr val="black"/>
+                </a:solidFill>
+                <a:effectLst/>
+                <a:uLnTx/>
+                <a:uFillTx/>
+                <a:latin typeface="Calibri" panose="020F0502020204030204"/>
+                <a:ea typeface="+mn-ea"/>
+                <a:cs typeface="+mn-cs"/>
+              </a:rPr>
+              <a:pPr marL="0" marR="0" lvl="0" indent="0" algn="r" defTabSz="914400" rtl="0" eaLnBrk="1" fontAlgn="auto" latinLnBrk="0" hangingPunct="1">
+                <a:lnSpc>
+                  <a:spcPct val="100000"/>
+                </a:lnSpc>
+                <a:spcBef>
+                  <a:spcPts val="0"/>
+                </a:spcBef>
+                <a:spcAft>
+                  <a:spcPts val="0"/>
+                </a:spcAft>
+                <a:buClrTx/>
+                <a:buSzTx/>
+                <a:buFontTx/>
+                <a:buNone/>
+                <a:tabLst/>
+                <a:defRPr/>
+              </a:pPr>
+              <a:t>121</a:t>
+            </a:fld>
+            <a:endParaRPr kumimoji="0" lang="ru-RU" sz="1200" b="0" i="0" u="none" strike="noStrike" kern="1200" cap="none" spc="0" normalizeH="0" baseline="0" noProof="0">
+              <a:ln>
+                <a:noFill/>
+              </a:ln>
+              <a:solidFill>
+                <a:prstClr val="black"/>
+              </a:solidFill>
+              <a:effectLst/>
+              <a:uLnTx/>
+              <a:uFillTx/>
+              <a:latin typeface="Calibri" panose="020F0502020204030204"/>
+              <a:ea typeface="+mn-ea"/>
+              <a:cs typeface="+mn-cs"/>
+            </a:endParaRPr>
+          </a:p>
+        </p:txBody>
+      </p:sp>
+    </p:spTree>
+    <p:extLst>
+      <p:ext uri="{BB962C8B-B14F-4D97-AF65-F5344CB8AC3E}">
+        <p14:creationId xmlns:p14="http://schemas.microsoft.com/office/powerpoint/2010/main" val="3232133591"/>
+      </p:ext>
+    </p:extLst>
+  </p:cSld>
+  <p:clrMapOvr>
+    <a:masterClrMapping/>
+  </p:clrMapOvr>
+</p:notes>
+</file>
+
+<file path=ppt/notesSlides/notesSlide62.xml><?xml version="1.0" encoding="utf-8"?>
+<p:notes xmlns:a="http://schemas.openxmlformats.org/drawingml/2006/main" xmlns:r="http://schemas.openxmlformats.org/officeDocument/2006/relationships" xmlns:p="http://schemas.openxmlformats.org/presentationml/2006/main">
+  <p:cSld>
+    <p:spTree>
+      <p:nvGrpSpPr>
+        <p:cNvPr id="1" name=""/>
+        <p:cNvGrpSpPr/>
+        <p:nvPr/>
+      </p:nvGrpSpPr>
+      <p:grpSpPr>
+        <a:xfrm>
+          <a:off x="0" y="0"/>
+          <a:ext cx="0" cy="0"/>
+          <a:chOff x="0" y="0"/>
+          <a:chExt cx="0" cy="0"/>
+        </a:xfrm>
+      </p:grpSpPr>
+      <p:sp>
+        <p:nvSpPr>
+          <p:cNvPr id="2" name="Образ слайда 1"/>
+          <p:cNvSpPr>
+            <a:spLocks noGrp="1" noRot="1" noChangeAspect="1"/>
+          </p:cNvSpPr>
+          <p:nvPr>
+            <p:ph type="sldImg"/>
+          </p:nvPr>
+        </p:nvSpPr>
+        <p:spPr/>
+      </p:sp>
+      <p:sp>
+        <p:nvSpPr>
+          <p:cNvPr id="3" name="Заметки 2"/>
+          <p:cNvSpPr>
+            <a:spLocks noGrp="1"/>
+          </p:cNvSpPr>
+          <p:nvPr>
+            <p:ph type="body" idx="1"/>
+          </p:nvPr>
+        </p:nvSpPr>
+        <p:spPr/>
+        <p:txBody>
+          <a:bodyPr/>
+          <a:lstStyle/>
+          <a:p>
+            <a:pPr rtl="0" fontAlgn="base"/>
+            <a:r>
+              <a:rPr lang="ru-RU" sz="1200" b="0" i="0" kern="1200" dirty="0" smtClean="0">
+                <a:solidFill>
+                  <a:schemeClr val="tx1"/>
+                </a:solidFill>
+                <a:effectLst/>
+                <a:latin typeface="+mn-lt"/>
+                <a:ea typeface="+mn-ea"/>
+                <a:cs typeface="+mn-cs"/>
+              </a:rPr>
+              <a:t>Как и говорилось ранее, </a:t>
+            </a:r>
+            <a:r>
+              <a:rPr lang="ru-RU" sz="1200" b="0" i="0" kern="1200" dirty="0" err="1" smtClean="0">
+                <a:solidFill>
+                  <a:schemeClr val="tx1"/>
+                </a:solidFill>
+                <a:effectLst/>
+                <a:latin typeface="+mn-lt"/>
+                <a:ea typeface="+mn-ea"/>
+                <a:cs typeface="+mn-cs"/>
+              </a:rPr>
+              <a:t>алиасы</a:t>
+            </a:r>
+            <a:r>
+              <a:rPr lang="ru-RU" sz="1200" b="0" i="0" kern="1200" dirty="0" smtClean="0">
+                <a:solidFill>
+                  <a:schemeClr val="tx1"/>
+                </a:solidFill>
+                <a:effectLst/>
+                <a:latin typeface="+mn-lt"/>
+                <a:ea typeface="+mn-ea"/>
+                <a:cs typeface="+mn-cs"/>
+              </a:rPr>
+              <a:t> могут вести себя похожим на интерфейсы образом, однако, все же есть несколько важных отличий. </a:t>
+            </a:r>
+          </a:p>
+          <a:p>
+            <a:pPr rtl="0" fontAlgn="base"/>
+            <a:endParaRPr lang="en-US" sz="1200" b="0" i="0" kern="1200" dirty="0" smtClean="0">
+              <a:solidFill>
+                <a:schemeClr val="tx1"/>
+              </a:solidFill>
+              <a:effectLst/>
+              <a:latin typeface="+mn-lt"/>
+              <a:ea typeface="+mn-ea"/>
+              <a:cs typeface="+mn-cs"/>
+            </a:endParaRPr>
+          </a:p>
+          <a:p>
+            <a:pPr rtl="0" fontAlgn="base"/>
+            <a:r>
+              <a:rPr lang="ru-RU" sz="1200" b="0" i="0" kern="1200" dirty="0" smtClean="0">
+                <a:solidFill>
+                  <a:schemeClr val="tx1"/>
+                </a:solidFill>
+                <a:effectLst/>
+                <a:latin typeface="+mn-lt"/>
+                <a:ea typeface="+mn-ea"/>
+                <a:cs typeface="+mn-cs"/>
+              </a:rPr>
+              <a:t>Первое отличие заключается в том, что </a:t>
+            </a:r>
+            <a:r>
+              <a:rPr lang="ru-RU" sz="1200" b="0" i="0" kern="1200" dirty="0" err="1" smtClean="0">
+                <a:solidFill>
+                  <a:schemeClr val="tx1"/>
+                </a:solidFill>
+                <a:effectLst/>
+                <a:latin typeface="+mn-lt"/>
+                <a:ea typeface="+mn-ea"/>
+                <a:cs typeface="+mn-cs"/>
+              </a:rPr>
+              <a:t>алиасы</a:t>
+            </a:r>
+            <a:r>
+              <a:rPr lang="ru-RU" sz="1200" b="0" i="0" kern="1200" dirty="0" smtClean="0">
+                <a:solidFill>
+                  <a:schemeClr val="tx1"/>
+                </a:solidFill>
+                <a:effectLst/>
+                <a:latin typeface="+mn-lt"/>
+                <a:ea typeface="+mn-ea"/>
+                <a:cs typeface="+mn-cs"/>
+              </a:rPr>
+              <a:t> могут принимать значения примитивных типов и литералов, в частности. </a:t>
+            </a:r>
+          </a:p>
+          <a:p>
+            <a:pPr rtl="0" fontAlgn="base"/>
+            <a:endParaRPr lang="en-US" sz="1200" b="0" i="0" kern="1200" dirty="0" smtClean="0">
+              <a:solidFill>
+                <a:schemeClr val="tx1"/>
+              </a:solidFill>
+              <a:effectLst/>
+              <a:latin typeface="+mn-lt"/>
+              <a:ea typeface="+mn-ea"/>
+              <a:cs typeface="+mn-cs"/>
+            </a:endParaRPr>
+          </a:p>
+          <a:p>
+            <a:pPr rtl="0" fontAlgn="base"/>
+            <a:r>
+              <a:rPr lang="ru-RU" sz="1200" b="0" i="0" kern="1200" dirty="0" smtClean="0">
+                <a:solidFill>
+                  <a:schemeClr val="tx1"/>
+                </a:solidFill>
+                <a:effectLst/>
+                <a:latin typeface="+mn-lt"/>
+                <a:ea typeface="+mn-ea"/>
+                <a:cs typeface="+mn-cs"/>
+              </a:rPr>
+              <a:t>Второе отличается в невозможности использования </a:t>
+            </a:r>
+            <a:r>
+              <a:rPr lang="ru-RU" sz="1200" b="0" i="0" kern="1200" dirty="0" err="1" smtClean="0">
+                <a:solidFill>
+                  <a:schemeClr val="tx1"/>
+                </a:solidFill>
+                <a:effectLst/>
+                <a:latin typeface="+mn-lt"/>
+                <a:ea typeface="+mn-ea"/>
+                <a:cs typeface="+mn-cs"/>
+              </a:rPr>
+              <a:t>union</a:t>
+            </a:r>
+            <a:r>
+              <a:rPr lang="ru-RU" sz="1200" b="0" i="0" kern="1200" dirty="0" smtClean="0">
+                <a:solidFill>
+                  <a:schemeClr val="tx1"/>
+                </a:solidFill>
+                <a:effectLst/>
+                <a:latin typeface="+mn-lt"/>
+                <a:ea typeface="+mn-ea"/>
+                <a:cs typeface="+mn-cs"/>
+              </a:rPr>
+              <a:t> и </a:t>
+            </a:r>
+            <a:r>
+              <a:rPr lang="ru-RU" sz="1200" b="0" i="0" kern="1200" dirty="0" err="1" smtClean="0">
+                <a:solidFill>
+                  <a:schemeClr val="tx1"/>
+                </a:solidFill>
+                <a:effectLst/>
+                <a:latin typeface="+mn-lt"/>
+                <a:ea typeface="+mn-ea"/>
+                <a:cs typeface="+mn-cs"/>
+              </a:rPr>
+              <a:t>intersection</a:t>
+            </a:r>
+            <a:r>
+              <a:rPr lang="ru-RU" sz="1200" b="0" i="0" kern="1200" dirty="0" smtClean="0">
+                <a:solidFill>
+                  <a:schemeClr val="tx1"/>
+                </a:solidFill>
+                <a:effectLst/>
+                <a:latin typeface="+mn-lt"/>
+                <a:ea typeface="+mn-ea"/>
+                <a:cs typeface="+mn-cs"/>
+              </a:rPr>
+              <a:t> агрегаций в интерфейсе. </a:t>
+            </a:r>
+          </a:p>
+          <a:p>
+            <a:pPr rtl="0" fontAlgn="base"/>
+            <a:endParaRPr lang="en-US" sz="1200" b="0" i="0" kern="1200" dirty="0" smtClean="0">
+              <a:solidFill>
+                <a:schemeClr val="tx1"/>
+              </a:solidFill>
+              <a:effectLst/>
+              <a:latin typeface="+mn-lt"/>
+              <a:ea typeface="+mn-ea"/>
+              <a:cs typeface="+mn-cs"/>
+            </a:endParaRPr>
+          </a:p>
+          <a:p>
+            <a:pPr rtl="0" fontAlgn="base"/>
+            <a:r>
+              <a:rPr lang="ru-RU" sz="1200" b="0" i="0" kern="1200" dirty="0" smtClean="0">
+                <a:solidFill>
+                  <a:schemeClr val="tx1"/>
+                </a:solidFill>
+                <a:effectLst/>
+                <a:latin typeface="+mn-lt"/>
+                <a:ea typeface="+mn-ea"/>
+                <a:cs typeface="+mn-cs"/>
+              </a:rPr>
+              <a:t>Есть также и другое отличие, о котором речь пойдет позднее. </a:t>
+            </a:r>
+          </a:p>
+          <a:p>
+            <a:pPr rtl="0" fontAlgn="base"/>
+            <a:endParaRPr lang="ru-RU" sz="1200" b="0" i="0" kern="1200" dirty="0" smtClean="0">
+              <a:solidFill>
+                <a:schemeClr val="tx1"/>
+              </a:solidFill>
+              <a:effectLst/>
+              <a:latin typeface="+mn-lt"/>
+              <a:ea typeface="+mn-ea"/>
+              <a:cs typeface="+mn-cs"/>
+            </a:endParaRPr>
+          </a:p>
+        </p:txBody>
+      </p:sp>
+      <p:sp>
+        <p:nvSpPr>
+          <p:cNvPr id="4" name="Номер слайда 3"/>
+          <p:cNvSpPr>
+            <a:spLocks noGrp="1"/>
+          </p:cNvSpPr>
+          <p:nvPr>
+            <p:ph type="sldNum" sz="quarter" idx="10"/>
+          </p:nvPr>
+        </p:nvSpPr>
+        <p:spPr/>
+        <p:txBody>
+          <a:bodyPr/>
+          <a:lstStyle/>
+          <a:p>
+            <a:pPr marL="0" marR="0" lvl="0" indent="0" algn="r" defTabSz="914400" rtl="0" eaLnBrk="1" fontAlgn="auto" latinLnBrk="0" hangingPunct="1">
+              <a:lnSpc>
+                <a:spcPct val="100000"/>
+              </a:lnSpc>
+              <a:spcBef>
+                <a:spcPts val="0"/>
+              </a:spcBef>
+              <a:spcAft>
+                <a:spcPts val="0"/>
+              </a:spcAft>
+              <a:buClrTx/>
+              <a:buSzTx/>
+              <a:buFontTx/>
+              <a:buNone/>
+              <a:tabLst/>
+              <a:defRPr/>
+            </a:pPr>
+            <a:fld id="{622F1C9E-D65E-417E-9FEF-9AD7ACC20294}" type="slidenum">
+              <a:rPr kumimoji="0" lang="ru-RU" sz="1200" b="0" i="0" u="none" strike="noStrike" kern="1200" cap="none" spc="0" normalizeH="0" baseline="0" noProof="0" smtClean="0">
+                <a:ln>
+                  <a:noFill/>
+                </a:ln>
+                <a:solidFill>
+                  <a:prstClr val="black"/>
+                </a:solidFill>
+                <a:effectLst/>
+                <a:uLnTx/>
+                <a:uFillTx/>
+                <a:latin typeface="Calibri" panose="020F0502020204030204"/>
+                <a:ea typeface="+mn-ea"/>
+                <a:cs typeface="+mn-cs"/>
+              </a:rPr>
+              <a:pPr marL="0" marR="0" lvl="0" indent="0" algn="r" defTabSz="914400" rtl="0" eaLnBrk="1" fontAlgn="auto" latinLnBrk="0" hangingPunct="1">
+                <a:lnSpc>
+                  <a:spcPct val="100000"/>
+                </a:lnSpc>
+                <a:spcBef>
+                  <a:spcPts val="0"/>
+                </a:spcBef>
+                <a:spcAft>
+                  <a:spcPts val="0"/>
+                </a:spcAft>
+                <a:buClrTx/>
+                <a:buSzTx/>
+                <a:buFontTx/>
+                <a:buNone/>
+                <a:tabLst/>
+                <a:defRPr/>
+              </a:pPr>
+              <a:t>122</a:t>
+            </a:fld>
+            <a:endParaRPr kumimoji="0" lang="ru-RU" sz="1200" b="0" i="0" u="none" strike="noStrike" kern="1200" cap="none" spc="0" normalizeH="0" baseline="0" noProof="0">
+              <a:ln>
+                <a:noFill/>
+              </a:ln>
+              <a:solidFill>
+                <a:prstClr val="black"/>
+              </a:solidFill>
+              <a:effectLst/>
+              <a:uLnTx/>
+              <a:uFillTx/>
+              <a:latin typeface="Calibri" panose="020F0502020204030204"/>
+              <a:ea typeface="+mn-ea"/>
+              <a:cs typeface="+mn-cs"/>
+            </a:endParaRPr>
+          </a:p>
+        </p:txBody>
+      </p:sp>
+    </p:spTree>
+    <p:extLst>
+      <p:ext uri="{BB962C8B-B14F-4D97-AF65-F5344CB8AC3E}">
+        <p14:creationId xmlns:p14="http://schemas.microsoft.com/office/powerpoint/2010/main" val="2410553679"/>
+      </p:ext>
+    </p:extLst>
+  </p:cSld>
+  <p:clrMapOvr>
+    <a:masterClrMapping/>
+  </p:clrMapOvr>
+</p:notes>
+</file>
+
+<file path=ppt/notesSlides/notesSlide63.xml><?xml version="1.0" encoding="utf-8"?>
+<p:notes xmlns:a="http://schemas.openxmlformats.org/drawingml/2006/main" xmlns:r="http://schemas.openxmlformats.org/officeDocument/2006/relationships" xmlns:p="http://schemas.openxmlformats.org/presentationml/2006/main">
+  <p:cSld>
+    <p:spTree>
+      <p:nvGrpSpPr>
+        <p:cNvPr id="1" name=""/>
+        <p:cNvGrpSpPr/>
+        <p:nvPr/>
+      </p:nvGrpSpPr>
+      <p:grpSpPr>
+        <a:xfrm>
+          <a:off x="0" y="0"/>
+          <a:ext cx="0" cy="0"/>
+          <a:chOff x="0" y="0"/>
+          <a:chExt cx="0" cy="0"/>
+        </a:xfrm>
+      </p:grpSpPr>
+      <p:sp>
+        <p:nvSpPr>
+          <p:cNvPr id="2" name="Образ слайда 1"/>
+          <p:cNvSpPr>
+            <a:spLocks noGrp="1" noRot="1" noChangeAspect="1"/>
+          </p:cNvSpPr>
+          <p:nvPr>
+            <p:ph type="sldImg"/>
+          </p:nvPr>
+        </p:nvSpPr>
+        <p:spPr/>
+      </p:sp>
+      <p:sp>
+        <p:nvSpPr>
+          <p:cNvPr id="3" name="Заметки 2"/>
+          <p:cNvSpPr>
+            <a:spLocks noGrp="1"/>
+          </p:cNvSpPr>
+          <p:nvPr>
+            <p:ph type="body" idx="1"/>
+          </p:nvPr>
+        </p:nvSpPr>
+        <p:spPr/>
+        <p:txBody>
+          <a:bodyPr/>
+          <a:lstStyle/>
+          <a:p>
+            <a:pPr rtl="0" fontAlgn="base"/>
+            <a:r>
+              <a:rPr lang="ru-RU" sz="1200" b="0" i="0" kern="1200" dirty="0" smtClean="0">
+                <a:solidFill>
+                  <a:schemeClr val="tx1"/>
+                </a:solidFill>
+                <a:effectLst/>
+                <a:latin typeface="+mn-lt"/>
+                <a:ea typeface="+mn-ea"/>
+                <a:cs typeface="+mn-cs"/>
+              </a:rPr>
+              <a:t>В прошлых уроках мы также говорили о технике различения или сужения </a:t>
+            </a:r>
+            <a:r>
+              <a:rPr lang="ru-RU" sz="1200" b="0" i="0" kern="1200" dirty="0" err="1" smtClean="0">
+                <a:solidFill>
+                  <a:schemeClr val="tx1"/>
+                </a:solidFill>
+                <a:effectLst/>
+                <a:latin typeface="+mn-lt"/>
+                <a:ea typeface="+mn-ea"/>
+                <a:cs typeface="+mn-cs"/>
+              </a:rPr>
+              <a:t>union</a:t>
+            </a:r>
+            <a:r>
+              <a:rPr lang="ru-RU" sz="1200" b="0" i="0" kern="1200" dirty="0" smtClean="0">
+                <a:solidFill>
+                  <a:schemeClr val="tx1"/>
+                </a:solidFill>
+                <a:effectLst/>
+                <a:latin typeface="+mn-lt"/>
+                <a:ea typeface="+mn-ea"/>
+                <a:cs typeface="+mn-cs"/>
+              </a:rPr>
+              <a:t> типов с помощью так называемых дискриминантов - значений, пересечение которых дает </a:t>
+            </a:r>
+            <a:r>
+              <a:rPr lang="ru-RU" sz="1200" b="0" i="0" kern="1200" dirty="0" err="1" smtClean="0">
+                <a:solidFill>
+                  <a:schemeClr val="tx1"/>
+                </a:solidFill>
+                <a:effectLst/>
+                <a:latin typeface="+mn-lt"/>
+                <a:ea typeface="+mn-ea"/>
+                <a:cs typeface="+mn-cs"/>
+              </a:rPr>
+              <a:t>never</a:t>
+            </a:r>
+            <a:r>
+              <a:rPr lang="ru-RU" sz="1200" b="0" i="0" kern="1200" dirty="0" smtClean="0">
+                <a:solidFill>
+                  <a:schemeClr val="tx1"/>
+                </a:solidFill>
+                <a:effectLst/>
+                <a:latin typeface="+mn-lt"/>
+                <a:ea typeface="+mn-ea"/>
+                <a:cs typeface="+mn-cs"/>
+              </a:rPr>
+              <a:t> тип. </a:t>
+            </a:r>
+            <a:r>
+              <a:rPr lang="en-US" sz="1200" b="0" i="0" kern="1200" dirty="0" smtClean="0">
+                <a:solidFill>
+                  <a:schemeClr val="tx1"/>
+                </a:solidFill>
+                <a:effectLst/>
+                <a:latin typeface="+mn-lt"/>
+                <a:ea typeface="+mn-ea"/>
+                <a:cs typeface="+mn-cs"/>
+              </a:rPr>
+              <a:t>*</a:t>
+            </a:r>
+            <a:endParaRPr lang="ru-RU" sz="1200" b="0" i="0" kern="1200" dirty="0" smtClean="0">
+              <a:solidFill>
+                <a:schemeClr val="tx1"/>
+              </a:solidFill>
+              <a:effectLst/>
+              <a:latin typeface="+mn-lt"/>
+              <a:ea typeface="+mn-ea"/>
+              <a:cs typeface="+mn-cs"/>
+            </a:endParaRPr>
+          </a:p>
+        </p:txBody>
+      </p:sp>
+      <p:sp>
+        <p:nvSpPr>
+          <p:cNvPr id="4" name="Номер слайда 3"/>
+          <p:cNvSpPr>
+            <a:spLocks noGrp="1"/>
+          </p:cNvSpPr>
+          <p:nvPr>
+            <p:ph type="sldNum" sz="quarter" idx="10"/>
+          </p:nvPr>
+        </p:nvSpPr>
+        <p:spPr/>
+        <p:txBody>
+          <a:bodyPr/>
+          <a:lstStyle/>
+          <a:p>
+            <a:pPr marL="0" marR="0" lvl="0" indent="0" algn="r" defTabSz="914400" rtl="0" eaLnBrk="1" fontAlgn="auto" latinLnBrk="0" hangingPunct="1">
+              <a:lnSpc>
+                <a:spcPct val="100000"/>
+              </a:lnSpc>
+              <a:spcBef>
+                <a:spcPts val="0"/>
+              </a:spcBef>
+              <a:spcAft>
+                <a:spcPts val="0"/>
+              </a:spcAft>
+              <a:buClrTx/>
+              <a:buSzTx/>
+              <a:buFontTx/>
+              <a:buNone/>
+              <a:tabLst/>
+              <a:defRPr/>
+            </a:pPr>
+            <a:fld id="{622F1C9E-D65E-417E-9FEF-9AD7ACC20294}" type="slidenum">
+              <a:rPr kumimoji="0" lang="ru-RU" sz="1200" b="0" i="0" u="none" strike="noStrike" kern="1200" cap="none" spc="0" normalizeH="0" baseline="0" noProof="0" smtClean="0">
+                <a:ln>
+                  <a:noFill/>
+                </a:ln>
+                <a:solidFill>
+                  <a:prstClr val="black"/>
+                </a:solidFill>
+                <a:effectLst/>
+                <a:uLnTx/>
+                <a:uFillTx/>
+                <a:latin typeface="Calibri" panose="020F0502020204030204"/>
+                <a:ea typeface="+mn-ea"/>
+                <a:cs typeface="+mn-cs"/>
+              </a:rPr>
+              <a:pPr marL="0" marR="0" lvl="0" indent="0" algn="r" defTabSz="914400" rtl="0" eaLnBrk="1" fontAlgn="auto" latinLnBrk="0" hangingPunct="1">
+                <a:lnSpc>
+                  <a:spcPct val="100000"/>
+                </a:lnSpc>
+                <a:spcBef>
+                  <a:spcPts val="0"/>
+                </a:spcBef>
+                <a:spcAft>
+                  <a:spcPts val="0"/>
+                </a:spcAft>
+                <a:buClrTx/>
+                <a:buSzTx/>
+                <a:buFontTx/>
+                <a:buNone/>
+                <a:tabLst/>
+                <a:defRPr/>
+              </a:pPr>
+              <a:t>123</a:t>
+            </a:fld>
+            <a:endParaRPr kumimoji="0" lang="ru-RU" sz="1200" b="0" i="0" u="none" strike="noStrike" kern="1200" cap="none" spc="0" normalizeH="0" baseline="0" noProof="0">
+              <a:ln>
+                <a:noFill/>
+              </a:ln>
+              <a:solidFill>
+                <a:prstClr val="black"/>
+              </a:solidFill>
+              <a:effectLst/>
+              <a:uLnTx/>
+              <a:uFillTx/>
+              <a:latin typeface="Calibri" panose="020F0502020204030204"/>
+              <a:ea typeface="+mn-ea"/>
+              <a:cs typeface="+mn-cs"/>
+            </a:endParaRPr>
+          </a:p>
+        </p:txBody>
+      </p:sp>
+    </p:spTree>
+    <p:extLst>
+      <p:ext uri="{BB962C8B-B14F-4D97-AF65-F5344CB8AC3E}">
+        <p14:creationId xmlns:p14="http://schemas.microsoft.com/office/powerpoint/2010/main" val="2543818095"/>
+      </p:ext>
+    </p:extLst>
+  </p:cSld>
+  <p:clrMapOvr>
+    <a:masterClrMapping/>
+  </p:clrMapOvr>
+</p:notes>
+</file>
+
+<file path=ppt/notesSlides/notesSlide64.xml><?xml version="1.0" encoding="utf-8"?>
+<p:notes xmlns:a="http://schemas.openxmlformats.org/drawingml/2006/main" xmlns:r="http://schemas.openxmlformats.org/officeDocument/2006/relationships" xmlns:p="http://schemas.openxmlformats.org/presentationml/2006/main">
+  <p:cSld>
+    <p:spTree>
+      <p:nvGrpSpPr>
+        <p:cNvPr id="1" name=""/>
+        <p:cNvGrpSpPr/>
+        <p:nvPr/>
+      </p:nvGrpSpPr>
+      <p:grpSpPr>
+        <a:xfrm>
+          <a:off x="0" y="0"/>
+          <a:ext cx="0" cy="0"/>
+          <a:chOff x="0" y="0"/>
+          <a:chExt cx="0" cy="0"/>
+        </a:xfrm>
+      </p:grpSpPr>
+      <p:sp>
+        <p:nvSpPr>
+          <p:cNvPr id="2" name="Образ слайда 1"/>
+          <p:cNvSpPr>
+            <a:spLocks noGrp="1" noRot="1" noChangeAspect="1"/>
+          </p:cNvSpPr>
+          <p:nvPr>
+            <p:ph type="sldImg"/>
+          </p:nvPr>
+        </p:nvSpPr>
+        <p:spPr/>
+      </p:sp>
+      <p:sp>
+        <p:nvSpPr>
+          <p:cNvPr id="3" name="Заметки 2"/>
+          <p:cNvSpPr>
+            <a:spLocks noGrp="1"/>
+          </p:cNvSpPr>
+          <p:nvPr>
+            <p:ph type="body" idx="1"/>
+          </p:nvPr>
+        </p:nvSpPr>
+        <p:spPr/>
+        <p:txBody>
+          <a:bodyPr/>
+          <a:lstStyle/>
+          <a:p>
+            <a:pPr rtl="0" fontAlgn="base"/>
+            <a:r>
+              <a:rPr lang="ru-RU" sz="1200" b="0" i="0" kern="1200" dirty="0" smtClean="0">
+                <a:solidFill>
+                  <a:schemeClr val="tx1"/>
+                </a:solidFill>
+                <a:effectLst/>
+                <a:latin typeface="+mn-lt"/>
+                <a:ea typeface="+mn-ea"/>
+                <a:cs typeface="+mn-cs"/>
+              </a:rPr>
+              <a:t>Ключевое слово </a:t>
+            </a:r>
+            <a:r>
+              <a:rPr lang="ru-RU" sz="1200" b="0" i="0" kern="1200" dirty="0" err="1" smtClean="0">
+                <a:solidFill>
+                  <a:schemeClr val="tx1"/>
+                </a:solidFill>
+                <a:effectLst/>
+                <a:latin typeface="+mn-lt"/>
+                <a:ea typeface="+mn-ea"/>
+                <a:cs typeface="+mn-cs"/>
+              </a:rPr>
+              <a:t>this</a:t>
+            </a:r>
+            <a:r>
+              <a:rPr lang="ru-RU" sz="1200" b="0" i="0" kern="1200" dirty="0" smtClean="0">
+                <a:solidFill>
+                  <a:schemeClr val="tx1"/>
+                </a:solidFill>
+                <a:effectLst/>
+                <a:latin typeface="+mn-lt"/>
+                <a:ea typeface="+mn-ea"/>
+                <a:cs typeface="+mn-cs"/>
+              </a:rPr>
+              <a:t>, помимо репрезентации самого экземпляра, также представляет его тип, если используется в его контексте. Более того, тип </a:t>
+            </a:r>
+            <a:r>
+              <a:rPr lang="ru-RU" sz="1200" b="0" i="0" kern="1200" dirty="0" err="1" smtClean="0">
+                <a:solidFill>
+                  <a:schemeClr val="tx1"/>
+                </a:solidFill>
+                <a:effectLst/>
+                <a:latin typeface="+mn-lt"/>
+                <a:ea typeface="+mn-ea"/>
+                <a:cs typeface="+mn-cs"/>
+              </a:rPr>
+              <a:t>this</a:t>
+            </a:r>
+            <a:r>
+              <a:rPr lang="ru-RU" sz="1200" b="0" i="0" kern="1200" dirty="0" smtClean="0">
+                <a:solidFill>
+                  <a:schemeClr val="tx1"/>
+                </a:solidFill>
+                <a:effectLst/>
+                <a:latin typeface="+mn-lt"/>
+                <a:ea typeface="+mn-ea"/>
+                <a:cs typeface="+mn-cs"/>
+              </a:rPr>
+              <a:t> является полиморфным, т. е. не фиксированным и может быть переопределен в дочерних классах. Рассмотрим пример. </a:t>
+            </a:r>
+            <a:r>
+              <a:rPr lang="en-US" sz="1200" b="0" i="0" kern="1200" dirty="0" smtClean="0">
+                <a:solidFill>
+                  <a:schemeClr val="tx1"/>
+                </a:solidFill>
+                <a:effectLst/>
+                <a:latin typeface="+mn-lt"/>
+                <a:ea typeface="+mn-ea"/>
+                <a:cs typeface="+mn-cs"/>
+              </a:rPr>
+              <a:t>*</a:t>
+            </a:r>
+            <a:endParaRPr lang="ru-RU" sz="1200" b="0" i="0" kern="1200" dirty="0" smtClean="0">
+              <a:solidFill>
+                <a:schemeClr val="tx1"/>
+              </a:solidFill>
+              <a:effectLst/>
+              <a:latin typeface="+mn-lt"/>
+              <a:ea typeface="+mn-ea"/>
+              <a:cs typeface="+mn-cs"/>
+            </a:endParaRPr>
+          </a:p>
+        </p:txBody>
+      </p:sp>
+      <p:sp>
+        <p:nvSpPr>
+          <p:cNvPr id="4" name="Номер слайда 3"/>
+          <p:cNvSpPr>
+            <a:spLocks noGrp="1"/>
+          </p:cNvSpPr>
+          <p:nvPr>
+            <p:ph type="sldNum" sz="quarter" idx="10"/>
+          </p:nvPr>
+        </p:nvSpPr>
+        <p:spPr/>
+        <p:txBody>
+          <a:bodyPr/>
+          <a:lstStyle/>
+          <a:p>
+            <a:pPr marL="0" marR="0" lvl="0" indent="0" algn="r" defTabSz="914400" rtl="0" eaLnBrk="1" fontAlgn="auto" latinLnBrk="0" hangingPunct="1">
+              <a:lnSpc>
+                <a:spcPct val="100000"/>
+              </a:lnSpc>
+              <a:spcBef>
+                <a:spcPts val="0"/>
+              </a:spcBef>
+              <a:spcAft>
+                <a:spcPts val="0"/>
+              </a:spcAft>
+              <a:buClrTx/>
+              <a:buSzTx/>
+              <a:buFontTx/>
+              <a:buNone/>
+              <a:tabLst/>
+              <a:defRPr/>
+            </a:pPr>
+            <a:fld id="{622F1C9E-D65E-417E-9FEF-9AD7ACC20294}" type="slidenum">
+              <a:rPr kumimoji="0" lang="ru-RU" sz="1200" b="0" i="0" u="none" strike="noStrike" kern="1200" cap="none" spc="0" normalizeH="0" baseline="0" noProof="0" smtClean="0">
+                <a:ln>
+                  <a:noFill/>
+                </a:ln>
+                <a:solidFill>
+                  <a:prstClr val="black"/>
+                </a:solidFill>
+                <a:effectLst/>
+                <a:uLnTx/>
+                <a:uFillTx/>
+                <a:latin typeface="Calibri" panose="020F0502020204030204"/>
+                <a:ea typeface="+mn-ea"/>
+                <a:cs typeface="+mn-cs"/>
+              </a:rPr>
+              <a:pPr marL="0" marR="0" lvl="0" indent="0" algn="r" defTabSz="914400" rtl="0" eaLnBrk="1" fontAlgn="auto" latinLnBrk="0" hangingPunct="1">
+                <a:lnSpc>
+                  <a:spcPct val="100000"/>
+                </a:lnSpc>
+                <a:spcBef>
+                  <a:spcPts val="0"/>
+                </a:spcBef>
+                <a:spcAft>
+                  <a:spcPts val="0"/>
+                </a:spcAft>
+                <a:buClrTx/>
+                <a:buSzTx/>
+                <a:buFontTx/>
+                <a:buNone/>
+                <a:tabLst/>
+                <a:defRPr/>
+              </a:pPr>
+              <a:t>124</a:t>
+            </a:fld>
+            <a:endParaRPr kumimoji="0" lang="ru-RU" sz="1200" b="0" i="0" u="none" strike="noStrike" kern="1200" cap="none" spc="0" normalizeH="0" baseline="0" noProof="0">
+              <a:ln>
+                <a:noFill/>
+              </a:ln>
+              <a:solidFill>
+                <a:prstClr val="black"/>
+              </a:solidFill>
+              <a:effectLst/>
+              <a:uLnTx/>
+              <a:uFillTx/>
+              <a:latin typeface="Calibri" panose="020F0502020204030204"/>
+              <a:ea typeface="+mn-ea"/>
+              <a:cs typeface="+mn-cs"/>
+            </a:endParaRPr>
+          </a:p>
+        </p:txBody>
+      </p:sp>
+    </p:spTree>
+    <p:extLst>
+      <p:ext uri="{BB962C8B-B14F-4D97-AF65-F5344CB8AC3E}">
+        <p14:creationId xmlns:p14="http://schemas.microsoft.com/office/powerpoint/2010/main" val="2869474728"/>
+      </p:ext>
+    </p:extLst>
+  </p:cSld>
+  <p:clrMapOvr>
+    <a:masterClrMapping/>
+  </p:clrMapOvr>
+</p:notes>
+</file>
+
+<file path=ppt/notesSlides/notesSlide65.xml><?xml version="1.0" encoding="utf-8"?>
+<p:notes xmlns:a="http://schemas.openxmlformats.org/drawingml/2006/main" xmlns:r="http://schemas.openxmlformats.org/officeDocument/2006/relationships" xmlns:p="http://schemas.openxmlformats.org/presentationml/2006/main">
+  <p:cSld>
+    <p:spTree>
+      <p:nvGrpSpPr>
+        <p:cNvPr id="1" name=""/>
+        <p:cNvGrpSpPr/>
+        <p:nvPr/>
+      </p:nvGrpSpPr>
+      <p:grpSpPr>
+        <a:xfrm>
+          <a:off x="0" y="0"/>
+          <a:ext cx="0" cy="0"/>
+          <a:chOff x="0" y="0"/>
+          <a:chExt cx="0" cy="0"/>
+        </a:xfrm>
+      </p:grpSpPr>
+      <p:sp>
+        <p:nvSpPr>
+          <p:cNvPr id="2" name="Образ слайда 1"/>
+          <p:cNvSpPr>
+            <a:spLocks noGrp="1" noRot="1" noChangeAspect="1"/>
+          </p:cNvSpPr>
+          <p:nvPr>
+            <p:ph type="sldImg"/>
+          </p:nvPr>
+        </p:nvSpPr>
+        <p:spPr/>
+      </p:sp>
+      <p:sp>
+        <p:nvSpPr>
+          <p:cNvPr id="3" name="Заметки 2"/>
+          <p:cNvSpPr>
+            <a:spLocks noGrp="1"/>
+          </p:cNvSpPr>
+          <p:nvPr>
+            <p:ph type="body" idx="1"/>
+          </p:nvPr>
+        </p:nvSpPr>
+        <p:spPr/>
+        <p:txBody>
+          <a:bodyPr/>
+          <a:lstStyle/>
+          <a:p>
+            <a:pPr rtl="0" fontAlgn="base"/>
+            <a:r>
+              <a:rPr lang="ru-RU" sz="1200" b="0" i="0" kern="1200" dirty="0" smtClean="0">
+                <a:solidFill>
+                  <a:schemeClr val="tx1"/>
+                </a:solidFill>
+                <a:effectLst/>
+                <a:latin typeface="+mn-lt"/>
+                <a:ea typeface="+mn-ea"/>
+                <a:cs typeface="+mn-cs"/>
+              </a:rPr>
+              <a:t>Мы касались индекс типов в рамках предыдущих уроков. Сейчас же вспомним что оные помогают компилятору проверять код, который использует динамические обращения</a:t>
+            </a:r>
+          </a:p>
+          <a:p>
+            <a:pPr rtl="0" fontAlgn="base"/>
+            <a:endParaRPr lang="ru-RU" sz="1200" b="0" i="0" kern="1200" dirty="0" smtClean="0">
+              <a:solidFill>
+                <a:schemeClr val="tx1"/>
+              </a:solidFill>
+              <a:effectLst/>
+              <a:latin typeface="+mn-lt"/>
+              <a:ea typeface="+mn-ea"/>
+              <a:cs typeface="+mn-cs"/>
+            </a:endParaRPr>
+          </a:p>
+          <a:p>
+            <a:pPr rtl="0" fontAlgn="base"/>
+            <a:r>
+              <a:rPr lang="ru-RU" sz="1200" b="0" i="0" kern="1200" dirty="0" smtClean="0">
+                <a:solidFill>
+                  <a:schemeClr val="tx1"/>
+                </a:solidFill>
+                <a:effectLst/>
+                <a:latin typeface="+mn-lt"/>
+                <a:ea typeface="+mn-ea"/>
+                <a:cs typeface="+mn-cs"/>
+              </a:rPr>
+              <a:t>Например, достаточно популярной для </a:t>
+            </a:r>
+            <a:r>
+              <a:rPr lang="ru-RU" sz="1200" b="0" i="0" kern="1200" dirty="0" err="1" smtClean="0">
+                <a:solidFill>
+                  <a:schemeClr val="tx1"/>
+                </a:solidFill>
+                <a:effectLst/>
+                <a:latin typeface="+mn-lt"/>
+                <a:ea typeface="+mn-ea"/>
+                <a:cs typeface="+mn-cs"/>
+              </a:rPr>
+              <a:t>JavaScript</a:t>
+            </a:r>
+            <a:r>
+              <a:rPr lang="ru-RU" sz="1200" b="0" i="0" kern="1200" dirty="0" smtClean="0">
+                <a:solidFill>
+                  <a:schemeClr val="tx1"/>
+                </a:solidFill>
+                <a:effectLst/>
+                <a:latin typeface="+mn-lt"/>
+                <a:ea typeface="+mn-ea"/>
+                <a:cs typeface="+mn-cs"/>
+              </a:rPr>
+              <a:t> задачей является выборка подмножества значений из объекта.*</a:t>
+            </a:r>
+            <a:endParaRPr lang="ru-RU" sz="1200" b="0" i="0" kern="1200" dirty="0" smtClean="0">
+              <a:solidFill>
+                <a:schemeClr val="tx1"/>
+              </a:solidFill>
+              <a:effectLst/>
+              <a:latin typeface="+mn-lt"/>
+              <a:ea typeface="+mn-ea"/>
+              <a:cs typeface="+mn-cs"/>
+            </a:endParaRPr>
+          </a:p>
+        </p:txBody>
+      </p:sp>
+      <p:sp>
+        <p:nvSpPr>
+          <p:cNvPr id="4" name="Номер слайда 3"/>
+          <p:cNvSpPr>
+            <a:spLocks noGrp="1"/>
+          </p:cNvSpPr>
+          <p:nvPr>
+            <p:ph type="sldNum" sz="quarter" idx="10"/>
+          </p:nvPr>
+        </p:nvSpPr>
+        <p:spPr/>
+        <p:txBody>
+          <a:bodyPr/>
+          <a:lstStyle/>
+          <a:p>
+            <a:pPr marL="0" marR="0" lvl="0" indent="0" algn="r" defTabSz="914400" rtl="0" eaLnBrk="1" fontAlgn="auto" latinLnBrk="0" hangingPunct="1">
+              <a:lnSpc>
+                <a:spcPct val="100000"/>
+              </a:lnSpc>
+              <a:spcBef>
+                <a:spcPts val="0"/>
+              </a:spcBef>
+              <a:spcAft>
+                <a:spcPts val="0"/>
+              </a:spcAft>
+              <a:buClrTx/>
+              <a:buSzTx/>
+              <a:buFontTx/>
+              <a:buNone/>
+              <a:tabLst/>
+              <a:defRPr/>
+            </a:pPr>
+            <a:fld id="{622F1C9E-D65E-417E-9FEF-9AD7ACC20294}" type="slidenum">
+              <a:rPr kumimoji="0" lang="ru-RU" sz="1200" b="0" i="0" u="none" strike="noStrike" kern="1200" cap="none" spc="0" normalizeH="0" baseline="0" noProof="0" smtClean="0">
+                <a:ln>
+                  <a:noFill/>
+                </a:ln>
+                <a:solidFill>
+                  <a:prstClr val="black"/>
+                </a:solidFill>
+                <a:effectLst/>
+                <a:uLnTx/>
+                <a:uFillTx/>
+                <a:latin typeface="Calibri" panose="020F0502020204030204"/>
+                <a:ea typeface="+mn-ea"/>
+                <a:cs typeface="+mn-cs"/>
+              </a:rPr>
+              <a:pPr marL="0" marR="0" lvl="0" indent="0" algn="r" defTabSz="914400" rtl="0" eaLnBrk="1" fontAlgn="auto" latinLnBrk="0" hangingPunct="1">
+                <a:lnSpc>
+                  <a:spcPct val="100000"/>
+                </a:lnSpc>
+                <a:spcBef>
+                  <a:spcPts val="0"/>
+                </a:spcBef>
+                <a:spcAft>
+                  <a:spcPts val="0"/>
+                </a:spcAft>
+                <a:buClrTx/>
+                <a:buSzTx/>
+                <a:buFontTx/>
+                <a:buNone/>
+                <a:tabLst/>
+                <a:defRPr/>
+              </a:pPr>
+              <a:t>125</a:t>
+            </a:fld>
+            <a:endParaRPr kumimoji="0" lang="ru-RU" sz="1200" b="0" i="0" u="none" strike="noStrike" kern="1200" cap="none" spc="0" normalizeH="0" baseline="0" noProof="0">
+              <a:ln>
+                <a:noFill/>
+              </a:ln>
+              <a:solidFill>
+                <a:prstClr val="black"/>
+              </a:solidFill>
+              <a:effectLst/>
+              <a:uLnTx/>
+              <a:uFillTx/>
+              <a:latin typeface="Calibri" panose="020F0502020204030204"/>
+              <a:ea typeface="+mn-ea"/>
+              <a:cs typeface="+mn-cs"/>
+            </a:endParaRPr>
+          </a:p>
+        </p:txBody>
+      </p:sp>
+    </p:spTree>
+    <p:extLst>
+      <p:ext uri="{BB962C8B-B14F-4D97-AF65-F5344CB8AC3E}">
+        <p14:creationId xmlns:p14="http://schemas.microsoft.com/office/powerpoint/2010/main" val="1535261291"/>
+      </p:ext>
+    </p:extLst>
+  </p:cSld>
+  <p:clrMapOvr>
+    <a:masterClrMapping/>
+  </p:clrMapOvr>
+</p:notes>
+</file>
+
+<file path=ppt/notesSlides/notesSlide66.xml><?xml version="1.0" encoding="utf-8"?>
+<p:notes xmlns:a="http://schemas.openxmlformats.org/drawingml/2006/main" xmlns:r="http://schemas.openxmlformats.org/officeDocument/2006/relationships" xmlns:p="http://schemas.openxmlformats.org/presentationml/2006/main">
+  <p:cSld>
+    <p:spTree>
+      <p:nvGrpSpPr>
+        <p:cNvPr id="1" name=""/>
+        <p:cNvGrpSpPr/>
+        <p:nvPr/>
+      </p:nvGrpSpPr>
+      <p:grpSpPr>
+        <a:xfrm>
+          <a:off x="0" y="0"/>
+          <a:ext cx="0" cy="0"/>
+          <a:chOff x="0" y="0"/>
+          <a:chExt cx="0" cy="0"/>
+        </a:xfrm>
+      </p:grpSpPr>
+      <p:sp>
+        <p:nvSpPr>
+          <p:cNvPr id="2" name="Образ слайда 1"/>
+          <p:cNvSpPr>
+            <a:spLocks noGrp="1" noRot="1" noChangeAspect="1"/>
+          </p:cNvSpPr>
+          <p:nvPr>
+            <p:ph type="sldImg"/>
+          </p:nvPr>
+        </p:nvSpPr>
+        <p:spPr/>
+      </p:sp>
+      <p:sp>
+        <p:nvSpPr>
+          <p:cNvPr id="3" name="Заметки 2"/>
+          <p:cNvSpPr>
+            <a:spLocks noGrp="1"/>
+          </p:cNvSpPr>
+          <p:nvPr>
+            <p:ph type="body" idx="1"/>
+          </p:nvPr>
+        </p:nvSpPr>
+        <p:spPr/>
+        <p:txBody>
+          <a:bodyPr/>
+          <a:lstStyle/>
+          <a:p>
+            <a:pPr rtl="0" fontAlgn="base"/>
+            <a:r>
+              <a:rPr lang="ru-RU" sz="1200" b="0" i="0" kern="1200" dirty="0" smtClean="0">
+                <a:solidFill>
+                  <a:schemeClr val="tx1"/>
+                </a:solidFill>
+                <a:effectLst/>
+                <a:latin typeface="+mn-lt"/>
+                <a:ea typeface="+mn-ea"/>
+                <a:cs typeface="+mn-cs"/>
+              </a:rPr>
+              <a:t>Для любого типа T, </a:t>
+            </a:r>
+            <a:r>
+              <a:rPr lang="ru-RU" sz="1200" b="0" i="0" kern="1200" dirty="0" err="1" smtClean="0">
+                <a:solidFill>
+                  <a:schemeClr val="tx1"/>
+                </a:solidFill>
+                <a:effectLst/>
+                <a:latin typeface="+mn-lt"/>
+                <a:ea typeface="+mn-ea"/>
+                <a:cs typeface="+mn-cs"/>
+              </a:rPr>
+              <a:t>keyof</a:t>
+            </a:r>
+            <a:r>
+              <a:rPr lang="ru-RU" sz="1200" b="0" i="0" kern="1200" dirty="0" smtClean="0">
+                <a:solidFill>
+                  <a:schemeClr val="tx1"/>
+                </a:solidFill>
+                <a:effectLst/>
+                <a:latin typeface="+mn-lt"/>
+                <a:ea typeface="+mn-ea"/>
+                <a:cs typeface="+mn-cs"/>
+              </a:rPr>
+              <a:t> T является </a:t>
+            </a:r>
+            <a:r>
+              <a:rPr lang="ru-RU" sz="1200" b="0" i="0" kern="1200" dirty="0" err="1" smtClean="0">
+                <a:solidFill>
+                  <a:schemeClr val="tx1"/>
+                </a:solidFill>
+                <a:effectLst/>
+                <a:latin typeface="+mn-lt"/>
+                <a:ea typeface="+mn-ea"/>
+                <a:cs typeface="+mn-cs"/>
+              </a:rPr>
+              <a:t>union</a:t>
+            </a:r>
+            <a:r>
+              <a:rPr lang="ru-RU" sz="1200" b="0" i="0" kern="1200" dirty="0" smtClean="0">
+                <a:solidFill>
+                  <a:schemeClr val="tx1"/>
+                </a:solidFill>
+                <a:effectLst/>
+                <a:latin typeface="+mn-lt"/>
+                <a:ea typeface="+mn-ea"/>
+                <a:cs typeface="+mn-cs"/>
+              </a:rPr>
+              <a:t> группировкой известных, публичных свойств T</a:t>
+            </a:r>
+            <a:r>
+              <a:rPr lang="en-US" sz="1200" b="0" i="0" kern="1200" dirty="0" smtClean="0">
+                <a:solidFill>
+                  <a:schemeClr val="tx1"/>
+                </a:solidFill>
+                <a:effectLst/>
+                <a:latin typeface="+mn-lt"/>
+                <a:ea typeface="+mn-ea"/>
+                <a:cs typeface="+mn-cs"/>
+              </a:rPr>
+              <a:t>*</a:t>
+            </a:r>
+            <a:endParaRPr lang="ru-RU" sz="1200" b="0" i="0" kern="1200" dirty="0" smtClean="0">
+              <a:solidFill>
+                <a:schemeClr val="tx1"/>
+              </a:solidFill>
+              <a:effectLst/>
+              <a:latin typeface="+mn-lt"/>
+              <a:ea typeface="+mn-ea"/>
+              <a:cs typeface="+mn-cs"/>
+            </a:endParaRPr>
+          </a:p>
+        </p:txBody>
+      </p:sp>
+      <p:sp>
+        <p:nvSpPr>
+          <p:cNvPr id="4" name="Номер слайда 3"/>
+          <p:cNvSpPr>
+            <a:spLocks noGrp="1"/>
+          </p:cNvSpPr>
+          <p:nvPr>
+            <p:ph type="sldNum" sz="quarter" idx="10"/>
+          </p:nvPr>
+        </p:nvSpPr>
+        <p:spPr/>
+        <p:txBody>
+          <a:bodyPr/>
+          <a:lstStyle/>
+          <a:p>
+            <a:pPr marL="0" marR="0" lvl="0" indent="0" algn="r" defTabSz="914400" rtl="0" eaLnBrk="1" fontAlgn="auto" latinLnBrk="0" hangingPunct="1">
+              <a:lnSpc>
+                <a:spcPct val="100000"/>
+              </a:lnSpc>
+              <a:spcBef>
+                <a:spcPts val="0"/>
+              </a:spcBef>
+              <a:spcAft>
+                <a:spcPts val="0"/>
+              </a:spcAft>
+              <a:buClrTx/>
+              <a:buSzTx/>
+              <a:buFontTx/>
+              <a:buNone/>
+              <a:tabLst/>
+              <a:defRPr/>
+            </a:pPr>
+            <a:fld id="{622F1C9E-D65E-417E-9FEF-9AD7ACC20294}" type="slidenum">
+              <a:rPr kumimoji="0" lang="ru-RU" sz="1200" b="0" i="0" u="none" strike="noStrike" kern="1200" cap="none" spc="0" normalizeH="0" baseline="0" noProof="0" smtClean="0">
+                <a:ln>
+                  <a:noFill/>
+                </a:ln>
+                <a:solidFill>
+                  <a:prstClr val="black"/>
+                </a:solidFill>
+                <a:effectLst/>
+                <a:uLnTx/>
+                <a:uFillTx/>
+                <a:latin typeface="Calibri" panose="020F0502020204030204"/>
+                <a:ea typeface="+mn-ea"/>
+                <a:cs typeface="+mn-cs"/>
+              </a:rPr>
+              <a:pPr marL="0" marR="0" lvl="0" indent="0" algn="r" defTabSz="914400" rtl="0" eaLnBrk="1" fontAlgn="auto" latinLnBrk="0" hangingPunct="1">
+                <a:lnSpc>
+                  <a:spcPct val="100000"/>
+                </a:lnSpc>
+                <a:spcBef>
+                  <a:spcPts val="0"/>
+                </a:spcBef>
+                <a:spcAft>
+                  <a:spcPts val="0"/>
+                </a:spcAft>
+                <a:buClrTx/>
+                <a:buSzTx/>
+                <a:buFontTx/>
+                <a:buNone/>
+                <a:tabLst/>
+                <a:defRPr/>
+              </a:pPr>
+              <a:t>126</a:t>
+            </a:fld>
+            <a:endParaRPr kumimoji="0" lang="ru-RU" sz="1200" b="0" i="0" u="none" strike="noStrike" kern="1200" cap="none" spc="0" normalizeH="0" baseline="0" noProof="0">
+              <a:ln>
+                <a:noFill/>
+              </a:ln>
+              <a:solidFill>
+                <a:prstClr val="black"/>
+              </a:solidFill>
+              <a:effectLst/>
+              <a:uLnTx/>
+              <a:uFillTx/>
+              <a:latin typeface="Calibri" panose="020F0502020204030204"/>
+              <a:ea typeface="+mn-ea"/>
+              <a:cs typeface="+mn-cs"/>
+            </a:endParaRPr>
+          </a:p>
+        </p:txBody>
+      </p:sp>
+    </p:spTree>
+    <p:extLst>
+      <p:ext uri="{BB962C8B-B14F-4D97-AF65-F5344CB8AC3E}">
+        <p14:creationId xmlns:p14="http://schemas.microsoft.com/office/powerpoint/2010/main" val="1613085023"/>
+      </p:ext>
+    </p:extLst>
+  </p:cSld>
+  <p:clrMapOvr>
+    <a:masterClrMapping/>
+  </p:clrMapOvr>
+</p:notes>
+</file>
+
+<file path=ppt/notesSlides/notesSlide67.xml><?xml version="1.0" encoding="utf-8"?>
+<p:notes xmlns:a="http://schemas.openxmlformats.org/drawingml/2006/main" xmlns:r="http://schemas.openxmlformats.org/officeDocument/2006/relationships" xmlns:p="http://schemas.openxmlformats.org/presentationml/2006/main">
+  <p:cSld>
+    <p:spTree>
+      <p:nvGrpSpPr>
+        <p:cNvPr id="1" name=""/>
+        <p:cNvGrpSpPr/>
+        <p:nvPr/>
+      </p:nvGrpSpPr>
+      <p:grpSpPr>
+        <a:xfrm>
+          <a:off x="0" y="0"/>
+          <a:ext cx="0" cy="0"/>
+          <a:chOff x="0" y="0"/>
+          <a:chExt cx="0" cy="0"/>
+        </a:xfrm>
+      </p:grpSpPr>
+      <p:sp>
+        <p:nvSpPr>
+          <p:cNvPr id="2" name="Образ слайда 1"/>
+          <p:cNvSpPr>
+            <a:spLocks noGrp="1" noRot="1" noChangeAspect="1"/>
+          </p:cNvSpPr>
+          <p:nvPr>
+            <p:ph type="sldImg"/>
+          </p:nvPr>
+        </p:nvSpPr>
+        <p:spPr/>
+      </p:sp>
+      <p:sp>
+        <p:nvSpPr>
+          <p:cNvPr id="3" name="Заметки 2"/>
+          <p:cNvSpPr>
+            <a:spLocks noGrp="1"/>
+          </p:cNvSpPr>
+          <p:nvPr>
+            <p:ph type="body" idx="1"/>
+          </p:nvPr>
+        </p:nvSpPr>
+        <p:spPr/>
+        <p:txBody>
+          <a:bodyPr/>
+          <a:lstStyle/>
+          <a:p>
+            <a:pPr rtl="0" fontAlgn="base"/>
+            <a:r>
+              <a:rPr lang="ru-RU" sz="1200" b="0" i="0" kern="1200" dirty="0" smtClean="0">
+                <a:solidFill>
+                  <a:schemeClr val="tx1"/>
+                </a:solidFill>
+                <a:effectLst/>
+                <a:latin typeface="+mn-lt"/>
+                <a:ea typeface="+mn-ea"/>
+                <a:cs typeface="+mn-cs"/>
+              </a:rPr>
+              <a:t>Следующий T[K] — это </a:t>
+            </a:r>
+            <a:r>
+              <a:rPr lang="ru-RU" sz="1200" b="0" i="0" kern="1200" dirty="0" err="1" smtClean="0">
+                <a:solidFill>
+                  <a:schemeClr val="tx1"/>
+                </a:solidFill>
+                <a:effectLst/>
+                <a:latin typeface="+mn-lt"/>
+                <a:ea typeface="+mn-ea"/>
+                <a:cs typeface="+mn-cs"/>
+              </a:rPr>
+              <a:t>indexed</a:t>
+            </a:r>
+            <a:r>
+              <a:rPr lang="ru-RU" sz="1200" b="0" i="0" kern="1200" dirty="0" smtClean="0">
+                <a:solidFill>
+                  <a:schemeClr val="tx1"/>
+                </a:solidFill>
+                <a:effectLst/>
+                <a:latin typeface="+mn-lt"/>
+                <a:ea typeface="+mn-ea"/>
+                <a:cs typeface="+mn-cs"/>
+              </a:rPr>
+              <a:t> </a:t>
+            </a:r>
+            <a:r>
+              <a:rPr lang="ru-RU" sz="1200" b="0" i="0" kern="1200" dirty="0" err="1" smtClean="0">
+                <a:solidFill>
+                  <a:schemeClr val="tx1"/>
+                </a:solidFill>
+                <a:effectLst/>
+                <a:latin typeface="+mn-lt"/>
+                <a:ea typeface="+mn-ea"/>
+                <a:cs typeface="+mn-cs"/>
+              </a:rPr>
+              <a:t>access</a:t>
+            </a:r>
+            <a:r>
+              <a:rPr lang="ru-RU" sz="1200" b="0" i="0" kern="1200" dirty="0" smtClean="0">
+                <a:solidFill>
+                  <a:schemeClr val="tx1"/>
+                </a:solidFill>
+                <a:effectLst/>
+                <a:latin typeface="+mn-lt"/>
+                <a:ea typeface="+mn-ea"/>
+                <a:cs typeface="+mn-cs"/>
+              </a:rPr>
+              <a:t> оператор</a:t>
+            </a:r>
+            <a:r>
+              <a:rPr lang="en-US" sz="1200" b="0" i="0" kern="1200" dirty="0" smtClean="0">
+                <a:solidFill>
+                  <a:schemeClr val="tx1"/>
+                </a:solidFill>
+                <a:effectLst/>
+                <a:latin typeface="+mn-lt"/>
+                <a:ea typeface="+mn-ea"/>
+                <a:cs typeface="+mn-cs"/>
+              </a:rPr>
+              <a:t>*</a:t>
+            </a:r>
+          </a:p>
+          <a:p>
+            <a:pPr rtl="0" fontAlgn="base"/>
+            <a:endParaRPr lang="en-US" sz="1200" b="0" i="0" kern="1200" dirty="0" smtClean="0">
+              <a:solidFill>
+                <a:schemeClr val="tx1"/>
+              </a:solidFill>
+              <a:effectLst/>
+              <a:latin typeface="+mn-lt"/>
+              <a:ea typeface="+mn-ea"/>
+              <a:cs typeface="+mn-cs"/>
+            </a:endParaRPr>
+          </a:p>
+          <a:p>
+            <a:pPr rtl="0" fontAlgn="base"/>
+            <a:r>
+              <a:rPr lang="ru-RU" sz="1200" b="0" i="0" kern="1200" dirty="0" smtClean="0">
+                <a:solidFill>
+                  <a:schemeClr val="tx1"/>
+                </a:solidFill>
+                <a:effectLst/>
+                <a:latin typeface="+mn-lt"/>
+                <a:ea typeface="+mn-ea"/>
+                <a:cs typeface="+mn-cs"/>
+              </a:rPr>
+              <a:t>Задание: реализовать функцию </a:t>
+            </a:r>
+            <a:r>
+              <a:rPr lang="ru-RU" sz="1200" b="0" i="0" kern="1200" dirty="0" err="1" smtClean="0">
+                <a:solidFill>
+                  <a:schemeClr val="tx1"/>
+                </a:solidFill>
+                <a:effectLst/>
+                <a:latin typeface="+mn-lt"/>
+                <a:ea typeface="+mn-ea"/>
+                <a:cs typeface="+mn-cs"/>
+              </a:rPr>
+              <a:t>translate</a:t>
+            </a:r>
+            <a:r>
+              <a:rPr lang="ru-RU" sz="1200" b="0" i="0" kern="1200" dirty="0" smtClean="0">
+                <a:solidFill>
+                  <a:schemeClr val="tx1"/>
+                </a:solidFill>
+                <a:effectLst/>
+                <a:latin typeface="+mn-lt"/>
+                <a:ea typeface="+mn-ea"/>
+                <a:cs typeface="+mn-cs"/>
+              </a:rPr>
+              <a:t>. Функция принимает строковое значение и возвращает его перевод. </a:t>
+            </a:r>
+          </a:p>
+          <a:p>
+            <a:pPr rtl="0" fontAlgn="base"/>
+            <a:endParaRPr lang="en-US" sz="1200" b="0" i="0" kern="1200" dirty="0" smtClean="0">
+              <a:solidFill>
+                <a:schemeClr val="tx1"/>
+              </a:solidFill>
+              <a:effectLst/>
+              <a:latin typeface="+mn-lt"/>
+              <a:ea typeface="+mn-ea"/>
+              <a:cs typeface="+mn-cs"/>
+            </a:endParaRPr>
+          </a:p>
+          <a:p>
+            <a:pPr rtl="0" fontAlgn="base"/>
+            <a:r>
+              <a:rPr lang="ru-RU" sz="1200" b="0" i="0" kern="1200" dirty="0" smtClean="0">
+                <a:solidFill>
+                  <a:schemeClr val="tx1"/>
+                </a:solidFill>
+                <a:effectLst/>
+                <a:latin typeface="+mn-lt"/>
+                <a:ea typeface="+mn-ea"/>
+                <a:cs typeface="+mn-cs"/>
+              </a:rPr>
+              <a:t>Задание со звездочкой: реализовать функцию </a:t>
+            </a:r>
+            <a:r>
+              <a:rPr lang="ru-RU" sz="1200" b="0" i="0" kern="1200" dirty="0" err="1" smtClean="0">
+                <a:solidFill>
+                  <a:schemeClr val="tx1"/>
+                </a:solidFill>
+                <a:effectLst/>
+                <a:latin typeface="+mn-lt"/>
+                <a:ea typeface="+mn-ea"/>
+                <a:cs typeface="+mn-cs"/>
+              </a:rPr>
+              <a:t>groupBy</a:t>
+            </a:r>
+            <a:r>
+              <a:rPr lang="ru-RU" sz="1200" b="0" i="0" kern="1200" dirty="0" smtClean="0">
+                <a:solidFill>
+                  <a:schemeClr val="tx1"/>
+                </a:solidFill>
+                <a:effectLst/>
+                <a:latin typeface="+mn-lt"/>
+                <a:ea typeface="+mn-ea"/>
+                <a:cs typeface="+mn-cs"/>
+              </a:rPr>
+              <a:t>. </a:t>
+            </a:r>
+          </a:p>
+          <a:p>
+            <a:pPr rtl="0" fontAlgn="base"/>
+            <a:endParaRPr lang="en-US" sz="1200" b="0" i="0" kern="1200" dirty="0" smtClean="0">
+              <a:solidFill>
+                <a:schemeClr val="tx1"/>
+              </a:solidFill>
+              <a:effectLst/>
+              <a:latin typeface="+mn-lt"/>
+              <a:ea typeface="+mn-ea"/>
+              <a:cs typeface="+mn-cs"/>
+            </a:endParaRPr>
+          </a:p>
+          <a:p>
+            <a:pPr rtl="0" fontAlgn="base"/>
+            <a:r>
+              <a:rPr lang="ru-RU" sz="1200" b="0" i="0" kern="1200" dirty="0" smtClean="0">
+                <a:solidFill>
+                  <a:schemeClr val="tx1"/>
+                </a:solidFill>
+                <a:effectLst/>
+                <a:latin typeface="+mn-lt"/>
+                <a:ea typeface="+mn-ea"/>
+                <a:cs typeface="+mn-cs"/>
+              </a:rPr>
+              <a:t>Задание со звездочкой: реализовать функцию, которая принимает объект и список свойств, названия свойств должны обязательно иметь тип </a:t>
+            </a:r>
+            <a:r>
+              <a:rPr lang="ru-RU" sz="1200" b="0" i="0" kern="1200" dirty="0" err="1" smtClean="0">
+                <a:solidFill>
+                  <a:schemeClr val="tx1"/>
+                </a:solidFill>
+                <a:effectLst/>
+                <a:latin typeface="+mn-lt"/>
+                <a:ea typeface="+mn-ea"/>
+                <a:cs typeface="+mn-cs"/>
+              </a:rPr>
+              <a:t>string</a:t>
+            </a:r>
+            <a:r>
+              <a:rPr lang="ru-RU" sz="1200" b="0" i="0" kern="1200" dirty="0" smtClean="0">
+                <a:solidFill>
+                  <a:schemeClr val="tx1"/>
+                </a:solidFill>
+                <a:effectLst/>
+                <a:latin typeface="+mn-lt"/>
+                <a:ea typeface="+mn-ea"/>
+                <a:cs typeface="+mn-cs"/>
+              </a:rPr>
+              <a:t>. Функция должна переводить в верхний регистр такие строки. </a:t>
+            </a:r>
+          </a:p>
+          <a:p>
+            <a:pPr rtl="0" fontAlgn="base"/>
+            <a:endParaRPr lang="ru-RU" sz="1200" b="0" i="0" kern="1200" dirty="0" smtClean="0">
+              <a:solidFill>
+                <a:schemeClr val="tx1"/>
+              </a:solidFill>
+              <a:effectLst/>
+              <a:latin typeface="+mn-lt"/>
+              <a:ea typeface="+mn-ea"/>
+              <a:cs typeface="+mn-cs"/>
+            </a:endParaRPr>
+          </a:p>
+        </p:txBody>
+      </p:sp>
+      <p:sp>
+        <p:nvSpPr>
+          <p:cNvPr id="4" name="Номер слайда 3"/>
+          <p:cNvSpPr>
+            <a:spLocks noGrp="1"/>
+          </p:cNvSpPr>
+          <p:nvPr>
+            <p:ph type="sldNum" sz="quarter" idx="10"/>
+          </p:nvPr>
+        </p:nvSpPr>
+        <p:spPr/>
+        <p:txBody>
+          <a:bodyPr/>
+          <a:lstStyle/>
+          <a:p>
+            <a:pPr marL="0" marR="0" lvl="0" indent="0" algn="r" defTabSz="914400" rtl="0" eaLnBrk="1" fontAlgn="auto" latinLnBrk="0" hangingPunct="1">
+              <a:lnSpc>
+                <a:spcPct val="100000"/>
+              </a:lnSpc>
+              <a:spcBef>
+                <a:spcPts val="0"/>
+              </a:spcBef>
+              <a:spcAft>
+                <a:spcPts val="0"/>
+              </a:spcAft>
+              <a:buClrTx/>
+              <a:buSzTx/>
+              <a:buFontTx/>
+              <a:buNone/>
+              <a:tabLst/>
+              <a:defRPr/>
+            </a:pPr>
+            <a:fld id="{622F1C9E-D65E-417E-9FEF-9AD7ACC20294}" type="slidenum">
+              <a:rPr kumimoji="0" lang="ru-RU" sz="1200" b="0" i="0" u="none" strike="noStrike" kern="1200" cap="none" spc="0" normalizeH="0" baseline="0" noProof="0" smtClean="0">
+                <a:ln>
+                  <a:noFill/>
+                </a:ln>
+                <a:solidFill>
+                  <a:prstClr val="black"/>
+                </a:solidFill>
+                <a:effectLst/>
+                <a:uLnTx/>
+                <a:uFillTx/>
+                <a:latin typeface="Calibri" panose="020F0502020204030204"/>
+                <a:ea typeface="+mn-ea"/>
+                <a:cs typeface="+mn-cs"/>
+              </a:rPr>
+              <a:pPr marL="0" marR="0" lvl="0" indent="0" algn="r" defTabSz="914400" rtl="0" eaLnBrk="1" fontAlgn="auto" latinLnBrk="0" hangingPunct="1">
+                <a:lnSpc>
+                  <a:spcPct val="100000"/>
+                </a:lnSpc>
+                <a:spcBef>
+                  <a:spcPts val="0"/>
+                </a:spcBef>
+                <a:spcAft>
+                  <a:spcPts val="0"/>
+                </a:spcAft>
+                <a:buClrTx/>
+                <a:buSzTx/>
+                <a:buFontTx/>
+                <a:buNone/>
+                <a:tabLst/>
+                <a:defRPr/>
+              </a:pPr>
+              <a:t>127</a:t>
+            </a:fld>
+            <a:endParaRPr kumimoji="0" lang="ru-RU" sz="1200" b="0" i="0" u="none" strike="noStrike" kern="1200" cap="none" spc="0" normalizeH="0" baseline="0" noProof="0">
+              <a:ln>
+                <a:noFill/>
+              </a:ln>
+              <a:solidFill>
+                <a:prstClr val="black"/>
+              </a:solidFill>
+              <a:effectLst/>
+              <a:uLnTx/>
+              <a:uFillTx/>
+              <a:latin typeface="Calibri" panose="020F0502020204030204"/>
+              <a:ea typeface="+mn-ea"/>
+              <a:cs typeface="+mn-cs"/>
+            </a:endParaRPr>
+          </a:p>
+        </p:txBody>
+      </p:sp>
+    </p:spTree>
+    <p:extLst>
+      <p:ext uri="{BB962C8B-B14F-4D97-AF65-F5344CB8AC3E}">
+        <p14:creationId xmlns:p14="http://schemas.microsoft.com/office/powerpoint/2010/main" val="3877807146"/>
+      </p:ext>
+    </p:extLst>
+  </p:cSld>
+  <p:clrMapOvr>
+    <a:masterClrMapping/>
+  </p:clrMapOvr>
+</p:notes>
+</file>
+
+<file path=ppt/notesSlides/notesSlide68.xml><?xml version="1.0" encoding="utf-8"?>
+<p:notes xmlns:a="http://schemas.openxmlformats.org/drawingml/2006/main" xmlns:r="http://schemas.openxmlformats.org/officeDocument/2006/relationships" xmlns:p="http://schemas.openxmlformats.org/presentationml/2006/main">
+  <p:cSld>
+    <p:spTree>
+      <p:nvGrpSpPr>
+        <p:cNvPr id="1" name=""/>
+        <p:cNvGrpSpPr/>
+        <p:nvPr/>
+      </p:nvGrpSpPr>
+      <p:grpSpPr>
+        <a:xfrm>
+          <a:off x="0" y="0"/>
+          <a:ext cx="0" cy="0"/>
+          <a:chOff x="0" y="0"/>
+          <a:chExt cx="0" cy="0"/>
+        </a:xfrm>
+      </p:grpSpPr>
+      <p:sp>
+        <p:nvSpPr>
+          <p:cNvPr id="2" name="Образ слайда 1"/>
+          <p:cNvSpPr>
+            <a:spLocks noGrp="1" noRot="1" noChangeAspect="1"/>
+          </p:cNvSpPr>
+          <p:nvPr>
+            <p:ph type="sldImg"/>
+          </p:nvPr>
+        </p:nvSpPr>
+        <p:spPr/>
+      </p:sp>
+      <p:sp>
+        <p:nvSpPr>
+          <p:cNvPr id="3" name="Заметки 2"/>
+          <p:cNvSpPr>
+            <a:spLocks noGrp="1"/>
+          </p:cNvSpPr>
+          <p:nvPr>
+            <p:ph type="body" idx="1"/>
+          </p:nvPr>
+        </p:nvSpPr>
+        <p:spPr/>
+        <p:txBody>
+          <a:bodyPr/>
+          <a:lstStyle/>
+          <a:p>
+            <a:pPr rtl="0" fontAlgn="base"/>
+            <a:r>
+              <a:rPr lang="ru-RU" sz="1200" b="0" i="0" kern="1200" dirty="0" smtClean="0">
+                <a:solidFill>
+                  <a:schemeClr val="tx1"/>
+                </a:solidFill>
+                <a:effectLst/>
+                <a:latin typeface="+mn-lt"/>
+                <a:ea typeface="+mn-ea"/>
+                <a:cs typeface="+mn-cs"/>
+              </a:rPr>
+              <a:t>ввиду особенностей языка </a:t>
+            </a:r>
+            <a:r>
+              <a:rPr lang="ru-RU" sz="1200" b="0" i="0" kern="1200" dirty="0" err="1" smtClean="0">
+                <a:solidFill>
+                  <a:schemeClr val="tx1"/>
+                </a:solidFill>
+                <a:effectLst/>
+                <a:latin typeface="+mn-lt"/>
+                <a:ea typeface="+mn-ea"/>
+                <a:cs typeface="+mn-cs"/>
+              </a:rPr>
+              <a:t>JavaScript</a:t>
+            </a:r>
+            <a:r>
+              <a:rPr lang="ru-RU" sz="1200" b="0" i="0" kern="1200" dirty="0" smtClean="0">
+                <a:solidFill>
+                  <a:schemeClr val="tx1"/>
+                </a:solidFill>
+                <a:effectLst/>
+                <a:latin typeface="+mn-lt"/>
+                <a:ea typeface="+mn-ea"/>
+                <a:cs typeface="+mn-cs"/>
+              </a:rPr>
+              <a:t> где </a:t>
+            </a:r>
+            <a:r>
+              <a:rPr lang="ru-RU" sz="1200" b="0" i="0" kern="1200" dirty="0" err="1" smtClean="0">
+                <a:solidFill>
+                  <a:schemeClr val="tx1"/>
+                </a:solidFill>
+                <a:effectLst/>
+                <a:latin typeface="+mn-lt"/>
+                <a:ea typeface="+mn-ea"/>
+                <a:cs typeface="+mn-cs"/>
+              </a:rPr>
+              <a:t>object</a:t>
+            </a:r>
+            <a:r>
+              <a:rPr lang="ru-RU" sz="1200" b="0" i="0" kern="1200" dirty="0" smtClean="0">
+                <a:solidFill>
+                  <a:schemeClr val="tx1"/>
+                </a:solidFill>
+                <a:effectLst/>
+                <a:latin typeface="+mn-lt"/>
+                <a:ea typeface="+mn-ea"/>
+                <a:cs typeface="+mn-cs"/>
+              </a:rPr>
+              <a:t>[‘42’] и </a:t>
+            </a:r>
+            <a:r>
+              <a:rPr lang="ru-RU" sz="1200" b="0" i="0" kern="1200" dirty="0" err="1" smtClean="0">
+                <a:solidFill>
+                  <a:schemeClr val="tx1"/>
+                </a:solidFill>
+                <a:effectLst/>
+                <a:latin typeface="+mn-lt"/>
+                <a:ea typeface="+mn-ea"/>
+                <a:cs typeface="+mn-cs"/>
+              </a:rPr>
+              <a:t>object</a:t>
+            </a:r>
+            <a:r>
+              <a:rPr lang="ru-RU" sz="1200" b="0" i="0" kern="1200" dirty="0" smtClean="0">
+                <a:solidFill>
+                  <a:schemeClr val="tx1"/>
+                </a:solidFill>
+                <a:effectLst/>
+                <a:latin typeface="+mn-lt"/>
+                <a:ea typeface="+mn-ea"/>
+                <a:cs typeface="+mn-cs"/>
+              </a:rPr>
+              <a:t>[42] - одно и тоже</a:t>
+            </a:r>
+            <a:r>
+              <a:rPr lang="en-US" sz="1200" b="0" i="0" kern="1200" dirty="0" smtClean="0">
+                <a:solidFill>
+                  <a:schemeClr val="tx1"/>
+                </a:solidFill>
+                <a:effectLst/>
+                <a:latin typeface="+mn-lt"/>
+                <a:ea typeface="+mn-ea"/>
+                <a:cs typeface="+mn-cs"/>
+              </a:rPr>
+              <a:t>*</a:t>
+            </a:r>
+            <a:endParaRPr lang="ru-RU" sz="1200" b="0" i="0" kern="1200" dirty="0" smtClean="0">
+              <a:solidFill>
+                <a:schemeClr val="tx1"/>
+              </a:solidFill>
+              <a:effectLst/>
+              <a:latin typeface="+mn-lt"/>
+              <a:ea typeface="+mn-ea"/>
+              <a:cs typeface="+mn-cs"/>
+            </a:endParaRPr>
+          </a:p>
+        </p:txBody>
+      </p:sp>
+      <p:sp>
+        <p:nvSpPr>
+          <p:cNvPr id="4" name="Номер слайда 3"/>
+          <p:cNvSpPr>
+            <a:spLocks noGrp="1"/>
+          </p:cNvSpPr>
+          <p:nvPr>
+            <p:ph type="sldNum" sz="quarter" idx="10"/>
+          </p:nvPr>
+        </p:nvSpPr>
+        <p:spPr/>
+        <p:txBody>
+          <a:bodyPr/>
+          <a:lstStyle/>
+          <a:p>
+            <a:pPr marL="0" marR="0" lvl="0" indent="0" algn="r" defTabSz="914400" rtl="0" eaLnBrk="1" fontAlgn="auto" latinLnBrk="0" hangingPunct="1">
+              <a:lnSpc>
+                <a:spcPct val="100000"/>
+              </a:lnSpc>
+              <a:spcBef>
+                <a:spcPts val="0"/>
+              </a:spcBef>
+              <a:spcAft>
+                <a:spcPts val="0"/>
+              </a:spcAft>
+              <a:buClrTx/>
+              <a:buSzTx/>
+              <a:buFontTx/>
+              <a:buNone/>
+              <a:tabLst/>
+              <a:defRPr/>
+            </a:pPr>
+            <a:fld id="{622F1C9E-D65E-417E-9FEF-9AD7ACC20294}" type="slidenum">
+              <a:rPr kumimoji="0" lang="ru-RU" sz="1200" b="0" i="0" u="none" strike="noStrike" kern="1200" cap="none" spc="0" normalizeH="0" baseline="0" noProof="0" smtClean="0">
+                <a:ln>
+                  <a:noFill/>
+                </a:ln>
+                <a:solidFill>
+                  <a:prstClr val="black"/>
+                </a:solidFill>
+                <a:effectLst/>
+                <a:uLnTx/>
+                <a:uFillTx/>
+                <a:latin typeface="Calibri" panose="020F0502020204030204"/>
+                <a:ea typeface="+mn-ea"/>
+                <a:cs typeface="+mn-cs"/>
+              </a:rPr>
+              <a:pPr marL="0" marR="0" lvl="0" indent="0" algn="r" defTabSz="914400" rtl="0" eaLnBrk="1" fontAlgn="auto" latinLnBrk="0" hangingPunct="1">
+                <a:lnSpc>
+                  <a:spcPct val="100000"/>
+                </a:lnSpc>
+                <a:spcBef>
+                  <a:spcPts val="0"/>
+                </a:spcBef>
+                <a:spcAft>
+                  <a:spcPts val="0"/>
+                </a:spcAft>
+                <a:buClrTx/>
+                <a:buSzTx/>
+                <a:buFontTx/>
+                <a:buNone/>
+                <a:tabLst/>
+                <a:defRPr/>
+              </a:pPr>
+              <a:t>128</a:t>
+            </a:fld>
+            <a:endParaRPr kumimoji="0" lang="ru-RU" sz="1200" b="0" i="0" u="none" strike="noStrike" kern="1200" cap="none" spc="0" normalizeH="0" baseline="0" noProof="0">
+              <a:ln>
+                <a:noFill/>
+              </a:ln>
+              <a:solidFill>
+                <a:prstClr val="black"/>
+              </a:solidFill>
+              <a:effectLst/>
+              <a:uLnTx/>
+              <a:uFillTx/>
+              <a:latin typeface="Calibri" panose="020F0502020204030204"/>
+              <a:ea typeface="+mn-ea"/>
+              <a:cs typeface="+mn-cs"/>
+            </a:endParaRPr>
+          </a:p>
+        </p:txBody>
+      </p:sp>
+    </p:spTree>
+    <p:extLst>
+      <p:ext uri="{BB962C8B-B14F-4D97-AF65-F5344CB8AC3E}">
+        <p14:creationId xmlns:p14="http://schemas.microsoft.com/office/powerpoint/2010/main" val="369786934"/>
+      </p:ext>
+    </p:extLst>
+  </p:cSld>
+  <p:clrMapOvr>
+    <a:masterClrMapping/>
+  </p:clrMapOvr>
+</p:notes>
+</file>
+
 <file path=ppt/notesSlides/notesSlide7.xml><?xml version="1.0" encoding="utf-8"?>
 <p:notes xmlns:a="http://schemas.openxmlformats.org/drawingml/2006/main" xmlns:r="http://schemas.openxmlformats.org/officeDocument/2006/relationships" xmlns:p="http://schemas.openxmlformats.org/presentationml/2006/main">
   <p:cSld>
@@ -17115,7 +19205,7 @@
           <a:p>
             <a:fld id="{F2FFB779-270B-4192-84BA-A697F48306DC}" type="datetimeFigureOut">
               <a:rPr lang="ru-RU" smtClean="0"/>
-              <a:t>20.07.2020</a:t>
+              <a:t>21.07.2020</a:t>
             </a:fld>
             <a:endParaRPr lang="ru-RU"/>
           </a:p>
@@ -17283,7 +19373,7 @@
           <a:p>
             <a:fld id="{F2FFB779-270B-4192-84BA-A697F48306DC}" type="datetimeFigureOut">
               <a:rPr lang="ru-RU" smtClean="0"/>
-              <a:t>20.07.2020</a:t>
+              <a:t>21.07.2020</a:t>
             </a:fld>
             <a:endParaRPr lang="ru-RU"/>
           </a:p>
@@ -17461,7 +19551,7 @@
           <a:p>
             <a:fld id="{F2FFB779-270B-4192-84BA-A697F48306DC}" type="datetimeFigureOut">
               <a:rPr lang="ru-RU" smtClean="0"/>
-              <a:t>20.07.2020</a:t>
+              <a:t>21.07.2020</a:t>
             </a:fld>
             <a:endParaRPr lang="ru-RU"/>
           </a:p>
@@ -17629,7 +19719,7 @@
           <a:p>
             <a:fld id="{F2FFB779-270B-4192-84BA-A697F48306DC}" type="datetimeFigureOut">
               <a:rPr lang="ru-RU" smtClean="0"/>
-              <a:t>20.07.2020</a:t>
+              <a:t>21.07.2020</a:t>
             </a:fld>
             <a:endParaRPr lang="ru-RU"/>
           </a:p>
@@ -17874,7 +19964,7 @@
           <a:p>
             <a:fld id="{F2FFB779-270B-4192-84BA-A697F48306DC}" type="datetimeFigureOut">
               <a:rPr lang="ru-RU" smtClean="0"/>
-              <a:t>20.07.2020</a:t>
+              <a:t>21.07.2020</a:t>
             </a:fld>
             <a:endParaRPr lang="ru-RU"/>
           </a:p>
@@ -18103,7 +20193,7 @@
           <a:p>
             <a:fld id="{F2FFB779-270B-4192-84BA-A697F48306DC}" type="datetimeFigureOut">
               <a:rPr lang="ru-RU" smtClean="0"/>
-              <a:t>20.07.2020</a:t>
+              <a:t>21.07.2020</a:t>
             </a:fld>
             <a:endParaRPr lang="ru-RU"/>
           </a:p>
@@ -18467,7 +20557,7 @@
           <a:p>
             <a:fld id="{F2FFB779-270B-4192-84BA-A697F48306DC}" type="datetimeFigureOut">
               <a:rPr lang="ru-RU" smtClean="0"/>
-              <a:t>20.07.2020</a:t>
+              <a:t>21.07.2020</a:t>
             </a:fld>
             <a:endParaRPr lang="ru-RU"/>
           </a:p>
@@ -18584,7 +20674,7 @@
           <a:p>
             <a:fld id="{F2FFB779-270B-4192-84BA-A697F48306DC}" type="datetimeFigureOut">
               <a:rPr lang="ru-RU" smtClean="0"/>
-              <a:t>20.07.2020</a:t>
+              <a:t>21.07.2020</a:t>
             </a:fld>
             <a:endParaRPr lang="ru-RU"/>
           </a:p>
@@ -18679,7 +20769,7 @@
           <a:p>
             <a:fld id="{F2FFB779-270B-4192-84BA-A697F48306DC}" type="datetimeFigureOut">
               <a:rPr lang="ru-RU" smtClean="0"/>
-              <a:t>20.07.2020</a:t>
+              <a:t>21.07.2020</a:t>
             </a:fld>
             <a:endParaRPr lang="ru-RU"/>
           </a:p>
@@ -18954,7 +21044,7 @@
           <a:p>
             <a:fld id="{F2FFB779-270B-4192-84BA-A697F48306DC}" type="datetimeFigureOut">
               <a:rPr lang="ru-RU" smtClean="0"/>
-              <a:t>20.07.2020</a:t>
+              <a:t>21.07.2020</a:t>
             </a:fld>
             <a:endParaRPr lang="ru-RU"/>
           </a:p>
@@ -19206,7 +21296,7 @@
           <a:p>
             <a:fld id="{F2FFB779-270B-4192-84BA-A697F48306DC}" type="datetimeFigureOut">
               <a:rPr lang="ru-RU" smtClean="0"/>
-              <a:t>20.07.2020</a:t>
+              <a:t>21.07.2020</a:t>
             </a:fld>
             <a:endParaRPr lang="ru-RU"/>
           </a:p>
@@ -19417,7 +21507,7 @@
           <a:p>
             <a:fld id="{F2FFB779-270B-4192-84BA-A697F48306DC}" type="datetimeFigureOut">
               <a:rPr lang="ru-RU" smtClean="0"/>
-              <a:t>20.07.2020</a:t>
+              <a:t>21.07.2020</a:t>
             </a:fld>
             <a:endParaRPr lang="ru-RU"/>
           </a:p>
@@ -19835,7 +21925,7 @@
           <p:cNvPr id="4" name="TextBox 3">
             <a:extLst>
               <a:ext uri="{FF2B5EF4-FFF2-40B4-BE49-F238E27FC236}">
-                <a16:creationId xmlns="" xmlns:a16="http://schemas.microsoft.com/office/drawing/2014/main" id="{04D158B8-9362-4BF2-882E-C13EA3EF3EF0}"/>
+                <a16:creationId xmlns:a16="http://schemas.microsoft.com/office/drawing/2014/main" id="{04D158B8-9362-4BF2-882E-C13EA3EF3EF0}"/>
               </a:ext>
             </a:extLst>
           </p:cNvPr>
@@ -19927,7 +22017,7 @@
           <p:cNvPr id="2" name="Рисунок 2" descr="Изображение выглядит как знак&#10;&#10;Автоматически созданное описание">
             <a:extLst>
               <a:ext uri="{FF2B5EF4-FFF2-40B4-BE49-F238E27FC236}">
-                <a16:creationId xmlns="" xmlns:a16="http://schemas.microsoft.com/office/drawing/2014/main" id="{643AF698-9649-4FE5-B57B-D63B1979621A}"/>
+                <a16:creationId xmlns:a16="http://schemas.microsoft.com/office/drawing/2014/main" id="{643AF698-9649-4FE5-B57B-D63B1979621A}"/>
               </a:ext>
             </a:extLst>
           </p:cNvPr>
@@ -19957,7 +22047,7 @@
           <p:cNvPr id="6" name="Рисунок 2" descr="Изображение выглядит как знак&#10;&#10;Автоматически созданное описание">
             <a:extLst>
               <a:ext uri="{FF2B5EF4-FFF2-40B4-BE49-F238E27FC236}">
-                <a16:creationId xmlns="" xmlns:a16="http://schemas.microsoft.com/office/drawing/2014/main" id="{E62650C7-5A56-4458-8455-E76C997A3CCA}"/>
+                <a16:creationId xmlns:a16="http://schemas.microsoft.com/office/drawing/2014/main" id="{E62650C7-5A56-4458-8455-E76C997A3CCA}"/>
               </a:ext>
             </a:extLst>
           </p:cNvPr>
@@ -19987,7 +22077,7 @@
           <p:cNvPr id="4" name="Рисунок 4" descr="Изображение выглядит как знак, часы&#10;&#10;Автоматически созданное описание">
             <a:extLst>
               <a:ext uri="{FF2B5EF4-FFF2-40B4-BE49-F238E27FC236}">
-                <a16:creationId xmlns="" xmlns:a16="http://schemas.microsoft.com/office/drawing/2014/main" id="{C0715713-18D8-4672-A392-99BE9242E0A0}"/>
+                <a16:creationId xmlns:a16="http://schemas.microsoft.com/office/drawing/2014/main" id="{C0715713-18D8-4672-A392-99BE9242E0A0}"/>
               </a:ext>
             </a:extLst>
           </p:cNvPr>
@@ -20948,7 +23038,7 @@
           <p:cNvPr id="7" name="Рисунок 5">
             <a:extLst>
               <a:ext uri="{FF2B5EF4-FFF2-40B4-BE49-F238E27FC236}">
-                <a16:creationId xmlns="" xmlns:a16="http://schemas.microsoft.com/office/drawing/2014/main" id="{B0D009A0-57C3-4D4D-B1D0-6B70F709CD8A}"/>
+                <a16:creationId xmlns:a16="http://schemas.microsoft.com/office/drawing/2014/main" id="{B0D009A0-57C3-4D4D-B1D0-6B70F709CD8A}"/>
               </a:ext>
             </a:extLst>
           </p:cNvPr>
@@ -20978,7 +23068,7 @@
           <p:cNvPr id="8" name="Рисунок 9">
             <a:extLst>
               <a:ext uri="{FF2B5EF4-FFF2-40B4-BE49-F238E27FC236}">
-                <a16:creationId xmlns="" xmlns:a16="http://schemas.microsoft.com/office/drawing/2014/main" id="{E8BB2BAD-B852-4F51-B94F-087CF76564AF}"/>
+                <a16:creationId xmlns:a16="http://schemas.microsoft.com/office/drawing/2014/main" id="{E8BB2BAD-B852-4F51-B94F-087CF76564AF}"/>
               </a:ext>
             </a:extLst>
           </p:cNvPr>
@@ -22056,7 +24146,7 @@
           <p:cNvPr id="7" name="Рисунок 2" descr="Изображение выглядит как знак&#10;&#10;Автоматически созданное описание">
             <a:extLst>
               <a:ext uri="{FF2B5EF4-FFF2-40B4-BE49-F238E27FC236}">
-                <a16:creationId xmlns="" xmlns:a16="http://schemas.microsoft.com/office/drawing/2014/main" id="{406787F7-34F3-4578-8383-E3660837B270}"/>
+                <a16:creationId xmlns:a16="http://schemas.microsoft.com/office/drawing/2014/main" id="{406787F7-34F3-4578-8383-E3660837B270}"/>
               </a:ext>
             </a:extLst>
           </p:cNvPr>
@@ -22086,7 +24176,7 @@
           <p:cNvPr id="3" name="Рисунок 3" descr="Изображение выглядит как рисунок&#10;&#10;Автоматически созданное описание">
             <a:extLst>
               <a:ext uri="{FF2B5EF4-FFF2-40B4-BE49-F238E27FC236}">
-                <a16:creationId xmlns="" xmlns:a16="http://schemas.microsoft.com/office/drawing/2014/main" id="{FC6F666A-A6B3-453F-9A9B-0A5B8D721905}"/>
+                <a16:creationId xmlns:a16="http://schemas.microsoft.com/office/drawing/2014/main" id="{FC6F666A-A6B3-453F-9A9B-0A5B8D721905}"/>
               </a:ext>
             </a:extLst>
           </p:cNvPr>
@@ -22115,7 +24205,7 @@
           <p:cNvPr id="5" name="Рисунок 5" descr="Изображение выглядит как стул&#10;&#10;Автоматически созданное описание">
             <a:extLst>
               <a:ext uri="{FF2B5EF4-FFF2-40B4-BE49-F238E27FC236}">
-                <a16:creationId xmlns="" xmlns:a16="http://schemas.microsoft.com/office/drawing/2014/main" id="{B7763C02-CDFF-4BDB-A137-3F2DC619E9F4}"/>
+                <a16:creationId xmlns:a16="http://schemas.microsoft.com/office/drawing/2014/main" id="{B7763C02-CDFF-4BDB-A137-3F2DC619E9F4}"/>
               </a:ext>
             </a:extLst>
           </p:cNvPr>
@@ -23536,7 +25626,7 @@
           <p:cNvPr id="5" name="Рисунок 2" descr="Изображение выглядит как знак&#10;&#10;Автоматически созданное описание">
             <a:extLst>
               <a:ext uri="{FF2B5EF4-FFF2-40B4-BE49-F238E27FC236}">
-                <a16:creationId xmlns="" xmlns:a16="http://schemas.microsoft.com/office/drawing/2014/main" id="{94CE257F-A4AB-4D99-8638-F51E066F3AF6}"/>
+                <a16:creationId xmlns:a16="http://schemas.microsoft.com/office/drawing/2014/main" id="{94CE257F-A4AB-4D99-8638-F51E066F3AF6}"/>
               </a:ext>
             </a:extLst>
           </p:cNvPr>
@@ -23566,7 +25656,7 @@
           <p:cNvPr id="7" name="Рисунок 2" descr="Изображение выглядит как рисунок&#10;&#10;Автоматически созданное описание">
             <a:extLst>
               <a:ext uri="{FF2B5EF4-FFF2-40B4-BE49-F238E27FC236}">
-                <a16:creationId xmlns="" xmlns:a16="http://schemas.microsoft.com/office/drawing/2014/main" id="{4EAD6ACE-3298-4D74-B944-64C6FF04E9A0}"/>
+                <a16:creationId xmlns:a16="http://schemas.microsoft.com/office/drawing/2014/main" id="{4EAD6ACE-3298-4D74-B944-64C6FF04E9A0}"/>
               </a:ext>
             </a:extLst>
           </p:cNvPr>
@@ -23668,17 +25758,7 @@
                 <a:latin typeface="Consolas"/>
                 <a:cs typeface="Calibri"/>
               </a:rPr>
-              <a:t>Type </a:t>
-            </a:r>
-            <a:r>
-              <a:rPr lang="en-US" sz="3600" dirty="0" smtClean="0">
-                <a:solidFill>
-                  <a:srgbClr val="00D8FF"/>
-                </a:solidFill>
-                <a:latin typeface="Consolas"/>
-                <a:cs typeface="Calibri"/>
-              </a:rPr>
-              <a:t>assertion operator</a:t>
+              <a:t>Type assertion operator</a:t>
             </a:r>
             <a:r>
               <a:rPr lang="en-US" sz="3600" dirty="0" smtClean="0">
@@ -23714,6 +25794,1081 @@
     <p:extLst>
       <p:ext uri="{BB962C8B-B14F-4D97-AF65-F5344CB8AC3E}">
         <p14:creationId xmlns:p14="http://schemas.microsoft.com/office/powerpoint/2010/main" val="2988977965"/>
+      </p:ext>
+    </p:extLst>
+  </p:cSld>
+  <p:clrMapOvr>
+    <a:masterClrMapping/>
+  </p:clrMapOvr>
+  <p:timing>
+    <p:tnLst>
+      <p:par>
+        <p:cTn id="1" dur="indefinite" restart="never" nodeType="tmRoot"/>
+      </p:par>
+    </p:tnLst>
+  </p:timing>
+</p:sld>
+</file>
+
+<file path=ppt/slides/slide121.xml><?xml version="1.0" encoding="utf-8"?>
+<p:sld xmlns:a="http://schemas.openxmlformats.org/drawingml/2006/main" xmlns:r="http://schemas.openxmlformats.org/officeDocument/2006/relationships" xmlns:p="http://schemas.openxmlformats.org/presentationml/2006/main">
+  <p:cSld>
+    <p:bg>
+      <p:bgPr>
+        <a:solidFill>
+          <a:srgbClr val="262626"/>
+        </a:solidFill>
+        <a:effectLst/>
+      </p:bgPr>
+    </p:bg>
+    <p:spTree>
+      <p:nvGrpSpPr>
+        <p:cNvPr id="1" name=""/>
+        <p:cNvGrpSpPr/>
+        <p:nvPr/>
+      </p:nvGrpSpPr>
+      <p:grpSpPr>
+        <a:xfrm>
+          <a:off x="0" y="0"/>
+          <a:ext cx="0" cy="0"/>
+          <a:chOff x="0" y="0"/>
+          <a:chExt cx="0" cy="0"/>
+        </a:xfrm>
+      </p:grpSpPr>
+      <p:sp>
+        <p:nvSpPr>
+          <p:cNvPr id="6" name="Прямоугольник 5"/>
+          <p:cNvSpPr/>
+          <p:nvPr/>
+        </p:nvSpPr>
+        <p:spPr>
+          <a:xfrm>
+            <a:off x="4298126" y="2839452"/>
+            <a:ext cx="3570208" cy="707886"/>
+          </a:xfrm>
+          <a:prstGeom prst="rect">
+            <a:avLst/>
+          </a:prstGeom>
+        </p:spPr>
+        <p:txBody>
+          <a:bodyPr wrap="none">
+            <a:spAutoFit/>
+          </a:bodyPr>
+          <a:lstStyle/>
+          <a:p>
+            <a:pPr marL="0" marR="0" lvl="0" indent="0" algn="ctr" defTabSz="914400" rtl="0" eaLnBrk="1" fontAlgn="auto" latinLnBrk="0" hangingPunct="1">
+              <a:lnSpc>
+                <a:spcPct val="100000"/>
+              </a:lnSpc>
+              <a:spcBef>
+                <a:spcPts val="0"/>
+              </a:spcBef>
+              <a:spcAft>
+                <a:spcPts val="0"/>
+              </a:spcAft>
+              <a:buClrTx/>
+              <a:buSzTx/>
+              <a:buFontTx/>
+              <a:buNone/>
+              <a:tabLst/>
+              <a:defRPr/>
+            </a:pPr>
+            <a:r>
+              <a:rPr lang="en-US" sz="4000" dirty="0" smtClean="0">
+                <a:solidFill>
+                  <a:srgbClr val="00D8FF"/>
+                </a:solidFill>
+                <a:latin typeface="Consolas"/>
+                <a:cs typeface="Calibri"/>
+              </a:rPr>
+              <a:t>Type aliases</a:t>
+            </a:r>
+            <a:endParaRPr kumimoji="0" lang="en-US" sz="4000" b="0" i="0" u="none" strike="noStrike" kern="1200" cap="none" spc="0" normalizeH="0" baseline="0" noProof="0" dirty="0">
+              <a:ln>
+                <a:noFill/>
+              </a:ln>
+              <a:solidFill>
+                <a:srgbClr val="00D8FF"/>
+              </a:solidFill>
+              <a:effectLst/>
+              <a:uLnTx/>
+              <a:uFillTx/>
+              <a:latin typeface="Consolas"/>
+              <a:cs typeface="Calibri"/>
+            </a:endParaRPr>
+          </a:p>
+        </p:txBody>
+      </p:sp>
+    </p:spTree>
+    <p:extLst>
+      <p:ext uri="{BB962C8B-B14F-4D97-AF65-F5344CB8AC3E}">
+        <p14:creationId xmlns:p14="http://schemas.microsoft.com/office/powerpoint/2010/main" val="3805018346"/>
+      </p:ext>
+    </p:extLst>
+  </p:cSld>
+  <p:clrMapOvr>
+    <a:masterClrMapping/>
+  </p:clrMapOvr>
+  <p:timing>
+    <p:tnLst>
+      <p:par>
+        <p:cTn id="1" dur="indefinite" restart="never" nodeType="tmRoot"/>
+      </p:par>
+    </p:tnLst>
+  </p:timing>
+</p:sld>
+</file>
+
+<file path=ppt/slides/slide122.xml><?xml version="1.0" encoding="utf-8"?>
+<p:sld xmlns:a="http://schemas.openxmlformats.org/drawingml/2006/main" xmlns:r="http://schemas.openxmlformats.org/officeDocument/2006/relationships" xmlns:p="http://schemas.openxmlformats.org/presentationml/2006/main">
+  <p:cSld>
+    <p:bg>
+      <p:bgPr>
+        <a:solidFill>
+          <a:srgbClr val="262626"/>
+        </a:solidFill>
+        <a:effectLst/>
+      </p:bgPr>
+    </p:bg>
+    <p:spTree>
+      <p:nvGrpSpPr>
+        <p:cNvPr id="1" name=""/>
+        <p:cNvGrpSpPr/>
+        <p:nvPr/>
+      </p:nvGrpSpPr>
+      <p:grpSpPr>
+        <a:xfrm>
+          <a:off x="0" y="0"/>
+          <a:ext cx="0" cy="0"/>
+          <a:chOff x="0" y="0"/>
+          <a:chExt cx="0" cy="0"/>
+        </a:xfrm>
+      </p:grpSpPr>
+      <p:sp>
+        <p:nvSpPr>
+          <p:cNvPr id="6" name="Прямоугольник 5"/>
+          <p:cNvSpPr/>
+          <p:nvPr/>
+        </p:nvSpPr>
+        <p:spPr>
+          <a:xfrm>
+            <a:off x="2323230" y="2839452"/>
+            <a:ext cx="7520007" cy="707886"/>
+          </a:xfrm>
+          <a:prstGeom prst="rect">
+            <a:avLst/>
+          </a:prstGeom>
+        </p:spPr>
+        <p:txBody>
+          <a:bodyPr wrap="none">
+            <a:spAutoFit/>
+          </a:bodyPr>
+          <a:lstStyle/>
+          <a:p>
+            <a:pPr marL="0" marR="0" lvl="0" indent="0" algn="ctr" defTabSz="914400" rtl="0" eaLnBrk="1" fontAlgn="auto" latinLnBrk="0" hangingPunct="1">
+              <a:lnSpc>
+                <a:spcPct val="100000"/>
+              </a:lnSpc>
+              <a:spcBef>
+                <a:spcPts val="0"/>
+              </a:spcBef>
+              <a:spcAft>
+                <a:spcPts val="0"/>
+              </a:spcAft>
+              <a:buClrTx/>
+              <a:buSzTx/>
+              <a:buFontTx/>
+              <a:buNone/>
+              <a:tabLst/>
+              <a:defRPr/>
+            </a:pPr>
+            <a:r>
+              <a:rPr kumimoji="0" lang="en-US" sz="4000" b="0" i="0" u="none" strike="noStrike" kern="1200" cap="none" spc="0" normalizeH="0" baseline="0" noProof="0" dirty="0" smtClean="0">
+                <a:ln>
+                  <a:noFill/>
+                </a:ln>
+                <a:solidFill>
+                  <a:srgbClr val="00D8FF"/>
+                </a:solidFill>
+                <a:effectLst/>
+                <a:uLnTx/>
+                <a:uFillTx/>
+                <a:latin typeface="Consolas"/>
+                <a:ea typeface="+mn-ea"/>
+                <a:cs typeface="Calibri"/>
+              </a:rPr>
+              <a:t>Type aliases </a:t>
+            </a:r>
+            <a:r>
+              <a:rPr kumimoji="0" lang="en-US" sz="4000" b="0" i="0" u="none" strike="noStrike" kern="1200" cap="none" spc="0" normalizeH="0" baseline="0" noProof="0" dirty="0" smtClean="0">
+                <a:ln>
+                  <a:noFill/>
+                </a:ln>
+                <a:solidFill>
+                  <a:srgbClr val="BF4141"/>
+                </a:solidFill>
+                <a:effectLst/>
+                <a:uLnTx/>
+                <a:uFillTx/>
+                <a:latin typeface="Consolas"/>
+                <a:ea typeface="+mn-ea"/>
+                <a:cs typeface="Calibri"/>
+              </a:rPr>
+              <a:t>vs</a:t>
+            </a:r>
+            <a:r>
+              <a:rPr kumimoji="0" lang="en-US" sz="4000" b="0" i="0" u="none" strike="noStrike" kern="1200" cap="none" spc="0" normalizeH="0" baseline="0" noProof="0" dirty="0" smtClean="0">
+                <a:ln>
+                  <a:noFill/>
+                </a:ln>
+                <a:solidFill>
+                  <a:srgbClr val="00D8FF"/>
+                </a:solidFill>
+                <a:effectLst/>
+                <a:uLnTx/>
+                <a:uFillTx/>
+                <a:latin typeface="Consolas"/>
+                <a:ea typeface="+mn-ea"/>
+                <a:cs typeface="Calibri"/>
+              </a:rPr>
+              <a:t> interfaces</a:t>
+            </a:r>
+            <a:endParaRPr kumimoji="0" lang="en-US" sz="4000" b="0" i="0" u="none" strike="noStrike" kern="1200" cap="none" spc="0" normalizeH="0" baseline="0" noProof="0" dirty="0">
+              <a:ln>
+                <a:noFill/>
+              </a:ln>
+              <a:solidFill>
+                <a:srgbClr val="00D8FF"/>
+              </a:solidFill>
+              <a:effectLst/>
+              <a:uLnTx/>
+              <a:uFillTx/>
+              <a:latin typeface="Consolas"/>
+              <a:ea typeface="+mn-ea"/>
+              <a:cs typeface="Calibri"/>
+            </a:endParaRPr>
+          </a:p>
+        </p:txBody>
+      </p:sp>
+    </p:spTree>
+    <p:extLst>
+      <p:ext uri="{BB962C8B-B14F-4D97-AF65-F5344CB8AC3E}">
+        <p14:creationId xmlns:p14="http://schemas.microsoft.com/office/powerpoint/2010/main" val="1661994046"/>
+      </p:ext>
+    </p:extLst>
+  </p:cSld>
+  <p:clrMapOvr>
+    <a:masterClrMapping/>
+  </p:clrMapOvr>
+  <p:timing>
+    <p:tnLst>
+      <p:par>
+        <p:cTn id="1" dur="indefinite" restart="never" nodeType="tmRoot"/>
+      </p:par>
+    </p:tnLst>
+  </p:timing>
+</p:sld>
+</file>
+
+<file path=ppt/slides/slide123.xml><?xml version="1.0" encoding="utf-8"?>
+<p:sld xmlns:a="http://schemas.openxmlformats.org/drawingml/2006/main" xmlns:r="http://schemas.openxmlformats.org/officeDocument/2006/relationships" xmlns:p="http://schemas.openxmlformats.org/presentationml/2006/main">
+  <p:cSld>
+    <p:bg>
+      <p:bgPr>
+        <a:solidFill>
+          <a:srgbClr val="262626"/>
+        </a:solidFill>
+        <a:effectLst/>
+      </p:bgPr>
+    </p:bg>
+    <p:spTree>
+      <p:nvGrpSpPr>
+        <p:cNvPr id="1" name=""/>
+        <p:cNvGrpSpPr/>
+        <p:nvPr/>
+      </p:nvGrpSpPr>
+      <p:grpSpPr>
+        <a:xfrm>
+          <a:off x="0" y="0"/>
+          <a:ext cx="0" cy="0"/>
+          <a:chOff x="0" y="0"/>
+          <a:chExt cx="0" cy="0"/>
+        </a:xfrm>
+      </p:grpSpPr>
+      <p:sp>
+        <p:nvSpPr>
+          <p:cNvPr id="6" name="Прямоугольник 5"/>
+          <p:cNvSpPr/>
+          <p:nvPr/>
+        </p:nvSpPr>
+        <p:spPr>
+          <a:xfrm>
+            <a:off x="4298135" y="2839452"/>
+            <a:ext cx="3570208" cy="707886"/>
+          </a:xfrm>
+          <a:prstGeom prst="rect">
+            <a:avLst/>
+          </a:prstGeom>
+        </p:spPr>
+        <p:txBody>
+          <a:bodyPr wrap="none">
+            <a:spAutoFit/>
+          </a:bodyPr>
+          <a:lstStyle/>
+          <a:p>
+            <a:pPr marL="0" marR="0" lvl="0" indent="0" algn="ctr" defTabSz="914400" rtl="0" eaLnBrk="1" fontAlgn="auto" latinLnBrk="0" hangingPunct="1">
+              <a:lnSpc>
+                <a:spcPct val="100000"/>
+              </a:lnSpc>
+              <a:spcBef>
+                <a:spcPts val="0"/>
+              </a:spcBef>
+              <a:spcAft>
+                <a:spcPts val="0"/>
+              </a:spcAft>
+              <a:buClrTx/>
+              <a:buSzTx/>
+              <a:buFontTx/>
+              <a:buNone/>
+              <a:tabLst/>
+              <a:defRPr/>
+            </a:pPr>
+            <a:r>
+              <a:rPr kumimoji="0" lang="en-US" sz="4000" b="0" i="0" u="none" strike="noStrike" kern="1200" cap="none" spc="0" normalizeH="0" baseline="0" noProof="0" dirty="0" smtClean="0">
+                <a:ln>
+                  <a:noFill/>
+                </a:ln>
+                <a:solidFill>
+                  <a:srgbClr val="BF4141"/>
+                </a:solidFill>
+                <a:effectLst/>
+                <a:uLnTx/>
+                <a:uFillTx/>
+                <a:latin typeface="Consolas"/>
+                <a:ea typeface="+mn-ea"/>
+                <a:cs typeface="Calibri"/>
+              </a:rPr>
+              <a:t>never</a:t>
+            </a:r>
+            <a:r>
+              <a:rPr kumimoji="0" lang="en-US" sz="4000" b="0" i="0" u="none" strike="noStrike" kern="1200" cap="none" spc="0" normalizeH="0" noProof="0" dirty="0" smtClean="0">
+                <a:ln>
+                  <a:noFill/>
+                </a:ln>
+                <a:solidFill>
+                  <a:srgbClr val="00D8FF"/>
+                </a:solidFill>
+                <a:effectLst/>
+                <a:uLnTx/>
+                <a:uFillTx/>
+                <a:latin typeface="Consolas"/>
+                <a:ea typeface="+mn-ea"/>
+                <a:cs typeface="Calibri"/>
+              </a:rPr>
+              <a:t> checks</a:t>
+            </a:r>
+            <a:endParaRPr kumimoji="0" lang="en-US" sz="4000" b="0" i="0" u="none" strike="noStrike" kern="1200" cap="none" spc="0" normalizeH="0" baseline="0" noProof="0" dirty="0">
+              <a:ln>
+                <a:noFill/>
+              </a:ln>
+              <a:solidFill>
+                <a:srgbClr val="00D8FF"/>
+              </a:solidFill>
+              <a:effectLst/>
+              <a:uLnTx/>
+              <a:uFillTx/>
+              <a:latin typeface="Consolas"/>
+              <a:ea typeface="+mn-ea"/>
+              <a:cs typeface="Calibri"/>
+            </a:endParaRPr>
+          </a:p>
+        </p:txBody>
+      </p:sp>
+    </p:spTree>
+    <p:extLst>
+      <p:ext uri="{BB962C8B-B14F-4D97-AF65-F5344CB8AC3E}">
+        <p14:creationId xmlns:p14="http://schemas.microsoft.com/office/powerpoint/2010/main" val="3923413561"/>
+      </p:ext>
+    </p:extLst>
+  </p:cSld>
+  <p:clrMapOvr>
+    <a:masterClrMapping/>
+  </p:clrMapOvr>
+  <p:timing>
+    <p:tnLst>
+      <p:par>
+        <p:cTn id="1" dur="indefinite" restart="never" nodeType="tmRoot"/>
+      </p:par>
+    </p:tnLst>
+  </p:timing>
+</p:sld>
+</file>
+
+<file path=ppt/slides/slide124.xml><?xml version="1.0" encoding="utf-8"?>
+<p:sld xmlns:a="http://schemas.openxmlformats.org/drawingml/2006/main" xmlns:r="http://schemas.openxmlformats.org/officeDocument/2006/relationships" xmlns:p="http://schemas.openxmlformats.org/presentationml/2006/main">
+  <p:cSld>
+    <p:bg>
+      <p:bgPr>
+        <a:solidFill>
+          <a:srgbClr val="262626"/>
+        </a:solidFill>
+        <a:effectLst/>
+      </p:bgPr>
+    </p:bg>
+    <p:spTree>
+      <p:nvGrpSpPr>
+        <p:cNvPr id="1" name=""/>
+        <p:cNvGrpSpPr/>
+        <p:nvPr/>
+      </p:nvGrpSpPr>
+      <p:grpSpPr>
+        <a:xfrm>
+          <a:off x="0" y="0"/>
+          <a:ext cx="0" cy="0"/>
+          <a:chOff x="0" y="0"/>
+          <a:chExt cx="0" cy="0"/>
+        </a:xfrm>
+      </p:grpSpPr>
+      <p:sp>
+        <p:nvSpPr>
+          <p:cNvPr id="6" name="Прямоугольник 5"/>
+          <p:cNvSpPr/>
+          <p:nvPr/>
+        </p:nvSpPr>
+        <p:spPr>
+          <a:xfrm>
+            <a:off x="3028562" y="2839452"/>
+            <a:ext cx="6109365" cy="707886"/>
+          </a:xfrm>
+          <a:prstGeom prst="rect">
+            <a:avLst/>
+          </a:prstGeom>
+        </p:spPr>
+        <p:txBody>
+          <a:bodyPr wrap="none">
+            <a:spAutoFit/>
+          </a:bodyPr>
+          <a:lstStyle/>
+          <a:p>
+            <a:pPr marL="0" marR="0" lvl="0" indent="0" algn="ctr" defTabSz="914400" rtl="0" eaLnBrk="1" fontAlgn="auto" latinLnBrk="0" hangingPunct="1">
+              <a:lnSpc>
+                <a:spcPct val="100000"/>
+              </a:lnSpc>
+              <a:spcBef>
+                <a:spcPts val="0"/>
+              </a:spcBef>
+              <a:spcAft>
+                <a:spcPts val="0"/>
+              </a:spcAft>
+              <a:buClrTx/>
+              <a:buSzTx/>
+              <a:buFontTx/>
+              <a:buNone/>
+              <a:tabLst/>
+              <a:defRPr/>
+            </a:pPr>
+            <a:r>
+              <a:rPr lang="en-US" sz="4000" dirty="0" smtClean="0">
+                <a:solidFill>
+                  <a:srgbClr val="00D8FF"/>
+                </a:solidFill>
+                <a:latin typeface="Consolas"/>
+                <a:cs typeface="Calibri"/>
+              </a:rPr>
+              <a:t>Polymorphic </a:t>
+            </a:r>
+            <a:r>
+              <a:rPr lang="en-US" sz="4000" dirty="0" smtClean="0">
+                <a:solidFill>
+                  <a:srgbClr val="BF4141"/>
+                </a:solidFill>
+                <a:latin typeface="Consolas"/>
+                <a:cs typeface="Calibri"/>
+              </a:rPr>
+              <a:t>this</a:t>
+            </a:r>
+            <a:r>
+              <a:rPr lang="en-US" sz="4000" dirty="0" smtClean="0">
+                <a:solidFill>
+                  <a:srgbClr val="00D8FF"/>
+                </a:solidFill>
+                <a:latin typeface="Consolas"/>
+                <a:cs typeface="Calibri"/>
+              </a:rPr>
+              <a:t> type</a:t>
+            </a:r>
+            <a:endParaRPr kumimoji="0" lang="en-US" sz="4000" b="0" i="0" u="none" strike="noStrike" kern="1200" cap="none" spc="0" normalizeH="0" baseline="0" noProof="0" dirty="0">
+              <a:ln>
+                <a:noFill/>
+              </a:ln>
+              <a:solidFill>
+                <a:srgbClr val="00D8FF"/>
+              </a:solidFill>
+              <a:effectLst/>
+              <a:uLnTx/>
+              <a:uFillTx/>
+              <a:latin typeface="Consolas"/>
+              <a:cs typeface="Calibri"/>
+            </a:endParaRPr>
+          </a:p>
+        </p:txBody>
+      </p:sp>
+    </p:spTree>
+    <p:extLst>
+      <p:ext uri="{BB962C8B-B14F-4D97-AF65-F5344CB8AC3E}">
+        <p14:creationId xmlns:p14="http://schemas.microsoft.com/office/powerpoint/2010/main" val="1864110179"/>
+      </p:ext>
+    </p:extLst>
+  </p:cSld>
+  <p:clrMapOvr>
+    <a:masterClrMapping/>
+  </p:clrMapOvr>
+  <p:timing>
+    <p:tnLst>
+      <p:par>
+        <p:cTn id="1" dur="indefinite" restart="never" nodeType="tmRoot"/>
+      </p:par>
+    </p:tnLst>
+  </p:timing>
+</p:sld>
+</file>
+
+<file path=ppt/slides/slide125.xml><?xml version="1.0" encoding="utf-8"?>
+<p:sld xmlns:a="http://schemas.openxmlformats.org/drawingml/2006/main" xmlns:r="http://schemas.openxmlformats.org/officeDocument/2006/relationships" xmlns:p="http://schemas.openxmlformats.org/presentationml/2006/main">
+  <p:cSld>
+    <p:bg>
+      <p:bgPr>
+        <a:solidFill>
+          <a:srgbClr val="262626"/>
+        </a:solidFill>
+        <a:effectLst/>
+      </p:bgPr>
+    </p:bg>
+    <p:spTree>
+      <p:nvGrpSpPr>
+        <p:cNvPr id="1" name=""/>
+        <p:cNvGrpSpPr/>
+        <p:nvPr/>
+      </p:nvGrpSpPr>
+      <p:grpSpPr>
+        <a:xfrm>
+          <a:off x="0" y="0"/>
+          <a:ext cx="0" cy="0"/>
+          <a:chOff x="0" y="0"/>
+          <a:chExt cx="0" cy="0"/>
+        </a:xfrm>
+      </p:grpSpPr>
+      <p:sp>
+        <p:nvSpPr>
+          <p:cNvPr id="6" name="Прямоугольник 5"/>
+          <p:cNvSpPr/>
+          <p:nvPr/>
+        </p:nvSpPr>
+        <p:spPr>
+          <a:xfrm>
+            <a:off x="4439206" y="2839452"/>
+            <a:ext cx="3288081" cy="707886"/>
+          </a:xfrm>
+          <a:prstGeom prst="rect">
+            <a:avLst/>
+          </a:prstGeom>
+        </p:spPr>
+        <p:txBody>
+          <a:bodyPr wrap="none">
+            <a:spAutoFit/>
+          </a:bodyPr>
+          <a:lstStyle/>
+          <a:p>
+            <a:pPr marL="0" marR="0" lvl="0" indent="0" algn="ctr" defTabSz="914400" rtl="0" eaLnBrk="1" fontAlgn="auto" latinLnBrk="0" hangingPunct="1">
+              <a:lnSpc>
+                <a:spcPct val="100000"/>
+              </a:lnSpc>
+              <a:spcBef>
+                <a:spcPts val="0"/>
+              </a:spcBef>
+              <a:spcAft>
+                <a:spcPts val="0"/>
+              </a:spcAft>
+              <a:buClrTx/>
+              <a:buSzTx/>
+              <a:buFontTx/>
+              <a:buNone/>
+              <a:tabLst/>
+              <a:defRPr/>
+            </a:pPr>
+            <a:r>
+              <a:rPr kumimoji="0" lang="en-US" sz="4000" b="0" i="0" u="none" strike="noStrike" kern="1200" cap="none" spc="0" normalizeH="0" baseline="0" noProof="0" dirty="0" smtClean="0">
+                <a:ln>
+                  <a:noFill/>
+                </a:ln>
+                <a:solidFill>
+                  <a:srgbClr val="00D8FF"/>
+                </a:solidFill>
+                <a:effectLst/>
+                <a:uLnTx/>
+                <a:uFillTx/>
+                <a:latin typeface="Consolas"/>
+                <a:ea typeface="+mn-ea"/>
+                <a:cs typeface="Calibri"/>
+              </a:rPr>
+              <a:t>Index types</a:t>
+            </a:r>
+            <a:endParaRPr kumimoji="0" lang="en-US" sz="4000" b="0" i="0" u="none" strike="noStrike" kern="1200" cap="none" spc="0" normalizeH="0" baseline="0" noProof="0" dirty="0">
+              <a:ln>
+                <a:noFill/>
+              </a:ln>
+              <a:solidFill>
+                <a:srgbClr val="00D8FF"/>
+              </a:solidFill>
+              <a:effectLst/>
+              <a:uLnTx/>
+              <a:uFillTx/>
+              <a:latin typeface="Consolas"/>
+              <a:ea typeface="+mn-ea"/>
+              <a:cs typeface="Calibri"/>
+            </a:endParaRPr>
+          </a:p>
+        </p:txBody>
+      </p:sp>
+    </p:spTree>
+    <p:extLst>
+      <p:ext uri="{BB962C8B-B14F-4D97-AF65-F5344CB8AC3E}">
+        <p14:creationId xmlns:p14="http://schemas.microsoft.com/office/powerpoint/2010/main" val="3195228968"/>
+      </p:ext>
+    </p:extLst>
+  </p:cSld>
+  <p:clrMapOvr>
+    <a:masterClrMapping/>
+  </p:clrMapOvr>
+  <p:timing>
+    <p:tnLst>
+      <p:par>
+        <p:cTn id="1" dur="indefinite" restart="never" nodeType="tmRoot"/>
+      </p:par>
+    </p:tnLst>
+  </p:timing>
+</p:sld>
+</file>
+
+<file path=ppt/slides/slide126.xml><?xml version="1.0" encoding="utf-8"?>
+<p:sld xmlns:a="http://schemas.openxmlformats.org/drawingml/2006/main" xmlns:r="http://schemas.openxmlformats.org/officeDocument/2006/relationships" xmlns:p="http://schemas.openxmlformats.org/presentationml/2006/main">
+  <p:cSld>
+    <p:bg>
+      <p:bgPr>
+        <a:solidFill>
+          <a:srgbClr val="262626"/>
+        </a:solidFill>
+        <a:effectLst/>
+      </p:bgPr>
+    </p:bg>
+    <p:spTree>
+      <p:nvGrpSpPr>
+        <p:cNvPr id="1" name=""/>
+        <p:cNvGrpSpPr/>
+        <p:nvPr/>
+      </p:nvGrpSpPr>
+      <p:grpSpPr>
+        <a:xfrm>
+          <a:off x="0" y="0"/>
+          <a:ext cx="0" cy="0"/>
+          <a:chOff x="0" y="0"/>
+          <a:chExt cx="0" cy="0"/>
+        </a:xfrm>
+      </p:grpSpPr>
+      <p:sp>
+        <p:nvSpPr>
+          <p:cNvPr id="6" name="Прямоугольник 5"/>
+          <p:cNvSpPr/>
+          <p:nvPr/>
+        </p:nvSpPr>
+        <p:spPr>
+          <a:xfrm>
+            <a:off x="4580274" y="2839452"/>
+            <a:ext cx="3005951" cy="707886"/>
+          </a:xfrm>
+          <a:prstGeom prst="rect">
+            <a:avLst/>
+          </a:prstGeom>
+        </p:spPr>
+        <p:txBody>
+          <a:bodyPr wrap="none">
+            <a:spAutoFit/>
+          </a:bodyPr>
+          <a:lstStyle/>
+          <a:p>
+            <a:pPr marL="0" marR="0" lvl="0" indent="0" algn="ctr" defTabSz="914400" rtl="0" eaLnBrk="1" fontAlgn="auto" latinLnBrk="0" hangingPunct="1">
+              <a:lnSpc>
+                <a:spcPct val="100000"/>
+              </a:lnSpc>
+              <a:spcBef>
+                <a:spcPts val="0"/>
+              </a:spcBef>
+              <a:spcAft>
+                <a:spcPts val="0"/>
+              </a:spcAft>
+              <a:buClrTx/>
+              <a:buSzTx/>
+              <a:buFontTx/>
+              <a:buNone/>
+              <a:tabLst/>
+              <a:defRPr/>
+            </a:pPr>
+            <a:r>
+              <a:rPr kumimoji="0" lang="en-US" sz="4000" b="0" i="0" u="none" strike="noStrike" kern="1200" cap="none" spc="0" normalizeH="0" baseline="0" noProof="0" dirty="0" err="1" smtClean="0">
+                <a:ln>
+                  <a:noFill/>
+                </a:ln>
+                <a:solidFill>
+                  <a:srgbClr val="BF4141"/>
+                </a:solidFill>
+                <a:effectLst/>
+                <a:uLnTx/>
+                <a:uFillTx/>
+                <a:latin typeface="Consolas"/>
+                <a:ea typeface="+mn-ea"/>
+                <a:cs typeface="Calibri"/>
+              </a:rPr>
+              <a:t>keyof</a:t>
+            </a:r>
+            <a:r>
+              <a:rPr kumimoji="0" lang="en-US" sz="4000" b="0" i="0" u="none" strike="noStrike" kern="1200" cap="none" spc="0" normalizeH="0" noProof="0" dirty="0" smtClean="0">
+                <a:ln>
+                  <a:noFill/>
+                </a:ln>
+                <a:solidFill>
+                  <a:srgbClr val="00D8FF"/>
+                </a:solidFill>
+                <a:effectLst/>
+                <a:uLnTx/>
+                <a:uFillTx/>
+                <a:latin typeface="Consolas"/>
+                <a:ea typeface="+mn-ea"/>
+                <a:cs typeface="Calibri"/>
+              </a:rPr>
+              <a:t> type</a:t>
+            </a:r>
+            <a:endParaRPr kumimoji="0" lang="en-US" sz="4000" b="0" i="0" u="none" strike="noStrike" kern="1200" cap="none" spc="0" normalizeH="0" baseline="0" noProof="0" dirty="0">
+              <a:ln>
+                <a:noFill/>
+              </a:ln>
+              <a:solidFill>
+                <a:srgbClr val="00D8FF"/>
+              </a:solidFill>
+              <a:effectLst/>
+              <a:uLnTx/>
+              <a:uFillTx/>
+              <a:latin typeface="Consolas"/>
+              <a:ea typeface="+mn-ea"/>
+              <a:cs typeface="Calibri"/>
+            </a:endParaRPr>
+          </a:p>
+        </p:txBody>
+      </p:sp>
+    </p:spTree>
+    <p:extLst>
+      <p:ext uri="{BB962C8B-B14F-4D97-AF65-F5344CB8AC3E}">
+        <p14:creationId xmlns:p14="http://schemas.microsoft.com/office/powerpoint/2010/main" val="1080057362"/>
+      </p:ext>
+    </p:extLst>
+  </p:cSld>
+  <p:clrMapOvr>
+    <a:masterClrMapping/>
+  </p:clrMapOvr>
+  <p:timing>
+    <p:tnLst>
+      <p:par>
+        <p:cTn id="1" dur="indefinite" restart="never" nodeType="tmRoot"/>
+      </p:par>
+    </p:tnLst>
+  </p:timing>
+</p:sld>
+</file>
+
+<file path=ppt/slides/slide127.xml><?xml version="1.0" encoding="utf-8"?>
+<p:sld xmlns:a="http://schemas.openxmlformats.org/drawingml/2006/main" xmlns:r="http://schemas.openxmlformats.org/officeDocument/2006/relationships" xmlns:p="http://schemas.openxmlformats.org/presentationml/2006/main">
+  <p:cSld>
+    <p:bg>
+      <p:bgPr>
+        <a:solidFill>
+          <a:srgbClr val="262626"/>
+        </a:solidFill>
+        <a:effectLst/>
+      </p:bgPr>
+    </p:bg>
+    <p:spTree>
+      <p:nvGrpSpPr>
+        <p:cNvPr id="1" name=""/>
+        <p:cNvGrpSpPr/>
+        <p:nvPr/>
+      </p:nvGrpSpPr>
+      <p:grpSpPr>
+        <a:xfrm>
+          <a:off x="0" y="0"/>
+          <a:ext cx="0" cy="0"/>
+          <a:chOff x="0" y="0"/>
+          <a:chExt cx="0" cy="0"/>
+        </a:xfrm>
+      </p:grpSpPr>
+      <p:sp>
+        <p:nvSpPr>
+          <p:cNvPr id="6" name="Прямоугольник 5"/>
+          <p:cNvSpPr/>
+          <p:nvPr/>
+        </p:nvSpPr>
+        <p:spPr>
+          <a:xfrm>
+            <a:off x="4580276" y="2839452"/>
+            <a:ext cx="3005951" cy="707886"/>
+          </a:xfrm>
+          <a:prstGeom prst="rect">
+            <a:avLst/>
+          </a:prstGeom>
+        </p:spPr>
+        <p:txBody>
+          <a:bodyPr wrap="none">
+            <a:spAutoFit/>
+          </a:bodyPr>
+          <a:lstStyle/>
+          <a:p>
+            <a:pPr marL="0" marR="0" lvl="0" indent="0" algn="ctr" defTabSz="914400" rtl="0" eaLnBrk="1" fontAlgn="auto" latinLnBrk="0" hangingPunct="1">
+              <a:lnSpc>
+                <a:spcPct val="100000"/>
+              </a:lnSpc>
+              <a:spcBef>
+                <a:spcPts val="0"/>
+              </a:spcBef>
+              <a:spcAft>
+                <a:spcPts val="0"/>
+              </a:spcAft>
+              <a:buClrTx/>
+              <a:buSzTx/>
+              <a:buFontTx/>
+              <a:buNone/>
+              <a:tabLst/>
+              <a:defRPr/>
+            </a:pPr>
+            <a:r>
+              <a:rPr kumimoji="0" lang="en-US" sz="4000" b="0" i="0" u="none" strike="noStrike" kern="1200" cap="none" spc="0" normalizeH="0" baseline="0" noProof="0" dirty="0" smtClean="0">
+                <a:ln>
+                  <a:noFill/>
+                </a:ln>
+                <a:solidFill>
+                  <a:srgbClr val="00D8FF"/>
+                </a:solidFill>
+                <a:effectLst/>
+                <a:uLnTx/>
+                <a:uFillTx/>
+                <a:latin typeface="Consolas"/>
+                <a:ea typeface="+mn-ea"/>
+                <a:cs typeface="Calibri"/>
+              </a:rPr>
+              <a:t>Type</a:t>
+            </a:r>
+            <a:r>
+              <a:rPr kumimoji="0" lang="en-US" sz="4000" b="0" i="0" u="none" strike="noStrike" kern="1200" cap="none" spc="0" normalizeH="0" baseline="0" noProof="0" dirty="0" smtClean="0">
+                <a:ln>
+                  <a:noFill/>
+                </a:ln>
+                <a:solidFill>
+                  <a:srgbClr val="BF4141"/>
+                </a:solidFill>
+                <a:effectLst/>
+                <a:uLnTx/>
+                <a:uFillTx/>
+                <a:latin typeface="Consolas"/>
+                <a:ea typeface="+mn-ea"/>
+                <a:cs typeface="Calibri"/>
+              </a:rPr>
+              <a:t>[</a:t>
+            </a:r>
+            <a:r>
+              <a:rPr kumimoji="0" lang="en-US" sz="4000" b="0" i="0" u="none" strike="noStrike" kern="1200" cap="none" spc="0" normalizeH="0" baseline="0" noProof="0" dirty="0" err="1" smtClean="0">
+                <a:ln>
+                  <a:noFill/>
+                </a:ln>
+                <a:solidFill>
+                  <a:srgbClr val="00D8FF"/>
+                </a:solidFill>
+                <a:effectLst/>
+                <a:uLnTx/>
+                <a:uFillTx/>
+                <a:latin typeface="Consolas"/>
+                <a:ea typeface="+mn-ea"/>
+                <a:cs typeface="Calibri"/>
+              </a:rPr>
+              <a:t>TKey</a:t>
+            </a:r>
+            <a:r>
+              <a:rPr kumimoji="0" lang="en-US" sz="4000" b="0" i="0" u="none" strike="noStrike" kern="1200" cap="none" spc="0" normalizeH="0" baseline="0" noProof="0" dirty="0" smtClean="0">
+                <a:ln>
+                  <a:noFill/>
+                </a:ln>
+                <a:solidFill>
+                  <a:srgbClr val="BF4141"/>
+                </a:solidFill>
+                <a:effectLst/>
+                <a:uLnTx/>
+                <a:uFillTx/>
+                <a:latin typeface="Consolas"/>
+                <a:ea typeface="+mn-ea"/>
+                <a:cs typeface="Calibri"/>
+              </a:rPr>
+              <a:t>]</a:t>
+            </a:r>
+            <a:endParaRPr kumimoji="0" lang="en-US" sz="4000" b="0" i="0" u="none" strike="noStrike" kern="1200" cap="none" spc="0" normalizeH="0" baseline="0" noProof="0" dirty="0">
+              <a:ln>
+                <a:noFill/>
+              </a:ln>
+              <a:solidFill>
+                <a:srgbClr val="BF4141"/>
+              </a:solidFill>
+              <a:effectLst/>
+              <a:uLnTx/>
+              <a:uFillTx/>
+              <a:latin typeface="Consolas"/>
+              <a:ea typeface="+mn-ea"/>
+              <a:cs typeface="Calibri"/>
+            </a:endParaRPr>
+          </a:p>
+        </p:txBody>
+      </p:sp>
+    </p:spTree>
+    <p:extLst>
+      <p:ext uri="{BB962C8B-B14F-4D97-AF65-F5344CB8AC3E}">
+        <p14:creationId xmlns:p14="http://schemas.microsoft.com/office/powerpoint/2010/main" val="535575177"/>
+      </p:ext>
+    </p:extLst>
+  </p:cSld>
+  <p:clrMapOvr>
+    <a:masterClrMapping/>
+  </p:clrMapOvr>
+  <p:timing>
+    <p:tnLst>
+      <p:par>
+        <p:cTn id="1" dur="indefinite" restart="never" nodeType="tmRoot"/>
+      </p:par>
+    </p:tnLst>
+  </p:timing>
+</p:sld>
+</file>
+
+<file path=ppt/slides/slide128.xml><?xml version="1.0" encoding="utf-8"?>
+<p:sld xmlns:a="http://schemas.openxmlformats.org/drawingml/2006/main" xmlns:r="http://schemas.openxmlformats.org/officeDocument/2006/relationships" xmlns:p="http://schemas.openxmlformats.org/presentationml/2006/main">
+  <p:cSld>
+    <p:bg>
+      <p:bgPr>
+        <a:solidFill>
+          <a:srgbClr val="262626"/>
+        </a:solidFill>
+        <a:effectLst/>
+      </p:bgPr>
+    </p:bg>
+    <p:spTree>
+      <p:nvGrpSpPr>
+        <p:cNvPr id="1" name=""/>
+        <p:cNvGrpSpPr/>
+        <p:nvPr/>
+      </p:nvGrpSpPr>
+      <p:grpSpPr>
+        <a:xfrm>
+          <a:off x="0" y="0"/>
+          <a:ext cx="0" cy="0"/>
+          <a:chOff x="0" y="0"/>
+          <a:chExt cx="0" cy="0"/>
+        </a:xfrm>
+      </p:grpSpPr>
+      <p:sp>
+        <p:nvSpPr>
+          <p:cNvPr id="6" name="Прямоугольник 5"/>
+          <p:cNvSpPr/>
+          <p:nvPr/>
+        </p:nvSpPr>
+        <p:spPr>
+          <a:xfrm>
+            <a:off x="2323251" y="2839452"/>
+            <a:ext cx="7520008" cy="707886"/>
+          </a:xfrm>
+          <a:prstGeom prst="rect">
+            <a:avLst/>
+          </a:prstGeom>
+        </p:spPr>
+        <p:txBody>
+          <a:bodyPr wrap="none">
+            <a:spAutoFit/>
+          </a:bodyPr>
+          <a:lstStyle/>
+          <a:p>
+            <a:pPr lvl="0" algn="ctr">
+              <a:defRPr/>
+            </a:pPr>
+            <a:r>
+              <a:rPr lang="en-US" sz="4000" dirty="0">
+                <a:solidFill>
+                  <a:srgbClr val="00D8FF"/>
+                </a:solidFill>
+                <a:latin typeface="Consolas"/>
+                <a:cs typeface="Calibri"/>
+              </a:rPr>
+              <a:t>number key </a:t>
+            </a:r>
+            <a:r>
+              <a:rPr kumimoji="0" lang="en-US" sz="4000" b="0" i="0" u="none" strike="noStrike" kern="1200" cap="none" spc="0" normalizeH="0" baseline="0" noProof="0" dirty="0" smtClean="0">
+                <a:ln>
+                  <a:noFill/>
+                </a:ln>
+                <a:solidFill>
+                  <a:srgbClr val="BF4141"/>
+                </a:solidFill>
+                <a:effectLst/>
+                <a:uLnTx/>
+                <a:uFillTx/>
+                <a:latin typeface="Consolas"/>
+                <a:ea typeface="+mn-ea"/>
+                <a:cs typeface="Calibri"/>
+              </a:rPr>
+              <a:t>=== </a:t>
+            </a:r>
+            <a:r>
+              <a:rPr lang="en-US" sz="4000" dirty="0">
+                <a:solidFill>
+                  <a:srgbClr val="00D8FF"/>
+                </a:solidFill>
+                <a:latin typeface="Consolas"/>
+                <a:cs typeface="Calibri"/>
+              </a:rPr>
+              <a:t>string </a:t>
+            </a:r>
+            <a:r>
+              <a:rPr lang="en-US" sz="4000" dirty="0" smtClean="0">
+                <a:solidFill>
+                  <a:srgbClr val="00D8FF"/>
+                </a:solidFill>
+                <a:latin typeface="Consolas"/>
+                <a:cs typeface="Calibri"/>
+              </a:rPr>
+              <a:t>key</a:t>
+            </a:r>
+            <a:endParaRPr kumimoji="0" lang="en-US" sz="4000" b="0" i="0" u="none" strike="noStrike" kern="1200" cap="none" spc="0" normalizeH="0" baseline="0" noProof="0" dirty="0">
+              <a:ln>
+                <a:noFill/>
+              </a:ln>
+              <a:solidFill>
+                <a:srgbClr val="00D8FF"/>
+              </a:solidFill>
+              <a:effectLst/>
+              <a:uLnTx/>
+              <a:uFillTx/>
+              <a:latin typeface="Consolas"/>
+              <a:ea typeface="+mn-ea"/>
+              <a:cs typeface="Calibri"/>
+            </a:endParaRPr>
+          </a:p>
+        </p:txBody>
+      </p:sp>
+    </p:spTree>
+    <p:extLst>
+      <p:ext uri="{BB962C8B-B14F-4D97-AF65-F5344CB8AC3E}">
+        <p14:creationId xmlns:p14="http://schemas.microsoft.com/office/powerpoint/2010/main" val="2480059701"/>
       </p:ext>
     </p:extLst>
   </p:cSld>
@@ -23760,7 +26915,7 @@
           <p:cNvPr id="4" name="Рисунок 4" descr="Изображение выглядит как знак, рисунок, часы&#10;&#10;Автоматически созданное описание">
             <a:extLst>
               <a:ext uri="{FF2B5EF4-FFF2-40B4-BE49-F238E27FC236}">
-                <a16:creationId xmlns="" xmlns:a16="http://schemas.microsoft.com/office/drawing/2014/main" id="{B6FB7A48-50FC-4BF0-B13B-ED1B6273FE43}"/>
+                <a16:creationId xmlns:a16="http://schemas.microsoft.com/office/drawing/2014/main" id="{B6FB7A48-50FC-4BF0-B13B-ED1B6273FE43}"/>
               </a:ext>
             </a:extLst>
           </p:cNvPr>
@@ -23828,7 +26983,7 @@
           <p:cNvPr id="3" name="Рисунок 3" descr="Изображение выглядит как устройство&#10;&#10;Автоматически созданное описание">
             <a:extLst>
               <a:ext uri="{FF2B5EF4-FFF2-40B4-BE49-F238E27FC236}">
-                <a16:creationId xmlns="" xmlns:a16="http://schemas.microsoft.com/office/drawing/2014/main" id="{A429CB02-01DF-4770-8DAB-A55DBEC1392F}"/>
+                <a16:creationId xmlns:a16="http://schemas.microsoft.com/office/drawing/2014/main" id="{A429CB02-01DF-4770-8DAB-A55DBEC1392F}"/>
               </a:ext>
             </a:extLst>
           </p:cNvPr>
@@ -23903,7 +27058,7 @@
           <p:cNvPr id="3" name="TextBox 2">
             <a:extLst>
               <a:ext uri="{FF2B5EF4-FFF2-40B4-BE49-F238E27FC236}">
-                <a16:creationId xmlns="" xmlns:a16="http://schemas.microsoft.com/office/drawing/2014/main" id="{AFAB66F8-ED4A-48EE-85D2-C79AC4668A7D}"/>
+                <a16:creationId xmlns:a16="http://schemas.microsoft.com/office/drawing/2014/main" id="{AFAB66F8-ED4A-48EE-85D2-C79AC4668A7D}"/>
               </a:ext>
             </a:extLst>
           </p:cNvPr>
@@ -24019,7 +27174,7 @@
           <p:cNvPr id="12" name="Овал 11">
             <a:extLst>
               <a:ext uri="{FF2B5EF4-FFF2-40B4-BE49-F238E27FC236}">
-                <a16:creationId xmlns="" xmlns:a16="http://schemas.microsoft.com/office/drawing/2014/main" id="{03E676E9-9DCC-4F60-B574-E1C1AA87C2CC}"/>
+                <a16:creationId xmlns:a16="http://schemas.microsoft.com/office/drawing/2014/main" id="{03E676E9-9DCC-4F60-B574-E1C1AA87C2CC}"/>
               </a:ext>
             </a:extLst>
           </p:cNvPr>
@@ -24065,7 +27220,7 @@
           <p:cNvPr id="10" name="Овал 9">
             <a:extLst>
               <a:ext uri="{FF2B5EF4-FFF2-40B4-BE49-F238E27FC236}">
-                <a16:creationId xmlns="" xmlns:a16="http://schemas.microsoft.com/office/drawing/2014/main" id="{03E676E9-9DCC-4F60-B574-E1C1AA87C2CC}"/>
+                <a16:creationId xmlns:a16="http://schemas.microsoft.com/office/drawing/2014/main" id="{03E676E9-9DCC-4F60-B574-E1C1AA87C2CC}"/>
               </a:ext>
             </a:extLst>
           </p:cNvPr>
@@ -24111,7 +27266,7 @@
           <p:cNvPr id="5" name="TextBox 4">
             <a:extLst>
               <a:ext uri="{FF2B5EF4-FFF2-40B4-BE49-F238E27FC236}">
-                <a16:creationId xmlns="" xmlns:a16="http://schemas.microsoft.com/office/drawing/2014/main" id="{A733F6D1-2B8A-4DC2-B0FA-03B41AD271CD}"/>
+                <a16:creationId xmlns:a16="http://schemas.microsoft.com/office/drawing/2014/main" id="{A733F6D1-2B8A-4DC2-B0FA-03B41AD271CD}"/>
               </a:ext>
             </a:extLst>
           </p:cNvPr>
@@ -24175,7 +27330,7 @@
             <p:cNvPr id="11" name="Овал 10">
               <a:extLst>
                 <a:ext uri="{FF2B5EF4-FFF2-40B4-BE49-F238E27FC236}">
-                  <a16:creationId xmlns="" xmlns:a16="http://schemas.microsoft.com/office/drawing/2014/main" id="{03E676E9-9DCC-4F60-B574-E1C1AA87C2CC}"/>
+                  <a16:creationId xmlns:a16="http://schemas.microsoft.com/office/drawing/2014/main" id="{03E676E9-9DCC-4F60-B574-E1C1AA87C2CC}"/>
                 </a:ext>
               </a:extLst>
             </p:cNvPr>
@@ -24221,7 +27376,7 @@
             <p:cNvPr id="7" name="TextBox 6">
               <a:extLst>
                 <a:ext uri="{FF2B5EF4-FFF2-40B4-BE49-F238E27FC236}">
-                  <a16:creationId xmlns="" xmlns:a16="http://schemas.microsoft.com/office/drawing/2014/main" id="{A733F6D1-2B8A-4DC2-B0FA-03B41AD271CD}"/>
+                  <a16:creationId xmlns:a16="http://schemas.microsoft.com/office/drawing/2014/main" id="{A733F6D1-2B8A-4DC2-B0FA-03B41AD271CD}"/>
                 </a:ext>
               </a:extLst>
             </p:cNvPr>
@@ -24284,7 +27439,7 @@
           <p:cNvPr id="9" name="TextBox 8">
             <a:extLst>
               <a:ext uri="{FF2B5EF4-FFF2-40B4-BE49-F238E27FC236}">
-                <a16:creationId xmlns="" xmlns:a16="http://schemas.microsoft.com/office/drawing/2014/main" id="{A733F6D1-2B8A-4DC2-B0FA-03B41AD271CD}"/>
+                <a16:creationId xmlns:a16="http://schemas.microsoft.com/office/drawing/2014/main" id="{A733F6D1-2B8A-4DC2-B0FA-03B41AD271CD}"/>
               </a:ext>
             </a:extLst>
           </p:cNvPr>
@@ -24755,7 +27910,7 @@
             <p:cNvPr id="12" name="Овал 11">
               <a:extLst>
                 <a:ext uri="{FF2B5EF4-FFF2-40B4-BE49-F238E27FC236}">
-                  <a16:creationId xmlns="" xmlns:a16="http://schemas.microsoft.com/office/drawing/2014/main" id="{03E676E9-9DCC-4F60-B574-E1C1AA87C2CC}"/>
+                  <a16:creationId xmlns:a16="http://schemas.microsoft.com/office/drawing/2014/main" id="{03E676E9-9DCC-4F60-B574-E1C1AA87C2CC}"/>
                 </a:ext>
               </a:extLst>
             </p:cNvPr>
@@ -24801,7 +27956,7 @@
             <p:cNvPr id="13" name="TextBox 12">
               <a:extLst>
                 <a:ext uri="{FF2B5EF4-FFF2-40B4-BE49-F238E27FC236}">
-                  <a16:creationId xmlns="" xmlns:a16="http://schemas.microsoft.com/office/drawing/2014/main" id="{A733F6D1-2B8A-4DC2-B0FA-03B41AD271CD}"/>
+                  <a16:creationId xmlns:a16="http://schemas.microsoft.com/office/drawing/2014/main" id="{A733F6D1-2B8A-4DC2-B0FA-03B41AD271CD}"/>
                 </a:ext>
               </a:extLst>
             </p:cNvPr>
@@ -25145,7 +28300,7 @@
           <p:cNvPr id="2" name="TextBox 1">
             <a:extLst>
               <a:ext uri="{FF2B5EF4-FFF2-40B4-BE49-F238E27FC236}">
-                <a16:creationId xmlns="" xmlns:a16="http://schemas.microsoft.com/office/drawing/2014/main" id="{AFAB66F8-ED4A-48EE-85D2-C79AC4668A7D}"/>
+                <a16:creationId xmlns:a16="http://schemas.microsoft.com/office/drawing/2014/main" id="{AFAB66F8-ED4A-48EE-85D2-C79AC4668A7D}"/>
               </a:ext>
             </a:extLst>
           </p:cNvPr>
@@ -25255,7 +28410,7 @@
           <p:cNvPr id="2" name="TextBox 1">
             <a:extLst>
               <a:ext uri="{FF2B5EF4-FFF2-40B4-BE49-F238E27FC236}">
-                <a16:creationId xmlns="" xmlns:a16="http://schemas.microsoft.com/office/drawing/2014/main" id="{AFAB66F8-ED4A-48EE-85D2-C79AC4668A7D}"/>
+                <a16:creationId xmlns:a16="http://schemas.microsoft.com/office/drawing/2014/main" id="{AFAB66F8-ED4A-48EE-85D2-C79AC4668A7D}"/>
               </a:ext>
             </a:extLst>
           </p:cNvPr>
@@ -25365,7 +28520,7 @@
           <p:cNvPr id="3" name="Рисунок 3">
             <a:extLst>
               <a:ext uri="{FF2B5EF4-FFF2-40B4-BE49-F238E27FC236}">
-                <a16:creationId xmlns="" xmlns:a16="http://schemas.microsoft.com/office/drawing/2014/main" id="{95C4A76A-44E2-479C-A2FE-C23CCB3FF729}"/>
+                <a16:creationId xmlns:a16="http://schemas.microsoft.com/office/drawing/2014/main" id="{95C4A76A-44E2-479C-A2FE-C23CCB3FF729}"/>
               </a:ext>
             </a:extLst>
           </p:cNvPr>
@@ -25395,7 +28550,7 @@
           <p:cNvPr id="4" name="Рисунок 4" descr="Изображение выглядит как знак&#10;&#10;Автоматически созданное описание">
             <a:extLst>
               <a:ext uri="{FF2B5EF4-FFF2-40B4-BE49-F238E27FC236}">
-                <a16:creationId xmlns="" xmlns:a16="http://schemas.microsoft.com/office/drawing/2014/main" id="{66730876-7F49-43AB-9DB2-FF5F99C2F4C1}"/>
+                <a16:creationId xmlns:a16="http://schemas.microsoft.com/office/drawing/2014/main" id="{66730876-7F49-43AB-9DB2-FF5F99C2F4C1}"/>
               </a:ext>
             </a:extLst>
           </p:cNvPr>
@@ -25463,7 +28618,7 @@
           <p:cNvPr id="2" name="TextBox 1">
             <a:extLst>
               <a:ext uri="{FF2B5EF4-FFF2-40B4-BE49-F238E27FC236}">
-                <a16:creationId xmlns="" xmlns:a16="http://schemas.microsoft.com/office/drawing/2014/main" id="{AFAB66F8-ED4A-48EE-85D2-C79AC4668A7D}"/>
+                <a16:creationId xmlns:a16="http://schemas.microsoft.com/office/drawing/2014/main" id="{AFAB66F8-ED4A-48EE-85D2-C79AC4668A7D}"/>
               </a:ext>
             </a:extLst>
           </p:cNvPr>
@@ -25587,7 +28742,7 @@
             <p:cNvPr id="12" name="Овал 11">
               <a:extLst>
                 <a:ext uri="{FF2B5EF4-FFF2-40B4-BE49-F238E27FC236}">
-                  <a16:creationId xmlns="" xmlns:a16="http://schemas.microsoft.com/office/drawing/2014/main" id="{03E676E9-9DCC-4F60-B574-E1C1AA87C2CC}"/>
+                  <a16:creationId xmlns:a16="http://schemas.microsoft.com/office/drawing/2014/main" id="{03E676E9-9DCC-4F60-B574-E1C1AA87C2CC}"/>
                 </a:ext>
               </a:extLst>
             </p:cNvPr>
@@ -25637,7 +28792,7 @@
             <p:cNvPr id="5" name="TextBox 4">
               <a:extLst>
                 <a:ext uri="{FF2B5EF4-FFF2-40B4-BE49-F238E27FC236}">
-                  <a16:creationId xmlns="" xmlns:a16="http://schemas.microsoft.com/office/drawing/2014/main" id="{A733F6D1-2B8A-4DC2-B0FA-03B41AD271CD}"/>
+                  <a16:creationId xmlns:a16="http://schemas.microsoft.com/office/drawing/2014/main" id="{A733F6D1-2B8A-4DC2-B0FA-03B41AD271CD}"/>
                 </a:ext>
               </a:extLst>
             </p:cNvPr>
@@ -25701,7 +28856,7 @@
             <p:cNvPr id="11" name="Овал 10">
               <a:extLst>
                 <a:ext uri="{FF2B5EF4-FFF2-40B4-BE49-F238E27FC236}">
-                  <a16:creationId xmlns="" xmlns:a16="http://schemas.microsoft.com/office/drawing/2014/main" id="{03E676E9-9DCC-4F60-B574-E1C1AA87C2CC}"/>
+                  <a16:creationId xmlns:a16="http://schemas.microsoft.com/office/drawing/2014/main" id="{03E676E9-9DCC-4F60-B574-E1C1AA87C2CC}"/>
                 </a:ext>
               </a:extLst>
             </p:cNvPr>
@@ -25751,7 +28906,7 @@
             <p:cNvPr id="7" name="TextBox 6">
               <a:extLst>
                 <a:ext uri="{FF2B5EF4-FFF2-40B4-BE49-F238E27FC236}">
-                  <a16:creationId xmlns="" xmlns:a16="http://schemas.microsoft.com/office/drawing/2014/main" id="{A733F6D1-2B8A-4DC2-B0FA-03B41AD271CD}"/>
+                  <a16:creationId xmlns:a16="http://schemas.microsoft.com/office/drawing/2014/main" id="{A733F6D1-2B8A-4DC2-B0FA-03B41AD271CD}"/>
                 </a:ext>
               </a:extLst>
             </p:cNvPr>
@@ -25828,7 +28983,7 @@
             <p:cNvPr id="10" name="Овал 9">
               <a:extLst>
                 <a:ext uri="{FF2B5EF4-FFF2-40B4-BE49-F238E27FC236}">
-                  <a16:creationId xmlns="" xmlns:a16="http://schemas.microsoft.com/office/drawing/2014/main" id="{03E676E9-9DCC-4F60-B574-E1C1AA87C2CC}"/>
+                  <a16:creationId xmlns:a16="http://schemas.microsoft.com/office/drawing/2014/main" id="{03E676E9-9DCC-4F60-B574-E1C1AA87C2CC}"/>
                 </a:ext>
               </a:extLst>
             </p:cNvPr>
@@ -25878,7 +29033,7 @@
             <p:cNvPr id="9" name="TextBox 8">
               <a:extLst>
                 <a:ext uri="{FF2B5EF4-FFF2-40B4-BE49-F238E27FC236}">
-                  <a16:creationId xmlns="" xmlns:a16="http://schemas.microsoft.com/office/drawing/2014/main" id="{A733F6D1-2B8A-4DC2-B0FA-03B41AD271CD}"/>
+                  <a16:creationId xmlns:a16="http://schemas.microsoft.com/office/drawing/2014/main" id="{A733F6D1-2B8A-4DC2-B0FA-03B41AD271CD}"/>
                 </a:ext>
               </a:extLst>
             </p:cNvPr>
@@ -26282,7 +29437,7 @@
             <p:cNvPr id="8" name="Овал 7">
               <a:extLst>
                 <a:ext uri="{FF2B5EF4-FFF2-40B4-BE49-F238E27FC236}">
-                  <a16:creationId xmlns="" xmlns:a16="http://schemas.microsoft.com/office/drawing/2014/main" id="{03E676E9-9DCC-4F60-B574-E1C1AA87C2CC}"/>
+                  <a16:creationId xmlns:a16="http://schemas.microsoft.com/office/drawing/2014/main" id="{03E676E9-9DCC-4F60-B574-E1C1AA87C2CC}"/>
                 </a:ext>
               </a:extLst>
             </p:cNvPr>
@@ -26332,7 +29487,7 @@
             <p:cNvPr id="9" name="TextBox 8">
               <a:extLst>
                 <a:ext uri="{FF2B5EF4-FFF2-40B4-BE49-F238E27FC236}">
-                  <a16:creationId xmlns="" xmlns:a16="http://schemas.microsoft.com/office/drawing/2014/main" id="{A733F6D1-2B8A-4DC2-B0FA-03B41AD271CD}"/>
+                  <a16:creationId xmlns:a16="http://schemas.microsoft.com/office/drawing/2014/main" id="{A733F6D1-2B8A-4DC2-B0FA-03B41AD271CD}"/>
                 </a:ext>
               </a:extLst>
             </p:cNvPr>
@@ -26522,7 +29677,7 @@
           <p:cNvPr id="2" name="TextBox 1">
             <a:extLst>
               <a:ext uri="{FF2B5EF4-FFF2-40B4-BE49-F238E27FC236}">
-                <a16:creationId xmlns="" xmlns:a16="http://schemas.microsoft.com/office/drawing/2014/main" id="{AFAB66F8-ED4A-48EE-85D2-C79AC4668A7D}"/>
+                <a16:creationId xmlns:a16="http://schemas.microsoft.com/office/drawing/2014/main" id="{AFAB66F8-ED4A-48EE-85D2-C79AC4668A7D}"/>
               </a:ext>
             </a:extLst>
           </p:cNvPr>
@@ -26632,7 +29787,7 @@
           <p:cNvPr id="2" name="TextBox 1">
             <a:extLst>
               <a:ext uri="{FF2B5EF4-FFF2-40B4-BE49-F238E27FC236}">
-                <a16:creationId xmlns="" xmlns:a16="http://schemas.microsoft.com/office/drawing/2014/main" id="{AFAB66F8-ED4A-48EE-85D2-C79AC4668A7D}"/>
+                <a16:creationId xmlns:a16="http://schemas.microsoft.com/office/drawing/2014/main" id="{AFAB66F8-ED4A-48EE-85D2-C79AC4668A7D}"/>
               </a:ext>
             </a:extLst>
           </p:cNvPr>
@@ -26752,7 +29907,7 @@
           <p:cNvPr id="2" name="TextBox 1">
             <a:extLst>
               <a:ext uri="{FF2B5EF4-FFF2-40B4-BE49-F238E27FC236}">
-                <a16:creationId xmlns="" xmlns:a16="http://schemas.microsoft.com/office/drawing/2014/main" id="{AFAB66F8-ED4A-48EE-85D2-C79AC4668A7D}"/>
+                <a16:creationId xmlns:a16="http://schemas.microsoft.com/office/drawing/2014/main" id="{AFAB66F8-ED4A-48EE-85D2-C79AC4668A7D}"/>
               </a:ext>
             </a:extLst>
           </p:cNvPr>
@@ -27003,7 +30158,7 @@
           <p:cNvPr id="2" name="TextBox 1">
             <a:extLst>
               <a:ext uri="{FF2B5EF4-FFF2-40B4-BE49-F238E27FC236}">
-                <a16:creationId xmlns="" xmlns:a16="http://schemas.microsoft.com/office/drawing/2014/main" id="{AFAB66F8-ED4A-48EE-85D2-C79AC4668A7D}"/>
+                <a16:creationId xmlns:a16="http://schemas.microsoft.com/office/drawing/2014/main" id="{AFAB66F8-ED4A-48EE-85D2-C79AC4668A7D}"/>
               </a:ext>
             </a:extLst>
           </p:cNvPr>
@@ -27194,7 +30349,7 @@
           <p:cNvPr id="2" name="TextBox 1">
             <a:extLst>
               <a:ext uri="{FF2B5EF4-FFF2-40B4-BE49-F238E27FC236}">
-                <a16:creationId xmlns="" xmlns:a16="http://schemas.microsoft.com/office/drawing/2014/main" id="{AFAB66F8-ED4A-48EE-85D2-C79AC4668A7D}"/>
+                <a16:creationId xmlns:a16="http://schemas.microsoft.com/office/drawing/2014/main" id="{AFAB66F8-ED4A-48EE-85D2-C79AC4668A7D}"/>
               </a:ext>
             </a:extLst>
           </p:cNvPr>
@@ -27326,7 +30481,7 @@
           <p:cNvPr id="2" name="TextBox 1">
             <a:extLst>
               <a:ext uri="{FF2B5EF4-FFF2-40B4-BE49-F238E27FC236}">
-                <a16:creationId xmlns="" xmlns:a16="http://schemas.microsoft.com/office/drawing/2014/main" id="{AFAB66F8-ED4A-48EE-85D2-C79AC4668A7D}"/>
+                <a16:creationId xmlns:a16="http://schemas.microsoft.com/office/drawing/2014/main" id="{AFAB66F8-ED4A-48EE-85D2-C79AC4668A7D}"/>
               </a:ext>
             </a:extLst>
           </p:cNvPr>
@@ -27721,7 +30876,7 @@
           <p:cNvPr id="2" name="TextBox 1">
             <a:extLst>
               <a:ext uri="{FF2B5EF4-FFF2-40B4-BE49-F238E27FC236}">
-                <a16:creationId xmlns="" xmlns:a16="http://schemas.microsoft.com/office/drawing/2014/main" id="{AFAB66F8-ED4A-48EE-85D2-C79AC4668A7D}"/>
+                <a16:creationId xmlns:a16="http://schemas.microsoft.com/office/drawing/2014/main" id="{AFAB66F8-ED4A-48EE-85D2-C79AC4668A7D}"/>
               </a:ext>
             </a:extLst>
           </p:cNvPr>
@@ -27818,7 +30973,7 @@
           <p:cNvPr id="2" name="Рисунок 2" descr="Изображение выглядит как рисунок&#10;&#10;Автоматически созданное описание">
             <a:extLst>
               <a:ext uri="{FF2B5EF4-FFF2-40B4-BE49-F238E27FC236}">
-                <a16:creationId xmlns="" xmlns:a16="http://schemas.microsoft.com/office/drawing/2014/main" id="{81DC1A7B-2B0C-47E5-A6F1-FCCAC192F23D}"/>
+                <a16:creationId xmlns:a16="http://schemas.microsoft.com/office/drawing/2014/main" id="{81DC1A7B-2B0C-47E5-A6F1-FCCAC192F23D}"/>
               </a:ext>
             </a:extLst>
           </p:cNvPr>
@@ -27848,7 +31003,7 @@
           <p:cNvPr id="5" name="Рисунок 5">
             <a:extLst>
               <a:ext uri="{FF2B5EF4-FFF2-40B4-BE49-F238E27FC236}">
-                <a16:creationId xmlns="" xmlns:a16="http://schemas.microsoft.com/office/drawing/2014/main" id="{B0D009A0-57C3-4D4D-B1D0-6B70F709CD8A}"/>
+                <a16:creationId xmlns:a16="http://schemas.microsoft.com/office/drawing/2014/main" id="{B0D009A0-57C3-4D4D-B1D0-6B70F709CD8A}"/>
               </a:ext>
             </a:extLst>
           </p:cNvPr>
@@ -27878,7 +31033,7 @@
           <p:cNvPr id="6" name="Рисунок 6" descr="Изображение выглядит как рисунок&#10;&#10;Автоматически созданное описание">
             <a:extLst>
               <a:ext uri="{FF2B5EF4-FFF2-40B4-BE49-F238E27FC236}">
-                <a16:creationId xmlns="" xmlns:a16="http://schemas.microsoft.com/office/drawing/2014/main" id="{8B4C1875-E39D-477D-84F6-3749F436D282}"/>
+                <a16:creationId xmlns:a16="http://schemas.microsoft.com/office/drawing/2014/main" id="{8B4C1875-E39D-477D-84F6-3749F436D282}"/>
               </a:ext>
             </a:extLst>
           </p:cNvPr>
@@ -27908,7 +31063,7 @@
           <p:cNvPr id="9" name="Рисунок 9">
             <a:extLst>
               <a:ext uri="{FF2B5EF4-FFF2-40B4-BE49-F238E27FC236}">
-                <a16:creationId xmlns="" xmlns:a16="http://schemas.microsoft.com/office/drawing/2014/main" id="{E8BB2BAD-B852-4F51-B94F-087CF76564AF}"/>
+                <a16:creationId xmlns:a16="http://schemas.microsoft.com/office/drawing/2014/main" id="{E8BB2BAD-B852-4F51-B94F-087CF76564AF}"/>
               </a:ext>
             </a:extLst>
           </p:cNvPr>
@@ -27938,7 +31093,7 @@
           <p:cNvPr id="11" name="Рисунок 11" descr="Изображение выглядит как рисунок&#10;&#10;Автоматически созданное описание">
             <a:extLst>
               <a:ext uri="{FF2B5EF4-FFF2-40B4-BE49-F238E27FC236}">
-                <a16:creationId xmlns="" xmlns:a16="http://schemas.microsoft.com/office/drawing/2014/main" id="{914ACEFC-461A-48C0-97AB-D2477D2D884D}"/>
+                <a16:creationId xmlns:a16="http://schemas.microsoft.com/office/drawing/2014/main" id="{914ACEFC-461A-48C0-97AB-D2477D2D884D}"/>
               </a:ext>
             </a:extLst>
           </p:cNvPr>
@@ -27968,7 +31123,7 @@
           <p:cNvPr id="13" name="Рисунок 13" descr="Изображение выглядит как часы&#10;&#10;Автоматически созданное описание">
             <a:extLst>
               <a:ext uri="{FF2B5EF4-FFF2-40B4-BE49-F238E27FC236}">
-                <a16:creationId xmlns="" xmlns:a16="http://schemas.microsoft.com/office/drawing/2014/main" id="{0FD59164-34BB-4E4F-94CD-FFC9E1E9D58C}"/>
+                <a16:creationId xmlns:a16="http://schemas.microsoft.com/office/drawing/2014/main" id="{0FD59164-34BB-4E4F-94CD-FFC9E1E9D58C}"/>
               </a:ext>
             </a:extLst>
           </p:cNvPr>
@@ -28043,7 +31198,7 @@
           <p:cNvPr id="8" name="Рисунок 2" descr="Изображение выглядит как знак&#10;&#10;Автоматически созданное описание">
             <a:extLst>
               <a:ext uri="{FF2B5EF4-FFF2-40B4-BE49-F238E27FC236}">
-                <a16:creationId xmlns="" xmlns:a16="http://schemas.microsoft.com/office/drawing/2014/main" id="{94CE257F-A4AB-4D99-8638-F51E066F3AF6}"/>
+                <a16:creationId xmlns:a16="http://schemas.microsoft.com/office/drawing/2014/main" id="{94CE257F-A4AB-4D99-8638-F51E066F3AF6}"/>
               </a:ext>
             </a:extLst>
           </p:cNvPr>
@@ -28073,7 +31228,7 @@
           <p:cNvPr id="9" name="Рисунок 2" descr="Изображение выглядит как рисунок&#10;&#10;Автоматически созданное описание">
             <a:extLst>
               <a:ext uri="{FF2B5EF4-FFF2-40B4-BE49-F238E27FC236}">
-                <a16:creationId xmlns="" xmlns:a16="http://schemas.microsoft.com/office/drawing/2014/main" id="{4EAD6ACE-3298-4D74-B944-64C6FF04E9A0}"/>
+                <a16:creationId xmlns:a16="http://schemas.microsoft.com/office/drawing/2014/main" id="{4EAD6ACE-3298-4D74-B944-64C6FF04E9A0}"/>
               </a:ext>
             </a:extLst>
           </p:cNvPr>
@@ -28430,7 +31585,7 @@
           <p:cNvPr id="9" name="Рисунок 2" descr="Изображение выглядит как рисунок&#10;&#10;Автоматически созданное описание">
             <a:extLst>
               <a:ext uri="{FF2B5EF4-FFF2-40B4-BE49-F238E27FC236}">
-                <a16:creationId xmlns="" xmlns:a16="http://schemas.microsoft.com/office/drawing/2014/main" id="{4EAD6ACE-3298-4D74-B944-64C6FF04E9A0}"/>
+                <a16:creationId xmlns:a16="http://schemas.microsoft.com/office/drawing/2014/main" id="{4EAD6ACE-3298-4D74-B944-64C6FF04E9A0}"/>
               </a:ext>
             </a:extLst>
           </p:cNvPr>
@@ -28474,7 +31629,7 @@
             <p:cNvPr id="8" name="Рисунок 2" descr="Изображение выглядит как знак&#10;&#10;Автоматически созданное описание">
               <a:extLst>
                 <a:ext uri="{FF2B5EF4-FFF2-40B4-BE49-F238E27FC236}">
-                  <a16:creationId xmlns="" xmlns:a16="http://schemas.microsoft.com/office/drawing/2014/main" id="{94CE257F-A4AB-4D99-8638-F51E066F3AF6}"/>
+                  <a16:creationId xmlns:a16="http://schemas.microsoft.com/office/drawing/2014/main" id="{94CE257F-A4AB-4D99-8638-F51E066F3AF6}"/>
                 </a:ext>
               </a:extLst>
             </p:cNvPr>
@@ -28730,7 +31885,7 @@
           <p:cNvPr id="2" name="TextBox 1">
             <a:extLst>
               <a:ext uri="{FF2B5EF4-FFF2-40B4-BE49-F238E27FC236}">
-                <a16:creationId xmlns="" xmlns:a16="http://schemas.microsoft.com/office/drawing/2014/main" id="{AFAB66F8-ED4A-48EE-85D2-C79AC4668A7D}"/>
+                <a16:creationId xmlns:a16="http://schemas.microsoft.com/office/drawing/2014/main" id="{AFAB66F8-ED4A-48EE-85D2-C79AC4668A7D}"/>
               </a:ext>
             </a:extLst>
           </p:cNvPr>
@@ -28847,7 +32002,7 @@
           <p:cNvPr id="2" name="TextBox 1">
             <a:extLst>
               <a:ext uri="{FF2B5EF4-FFF2-40B4-BE49-F238E27FC236}">
-                <a16:creationId xmlns="" xmlns:a16="http://schemas.microsoft.com/office/drawing/2014/main" id="{AFAB66F8-ED4A-48EE-85D2-C79AC4668A7D}"/>
+                <a16:creationId xmlns:a16="http://schemas.microsoft.com/office/drawing/2014/main" id="{AFAB66F8-ED4A-48EE-85D2-C79AC4668A7D}"/>
               </a:ext>
             </a:extLst>
           </p:cNvPr>
@@ -28970,7 +32125,7 @@
           <p:cNvPr id="2" name="TextBox 1">
             <a:extLst>
               <a:ext uri="{FF2B5EF4-FFF2-40B4-BE49-F238E27FC236}">
-                <a16:creationId xmlns="" xmlns:a16="http://schemas.microsoft.com/office/drawing/2014/main" id="{AFAB66F8-ED4A-48EE-85D2-C79AC4668A7D}"/>
+                <a16:creationId xmlns:a16="http://schemas.microsoft.com/office/drawing/2014/main" id="{AFAB66F8-ED4A-48EE-85D2-C79AC4668A7D}"/>
               </a:ext>
             </a:extLst>
           </p:cNvPr>
@@ -29126,7 +32281,7 @@
               <p:cNvPr id="10" name="Овал 9">
                 <a:extLst>
                   <a:ext uri="{FF2B5EF4-FFF2-40B4-BE49-F238E27FC236}">
-                    <a16:creationId xmlns="" xmlns:a16="http://schemas.microsoft.com/office/drawing/2014/main" id="{03E676E9-9DCC-4F60-B574-E1C1AA87C2CC}"/>
+                    <a16:creationId xmlns:a16="http://schemas.microsoft.com/office/drawing/2014/main" id="{03E676E9-9DCC-4F60-B574-E1C1AA87C2CC}"/>
                   </a:ext>
                 </a:extLst>
               </p:cNvPr>
@@ -29172,7 +32327,7 @@
               <p:cNvPr id="7" name="TextBox 6">
                 <a:extLst>
                   <a:ext uri="{FF2B5EF4-FFF2-40B4-BE49-F238E27FC236}">
-                    <a16:creationId xmlns="" xmlns:a16="http://schemas.microsoft.com/office/drawing/2014/main" id="{A733F6D1-2B8A-4DC2-B0FA-03B41AD271CD}"/>
+                    <a16:creationId xmlns:a16="http://schemas.microsoft.com/office/drawing/2014/main" id="{A733F6D1-2B8A-4DC2-B0FA-03B41AD271CD}"/>
                   </a:ext>
                 </a:extLst>
               </p:cNvPr>
@@ -29237,7 +32392,7 @@
               <p:cNvPr id="13" name="Овал 12">
                 <a:extLst>
                   <a:ext uri="{FF2B5EF4-FFF2-40B4-BE49-F238E27FC236}">
-                    <a16:creationId xmlns="" xmlns:a16="http://schemas.microsoft.com/office/drawing/2014/main" id="{03E676E9-9DCC-4F60-B574-E1C1AA87C2CC}"/>
+                    <a16:creationId xmlns:a16="http://schemas.microsoft.com/office/drawing/2014/main" id="{03E676E9-9DCC-4F60-B574-E1C1AA87C2CC}"/>
                   </a:ext>
                 </a:extLst>
               </p:cNvPr>
@@ -29283,7 +32438,7 @@
               <p:cNvPr id="14" name="TextBox 13">
                 <a:extLst>
                   <a:ext uri="{FF2B5EF4-FFF2-40B4-BE49-F238E27FC236}">
-                    <a16:creationId xmlns="" xmlns:a16="http://schemas.microsoft.com/office/drawing/2014/main" id="{A733F6D1-2B8A-4DC2-B0FA-03B41AD271CD}"/>
+                    <a16:creationId xmlns:a16="http://schemas.microsoft.com/office/drawing/2014/main" id="{A733F6D1-2B8A-4DC2-B0FA-03B41AD271CD}"/>
                   </a:ext>
                 </a:extLst>
               </p:cNvPr>
@@ -29348,7 +32503,7 @@
               <p:cNvPr id="16" name="Овал 15">
                 <a:extLst>
                   <a:ext uri="{FF2B5EF4-FFF2-40B4-BE49-F238E27FC236}">
-                    <a16:creationId xmlns="" xmlns:a16="http://schemas.microsoft.com/office/drawing/2014/main" id="{03E676E9-9DCC-4F60-B574-E1C1AA87C2CC}"/>
+                    <a16:creationId xmlns:a16="http://schemas.microsoft.com/office/drawing/2014/main" id="{03E676E9-9DCC-4F60-B574-E1C1AA87C2CC}"/>
                   </a:ext>
                 </a:extLst>
               </p:cNvPr>
@@ -29394,7 +32549,7 @@
               <p:cNvPr id="17" name="TextBox 16">
                 <a:extLst>
                   <a:ext uri="{FF2B5EF4-FFF2-40B4-BE49-F238E27FC236}">
-                    <a16:creationId xmlns="" xmlns:a16="http://schemas.microsoft.com/office/drawing/2014/main" id="{A733F6D1-2B8A-4DC2-B0FA-03B41AD271CD}"/>
+                    <a16:creationId xmlns:a16="http://schemas.microsoft.com/office/drawing/2014/main" id="{A733F6D1-2B8A-4DC2-B0FA-03B41AD271CD}"/>
                   </a:ext>
                 </a:extLst>
               </p:cNvPr>
@@ -29835,7 +32990,7 @@
           <p:cNvPr id="2" name="TextBox 1">
             <a:extLst>
               <a:ext uri="{FF2B5EF4-FFF2-40B4-BE49-F238E27FC236}">
-                <a16:creationId xmlns="" xmlns:a16="http://schemas.microsoft.com/office/drawing/2014/main" id="{AFAB66F8-ED4A-48EE-85D2-C79AC4668A7D}"/>
+                <a16:creationId xmlns:a16="http://schemas.microsoft.com/office/drawing/2014/main" id="{AFAB66F8-ED4A-48EE-85D2-C79AC4668A7D}"/>
               </a:ext>
             </a:extLst>
           </p:cNvPr>
@@ -29932,7 +33087,7 @@
           <p:cNvPr id="2" name="TextBox 1">
             <a:extLst>
               <a:ext uri="{FF2B5EF4-FFF2-40B4-BE49-F238E27FC236}">
-                <a16:creationId xmlns="" xmlns:a16="http://schemas.microsoft.com/office/drawing/2014/main" id="{AFAB66F8-ED4A-48EE-85D2-C79AC4668A7D}"/>
+                <a16:creationId xmlns:a16="http://schemas.microsoft.com/office/drawing/2014/main" id="{AFAB66F8-ED4A-48EE-85D2-C79AC4668A7D}"/>
               </a:ext>
             </a:extLst>
           </p:cNvPr>
@@ -30055,7 +33210,7 @@
           <p:cNvPr id="2" name="TextBox 1">
             <a:extLst>
               <a:ext uri="{FF2B5EF4-FFF2-40B4-BE49-F238E27FC236}">
-                <a16:creationId xmlns="" xmlns:a16="http://schemas.microsoft.com/office/drawing/2014/main" id="{AFAB66F8-ED4A-48EE-85D2-C79AC4668A7D}"/>
+                <a16:creationId xmlns:a16="http://schemas.microsoft.com/office/drawing/2014/main" id="{AFAB66F8-ED4A-48EE-85D2-C79AC4668A7D}"/>
               </a:ext>
             </a:extLst>
           </p:cNvPr>
@@ -30200,7 +33355,7 @@
               <p:cNvPr id="9" name="Овал 8">
                 <a:extLst>
                   <a:ext uri="{FF2B5EF4-FFF2-40B4-BE49-F238E27FC236}">
-                    <a16:creationId xmlns="" xmlns:a16="http://schemas.microsoft.com/office/drawing/2014/main" id="{03E676E9-9DCC-4F60-B574-E1C1AA87C2CC}"/>
+                    <a16:creationId xmlns:a16="http://schemas.microsoft.com/office/drawing/2014/main" id="{03E676E9-9DCC-4F60-B574-E1C1AA87C2CC}"/>
                   </a:ext>
                 </a:extLst>
               </p:cNvPr>
@@ -30246,7 +33401,7 @@
               <p:cNvPr id="10" name="TextBox 9">
                 <a:extLst>
                   <a:ext uri="{FF2B5EF4-FFF2-40B4-BE49-F238E27FC236}">
-                    <a16:creationId xmlns="" xmlns:a16="http://schemas.microsoft.com/office/drawing/2014/main" id="{A733F6D1-2B8A-4DC2-B0FA-03B41AD271CD}"/>
+                    <a16:creationId xmlns:a16="http://schemas.microsoft.com/office/drawing/2014/main" id="{A733F6D1-2B8A-4DC2-B0FA-03B41AD271CD}"/>
                   </a:ext>
                 </a:extLst>
               </p:cNvPr>
@@ -30305,7 +33460,7 @@
               <p:cNvPr id="13" name="Овал 12">
                 <a:extLst>
                   <a:ext uri="{FF2B5EF4-FFF2-40B4-BE49-F238E27FC236}">
-                    <a16:creationId xmlns="" xmlns:a16="http://schemas.microsoft.com/office/drawing/2014/main" id="{03E676E9-9DCC-4F60-B574-E1C1AA87C2CC}"/>
+                    <a16:creationId xmlns:a16="http://schemas.microsoft.com/office/drawing/2014/main" id="{03E676E9-9DCC-4F60-B574-E1C1AA87C2CC}"/>
                   </a:ext>
                 </a:extLst>
               </p:cNvPr>
@@ -30351,7 +33506,7 @@
               <p:cNvPr id="14" name="TextBox 13">
                 <a:extLst>
                   <a:ext uri="{FF2B5EF4-FFF2-40B4-BE49-F238E27FC236}">
-                    <a16:creationId xmlns="" xmlns:a16="http://schemas.microsoft.com/office/drawing/2014/main" id="{A733F6D1-2B8A-4DC2-B0FA-03B41AD271CD}"/>
+                    <a16:creationId xmlns:a16="http://schemas.microsoft.com/office/drawing/2014/main" id="{A733F6D1-2B8A-4DC2-B0FA-03B41AD271CD}"/>
                   </a:ext>
                 </a:extLst>
               </p:cNvPr>
@@ -30411,7 +33566,7 @@
               <p:cNvPr id="16" name="Овал 15">
                 <a:extLst>
                   <a:ext uri="{FF2B5EF4-FFF2-40B4-BE49-F238E27FC236}">
-                    <a16:creationId xmlns="" xmlns:a16="http://schemas.microsoft.com/office/drawing/2014/main" id="{03E676E9-9DCC-4F60-B574-E1C1AA87C2CC}"/>
+                    <a16:creationId xmlns:a16="http://schemas.microsoft.com/office/drawing/2014/main" id="{03E676E9-9DCC-4F60-B574-E1C1AA87C2CC}"/>
                   </a:ext>
                 </a:extLst>
               </p:cNvPr>
@@ -30457,7 +33612,7 @@
               <p:cNvPr id="17" name="TextBox 16">
                 <a:extLst>
                   <a:ext uri="{FF2B5EF4-FFF2-40B4-BE49-F238E27FC236}">
-                    <a16:creationId xmlns="" xmlns:a16="http://schemas.microsoft.com/office/drawing/2014/main" id="{A733F6D1-2B8A-4DC2-B0FA-03B41AD271CD}"/>
+                    <a16:creationId xmlns:a16="http://schemas.microsoft.com/office/drawing/2014/main" id="{A733F6D1-2B8A-4DC2-B0FA-03B41AD271CD}"/>
                   </a:ext>
                 </a:extLst>
               </p:cNvPr>
@@ -30516,7 +33671,7 @@
               <p:cNvPr id="19" name="Овал 18">
                 <a:extLst>
                   <a:ext uri="{FF2B5EF4-FFF2-40B4-BE49-F238E27FC236}">
-                    <a16:creationId xmlns="" xmlns:a16="http://schemas.microsoft.com/office/drawing/2014/main" id="{03E676E9-9DCC-4F60-B574-E1C1AA87C2CC}"/>
+                    <a16:creationId xmlns:a16="http://schemas.microsoft.com/office/drawing/2014/main" id="{03E676E9-9DCC-4F60-B574-E1C1AA87C2CC}"/>
                   </a:ext>
                 </a:extLst>
               </p:cNvPr>
@@ -30562,7 +33717,7 @@
               <p:cNvPr id="20" name="TextBox 19">
                 <a:extLst>
                   <a:ext uri="{FF2B5EF4-FFF2-40B4-BE49-F238E27FC236}">
-                    <a16:creationId xmlns="" xmlns:a16="http://schemas.microsoft.com/office/drawing/2014/main" id="{A733F6D1-2B8A-4DC2-B0FA-03B41AD271CD}"/>
+                    <a16:creationId xmlns:a16="http://schemas.microsoft.com/office/drawing/2014/main" id="{A733F6D1-2B8A-4DC2-B0FA-03B41AD271CD}"/>
                   </a:ext>
                 </a:extLst>
               </p:cNvPr>
@@ -30849,7 +34004,7 @@
           <p:cNvPr id="35" name="TextBox 34">
             <a:extLst>
               <a:ext uri="{FF2B5EF4-FFF2-40B4-BE49-F238E27FC236}">
-                <a16:creationId xmlns="" xmlns:a16="http://schemas.microsoft.com/office/drawing/2014/main" id="{A733F6D1-2B8A-4DC2-B0FA-03B41AD271CD}"/>
+                <a16:creationId xmlns:a16="http://schemas.microsoft.com/office/drawing/2014/main" id="{A733F6D1-2B8A-4DC2-B0FA-03B41AD271CD}"/>
               </a:ext>
             </a:extLst>
           </p:cNvPr>
@@ -31182,7 +34337,7 @@
           <p:cNvPr id="2" name="Рисунок 2" descr="Изображение выглядит как текст&#10;&#10;Автоматически созданное описание">
             <a:extLst>
               <a:ext uri="{FF2B5EF4-FFF2-40B4-BE49-F238E27FC236}">
-                <a16:creationId xmlns="" xmlns:a16="http://schemas.microsoft.com/office/drawing/2014/main" id="{D1C05644-018B-464B-AE75-F6CF04D683C7}"/>
+                <a16:creationId xmlns:a16="http://schemas.microsoft.com/office/drawing/2014/main" id="{D1C05644-018B-464B-AE75-F6CF04D683C7}"/>
               </a:ext>
             </a:extLst>
           </p:cNvPr>
@@ -31250,7 +34405,7 @@
           <p:cNvPr id="2" name="TextBox 1">
             <a:extLst>
               <a:ext uri="{FF2B5EF4-FFF2-40B4-BE49-F238E27FC236}">
-                <a16:creationId xmlns="" xmlns:a16="http://schemas.microsoft.com/office/drawing/2014/main" id="{AFAB66F8-ED4A-48EE-85D2-C79AC4668A7D}"/>
+                <a16:creationId xmlns:a16="http://schemas.microsoft.com/office/drawing/2014/main" id="{AFAB66F8-ED4A-48EE-85D2-C79AC4668A7D}"/>
               </a:ext>
             </a:extLst>
           </p:cNvPr>
@@ -31302,7 +34457,7 @@
           <p:cNvPr id="3" name="TextBox 2">
             <a:extLst>
               <a:ext uri="{FF2B5EF4-FFF2-40B4-BE49-F238E27FC236}">
-                <a16:creationId xmlns="" xmlns:a16="http://schemas.microsoft.com/office/drawing/2014/main" id="{AFAB66F8-ED4A-48EE-85D2-C79AC4668A7D}"/>
+                <a16:creationId xmlns:a16="http://schemas.microsoft.com/office/drawing/2014/main" id="{AFAB66F8-ED4A-48EE-85D2-C79AC4668A7D}"/>
               </a:ext>
             </a:extLst>
           </p:cNvPr>
@@ -31514,7 +34669,7 @@
           <p:cNvPr id="4" name="TextBox 3">
             <a:extLst>
               <a:ext uri="{FF2B5EF4-FFF2-40B4-BE49-F238E27FC236}">
-                <a16:creationId xmlns="" xmlns:a16="http://schemas.microsoft.com/office/drawing/2014/main" id="{AFAB66F8-ED4A-48EE-85D2-C79AC4668A7D}"/>
+                <a16:creationId xmlns:a16="http://schemas.microsoft.com/office/drawing/2014/main" id="{AFAB66F8-ED4A-48EE-85D2-C79AC4668A7D}"/>
               </a:ext>
             </a:extLst>
           </p:cNvPr>
@@ -31617,7 +34772,7 @@
           <p:cNvPr id="4" name="TextBox 3">
             <a:extLst>
               <a:ext uri="{FF2B5EF4-FFF2-40B4-BE49-F238E27FC236}">
-                <a16:creationId xmlns="" xmlns:a16="http://schemas.microsoft.com/office/drawing/2014/main" id="{AFAB66F8-ED4A-48EE-85D2-C79AC4668A7D}"/>
+                <a16:creationId xmlns:a16="http://schemas.microsoft.com/office/drawing/2014/main" id="{AFAB66F8-ED4A-48EE-85D2-C79AC4668A7D}"/>
               </a:ext>
             </a:extLst>
           </p:cNvPr>
@@ -31740,7 +34895,7 @@
           <p:cNvPr id="4" name="TextBox 3">
             <a:extLst>
               <a:ext uri="{FF2B5EF4-FFF2-40B4-BE49-F238E27FC236}">
-                <a16:creationId xmlns="" xmlns:a16="http://schemas.microsoft.com/office/drawing/2014/main" id="{AFAB66F8-ED4A-48EE-85D2-C79AC4668A7D}"/>
+                <a16:creationId xmlns:a16="http://schemas.microsoft.com/office/drawing/2014/main" id="{AFAB66F8-ED4A-48EE-85D2-C79AC4668A7D}"/>
               </a:ext>
             </a:extLst>
           </p:cNvPr>
@@ -31985,7 +35140,7 @@
           <p:cNvPr id="4" name="TextBox 3">
             <a:extLst>
               <a:ext uri="{FF2B5EF4-FFF2-40B4-BE49-F238E27FC236}">
-                <a16:creationId xmlns="" xmlns:a16="http://schemas.microsoft.com/office/drawing/2014/main" id="{AFAB66F8-ED4A-48EE-85D2-C79AC4668A7D}"/>
+                <a16:creationId xmlns:a16="http://schemas.microsoft.com/office/drawing/2014/main" id="{AFAB66F8-ED4A-48EE-85D2-C79AC4668A7D}"/>
               </a:ext>
             </a:extLst>
           </p:cNvPr>
@@ -32116,7 +35271,7 @@
             <p:cNvPr id="5" name="Рисунок 2" descr="Изображение выглядит как знак&#10;&#10;Автоматически созданное описание">
               <a:extLst>
                 <a:ext uri="{FF2B5EF4-FFF2-40B4-BE49-F238E27FC236}">
-                  <a16:creationId xmlns="" xmlns:a16="http://schemas.microsoft.com/office/drawing/2014/main" id="{94CE257F-A4AB-4D99-8638-F51E066F3AF6}"/>
+                  <a16:creationId xmlns:a16="http://schemas.microsoft.com/office/drawing/2014/main" id="{94CE257F-A4AB-4D99-8638-F51E066F3AF6}"/>
                 </a:ext>
               </a:extLst>
             </p:cNvPr>
@@ -32203,7 +35358,7 @@
             <p:cNvPr id="8" name="Рисунок 2" descr="Изображение выглядит как знак&#10;&#10;Автоматически созданное описание">
               <a:extLst>
                 <a:ext uri="{FF2B5EF4-FFF2-40B4-BE49-F238E27FC236}">
-                  <a16:creationId xmlns="" xmlns:a16="http://schemas.microsoft.com/office/drawing/2014/main" id="{94CE257F-A4AB-4D99-8638-F51E066F3AF6}"/>
+                  <a16:creationId xmlns:a16="http://schemas.microsoft.com/office/drawing/2014/main" id="{94CE257F-A4AB-4D99-8638-F51E066F3AF6}"/>
                 </a:ext>
               </a:extLst>
             </p:cNvPr>
@@ -32959,7 +36114,7 @@
           <p:cNvPr id="7" name="TextBox 6">
             <a:extLst>
               <a:ext uri="{FF2B5EF4-FFF2-40B4-BE49-F238E27FC236}">
-                <a16:creationId xmlns="" xmlns:a16="http://schemas.microsoft.com/office/drawing/2014/main" id="{AFAB66F8-ED4A-48EE-85D2-C79AC4668A7D}"/>
+                <a16:creationId xmlns:a16="http://schemas.microsoft.com/office/drawing/2014/main" id="{AFAB66F8-ED4A-48EE-85D2-C79AC4668A7D}"/>
               </a:ext>
             </a:extLst>
           </p:cNvPr>
@@ -33069,7 +36224,7 @@
           <p:cNvPr id="7" name="TextBox 6">
             <a:extLst>
               <a:ext uri="{FF2B5EF4-FFF2-40B4-BE49-F238E27FC236}">
-                <a16:creationId xmlns="" xmlns:a16="http://schemas.microsoft.com/office/drawing/2014/main" id="{AFAB66F8-ED4A-48EE-85D2-C79AC4668A7D}"/>
+                <a16:creationId xmlns:a16="http://schemas.microsoft.com/office/drawing/2014/main" id="{AFAB66F8-ED4A-48EE-85D2-C79AC4668A7D}"/>
               </a:ext>
             </a:extLst>
           </p:cNvPr>
@@ -33172,7 +36327,7 @@
           <p:cNvPr id="7" name="TextBox 6">
             <a:extLst>
               <a:ext uri="{FF2B5EF4-FFF2-40B4-BE49-F238E27FC236}">
-                <a16:creationId xmlns="" xmlns:a16="http://schemas.microsoft.com/office/drawing/2014/main" id="{AFAB66F8-ED4A-48EE-85D2-C79AC4668A7D}"/>
+                <a16:creationId xmlns:a16="http://schemas.microsoft.com/office/drawing/2014/main" id="{AFAB66F8-ED4A-48EE-85D2-C79AC4668A7D}"/>
               </a:ext>
             </a:extLst>
           </p:cNvPr>
@@ -33269,7 +36424,7 @@
           <p:cNvPr id="4" name="Рисунок 2" descr="Изображение выглядит как рисунок&#10;&#10;Автоматически созданное описание">
             <a:extLst>
               <a:ext uri="{FF2B5EF4-FFF2-40B4-BE49-F238E27FC236}">
-                <a16:creationId xmlns="" xmlns:a16="http://schemas.microsoft.com/office/drawing/2014/main" id="{AFCE28E7-A6A4-4ED2-AF42-F79DD8B66AE7}"/>
+                <a16:creationId xmlns:a16="http://schemas.microsoft.com/office/drawing/2014/main" id="{AFCE28E7-A6A4-4ED2-AF42-F79DD8B66AE7}"/>
               </a:ext>
             </a:extLst>
           </p:cNvPr>
@@ -33337,7 +36492,7 @@
           <p:cNvPr id="7" name="TextBox 6">
             <a:extLst>
               <a:ext uri="{FF2B5EF4-FFF2-40B4-BE49-F238E27FC236}">
-                <a16:creationId xmlns="" xmlns:a16="http://schemas.microsoft.com/office/drawing/2014/main" id="{AFAB66F8-ED4A-48EE-85D2-C79AC4668A7D}"/>
+                <a16:creationId xmlns:a16="http://schemas.microsoft.com/office/drawing/2014/main" id="{AFAB66F8-ED4A-48EE-85D2-C79AC4668A7D}"/>
               </a:ext>
             </a:extLst>
           </p:cNvPr>
@@ -33437,7 +36592,7 @@
           <p:cNvPr id="7" name="TextBox 6">
             <a:extLst>
               <a:ext uri="{FF2B5EF4-FFF2-40B4-BE49-F238E27FC236}">
-                <a16:creationId xmlns="" xmlns:a16="http://schemas.microsoft.com/office/drawing/2014/main" id="{AFAB66F8-ED4A-48EE-85D2-C79AC4668A7D}"/>
+                <a16:creationId xmlns:a16="http://schemas.microsoft.com/office/drawing/2014/main" id="{AFAB66F8-ED4A-48EE-85D2-C79AC4668A7D}"/>
               </a:ext>
             </a:extLst>
           </p:cNvPr>
@@ -33540,7 +36695,7 @@
           <p:cNvPr id="7" name="TextBox 6">
             <a:extLst>
               <a:ext uri="{FF2B5EF4-FFF2-40B4-BE49-F238E27FC236}">
-                <a16:creationId xmlns="" xmlns:a16="http://schemas.microsoft.com/office/drawing/2014/main" id="{AFAB66F8-ED4A-48EE-85D2-C79AC4668A7D}"/>
+                <a16:creationId xmlns:a16="http://schemas.microsoft.com/office/drawing/2014/main" id="{AFAB66F8-ED4A-48EE-85D2-C79AC4668A7D}"/>
               </a:ext>
             </a:extLst>
           </p:cNvPr>
@@ -33643,7 +36798,7 @@
           <p:cNvPr id="7" name="TextBox 6">
             <a:extLst>
               <a:ext uri="{FF2B5EF4-FFF2-40B4-BE49-F238E27FC236}">
-                <a16:creationId xmlns="" xmlns:a16="http://schemas.microsoft.com/office/drawing/2014/main" id="{AFAB66F8-ED4A-48EE-85D2-C79AC4668A7D}"/>
+                <a16:creationId xmlns:a16="http://schemas.microsoft.com/office/drawing/2014/main" id="{AFAB66F8-ED4A-48EE-85D2-C79AC4668A7D}"/>
               </a:ext>
             </a:extLst>
           </p:cNvPr>
@@ -33760,7 +36915,7 @@
           <p:cNvPr id="7" name="TextBox 6">
             <a:extLst>
               <a:ext uri="{FF2B5EF4-FFF2-40B4-BE49-F238E27FC236}">
-                <a16:creationId xmlns="" xmlns:a16="http://schemas.microsoft.com/office/drawing/2014/main" id="{AFAB66F8-ED4A-48EE-85D2-C79AC4668A7D}"/>
+                <a16:creationId xmlns:a16="http://schemas.microsoft.com/office/drawing/2014/main" id="{AFAB66F8-ED4A-48EE-85D2-C79AC4668A7D}"/>
               </a:ext>
             </a:extLst>
           </p:cNvPr>
@@ -33870,7 +37025,7 @@
           <p:cNvPr id="7" name="TextBox 6">
             <a:extLst>
               <a:ext uri="{FF2B5EF4-FFF2-40B4-BE49-F238E27FC236}">
-                <a16:creationId xmlns="" xmlns:a16="http://schemas.microsoft.com/office/drawing/2014/main" id="{AFAB66F8-ED4A-48EE-85D2-C79AC4668A7D}"/>
+                <a16:creationId xmlns:a16="http://schemas.microsoft.com/office/drawing/2014/main" id="{AFAB66F8-ED4A-48EE-85D2-C79AC4668A7D}"/>
               </a:ext>
             </a:extLst>
           </p:cNvPr>
@@ -33990,7 +37145,7 @@
           <p:cNvPr id="7" name="TextBox 6">
             <a:extLst>
               <a:ext uri="{FF2B5EF4-FFF2-40B4-BE49-F238E27FC236}">
-                <a16:creationId xmlns="" xmlns:a16="http://schemas.microsoft.com/office/drawing/2014/main" id="{AFAB66F8-ED4A-48EE-85D2-C79AC4668A7D}"/>
+                <a16:creationId xmlns:a16="http://schemas.microsoft.com/office/drawing/2014/main" id="{AFAB66F8-ED4A-48EE-85D2-C79AC4668A7D}"/>
               </a:ext>
             </a:extLst>
           </p:cNvPr>
@@ -34087,7 +37242,7 @@
           <p:cNvPr id="7" name="TextBox 6">
             <a:extLst>
               <a:ext uri="{FF2B5EF4-FFF2-40B4-BE49-F238E27FC236}">
-                <a16:creationId xmlns="" xmlns:a16="http://schemas.microsoft.com/office/drawing/2014/main" id="{AFAB66F8-ED4A-48EE-85D2-C79AC4668A7D}"/>
+                <a16:creationId xmlns:a16="http://schemas.microsoft.com/office/drawing/2014/main" id="{AFAB66F8-ED4A-48EE-85D2-C79AC4668A7D}"/>
               </a:ext>
             </a:extLst>
           </p:cNvPr>
@@ -34224,7 +37379,7 @@
           <p:cNvPr id="7" name="TextBox 6">
             <a:extLst>
               <a:ext uri="{FF2B5EF4-FFF2-40B4-BE49-F238E27FC236}">
-                <a16:creationId xmlns="" xmlns:a16="http://schemas.microsoft.com/office/drawing/2014/main" id="{AFAB66F8-ED4A-48EE-85D2-C79AC4668A7D}"/>
+                <a16:creationId xmlns:a16="http://schemas.microsoft.com/office/drawing/2014/main" id="{AFAB66F8-ED4A-48EE-85D2-C79AC4668A7D}"/>
               </a:ext>
             </a:extLst>
           </p:cNvPr>
@@ -34331,7 +37486,7 @@
           <p:cNvPr id="7" name="TextBox 6">
             <a:extLst>
               <a:ext uri="{FF2B5EF4-FFF2-40B4-BE49-F238E27FC236}">
-                <a16:creationId xmlns="" xmlns:a16="http://schemas.microsoft.com/office/drawing/2014/main" id="{AFAB66F8-ED4A-48EE-85D2-C79AC4668A7D}"/>
+                <a16:creationId xmlns:a16="http://schemas.microsoft.com/office/drawing/2014/main" id="{AFAB66F8-ED4A-48EE-85D2-C79AC4668A7D}"/>
               </a:ext>
             </a:extLst>
           </p:cNvPr>
@@ -34440,7 +37595,7 @@
           <p:cNvPr id="4" name="Рисунок 4" descr="Изображение выглядит как часы, рисунок&#10;&#10;Автоматически созданное описание">
             <a:extLst>
               <a:ext uri="{FF2B5EF4-FFF2-40B4-BE49-F238E27FC236}">
-                <a16:creationId xmlns="" xmlns:a16="http://schemas.microsoft.com/office/drawing/2014/main" id="{94FAFFE4-0131-4A6D-B497-6291BBBB7CD5}"/>
+                <a16:creationId xmlns:a16="http://schemas.microsoft.com/office/drawing/2014/main" id="{94FAFFE4-0131-4A6D-B497-6291BBBB7CD5}"/>
               </a:ext>
             </a:extLst>
           </p:cNvPr>
@@ -34470,7 +37625,7 @@
           <p:cNvPr id="6" name="Рисунок 2" descr="Изображение выглядит как рисунок&#10;&#10;Автоматически созданное описание">
             <a:extLst>
               <a:ext uri="{FF2B5EF4-FFF2-40B4-BE49-F238E27FC236}">
-                <a16:creationId xmlns="" xmlns:a16="http://schemas.microsoft.com/office/drawing/2014/main" id="{29ADE3EE-E3E7-4754-AC30-59FDFF3867D2}"/>
+                <a16:creationId xmlns:a16="http://schemas.microsoft.com/office/drawing/2014/main" id="{29ADE3EE-E3E7-4754-AC30-59FDFF3867D2}"/>
               </a:ext>
             </a:extLst>
           </p:cNvPr>
@@ -34500,7 +37655,7 @@
           <p:cNvPr id="8" name="Рисунок 2" descr="Изображение выглядит как знак&#10;&#10;Автоматически созданное описание">
             <a:extLst>
               <a:ext uri="{FF2B5EF4-FFF2-40B4-BE49-F238E27FC236}">
-                <a16:creationId xmlns="" xmlns:a16="http://schemas.microsoft.com/office/drawing/2014/main" id="{29762B8E-9DB8-45E8-A962-1D02C5044356}"/>
+                <a16:creationId xmlns:a16="http://schemas.microsoft.com/office/drawing/2014/main" id="{29762B8E-9DB8-45E8-A962-1D02C5044356}"/>
               </a:ext>
             </a:extLst>
           </p:cNvPr>
@@ -34628,7 +37783,7 @@
             <p:cNvPr id="12" name="TextBox 11">
               <a:extLst>
                 <a:ext uri="{FF2B5EF4-FFF2-40B4-BE49-F238E27FC236}">
-                  <a16:creationId xmlns="" xmlns:a16="http://schemas.microsoft.com/office/drawing/2014/main" id="{AFAB66F8-ED4A-48EE-85D2-C79AC4668A7D}"/>
+                  <a16:creationId xmlns:a16="http://schemas.microsoft.com/office/drawing/2014/main" id="{AFAB66F8-ED4A-48EE-85D2-C79AC4668A7D}"/>
                 </a:ext>
               </a:extLst>
             </p:cNvPr>
@@ -34775,7 +37930,7 @@
             <p:cNvPr id="15" name="TextBox 14">
               <a:extLst>
                 <a:ext uri="{FF2B5EF4-FFF2-40B4-BE49-F238E27FC236}">
-                  <a16:creationId xmlns="" xmlns:a16="http://schemas.microsoft.com/office/drawing/2014/main" id="{AFAB66F8-ED4A-48EE-85D2-C79AC4668A7D}"/>
+                  <a16:creationId xmlns:a16="http://schemas.microsoft.com/office/drawing/2014/main" id="{AFAB66F8-ED4A-48EE-85D2-C79AC4668A7D}"/>
                 </a:ext>
               </a:extLst>
             </p:cNvPr>
@@ -34910,7 +38065,7 @@
             <p:cNvPr id="18" name="TextBox 17">
               <a:extLst>
                 <a:ext uri="{FF2B5EF4-FFF2-40B4-BE49-F238E27FC236}">
-                  <a16:creationId xmlns="" xmlns:a16="http://schemas.microsoft.com/office/drawing/2014/main" id="{AFAB66F8-ED4A-48EE-85D2-C79AC4668A7D}"/>
+                  <a16:creationId xmlns:a16="http://schemas.microsoft.com/office/drawing/2014/main" id="{AFAB66F8-ED4A-48EE-85D2-C79AC4668A7D}"/>
                 </a:ext>
               </a:extLst>
             </p:cNvPr>
@@ -35030,7 +38185,7 @@
           <p:cNvPr id="7" name="TextBox 6">
             <a:extLst>
               <a:ext uri="{FF2B5EF4-FFF2-40B4-BE49-F238E27FC236}">
-                <a16:creationId xmlns="" xmlns:a16="http://schemas.microsoft.com/office/drawing/2014/main" id="{AFAB66F8-ED4A-48EE-85D2-C79AC4668A7D}"/>
+                <a16:creationId xmlns:a16="http://schemas.microsoft.com/office/drawing/2014/main" id="{AFAB66F8-ED4A-48EE-85D2-C79AC4668A7D}"/>
               </a:ext>
             </a:extLst>
           </p:cNvPr>
@@ -35393,7 +38548,7 @@
             <p:cNvPr id="7" name="TextBox 6">
               <a:extLst>
                 <a:ext uri="{FF2B5EF4-FFF2-40B4-BE49-F238E27FC236}">
-                  <a16:creationId xmlns="" xmlns:a16="http://schemas.microsoft.com/office/drawing/2014/main" id="{AFAB66F8-ED4A-48EE-85D2-C79AC4668A7D}"/>
+                  <a16:creationId xmlns:a16="http://schemas.microsoft.com/office/drawing/2014/main" id="{AFAB66F8-ED4A-48EE-85D2-C79AC4668A7D}"/>
                 </a:ext>
               </a:extLst>
             </p:cNvPr>
@@ -35540,7 +38695,7 @@
             <p:cNvPr id="9" name="TextBox 8">
               <a:extLst>
                 <a:ext uri="{FF2B5EF4-FFF2-40B4-BE49-F238E27FC236}">
-                  <a16:creationId xmlns="" xmlns:a16="http://schemas.microsoft.com/office/drawing/2014/main" id="{AFAB66F8-ED4A-48EE-85D2-C79AC4668A7D}"/>
+                  <a16:creationId xmlns:a16="http://schemas.microsoft.com/office/drawing/2014/main" id="{AFAB66F8-ED4A-48EE-85D2-C79AC4668A7D}"/>
                 </a:ext>
               </a:extLst>
             </p:cNvPr>
@@ -35626,7 +38781,7 @@
           <p:cNvPr id="10" name="TextBox 9">
             <a:extLst>
               <a:ext uri="{FF2B5EF4-FFF2-40B4-BE49-F238E27FC236}">
-                <a16:creationId xmlns="" xmlns:a16="http://schemas.microsoft.com/office/drawing/2014/main" id="{AFAB66F8-ED4A-48EE-85D2-C79AC4668A7D}"/>
+                <a16:creationId xmlns:a16="http://schemas.microsoft.com/office/drawing/2014/main" id="{AFAB66F8-ED4A-48EE-85D2-C79AC4668A7D}"/>
               </a:ext>
             </a:extLst>
           </p:cNvPr>
@@ -35728,7 +38883,7 @@
           <p:cNvPr id="11" name="TextBox 10">
             <a:extLst>
               <a:ext uri="{FF2B5EF4-FFF2-40B4-BE49-F238E27FC236}">
-                <a16:creationId xmlns="" xmlns:a16="http://schemas.microsoft.com/office/drawing/2014/main" id="{AFAB66F8-ED4A-48EE-85D2-C79AC4668A7D}"/>
+                <a16:creationId xmlns:a16="http://schemas.microsoft.com/office/drawing/2014/main" id="{AFAB66F8-ED4A-48EE-85D2-C79AC4668A7D}"/>
               </a:ext>
             </a:extLst>
           </p:cNvPr>
@@ -36196,7 +39351,7 @@
             <p:cNvPr id="7" name="TextBox 6">
               <a:extLst>
                 <a:ext uri="{FF2B5EF4-FFF2-40B4-BE49-F238E27FC236}">
-                  <a16:creationId xmlns="" xmlns:a16="http://schemas.microsoft.com/office/drawing/2014/main" id="{AFAB66F8-ED4A-48EE-85D2-C79AC4668A7D}"/>
+                  <a16:creationId xmlns:a16="http://schemas.microsoft.com/office/drawing/2014/main" id="{AFAB66F8-ED4A-48EE-85D2-C79AC4668A7D}"/>
                 </a:ext>
               </a:extLst>
             </p:cNvPr>
@@ -36343,7 +39498,7 @@
             <p:cNvPr id="14" name="TextBox 13">
               <a:extLst>
                 <a:ext uri="{FF2B5EF4-FFF2-40B4-BE49-F238E27FC236}">
-                  <a16:creationId xmlns="" xmlns:a16="http://schemas.microsoft.com/office/drawing/2014/main" id="{AFAB66F8-ED4A-48EE-85D2-C79AC4668A7D}"/>
+                  <a16:creationId xmlns:a16="http://schemas.microsoft.com/office/drawing/2014/main" id="{AFAB66F8-ED4A-48EE-85D2-C79AC4668A7D}"/>
                 </a:ext>
               </a:extLst>
             </p:cNvPr>
@@ -37687,7 +40842,7 @@
           <p:cNvPr id="5" name="Рисунок 5" descr="Изображение выглядит как текст, карта, стол, большой&#10;&#10;Автоматически созданное описание">
             <a:extLst>
               <a:ext uri="{FF2B5EF4-FFF2-40B4-BE49-F238E27FC236}">
-                <a16:creationId xmlns="" xmlns:a16="http://schemas.microsoft.com/office/drawing/2014/main" id="{E933646D-3FE1-4B4E-9BC3-A601B4B2FE1B}"/>
+                <a16:creationId xmlns:a16="http://schemas.microsoft.com/office/drawing/2014/main" id="{E933646D-3FE1-4B4E-9BC3-A601B4B2FE1B}"/>
               </a:ext>
             </a:extLst>
           </p:cNvPr>
@@ -38783,7 +41938,7 @@
             <p:cNvPr id="6" name="TextBox 5">
               <a:extLst>
                 <a:ext uri="{FF2B5EF4-FFF2-40B4-BE49-F238E27FC236}">
-                  <a16:creationId xmlns="" xmlns:a16="http://schemas.microsoft.com/office/drawing/2014/main" id="{AFAB66F8-ED4A-48EE-85D2-C79AC4668A7D}"/>
+                  <a16:creationId xmlns:a16="http://schemas.microsoft.com/office/drawing/2014/main" id="{AFAB66F8-ED4A-48EE-85D2-C79AC4668A7D}"/>
                 </a:ext>
               </a:extLst>
             </p:cNvPr>
@@ -38955,7 +42110,7 @@
             <p:cNvPr id="9" name="TextBox 8">
               <a:extLst>
                 <a:ext uri="{FF2B5EF4-FFF2-40B4-BE49-F238E27FC236}">
-                  <a16:creationId xmlns="" xmlns:a16="http://schemas.microsoft.com/office/drawing/2014/main" id="{AFAB66F8-ED4A-48EE-85D2-C79AC4668A7D}"/>
+                  <a16:creationId xmlns:a16="http://schemas.microsoft.com/office/drawing/2014/main" id="{AFAB66F8-ED4A-48EE-85D2-C79AC4668A7D}"/>
                 </a:ext>
               </a:extLst>
             </p:cNvPr>
@@ -39038,7 +42193,7 @@
           <p:cNvPr id="10" name="TextBox 9">
             <a:extLst>
               <a:ext uri="{FF2B5EF4-FFF2-40B4-BE49-F238E27FC236}">
-                <a16:creationId xmlns="" xmlns:a16="http://schemas.microsoft.com/office/drawing/2014/main" id="{AFAB66F8-ED4A-48EE-85D2-C79AC4668A7D}"/>
+                <a16:creationId xmlns:a16="http://schemas.microsoft.com/office/drawing/2014/main" id="{AFAB66F8-ED4A-48EE-85D2-C79AC4668A7D}"/>
               </a:ext>
             </a:extLst>
           </p:cNvPr>
@@ -39505,7 +42660,7 @@
             <p:cNvPr id="6" name="TextBox 5">
               <a:extLst>
                 <a:ext uri="{FF2B5EF4-FFF2-40B4-BE49-F238E27FC236}">
-                  <a16:creationId xmlns="" xmlns:a16="http://schemas.microsoft.com/office/drawing/2014/main" id="{AFAB66F8-ED4A-48EE-85D2-C79AC4668A7D}"/>
+                  <a16:creationId xmlns:a16="http://schemas.microsoft.com/office/drawing/2014/main" id="{AFAB66F8-ED4A-48EE-85D2-C79AC4668A7D}"/>
                 </a:ext>
               </a:extLst>
             </p:cNvPr>
@@ -39677,7 +42832,7 @@
             <p:cNvPr id="13" name="TextBox 12">
               <a:extLst>
                 <a:ext uri="{FF2B5EF4-FFF2-40B4-BE49-F238E27FC236}">
-                  <a16:creationId xmlns="" xmlns:a16="http://schemas.microsoft.com/office/drawing/2014/main" id="{AFAB66F8-ED4A-48EE-85D2-C79AC4668A7D}"/>
+                  <a16:creationId xmlns:a16="http://schemas.microsoft.com/office/drawing/2014/main" id="{AFAB66F8-ED4A-48EE-85D2-C79AC4668A7D}"/>
                 </a:ext>
               </a:extLst>
             </p:cNvPr>
@@ -39849,7 +43004,7 @@
             <p:cNvPr id="16" name="TextBox 15">
               <a:extLst>
                 <a:ext uri="{FF2B5EF4-FFF2-40B4-BE49-F238E27FC236}">
-                  <a16:creationId xmlns="" xmlns:a16="http://schemas.microsoft.com/office/drawing/2014/main" id="{AFAB66F8-ED4A-48EE-85D2-C79AC4668A7D}"/>
+                  <a16:creationId xmlns:a16="http://schemas.microsoft.com/office/drawing/2014/main" id="{AFAB66F8-ED4A-48EE-85D2-C79AC4668A7D}"/>
                 </a:ext>
               </a:extLst>
             </p:cNvPr>
@@ -40321,7 +43476,7 @@
           <p:cNvPr id="5" name="Рисунок 5" descr="Изображение выглядит как рисунок&#10;&#10;Автоматически созданное описание">
             <a:extLst>
               <a:ext uri="{FF2B5EF4-FFF2-40B4-BE49-F238E27FC236}">
-                <a16:creationId xmlns="" xmlns:a16="http://schemas.microsoft.com/office/drawing/2014/main" id="{CDD0D392-856C-47F0-9735-BEF68F5D9DAC}"/>
+                <a16:creationId xmlns:a16="http://schemas.microsoft.com/office/drawing/2014/main" id="{CDD0D392-856C-47F0-9735-BEF68F5D9DAC}"/>
               </a:ext>
             </a:extLst>
           </p:cNvPr>
@@ -40351,7 +43506,7 @@
           <p:cNvPr id="9" name="Рисунок 9" descr="Изображение выглядит как знак&#10;&#10;Автоматически созданное описание">
             <a:extLst>
               <a:ext uri="{FF2B5EF4-FFF2-40B4-BE49-F238E27FC236}">
-                <a16:creationId xmlns="" xmlns:a16="http://schemas.microsoft.com/office/drawing/2014/main" id="{05DBF68E-E15B-4C8D-B88E-DD5E51FB28A6}"/>
+                <a16:creationId xmlns:a16="http://schemas.microsoft.com/office/drawing/2014/main" id="{05DBF68E-E15B-4C8D-B88E-DD5E51FB28A6}"/>
               </a:ext>
             </a:extLst>
           </p:cNvPr>
@@ -41298,7 +44453,7 @@
             <p:cNvPr id="6" name="TextBox 5">
               <a:extLst>
                 <a:ext uri="{FF2B5EF4-FFF2-40B4-BE49-F238E27FC236}">
-                  <a16:creationId xmlns:a16="http://schemas.microsoft.com/office/drawing/2014/main" xmlns="" id="{AFAB66F8-ED4A-48EE-85D2-C79AC4668A7D}"/>
+                  <a16:creationId xmlns:a16="http://schemas.microsoft.com/office/drawing/2014/main" id="{AFAB66F8-ED4A-48EE-85D2-C79AC4668A7D}"/>
                 </a:ext>
               </a:extLst>
             </p:cNvPr>
@@ -41353,7 +44508,7 @@
           <p:cNvPr id="7" name="TextBox 6">
             <a:extLst>
               <a:ext uri="{FF2B5EF4-FFF2-40B4-BE49-F238E27FC236}">
-                <a16:creationId xmlns:a16="http://schemas.microsoft.com/office/drawing/2014/main" xmlns="" id="{AFAB66F8-ED4A-48EE-85D2-C79AC4668A7D}"/>
+                <a16:creationId xmlns:a16="http://schemas.microsoft.com/office/drawing/2014/main" id="{AFAB66F8-ED4A-48EE-85D2-C79AC4668A7D}"/>
               </a:ext>
             </a:extLst>
           </p:cNvPr>
@@ -41483,7 +44638,7 @@
             <p:cNvPr id="10" name="TextBox 9">
               <a:extLst>
                 <a:ext uri="{FF2B5EF4-FFF2-40B4-BE49-F238E27FC236}">
-                  <a16:creationId xmlns:a16="http://schemas.microsoft.com/office/drawing/2014/main" xmlns="" id="{AFAB66F8-ED4A-48EE-85D2-C79AC4668A7D}"/>
+                  <a16:creationId xmlns:a16="http://schemas.microsoft.com/office/drawing/2014/main" id="{AFAB66F8-ED4A-48EE-85D2-C79AC4668A7D}"/>
                 </a:ext>
               </a:extLst>
             </p:cNvPr>
@@ -41538,7 +44693,7 @@
           <p:cNvPr id="11" name="TextBox 10">
             <a:extLst>
               <a:ext uri="{FF2B5EF4-FFF2-40B4-BE49-F238E27FC236}">
-                <a16:creationId xmlns:a16="http://schemas.microsoft.com/office/drawing/2014/main" xmlns="" id="{AFAB66F8-ED4A-48EE-85D2-C79AC4668A7D}"/>
+                <a16:creationId xmlns:a16="http://schemas.microsoft.com/office/drawing/2014/main" id="{AFAB66F8-ED4A-48EE-85D2-C79AC4668A7D}"/>
               </a:ext>
             </a:extLst>
           </p:cNvPr>
@@ -41602,7 +44757,7 @@
           <p:cNvPr id="12" name="TextBox 11">
             <a:extLst>
               <a:ext uri="{FF2B5EF4-FFF2-40B4-BE49-F238E27FC236}">
-                <a16:creationId xmlns:a16="http://schemas.microsoft.com/office/drawing/2014/main" xmlns="" id="{AFAB66F8-ED4A-48EE-85D2-C79AC4668A7D}"/>
+                <a16:creationId xmlns:a16="http://schemas.microsoft.com/office/drawing/2014/main" id="{AFAB66F8-ED4A-48EE-85D2-C79AC4668A7D}"/>
               </a:ext>
             </a:extLst>
           </p:cNvPr>
@@ -41656,7 +44811,7 @@
           <p:cNvPr id="13" name="TextBox 12">
             <a:extLst>
               <a:ext uri="{FF2B5EF4-FFF2-40B4-BE49-F238E27FC236}">
-                <a16:creationId xmlns:a16="http://schemas.microsoft.com/office/drawing/2014/main" xmlns="" id="{AFAB66F8-ED4A-48EE-85D2-C79AC4668A7D}"/>
+                <a16:creationId xmlns:a16="http://schemas.microsoft.com/office/drawing/2014/main" id="{AFAB66F8-ED4A-48EE-85D2-C79AC4668A7D}"/>
               </a:ext>
             </a:extLst>
           </p:cNvPr>
@@ -41720,7 +44875,7 @@
           <p:cNvPr id="14" name="TextBox 13">
             <a:extLst>
               <a:ext uri="{FF2B5EF4-FFF2-40B4-BE49-F238E27FC236}">
-                <a16:creationId xmlns:a16="http://schemas.microsoft.com/office/drawing/2014/main" xmlns="" id="{AFAB66F8-ED4A-48EE-85D2-C79AC4668A7D}"/>
+                <a16:creationId xmlns:a16="http://schemas.microsoft.com/office/drawing/2014/main" id="{AFAB66F8-ED4A-48EE-85D2-C79AC4668A7D}"/>
               </a:ext>
             </a:extLst>
           </p:cNvPr>
@@ -41784,7 +44939,7 @@
           <p:cNvPr id="15" name="TextBox 14">
             <a:extLst>
               <a:ext uri="{FF2B5EF4-FFF2-40B4-BE49-F238E27FC236}">
-                <a16:creationId xmlns:a16="http://schemas.microsoft.com/office/drawing/2014/main" xmlns="" id="{AFAB66F8-ED4A-48EE-85D2-C79AC4668A7D}"/>
+                <a16:creationId xmlns:a16="http://schemas.microsoft.com/office/drawing/2014/main" id="{AFAB66F8-ED4A-48EE-85D2-C79AC4668A7D}"/>
               </a:ext>
             </a:extLst>
           </p:cNvPr>
@@ -42340,7 +45495,7 @@
           <p:cNvPr id="2" name="Рисунок 2" descr="Изображение выглядит как знак&#10;&#10;Автоматически созданное описание">
             <a:extLst>
               <a:ext uri="{FF2B5EF4-FFF2-40B4-BE49-F238E27FC236}">
-                <a16:creationId xmlns="" xmlns:a16="http://schemas.microsoft.com/office/drawing/2014/main" id="{0E8DF96B-8443-4131-BD5B-83E6EE370AF8}"/>
+                <a16:creationId xmlns:a16="http://schemas.microsoft.com/office/drawing/2014/main" id="{0E8DF96B-8443-4131-BD5B-83E6EE370AF8}"/>
               </a:ext>
             </a:extLst>
           </p:cNvPr>
@@ -42828,7 +45983,7 @@
             <p:cNvPr id="12" name="TextBox 11">
               <a:extLst>
                 <a:ext uri="{FF2B5EF4-FFF2-40B4-BE49-F238E27FC236}">
-                  <a16:creationId xmlns:a16="http://schemas.microsoft.com/office/drawing/2014/main" xmlns="" id="{AFAB66F8-ED4A-48EE-85D2-C79AC4668A7D}"/>
+                  <a16:creationId xmlns:a16="http://schemas.microsoft.com/office/drawing/2014/main" id="{AFAB66F8-ED4A-48EE-85D2-C79AC4668A7D}"/>
                 </a:ext>
               </a:extLst>
             </p:cNvPr>
@@ -42947,7 +46102,7 @@
             <p:cNvPr id="15" name="TextBox 14">
               <a:extLst>
                 <a:ext uri="{FF2B5EF4-FFF2-40B4-BE49-F238E27FC236}">
-                  <a16:creationId xmlns:a16="http://schemas.microsoft.com/office/drawing/2014/main" xmlns="" id="{AFAB66F8-ED4A-48EE-85D2-C79AC4668A7D}"/>
+                  <a16:creationId xmlns:a16="http://schemas.microsoft.com/office/drawing/2014/main" id="{AFAB66F8-ED4A-48EE-85D2-C79AC4668A7D}"/>
                 </a:ext>
               </a:extLst>
             </p:cNvPr>
@@ -43066,7 +46221,7 @@
             <p:cNvPr id="18" name="TextBox 17">
               <a:extLst>
                 <a:ext uri="{FF2B5EF4-FFF2-40B4-BE49-F238E27FC236}">
-                  <a16:creationId xmlns:a16="http://schemas.microsoft.com/office/drawing/2014/main" xmlns="" id="{AFAB66F8-ED4A-48EE-85D2-C79AC4668A7D}"/>
+                  <a16:creationId xmlns:a16="http://schemas.microsoft.com/office/drawing/2014/main" id="{AFAB66F8-ED4A-48EE-85D2-C79AC4668A7D}"/>
                 </a:ext>
               </a:extLst>
             </p:cNvPr>

--- a/Course.pptx
+++ b/Course.pptx
@@ -5,7 +5,7 @@
     <p:sldMasterId id="2147483648" r:id="rId1"/>
   </p:sldMasterIdLst>
   <p:notesMasterIdLst>
-    <p:notesMasterId r:id="rId130"/>
+    <p:notesMasterId r:id="rId134"/>
   </p:notesMasterIdLst>
   <p:sldIdLst>
     <p:sldId id="256" r:id="rId2"/>
@@ -136,6 +136,10 @@
     <p:sldId id="382" r:id="rId127"/>
     <p:sldId id="383" r:id="rId128"/>
     <p:sldId id="384" r:id="rId129"/>
+    <p:sldId id="385" r:id="rId130"/>
+    <p:sldId id="386" r:id="rId131"/>
+    <p:sldId id="387" r:id="rId132"/>
+    <p:sldId id="388" r:id="rId133"/>
   </p:sldIdLst>
   <p:sldSz cx="12192000" cy="6858000"/>
   <p:notesSz cx="6858000" cy="9144000"/>
@@ -1160,7 +1164,7 @@
           <a:p>
             <a:fld id="{2EE8E8F7-1DBA-4282-96A9-47FA334D89F2}" type="datetimeFigureOut">
               <a:rPr lang="ru-RU" smtClean="0"/>
-              <a:t>21.07.2020</a:t>
+              <a:t>23.07.2020</a:t>
             </a:fld>
             <a:endParaRPr lang="ru-RU"/>
           </a:p>
@@ -17084,15 +17088,6 @@
               </a:rPr>
               <a:t> задачей является выборка подмножества значений из объекта.*</a:t>
             </a:r>
-            <a:endParaRPr lang="ru-RU" sz="1200" b="0" i="0" kern="1200" dirty="0" smtClean="0">
-              <a:solidFill>
-                <a:schemeClr val="tx1"/>
-              </a:solidFill>
-              <a:effectLst/>
-              <a:latin typeface="+mn-lt"/>
-              <a:ea typeface="+mn-ea"/>
-              <a:cs typeface="+mn-cs"/>
-            </a:endParaRPr>
           </a:p>
         </p:txBody>
       </p:sp>
@@ -18047,6 +18042,261 @@
 </p:notes>
 </file>
 
+<file path=ppt/notesSlides/notesSlide69.xml><?xml version="1.0" encoding="utf-8"?>
+<p:notes xmlns:a="http://schemas.openxmlformats.org/drawingml/2006/main" xmlns:r="http://schemas.openxmlformats.org/officeDocument/2006/relationships" xmlns:p="http://schemas.openxmlformats.org/presentationml/2006/main">
+  <p:cSld>
+    <p:spTree>
+      <p:nvGrpSpPr>
+        <p:cNvPr id="1" name=""/>
+        <p:cNvGrpSpPr/>
+        <p:nvPr/>
+      </p:nvGrpSpPr>
+      <p:grpSpPr>
+        <a:xfrm>
+          <a:off x="0" y="0"/>
+          <a:ext cx="0" cy="0"/>
+          <a:chOff x="0" y="0"/>
+          <a:chExt cx="0" cy="0"/>
+        </a:xfrm>
+      </p:grpSpPr>
+      <p:sp>
+        <p:nvSpPr>
+          <p:cNvPr id="2" name="Образ слайда 1"/>
+          <p:cNvSpPr>
+            <a:spLocks noGrp="1" noRot="1" noChangeAspect="1"/>
+          </p:cNvSpPr>
+          <p:nvPr>
+            <p:ph type="sldImg"/>
+          </p:nvPr>
+        </p:nvSpPr>
+        <p:spPr/>
+      </p:sp>
+      <p:sp>
+        <p:nvSpPr>
+          <p:cNvPr id="3" name="Заметки 2"/>
+          <p:cNvSpPr>
+            <a:spLocks noGrp="1"/>
+          </p:cNvSpPr>
+          <p:nvPr>
+            <p:ph type="body" idx="1"/>
+          </p:nvPr>
+        </p:nvSpPr>
+        <p:spPr/>
+        <p:txBody>
+          <a:bodyPr/>
+          <a:lstStyle/>
+          <a:p>
+            <a:pPr rtl="0" fontAlgn="base"/>
+            <a:r>
+              <a:rPr lang="ru-RU" sz="1200" b="0" i="0" kern="1200" dirty="0" smtClean="0">
+                <a:solidFill>
+                  <a:schemeClr val="tx1"/>
+                </a:solidFill>
+                <a:effectLst/>
+                <a:latin typeface="+mn-lt"/>
+                <a:ea typeface="+mn-ea"/>
+                <a:cs typeface="+mn-cs"/>
+              </a:rPr>
+              <a:t>Урок</a:t>
+            </a:r>
+            <a:r>
+              <a:rPr lang="ru-RU" sz="1200" b="0" i="0" kern="1200" baseline="0" dirty="0" smtClean="0">
+                <a:solidFill>
+                  <a:schemeClr val="tx1"/>
+                </a:solidFill>
+                <a:effectLst/>
+                <a:latin typeface="+mn-lt"/>
+                <a:ea typeface="+mn-ea"/>
+                <a:cs typeface="+mn-cs"/>
+              </a:rPr>
+              <a:t> 14</a:t>
+            </a:r>
+          </a:p>
+          <a:p>
+            <a:pPr rtl="0" fontAlgn="base"/>
+            <a:endParaRPr lang="ru-RU" sz="1200" b="0" i="0" kern="1200" baseline="0" dirty="0" smtClean="0">
+              <a:solidFill>
+                <a:schemeClr val="tx1"/>
+              </a:solidFill>
+              <a:effectLst/>
+              <a:latin typeface="+mn-lt"/>
+              <a:ea typeface="+mn-ea"/>
+              <a:cs typeface="+mn-cs"/>
+            </a:endParaRPr>
+          </a:p>
+          <a:p>
+            <a:pPr rtl="0" fontAlgn="base"/>
+            <a:r>
+              <a:rPr lang="en-US" sz="1200" b="0" i="0" kern="1200" baseline="0" dirty="0" smtClean="0">
+                <a:solidFill>
+                  <a:schemeClr val="tx1"/>
+                </a:solidFill>
+                <a:effectLst/>
+                <a:latin typeface="+mn-lt"/>
+                <a:ea typeface="+mn-ea"/>
+                <a:cs typeface="+mn-cs"/>
+              </a:rPr>
+              <a:t>JS </a:t>
+            </a:r>
+            <a:r>
+              <a:rPr lang="ru-RU" sz="1200" b="0" i="0" kern="1200" baseline="0" dirty="0" smtClean="0">
+                <a:solidFill>
+                  <a:schemeClr val="tx1"/>
+                </a:solidFill>
+                <a:effectLst/>
+                <a:latin typeface="+mn-lt"/>
+                <a:ea typeface="+mn-ea"/>
+                <a:cs typeface="+mn-cs"/>
+              </a:rPr>
+              <a:t>достаточно гибкий язык в терминах типов (по </a:t>
+            </a:r>
+            <a:r>
+              <a:rPr lang="ru-RU" sz="1200" b="0" i="0" kern="1200" baseline="0" dirty="0" err="1" smtClean="0">
+                <a:solidFill>
+                  <a:schemeClr val="tx1"/>
+                </a:solidFill>
+                <a:effectLst/>
+                <a:latin typeface="+mn-lt"/>
+                <a:ea typeface="+mn-ea"/>
+                <a:cs typeface="+mn-cs"/>
+              </a:rPr>
+              <a:t>скольку</a:t>
+            </a:r>
+            <a:r>
+              <a:rPr lang="ru-RU" sz="1200" b="0" i="0" kern="1200" baseline="0" dirty="0" smtClean="0">
+                <a:solidFill>
+                  <a:schemeClr val="tx1"/>
+                </a:solidFill>
+                <a:effectLst/>
+                <a:latin typeface="+mn-lt"/>
+                <a:ea typeface="+mn-ea"/>
+                <a:cs typeface="+mn-cs"/>
+              </a:rPr>
+              <a:t> они отсутствуют) и позволяет превращать структуры в абсолютно разные вещи прямо на ходу</a:t>
+            </a:r>
+          </a:p>
+          <a:p>
+            <a:pPr rtl="0" fontAlgn="base"/>
+            <a:endParaRPr lang="ru-RU" sz="1200" b="0" i="0" kern="1200" baseline="0" dirty="0" smtClean="0">
+              <a:solidFill>
+                <a:schemeClr val="tx1"/>
+              </a:solidFill>
+              <a:effectLst/>
+              <a:latin typeface="+mn-lt"/>
+              <a:ea typeface="+mn-ea"/>
+              <a:cs typeface="+mn-cs"/>
+            </a:endParaRPr>
+          </a:p>
+          <a:p>
+            <a:pPr rtl="0" fontAlgn="base"/>
+            <a:endParaRPr lang="ru-RU" sz="1200" b="0" i="0" kern="1200" dirty="0" smtClean="0">
+              <a:solidFill>
+                <a:schemeClr val="tx1"/>
+              </a:solidFill>
+              <a:effectLst/>
+              <a:latin typeface="+mn-lt"/>
+              <a:ea typeface="+mn-ea"/>
+              <a:cs typeface="+mn-cs"/>
+            </a:endParaRPr>
+          </a:p>
+        </p:txBody>
+      </p:sp>
+      <p:sp>
+        <p:nvSpPr>
+          <p:cNvPr id="4" name="Номер слайда 3"/>
+          <p:cNvSpPr>
+            <a:spLocks noGrp="1"/>
+          </p:cNvSpPr>
+          <p:nvPr>
+            <p:ph type="sldNum" sz="quarter" idx="10"/>
+          </p:nvPr>
+        </p:nvSpPr>
+        <p:spPr/>
+        <p:txBody>
+          <a:bodyPr/>
+          <a:lstStyle/>
+          <a:p>
+            <a:pPr marL="0" marR="0" lvl="0" indent="0" algn="r" defTabSz="914400" rtl="0" eaLnBrk="1" fontAlgn="auto" latinLnBrk="0" hangingPunct="1">
+              <a:lnSpc>
+                <a:spcPct val="100000"/>
+              </a:lnSpc>
+              <a:spcBef>
+                <a:spcPts val="0"/>
+              </a:spcBef>
+              <a:spcAft>
+                <a:spcPts val="0"/>
+              </a:spcAft>
+              <a:buClrTx/>
+              <a:buSzTx/>
+              <a:buFontTx/>
+              <a:buNone/>
+              <a:tabLst/>
+              <a:defRPr/>
+            </a:pPr>
+            <a:fld id="{622F1C9E-D65E-417E-9FEF-9AD7ACC20294}" type="slidenum">
+              <a:rPr kumimoji="0" lang="ru-RU" sz="1200" b="0" i="0" u="none" strike="noStrike" kern="1200" cap="none" spc="0" normalizeH="0" baseline="0" noProof="0" smtClean="0">
+                <a:ln>
+                  <a:noFill/>
+                </a:ln>
+                <a:solidFill>
+                  <a:prstClr val="black"/>
+                </a:solidFill>
+                <a:effectLst/>
+                <a:uLnTx/>
+                <a:uFillTx/>
+                <a:latin typeface="Calibri" panose="020F0502020204030204"/>
+                <a:ea typeface="+mn-ea"/>
+                <a:cs typeface="+mn-cs"/>
+              </a:rPr>
+              <a:pPr marL="0" marR="0" lvl="0" indent="0" algn="r" defTabSz="914400" rtl="0" eaLnBrk="1" fontAlgn="auto" latinLnBrk="0" hangingPunct="1">
+                <a:lnSpc>
+                  <a:spcPct val="100000"/>
+                </a:lnSpc>
+                <a:spcBef>
+                  <a:spcPts val="0"/>
+                </a:spcBef>
+                <a:spcAft>
+                  <a:spcPts val="0"/>
+                </a:spcAft>
+                <a:buClrTx/>
+                <a:buSzTx/>
+                <a:buFontTx/>
+                <a:buNone/>
+                <a:tabLst/>
+                <a:defRPr/>
+              </a:pPr>
+              <a:t>129</a:t>
+            </a:fld>
+            <a:endParaRPr kumimoji="0" lang="ru-RU" sz="1200" b="0" i="0" u="none" strike="noStrike" kern="1200" cap="none" spc="0" normalizeH="0" baseline="0" noProof="0">
+              <a:ln>
+                <a:noFill/>
+              </a:ln>
+              <a:solidFill>
+                <a:prstClr val="black"/>
+              </a:solidFill>
+              <a:effectLst/>
+              <a:uLnTx/>
+              <a:uFillTx/>
+              <a:latin typeface="Calibri" panose="020F0502020204030204"/>
+              <a:ea typeface="+mn-ea"/>
+              <a:cs typeface="+mn-cs"/>
+            </a:endParaRPr>
+          </a:p>
+        </p:txBody>
+      </p:sp>
+    </p:spTree>
+    <p:extLst>
+      <p:ext uri="{BB962C8B-B14F-4D97-AF65-F5344CB8AC3E}">
+        <p14:creationId xmlns:p14="http://schemas.microsoft.com/office/powerpoint/2010/main" val="2142569005"/>
+      </p:ext>
+    </p:extLst>
+  </p:cSld>
+  <p:clrMapOvr>
+    <a:masterClrMapping/>
+  </p:clrMapOvr>
+</p:notes>
+</file>
+
 <file path=ppt/notesSlides/notesSlide7.xml><?xml version="1.0" encoding="utf-8"?>
 <p:notes xmlns:a="http://schemas.openxmlformats.org/drawingml/2006/main" xmlns:r="http://schemas.openxmlformats.org/officeDocument/2006/relationships" xmlns:p="http://schemas.openxmlformats.org/presentationml/2006/main">
   <p:cSld>
@@ -18477,6 +18727,588 @@
     <p:extLst>
       <p:ext uri="{BB962C8B-B14F-4D97-AF65-F5344CB8AC3E}">
         <p14:creationId xmlns:p14="http://schemas.microsoft.com/office/powerpoint/2010/main" val="1153176650"/>
+      </p:ext>
+    </p:extLst>
+  </p:cSld>
+  <p:clrMapOvr>
+    <a:masterClrMapping/>
+  </p:clrMapOvr>
+</p:notes>
+</file>
+
+<file path=ppt/notesSlides/notesSlide70.xml><?xml version="1.0" encoding="utf-8"?>
+<p:notes xmlns:a="http://schemas.openxmlformats.org/drawingml/2006/main" xmlns:r="http://schemas.openxmlformats.org/officeDocument/2006/relationships" xmlns:p="http://schemas.openxmlformats.org/presentationml/2006/main">
+  <p:cSld>
+    <p:spTree>
+      <p:nvGrpSpPr>
+        <p:cNvPr id="1" name=""/>
+        <p:cNvGrpSpPr/>
+        <p:nvPr/>
+      </p:nvGrpSpPr>
+      <p:grpSpPr>
+        <a:xfrm>
+          <a:off x="0" y="0"/>
+          <a:ext cx="0" cy="0"/>
+          <a:chOff x="0" y="0"/>
+          <a:chExt cx="0" cy="0"/>
+        </a:xfrm>
+      </p:grpSpPr>
+      <p:sp>
+        <p:nvSpPr>
+          <p:cNvPr id="2" name="Образ слайда 1"/>
+          <p:cNvSpPr>
+            <a:spLocks noGrp="1" noRot="1" noChangeAspect="1"/>
+          </p:cNvSpPr>
+          <p:nvPr>
+            <p:ph type="sldImg"/>
+          </p:nvPr>
+        </p:nvSpPr>
+        <p:spPr/>
+      </p:sp>
+      <p:sp>
+        <p:nvSpPr>
+          <p:cNvPr id="3" name="Заметки 2"/>
+          <p:cNvSpPr>
+            <a:spLocks noGrp="1"/>
+          </p:cNvSpPr>
+          <p:nvPr>
+            <p:ph type="body" idx="1"/>
+          </p:nvPr>
+        </p:nvSpPr>
+        <p:spPr/>
+        <p:txBody>
+          <a:bodyPr/>
+          <a:lstStyle/>
+          <a:p>
+            <a:pPr rtl="0" fontAlgn="base"/>
+            <a:r>
+              <a:rPr lang="ru-RU" sz="1200" b="0" i="0" kern="1200" baseline="0" dirty="0" smtClean="0">
+                <a:solidFill>
+                  <a:schemeClr val="tx1"/>
+                </a:solidFill>
+                <a:effectLst/>
+                <a:latin typeface="+mn-lt"/>
+                <a:ea typeface="+mn-ea"/>
+                <a:cs typeface="+mn-cs"/>
+              </a:rPr>
+              <a:t>Но что насчет </a:t>
+            </a:r>
+            <a:r>
+              <a:rPr lang="ru-RU" sz="1200" b="0" i="0" kern="1200" baseline="0" dirty="0" err="1" smtClean="0">
+                <a:solidFill>
+                  <a:schemeClr val="tx1"/>
+                </a:solidFill>
+                <a:effectLst/>
+                <a:latin typeface="+mn-lt"/>
+                <a:ea typeface="+mn-ea"/>
+                <a:cs typeface="+mn-cs"/>
+              </a:rPr>
+              <a:t>тайпскрипт</a:t>
+            </a:r>
+            <a:r>
+              <a:rPr lang="ru-RU" sz="1200" b="0" i="0" kern="1200" baseline="0" dirty="0" smtClean="0">
+                <a:solidFill>
+                  <a:schemeClr val="tx1"/>
+                </a:solidFill>
+                <a:effectLst/>
+                <a:latin typeface="+mn-lt"/>
+                <a:ea typeface="+mn-ea"/>
+                <a:cs typeface="+mn-cs"/>
+              </a:rPr>
+              <a:t>?</a:t>
+            </a:r>
+          </a:p>
+          <a:p>
+            <a:pPr rtl="0" fontAlgn="base"/>
+            <a:endParaRPr lang="ru-RU" sz="1200" b="0" i="0" kern="1200" baseline="0" dirty="0" smtClean="0">
+              <a:solidFill>
+                <a:schemeClr val="tx1"/>
+              </a:solidFill>
+              <a:effectLst/>
+              <a:latin typeface="+mn-lt"/>
+              <a:ea typeface="+mn-ea"/>
+              <a:cs typeface="+mn-cs"/>
+            </a:endParaRPr>
+          </a:p>
+          <a:p>
+            <a:pPr rtl="0" fontAlgn="base"/>
+            <a:endParaRPr lang="ru-RU" sz="1200" b="0" i="0" kern="1200" dirty="0" smtClean="0">
+              <a:solidFill>
+                <a:schemeClr val="tx1"/>
+              </a:solidFill>
+              <a:effectLst/>
+              <a:latin typeface="+mn-lt"/>
+              <a:ea typeface="+mn-ea"/>
+              <a:cs typeface="+mn-cs"/>
+            </a:endParaRPr>
+          </a:p>
+        </p:txBody>
+      </p:sp>
+      <p:sp>
+        <p:nvSpPr>
+          <p:cNvPr id="4" name="Номер слайда 3"/>
+          <p:cNvSpPr>
+            <a:spLocks noGrp="1"/>
+          </p:cNvSpPr>
+          <p:nvPr>
+            <p:ph type="sldNum" sz="quarter" idx="10"/>
+          </p:nvPr>
+        </p:nvSpPr>
+        <p:spPr/>
+        <p:txBody>
+          <a:bodyPr/>
+          <a:lstStyle/>
+          <a:p>
+            <a:pPr marL="0" marR="0" lvl="0" indent="0" algn="r" defTabSz="914400" rtl="0" eaLnBrk="1" fontAlgn="auto" latinLnBrk="0" hangingPunct="1">
+              <a:lnSpc>
+                <a:spcPct val="100000"/>
+              </a:lnSpc>
+              <a:spcBef>
+                <a:spcPts val="0"/>
+              </a:spcBef>
+              <a:spcAft>
+                <a:spcPts val="0"/>
+              </a:spcAft>
+              <a:buClrTx/>
+              <a:buSzTx/>
+              <a:buFontTx/>
+              <a:buNone/>
+              <a:tabLst/>
+              <a:defRPr/>
+            </a:pPr>
+            <a:fld id="{622F1C9E-D65E-417E-9FEF-9AD7ACC20294}" type="slidenum">
+              <a:rPr kumimoji="0" lang="ru-RU" sz="1200" b="0" i="0" u="none" strike="noStrike" kern="1200" cap="none" spc="0" normalizeH="0" baseline="0" noProof="0" smtClean="0">
+                <a:ln>
+                  <a:noFill/>
+                </a:ln>
+                <a:solidFill>
+                  <a:prstClr val="black"/>
+                </a:solidFill>
+                <a:effectLst/>
+                <a:uLnTx/>
+                <a:uFillTx/>
+                <a:latin typeface="Calibri" panose="020F0502020204030204"/>
+                <a:ea typeface="+mn-ea"/>
+                <a:cs typeface="+mn-cs"/>
+              </a:rPr>
+              <a:pPr marL="0" marR="0" lvl="0" indent="0" algn="r" defTabSz="914400" rtl="0" eaLnBrk="1" fontAlgn="auto" latinLnBrk="0" hangingPunct="1">
+                <a:lnSpc>
+                  <a:spcPct val="100000"/>
+                </a:lnSpc>
+                <a:spcBef>
+                  <a:spcPts val="0"/>
+                </a:spcBef>
+                <a:spcAft>
+                  <a:spcPts val="0"/>
+                </a:spcAft>
+                <a:buClrTx/>
+                <a:buSzTx/>
+                <a:buFontTx/>
+                <a:buNone/>
+                <a:tabLst/>
+                <a:defRPr/>
+              </a:pPr>
+              <a:t>130</a:t>
+            </a:fld>
+            <a:endParaRPr kumimoji="0" lang="ru-RU" sz="1200" b="0" i="0" u="none" strike="noStrike" kern="1200" cap="none" spc="0" normalizeH="0" baseline="0" noProof="0">
+              <a:ln>
+                <a:noFill/>
+              </a:ln>
+              <a:solidFill>
+                <a:prstClr val="black"/>
+              </a:solidFill>
+              <a:effectLst/>
+              <a:uLnTx/>
+              <a:uFillTx/>
+              <a:latin typeface="Calibri" panose="020F0502020204030204"/>
+              <a:ea typeface="+mn-ea"/>
+              <a:cs typeface="+mn-cs"/>
+            </a:endParaRPr>
+          </a:p>
+        </p:txBody>
+      </p:sp>
+    </p:spTree>
+    <p:extLst>
+      <p:ext uri="{BB962C8B-B14F-4D97-AF65-F5344CB8AC3E}">
+        <p14:creationId xmlns:p14="http://schemas.microsoft.com/office/powerpoint/2010/main" val="1302736349"/>
+      </p:ext>
+    </p:extLst>
+  </p:cSld>
+  <p:clrMapOvr>
+    <a:masterClrMapping/>
+  </p:clrMapOvr>
+</p:notes>
+</file>
+
+<file path=ppt/notesSlides/notesSlide71.xml><?xml version="1.0" encoding="utf-8"?>
+<p:notes xmlns:a="http://schemas.openxmlformats.org/drawingml/2006/main" xmlns:r="http://schemas.openxmlformats.org/officeDocument/2006/relationships" xmlns:p="http://schemas.openxmlformats.org/presentationml/2006/main">
+  <p:cSld>
+    <p:spTree>
+      <p:nvGrpSpPr>
+        <p:cNvPr id="1" name=""/>
+        <p:cNvGrpSpPr/>
+        <p:nvPr/>
+      </p:nvGrpSpPr>
+      <p:grpSpPr>
+        <a:xfrm>
+          <a:off x="0" y="0"/>
+          <a:ext cx="0" cy="0"/>
+          <a:chOff x="0" y="0"/>
+          <a:chExt cx="0" cy="0"/>
+        </a:xfrm>
+      </p:grpSpPr>
+      <p:sp>
+        <p:nvSpPr>
+          <p:cNvPr id="2" name="Образ слайда 1"/>
+          <p:cNvSpPr>
+            <a:spLocks noGrp="1" noRot="1" noChangeAspect="1"/>
+          </p:cNvSpPr>
+          <p:nvPr>
+            <p:ph type="sldImg"/>
+          </p:nvPr>
+        </p:nvSpPr>
+        <p:spPr/>
+      </p:sp>
+      <p:sp>
+        <p:nvSpPr>
+          <p:cNvPr id="3" name="Заметки 2"/>
+          <p:cNvSpPr>
+            <a:spLocks noGrp="1"/>
+          </p:cNvSpPr>
+          <p:nvPr>
+            <p:ph type="body" idx="1"/>
+          </p:nvPr>
+        </p:nvSpPr>
+        <p:spPr/>
+        <p:txBody>
+          <a:bodyPr/>
+          <a:lstStyle/>
+          <a:p>
+            <a:pPr rtl="0" fontAlgn="base"/>
+            <a:r>
+              <a:rPr lang="ru-RU" sz="1200" b="0" i="0" kern="1200" dirty="0" smtClean="0">
+                <a:solidFill>
+                  <a:schemeClr val="tx1"/>
+                </a:solidFill>
+                <a:effectLst/>
+                <a:latin typeface="+mn-lt"/>
+                <a:ea typeface="+mn-ea"/>
+                <a:cs typeface="+mn-cs"/>
+              </a:rPr>
+              <a:t>Дублировать</a:t>
+            </a:r>
+            <a:r>
+              <a:rPr lang="ru-RU" sz="1200" b="0" i="0" kern="1200" baseline="0" dirty="0" smtClean="0">
+                <a:solidFill>
+                  <a:schemeClr val="tx1"/>
+                </a:solidFill>
+                <a:effectLst/>
+                <a:latin typeface="+mn-lt"/>
+                <a:ea typeface="+mn-ea"/>
+                <a:cs typeface="+mn-cs"/>
+              </a:rPr>
+              <a:t> тип или </a:t>
+            </a:r>
+            <a:r>
+              <a:rPr lang="ru-RU" sz="1200" b="0" i="0" kern="1200" baseline="0" dirty="0" err="1" smtClean="0">
+                <a:solidFill>
+                  <a:schemeClr val="tx1"/>
+                </a:solidFill>
+                <a:effectLst/>
+                <a:latin typeface="+mn-lt"/>
+                <a:ea typeface="+mn-ea"/>
+                <a:cs typeface="+mn-cs"/>
+              </a:rPr>
+              <a:t>маппед</a:t>
+            </a:r>
+            <a:r>
+              <a:rPr lang="ru-RU" sz="1200" b="0" i="0" kern="1200" baseline="0" dirty="0" smtClean="0">
+                <a:solidFill>
+                  <a:schemeClr val="tx1"/>
+                </a:solidFill>
+                <a:effectLst/>
+                <a:latin typeface="+mn-lt"/>
+                <a:ea typeface="+mn-ea"/>
+                <a:cs typeface="+mn-cs"/>
+              </a:rPr>
+              <a:t> тип</a:t>
+            </a:r>
+            <a:endParaRPr lang="ru-RU" sz="1200" b="0" i="0" kern="1200" dirty="0" smtClean="0">
+              <a:solidFill>
+                <a:schemeClr val="tx1"/>
+              </a:solidFill>
+              <a:effectLst/>
+              <a:latin typeface="+mn-lt"/>
+              <a:ea typeface="+mn-ea"/>
+              <a:cs typeface="+mn-cs"/>
+            </a:endParaRPr>
+          </a:p>
+        </p:txBody>
+      </p:sp>
+      <p:sp>
+        <p:nvSpPr>
+          <p:cNvPr id="4" name="Номер слайда 3"/>
+          <p:cNvSpPr>
+            <a:spLocks noGrp="1"/>
+          </p:cNvSpPr>
+          <p:nvPr>
+            <p:ph type="sldNum" sz="quarter" idx="10"/>
+          </p:nvPr>
+        </p:nvSpPr>
+        <p:spPr/>
+        <p:txBody>
+          <a:bodyPr/>
+          <a:lstStyle/>
+          <a:p>
+            <a:pPr marL="0" marR="0" lvl="0" indent="0" algn="r" defTabSz="914400" rtl="0" eaLnBrk="1" fontAlgn="auto" latinLnBrk="0" hangingPunct="1">
+              <a:lnSpc>
+                <a:spcPct val="100000"/>
+              </a:lnSpc>
+              <a:spcBef>
+                <a:spcPts val="0"/>
+              </a:spcBef>
+              <a:spcAft>
+                <a:spcPts val="0"/>
+              </a:spcAft>
+              <a:buClrTx/>
+              <a:buSzTx/>
+              <a:buFontTx/>
+              <a:buNone/>
+              <a:tabLst/>
+              <a:defRPr/>
+            </a:pPr>
+            <a:fld id="{622F1C9E-D65E-417E-9FEF-9AD7ACC20294}" type="slidenum">
+              <a:rPr kumimoji="0" lang="ru-RU" sz="1200" b="0" i="0" u="none" strike="noStrike" kern="1200" cap="none" spc="0" normalizeH="0" baseline="0" noProof="0" smtClean="0">
+                <a:ln>
+                  <a:noFill/>
+                </a:ln>
+                <a:solidFill>
+                  <a:prstClr val="black"/>
+                </a:solidFill>
+                <a:effectLst/>
+                <a:uLnTx/>
+                <a:uFillTx/>
+                <a:latin typeface="Calibri" panose="020F0502020204030204"/>
+                <a:ea typeface="+mn-ea"/>
+                <a:cs typeface="+mn-cs"/>
+              </a:rPr>
+              <a:pPr marL="0" marR="0" lvl="0" indent="0" algn="r" defTabSz="914400" rtl="0" eaLnBrk="1" fontAlgn="auto" latinLnBrk="0" hangingPunct="1">
+                <a:lnSpc>
+                  <a:spcPct val="100000"/>
+                </a:lnSpc>
+                <a:spcBef>
+                  <a:spcPts val="0"/>
+                </a:spcBef>
+                <a:spcAft>
+                  <a:spcPts val="0"/>
+                </a:spcAft>
+                <a:buClrTx/>
+                <a:buSzTx/>
+                <a:buFontTx/>
+                <a:buNone/>
+                <a:tabLst/>
+                <a:defRPr/>
+              </a:pPr>
+              <a:t>131</a:t>
+            </a:fld>
+            <a:endParaRPr kumimoji="0" lang="ru-RU" sz="1200" b="0" i="0" u="none" strike="noStrike" kern="1200" cap="none" spc="0" normalizeH="0" baseline="0" noProof="0">
+              <a:ln>
+                <a:noFill/>
+              </a:ln>
+              <a:solidFill>
+                <a:prstClr val="black"/>
+              </a:solidFill>
+              <a:effectLst/>
+              <a:uLnTx/>
+              <a:uFillTx/>
+              <a:latin typeface="Calibri" panose="020F0502020204030204"/>
+              <a:ea typeface="+mn-ea"/>
+              <a:cs typeface="+mn-cs"/>
+            </a:endParaRPr>
+          </a:p>
+        </p:txBody>
+      </p:sp>
+    </p:spTree>
+    <p:extLst>
+      <p:ext uri="{BB962C8B-B14F-4D97-AF65-F5344CB8AC3E}">
+        <p14:creationId xmlns:p14="http://schemas.microsoft.com/office/powerpoint/2010/main" val="2686253329"/>
+      </p:ext>
+    </p:extLst>
+  </p:cSld>
+  <p:clrMapOvr>
+    <a:masterClrMapping/>
+  </p:clrMapOvr>
+</p:notes>
+</file>
+
+<file path=ppt/notesSlides/notesSlide72.xml><?xml version="1.0" encoding="utf-8"?>
+<p:notes xmlns:a="http://schemas.openxmlformats.org/drawingml/2006/main" xmlns:r="http://schemas.openxmlformats.org/officeDocument/2006/relationships" xmlns:p="http://schemas.openxmlformats.org/presentationml/2006/main">
+  <p:cSld>
+    <p:spTree>
+      <p:nvGrpSpPr>
+        <p:cNvPr id="1" name=""/>
+        <p:cNvGrpSpPr/>
+        <p:nvPr/>
+      </p:nvGrpSpPr>
+      <p:grpSpPr>
+        <a:xfrm>
+          <a:off x="0" y="0"/>
+          <a:ext cx="0" cy="0"/>
+          <a:chOff x="0" y="0"/>
+          <a:chExt cx="0" cy="0"/>
+        </a:xfrm>
+      </p:grpSpPr>
+      <p:sp>
+        <p:nvSpPr>
+          <p:cNvPr id="2" name="Образ слайда 1"/>
+          <p:cNvSpPr>
+            <a:spLocks noGrp="1" noRot="1" noChangeAspect="1"/>
+          </p:cNvSpPr>
+          <p:nvPr>
+            <p:ph type="sldImg"/>
+          </p:nvPr>
+        </p:nvSpPr>
+        <p:spPr/>
+      </p:sp>
+      <p:sp>
+        <p:nvSpPr>
+          <p:cNvPr id="3" name="Заметки 2"/>
+          <p:cNvSpPr>
+            <a:spLocks noGrp="1"/>
+          </p:cNvSpPr>
+          <p:nvPr>
+            <p:ph type="body" idx="1"/>
+          </p:nvPr>
+        </p:nvSpPr>
+        <p:spPr/>
+        <p:txBody>
+          <a:bodyPr/>
+          <a:lstStyle/>
+          <a:p>
+            <a:pPr rtl="0" fontAlgn="base"/>
+            <a:r>
+              <a:rPr lang="ru-RU" sz="1200" b="0" i="0" kern="1200" dirty="0" smtClean="0">
+                <a:solidFill>
+                  <a:schemeClr val="tx1"/>
+                </a:solidFill>
+                <a:effectLst/>
+                <a:latin typeface="+mn-lt"/>
+                <a:ea typeface="+mn-ea"/>
+                <a:cs typeface="+mn-cs"/>
+              </a:rPr>
+              <a:t>Нас наводит на мысль о некоторой возможности</a:t>
+            </a:r>
+            <a:r>
+              <a:rPr lang="ru-RU" sz="1200" b="0" i="0" kern="1200" baseline="0" dirty="0" smtClean="0">
+                <a:solidFill>
+                  <a:schemeClr val="tx1"/>
+                </a:solidFill>
+                <a:effectLst/>
+                <a:latin typeface="+mn-lt"/>
+                <a:ea typeface="+mn-ea"/>
+                <a:cs typeface="+mn-cs"/>
+              </a:rPr>
+              <a:t> (функции)</a:t>
+            </a:r>
+            <a:endParaRPr lang="ru-RU" sz="1200" b="0" i="0" kern="1200" dirty="0" smtClean="0">
+              <a:solidFill>
+                <a:schemeClr val="tx1"/>
+              </a:solidFill>
+              <a:effectLst/>
+              <a:latin typeface="+mn-lt"/>
+              <a:ea typeface="+mn-ea"/>
+              <a:cs typeface="+mn-cs"/>
+            </a:endParaRPr>
+          </a:p>
+        </p:txBody>
+      </p:sp>
+      <p:sp>
+        <p:nvSpPr>
+          <p:cNvPr id="4" name="Номер слайда 3"/>
+          <p:cNvSpPr>
+            <a:spLocks noGrp="1"/>
+          </p:cNvSpPr>
+          <p:nvPr>
+            <p:ph type="sldNum" sz="quarter" idx="10"/>
+          </p:nvPr>
+        </p:nvSpPr>
+        <p:spPr/>
+        <p:txBody>
+          <a:bodyPr/>
+          <a:lstStyle/>
+          <a:p>
+            <a:pPr marL="0" marR="0" lvl="0" indent="0" algn="r" defTabSz="914400" rtl="0" eaLnBrk="1" fontAlgn="auto" latinLnBrk="0" hangingPunct="1">
+              <a:lnSpc>
+                <a:spcPct val="100000"/>
+              </a:lnSpc>
+              <a:spcBef>
+                <a:spcPts val="0"/>
+              </a:spcBef>
+              <a:spcAft>
+                <a:spcPts val="0"/>
+              </a:spcAft>
+              <a:buClrTx/>
+              <a:buSzTx/>
+              <a:buFontTx/>
+              <a:buNone/>
+              <a:tabLst/>
+              <a:defRPr/>
+            </a:pPr>
+            <a:fld id="{622F1C9E-D65E-417E-9FEF-9AD7ACC20294}" type="slidenum">
+              <a:rPr kumimoji="0" lang="ru-RU" sz="1200" b="0" i="0" u="none" strike="noStrike" kern="1200" cap="none" spc="0" normalizeH="0" baseline="0" noProof="0" smtClean="0">
+                <a:ln>
+                  <a:noFill/>
+                </a:ln>
+                <a:solidFill>
+                  <a:prstClr val="black"/>
+                </a:solidFill>
+                <a:effectLst/>
+                <a:uLnTx/>
+                <a:uFillTx/>
+                <a:latin typeface="Calibri" panose="020F0502020204030204"/>
+                <a:ea typeface="+mn-ea"/>
+                <a:cs typeface="+mn-cs"/>
+              </a:rPr>
+              <a:pPr marL="0" marR="0" lvl="0" indent="0" algn="r" defTabSz="914400" rtl="0" eaLnBrk="1" fontAlgn="auto" latinLnBrk="0" hangingPunct="1">
+                <a:lnSpc>
+                  <a:spcPct val="100000"/>
+                </a:lnSpc>
+                <a:spcBef>
+                  <a:spcPts val="0"/>
+                </a:spcBef>
+                <a:spcAft>
+                  <a:spcPts val="0"/>
+                </a:spcAft>
+                <a:buClrTx/>
+                <a:buSzTx/>
+                <a:buFontTx/>
+                <a:buNone/>
+                <a:tabLst/>
+                <a:defRPr/>
+              </a:pPr>
+              <a:t>132</a:t>
+            </a:fld>
+            <a:endParaRPr kumimoji="0" lang="ru-RU" sz="1200" b="0" i="0" u="none" strike="noStrike" kern="1200" cap="none" spc="0" normalizeH="0" baseline="0" noProof="0">
+              <a:ln>
+                <a:noFill/>
+              </a:ln>
+              <a:solidFill>
+                <a:prstClr val="black"/>
+              </a:solidFill>
+              <a:effectLst/>
+              <a:uLnTx/>
+              <a:uFillTx/>
+              <a:latin typeface="Calibri" panose="020F0502020204030204"/>
+              <a:ea typeface="+mn-ea"/>
+              <a:cs typeface="+mn-cs"/>
+            </a:endParaRPr>
+          </a:p>
+        </p:txBody>
+      </p:sp>
+    </p:spTree>
+    <p:extLst>
+      <p:ext uri="{BB962C8B-B14F-4D97-AF65-F5344CB8AC3E}">
+        <p14:creationId xmlns:p14="http://schemas.microsoft.com/office/powerpoint/2010/main" val="692123416"/>
       </p:ext>
     </p:extLst>
   </p:cSld>
@@ -19205,7 +20037,7 @@
           <a:p>
             <a:fld id="{F2FFB779-270B-4192-84BA-A697F48306DC}" type="datetimeFigureOut">
               <a:rPr lang="ru-RU" smtClean="0"/>
-              <a:t>21.07.2020</a:t>
+              <a:t>23.07.2020</a:t>
             </a:fld>
             <a:endParaRPr lang="ru-RU"/>
           </a:p>
@@ -19373,7 +20205,7 @@
           <a:p>
             <a:fld id="{F2FFB779-270B-4192-84BA-A697F48306DC}" type="datetimeFigureOut">
               <a:rPr lang="ru-RU" smtClean="0"/>
-              <a:t>21.07.2020</a:t>
+              <a:t>23.07.2020</a:t>
             </a:fld>
             <a:endParaRPr lang="ru-RU"/>
           </a:p>
@@ -19551,7 +20383,7 @@
           <a:p>
             <a:fld id="{F2FFB779-270B-4192-84BA-A697F48306DC}" type="datetimeFigureOut">
               <a:rPr lang="ru-RU" smtClean="0"/>
-              <a:t>21.07.2020</a:t>
+              <a:t>23.07.2020</a:t>
             </a:fld>
             <a:endParaRPr lang="ru-RU"/>
           </a:p>
@@ -19719,7 +20551,7 @@
           <a:p>
             <a:fld id="{F2FFB779-270B-4192-84BA-A697F48306DC}" type="datetimeFigureOut">
               <a:rPr lang="ru-RU" smtClean="0"/>
-              <a:t>21.07.2020</a:t>
+              <a:t>23.07.2020</a:t>
             </a:fld>
             <a:endParaRPr lang="ru-RU"/>
           </a:p>
@@ -19964,7 +20796,7 @@
           <a:p>
             <a:fld id="{F2FFB779-270B-4192-84BA-A697F48306DC}" type="datetimeFigureOut">
               <a:rPr lang="ru-RU" smtClean="0"/>
-              <a:t>21.07.2020</a:t>
+              <a:t>23.07.2020</a:t>
             </a:fld>
             <a:endParaRPr lang="ru-RU"/>
           </a:p>
@@ -20193,7 +21025,7 @@
           <a:p>
             <a:fld id="{F2FFB779-270B-4192-84BA-A697F48306DC}" type="datetimeFigureOut">
               <a:rPr lang="ru-RU" smtClean="0"/>
-              <a:t>21.07.2020</a:t>
+              <a:t>23.07.2020</a:t>
             </a:fld>
             <a:endParaRPr lang="ru-RU"/>
           </a:p>
@@ -20557,7 +21389,7 @@
           <a:p>
             <a:fld id="{F2FFB779-270B-4192-84BA-A697F48306DC}" type="datetimeFigureOut">
               <a:rPr lang="ru-RU" smtClean="0"/>
-              <a:t>21.07.2020</a:t>
+              <a:t>23.07.2020</a:t>
             </a:fld>
             <a:endParaRPr lang="ru-RU"/>
           </a:p>
@@ -20674,7 +21506,7 @@
           <a:p>
             <a:fld id="{F2FFB779-270B-4192-84BA-A697F48306DC}" type="datetimeFigureOut">
               <a:rPr lang="ru-RU" smtClean="0"/>
-              <a:t>21.07.2020</a:t>
+              <a:t>23.07.2020</a:t>
             </a:fld>
             <a:endParaRPr lang="ru-RU"/>
           </a:p>
@@ -20769,7 +21601,7 @@
           <a:p>
             <a:fld id="{F2FFB779-270B-4192-84BA-A697F48306DC}" type="datetimeFigureOut">
               <a:rPr lang="ru-RU" smtClean="0"/>
-              <a:t>21.07.2020</a:t>
+              <a:t>23.07.2020</a:t>
             </a:fld>
             <a:endParaRPr lang="ru-RU"/>
           </a:p>
@@ -21044,7 +21876,7 @@
           <a:p>
             <a:fld id="{F2FFB779-270B-4192-84BA-A697F48306DC}" type="datetimeFigureOut">
               <a:rPr lang="ru-RU" smtClean="0"/>
-              <a:t>21.07.2020</a:t>
+              <a:t>23.07.2020</a:t>
             </a:fld>
             <a:endParaRPr lang="ru-RU"/>
           </a:p>
@@ -21296,7 +22128,7 @@
           <a:p>
             <a:fld id="{F2FFB779-270B-4192-84BA-A697F48306DC}" type="datetimeFigureOut">
               <a:rPr lang="ru-RU" smtClean="0"/>
-              <a:t>21.07.2020</a:t>
+              <a:t>23.07.2020</a:t>
             </a:fld>
             <a:endParaRPr lang="ru-RU"/>
           </a:p>
@@ -21507,7 +22339,7 @@
           <a:p>
             <a:fld id="{F2FFB779-270B-4192-84BA-A697F48306DC}" type="datetimeFigureOut">
               <a:rPr lang="ru-RU" smtClean="0"/>
-              <a:t>21.07.2020</a:t>
+              <a:t>23.07.2020</a:t>
             </a:fld>
             <a:endParaRPr lang="ru-RU"/>
           </a:p>
@@ -26885,6 +27717,172 @@
 </p:sld>
 </file>
 
+<file path=ppt/slides/slide129.xml><?xml version="1.0" encoding="utf-8"?>
+<p:sld xmlns:a="http://schemas.openxmlformats.org/drawingml/2006/main" xmlns:r="http://schemas.openxmlformats.org/officeDocument/2006/relationships" xmlns:p="http://schemas.openxmlformats.org/presentationml/2006/main">
+  <p:cSld>
+    <p:bg>
+      <p:bgPr>
+        <a:solidFill>
+          <a:srgbClr val="262626"/>
+        </a:solidFill>
+        <a:effectLst/>
+      </p:bgPr>
+    </p:bg>
+    <p:spTree>
+      <p:nvGrpSpPr>
+        <p:cNvPr id="1" name=""/>
+        <p:cNvGrpSpPr/>
+        <p:nvPr/>
+      </p:nvGrpSpPr>
+      <p:grpSpPr>
+        <a:xfrm>
+          <a:off x="0" y="0"/>
+          <a:ext cx="0" cy="0"/>
+          <a:chOff x="0" y="0"/>
+          <a:chExt cx="0" cy="0"/>
+        </a:xfrm>
+      </p:grpSpPr>
+      <p:pic>
+        <p:nvPicPr>
+          <p:cNvPr id="3" name="Рисунок 2" descr="Изображение выглядит как рисунок&#10;&#10;Автоматически созданное описание">
+            <a:extLst>
+              <a:ext uri="{FF2B5EF4-FFF2-40B4-BE49-F238E27FC236}">
+                <a16:creationId xmlns:a16="http://schemas.microsoft.com/office/drawing/2014/main" id="{4EAD6ACE-3298-4D74-B944-64C6FF04E9A0}"/>
+              </a:ext>
+            </a:extLst>
+          </p:cNvPr>
+          <p:cNvPicPr>
+            <a:picLocks noChangeAspect="1"/>
+          </p:cNvPicPr>
+          <p:nvPr/>
+        </p:nvPicPr>
+        <p:blipFill>
+          <a:blip r:embed="rId3"/>
+          <a:stretch>
+            <a:fillRect/>
+          </a:stretch>
+        </p:blipFill>
+        <p:spPr>
+          <a:xfrm>
+            <a:off x="2625629" y="2142972"/>
+            <a:ext cx="2403570" cy="2403570"/>
+          </a:xfrm>
+          <a:prstGeom prst="rect">
+            <a:avLst/>
+          </a:prstGeom>
+        </p:spPr>
+      </p:pic>
+      <p:sp>
+        <p:nvSpPr>
+          <p:cNvPr id="8" name="Прямоугольник 7"/>
+          <p:cNvSpPr/>
+          <p:nvPr/>
+        </p:nvSpPr>
+        <p:spPr>
+          <a:xfrm>
+            <a:off x="5725757" y="2990814"/>
+            <a:ext cx="3288081" cy="707886"/>
+          </a:xfrm>
+          <a:prstGeom prst="rect">
+            <a:avLst/>
+          </a:prstGeom>
+        </p:spPr>
+        <p:txBody>
+          <a:bodyPr wrap="none">
+            <a:spAutoFit/>
+          </a:bodyPr>
+          <a:lstStyle/>
+          <a:p>
+            <a:pPr lvl="0" algn="ctr">
+              <a:defRPr/>
+            </a:pPr>
+            <a:r>
+              <a:rPr lang="en-US" sz="4000" dirty="0" smtClean="0">
+                <a:solidFill>
+                  <a:srgbClr val="BF4141"/>
+                </a:solidFill>
+                <a:latin typeface="Consolas"/>
+                <a:cs typeface="Calibri"/>
+              </a:rPr>
+              <a:t>is</a:t>
+            </a:r>
+            <a:r>
+              <a:rPr lang="en-US" sz="4000" dirty="0" smtClean="0">
+                <a:solidFill>
+                  <a:srgbClr val="00D8FF"/>
+                </a:solidFill>
+                <a:latin typeface="Consolas"/>
+                <a:cs typeface="Calibri"/>
+              </a:rPr>
+              <a:t> flexible</a:t>
+            </a:r>
+            <a:endParaRPr kumimoji="0" lang="en-US" sz="4000" b="0" i="0" u="none" strike="noStrike" kern="1200" cap="none" spc="0" normalizeH="0" baseline="0" noProof="0" dirty="0">
+              <a:ln>
+                <a:noFill/>
+              </a:ln>
+              <a:solidFill>
+                <a:srgbClr val="00D8FF"/>
+              </a:solidFill>
+              <a:effectLst/>
+              <a:uLnTx/>
+              <a:uFillTx/>
+              <a:latin typeface="Consolas"/>
+              <a:ea typeface="+mn-ea"/>
+              <a:cs typeface="Calibri"/>
+            </a:endParaRPr>
+          </a:p>
+        </p:txBody>
+      </p:sp>
+      <p:pic>
+        <p:nvPicPr>
+          <p:cNvPr id="9" name="Рисунок 2" descr="Изображение выглядит как знак&#10;&#10;Автоматически созданное описание">
+            <a:extLst>
+              <a:ext uri="{FF2B5EF4-FFF2-40B4-BE49-F238E27FC236}">
+                <a16:creationId xmlns:a16="http://schemas.microsoft.com/office/drawing/2014/main" id="{94CE257F-A4AB-4D99-8638-F51E066F3AF6}"/>
+              </a:ext>
+            </a:extLst>
+          </p:cNvPr>
+          <p:cNvPicPr>
+            <a:picLocks noChangeAspect="1"/>
+          </p:cNvPicPr>
+          <p:nvPr/>
+        </p:nvPicPr>
+        <p:blipFill>
+          <a:blip r:embed="rId4"/>
+          <a:stretch>
+            <a:fillRect/>
+          </a:stretch>
+        </p:blipFill>
+        <p:spPr>
+          <a:xfrm>
+            <a:off x="4401266" y="2142972"/>
+            <a:ext cx="2403570" cy="2403570"/>
+          </a:xfrm>
+          <a:prstGeom prst="rect">
+            <a:avLst/>
+          </a:prstGeom>
+        </p:spPr>
+      </p:pic>
+    </p:spTree>
+    <p:extLst>
+      <p:ext uri="{BB962C8B-B14F-4D97-AF65-F5344CB8AC3E}">
+        <p14:creationId xmlns:p14="http://schemas.microsoft.com/office/powerpoint/2010/main" val="2509957878"/>
+      </p:ext>
+    </p:extLst>
+  </p:cSld>
+  <p:clrMapOvr>
+    <a:masterClrMapping/>
+  </p:clrMapOvr>
+  <p:timing>
+    <p:tnLst>
+      <p:par>
+        <p:cTn id="1" dur="indefinite" restart="never" nodeType="tmRoot"/>
+      </p:par>
+    </p:tnLst>
+  </p:timing>
+</p:sld>
+</file>
+
 <file path=ppt/slides/slide13.xml><?xml version="1.0" encoding="utf-8"?>
 <p:sld xmlns:a="http://schemas.openxmlformats.org/drawingml/2006/main" xmlns:r="http://schemas.openxmlformats.org/officeDocument/2006/relationships" xmlns:p="http://schemas.openxmlformats.org/presentationml/2006/main">
   <p:cSld>
@@ -26950,6 +27948,1153 @@
   <p:clrMapOvr>
     <a:masterClrMapping/>
   </p:clrMapOvr>
+</p:sld>
+</file>
+
+<file path=ppt/slides/slide130.xml><?xml version="1.0" encoding="utf-8"?>
+<p:sld xmlns:a="http://schemas.openxmlformats.org/drawingml/2006/main" xmlns:r="http://schemas.openxmlformats.org/officeDocument/2006/relationships" xmlns:p="http://schemas.openxmlformats.org/presentationml/2006/main">
+  <p:cSld>
+    <p:bg>
+      <p:bgPr>
+        <a:solidFill>
+          <a:srgbClr val="262626"/>
+        </a:solidFill>
+        <a:effectLst/>
+      </p:bgPr>
+    </p:bg>
+    <p:spTree>
+      <p:nvGrpSpPr>
+        <p:cNvPr id="1" name=""/>
+        <p:cNvGrpSpPr/>
+        <p:nvPr/>
+      </p:nvGrpSpPr>
+      <p:grpSpPr>
+        <a:xfrm>
+          <a:off x="0" y="0"/>
+          <a:ext cx="0" cy="0"/>
+          <a:chOff x="0" y="0"/>
+          <a:chExt cx="0" cy="0"/>
+        </a:xfrm>
+      </p:grpSpPr>
+      <p:sp>
+        <p:nvSpPr>
+          <p:cNvPr id="8" name="Прямоугольник 7"/>
+          <p:cNvSpPr/>
+          <p:nvPr/>
+        </p:nvSpPr>
+        <p:spPr>
+          <a:xfrm>
+            <a:off x="2918640" y="3084977"/>
+            <a:ext cx="3005951" cy="707886"/>
+          </a:xfrm>
+          <a:prstGeom prst="rect">
+            <a:avLst/>
+          </a:prstGeom>
+        </p:spPr>
+        <p:txBody>
+          <a:bodyPr wrap="none">
+            <a:spAutoFit/>
+          </a:bodyPr>
+          <a:lstStyle/>
+          <a:p>
+            <a:pPr marL="0" marR="0" lvl="0" indent="0" algn="ctr" defTabSz="914400" rtl="0" eaLnBrk="1" fontAlgn="auto" latinLnBrk="0" hangingPunct="1">
+              <a:lnSpc>
+                <a:spcPct val="100000"/>
+              </a:lnSpc>
+              <a:spcBef>
+                <a:spcPts val="0"/>
+              </a:spcBef>
+              <a:spcAft>
+                <a:spcPts val="0"/>
+              </a:spcAft>
+              <a:buClrTx/>
+              <a:buSzTx/>
+              <a:buFontTx/>
+              <a:buNone/>
+              <a:tabLst/>
+              <a:defRPr/>
+            </a:pPr>
+            <a:r>
+              <a:rPr lang="en-US" sz="4000" noProof="0" dirty="0" smtClean="0">
+                <a:solidFill>
+                  <a:srgbClr val="00D8FF"/>
+                </a:solidFill>
+                <a:latin typeface="Consolas"/>
+                <a:cs typeface="Calibri"/>
+              </a:rPr>
+              <a:t>What about</a:t>
+            </a:r>
+            <a:endParaRPr kumimoji="0" lang="en-US" sz="4000" b="0" i="0" u="none" strike="noStrike" kern="1200" cap="none" spc="0" normalizeH="0" baseline="0" noProof="0" dirty="0">
+              <a:ln>
+                <a:noFill/>
+              </a:ln>
+              <a:solidFill>
+                <a:srgbClr val="00D8FF"/>
+              </a:solidFill>
+              <a:effectLst/>
+              <a:uLnTx/>
+              <a:uFillTx/>
+              <a:latin typeface="Consolas"/>
+              <a:ea typeface="+mn-ea"/>
+              <a:cs typeface="Calibri"/>
+            </a:endParaRPr>
+          </a:p>
+        </p:txBody>
+      </p:sp>
+      <p:pic>
+        <p:nvPicPr>
+          <p:cNvPr id="9" name="Рисунок 2" descr="Изображение выглядит как знак&#10;&#10;Автоматически созданное описание">
+            <a:extLst>
+              <a:ext uri="{FF2B5EF4-FFF2-40B4-BE49-F238E27FC236}">
+                <a16:creationId xmlns:a16="http://schemas.microsoft.com/office/drawing/2014/main" id="{94CE257F-A4AB-4D99-8638-F51E066F3AF6}"/>
+              </a:ext>
+            </a:extLst>
+          </p:cNvPr>
+          <p:cNvPicPr>
+            <a:picLocks noChangeAspect="1"/>
+          </p:cNvPicPr>
+          <p:nvPr/>
+        </p:nvPicPr>
+        <p:blipFill>
+          <a:blip r:embed="rId3"/>
+          <a:stretch>
+            <a:fillRect/>
+          </a:stretch>
+        </p:blipFill>
+        <p:spPr>
+          <a:xfrm>
+            <a:off x="6190406" y="2038080"/>
+            <a:ext cx="2519094" cy="2519094"/>
+          </a:xfrm>
+          <a:prstGeom prst="rect">
+            <a:avLst/>
+          </a:prstGeom>
+        </p:spPr>
+      </p:pic>
+      <p:sp>
+        <p:nvSpPr>
+          <p:cNvPr id="5" name="Прямоугольник 4"/>
+          <p:cNvSpPr/>
+          <p:nvPr/>
+        </p:nvSpPr>
+        <p:spPr>
+          <a:xfrm>
+            <a:off x="8975315" y="3084977"/>
+            <a:ext cx="466794" cy="707886"/>
+          </a:xfrm>
+          <a:prstGeom prst="rect">
+            <a:avLst/>
+          </a:prstGeom>
+        </p:spPr>
+        <p:txBody>
+          <a:bodyPr wrap="none">
+            <a:spAutoFit/>
+          </a:bodyPr>
+          <a:lstStyle/>
+          <a:p>
+            <a:pPr marL="0" marR="0" lvl="0" indent="0" algn="ctr" defTabSz="914400" rtl="0" eaLnBrk="1" fontAlgn="auto" latinLnBrk="0" hangingPunct="1">
+              <a:lnSpc>
+                <a:spcPct val="100000"/>
+              </a:lnSpc>
+              <a:spcBef>
+                <a:spcPts val="0"/>
+              </a:spcBef>
+              <a:spcAft>
+                <a:spcPts val="0"/>
+              </a:spcAft>
+              <a:buClrTx/>
+              <a:buSzTx/>
+              <a:buFontTx/>
+              <a:buNone/>
+              <a:tabLst/>
+              <a:defRPr/>
+            </a:pPr>
+            <a:r>
+              <a:rPr lang="en-US" sz="4000" noProof="0" dirty="0" smtClean="0">
+                <a:solidFill>
+                  <a:srgbClr val="00D8FF"/>
+                </a:solidFill>
+                <a:latin typeface="Consolas"/>
+                <a:cs typeface="Calibri"/>
+              </a:rPr>
+              <a:t>?</a:t>
+            </a:r>
+            <a:endParaRPr kumimoji="0" lang="en-US" sz="4000" b="0" i="0" u="none" strike="noStrike" kern="1200" cap="none" spc="0" normalizeH="0" baseline="0" noProof="0" dirty="0">
+              <a:ln>
+                <a:noFill/>
+              </a:ln>
+              <a:solidFill>
+                <a:srgbClr val="00D8FF"/>
+              </a:solidFill>
+              <a:effectLst/>
+              <a:uLnTx/>
+              <a:uFillTx/>
+              <a:latin typeface="Consolas"/>
+              <a:ea typeface="+mn-ea"/>
+              <a:cs typeface="Calibri"/>
+            </a:endParaRPr>
+          </a:p>
+        </p:txBody>
+      </p:sp>
+    </p:spTree>
+    <p:extLst>
+      <p:ext uri="{BB962C8B-B14F-4D97-AF65-F5344CB8AC3E}">
+        <p14:creationId xmlns:p14="http://schemas.microsoft.com/office/powerpoint/2010/main" val="2247932078"/>
+      </p:ext>
+    </p:extLst>
+  </p:cSld>
+  <p:clrMapOvr>
+    <a:masterClrMapping/>
+  </p:clrMapOvr>
+  <p:timing>
+    <p:tnLst>
+      <p:par>
+        <p:cTn id="1" dur="indefinite" restart="never" nodeType="tmRoot"/>
+      </p:par>
+    </p:tnLst>
+  </p:timing>
+</p:sld>
+</file>
+
+<file path=ppt/slides/slide131.xml><?xml version="1.0" encoding="utf-8"?>
+<p:sld xmlns:a="http://schemas.openxmlformats.org/drawingml/2006/main" xmlns:r="http://schemas.openxmlformats.org/officeDocument/2006/relationships" xmlns:p="http://schemas.openxmlformats.org/presentationml/2006/main">
+  <p:cSld>
+    <p:bg>
+      <p:bgPr>
+        <a:solidFill>
+          <a:srgbClr val="262626"/>
+        </a:solidFill>
+        <a:effectLst/>
+      </p:bgPr>
+    </p:bg>
+    <p:spTree>
+      <p:nvGrpSpPr>
+        <p:cNvPr id="1" name=""/>
+        <p:cNvGrpSpPr/>
+        <p:nvPr/>
+      </p:nvGrpSpPr>
+      <p:grpSpPr>
+        <a:xfrm>
+          <a:off x="0" y="0"/>
+          <a:ext cx="0" cy="0"/>
+          <a:chOff x="0" y="0"/>
+          <a:chExt cx="0" cy="0"/>
+        </a:xfrm>
+      </p:grpSpPr>
+      <p:sp>
+        <p:nvSpPr>
+          <p:cNvPr id="6" name="Прямоугольник 5"/>
+          <p:cNvSpPr/>
+          <p:nvPr/>
+        </p:nvSpPr>
+        <p:spPr>
+          <a:xfrm>
+            <a:off x="2040355" y="2958532"/>
+            <a:ext cx="8331127" cy="630942"/>
+          </a:xfrm>
+          <a:prstGeom prst="rect">
+            <a:avLst/>
+          </a:prstGeom>
+        </p:spPr>
+        <p:txBody>
+          <a:bodyPr wrap="none">
+            <a:spAutoFit/>
+          </a:bodyPr>
+          <a:lstStyle/>
+          <a:p>
+            <a:r>
+              <a:rPr lang="en-US" sz="3500" dirty="0" err="1" smtClean="0">
+                <a:solidFill>
+                  <a:srgbClr val="00D8FF"/>
+                </a:solidFill>
+                <a:latin typeface="Consolas"/>
+                <a:cs typeface="Calibri"/>
+              </a:rPr>
+              <a:t>createAnimal</a:t>
+            </a:r>
+            <a:r>
+              <a:rPr lang="en-US" sz="3500" dirty="0" smtClean="0">
+                <a:solidFill>
+                  <a:srgbClr val="00D8FF"/>
+                </a:solidFill>
+                <a:latin typeface="Consolas"/>
+                <a:cs typeface="Calibri"/>
+              </a:rPr>
+              <a:t>(defaults</a:t>
+            </a:r>
+            <a:r>
+              <a:rPr lang="en-US" sz="3500" dirty="0" smtClean="0">
+                <a:solidFill>
+                  <a:srgbClr val="BF4141"/>
+                </a:solidFill>
+                <a:latin typeface="Consolas"/>
+                <a:cs typeface="Calibri"/>
+              </a:rPr>
+              <a:t>: ?</a:t>
+            </a:r>
+            <a:r>
+              <a:rPr lang="en-US" sz="3500" dirty="0" smtClean="0">
+                <a:solidFill>
+                  <a:srgbClr val="00D8FF"/>
+                </a:solidFill>
+                <a:latin typeface="Consolas"/>
+                <a:cs typeface="Calibri"/>
+              </a:rPr>
+              <a:t>): Animal</a:t>
+            </a:r>
+            <a:endParaRPr lang="en-US" sz="3500" dirty="0">
+              <a:solidFill>
+                <a:srgbClr val="00D8FF"/>
+              </a:solidFill>
+            </a:endParaRPr>
+          </a:p>
+        </p:txBody>
+      </p:sp>
+      <p:sp>
+        <p:nvSpPr>
+          <p:cNvPr id="10" name="Прямоугольник 9"/>
+          <p:cNvSpPr/>
+          <p:nvPr/>
+        </p:nvSpPr>
+        <p:spPr>
+          <a:xfrm>
+            <a:off x="4164144" y="2196785"/>
+            <a:ext cx="3887603" cy="2785378"/>
+          </a:xfrm>
+          <a:prstGeom prst="rect">
+            <a:avLst/>
+          </a:prstGeom>
+        </p:spPr>
+        <p:txBody>
+          <a:bodyPr wrap="none">
+            <a:spAutoFit/>
+          </a:bodyPr>
+          <a:lstStyle/>
+          <a:p>
+            <a:r>
+              <a:rPr lang="en-US" sz="3500" dirty="0" smtClean="0">
+                <a:solidFill>
+                  <a:srgbClr val="00D8FF"/>
+                </a:solidFill>
+                <a:latin typeface="Consolas"/>
+                <a:cs typeface="Calibri"/>
+              </a:rPr>
+              <a:t>type </a:t>
+            </a:r>
+            <a:r>
+              <a:rPr lang="en-US" sz="3500" dirty="0" smtClean="0">
+                <a:solidFill>
+                  <a:srgbClr val="BF4141"/>
+                </a:solidFill>
+                <a:latin typeface="Consolas"/>
+                <a:cs typeface="Calibri"/>
+              </a:rPr>
+              <a:t>Animal</a:t>
+            </a:r>
+            <a:r>
+              <a:rPr lang="en-US" sz="3500" dirty="0" smtClean="0">
+                <a:solidFill>
+                  <a:srgbClr val="00D8FF"/>
+                </a:solidFill>
+                <a:latin typeface="Consolas"/>
+                <a:cs typeface="Calibri"/>
+              </a:rPr>
+              <a:t> = {</a:t>
+            </a:r>
+            <a:endParaRPr lang="en-US" sz="3500" dirty="0" smtClean="0">
+              <a:solidFill>
+                <a:srgbClr val="00D8FF"/>
+              </a:solidFill>
+              <a:latin typeface="Consolas"/>
+              <a:cs typeface="Calibri"/>
+            </a:endParaRPr>
+          </a:p>
+          <a:p>
+            <a:r>
+              <a:rPr lang="en-US" sz="3500" dirty="0">
+                <a:solidFill>
+                  <a:srgbClr val="00D8FF"/>
+                </a:solidFill>
+                <a:latin typeface="Consolas"/>
+                <a:cs typeface="Calibri"/>
+              </a:rPr>
+              <a:t> </a:t>
+            </a:r>
+            <a:r>
+              <a:rPr lang="en-US" sz="3500" dirty="0" smtClean="0">
+                <a:solidFill>
+                  <a:srgbClr val="00D8FF"/>
+                </a:solidFill>
+                <a:latin typeface="Consolas"/>
+                <a:cs typeface="Calibri"/>
+              </a:rPr>
+              <a:t> name: </a:t>
+            </a:r>
+            <a:r>
+              <a:rPr lang="en-US" sz="3500" dirty="0" smtClean="0">
+                <a:solidFill>
+                  <a:srgbClr val="00D8FF"/>
+                </a:solidFill>
+                <a:latin typeface="Consolas"/>
+                <a:cs typeface="Calibri"/>
+              </a:rPr>
+              <a:t>string;</a:t>
+            </a:r>
+            <a:endParaRPr lang="en-US" sz="3500" dirty="0" smtClean="0">
+              <a:solidFill>
+                <a:srgbClr val="00D8FF"/>
+              </a:solidFill>
+              <a:latin typeface="Consolas"/>
+              <a:cs typeface="Calibri"/>
+            </a:endParaRPr>
+          </a:p>
+          <a:p>
+            <a:r>
+              <a:rPr lang="en-US" sz="3500" dirty="0">
+                <a:solidFill>
+                  <a:srgbClr val="00D8FF"/>
+                </a:solidFill>
+                <a:latin typeface="Consolas"/>
+                <a:cs typeface="Calibri"/>
+              </a:rPr>
+              <a:t> </a:t>
+            </a:r>
+            <a:r>
+              <a:rPr lang="en-US" sz="3500" dirty="0" smtClean="0">
+                <a:solidFill>
+                  <a:srgbClr val="00D8FF"/>
+                </a:solidFill>
+                <a:latin typeface="Consolas"/>
+                <a:cs typeface="Calibri"/>
+              </a:rPr>
+              <a:t> color: </a:t>
+            </a:r>
+            <a:r>
+              <a:rPr lang="en-US" sz="3500" dirty="0" err="1" smtClean="0">
+                <a:solidFill>
+                  <a:srgbClr val="00D8FF"/>
+                </a:solidFill>
+                <a:latin typeface="Consolas"/>
+                <a:cs typeface="Calibri"/>
+              </a:rPr>
+              <a:t>enum</a:t>
+            </a:r>
+            <a:r>
+              <a:rPr lang="en-US" sz="3500" dirty="0" smtClean="0">
+                <a:solidFill>
+                  <a:srgbClr val="00D8FF"/>
+                </a:solidFill>
+                <a:latin typeface="Consolas"/>
+                <a:cs typeface="Calibri"/>
+              </a:rPr>
+              <a:t>;</a:t>
+            </a:r>
+            <a:endParaRPr lang="en-US" sz="3500" dirty="0" smtClean="0">
+              <a:solidFill>
+                <a:srgbClr val="00D8FF"/>
+              </a:solidFill>
+              <a:latin typeface="Consolas"/>
+              <a:cs typeface="Calibri"/>
+            </a:endParaRPr>
+          </a:p>
+          <a:p>
+            <a:r>
+              <a:rPr lang="en-US" sz="3500" dirty="0">
+                <a:solidFill>
+                  <a:srgbClr val="00D8FF"/>
+                </a:solidFill>
+                <a:latin typeface="Consolas"/>
+                <a:cs typeface="Calibri"/>
+              </a:rPr>
+              <a:t> </a:t>
+            </a:r>
+            <a:r>
+              <a:rPr lang="en-US" sz="3500" dirty="0" smtClean="0">
+                <a:solidFill>
+                  <a:srgbClr val="00D8FF"/>
+                </a:solidFill>
+                <a:latin typeface="Consolas"/>
+                <a:cs typeface="Calibri"/>
+              </a:rPr>
+              <a:t> legs: </a:t>
+            </a:r>
+            <a:r>
+              <a:rPr lang="en-US" sz="3500" dirty="0" smtClean="0">
+                <a:solidFill>
+                  <a:srgbClr val="00D8FF"/>
+                </a:solidFill>
+                <a:latin typeface="Consolas"/>
+                <a:cs typeface="Calibri"/>
+              </a:rPr>
+              <a:t>number;</a:t>
+            </a:r>
+            <a:endParaRPr lang="en-US" sz="3500" dirty="0">
+              <a:solidFill>
+                <a:srgbClr val="00D8FF"/>
+              </a:solidFill>
+              <a:latin typeface="Consolas"/>
+              <a:cs typeface="Calibri"/>
+            </a:endParaRPr>
+          </a:p>
+          <a:p>
+            <a:r>
+              <a:rPr lang="en-US" sz="3500" dirty="0" smtClean="0">
+                <a:solidFill>
+                  <a:srgbClr val="00D8FF"/>
+                </a:solidFill>
+                <a:latin typeface="Consolas"/>
+                <a:cs typeface="Calibri"/>
+              </a:rPr>
+              <a:t>}</a:t>
+            </a:r>
+            <a:endParaRPr lang="en-US" sz="3500" dirty="0">
+              <a:solidFill>
+                <a:srgbClr val="00D8FF"/>
+              </a:solidFill>
+            </a:endParaRPr>
+          </a:p>
+        </p:txBody>
+      </p:sp>
+      <p:sp>
+        <p:nvSpPr>
+          <p:cNvPr id="11" name="Прямоугольник 10"/>
+          <p:cNvSpPr/>
+          <p:nvPr/>
+        </p:nvSpPr>
+        <p:spPr>
+          <a:xfrm>
+            <a:off x="3274667" y="2196785"/>
+            <a:ext cx="5862502" cy="2785378"/>
+          </a:xfrm>
+          <a:prstGeom prst="rect">
+            <a:avLst/>
+          </a:prstGeom>
+        </p:spPr>
+        <p:txBody>
+          <a:bodyPr wrap="none">
+            <a:spAutoFit/>
+          </a:bodyPr>
+          <a:lstStyle/>
+          <a:p>
+            <a:r>
+              <a:rPr lang="en-US" sz="3500" dirty="0" smtClean="0">
+                <a:solidFill>
+                  <a:srgbClr val="00D8FF"/>
+                </a:solidFill>
+                <a:latin typeface="Consolas"/>
+                <a:cs typeface="Calibri"/>
+              </a:rPr>
+              <a:t>type </a:t>
+            </a:r>
+            <a:r>
+              <a:rPr lang="en-US" sz="3500" dirty="0" err="1" smtClean="0">
+                <a:solidFill>
+                  <a:srgbClr val="BF4141"/>
+                </a:solidFill>
+                <a:latin typeface="Consolas"/>
+                <a:cs typeface="Calibri"/>
+              </a:rPr>
+              <a:t>Optional</a:t>
+            </a:r>
+            <a:r>
+              <a:rPr lang="en-US" sz="3500" dirty="0" err="1" smtClean="0">
+                <a:solidFill>
+                  <a:srgbClr val="BF4141"/>
+                </a:solidFill>
+                <a:latin typeface="Consolas"/>
+                <a:cs typeface="Calibri"/>
+              </a:rPr>
+              <a:t>Animal</a:t>
+            </a:r>
+            <a:r>
+              <a:rPr lang="en-US" sz="3500" dirty="0" smtClean="0">
+                <a:solidFill>
+                  <a:srgbClr val="00D8FF"/>
+                </a:solidFill>
+                <a:latin typeface="Consolas"/>
+                <a:cs typeface="Calibri"/>
+              </a:rPr>
+              <a:t> = {</a:t>
+            </a:r>
+            <a:endParaRPr lang="en-US" sz="3500" dirty="0" smtClean="0">
+              <a:solidFill>
+                <a:srgbClr val="00D8FF"/>
+              </a:solidFill>
+              <a:latin typeface="Consolas"/>
+              <a:cs typeface="Calibri"/>
+            </a:endParaRPr>
+          </a:p>
+          <a:p>
+            <a:r>
+              <a:rPr lang="en-US" sz="3500" dirty="0">
+                <a:solidFill>
+                  <a:srgbClr val="00D8FF"/>
+                </a:solidFill>
+                <a:latin typeface="Consolas"/>
+                <a:cs typeface="Calibri"/>
+              </a:rPr>
+              <a:t> </a:t>
+            </a:r>
+            <a:r>
+              <a:rPr lang="en-US" sz="3500" dirty="0" smtClean="0">
+                <a:solidFill>
+                  <a:srgbClr val="00D8FF"/>
+                </a:solidFill>
+                <a:latin typeface="Consolas"/>
+                <a:cs typeface="Calibri"/>
+              </a:rPr>
+              <a:t> </a:t>
+            </a:r>
+            <a:r>
+              <a:rPr lang="en-US" sz="3500" dirty="0" smtClean="0">
+                <a:solidFill>
+                  <a:srgbClr val="00D8FF"/>
+                </a:solidFill>
+                <a:latin typeface="Consolas"/>
+                <a:cs typeface="Calibri"/>
+              </a:rPr>
+              <a:t>name?: string;</a:t>
+            </a:r>
+            <a:endParaRPr lang="en-US" sz="3500" dirty="0" smtClean="0">
+              <a:solidFill>
+                <a:srgbClr val="00D8FF"/>
+              </a:solidFill>
+              <a:latin typeface="Consolas"/>
+              <a:cs typeface="Calibri"/>
+            </a:endParaRPr>
+          </a:p>
+          <a:p>
+            <a:r>
+              <a:rPr lang="en-US" sz="3500" dirty="0">
+                <a:solidFill>
+                  <a:srgbClr val="00D8FF"/>
+                </a:solidFill>
+                <a:latin typeface="Consolas"/>
+                <a:cs typeface="Calibri"/>
+              </a:rPr>
+              <a:t> </a:t>
+            </a:r>
+            <a:r>
+              <a:rPr lang="en-US" sz="3500" dirty="0" smtClean="0">
+                <a:solidFill>
+                  <a:srgbClr val="00D8FF"/>
+                </a:solidFill>
+                <a:latin typeface="Consolas"/>
+                <a:cs typeface="Calibri"/>
+              </a:rPr>
+              <a:t> </a:t>
+            </a:r>
+            <a:r>
+              <a:rPr lang="en-US" sz="3500" dirty="0" smtClean="0">
+                <a:solidFill>
+                  <a:srgbClr val="00D8FF"/>
+                </a:solidFill>
+                <a:latin typeface="Consolas"/>
+                <a:cs typeface="Calibri"/>
+              </a:rPr>
+              <a:t>color?: </a:t>
+            </a:r>
+            <a:r>
+              <a:rPr lang="en-US" sz="3500" dirty="0" err="1" smtClean="0">
+                <a:solidFill>
+                  <a:srgbClr val="00D8FF"/>
+                </a:solidFill>
+                <a:latin typeface="Consolas"/>
+                <a:cs typeface="Calibri"/>
+              </a:rPr>
+              <a:t>enum</a:t>
+            </a:r>
+            <a:r>
+              <a:rPr lang="en-US" sz="3500" dirty="0" smtClean="0">
+                <a:solidFill>
+                  <a:srgbClr val="00D8FF"/>
+                </a:solidFill>
+                <a:latin typeface="Consolas"/>
+                <a:cs typeface="Calibri"/>
+              </a:rPr>
+              <a:t>;</a:t>
+            </a:r>
+            <a:endParaRPr lang="en-US" sz="3500" dirty="0" smtClean="0">
+              <a:solidFill>
+                <a:srgbClr val="00D8FF"/>
+              </a:solidFill>
+              <a:latin typeface="Consolas"/>
+              <a:cs typeface="Calibri"/>
+            </a:endParaRPr>
+          </a:p>
+          <a:p>
+            <a:r>
+              <a:rPr lang="en-US" sz="3500" dirty="0">
+                <a:solidFill>
+                  <a:srgbClr val="00D8FF"/>
+                </a:solidFill>
+                <a:latin typeface="Consolas"/>
+                <a:cs typeface="Calibri"/>
+              </a:rPr>
+              <a:t> </a:t>
+            </a:r>
+            <a:r>
+              <a:rPr lang="en-US" sz="3500" dirty="0" smtClean="0">
+                <a:solidFill>
+                  <a:srgbClr val="00D8FF"/>
+                </a:solidFill>
+                <a:latin typeface="Consolas"/>
+                <a:cs typeface="Calibri"/>
+              </a:rPr>
+              <a:t> </a:t>
+            </a:r>
+            <a:r>
+              <a:rPr lang="en-US" sz="3500" dirty="0" smtClean="0">
+                <a:solidFill>
+                  <a:srgbClr val="00D8FF"/>
+                </a:solidFill>
+                <a:latin typeface="Consolas"/>
+                <a:cs typeface="Calibri"/>
+              </a:rPr>
+              <a:t>legs?: number;</a:t>
+            </a:r>
+            <a:endParaRPr lang="en-US" sz="3500" dirty="0">
+              <a:solidFill>
+                <a:srgbClr val="00D8FF"/>
+              </a:solidFill>
+              <a:latin typeface="Consolas"/>
+              <a:cs typeface="Calibri"/>
+            </a:endParaRPr>
+          </a:p>
+          <a:p>
+            <a:r>
+              <a:rPr lang="en-US" sz="3500" dirty="0" smtClean="0">
+                <a:solidFill>
+                  <a:srgbClr val="00D8FF"/>
+                </a:solidFill>
+                <a:latin typeface="Consolas"/>
+                <a:cs typeface="Calibri"/>
+              </a:rPr>
+              <a:t>}</a:t>
+            </a:r>
+            <a:endParaRPr lang="en-US" sz="3500" dirty="0">
+              <a:solidFill>
+                <a:srgbClr val="00D8FF"/>
+              </a:solidFill>
+            </a:endParaRPr>
+          </a:p>
+        </p:txBody>
+      </p:sp>
+    </p:spTree>
+    <p:extLst>
+      <p:ext uri="{BB962C8B-B14F-4D97-AF65-F5344CB8AC3E}">
+        <p14:creationId xmlns:p14="http://schemas.microsoft.com/office/powerpoint/2010/main" val="34231536"/>
+      </p:ext>
+    </p:extLst>
+  </p:cSld>
+  <p:clrMapOvr>
+    <a:masterClrMapping/>
+  </p:clrMapOvr>
+  <p:timing>
+    <p:tnLst>
+      <p:par>
+        <p:cTn id="1" dur="indefinite" restart="never" nodeType="tmRoot">
+          <p:childTnLst>
+            <p:seq concurrent="1" nextAc="seek">
+              <p:cTn id="2" dur="indefinite" nodeType="mainSeq">
+                <p:childTnLst>
+                  <p:par>
+                    <p:cTn id="3" fill="hold">
+                      <p:stCondLst>
+                        <p:cond delay="indefinite"/>
+                      </p:stCondLst>
+                      <p:childTnLst>
+                        <p:par>
+                          <p:cTn id="4" fill="hold">
+                            <p:stCondLst>
+                              <p:cond delay="0"/>
+                            </p:stCondLst>
+                            <p:childTnLst>
+                              <p:par>
+                                <p:cTn id="5" presetID="10" presetClass="exit" presetSubtype="0" fill="hold" grpId="0" nodeType="clickEffect">
+                                  <p:stCondLst>
+                                    <p:cond delay="0"/>
+                                  </p:stCondLst>
+                                  <p:childTnLst>
+                                    <p:animEffect transition="out" filter="fade">
+                                      <p:cBhvr>
+                                        <p:cTn id="6" dur="500"/>
+                                        <p:tgtEl>
+                                          <p:spTgt spid="10"/>
+                                        </p:tgtEl>
+                                      </p:cBhvr>
+                                    </p:animEffect>
+                                    <p:set>
+                                      <p:cBhvr>
+                                        <p:cTn id="7" dur="1" fill="hold">
+                                          <p:stCondLst>
+                                            <p:cond delay="499"/>
+                                          </p:stCondLst>
+                                        </p:cTn>
+                                        <p:tgtEl>
+                                          <p:spTgt spid="10"/>
+                                        </p:tgtEl>
+                                        <p:attrNameLst>
+                                          <p:attrName>style.visibility</p:attrName>
+                                        </p:attrNameLst>
+                                      </p:cBhvr>
+                                      <p:to>
+                                        <p:strVal val="hidden"/>
+                                      </p:to>
+                                    </p:set>
+                                  </p:childTnLst>
+                                </p:cTn>
+                              </p:par>
+                              <p:par>
+                                <p:cTn id="8" presetID="10" presetClass="entr" presetSubtype="0" fill="hold" grpId="0" nodeType="withEffect">
+                                  <p:stCondLst>
+                                    <p:cond delay="0"/>
+                                  </p:stCondLst>
+                                  <p:childTnLst>
+                                    <p:set>
+                                      <p:cBhvr>
+                                        <p:cTn id="9" dur="1" fill="hold">
+                                          <p:stCondLst>
+                                            <p:cond delay="0"/>
+                                          </p:stCondLst>
+                                        </p:cTn>
+                                        <p:tgtEl>
+                                          <p:spTgt spid="6"/>
+                                        </p:tgtEl>
+                                        <p:attrNameLst>
+                                          <p:attrName>style.visibility</p:attrName>
+                                        </p:attrNameLst>
+                                      </p:cBhvr>
+                                      <p:to>
+                                        <p:strVal val="visible"/>
+                                      </p:to>
+                                    </p:set>
+                                    <p:animEffect transition="in" filter="fade">
+                                      <p:cBhvr>
+                                        <p:cTn id="10" dur="500"/>
+                                        <p:tgtEl>
+                                          <p:spTgt spid="6"/>
+                                        </p:tgtEl>
+                                      </p:cBhvr>
+                                    </p:animEffect>
+                                  </p:childTnLst>
+                                </p:cTn>
+                              </p:par>
+                            </p:childTnLst>
+                          </p:cTn>
+                        </p:par>
+                      </p:childTnLst>
+                    </p:cTn>
+                  </p:par>
+                  <p:par>
+                    <p:cTn id="11" fill="hold">
+                      <p:stCondLst>
+                        <p:cond delay="indefinite"/>
+                      </p:stCondLst>
+                      <p:childTnLst>
+                        <p:par>
+                          <p:cTn id="12" fill="hold">
+                            <p:stCondLst>
+                              <p:cond delay="0"/>
+                            </p:stCondLst>
+                            <p:childTnLst>
+                              <p:par>
+                                <p:cTn id="13" presetID="10" presetClass="entr" presetSubtype="0" fill="hold" grpId="1" nodeType="clickEffect">
+                                  <p:stCondLst>
+                                    <p:cond delay="0"/>
+                                  </p:stCondLst>
+                                  <p:childTnLst>
+                                    <p:set>
+                                      <p:cBhvr>
+                                        <p:cTn id="14" dur="1" fill="hold">
+                                          <p:stCondLst>
+                                            <p:cond delay="0"/>
+                                          </p:stCondLst>
+                                        </p:cTn>
+                                        <p:tgtEl>
+                                          <p:spTgt spid="11"/>
+                                        </p:tgtEl>
+                                        <p:attrNameLst>
+                                          <p:attrName>style.visibility</p:attrName>
+                                        </p:attrNameLst>
+                                      </p:cBhvr>
+                                      <p:to>
+                                        <p:strVal val="visible"/>
+                                      </p:to>
+                                    </p:set>
+                                    <p:animEffect transition="in" filter="fade">
+                                      <p:cBhvr>
+                                        <p:cTn id="15" dur="500"/>
+                                        <p:tgtEl>
+                                          <p:spTgt spid="11"/>
+                                        </p:tgtEl>
+                                      </p:cBhvr>
+                                    </p:animEffect>
+                                  </p:childTnLst>
+                                </p:cTn>
+                              </p:par>
+                              <p:par>
+                                <p:cTn id="16" presetID="10" presetClass="exit" presetSubtype="0" fill="hold" grpId="1" nodeType="withEffect">
+                                  <p:stCondLst>
+                                    <p:cond delay="0"/>
+                                  </p:stCondLst>
+                                  <p:childTnLst>
+                                    <p:animEffect transition="out" filter="fade">
+                                      <p:cBhvr>
+                                        <p:cTn id="17" dur="500"/>
+                                        <p:tgtEl>
+                                          <p:spTgt spid="6"/>
+                                        </p:tgtEl>
+                                      </p:cBhvr>
+                                    </p:animEffect>
+                                    <p:set>
+                                      <p:cBhvr>
+                                        <p:cTn id="18" dur="1" fill="hold">
+                                          <p:stCondLst>
+                                            <p:cond delay="499"/>
+                                          </p:stCondLst>
+                                        </p:cTn>
+                                        <p:tgtEl>
+                                          <p:spTgt spid="6"/>
+                                        </p:tgtEl>
+                                        <p:attrNameLst>
+                                          <p:attrName>style.visibility</p:attrName>
+                                        </p:attrNameLst>
+                                      </p:cBhvr>
+                                      <p:to>
+                                        <p:strVal val="hidden"/>
+                                      </p:to>
+                                    </p:set>
+                                  </p:childTnLst>
+                                </p:cTn>
+                              </p:par>
+                            </p:childTnLst>
+                          </p:cTn>
+                        </p:par>
+                      </p:childTnLst>
+                    </p:cTn>
+                  </p:par>
+                </p:childTnLst>
+              </p:cTn>
+              <p:prevCondLst>
+                <p:cond evt="onPrev" delay="0">
+                  <p:tgtEl>
+                    <p:sldTgt/>
+                  </p:tgtEl>
+                </p:cond>
+              </p:prevCondLst>
+              <p:nextCondLst>
+                <p:cond evt="onNext" delay="0">
+                  <p:tgtEl>
+                    <p:sldTgt/>
+                  </p:tgtEl>
+                </p:cond>
+              </p:nextCondLst>
+            </p:seq>
+          </p:childTnLst>
+        </p:cTn>
+      </p:par>
+    </p:tnLst>
+    <p:bldLst>
+      <p:bldP spid="6" grpId="0"/>
+      <p:bldP spid="6" grpId="1"/>
+      <p:bldP spid="10" grpId="0"/>
+      <p:bldP spid="11" grpId="1"/>
+    </p:bldLst>
+  </p:timing>
+</p:sld>
+</file>
+
+<file path=ppt/slides/slide132.xml><?xml version="1.0" encoding="utf-8"?>
+<p:sld xmlns:a="http://schemas.openxmlformats.org/drawingml/2006/main" xmlns:r="http://schemas.openxmlformats.org/officeDocument/2006/relationships" xmlns:p="http://schemas.openxmlformats.org/presentationml/2006/main">
+  <p:cSld>
+    <p:bg>
+      <p:bgPr>
+        <a:solidFill>
+          <a:srgbClr val="262626"/>
+        </a:solidFill>
+        <a:effectLst/>
+      </p:bgPr>
+    </p:bg>
+    <p:spTree>
+      <p:nvGrpSpPr>
+        <p:cNvPr id="1" name=""/>
+        <p:cNvGrpSpPr/>
+        <p:nvPr/>
+      </p:nvGrpSpPr>
+      <p:grpSpPr>
+        <a:xfrm>
+          <a:off x="0" y="0"/>
+          <a:ext cx="0" cy="0"/>
+          <a:chOff x="0" y="0"/>
+          <a:chExt cx="0" cy="0"/>
+        </a:xfrm>
+      </p:grpSpPr>
+      <p:sp>
+        <p:nvSpPr>
+          <p:cNvPr id="5" name="Прямоугольник 4"/>
+          <p:cNvSpPr/>
+          <p:nvPr/>
+        </p:nvSpPr>
+        <p:spPr>
+          <a:xfrm>
+            <a:off x="2200779" y="3217510"/>
+            <a:ext cx="8263416" cy="707886"/>
+          </a:xfrm>
+          <a:prstGeom prst="rect">
+            <a:avLst/>
+          </a:prstGeom>
+        </p:spPr>
+        <p:txBody>
+          <a:bodyPr wrap="none">
+            <a:spAutoFit/>
+          </a:bodyPr>
+          <a:lstStyle/>
+          <a:p>
+            <a:r>
+              <a:rPr lang="en-US" sz="4000" dirty="0">
+                <a:solidFill>
+                  <a:srgbClr val="00D8FF"/>
+                </a:solidFill>
+              </a:rPr>
+              <a:t>‘function</a:t>
+            </a:r>
+            <a:r>
+              <a:rPr lang="en-US" sz="4000" dirty="0" smtClean="0">
+                <a:solidFill>
+                  <a:srgbClr val="00D8FF"/>
+                </a:solidFill>
+              </a:rPr>
+              <a:t>’ y(x: </a:t>
+            </a:r>
+            <a:r>
+              <a:rPr lang="en-US" sz="4000" dirty="0" smtClean="0">
+                <a:solidFill>
+                  <a:srgbClr val="BF4141"/>
+                </a:solidFill>
+              </a:rPr>
+              <a:t>type</a:t>
+            </a:r>
+            <a:r>
+              <a:rPr lang="en-US" sz="4000" dirty="0" smtClean="0">
+                <a:solidFill>
+                  <a:srgbClr val="00D8FF"/>
+                </a:solidFill>
+              </a:rPr>
+              <a:t>): </a:t>
+            </a:r>
+            <a:r>
+              <a:rPr lang="en-US" sz="4000" dirty="0" err="1" smtClean="0">
+                <a:solidFill>
+                  <a:srgbClr val="BF4141"/>
+                </a:solidFill>
+              </a:rPr>
+              <a:t>transformed_type</a:t>
+            </a:r>
+            <a:endParaRPr lang="en-US" sz="4000" dirty="0">
+              <a:solidFill>
+                <a:srgbClr val="BF4141"/>
+              </a:solidFill>
+            </a:endParaRPr>
+          </a:p>
+        </p:txBody>
+      </p:sp>
+    </p:spTree>
+    <p:extLst>
+      <p:ext uri="{BB962C8B-B14F-4D97-AF65-F5344CB8AC3E}">
+        <p14:creationId xmlns:p14="http://schemas.microsoft.com/office/powerpoint/2010/main" val="1981163509"/>
+      </p:ext>
+    </p:extLst>
+  </p:cSld>
+  <p:clrMapOvr>
+    <a:masterClrMapping/>
+  </p:clrMapOvr>
+  <p:timing>
+    <p:tnLst>
+      <p:par>
+        <p:cTn id="1" dur="indefinite" restart="never" nodeType="tmRoot">
+          <p:childTnLst>
+            <p:seq concurrent="1" nextAc="seek">
+              <p:cTn id="2" dur="indefinite" nodeType="mainSeq">
+                <p:childTnLst>
+                  <p:par>
+                    <p:cTn id="3" fill="hold">
+                      <p:stCondLst>
+                        <p:cond delay="indefinite"/>
+                      </p:stCondLst>
+                      <p:childTnLst>
+                        <p:par>
+                          <p:cTn id="4" fill="hold">
+                            <p:stCondLst>
+                              <p:cond delay="0"/>
+                            </p:stCondLst>
+                            <p:childTnLst>
+                              <p:par>
+                                <p:cTn id="5" presetID="10" presetClass="entr" presetSubtype="0" fill="hold" grpId="0" nodeType="clickEffect">
+                                  <p:stCondLst>
+                                    <p:cond delay="0"/>
+                                  </p:stCondLst>
+                                  <p:childTnLst>
+                                    <p:set>
+                                      <p:cBhvr>
+                                        <p:cTn id="6" dur="1" fill="hold">
+                                          <p:stCondLst>
+                                            <p:cond delay="0"/>
+                                          </p:stCondLst>
+                                        </p:cTn>
+                                        <p:tgtEl>
+                                          <p:spTgt spid="5"/>
+                                        </p:tgtEl>
+                                        <p:attrNameLst>
+                                          <p:attrName>style.visibility</p:attrName>
+                                        </p:attrNameLst>
+                                      </p:cBhvr>
+                                      <p:to>
+                                        <p:strVal val="visible"/>
+                                      </p:to>
+                                    </p:set>
+                                    <p:animEffect transition="in" filter="fade">
+                                      <p:cBhvr>
+                                        <p:cTn id="7" dur="500"/>
+                                        <p:tgtEl>
+                                          <p:spTgt spid="5"/>
+                                        </p:tgtEl>
+                                      </p:cBhvr>
+                                    </p:animEffect>
+                                  </p:childTnLst>
+                                </p:cTn>
+                              </p:par>
+                            </p:childTnLst>
+                          </p:cTn>
+                        </p:par>
+                      </p:childTnLst>
+                    </p:cTn>
+                  </p:par>
+                </p:childTnLst>
+              </p:cTn>
+              <p:prevCondLst>
+                <p:cond evt="onPrev" delay="0">
+                  <p:tgtEl>
+                    <p:sldTgt/>
+                  </p:tgtEl>
+                </p:cond>
+              </p:prevCondLst>
+              <p:nextCondLst>
+                <p:cond evt="onNext" delay="0">
+                  <p:tgtEl>
+                    <p:sldTgt/>
+                  </p:tgtEl>
+                </p:cond>
+              </p:nextCondLst>
+            </p:seq>
+          </p:childTnLst>
+        </p:cTn>
+      </p:par>
+    </p:tnLst>
+    <p:bldLst>
+      <p:bldP spid="5" grpId="0"/>
+    </p:bldLst>
+  </p:timing>
 </p:sld>
 </file>
 

--- a/Course.pptx
+++ b/Course.pptx
@@ -5,7 +5,7 @@
     <p:sldMasterId id="2147483648" r:id="rId1"/>
   </p:sldMasterIdLst>
   <p:notesMasterIdLst>
-    <p:notesMasterId r:id="rId134"/>
+    <p:notesMasterId r:id="rId143"/>
   </p:notesMasterIdLst>
   <p:sldIdLst>
     <p:sldId id="256" r:id="rId2"/>
@@ -140,6 +140,15 @@
     <p:sldId id="386" r:id="rId131"/>
     <p:sldId id="387" r:id="rId132"/>
     <p:sldId id="388" r:id="rId133"/>
+    <p:sldId id="389" r:id="rId134"/>
+    <p:sldId id="390" r:id="rId135"/>
+    <p:sldId id="391" r:id="rId136"/>
+    <p:sldId id="392" r:id="rId137"/>
+    <p:sldId id="393" r:id="rId138"/>
+    <p:sldId id="394" r:id="rId139"/>
+    <p:sldId id="395" r:id="rId140"/>
+    <p:sldId id="396" r:id="rId141"/>
+    <p:sldId id="397" r:id="rId142"/>
   </p:sldIdLst>
   <p:sldSz cx="12192000" cy="6858000"/>
   <p:notesSz cx="6858000" cy="9144000"/>
@@ -1164,7 +1173,7 @@
           <a:p>
             <a:fld id="{2EE8E8F7-1DBA-4282-96A9-47FA334D89F2}" type="datetimeFigureOut">
               <a:rPr lang="ru-RU" smtClean="0"/>
-              <a:t>23.07.2020</a:t>
+              <a:t>27.07.2020</a:t>
             </a:fld>
             <a:endParaRPr lang="ru-RU"/>
           </a:p>
@@ -19318,6 +19327,1097 @@
 </p:notes>
 </file>
 
+<file path=ppt/notesSlides/notesSlide73.xml><?xml version="1.0" encoding="utf-8"?>
+<p:notes xmlns:a="http://schemas.openxmlformats.org/drawingml/2006/main" xmlns:r="http://schemas.openxmlformats.org/officeDocument/2006/relationships" xmlns:p="http://schemas.openxmlformats.org/presentationml/2006/main">
+  <p:cSld>
+    <p:spTree>
+      <p:nvGrpSpPr>
+        <p:cNvPr id="1" name=""/>
+        <p:cNvGrpSpPr/>
+        <p:nvPr/>
+      </p:nvGrpSpPr>
+      <p:grpSpPr>
+        <a:xfrm>
+          <a:off x="0" y="0"/>
+          <a:ext cx="0" cy="0"/>
+          <a:chOff x="0" y="0"/>
+          <a:chExt cx="0" cy="0"/>
+        </a:xfrm>
+      </p:grpSpPr>
+      <p:sp>
+        <p:nvSpPr>
+          <p:cNvPr id="2" name="Образ слайда 1"/>
+          <p:cNvSpPr>
+            <a:spLocks noGrp="1" noRot="1" noChangeAspect="1"/>
+          </p:cNvSpPr>
+          <p:nvPr>
+            <p:ph type="sldImg"/>
+          </p:nvPr>
+        </p:nvSpPr>
+        <p:spPr/>
+      </p:sp>
+      <p:sp>
+        <p:nvSpPr>
+          <p:cNvPr id="3" name="Заметки 2"/>
+          <p:cNvSpPr>
+            <a:spLocks noGrp="1"/>
+          </p:cNvSpPr>
+          <p:nvPr>
+            <p:ph type="body" idx="1"/>
+          </p:nvPr>
+        </p:nvSpPr>
+        <p:spPr/>
+        <p:txBody>
+          <a:bodyPr/>
+          <a:lstStyle/>
+          <a:p>
+            <a:pPr rtl="0" fontAlgn="base"/>
+            <a:endParaRPr lang="ru-RU" sz="1200" b="0" i="0" kern="1200" dirty="0" smtClean="0">
+              <a:solidFill>
+                <a:schemeClr val="tx1"/>
+              </a:solidFill>
+              <a:effectLst/>
+              <a:latin typeface="+mn-lt"/>
+              <a:ea typeface="+mn-ea"/>
+              <a:cs typeface="+mn-cs"/>
+            </a:endParaRPr>
+          </a:p>
+        </p:txBody>
+      </p:sp>
+      <p:sp>
+        <p:nvSpPr>
+          <p:cNvPr id="4" name="Номер слайда 3"/>
+          <p:cNvSpPr>
+            <a:spLocks noGrp="1"/>
+          </p:cNvSpPr>
+          <p:nvPr>
+            <p:ph type="sldNum" sz="quarter" idx="10"/>
+          </p:nvPr>
+        </p:nvSpPr>
+        <p:spPr/>
+        <p:txBody>
+          <a:bodyPr/>
+          <a:lstStyle/>
+          <a:p>
+            <a:pPr>
+              <a:defRPr/>
+            </a:pPr>
+            <a:fld id="{622F1C9E-D65E-417E-9FEF-9AD7ACC20294}" type="slidenum">
+              <a:rPr lang="ru-RU" smtClean="0">
+                <a:solidFill>
+                  <a:prstClr val="black"/>
+                </a:solidFill>
+              </a:rPr>
+              <a:pPr>
+                <a:defRPr/>
+              </a:pPr>
+              <a:t>133</a:t>
+            </a:fld>
+            <a:endParaRPr lang="ru-RU">
+              <a:solidFill>
+                <a:prstClr val="black"/>
+              </a:solidFill>
+            </a:endParaRPr>
+          </a:p>
+        </p:txBody>
+      </p:sp>
+    </p:spTree>
+    <p:extLst>
+      <p:ext uri="{BB962C8B-B14F-4D97-AF65-F5344CB8AC3E}">
+        <p14:creationId xmlns:p14="http://schemas.microsoft.com/office/powerpoint/2010/main" val="3158578988"/>
+      </p:ext>
+    </p:extLst>
+  </p:cSld>
+  <p:clrMapOvr>
+    <a:masterClrMapping/>
+  </p:clrMapOvr>
+</p:notes>
+</file>
+
+<file path=ppt/notesSlides/notesSlide74.xml><?xml version="1.0" encoding="utf-8"?>
+<p:notes xmlns:a="http://schemas.openxmlformats.org/drawingml/2006/main" xmlns:r="http://schemas.openxmlformats.org/officeDocument/2006/relationships" xmlns:p="http://schemas.openxmlformats.org/presentationml/2006/main">
+  <p:cSld>
+    <p:spTree>
+      <p:nvGrpSpPr>
+        <p:cNvPr id="1" name=""/>
+        <p:cNvGrpSpPr/>
+        <p:nvPr/>
+      </p:nvGrpSpPr>
+      <p:grpSpPr>
+        <a:xfrm>
+          <a:off x="0" y="0"/>
+          <a:ext cx="0" cy="0"/>
+          <a:chOff x="0" y="0"/>
+          <a:chExt cx="0" cy="0"/>
+        </a:xfrm>
+      </p:grpSpPr>
+      <p:sp>
+        <p:nvSpPr>
+          <p:cNvPr id="2" name="Образ слайда 1"/>
+          <p:cNvSpPr>
+            <a:spLocks noGrp="1" noRot="1" noChangeAspect="1"/>
+          </p:cNvSpPr>
+          <p:nvPr>
+            <p:ph type="sldImg"/>
+          </p:nvPr>
+        </p:nvSpPr>
+        <p:spPr/>
+      </p:sp>
+      <p:sp>
+        <p:nvSpPr>
+          <p:cNvPr id="3" name="Заметки 2"/>
+          <p:cNvSpPr>
+            <a:spLocks noGrp="1"/>
+          </p:cNvSpPr>
+          <p:nvPr>
+            <p:ph type="body" idx="1"/>
+          </p:nvPr>
+        </p:nvSpPr>
+        <p:spPr/>
+        <p:txBody>
+          <a:bodyPr/>
+          <a:lstStyle/>
+          <a:p>
+            <a:pPr rtl="0" fontAlgn="base"/>
+            <a:endParaRPr lang="ru-RU" sz="1200" b="0" i="0" kern="1200" dirty="0" smtClean="0">
+              <a:solidFill>
+                <a:schemeClr val="tx1"/>
+              </a:solidFill>
+              <a:effectLst/>
+              <a:latin typeface="+mn-lt"/>
+              <a:ea typeface="+mn-ea"/>
+              <a:cs typeface="+mn-cs"/>
+            </a:endParaRPr>
+          </a:p>
+        </p:txBody>
+      </p:sp>
+      <p:sp>
+        <p:nvSpPr>
+          <p:cNvPr id="4" name="Номер слайда 3"/>
+          <p:cNvSpPr>
+            <a:spLocks noGrp="1"/>
+          </p:cNvSpPr>
+          <p:nvPr>
+            <p:ph type="sldNum" sz="quarter" idx="10"/>
+          </p:nvPr>
+        </p:nvSpPr>
+        <p:spPr/>
+        <p:txBody>
+          <a:bodyPr/>
+          <a:lstStyle/>
+          <a:p>
+            <a:pPr>
+              <a:defRPr/>
+            </a:pPr>
+            <a:fld id="{622F1C9E-D65E-417E-9FEF-9AD7ACC20294}" type="slidenum">
+              <a:rPr lang="ru-RU" smtClean="0">
+                <a:solidFill>
+                  <a:prstClr val="black"/>
+                </a:solidFill>
+              </a:rPr>
+              <a:pPr>
+                <a:defRPr/>
+              </a:pPr>
+              <a:t>134</a:t>
+            </a:fld>
+            <a:endParaRPr lang="ru-RU">
+              <a:solidFill>
+                <a:prstClr val="black"/>
+              </a:solidFill>
+            </a:endParaRPr>
+          </a:p>
+        </p:txBody>
+      </p:sp>
+    </p:spTree>
+    <p:extLst>
+      <p:ext uri="{BB962C8B-B14F-4D97-AF65-F5344CB8AC3E}">
+        <p14:creationId xmlns:p14="http://schemas.microsoft.com/office/powerpoint/2010/main" val="2264516249"/>
+      </p:ext>
+    </p:extLst>
+  </p:cSld>
+  <p:clrMapOvr>
+    <a:masterClrMapping/>
+  </p:clrMapOvr>
+</p:notes>
+</file>
+
+<file path=ppt/notesSlides/notesSlide75.xml><?xml version="1.0" encoding="utf-8"?>
+<p:notes xmlns:a="http://schemas.openxmlformats.org/drawingml/2006/main" xmlns:r="http://schemas.openxmlformats.org/officeDocument/2006/relationships" xmlns:p="http://schemas.openxmlformats.org/presentationml/2006/main">
+  <p:cSld>
+    <p:spTree>
+      <p:nvGrpSpPr>
+        <p:cNvPr id="1" name=""/>
+        <p:cNvGrpSpPr/>
+        <p:nvPr/>
+      </p:nvGrpSpPr>
+      <p:grpSpPr>
+        <a:xfrm>
+          <a:off x="0" y="0"/>
+          <a:ext cx="0" cy="0"/>
+          <a:chOff x="0" y="0"/>
+          <a:chExt cx="0" cy="0"/>
+        </a:xfrm>
+      </p:grpSpPr>
+      <p:sp>
+        <p:nvSpPr>
+          <p:cNvPr id="2" name="Образ слайда 1"/>
+          <p:cNvSpPr>
+            <a:spLocks noGrp="1" noRot="1" noChangeAspect="1"/>
+          </p:cNvSpPr>
+          <p:nvPr>
+            <p:ph type="sldImg"/>
+          </p:nvPr>
+        </p:nvSpPr>
+        <p:spPr/>
+      </p:sp>
+      <p:sp>
+        <p:nvSpPr>
+          <p:cNvPr id="3" name="Заметки 2"/>
+          <p:cNvSpPr>
+            <a:spLocks noGrp="1"/>
+          </p:cNvSpPr>
+          <p:nvPr>
+            <p:ph type="body" idx="1"/>
+          </p:nvPr>
+        </p:nvSpPr>
+        <p:spPr/>
+        <p:txBody>
+          <a:bodyPr/>
+          <a:lstStyle/>
+          <a:p>
+            <a:pPr rtl="0" fontAlgn="base"/>
+            <a:endParaRPr lang="ru-RU" sz="1200" b="0" i="0" kern="1200" dirty="0" smtClean="0">
+              <a:solidFill>
+                <a:schemeClr val="tx1"/>
+              </a:solidFill>
+              <a:effectLst/>
+              <a:latin typeface="+mn-lt"/>
+              <a:ea typeface="+mn-ea"/>
+              <a:cs typeface="+mn-cs"/>
+            </a:endParaRPr>
+          </a:p>
+        </p:txBody>
+      </p:sp>
+      <p:sp>
+        <p:nvSpPr>
+          <p:cNvPr id="4" name="Номер слайда 3"/>
+          <p:cNvSpPr>
+            <a:spLocks noGrp="1"/>
+          </p:cNvSpPr>
+          <p:nvPr>
+            <p:ph type="sldNum" sz="quarter" idx="10"/>
+          </p:nvPr>
+        </p:nvSpPr>
+        <p:spPr/>
+        <p:txBody>
+          <a:bodyPr/>
+          <a:lstStyle/>
+          <a:p>
+            <a:pPr>
+              <a:defRPr/>
+            </a:pPr>
+            <a:fld id="{622F1C9E-D65E-417E-9FEF-9AD7ACC20294}" type="slidenum">
+              <a:rPr lang="ru-RU" smtClean="0">
+                <a:solidFill>
+                  <a:prstClr val="black"/>
+                </a:solidFill>
+              </a:rPr>
+              <a:pPr>
+                <a:defRPr/>
+              </a:pPr>
+              <a:t>135</a:t>
+            </a:fld>
+            <a:endParaRPr lang="ru-RU">
+              <a:solidFill>
+                <a:prstClr val="black"/>
+              </a:solidFill>
+            </a:endParaRPr>
+          </a:p>
+        </p:txBody>
+      </p:sp>
+    </p:spTree>
+    <p:extLst>
+      <p:ext uri="{BB962C8B-B14F-4D97-AF65-F5344CB8AC3E}">
+        <p14:creationId xmlns:p14="http://schemas.microsoft.com/office/powerpoint/2010/main" val="187253091"/>
+      </p:ext>
+    </p:extLst>
+  </p:cSld>
+  <p:clrMapOvr>
+    <a:masterClrMapping/>
+  </p:clrMapOvr>
+</p:notes>
+</file>
+
+<file path=ppt/notesSlides/notesSlide76.xml><?xml version="1.0" encoding="utf-8"?>
+<p:notes xmlns:a="http://schemas.openxmlformats.org/drawingml/2006/main" xmlns:r="http://schemas.openxmlformats.org/officeDocument/2006/relationships" xmlns:p="http://schemas.openxmlformats.org/presentationml/2006/main">
+  <p:cSld>
+    <p:spTree>
+      <p:nvGrpSpPr>
+        <p:cNvPr id="1" name=""/>
+        <p:cNvGrpSpPr/>
+        <p:nvPr/>
+      </p:nvGrpSpPr>
+      <p:grpSpPr>
+        <a:xfrm>
+          <a:off x="0" y="0"/>
+          <a:ext cx="0" cy="0"/>
+          <a:chOff x="0" y="0"/>
+          <a:chExt cx="0" cy="0"/>
+        </a:xfrm>
+      </p:grpSpPr>
+      <p:sp>
+        <p:nvSpPr>
+          <p:cNvPr id="2" name="Образ слайда 1"/>
+          <p:cNvSpPr>
+            <a:spLocks noGrp="1" noRot="1" noChangeAspect="1"/>
+          </p:cNvSpPr>
+          <p:nvPr>
+            <p:ph type="sldImg"/>
+          </p:nvPr>
+        </p:nvSpPr>
+        <p:spPr/>
+      </p:sp>
+      <p:sp>
+        <p:nvSpPr>
+          <p:cNvPr id="3" name="Заметки 2"/>
+          <p:cNvSpPr>
+            <a:spLocks noGrp="1"/>
+          </p:cNvSpPr>
+          <p:nvPr>
+            <p:ph type="body" idx="1"/>
+          </p:nvPr>
+        </p:nvSpPr>
+        <p:spPr/>
+        <p:txBody>
+          <a:bodyPr/>
+          <a:lstStyle/>
+          <a:p>
+            <a:pPr rtl="0" fontAlgn="base"/>
+            <a:r>
+              <a:rPr lang="ru-RU" sz="1200" b="0" i="0" kern="1200" dirty="0" smtClean="0">
+                <a:solidFill>
+                  <a:schemeClr val="tx1"/>
+                </a:solidFill>
+                <a:effectLst/>
+                <a:latin typeface="+mn-lt"/>
+                <a:ea typeface="+mn-ea"/>
+                <a:cs typeface="+mn-cs"/>
+              </a:rPr>
+              <a:t>Далее</a:t>
+            </a:r>
+            <a:r>
+              <a:rPr lang="ru-RU" sz="1200" b="0" i="0" kern="1200" baseline="0" dirty="0" smtClean="0">
+                <a:solidFill>
+                  <a:schemeClr val="tx1"/>
+                </a:solidFill>
+                <a:effectLst/>
+                <a:latin typeface="+mn-lt"/>
+                <a:ea typeface="+mn-ea"/>
+                <a:cs typeface="+mn-cs"/>
+              </a:rPr>
+              <a:t> рассмотрим примеры с </a:t>
+            </a:r>
+            <a:r>
+              <a:rPr lang="en-US" sz="1200" b="0" i="0" kern="1200" baseline="0" dirty="0" smtClean="0">
+                <a:solidFill>
+                  <a:schemeClr val="tx1"/>
+                </a:solidFill>
+                <a:effectLst/>
+                <a:latin typeface="+mn-lt"/>
+                <a:ea typeface="+mn-ea"/>
+                <a:cs typeface="+mn-cs"/>
+              </a:rPr>
+              <a:t>readonly*.</a:t>
+            </a:r>
+          </a:p>
+          <a:p>
+            <a:pPr rtl="0" fontAlgn="base"/>
+            <a:r>
+              <a:rPr lang="en-US" sz="1200" b="0" i="0" kern="1200" baseline="0" dirty="0" smtClean="0">
+                <a:solidFill>
+                  <a:schemeClr val="tx1"/>
+                </a:solidFill>
+                <a:effectLst/>
+                <a:latin typeface="+mn-lt"/>
+                <a:ea typeface="+mn-ea"/>
+                <a:cs typeface="+mn-cs"/>
+              </a:rPr>
+              <a:t>Mapped types </a:t>
+            </a:r>
+            <a:r>
+              <a:rPr lang="ru-RU" sz="1200" b="0" i="0" kern="1200" baseline="0" dirty="0" smtClean="0">
+                <a:solidFill>
+                  <a:schemeClr val="tx1"/>
+                </a:solidFill>
+                <a:effectLst/>
+                <a:latin typeface="+mn-lt"/>
+                <a:ea typeface="+mn-ea"/>
+                <a:cs typeface="+mn-cs"/>
+              </a:rPr>
+              <a:t>не может добавлять типы</a:t>
+            </a:r>
+            <a:endParaRPr lang="ru-RU" sz="1200" b="0" i="0" kern="1200" dirty="0" smtClean="0">
+              <a:solidFill>
+                <a:schemeClr val="tx1"/>
+              </a:solidFill>
+              <a:effectLst/>
+              <a:latin typeface="+mn-lt"/>
+              <a:ea typeface="+mn-ea"/>
+              <a:cs typeface="+mn-cs"/>
+            </a:endParaRPr>
+          </a:p>
+        </p:txBody>
+      </p:sp>
+      <p:sp>
+        <p:nvSpPr>
+          <p:cNvPr id="4" name="Номер слайда 3"/>
+          <p:cNvSpPr>
+            <a:spLocks noGrp="1"/>
+          </p:cNvSpPr>
+          <p:nvPr>
+            <p:ph type="sldNum" sz="quarter" idx="10"/>
+          </p:nvPr>
+        </p:nvSpPr>
+        <p:spPr/>
+        <p:txBody>
+          <a:bodyPr/>
+          <a:lstStyle/>
+          <a:p>
+            <a:pPr>
+              <a:defRPr/>
+            </a:pPr>
+            <a:fld id="{622F1C9E-D65E-417E-9FEF-9AD7ACC20294}" type="slidenum">
+              <a:rPr lang="ru-RU" smtClean="0">
+                <a:solidFill>
+                  <a:prstClr val="black"/>
+                </a:solidFill>
+              </a:rPr>
+              <a:pPr>
+                <a:defRPr/>
+              </a:pPr>
+              <a:t>136</a:t>
+            </a:fld>
+            <a:endParaRPr lang="ru-RU">
+              <a:solidFill>
+                <a:prstClr val="black"/>
+              </a:solidFill>
+            </a:endParaRPr>
+          </a:p>
+        </p:txBody>
+      </p:sp>
+    </p:spTree>
+    <p:extLst>
+      <p:ext uri="{BB962C8B-B14F-4D97-AF65-F5344CB8AC3E}">
+        <p14:creationId xmlns:p14="http://schemas.microsoft.com/office/powerpoint/2010/main" val="3728106295"/>
+      </p:ext>
+    </p:extLst>
+  </p:cSld>
+  <p:clrMapOvr>
+    <a:masterClrMapping/>
+  </p:clrMapOvr>
+</p:notes>
+</file>
+
+<file path=ppt/notesSlides/notesSlide77.xml><?xml version="1.0" encoding="utf-8"?>
+<p:notes xmlns:a="http://schemas.openxmlformats.org/drawingml/2006/main" xmlns:r="http://schemas.openxmlformats.org/officeDocument/2006/relationships" xmlns:p="http://schemas.openxmlformats.org/presentationml/2006/main">
+  <p:cSld>
+    <p:spTree>
+      <p:nvGrpSpPr>
+        <p:cNvPr id="1" name=""/>
+        <p:cNvGrpSpPr/>
+        <p:nvPr/>
+      </p:nvGrpSpPr>
+      <p:grpSpPr>
+        <a:xfrm>
+          <a:off x="0" y="0"/>
+          <a:ext cx="0" cy="0"/>
+          <a:chOff x="0" y="0"/>
+          <a:chExt cx="0" cy="0"/>
+        </a:xfrm>
+      </p:grpSpPr>
+      <p:sp>
+        <p:nvSpPr>
+          <p:cNvPr id="2" name="Образ слайда 1"/>
+          <p:cNvSpPr>
+            <a:spLocks noGrp="1" noRot="1" noChangeAspect="1"/>
+          </p:cNvSpPr>
+          <p:nvPr>
+            <p:ph type="sldImg"/>
+          </p:nvPr>
+        </p:nvSpPr>
+        <p:spPr/>
+      </p:sp>
+      <p:sp>
+        <p:nvSpPr>
+          <p:cNvPr id="3" name="Заметки 2"/>
+          <p:cNvSpPr>
+            <a:spLocks noGrp="1"/>
+          </p:cNvSpPr>
+          <p:nvPr>
+            <p:ph type="body" idx="1"/>
+          </p:nvPr>
+        </p:nvSpPr>
+        <p:spPr/>
+        <p:txBody>
+          <a:bodyPr/>
+          <a:lstStyle/>
+          <a:p>
+            <a:pPr rtl="0" fontAlgn="base"/>
+            <a:r>
+              <a:rPr lang="ru-RU" sz="1200" b="0" i="0" kern="1200" dirty="0" smtClean="0">
+                <a:solidFill>
+                  <a:schemeClr val="tx1"/>
+                </a:solidFill>
+                <a:effectLst/>
+                <a:latin typeface="+mn-lt"/>
+                <a:ea typeface="+mn-ea"/>
+                <a:cs typeface="+mn-cs"/>
+              </a:rPr>
+              <a:t>Примеры*</a:t>
+            </a:r>
+            <a:r>
+              <a:rPr lang="ru-RU" sz="1200" b="0" i="0" kern="1200" baseline="0" dirty="0" smtClean="0">
+                <a:solidFill>
+                  <a:schemeClr val="tx1"/>
+                </a:solidFill>
+                <a:effectLst/>
+                <a:latin typeface="+mn-lt"/>
+                <a:ea typeface="+mn-ea"/>
+                <a:cs typeface="+mn-cs"/>
+              </a:rPr>
+              <a:t> (</a:t>
+            </a:r>
+            <a:r>
+              <a:rPr lang="en-US" sz="1200" b="0" i="0" kern="1200" baseline="0" dirty="0" smtClean="0">
+                <a:solidFill>
+                  <a:schemeClr val="tx1"/>
+                </a:solidFill>
+                <a:effectLst/>
+                <a:latin typeface="+mn-lt"/>
+                <a:ea typeface="+mn-ea"/>
+                <a:cs typeface="+mn-cs"/>
+              </a:rPr>
+              <a:t>Record</a:t>
+            </a:r>
+            <a:r>
+              <a:rPr lang="ru-RU" sz="1200" b="0" i="0" kern="1200" baseline="0" dirty="0" smtClean="0">
+                <a:solidFill>
+                  <a:schemeClr val="tx1"/>
+                </a:solidFill>
+                <a:effectLst/>
+                <a:latin typeface="+mn-lt"/>
+                <a:ea typeface="+mn-ea"/>
+                <a:cs typeface="+mn-cs"/>
+              </a:rPr>
+              <a:t>)</a:t>
+            </a:r>
+            <a:endParaRPr lang="ru-RU" sz="1200" b="0" i="0" kern="1200" dirty="0" smtClean="0">
+              <a:solidFill>
+                <a:schemeClr val="tx1"/>
+              </a:solidFill>
+              <a:effectLst/>
+              <a:latin typeface="+mn-lt"/>
+              <a:ea typeface="+mn-ea"/>
+              <a:cs typeface="+mn-cs"/>
+            </a:endParaRPr>
+          </a:p>
+        </p:txBody>
+      </p:sp>
+      <p:sp>
+        <p:nvSpPr>
+          <p:cNvPr id="4" name="Номер слайда 3"/>
+          <p:cNvSpPr>
+            <a:spLocks noGrp="1"/>
+          </p:cNvSpPr>
+          <p:nvPr>
+            <p:ph type="sldNum" sz="quarter" idx="10"/>
+          </p:nvPr>
+        </p:nvSpPr>
+        <p:spPr/>
+        <p:txBody>
+          <a:bodyPr/>
+          <a:lstStyle/>
+          <a:p>
+            <a:pPr>
+              <a:defRPr/>
+            </a:pPr>
+            <a:fld id="{622F1C9E-D65E-417E-9FEF-9AD7ACC20294}" type="slidenum">
+              <a:rPr lang="ru-RU" smtClean="0">
+                <a:solidFill>
+                  <a:prstClr val="black"/>
+                </a:solidFill>
+              </a:rPr>
+              <a:pPr>
+                <a:defRPr/>
+              </a:pPr>
+              <a:t>137</a:t>
+            </a:fld>
+            <a:endParaRPr lang="ru-RU">
+              <a:solidFill>
+                <a:prstClr val="black"/>
+              </a:solidFill>
+            </a:endParaRPr>
+          </a:p>
+        </p:txBody>
+      </p:sp>
+    </p:spTree>
+    <p:extLst>
+      <p:ext uri="{BB962C8B-B14F-4D97-AF65-F5344CB8AC3E}">
+        <p14:creationId xmlns:p14="http://schemas.microsoft.com/office/powerpoint/2010/main" val="1776751820"/>
+      </p:ext>
+    </p:extLst>
+  </p:cSld>
+  <p:clrMapOvr>
+    <a:masterClrMapping/>
+  </p:clrMapOvr>
+</p:notes>
+</file>
+
+<file path=ppt/notesSlides/notesSlide78.xml><?xml version="1.0" encoding="utf-8"?>
+<p:notes xmlns:a="http://schemas.openxmlformats.org/drawingml/2006/main" xmlns:r="http://schemas.openxmlformats.org/officeDocument/2006/relationships" xmlns:p="http://schemas.openxmlformats.org/presentationml/2006/main">
+  <p:cSld>
+    <p:spTree>
+      <p:nvGrpSpPr>
+        <p:cNvPr id="1" name=""/>
+        <p:cNvGrpSpPr/>
+        <p:nvPr/>
+      </p:nvGrpSpPr>
+      <p:grpSpPr>
+        <a:xfrm>
+          <a:off x="0" y="0"/>
+          <a:ext cx="0" cy="0"/>
+          <a:chOff x="0" y="0"/>
+          <a:chExt cx="0" cy="0"/>
+        </a:xfrm>
+      </p:grpSpPr>
+      <p:sp>
+        <p:nvSpPr>
+          <p:cNvPr id="2" name="Образ слайда 1"/>
+          <p:cNvSpPr>
+            <a:spLocks noGrp="1" noRot="1" noChangeAspect="1"/>
+          </p:cNvSpPr>
+          <p:nvPr>
+            <p:ph type="sldImg"/>
+          </p:nvPr>
+        </p:nvSpPr>
+        <p:spPr/>
+      </p:sp>
+      <p:sp>
+        <p:nvSpPr>
+          <p:cNvPr id="3" name="Заметки 2"/>
+          <p:cNvSpPr>
+            <a:spLocks noGrp="1"/>
+          </p:cNvSpPr>
+          <p:nvPr>
+            <p:ph type="body" idx="1"/>
+          </p:nvPr>
+        </p:nvSpPr>
+        <p:spPr/>
+        <p:txBody>
+          <a:bodyPr/>
+          <a:lstStyle/>
+          <a:p>
+            <a:pPr rtl="0" fontAlgn="base"/>
+            <a:r>
+              <a:rPr lang="ru-RU" sz="1200" b="0" i="0" kern="1200" dirty="0" smtClean="0">
+                <a:solidFill>
+                  <a:schemeClr val="tx1"/>
+                </a:solidFill>
+                <a:effectLst/>
+                <a:latin typeface="+mn-lt"/>
+                <a:ea typeface="+mn-ea"/>
+                <a:cs typeface="+mn-cs"/>
+              </a:rPr>
+              <a:t>Примеры*</a:t>
+            </a:r>
+            <a:r>
+              <a:rPr lang="ru-RU" sz="1200" b="0" i="0" kern="1200" baseline="0" dirty="0" smtClean="0">
+                <a:solidFill>
+                  <a:schemeClr val="tx1"/>
+                </a:solidFill>
+                <a:effectLst/>
+                <a:latin typeface="+mn-lt"/>
+                <a:ea typeface="+mn-ea"/>
+                <a:cs typeface="+mn-cs"/>
+              </a:rPr>
+              <a:t> (</a:t>
+            </a:r>
+            <a:r>
+              <a:rPr lang="en-US" sz="1200" b="0" i="0" kern="1200" baseline="0" dirty="0" smtClean="0">
+                <a:solidFill>
+                  <a:schemeClr val="tx1"/>
+                </a:solidFill>
+                <a:effectLst/>
+                <a:latin typeface="+mn-lt"/>
+                <a:ea typeface="+mn-ea"/>
+                <a:cs typeface="+mn-cs"/>
+              </a:rPr>
+              <a:t>Proxy, Unproxy</a:t>
+            </a:r>
+            <a:r>
+              <a:rPr lang="ru-RU" sz="1200" b="0" i="0" kern="1200" baseline="0" dirty="0" smtClean="0">
+                <a:solidFill>
+                  <a:schemeClr val="tx1"/>
+                </a:solidFill>
+                <a:effectLst/>
+                <a:latin typeface="+mn-lt"/>
+                <a:ea typeface="+mn-ea"/>
+                <a:cs typeface="+mn-cs"/>
+              </a:rPr>
+              <a:t>)</a:t>
+            </a:r>
+            <a:endParaRPr lang="en-US" sz="1200" b="0" i="0" kern="1200" baseline="0" dirty="0" smtClean="0">
+              <a:solidFill>
+                <a:schemeClr val="tx1"/>
+              </a:solidFill>
+              <a:effectLst/>
+              <a:latin typeface="+mn-lt"/>
+              <a:ea typeface="+mn-ea"/>
+              <a:cs typeface="+mn-cs"/>
+            </a:endParaRPr>
+          </a:p>
+          <a:p>
+            <a:pPr rtl="0" fontAlgn="base"/>
+            <a:endParaRPr lang="en-US" sz="1200" b="0" i="0" kern="1200" baseline="0" dirty="0" smtClean="0">
+              <a:solidFill>
+                <a:schemeClr val="tx1"/>
+              </a:solidFill>
+              <a:effectLst/>
+              <a:latin typeface="+mn-lt"/>
+              <a:ea typeface="+mn-ea"/>
+              <a:cs typeface="+mn-cs"/>
+            </a:endParaRPr>
+          </a:p>
+          <a:p>
+            <a:pPr rtl="0" fontAlgn="base"/>
+            <a:r>
+              <a:rPr lang="ru-RU" sz="1200" b="0" i="0" kern="1200" dirty="0" smtClean="0">
+                <a:solidFill>
+                  <a:schemeClr val="tx1"/>
+                </a:solidFill>
+                <a:effectLst/>
+                <a:latin typeface="+mn-lt"/>
+                <a:ea typeface="+mn-ea"/>
+                <a:cs typeface="+mn-cs"/>
+              </a:rPr>
+              <a:t>Задания</a:t>
+            </a:r>
+            <a:r>
+              <a:rPr lang="ru-RU" sz="1200" b="0" i="0" kern="1200" baseline="0" dirty="0" smtClean="0">
+                <a:solidFill>
+                  <a:schemeClr val="tx1"/>
+                </a:solidFill>
+                <a:effectLst/>
+                <a:latin typeface="+mn-lt"/>
+                <a:ea typeface="+mn-ea"/>
+                <a:cs typeface="+mn-cs"/>
+              </a:rPr>
+              <a:t> – написать </a:t>
+            </a:r>
+            <a:r>
+              <a:rPr lang="en-US" sz="1200" b="0" i="0" kern="1200" baseline="0" dirty="0" smtClean="0">
+                <a:solidFill>
+                  <a:schemeClr val="tx1"/>
+                </a:solidFill>
+                <a:effectLst/>
+                <a:latin typeface="+mn-lt"/>
+                <a:ea typeface="+mn-ea"/>
+                <a:cs typeface="+mn-cs"/>
+              </a:rPr>
+              <a:t>built in </a:t>
+            </a:r>
+            <a:r>
+              <a:rPr lang="ru-RU" sz="1200" b="0" i="0" kern="1200" baseline="0" dirty="0" smtClean="0">
+                <a:solidFill>
+                  <a:schemeClr val="tx1"/>
+                </a:solidFill>
+                <a:effectLst/>
+                <a:latin typeface="+mn-lt"/>
+                <a:ea typeface="+mn-ea"/>
+                <a:cs typeface="+mn-cs"/>
+              </a:rPr>
+              <a:t>типы</a:t>
+            </a:r>
+            <a:endParaRPr lang="ru-RU" sz="1200" b="0" i="0" kern="1200" dirty="0" smtClean="0">
+              <a:solidFill>
+                <a:schemeClr val="tx1"/>
+              </a:solidFill>
+              <a:effectLst/>
+              <a:latin typeface="+mn-lt"/>
+              <a:ea typeface="+mn-ea"/>
+              <a:cs typeface="+mn-cs"/>
+            </a:endParaRPr>
+          </a:p>
+        </p:txBody>
+      </p:sp>
+      <p:sp>
+        <p:nvSpPr>
+          <p:cNvPr id="4" name="Номер слайда 3"/>
+          <p:cNvSpPr>
+            <a:spLocks noGrp="1"/>
+          </p:cNvSpPr>
+          <p:nvPr>
+            <p:ph type="sldNum" sz="quarter" idx="10"/>
+          </p:nvPr>
+        </p:nvSpPr>
+        <p:spPr/>
+        <p:txBody>
+          <a:bodyPr/>
+          <a:lstStyle/>
+          <a:p>
+            <a:pPr>
+              <a:defRPr/>
+            </a:pPr>
+            <a:fld id="{622F1C9E-D65E-417E-9FEF-9AD7ACC20294}" type="slidenum">
+              <a:rPr lang="ru-RU" smtClean="0">
+                <a:solidFill>
+                  <a:prstClr val="black"/>
+                </a:solidFill>
+              </a:rPr>
+              <a:pPr>
+                <a:defRPr/>
+              </a:pPr>
+              <a:t>138</a:t>
+            </a:fld>
+            <a:endParaRPr lang="ru-RU">
+              <a:solidFill>
+                <a:prstClr val="black"/>
+              </a:solidFill>
+            </a:endParaRPr>
+          </a:p>
+        </p:txBody>
+      </p:sp>
+    </p:spTree>
+    <p:extLst>
+      <p:ext uri="{BB962C8B-B14F-4D97-AF65-F5344CB8AC3E}">
+        <p14:creationId xmlns:p14="http://schemas.microsoft.com/office/powerpoint/2010/main" val="2759981229"/>
+      </p:ext>
+    </p:extLst>
+  </p:cSld>
+  <p:clrMapOvr>
+    <a:masterClrMapping/>
+  </p:clrMapOvr>
+</p:notes>
+</file>
+
+<file path=ppt/notesSlides/notesSlide79.xml><?xml version="1.0" encoding="utf-8"?>
+<p:notes xmlns:a="http://schemas.openxmlformats.org/drawingml/2006/main" xmlns:r="http://schemas.openxmlformats.org/officeDocument/2006/relationships" xmlns:p="http://schemas.openxmlformats.org/presentationml/2006/main">
+  <p:cSld>
+    <p:spTree>
+      <p:nvGrpSpPr>
+        <p:cNvPr id="1" name=""/>
+        <p:cNvGrpSpPr/>
+        <p:nvPr/>
+      </p:nvGrpSpPr>
+      <p:grpSpPr>
+        <a:xfrm>
+          <a:off x="0" y="0"/>
+          <a:ext cx="0" cy="0"/>
+          <a:chOff x="0" y="0"/>
+          <a:chExt cx="0" cy="0"/>
+        </a:xfrm>
+      </p:grpSpPr>
+      <p:sp>
+        <p:nvSpPr>
+          <p:cNvPr id="2" name="Образ слайда 1"/>
+          <p:cNvSpPr>
+            <a:spLocks noGrp="1" noRot="1" noChangeAspect="1"/>
+          </p:cNvSpPr>
+          <p:nvPr>
+            <p:ph type="sldImg"/>
+          </p:nvPr>
+        </p:nvSpPr>
+        <p:spPr/>
+      </p:sp>
+      <p:sp>
+        <p:nvSpPr>
+          <p:cNvPr id="3" name="Заметки 2"/>
+          <p:cNvSpPr>
+            <a:spLocks noGrp="1"/>
+          </p:cNvSpPr>
+          <p:nvPr>
+            <p:ph type="body" idx="1"/>
+          </p:nvPr>
+        </p:nvSpPr>
+        <p:spPr/>
+        <p:txBody>
+          <a:bodyPr/>
+          <a:lstStyle/>
+          <a:p>
+            <a:pPr rtl="0" fontAlgn="base"/>
+            <a:r>
+              <a:rPr lang="ru-RU" sz="1200" b="0" i="0" kern="1200" dirty="0" smtClean="0">
+                <a:solidFill>
+                  <a:schemeClr val="tx1"/>
+                </a:solidFill>
+                <a:effectLst/>
+                <a:latin typeface="+mn-lt"/>
+                <a:ea typeface="+mn-ea"/>
+                <a:cs typeface="+mn-cs"/>
+              </a:rPr>
+              <a:t>Начиная с </a:t>
+            </a:r>
+            <a:r>
+              <a:rPr lang="en-US" sz="1200" b="0" i="0" kern="1200" dirty="0" smtClean="0">
+                <a:solidFill>
+                  <a:schemeClr val="tx1"/>
+                </a:solidFill>
+                <a:effectLst/>
+                <a:latin typeface="+mn-lt"/>
+                <a:ea typeface="+mn-ea"/>
+                <a:cs typeface="+mn-cs"/>
+              </a:rPr>
+              <a:t>TypeScript 2.8 </a:t>
+            </a:r>
+            <a:r>
+              <a:rPr lang="ru-RU" sz="1200" b="0" i="0" kern="1200" dirty="0" smtClean="0">
+                <a:solidFill>
+                  <a:schemeClr val="tx1"/>
+                </a:solidFill>
+                <a:effectLst/>
+                <a:latin typeface="+mn-lt"/>
+                <a:ea typeface="+mn-ea"/>
+                <a:cs typeface="+mn-cs"/>
+              </a:rPr>
+              <a:t>была добавлена возможность описания условных выражений в типах. Условием здесь является удовлетворение некоторому описанному контракту. </a:t>
+            </a:r>
+            <a:endParaRPr lang="en-US" sz="1200" b="0" i="0" kern="1200" dirty="0" smtClean="0">
+              <a:solidFill>
+                <a:schemeClr val="tx1"/>
+              </a:solidFill>
+              <a:effectLst/>
+              <a:latin typeface="+mn-lt"/>
+              <a:ea typeface="+mn-ea"/>
+              <a:cs typeface="+mn-cs"/>
+            </a:endParaRPr>
+          </a:p>
+          <a:p>
+            <a:pPr rtl="0" fontAlgn="base"/>
+            <a:endParaRPr lang="en-US" sz="1200" b="0" i="0" kern="1200" dirty="0" smtClean="0">
+              <a:solidFill>
+                <a:schemeClr val="tx1"/>
+              </a:solidFill>
+              <a:effectLst/>
+              <a:latin typeface="+mn-lt"/>
+              <a:ea typeface="+mn-ea"/>
+              <a:cs typeface="+mn-cs"/>
+            </a:endParaRPr>
+          </a:p>
+          <a:p>
+            <a:pPr rtl="0" fontAlgn="base"/>
+            <a:r>
+              <a:rPr lang="ru-RU" sz="1200" b="0" i="0" kern="1200" dirty="0" smtClean="0">
+                <a:solidFill>
+                  <a:schemeClr val="tx1"/>
+                </a:solidFill>
+                <a:effectLst/>
+                <a:latin typeface="+mn-lt"/>
+                <a:ea typeface="+mn-ea"/>
+                <a:cs typeface="+mn-cs"/>
+              </a:rPr>
+              <a:t>В качестве примера рассмотрим типы, которые выполняются сразу, без задержек</a:t>
+            </a:r>
+            <a:r>
+              <a:rPr lang="en-US" sz="1200" b="0" i="0" kern="1200" dirty="0" smtClean="0">
+                <a:solidFill>
+                  <a:schemeClr val="tx1"/>
+                </a:solidFill>
+                <a:effectLst/>
+                <a:latin typeface="+mn-lt"/>
+                <a:ea typeface="+mn-ea"/>
+                <a:cs typeface="+mn-cs"/>
+              </a:rPr>
+              <a:t>*</a:t>
+            </a:r>
+          </a:p>
+          <a:p>
+            <a:pPr rtl="0" fontAlgn="base"/>
+            <a:r>
+              <a:rPr lang="ru-RU" sz="1200" b="0" i="0" kern="1200" dirty="0" smtClean="0">
+                <a:solidFill>
+                  <a:schemeClr val="tx1"/>
+                </a:solidFill>
+                <a:effectLst/>
+                <a:latin typeface="+mn-lt"/>
+                <a:ea typeface="+mn-ea"/>
+                <a:cs typeface="+mn-cs"/>
+              </a:rPr>
+              <a:t>Далее</a:t>
+            </a:r>
+            <a:r>
+              <a:rPr lang="ru-RU" sz="1200" b="0" i="0" kern="1200" baseline="0" dirty="0" smtClean="0">
+                <a:solidFill>
+                  <a:schemeClr val="tx1"/>
+                </a:solidFill>
+                <a:effectLst/>
+                <a:latin typeface="+mn-lt"/>
+                <a:ea typeface="+mn-ea"/>
+                <a:cs typeface="+mn-cs"/>
+              </a:rPr>
+              <a:t> рассмотрим пример с задержками*</a:t>
+            </a:r>
+            <a:endParaRPr lang="ru-RU" sz="1200" b="0" i="0" kern="1200" dirty="0" smtClean="0">
+              <a:solidFill>
+                <a:schemeClr val="tx1"/>
+              </a:solidFill>
+              <a:effectLst/>
+              <a:latin typeface="+mn-lt"/>
+              <a:ea typeface="+mn-ea"/>
+              <a:cs typeface="+mn-cs"/>
+            </a:endParaRPr>
+          </a:p>
+        </p:txBody>
+      </p:sp>
+      <p:sp>
+        <p:nvSpPr>
+          <p:cNvPr id="4" name="Номер слайда 3"/>
+          <p:cNvSpPr>
+            <a:spLocks noGrp="1"/>
+          </p:cNvSpPr>
+          <p:nvPr>
+            <p:ph type="sldNum" sz="quarter" idx="10"/>
+          </p:nvPr>
+        </p:nvSpPr>
+        <p:spPr/>
+        <p:txBody>
+          <a:bodyPr/>
+          <a:lstStyle/>
+          <a:p>
+            <a:pPr>
+              <a:defRPr/>
+            </a:pPr>
+            <a:fld id="{622F1C9E-D65E-417E-9FEF-9AD7ACC20294}" type="slidenum">
+              <a:rPr lang="ru-RU" smtClean="0">
+                <a:solidFill>
+                  <a:prstClr val="black"/>
+                </a:solidFill>
+              </a:rPr>
+              <a:pPr>
+                <a:defRPr/>
+              </a:pPr>
+              <a:t>139</a:t>
+            </a:fld>
+            <a:endParaRPr lang="ru-RU">
+              <a:solidFill>
+                <a:prstClr val="black"/>
+              </a:solidFill>
+            </a:endParaRPr>
+          </a:p>
+        </p:txBody>
+      </p:sp>
+    </p:spTree>
+    <p:extLst>
+      <p:ext uri="{BB962C8B-B14F-4D97-AF65-F5344CB8AC3E}">
+        <p14:creationId xmlns:p14="http://schemas.microsoft.com/office/powerpoint/2010/main" val="511205358"/>
+      </p:ext>
+    </p:extLst>
+  </p:cSld>
+  <p:clrMapOvr>
+    <a:masterClrMapping/>
+  </p:clrMapOvr>
+</p:notes>
+</file>
+
 <file path=ppt/notesSlides/notesSlide8.xml><?xml version="1.0" encoding="utf-8"?>
 <p:notes xmlns:a="http://schemas.openxmlformats.org/drawingml/2006/main" xmlns:r="http://schemas.openxmlformats.org/officeDocument/2006/relationships" xmlns:p="http://schemas.openxmlformats.org/presentationml/2006/main">
   <p:cSld>
@@ -19579,6 +20679,244 @@
     <p:extLst>
       <p:ext uri="{BB962C8B-B14F-4D97-AF65-F5344CB8AC3E}">
         <p14:creationId xmlns:p14="http://schemas.microsoft.com/office/powerpoint/2010/main" val="971380495"/>
+      </p:ext>
+    </p:extLst>
+  </p:cSld>
+  <p:clrMapOvr>
+    <a:masterClrMapping/>
+  </p:clrMapOvr>
+</p:notes>
+</file>
+
+<file path=ppt/notesSlides/notesSlide80.xml><?xml version="1.0" encoding="utf-8"?>
+<p:notes xmlns:a="http://schemas.openxmlformats.org/drawingml/2006/main" xmlns:r="http://schemas.openxmlformats.org/officeDocument/2006/relationships" xmlns:p="http://schemas.openxmlformats.org/presentationml/2006/main">
+  <p:cSld>
+    <p:spTree>
+      <p:nvGrpSpPr>
+        <p:cNvPr id="1" name=""/>
+        <p:cNvGrpSpPr/>
+        <p:nvPr/>
+      </p:nvGrpSpPr>
+      <p:grpSpPr>
+        <a:xfrm>
+          <a:off x="0" y="0"/>
+          <a:ext cx="0" cy="0"/>
+          <a:chOff x="0" y="0"/>
+          <a:chExt cx="0" cy="0"/>
+        </a:xfrm>
+      </p:grpSpPr>
+      <p:sp>
+        <p:nvSpPr>
+          <p:cNvPr id="2" name="Образ слайда 1"/>
+          <p:cNvSpPr>
+            <a:spLocks noGrp="1" noRot="1" noChangeAspect="1"/>
+          </p:cNvSpPr>
+          <p:nvPr>
+            <p:ph type="sldImg"/>
+          </p:nvPr>
+        </p:nvSpPr>
+        <p:spPr/>
+      </p:sp>
+      <p:sp>
+        <p:nvSpPr>
+          <p:cNvPr id="3" name="Заметки 2"/>
+          <p:cNvSpPr>
+            <a:spLocks noGrp="1"/>
+          </p:cNvSpPr>
+          <p:nvPr>
+            <p:ph type="body" idx="1"/>
+          </p:nvPr>
+        </p:nvSpPr>
+        <p:spPr/>
+        <p:txBody>
+          <a:bodyPr/>
+          <a:lstStyle/>
+          <a:p>
+            <a:pPr rtl="0" fontAlgn="base"/>
+            <a:r>
+              <a:rPr lang="ru-RU" sz="1200" b="0" i="0" kern="1200" dirty="0" smtClean="0">
+                <a:solidFill>
+                  <a:schemeClr val="tx1"/>
+                </a:solidFill>
+                <a:effectLst/>
+                <a:latin typeface="+mn-lt"/>
+                <a:ea typeface="+mn-ea"/>
+                <a:cs typeface="+mn-cs"/>
+              </a:rPr>
+              <a:t>Условные типы особенно полезны при комбинации с mapped types</a:t>
+            </a:r>
+            <a:r>
+              <a:rPr lang="en-US" sz="1200" b="0" i="0" kern="1200" dirty="0" smtClean="0">
+                <a:solidFill>
+                  <a:schemeClr val="tx1"/>
+                </a:solidFill>
+                <a:effectLst/>
+                <a:latin typeface="+mn-lt"/>
+                <a:ea typeface="+mn-ea"/>
+                <a:cs typeface="+mn-cs"/>
+              </a:rPr>
+              <a:t>*</a:t>
+            </a:r>
+            <a:endParaRPr lang="ru-RU" sz="1200" b="0" i="0" kern="1200" dirty="0" smtClean="0">
+              <a:solidFill>
+                <a:schemeClr val="tx1"/>
+              </a:solidFill>
+              <a:effectLst/>
+              <a:latin typeface="+mn-lt"/>
+              <a:ea typeface="+mn-ea"/>
+              <a:cs typeface="+mn-cs"/>
+            </a:endParaRPr>
+          </a:p>
+        </p:txBody>
+      </p:sp>
+      <p:sp>
+        <p:nvSpPr>
+          <p:cNvPr id="4" name="Номер слайда 3"/>
+          <p:cNvSpPr>
+            <a:spLocks noGrp="1"/>
+          </p:cNvSpPr>
+          <p:nvPr>
+            <p:ph type="sldNum" sz="quarter" idx="10"/>
+          </p:nvPr>
+        </p:nvSpPr>
+        <p:spPr/>
+        <p:txBody>
+          <a:bodyPr/>
+          <a:lstStyle/>
+          <a:p>
+            <a:pPr>
+              <a:defRPr/>
+            </a:pPr>
+            <a:fld id="{622F1C9E-D65E-417E-9FEF-9AD7ACC20294}" type="slidenum">
+              <a:rPr lang="ru-RU" smtClean="0">
+                <a:solidFill>
+                  <a:prstClr val="black"/>
+                </a:solidFill>
+              </a:rPr>
+              <a:pPr>
+                <a:defRPr/>
+              </a:pPr>
+              <a:t>140</a:t>
+            </a:fld>
+            <a:endParaRPr lang="ru-RU">
+              <a:solidFill>
+                <a:prstClr val="black"/>
+              </a:solidFill>
+            </a:endParaRPr>
+          </a:p>
+        </p:txBody>
+      </p:sp>
+    </p:spTree>
+    <p:extLst>
+      <p:ext uri="{BB962C8B-B14F-4D97-AF65-F5344CB8AC3E}">
+        <p14:creationId xmlns:p14="http://schemas.microsoft.com/office/powerpoint/2010/main" val="1294685008"/>
+      </p:ext>
+    </p:extLst>
+  </p:cSld>
+  <p:clrMapOvr>
+    <a:masterClrMapping/>
+  </p:clrMapOvr>
+</p:notes>
+</file>
+
+<file path=ppt/notesSlides/notesSlide81.xml><?xml version="1.0" encoding="utf-8"?>
+<p:notes xmlns:a="http://schemas.openxmlformats.org/drawingml/2006/main" xmlns:r="http://schemas.openxmlformats.org/officeDocument/2006/relationships" xmlns:p="http://schemas.openxmlformats.org/presentationml/2006/main">
+  <p:cSld>
+    <p:spTree>
+      <p:nvGrpSpPr>
+        <p:cNvPr id="1" name=""/>
+        <p:cNvGrpSpPr/>
+        <p:nvPr/>
+      </p:nvGrpSpPr>
+      <p:grpSpPr>
+        <a:xfrm>
+          <a:off x="0" y="0"/>
+          <a:ext cx="0" cy="0"/>
+          <a:chOff x="0" y="0"/>
+          <a:chExt cx="0" cy="0"/>
+        </a:xfrm>
+      </p:grpSpPr>
+      <p:sp>
+        <p:nvSpPr>
+          <p:cNvPr id="2" name="Образ слайда 1"/>
+          <p:cNvSpPr>
+            <a:spLocks noGrp="1" noRot="1" noChangeAspect="1"/>
+          </p:cNvSpPr>
+          <p:nvPr>
+            <p:ph type="sldImg"/>
+          </p:nvPr>
+        </p:nvSpPr>
+        <p:spPr/>
+      </p:sp>
+      <p:sp>
+        <p:nvSpPr>
+          <p:cNvPr id="3" name="Заметки 2"/>
+          <p:cNvSpPr>
+            <a:spLocks noGrp="1"/>
+          </p:cNvSpPr>
+          <p:nvPr>
+            <p:ph type="body" idx="1"/>
+          </p:nvPr>
+        </p:nvSpPr>
+        <p:spPr/>
+        <p:txBody>
+          <a:bodyPr/>
+          <a:lstStyle/>
+          <a:p>
+            <a:pPr rtl="0" fontAlgn="base"/>
+            <a:endParaRPr lang="ru-RU" sz="1200" b="0" i="0" kern="1200" dirty="0" smtClean="0">
+              <a:solidFill>
+                <a:schemeClr val="tx1"/>
+              </a:solidFill>
+              <a:effectLst/>
+              <a:latin typeface="+mn-lt"/>
+              <a:ea typeface="+mn-ea"/>
+              <a:cs typeface="+mn-cs"/>
+            </a:endParaRPr>
+          </a:p>
+        </p:txBody>
+      </p:sp>
+      <p:sp>
+        <p:nvSpPr>
+          <p:cNvPr id="4" name="Номер слайда 3"/>
+          <p:cNvSpPr>
+            <a:spLocks noGrp="1"/>
+          </p:cNvSpPr>
+          <p:nvPr>
+            <p:ph type="sldNum" sz="quarter" idx="10"/>
+          </p:nvPr>
+        </p:nvSpPr>
+        <p:spPr/>
+        <p:txBody>
+          <a:bodyPr/>
+          <a:lstStyle/>
+          <a:p>
+            <a:pPr>
+              <a:defRPr/>
+            </a:pPr>
+            <a:fld id="{622F1C9E-D65E-417E-9FEF-9AD7ACC20294}" type="slidenum">
+              <a:rPr lang="ru-RU" smtClean="0">
+                <a:solidFill>
+                  <a:prstClr val="black"/>
+                </a:solidFill>
+              </a:rPr>
+              <a:pPr>
+                <a:defRPr/>
+              </a:pPr>
+              <a:t>141</a:t>
+            </a:fld>
+            <a:endParaRPr lang="ru-RU">
+              <a:solidFill>
+                <a:prstClr val="black"/>
+              </a:solidFill>
+            </a:endParaRPr>
+          </a:p>
+        </p:txBody>
+      </p:sp>
+    </p:spTree>
+    <p:extLst>
+      <p:ext uri="{BB962C8B-B14F-4D97-AF65-F5344CB8AC3E}">
+        <p14:creationId xmlns:p14="http://schemas.microsoft.com/office/powerpoint/2010/main" val="2333415376"/>
       </p:ext>
     </p:extLst>
   </p:cSld>
@@ -20037,7 +21375,7 @@
           <a:p>
             <a:fld id="{F2FFB779-270B-4192-84BA-A697F48306DC}" type="datetimeFigureOut">
               <a:rPr lang="ru-RU" smtClean="0"/>
-              <a:t>23.07.2020</a:t>
+              <a:t>27.07.2020</a:t>
             </a:fld>
             <a:endParaRPr lang="ru-RU"/>
           </a:p>
@@ -20205,7 +21543,7 @@
           <a:p>
             <a:fld id="{F2FFB779-270B-4192-84BA-A697F48306DC}" type="datetimeFigureOut">
               <a:rPr lang="ru-RU" smtClean="0"/>
-              <a:t>23.07.2020</a:t>
+              <a:t>27.07.2020</a:t>
             </a:fld>
             <a:endParaRPr lang="ru-RU"/>
           </a:p>
@@ -20383,7 +21721,7 @@
           <a:p>
             <a:fld id="{F2FFB779-270B-4192-84BA-A697F48306DC}" type="datetimeFigureOut">
               <a:rPr lang="ru-RU" smtClean="0"/>
-              <a:t>23.07.2020</a:t>
+              <a:t>27.07.2020</a:t>
             </a:fld>
             <a:endParaRPr lang="ru-RU"/>
           </a:p>
@@ -20551,7 +21889,7 @@
           <a:p>
             <a:fld id="{F2FFB779-270B-4192-84BA-A697F48306DC}" type="datetimeFigureOut">
               <a:rPr lang="ru-RU" smtClean="0"/>
-              <a:t>23.07.2020</a:t>
+              <a:t>27.07.2020</a:t>
             </a:fld>
             <a:endParaRPr lang="ru-RU"/>
           </a:p>
@@ -20796,7 +22134,7 @@
           <a:p>
             <a:fld id="{F2FFB779-270B-4192-84BA-A697F48306DC}" type="datetimeFigureOut">
               <a:rPr lang="ru-RU" smtClean="0"/>
-              <a:t>23.07.2020</a:t>
+              <a:t>27.07.2020</a:t>
             </a:fld>
             <a:endParaRPr lang="ru-RU"/>
           </a:p>
@@ -21025,7 +22363,7 @@
           <a:p>
             <a:fld id="{F2FFB779-270B-4192-84BA-A697F48306DC}" type="datetimeFigureOut">
               <a:rPr lang="ru-RU" smtClean="0"/>
-              <a:t>23.07.2020</a:t>
+              <a:t>27.07.2020</a:t>
             </a:fld>
             <a:endParaRPr lang="ru-RU"/>
           </a:p>
@@ -21389,7 +22727,7 @@
           <a:p>
             <a:fld id="{F2FFB779-270B-4192-84BA-A697F48306DC}" type="datetimeFigureOut">
               <a:rPr lang="ru-RU" smtClean="0"/>
-              <a:t>23.07.2020</a:t>
+              <a:t>27.07.2020</a:t>
             </a:fld>
             <a:endParaRPr lang="ru-RU"/>
           </a:p>
@@ -21506,7 +22844,7 @@
           <a:p>
             <a:fld id="{F2FFB779-270B-4192-84BA-A697F48306DC}" type="datetimeFigureOut">
               <a:rPr lang="ru-RU" smtClean="0"/>
-              <a:t>23.07.2020</a:t>
+              <a:t>27.07.2020</a:t>
             </a:fld>
             <a:endParaRPr lang="ru-RU"/>
           </a:p>
@@ -21601,7 +22939,7 @@
           <a:p>
             <a:fld id="{F2FFB779-270B-4192-84BA-A697F48306DC}" type="datetimeFigureOut">
               <a:rPr lang="ru-RU" smtClean="0"/>
-              <a:t>23.07.2020</a:t>
+              <a:t>27.07.2020</a:t>
             </a:fld>
             <a:endParaRPr lang="ru-RU"/>
           </a:p>
@@ -21876,7 +23214,7 @@
           <a:p>
             <a:fld id="{F2FFB779-270B-4192-84BA-A697F48306DC}" type="datetimeFigureOut">
               <a:rPr lang="ru-RU" smtClean="0"/>
-              <a:t>23.07.2020</a:t>
+              <a:t>27.07.2020</a:t>
             </a:fld>
             <a:endParaRPr lang="ru-RU"/>
           </a:p>
@@ -22128,7 +23466,7 @@
           <a:p>
             <a:fld id="{F2FFB779-270B-4192-84BA-A697F48306DC}" type="datetimeFigureOut">
               <a:rPr lang="ru-RU" smtClean="0"/>
-              <a:t>23.07.2020</a:t>
+              <a:t>27.07.2020</a:t>
             </a:fld>
             <a:endParaRPr lang="ru-RU"/>
           </a:p>
@@ -22339,7 +23677,7 @@
           <a:p>
             <a:fld id="{F2FFB779-270B-4192-84BA-A697F48306DC}" type="datetimeFigureOut">
               <a:rPr lang="ru-RU" smtClean="0"/>
-              <a:t>23.07.2020</a:t>
+              <a:t>27.07.2020</a:t>
             </a:fld>
             <a:endParaRPr lang="ru-RU"/>
           </a:p>
@@ -22757,7 +24095,7 @@
           <p:cNvPr id="4" name="TextBox 3">
             <a:extLst>
               <a:ext uri="{FF2B5EF4-FFF2-40B4-BE49-F238E27FC236}">
-                <a16:creationId xmlns:a16="http://schemas.microsoft.com/office/drawing/2014/main" id="{04D158B8-9362-4BF2-882E-C13EA3EF3EF0}"/>
+                <a16:creationId xmlns:a16="http://schemas.microsoft.com/office/drawing/2014/main" xmlns="" id="{04D158B8-9362-4BF2-882E-C13EA3EF3EF0}"/>
               </a:ext>
             </a:extLst>
           </p:cNvPr>
@@ -22849,7 +24187,7 @@
           <p:cNvPr id="2" name="Рисунок 2" descr="Изображение выглядит как знак&#10;&#10;Автоматически созданное описание">
             <a:extLst>
               <a:ext uri="{FF2B5EF4-FFF2-40B4-BE49-F238E27FC236}">
-                <a16:creationId xmlns:a16="http://schemas.microsoft.com/office/drawing/2014/main" id="{643AF698-9649-4FE5-B57B-D63B1979621A}"/>
+                <a16:creationId xmlns:a16="http://schemas.microsoft.com/office/drawing/2014/main" xmlns="" id="{643AF698-9649-4FE5-B57B-D63B1979621A}"/>
               </a:ext>
             </a:extLst>
           </p:cNvPr>
@@ -22879,7 +24217,7 @@
           <p:cNvPr id="6" name="Рисунок 2" descr="Изображение выглядит как знак&#10;&#10;Автоматически созданное описание">
             <a:extLst>
               <a:ext uri="{FF2B5EF4-FFF2-40B4-BE49-F238E27FC236}">
-                <a16:creationId xmlns:a16="http://schemas.microsoft.com/office/drawing/2014/main" id="{E62650C7-5A56-4458-8455-E76C997A3CCA}"/>
+                <a16:creationId xmlns:a16="http://schemas.microsoft.com/office/drawing/2014/main" xmlns="" id="{E62650C7-5A56-4458-8455-E76C997A3CCA}"/>
               </a:ext>
             </a:extLst>
           </p:cNvPr>
@@ -22909,7 +24247,7 @@
           <p:cNvPr id="4" name="Рисунок 4" descr="Изображение выглядит как знак, часы&#10;&#10;Автоматически созданное описание">
             <a:extLst>
               <a:ext uri="{FF2B5EF4-FFF2-40B4-BE49-F238E27FC236}">
-                <a16:creationId xmlns:a16="http://schemas.microsoft.com/office/drawing/2014/main" id="{C0715713-18D8-4672-A392-99BE9242E0A0}"/>
+                <a16:creationId xmlns:a16="http://schemas.microsoft.com/office/drawing/2014/main" xmlns="" id="{C0715713-18D8-4672-A392-99BE9242E0A0}"/>
               </a:ext>
             </a:extLst>
           </p:cNvPr>
@@ -23870,7 +25208,7 @@
           <p:cNvPr id="7" name="Рисунок 5">
             <a:extLst>
               <a:ext uri="{FF2B5EF4-FFF2-40B4-BE49-F238E27FC236}">
-                <a16:creationId xmlns:a16="http://schemas.microsoft.com/office/drawing/2014/main" id="{B0D009A0-57C3-4D4D-B1D0-6B70F709CD8A}"/>
+                <a16:creationId xmlns:a16="http://schemas.microsoft.com/office/drawing/2014/main" xmlns="" id="{B0D009A0-57C3-4D4D-B1D0-6B70F709CD8A}"/>
               </a:ext>
             </a:extLst>
           </p:cNvPr>
@@ -23900,7 +25238,7 @@
           <p:cNvPr id="8" name="Рисунок 9">
             <a:extLst>
               <a:ext uri="{FF2B5EF4-FFF2-40B4-BE49-F238E27FC236}">
-                <a16:creationId xmlns:a16="http://schemas.microsoft.com/office/drawing/2014/main" id="{E8BB2BAD-B852-4F51-B94F-087CF76564AF}"/>
+                <a16:creationId xmlns:a16="http://schemas.microsoft.com/office/drawing/2014/main" xmlns="" id="{E8BB2BAD-B852-4F51-B94F-087CF76564AF}"/>
               </a:ext>
             </a:extLst>
           </p:cNvPr>
@@ -24978,7 +26316,7 @@
           <p:cNvPr id="7" name="Рисунок 2" descr="Изображение выглядит как знак&#10;&#10;Автоматически созданное описание">
             <a:extLst>
               <a:ext uri="{FF2B5EF4-FFF2-40B4-BE49-F238E27FC236}">
-                <a16:creationId xmlns:a16="http://schemas.microsoft.com/office/drawing/2014/main" id="{406787F7-34F3-4578-8383-E3660837B270}"/>
+                <a16:creationId xmlns:a16="http://schemas.microsoft.com/office/drawing/2014/main" xmlns="" id="{406787F7-34F3-4578-8383-E3660837B270}"/>
               </a:ext>
             </a:extLst>
           </p:cNvPr>
@@ -25008,7 +26346,7 @@
           <p:cNvPr id="3" name="Рисунок 3" descr="Изображение выглядит как рисунок&#10;&#10;Автоматически созданное описание">
             <a:extLst>
               <a:ext uri="{FF2B5EF4-FFF2-40B4-BE49-F238E27FC236}">
-                <a16:creationId xmlns:a16="http://schemas.microsoft.com/office/drawing/2014/main" id="{FC6F666A-A6B3-453F-9A9B-0A5B8D721905}"/>
+                <a16:creationId xmlns:a16="http://schemas.microsoft.com/office/drawing/2014/main" xmlns="" id="{FC6F666A-A6B3-453F-9A9B-0A5B8D721905}"/>
               </a:ext>
             </a:extLst>
           </p:cNvPr>
@@ -25037,7 +26375,7 @@
           <p:cNvPr id="5" name="Рисунок 5" descr="Изображение выглядит как стул&#10;&#10;Автоматически созданное описание">
             <a:extLst>
               <a:ext uri="{FF2B5EF4-FFF2-40B4-BE49-F238E27FC236}">
-                <a16:creationId xmlns:a16="http://schemas.microsoft.com/office/drawing/2014/main" id="{B7763C02-CDFF-4BDB-A137-3F2DC619E9F4}"/>
+                <a16:creationId xmlns:a16="http://schemas.microsoft.com/office/drawing/2014/main" xmlns="" id="{B7763C02-CDFF-4BDB-A137-3F2DC619E9F4}"/>
               </a:ext>
             </a:extLst>
           </p:cNvPr>
@@ -26458,7 +27796,7 @@
           <p:cNvPr id="5" name="Рисунок 2" descr="Изображение выглядит как знак&#10;&#10;Автоматически созданное описание">
             <a:extLst>
               <a:ext uri="{FF2B5EF4-FFF2-40B4-BE49-F238E27FC236}">
-                <a16:creationId xmlns:a16="http://schemas.microsoft.com/office/drawing/2014/main" id="{94CE257F-A4AB-4D99-8638-F51E066F3AF6}"/>
+                <a16:creationId xmlns:a16="http://schemas.microsoft.com/office/drawing/2014/main" xmlns="" id="{94CE257F-A4AB-4D99-8638-F51E066F3AF6}"/>
               </a:ext>
             </a:extLst>
           </p:cNvPr>
@@ -26488,7 +27826,7 @@
           <p:cNvPr id="7" name="Рисунок 2" descr="Изображение выглядит как рисунок&#10;&#10;Автоматически созданное описание">
             <a:extLst>
               <a:ext uri="{FF2B5EF4-FFF2-40B4-BE49-F238E27FC236}">
-                <a16:creationId xmlns:a16="http://schemas.microsoft.com/office/drawing/2014/main" id="{4EAD6ACE-3298-4D74-B944-64C6FF04E9A0}"/>
+                <a16:creationId xmlns:a16="http://schemas.microsoft.com/office/drawing/2014/main" xmlns="" id="{4EAD6ACE-3298-4D74-B944-64C6FF04E9A0}"/>
               </a:ext>
             </a:extLst>
           </p:cNvPr>
@@ -27747,7 +29085,7 @@
           <p:cNvPr id="3" name="Рисунок 2" descr="Изображение выглядит как рисунок&#10;&#10;Автоматически созданное описание">
             <a:extLst>
               <a:ext uri="{FF2B5EF4-FFF2-40B4-BE49-F238E27FC236}">
-                <a16:creationId xmlns:a16="http://schemas.microsoft.com/office/drawing/2014/main" id="{4EAD6ACE-3298-4D74-B944-64C6FF04E9A0}"/>
+                <a16:creationId xmlns:a16="http://schemas.microsoft.com/office/drawing/2014/main" xmlns="" id="{4EAD6ACE-3298-4D74-B944-64C6FF04E9A0}"/>
               </a:ext>
             </a:extLst>
           </p:cNvPr>
@@ -27838,7 +29176,7 @@
           <p:cNvPr id="9" name="Рисунок 2" descr="Изображение выглядит как знак&#10;&#10;Автоматически созданное описание">
             <a:extLst>
               <a:ext uri="{FF2B5EF4-FFF2-40B4-BE49-F238E27FC236}">
-                <a16:creationId xmlns:a16="http://schemas.microsoft.com/office/drawing/2014/main" id="{94CE257F-A4AB-4D99-8638-F51E066F3AF6}"/>
+                <a16:creationId xmlns:a16="http://schemas.microsoft.com/office/drawing/2014/main" xmlns="" id="{94CE257F-A4AB-4D99-8638-F51E066F3AF6}"/>
               </a:ext>
             </a:extLst>
           </p:cNvPr>
@@ -27913,7 +29251,7 @@
           <p:cNvPr id="4" name="Рисунок 4" descr="Изображение выглядит как знак, рисунок, часы&#10;&#10;Автоматически созданное описание">
             <a:extLst>
               <a:ext uri="{FF2B5EF4-FFF2-40B4-BE49-F238E27FC236}">
-                <a16:creationId xmlns:a16="http://schemas.microsoft.com/office/drawing/2014/main" id="{B6FB7A48-50FC-4BF0-B13B-ED1B6273FE43}"/>
+                <a16:creationId xmlns:a16="http://schemas.microsoft.com/office/drawing/2014/main" xmlns="" id="{B6FB7A48-50FC-4BF0-B13B-ED1B6273FE43}"/>
               </a:ext>
             </a:extLst>
           </p:cNvPr>
@@ -28046,7 +29384,7 @@
           <p:cNvPr id="9" name="Рисунок 2" descr="Изображение выглядит как знак&#10;&#10;Автоматически созданное описание">
             <a:extLst>
               <a:ext uri="{FF2B5EF4-FFF2-40B4-BE49-F238E27FC236}">
-                <a16:creationId xmlns:a16="http://schemas.microsoft.com/office/drawing/2014/main" id="{94CE257F-A4AB-4D99-8638-F51E066F3AF6}"/>
+                <a16:creationId xmlns:a16="http://schemas.microsoft.com/office/drawing/2014/main" xmlns="" id="{94CE257F-A4AB-4D99-8638-F51E066F3AF6}"/>
               </a:ext>
             </a:extLst>
           </p:cNvPr>
@@ -28301,13 +29639,6 @@
               </a:rPr>
               <a:t> = {</a:t>
             </a:r>
-            <a:endParaRPr lang="en-US" sz="3500" dirty="0" smtClean="0">
-              <a:solidFill>
-                <a:srgbClr val="00D8FF"/>
-              </a:solidFill>
-              <a:latin typeface="Consolas"/>
-              <a:cs typeface="Calibri"/>
-            </a:endParaRPr>
           </a:p>
           <a:p>
             <a:r>
@@ -28328,105 +29659,71 @@
                 <a:latin typeface="Consolas"/>
                 <a:cs typeface="Calibri"/>
               </a:rPr>
-              <a:t> name: </a:t>
-            </a:r>
-            <a:r>
-              <a:rPr lang="en-US" sz="3500" dirty="0" smtClean="0">
+              <a:t> name: string;</a:t>
+            </a:r>
+          </a:p>
+          <a:p>
+            <a:r>
+              <a:rPr lang="en-US" sz="3500" dirty="0">
                 <a:solidFill>
                   <a:srgbClr val="00D8FF"/>
                 </a:solidFill>
                 <a:latin typeface="Consolas"/>
                 <a:cs typeface="Calibri"/>
               </a:rPr>
-              <a:t>string;</a:t>
-            </a:r>
-            <a:endParaRPr lang="en-US" sz="3500" dirty="0" smtClean="0">
-              <a:solidFill>
-                <a:srgbClr val="00D8FF"/>
-              </a:solidFill>
-              <a:latin typeface="Consolas"/>
-              <a:cs typeface="Calibri"/>
-            </a:endParaRPr>
-          </a:p>
-          <a:p>
-            <a:r>
-              <a:rPr lang="en-US" sz="3500" dirty="0">
+              <a:t> </a:t>
+            </a:r>
+            <a:r>
+              <a:rPr lang="en-US" sz="3500" dirty="0" smtClean="0">
                 <a:solidFill>
                   <a:srgbClr val="00D8FF"/>
                 </a:solidFill>
                 <a:latin typeface="Consolas"/>
                 <a:cs typeface="Calibri"/>
               </a:rPr>
-              <a:t> </a:t>
-            </a:r>
-            <a:r>
-              <a:rPr lang="en-US" sz="3500" dirty="0" smtClean="0">
+              <a:t> color: </a:t>
+            </a:r>
+            <a:r>
+              <a:rPr lang="en-US" sz="3500" dirty="0" err="1" smtClean="0">
                 <a:solidFill>
                   <a:srgbClr val="00D8FF"/>
                 </a:solidFill>
                 <a:latin typeface="Consolas"/>
                 <a:cs typeface="Calibri"/>
               </a:rPr>
-              <a:t> color: </a:t>
-            </a:r>
-            <a:r>
-              <a:rPr lang="en-US" sz="3500" dirty="0" err="1" smtClean="0">
+              <a:t>enum</a:t>
+            </a:r>
+            <a:r>
+              <a:rPr lang="en-US" sz="3500" dirty="0" smtClean="0">
                 <a:solidFill>
                   <a:srgbClr val="00D8FF"/>
                 </a:solidFill>
                 <a:latin typeface="Consolas"/>
                 <a:cs typeface="Calibri"/>
               </a:rPr>
-              <a:t>enum</a:t>
-            </a:r>
-            <a:r>
-              <a:rPr lang="en-US" sz="3500" dirty="0" smtClean="0">
+              <a:t>;</a:t>
+            </a:r>
+          </a:p>
+          <a:p>
+            <a:r>
+              <a:rPr lang="en-US" sz="3500" dirty="0">
                 <a:solidFill>
                   <a:srgbClr val="00D8FF"/>
                 </a:solidFill>
                 <a:latin typeface="Consolas"/>
                 <a:cs typeface="Calibri"/>
               </a:rPr>
-              <a:t>;</a:t>
-            </a:r>
-            <a:endParaRPr lang="en-US" sz="3500" dirty="0" smtClean="0">
-              <a:solidFill>
-                <a:srgbClr val="00D8FF"/>
-              </a:solidFill>
-              <a:latin typeface="Consolas"/>
-              <a:cs typeface="Calibri"/>
-            </a:endParaRPr>
-          </a:p>
-          <a:p>
-            <a:r>
-              <a:rPr lang="en-US" sz="3500" dirty="0">
+              <a:t> </a:t>
+            </a:r>
+            <a:r>
+              <a:rPr lang="en-US" sz="3500" dirty="0" smtClean="0">
                 <a:solidFill>
                   <a:srgbClr val="00D8FF"/>
                 </a:solidFill>
                 <a:latin typeface="Consolas"/>
                 <a:cs typeface="Calibri"/>
               </a:rPr>
-              <a:t> </a:t>
-            </a:r>
-            <a:r>
-              <a:rPr lang="en-US" sz="3500" dirty="0" smtClean="0">
-                <a:solidFill>
-                  <a:srgbClr val="00D8FF"/>
-                </a:solidFill>
-                <a:latin typeface="Consolas"/>
-                <a:cs typeface="Calibri"/>
-              </a:rPr>
-              <a:t> legs: </a:t>
-            </a:r>
-            <a:r>
-              <a:rPr lang="en-US" sz="3500" dirty="0" smtClean="0">
-                <a:solidFill>
-                  <a:srgbClr val="00D8FF"/>
-                </a:solidFill>
-                <a:latin typeface="Consolas"/>
-                <a:cs typeface="Calibri"/>
-              </a:rPr>
-              <a:t>number;</a:t>
+              <a:t> legs: number;</a:t>
             </a:r>
             <a:endParaRPr lang="en-US" sz="3500" dirty="0">
               <a:solidFill>
@@ -28494,49 +29791,44 @@
                 <a:latin typeface="Consolas"/>
                 <a:cs typeface="Calibri"/>
               </a:rPr>
-              <a:t>Optional</a:t>
-            </a:r>
-            <a:r>
-              <a:rPr lang="en-US" sz="3500" dirty="0" err="1" smtClean="0">
-                <a:solidFill>
-                  <a:srgbClr val="BF4141"/>
+              <a:t>OptionalAnimal</a:t>
+            </a:r>
+            <a:r>
+              <a:rPr lang="en-US" sz="3500" dirty="0" smtClean="0">
+                <a:solidFill>
+                  <a:srgbClr val="00D8FF"/>
                 </a:solidFill>
                 <a:latin typeface="Consolas"/>
                 <a:cs typeface="Calibri"/>
               </a:rPr>
-              <a:t>Animal</a:t>
-            </a:r>
-            <a:r>
-              <a:rPr lang="en-US" sz="3500" dirty="0" smtClean="0">
+              <a:t> = {</a:t>
+            </a:r>
+          </a:p>
+          <a:p>
+            <a:r>
+              <a:rPr lang="en-US" sz="3500" dirty="0">
                 <a:solidFill>
                   <a:srgbClr val="00D8FF"/>
                 </a:solidFill>
                 <a:latin typeface="Consolas"/>
                 <a:cs typeface="Calibri"/>
               </a:rPr>
-              <a:t> = {</a:t>
-            </a:r>
-            <a:endParaRPr lang="en-US" sz="3500" dirty="0" smtClean="0">
-              <a:solidFill>
-                <a:srgbClr val="00D8FF"/>
-              </a:solidFill>
-              <a:latin typeface="Consolas"/>
-              <a:cs typeface="Calibri"/>
-            </a:endParaRPr>
-          </a:p>
-          <a:p>
-            <a:r>
-              <a:rPr lang="en-US" sz="3500" dirty="0">
+              <a:t> </a:t>
+            </a:r>
+            <a:r>
+              <a:rPr lang="en-US" sz="3500" dirty="0" smtClean="0">
                 <a:solidFill>
                   <a:srgbClr val="00D8FF"/>
                 </a:solidFill>
                 <a:latin typeface="Consolas"/>
                 <a:cs typeface="Calibri"/>
               </a:rPr>
-              <a:t> </a:t>
-            </a:r>
-            <a:r>
-              <a:rPr lang="en-US" sz="3500" dirty="0" smtClean="0">
+              <a:t> name?: string;</a:t>
+            </a:r>
+          </a:p>
+          <a:p>
+            <a:r>
+              <a:rPr lang="en-US" sz="3500" dirty="0">
                 <a:solidFill>
                   <a:srgbClr val="00D8FF"/>
                 </a:solidFill>
@@ -28553,26 +29845,17 @@
                 <a:latin typeface="Consolas"/>
                 <a:cs typeface="Calibri"/>
               </a:rPr>
-              <a:t>name?: string;</a:t>
-            </a:r>
-            <a:endParaRPr lang="en-US" sz="3500" dirty="0" smtClean="0">
-              <a:solidFill>
-                <a:srgbClr val="00D8FF"/>
-              </a:solidFill>
-              <a:latin typeface="Consolas"/>
-              <a:cs typeface="Calibri"/>
-            </a:endParaRPr>
-          </a:p>
-          <a:p>
-            <a:r>
-              <a:rPr lang="en-US" sz="3500" dirty="0">
+              <a:t> color?: </a:t>
+            </a:r>
+            <a:r>
+              <a:rPr lang="en-US" sz="3500" dirty="0" err="1" smtClean="0">
                 <a:solidFill>
                   <a:srgbClr val="00D8FF"/>
                 </a:solidFill>
                 <a:latin typeface="Consolas"/>
                 <a:cs typeface="Calibri"/>
               </a:rPr>
-              <a:t> </a:t>
+              <a:t>enum</a:t>
             </a:r>
             <a:r>
               <a:rPr lang="en-US" sz="3500" dirty="0" smtClean="0">
@@ -28582,76 +29865,29 @@
                 <a:latin typeface="Consolas"/>
                 <a:cs typeface="Calibri"/>
               </a:rPr>
-              <a:t> </a:t>
-            </a:r>
-            <a:r>
-              <a:rPr lang="en-US" sz="3500" dirty="0" smtClean="0">
+              <a:t>;</a:t>
+            </a:r>
+          </a:p>
+          <a:p>
+            <a:r>
+              <a:rPr lang="en-US" sz="3500" dirty="0">
                 <a:solidFill>
                   <a:srgbClr val="00D8FF"/>
                 </a:solidFill>
                 <a:latin typeface="Consolas"/>
                 <a:cs typeface="Calibri"/>
               </a:rPr>
-              <a:t>color?: </a:t>
-            </a:r>
-            <a:r>
-              <a:rPr lang="en-US" sz="3500" dirty="0" err="1" smtClean="0">
+              <a:t> </a:t>
+            </a:r>
+            <a:r>
+              <a:rPr lang="en-US" sz="3500" dirty="0" smtClean="0">
                 <a:solidFill>
                   <a:srgbClr val="00D8FF"/>
                 </a:solidFill>
                 <a:latin typeface="Consolas"/>
                 <a:cs typeface="Calibri"/>
               </a:rPr>
-              <a:t>enum</a:t>
-            </a:r>
-            <a:r>
-              <a:rPr lang="en-US" sz="3500" dirty="0" smtClean="0">
-                <a:solidFill>
-                  <a:srgbClr val="00D8FF"/>
-                </a:solidFill>
-                <a:latin typeface="Consolas"/>
-                <a:cs typeface="Calibri"/>
-              </a:rPr>
-              <a:t>;</a:t>
-            </a:r>
-            <a:endParaRPr lang="en-US" sz="3500" dirty="0" smtClean="0">
-              <a:solidFill>
-                <a:srgbClr val="00D8FF"/>
-              </a:solidFill>
-              <a:latin typeface="Consolas"/>
-              <a:cs typeface="Calibri"/>
-            </a:endParaRPr>
-          </a:p>
-          <a:p>
-            <a:r>
-              <a:rPr lang="en-US" sz="3500" dirty="0">
-                <a:solidFill>
-                  <a:srgbClr val="00D8FF"/>
-                </a:solidFill>
-                <a:latin typeface="Consolas"/>
-                <a:cs typeface="Calibri"/>
-              </a:rPr>
-              <a:t> </a:t>
-            </a:r>
-            <a:r>
-              <a:rPr lang="en-US" sz="3500" dirty="0" smtClean="0">
-                <a:solidFill>
-                  <a:srgbClr val="00D8FF"/>
-                </a:solidFill>
-                <a:latin typeface="Consolas"/>
-                <a:cs typeface="Calibri"/>
-              </a:rPr>
-              <a:t> </a:t>
-            </a:r>
-            <a:r>
-              <a:rPr lang="en-US" sz="3500" dirty="0" smtClean="0">
-                <a:solidFill>
-                  <a:srgbClr val="00D8FF"/>
-                </a:solidFill>
-                <a:latin typeface="Consolas"/>
-                <a:cs typeface="Calibri"/>
-              </a:rPr>
-              <a:t>legs?: number;</a:t>
+              <a:t> legs?: number;</a:t>
             </a:r>
             <a:endParaRPr lang="en-US" sz="3500" dirty="0">
               <a:solidFill>
@@ -29012,6 +30248,905 @@
   <p:timing>
     <p:tnLst>
       <p:par>
+        <p:cTn id="1" dur="indefinite" restart="never" nodeType="tmRoot"/>
+      </p:par>
+    </p:tnLst>
+  </p:timing>
+</p:sld>
+</file>
+
+<file path=ppt/slides/slide133.xml><?xml version="1.0" encoding="utf-8"?>
+<p:sld xmlns:a="http://schemas.openxmlformats.org/drawingml/2006/main" xmlns:r="http://schemas.openxmlformats.org/officeDocument/2006/relationships" xmlns:p="http://schemas.openxmlformats.org/presentationml/2006/main">
+  <p:cSld>
+    <p:bg>
+      <p:bgPr>
+        <a:solidFill>
+          <a:srgbClr val="262626"/>
+        </a:solidFill>
+        <a:effectLst/>
+      </p:bgPr>
+    </p:bg>
+    <p:spTree>
+      <p:nvGrpSpPr>
+        <p:cNvPr id="1" name=""/>
+        <p:cNvGrpSpPr/>
+        <p:nvPr/>
+      </p:nvGrpSpPr>
+      <p:grpSpPr>
+        <a:xfrm>
+          <a:off x="0" y="0"/>
+          <a:ext cx="0" cy="0"/>
+          <a:chOff x="0" y="0"/>
+          <a:chExt cx="0" cy="0"/>
+        </a:xfrm>
+      </p:grpSpPr>
+      <p:sp>
+        <p:nvSpPr>
+          <p:cNvPr id="5" name="Прямоугольник 4"/>
+          <p:cNvSpPr/>
+          <p:nvPr/>
+        </p:nvSpPr>
+        <p:spPr>
+          <a:xfrm>
+            <a:off x="4628293" y="3206624"/>
+            <a:ext cx="3175869" cy="707886"/>
+          </a:xfrm>
+          <a:prstGeom prst="rect">
+            <a:avLst/>
+          </a:prstGeom>
+        </p:spPr>
+        <p:txBody>
+          <a:bodyPr wrap="none">
+            <a:spAutoFit/>
+          </a:bodyPr>
+          <a:lstStyle/>
+          <a:p>
+            <a:r>
+              <a:rPr lang="en-US" sz="4000" dirty="0" smtClean="0">
+                <a:solidFill>
+                  <a:srgbClr val="00D8FF"/>
+                </a:solidFill>
+              </a:rPr>
+              <a:t>Mapped types</a:t>
+            </a:r>
+            <a:endParaRPr lang="en-US" sz="4000" dirty="0">
+              <a:solidFill>
+                <a:srgbClr val="BF4141"/>
+              </a:solidFill>
+            </a:endParaRPr>
+          </a:p>
+        </p:txBody>
+      </p:sp>
+    </p:spTree>
+    <p:extLst>
+      <p:ext uri="{BB962C8B-B14F-4D97-AF65-F5344CB8AC3E}">
+        <p14:creationId xmlns:p14="http://schemas.microsoft.com/office/powerpoint/2010/main" val="4038927586"/>
+      </p:ext>
+    </p:extLst>
+  </p:cSld>
+  <p:clrMapOvr>
+    <a:masterClrMapping/>
+  </p:clrMapOvr>
+  <p:timing>
+    <p:tnLst>
+      <p:par>
+        <p:cTn id="1" dur="indefinite" restart="never" nodeType="tmRoot"/>
+      </p:par>
+    </p:tnLst>
+  </p:timing>
+</p:sld>
+</file>
+
+<file path=ppt/slides/slide134.xml><?xml version="1.0" encoding="utf-8"?>
+<p:sld xmlns:a="http://schemas.openxmlformats.org/drawingml/2006/main" xmlns:r="http://schemas.openxmlformats.org/officeDocument/2006/relationships" xmlns:p="http://schemas.openxmlformats.org/presentationml/2006/main">
+  <p:cSld>
+    <p:bg>
+      <p:bgPr>
+        <a:solidFill>
+          <a:srgbClr val="262626"/>
+        </a:solidFill>
+        <a:effectLst/>
+      </p:bgPr>
+    </p:bg>
+    <p:spTree>
+      <p:nvGrpSpPr>
+        <p:cNvPr id="1" name=""/>
+        <p:cNvGrpSpPr/>
+        <p:nvPr/>
+      </p:nvGrpSpPr>
+      <p:grpSpPr>
+        <a:xfrm>
+          <a:off x="0" y="0"/>
+          <a:ext cx="0" cy="0"/>
+          <a:chOff x="0" y="0"/>
+          <a:chExt cx="0" cy="0"/>
+        </a:xfrm>
+      </p:grpSpPr>
+      <p:sp>
+        <p:nvSpPr>
+          <p:cNvPr id="5" name="Прямоугольник 4"/>
+          <p:cNvSpPr/>
+          <p:nvPr/>
+        </p:nvSpPr>
+        <p:spPr>
+          <a:xfrm>
+            <a:off x="3430864" y="2128939"/>
+            <a:ext cx="4416594" cy="3170099"/>
+          </a:xfrm>
+          <a:prstGeom prst="rect">
+            <a:avLst/>
+          </a:prstGeom>
+        </p:spPr>
+        <p:txBody>
+          <a:bodyPr wrap="none">
+            <a:spAutoFit/>
+          </a:bodyPr>
+          <a:lstStyle/>
+          <a:p>
+            <a:r>
+              <a:rPr lang="en-US" sz="4000" dirty="0">
+                <a:solidFill>
+                  <a:srgbClr val="00D8FF"/>
+                </a:solidFill>
+                <a:latin typeface="Consolas"/>
+                <a:cs typeface="Calibri"/>
+              </a:rPr>
+              <a:t>type </a:t>
+            </a:r>
+            <a:r>
+              <a:rPr lang="en-US" sz="4000" dirty="0" smtClean="0">
+                <a:solidFill>
+                  <a:srgbClr val="BF4141"/>
+                </a:solidFill>
+                <a:latin typeface="Consolas"/>
+                <a:cs typeface="Calibri"/>
+              </a:rPr>
+              <a:t>Animal </a:t>
+            </a:r>
+            <a:r>
+              <a:rPr lang="en-US" sz="4000" dirty="0" smtClean="0">
+                <a:solidFill>
+                  <a:srgbClr val="00D8FF"/>
+                </a:solidFill>
+                <a:latin typeface="Consolas"/>
+                <a:cs typeface="Calibri"/>
+              </a:rPr>
+              <a:t>= </a:t>
+            </a:r>
+            <a:r>
+              <a:rPr lang="en-US" sz="4000" dirty="0">
+                <a:solidFill>
+                  <a:srgbClr val="00D8FF"/>
+                </a:solidFill>
+                <a:latin typeface="Consolas"/>
+                <a:cs typeface="Calibri"/>
+              </a:rPr>
+              <a:t>{</a:t>
+            </a:r>
+          </a:p>
+          <a:p>
+            <a:r>
+              <a:rPr lang="en-US" sz="4000" dirty="0">
+                <a:solidFill>
+                  <a:srgbClr val="00D8FF"/>
+                </a:solidFill>
+                <a:latin typeface="Consolas"/>
+                <a:cs typeface="Calibri"/>
+              </a:rPr>
+              <a:t>  </a:t>
+            </a:r>
+            <a:r>
+              <a:rPr lang="en-US" sz="4000" dirty="0" smtClean="0">
+                <a:solidFill>
+                  <a:srgbClr val="00D8FF"/>
+                </a:solidFill>
+                <a:latin typeface="Consolas"/>
+                <a:cs typeface="Calibri"/>
+              </a:rPr>
+              <a:t>name: </a:t>
+            </a:r>
+            <a:r>
+              <a:rPr lang="en-US" sz="4000" dirty="0">
+                <a:solidFill>
+                  <a:srgbClr val="00D8FF"/>
+                </a:solidFill>
+                <a:latin typeface="Consolas"/>
+                <a:cs typeface="Calibri"/>
+              </a:rPr>
+              <a:t>string;</a:t>
+            </a:r>
+          </a:p>
+          <a:p>
+            <a:r>
+              <a:rPr lang="en-US" sz="4000" dirty="0">
+                <a:solidFill>
+                  <a:srgbClr val="00D8FF"/>
+                </a:solidFill>
+                <a:latin typeface="Consolas"/>
+                <a:cs typeface="Calibri"/>
+              </a:rPr>
+              <a:t>  </a:t>
+            </a:r>
+            <a:r>
+              <a:rPr lang="en-US" sz="4000" dirty="0" smtClean="0">
+                <a:solidFill>
+                  <a:srgbClr val="00D8FF"/>
+                </a:solidFill>
+                <a:latin typeface="Consolas"/>
+                <a:cs typeface="Calibri"/>
+              </a:rPr>
+              <a:t>color: </a:t>
+            </a:r>
+            <a:r>
+              <a:rPr lang="en-US" sz="4000" dirty="0">
+                <a:solidFill>
+                  <a:srgbClr val="00D8FF"/>
+                </a:solidFill>
+                <a:latin typeface="Consolas"/>
+                <a:cs typeface="Calibri"/>
+              </a:rPr>
+              <a:t>enum;</a:t>
+            </a:r>
+          </a:p>
+          <a:p>
+            <a:r>
+              <a:rPr lang="en-US" sz="4000" dirty="0">
+                <a:solidFill>
+                  <a:srgbClr val="00D8FF"/>
+                </a:solidFill>
+                <a:latin typeface="Consolas"/>
+                <a:cs typeface="Calibri"/>
+              </a:rPr>
+              <a:t>  </a:t>
+            </a:r>
+            <a:r>
+              <a:rPr lang="en-US" sz="4000" dirty="0" smtClean="0">
+                <a:solidFill>
+                  <a:srgbClr val="00D8FF"/>
+                </a:solidFill>
+                <a:latin typeface="Consolas"/>
+                <a:cs typeface="Calibri"/>
+              </a:rPr>
+              <a:t>legs: </a:t>
+            </a:r>
+            <a:r>
+              <a:rPr lang="en-US" sz="4000" dirty="0">
+                <a:solidFill>
+                  <a:srgbClr val="00D8FF"/>
+                </a:solidFill>
+                <a:latin typeface="Consolas"/>
+                <a:cs typeface="Calibri"/>
+              </a:rPr>
+              <a:t>number;</a:t>
+            </a:r>
+          </a:p>
+          <a:p>
+            <a:r>
+              <a:rPr lang="en-US" sz="4000" dirty="0">
+                <a:solidFill>
+                  <a:srgbClr val="00D8FF"/>
+                </a:solidFill>
+                <a:latin typeface="Consolas"/>
+                <a:cs typeface="Calibri"/>
+              </a:rPr>
+              <a:t>}</a:t>
+            </a:r>
+            <a:endParaRPr lang="en-US" sz="4000" dirty="0">
+              <a:solidFill>
+                <a:srgbClr val="00D8FF"/>
+              </a:solidFill>
+            </a:endParaRPr>
+          </a:p>
+        </p:txBody>
+      </p:sp>
+    </p:spTree>
+    <p:extLst>
+      <p:ext uri="{BB962C8B-B14F-4D97-AF65-F5344CB8AC3E}">
+        <p14:creationId xmlns:p14="http://schemas.microsoft.com/office/powerpoint/2010/main" val="3254438066"/>
+      </p:ext>
+    </p:extLst>
+  </p:cSld>
+  <p:clrMapOvr>
+    <a:masterClrMapping/>
+  </p:clrMapOvr>
+  <p:timing>
+    <p:tnLst>
+      <p:par>
+        <p:cTn id="1" dur="indefinite" restart="never" nodeType="tmRoot"/>
+      </p:par>
+    </p:tnLst>
+  </p:timing>
+</p:sld>
+</file>
+
+<file path=ppt/slides/slide135.xml><?xml version="1.0" encoding="utf-8"?>
+<p:sld xmlns:a="http://schemas.openxmlformats.org/drawingml/2006/main" xmlns:r="http://schemas.openxmlformats.org/officeDocument/2006/relationships" xmlns:p="http://schemas.openxmlformats.org/presentationml/2006/main">
+  <p:cSld>
+    <p:bg>
+      <p:bgPr>
+        <a:solidFill>
+          <a:srgbClr val="262626"/>
+        </a:solidFill>
+        <a:effectLst/>
+      </p:bgPr>
+    </p:bg>
+    <p:spTree>
+      <p:nvGrpSpPr>
+        <p:cNvPr id="1" name=""/>
+        <p:cNvGrpSpPr/>
+        <p:nvPr/>
+      </p:nvGrpSpPr>
+      <p:grpSpPr>
+        <a:xfrm>
+          <a:off x="0" y="0"/>
+          <a:ext cx="0" cy="0"/>
+          <a:chOff x="0" y="0"/>
+          <a:chExt cx="0" cy="0"/>
+        </a:xfrm>
+      </p:grpSpPr>
+      <p:sp>
+        <p:nvSpPr>
+          <p:cNvPr id="4" name="Прямоугольник 3"/>
+          <p:cNvSpPr/>
+          <p:nvPr/>
+        </p:nvSpPr>
+        <p:spPr>
+          <a:xfrm>
+            <a:off x="1937888" y="2014062"/>
+            <a:ext cx="8930650" cy="3170099"/>
+          </a:xfrm>
+          <a:prstGeom prst="rect">
+            <a:avLst/>
+          </a:prstGeom>
+        </p:spPr>
+        <p:txBody>
+          <a:bodyPr wrap="none">
+            <a:spAutoFit/>
+          </a:bodyPr>
+          <a:lstStyle/>
+          <a:p>
+            <a:r>
+              <a:rPr lang="en-US" sz="4000" dirty="0" smtClean="0">
+                <a:solidFill>
+                  <a:srgbClr val="00D8FF"/>
+                </a:solidFill>
+                <a:latin typeface="Consolas"/>
+                <a:cs typeface="Calibri"/>
+              </a:rPr>
+              <a:t>type </a:t>
+            </a:r>
+            <a:r>
+              <a:rPr lang="en-US" sz="4000" dirty="0" smtClean="0">
+                <a:solidFill>
+                  <a:srgbClr val="00D8FF"/>
+                </a:solidFill>
+                <a:latin typeface="Consolas"/>
+                <a:cs typeface="Calibri"/>
+              </a:rPr>
+              <a:t>Partial&lt;T&gt; </a:t>
+            </a:r>
+            <a:r>
+              <a:rPr lang="en-US" sz="4000" dirty="0" smtClean="0">
+                <a:solidFill>
+                  <a:srgbClr val="00D8FF"/>
+                </a:solidFill>
+                <a:latin typeface="Consolas"/>
+                <a:cs typeface="Calibri"/>
+              </a:rPr>
+              <a:t>= {</a:t>
+            </a:r>
+          </a:p>
+          <a:p>
+            <a:r>
+              <a:rPr lang="en-US" sz="4000" dirty="0" smtClean="0">
+                <a:solidFill>
+                  <a:srgbClr val="00D8FF"/>
+                </a:solidFill>
+                <a:latin typeface="Consolas"/>
+                <a:cs typeface="Calibri"/>
+              </a:rPr>
+              <a:t>	[P </a:t>
+            </a:r>
+            <a:r>
+              <a:rPr lang="en-US" sz="4000" dirty="0" smtClean="0">
+                <a:solidFill>
+                  <a:srgbClr val="BF4141"/>
+                </a:solidFill>
+                <a:latin typeface="Consolas"/>
+                <a:cs typeface="Calibri"/>
+              </a:rPr>
+              <a:t>in</a:t>
+            </a:r>
+            <a:r>
+              <a:rPr lang="en-US" sz="4000" dirty="0" smtClean="0">
+                <a:solidFill>
+                  <a:srgbClr val="00D8FF"/>
+                </a:solidFill>
+                <a:latin typeface="Consolas"/>
+                <a:cs typeface="Calibri"/>
+              </a:rPr>
+              <a:t> keyof </a:t>
+            </a:r>
+            <a:r>
+              <a:rPr lang="en-US" sz="4000" dirty="0" smtClean="0">
+                <a:solidFill>
+                  <a:srgbClr val="00D8FF"/>
+                </a:solidFill>
+                <a:latin typeface="Consolas"/>
+                <a:cs typeface="Calibri"/>
+              </a:rPr>
+              <a:t>T]?: T[P]</a:t>
+            </a:r>
+            <a:endParaRPr lang="en-US" sz="4000" dirty="0">
+              <a:solidFill>
+                <a:srgbClr val="00D8FF"/>
+              </a:solidFill>
+              <a:latin typeface="Consolas"/>
+              <a:cs typeface="Calibri"/>
+            </a:endParaRPr>
+          </a:p>
+          <a:p>
+            <a:r>
+              <a:rPr lang="en-US" sz="4000" dirty="0" smtClean="0">
+                <a:solidFill>
+                  <a:srgbClr val="00D8FF"/>
+                </a:solidFill>
+                <a:latin typeface="Consolas"/>
+                <a:cs typeface="Calibri"/>
+              </a:rPr>
+              <a:t>};</a:t>
+            </a:r>
+          </a:p>
+          <a:p>
+            <a:endParaRPr lang="en-US" sz="4000" dirty="0">
+              <a:solidFill>
+                <a:srgbClr val="00D8FF"/>
+              </a:solidFill>
+              <a:latin typeface="Consolas"/>
+              <a:cs typeface="Calibri"/>
+            </a:endParaRPr>
+          </a:p>
+          <a:p>
+            <a:r>
+              <a:rPr lang="en-US" sz="4000" dirty="0" smtClean="0">
+                <a:solidFill>
+                  <a:srgbClr val="00D8FF"/>
+                </a:solidFill>
+                <a:latin typeface="Consolas"/>
+                <a:cs typeface="Calibri"/>
+              </a:rPr>
+              <a:t>type Optional = Partial&lt;Animal&gt;</a:t>
+            </a:r>
+            <a:endParaRPr lang="en-US" sz="4000" dirty="0">
+              <a:solidFill>
+                <a:srgbClr val="00D8FF"/>
+              </a:solidFill>
+            </a:endParaRPr>
+          </a:p>
+        </p:txBody>
+      </p:sp>
+    </p:spTree>
+    <p:extLst>
+      <p:ext uri="{BB962C8B-B14F-4D97-AF65-F5344CB8AC3E}">
+        <p14:creationId xmlns:p14="http://schemas.microsoft.com/office/powerpoint/2010/main" val="2987300186"/>
+      </p:ext>
+    </p:extLst>
+  </p:cSld>
+  <p:clrMapOvr>
+    <a:masterClrMapping/>
+  </p:clrMapOvr>
+  <p:timing>
+    <p:tnLst>
+      <p:par>
+        <p:cTn id="1" dur="indefinite" restart="never" nodeType="tmRoot"/>
+      </p:par>
+    </p:tnLst>
+  </p:timing>
+</p:sld>
+</file>
+
+<file path=ppt/slides/slide136.xml><?xml version="1.0" encoding="utf-8"?>
+<p:sld xmlns:a="http://schemas.openxmlformats.org/drawingml/2006/main" xmlns:r="http://schemas.openxmlformats.org/officeDocument/2006/relationships" xmlns:p="http://schemas.openxmlformats.org/presentationml/2006/main">
+  <p:cSld>
+    <p:bg>
+      <p:bgPr>
+        <a:solidFill>
+          <a:srgbClr val="262626"/>
+        </a:solidFill>
+        <a:effectLst/>
+      </p:bgPr>
+    </p:bg>
+    <p:spTree>
+      <p:nvGrpSpPr>
+        <p:cNvPr id="1" name=""/>
+        <p:cNvGrpSpPr/>
+        <p:nvPr/>
+      </p:nvGrpSpPr>
+      <p:grpSpPr>
+        <a:xfrm>
+          <a:off x="0" y="0"/>
+          <a:ext cx="0" cy="0"/>
+          <a:chOff x="0" y="0"/>
+          <a:chExt cx="0" cy="0"/>
+        </a:xfrm>
+      </p:grpSpPr>
+      <p:sp>
+        <p:nvSpPr>
+          <p:cNvPr id="4" name="Прямоугольник 3"/>
+          <p:cNvSpPr/>
+          <p:nvPr/>
+        </p:nvSpPr>
+        <p:spPr>
+          <a:xfrm>
+            <a:off x="3940859" y="3157062"/>
+            <a:ext cx="4416594" cy="707886"/>
+          </a:xfrm>
+          <a:prstGeom prst="rect">
+            <a:avLst/>
+          </a:prstGeom>
+        </p:spPr>
+        <p:txBody>
+          <a:bodyPr wrap="none">
+            <a:spAutoFit/>
+          </a:bodyPr>
+          <a:lstStyle/>
+          <a:p>
+            <a:r>
+              <a:rPr lang="en-US" sz="4000" dirty="0" smtClean="0">
+                <a:solidFill>
+                  <a:srgbClr val="00D8FF"/>
+                </a:solidFill>
+                <a:latin typeface="Consolas"/>
+                <a:cs typeface="Calibri"/>
+              </a:rPr>
+              <a:t>Partial&lt;Animal</a:t>
+            </a:r>
+            <a:r>
+              <a:rPr lang="en-US" sz="4000" dirty="0" smtClean="0">
+                <a:solidFill>
+                  <a:srgbClr val="00D8FF"/>
+                </a:solidFill>
+                <a:latin typeface="Consolas"/>
+                <a:cs typeface="Calibri"/>
+              </a:rPr>
+              <a:t>&gt;</a:t>
+            </a:r>
+            <a:endParaRPr lang="en-US" sz="4000" dirty="0">
+              <a:solidFill>
+                <a:srgbClr val="00D8FF"/>
+              </a:solidFill>
+            </a:endParaRPr>
+          </a:p>
+        </p:txBody>
+      </p:sp>
+      <p:sp>
+        <p:nvSpPr>
+          <p:cNvPr id="3" name="Прямоугольник 2"/>
+          <p:cNvSpPr/>
+          <p:nvPr/>
+        </p:nvSpPr>
+        <p:spPr>
+          <a:xfrm>
+            <a:off x="1585023" y="2541509"/>
+            <a:ext cx="9853980" cy="1938992"/>
+          </a:xfrm>
+          <a:prstGeom prst="rect">
+            <a:avLst/>
+          </a:prstGeom>
+        </p:spPr>
+        <p:txBody>
+          <a:bodyPr wrap="none">
+            <a:spAutoFit/>
+          </a:bodyPr>
+          <a:lstStyle/>
+          <a:p>
+            <a:r>
+              <a:rPr lang="en-US" sz="4000" dirty="0" smtClean="0">
+                <a:solidFill>
+                  <a:srgbClr val="00D8FF"/>
+                </a:solidFill>
+                <a:latin typeface="Consolas"/>
+                <a:cs typeface="Calibri"/>
+              </a:rPr>
+              <a:t>type Partial = {</a:t>
+            </a:r>
+          </a:p>
+          <a:p>
+            <a:r>
+              <a:rPr lang="en-US" sz="4000" dirty="0" smtClean="0">
+                <a:solidFill>
+                  <a:srgbClr val="00D8FF"/>
+                </a:solidFill>
+                <a:latin typeface="Consolas"/>
+                <a:cs typeface="Calibri"/>
+              </a:rPr>
+              <a:t>	[P in keyof </a:t>
+            </a:r>
+            <a:r>
+              <a:rPr lang="en-US" sz="4000" dirty="0" smtClean="0">
+                <a:solidFill>
+                  <a:srgbClr val="BF4141"/>
+                </a:solidFill>
+                <a:latin typeface="Consolas"/>
+                <a:cs typeface="Calibri"/>
+              </a:rPr>
+              <a:t>Animal</a:t>
+            </a:r>
+            <a:r>
+              <a:rPr lang="en-US" sz="4000" dirty="0" smtClean="0">
+                <a:solidFill>
+                  <a:srgbClr val="00D8FF"/>
+                </a:solidFill>
+                <a:latin typeface="Consolas"/>
+                <a:cs typeface="Calibri"/>
+              </a:rPr>
+              <a:t>]?: </a:t>
+            </a:r>
+            <a:r>
+              <a:rPr lang="en-US" sz="4000" dirty="0" smtClean="0">
+                <a:solidFill>
+                  <a:srgbClr val="BF4141"/>
+                </a:solidFill>
+                <a:latin typeface="Consolas"/>
+                <a:cs typeface="Calibri"/>
+              </a:rPr>
+              <a:t>Animal</a:t>
+            </a:r>
+            <a:r>
+              <a:rPr lang="en-US" sz="4000" dirty="0" smtClean="0">
+                <a:solidFill>
+                  <a:srgbClr val="00D8FF"/>
+                </a:solidFill>
+                <a:latin typeface="Consolas"/>
+                <a:cs typeface="Calibri"/>
+              </a:rPr>
+              <a:t>[P]</a:t>
+            </a:r>
+            <a:endParaRPr lang="en-US" sz="4000" dirty="0">
+              <a:solidFill>
+                <a:srgbClr val="00D8FF"/>
+              </a:solidFill>
+              <a:latin typeface="Consolas"/>
+              <a:cs typeface="Calibri"/>
+            </a:endParaRPr>
+          </a:p>
+          <a:p>
+            <a:r>
+              <a:rPr lang="en-US" sz="4000" dirty="0" smtClean="0">
+                <a:solidFill>
+                  <a:srgbClr val="00D8FF"/>
+                </a:solidFill>
+                <a:latin typeface="Consolas"/>
+                <a:cs typeface="Calibri"/>
+              </a:rPr>
+              <a:t>}</a:t>
+            </a:r>
+            <a:endParaRPr lang="en-US" sz="4000" dirty="0">
+              <a:solidFill>
+                <a:srgbClr val="00D8FF"/>
+              </a:solidFill>
+            </a:endParaRPr>
+          </a:p>
+        </p:txBody>
+      </p:sp>
+      <p:sp>
+        <p:nvSpPr>
+          <p:cNvPr id="6" name="Прямоугольник 5"/>
+          <p:cNvSpPr/>
+          <p:nvPr/>
+        </p:nvSpPr>
+        <p:spPr>
+          <a:xfrm>
+            <a:off x="890849" y="2541509"/>
+            <a:ext cx="10982494" cy="1938992"/>
+          </a:xfrm>
+          <a:prstGeom prst="rect">
+            <a:avLst/>
+          </a:prstGeom>
+        </p:spPr>
+        <p:txBody>
+          <a:bodyPr wrap="none">
+            <a:spAutoFit/>
+          </a:bodyPr>
+          <a:lstStyle/>
+          <a:p>
+            <a:r>
+              <a:rPr lang="en-US" sz="4000" dirty="0" smtClean="0">
+                <a:solidFill>
+                  <a:srgbClr val="00D8FF"/>
+                </a:solidFill>
+                <a:latin typeface="Consolas"/>
+                <a:cs typeface="Calibri"/>
+              </a:rPr>
+              <a:t>type Partial = {</a:t>
+            </a:r>
+          </a:p>
+          <a:p>
+            <a:r>
+              <a:rPr lang="en-US" sz="4000" dirty="0" smtClean="0">
+                <a:solidFill>
+                  <a:srgbClr val="00D8FF"/>
+                </a:solidFill>
+                <a:latin typeface="Consolas"/>
+                <a:cs typeface="Calibri"/>
+              </a:rPr>
+              <a:t>	[P in </a:t>
+            </a:r>
+            <a:r>
+              <a:rPr lang="en-US" sz="4000" dirty="0" smtClean="0">
+                <a:solidFill>
+                  <a:srgbClr val="BF4141"/>
+                </a:solidFill>
+                <a:latin typeface="Consolas"/>
+                <a:cs typeface="Calibri"/>
+              </a:rPr>
+              <a:t>‘name’ | ‘color’</a:t>
+            </a:r>
+            <a:r>
+              <a:rPr lang="en-US" sz="4000" dirty="0" smtClean="0">
+                <a:solidFill>
+                  <a:srgbClr val="00D8FF"/>
+                </a:solidFill>
+                <a:latin typeface="Consolas"/>
+                <a:cs typeface="Calibri"/>
+              </a:rPr>
+              <a:t>]?: </a:t>
+            </a:r>
+            <a:r>
+              <a:rPr lang="en-US" sz="4000" dirty="0" smtClean="0">
+                <a:solidFill>
+                  <a:srgbClr val="BF4141"/>
+                </a:solidFill>
+                <a:latin typeface="Consolas"/>
+                <a:cs typeface="Calibri"/>
+              </a:rPr>
+              <a:t>Animal</a:t>
+            </a:r>
+            <a:r>
+              <a:rPr lang="en-US" sz="4000" dirty="0" smtClean="0">
+                <a:solidFill>
+                  <a:srgbClr val="00D8FF"/>
+                </a:solidFill>
+                <a:latin typeface="Consolas"/>
+                <a:cs typeface="Calibri"/>
+              </a:rPr>
+              <a:t>[P]</a:t>
+            </a:r>
+          </a:p>
+          <a:p>
+            <a:r>
+              <a:rPr lang="en-US" sz="4000" dirty="0" smtClean="0">
+                <a:solidFill>
+                  <a:srgbClr val="00D8FF"/>
+                </a:solidFill>
+                <a:latin typeface="Consolas"/>
+                <a:cs typeface="Calibri"/>
+              </a:rPr>
+              <a:t>}</a:t>
+            </a:r>
+            <a:endParaRPr lang="en-US" sz="4000" dirty="0">
+              <a:solidFill>
+                <a:srgbClr val="00D8FF"/>
+              </a:solidFill>
+            </a:endParaRPr>
+          </a:p>
+        </p:txBody>
+      </p:sp>
+      <p:sp>
+        <p:nvSpPr>
+          <p:cNvPr id="7" name="Прямоугольник 6"/>
+          <p:cNvSpPr/>
+          <p:nvPr/>
+        </p:nvSpPr>
+        <p:spPr>
+          <a:xfrm>
+            <a:off x="2209616" y="2133750"/>
+            <a:ext cx="7879080" cy="2554545"/>
+          </a:xfrm>
+          <a:prstGeom prst="rect">
+            <a:avLst/>
+          </a:prstGeom>
+        </p:spPr>
+        <p:txBody>
+          <a:bodyPr wrap="none">
+            <a:spAutoFit/>
+          </a:bodyPr>
+          <a:lstStyle/>
+          <a:p>
+            <a:r>
+              <a:rPr lang="en-US" sz="4000" dirty="0" smtClean="0">
+                <a:solidFill>
+                  <a:srgbClr val="00D8FF"/>
+                </a:solidFill>
+                <a:latin typeface="Consolas"/>
+                <a:cs typeface="Calibri"/>
+              </a:rPr>
+              <a:t>type Partial = {</a:t>
+            </a:r>
+          </a:p>
+          <a:p>
+            <a:r>
+              <a:rPr lang="en-US" sz="4000" dirty="0">
+                <a:solidFill>
+                  <a:srgbClr val="00D8FF"/>
+                </a:solidFill>
+                <a:latin typeface="Consolas"/>
+                <a:cs typeface="Calibri"/>
+              </a:rPr>
+              <a:t>	</a:t>
+            </a:r>
+            <a:r>
+              <a:rPr lang="en-US" sz="4000" dirty="0" smtClean="0">
+                <a:solidFill>
+                  <a:srgbClr val="00D8FF"/>
+                </a:solidFill>
+                <a:latin typeface="Consolas"/>
+                <a:cs typeface="Calibri"/>
+              </a:rPr>
+              <a:t>name?: Animal[‘name’];</a:t>
+            </a:r>
+          </a:p>
+          <a:p>
+            <a:r>
+              <a:rPr lang="en-US" sz="4000" dirty="0">
+                <a:solidFill>
+                  <a:srgbClr val="00D8FF"/>
+                </a:solidFill>
+                <a:latin typeface="Consolas"/>
+                <a:cs typeface="Calibri"/>
+              </a:rPr>
+              <a:t>	</a:t>
+            </a:r>
+            <a:r>
+              <a:rPr lang="en-US" sz="4000" dirty="0" smtClean="0">
+                <a:solidFill>
+                  <a:srgbClr val="00D8FF"/>
+                </a:solidFill>
+                <a:latin typeface="Consolas"/>
+                <a:cs typeface="Calibri"/>
+              </a:rPr>
+              <a:t>color?: Animal[‘color’];</a:t>
+            </a:r>
+            <a:endParaRPr lang="en-US" sz="4000" dirty="0" smtClean="0">
+              <a:solidFill>
+                <a:srgbClr val="00D8FF"/>
+              </a:solidFill>
+            </a:endParaRPr>
+          </a:p>
+          <a:p>
+            <a:r>
+              <a:rPr lang="en-US" sz="4000" dirty="0">
+                <a:solidFill>
+                  <a:srgbClr val="00D8FF"/>
+                </a:solidFill>
+                <a:latin typeface="Consolas"/>
+                <a:cs typeface="Calibri"/>
+              </a:rPr>
+              <a:t>}</a:t>
+            </a:r>
+            <a:endParaRPr lang="en-US" sz="4000" dirty="0" smtClean="0">
+              <a:solidFill>
+                <a:srgbClr val="00D8FF"/>
+              </a:solidFill>
+              <a:latin typeface="Consolas"/>
+              <a:cs typeface="Calibri"/>
+            </a:endParaRPr>
+          </a:p>
+        </p:txBody>
+      </p:sp>
+    </p:spTree>
+    <p:extLst>
+      <p:ext uri="{BB962C8B-B14F-4D97-AF65-F5344CB8AC3E}">
+        <p14:creationId xmlns:p14="http://schemas.microsoft.com/office/powerpoint/2010/main" val="2004350775"/>
+      </p:ext>
+    </p:extLst>
+  </p:cSld>
+  <p:clrMapOvr>
+    <a:masterClrMapping/>
+  </p:clrMapOvr>
+  <p:timing>
+    <p:tnLst>
+      <p:par>
         <p:cTn id="1" dur="indefinite" restart="never" nodeType="tmRoot">
           <p:childTnLst>
             <p:seq concurrent="1" nextAc="seek">
@@ -29030,20 +31165,55 @@
                             </p:stCondLst>
                             <p:childTnLst>
                               <p:par>
-                                <p:cTn id="5" presetID="10" presetClass="entr" presetSubtype="0" fill="hold" grpId="0" nodeType="clickEffect">
+                                <p:cTn id="5" presetID="10" presetClass="exit" presetSubtype="0" fill="hold" grpId="0" nodeType="clickEffect">
+                                  <p:stCondLst>
+                                    <p:cond delay="0"/>
+                                  </p:stCondLst>
+                                  <p:childTnLst>
+                                    <p:animEffect transition="out" filter="fade">
+                                      <p:cBhvr>
+                                        <p:cTn id="6" dur="500"/>
+                                        <p:tgtEl>
+                                          <p:spTgt spid="4"/>
+                                        </p:tgtEl>
+                                      </p:cBhvr>
+                                    </p:animEffect>
+                                    <p:set>
+                                      <p:cBhvr>
+                                        <p:cTn id="7" dur="1" fill="hold">
+                                          <p:stCondLst>
+                                            <p:cond delay="499"/>
+                                          </p:stCondLst>
+                                        </p:cTn>
+                                        <p:tgtEl>
+                                          <p:spTgt spid="4"/>
+                                        </p:tgtEl>
+                                        <p:attrNameLst>
+                                          <p:attrName>style.visibility</p:attrName>
+                                        </p:attrNameLst>
+                                      </p:cBhvr>
+                                      <p:to>
+                                        <p:strVal val="hidden"/>
+                                      </p:to>
+                                    </p:set>
+                                  </p:childTnLst>
+                                </p:cTn>
+                              </p:par>
+                              <p:par>
+                                <p:cTn id="8" presetID="10" presetClass="entr" presetSubtype="0" fill="hold" grpId="0" nodeType="withEffect">
                                   <p:stCondLst>
                                     <p:cond delay="0"/>
                                   </p:stCondLst>
                                   <p:childTnLst>
                                     <p:set>
                                       <p:cBhvr>
-                                        <p:cTn id="6" dur="1" fill="hold">
+                                        <p:cTn id="9" dur="1" fill="hold">
                                           <p:stCondLst>
                                             <p:cond delay="0"/>
                                           </p:stCondLst>
                                         </p:cTn>
                                         <p:tgtEl>
-                                          <p:spTgt spid="5"/>
+                                          <p:spTgt spid="3"/>
                                         </p:tgtEl>
                                         <p:attrNameLst>
                                           <p:attrName>style.visibility</p:attrName>
@@ -29055,9 +31225,185 @@
                                     </p:set>
                                     <p:animEffect transition="in" filter="fade">
                                       <p:cBhvr>
-                                        <p:cTn id="7" dur="500"/>
+                                        <p:cTn id="10" dur="500"/>
                                         <p:tgtEl>
-                                          <p:spTgt spid="5"/>
+                                          <p:spTgt spid="3"/>
+                                        </p:tgtEl>
+                                      </p:cBhvr>
+                                    </p:animEffect>
+                                  </p:childTnLst>
+                                </p:cTn>
+                              </p:par>
+                            </p:childTnLst>
+                          </p:cTn>
+                        </p:par>
+                      </p:childTnLst>
+                    </p:cTn>
+                  </p:par>
+                  <p:par>
+                    <p:cTn id="11" fill="hold">
+                      <p:stCondLst>
+                        <p:cond delay="indefinite"/>
+                      </p:stCondLst>
+                      <p:childTnLst>
+                        <p:par>
+                          <p:cTn id="12" fill="hold">
+                            <p:stCondLst>
+                              <p:cond delay="0"/>
+                            </p:stCondLst>
+                            <p:childTnLst>
+                              <p:par>
+                                <p:cTn id="13" presetID="10" presetClass="exit" presetSubtype="0" fill="hold" grpId="1" nodeType="clickEffect">
+                                  <p:stCondLst>
+                                    <p:cond delay="0"/>
+                                  </p:stCondLst>
+                                  <p:childTnLst>
+                                    <p:animEffect transition="out" filter="fade">
+                                      <p:cBhvr>
+                                        <p:cTn id="14" dur="500"/>
+                                        <p:tgtEl>
+                                          <p:spTgt spid="3"/>
+                                        </p:tgtEl>
+                                      </p:cBhvr>
+                                    </p:animEffect>
+                                    <p:set>
+                                      <p:cBhvr>
+                                        <p:cTn id="15" dur="1" fill="hold">
+                                          <p:stCondLst>
+                                            <p:cond delay="499"/>
+                                          </p:stCondLst>
+                                        </p:cTn>
+                                        <p:tgtEl>
+                                          <p:spTgt spid="3"/>
+                                        </p:tgtEl>
+                                        <p:attrNameLst>
+                                          <p:attrName>style.visibility</p:attrName>
+                                        </p:attrNameLst>
+                                      </p:cBhvr>
+                                      <p:to>
+                                        <p:strVal val="hidden"/>
+                                      </p:to>
+                                    </p:set>
+                                  </p:childTnLst>
+                                </p:cTn>
+                              </p:par>
+                              <p:par>
+                                <p:cTn id="16" presetID="10" presetClass="entr" presetSubtype="0" fill="hold" grpId="0" nodeType="withEffect">
+                                  <p:stCondLst>
+                                    <p:cond delay="0"/>
+                                  </p:stCondLst>
+                                  <p:childTnLst>
+                                    <p:set>
+                                      <p:cBhvr>
+                                        <p:cTn id="17" dur="1" fill="hold">
+                                          <p:stCondLst>
+                                            <p:cond delay="0"/>
+                                          </p:stCondLst>
+                                        </p:cTn>
+                                        <p:tgtEl>
+                                          <p:spTgt spid="6"/>
+                                        </p:tgtEl>
+                                        <p:attrNameLst>
+                                          <p:attrName>style.visibility</p:attrName>
+                                        </p:attrNameLst>
+                                      </p:cBhvr>
+                                      <p:to>
+                                        <p:strVal val="visible"/>
+                                      </p:to>
+                                    </p:set>
+                                    <p:animEffect transition="in" filter="fade">
+                                      <p:cBhvr>
+                                        <p:cTn id="18" dur="500"/>
+                                        <p:tgtEl>
+                                          <p:spTgt spid="6"/>
+                                        </p:tgtEl>
+                                      </p:cBhvr>
+                                    </p:animEffect>
+                                  </p:childTnLst>
+                                </p:cTn>
+                              </p:par>
+                            </p:childTnLst>
+                          </p:cTn>
+                        </p:par>
+                      </p:childTnLst>
+                    </p:cTn>
+                  </p:par>
+                  <p:par>
+                    <p:cTn id="19" fill="hold">
+                      <p:stCondLst>
+                        <p:cond delay="indefinite"/>
+                      </p:stCondLst>
+                      <p:childTnLst>
+                        <p:par>
+                          <p:cTn id="20" fill="hold">
+                            <p:stCondLst>
+                              <p:cond delay="0"/>
+                            </p:stCondLst>
+                            <p:childTnLst>
+                              <p:par>
+                                <p:cTn id="21" presetID="10" presetClass="exit" presetSubtype="0" fill="hold" grpId="1" nodeType="clickEffect">
+                                  <p:stCondLst>
+                                    <p:cond delay="0"/>
+                                  </p:stCondLst>
+                                  <p:childTnLst>
+                                    <p:animEffect transition="out" filter="fade">
+                                      <p:cBhvr>
+                                        <p:cTn id="22" dur="500"/>
+                                        <p:tgtEl>
+                                          <p:spTgt spid="6"/>
+                                        </p:tgtEl>
+                                      </p:cBhvr>
+                                    </p:animEffect>
+                                    <p:set>
+                                      <p:cBhvr>
+                                        <p:cTn id="23" dur="1" fill="hold">
+                                          <p:stCondLst>
+                                            <p:cond delay="499"/>
+                                          </p:stCondLst>
+                                        </p:cTn>
+                                        <p:tgtEl>
+                                          <p:spTgt spid="6"/>
+                                        </p:tgtEl>
+                                        <p:attrNameLst>
+                                          <p:attrName>style.visibility</p:attrName>
+                                        </p:attrNameLst>
+                                      </p:cBhvr>
+                                      <p:to>
+                                        <p:strVal val="hidden"/>
+                                      </p:to>
+                                    </p:set>
+                                  </p:childTnLst>
+                                </p:cTn>
+                              </p:par>
+                              <p:par>
+                                <p:cTn id="24" presetID="10" presetClass="entr" presetSubtype="0" fill="hold" grpId="1" nodeType="withEffect">
+                                  <p:stCondLst>
+                                    <p:cond delay="0"/>
+                                  </p:stCondLst>
+                                  <p:childTnLst>
+                                    <p:set>
+                                      <p:cBhvr>
+                                        <p:cTn id="25" dur="1" fill="hold">
+                                          <p:stCondLst>
+                                            <p:cond delay="0"/>
+                                          </p:stCondLst>
+                                        </p:cTn>
+                                        <p:tgtEl>
+                                          <p:spTgt spid="7"/>
+                                        </p:tgtEl>
+                                        <p:attrNameLst>
+                                          <p:attrName>style.visibility</p:attrName>
+                                        </p:attrNameLst>
+                                      </p:cBhvr>
+                                      <p:to>
+                                        <p:strVal val="visible"/>
+                                      </p:to>
+                                    </p:set>
+                                    <p:animEffect transition="in" filter="fade">
+                                      <p:cBhvr>
+                                        <p:cTn id="26" dur="500"/>
+                                        <p:tgtEl>
+                                          <p:spTgt spid="7"/>
                                         </p:tgtEl>
                                       </p:cBhvr>
                                     </p:animEffect>
@@ -29092,7 +31438,450 @@
       </p:par>
     </p:tnLst>
     <p:bldLst>
+      <p:bldP spid="4" grpId="0"/>
+      <p:bldP spid="3" grpId="0"/>
+      <p:bldP spid="3" grpId="1"/>
+      <p:bldP spid="6" grpId="0"/>
+      <p:bldP spid="6" grpId="1"/>
+      <p:bldP spid="7" grpId="1"/>
+    </p:bldLst>
+  </p:timing>
+</p:sld>
+</file>
+
+<file path=ppt/slides/slide137.xml><?xml version="1.0" encoding="utf-8"?>
+<p:sld xmlns:a="http://schemas.openxmlformats.org/drawingml/2006/main" xmlns:r="http://schemas.openxmlformats.org/officeDocument/2006/relationships" xmlns:p="http://schemas.openxmlformats.org/presentationml/2006/main">
+  <p:cSld>
+    <p:bg>
+      <p:bgPr>
+        <a:solidFill>
+          <a:srgbClr val="262626"/>
+        </a:solidFill>
+        <a:effectLst/>
+      </p:bgPr>
+    </p:bg>
+    <p:spTree>
+      <p:nvGrpSpPr>
+        <p:cNvPr id="1" name=""/>
+        <p:cNvGrpSpPr/>
+        <p:nvPr/>
+      </p:nvGrpSpPr>
+      <p:grpSpPr>
+        <a:xfrm>
+          <a:off x="0" y="0"/>
+          <a:ext cx="0" cy="0"/>
+          <a:chOff x="0" y="0"/>
+          <a:chExt cx="0" cy="0"/>
+        </a:xfrm>
+      </p:grpSpPr>
+      <p:sp>
+        <p:nvSpPr>
+          <p:cNvPr id="5" name="Прямоугольник 4"/>
+          <p:cNvSpPr/>
+          <p:nvPr/>
+        </p:nvSpPr>
+        <p:spPr>
+          <a:xfrm>
+            <a:off x="2657978" y="3075997"/>
+            <a:ext cx="7233070" cy="707886"/>
+          </a:xfrm>
+          <a:prstGeom prst="rect">
+            <a:avLst/>
+          </a:prstGeom>
+        </p:spPr>
+        <p:txBody>
+          <a:bodyPr wrap="none">
+            <a:spAutoFit/>
+          </a:bodyPr>
+          <a:lstStyle/>
+          <a:p>
+            <a:r>
+              <a:rPr lang="en-US" sz="4000" dirty="0" smtClean="0">
+                <a:solidFill>
+                  <a:srgbClr val="00D8FF"/>
+                </a:solidFill>
+              </a:rPr>
+              <a:t>Non homomorphic Mapped </a:t>
+            </a:r>
+            <a:r>
+              <a:rPr lang="en-US" sz="4000" dirty="0" smtClean="0">
+                <a:solidFill>
+                  <a:srgbClr val="00D8FF"/>
+                </a:solidFill>
+              </a:rPr>
+              <a:t>types</a:t>
+            </a:r>
+            <a:endParaRPr lang="en-US" sz="4000" dirty="0">
+              <a:solidFill>
+                <a:srgbClr val="BF4141"/>
+              </a:solidFill>
+            </a:endParaRPr>
+          </a:p>
+        </p:txBody>
+      </p:sp>
+    </p:spTree>
+    <p:extLst>
+      <p:ext uri="{BB962C8B-B14F-4D97-AF65-F5344CB8AC3E}">
+        <p14:creationId xmlns:p14="http://schemas.microsoft.com/office/powerpoint/2010/main" val="1637777273"/>
+      </p:ext>
+    </p:extLst>
+  </p:cSld>
+  <p:clrMapOvr>
+    <a:masterClrMapping/>
+  </p:clrMapOvr>
+  <p:timing>
+    <p:tnLst>
+      <p:par>
+        <p:cTn id="1" dur="indefinite" restart="never" nodeType="tmRoot"/>
+      </p:par>
+    </p:tnLst>
+  </p:timing>
+</p:sld>
+</file>
+
+<file path=ppt/slides/slide138.xml><?xml version="1.0" encoding="utf-8"?>
+<p:sld xmlns:a="http://schemas.openxmlformats.org/drawingml/2006/main" xmlns:r="http://schemas.openxmlformats.org/officeDocument/2006/relationships" xmlns:p="http://schemas.openxmlformats.org/presentationml/2006/main">
+  <p:cSld>
+    <p:bg>
+      <p:bgPr>
+        <a:solidFill>
+          <a:srgbClr val="262626"/>
+        </a:solidFill>
+        <a:effectLst/>
+      </p:bgPr>
+    </p:bg>
+    <p:spTree>
+      <p:nvGrpSpPr>
+        <p:cNvPr id="1" name=""/>
+        <p:cNvGrpSpPr/>
+        <p:nvPr/>
+      </p:nvGrpSpPr>
+      <p:grpSpPr>
+        <a:xfrm>
+          <a:off x="0" y="0"/>
+          <a:ext cx="0" cy="0"/>
+          <a:chOff x="0" y="0"/>
+          <a:chExt cx="0" cy="0"/>
+        </a:xfrm>
+      </p:grpSpPr>
+      <p:sp>
+        <p:nvSpPr>
+          <p:cNvPr id="5" name="Прямоугольник 4"/>
+          <p:cNvSpPr/>
+          <p:nvPr/>
+        </p:nvSpPr>
+        <p:spPr>
+          <a:xfrm>
+            <a:off x="3703006" y="3130426"/>
+            <a:ext cx="4965014" cy="707886"/>
+          </a:xfrm>
+          <a:prstGeom prst="rect">
+            <a:avLst/>
+          </a:prstGeom>
+        </p:spPr>
+        <p:txBody>
+          <a:bodyPr wrap="none">
+            <a:spAutoFit/>
+          </a:bodyPr>
+          <a:lstStyle/>
+          <a:p>
+            <a:r>
+              <a:rPr lang="en-US" sz="4000" dirty="0" smtClean="0">
+                <a:solidFill>
+                  <a:srgbClr val="00D8FF"/>
+                </a:solidFill>
+              </a:rPr>
+              <a:t>Packing and Unpacking</a:t>
+            </a:r>
+            <a:endParaRPr lang="en-US" sz="4000" dirty="0">
+              <a:solidFill>
+                <a:srgbClr val="BF4141"/>
+              </a:solidFill>
+            </a:endParaRPr>
+          </a:p>
+        </p:txBody>
+      </p:sp>
+    </p:spTree>
+    <p:extLst>
+      <p:ext uri="{BB962C8B-B14F-4D97-AF65-F5344CB8AC3E}">
+        <p14:creationId xmlns:p14="http://schemas.microsoft.com/office/powerpoint/2010/main" val="3711732931"/>
+      </p:ext>
+    </p:extLst>
+  </p:cSld>
+  <p:clrMapOvr>
+    <a:masterClrMapping/>
+  </p:clrMapOvr>
+  <p:timing>
+    <p:tnLst>
+      <p:par>
+        <p:cTn id="1" dur="indefinite" restart="never" nodeType="tmRoot"/>
+      </p:par>
+    </p:tnLst>
+  </p:timing>
+</p:sld>
+</file>
+
+<file path=ppt/slides/slide139.xml><?xml version="1.0" encoding="utf-8"?>
+<p:sld xmlns:a="http://schemas.openxmlformats.org/drawingml/2006/main" xmlns:r="http://schemas.openxmlformats.org/officeDocument/2006/relationships" xmlns:p="http://schemas.openxmlformats.org/presentationml/2006/main">
+  <p:cSld>
+    <p:bg>
+      <p:bgPr>
+        <a:solidFill>
+          <a:srgbClr val="262626"/>
+        </a:solidFill>
+        <a:effectLst/>
+      </p:bgPr>
+    </p:bg>
+    <p:spTree>
+      <p:nvGrpSpPr>
+        <p:cNvPr id="1" name=""/>
+        <p:cNvGrpSpPr/>
+        <p:nvPr/>
+      </p:nvGrpSpPr>
+      <p:grpSpPr>
+        <a:xfrm>
+          <a:off x="0" y="0"/>
+          <a:ext cx="0" cy="0"/>
+          <a:chOff x="0" y="0"/>
+          <a:chExt cx="0" cy="0"/>
+        </a:xfrm>
+      </p:grpSpPr>
+      <p:sp>
+        <p:nvSpPr>
+          <p:cNvPr id="5" name="Прямоугольник 4"/>
+          <p:cNvSpPr/>
+          <p:nvPr/>
+        </p:nvSpPr>
+        <p:spPr>
+          <a:xfrm>
+            <a:off x="4203749" y="3032455"/>
+            <a:ext cx="3978397" cy="707886"/>
+          </a:xfrm>
+          <a:prstGeom prst="rect">
+            <a:avLst/>
+          </a:prstGeom>
+        </p:spPr>
+        <p:txBody>
+          <a:bodyPr wrap="none">
+            <a:spAutoFit/>
+          </a:bodyPr>
+          <a:lstStyle/>
+          <a:p>
+            <a:r>
+              <a:rPr lang="en-US" sz="4000" dirty="0" smtClean="0">
+                <a:solidFill>
+                  <a:srgbClr val="00D8FF"/>
+                </a:solidFill>
+              </a:rPr>
+              <a:t>T </a:t>
+            </a:r>
+            <a:r>
+              <a:rPr lang="en-US" sz="4000" dirty="0" smtClean="0">
+                <a:solidFill>
+                  <a:srgbClr val="BF4141"/>
+                </a:solidFill>
+              </a:rPr>
+              <a:t>extends</a:t>
+            </a:r>
+            <a:r>
+              <a:rPr lang="en-US" sz="4000" dirty="0" smtClean="0">
+                <a:solidFill>
+                  <a:srgbClr val="00D8FF"/>
+                </a:solidFill>
+              </a:rPr>
+              <a:t> U ? X : Y</a:t>
+            </a:r>
+            <a:endParaRPr lang="en-US" sz="4000" dirty="0">
+              <a:solidFill>
+                <a:srgbClr val="00D8FF"/>
+              </a:solidFill>
+            </a:endParaRPr>
+          </a:p>
+        </p:txBody>
+      </p:sp>
+      <p:sp>
+        <p:nvSpPr>
+          <p:cNvPr id="3" name="Прямоугольник 2"/>
+          <p:cNvSpPr/>
+          <p:nvPr/>
+        </p:nvSpPr>
+        <p:spPr>
+          <a:xfrm>
+            <a:off x="4203749" y="3032455"/>
+            <a:ext cx="4601965" cy="707886"/>
+          </a:xfrm>
+          <a:prstGeom prst="rect">
+            <a:avLst/>
+          </a:prstGeom>
+        </p:spPr>
+        <p:txBody>
+          <a:bodyPr wrap="none">
+            <a:spAutoFit/>
+          </a:bodyPr>
+          <a:lstStyle/>
+          <a:p>
+            <a:r>
+              <a:rPr lang="en-US" sz="4000" dirty="0" smtClean="0">
+                <a:solidFill>
+                  <a:srgbClr val="00D8FF"/>
+                </a:solidFill>
+              </a:rPr>
+              <a:t>T </a:t>
+            </a:r>
+            <a:r>
+              <a:rPr lang="en-US" sz="4000" dirty="0" smtClean="0">
+                <a:solidFill>
+                  <a:srgbClr val="BF4141"/>
+                </a:solidFill>
+              </a:rPr>
+              <a:t>extends</a:t>
+            </a:r>
+            <a:r>
+              <a:rPr lang="en-US" sz="4000" dirty="0" smtClean="0">
+                <a:solidFill>
+                  <a:srgbClr val="00D8FF"/>
+                </a:solidFill>
+              </a:rPr>
+              <a:t> U ? T(U) : Y</a:t>
+            </a:r>
+            <a:endParaRPr lang="en-US" sz="4000" dirty="0">
+              <a:solidFill>
+                <a:srgbClr val="00D8FF"/>
+              </a:solidFill>
+            </a:endParaRPr>
+          </a:p>
+        </p:txBody>
+      </p:sp>
+    </p:spTree>
+    <p:extLst>
+      <p:ext uri="{BB962C8B-B14F-4D97-AF65-F5344CB8AC3E}">
+        <p14:creationId xmlns:p14="http://schemas.microsoft.com/office/powerpoint/2010/main" val="2194763235"/>
+      </p:ext>
+    </p:extLst>
+  </p:cSld>
+  <p:clrMapOvr>
+    <a:masterClrMapping/>
+  </p:clrMapOvr>
+  <p:timing>
+    <p:tnLst>
+      <p:par>
+        <p:cTn id="1" dur="indefinite" restart="never" nodeType="tmRoot">
+          <p:childTnLst>
+            <p:seq concurrent="1" nextAc="seek">
+              <p:cTn id="2" dur="indefinite" nodeType="mainSeq">
+                <p:childTnLst>
+                  <p:par>
+                    <p:cTn id="3" fill="hold">
+                      <p:stCondLst>
+                        <p:cond delay="indefinite"/>
+                      </p:stCondLst>
+                      <p:childTnLst>
+                        <p:par>
+                          <p:cTn id="4" fill="hold">
+                            <p:stCondLst>
+                              <p:cond delay="0"/>
+                            </p:stCondLst>
+                            <p:childTnLst>
+                              <p:par>
+                                <p:cTn id="5" presetID="10" presetClass="entr" presetSubtype="0" fill="hold" grpId="0" nodeType="clickEffect">
+                                  <p:stCondLst>
+                                    <p:cond delay="0"/>
+                                  </p:stCondLst>
+                                  <p:childTnLst>
+                                    <p:set>
+                                      <p:cBhvr>
+                                        <p:cTn id="6" dur="1" fill="hold">
+                                          <p:stCondLst>
+                                            <p:cond delay="0"/>
+                                          </p:stCondLst>
+                                        </p:cTn>
+                                        <p:tgtEl>
+                                          <p:spTgt spid="3"/>
+                                        </p:tgtEl>
+                                        <p:attrNameLst>
+                                          <p:attrName>style.visibility</p:attrName>
+                                        </p:attrNameLst>
+                                      </p:cBhvr>
+                                      <p:to>
+                                        <p:strVal val="visible"/>
+                                      </p:to>
+                                    </p:set>
+                                    <p:animEffect transition="in" filter="fade">
+                                      <p:cBhvr>
+                                        <p:cTn id="7" dur="500"/>
+                                        <p:tgtEl>
+                                          <p:spTgt spid="3"/>
+                                        </p:tgtEl>
+                                      </p:cBhvr>
+                                    </p:animEffect>
+                                  </p:childTnLst>
+                                </p:cTn>
+                              </p:par>
+                              <p:par>
+                                <p:cTn id="8" presetID="10" presetClass="exit" presetSubtype="0" fill="hold" grpId="0" nodeType="withEffect">
+                                  <p:stCondLst>
+                                    <p:cond delay="0"/>
+                                  </p:stCondLst>
+                                  <p:childTnLst>
+                                    <p:animEffect transition="out" filter="fade">
+                                      <p:cBhvr>
+                                        <p:cTn id="9" dur="500"/>
+                                        <p:tgtEl>
+                                          <p:spTgt spid="5"/>
+                                        </p:tgtEl>
+                                      </p:cBhvr>
+                                    </p:animEffect>
+                                    <p:set>
+                                      <p:cBhvr>
+                                        <p:cTn id="10" dur="1" fill="hold">
+                                          <p:stCondLst>
+                                            <p:cond delay="499"/>
+                                          </p:stCondLst>
+                                        </p:cTn>
+                                        <p:tgtEl>
+                                          <p:spTgt spid="5"/>
+                                        </p:tgtEl>
+                                        <p:attrNameLst>
+                                          <p:attrName>style.visibility</p:attrName>
+                                        </p:attrNameLst>
+                                      </p:cBhvr>
+                                      <p:to>
+                                        <p:strVal val="hidden"/>
+                                      </p:to>
+                                    </p:set>
+                                  </p:childTnLst>
+                                </p:cTn>
+                              </p:par>
+                            </p:childTnLst>
+                          </p:cTn>
+                        </p:par>
+                      </p:childTnLst>
+                    </p:cTn>
+                  </p:par>
+                </p:childTnLst>
+              </p:cTn>
+              <p:prevCondLst>
+                <p:cond evt="onPrev" delay="0">
+                  <p:tgtEl>
+                    <p:sldTgt/>
+                  </p:tgtEl>
+                </p:cond>
+              </p:prevCondLst>
+              <p:nextCondLst>
+                <p:cond evt="onNext" delay="0">
+                  <p:tgtEl>
+                    <p:sldTgt/>
+                  </p:tgtEl>
+                </p:cond>
+              </p:nextCondLst>
+            </p:seq>
+          </p:childTnLst>
+        </p:cTn>
+      </p:par>
+    </p:tnLst>
+    <p:bldLst>
       <p:bldP spid="5" grpId="0"/>
+      <p:bldP spid="3" grpId="0"/>
     </p:bldLst>
   </p:timing>
 </p:sld>
@@ -29128,7 +31917,7 @@
           <p:cNvPr id="3" name="Рисунок 3" descr="Изображение выглядит как устройство&#10;&#10;Автоматически созданное описание">
             <a:extLst>
               <a:ext uri="{FF2B5EF4-FFF2-40B4-BE49-F238E27FC236}">
-                <a16:creationId xmlns:a16="http://schemas.microsoft.com/office/drawing/2014/main" id="{A429CB02-01DF-4770-8DAB-A55DBEC1392F}"/>
+                <a16:creationId xmlns:a16="http://schemas.microsoft.com/office/drawing/2014/main" xmlns="" id="{A429CB02-01DF-4770-8DAB-A55DBEC1392F}"/>
               </a:ext>
             </a:extLst>
           </p:cNvPr>
@@ -29157,6 +31946,165 @@
     <p:extLst>
       <p:ext uri="{BB962C8B-B14F-4D97-AF65-F5344CB8AC3E}">
         <p14:creationId xmlns:p14="http://schemas.microsoft.com/office/powerpoint/2010/main" val="4101663787"/>
+      </p:ext>
+    </p:extLst>
+  </p:cSld>
+  <p:clrMapOvr>
+    <a:masterClrMapping/>
+  </p:clrMapOvr>
+  <p:timing>
+    <p:tnLst>
+      <p:par>
+        <p:cTn id="1" dur="indefinite" restart="never" nodeType="tmRoot"/>
+      </p:par>
+    </p:tnLst>
+  </p:timing>
+</p:sld>
+</file>
+
+<file path=ppt/slides/slide140.xml><?xml version="1.0" encoding="utf-8"?>
+<p:sld xmlns:a="http://schemas.openxmlformats.org/drawingml/2006/main" xmlns:r="http://schemas.openxmlformats.org/officeDocument/2006/relationships" xmlns:p="http://schemas.openxmlformats.org/presentationml/2006/main">
+  <p:cSld>
+    <p:bg>
+      <p:bgPr>
+        <a:solidFill>
+          <a:srgbClr val="262626"/>
+        </a:solidFill>
+        <a:effectLst/>
+      </p:bgPr>
+    </p:bg>
+    <p:spTree>
+      <p:nvGrpSpPr>
+        <p:cNvPr id="1" name=""/>
+        <p:cNvGrpSpPr/>
+        <p:nvPr/>
+      </p:nvGrpSpPr>
+      <p:grpSpPr>
+        <a:xfrm>
+          <a:off x="0" y="0"/>
+          <a:ext cx="0" cy="0"/>
+          <a:chOff x="0" y="0"/>
+          <a:chExt cx="0" cy="0"/>
+        </a:xfrm>
+      </p:grpSpPr>
+      <p:sp>
+        <p:nvSpPr>
+          <p:cNvPr id="3" name="Прямоугольник 2"/>
+          <p:cNvSpPr/>
+          <p:nvPr/>
+        </p:nvSpPr>
+        <p:spPr>
+          <a:xfrm>
+            <a:off x="3017207" y="2890941"/>
+            <a:ext cx="6720686" cy="707886"/>
+          </a:xfrm>
+          <a:prstGeom prst="rect">
+            <a:avLst/>
+          </a:prstGeom>
+        </p:spPr>
+        <p:txBody>
+          <a:bodyPr wrap="none">
+            <a:spAutoFit/>
+          </a:bodyPr>
+          <a:lstStyle/>
+          <a:p>
+            <a:r>
+              <a:rPr lang="en-US" sz="4000" dirty="0" smtClean="0">
+                <a:solidFill>
+                  <a:srgbClr val="00D8FF"/>
+                </a:solidFill>
+              </a:rPr>
+              <a:t>Mapped and conditional types</a:t>
+            </a:r>
+            <a:endParaRPr lang="en-US" sz="4000" dirty="0">
+              <a:solidFill>
+                <a:srgbClr val="00D8FF"/>
+              </a:solidFill>
+            </a:endParaRPr>
+          </a:p>
+        </p:txBody>
+      </p:sp>
+    </p:spTree>
+    <p:extLst>
+      <p:ext uri="{BB962C8B-B14F-4D97-AF65-F5344CB8AC3E}">
+        <p14:creationId xmlns:p14="http://schemas.microsoft.com/office/powerpoint/2010/main" val="495982471"/>
+      </p:ext>
+    </p:extLst>
+  </p:cSld>
+  <p:clrMapOvr>
+    <a:masterClrMapping/>
+  </p:clrMapOvr>
+  <p:timing>
+    <p:tnLst>
+      <p:par>
+        <p:cTn id="1" dur="indefinite" restart="never" nodeType="tmRoot"/>
+      </p:par>
+    </p:tnLst>
+  </p:timing>
+</p:sld>
+</file>
+
+<file path=ppt/slides/slide141.xml><?xml version="1.0" encoding="utf-8"?>
+<p:sld xmlns:a="http://schemas.openxmlformats.org/drawingml/2006/main" xmlns:r="http://schemas.openxmlformats.org/officeDocument/2006/relationships" xmlns:p="http://schemas.openxmlformats.org/presentationml/2006/main">
+  <p:cSld>
+    <p:bg>
+      <p:bgPr>
+        <a:solidFill>
+          <a:srgbClr val="262626"/>
+        </a:solidFill>
+        <a:effectLst/>
+      </p:bgPr>
+    </p:bg>
+    <p:spTree>
+      <p:nvGrpSpPr>
+        <p:cNvPr id="1" name=""/>
+        <p:cNvGrpSpPr/>
+        <p:nvPr/>
+      </p:nvGrpSpPr>
+      <p:grpSpPr>
+        <a:xfrm>
+          <a:off x="0" y="0"/>
+          <a:ext cx="0" cy="0"/>
+          <a:chOff x="0" y="0"/>
+          <a:chExt cx="0" cy="0"/>
+        </a:xfrm>
+      </p:grpSpPr>
+      <p:sp>
+        <p:nvSpPr>
+          <p:cNvPr id="3" name="Прямоугольник 2"/>
+          <p:cNvSpPr/>
+          <p:nvPr/>
+        </p:nvSpPr>
+        <p:spPr>
+          <a:xfrm>
+            <a:off x="1798007" y="2847399"/>
+            <a:ext cx="9028562" cy="707886"/>
+          </a:xfrm>
+          <a:prstGeom prst="rect">
+            <a:avLst/>
+          </a:prstGeom>
+        </p:spPr>
+        <p:txBody>
+          <a:bodyPr wrap="none">
+            <a:spAutoFit/>
+          </a:bodyPr>
+          <a:lstStyle/>
+          <a:p>
+            <a:r>
+              <a:rPr lang="en-US" sz="4000" dirty="0">
+                <a:solidFill>
+                  <a:srgbClr val="00D8FF"/>
+                </a:solidFill>
+              </a:rPr>
+              <a:t>Conditionals can not reference themselves</a:t>
+            </a:r>
+          </a:p>
+        </p:txBody>
+      </p:sp>
+    </p:spTree>
+    <p:extLst>
+      <p:ext uri="{BB962C8B-B14F-4D97-AF65-F5344CB8AC3E}">
+        <p14:creationId xmlns:p14="http://schemas.microsoft.com/office/powerpoint/2010/main" val="390554567"/>
       </p:ext>
     </p:extLst>
   </p:cSld>
@@ -29203,7 +32151,7 @@
           <p:cNvPr id="3" name="TextBox 2">
             <a:extLst>
               <a:ext uri="{FF2B5EF4-FFF2-40B4-BE49-F238E27FC236}">
-                <a16:creationId xmlns:a16="http://schemas.microsoft.com/office/drawing/2014/main" id="{AFAB66F8-ED4A-48EE-85D2-C79AC4668A7D}"/>
+                <a16:creationId xmlns:a16="http://schemas.microsoft.com/office/drawing/2014/main" xmlns="" id="{AFAB66F8-ED4A-48EE-85D2-C79AC4668A7D}"/>
               </a:ext>
             </a:extLst>
           </p:cNvPr>
@@ -29319,7 +32267,7 @@
           <p:cNvPr id="12" name="Овал 11">
             <a:extLst>
               <a:ext uri="{FF2B5EF4-FFF2-40B4-BE49-F238E27FC236}">
-                <a16:creationId xmlns:a16="http://schemas.microsoft.com/office/drawing/2014/main" id="{03E676E9-9DCC-4F60-B574-E1C1AA87C2CC}"/>
+                <a16:creationId xmlns:a16="http://schemas.microsoft.com/office/drawing/2014/main" xmlns="" id="{03E676E9-9DCC-4F60-B574-E1C1AA87C2CC}"/>
               </a:ext>
             </a:extLst>
           </p:cNvPr>
@@ -29365,7 +32313,7 @@
           <p:cNvPr id="10" name="Овал 9">
             <a:extLst>
               <a:ext uri="{FF2B5EF4-FFF2-40B4-BE49-F238E27FC236}">
-                <a16:creationId xmlns:a16="http://schemas.microsoft.com/office/drawing/2014/main" id="{03E676E9-9DCC-4F60-B574-E1C1AA87C2CC}"/>
+                <a16:creationId xmlns:a16="http://schemas.microsoft.com/office/drawing/2014/main" xmlns="" id="{03E676E9-9DCC-4F60-B574-E1C1AA87C2CC}"/>
               </a:ext>
             </a:extLst>
           </p:cNvPr>
@@ -29411,7 +32359,7 @@
           <p:cNvPr id="5" name="TextBox 4">
             <a:extLst>
               <a:ext uri="{FF2B5EF4-FFF2-40B4-BE49-F238E27FC236}">
-                <a16:creationId xmlns:a16="http://schemas.microsoft.com/office/drawing/2014/main" id="{A733F6D1-2B8A-4DC2-B0FA-03B41AD271CD}"/>
+                <a16:creationId xmlns:a16="http://schemas.microsoft.com/office/drawing/2014/main" xmlns="" id="{A733F6D1-2B8A-4DC2-B0FA-03B41AD271CD}"/>
               </a:ext>
             </a:extLst>
           </p:cNvPr>
@@ -29475,7 +32423,7 @@
             <p:cNvPr id="11" name="Овал 10">
               <a:extLst>
                 <a:ext uri="{FF2B5EF4-FFF2-40B4-BE49-F238E27FC236}">
-                  <a16:creationId xmlns:a16="http://schemas.microsoft.com/office/drawing/2014/main" id="{03E676E9-9DCC-4F60-B574-E1C1AA87C2CC}"/>
+                  <a16:creationId xmlns:a16="http://schemas.microsoft.com/office/drawing/2014/main" xmlns="" id="{03E676E9-9DCC-4F60-B574-E1C1AA87C2CC}"/>
                 </a:ext>
               </a:extLst>
             </p:cNvPr>
@@ -29521,7 +32469,7 @@
             <p:cNvPr id="7" name="TextBox 6">
               <a:extLst>
                 <a:ext uri="{FF2B5EF4-FFF2-40B4-BE49-F238E27FC236}">
-                  <a16:creationId xmlns:a16="http://schemas.microsoft.com/office/drawing/2014/main" id="{A733F6D1-2B8A-4DC2-B0FA-03B41AD271CD}"/>
+                  <a16:creationId xmlns:a16="http://schemas.microsoft.com/office/drawing/2014/main" xmlns="" id="{A733F6D1-2B8A-4DC2-B0FA-03B41AD271CD}"/>
                 </a:ext>
               </a:extLst>
             </p:cNvPr>
@@ -29584,7 +32532,7 @@
           <p:cNvPr id="9" name="TextBox 8">
             <a:extLst>
               <a:ext uri="{FF2B5EF4-FFF2-40B4-BE49-F238E27FC236}">
-                <a16:creationId xmlns:a16="http://schemas.microsoft.com/office/drawing/2014/main" id="{A733F6D1-2B8A-4DC2-B0FA-03B41AD271CD}"/>
+                <a16:creationId xmlns:a16="http://schemas.microsoft.com/office/drawing/2014/main" xmlns="" id="{A733F6D1-2B8A-4DC2-B0FA-03B41AD271CD}"/>
               </a:ext>
             </a:extLst>
           </p:cNvPr>
@@ -30055,7 +33003,7 @@
             <p:cNvPr id="12" name="Овал 11">
               <a:extLst>
                 <a:ext uri="{FF2B5EF4-FFF2-40B4-BE49-F238E27FC236}">
-                  <a16:creationId xmlns:a16="http://schemas.microsoft.com/office/drawing/2014/main" id="{03E676E9-9DCC-4F60-B574-E1C1AA87C2CC}"/>
+                  <a16:creationId xmlns:a16="http://schemas.microsoft.com/office/drawing/2014/main" xmlns="" id="{03E676E9-9DCC-4F60-B574-E1C1AA87C2CC}"/>
                 </a:ext>
               </a:extLst>
             </p:cNvPr>
@@ -30101,7 +33049,7 @@
             <p:cNvPr id="13" name="TextBox 12">
               <a:extLst>
                 <a:ext uri="{FF2B5EF4-FFF2-40B4-BE49-F238E27FC236}">
-                  <a16:creationId xmlns:a16="http://schemas.microsoft.com/office/drawing/2014/main" id="{A733F6D1-2B8A-4DC2-B0FA-03B41AD271CD}"/>
+                  <a16:creationId xmlns:a16="http://schemas.microsoft.com/office/drawing/2014/main" xmlns="" id="{A733F6D1-2B8A-4DC2-B0FA-03B41AD271CD}"/>
                 </a:ext>
               </a:extLst>
             </p:cNvPr>
@@ -30445,7 +33393,7 @@
           <p:cNvPr id="2" name="TextBox 1">
             <a:extLst>
               <a:ext uri="{FF2B5EF4-FFF2-40B4-BE49-F238E27FC236}">
-                <a16:creationId xmlns:a16="http://schemas.microsoft.com/office/drawing/2014/main" id="{AFAB66F8-ED4A-48EE-85D2-C79AC4668A7D}"/>
+                <a16:creationId xmlns:a16="http://schemas.microsoft.com/office/drawing/2014/main" xmlns="" id="{AFAB66F8-ED4A-48EE-85D2-C79AC4668A7D}"/>
               </a:ext>
             </a:extLst>
           </p:cNvPr>
@@ -30555,7 +33503,7 @@
           <p:cNvPr id="2" name="TextBox 1">
             <a:extLst>
               <a:ext uri="{FF2B5EF4-FFF2-40B4-BE49-F238E27FC236}">
-                <a16:creationId xmlns:a16="http://schemas.microsoft.com/office/drawing/2014/main" id="{AFAB66F8-ED4A-48EE-85D2-C79AC4668A7D}"/>
+                <a16:creationId xmlns:a16="http://schemas.microsoft.com/office/drawing/2014/main" xmlns="" id="{AFAB66F8-ED4A-48EE-85D2-C79AC4668A7D}"/>
               </a:ext>
             </a:extLst>
           </p:cNvPr>
@@ -30665,7 +33613,7 @@
           <p:cNvPr id="3" name="Рисунок 3">
             <a:extLst>
               <a:ext uri="{FF2B5EF4-FFF2-40B4-BE49-F238E27FC236}">
-                <a16:creationId xmlns:a16="http://schemas.microsoft.com/office/drawing/2014/main" id="{95C4A76A-44E2-479C-A2FE-C23CCB3FF729}"/>
+                <a16:creationId xmlns:a16="http://schemas.microsoft.com/office/drawing/2014/main" xmlns="" id="{95C4A76A-44E2-479C-A2FE-C23CCB3FF729}"/>
               </a:ext>
             </a:extLst>
           </p:cNvPr>
@@ -30695,7 +33643,7 @@
           <p:cNvPr id="4" name="Рисунок 4" descr="Изображение выглядит как знак&#10;&#10;Автоматически созданное описание">
             <a:extLst>
               <a:ext uri="{FF2B5EF4-FFF2-40B4-BE49-F238E27FC236}">
-                <a16:creationId xmlns:a16="http://schemas.microsoft.com/office/drawing/2014/main" id="{66730876-7F49-43AB-9DB2-FF5F99C2F4C1}"/>
+                <a16:creationId xmlns:a16="http://schemas.microsoft.com/office/drawing/2014/main" xmlns="" id="{66730876-7F49-43AB-9DB2-FF5F99C2F4C1}"/>
               </a:ext>
             </a:extLst>
           </p:cNvPr>
@@ -30763,7 +33711,7 @@
           <p:cNvPr id="2" name="TextBox 1">
             <a:extLst>
               <a:ext uri="{FF2B5EF4-FFF2-40B4-BE49-F238E27FC236}">
-                <a16:creationId xmlns:a16="http://schemas.microsoft.com/office/drawing/2014/main" id="{AFAB66F8-ED4A-48EE-85D2-C79AC4668A7D}"/>
+                <a16:creationId xmlns:a16="http://schemas.microsoft.com/office/drawing/2014/main" xmlns="" id="{AFAB66F8-ED4A-48EE-85D2-C79AC4668A7D}"/>
               </a:ext>
             </a:extLst>
           </p:cNvPr>
@@ -30887,7 +33835,7 @@
             <p:cNvPr id="12" name="Овал 11">
               <a:extLst>
                 <a:ext uri="{FF2B5EF4-FFF2-40B4-BE49-F238E27FC236}">
-                  <a16:creationId xmlns:a16="http://schemas.microsoft.com/office/drawing/2014/main" id="{03E676E9-9DCC-4F60-B574-E1C1AA87C2CC}"/>
+                  <a16:creationId xmlns:a16="http://schemas.microsoft.com/office/drawing/2014/main" xmlns="" id="{03E676E9-9DCC-4F60-B574-E1C1AA87C2CC}"/>
                 </a:ext>
               </a:extLst>
             </p:cNvPr>
@@ -30937,7 +33885,7 @@
             <p:cNvPr id="5" name="TextBox 4">
               <a:extLst>
                 <a:ext uri="{FF2B5EF4-FFF2-40B4-BE49-F238E27FC236}">
-                  <a16:creationId xmlns:a16="http://schemas.microsoft.com/office/drawing/2014/main" id="{A733F6D1-2B8A-4DC2-B0FA-03B41AD271CD}"/>
+                  <a16:creationId xmlns:a16="http://schemas.microsoft.com/office/drawing/2014/main" xmlns="" id="{A733F6D1-2B8A-4DC2-B0FA-03B41AD271CD}"/>
                 </a:ext>
               </a:extLst>
             </p:cNvPr>
@@ -31001,7 +33949,7 @@
             <p:cNvPr id="11" name="Овал 10">
               <a:extLst>
                 <a:ext uri="{FF2B5EF4-FFF2-40B4-BE49-F238E27FC236}">
-                  <a16:creationId xmlns:a16="http://schemas.microsoft.com/office/drawing/2014/main" id="{03E676E9-9DCC-4F60-B574-E1C1AA87C2CC}"/>
+                  <a16:creationId xmlns:a16="http://schemas.microsoft.com/office/drawing/2014/main" xmlns="" id="{03E676E9-9DCC-4F60-B574-E1C1AA87C2CC}"/>
                 </a:ext>
               </a:extLst>
             </p:cNvPr>
@@ -31051,7 +33999,7 @@
             <p:cNvPr id="7" name="TextBox 6">
               <a:extLst>
                 <a:ext uri="{FF2B5EF4-FFF2-40B4-BE49-F238E27FC236}">
-                  <a16:creationId xmlns:a16="http://schemas.microsoft.com/office/drawing/2014/main" id="{A733F6D1-2B8A-4DC2-B0FA-03B41AD271CD}"/>
+                  <a16:creationId xmlns:a16="http://schemas.microsoft.com/office/drawing/2014/main" xmlns="" id="{A733F6D1-2B8A-4DC2-B0FA-03B41AD271CD}"/>
                 </a:ext>
               </a:extLst>
             </p:cNvPr>
@@ -31128,7 +34076,7 @@
             <p:cNvPr id="10" name="Овал 9">
               <a:extLst>
                 <a:ext uri="{FF2B5EF4-FFF2-40B4-BE49-F238E27FC236}">
-                  <a16:creationId xmlns:a16="http://schemas.microsoft.com/office/drawing/2014/main" id="{03E676E9-9DCC-4F60-B574-E1C1AA87C2CC}"/>
+                  <a16:creationId xmlns:a16="http://schemas.microsoft.com/office/drawing/2014/main" xmlns="" id="{03E676E9-9DCC-4F60-B574-E1C1AA87C2CC}"/>
                 </a:ext>
               </a:extLst>
             </p:cNvPr>
@@ -31178,7 +34126,7 @@
             <p:cNvPr id="9" name="TextBox 8">
               <a:extLst>
                 <a:ext uri="{FF2B5EF4-FFF2-40B4-BE49-F238E27FC236}">
-                  <a16:creationId xmlns:a16="http://schemas.microsoft.com/office/drawing/2014/main" id="{A733F6D1-2B8A-4DC2-B0FA-03B41AD271CD}"/>
+                  <a16:creationId xmlns:a16="http://schemas.microsoft.com/office/drawing/2014/main" xmlns="" id="{A733F6D1-2B8A-4DC2-B0FA-03B41AD271CD}"/>
                 </a:ext>
               </a:extLst>
             </p:cNvPr>
@@ -31582,7 +34530,7 @@
             <p:cNvPr id="8" name="Овал 7">
               <a:extLst>
                 <a:ext uri="{FF2B5EF4-FFF2-40B4-BE49-F238E27FC236}">
-                  <a16:creationId xmlns:a16="http://schemas.microsoft.com/office/drawing/2014/main" id="{03E676E9-9DCC-4F60-B574-E1C1AA87C2CC}"/>
+                  <a16:creationId xmlns:a16="http://schemas.microsoft.com/office/drawing/2014/main" xmlns="" id="{03E676E9-9DCC-4F60-B574-E1C1AA87C2CC}"/>
                 </a:ext>
               </a:extLst>
             </p:cNvPr>
@@ -31632,7 +34580,7 @@
             <p:cNvPr id="9" name="TextBox 8">
               <a:extLst>
                 <a:ext uri="{FF2B5EF4-FFF2-40B4-BE49-F238E27FC236}">
-                  <a16:creationId xmlns:a16="http://schemas.microsoft.com/office/drawing/2014/main" id="{A733F6D1-2B8A-4DC2-B0FA-03B41AD271CD}"/>
+                  <a16:creationId xmlns:a16="http://schemas.microsoft.com/office/drawing/2014/main" xmlns="" id="{A733F6D1-2B8A-4DC2-B0FA-03B41AD271CD}"/>
                 </a:ext>
               </a:extLst>
             </p:cNvPr>
@@ -31822,7 +34770,7 @@
           <p:cNvPr id="2" name="TextBox 1">
             <a:extLst>
               <a:ext uri="{FF2B5EF4-FFF2-40B4-BE49-F238E27FC236}">
-                <a16:creationId xmlns:a16="http://schemas.microsoft.com/office/drawing/2014/main" id="{AFAB66F8-ED4A-48EE-85D2-C79AC4668A7D}"/>
+                <a16:creationId xmlns:a16="http://schemas.microsoft.com/office/drawing/2014/main" xmlns="" id="{AFAB66F8-ED4A-48EE-85D2-C79AC4668A7D}"/>
               </a:ext>
             </a:extLst>
           </p:cNvPr>
@@ -31932,7 +34880,7 @@
           <p:cNvPr id="2" name="TextBox 1">
             <a:extLst>
               <a:ext uri="{FF2B5EF4-FFF2-40B4-BE49-F238E27FC236}">
-                <a16:creationId xmlns:a16="http://schemas.microsoft.com/office/drawing/2014/main" id="{AFAB66F8-ED4A-48EE-85D2-C79AC4668A7D}"/>
+                <a16:creationId xmlns:a16="http://schemas.microsoft.com/office/drawing/2014/main" xmlns="" id="{AFAB66F8-ED4A-48EE-85D2-C79AC4668A7D}"/>
               </a:ext>
             </a:extLst>
           </p:cNvPr>
@@ -32052,7 +35000,7 @@
           <p:cNvPr id="2" name="TextBox 1">
             <a:extLst>
               <a:ext uri="{FF2B5EF4-FFF2-40B4-BE49-F238E27FC236}">
-                <a16:creationId xmlns:a16="http://schemas.microsoft.com/office/drawing/2014/main" id="{AFAB66F8-ED4A-48EE-85D2-C79AC4668A7D}"/>
+                <a16:creationId xmlns:a16="http://schemas.microsoft.com/office/drawing/2014/main" xmlns="" id="{AFAB66F8-ED4A-48EE-85D2-C79AC4668A7D}"/>
               </a:ext>
             </a:extLst>
           </p:cNvPr>
@@ -32303,7 +35251,7 @@
           <p:cNvPr id="2" name="TextBox 1">
             <a:extLst>
               <a:ext uri="{FF2B5EF4-FFF2-40B4-BE49-F238E27FC236}">
-                <a16:creationId xmlns:a16="http://schemas.microsoft.com/office/drawing/2014/main" id="{AFAB66F8-ED4A-48EE-85D2-C79AC4668A7D}"/>
+                <a16:creationId xmlns:a16="http://schemas.microsoft.com/office/drawing/2014/main" xmlns="" id="{AFAB66F8-ED4A-48EE-85D2-C79AC4668A7D}"/>
               </a:ext>
             </a:extLst>
           </p:cNvPr>
@@ -32494,7 +35442,7 @@
           <p:cNvPr id="2" name="TextBox 1">
             <a:extLst>
               <a:ext uri="{FF2B5EF4-FFF2-40B4-BE49-F238E27FC236}">
-                <a16:creationId xmlns:a16="http://schemas.microsoft.com/office/drawing/2014/main" id="{AFAB66F8-ED4A-48EE-85D2-C79AC4668A7D}"/>
+                <a16:creationId xmlns:a16="http://schemas.microsoft.com/office/drawing/2014/main" xmlns="" id="{AFAB66F8-ED4A-48EE-85D2-C79AC4668A7D}"/>
               </a:ext>
             </a:extLst>
           </p:cNvPr>
@@ -32626,7 +35574,7 @@
           <p:cNvPr id="2" name="TextBox 1">
             <a:extLst>
               <a:ext uri="{FF2B5EF4-FFF2-40B4-BE49-F238E27FC236}">
-                <a16:creationId xmlns:a16="http://schemas.microsoft.com/office/drawing/2014/main" id="{AFAB66F8-ED4A-48EE-85D2-C79AC4668A7D}"/>
+                <a16:creationId xmlns:a16="http://schemas.microsoft.com/office/drawing/2014/main" xmlns="" id="{AFAB66F8-ED4A-48EE-85D2-C79AC4668A7D}"/>
               </a:ext>
             </a:extLst>
           </p:cNvPr>
@@ -33021,7 +35969,7 @@
           <p:cNvPr id="2" name="TextBox 1">
             <a:extLst>
               <a:ext uri="{FF2B5EF4-FFF2-40B4-BE49-F238E27FC236}">
-                <a16:creationId xmlns:a16="http://schemas.microsoft.com/office/drawing/2014/main" id="{AFAB66F8-ED4A-48EE-85D2-C79AC4668A7D}"/>
+                <a16:creationId xmlns:a16="http://schemas.microsoft.com/office/drawing/2014/main" xmlns="" id="{AFAB66F8-ED4A-48EE-85D2-C79AC4668A7D}"/>
               </a:ext>
             </a:extLst>
           </p:cNvPr>
@@ -33118,7 +36066,7 @@
           <p:cNvPr id="2" name="Рисунок 2" descr="Изображение выглядит как рисунок&#10;&#10;Автоматически созданное описание">
             <a:extLst>
               <a:ext uri="{FF2B5EF4-FFF2-40B4-BE49-F238E27FC236}">
-                <a16:creationId xmlns:a16="http://schemas.microsoft.com/office/drawing/2014/main" id="{81DC1A7B-2B0C-47E5-A6F1-FCCAC192F23D}"/>
+                <a16:creationId xmlns:a16="http://schemas.microsoft.com/office/drawing/2014/main" xmlns="" id="{81DC1A7B-2B0C-47E5-A6F1-FCCAC192F23D}"/>
               </a:ext>
             </a:extLst>
           </p:cNvPr>
@@ -33148,7 +36096,7 @@
           <p:cNvPr id="5" name="Рисунок 5">
             <a:extLst>
               <a:ext uri="{FF2B5EF4-FFF2-40B4-BE49-F238E27FC236}">
-                <a16:creationId xmlns:a16="http://schemas.microsoft.com/office/drawing/2014/main" id="{B0D009A0-57C3-4D4D-B1D0-6B70F709CD8A}"/>
+                <a16:creationId xmlns:a16="http://schemas.microsoft.com/office/drawing/2014/main" xmlns="" id="{B0D009A0-57C3-4D4D-B1D0-6B70F709CD8A}"/>
               </a:ext>
             </a:extLst>
           </p:cNvPr>
@@ -33178,7 +36126,7 @@
           <p:cNvPr id="6" name="Рисунок 6" descr="Изображение выглядит как рисунок&#10;&#10;Автоматически созданное описание">
             <a:extLst>
               <a:ext uri="{FF2B5EF4-FFF2-40B4-BE49-F238E27FC236}">
-                <a16:creationId xmlns:a16="http://schemas.microsoft.com/office/drawing/2014/main" id="{8B4C1875-E39D-477D-84F6-3749F436D282}"/>
+                <a16:creationId xmlns:a16="http://schemas.microsoft.com/office/drawing/2014/main" xmlns="" id="{8B4C1875-E39D-477D-84F6-3749F436D282}"/>
               </a:ext>
             </a:extLst>
           </p:cNvPr>
@@ -33208,7 +36156,7 @@
           <p:cNvPr id="9" name="Рисунок 9">
             <a:extLst>
               <a:ext uri="{FF2B5EF4-FFF2-40B4-BE49-F238E27FC236}">
-                <a16:creationId xmlns:a16="http://schemas.microsoft.com/office/drawing/2014/main" id="{E8BB2BAD-B852-4F51-B94F-087CF76564AF}"/>
+                <a16:creationId xmlns:a16="http://schemas.microsoft.com/office/drawing/2014/main" xmlns="" id="{E8BB2BAD-B852-4F51-B94F-087CF76564AF}"/>
               </a:ext>
             </a:extLst>
           </p:cNvPr>
@@ -33238,7 +36186,7 @@
           <p:cNvPr id="11" name="Рисунок 11" descr="Изображение выглядит как рисунок&#10;&#10;Автоматически созданное описание">
             <a:extLst>
               <a:ext uri="{FF2B5EF4-FFF2-40B4-BE49-F238E27FC236}">
-                <a16:creationId xmlns:a16="http://schemas.microsoft.com/office/drawing/2014/main" id="{914ACEFC-461A-48C0-97AB-D2477D2D884D}"/>
+                <a16:creationId xmlns:a16="http://schemas.microsoft.com/office/drawing/2014/main" xmlns="" id="{914ACEFC-461A-48C0-97AB-D2477D2D884D}"/>
               </a:ext>
             </a:extLst>
           </p:cNvPr>
@@ -33268,7 +36216,7 @@
           <p:cNvPr id="13" name="Рисунок 13" descr="Изображение выглядит как часы&#10;&#10;Автоматически созданное описание">
             <a:extLst>
               <a:ext uri="{FF2B5EF4-FFF2-40B4-BE49-F238E27FC236}">
-                <a16:creationId xmlns:a16="http://schemas.microsoft.com/office/drawing/2014/main" id="{0FD59164-34BB-4E4F-94CD-FFC9E1E9D58C}"/>
+                <a16:creationId xmlns:a16="http://schemas.microsoft.com/office/drawing/2014/main" xmlns="" id="{0FD59164-34BB-4E4F-94CD-FFC9E1E9D58C}"/>
               </a:ext>
             </a:extLst>
           </p:cNvPr>
@@ -33343,7 +36291,7 @@
           <p:cNvPr id="8" name="Рисунок 2" descr="Изображение выглядит как знак&#10;&#10;Автоматически созданное описание">
             <a:extLst>
               <a:ext uri="{FF2B5EF4-FFF2-40B4-BE49-F238E27FC236}">
-                <a16:creationId xmlns:a16="http://schemas.microsoft.com/office/drawing/2014/main" id="{94CE257F-A4AB-4D99-8638-F51E066F3AF6}"/>
+                <a16:creationId xmlns:a16="http://schemas.microsoft.com/office/drawing/2014/main" xmlns="" id="{94CE257F-A4AB-4D99-8638-F51E066F3AF6}"/>
               </a:ext>
             </a:extLst>
           </p:cNvPr>
@@ -33373,7 +36321,7 @@
           <p:cNvPr id="9" name="Рисунок 2" descr="Изображение выглядит как рисунок&#10;&#10;Автоматически созданное описание">
             <a:extLst>
               <a:ext uri="{FF2B5EF4-FFF2-40B4-BE49-F238E27FC236}">
-                <a16:creationId xmlns:a16="http://schemas.microsoft.com/office/drawing/2014/main" id="{4EAD6ACE-3298-4D74-B944-64C6FF04E9A0}"/>
+                <a16:creationId xmlns:a16="http://schemas.microsoft.com/office/drawing/2014/main" xmlns="" id="{4EAD6ACE-3298-4D74-B944-64C6FF04E9A0}"/>
               </a:ext>
             </a:extLst>
           </p:cNvPr>
@@ -33730,7 +36678,7 @@
           <p:cNvPr id="9" name="Рисунок 2" descr="Изображение выглядит как рисунок&#10;&#10;Автоматически созданное описание">
             <a:extLst>
               <a:ext uri="{FF2B5EF4-FFF2-40B4-BE49-F238E27FC236}">
-                <a16:creationId xmlns:a16="http://schemas.microsoft.com/office/drawing/2014/main" id="{4EAD6ACE-3298-4D74-B944-64C6FF04E9A0}"/>
+                <a16:creationId xmlns:a16="http://schemas.microsoft.com/office/drawing/2014/main" xmlns="" id="{4EAD6ACE-3298-4D74-B944-64C6FF04E9A0}"/>
               </a:ext>
             </a:extLst>
           </p:cNvPr>
@@ -33774,7 +36722,7 @@
             <p:cNvPr id="8" name="Рисунок 2" descr="Изображение выглядит как знак&#10;&#10;Автоматически созданное описание">
               <a:extLst>
                 <a:ext uri="{FF2B5EF4-FFF2-40B4-BE49-F238E27FC236}">
-                  <a16:creationId xmlns:a16="http://schemas.microsoft.com/office/drawing/2014/main" id="{94CE257F-A4AB-4D99-8638-F51E066F3AF6}"/>
+                  <a16:creationId xmlns:a16="http://schemas.microsoft.com/office/drawing/2014/main" xmlns="" id="{94CE257F-A4AB-4D99-8638-F51E066F3AF6}"/>
                 </a:ext>
               </a:extLst>
             </p:cNvPr>
@@ -34030,7 +36978,7 @@
           <p:cNvPr id="2" name="TextBox 1">
             <a:extLst>
               <a:ext uri="{FF2B5EF4-FFF2-40B4-BE49-F238E27FC236}">
-                <a16:creationId xmlns:a16="http://schemas.microsoft.com/office/drawing/2014/main" id="{AFAB66F8-ED4A-48EE-85D2-C79AC4668A7D}"/>
+                <a16:creationId xmlns:a16="http://schemas.microsoft.com/office/drawing/2014/main" xmlns="" id="{AFAB66F8-ED4A-48EE-85D2-C79AC4668A7D}"/>
               </a:ext>
             </a:extLst>
           </p:cNvPr>
@@ -34147,7 +37095,7 @@
           <p:cNvPr id="2" name="TextBox 1">
             <a:extLst>
               <a:ext uri="{FF2B5EF4-FFF2-40B4-BE49-F238E27FC236}">
-                <a16:creationId xmlns:a16="http://schemas.microsoft.com/office/drawing/2014/main" id="{AFAB66F8-ED4A-48EE-85D2-C79AC4668A7D}"/>
+                <a16:creationId xmlns:a16="http://schemas.microsoft.com/office/drawing/2014/main" xmlns="" id="{AFAB66F8-ED4A-48EE-85D2-C79AC4668A7D}"/>
               </a:ext>
             </a:extLst>
           </p:cNvPr>
@@ -34270,7 +37218,7 @@
           <p:cNvPr id="2" name="TextBox 1">
             <a:extLst>
               <a:ext uri="{FF2B5EF4-FFF2-40B4-BE49-F238E27FC236}">
-                <a16:creationId xmlns:a16="http://schemas.microsoft.com/office/drawing/2014/main" id="{AFAB66F8-ED4A-48EE-85D2-C79AC4668A7D}"/>
+                <a16:creationId xmlns:a16="http://schemas.microsoft.com/office/drawing/2014/main" xmlns="" id="{AFAB66F8-ED4A-48EE-85D2-C79AC4668A7D}"/>
               </a:ext>
             </a:extLst>
           </p:cNvPr>
@@ -34426,7 +37374,7 @@
               <p:cNvPr id="10" name="Овал 9">
                 <a:extLst>
                   <a:ext uri="{FF2B5EF4-FFF2-40B4-BE49-F238E27FC236}">
-                    <a16:creationId xmlns:a16="http://schemas.microsoft.com/office/drawing/2014/main" id="{03E676E9-9DCC-4F60-B574-E1C1AA87C2CC}"/>
+                    <a16:creationId xmlns:a16="http://schemas.microsoft.com/office/drawing/2014/main" xmlns="" id="{03E676E9-9DCC-4F60-B574-E1C1AA87C2CC}"/>
                   </a:ext>
                 </a:extLst>
               </p:cNvPr>
@@ -34472,7 +37420,7 @@
               <p:cNvPr id="7" name="TextBox 6">
                 <a:extLst>
                   <a:ext uri="{FF2B5EF4-FFF2-40B4-BE49-F238E27FC236}">
-                    <a16:creationId xmlns:a16="http://schemas.microsoft.com/office/drawing/2014/main" id="{A733F6D1-2B8A-4DC2-B0FA-03B41AD271CD}"/>
+                    <a16:creationId xmlns:a16="http://schemas.microsoft.com/office/drawing/2014/main" xmlns="" id="{A733F6D1-2B8A-4DC2-B0FA-03B41AD271CD}"/>
                   </a:ext>
                 </a:extLst>
               </p:cNvPr>
@@ -34537,7 +37485,7 @@
               <p:cNvPr id="13" name="Овал 12">
                 <a:extLst>
                   <a:ext uri="{FF2B5EF4-FFF2-40B4-BE49-F238E27FC236}">
-                    <a16:creationId xmlns:a16="http://schemas.microsoft.com/office/drawing/2014/main" id="{03E676E9-9DCC-4F60-B574-E1C1AA87C2CC}"/>
+                    <a16:creationId xmlns:a16="http://schemas.microsoft.com/office/drawing/2014/main" xmlns="" id="{03E676E9-9DCC-4F60-B574-E1C1AA87C2CC}"/>
                   </a:ext>
                 </a:extLst>
               </p:cNvPr>
@@ -34583,7 +37531,7 @@
               <p:cNvPr id="14" name="TextBox 13">
                 <a:extLst>
                   <a:ext uri="{FF2B5EF4-FFF2-40B4-BE49-F238E27FC236}">
-                    <a16:creationId xmlns:a16="http://schemas.microsoft.com/office/drawing/2014/main" id="{A733F6D1-2B8A-4DC2-B0FA-03B41AD271CD}"/>
+                    <a16:creationId xmlns:a16="http://schemas.microsoft.com/office/drawing/2014/main" xmlns="" id="{A733F6D1-2B8A-4DC2-B0FA-03B41AD271CD}"/>
                   </a:ext>
                 </a:extLst>
               </p:cNvPr>
@@ -34648,7 +37596,7 @@
               <p:cNvPr id="16" name="Овал 15">
                 <a:extLst>
                   <a:ext uri="{FF2B5EF4-FFF2-40B4-BE49-F238E27FC236}">
-                    <a16:creationId xmlns:a16="http://schemas.microsoft.com/office/drawing/2014/main" id="{03E676E9-9DCC-4F60-B574-E1C1AA87C2CC}"/>
+                    <a16:creationId xmlns:a16="http://schemas.microsoft.com/office/drawing/2014/main" xmlns="" id="{03E676E9-9DCC-4F60-B574-E1C1AA87C2CC}"/>
                   </a:ext>
                 </a:extLst>
               </p:cNvPr>
@@ -34694,7 +37642,7 @@
               <p:cNvPr id="17" name="TextBox 16">
                 <a:extLst>
                   <a:ext uri="{FF2B5EF4-FFF2-40B4-BE49-F238E27FC236}">
-                    <a16:creationId xmlns:a16="http://schemas.microsoft.com/office/drawing/2014/main" id="{A733F6D1-2B8A-4DC2-B0FA-03B41AD271CD}"/>
+                    <a16:creationId xmlns:a16="http://schemas.microsoft.com/office/drawing/2014/main" xmlns="" id="{A733F6D1-2B8A-4DC2-B0FA-03B41AD271CD}"/>
                   </a:ext>
                 </a:extLst>
               </p:cNvPr>
@@ -35135,7 +38083,7 @@
           <p:cNvPr id="2" name="TextBox 1">
             <a:extLst>
               <a:ext uri="{FF2B5EF4-FFF2-40B4-BE49-F238E27FC236}">
-                <a16:creationId xmlns:a16="http://schemas.microsoft.com/office/drawing/2014/main" id="{AFAB66F8-ED4A-48EE-85D2-C79AC4668A7D}"/>
+                <a16:creationId xmlns:a16="http://schemas.microsoft.com/office/drawing/2014/main" xmlns="" id="{AFAB66F8-ED4A-48EE-85D2-C79AC4668A7D}"/>
               </a:ext>
             </a:extLst>
           </p:cNvPr>
@@ -35232,7 +38180,7 @@
           <p:cNvPr id="2" name="TextBox 1">
             <a:extLst>
               <a:ext uri="{FF2B5EF4-FFF2-40B4-BE49-F238E27FC236}">
-                <a16:creationId xmlns:a16="http://schemas.microsoft.com/office/drawing/2014/main" id="{AFAB66F8-ED4A-48EE-85D2-C79AC4668A7D}"/>
+                <a16:creationId xmlns:a16="http://schemas.microsoft.com/office/drawing/2014/main" xmlns="" id="{AFAB66F8-ED4A-48EE-85D2-C79AC4668A7D}"/>
               </a:ext>
             </a:extLst>
           </p:cNvPr>
@@ -35355,7 +38303,7 @@
           <p:cNvPr id="2" name="TextBox 1">
             <a:extLst>
               <a:ext uri="{FF2B5EF4-FFF2-40B4-BE49-F238E27FC236}">
-                <a16:creationId xmlns:a16="http://schemas.microsoft.com/office/drawing/2014/main" id="{AFAB66F8-ED4A-48EE-85D2-C79AC4668A7D}"/>
+                <a16:creationId xmlns:a16="http://schemas.microsoft.com/office/drawing/2014/main" xmlns="" id="{AFAB66F8-ED4A-48EE-85D2-C79AC4668A7D}"/>
               </a:ext>
             </a:extLst>
           </p:cNvPr>
@@ -35500,7 +38448,7 @@
               <p:cNvPr id="9" name="Овал 8">
                 <a:extLst>
                   <a:ext uri="{FF2B5EF4-FFF2-40B4-BE49-F238E27FC236}">
-                    <a16:creationId xmlns:a16="http://schemas.microsoft.com/office/drawing/2014/main" id="{03E676E9-9DCC-4F60-B574-E1C1AA87C2CC}"/>
+                    <a16:creationId xmlns:a16="http://schemas.microsoft.com/office/drawing/2014/main" xmlns="" id="{03E676E9-9DCC-4F60-B574-E1C1AA87C2CC}"/>
                   </a:ext>
                 </a:extLst>
               </p:cNvPr>
@@ -35546,7 +38494,7 @@
               <p:cNvPr id="10" name="TextBox 9">
                 <a:extLst>
                   <a:ext uri="{FF2B5EF4-FFF2-40B4-BE49-F238E27FC236}">
-                    <a16:creationId xmlns:a16="http://schemas.microsoft.com/office/drawing/2014/main" id="{A733F6D1-2B8A-4DC2-B0FA-03B41AD271CD}"/>
+                    <a16:creationId xmlns:a16="http://schemas.microsoft.com/office/drawing/2014/main" xmlns="" id="{A733F6D1-2B8A-4DC2-B0FA-03B41AD271CD}"/>
                   </a:ext>
                 </a:extLst>
               </p:cNvPr>
@@ -35605,7 +38553,7 @@
               <p:cNvPr id="13" name="Овал 12">
                 <a:extLst>
                   <a:ext uri="{FF2B5EF4-FFF2-40B4-BE49-F238E27FC236}">
-                    <a16:creationId xmlns:a16="http://schemas.microsoft.com/office/drawing/2014/main" id="{03E676E9-9DCC-4F60-B574-E1C1AA87C2CC}"/>
+                    <a16:creationId xmlns:a16="http://schemas.microsoft.com/office/drawing/2014/main" xmlns="" id="{03E676E9-9DCC-4F60-B574-E1C1AA87C2CC}"/>
                   </a:ext>
                 </a:extLst>
               </p:cNvPr>
@@ -35651,7 +38599,7 @@
               <p:cNvPr id="14" name="TextBox 13">
                 <a:extLst>
                   <a:ext uri="{FF2B5EF4-FFF2-40B4-BE49-F238E27FC236}">
-                    <a16:creationId xmlns:a16="http://schemas.microsoft.com/office/drawing/2014/main" id="{A733F6D1-2B8A-4DC2-B0FA-03B41AD271CD}"/>
+                    <a16:creationId xmlns:a16="http://schemas.microsoft.com/office/drawing/2014/main" xmlns="" id="{A733F6D1-2B8A-4DC2-B0FA-03B41AD271CD}"/>
                   </a:ext>
                 </a:extLst>
               </p:cNvPr>
@@ -35711,7 +38659,7 @@
               <p:cNvPr id="16" name="Овал 15">
                 <a:extLst>
                   <a:ext uri="{FF2B5EF4-FFF2-40B4-BE49-F238E27FC236}">
-                    <a16:creationId xmlns:a16="http://schemas.microsoft.com/office/drawing/2014/main" id="{03E676E9-9DCC-4F60-B574-E1C1AA87C2CC}"/>
+                    <a16:creationId xmlns:a16="http://schemas.microsoft.com/office/drawing/2014/main" xmlns="" id="{03E676E9-9DCC-4F60-B574-E1C1AA87C2CC}"/>
                   </a:ext>
                 </a:extLst>
               </p:cNvPr>
@@ -35757,7 +38705,7 @@
               <p:cNvPr id="17" name="TextBox 16">
                 <a:extLst>
                   <a:ext uri="{FF2B5EF4-FFF2-40B4-BE49-F238E27FC236}">
-                    <a16:creationId xmlns:a16="http://schemas.microsoft.com/office/drawing/2014/main" id="{A733F6D1-2B8A-4DC2-B0FA-03B41AD271CD}"/>
+                    <a16:creationId xmlns:a16="http://schemas.microsoft.com/office/drawing/2014/main" xmlns="" id="{A733F6D1-2B8A-4DC2-B0FA-03B41AD271CD}"/>
                   </a:ext>
                 </a:extLst>
               </p:cNvPr>
@@ -35816,7 +38764,7 @@
               <p:cNvPr id="19" name="Овал 18">
                 <a:extLst>
                   <a:ext uri="{FF2B5EF4-FFF2-40B4-BE49-F238E27FC236}">
-                    <a16:creationId xmlns:a16="http://schemas.microsoft.com/office/drawing/2014/main" id="{03E676E9-9DCC-4F60-B574-E1C1AA87C2CC}"/>
+                    <a16:creationId xmlns:a16="http://schemas.microsoft.com/office/drawing/2014/main" xmlns="" id="{03E676E9-9DCC-4F60-B574-E1C1AA87C2CC}"/>
                   </a:ext>
                 </a:extLst>
               </p:cNvPr>
@@ -35862,7 +38810,7 @@
               <p:cNvPr id="20" name="TextBox 19">
                 <a:extLst>
                   <a:ext uri="{FF2B5EF4-FFF2-40B4-BE49-F238E27FC236}">
-                    <a16:creationId xmlns:a16="http://schemas.microsoft.com/office/drawing/2014/main" id="{A733F6D1-2B8A-4DC2-B0FA-03B41AD271CD}"/>
+                    <a16:creationId xmlns:a16="http://schemas.microsoft.com/office/drawing/2014/main" xmlns="" id="{A733F6D1-2B8A-4DC2-B0FA-03B41AD271CD}"/>
                   </a:ext>
                 </a:extLst>
               </p:cNvPr>
@@ -36149,7 +39097,7 @@
           <p:cNvPr id="35" name="TextBox 34">
             <a:extLst>
               <a:ext uri="{FF2B5EF4-FFF2-40B4-BE49-F238E27FC236}">
-                <a16:creationId xmlns:a16="http://schemas.microsoft.com/office/drawing/2014/main" id="{A733F6D1-2B8A-4DC2-B0FA-03B41AD271CD}"/>
+                <a16:creationId xmlns:a16="http://schemas.microsoft.com/office/drawing/2014/main" xmlns="" id="{A733F6D1-2B8A-4DC2-B0FA-03B41AD271CD}"/>
               </a:ext>
             </a:extLst>
           </p:cNvPr>
@@ -36482,7 +39430,7 @@
           <p:cNvPr id="2" name="Рисунок 2" descr="Изображение выглядит как текст&#10;&#10;Автоматически созданное описание">
             <a:extLst>
               <a:ext uri="{FF2B5EF4-FFF2-40B4-BE49-F238E27FC236}">
-                <a16:creationId xmlns:a16="http://schemas.microsoft.com/office/drawing/2014/main" id="{D1C05644-018B-464B-AE75-F6CF04D683C7}"/>
+                <a16:creationId xmlns:a16="http://schemas.microsoft.com/office/drawing/2014/main" xmlns="" id="{D1C05644-018B-464B-AE75-F6CF04D683C7}"/>
               </a:ext>
             </a:extLst>
           </p:cNvPr>
@@ -36550,7 +39498,7 @@
           <p:cNvPr id="2" name="TextBox 1">
             <a:extLst>
               <a:ext uri="{FF2B5EF4-FFF2-40B4-BE49-F238E27FC236}">
-                <a16:creationId xmlns:a16="http://schemas.microsoft.com/office/drawing/2014/main" id="{AFAB66F8-ED4A-48EE-85D2-C79AC4668A7D}"/>
+                <a16:creationId xmlns:a16="http://schemas.microsoft.com/office/drawing/2014/main" xmlns="" id="{AFAB66F8-ED4A-48EE-85D2-C79AC4668A7D}"/>
               </a:ext>
             </a:extLst>
           </p:cNvPr>
@@ -36602,7 +39550,7 @@
           <p:cNvPr id="3" name="TextBox 2">
             <a:extLst>
               <a:ext uri="{FF2B5EF4-FFF2-40B4-BE49-F238E27FC236}">
-                <a16:creationId xmlns:a16="http://schemas.microsoft.com/office/drawing/2014/main" id="{AFAB66F8-ED4A-48EE-85D2-C79AC4668A7D}"/>
+                <a16:creationId xmlns:a16="http://schemas.microsoft.com/office/drawing/2014/main" xmlns="" id="{AFAB66F8-ED4A-48EE-85D2-C79AC4668A7D}"/>
               </a:ext>
             </a:extLst>
           </p:cNvPr>
@@ -36814,7 +39762,7 @@
           <p:cNvPr id="4" name="TextBox 3">
             <a:extLst>
               <a:ext uri="{FF2B5EF4-FFF2-40B4-BE49-F238E27FC236}">
-                <a16:creationId xmlns:a16="http://schemas.microsoft.com/office/drawing/2014/main" id="{AFAB66F8-ED4A-48EE-85D2-C79AC4668A7D}"/>
+                <a16:creationId xmlns:a16="http://schemas.microsoft.com/office/drawing/2014/main" xmlns="" id="{AFAB66F8-ED4A-48EE-85D2-C79AC4668A7D}"/>
               </a:ext>
             </a:extLst>
           </p:cNvPr>
@@ -36917,7 +39865,7 @@
           <p:cNvPr id="4" name="TextBox 3">
             <a:extLst>
               <a:ext uri="{FF2B5EF4-FFF2-40B4-BE49-F238E27FC236}">
-                <a16:creationId xmlns:a16="http://schemas.microsoft.com/office/drawing/2014/main" id="{AFAB66F8-ED4A-48EE-85D2-C79AC4668A7D}"/>
+                <a16:creationId xmlns:a16="http://schemas.microsoft.com/office/drawing/2014/main" xmlns="" id="{AFAB66F8-ED4A-48EE-85D2-C79AC4668A7D}"/>
               </a:ext>
             </a:extLst>
           </p:cNvPr>
@@ -37040,7 +39988,7 @@
           <p:cNvPr id="4" name="TextBox 3">
             <a:extLst>
               <a:ext uri="{FF2B5EF4-FFF2-40B4-BE49-F238E27FC236}">
-                <a16:creationId xmlns:a16="http://schemas.microsoft.com/office/drawing/2014/main" id="{AFAB66F8-ED4A-48EE-85D2-C79AC4668A7D}"/>
+                <a16:creationId xmlns:a16="http://schemas.microsoft.com/office/drawing/2014/main" xmlns="" id="{AFAB66F8-ED4A-48EE-85D2-C79AC4668A7D}"/>
               </a:ext>
             </a:extLst>
           </p:cNvPr>
@@ -37285,7 +40233,7 @@
           <p:cNvPr id="4" name="TextBox 3">
             <a:extLst>
               <a:ext uri="{FF2B5EF4-FFF2-40B4-BE49-F238E27FC236}">
-                <a16:creationId xmlns:a16="http://schemas.microsoft.com/office/drawing/2014/main" id="{AFAB66F8-ED4A-48EE-85D2-C79AC4668A7D}"/>
+                <a16:creationId xmlns:a16="http://schemas.microsoft.com/office/drawing/2014/main" xmlns="" id="{AFAB66F8-ED4A-48EE-85D2-C79AC4668A7D}"/>
               </a:ext>
             </a:extLst>
           </p:cNvPr>
@@ -37416,7 +40364,7 @@
             <p:cNvPr id="5" name="Рисунок 2" descr="Изображение выглядит как знак&#10;&#10;Автоматически созданное описание">
               <a:extLst>
                 <a:ext uri="{FF2B5EF4-FFF2-40B4-BE49-F238E27FC236}">
-                  <a16:creationId xmlns:a16="http://schemas.microsoft.com/office/drawing/2014/main" id="{94CE257F-A4AB-4D99-8638-F51E066F3AF6}"/>
+                  <a16:creationId xmlns:a16="http://schemas.microsoft.com/office/drawing/2014/main" xmlns="" id="{94CE257F-A4AB-4D99-8638-F51E066F3AF6}"/>
                 </a:ext>
               </a:extLst>
             </p:cNvPr>
@@ -37503,7 +40451,7 @@
             <p:cNvPr id="8" name="Рисунок 2" descr="Изображение выглядит как знак&#10;&#10;Автоматически созданное описание">
               <a:extLst>
                 <a:ext uri="{FF2B5EF4-FFF2-40B4-BE49-F238E27FC236}">
-                  <a16:creationId xmlns:a16="http://schemas.microsoft.com/office/drawing/2014/main" id="{94CE257F-A4AB-4D99-8638-F51E066F3AF6}"/>
+                  <a16:creationId xmlns:a16="http://schemas.microsoft.com/office/drawing/2014/main" xmlns="" id="{94CE257F-A4AB-4D99-8638-F51E066F3AF6}"/>
                 </a:ext>
               </a:extLst>
             </p:cNvPr>
@@ -38259,7 +41207,7 @@
           <p:cNvPr id="7" name="TextBox 6">
             <a:extLst>
               <a:ext uri="{FF2B5EF4-FFF2-40B4-BE49-F238E27FC236}">
-                <a16:creationId xmlns:a16="http://schemas.microsoft.com/office/drawing/2014/main" id="{AFAB66F8-ED4A-48EE-85D2-C79AC4668A7D}"/>
+                <a16:creationId xmlns:a16="http://schemas.microsoft.com/office/drawing/2014/main" xmlns="" id="{AFAB66F8-ED4A-48EE-85D2-C79AC4668A7D}"/>
               </a:ext>
             </a:extLst>
           </p:cNvPr>
@@ -38369,7 +41317,7 @@
           <p:cNvPr id="7" name="TextBox 6">
             <a:extLst>
               <a:ext uri="{FF2B5EF4-FFF2-40B4-BE49-F238E27FC236}">
-                <a16:creationId xmlns:a16="http://schemas.microsoft.com/office/drawing/2014/main" id="{AFAB66F8-ED4A-48EE-85D2-C79AC4668A7D}"/>
+                <a16:creationId xmlns:a16="http://schemas.microsoft.com/office/drawing/2014/main" xmlns="" id="{AFAB66F8-ED4A-48EE-85D2-C79AC4668A7D}"/>
               </a:ext>
             </a:extLst>
           </p:cNvPr>
@@ -38472,7 +41420,7 @@
           <p:cNvPr id="7" name="TextBox 6">
             <a:extLst>
               <a:ext uri="{FF2B5EF4-FFF2-40B4-BE49-F238E27FC236}">
-                <a16:creationId xmlns:a16="http://schemas.microsoft.com/office/drawing/2014/main" id="{AFAB66F8-ED4A-48EE-85D2-C79AC4668A7D}"/>
+                <a16:creationId xmlns:a16="http://schemas.microsoft.com/office/drawing/2014/main" xmlns="" id="{AFAB66F8-ED4A-48EE-85D2-C79AC4668A7D}"/>
               </a:ext>
             </a:extLst>
           </p:cNvPr>
@@ -38569,7 +41517,7 @@
           <p:cNvPr id="4" name="Рисунок 2" descr="Изображение выглядит как рисунок&#10;&#10;Автоматически созданное описание">
             <a:extLst>
               <a:ext uri="{FF2B5EF4-FFF2-40B4-BE49-F238E27FC236}">
-                <a16:creationId xmlns:a16="http://schemas.microsoft.com/office/drawing/2014/main" id="{AFCE28E7-A6A4-4ED2-AF42-F79DD8B66AE7}"/>
+                <a16:creationId xmlns:a16="http://schemas.microsoft.com/office/drawing/2014/main" xmlns="" id="{AFCE28E7-A6A4-4ED2-AF42-F79DD8B66AE7}"/>
               </a:ext>
             </a:extLst>
           </p:cNvPr>
@@ -38637,7 +41585,7 @@
           <p:cNvPr id="7" name="TextBox 6">
             <a:extLst>
               <a:ext uri="{FF2B5EF4-FFF2-40B4-BE49-F238E27FC236}">
-                <a16:creationId xmlns:a16="http://schemas.microsoft.com/office/drawing/2014/main" id="{AFAB66F8-ED4A-48EE-85D2-C79AC4668A7D}"/>
+                <a16:creationId xmlns:a16="http://schemas.microsoft.com/office/drawing/2014/main" xmlns="" id="{AFAB66F8-ED4A-48EE-85D2-C79AC4668A7D}"/>
               </a:ext>
             </a:extLst>
           </p:cNvPr>
@@ -38737,7 +41685,7 @@
           <p:cNvPr id="7" name="TextBox 6">
             <a:extLst>
               <a:ext uri="{FF2B5EF4-FFF2-40B4-BE49-F238E27FC236}">
-                <a16:creationId xmlns:a16="http://schemas.microsoft.com/office/drawing/2014/main" id="{AFAB66F8-ED4A-48EE-85D2-C79AC4668A7D}"/>
+                <a16:creationId xmlns:a16="http://schemas.microsoft.com/office/drawing/2014/main" xmlns="" id="{AFAB66F8-ED4A-48EE-85D2-C79AC4668A7D}"/>
               </a:ext>
             </a:extLst>
           </p:cNvPr>
@@ -38840,7 +41788,7 @@
           <p:cNvPr id="7" name="TextBox 6">
             <a:extLst>
               <a:ext uri="{FF2B5EF4-FFF2-40B4-BE49-F238E27FC236}">
-                <a16:creationId xmlns:a16="http://schemas.microsoft.com/office/drawing/2014/main" id="{AFAB66F8-ED4A-48EE-85D2-C79AC4668A7D}"/>
+                <a16:creationId xmlns:a16="http://schemas.microsoft.com/office/drawing/2014/main" xmlns="" id="{AFAB66F8-ED4A-48EE-85D2-C79AC4668A7D}"/>
               </a:ext>
             </a:extLst>
           </p:cNvPr>
@@ -38943,7 +41891,7 @@
           <p:cNvPr id="7" name="TextBox 6">
             <a:extLst>
               <a:ext uri="{FF2B5EF4-FFF2-40B4-BE49-F238E27FC236}">
-                <a16:creationId xmlns:a16="http://schemas.microsoft.com/office/drawing/2014/main" id="{AFAB66F8-ED4A-48EE-85D2-C79AC4668A7D}"/>
+                <a16:creationId xmlns:a16="http://schemas.microsoft.com/office/drawing/2014/main" xmlns="" id="{AFAB66F8-ED4A-48EE-85D2-C79AC4668A7D}"/>
               </a:ext>
             </a:extLst>
           </p:cNvPr>
@@ -39060,7 +42008,7 @@
           <p:cNvPr id="7" name="TextBox 6">
             <a:extLst>
               <a:ext uri="{FF2B5EF4-FFF2-40B4-BE49-F238E27FC236}">
-                <a16:creationId xmlns:a16="http://schemas.microsoft.com/office/drawing/2014/main" id="{AFAB66F8-ED4A-48EE-85D2-C79AC4668A7D}"/>
+                <a16:creationId xmlns:a16="http://schemas.microsoft.com/office/drawing/2014/main" xmlns="" id="{AFAB66F8-ED4A-48EE-85D2-C79AC4668A7D}"/>
               </a:ext>
             </a:extLst>
           </p:cNvPr>
@@ -39170,7 +42118,7 @@
           <p:cNvPr id="7" name="TextBox 6">
             <a:extLst>
               <a:ext uri="{FF2B5EF4-FFF2-40B4-BE49-F238E27FC236}">
-                <a16:creationId xmlns:a16="http://schemas.microsoft.com/office/drawing/2014/main" id="{AFAB66F8-ED4A-48EE-85D2-C79AC4668A7D}"/>
+                <a16:creationId xmlns:a16="http://schemas.microsoft.com/office/drawing/2014/main" xmlns="" id="{AFAB66F8-ED4A-48EE-85D2-C79AC4668A7D}"/>
               </a:ext>
             </a:extLst>
           </p:cNvPr>
@@ -39290,7 +42238,7 @@
           <p:cNvPr id="7" name="TextBox 6">
             <a:extLst>
               <a:ext uri="{FF2B5EF4-FFF2-40B4-BE49-F238E27FC236}">
-                <a16:creationId xmlns:a16="http://schemas.microsoft.com/office/drawing/2014/main" id="{AFAB66F8-ED4A-48EE-85D2-C79AC4668A7D}"/>
+                <a16:creationId xmlns:a16="http://schemas.microsoft.com/office/drawing/2014/main" xmlns="" id="{AFAB66F8-ED4A-48EE-85D2-C79AC4668A7D}"/>
               </a:ext>
             </a:extLst>
           </p:cNvPr>
@@ -39387,7 +42335,7 @@
           <p:cNvPr id="7" name="TextBox 6">
             <a:extLst>
               <a:ext uri="{FF2B5EF4-FFF2-40B4-BE49-F238E27FC236}">
-                <a16:creationId xmlns:a16="http://schemas.microsoft.com/office/drawing/2014/main" id="{AFAB66F8-ED4A-48EE-85D2-C79AC4668A7D}"/>
+                <a16:creationId xmlns:a16="http://schemas.microsoft.com/office/drawing/2014/main" xmlns="" id="{AFAB66F8-ED4A-48EE-85D2-C79AC4668A7D}"/>
               </a:ext>
             </a:extLst>
           </p:cNvPr>
@@ -39524,7 +42472,7 @@
           <p:cNvPr id="7" name="TextBox 6">
             <a:extLst>
               <a:ext uri="{FF2B5EF4-FFF2-40B4-BE49-F238E27FC236}">
-                <a16:creationId xmlns:a16="http://schemas.microsoft.com/office/drawing/2014/main" id="{AFAB66F8-ED4A-48EE-85D2-C79AC4668A7D}"/>
+                <a16:creationId xmlns:a16="http://schemas.microsoft.com/office/drawing/2014/main" xmlns="" id="{AFAB66F8-ED4A-48EE-85D2-C79AC4668A7D}"/>
               </a:ext>
             </a:extLst>
           </p:cNvPr>
@@ -39631,7 +42579,7 @@
           <p:cNvPr id="7" name="TextBox 6">
             <a:extLst>
               <a:ext uri="{FF2B5EF4-FFF2-40B4-BE49-F238E27FC236}">
-                <a16:creationId xmlns:a16="http://schemas.microsoft.com/office/drawing/2014/main" id="{AFAB66F8-ED4A-48EE-85D2-C79AC4668A7D}"/>
+                <a16:creationId xmlns:a16="http://schemas.microsoft.com/office/drawing/2014/main" xmlns="" id="{AFAB66F8-ED4A-48EE-85D2-C79AC4668A7D}"/>
               </a:ext>
             </a:extLst>
           </p:cNvPr>
@@ -39740,7 +42688,7 @@
           <p:cNvPr id="4" name="Рисунок 4" descr="Изображение выглядит как часы, рисунок&#10;&#10;Автоматически созданное описание">
             <a:extLst>
               <a:ext uri="{FF2B5EF4-FFF2-40B4-BE49-F238E27FC236}">
-                <a16:creationId xmlns:a16="http://schemas.microsoft.com/office/drawing/2014/main" id="{94FAFFE4-0131-4A6D-B497-6291BBBB7CD5}"/>
+                <a16:creationId xmlns:a16="http://schemas.microsoft.com/office/drawing/2014/main" xmlns="" id="{94FAFFE4-0131-4A6D-B497-6291BBBB7CD5}"/>
               </a:ext>
             </a:extLst>
           </p:cNvPr>
@@ -39770,7 +42718,7 @@
           <p:cNvPr id="6" name="Рисунок 2" descr="Изображение выглядит как рисунок&#10;&#10;Автоматически созданное описание">
             <a:extLst>
               <a:ext uri="{FF2B5EF4-FFF2-40B4-BE49-F238E27FC236}">
-                <a16:creationId xmlns:a16="http://schemas.microsoft.com/office/drawing/2014/main" id="{29ADE3EE-E3E7-4754-AC30-59FDFF3867D2}"/>
+                <a16:creationId xmlns:a16="http://schemas.microsoft.com/office/drawing/2014/main" xmlns="" id="{29ADE3EE-E3E7-4754-AC30-59FDFF3867D2}"/>
               </a:ext>
             </a:extLst>
           </p:cNvPr>
@@ -39800,7 +42748,7 @@
           <p:cNvPr id="8" name="Рисунок 2" descr="Изображение выглядит как знак&#10;&#10;Автоматически созданное описание">
             <a:extLst>
               <a:ext uri="{FF2B5EF4-FFF2-40B4-BE49-F238E27FC236}">
-                <a16:creationId xmlns:a16="http://schemas.microsoft.com/office/drawing/2014/main" id="{29762B8E-9DB8-45E8-A962-1D02C5044356}"/>
+                <a16:creationId xmlns:a16="http://schemas.microsoft.com/office/drawing/2014/main" xmlns="" id="{29762B8E-9DB8-45E8-A962-1D02C5044356}"/>
               </a:ext>
             </a:extLst>
           </p:cNvPr>
@@ -39928,7 +42876,7 @@
             <p:cNvPr id="12" name="TextBox 11">
               <a:extLst>
                 <a:ext uri="{FF2B5EF4-FFF2-40B4-BE49-F238E27FC236}">
-                  <a16:creationId xmlns:a16="http://schemas.microsoft.com/office/drawing/2014/main" id="{AFAB66F8-ED4A-48EE-85D2-C79AC4668A7D}"/>
+                  <a16:creationId xmlns:a16="http://schemas.microsoft.com/office/drawing/2014/main" xmlns="" id="{AFAB66F8-ED4A-48EE-85D2-C79AC4668A7D}"/>
                 </a:ext>
               </a:extLst>
             </p:cNvPr>
@@ -40075,7 +43023,7 @@
             <p:cNvPr id="15" name="TextBox 14">
               <a:extLst>
                 <a:ext uri="{FF2B5EF4-FFF2-40B4-BE49-F238E27FC236}">
-                  <a16:creationId xmlns:a16="http://schemas.microsoft.com/office/drawing/2014/main" id="{AFAB66F8-ED4A-48EE-85D2-C79AC4668A7D}"/>
+                  <a16:creationId xmlns:a16="http://schemas.microsoft.com/office/drawing/2014/main" xmlns="" id="{AFAB66F8-ED4A-48EE-85D2-C79AC4668A7D}"/>
                 </a:ext>
               </a:extLst>
             </p:cNvPr>
@@ -40210,7 +43158,7 @@
             <p:cNvPr id="18" name="TextBox 17">
               <a:extLst>
                 <a:ext uri="{FF2B5EF4-FFF2-40B4-BE49-F238E27FC236}">
-                  <a16:creationId xmlns:a16="http://schemas.microsoft.com/office/drawing/2014/main" id="{AFAB66F8-ED4A-48EE-85D2-C79AC4668A7D}"/>
+                  <a16:creationId xmlns:a16="http://schemas.microsoft.com/office/drawing/2014/main" xmlns="" id="{AFAB66F8-ED4A-48EE-85D2-C79AC4668A7D}"/>
                 </a:ext>
               </a:extLst>
             </p:cNvPr>
@@ -40330,7 +43278,7 @@
           <p:cNvPr id="7" name="TextBox 6">
             <a:extLst>
               <a:ext uri="{FF2B5EF4-FFF2-40B4-BE49-F238E27FC236}">
-                <a16:creationId xmlns:a16="http://schemas.microsoft.com/office/drawing/2014/main" id="{AFAB66F8-ED4A-48EE-85D2-C79AC4668A7D}"/>
+                <a16:creationId xmlns:a16="http://schemas.microsoft.com/office/drawing/2014/main" xmlns="" id="{AFAB66F8-ED4A-48EE-85D2-C79AC4668A7D}"/>
               </a:ext>
             </a:extLst>
           </p:cNvPr>
@@ -40693,7 +43641,7 @@
             <p:cNvPr id="7" name="TextBox 6">
               <a:extLst>
                 <a:ext uri="{FF2B5EF4-FFF2-40B4-BE49-F238E27FC236}">
-                  <a16:creationId xmlns:a16="http://schemas.microsoft.com/office/drawing/2014/main" id="{AFAB66F8-ED4A-48EE-85D2-C79AC4668A7D}"/>
+                  <a16:creationId xmlns:a16="http://schemas.microsoft.com/office/drawing/2014/main" xmlns="" id="{AFAB66F8-ED4A-48EE-85D2-C79AC4668A7D}"/>
                 </a:ext>
               </a:extLst>
             </p:cNvPr>
@@ -40840,7 +43788,7 @@
             <p:cNvPr id="9" name="TextBox 8">
               <a:extLst>
                 <a:ext uri="{FF2B5EF4-FFF2-40B4-BE49-F238E27FC236}">
-                  <a16:creationId xmlns:a16="http://schemas.microsoft.com/office/drawing/2014/main" id="{AFAB66F8-ED4A-48EE-85D2-C79AC4668A7D}"/>
+                  <a16:creationId xmlns:a16="http://schemas.microsoft.com/office/drawing/2014/main" xmlns="" id="{AFAB66F8-ED4A-48EE-85D2-C79AC4668A7D}"/>
                 </a:ext>
               </a:extLst>
             </p:cNvPr>
@@ -40926,7 +43874,7 @@
           <p:cNvPr id="10" name="TextBox 9">
             <a:extLst>
               <a:ext uri="{FF2B5EF4-FFF2-40B4-BE49-F238E27FC236}">
-                <a16:creationId xmlns:a16="http://schemas.microsoft.com/office/drawing/2014/main" id="{AFAB66F8-ED4A-48EE-85D2-C79AC4668A7D}"/>
+                <a16:creationId xmlns:a16="http://schemas.microsoft.com/office/drawing/2014/main" xmlns="" id="{AFAB66F8-ED4A-48EE-85D2-C79AC4668A7D}"/>
               </a:ext>
             </a:extLst>
           </p:cNvPr>
@@ -41028,7 +43976,7 @@
           <p:cNvPr id="11" name="TextBox 10">
             <a:extLst>
               <a:ext uri="{FF2B5EF4-FFF2-40B4-BE49-F238E27FC236}">
-                <a16:creationId xmlns:a16="http://schemas.microsoft.com/office/drawing/2014/main" id="{AFAB66F8-ED4A-48EE-85D2-C79AC4668A7D}"/>
+                <a16:creationId xmlns:a16="http://schemas.microsoft.com/office/drawing/2014/main" xmlns="" id="{AFAB66F8-ED4A-48EE-85D2-C79AC4668A7D}"/>
               </a:ext>
             </a:extLst>
           </p:cNvPr>
@@ -41496,7 +44444,7 @@
             <p:cNvPr id="7" name="TextBox 6">
               <a:extLst>
                 <a:ext uri="{FF2B5EF4-FFF2-40B4-BE49-F238E27FC236}">
-                  <a16:creationId xmlns:a16="http://schemas.microsoft.com/office/drawing/2014/main" id="{AFAB66F8-ED4A-48EE-85D2-C79AC4668A7D}"/>
+                  <a16:creationId xmlns:a16="http://schemas.microsoft.com/office/drawing/2014/main" xmlns="" id="{AFAB66F8-ED4A-48EE-85D2-C79AC4668A7D}"/>
                 </a:ext>
               </a:extLst>
             </p:cNvPr>
@@ -41643,7 +44591,7 @@
             <p:cNvPr id="14" name="TextBox 13">
               <a:extLst>
                 <a:ext uri="{FF2B5EF4-FFF2-40B4-BE49-F238E27FC236}">
-                  <a16:creationId xmlns:a16="http://schemas.microsoft.com/office/drawing/2014/main" id="{AFAB66F8-ED4A-48EE-85D2-C79AC4668A7D}"/>
+                  <a16:creationId xmlns:a16="http://schemas.microsoft.com/office/drawing/2014/main" xmlns="" id="{AFAB66F8-ED4A-48EE-85D2-C79AC4668A7D}"/>
                 </a:ext>
               </a:extLst>
             </p:cNvPr>
@@ -42987,7 +45935,7 @@
           <p:cNvPr id="5" name="Рисунок 5" descr="Изображение выглядит как текст, карта, стол, большой&#10;&#10;Автоматически созданное описание">
             <a:extLst>
               <a:ext uri="{FF2B5EF4-FFF2-40B4-BE49-F238E27FC236}">
-                <a16:creationId xmlns:a16="http://schemas.microsoft.com/office/drawing/2014/main" id="{E933646D-3FE1-4B4E-9BC3-A601B4B2FE1B}"/>
+                <a16:creationId xmlns:a16="http://schemas.microsoft.com/office/drawing/2014/main" xmlns="" id="{E933646D-3FE1-4B4E-9BC3-A601B4B2FE1B}"/>
               </a:ext>
             </a:extLst>
           </p:cNvPr>
@@ -44083,7 +47031,7 @@
             <p:cNvPr id="6" name="TextBox 5">
               <a:extLst>
                 <a:ext uri="{FF2B5EF4-FFF2-40B4-BE49-F238E27FC236}">
-                  <a16:creationId xmlns:a16="http://schemas.microsoft.com/office/drawing/2014/main" id="{AFAB66F8-ED4A-48EE-85D2-C79AC4668A7D}"/>
+                  <a16:creationId xmlns:a16="http://schemas.microsoft.com/office/drawing/2014/main" xmlns="" id="{AFAB66F8-ED4A-48EE-85D2-C79AC4668A7D}"/>
                 </a:ext>
               </a:extLst>
             </p:cNvPr>
@@ -44255,7 +47203,7 @@
             <p:cNvPr id="9" name="TextBox 8">
               <a:extLst>
                 <a:ext uri="{FF2B5EF4-FFF2-40B4-BE49-F238E27FC236}">
-                  <a16:creationId xmlns:a16="http://schemas.microsoft.com/office/drawing/2014/main" id="{AFAB66F8-ED4A-48EE-85D2-C79AC4668A7D}"/>
+                  <a16:creationId xmlns:a16="http://schemas.microsoft.com/office/drawing/2014/main" xmlns="" id="{AFAB66F8-ED4A-48EE-85D2-C79AC4668A7D}"/>
                 </a:ext>
               </a:extLst>
             </p:cNvPr>
@@ -44338,7 +47286,7 @@
           <p:cNvPr id="10" name="TextBox 9">
             <a:extLst>
               <a:ext uri="{FF2B5EF4-FFF2-40B4-BE49-F238E27FC236}">
-                <a16:creationId xmlns:a16="http://schemas.microsoft.com/office/drawing/2014/main" id="{AFAB66F8-ED4A-48EE-85D2-C79AC4668A7D}"/>
+                <a16:creationId xmlns:a16="http://schemas.microsoft.com/office/drawing/2014/main" xmlns="" id="{AFAB66F8-ED4A-48EE-85D2-C79AC4668A7D}"/>
               </a:ext>
             </a:extLst>
           </p:cNvPr>
@@ -44805,7 +47753,7 @@
             <p:cNvPr id="6" name="TextBox 5">
               <a:extLst>
                 <a:ext uri="{FF2B5EF4-FFF2-40B4-BE49-F238E27FC236}">
-                  <a16:creationId xmlns:a16="http://schemas.microsoft.com/office/drawing/2014/main" id="{AFAB66F8-ED4A-48EE-85D2-C79AC4668A7D}"/>
+                  <a16:creationId xmlns:a16="http://schemas.microsoft.com/office/drawing/2014/main" xmlns="" id="{AFAB66F8-ED4A-48EE-85D2-C79AC4668A7D}"/>
                 </a:ext>
               </a:extLst>
             </p:cNvPr>
@@ -44977,7 +47925,7 @@
             <p:cNvPr id="13" name="TextBox 12">
               <a:extLst>
                 <a:ext uri="{FF2B5EF4-FFF2-40B4-BE49-F238E27FC236}">
-                  <a16:creationId xmlns:a16="http://schemas.microsoft.com/office/drawing/2014/main" id="{AFAB66F8-ED4A-48EE-85D2-C79AC4668A7D}"/>
+                  <a16:creationId xmlns:a16="http://schemas.microsoft.com/office/drawing/2014/main" xmlns="" id="{AFAB66F8-ED4A-48EE-85D2-C79AC4668A7D}"/>
                 </a:ext>
               </a:extLst>
             </p:cNvPr>
@@ -45149,7 +48097,7 @@
             <p:cNvPr id="16" name="TextBox 15">
               <a:extLst>
                 <a:ext uri="{FF2B5EF4-FFF2-40B4-BE49-F238E27FC236}">
-                  <a16:creationId xmlns:a16="http://schemas.microsoft.com/office/drawing/2014/main" id="{AFAB66F8-ED4A-48EE-85D2-C79AC4668A7D}"/>
+                  <a16:creationId xmlns:a16="http://schemas.microsoft.com/office/drawing/2014/main" xmlns="" id="{AFAB66F8-ED4A-48EE-85D2-C79AC4668A7D}"/>
                 </a:ext>
               </a:extLst>
             </p:cNvPr>
@@ -45621,7 +48569,7 @@
           <p:cNvPr id="5" name="Рисунок 5" descr="Изображение выглядит как рисунок&#10;&#10;Автоматически созданное описание">
             <a:extLst>
               <a:ext uri="{FF2B5EF4-FFF2-40B4-BE49-F238E27FC236}">
-                <a16:creationId xmlns:a16="http://schemas.microsoft.com/office/drawing/2014/main" id="{CDD0D392-856C-47F0-9735-BEF68F5D9DAC}"/>
+                <a16:creationId xmlns:a16="http://schemas.microsoft.com/office/drawing/2014/main" xmlns="" id="{CDD0D392-856C-47F0-9735-BEF68F5D9DAC}"/>
               </a:ext>
             </a:extLst>
           </p:cNvPr>
@@ -45651,7 +48599,7 @@
           <p:cNvPr id="9" name="Рисунок 9" descr="Изображение выглядит как знак&#10;&#10;Автоматически созданное описание">
             <a:extLst>
               <a:ext uri="{FF2B5EF4-FFF2-40B4-BE49-F238E27FC236}">
-                <a16:creationId xmlns:a16="http://schemas.microsoft.com/office/drawing/2014/main" id="{05DBF68E-E15B-4C8D-B88E-DD5E51FB28A6}"/>
+                <a16:creationId xmlns:a16="http://schemas.microsoft.com/office/drawing/2014/main" xmlns="" id="{05DBF68E-E15B-4C8D-B88E-DD5E51FB28A6}"/>
               </a:ext>
             </a:extLst>
           </p:cNvPr>
@@ -46598,7 +49546,7 @@
             <p:cNvPr id="6" name="TextBox 5">
               <a:extLst>
                 <a:ext uri="{FF2B5EF4-FFF2-40B4-BE49-F238E27FC236}">
-                  <a16:creationId xmlns:a16="http://schemas.microsoft.com/office/drawing/2014/main" id="{AFAB66F8-ED4A-48EE-85D2-C79AC4668A7D}"/>
+                  <a16:creationId xmlns:a16="http://schemas.microsoft.com/office/drawing/2014/main" xmlns="" id="{AFAB66F8-ED4A-48EE-85D2-C79AC4668A7D}"/>
                 </a:ext>
               </a:extLst>
             </p:cNvPr>
@@ -46653,7 +49601,7 @@
           <p:cNvPr id="7" name="TextBox 6">
             <a:extLst>
               <a:ext uri="{FF2B5EF4-FFF2-40B4-BE49-F238E27FC236}">
-                <a16:creationId xmlns:a16="http://schemas.microsoft.com/office/drawing/2014/main" id="{AFAB66F8-ED4A-48EE-85D2-C79AC4668A7D}"/>
+                <a16:creationId xmlns:a16="http://schemas.microsoft.com/office/drawing/2014/main" xmlns="" id="{AFAB66F8-ED4A-48EE-85D2-C79AC4668A7D}"/>
               </a:ext>
             </a:extLst>
           </p:cNvPr>
@@ -46783,7 +49731,7 @@
             <p:cNvPr id="10" name="TextBox 9">
               <a:extLst>
                 <a:ext uri="{FF2B5EF4-FFF2-40B4-BE49-F238E27FC236}">
-                  <a16:creationId xmlns:a16="http://schemas.microsoft.com/office/drawing/2014/main" id="{AFAB66F8-ED4A-48EE-85D2-C79AC4668A7D}"/>
+                  <a16:creationId xmlns:a16="http://schemas.microsoft.com/office/drawing/2014/main" xmlns="" id="{AFAB66F8-ED4A-48EE-85D2-C79AC4668A7D}"/>
                 </a:ext>
               </a:extLst>
             </p:cNvPr>
@@ -46838,7 +49786,7 @@
           <p:cNvPr id="11" name="TextBox 10">
             <a:extLst>
               <a:ext uri="{FF2B5EF4-FFF2-40B4-BE49-F238E27FC236}">
-                <a16:creationId xmlns:a16="http://schemas.microsoft.com/office/drawing/2014/main" id="{AFAB66F8-ED4A-48EE-85D2-C79AC4668A7D}"/>
+                <a16:creationId xmlns:a16="http://schemas.microsoft.com/office/drawing/2014/main" xmlns="" id="{AFAB66F8-ED4A-48EE-85D2-C79AC4668A7D}"/>
               </a:ext>
             </a:extLst>
           </p:cNvPr>
@@ -46902,7 +49850,7 @@
           <p:cNvPr id="12" name="TextBox 11">
             <a:extLst>
               <a:ext uri="{FF2B5EF4-FFF2-40B4-BE49-F238E27FC236}">
-                <a16:creationId xmlns:a16="http://schemas.microsoft.com/office/drawing/2014/main" id="{AFAB66F8-ED4A-48EE-85D2-C79AC4668A7D}"/>
+                <a16:creationId xmlns:a16="http://schemas.microsoft.com/office/drawing/2014/main" xmlns="" id="{AFAB66F8-ED4A-48EE-85D2-C79AC4668A7D}"/>
               </a:ext>
             </a:extLst>
           </p:cNvPr>
@@ -46956,7 +49904,7 @@
           <p:cNvPr id="13" name="TextBox 12">
             <a:extLst>
               <a:ext uri="{FF2B5EF4-FFF2-40B4-BE49-F238E27FC236}">
-                <a16:creationId xmlns:a16="http://schemas.microsoft.com/office/drawing/2014/main" id="{AFAB66F8-ED4A-48EE-85D2-C79AC4668A7D}"/>
+                <a16:creationId xmlns:a16="http://schemas.microsoft.com/office/drawing/2014/main" xmlns="" id="{AFAB66F8-ED4A-48EE-85D2-C79AC4668A7D}"/>
               </a:ext>
             </a:extLst>
           </p:cNvPr>
@@ -47020,7 +49968,7 @@
           <p:cNvPr id="14" name="TextBox 13">
             <a:extLst>
               <a:ext uri="{FF2B5EF4-FFF2-40B4-BE49-F238E27FC236}">
-                <a16:creationId xmlns:a16="http://schemas.microsoft.com/office/drawing/2014/main" id="{AFAB66F8-ED4A-48EE-85D2-C79AC4668A7D}"/>
+                <a16:creationId xmlns:a16="http://schemas.microsoft.com/office/drawing/2014/main" xmlns="" id="{AFAB66F8-ED4A-48EE-85D2-C79AC4668A7D}"/>
               </a:ext>
             </a:extLst>
           </p:cNvPr>
@@ -47084,7 +50032,7 @@
           <p:cNvPr id="15" name="TextBox 14">
             <a:extLst>
               <a:ext uri="{FF2B5EF4-FFF2-40B4-BE49-F238E27FC236}">
-                <a16:creationId xmlns:a16="http://schemas.microsoft.com/office/drawing/2014/main" id="{AFAB66F8-ED4A-48EE-85D2-C79AC4668A7D}"/>
+                <a16:creationId xmlns:a16="http://schemas.microsoft.com/office/drawing/2014/main" xmlns="" id="{AFAB66F8-ED4A-48EE-85D2-C79AC4668A7D}"/>
               </a:ext>
             </a:extLst>
           </p:cNvPr>
@@ -47640,7 +50588,7 @@
           <p:cNvPr id="2" name="Рисунок 2" descr="Изображение выглядит как знак&#10;&#10;Автоматически созданное описание">
             <a:extLst>
               <a:ext uri="{FF2B5EF4-FFF2-40B4-BE49-F238E27FC236}">
-                <a16:creationId xmlns:a16="http://schemas.microsoft.com/office/drawing/2014/main" id="{0E8DF96B-8443-4131-BD5B-83E6EE370AF8}"/>
+                <a16:creationId xmlns:a16="http://schemas.microsoft.com/office/drawing/2014/main" xmlns="" id="{0E8DF96B-8443-4131-BD5B-83E6EE370AF8}"/>
               </a:ext>
             </a:extLst>
           </p:cNvPr>
@@ -48128,7 +51076,7 @@
             <p:cNvPr id="12" name="TextBox 11">
               <a:extLst>
                 <a:ext uri="{FF2B5EF4-FFF2-40B4-BE49-F238E27FC236}">
-                  <a16:creationId xmlns:a16="http://schemas.microsoft.com/office/drawing/2014/main" id="{AFAB66F8-ED4A-48EE-85D2-C79AC4668A7D}"/>
+                  <a16:creationId xmlns:a16="http://schemas.microsoft.com/office/drawing/2014/main" xmlns="" id="{AFAB66F8-ED4A-48EE-85D2-C79AC4668A7D}"/>
                 </a:ext>
               </a:extLst>
             </p:cNvPr>
@@ -48247,7 +51195,7 @@
             <p:cNvPr id="15" name="TextBox 14">
               <a:extLst>
                 <a:ext uri="{FF2B5EF4-FFF2-40B4-BE49-F238E27FC236}">
-                  <a16:creationId xmlns:a16="http://schemas.microsoft.com/office/drawing/2014/main" id="{AFAB66F8-ED4A-48EE-85D2-C79AC4668A7D}"/>
+                  <a16:creationId xmlns:a16="http://schemas.microsoft.com/office/drawing/2014/main" xmlns="" id="{AFAB66F8-ED4A-48EE-85D2-C79AC4668A7D}"/>
                 </a:ext>
               </a:extLst>
             </p:cNvPr>
@@ -48366,7 +51314,7 @@
             <p:cNvPr id="18" name="TextBox 17">
               <a:extLst>
                 <a:ext uri="{FF2B5EF4-FFF2-40B4-BE49-F238E27FC236}">
-                  <a16:creationId xmlns:a16="http://schemas.microsoft.com/office/drawing/2014/main" id="{AFAB66F8-ED4A-48EE-85D2-C79AC4668A7D}"/>
+                  <a16:creationId xmlns:a16="http://schemas.microsoft.com/office/drawing/2014/main" xmlns="" id="{AFAB66F8-ED4A-48EE-85D2-C79AC4668A7D}"/>
                 </a:ext>
               </a:extLst>
             </p:cNvPr>

--- a/Course.pptx
+++ b/Course.pptx
@@ -5,7 +5,7 @@
     <p:sldMasterId id="2147483648" r:id="rId1"/>
   </p:sldMasterIdLst>
   <p:notesMasterIdLst>
-    <p:notesMasterId r:id="rId143"/>
+    <p:notesMasterId r:id="rId149"/>
   </p:notesMasterIdLst>
   <p:sldIdLst>
     <p:sldId id="256" r:id="rId2"/>
@@ -149,6 +149,12 @@
     <p:sldId id="395" r:id="rId140"/>
     <p:sldId id="396" r:id="rId141"/>
     <p:sldId id="397" r:id="rId142"/>
+    <p:sldId id="398" r:id="rId143"/>
+    <p:sldId id="399" r:id="rId144"/>
+    <p:sldId id="400" r:id="rId145"/>
+    <p:sldId id="401" r:id="rId146"/>
+    <p:sldId id="402" r:id="rId147"/>
+    <p:sldId id="403" r:id="rId148"/>
   </p:sldIdLst>
   <p:sldSz cx="12192000" cy="6858000"/>
   <p:notesSz cx="6858000" cy="9144000"/>
@@ -1173,7 +1179,7 @@
           <a:p>
             <a:fld id="{2EE8E8F7-1DBA-4282-96A9-47FA334D89F2}" type="datetimeFigureOut">
               <a:rPr lang="ru-RU" smtClean="0"/>
-              <a:t>27.07.2020</a:t>
+              <a:t>28.07.2020</a:t>
             </a:fld>
             <a:endParaRPr lang="ru-RU"/>
           </a:p>
@@ -20926,6 +20932,1092 @@
 </p:notes>
 </file>
 
+<file path=ppt/notesSlides/notesSlide82.xml><?xml version="1.0" encoding="utf-8"?>
+<p:notes xmlns:a="http://schemas.openxmlformats.org/drawingml/2006/main" xmlns:r="http://schemas.openxmlformats.org/officeDocument/2006/relationships" xmlns:p="http://schemas.openxmlformats.org/presentationml/2006/main">
+  <p:cSld>
+    <p:spTree>
+      <p:nvGrpSpPr>
+        <p:cNvPr id="1" name=""/>
+        <p:cNvGrpSpPr/>
+        <p:nvPr/>
+      </p:nvGrpSpPr>
+      <p:grpSpPr>
+        <a:xfrm>
+          <a:off x="0" y="0"/>
+          <a:ext cx="0" cy="0"/>
+          <a:chOff x="0" y="0"/>
+          <a:chExt cx="0" cy="0"/>
+        </a:xfrm>
+      </p:grpSpPr>
+      <p:sp>
+        <p:nvSpPr>
+          <p:cNvPr id="2" name="Образ слайда 1"/>
+          <p:cNvSpPr>
+            <a:spLocks noGrp="1" noRot="1" noChangeAspect="1"/>
+          </p:cNvSpPr>
+          <p:nvPr>
+            <p:ph type="sldImg"/>
+          </p:nvPr>
+        </p:nvSpPr>
+        <p:spPr/>
+      </p:sp>
+      <p:sp>
+        <p:nvSpPr>
+          <p:cNvPr id="3" name="Заметки 2"/>
+          <p:cNvSpPr>
+            <a:spLocks noGrp="1"/>
+          </p:cNvSpPr>
+          <p:nvPr>
+            <p:ph type="body" idx="1"/>
+          </p:nvPr>
+        </p:nvSpPr>
+        <p:spPr/>
+        <p:txBody>
+          <a:bodyPr/>
+          <a:lstStyle/>
+          <a:p>
+            <a:pPr rtl="0" fontAlgn="base"/>
+            <a:r>
+              <a:rPr lang="ru-RU" sz="1200" b="0" i="0" kern="1200" dirty="0" smtClean="0">
+                <a:solidFill>
+                  <a:schemeClr val="tx1"/>
+                </a:solidFill>
+                <a:effectLst/>
+                <a:latin typeface="+mn-lt"/>
+                <a:ea typeface="+mn-ea"/>
+                <a:cs typeface="+mn-cs"/>
+              </a:rPr>
+              <a:t>Внутри условного выражения вполне возможно использовать механизм вывода типов напрямую. Такой выведенный тип будет доступен в ветви истинности выражения. </a:t>
+            </a:r>
+            <a:r>
+              <a:rPr lang="en-US" sz="1200" b="0" i="0" kern="1200" dirty="0" smtClean="0">
+                <a:solidFill>
+                  <a:schemeClr val="tx1"/>
+                </a:solidFill>
+                <a:effectLst/>
+                <a:latin typeface="+mn-lt"/>
+                <a:ea typeface="+mn-ea"/>
+                <a:cs typeface="+mn-cs"/>
+              </a:rPr>
+              <a:t>*</a:t>
+            </a:r>
+            <a:endParaRPr lang="ru-RU" sz="1200" b="0" i="0" kern="1200" dirty="0" smtClean="0">
+              <a:solidFill>
+                <a:schemeClr val="tx1"/>
+              </a:solidFill>
+              <a:effectLst/>
+              <a:latin typeface="+mn-lt"/>
+              <a:ea typeface="+mn-ea"/>
+              <a:cs typeface="+mn-cs"/>
+            </a:endParaRPr>
+          </a:p>
+        </p:txBody>
+      </p:sp>
+      <p:sp>
+        <p:nvSpPr>
+          <p:cNvPr id="4" name="Номер слайда 3"/>
+          <p:cNvSpPr>
+            <a:spLocks noGrp="1"/>
+          </p:cNvSpPr>
+          <p:nvPr>
+            <p:ph type="sldNum" sz="quarter" idx="10"/>
+          </p:nvPr>
+        </p:nvSpPr>
+        <p:spPr/>
+        <p:txBody>
+          <a:bodyPr/>
+          <a:lstStyle/>
+          <a:p>
+            <a:pPr marL="0" marR="0" lvl="0" indent="0" algn="r" defTabSz="914400" rtl="0" eaLnBrk="1" fontAlgn="auto" latinLnBrk="0" hangingPunct="1">
+              <a:lnSpc>
+                <a:spcPct val="100000"/>
+              </a:lnSpc>
+              <a:spcBef>
+                <a:spcPts val="0"/>
+              </a:spcBef>
+              <a:spcAft>
+                <a:spcPts val="0"/>
+              </a:spcAft>
+              <a:buClrTx/>
+              <a:buSzTx/>
+              <a:buFontTx/>
+              <a:buNone/>
+              <a:tabLst/>
+              <a:defRPr/>
+            </a:pPr>
+            <a:fld id="{622F1C9E-D65E-417E-9FEF-9AD7ACC20294}" type="slidenum">
+              <a:rPr kumimoji="0" lang="ru-RU" sz="1200" b="0" i="0" u="none" strike="noStrike" kern="1200" cap="none" spc="0" normalizeH="0" baseline="0" noProof="0" smtClean="0">
+                <a:ln>
+                  <a:noFill/>
+                </a:ln>
+                <a:solidFill>
+                  <a:prstClr val="black"/>
+                </a:solidFill>
+                <a:effectLst/>
+                <a:uLnTx/>
+                <a:uFillTx/>
+                <a:latin typeface="Calibri" panose="020F0502020204030204"/>
+                <a:ea typeface="+mn-ea"/>
+                <a:cs typeface="+mn-cs"/>
+              </a:rPr>
+              <a:pPr marL="0" marR="0" lvl="0" indent="0" algn="r" defTabSz="914400" rtl="0" eaLnBrk="1" fontAlgn="auto" latinLnBrk="0" hangingPunct="1">
+                <a:lnSpc>
+                  <a:spcPct val="100000"/>
+                </a:lnSpc>
+                <a:spcBef>
+                  <a:spcPts val="0"/>
+                </a:spcBef>
+                <a:spcAft>
+                  <a:spcPts val="0"/>
+                </a:spcAft>
+                <a:buClrTx/>
+                <a:buSzTx/>
+                <a:buFontTx/>
+                <a:buNone/>
+                <a:tabLst/>
+                <a:defRPr/>
+              </a:pPr>
+              <a:t>142</a:t>
+            </a:fld>
+            <a:endParaRPr kumimoji="0" lang="ru-RU" sz="1200" b="0" i="0" u="none" strike="noStrike" kern="1200" cap="none" spc="0" normalizeH="0" baseline="0" noProof="0">
+              <a:ln>
+                <a:noFill/>
+              </a:ln>
+              <a:solidFill>
+                <a:prstClr val="black"/>
+              </a:solidFill>
+              <a:effectLst/>
+              <a:uLnTx/>
+              <a:uFillTx/>
+              <a:latin typeface="Calibri" panose="020F0502020204030204"/>
+              <a:ea typeface="+mn-ea"/>
+              <a:cs typeface="+mn-cs"/>
+            </a:endParaRPr>
+          </a:p>
+        </p:txBody>
+      </p:sp>
+    </p:spTree>
+    <p:extLst>
+      <p:ext uri="{BB962C8B-B14F-4D97-AF65-F5344CB8AC3E}">
+        <p14:creationId xmlns:p14="http://schemas.microsoft.com/office/powerpoint/2010/main" val="1041378404"/>
+      </p:ext>
+    </p:extLst>
+  </p:cSld>
+  <p:clrMapOvr>
+    <a:masterClrMapping/>
+  </p:clrMapOvr>
+</p:notes>
+</file>
+
+<file path=ppt/notesSlides/notesSlide83.xml><?xml version="1.0" encoding="utf-8"?>
+<p:notes xmlns:a="http://schemas.openxmlformats.org/drawingml/2006/main" xmlns:r="http://schemas.openxmlformats.org/officeDocument/2006/relationships" xmlns:p="http://schemas.openxmlformats.org/presentationml/2006/main">
+  <p:cSld>
+    <p:spTree>
+      <p:nvGrpSpPr>
+        <p:cNvPr id="1" name=""/>
+        <p:cNvGrpSpPr/>
+        <p:nvPr/>
+      </p:nvGrpSpPr>
+      <p:grpSpPr>
+        <a:xfrm>
+          <a:off x="0" y="0"/>
+          <a:ext cx="0" cy="0"/>
+          <a:chOff x="0" y="0"/>
+          <a:chExt cx="0" cy="0"/>
+        </a:xfrm>
+      </p:grpSpPr>
+      <p:sp>
+        <p:nvSpPr>
+          <p:cNvPr id="2" name="Образ слайда 1"/>
+          <p:cNvSpPr>
+            <a:spLocks noGrp="1" noRot="1" noChangeAspect="1"/>
+          </p:cNvSpPr>
+          <p:nvPr>
+            <p:ph type="sldImg"/>
+          </p:nvPr>
+        </p:nvSpPr>
+        <p:spPr/>
+      </p:sp>
+      <p:sp>
+        <p:nvSpPr>
+          <p:cNvPr id="3" name="Заметки 2"/>
+          <p:cNvSpPr>
+            <a:spLocks noGrp="1"/>
+          </p:cNvSpPr>
+          <p:nvPr>
+            <p:ph type="body" idx="1"/>
+          </p:nvPr>
+        </p:nvSpPr>
+        <p:spPr/>
+        <p:txBody>
+          <a:bodyPr/>
+          <a:lstStyle/>
+          <a:p>
+            <a:pPr rtl="0" fontAlgn="base"/>
+            <a:r>
+              <a:rPr lang="ru-RU" sz="1200" b="0" i="0" kern="1200" dirty="0" smtClean="0">
+                <a:solidFill>
+                  <a:schemeClr val="tx1"/>
+                </a:solidFill>
+                <a:effectLst/>
+                <a:latin typeface="+mn-lt"/>
+                <a:ea typeface="+mn-ea"/>
+                <a:cs typeface="+mn-cs"/>
+              </a:rPr>
+              <a:t>Внутри условного выражения вполне возможно использовать механизм вывода типов напрямую. Такой выведенный тип будет доступен в ветви истинности выражения. </a:t>
+            </a:r>
+            <a:r>
+              <a:rPr lang="en-US" sz="1200" b="0" i="0" kern="1200" dirty="0" smtClean="0">
+                <a:solidFill>
+                  <a:schemeClr val="tx1"/>
+                </a:solidFill>
+                <a:effectLst/>
+                <a:latin typeface="+mn-lt"/>
+                <a:ea typeface="+mn-ea"/>
+                <a:cs typeface="+mn-cs"/>
+              </a:rPr>
+              <a:t>*</a:t>
+            </a:r>
+            <a:endParaRPr lang="ru-RU" sz="1200" b="0" i="0" kern="1200" dirty="0" smtClean="0">
+              <a:solidFill>
+                <a:schemeClr val="tx1"/>
+              </a:solidFill>
+              <a:effectLst/>
+              <a:latin typeface="+mn-lt"/>
+              <a:ea typeface="+mn-ea"/>
+              <a:cs typeface="+mn-cs"/>
+            </a:endParaRPr>
+          </a:p>
+        </p:txBody>
+      </p:sp>
+      <p:sp>
+        <p:nvSpPr>
+          <p:cNvPr id="4" name="Номер слайда 3"/>
+          <p:cNvSpPr>
+            <a:spLocks noGrp="1"/>
+          </p:cNvSpPr>
+          <p:nvPr>
+            <p:ph type="sldNum" sz="quarter" idx="10"/>
+          </p:nvPr>
+        </p:nvSpPr>
+        <p:spPr/>
+        <p:txBody>
+          <a:bodyPr/>
+          <a:lstStyle/>
+          <a:p>
+            <a:pPr marL="0" marR="0" lvl="0" indent="0" algn="r" defTabSz="914400" rtl="0" eaLnBrk="1" fontAlgn="auto" latinLnBrk="0" hangingPunct="1">
+              <a:lnSpc>
+                <a:spcPct val="100000"/>
+              </a:lnSpc>
+              <a:spcBef>
+                <a:spcPts val="0"/>
+              </a:spcBef>
+              <a:spcAft>
+                <a:spcPts val="0"/>
+              </a:spcAft>
+              <a:buClrTx/>
+              <a:buSzTx/>
+              <a:buFontTx/>
+              <a:buNone/>
+              <a:tabLst/>
+              <a:defRPr/>
+            </a:pPr>
+            <a:fld id="{622F1C9E-D65E-417E-9FEF-9AD7ACC20294}" type="slidenum">
+              <a:rPr kumimoji="0" lang="ru-RU" sz="1200" b="0" i="0" u="none" strike="noStrike" kern="1200" cap="none" spc="0" normalizeH="0" baseline="0" noProof="0" smtClean="0">
+                <a:ln>
+                  <a:noFill/>
+                </a:ln>
+                <a:solidFill>
+                  <a:prstClr val="black"/>
+                </a:solidFill>
+                <a:effectLst/>
+                <a:uLnTx/>
+                <a:uFillTx/>
+                <a:latin typeface="Calibri" panose="020F0502020204030204"/>
+                <a:ea typeface="+mn-ea"/>
+                <a:cs typeface="+mn-cs"/>
+              </a:rPr>
+              <a:pPr marL="0" marR="0" lvl="0" indent="0" algn="r" defTabSz="914400" rtl="0" eaLnBrk="1" fontAlgn="auto" latinLnBrk="0" hangingPunct="1">
+                <a:lnSpc>
+                  <a:spcPct val="100000"/>
+                </a:lnSpc>
+                <a:spcBef>
+                  <a:spcPts val="0"/>
+                </a:spcBef>
+                <a:spcAft>
+                  <a:spcPts val="0"/>
+                </a:spcAft>
+                <a:buClrTx/>
+                <a:buSzTx/>
+                <a:buFontTx/>
+                <a:buNone/>
+                <a:tabLst/>
+                <a:defRPr/>
+              </a:pPr>
+              <a:t>143</a:t>
+            </a:fld>
+            <a:endParaRPr kumimoji="0" lang="ru-RU" sz="1200" b="0" i="0" u="none" strike="noStrike" kern="1200" cap="none" spc="0" normalizeH="0" baseline="0" noProof="0">
+              <a:ln>
+                <a:noFill/>
+              </a:ln>
+              <a:solidFill>
+                <a:prstClr val="black"/>
+              </a:solidFill>
+              <a:effectLst/>
+              <a:uLnTx/>
+              <a:uFillTx/>
+              <a:latin typeface="Calibri" panose="020F0502020204030204"/>
+              <a:ea typeface="+mn-ea"/>
+              <a:cs typeface="+mn-cs"/>
+            </a:endParaRPr>
+          </a:p>
+        </p:txBody>
+      </p:sp>
+    </p:spTree>
+    <p:extLst>
+      <p:ext uri="{BB962C8B-B14F-4D97-AF65-F5344CB8AC3E}">
+        <p14:creationId xmlns:p14="http://schemas.microsoft.com/office/powerpoint/2010/main" val="2040334331"/>
+      </p:ext>
+    </p:extLst>
+  </p:cSld>
+  <p:clrMapOvr>
+    <a:masterClrMapping/>
+  </p:clrMapOvr>
+</p:notes>
+</file>
+
+<file path=ppt/notesSlides/notesSlide84.xml><?xml version="1.0" encoding="utf-8"?>
+<p:notes xmlns:a="http://schemas.openxmlformats.org/drawingml/2006/main" xmlns:r="http://schemas.openxmlformats.org/officeDocument/2006/relationships" xmlns:p="http://schemas.openxmlformats.org/presentationml/2006/main">
+  <p:cSld>
+    <p:spTree>
+      <p:nvGrpSpPr>
+        <p:cNvPr id="1" name=""/>
+        <p:cNvGrpSpPr/>
+        <p:nvPr/>
+      </p:nvGrpSpPr>
+      <p:grpSpPr>
+        <a:xfrm>
+          <a:off x="0" y="0"/>
+          <a:ext cx="0" cy="0"/>
+          <a:chOff x="0" y="0"/>
+          <a:chExt cx="0" cy="0"/>
+        </a:xfrm>
+      </p:grpSpPr>
+      <p:sp>
+        <p:nvSpPr>
+          <p:cNvPr id="2" name="Образ слайда 1"/>
+          <p:cNvSpPr>
+            <a:spLocks noGrp="1" noRot="1" noChangeAspect="1"/>
+          </p:cNvSpPr>
+          <p:nvPr>
+            <p:ph type="sldImg"/>
+          </p:nvPr>
+        </p:nvSpPr>
+        <p:spPr/>
+      </p:sp>
+      <p:sp>
+        <p:nvSpPr>
+          <p:cNvPr id="3" name="Заметки 2"/>
+          <p:cNvSpPr>
+            <a:spLocks noGrp="1"/>
+          </p:cNvSpPr>
+          <p:nvPr>
+            <p:ph type="body" idx="1"/>
+          </p:nvPr>
+        </p:nvSpPr>
+        <p:spPr/>
+        <p:txBody>
+          <a:bodyPr/>
+          <a:lstStyle/>
+          <a:p>
+            <a:pPr rtl="0" fontAlgn="base"/>
+            <a:endParaRPr lang="ru-RU" sz="1200" b="0" i="0" kern="1200" dirty="0" smtClean="0">
+              <a:solidFill>
+                <a:schemeClr val="tx1"/>
+              </a:solidFill>
+              <a:effectLst/>
+              <a:latin typeface="+mn-lt"/>
+              <a:ea typeface="+mn-ea"/>
+              <a:cs typeface="+mn-cs"/>
+            </a:endParaRPr>
+          </a:p>
+        </p:txBody>
+      </p:sp>
+      <p:sp>
+        <p:nvSpPr>
+          <p:cNvPr id="4" name="Номер слайда 3"/>
+          <p:cNvSpPr>
+            <a:spLocks noGrp="1"/>
+          </p:cNvSpPr>
+          <p:nvPr>
+            <p:ph type="sldNum" sz="quarter" idx="10"/>
+          </p:nvPr>
+        </p:nvSpPr>
+        <p:spPr/>
+        <p:txBody>
+          <a:bodyPr/>
+          <a:lstStyle/>
+          <a:p>
+            <a:pPr marL="0" marR="0" lvl="0" indent="0" algn="r" defTabSz="914400" rtl="0" eaLnBrk="1" fontAlgn="auto" latinLnBrk="0" hangingPunct="1">
+              <a:lnSpc>
+                <a:spcPct val="100000"/>
+              </a:lnSpc>
+              <a:spcBef>
+                <a:spcPts val="0"/>
+              </a:spcBef>
+              <a:spcAft>
+                <a:spcPts val="0"/>
+              </a:spcAft>
+              <a:buClrTx/>
+              <a:buSzTx/>
+              <a:buFontTx/>
+              <a:buNone/>
+              <a:tabLst/>
+              <a:defRPr/>
+            </a:pPr>
+            <a:fld id="{622F1C9E-D65E-417E-9FEF-9AD7ACC20294}" type="slidenum">
+              <a:rPr kumimoji="0" lang="ru-RU" sz="1200" b="0" i="0" u="none" strike="noStrike" kern="1200" cap="none" spc="0" normalizeH="0" baseline="0" noProof="0" smtClean="0">
+                <a:ln>
+                  <a:noFill/>
+                </a:ln>
+                <a:solidFill>
+                  <a:prstClr val="black"/>
+                </a:solidFill>
+                <a:effectLst/>
+                <a:uLnTx/>
+                <a:uFillTx/>
+                <a:latin typeface="Calibri" panose="020F0502020204030204"/>
+                <a:ea typeface="+mn-ea"/>
+                <a:cs typeface="+mn-cs"/>
+              </a:rPr>
+              <a:pPr marL="0" marR="0" lvl="0" indent="0" algn="r" defTabSz="914400" rtl="0" eaLnBrk="1" fontAlgn="auto" latinLnBrk="0" hangingPunct="1">
+                <a:lnSpc>
+                  <a:spcPct val="100000"/>
+                </a:lnSpc>
+                <a:spcBef>
+                  <a:spcPts val="0"/>
+                </a:spcBef>
+                <a:spcAft>
+                  <a:spcPts val="0"/>
+                </a:spcAft>
+                <a:buClrTx/>
+                <a:buSzTx/>
+                <a:buFontTx/>
+                <a:buNone/>
+                <a:tabLst/>
+                <a:defRPr/>
+              </a:pPr>
+              <a:t>144</a:t>
+            </a:fld>
+            <a:endParaRPr kumimoji="0" lang="ru-RU" sz="1200" b="0" i="0" u="none" strike="noStrike" kern="1200" cap="none" spc="0" normalizeH="0" baseline="0" noProof="0">
+              <a:ln>
+                <a:noFill/>
+              </a:ln>
+              <a:solidFill>
+                <a:prstClr val="black"/>
+              </a:solidFill>
+              <a:effectLst/>
+              <a:uLnTx/>
+              <a:uFillTx/>
+              <a:latin typeface="Calibri" panose="020F0502020204030204"/>
+              <a:ea typeface="+mn-ea"/>
+              <a:cs typeface="+mn-cs"/>
+            </a:endParaRPr>
+          </a:p>
+        </p:txBody>
+      </p:sp>
+    </p:spTree>
+    <p:extLst>
+      <p:ext uri="{BB962C8B-B14F-4D97-AF65-F5344CB8AC3E}">
+        <p14:creationId xmlns:p14="http://schemas.microsoft.com/office/powerpoint/2010/main" val="2617709530"/>
+      </p:ext>
+    </p:extLst>
+  </p:cSld>
+  <p:clrMapOvr>
+    <a:masterClrMapping/>
+  </p:clrMapOvr>
+</p:notes>
+</file>
+
+<file path=ppt/notesSlides/notesSlide85.xml><?xml version="1.0" encoding="utf-8"?>
+<p:notes xmlns:a="http://schemas.openxmlformats.org/drawingml/2006/main" xmlns:r="http://schemas.openxmlformats.org/officeDocument/2006/relationships" xmlns:p="http://schemas.openxmlformats.org/presentationml/2006/main">
+  <p:cSld>
+    <p:spTree>
+      <p:nvGrpSpPr>
+        <p:cNvPr id="1" name=""/>
+        <p:cNvGrpSpPr/>
+        <p:nvPr/>
+      </p:nvGrpSpPr>
+      <p:grpSpPr>
+        <a:xfrm>
+          <a:off x="0" y="0"/>
+          <a:ext cx="0" cy="0"/>
+          <a:chOff x="0" y="0"/>
+          <a:chExt cx="0" cy="0"/>
+        </a:xfrm>
+      </p:grpSpPr>
+      <p:sp>
+        <p:nvSpPr>
+          <p:cNvPr id="2" name="Образ слайда 1"/>
+          <p:cNvSpPr>
+            <a:spLocks noGrp="1" noRot="1" noChangeAspect="1"/>
+          </p:cNvSpPr>
+          <p:nvPr>
+            <p:ph type="sldImg"/>
+          </p:nvPr>
+        </p:nvSpPr>
+        <p:spPr/>
+      </p:sp>
+      <p:sp>
+        <p:nvSpPr>
+          <p:cNvPr id="3" name="Заметки 2"/>
+          <p:cNvSpPr>
+            <a:spLocks noGrp="1"/>
+          </p:cNvSpPr>
+          <p:nvPr>
+            <p:ph type="body" idx="1"/>
+          </p:nvPr>
+        </p:nvSpPr>
+        <p:spPr/>
+        <p:txBody>
+          <a:bodyPr/>
+          <a:lstStyle/>
+          <a:p>
+            <a:pPr rtl="0" fontAlgn="base"/>
+            <a:r>
+              <a:rPr lang="ru-RU" sz="1200" b="0" i="0" kern="1200" dirty="0" err="1" smtClean="0">
+                <a:solidFill>
+                  <a:schemeClr val="tx1"/>
+                </a:solidFill>
+                <a:effectLst/>
+                <a:latin typeface="+mn-lt"/>
+                <a:ea typeface="+mn-ea"/>
+                <a:cs typeface="+mn-cs"/>
+              </a:rPr>
+              <a:t>ковариантностью</a:t>
+            </a:r>
+            <a:r>
+              <a:rPr lang="en-US" sz="1200" b="0" i="0" kern="1200" dirty="0" smtClean="0">
+                <a:solidFill>
+                  <a:schemeClr val="tx1"/>
+                </a:solidFill>
+                <a:effectLst/>
+                <a:latin typeface="+mn-lt"/>
+                <a:ea typeface="+mn-ea"/>
+                <a:cs typeface="+mn-cs"/>
+              </a:rPr>
+              <a:t>*</a:t>
+            </a:r>
+            <a:endParaRPr lang="ru-RU" sz="1200" b="0" i="0" kern="1200" dirty="0" smtClean="0">
+              <a:solidFill>
+                <a:schemeClr val="tx1"/>
+              </a:solidFill>
+              <a:effectLst/>
+              <a:latin typeface="+mn-lt"/>
+              <a:ea typeface="+mn-ea"/>
+              <a:cs typeface="+mn-cs"/>
+            </a:endParaRPr>
+          </a:p>
+        </p:txBody>
+      </p:sp>
+      <p:sp>
+        <p:nvSpPr>
+          <p:cNvPr id="4" name="Номер слайда 3"/>
+          <p:cNvSpPr>
+            <a:spLocks noGrp="1"/>
+          </p:cNvSpPr>
+          <p:nvPr>
+            <p:ph type="sldNum" sz="quarter" idx="10"/>
+          </p:nvPr>
+        </p:nvSpPr>
+        <p:spPr/>
+        <p:txBody>
+          <a:bodyPr/>
+          <a:lstStyle/>
+          <a:p>
+            <a:pPr marL="0" marR="0" lvl="0" indent="0" algn="r" defTabSz="914400" rtl="0" eaLnBrk="1" fontAlgn="auto" latinLnBrk="0" hangingPunct="1">
+              <a:lnSpc>
+                <a:spcPct val="100000"/>
+              </a:lnSpc>
+              <a:spcBef>
+                <a:spcPts val="0"/>
+              </a:spcBef>
+              <a:spcAft>
+                <a:spcPts val="0"/>
+              </a:spcAft>
+              <a:buClrTx/>
+              <a:buSzTx/>
+              <a:buFontTx/>
+              <a:buNone/>
+              <a:tabLst/>
+              <a:defRPr/>
+            </a:pPr>
+            <a:fld id="{622F1C9E-D65E-417E-9FEF-9AD7ACC20294}" type="slidenum">
+              <a:rPr kumimoji="0" lang="ru-RU" sz="1200" b="0" i="0" u="none" strike="noStrike" kern="1200" cap="none" spc="0" normalizeH="0" baseline="0" noProof="0" smtClean="0">
+                <a:ln>
+                  <a:noFill/>
+                </a:ln>
+                <a:solidFill>
+                  <a:prstClr val="black"/>
+                </a:solidFill>
+                <a:effectLst/>
+                <a:uLnTx/>
+                <a:uFillTx/>
+                <a:latin typeface="Calibri" panose="020F0502020204030204"/>
+                <a:ea typeface="+mn-ea"/>
+                <a:cs typeface="+mn-cs"/>
+              </a:rPr>
+              <a:pPr marL="0" marR="0" lvl="0" indent="0" algn="r" defTabSz="914400" rtl="0" eaLnBrk="1" fontAlgn="auto" latinLnBrk="0" hangingPunct="1">
+                <a:lnSpc>
+                  <a:spcPct val="100000"/>
+                </a:lnSpc>
+                <a:spcBef>
+                  <a:spcPts val="0"/>
+                </a:spcBef>
+                <a:spcAft>
+                  <a:spcPts val="0"/>
+                </a:spcAft>
+                <a:buClrTx/>
+                <a:buSzTx/>
+                <a:buFontTx/>
+                <a:buNone/>
+                <a:tabLst/>
+                <a:defRPr/>
+              </a:pPr>
+              <a:t>145</a:t>
+            </a:fld>
+            <a:endParaRPr kumimoji="0" lang="ru-RU" sz="1200" b="0" i="0" u="none" strike="noStrike" kern="1200" cap="none" spc="0" normalizeH="0" baseline="0" noProof="0">
+              <a:ln>
+                <a:noFill/>
+              </a:ln>
+              <a:solidFill>
+                <a:prstClr val="black"/>
+              </a:solidFill>
+              <a:effectLst/>
+              <a:uLnTx/>
+              <a:uFillTx/>
+              <a:latin typeface="Calibri" panose="020F0502020204030204"/>
+              <a:ea typeface="+mn-ea"/>
+              <a:cs typeface="+mn-cs"/>
+            </a:endParaRPr>
+          </a:p>
+        </p:txBody>
+      </p:sp>
+    </p:spTree>
+    <p:extLst>
+      <p:ext uri="{BB962C8B-B14F-4D97-AF65-F5344CB8AC3E}">
+        <p14:creationId xmlns:p14="http://schemas.microsoft.com/office/powerpoint/2010/main" val="2552275641"/>
+      </p:ext>
+    </p:extLst>
+  </p:cSld>
+  <p:clrMapOvr>
+    <a:masterClrMapping/>
+  </p:clrMapOvr>
+</p:notes>
+</file>
+
+<file path=ppt/notesSlides/notesSlide86.xml><?xml version="1.0" encoding="utf-8"?>
+<p:notes xmlns:a="http://schemas.openxmlformats.org/drawingml/2006/main" xmlns:r="http://schemas.openxmlformats.org/officeDocument/2006/relationships" xmlns:p="http://schemas.openxmlformats.org/presentationml/2006/main">
+  <p:cSld>
+    <p:spTree>
+      <p:nvGrpSpPr>
+        <p:cNvPr id="1" name=""/>
+        <p:cNvGrpSpPr/>
+        <p:nvPr/>
+      </p:nvGrpSpPr>
+      <p:grpSpPr>
+        <a:xfrm>
+          <a:off x="0" y="0"/>
+          <a:ext cx="0" cy="0"/>
+          <a:chOff x="0" y="0"/>
+          <a:chExt cx="0" cy="0"/>
+        </a:xfrm>
+      </p:grpSpPr>
+      <p:sp>
+        <p:nvSpPr>
+          <p:cNvPr id="2" name="Образ слайда 1"/>
+          <p:cNvSpPr>
+            <a:spLocks noGrp="1" noRot="1" noChangeAspect="1"/>
+          </p:cNvSpPr>
+          <p:nvPr>
+            <p:ph type="sldImg"/>
+          </p:nvPr>
+        </p:nvSpPr>
+        <p:spPr/>
+      </p:sp>
+      <p:sp>
+        <p:nvSpPr>
+          <p:cNvPr id="3" name="Заметки 2"/>
+          <p:cNvSpPr>
+            <a:spLocks noGrp="1"/>
+          </p:cNvSpPr>
+          <p:nvPr>
+            <p:ph type="body" idx="1"/>
+          </p:nvPr>
+        </p:nvSpPr>
+        <p:spPr/>
+        <p:txBody>
+          <a:bodyPr/>
+          <a:lstStyle/>
+          <a:p>
+            <a:pPr rtl="0" fontAlgn="base"/>
+            <a:r>
+              <a:rPr lang="ru-RU" sz="1200" b="0" i="0" kern="1200" dirty="0" err="1" smtClean="0">
+                <a:solidFill>
+                  <a:schemeClr val="tx1"/>
+                </a:solidFill>
+                <a:effectLst/>
+                <a:latin typeface="+mn-lt"/>
+                <a:ea typeface="+mn-ea"/>
+                <a:cs typeface="+mn-cs"/>
+              </a:rPr>
+              <a:t>контрвариантами</a:t>
+            </a:r>
+            <a:endParaRPr lang="ru-RU" sz="1200" b="0" i="0" kern="1200" dirty="0" smtClean="0">
+              <a:solidFill>
+                <a:schemeClr val="tx1"/>
+              </a:solidFill>
+              <a:effectLst/>
+              <a:latin typeface="+mn-lt"/>
+              <a:ea typeface="+mn-ea"/>
+              <a:cs typeface="+mn-cs"/>
+            </a:endParaRPr>
+          </a:p>
+        </p:txBody>
+      </p:sp>
+      <p:sp>
+        <p:nvSpPr>
+          <p:cNvPr id="4" name="Номер слайда 3"/>
+          <p:cNvSpPr>
+            <a:spLocks noGrp="1"/>
+          </p:cNvSpPr>
+          <p:nvPr>
+            <p:ph type="sldNum" sz="quarter" idx="10"/>
+          </p:nvPr>
+        </p:nvSpPr>
+        <p:spPr/>
+        <p:txBody>
+          <a:bodyPr/>
+          <a:lstStyle/>
+          <a:p>
+            <a:pPr marL="0" marR="0" lvl="0" indent="0" algn="r" defTabSz="914400" rtl="0" eaLnBrk="1" fontAlgn="auto" latinLnBrk="0" hangingPunct="1">
+              <a:lnSpc>
+                <a:spcPct val="100000"/>
+              </a:lnSpc>
+              <a:spcBef>
+                <a:spcPts val="0"/>
+              </a:spcBef>
+              <a:spcAft>
+                <a:spcPts val="0"/>
+              </a:spcAft>
+              <a:buClrTx/>
+              <a:buSzTx/>
+              <a:buFontTx/>
+              <a:buNone/>
+              <a:tabLst/>
+              <a:defRPr/>
+            </a:pPr>
+            <a:fld id="{622F1C9E-D65E-417E-9FEF-9AD7ACC20294}" type="slidenum">
+              <a:rPr kumimoji="0" lang="ru-RU" sz="1200" b="0" i="0" u="none" strike="noStrike" kern="1200" cap="none" spc="0" normalizeH="0" baseline="0" noProof="0" smtClean="0">
+                <a:ln>
+                  <a:noFill/>
+                </a:ln>
+                <a:solidFill>
+                  <a:prstClr val="black"/>
+                </a:solidFill>
+                <a:effectLst/>
+                <a:uLnTx/>
+                <a:uFillTx/>
+                <a:latin typeface="Calibri" panose="020F0502020204030204"/>
+                <a:ea typeface="+mn-ea"/>
+                <a:cs typeface="+mn-cs"/>
+              </a:rPr>
+              <a:pPr marL="0" marR="0" lvl="0" indent="0" algn="r" defTabSz="914400" rtl="0" eaLnBrk="1" fontAlgn="auto" latinLnBrk="0" hangingPunct="1">
+                <a:lnSpc>
+                  <a:spcPct val="100000"/>
+                </a:lnSpc>
+                <a:spcBef>
+                  <a:spcPts val="0"/>
+                </a:spcBef>
+                <a:spcAft>
+                  <a:spcPts val="0"/>
+                </a:spcAft>
+                <a:buClrTx/>
+                <a:buSzTx/>
+                <a:buFontTx/>
+                <a:buNone/>
+                <a:tabLst/>
+                <a:defRPr/>
+              </a:pPr>
+              <a:t>146</a:t>
+            </a:fld>
+            <a:endParaRPr kumimoji="0" lang="ru-RU" sz="1200" b="0" i="0" u="none" strike="noStrike" kern="1200" cap="none" spc="0" normalizeH="0" baseline="0" noProof="0">
+              <a:ln>
+                <a:noFill/>
+              </a:ln>
+              <a:solidFill>
+                <a:prstClr val="black"/>
+              </a:solidFill>
+              <a:effectLst/>
+              <a:uLnTx/>
+              <a:uFillTx/>
+              <a:latin typeface="Calibri" panose="020F0502020204030204"/>
+              <a:ea typeface="+mn-ea"/>
+              <a:cs typeface="+mn-cs"/>
+            </a:endParaRPr>
+          </a:p>
+        </p:txBody>
+      </p:sp>
+    </p:spTree>
+    <p:extLst>
+      <p:ext uri="{BB962C8B-B14F-4D97-AF65-F5344CB8AC3E}">
+        <p14:creationId xmlns:p14="http://schemas.microsoft.com/office/powerpoint/2010/main" val="1397348358"/>
+      </p:ext>
+    </p:extLst>
+  </p:cSld>
+  <p:clrMapOvr>
+    <a:masterClrMapping/>
+  </p:clrMapOvr>
+</p:notes>
+</file>
+
+<file path=ppt/notesSlides/notesSlide87.xml><?xml version="1.0" encoding="utf-8"?>
+<p:notes xmlns:a="http://schemas.openxmlformats.org/drawingml/2006/main" xmlns:r="http://schemas.openxmlformats.org/officeDocument/2006/relationships" xmlns:p="http://schemas.openxmlformats.org/presentationml/2006/main">
+  <p:cSld>
+    <p:spTree>
+      <p:nvGrpSpPr>
+        <p:cNvPr id="1" name=""/>
+        <p:cNvGrpSpPr/>
+        <p:nvPr/>
+      </p:nvGrpSpPr>
+      <p:grpSpPr>
+        <a:xfrm>
+          <a:off x="0" y="0"/>
+          <a:ext cx="0" cy="0"/>
+          <a:chOff x="0" y="0"/>
+          <a:chExt cx="0" cy="0"/>
+        </a:xfrm>
+      </p:grpSpPr>
+      <p:sp>
+        <p:nvSpPr>
+          <p:cNvPr id="2" name="Образ слайда 1"/>
+          <p:cNvSpPr>
+            <a:spLocks noGrp="1" noRot="1" noChangeAspect="1"/>
+          </p:cNvSpPr>
+          <p:nvPr>
+            <p:ph type="sldImg"/>
+          </p:nvPr>
+        </p:nvSpPr>
+        <p:spPr/>
+      </p:sp>
+      <p:sp>
+        <p:nvSpPr>
+          <p:cNvPr id="3" name="Заметки 2"/>
+          <p:cNvSpPr>
+            <a:spLocks noGrp="1"/>
+          </p:cNvSpPr>
+          <p:nvPr>
+            <p:ph type="body" idx="1"/>
+          </p:nvPr>
+        </p:nvSpPr>
+        <p:spPr/>
+        <p:txBody>
+          <a:bodyPr/>
+          <a:lstStyle/>
+          <a:p>
+            <a:pPr rtl="0" fontAlgn="base"/>
+            <a:r>
+              <a:rPr lang="ru-RU" sz="1200" b="0" i="0" kern="1200" dirty="0" smtClean="0">
+                <a:solidFill>
+                  <a:schemeClr val="tx1"/>
+                </a:solidFill>
+                <a:effectLst/>
+                <a:latin typeface="+mn-lt"/>
+                <a:ea typeface="+mn-ea"/>
+                <a:cs typeface="+mn-cs"/>
+              </a:rPr>
+              <a:t>Посмотрим примеры*</a:t>
+            </a:r>
+            <a:endParaRPr lang="en-US" sz="1200" b="0" i="0" kern="1200" dirty="0" smtClean="0">
+              <a:solidFill>
+                <a:schemeClr val="tx1"/>
+              </a:solidFill>
+              <a:effectLst/>
+              <a:latin typeface="+mn-lt"/>
+              <a:ea typeface="+mn-ea"/>
+              <a:cs typeface="+mn-cs"/>
+            </a:endParaRPr>
+          </a:p>
+          <a:p>
+            <a:pPr rtl="0" fontAlgn="base"/>
+            <a:endParaRPr lang="en-US" sz="1200" b="0" i="0" kern="1200" dirty="0" smtClean="0">
+              <a:solidFill>
+                <a:schemeClr val="tx1"/>
+              </a:solidFill>
+              <a:effectLst/>
+              <a:latin typeface="+mn-lt"/>
+              <a:ea typeface="+mn-ea"/>
+              <a:cs typeface="+mn-cs"/>
+            </a:endParaRPr>
+          </a:p>
+          <a:p>
+            <a:pPr rtl="0" fontAlgn="base"/>
+            <a:r>
+              <a:rPr lang="ru-RU" sz="1200" b="0" i="0" kern="1200" dirty="0" smtClean="0">
+                <a:solidFill>
+                  <a:schemeClr val="tx1"/>
+                </a:solidFill>
+                <a:effectLst/>
+                <a:latin typeface="+mn-lt"/>
+                <a:ea typeface="+mn-ea"/>
+                <a:cs typeface="+mn-cs"/>
+              </a:rPr>
+              <a:t>Задание: написать оставшиеся</a:t>
+            </a:r>
+            <a:r>
+              <a:rPr lang="ru-RU" sz="1200" b="0" i="0" kern="1200" baseline="0" dirty="0" smtClean="0">
+                <a:solidFill>
+                  <a:schemeClr val="tx1"/>
+                </a:solidFill>
+                <a:effectLst/>
+                <a:latin typeface="+mn-lt"/>
+                <a:ea typeface="+mn-ea"/>
+                <a:cs typeface="+mn-cs"/>
+              </a:rPr>
+              <a:t> </a:t>
+            </a:r>
+            <a:r>
+              <a:rPr lang="en-US" sz="1200" b="0" i="0" kern="1200" baseline="0" dirty="0" smtClean="0">
+                <a:solidFill>
+                  <a:schemeClr val="tx1"/>
+                </a:solidFill>
+                <a:effectLst/>
+                <a:latin typeface="+mn-lt"/>
+                <a:ea typeface="+mn-ea"/>
+                <a:cs typeface="+mn-cs"/>
+              </a:rPr>
+              <a:t>built-in </a:t>
+            </a:r>
+            <a:r>
+              <a:rPr lang="ru-RU" sz="1200" b="0" i="0" kern="1200" baseline="0" smtClean="0">
+                <a:solidFill>
+                  <a:schemeClr val="tx1"/>
+                </a:solidFill>
+                <a:effectLst/>
+                <a:latin typeface="+mn-lt"/>
+                <a:ea typeface="+mn-ea"/>
+                <a:cs typeface="+mn-cs"/>
+              </a:rPr>
+              <a:t>типы</a:t>
+            </a:r>
+            <a:endParaRPr lang="ru-RU" sz="1200" b="0" i="0" kern="1200" dirty="0" smtClean="0">
+              <a:solidFill>
+                <a:schemeClr val="tx1"/>
+              </a:solidFill>
+              <a:effectLst/>
+              <a:latin typeface="+mn-lt"/>
+              <a:ea typeface="+mn-ea"/>
+              <a:cs typeface="+mn-cs"/>
+            </a:endParaRPr>
+          </a:p>
+        </p:txBody>
+      </p:sp>
+      <p:sp>
+        <p:nvSpPr>
+          <p:cNvPr id="4" name="Номер слайда 3"/>
+          <p:cNvSpPr>
+            <a:spLocks noGrp="1"/>
+          </p:cNvSpPr>
+          <p:nvPr>
+            <p:ph type="sldNum" sz="quarter" idx="10"/>
+          </p:nvPr>
+        </p:nvSpPr>
+        <p:spPr/>
+        <p:txBody>
+          <a:bodyPr/>
+          <a:lstStyle/>
+          <a:p>
+            <a:pPr marL="0" marR="0" lvl="0" indent="0" algn="r" defTabSz="914400" rtl="0" eaLnBrk="1" fontAlgn="auto" latinLnBrk="0" hangingPunct="1">
+              <a:lnSpc>
+                <a:spcPct val="100000"/>
+              </a:lnSpc>
+              <a:spcBef>
+                <a:spcPts val="0"/>
+              </a:spcBef>
+              <a:spcAft>
+                <a:spcPts val="0"/>
+              </a:spcAft>
+              <a:buClrTx/>
+              <a:buSzTx/>
+              <a:buFontTx/>
+              <a:buNone/>
+              <a:tabLst/>
+              <a:defRPr/>
+            </a:pPr>
+            <a:fld id="{622F1C9E-D65E-417E-9FEF-9AD7ACC20294}" type="slidenum">
+              <a:rPr kumimoji="0" lang="ru-RU" sz="1200" b="0" i="0" u="none" strike="noStrike" kern="1200" cap="none" spc="0" normalizeH="0" baseline="0" noProof="0" smtClean="0">
+                <a:ln>
+                  <a:noFill/>
+                </a:ln>
+                <a:solidFill>
+                  <a:prstClr val="black"/>
+                </a:solidFill>
+                <a:effectLst/>
+                <a:uLnTx/>
+                <a:uFillTx/>
+                <a:latin typeface="Calibri" panose="020F0502020204030204"/>
+                <a:ea typeface="+mn-ea"/>
+                <a:cs typeface="+mn-cs"/>
+              </a:rPr>
+              <a:pPr marL="0" marR="0" lvl="0" indent="0" algn="r" defTabSz="914400" rtl="0" eaLnBrk="1" fontAlgn="auto" latinLnBrk="0" hangingPunct="1">
+                <a:lnSpc>
+                  <a:spcPct val="100000"/>
+                </a:lnSpc>
+                <a:spcBef>
+                  <a:spcPts val="0"/>
+                </a:spcBef>
+                <a:spcAft>
+                  <a:spcPts val="0"/>
+                </a:spcAft>
+                <a:buClrTx/>
+                <a:buSzTx/>
+                <a:buFontTx/>
+                <a:buNone/>
+                <a:tabLst/>
+                <a:defRPr/>
+              </a:pPr>
+              <a:t>147</a:t>
+            </a:fld>
+            <a:endParaRPr kumimoji="0" lang="ru-RU" sz="1200" b="0" i="0" u="none" strike="noStrike" kern="1200" cap="none" spc="0" normalizeH="0" baseline="0" noProof="0">
+              <a:ln>
+                <a:noFill/>
+              </a:ln>
+              <a:solidFill>
+                <a:prstClr val="black"/>
+              </a:solidFill>
+              <a:effectLst/>
+              <a:uLnTx/>
+              <a:uFillTx/>
+              <a:latin typeface="Calibri" panose="020F0502020204030204"/>
+              <a:ea typeface="+mn-ea"/>
+              <a:cs typeface="+mn-cs"/>
+            </a:endParaRPr>
+          </a:p>
+        </p:txBody>
+      </p:sp>
+    </p:spTree>
+    <p:extLst>
+      <p:ext uri="{BB962C8B-B14F-4D97-AF65-F5344CB8AC3E}">
+        <p14:creationId xmlns:p14="http://schemas.microsoft.com/office/powerpoint/2010/main" val="913784111"/>
+      </p:ext>
+    </p:extLst>
+  </p:cSld>
+  <p:clrMapOvr>
+    <a:masterClrMapping/>
+  </p:clrMapOvr>
+</p:notes>
+</file>
+
 <file path=ppt/notesSlides/notesSlide9.xml><?xml version="1.0" encoding="utf-8"?>
 <p:notes xmlns:a="http://schemas.openxmlformats.org/drawingml/2006/main" xmlns:r="http://schemas.openxmlformats.org/officeDocument/2006/relationships" xmlns:p="http://schemas.openxmlformats.org/presentationml/2006/main">
   <p:cSld>
@@ -21375,7 +22467,7 @@
           <a:p>
             <a:fld id="{F2FFB779-270B-4192-84BA-A697F48306DC}" type="datetimeFigureOut">
               <a:rPr lang="ru-RU" smtClean="0"/>
-              <a:t>27.07.2020</a:t>
+              <a:t>28.07.2020</a:t>
             </a:fld>
             <a:endParaRPr lang="ru-RU"/>
           </a:p>
@@ -21543,7 +22635,7 @@
           <a:p>
             <a:fld id="{F2FFB779-270B-4192-84BA-A697F48306DC}" type="datetimeFigureOut">
               <a:rPr lang="ru-RU" smtClean="0"/>
-              <a:t>27.07.2020</a:t>
+              <a:t>28.07.2020</a:t>
             </a:fld>
             <a:endParaRPr lang="ru-RU"/>
           </a:p>
@@ -21721,7 +22813,7 @@
           <a:p>
             <a:fld id="{F2FFB779-270B-4192-84BA-A697F48306DC}" type="datetimeFigureOut">
               <a:rPr lang="ru-RU" smtClean="0"/>
-              <a:t>27.07.2020</a:t>
+              <a:t>28.07.2020</a:t>
             </a:fld>
             <a:endParaRPr lang="ru-RU"/>
           </a:p>
@@ -21889,7 +22981,7 @@
           <a:p>
             <a:fld id="{F2FFB779-270B-4192-84BA-A697F48306DC}" type="datetimeFigureOut">
               <a:rPr lang="ru-RU" smtClean="0"/>
-              <a:t>27.07.2020</a:t>
+              <a:t>28.07.2020</a:t>
             </a:fld>
             <a:endParaRPr lang="ru-RU"/>
           </a:p>
@@ -22134,7 +23226,7 @@
           <a:p>
             <a:fld id="{F2FFB779-270B-4192-84BA-A697F48306DC}" type="datetimeFigureOut">
               <a:rPr lang="ru-RU" smtClean="0"/>
-              <a:t>27.07.2020</a:t>
+              <a:t>28.07.2020</a:t>
             </a:fld>
             <a:endParaRPr lang="ru-RU"/>
           </a:p>
@@ -22363,7 +23455,7 @@
           <a:p>
             <a:fld id="{F2FFB779-270B-4192-84BA-A697F48306DC}" type="datetimeFigureOut">
               <a:rPr lang="ru-RU" smtClean="0"/>
-              <a:t>27.07.2020</a:t>
+              <a:t>28.07.2020</a:t>
             </a:fld>
             <a:endParaRPr lang="ru-RU"/>
           </a:p>
@@ -22727,7 +23819,7 @@
           <a:p>
             <a:fld id="{F2FFB779-270B-4192-84BA-A697F48306DC}" type="datetimeFigureOut">
               <a:rPr lang="ru-RU" smtClean="0"/>
-              <a:t>27.07.2020</a:t>
+              <a:t>28.07.2020</a:t>
             </a:fld>
             <a:endParaRPr lang="ru-RU"/>
           </a:p>
@@ -22844,7 +23936,7 @@
           <a:p>
             <a:fld id="{F2FFB779-270B-4192-84BA-A697F48306DC}" type="datetimeFigureOut">
               <a:rPr lang="ru-RU" smtClean="0"/>
-              <a:t>27.07.2020</a:t>
+              <a:t>28.07.2020</a:t>
             </a:fld>
             <a:endParaRPr lang="ru-RU"/>
           </a:p>
@@ -22939,7 +24031,7 @@
           <a:p>
             <a:fld id="{F2FFB779-270B-4192-84BA-A697F48306DC}" type="datetimeFigureOut">
               <a:rPr lang="ru-RU" smtClean="0"/>
-              <a:t>27.07.2020</a:t>
+              <a:t>28.07.2020</a:t>
             </a:fld>
             <a:endParaRPr lang="ru-RU"/>
           </a:p>
@@ -23214,7 +24306,7 @@
           <a:p>
             <a:fld id="{F2FFB779-270B-4192-84BA-A697F48306DC}" type="datetimeFigureOut">
               <a:rPr lang="ru-RU" smtClean="0"/>
-              <a:t>27.07.2020</a:t>
+              <a:t>28.07.2020</a:t>
             </a:fld>
             <a:endParaRPr lang="ru-RU"/>
           </a:p>
@@ -23466,7 +24558,7 @@
           <a:p>
             <a:fld id="{F2FFB779-270B-4192-84BA-A697F48306DC}" type="datetimeFigureOut">
               <a:rPr lang="ru-RU" smtClean="0"/>
-              <a:t>27.07.2020</a:t>
+              <a:t>28.07.2020</a:t>
             </a:fld>
             <a:endParaRPr lang="ru-RU"/>
           </a:p>
@@ -23677,7 +24769,7 @@
           <a:p>
             <a:fld id="{F2FFB779-270B-4192-84BA-A697F48306DC}" type="datetimeFigureOut">
               <a:rPr lang="ru-RU" smtClean="0"/>
-              <a:t>27.07.2020</a:t>
+              <a:t>28.07.2020</a:t>
             </a:fld>
             <a:endParaRPr lang="ru-RU"/>
           </a:p>
@@ -24095,7 +25187,7 @@
           <p:cNvPr id="4" name="TextBox 3">
             <a:extLst>
               <a:ext uri="{FF2B5EF4-FFF2-40B4-BE49-F238E27FC236}">
-                <a16:creationId xmlns:a16="http://schemas.microsoft.com/office/drawing/2014/main" xmlns="" id="{04D158B8-9362-4BF2-882E-C13EA3EF3EF0}"/>
+                <a16:creationId xmlns:a16="http://schemas.microsoft.com/office/drawing/2014/main" id="{04D158B8-9362-4BF2-882E-C13EA3EF3EF0}"/>
               </a:ext>
             </a:extLst>
           </p:cNvPr>
@@ -24187,7 +25279,7 @@
           <p:cNvPr id="2" name="Рисунок 2" descr="Изображение выглядит как знак&#10;&#10;Автоматически созданное описание">
             <a:extLst>
               <a:ext uri="{FF2B5EF4-FFF2-40B4-BE49-F238E27FC236}">
-                <a16:creationId xmlns:a16="http://schemas.microsoft.com/office/drawing/2014/main" xmlns="" id="{643AF698-9649-4FE5-B57B-D63B1979621A}"/>
+                <a16:creationId xmlns:a16="http://schemas.microsoft.com/office/drawing/2014/main" id="{643AF698-9649-4FE5-B57B-D63B1979621A}"/>
               </a:ext>
             </a:extLst>
           </p:cNvPr>
@@ -24217,7 +25309,7 @@
           <p:cNvPr id="6" name="Рисунок 2" descr="Изображение выглядит как знак&#10;&#10;Автоматически созданное описание">
             <a:extLst>
               <a:ext uri="{FF2B5EF4-FFF2-40B4-BE49-F238E27FC236}">
-                <a16:creationId xmlns:a16="http://schemas.microsoft.com/office/drawing/2014/main" xmlns="" id="{E62650C7-5A56-4458-8455-E76C997A3CCA}"/>
+                <a16:creationId xmlns:a16="http://schemas.microsoft.com/office/drawing/2014/main" id="{E62650C7-5A56-4458-8455-E76C997A3CCA}"/>
               </a:ext>
             </a:extLst>
           </p:cNvPr>
@@ -24247,7 +25339,7 @@
           <p:cNvPr id="4" name="Рисунок 4" descr="Изображение выглядит как знак, часы&#10;&#10;Автоматически созданное описание">
             <a:extLst>
               <a:ext uri="{FF2B5EF4-FFF2-40B4-BE49-F238E27FC236}">
-                <a16:creationId xmlns:a16="http://schemas.microsoft.com/office/drawing/2014/main" xmlns="" id="{C0715713-18D8-4672-A392-99BE9242E0A0}"/>
+                <a16:creationId xmlns:a16="http://schemas.microsoft.com/office/drawing/2014/main" id="{C0715713-18D8-4672-A392-99BE9242E0A0}"/>
               </a:ext>
             </a:extLst>
           </p:cNvPr>
@@ -25208,7 +26300,7 @@
           <p:cNvPr id="7" name="Рисунок 5">
             <a:extLst>
               <a:ext uri="{FF2B5EF4-FFF2-40B4-BE49-F238E27FC236}">
-                <a16:creationId xmlns:a16="http://schemas.microsoft.com/office/drawing/2014/main" xmlns="" id="{B0D009A0-57C3-4D4D-B1D0-6B70F709CD8A}"/>
+                <a16:creationId xmlns:a16="http://schemas.microsoft.com/office/drawing/2014/main" id="{B0D009A0-57C3-4D4D-B1D0-6B70F709CD8A}"/>
               </a:ext>
             </a:extLst>
           </p:cNvPr>
@@ -25238,7 +26330,7 @@
           <p:cNvPr id="8" name="Рисунок 9">
             <a:extLst>
               <a:ext uri="{FF2B5EF4-FFF2-40B4-BE49-F238E27FC236}">
-                <a16:creationId xmlns:a16="http://schemas.microsoft.com/office/drawing/2014/main" xmlns="" id="{E8BB2BAD-B852-4F51-B94F-087CF76564AF}"/>
+                <a16:creationId xmlns:a16="http://schemas.microsoft.com/office/drawing/2014/main" id="{E8BB2BAD-B852-4F51-B94F-087CF76564AF}"/>
               </a:ext>
             </a:extLst>
           </p:cNvPr>
@@ -26316,7 +27408,7 @@
           <p:cNvPr id="7" name="Рисунок 2" descr="Изображение выглядит как знак&#10;&#10;Автоматически созданное описание">
             <a:extLst>
               <a:ext uri="{FF2B5EF4-FFF2-40B4-BE49-F238E27FC236}">
-                <a16:creationId xmlns:a16="http://schemas.microsoft.com/office/drawing/2014/main" xmlns="" id="{406787F7-34F3-4578-8383-E3660837B270}"/>
+                <a16:creationId xmlns:a16="http://schemas.microsoft.com/office/drawing/2014/main" id="{406787F7-34F3-4578-8383-E3660837B270}"/>
               </a:ext>
             </a:extLst>
           </p:cNvPr>
@@ -26346,7 +27438,7 @@
           <p:cNvPr id="3" name="Рисунок 3" descr="Изображение выглядит как рисунок&#10;&#10;Автоматически созданное описание">
             <a:extLst>
               <a:ext uri="{FF2B5EF4-FFF2-40B4-BE49-F238E27FC236}">
-                <a16:creationId xmlns:a16="http://schemas.microsoft.com/office/drawing/2014/main" xmlns="" id="{FC6F666A-A6B3-453F-9A9B-0A5B8D721905}"/>
+                <a16:creationId xmlns:a16="http://schemas.microsoft.com/office/drawing/2014/main" id="{FC6F666A-A6B3-453F-9A9B-0A5B8D721905}"/>
               </a:ext>
             </a:extLst>
           </p:cNvPr>
@@ -26375,7 +27467,7 @@
           <p:cNvPr id="5" name="Рисунок 5" descr="Изображение выглядит как стул&#10;&#10;Автоматически созданное описание">
             <a:extLst>
               <a:ext uri="{FF2B5EF4-FFF2-40B4-BE49-F238E27FC236}">
-                <a16:creationId xmlns:a16="http://schemas.microsoft.com/office/drawing/2014/main" xmlns="" id="{B7763C02-CDFF-4BDB-A137-3F2DC619E9F4}"/>
+                <a16:creationId xmlns:a16="http://schemas.microsoft.com/office/drawing/2014/main" id="{B7763C02-CDFF-4BDB-A137-3F2DC619E9F4}"/>
               </a:ext>
             </a:extLst>
           </p:cNvPr>
@@ -27796,7 +28888,7 @@
           <p:cNvPr id="5" name="Рисунок 2" descr="Изображение выглядит как знак&#10;&#10;Автоматически созданное описание">
             <a:extLst>
               <a:ext uri="{FF2B5EF4-FFF2-40B4-BE49-F238E27FC236}">
-                <a16:creationId xmlns:a16="http://schemas.microsoft.com/office/drawing/2014/main" xmlns="" id="{94CE257F-A4AB-4D99-8638-F51E066F3AF6}"/>
+                <a16:creationId xmlns:a16="http://schemas.microsoft.com/office/drawing/2014/main" id="{94CE257F-A4AB-4D99-8638-F51E066F3AF6}"/>
               </a:ext>
             </a:extLst>
           </p:cNvPr>
@@ -27826,7 +28918,7 @@
           <p:cNvPr id="7" name="Рисунок 2" descr="Изображение выглядит как рисунок&#10;&#10;Автоматически созданное описание">
             <a:extLst>
               <a:ext uri="{FF2B5EF4-FFF2-40B4-BE49-F238E27FC236}">
-                <a16:creationId xmlns:a16="http://schemas.microsoft.com/office/drawing/2014/main" xmlns="" id="{4EAD6ACE-3298-4D74-B944-64C6FF04E9A0}"/>
+                <a16:creationId xmlns:a16="http://schemas.microsoft.com/office/drawing/2014/main" id="{4EAD6ACE-3298-4D74-B944-64C6FF04E9A0}"/>
               </a:ext>
             </a:extLst>
           </p:cNvPr>
@@ -29085,7 +30177,7 @@
           <p:cNvPr id="3" name="Рисунок 2" descr="Изображение выглядит как рисунок&#10;&#10;Автоматически созданное описание">
             <a:extLst>
               <a:ext uri="{FF2B5EF4-FFF2-40B4-BE49-F238E27FC236}">
-                <a16:creationId xmlns:a16="http://schemas.microsoft.com/office/drawing/2014/main" xmlns="" id="{4EAD6ACE-3298-4D74-B944-64C6FF04E9A0}"/>
+                <a16:creationId xmlns:a16="http://schemas.microsoft.com/office/drawing/2014/main" id="{4EAD6ACE-3298-4D74-B944-64C6FF04E9A0}"/>
               </a:ext>
             </a:extLst>
           </p:cNvPr>
@@ -29176,7 +30268,7 @@
           <p:cNvPr id="9" name="Рисунок 2" descr="Изображение выглядит как знак&#10;&#10;Автоматически созданное описание">
             <a:extLst>
               <a:ext uri="{FF2B5EF4-FFF2-40B4-BE49-F238E27FC236}">
-                <a16:creationId xmlns:a16="http://schemas.microsoft.com/office/drawing/2014/main" xmlns="" id="{94CE257F-A4AB-4D99-8638-F51E066F3AF6}"/>
+                <a16:creationId xmlns:a16="http://schemas.microsoft.com/office/drawing/2014/main" id="{94CE257F-A4AB-4D99-8638-F51E066F3AF6}"/>
               </a:ext>
             </a:extLst>
           </p:cNvPr>
@@ -29251,7 +30343,7 @@
           <p:cNvPr id="4" name="Рисунок 4" descr="Изображение выглядит как знак, рисунок, часы&#10;&#10;Автоматически созданное описание">
             <a:extLst>
               <a:ext uri="{FF2B5EF4-FFF2-40B4-BE49-F238E27FC236}">
-                <a16:creationId xmlns:a16="http://schemas.microsoft.com/office/drawing/2014/main" xmlns="" id="{B6FB7A48-50FC-4BF0-B13B-ED1B6273FE43}"/>
+                <a16:creationId xmlns:a16="http://schemas.microsoft.com/office/drawing/2014/main" id="{B6FB7A48-50FC-4BF0-B13B-ED1B6273FE43}"/>
               </a:ext>
             </a:extLst>
           </p:cNvPr>
@@ -29384,7 +30476,7 @@
           <p:cNvPr id="9" name="Рисунок 2" descr="Изображение выглядит как знак&#10;&#10;Автоматически созданное описание">
             <a:extLst>
               <a:ext uri="{FF2B5EF4-FFF2-40B4-BE49-F238E27FC236}">
-                <a16:creationId xmlns:a16="http://schemas.microsoft.com/office/drawing/2014/main" xmlns="" id="{94CE257F-A4AB-4D99-8638-F51E066F3AF6}"/>
+                <a16:creationId xmlns:a16="http://schemas.microsoft.com/office/drawing/2014/main" id="{94CE257F-A4AB-4D99-8638-F51E066F3AF6}"/>
               </a:ext>
             </a:extLst>
           </p:cNvPr>
@@ -30613,8 +31705,10 @@
                 <a:latin typeface="Consolas"/>
                 <a:cs typeface="Calibri"/>
               </a:rPr>
-              <a:t>type </a:t>
-            </a:r>
+              <a:t>type Partial&lt;T&gt; = {</a:t>
+            </a:r>
+          </a:p>
+          <a:p>
             <a:r>
               <a:rPr lang="en-US" sz="4000" dirty="0" smtClean="0">
                 <a:solidFill>
@@ -30623,20 +31717,18 @@
                 <a:latin typeface="Consolas"/>
                 <a:cs typeface="Calibri"/>
               </a:rPr>
-              <a:t>Partial&lt;T&gt; </a:t>
+              <a:t>	[P </a:t>
             </a:r>
             <a:r>
               <a:rPr lang="en-US" sz="4000" dirty="0" smtClean="0">
                 <a:solidFill>
-                  <a:srgbClr val="00D8FF"/>
+                  <a:srgbClr val="BF4141"/>
                 </a:solidFill>
                 <a:latin typeface="Consolas"/>
                 <a:cs typeface="Calibri"/>
               </a:rPr>
-              <a:t>= {</a:t>
-            </a:r>
-          </a:p>
-          <a:p>
+              <a:t>in</a:t>
+            </a:r>
             <a:r>
               <a:rPr lang="en-US" sz="4000" dirty="0" smtClean="0">
                 <a:solidFill>
@@ -30645,37 +31737,7 @@
                 <a:latin typeface="Consolas"/>
                 <a:cs typeface="Calibri"/>
               </a:rPr>
-              <a:t>	[P </a:t>
-            </a:r>
-            <a:r>
-              <a:rPr lang="en-US" sz="4000" dirty="0" smtClean="0">
-                <a:solidFill>
-                  <a:srgbClr val="BF4141"/>
-                </a:solidFill>
-                <a:latin typeface="Consolas"/>
-                <a:cs typeface="Calibri"/>
-              </a:rPr>
-              <a:t>in</a:t>
-            </a:r>
-            <a:r>
-              <a:rPr lang="en-US" sz="4000" dirty="0" smtClean="0">
-                <a:solidFill>
-                  <a:srgbClr val="00D8FF"/>
-                </a:solidFill>
-                <a:latin typeface="Consolas"/>
-                <a:cs typeface="Calibri"/>
-              </a:rPr>
-              <a:t> keyof </a:t>
-            </a:r>
-            <a:r>
-              <a:rPr lang="en-US" sz="4000" dirty="0" smtClean="0">
-                <a:solidFill>
-                  <a:srgbClr val="00D8FF"/>
-                </a:solidFill>
-                <a:latin typeface="Consolas"/>
-                <a:cs typeface="Calibri"/>
-              </a:rPr>
-              <a:t>T]?: T[P]</a:t>
+              <a:t> keyof T]?: T[P]</a:t>
             </a:r>
             <a:endParaRPr lang="en-US" sz="4000" dirty="0">
               <a:solidFill>
@@ -30799,17 +31861,7 @@
                 <a:latin typeface="Consolas"/>
                 <a:cs typeface="Calibri"/>
               </a:rPr>
-              <a:t>Partial&lt;Animal</a:t>
-            </a:r>
-            <a:r>
-              <a:rPr lang="en-US" sz="4000" dirty="0" smtClean="0">
-                <a:solidFill>
-                  <a:srgbClr val="00D8FF"/>
-                </a:solidFill>
-                <a:latin typeface="Consolas"/>
-                <a:cs typeface="Calibri"/>
-              </a:rPr>
-              <a:t>&gt;</a:t>
+              <a:t>Partial&lt;Animal&gt;</a:t>
             </a:r>
             <a:endParaRPr lang="en-US" sz="4000" dirty="0">
               <a:solidFill>
@@ -31501,15 +32553,7 @@
                   <a:srgbClr val="00D8FF"/>
                 </a:solidFill>
               </a:rPr>
-              <a:t>Non homomorphic Mapped </a:t>
-            </a:r>
-            <a:r>
-              <a:rPr lang="en-US" sz="4000" dirty="0" smtClean="0">
-                <a:solidFill>
-                  <a:srgbClr val="00D8FF"/>
-                </a:solidFill>
-              </a:rPr>
-              <a:t>types</a:t>
+              <a:t>Non homomorphic Mapped types</a:t>
             </a:r>
             <a:endParaRPr lang="en-US" sz="4000" dirty="0">
               <a:solidFill>
@@ -31917,7 +32961,7 @@
           <p:cNvPr id="3" name="Рисунок 3" descr="Изображение выглядит как устройство&#10;&#10;Автоматически созданное описание">
             <a:extLst>
               <a:ext uri="{FF2B5EF4-FFF2-40B4-BE49-F238E27FC236}">
-                <a16:creationId xmlns:a16="http://schemas.microsoft.com/office/drawing/2014/main" xmlns="" id="{A429CB02-01DF-4770-8DAB-A55DBEC1392F}"/>
+                <a16:creationId xmlns:a16="http://schemas.microsoft.com/office/drawing/2014/main" id="{A429CB02-01DF-4770-8DAB-A55DBEC1392F}"/>
               </a:ext>
             </a:extLst>
           </p:cNvPr>
@@ -32121,6 +33165,2503 @@
 </p:sld>
 </file>
 
+<file path=ppt/slides/slide142.xml><?xml version="1.0" encoding="utf-8"?>
+<p:sld xmlns:a="http://schemas.openxmlformats.org/drawingml/2006/main" xmlns:r="http://schemas.openxmlformats.org/officeDocument/2006/relationships" xmlns:p="http://schemas.openxmlformats.org/presentationml/2006/main">
+  <p:cSld>
+    <p:bg>
+      <p:bgPr>
+        <a:solidFill>
+          <a:srgbClr val="262626"/>
+        </a:solidFill>
+        <a:effectLst/>
+      </p:bgPr>
+    </p:bg>
+    <p:spTree>
+      <p:nvGrpSpPr>
+        <p:cNvPr id="1" name=""/>
+        <p:cNvGrpSpPr/>
+        <p:nvPr/>
+      </p:nvGrpSpPr>
+      <p:grpSpPr>
+        <a:xfrm>
+          <a:off x="0" y="0"/>
+          <a:ext cx="0" cy="0"/>
+          <a:chOff x="0" y="0"/>
+          <a:chExt cx="0" cy="0"/>
+        </a:xfrm>
+      </p:grpSpPr>
+      <p:sp>
+        <p:nvSpPr>
+          <p:cNvPr id="3" name="Прямоугольник 2"/>
+          <p:cNvSpPr/>
+          <p:nvPr/>
+        </p:nvSpPr>
+        <p:spPr>
+          <a:xfrm>
+            <a:off x="4902714" y="2836767"/>
+            <a:ext cx="2258375" cy="707886"/>
+          </a:xfrm>
+          <a:prstGeom prst="rect">
+            <a:avLst/>
+          </a:prstGeom>
+        </p:spPr>
+        <p:txBody>
+          <a:bodyPr wrap="none">
+            <a:spAutoFit/>
+          </a:bodyPr>
+          <a:lstStyle/>
+          <a:p>
+            <a:pPr marL="0" marR="0" lvl="0" indent="0" algn="l" defTabSz="914400" rtl="0" eaLnBrk="1" fontAlgn="auto" latinLnBrk="0" hangingPunct="1">
+              <a:lnSpc>
+                <a:spcPct val="100000"/>
+              </a:lnSpc>
+              <a:spcBef>
+                <a:spcPts val="0"/>
+              </a:spcBef>
+              <a:spcAft>
+                <a:spcPts val="0"/>
+              </a:spcAft>
+              <a:buClrTx/>
+              <a:buSzTx/>
+              <a:buFontTx/>
+              <a:buNone/>
+              <a:tabLst/>
+              <a:defRPr/>
+            </a:pPr>
+            <a:r>
+              <a:rPr kumimoji="0" lang="en-US" sz="4000" b="0" i="0" u="none" strike="noStrike" kern="1200" cap="none" spc="0" normalizeH="0" baseline="0" noProof="0" dirty="0" smtClean="0">
+                <a:ln>
+                  <a:noFill/>
+                </a:ln>
+                <a:solidFill>
+                  <a:srgbClr val="BF4141"/>
+                </a:solidFill>
+                <a:effectLst/>
+                <a:uLnTx/>
+                <a:uFillTx/>
+                <a:latin typeface="Calibri" panose="020F0502020204030204"/>
+                <a:ea typeface="+mn-ea"/>
+                <a:cs typeface="+mn-cs"/>
+              </a:rPr>
+              <a:t>Infer</a:t>
+            </a:r>
+            <a:r>
+              <a:rPr kumimoji="0" lang="en-US" sz="4000" b="0" i="0" u="none" strike="noStrike" kern="1200" cap="none" spc="0" normalizeH="0" noProof="0" dirty="0" smtClean="0">
+                <a:ln>
+                  <a:noFill/>
+                </a:ln>
+                <a:solidFill>
+                  <a:srgbClr val="00D8FF"/>
+                </a:solidFill>
+                <a:effectLst/>
+                <a:uLnTx/>
+                <a:uFillTx/>
+                <a:latin typeface="Calibri" panose="020F0502020204030204"/>
+                <a:ea typeface="+mn-ea"/>
+                <a:cs typeface="+mn-cs"/>
+              </a:rPr>
+              <a:t> Type</a:t>
+            </a:r>
+            <a:endParaRPr kumimoji="0" lang="en-US" sz="4000" b="0" i="0" u="none" strike="noStrike" kern="1200" cap="none" spc="0" normalizeH="0" baseline="0" noProof="0" dirty="0">
+              <a:ln>
+                <a:noFill/>
+              </a:ln>
+              <a:solidFill>
+                <a:srgbClr val="00D8FF"/>
+              </a:solidFill>
+              <a:effectLst/>
+              <a:uLnTx/>
+              <a:uFillTx/>
+              <a:latin typeface="Calibri" panose="020F0502020204030204"/>
+              <a:ea typeface="+mn-ea"/>
+              <a:cs typeface="+mn-cs"/>
+            </a:endParaRPr>
+          </a:p>
+        </p:txBody>
+      </p:sp>
+    </p:spTree>
+    <p:extLst>
+      <p:ext uri="{BB962C8B-B14F-4D97-AF65-F5344CB8AC3E}">
+        <p14:creationId xmlns:p14="http://schemas.microsoft.com/office/powerpoint/2010/main" val="1511163667"/>
+      </p:ext>
+    </p:extLst>
+  </p:cSld>
+  <p:clrMapOvr>
+    <a:masterClrMapping/>
+  </p:clrMapOvr>
+  <p:timing>
+    <p:tnLst>
+      <p:par>
+        <p:cTn id="1" dur="indefinite" restart="never" nodeType="tmRoot"/>
+      </p:par>
+    </p:tnLst>
+  </p:timing>
+</p:sld>
+</file>
+
+<file path=ppt/slides/slide143.xml><?xml version="1.0" encoding="utf-8"?>
+<p:sld xmlns:a="http://schemas.openxmlformats.org/drawingml/2006/main" xmlns:r="http://schemas.openxmlformats.org/officeDocument/2006/relationships" xmlns:p="http://schemas.openxmlformats.org/presentationml/2006/main">
+  <p:cSld>
+    <p:bg>
+      <p:bgPr>
+        <a:solidFill>
+          <a:srgbClr val="262626"/>
+        </a:solidFill>
+        <a:effectLst/>
+      </p:bgPr>
+    </p:bg>
+    <p:spTree>
+      <p:nvGrpSpPr>
+        <p:cNvPr id="1" name=""/>
+        <p:cNvGrpSpPr/>
+        <p:nvPr/>
+      </p:nvGrpSpPr>
+      <p:grpSpPr>
+        <a:xfrm>
+          <a:off x="0" y="0"/>
+          <a:ext cx="0" cy="0"/>
+          <a:chOff x="0" y="0"/>
+          <a:chExt cx="0" cy="0"/>
+        </a:xfrm>
+      </p:grpSpPr>
+      <p:sp>
+        <p:nvSpPr>
+          <p:cNvPr id="3" name="Прямоугольник 2"/>
+          <p:cNvSpPr/>
+          <p:nvPr/>
+        </p:nvSpPr>
+        <p:spPr>
+          <a:xfrm>
+            <a:off x="3095178" y="2868665"/>
+            <a:ext cx="6280887" cy="707886"/>
+          </a:xfrm>
+          <a:prstGeom prst="rect">
+            <a:avLst/>
+          </a:prstGeom>
+        </p:spPr>
+        <p:txBody>
+          <a:bodyPr wrap="none">
+            <a:spAutoFit/>
+          </a:bodyPr>
+          <a:lstStyle/>
+          <a:p>
+            <a:pPr lvl="0"/>
+            <a:r>
+              <a:rPr kumimoji="0" lang="en-US" sz="4000" b="0" i="0" u="none" strike="noStrike" kern="1200" cap="none" spc="0" normalizeH="0" baseline="0" noProof="0" dirty="0" smtClean="0">
+                <a:ln>
+                  <a:noFill/>
+                </a:ln>
+                <a:solidFill>
+                  <a:srgbClr val="00D8FF"/>
+                </a:solidFill>
+                <a:effectLst/>
+                <a:uLnTx/>
+                <a:uFillTx/>
+                <a:latin typeface="Calibri" panose="020F0502020204030204"/>
+                <a:ea typeface="+mn-ea"/>
+                <a:cs typeface="+mn-cs"/>
+              </a:rPr>
+              <a:t>Covariance</a:t>
+            </a:r>
+            <a:r>
+              <a:rPr kumimoji="0" lang="en-US" sz="4000" b="0" i="0" u="none" strike="noStrike" kern="1200" cap="none" spc="0" normalizeH="0" noProof="0" dirty="0" smtClean="0">
+                <a:ln>
+                  <a:noFill/>
+                </a:ln>
+                <a:solidFill>
+                  <a:srgbClr val="00D8FF"/>
+                </a:solidFill>
+                <a:effectLst/>
+                <a:uLnTx/>
+                <a:uFillTx/>
+                <a:latin typeface="Calibri" panose="020F0502020204030204"/>
+                <a:ea typeface="+mn-ea"/>
+                <a:cs typeface="+mn-cs"/>
+              </a:rPr>
+              <a:t> </a:t>
+            </a:r>
+            <a:r>
+              <a:rPr lang="en-US" sz="4000" dirty="0">
+                <a:solidFill>
+                  <a:srgbClr val="00D8FF"/>
+                </a:solidFill>
+              </a:rPr>
+              <a:t>vs </a:t>
+            </a:r>
+            <a:r>
+              <a:rPr lang="en-US" sz="4000" dirty="0" err="1">
+                <a:solidFill>
+                  <a:srgbClr val="00D8FF"/>
+                </a:solidFill>
+              </a:rPr>
+              <a:t>Contravariance</a:t>
+            </a:r>
+            <a:endParaRPr kumimoji="0" lang="en-US" sz="4000" b="0" i="0" u="none" strike="noStrike" kern="1200" cap="none" spc="0" normalizeH="0" baseline="0" noProof="0" dirty="0">
+              <a:ln>
+                <a:noFill/>
+              </a:ln>
+              <a:solidFill>
+                <a:srgbClr val="00D8FF"/>
+              </a:solidFill>
+              <a:effectLst/>
+              <a:uLnTx/>
+              <a:uFillTx/>
+              <a:latin typeface="Calibri" panose="020F0502020204030204"/>
+              <a:ea typeface="+mn-ea"/>
+              <a:cs typeface="+mn-cs"/>
+            </a:endParaRPr>
+          </a:p>
+        </p:txBody>
+      </p:sp>
+    </p:spTree>
+    <p:extLst>
+      <p:ext uri="{BB962C8B-B14F-4D97-AF65-F5344CB8AC3E}">
+        <p14:creationId xmlns:p14="http://schemas.microsoft.com/office/powerpoint/2010/main" val="1576086902"/>
+      </p:ext>
+    </p:extLst>
+  </p:cSld>
+  <p:clrMapOvr>
+    <a:masterClrMapping/>
+  </p:clrMapOvr>
+  <p:timing>
+    <p:tnLst>
+      <p:par>
+        <p:cTn id="1" dur="indefinite" restart="never" nodeType="tmRoot"/>
+      </p:par>
+    </p:tnLst>
+  </p:timing>
+</p:sld>
+</file>
+
+<file path=ppt/slides/slide144.xml><?xml version="1.0" encoding="utf-8"?>
+<p:sld xmlns:a="http://schemas.openxmlformats.org/drawingml/2006/main" xmlns:r="http://schemas.openxmlformats.org/officeDocument/2006/relationships" xmlns:p="http://schemas.openxmlformats.org/presentationml/2006/main">
+  <p:cSld>
+    <p:bg>
+      <p:bgPr>
+        <a:solidFill>
+          <a:srgbClr val="262626"/>
+        </a:solidFill>
+        <a:effectLst/>
+      </p:bgPr>
+    </p:bg>
+    <p:spTree>
+      <p:nvGrpSpPr>
+        <p:cNvPr id="1" name=""/>
+        <p:cNvGrpSpPr/>
+        <p:nvPr/>
+      </p:nvGrpSpPr>
+      <p:grpSpPr>
+        <a:xfrm>
+          <a:off x="0" y="0"/>
+          <a:ext cx="0" cy="0"/>
+          <a:chOff x="0" y="0"/>
+          <a:chExt cx="0" cy="0"/>
+        </a:xfrm>
+      </p:grpSpPr>
+      <p:pic>
+        <p:nvPicPr>
+          <p:cNvPr id="1026" name="Picture 2" descr="airplane icon"/>
+          <p:cNvPicPr>
+            <a:picLocks noChangeAspect="1" noChangeArrowheads="1"/>
+          </p:cNvPicPr>
+          <p:nvPr/>
+        </p:nvPicPr>
+        <p:blipFill>
+          <a:blip r:embed="rId3">
+            <a:extLst>
+              <a:ext uri="{28A0092B-C50C-407E-A947-70E740481C1C}">
+                <a14:useLocalDpi xmlns:a14="http://schemas.microsoft.com/office/drawing/2010/main" val="0"/>
+              </a:ext>
+            </a:extLst>
+          </a:blip>
+          <a:srcRect/>
+          <a:stretch>
+            <a:fillRect/>
+          </a:stretch>
+        </p:blipFill>
+        <p:spPr bwMode="auto">
+          <a:xfrm>
+            <a:off x="1314522" y="2812570"/>
+            <a:ext cx="2438400" cy="2438400"/>
+          </a:xfrm>
+          <a:prstGeom prst="rect">
+            <a:avLst/>
+          </a:prstGeom>
+          <a:noFill/>
+          <a:extLst>
+            <a:ext uri="{909E8E84-426E-40DD-AFC4-6F175D3DCCD1}">
+              <a14:hiddenFill xmlns:a14="http://schemas.microsoft.com/office/drawing/2010/main">
+                <a:solidFill>
+                  <a:srgbClr val="FFFFFF"/>
+                </a:solidFill>
+              </a14:hiddenFill>
+            </a:ext>
+          </a:extLst>
+        </p:spPr>
+      </p:pic>
+      <p:sp>
+        <p:nvSpPr>
+          <p:cNvPr id="4" name="Прямоугольник 3"/>
+          <p:cNvSpPr/>
+          <p:nvPr/>
+        </p:nvSpPr>
+        <p:spPr>
+          <a:xfrm>
+            <a:off x="1126916" y="2104684"/>
+            <a:ext cx="3030766" cy="707886"/>
+          </a:xfrm>
+          <a:prstGeom prst="rect">
+            <a:avLst/>
+          </a:prstGeom>
+        </p:spPr>
+        <p:txBody>
+          <a:bodyPr wrap="none">
+            <a:spAutoFit/>
+          </a:bodyPr>
+          <a:lstStyle/>
+          <a:p>
+            <a:pPr lvl="0"/>
+            <a:r>
+              <a:rPr lang="en-US" sz="4000" dirty="0">
+                <a:solidFill>
+                  <a:srgbClr val="00D8FF"/>
+                </a:solidFill>
+              </a:rPr>
+              <a:t>&lt;</a:t>
+            </a:r>
+            <a:r>
+              <a:rPr lang="en-US" sz="4000" dirty="0" err="1">
+                <a:solidFill>
+                  <a:srgbClr val="00D8FF"/>
+                </a:solidFill>
+              </a:rPr>
+              <a:t>TPassenger</a:t>
+            </a:r>
+            <a:r>
+              <a:rPr lang="en-US" sz="4000" dirty="0">
+                <a:solidFill>
+                  <a:srgbClr val="00D8FF"/>
+                </a:solidFill>
+              </a:rPr>
+              <a:t>&gt;</a:t>
+            </a:r>
+            <a:endParaRPr kumimoji="0" lang="en-US" sz="4000" b="0" i="0" u="none" strike="noStrike" kern="1200" cap="none" spc="0" normalizeH="0" baseline="0" noProof="0" dirty="0">
+              <a:ln>
+                <a:noFill/>
+              </a:ln>
+              <a:solidFill>
+                <a:srgbClr val="00D8FF"/>
+              </a:solidFill>
+              <a:effectLst/>
+              <a:uLnTx/>
+              <a:uFillTx/>
+              <a:latin typeface="Calibri" panose="020F0502020204030204"/>
+              <a:ea typeface="+mn-ea"/>
+              <a:cs typeface="+mn-cs"/>
+            </a:endParaRPr>
+          </a:p>
+        </p:txBody>
+      </p:sp>
+      <p:pic>
+        <p:nvPicPr>
+          <p:cNvPr id="1028" name="Picture 4" descr="cat icon"/>
+          <p:cNvPicPr>
+            <a:picLocks noChangeAspect="1" noChangeArrowheads="1"/>
+          </p:cNvPicPr>
+          <p:nvPr/>
+        </p:nvPicPr>
+        <p:blipFill>
+          <a:blip r:embed="rId4">
+            <a:extLst>
+              <a:ext uri="{28A0092B-C50C-407E-A947-70E740481C1C}">
+                <a14:useLocalDpi xmlns:a14="http://schemas.microsoft.com/office/drawing/2010/main" val="0"/>
+              </a:ext>
+            </a:extLst>
+          </a:blip>
+          <a:srcRect/>
+          <a:stretch>
+            <a:fillRect/>
+          </a:stretch>
+        </p:blipFill>
+        <p:spPr bwMode="auto">
+          <a:xfrm>
+            <a:off x="6387066" y="3183086"/>
+            <a:ext cx="2070616" cy="2070616"/>
+          </a:xfrm>
+          <a:prstGeom prst="rect">
+            <a:avLst/>
+          </a:prstGeom>
+          <a:noFill/>
+          <a:extLst>
+            <a:ext uri="{909E8E84-426E-40DD-AFC4-6F175D3DCCD1}">
+              <a14:hiddenFill xmlns:a14="http://schemas.microsoft.com/office/drawing/2010/main">
+                <a:solidFill>
+                  <a:srgbClr val="FFFFFF"/>
+                </a:solidFill>
+              </a14:hiddenFill>
+            </a:ext>
+          </a:extLst>
+        </p:spPr>
+      </p:pic>
+      <p:sp>
+        <p:nvSpPr>
+          <p:cNvPr id="6" name="Прямоугольник 5"/>
+          <p:cNvSpPr/>
+          <p:nvPr/>
+        </p:nvSpPr>
+        <p:spPr>
+          <a:xfrm>
+            <a:off x="8169212" y="2130515"/>
+            <a:ext cx="1640193" cy="707886"/>
+          </a:xfrm>
+          <a:prstGeom prst="rect">
+            <a:avLst/>
+          </a:prstGeom>
+        </p:spPr>
+        <p:txBody>
+          <a:bodyPr wrap="none">
+            <a:spAutoFit/>
+          </a:bodyPr>
+          <a:lstStyle/>
+          <a:p>
+            <a:pPr lvl="0"/>
+            <a:r>
+              <a:rPr lang="en-US" sz="4000" dirty="0" smtClean="0">
+                <a:solidFill>
+                  <a:srgbClr val="00D8FF"/>
+                </a:solidFill>
+              </a:rPr>
+              <a:t>Animal</a:t>
+            </a:r>
+            <a:endParaRPr kumimoji="0" lang="en-US" sz="4000" b="0" i="0" u="none" strike="noStrike" kern="1200" cap="none" spc="0" normalizeH="0" baseline="0" noProof="0" dirty="0">
+              <a:ln>
+                <a:noFill/>
+              </a:ln>
+              <a:solidFill>
+                <a:srgbClr val="00D8FF"/>
+              </a:solidFill>
+              <a:effectLst/>
+              <a:uLnTx/>
+              <a:uFillTx/>
+              <a:latin typeface="Calibri" panose="020F0502020204030204"/>
+              <a:ea typeface="+mn-ea"/>
+              <a:cs typeface="+mn-cs"/>
+            </a:endParaRPr>
+          </a:p>
+        </p:txBody>
+      </p:sp>
+      <p:pic>
+        <p:nvPicPr>
+          <p:cNvPr id="1030" name="Picture 6" descr="dog icon"/>
+          <p:cNvPicPr>
+            <a:picLocks noChangeAspect="1" noChangeArrowheads="1"/>
+          </p:cNvPicPr>
+          <p:nvPr/>
+        </p:nvPicPr>
+        <p:blipFill>
+          <a:blip r:embed="rId5">
+            <a:extLst>
+              <a:ext uri="{28A0092B-C50C-407E-A947-70E740481C1C}">
+                <a14:useLocalDpi xmlns:a14="http://schemas.microsoft.com/office/drawing/2010/main" val="0"/>
+              </a:ext>
+            </a:extLst>
+          </a:blip>
+          <a:srcRect/>
+          <a:stretch>
+            <a:fillRect/>
+          </a:stretch>
+        </p:blipFill>
+        <p:spPr bwMode="auto">
+          <a:xfrm>
+            <a:off x="9478408" y="3306393"/>
+            <a:ext cx="1824002" cy="1824002"/>
+          </a:xfrm>
+          <a:prstGeom prst="rect">
+            <a:avLst/>
+          </a:prstGeom>
+          <a:noFill/>
+          <a:extLst>
+            <a:ext uri="{909E8E84-426E-40DD-AFC4-6F175D3DCCD1}">
+              <a14:hiddenFill xmlns:a14="http://schemas.microsoft.com/office/drawing/2010/main">
+                <a:solidFill>
+                  <a:srgbClr val="FFFFFF"/>
+                </a:solidFill>
+              </a14:hiddenFill>
+            </a:ext>
+          </a:extLst>
+        </p:spPr>
+      </p:pic>
+    </p:spTree>
+    <p:extLst>
+      <p:ext uri="{BB962C8B-B14F-4D97-AF65-F5344CB8AC3E}">
+        <p14:creationId xmlns:p14="http://schemas.microsoft.com/office/powerpoint/2010/main" val="1395590301"/>
+      </p:ext>
+    </p:extLst>
+  </p:cSld>
+  <p:clrMapOvr>
+    <a:masterClrMapping/>
+  </p:clrMapOvr>
+  <p:timing>
+    <p:tnLst>
+      <p:par>
+        <p:cTn id="1" dur="indefinite" restart="never" nodeType="tmRoot">
+          <p:childTnLst>
+            <p:seq concurrent="1" nextAc="seek">
+              <p:cTn id="2" dur="indefinite" nodeType="mainSeq">
+                <p:childTnLst>
+                  <p:par>
+                    <p:cTn id="3" fill="hold">
+                      <p:stCondLst>
+                        <p:cond delay="indefinite"/>
+                      </p:stCondLst>
+                      <p:childTnLst>
+                        <p:par>
+                          <p:cTn id="4" fill="hold">
+                            <p:stCondLst>
+                              <p:cond delay="0"/>
+                            </p:stCondLst>
+                            <p:childTnLst>
+                              <p:par>
+                                <p:cTn id="5" presetID="10" presetClass="entr" presetSubtype="0" fill="hold" nodeType="clickEffect">
+                                  <p:stCondLst>
+                                    <p:cond delay="0"/>
+                                  </p:stCondLst>
+                                  <p:childTnLst>
+                                    <p:set>
+                                      <p:cBhvr>
+                                        <p:cTn id="6" dur="1" fill="hold">
+                                          <p:stCondLst>
+                                            <p:cond delay="0"/>
+                                          </p:stCondLst>
+                                        </p:cTn>
+                                        <p:tgtEl>
+                                          <p:spTgt spid="1028"/>
+                                        </p:tgtEl>
+                                        <p:attrNameLst>
+                                          <p:attrName>style.visibility</p:attrName>
+                                        </p:attrNameLst>
+                                      </p:cBhvr>
+                                      <p:to>
+                                        <p:strVal val="visible"/>
+                                      </p:to>
+                                    </p:set>
+                                    <p:animEffect transition="in" filter="fade">
+                                      <p:cBhvr>
+                                        <p:cTn id="7" dur="500"/>
+                                        <p:tgtEl>
+                                          <p:spTgt spid="1028"/>
+                                        </p:tgtEl>
+                                      </p:cBhvr>
+                                    </p:animEffect>
+                                  </p:childTnLst>
+                                </p:cTn>
+                              </p:par>
+                              <p:par>
+                                <p:cTn id="8" presetID="10" presetClass="entr" presetSubtype="0" fill="hold" grpId="0" nodeType="withEffect">
+                                  <p:stCondLst>
+                                    <p:cond delay="0"/>
+                                  </p:stCondLst>
+                                  <p:childTnLst>
+                                    <p:set>
+                                      <p:cBhvr>
+                                        <p:cTn id="9" dur="1" fill="hold">
+                                          <p:stCondLst>
+                                            <p:cond delay="0"/>
+                                          </p:stCondLst>
+                                        </p:cTn>
+                                        <p:tgtEl>
+                                          <p:spTgt spid="6"/>
+                                        </p:tgtEl>
+                                        <p:attrNameLst>
+                                          <p:attrName>style.visibility</p:attrName>
+                                        </p:attrNameLst>
+                                      </p:cBhvr>
+                                      <p:to>
+                                        <p:strVal val="visible"/>
+                                      </p:to>
+                                    </p:set>
+                                    <p:animEffect transition="in" filter="fade">
+                                      <p:cBhvr>
+                                        <p:cTn id="10" dur="500"/>
+                                        <p:tgtEl>
+                                          <p:spTgt spid="6"/>
+                                        </p:tgtEl>
+                                      </p:cBhvr>
+                                    </p:animEffect>
+                                  </p:childTnLst>
+                                </p:cTn>
+                              </p:par>
+                              <p:par>
+                                <p:cTn id="11" presetID="10" presetClass="entr" presetSubtype="0" fill="hold" nodeType="withEffect">
+                                  <p:stCondLst>
+                                    <p:cond delay="0"/>
+                                  </p:stCondLst>
+                                  <p:childTnLst>
+                                    <p:set>
+                                      <p:cBhvr>
+                                        <p:cTn id="12" dur="1" fill="hold">
+                                          <p:stCondLst>
+                                            <p:cond delay="0"/>
+                                          </p:stCondLst>
+                                        </p:cTn>
+                                        <p:tgtEl>
+                                          <p:spTgt spid="1030"/>
+                                        </p:tgtEl>
+                                        <p:attrNameLst>
+                                          <p:attrName>style.visibility</p:attrName>
+                                        </p:attrNameLst>
+                                      </p:cBhvr>
+                                      <p:to>
+                                        <p:strVal val="visible"/>
+                                      </p:to>
+                                    </p:set>
+                                    <p:animEffect transition="in" filter="fade">
+                                      <p:cBhvr>
+                                        <p:cTn id="13" dur="500"/>
+                                        <p:tgtEl>
+                                          <p:spTgt spid="1030"/>
+                                        </p:tgtEl>
+                                      </p:cBhvr>
+                                    </p:animEffect>
+                                  </p:childTnLst>
+                                </p:cTn>
+                              </p:par>
+                            </p:childTnLst>
+                          </p:cTn>
+                        </p:par>
+                      </p:childTnLst>
+                    </p:cTn>
+                  </p:par>
+                </p:childTnLst>
+              </p:cTn>
+              <p:prevCondLst>
+                <p:cond evt="onPrev" delay="0">
+                  <p:tgtEl>
+                    <p:sldTgt/>
+                  </p:tgtEl>
+                </p:cond>
+              </p:prevCondLst>
+              <p:nextCondLst>
+                <p:cond evt="onNext" delay="0">
+                  <p:tgtEl>
+                    <p:sldTgt/>
+                  </p:tgtEl>
+                </p:cond>
+              </p:nextCondLst>
+            </p:seq>
+          </p:childTnLst>
+        </p:cTn>
+      </p:par>
+    </p:tnLst>
+    <p:bldLst>
+      <p:bldP spid="6" grpId="0"/>
+    </p:bldLst>
+  </p:timing>
+</p:sld>
+</file>
+
+<file path=ppt/slides/slide145.xml><?xml version="1.0" encoding="utf-8"?>
+<p:sld xmlns:a="http://schemas.openxmlformats.org/drawingml/2006/main" xmlns:r="http://schemas.openxmlformats.org/officeDocument/2006/relationships" xmlns:p="http://schemas.openxmlformats.org/presentationml/2006/main">
+  <p:cSld>
+    <p:bg>
+      <p:bgPr>
+        <a:solidFill>
+          <a:srgbClr val="262626"/>
+        </a:solidFill>
+        <a:effectLst/>
+      </p:bgPr>
+    </p:bg>
+    <p:spTree>
+      <p:nvGrpSpPr>
+        <p:cNvPr id="1" name=""/>
+        <p:cNvGrpSpPr/>
+        <p:nvPr/>
+      </p:nvGrpSpPr>
+      <p:grpSpPr>
+        <a:xfrm>
+          <a:off x="0" y="0"/>
+          <a:ext cx="0" cy="0"/>
+          <a:chOff x="0" y="0"/>
+          <a:chExt cx="0" cy="0"/>
+        </a:xfrm>
+      </p:grpSpPr>
+      <p:pic>
+        <p:nvPicPr>
+          <p:cNvPr id="2050" name="Picture 2" descr="rocket icon"/>
+          <p:cNvPicPr>
+            <a:picLocks noChangeAspect="1" noChangeArrowheads="1"/>
+          </p:cNvPicPr>
+          <p:nvPr/>
+        </p:nvPicPr>
+        <p:blipFill>
+          <a:blip r:embed="rId3">
+            <a:extLst>
+              <a:ext uri="{28A0092B-C50C-407E-A947-70E740481C1C}">
+                <a14:useLocalDpi xmlns:a14="http://schemas.microsoft.com/office/drawing/2010/main" val="0"/>
+              </a:ext>
+            </a:extLst>
+          </a:blip>
+          <a:srcRect/>
+          <a:stretch>
+            <a:fillRect/>
+          </a:stretch>
+        </p:blipFill>
+        <p:spPr bwMode="auto">
+          <a:xfrm>
+            <a:off x="5176986" y="2407313"/>
+            <a:ext cx="2438400" cy="2438400"/>
+          </a:xfrm>
+          <a:prstGeom prst="rect">
+            <a:avLst/>
+          </a:prstGeom>
+          <a:noFill/>
+          <a:extLst>
+            <a:ext uri="{909E8E84-426E-40DD-AFC4-6F175D3DCCD1}">
+              <a14:hiddenFill xmlns:a14="http://schemas.microsoft.com/office/drawing/2010/main">
+                <a:solidFill>
+                  <a:srgbClr val="FFFFFF"/>
+                </a:solidFill>
+              </a14:hiddenFill>
+            </a:ext>
+          </a:extLst>
+        </p:spPr>
+      </p:pic>
+      <p:pic>
+        <p:nvPicPr>
+          <p:cNvPr id="8" name="Picture 2" descr="airplane icon"/>
+          <p:cNvPicPr>
+            <a:picLocks noChangeAspect="1" noChangeArrowheads="1"/>
+          </p:cNvPicPr>
+          <p:nvPr/>
+        </p:nvPicPr>
+        <p:blipFill>
+          <a:blip r:embed="rId4">
+            <a:extLst>
+              <a:ext uri="{28A0092B-C50C-407E-A947-70E740481C1C}">
+                <a14:useLocalDpi xmlns:a14="http://schemas.microsoft.com/office/drawing/2010/main" val="0"/>
+              </a:ext>
+            </a:extLst>
+          </a:blip>
+          <a:srcRect/>
+          <a:stretch>
+            <a:fillRect/>
+          </a:stretch>
+        </p:blipFill>
+        <p:spPr bwMode="auto">
+          <a:xfrm>
+            <a:off x="8614846" y="2609331"/>
+            <a:ext cx="2438400" cy="2438400"/>
+          </a:xfrm>
+          <a:prstGeom prst="rect">
+            <a:avLst/>
+          </a:prstGeom>
+          <a:noFill/>
+          <a:extLst>
+            <a:ext uri="{909E8E84-426E-40DD-AFC4-6F175D3DCCD1}">
+              <a14:hiddenFill xmlns:a14="http://schemas.microsoft.com/office/drawing/2010/main">
+                <a:solidFill>
+                  <a:srgbClr val="FFFFFF"/>
+                </a:solidFill>
+              </a14:hiddenFill>
+            </a:ext>
+          </a:extLst>
+        </p:spPr>
+      </p:pic>
+      <p:sp>
+        <p:nvSpPr>
+          <p:cNvPr id="9" name="Прямоугольник 8"/>
+          <p:cNvSpPr/>
+          <p:nvPr/>
+        </p:nvSpPr>
+        <p:spPr>
+          <a:xfrm>
+            <a:off x="9095466" y="2050301"/>
+            <a:ext cx="1640193" cy="707886"/>
+          </a:xfrm>
+          <a:prstGeom prst="rect">
+            <a:avLst/>
+          </a:prstGeom>
+        </p:spPr>
+        <p:txBody>
+          <a:bodyPr wrap="none">
+            <a:spAutoFit/>
+          </a:bodyPr>
+          <a:lstStyle/>
+          <a:p>
+            <a:pPr lvl="0"/>
+            <a:r>
+              <a:rPr kumimoji="0" lang="en-US" sz="4000" b="0" i="0" u="none" strike="noStrike" kern="1200" cap="none" spc="0" normalizeH="0" baseline="0" noProof="0" dirty="0" smtClean="0">
+                <a:ln>
+                  <a:noFill/>
+                </a:ln>
+                <a:solidFill>
+                  <a:srgbClr val="00D8FF"/>
+                </a:solidFill>
+                <a:effectLst/>
+                <a:uLnTx/>
+                <a:uFillTx/>
+                <a:latin typeface="Calibri" panose="020F0502020204030204"/>
+                <a:ea typeface="+mn-ea"/>
+                <a:cs typeface="+mn-cs"/>
+              </a:rPr>
+              <a:t>Animal</a:t>
+            </a:r>
+            <a:endParaRPr kumimoji="0" lang="en-US" sz="4000" b="0" i="0" u="none" strike="noStrike" kern="1200" cap="none" spc="0" normalizeH="0" baseline="0" noProof="0" dirty="0">
+              <a:ln>
+                <a:noFill/>
+              </a:ln>
+              <a:solidFill>
+                <a:srgbClr val="00D8FF"/>
+              </a:solidFill>
+              <a:effectLst/>
+              <a:uLnTx/>
+              <a:uFillTx/>
+              <a:latin typeface="Calibri" panose="020F0502020204030204"/>
+              <a:ea typeface="+mn-ea"/>
+              <a:cs typeface="+mn-cs"/>
+            </a:endParaRPr>
+          </a:p>
+        </p:txBody>
+      </p:sp>
+      <p:pic>
+        <p:nvPicPr>
+          <p:cNvPr id="10" name="Picture 4" descr="cat icon"/>
+          <p:cNvPicPr>
+            <a:picLocks noChangeAspect="1" noChangeArrowheads="1"/>
+          </p:cNvPicPr>
+          <p:nvPr/>
+        </p:nvPicPr>
+        <p:blipFill>
+          <a:blip r:embed="rId5">
+            <a:extLst>
+              <a:ext uri="{28A0092B-C50C-407E-A947-70E740481C1C}">
+                <a14:useLocalDpi xmlns:a14="http://schemas.microsoft.com/office/drawing/2010/main" val="0"/>
+              </a:ext>
+            </a:extLst>
+          </a:blip>
+          <a:srcRect/>
+          <a:stretch>
+            <a:fillRect/>
+          </a:stretch>
+        </p:blipFill>
+        <p:spPr bwMode="auto">
+          <a:xfrm>
+            <a:off x="9294981" y="1783663"/>
+            <a:ext cx="1241161" cy="1241161"/>
+          </a:xfrm>
+          <a:prstGeom prst="rect">
+            <a:avLst/>
+          </a:prstGeom>
+          <a:noFill/>
+          <a:extLst>
+            <a:ext uri="{909E8E84-426E-40DD-AFC4-6F175D3DCCD1}">
+              <a14:hiddenFill xmlns:a14="http://schemas.microsoft.com/office/drawing/2010/main">
+                <a:solidFill>
+                  <a:srgbClr val="FFFFFF"/>
+                </a:solidFill>
+              </a14:hiddenFill>
+            </a:ext>
+          </a:extLst>
+        </p:spPr>
+      </p:pic>
+      <p:pic>
+        <p:nvPicPr>
+          <p:cNvPr id="11" name="Picture 2" descr="airplane icon"/>
+          <p:cNvPicPr>
+            <a:picLocks noChangeAspect="1" noChangeArrowheads="1"/>
+          </p:cNvPicPr>
+          <p:nvPr/>
+        </p:nvPicPr>
+        <p:blipFill>
+          <a:blip r:embed="rId4">
+            <a:extLst>
+              <a:ext uri="{28A0092B-C50C-407E-A947-70E740481C1C}">
+                <a14:useLocalDpi xmlns:a14="http://schemas.microsoft.com/office/drawing/2010/main" val="0"/>
+              </a:ext>
+            </a:extLst>
+          </a:blip>
+          <a:srcRect/>
+          <a:stretch>
+            <a:fillRect/>
+          </a:stretch>
+        </p:blipFill>
+        <p:spPr bwMode="auto">
+          <a:xfrm>
+            <a:off x="1739126" y="2609331"/>
+            <a:ext cx="2438400" cy="2438400"/>
+          </a:xfrm>
+          <a:prstGeom prst="rect">
+            <a:avLst/>
+          </a:prstGeom>
+          <a:noFill/>
+          <a:extLst>
+            <a:ext uri="{909E8E84-426E-40DD-AFC4-6F175D3DCCD1}">
+              <a14:hiddenFill xmlns:a14="http://schemas.microsoft.com/office/drawing/2010/main">
+                <a:solidFill>
+                  <a:srgbClr val="FFFFFF"/>
+                </a:solidFill>
+              </a14:hiddenFill>
+            </a:ext>
+          </a:extLst>
+        </p:spPr>
+      </p:pic>
+      <p:sp>
+        <p:nvSpPr>
+          <p:cNvPr id="12" name="Прямоугольник 11"/>
+          <p:cNvSpPr/>
+          <p:nvPr/>
+        </p:nvSpPr>
+        <p:spPr>
+          <a:xfrm>
+            <a:off x="6176446" y="3272570"/>
+            <a:ext cx="439544" cy="707886"/>
+          </a:xfrm>
+          <a:prstGeom prst="rect">
+            <a:avLst/>
+          </a:prstGeom>
+        </p:spPr>
+        <p:txBody>
+          <a:bodyPr wrap="none">
+            <a:spAutoFit/>
+          </a:bodyPr>
+          <a:lstStyle/>
+          <a:p>
+            <a:pPr lvl="0"/>
+            <a:r>
+              <a:rPr kumimoji="0" lang="en-US" sz="4000" b="0" i="0" u="none" strike="noStrike" kern="1200" cap="none" spc="0" normalizeH="0" baseline="0" noProof="0" dirty="0" smtClean="0">
+                <a:ln>
+                  <a:noFill/>
+                </a:ln>
+                <a:solidFill>
+                  <a:srgbClr val="BF4141"/>
+                </a:solidFill>
+                <a:effectLst/>
+                <a:uLnTx/>
+                <a:uFillTx/>
+                <a:latin typeface="Calibri" panose="020F0502020204030204"/>
+                <a:ea typeface="+mn-ea"/>
+                <a:cs typeface="+mn-cs"/>
+              </a:rPr>
+              <a:t>=</a:t>
+            </a:r>
+            <a:endParaRPr kumimoji="0" lang="en-US" sz="4000" b="0" i="0" u="none" strike="noStrike" kern="1200" cap="none" spc="0" normalizeH="0" baseline="0" noProof="0" dirty="0">
+              <a:ln>
+                <a:noFill/>
+              </a:ln>
+              <a:solidFill>
+                <a:srgbClr val="BF4141"/>
+              </a:solidFill>
+              <a:effectLst/>
+              <a:uLnTx/>
+              <a:uFillTx/>
+              <a:latin typeface="Calibri" panose="020F0502020204030204"/>
+              <a:ea typeface="+mn-ea"/>
+              <a:cs typeface="+mn-cs"/>
+            </a:endParaRPr>
+          </a:p>
+        </p:txBody>
+      </p:sp>
+      <p:sp>
+        <p:nvSpPr>
+          <p:cNvPr id="13" name="Прямоугольник 12"/>
+          <p:cNvSpPr/>
+          <p:nvPr/>
+        </p:nvSpPr>
+        <p:spPr>
+          <a:xfrm>
+            <a:off x="2376629" y="2053370"/>
+            <a:ext cx="1640193" cy="707886"/>
+          </a:xfrm>
+          <a:prstGeom prst="rect">
+            <a:avLst/>
+          </a:prstGeom>
+        </p:spPr>
+        <p:txBody>
+          <a:bodyPr wrap="none">
+            <a:spAutoFit/>
+          </a:bodyPr>
+          <a:lstStyle/>
+          <a:p>
+            <a:pPr lvl="0"/>
+            <a:r>
+              <a:rPr kumimoji="0" lang="en-US" sz="4000" b="0" i="0" u="none" strike="noStrike" kern="1200" cap="none" spc="0" normalizeH="0" baseline="0" noProof="0" dirty="0" smtClean="0">
+                <a:ln>
+                  <a:noFill/>
+                </a:ln>
+                <a:solidFill>
+                  <a:srgbClr val="00D8FF"/>
+                </a:solidFill>
+                <a:effectLst/>
+                <a:uLnTx/>
+                <a:uFillTx/>
+                <a:latin typeface="Calibri" panose="020F0502020204030204"/>
+                <a:ea typeface="+mn-ea"/>
+                <a:cs typeface="+mn-cs"/>
+              </a:rPr>
+              <a:t>Animal</a:t>
+            </a:r>
+            <a:endParaRPr kumimoji="0" lang="en-US" sz="4000" b="0" i="0" u="none" strike="noStrike" kern="1200" cap="none" spc="0" normalizeH="0" baseline="0" noProof="0" dirty="0">
+              <a:ln>
+                <a:noFill/>
+              </a:ln>
+              <a:solidFill>
+                <a:srgbClr val="00D8FF"/>
+              </a:solidFill>
+              <a:effectLst/>
+              <a:uLnTx/>
+              <a:uFillTx/>
+              <a:latin typeface="Calibri" panose="020F0502020204030204"/>
+              <a:ea typeface="+mn-ea"/>
+              <a:cs typeface="+mn-cs"/>
+            </a:endParaRPr>
+          </a:p>
+        </p:txBody>
+      </p:sp>
+    </p:spTree>
+    <p:extLst>
+      <p:ext uri="{BB962C8B-B14F-4D97-AF65-F5344CB8AC3E}">
+        <p14:creationId xmlns:p14="http://schemas.microsoft.com/office/powerpoint/2010/main" val="63251367"/>
+      </p:ext>
+    </p:extLst>
+  </p:cSld>
+  <p:clrMapOvr>
+    <a:masterClrMapping/>
+  </p:clrMapOvr>
+  <p:timing>
+    <p:tnLst>
+      <p:par>
+        <p:cTn id="1" dur="indefinite" restart="never" nodeType="tmRoot">
+          <p:childTnLst>
+            <p:seq concurrent="1" nextAc="seek">
+              <p:cTn id="2" dur="indefinite" nodeType="mainSeq">
+                <p:childTnLst>
+                  <p:par>
+                    <p:cTn id="3" fill="hold">
+                      <p:stCondLst>
+                        <p:cond delay="indefinite"/>
+                      </p:stCondLst>
+                      <p:childTnLst>
+                        <p:par>
+                          <p:cTn id="4" fill="hold">
+                            <p:stCondLst>
+                              <p:cond delay="0"/>
+                            </p:stCondLst>
+                            <p:childTnLst>
+                              <p:par>
+                                <p:cTn id="5" presetID="10" presetClass="entr" presetSubtype="0" fill="hold" nodeType="clickEffect">
+                                  <p:stCondLst>
+                                    <p:cond delay="0"/>
+                                  </p:stCondLst>
+                                  <p:childTnLst>
+                                    <p:set>
+                                      <p:cBhvr>
+                                        <p:cTn id="6" dur="1" fill="hold">
+                                          <p:stCondLst>
+                                            <p:cond delay="0"/>
+                                          </p:stCondLst>
+                                        </p:cTn>
+                                        <p:tgtEl>
+                                          <p:spTgt spid="8"/>
+                                        </p:tgtEl>
+                                        <p:attrNameLst>
+                                          <p:attrName>style.visibility</p:attrName>
+                                        </p:attrNameLst>
+                                      </p:cBhvr>
+                                      <p:to>
+                                        <p:strVal val="visible"/>
+                                      </p:to>
+                                    </p:set>
+                                    <p:animEffect transition="in" filter="fade">
+                                      <p:cBhvr>
+                                        <p:cTn id="7" dur="500"/>
+                                        <p:tgtEl>
+                                          <p:spTgt spid="8"/>
+                                        </p:tgtEl>
+                                      </p:cBhvr>
+                                    </p:animEffect>
+                                  </p:childTnLst>
+                                </p:cTn>
+                              </p:par>
+                              <p:par>
+                                <p:cTn id="8" presetID="10" presetClass="entr" presetSubtype="0" fill="hold" grpId="0" nodeType="withEffect">
+                                  <p:stCondLst>
+                                    <p:cond delay="0"/>
+                                  </p:stCondLst>
+                                  <p:childTnLst>
+                                    <p:set>
+                                      <p:cBhvr>
+                                        <p:cTn id="9" dur="1" fill="hold">
+                                          <p:stCondLst>
+                                            <p:cond delay="0"/>
+                                          </p:stCondLst>
+                                        </p:cTn>
+                                        <p:tgtEl>
+                                          <p:spTgt spid="9"/>
+                                        </p:tgtEl>
+                                        <p:attrNameLst>
+                                          <p:attrName>style.visibility</p:attrName>
+                                        </p:attrNameLst>
+                                      </p:cBhvr>
+                                      <p:to>
+                                        <p:strVal val="visible"/>
+                                      </p:to>
+                                    </p:set>
+                                    <p:animEffect transition="in" filter="fade">
+                                      <p:cBhvr>
+                                        <p:cTn id="10" dur="500"/>
+                                        <p:tgtEl>
+                                          <p:spTgt spid="9"/>
+                                        </p:tgtEl>
+                                      </p:cBhvr>
+                                    </p:animEffect>
+                                  </p:childTnLst>
+                                </p:cTn>
+                              </p:par>
+                            </p:childTnLst>
+                          </p:cTn>
+                        </p:par>
+                      </p:childTnLst>
+                    </p:cTn>
+                  </p:par>
+                  <p:par>
+                    <p:cTn id="11" fill="hold">
+                      <p:stCondLst>
+                        <p:cond delay="indefinite"/>
+                      </p:stCondLst>
+                      <p:childTnLst>
+                        <p:par>
+                          <p:cTn id="12" fill="hold">
+                            <p:stCondLst>
+                              <p:cond delay="0"/>
+                            </p:stCondLst>
+                            <p:childTnLst>
+                              <p:par>
+                                <p:cTn id="13" presetID="10" presetClass="exit" presetSubtype="0" fill="hold" grpId="1" nodeType="clickEffect">
+                                  <p:stCondLst>
+                                    <p:cond delay="0"/>
+                                  </p:stCondLst>
+                                  <p:childTnLst>
+                                    <p:animEffect transition="out" filter="fade">
+                                      <p:cBhvr>
+                                        <p:cTn id="14" dur="500"/>
+                                        <p:tgtEl>
+                                          <p:spTgt spid="9"/>
+                                        </p:tgtEl>
+                                      </p:cBhvr>
+                                    </p:animEffect>
+                                    <p:set>
+                                      <p:cBhvr>
+                                        <p:cTn id="15" dur="1" fill="hold">
+                                          <p:stCondLst>
+                                            <p:cond delay="499"/>
+                                          </p:stCondLst>
+                                        </p:cTn>
+                                        <p:tgtEl>
+                                          <p:spTgt spid="9"/>
+                                        </p:tgtEl>
+                                        <p:attrNameLst>
+                                          <p:attrName>style.visibility</p:attrName>
+                                        </p:attrNameLst>
+                                      </p:cBhvr>
+                                      <p:to>
+                                        <p:strVal val="hidden"/>
+                                      </p:to>
+                                    </p:set>
+                                  </p:childTnLst>
+                                </p:cTn>
+                              </p:par>
+                              <p:par>
+                                <p:cTn id="16" presetID="10" presetClass="entr" presetSubtype="0" fill="hold" nodeType="withEffect">
+                                  <p:stCondLst>
+                                    <p:cond delay="0"/>
+                                  </p:stCondLst>
+                                  <p:childTnLst>
+                                    <p:set>
+                                      <p:cBhvr>
+                                        <p:cTn id="17" dur="1" fill="hold">
+                                          <p:stCondLst>
+                                            <p:cond delay="0"/>
+                                          </p:stCondLst>
+                                        </p:cTn>
+                                        <p:tgtEl>
+                                          <p:spTgt spid="10"/>
+                                        </p:tgtEl>
+                                        <p:attrNameLst>
+                                          <p:attrName>style.visibility</p:attrName>
+                                        </p:attrNameLst>
+                                      </p:cBhvr>
+                                      <p:to>
+                                        <p:strVal val="visible"/>
+                                      </p:to>
+                                    </p:set>
+                                    <p:animEffect transition="in" filter="fade">
+                                      <p:cBhvr>
+                                        <p:cTn id="18" dur="500"/>
+                                        <p:tgtEl>
+                                          <p:spTgt spid="10"/>
+                                        </p:tgtEl>
+                                      </p:cBhvr>
+                                    </p:animEffect>
+                                  </p:childTnLst>
+                                </p:cTn>
+                              </p:par>
+                            </p:childTnLst>
+                          </p:cTn>
+                        </p:par>
+                      </p:childTnLst>
+                    </p:cTn>
+                  </p:par>
+                  <p:par>
+                    <p:cTn id="19" fill="hold">
+                      <p:stCondLst>
+                        <p:cond delay="indefinite"/>
+                      </p:stCondLst>
+                      <p:childTnLst>
+                        <p:par>
+                          <p:cTn id="20" fill="hold">
+                            <p:stCondLst>
+                              <p:cond delay="0"/>
+                            </p:stCondLst>
+                            <p:childTnLst>
+                              <p:par>
+                                <p:cTn id="21" presetID="10" presetClass="exit" presetSubtype="0" fill="hold" nodeType="clickEffect">
+                                  <p:stCondLst>
+                                    <p:cond delay="0"/>
+                                  </p:stCondLst>
+                                  <p:childTnLst>
+                                    <p:animEffect transition="out" filter="fade">
+                                      <p:cBhvr>
+                                        <p:cTn id="22" dur="500"/>
+                                        <p:tgtEl>
+                                          <p:spTgt spid="2050"/>
+                                        </p:tgtEl>
+                                      </p:cBhvr>
+                                    </p:animEffect>
+                                    <p:set>
+                                      <p:cBhvr>
+                                        <p:cTn id="23" dur="1" fill="hold">
+                                          <p:stCondLst>
+                                            <p:cond delay="499"/>
+                                          </p:stCondLst>
+                                        </p:cTn>
+                                        <p:tgtEl>
+                                          <p:spTgt spid="2050"/>
+                                        </p:tgtEl>
+                                        <p:attrNameLst>
+                                          <p:attrName>style.visibility</p:attrName>
+                                        </p:attrNameLst>
+                                      </p:cBhvr>
+                                      <p:to>
+                                        <p:strVal val="hidden"/>
+                                      </p:to>
+                                    </p:set>
+                                  </p:childTnLst>
+                                </p:cTn>
+                              </p:par>
+                              <p:par>
+                                <p:cTn id="24" presetID="10" presetClass="entr" presetSubtype="0" fill="hold" grpId="0" nodeType="withEffect">
+                                  <p:stCondLst>
+                                    <p:cond delay="0"/>
+                                  </p:stCondLst>
+                                  <p:childTnLst>
+                                    <p:set>
+                                      <p:cBhvr>
+                                        <p:cTn id="25" dur="1" fill="hold">
+                                          <p:stCondLst>
+                                            <p:cond delay="0"/>
+                                          </p:stCondLst>
+                                        </p:cTn>
+                                        <p:tgtEl>
+                                          <p:spTgt spid="12"/>
+                                        </p:tgtEl>
+                                        <p:attrNameLst>
+                                          <p:attrName>style.visibility</p:attrName>
+                                        </p:attrNameLst>
+                                      </p:cBhvr>
+                                      <p:to>
+                                        <p:strVal val="visible"/>
+                                      </p:to>
+                                    </p:set>
+                                    <p:animEffect transition="in" filter="fade">
+                                      <p:cBhvr>
+                                        <p:cTn id="26" dur="500"/>
+                                        <p:tgtEl>
+                                          <p:spTgt spid="12"/>
+                                        </p:tgtEl>
+                                      </p:cBhvr>
+                                    </p:animEffect>
+                                  </p:childTnLst>
+                                </p:cTn>
+                              </p:par>
+                              <p:par>
+                                <p:cTn id="27" presetID="10" presetClass="entr" presetSubtype="0" fill="hold" nodeType="withEffect">
+                                  <p:stCondLst>
+                                    <p:cond delay="0"/>
+                                  </p:stCondLst>
+                                  <p:childTnLst>
+                                    <p:set>
+                                      <p:cBhvr>
+                                        <p:cTn id="28" dur="1" fill="hold">
+                                          <p:stCondLst>
+                                            <p:cond delay="0"/>
+                                          </p:stCondLst>
+                                        </p:cTn>
+                                        <p:tgtEl>
+                                          <p:spTgt spid="11"/>
+                                        </p:tgtEl>
+                                        <p:attrNameLst>
+                                          <p:attrName>style.visibility</p:attrName>
+                                        </p:attrNameLst>
+                                      </p:cBhvr>
+                                      <p:to>
+                                        <p:strVal val="visible"/>
+                                      </p:to>
+                                    </p:set>
+                                    <p:animEffect transition="in" filter="fade">
+                                      <p:cBhvr>
+                                        <p:cTn id="29" dur="500"/>
+                                        <p:tgtEl>
+                                          <p:spTgt spid="11"/>
+                                        </p:tgtEl>
+                                      </p:cBhvr>
+                                    </p:animEffect>
+                                  </p:childTnLst>
+                                </p:cTn>
+                              </p:par>
+                              <p:par>
+                                <p:cTn id="30" presetID="10" presetClass="entr" presetSubtype="0" fill="hold" grpId="0" nodeType="withEffect">
+                                  <p:stCondLst>
+                                    <p:cond delay="0"/>
+                                  </p:stCondLst>
+                                  <p:childTnLst>
+                                    <p:set>
+                                      <p:cBhvr>
+                                        <p:cTn id="31" dur="1" fill="hold">
+                                          <p:stCondLst>
+                                            <p:cond delay="0"/>
+                                          </p:stCondLst>
+                                        </p:cTn>
+                                        <p:tgtEl>
+                                          <p:spTgt spid="13"/>
+                                        </p:tgtEl>
+                                        <p:attrNameLst>
+                                          <p:attrName>style.visibility</p:attrName>
+                                        </p:attrNameLst>
+                                      </p:cBhvr>
+                                      <p:to>
+                                        <p:strVal val="visible"/>
+                                      </p:to>
+                                    </p:set>
+                                    <p:animEffect transition="in" filter="fade">
+                                      <p:cBhvr>
+                                        <p:cTn id="32" dur="500"/>
+                                        <p:tgtEl>
+                                          <p:spTgt spid="13"/>
+                                        </p:tgtEl>
+                                      </p:cBhvr>
+                                    </p:animEffect>
+                                  </p:childTnLst>
+                                </p:cTn>
+                              </p:par>
+                            </p:childTnLst>
+                          </p:cTn>
+                        </p:par>
+                      </p:childTnLst>
+                    </p:cTn>
+                  </p:par>
+                </p:childTnLst>
+              </p:cTn>
+              <p:prevCondLst>
+                <p:cond evt="onPrev" delay="0">
+                  <p:tgtEl>
+                    <p:sldTgt/>
+                  </p:tgtEl>
+                </p:cond>
+              </p:prevCondLst>
+              <p:nextCondLst>
+                <p:cond evt="onNext" delay="0">
+                  <p:tgtEl>
+                    <p:sldTgt/>
+                  </p:tgtEl>
+                </p:cond>
+              </p:nextCondLst>
+            </p:seq>
+          </p:childTnLst>
+        </p:cTn>
+      </p:par>
+    </p:tnLst>
+    <p:bldLst>
+      <p:bldP spid="9" grpId="0"/>
+      <p:bldP spid="9" grpId="1"/>
+      <p:bldP spid="12" grpId="0"/>
+      <p:bldP spid="13" grpId="0"/>
+    </p:bldLst>
+  </p:timing>
+</p:sld>
+</file>
+
+<file path=ppt/slides/slide146.xml><?xml version="1.0" encoding="utf-8"?>
+<p:sld xmlns:a="http://schemas.openxmlformats.org/drawingml/2006/main" xmlns:r="http://schemas.openxmlformats.org/officeDocument/2006/relationships" xmlns:p="http://schemas.openxmlformats.org/presentationml/2006/main">
+  <p:cSld>
+    <p:bg>
+      <p:bgPr>
+        <a:solidFill>
+          <a:srgbClr val="262626"/>
+        </a:solidFill>
+        <a:effectLst/>
+      </p:bgPr>
+    </p:bg>
+    <p:spTree>
+      <p:nvGrpSpPr>
+        <p:cNvPr id="1" name=""/>
+        <p:cNvGrpSpPr/>
+        <p:nvPr/>
+      </p:nvGrpSpPr>
+      <p:grpSpPr>
+        <a:xfrm>
+          <a:off x="0" y="0"/>
+          <a:ext cx="0" cy="0"/>
+          <a:chOff x="0" y="0"/>
+          <a:chExt cx="0" cy="0"/>
+        </a:xfrm>
+      </p:grpSpPr>
+      <p:pic>
+        <p:nvPicPr>
+          <p:cNvPr id="3074" name="Picture 2" descr="park icon"/>
+          <p:cNvPicPr>
+            <a:picLocks noChangeAspect="1" noChangeArrowheads="1"/>
+          </p:cNvPicPr>
+          <p:nvPr/>
+        </p:nvPicPr>
+        <p:blipFill>
+          <a:blip r:embed="rId3">
+            <a:extLst>
+              <a:ext uri="{28A0092B-C50C-407E-A947-70E740481C1C}">
+                <a14:useLocalDpi xmlns:a14="http://schemas.microsoft.com/office/drawing/2010/main" val="0"/>
+              </a:ext>
+            </a:extLst>
+          </a:blip>
+          <a:srcRect/>
+          <a:stretch>
+            <a:fillRect/>
+          </a:stretch>
+        </p:blipFill>
+        <p:spPr bwMode="auto">
+          <a:xfrm>
+            <a:off x="5216673" y="2651865"/>
+            <a:ext cx="2438400" cy="2438400"/>
+          </a:xfrm>
+          <a:prstGeom prst="rect">
+            <a:avLst/>
+          </a:prstGeom>
+          <a:noFill/>
+          <a:extLst>
+            <a:ext uri="{909E8E84-426E-40DD-AFC4-6F175D3DCCD1}">
+              <a14:hiddenFill xmlns:a14="http://schemas.microsoft.com/office/drawing/2010/main">
+                <a:solidFill>
+                  <a:srgbClr val="FFFFFF"/>
+                </a:solidFill>
+              </a14:hiddenFill>
+            </a:ext>
+          </a:extLst>
+        </p:spPr>
+      </p:pic>
+      <p:sp>
+        <p:nvSpPr>
+          <p:cNvPr id="4" name="Прямоугольник 3"/>
+          <p:cNvSpPr/>
+          <p:nvPr/>
+        </p:nvSpPr>
+        <p:spPr>
+          <a:xfrm>
+            <a:off x="5089923" y="1785708"/>
+            <a:ext cx="2497992" cy="707886"/>
+          </a:xfrm>
+          <a:prstGeom prst="rect">
+            <a:avLst/>
+          </a:prstGeom>
+        </p:spPr>
+        <p:txBody>
+          <a:bodyPr wrap="none">
+            <a:spAutoFit/>
+          </a:bodyPr>
+          <a:lstStyle/>
+          <a:p>
+            <a:pPr lvl="0"/>
+            <a:r>
+              <a:rPr lang="en-US" sz="4000" dirty="0">
+                <a:solidFill>
+                  <a:srgbClr val="00D8FF"/>
+                </a:solidFill>
+              </a:rPr>
+              <a:t>&lt;</a:t>
+            </a:r>
+            <a:r>
+              <a:rPr lang="en-US" sz="4000" dirty="0" err="1" smtClean="0">
+                <a:solidFill>
+                  <a:srgbClr val="00D8FF"/>
+                </a:solidFill>
+              </a:rPr>
+              <a:t>TPartner</a:t>
+            </a:r>
+            <a:r>
+              <a:rPr lang="en-US" sz="4000" dirty="0" smtClean="0">
+                <a:solidFill>
+                  <a:srgbClr val="00D8FF"/>
+                </a:solidFill>
+              </a:rPr>
+              <a:t>&gt;</a:t>
+            </a:r>
+            <a:endParaRPr kumimoji="0" lang="en-US" sz="4000" b="0" i="0" u="none" strike="noStrike" kern="1200" cap="none" spc="0" normalizeH="0" baseline="0" noProof="0" dirty="0">
+              <a:ln>
+                <a:noFill/>
+              </a:ln>
+              <a:solidFill>
+                <a:srgbClr val="00D8FF"/>
+              </a:solidFill>
+              <a:effectLst/>
+              <a:uLnTx/>
+              <a:uFillTx/>
+              <a:latin typeface="Calibri" panose="020F0502020204030204"/>
+              <a:ea typeface="+mn-ea"/>
+              <a:cs typeface="+mn-cs"/>
+            </a:endParaRPr>
+          </a:p>
+        </p:txBody>
+      </p:sp>
+      <p:pic>
+        <p:nvPicPr>
+          <p:cNvPr id="5" name="Picture 2" descr="park icon"/>
+          <p:cNvPicPr>
+            <a:picLocks noChangeAspect="1" noChangeArrowheads="1"/>
+          </p:cNvPicPr>
+          <p:nvPr/>
+        </p:nvPicPr>
+        <p:blipFill>
+          <a:blip r:embed="rId3">
+            <a:extLst>
+              <a:ext uri="{28A0092B-C50C-407E-A947-70E740481C1C}">
+                <a14:useLocalDpi xmlns:a14="http://schemas.microsoft.com/office/drawing/2010/main" val="0"/>
+              </a:ext>
+            </a:extLst>
+          </a:blip>
+          <a:srcRect/>
+          <a:stretch>
+            <a:fillRect/>
+          </a:stretch>
+        </p:blipFill>
+        <p:spPr bwMode="auto">
+          <a:xfrm>
+            <a:off x="8697063" y="2726293"/>
+            <a:ext cx="2438400" cy="2438400"/>
+          </a:xfrm>
+          <a:prstGeom prst="rect">
+            <a:avLst/>
+          </a:prstGeom>
+          <a:noFill/>
+          <a:extLst>
+            <a:ext uri="{909E8E84-426E-40DD-AFC4-6F175D3DCCD1}">
+              <a14:hiddenFill xmlns:a14="http://schemas.microsoft.com/office/drawing/2010/main">
+                <a:solidFill>
+                  <a:srgbClr val="FFFFFF"/>
+                </a:solidFill>
+              </a14:hiddenFill>
+            </a:ext>
+          </a:extLst>
+        </p:spPr>
+      </p:pic>
+      <p:sp>
+        <p:nvSpPr>
+          <p:cNvPr id="6" name="Прямоугольник 5"/>
+          <p:cNvSpPr/>
+          <p:nvPr/>
+        </p:nvSpPr>
+        <p:spPr>
+          <a:xfrm>
+            <a:off x="3863202" y="1785708"/>
+            <a:ext cx="184731" cy="707886"/>
+          </a:xfrm>
+          <a:prstGeom prst="rect">
+            <a:avLst/>
+          </a:prstGeom>
+        </p:spPr>
+        <p:txBody>
+          <a:bodyPr wrap="none">
+            <a:spAutoFit/>
+          </a:bodyPr>
+          <a:lstStyle/>
+          <a:p>
+            <a:pPr lvl="0"/>
+            <a:endParaRPr kumimoji="0" lang="en-US" sz="4000" b="0" i="0" u="none" strike="noStrike" kern="1200" cap="none" spc="0" normalizeH="0" baseline="0" noProof="0" dirty="0">
+              <a:ln>
+                <a:noFill/>
+              </a:ln>
+              <a:solidFill>
+                <a:srgbClr val="00D8FF"/>
+              </a:solidFill>
+              <a:effectLst/>
+              <a:uLnTx/>
+              <a:uFillTx/>
+              <a:latin typeface="Calibri" panose="020F0502020204030204"/>
+              <a:ea typeface="+mn-ea"/>
+              <a:cs typeface="+mn-cs"/>
+            </a:endParaRPr>
+          </a:p>
+        </p:txBody>
+      </p:sp>
+      <p:pic>
+        <p:nvPicPr>
+          <p:cNvPr id="7" name="Picture 2" descr="park icon"/>
+          <p:cNvPicPr>
+            <a:picLocks noChangeAspect="1" noChangeArrowheads="1"/>
+          </p:cNvPicPr>
+          <p:nvPr/>
+        </p:nvPicPr>
+        <p:blipFill>
+          <a:blip r:embed="rId3">
+            <a:extLst>
+              <a:ext uri="{28A0092B-C50C-407E-A947-70E740481C1C}">
+                <a14:useLocalDpi xmlns:a14="http://schemas.microsoft.com/office/drawing/2010/main" val="0"/>
+              </a:ext>
+            </a:extLst>
+          </a:blip>
+          <a:srcRect/>
+          <a:stretch>
+            <a:fillRect/>
+          </a:stretch>
+        </p:blipFill>
+        <p:spPr bwMode="auto">
+          <a:xfrm>
+            <a:off x="1609533" y="2651865"/>
+            <a:ext cx="2438400" cy="2438400"/>
+          </a:xfrm>
+          <a:prstGeom prst="rect">
+            <a:avLst/>
+          </a:prstGeom>
+          <a:noFill/>
+          <a:extLst>
+            <a:ext uri="{909E8E84-426E-40DD-AFC4-6F175D3DCCD1}">
+              <a14:hiddenFill xmlns:a14="http://schemas.microsoft.com/office/drawing/2010/main">
+                <a:solidFill>
+                  <a:srgbClr val="FFFFFF"/>
+                </a:solidFill>
+              </a14:hiddenFill>
+            </a:ext>
+          </a:extLst>
+        </p:spPr>
+      </p:pic>
+      <p:pic>
+        <p:nvPicPr>
+          <p:cNvPr id="9" name="Picture 4" descr="cat icon"/>
+          <p:cNvPicPr>
+            <a:picLocks noChangeAspect="1" noChangeArrowheads="1"/>
+          </p:cNvPicPr>
+          <p:nvPr/>
+        </p:nvPicPr>
+        <p:blipFill>
+          <a:blip r:embed="rId4">
+            <a:extLst>
+              <a:ext uri="{28A0092B-C50C-407E-A947-70E740481C1C}">
+                <a14:useLocalDpi xmlns:a14="http://schemas.microsoft.com/office/drawing/2010/main" val="0"/>
+              </a:ext>
+            </a:extLst>
+          </a:blip>
+          <a:srcRect/>
+          <a:stretch>
+            <a:fillRect/>
+          </a:stretch>
+        </p:blipFill>
+        <p:spPr bwMode="auto">
+          <a:xfrm>
+            <a:off x="9016039" y="1318412"/>
+            <a:ext cx="1345530" cy="1345530"/>
+          </a:xfrm>
+          <a:prstGeom prst="rect">
+            <a:avLst/>
+          </a:prstGeom>
+          <a:noFill/>
+          <a:extLst>
+            <a:ext uri="{909E8E84-426E-40DD-AFC4-6F175D3DCCD1}">
+              <a14:hiddenFill xmlns:a14="http://schemas.microsoft.com/office/drawing/2010/main">
+                <a:solidFill>
+                  <a:srgbClr val="FFFFFF"/>
+                </a:solidFill>
+              </a14:hiddenFill>
+            </a:ext>
+          </a:extLst>
+        </p:spPr>
+      </p:pic>
+      <p:sp>
+        <p:nvSpPr>
+          <p:cNvPr id="10" name="Прямоугольник 9"/>
+          <p:cNvSpPr/>
+          <p:nvPr/>
+        </p:nvSpPr>
+        <p:spPr>
+          <a:xfrm>
+            <a:off x="1786247" y="1637234"/>
+            <a:ext cx="1640193" cy="707886"/>
+          </a:xfrm>
+          <a:prstGeom prst="rect">
+            <a:avLst/>
+          </a:prstGeom>
+        </p:spPr>
+        <p:txBody>
+          <a:bodyPr wrap="none">
+            <a:spAutoFit/>
+          </a:bodyPr>
+          <a:lstStyle/>
+          <a:p>
+            <a:pPr lvl="0"/>
+            <a:r>
+              <a:rPr lang="en-US" sz="4000" dirty="0">
+                <a:solidFill>
+                  <a:srgbClr val="00D8FF"/>
+                </a:solidFill>
+              </a:rPr>
+              <a:t>Animal</a:t>
+            </a:r>
+            <a:endParaRPr lang="en-US" sz="4000" dirty="0">
+              <a:solidFill>
+                <a:srgbClr val="00D8FF"/>
+              </a:solidFill>
+            </a:endParaRPr>
+          </a:p>
+        </p:txBody>
+      </p:sp>
+      <p:sp>
+        <p:nvSpPr>
+          <p:cNvPr id="13" name="Прямоугольник 12"/>
+          <p:cNvSpPr/>
+          <p:nvPr/>
+        </p:nvSpPr>
+        <p:spPr>
+          <a:xfrm>
+            <a:off x="6000525" y="3312035"/>
+            <a:ext cx="676788" cy="707886"/>
+          </a:xfrm>
+          <a:prstGeom prst="rect">
+            <a:avLst/>
+          </a:prstGeom>
+        </p:spPr>
+        <p:txBody>
+          <a:bodyPr wrap="none">
+            <a:spAutoFit/>
+          </a:bodyPr>
+          <a:lstStyle/>
+          <a:p>
+            <a:pPr lvl="0"/>
+            <a:r>
+              <a:rPr lang="en-US" sz="4000" dirty="0" smtClean="0">
+                <a:solidFill>
+                  <a:srgbClr val="BF4141"/>
+                </a:solidFill>
+              </a:rPr>
+              <a:t>=?</a:t>
+            </a:r>
+            <a:endParaRPr kumimoji="0" lang="en-US" sz="4000" b="0" i="0" u="none" strike="noStrike" kern="1200" cap="none" spc="0" normalizeH="0" baseline="0" noProof="0" dirty="0">
+              <a:ln>
+                <a:noFill/>
+              </a:ln>
+              <a:solidFill>
+                <a:srgbClr val="BF4141"/>
+              </a:solidFill>
+              <a:effectLst/>
+              <a:uLnTx/>
+              <a:uFillTx/>
+              <a:latin typeface="Calibri" panose="020F0502020204030204"/>
+            </a:endParaRPr>
+          </a:p>
+        </p:txBody>
+      </p:sp>
+      <p:pic>
+        <p:nvPicPr>
+          <p:cNvPr id="3076" name="Picture 4" descr="turkey icon"/>
+          <p:cNvPicPr>
+            <a:picLocks noChangeAspect="1" noChangeArrowheads="1"/>
+          </p:cNvPicPr>
+          <p:nvPr/>
+        </p:nvPicPr>
+        <p:blipFill>
+          <a:blip r:embed="rId5">
+            <a:extLst>
+              <a:ext uri="{28A0092B-C50C-407E-A947-70E740481C1C}">
+                <a14:useLocalDpi xmlns:a14="http://schemas.microsoft.com/office/drawing/2010/main" val="0"/>
+              </a:ext>
+            </a:extLst>
+          </a:blip>
+          <a:srcRect/>
+          <a:stretch>
+            <a:fillRect/>
+          </a:stretch>
+        </p:blipFill>
+        <p:spPr bwMode="auto">
+          <a:xfrm>
+            <a:off x="10361569" y="2651865"/>
+            <a:ext cx="1133257" cy="1133257"/>
+          </a:xfrm>
+          <a:prstGeom prst="rect">
+            <a:avLst/>
+          </a:prstGeom>
+          <a:noFill/>
+          <a:extLst>
+            <a:ext uri="{909E8E84-426E-40DD-AFC4-6F175D3DCCD1}">
+              <a14:hiddenFill xmlns:a14="http://schemas.microsoft.com/office/drawing/2010/main">
+                <a:solidFill>
+                  <a:srgbClr val="FFFFFF"/>
+                </a:solidFill>
+              </a14:hiddenFill>
+            </a:ext>
+          </a:extLst>
+        </p:spPr>
+      </p:pic>
+      <p:pic>
+        <p:nvPicPr>
+          <p:cNvPr id="3078" name="Picture 6" descr="ticket icon"/>
+          <p:cNvPicPr>
+            <a:picLocks noChangeAspect="1" noChangeArrowheads="1"/>
+          </p:cNvPicPr>
+          <p:nvPr/>
+        </p:nvPicPr>
+        <p:blipFill>
+          <a:blip r:embed="rId6">
+            <a:extLst>
+              <a:ext uri="{28A0092B-C50C-407E-A947-70E740481C1C}">
+                <a14:useLocalDpi xmlns:a14="http://schemas.microsoft.com/office/drawing/2010/main" val="0"/>
+              </a:ext>
+            </a:extLst>
+          </a:blip>
+          <a:srcRect/>
+          <a:stretch>
+            <a:fillRect/>
+          </a:stretch>
+        </p:blipFill>
+        <p:spPr bwMode="auto">
+          <a:xfrm>
+            <a:off x="567543" y="2617099"/>
+            <a:ext cx="1202787" cy="1202787"/>
+          </a:xfrm>
+          <a:prstGeom prst="rect">
+            <a:avLst/>
+          </a:prstGeom>
+          <a:noFill/>
+          <a:extLst>
+            <a:ext uri="{909E8E84-426E-40DD-AFC4-6F175D3DCCD1}">
+              <a14:hiddenFill xmlns:a14="http://schemas.microsoft.com/office/drawing/2010/main">
+                <a:solidFill>
+                  <a:srgbClr val="FFFFFF"/>
+                </a:solidFill>
+              </a14:hiddenFill>
+            </a:ext>
+          </a:extLst>
+        </p:spPr>
+      </p:pic>
+    </p:spTree>
+    <p:extLst>
+      <p:ext uri="{BB962C8B-B14F-4D97-AF65-F5344CB8AC3E}">
+        <p14:creationId xmlns:p14="http://schemas.microsoft.com/office/powerpoint/2010/main" val="978357819"/>
+      </p:ext>
+    </p:extLst>
+  </p:cSld>
+  <p:clrMapOvr>
+    <a:masterClrMapping/>
+  </p:clrMapOvr>
+  <p:timing>
+    <p:tnLst>
+      <p:par>
+        <p:cTn id="1" dur="indefinite" restart="never" nodeType="tmRoot">
+          <p:childTnLst>
+            <p:seq concurrent="1" nextAc="seek">
+              <p:cTn id="2" dur="indefinite" nodeType="mainSeq">
+                <p:childTnLst>
+                  <p:par>
+                    <p:cTn id="3" fill="hold">
+                      <p:stCondLst>
+                        <p:cond delay="indefinite"/>
+                      </p:stCondLst>
+                      <p:childTnLst>
+                        <p:par>
+                          <p:cTn id="4" fill="hold">
+                            <p:stCondLst>
+                              <p:cond delay="0"/>
+                            </p:stCondLst>
+                            <p:childTnLst>
+                              <p:par>
+                                <p:cTn id="5" presetID="10" presetClass="exit" presetSubtype="0" fill="hold" grpId="0" nodeType="clickEffect">
+                                  <p:stCondLst>
+                                    <p:cond delay="0"/>
+                                  </p:stCondLst>
+                                  <p:childTnLst>
+                                    <p:animEffect transition="out" filter="fade">
+                                      <p:cBhvr>
+                                        <p:cTn id="6" dur="500"/>
+                                        <p:tgtEl>
+                                          <p:spTgt spid="4"/>
+                                        </p:tgtEl>
+                                      </p:cBhvr>
+                                    </p:animEffect>
+                                    <p:set>
+                                      <p:cBhvr>
+                                        <p:cTn id="7" dur="1" fill="hold">
+                                          <p:stCondLst>
+                                            <p:cond delay="499"/>
+                                          </p:stCondLst>
+                                        </p:cTn>
+                                        <p:tgtEl>
+                                          <p:spTgt spid="4"/>
+                                        </p:tgtEl>
+                                        <p:attrNameLst>
+                                          <p:attrName>style.visibility</p:attrName>
+                                        </p:attrNameLst>
+                                      </p:cBhvr>
+                                      <p:to>
+                                        <p:strVal val="hidden"/>
+                                      </p:to>
+                                    </p:set>
+                                  </p:childTnLst>
+                                </p:cTn>
+                              </p:par>
+                              <p:par>
+                                <p:cTn id="8" presetID="10" presetClass="exit" presetSubtype="0" fill="hold" nodeType="withEffect">
+                                  <p:stCondLst>
+                                    <p:cond delay="0"/>
+                                  </p:stCondLst>
+                                  <p:childTnLst>
+                                    <p:animEffect transition="out" filter="fade">
+                                      <p:cBhvr>
+                                        <p:cTn id="9" dur="500"/>
+                                        <p:tgtEl>
+                                          <p:spTgt spid="3074"/>
+                                        </p:tgtEl>
+                                      </p:cBhvr>
+                                    </p:animEffect>
+                                    <p:set>
+                                      <p:cBhvr>
+                                        <p:cTn id="10" dur="1" fill="hold">
+                                          <p:stCondLst>
+                                            <p:cond delay="499"/>
+                                          </p:stCondLst>
+                                        </p:cTn>
+                                        <p:tgtEl>
+                                          <p:spTgt spid="3074"/>
+                                        </p:tgtEl>
+                                        <p:attrNameLst>
+                                          <p:attrName>style.visibility</p:attrName>
+                                        </p:attrNameLst>
+                                      </p:cBhvr>
+                                      <p:to>
+                                        <p:strVal val="hidden"/>
+                                      </p:to>
+                                    </p:set>
+                                  </p:childTnLst>
+                                </p:cTn>
+                              </p:par>
+                              <p:par>
+                                <p:cTn id="11" presetID="10" presetClass="entr" presetSubtype="0" fill="hold" nodeType="withEffect">
+                                  <p:stCondLst>
+                                    <p:cond delay="0"/>
+                                  </p:stCondLst>
+                                  <p:childTnLst>
+                                    <p:set>
+                                      <p:cBhvr>
+                                        <p:cTn id="12" dur="1" fill="hold">
+                                          <p:stCondLst>
+                                            <p:cond delay="0"/>
+                                          </p:stCondLst>
+                                        </p:cTn>
+                                        <p:tgtEl>
+                                          <p:spTgt spid="9"/>
+                                        </p:tgtEl>
+                                        <p:attrNameLst>
+                                          <p:attrName>style.visibility</p:attrName>
+                                        </p:attrNameLst>
+                                      </p:cBhvr>
+                                      <p:to>
+                                        <p:strVal val="visible"/>
+                                      </p:to>
+                                    </p:set>
+                                    <p:animEffect transition="in" filter="fade">
+                                      <p:cBhvr>
+                                        <p:cTn id="13" dur="500"/>
+                                        <p:tgtEl>
+                                          <p:spTgt spid="9"/>
+                                        </p:tgtEl>
+                                      </p:cBhvr>
+                                    </p:animEffect>
+                                  </p:childTnLst>
+                                </p:cTn>
+                              </p:par>
+                              <p:par>
+                                <p:cTn id="14" presetID="10" presetClass="entr" presetSubtype="0" fill="hold" nodeType="withEffect">
+                                  <p:stCondLst>
+                                    <p:cond delay="0"/>
+                                  </p:stCondLst>
+                                  <p:childTnLst>
+                                    <p:set>
+                                      <p:cBhvr>
+                                        <p:cTn id="15" dur="1" fill="hold">
+                                          <p:stCondLst>
+                                            <p:cond delay="0"/>
+                                          </p:stCondLst>
+                                        </p:cTn>
+                                        <p:tgtEl>
+                                          <p:spTgt spid="5"/>
+                                        </p:tgtEl>
+                                        <p:attrNameLst>
+                                          <p:attrName>style.visibility</p:attrName>
+                                        </p:attrNameLst>
+                                      </p:cBhvr>
+                                      <p:to>
+                                        <p:strVal val="visible"/>
+                                      </p:to>
+                                    </p:set>
+                                    <p:animEffect transition="in" filter="fade">
+                                      <p:cBhvr>
+                                        <p:cTn id="16" dur="500"/>
+                                        <p:tgtEl>
+                                          <p:spTgt spid="5"/>
+                                        </p:tgtEl>
+                                      </p:cBhvr>
+                                    </p:animEffect>
+                                  </p:childTnLst>
+                                </p:cTn>
+                              </p:par>
+                              <p:par>
+                                <p:cTn id="17" presetID="10" presetClass="entr" presetSubtype="0" fill="hold" grpId="0" nodeType="withEffect">
+                                  <p:stCondLst>
+                                    <p:cond delay="0"/>
+                                  </p:stCondLst>
+                                  <p:childTnLst>
+                                    <p:set>
+                                      <p:cBhvr>
+                                        <p:cTn id="18" dur="1" fill="hold">
+                                          <p:stCondLst>
+                                            <p:cond delay="0"/>
+                                          </p:stCondLst>
+                                        </p:cTn>
+                                        <p:tgtEl>
+                                          <p:spTgt spid="10"/>
+                                        </p:tgtEl>
+                                        <p:attrNameLst>
+                                          <p:attrName>style.visibility</p:attrName>
+                                        </p:attrNameLst>
+                                      </p:cBhvr>
+                                      <p:to>
+                                        <p:strVal val="visible"/>
+                                      </p:to>
+                                    </p:set>
+                                    <p:animEffect transition="in" filter="fade">
+                                      <p:cBhvr>
+                                        <p:cTn id="19" dur="500"/>
+                                        <p:tgtEl>
+                                          <p:spTgt spid="10"/>
+                                        </p:tgtEl>
+                                      </p:cBhvr>
+                                    </p:animEffect>
+                                  </p:childTnLst>
+                                </p:cTn>
+                              </p:par>
+                              <p:par>
+                                <p:cTn id="20" presetID="10" presetClass="entr" presetSubtype="0" fill="hold" nodeType="withEffect">
+                                  <p:stCondLst>
+                                    <p:cond delay="0"/>
+                                  </p:stCondLst>
+                                  <p:childTnLst>
+                                    <p:set>
+                                      <p:cBhvr>
+                                        <p:cTn id="21" dur="1" fill="hold">
+                                          <p:stCondLst>
+                                            <p:cond delay="0"/>
+                                          </p:stCondLst>
+                                        </p:cTn>
+                                        <p:tgtEl>
+                                          <p:spTgt spid="7"/>
+                                        </p:tgtEl>
+                                        <p:attrNameLst>
+                                          <p:attrName>style.visibility</p:attrName>
+                                        </p:attrNameLst>
+                                      </p:cBhvr>
+                                      <p:to>
+                                        <p:strVal val="visible"/>
+                                      </p:to>
+                                    </p:set>
+                                    <p:animEffect transition="in" filter="fade">
+                                      <p:cBhvr>
+                                        <p:cTn id="22" dur="500"/>
+                                        <p:tgtEl>
+                                          <p:spTgt spid="7"/>
+                                        </p:tgtEl>
+                                      </p:cBhvr>
+                                    </p:animEffect>
+                                  </p:childTnLst>
+                                </p:cTn>
+                              </p:par>
+                            </p:childTnLst>
+                          </p:cTn>
+                        </p:par>
+                      </p:childTnLst>
+                    </p:cTn>
+                  </p:par>
+                  <p:par>
+                    <p:cTn id="23" fill="hold">
+                      <p:stCondLst>
+                        <p:cond delay="indefinite"/>
+                      </p:stCondLst>
+                      <p:childTnLst>
+                        <p:par>
+                          <p:cTn id="24" fill="hold">
+                            <p:stCondLst>
+                              <p:cond delay="0"/>
+                            </p:stCondLst>
+                            <p:childTnLst>
+                              <p:par>
+                                <p:cTn id="25" presetID="10" presetClass="entr" presetSubtype="0" fill="hold" nodeType="clickEffect">
+                                  <p:stCondLst>
+                                    <p:cond delay="0"/>
+                                  </p:stCondLst>
+                                  <p:childTnLst>
+                                    <p:set>
+                                      <p:cBhvr>
+                                        <p:cTn id="26" dur="1" fill="hold">
+                                          <p:stCondLst>
+                                            <p:cond delay="0"/>
+                                          </p:stCondLst>
+                                        </p:cTn>
+                                        <p:tgtEl>
+                                          <p:spTgt spid="3076"/>
+                                        </p:tgtEl>
+                                        <p:attrNameLst>
+                                          <p:attrName>style.visibility</p:attrName>
+                                        </p:attrNameLst>
+                                      </p:cBhvr>
+                                      <p:to>
+                                        <p:strVal val="visible"/>
+                                      </p:to>
+                                    </p:set>
+                                    <p:animEffect transition="in" filter="fade">
+                                      <p:cBhvr>
+                                        <p:cTn id="27" dur="500"/>
+                                        <p:tgtEl>
+                                          <p:spTgt spid="3076"/>
+                                        </p:tgtEl>
+                                      </p:cBhvr>
+                                    </p:animEffect>
+                                  </p:childTnLst>
+                                </p:cTn>
+                              </p:par>
+                            </p:childTnLst>
+                          </p:cTn>
+                        </p:par>
+                      </p:childTnLst>
+                    </p:cTn>
+                  </p:par>
+                  <p:par>
+                    <p:cTn id="28" fill="hold">
+                      <p:stCondLst>
+                        <p:cond delay="indefinite"/>
+                      </p:stCondLst>
+                      <p:childTnLst>
+                        <p:par>
+                          <p:cTn id="29" fill="hold">
+                            <p:stCondLst>
+                              <p:cond delay="0"/>
+                            </p:stCondLst>
+                            <p:childTnLst>
+                              <p:par>
+                                <p:cTn id="30" presetID="10" presetClass="entr" presetSubtype="0" fill="hold" nodeType="clickEffect">
+                                  <p:stCondLst>
+                                    <p:cond delay="0"/>
+                                  </p:stCondLst>
+                                  <p:childTnLst>
+                                    <p:set>
+                                      <p:cBhvr>
+                                        <p:cTn id="31" dur="1" fill="hold">
+                                          <p:stCondLst>
+                                            <p:cond delay="0"/>
+                                          </p:stCondLst>
+                                        </p:cTn>
+                                        <p:tgtEl>
+                                          <p:spTgt spid="3078"/>
+                                        </p:tgtEl>
+                                        <p:attrNameLst>
+                                          <p:attrName>style.visibility</p:attrName>
+                                        </p:attrNameLst>
+                                      </p:cBhvr>
+                                      <p:to>
+                                        <p:strVal val="visible"/>
+                                      </p:to>
+                                    </p:set>
+                                    <p:animEffect transition="in" filter="fade">
+                                      <p:cBhvr>
+                                        <p:cTn id="32" dur="500"/>
+                                        <p:tgtEl>
+                                          <p:spTgt spid="3078"/>
+                                        </p:tgtEl>
+                                      </p:cBhvr>
+                                    </p:animEffect>
+                                  </p:childTnLst>
+                                </p:cTn>
+                              </p:par>
+                            </p:childTnLst>
+                          </p:cTn>
+                        </p:par>
+                      </p:childTnLst>
+                    </p:cTn>
+                  </p:par>
+                  <p:par>
+                    <p:cTn id="33" fill="hold">
+                      <p:stCondLst>
+                        <p:cond delay="indefinite"/>
+                      </p:stCondLst>
+                      <p:childTnLst>
+                        <p:par>
+                          <p:cTn id="34" fill="hold">
+                            <p:stCondLst>
+                              <p:cond delay="0"/>
+                            </p:stCondLst>
+                            <p:childTnLst>
+                              <p:par>
+                                <p:cTn id="35" presetID="10" presetClass="entr" presetSubtype="0" fill="hold" grpId="0" nodeType="clickEffect">
+                                  <p:stCondLst>
+                                    <p:cond delay="0"/>
+                                  </p:stCondLst>
+                                  <p:childTnLst>
+                                    <p:set>
+                                      <p:cBhvr>
+                                        <p:cTn id="36" dur="1" fill="hold">
+                                          <p:stCondLst>
+                                            <p:cond delay="0"/>
+                                          </p:stCondLst>
+                                        </p:cTn>
+                                        <p:tgtEl>
+                                          <p:spTgt spid="13"/>
+                                        </p:tgtEl>
+                                        <p:attrNameLst>
+                                          <p:attrName>style.visibility</p:attrName>
+                                        </p:attrNameLst>
+                                      </p:cBhvr>
+                                      <p:to>
+                                        <p:strVal val="visible"/>
+                                      </p:to>
+                                    </p:set>
+                                    <p:animEffect transition="in" filter="fade">
+                                      <p:cBhvr>
+                                        <p:cTn id="37" dur="500"/>
+                                        <p:tgtEl>
+                                          <p:spTgt spid="13"/>
+                                        </p:tgtEl>
+                                      </p:cBhvr>
+                                    </p:animEffect>
+                                  </p:childTnLst>
+                                </p:cTn>
+                              </p:par>
+                            </p:childTnLst>
+                          </p:cTn>
+                        </p:par>
+                      </p:childTnLst>
+                    </p:cTn>
+                  </p:par>
+                </p:childTnLst>
+              </p:cTn>
+              <p:prevCondLst>
+                <p:cond evt="onPrev" delay="0">
+                  <p:tgtEl>
+                    <p:sldTgt/>
+                  </p:tgtEl>
+                </p:cond>
+              </p:prevCondLst>
+              <p:nextCondLst>
+                <p:cond evt="onNext" delay="0">
+                  <p:tgtEl>
+                    <p:sldTgt/>
+                  </p:tgtEl>
+                </p:cond>
+              </p:nextCondLst>
+            </p:seq>
+          </p:childTnLst>
+        </p:cTn>
+      </p:par>
+    </p:tnLst>
+    <p:bldLst>
+      <p:bldP spid="4" grpId="0"/>
+      <p:bldP spid="10" grpId="0"/>
+      <p:bldP spid="13" grpId="0"/>
+    </p:bldLst>
+  </p:timing>
+</p:sld>
+</file>
+
+<file path=ppt/slides/slide147.xml><?xml version="1.0" encoding="utf-8"?>
+<p:sld xmlns:a="http://schemas.openxmlformats.org/drawingml/2006/main" xmlns:r="http://schemas.openxmlformats.org/officeDocument/2006/relationships" xmlns:p="http://schemas.openxmlformats.org/presentationml/2006/main">
+  <p:cSld>
+    <p:bg>
+      <p:bgPr>
+        <a:solidFill>
+          <a:srgbClr val="262626"/>
+        </a:solidFill>
+        <a:effectLst/>
+      </p:bgPr>
+    </p:bg>
+    <p:spTree>
+      <p:nvGrpSpPr>
+        <p:cNvPr id="1" name=""/>
+        <p:cNvGrpSpPr/>
+        <p:nvPr/>
+      </p:nvGrpSpPr>
+      <p:grpSpPr>
+        <a:xfrm>
+          <a:off x="0" y="0"/>
+          <a:ext cx="0" cy="0"/>
+          <a:chOff x="0" y="0"/>
+          <a:chExt cx="0" cy="0"/>
+        </a:xfrm>
+      </p:grpSpPr>
+      <p:sp>
+        <p:nvSpPr>
+          <p:cNvPr id="3" name="Прямоугольник 2"/>
+          <p:cNvSpPr/>
+          <p:nvPr/>
+        </p:nvSpPr>
+        <p:spPr>
+          <a:xfrm>
+            <a:off x="2431149" y="2298811"/>
+            <a:ext cx="7735066" cy="1938992"/>
+          </a:xfrm>
+          <a:prstGeom prst="rect">
+            <a:avLst/>
+          </a:prstGeom>
+        </p:spPr>
+        <p:txBody>
+          <a:bodyPr wrap="none">
+            <a:spAutoFit/>
+          </a:bodyPr>
+          <a:lstStyle/>
+          <a:p>
+            <a:pPr lvl="0" algn="ctr"/>
+            <a:r>
+              <a:rPr lang="en-US" sz="4000" dirty="0" smtClean="0">
+                <a:solidFill>
+                  <a:srgbClr val="00D8FF"/>
+                </a:solidFill>
+              </a:rPr>
+              <a:t>Covariance infers to </a:t>
+            </a:r>
+            <a:r>
+              <a:rPr lang="en-US" sz="4000" dirty="0" smtClean="0">
+                <a:solidFill>
+                  <a:srgbClr val="BF4141"/>
+                </a:solidFill>
+              </a:rPr>
+              <a:t>union</a:t>
+            </a:r>
+          </a:p>
+          <a:p>
+            <a:pPr lvl="0" algn="ctr"/>
+            <a:endParaRPr kumimoji="0" lang="en-US" sz="4000" b="0" i="0" u="none" strike="noStrike" kern="1200" cap="none" spc="0" normalizeH="0" baseline="0" noProof="0" dirty="0">
+              <a:ln>
+                <a:noFill/>
+              </a:ln>
+              <a:solidFill>
+                <a:srgbClr val="00D8FF"/>
+              </a:solidFill>
+              <a:effectLst/>
+              <a:uLnTx/>
+              <a:uFillTx/>
+              <a:latin typeface="Calibri" panose="020F0502020204030204"/>
+              <a:ea typeface="+mn-ea"/>
+              <a:cs typeface="+mn-cs"/>
+            </a:endParaRPr>
+          </a:p>
+          <a:p>
+            <a:pPr lvl="0" algn="ctr"/>
+            <a:r>
+              <a:rPr kumimoji="0" lang="en-US" sz="4000" b="0" i="0" u="none" strike="noStrike" kern="1200" cap="none" spc="0" normalizeH="0" baseline="0" noProof="0" dirty="0" err="1" smtClean="0">
+                <a:ln>
+                  <a:noFill/>
+                </a:ln>
+                <a:solidFill>
+                  <a:srgbClr val="00D8FF"/>
+                </a:solidFill>
+                <a:effectLst/>
+                <a:uLnTx/>
+                <a:uFillTx/>
+                <a:latin typeface="Calibri" panose="020F0502020204030204"/>
+                <a:ea typeface="+mn-ea"/>
+                <a:cs typeface="+mn-cs"/>
+              </a:rPr>
+              <a:t>Contravariance</a:t>
+            </a:r>
+            <a:r>
+              <a:rPr kumimoji="0" lang="en-US" sz="4000" b="0" i="0" u="none" strike="noStrike" kern="1200" cap="none" spc="0" normalizeH="0" baseline="0" noProof="0" dirty="0" smtClean="0">
+                <a:ln>
+                  <a:noFill/>
+                </a:ln>
+                <a:solidFill>
+                  <a:srgbClr val="00D8FF"/>
+                </a:solidFill>
+                <a:effectLst/>
+                <a:uLnTx/>
+                <a:uFillTx/>
+                <a:latin typeface="Calibri" panose="020F0502020204030204"/>
+                <a:ea typeface="+mn-ea"/>
+                <a:cs typeface="+mn-cs"/>
+              </a:rPr>
+              <a:t> infers to </a:t>
+            </a:r>
+            <a:r>
+              <a:rPr kumimoji="0" lang="en-US" sz="4000" b="0" i="0" u="none" strike="noStrike" kern="1200" cap="none" spc="0" normalizeH="0" baseline="0" noProof="0" dirty="0" smtClean="0">
+                <a:ln>
+                  <a:noFill/>
+                </a:ln>
+                <a:solidFill>
+                  <a:srgbClr val="BF4141"/>
+                </a:solidFill>
+                <a:effectLst/>
+                <a:uLnTx/>
+                <a:uFillTx/>
+                <a:latin typeface="Calibri" panose="020F0502020204030204"/>
+                <a:ea typeface="+mn-ea"/>
+                <a:cs typeface="+mn-cs"/>
+              </a:rPr>
+              <a:t>intersection</a:t>
+            </a:r>
+            <a:endParaRPr kumimoji="0" lang="en-US" sz="4000" b="0" i="0" u="none" strike="noStrike" kern="1200" cap="none" spc="0" normalizeH="0" baseline="0" noProof="0" dirty="0">
+              <a:ln>
+                <a:noFill/>
+              </a:ln>
+              <a:solidFill>
+                <a:srgbClr val="BF4141"/>
+              </a:solidFill>
+              <a:effectLst/>
+              <a:uLnTx/>
+              <a:uFillTx/>
+              <a:latin typeface="Calibri" panose="020F0502020204030204"/>
+              <a:ea typeface="+mn-ea"/>
+              <a:cs typeface="+mn-cs"/>
+            </a:endParaRPr>
+          </a:p>
+        </p:txBody>
+      </p:sp>
+    </p:spTree>
+    <p:extLst>
+      <p:ext uri="{BB962C8B-B14F-4D97-AF65-F5344CB8AC3E}">
+        <p14:creationId xmlns:p14="http://schemas.microsoft.com/office/powerpoint/2010/main" val="382779628"/>
+      </p:ext>
+    </p:extLst>
+  </p:cSld>
+  <p:clrMapOvr>
+    <a:masterClrMapping/>
+  </p:clrMapOvr>
+  <p:timing>
+    <p:tnLst>
+      <p:par>
+        <p:cTn id="1" dur="indefinite" restart="never" nodeType="tmRoot"/>
+      </p:par>
+    </p:tnLst>
+  </p:timing>
+</p:sld>
+</file>
+
 <file path=ppt/slides/slide15.xml><?xml version="1.0" encoding="utf-8"?>
 <p:sld xmlns:a="http://schemas.openxmlformats.org/drawingml/2006/main" xmlns:r="http://schemas.openxmlformats.org/officeDocument/2006/relationships" xmlns:p="http://schemas.openxmlformats.org/presentationml/2006/main">
   <p:cSld>
@@ -32151,7 +35692,7 @@
           <p:cNvPr id="3" name="TextBox 2">
             <a:extLst>
               <a:ext uri="{FF2B5EF4-FFF2-40B4-BE49-F238E27FC236}">
-                <a16:creationId xmlns:a16="http://schemas.microsoft.com/office/drawing/2014/main" xmlns="" id="{AFAB66F8-ED4A-48EE-85D2-C79AC4668A7D}"/>
+                <a16:creationId xmlns:a16="http://schemas.microsoft.com/office/drawing/2014/main" id="{AFAB66F8-ED4A-48EE-85D2-C79AC4668A7D}"/>
               </a:ext>
             </a:extLst>
           </p:cNvPr>
@@ -32267,7 +35808,7 @@
           <p:cNvPr id="12" name="Овал 11">
             <a:extLst>
               <a:ext uri="{FF2B5EF4-FFF2-40B4-BE49-F238E27FC236}">
-                <a16:creationId xmlns:a16="http://schemas.microsoft.com/office/drawing/2014/main" xmlns="" id="{03E676E9-9DCC-4F60-B574-E1C1AA87C2CC}"/>
+                <a16:creationId xmlns:a16="http://schemas.microsoft.com/office/drawing/2014/main" id="{03E676E9-9DCC-4F60-B574-E1C1AA87C2CC}"/>
               </a:ext>
             </a:extLst>
           </p:cNvPr>
@@ -32313,7 +35854,7 @@
           <p:cNvPr id="10" name="Овал 9">
             <a:extLst>
               <a:ext uri="{FF2B5EF4-FFF2-40B4-BE49-F238E27FC236}">
-                <a16:creationId xmlns:a16="http://schemas.microsoft.com/office/drawing/2014/main" xmlns="" id="{03E676E9-9DCC-4F60-B574-E1C1AA87C2CC}"/>
+                <a16:creationId xmlns:a16="http://schemas.microsoft.com/office/drawing/2014/main" id="{03E676E9-9DCC-4F60-B574-E1C1AA87C2CC}"/>
               </a:ext>
             </a:extLst>
           </p:cNvPr>
@@ -32359,7 +35900,7 @@
           <p:cNvPr id="5" name="TextBox 4">
             <a:extLst>
               <a:ext uri="{FF2B5EF4-FFF2-40B4-BE49-F238E27FC236}">
-                <a16:creationId xmlns:a16="http://schemas.microsoft.com/office/drawing/2014/main" xmlns="" id="{A733F6D1-2B8A-4DC2-B0FA-03B41AD271CD}"/>
+                <a16:creationId xmlns:a16="http://schemas.microsoft.com/office/drawing/2014/main" id="{A733F6D1-2B8A-4DC2-B0FA-03B41AD271CD}"/>
               </a:ext>
             </a:extLst>
           </p:cNvPr>
@@ -32423,7 +35964,7 @@
             <p:cNvPr id="11" name="Овал 10">
               <a:extLst>
                 <a:ext uri="{FF2B5EF4-FFF2-40B4-BE49-F238E27FC236}">
-                  <a16:creationId xmlns:a16="http://schemas.microsoft.com/office/drawing/2014/main" xmlns="" id="{03E676E9-9DCC-4F60-B574-E1C1AA87C2CC}"/>
+                  <a16:creationId xmlns:a16="http://schemas.microsoft.com/office/drawing/2014/main" id="{03E676E9-9DCC-4F60-B574-E1C1AA87C2CC}"/>
                 </a:ext>
               </a:extLst>
             </p:cNvPr>
@@ -32469,7 +36010,7 @@
             <p:cNvPr id="7" name="TextBox 6">
               <a:extLst>
                 <a:ext uri="{FF2B5EF4-FFF2-40B4-BE49-F238E27FC236}">
-                  <a16:creationId xmlns:a16="http://schemas.microsoft.com/office/drawing/2014/main" xmlns="" id="{A733F6D1-2B8A-4DC2-B0FA-03B41AD271CD}"/>
+                  <a16:creationId xmlns:a16="http://schemas.microsoft.com/office/drawing/2014/main" id="{A733F6D1-2B8A-4DC2-B0FA-03B41AD271CD}"/>
                 </a:ext>
               </a:extLst>
             </p:cNvPr>
@@ -32532,7 +36073,7 @@
           <p:cNvPr id="9" name="TextBox 8">
             <a:extLst>
               <a:ext uri="{FF2B5EF4-FFF2-40B4-BE49-F238E27FC236}">
-                <a16:creationId xmlns:a16="http://schemas.microsoft.com/office/drawing/2014/main" xmlns="" id="{A733F6D1-2B8A-4DC2-B0FA-03B41AD271CD}"/>
+                <a16:creationId xmlns:a16="http://schemas.microsoft.com/office/drawing/2014/main" id="{A733F6D1-2B8A-4DC2-B0FA-03B41AD271CD}"/>
               </a:ext>
             </a:extLst>
           </p:cNvPr>
@@ -33003,7 +36544,7 @@
             <p:cNvPr id="12" name="Овал 11">
               <a:extLst>
                 <a:ext uri="{FF2B5EF4-FFF2-40B4-BE49-F238E27FC236}">
-                  <a16:creationId xmlns:a16="http://schemas.microsoft.com/office/drawing/2014/main" xmlns="" id="{03E676E9-9DCC-4F60-B574-E1C1AA87C2CC}"/>
+                  <a16:creationId xmlns:a16="http://schemas.microsoft.com/office/drawing/2014/main" id="{03E676E9-9DCC-4F60-B574-E1C1AA87C2CC}"/>
                 </a:ext>
               </a:extLst>
             </p:cNvPr>
@@ -33049,7 +36590,7 @@
             <p:cNvPr id="13" name="TextBox 12">
               <a:extLst>
                 <a:ext uri="{FF2B5EF4-FFF2-40B4-BE49-F238E27FC236}">
-                  <a16:creationId xmlns:a16="http://schemas.microsoft.com/office/drawing/2014/main" xmlns="" id="{A733F6D1-2B8A-4DC2-B0FA-03B41AD271CD}"/>
+                  <a16:creationId xmlns:a16="http://schemas.microsoft.com/office/drawing/2014/main" id="{A733F6D1-2B8A-4DC2-B0FA-03B41AD271CD}"/>
                 </a:ext>
               </a:extLst>
             </p:cNvPr>
@@ -33393,7 +36934,7 @@
           <p:cNvPr id="2" name="TextBox 1">
             <a:extLst>
               <a:ext uri="{FF2B5EF4-FFF2-40B4-BE49-F238E27FC236}">
-                <a16:creationId xmlns:a16="http://schemas.microsoft.com/office/drawing/2014/main" xmlns="" id="{AFAB66F8-ED4A-48EE-85D2-C79AC4668A7D}"/>
+                <a16:creationId xmlns:a16="http://schemas.microsoft.com/office/drawing/2014/main" id="{AFAB66F8-ED4A-48EE-85D2-C79AC4668A7D}"/>
               </a:ext>
             </a:extLst>
           </p:cNvPr>
@@ -33503,7 +37044,7 @@
           <p:cNvPr id="2" name="TextBox 1">
             <a:extLst>
               <a:ext uri="{FF2B5EF4-FFF2-40B4-BE49-F238E27FC236}">
-                <a16:creationId xmlns:a16="http://schemas.microsoft.com/office/drawing/2014/main" xmlns="" id="{AFAB66F8-ED4A-48EE-85D2-C79AC4668A7D}"/>
+                <a16:creationId xmlns:a16="http://schemas.microsoft.com/office/drawing/2014/main" id="{AFAB66F8-ED4A-48EE-85D2-C79AC4668A7D}"/>
               </a:ext>
             </a:extLst>
           </p:cNvPr>
@@ -33613,7 +37154,7 @@
           <p:cNvPr id="3" name="Рисунок 3">
             <a:extLst>
               <a:ext uri="{FF2B5EF4-FFF2-40B4-BE49-F238E27FC236}">
-                <a16:creationId xmlns:a16="http://schemas.microsoft.com/office/drawing/2014/main" xmlns="" id="{95C4A76A-44E2-479C-A2FE-C23CCB3FF729}"/>
+                <a16:creationId xmlns:a16="http://schemas.microsoft.com/office/drawing/2014/main" id="{95C4A76A-44E2-479C-A2FE-C23CCB3FF729}"/>
               </a:ext>
             </a:extLst>
           </p:cNvPr>
@@ -33643,7 +37184,7 @@
           <p:cNvPr id="4" name="Рисунок 4" descr="Изображение выглядит как знак&#10;&#10;Автоматически созданное описание">
             <a:extLst>
               <a:ext uri="{FF2B5EF4-FFF2-40B4-BE49-F238E27FC236}">
-                <a16:creationId xmlns:a16="http://schemas.microsoft.com/office/drawing/2014/main" xmlns="" id="{66730876-7F49-43AB-9DB2-FF5F99C2F4C1}"/>
+                <a16:creationId xmlns:a16="http://schemas.microsoft.com/office/drawing/2014/main" id="{66730876-7F49-43AB-9DB2-FF5F99C2F4C1}"/>
               </a:ext>
             </a:extLst>
           </p:cNvPr>
@@ -33711,7 +37252,7 @@
           <p:cNvPr id="2" name="TextBox 1">
             <a:extLst>
               <a:ext uri="{FF2B5EF4-FFF2-40B4-BE49-F238E27FC236}">
-                <a16:creationId xmlns:a16="http://schemas.microsoft.com/office/drawing/2014/main" xmlns="" id="{AFAB66F8-ED4A-48EE-85D2-C79AC4668A7D}"/>
+                <a16:creationId xmlns:a16="http://schemas.microsoft.com/office/drawing/2014/main" id="{AFAB66F8-ED4A-48EE-85D2-C79AC4668A7D}"/>
               </a:ext>
             </a:extLst>
           </p:cNvPr>
@@ -33835,7 +37376,7 @@
             <p:cNvPr id="12" name="Овал 11">
               <a:extLst>
                 <a:ext uri="{FF2B5EF4-FFF2-40B4-BE49-F238E27FC236}">
-                  <a16:creationId xmlns:a16="http://schemas.microsoft.com/office/drawing/2014/main" xmlns="" id="{03E676E9-9DCC-4F60-B574-E1C1AA87C2CC}"/>
+                  <a16:creationId xmlns:a16="http://schemas.microsoft.com/office/drawing/2014/main" id="{03E676E9-9DCC-4F60-B574-E1C1AA87C2CC}"/>
                 </a:ext>
               </a:extLst>
             </p:cNvPr>
@@ -33885,7 +37426,7 @@
             <p:cNvPr id="5" name="TextBox 4">
               <a:extLst>
                 <a:ext uri="{FF2B5EF4-FFF2-40B4-BE49-F238E27FC236}">
-                  <a16:creationId xmlns:a16="http://schemas.microsoft.com/office/drawing/2014/main" xmlns="" id="{A733F6D1-2B8A-4DC2-B0FA-03B41AD271CD}"/>
+                  <a16:creationId xmlns:a16="http://schemas.microsoft.com/office/drawing/2014/main" id="{A733F6D1-2B8A-4DC2-B0FA-03B41AD271CD}"/>
                 </a:ext>
               </a:extLst>
             </p:cNvPr>
@@ -33949,7 +37490,7 @@
             <p:cNvPr id="11" name="Овал 10">
               <a:extLst>
                 <a:ext uri="{FF2B5EF4-FFF2-40B4-BE49-F238E27FC236}">
-                  <a16:creationId xmlns:a16="http://schemas.microsoft.com/office/drawing/2014/main" xmlns="" id="{03E676E9-9DCC-4F60-B574-E1C1AA87C2CC}"/>
+                  <a16:creationId xmlns:a16="http://schemas.microsoft.com/office/drawing/2014/main" id="{03E676E9-9DCC-4F60-B574-E1C1AA87C2CC}"/>
                 </a:ext>
               </a:extLst>
             </p:cNvPr>
@@ -33999,7 +37540,7 @@
             <p:cNvPr id="7" name="TextBox 6">
               <a:extLst>
                 <a:ext uri="{FF2B5EF4-FFF2-40B4-BE49-F238E27FC236}">
-                  <a16:creationId xmlns:a16="http://schemas.microsoft.com/office/drawing/2014/main" xmlns="" id="{A733F6D1-2B8A-4DC2-B0FA-03B41AD271CD}"/>
+                  <a16:creationId xmlns:a16="http://schemas.microsoft.com/office/drawing/2014/main" id="{A733F6D1-2B8A-4DC2-B0FA-03B41AD271CD}"/>
                 </a:ext>
               </a:extLst>
             </p:cNvPr>
@@ -34076,7 +37617,7 @@
             <p:cNvPr id="10" name="Овал 9">
               <a:extLst>
                 <a:ext uri="{FF2B5EF4-FFF2-40B4-BE49-F238E27FC236}">
-                  <a16:creationId xmlns:a16="http://schemas.microsoft.com/office/drawing/2014/main" xmlns="" id="{03E676E9-9DCC-4F60-B574-E1C1AA87C2CC}"/>
+                  <a16:creationId xmlns:a16="http://schemas.microsoft.com/office/drawing/2014/main" id="{03E676E9-9DCC-4F60-B574-E1C1AA87C2CC}"/>
                 </a:ext>
               </a:extLst>
             </p:cNvPr>
@@ -34126,7 +37667,7 @@
             <p:cNvPr id="9" name="TextBox 8">
               <a:extLst>
                 <a:ext uri="{FF2B5EF4-FFF2-40B4-BE49-F238E27FC236}">
-                  <a16:creationId xmlns:a16="http://schemas.microsoft.com/office/drawing/2014/main" xmlns="" id="{A733F6D1-2B8A-4DC2-B0FA-03B41AD271CD}"/>
+                  <a16:creationId xmlns:a16="http://schemas.microsoft.com/office/drawing/2014/main" id="{A733F6D1-2B8A-4DC2-B0FA-03B41AD271CD}"/>
                 </a:ext>
               </a:extLst>
             </p:cNvPr>
@@ -34530,7 +38071,7 @@
             <p:cNvPr id="8" name="Овал 7">
               <a:extLst>
                 <a:ext uri="{FF2B5EF4-FFF2-40B4-BE49-F238E27FC236}">
-                  <a16:creationId xmlns:a16="http://schemas.microsoft.com/office/drawing/2014/main" xmlns="" id="{03E676E9-9DCC-4F60-B574-E1C1AA87C2CC}"/>
+                  <a16:creationId xmlns:a16="http://schemas.microsoft.com/office/drawing/2014/main" id="{03E676E9-9DCC-4F60-B574-E1C1AA87C2CC}"/>
                 </a:ext>
               </a:extLst>
             </p:cNvPr>
@@ -34580,7 +38121,7 @@
             <p:cNvPr id="9" name="TextBox 8">
               <a:extLst>
                 <a:ext uri="{FF2B5EF4-FFF2-40B4-BE49-F238E27FC236}">
-                  <a16:creationId xmlns:a16="http://schemas.microsoft.com/office/drawing/2014/main" xmlns="" id="{A733F6D1-2B8A-4DC2-B0FA-03B41AD271CD}"/>
+                  <a16:creationId xmlns:a16="http://schemas.microsoft.com/office/drawing/2014/main" id="{A733F6D1-2B8A-4DC2-B0FA-03B41AD271CD}"/>
                 </a:ext>
               </a:extLst>
             </p:cNvPr>
@@ -34770,7 +38311,7 @@
           <p:cNvPr id="2" name="TextBox 1">
             <a:extLst>
               <a:ext uri="{FF2B5EF4-FFF2-40B4-BE49-F238E27FC236}">
-                <a16:creationId xmlns:a16="http://schemas.microsoft.com/office/drawing/2014/main" xmlns="" id="{AFAB66F8-ED4A-48EE-85D2-C79AC4668A7D}"/>
+                <a16:creationId xmlns:a16="http://schemas.microsoft.com/office/drawing/2014/main" id="{AFAB66F8-ED4A-48EE-85D2-C79AC4668A7D}"/>
               </a:ext>
             </a:extLst>
           </p:cNvPr>
@@ -34880,7 +38421,7 @@
           <p:cNvPr id="2" name="TextBox 1">
             <a:extLst>
               <a:ext uri="{FF2B5EF4-FFF2-40B4-BE49-F238E27FC236}">
-                <a16:creationId xmlns:a16="http://schemas.microsoft.com/office/drawing/2014/main" xmlns="" id="{AFAB66F8-ED4A-48EE-85D2-C79AC4668A7D}"/>
+                <a16:creationId xmlns:a16="http://schemas.microsoft.com/office/drawing/2014/main" id="{AFAB66F8-ED4A-48EE-85D2-C79AC4668A7D}"/>
               </a:ext>
             </a:extLst>
           </p:cNvPr>
@@ -35000,7 +38541,7 @@
           <p:cNvPr id="2" name="TextBox 1">
             <a:extLst>
               <a:ext uri="{FF2B5EF4-FFF2-40B4-BE49-F238E27FC236}">
-                <a16:creationId xmlns:a16="http://schemas.microsoft.com/office/drawing/2014/main" xmlns="" id="{AFAB66F8-ED4A-48EE-85D2-C79AC4668A7D}"/>
+                <a16:creationId xmlns:a16="http://schemas.microsoft.com/office/drawing/2014/main" id="{AFAB66F8-ED4A-48EE-85D2-C79AC4668A7D}"/>
               </a:ext>
             </a:extLst>
           </p:cNvPr>
@@ -35251,7 +38792,7 @@
           <p:cNvPr id="2" name="TextBox 1">
             <a:extLst>
               <a:ext uri="{FF2B5EF4-FFF2-40B4-BE49-F238E27FC236}">
-                <a16:creationId xmlns:a16="http://schemas.microsoft.com/office/drawing/2014/main" xmlns="" id="{AFAB66F8-ED4A-48EE-85D2-C79AC4668A7D}"/>
+                <a16:creationId xmlns:a16="http://schemas.microsoft.com/office/drawing/2014/main" id="{AFAB66F8-ED4A-48EE-85D2-C79AC4668A7D}"/>
               </a:ext>
             </a:extLst>
           </p:cNvPr>
@@ -35442,7 +38983,7 @@
           <p:cNvPr id="2" name="TextBox 1">
             <a:extLst>
               <a:ext uri="{FF2B5EF4-FFF2-40B4-BE49-F238E27FC236}">
-                <a16:creationId xmlns:a16="http://schemas.microsoft.com/office/drawing/2014/main" xmlns="" id="{AFAB66F8-ED4A-48EE-85D2-C79AC4668A7D}"/>
+                <a16:creationId xmlns:a16="http://schemas.microsoft.com/office/drawing/2014/main" id="{AFAB66F8-ED4A-48EE-85D2-C79AC4668A7D}"/>
               </a:ext>
             </a:extLst>
           </p:cNvPr>
@@ -35574,7 +39115,7 @@
           <p:cNvPr id="2" name="TextBox 1">
             <a:extLst>
               <a:ext uri="{FF2B5EF4-FFF2-40B4-BE49-F238E27FC236}">
-                <a16:creationId xmlns:a16="http://schemas.microsoft.com/office/drawing/2014/main" xmlns="" id="{AFAB66F8-ED4A-48EE-85D2-C79AC4668A7D}"/>
+                <a16:creationId xmlns:a16="http://schemas.microsoft.com/office/drawing/2014/main" id="{AFAB66F8-ED4A-48EE-85D2-C79AC4668A7D}"/>
               </a:ext>
             </a:extLst>
           </p:cNvPr>
@@ -35969,7 +39510,7 @@
           <p:cNvPr id="2" name="TextBox 1">
             <a:extLst>
               <a:ext uri="{FF2B5EF4-FFF2-40B4-BE49-F238E27FC236}">
-                <a16:creationId xmlns:a16="http://schemas.microsoft.com/office/drawing/2014/main" xmlns="" id="{AFAB66F8-ED4A-48EE-85D2-C79AC4668A7D}"/>
+                <a16:creationId xmlns:a16="http://schemas.microsoft.com/office/drawing/2014/main" id="{AFAB66F8-ED4A-48EE-85D2-C79AC4668A7D}"/>
               </a:ext>
             </a:extLst>
           </p:cNvPr>
@@ -36066,7 +39607,7 @@
           <p:cNvPr id="2" name="Рисунок 2" descr="Изображение выглядит как рисунок&#10;&#10;Автоматически созданное описание">
             <a:extLst>
               <a:ext uri="{FF2B5EF4-FFF2-40B4-BE49-F238E27FC236}">
-                <a16:creationId xmlns:a16="http://schemas.microsoft.com/office/drawing/2014/main" xmlns="" id="{81DC1A7B-2B0C-47E5-A6F1-FCCAC192F23D}"/>
+                <a16:creationId xmlns:a16="http://schemas.microsoft.com/office/drawing/2014/main" id="{81DC1A7B-2B0C-47E5-A6F1-FCCAC192F23D}"/>
               </a:ext>
             </a:extLst>
           </p:cNvPr>
@@ -36096,7 +39637,7 @@
           <p:cNvPr id="5" name="Рисунок 5">
             <a:extLst>
               <a:ext uri="{FF2B5EF4-FFF2-40B4-BE49-F238E27FC236}">
-                <a16:creationId xmlns:a16="http://schemas.microsoft.com/office/drawing/2014/main" xmlns="" id="{B0D009A0-57C3-4D4D-B1D0-6B70F709CD8A}"/>
+                <a16:creationId xmlns:a16="http://schemas.microsoft.com/office/drawing/2014/main" id="{B0D009A0-57C3-4D4D-B1D0-6B70F709CD8A}"/>
               </a:ext>
             </a:extLst>
           </p:cNvPr>
@@ -36126,7 +39667,7 @@
           <p:cNvPr id="6" name="Рисунок 6" descr="Изображение выглядит как рисунок&#10;&#10;Автоматически созданное описание">
             <a:extLst>
               <a:ext uri="{FF2B5EF4-FFF2-40B4-BE49-F238E27FC236}">
-                <a16:creationId xmlns:a16="http://schemas.microsoft.com/office/drawing/2014/main" xmlns="" id="{8B4C1875-E39D-477D-84F6-3749F436D282}"/>
+                <a16:creationId xmlns:a16="http://schemas.microsoft.com/office/drawing/2014/main" id="{8B4C1875-E39D-477D-84F6-3749F436D282}"/>
               </a:ext>
             </a:extLst>
           </p:cNvPr>
@@ -36156,7 +39697,7 @@
           <p:cNvPr id="9" name="Рисунок 9">
             <a:extLst>
               <a:ext uri="{FF2B5EF4-FFF2-40B4-BE49-F238E27FC236}">
-                <a16:creationId xmlns:a16="http://schemas.microsoft.com/office/drawing/2014/main" xmlns="" id="{E8BB2BAD-B852-4F51-B94F-087CF76564AF}"/>
+                <a16:creationId xmlns:a16="http://schemas.microsoft.com/office/drawing/2014/main" id="{E8BB2BAD-B852-4F51-B94F-087CF76564AF}"/>
               </a:ext>
             </a:extLst>
           </p:cNvPr>
@@ -36186,7 +39727,7 @@
           <p:cNvPr id="11" name="Рисунок 11" descr="Изображение выглядит как рисунок&#10;&#10;Автоматически созданное описание">
             <a:extLst>
               <a:ext uri="{FF2B5EF4-FFF2-40B4-BE49-F238E27FC236}">
-                <a16:creationId xmlns:a16="http://schemas.microsoft.com/office/drawing/2014/main" xmlns="" id="{914ACEFC-461A-48C0-97AB-D2477D2D884D}"/>
+                <a16:creationId xmlns:a16="http://schemas.microsoft.com/office/drawing/2014/main" id="{914ACEFC-461A-48C0-97AB-D2477D2D884D}"/>
               </a:ext>
             </a:extLst>
           </p:cNvPr>
@@ -36216,7 +39757,7 @@
           <p:cNvPr id="13" name="Рисунок 13" descr="Изображение выглядит как часы&#10;&#10;Автоматически созданное описание">
             <a:extLst>
               <a:ext uri="{FF2B5EF4-FFF2-40B4-BE49-F238E27FC236}">
-                <a16:creationId xmlns:a16="http://schemas.microsoft.com/office/drawing/2014/main" xmlns="" id="{0FD59164-34BB-4E4F-94CD-FFC9E1E9D58C}"/>
+                <a16:creationId xmlns:a16="http://schemas.microsoft.com/office/drawing/2014/main" id="{0FD59164-34BB-4E4F-94CD-FFC9E1E9D58C}"/>
               </a:ext>
             </a:extLst>
           </p:cNvPr>
@@ -36291,7 +39832,7 @@
           <p:cNvPr id="8" name="Рисунок 2" descr="Изображение выглядит как знак&#10;&#10;Автоматически созданное описание">
             <a:extLst>
               <a:ext uri="{FF2B5EF4-FFF2-40B4-BE49-F238E27FC236}">
-                <a16:creationId xmlns:a16="http://schemas.microsoft.com/office/drawing/2014/main" xmlns="" id="{94CE257F-A4AB-4D99-8638-F51E066F3AF6}"/>
+                <a16:creationId xmlns:a16="http://schemas.microsoft.com/office/drawing/2014/main" id="{94CE257F-A4AB-4D99-8638-F51E066F3AF6}"/>
               </a:ext>
             </a:extLst>
           </p:cNvPr>
@@ -36321,7 +39862,7 @@
           <p:cNvPr id="9" name="Рисунок 2" descr="Изображение выглядит как рисунок&#10;&#10;Автоматически созданное описание">
             <a:extLst>
               <a:ext uri="{FF2B5EF4-FFF2-40B4-BE49-F238E27FC236}">
-                <a16:creationId xmlns:a16="http://schemas.microsoft.com/office/drawing/2014/main" xmlns="" id="{4EAD6ACE-3298-4D74-B944-64C6FF04E9A0}"/>
+                <a16:creationId xmlns:a16="http://schemas.microsoft.com/office/drawing/2014/main" id="{4EAD6ACE-3298-4D74-B944-64C6FF04E9A0}"/>
               </a:ext>
             </a:extLst>
           </p:cNvPr>
@@ -36678,7 +40219,7 @@
           <p:cNvPr id="9" name="Рисунок 2" descr="Изображение выглядит как рисунок&#10;&#10;Автоматически созданное описание">
             <a:extLst>
               <a:ext uri="{FF2B5EF4-FFF2-40B4-BE49-F238E27FC236}">
-                <a16:creationId xmlns:a16="http://schemas.microsoft.com/office/drawing/2014/main" xmlns="" id="{4EAD6ACE-3298-4D74-B944-64C6FF04E9A0}"/>
+                <a16:creationId xmlns:a16="http://schemas.microsoft.com/office/drawing/2014/main" id="{4EAD6ACE-3298-4D74-B944-64C6FF04E9A0}"/>
               </a:ext>
             </a:extLst>
           </p:cNvPr>
@@ -36722,7 +40263,7 @@
             <p:cNvPr id="8" name="Рисунок 2" descr="Изображение выглядит как знак&#10;&#10;Автоматически созданное описание">
               <a:extLst>
                 <a:ext uri="{FF2B5EF4-FFF2-40B4-BE49-F238E27FC236}">
-                  <a16:creationId xmlns:a16="http://schemas.microsoft.com/office/drawing/2014/main" xmlns="" id="{94CE257F-A4AB-4D99-8638-F51E066F3AF6}"/>
+                  <a16:creationId xmlns:a16="http://schemas.microsoft.com/office/drawing/2014/main" id="{94CE257F-A4AB-4D99-8638-F51E066F3AF6}"/>
                 </a:ext>
               </a:extLst>
             </p:cNvPr>
@@ -36978,7 +40519,7 @@
           <p:cNvPr id="2" name="TextBox 1">
             <a:extLst>
               <a:ext uri="{FF2B5EF4-FFF2-40B4-BE49-F238E27FC236}">
-                <a16:creationId xmlns:a16="http://schemas.microsoft.com/office/drawing/2014/main" xmlns="" id="{AFAB66F8-ED4A-48EE-85D2-C79AC4668A7D}"/>
+                <a16:creationId xmlns:a16="http://schemas.microsoft.com/office/drawing/2014/main" id="{AFAB66F8-ED4A-48EE-85D2-C79AC4668A7D}"/>
               </a:ext>
             </a:extLst>
           </p:cNvPr>
@@ -37095,7 +40636,7 @@
           <p:cNvPr id="2" name="TextBox 1">
             <a:extLst>
               <a:ext uri="{FF2B5EF4-FFF2-40B4-BE49-F238E27FC236}">
-                <a16:creationId xmlns:a16="http://schemas.microsoft.com/office/drawing/2014/main" xmlns="" id="{AFAB66F8-ED4A-48EE-85D2-C79AC4668A7D}"/>
+                <a16:creationId xmlns:a16="http://schemas.microsoft.com/office/drawing/2014/main" id="{AFAB66F8-ED4A-48EE-85D2-C79AC4668A7D}"/>
               </a:ext>
             </a:extLst>
           </p:cNvPr>
@@ -37218,7 +40759,7 @@
           <p:cNvPr id="2" name="TextBox 1">
             <a:extLst>
               <a:ext uri="{FF2B5EF4-FFF2-40B4-BE49-F238E27FC236}">
-                <a16:creationId xmlns:a16="http://schemas.microsoft.com/office/drawing/2014/main" xmlns="" id="{AFAB66F8-ED4A-48EE-85D2-C79AC4668A7D}"/>
+                <a16:creationId xmlns:a16="http://schemas.microsoft.com/office/drawing/2014/main" id="{AFAB66F8-ED4A-48EE-85D2-C79AC4668A7D}"/>
               </a:ext>
             </a:extLst>
           </p:cNvPr>
@@ -37374,7 +40915,7 @@
               <p:cNvPr id="10" name="Овал 9">
                 <a:extLst>
                   <a:ext uri="{FF2B5EF4-FFF2-40B4-BE49-F238E27FC236}">
-                    <a16:creationId xmlns:a16="http://schemas.microsoft.com/office/drawing/2014/main" xmlns="" id="{03E676E9-9DCC-4F60-B574-E1C1AA87C2CC}"/>
+                    <a16:creationId xmlns:a16="http://schemas.microsoft.com/office/drawing/2014/main" id="{03E676E9-9DCC-4F60-B574-E1C1AA87C2CC}"/>
                   </a:ext>
                 </a:extLst>
               </p:cNvPr>
@@ -37420,7 +40961,7 @@
               <p:cNvPr id="7" name="TextBox 6">
                 <a:extLst>
                   <a:ext uri="{FF2B5EF4-FFF2-40B4-BE49-F238E27FC236}">
-                    <a16:creationId xmlns:a16="http://schemas.microsoft.com/office/drawing/2014/main" xmlns="" id="{A733F6D1-2B8A-4DC2-B0FA-03B41AD271CD}"/>
+                    <a16:creationId xmlns:a16="http://schemas.microsoft.com/office/drawing/2014/main" id="{A733F6D1-2B8A-4DC2-B0FA-03B41AD271CD}"/>
                   </a:ext>
                 </a:extLst>
               </p:cNvPr>
@@ -37485,7 +41026,7 @@
               <p:cNvPr id="13" name="Овал 12">
                 <a:extLst>
                   <a:ext uri="{FF2B5EF4-FFF2-40B4-BE49-F238E27FC236}">
-                    <a16:creationId xmlns:a16="http://schemas.microsoft.com/office/drawing/2014/main" xmlns="" id="{03E676E9-9DCC-4F60-B574-E1C1AA87C2CC}"/>
+                    <a16:creationId xmlns:a16="http://schemas.microsoft.com/office/drawing/2014/main" id="{03E676E9-9DCC-4F60-B574-E1C1AA87C2CC}"/>
                   </a:ext>
                 </a:extLst>
               </p:cNvPr>
@@ -37531,7 +41072,7 @@
               <p:cNvPr id="14" name="TextBox 13">
                 <a:extLst>
                   <a:ext uri="{FF2B5EF4-FFF2-40B4-BE49-F238E27FC236}">
-                    <a16:creationId xmlns:a16="http://schemas.microsoft.com/office/drawing/2014/main" xmlns="" id="{A733F6D1-2B8A-4DC2-B0FA-03B41AD271CD}"/>
+                    <a16:creationId xmlns:a16="http://schemas.microsoft.com/office/drawing/2014/main" id="{A733F6D1-2B8A-4DC2-B0FA-03B41AD271CD}"/>
                   </a:ext>
                 </a:extLst>
               </p:cNvPr>
@@ -37596,7 +41137,7 @@
               <p:cNvPr id="16" name="Овал 15">
                 <a:extLst>
                   <a:ext uri="{FF2B5EF4-FFF2-40B4-BE49-F238E27FC236}">
-                    <a16:creationId xmlns:a16="http://schemas.microsoft.com/office/drawing/2014/main" xmlns="" id="{03E676E9-9DCC-4F60-B574-E1C1AA87C2CC}"/>
+                    <a16:creationId xmlns:a16="http://schemas.microsoft.com/office/drawing/2014/main" id="{03E676E9-9DCC-4F60-B574-E1C1AA87C2CC}"/>
                   </a:ext>
                 </a:extLst>
               </p:cNvPr>
@@ -37642,7 +41183,7 @@
               <p:cNvPr id="17" name="TextBox 16">
                 <a:extLst>
                   <a:ext uri="{FF2B5EF4-FFF2-40B4-BE49-F238E27FC236}">
-                    <a16:creationId xmlns:a16="http://schemas.microsoft.com/office/drawing/2014/main" xmlns="" id="{A733F6D1-2B8A-4DC2-B0FA-03B41AD271CD}"/>
+                    <a16:creationId xmlns:a16="http://schemas.microsoft.com/office/drawing/2014/main" id="{A733F6D1-2B8A-4DC2-B0FA-03B41AD271CD}"/>
                   </a:ext>
                 </a:extLst>
               </p:cNvPr>
@@ -38083,7 +41624,7 @@
           <p:cNvPr id="2" name="TextBox 1">
             <a:extLst>
               <a:ext uri="{FF2B5EF4-FFF2-40B4-BE49-F238E27FC236}">
-                <a16:creationId xmlns:a16="http://schemas.microsoft.com/office/drawing/2014/main" xmlns="" id="{AFAB66F8-ED4A-48EE-85D2-C79AC4668A7D}"/>
+                <a16:creationId xmlns:a16="http://schemas.microsoft.com/office/drawing/2014/main" id="{AFAB66F8-ED4A-48EE-85D2-C79AC4668A7D}"/>
               </a:ext>
             </a:extLst>
           </p:cNvPr>
@@ -38180,7 +41721,7 @@
           <p:cNvPr id="2" name="TextBox 1">
             <a:extLst>
               <a:ext uri="{FF2B5EF4-FFF2-40B4-BE49-F238E27FC236}">
-                <a16:creationId xmlns:a16="http://schemas.microsoft.com/office/drawing/2014/main" xmlns="" id="{AFAB66F8-ED4A-48EE-85D2-C79AC4668A7D}"/>
+                <a16:creationId xmlns:a16="http://schemas.microsoft.com/office/drawing/2014/main" id="{AFAB66F8-ED4A-48EE-85D2-C79AC4668A7D}"/>
               </a:ext>
             </a:extLst>
           </p:cNvPr>
@@ -38303,7 +41844,7 @@
           <p:cNvPr id="2" name="TextBox 1">
             <a:extLst>
               <a:ext uri="{FF2B5EF4-FFF2-40B4-BE49-F238E27FC236}">
-                <a16:creationId xmlns:a16="http://schemas.microsoft.com/office/drawing/2014/main" xmlns="" id="{AFAB66F8-ED4A-48EE-85D2-C79AC4668A7D}"/>
+                <a16:creationId xmlns:a16="http://schemas.microsoft.com/office/drawing/2014/main" id="{AFAB66F8-ED4A-48EE-85D2-C79AC4668A7D}"/>
               </a:ext>
             </a:extLst>
           </p:cNvPr>
@@ -38448,7 +41989,7 @@
               <p:cNvPr id="9" name="Овал 8">
                 <a:extLst>
                   <a:ext uri="{FF2B5EF4-FFF2-40B4-BE49-F238E27FC236}">
-                    <a16:creationId xmlns:a16="http://schemas.microsoft.com/office/drawing/2014/main" xmlns="" id="{03E676E9-9DCC-4F60-B574-E1C1AA87C2CC}"/>
+                    <a16:creationId xmlns:a16="http://schemas.microsoft.com/office/drawing/2014/main" id="{03E676E9-9DCC-4F60-B574-E1C1AA87C2CC}"/>
                   </a:ext>
                 </a:extLst>
               </p:cNvPr>
@@ -38494,7 +42035,7 @@
               <p:cNvPr id="10" name="TextBox 9">
                 <a:extLst>
                   <a:ext uri="{FF2B5EF4-FFF2-40B4-BE49-F238E27FC236}">
-                    <a16:creationId xmlns:a16="http://schemas.microsoft.com/office/drawing/2014/main" xmlns="" id="{A733F6D1-2B8A-4DC2-B0FA-03B41AD271CD}"/>
+                    <a16:creationId xmlns:a16="http://schemas.microsoft.com/office/drawing/2014/main" id="{A733F6D1-2B8A-4DC2-B0FA-03B41AD271CD}"/>
                   </a:ext>
                 </a:extLst>
               </p:cNvPr>
@@ -38553,7 +42094,7 @@
               <p:cNvPr id="13" name="Овал 12">
                 <a:extLst>
                   <a:ext uri="{FF2B5EF4-FFF2-40B4-BE49-F238E27FC236}">
-                    <a16:creationId xmlns:a16="http://schemas.microsoft.com/office/drawing/2014/main" xmlns="" id="{03E676E9-9DCC-4F60-B574-E1C1AA87C2CC}"/>
+                    <a16:creationId xmlns:a16="http://schemas.microsoft.com/office/drawing/2014/main" id="{03E676E9-9DCC-4F60-B574-E1C1AA87C2CC}"/>
                   </a:ext>
                 </a:extLst>
               </p:cNvPr>
@@ -38599,7 +42140,7 @@
               <p:cNvPr id="14" name="TextBox 13">
                 <a:extLst>
                   <a:ext uri="{FF2B5EF4-FFF2-40B4-BE49-F238E27FC236}">
-                    <a16:creationId xmlns:a16="http://schemas.microsoft.com/office/drawing/2014/main" xmlns="" id="{A733F6D1-2B8A-4DC2-B0FA-03B41AD271CD}"/>
+                    <a16:creationId xmlns:a16="http://schemas.microsoft.com/office/drawing/2014/main" id="{A733F6D1-2B8A-4DC2-B0FA-03B41AD271CD}"/>
                   </a:ext>
                 </a:extLst>
               </p:cNvPr>
@@ -38659,7 +42200,7 @@
               <p:cNvPr id="16" name="Овал 15">
                 <a:extLst>
                   <a:ext uri="{FF2B5EF4-FFF2-40B4-BE49-F238E27FC236}">
-                    <a16:creationId xmlns:a16="http://schemas.microsoft.com/office/drawing/2014/main" xmlns="" id="{03E676E9-9DCC-4F60-B574-E1C1AA87C2CC}"/>
+                    <a16:creationId xmlns:a16="http://schemas.microsoft.com/office/drawing/2014/main" id="{03E676E9-9DCC-4F60-B574-E1C1AA87C2CC}"/>
                   </a:ext>
                 </a:extLst>
               </p:cNvPr>
@@ -38705,7 +42246,7 @@
               <p:cNvPr id="17" name="TextBox 16">
                 <a:extLst>
                   <a:ext uri="{FF2B5EF4-FFF2-40B4-BE49-F238E27FC236}">
-                    <a16:creationId xmlns:a16="http://schemas.microsoft.com/office/drawing/2014/main" xmlns="" id="{A733F6D1-2B8A-4DC2-B0FA-03B41AD271CD}"/>
+                    <a16:creationId xmlns:a16="http://schemas.microsoft.com/office/drawing/2014/main" id="{A733F6D1-2B8A-4DC2-B0FA-03B41AD271CD}"/>
                   </a:ext>
                 </a:extLst>
               </p:cNvPr>
@@ -38764,7 +42305,7 @@
               <p:cNvPr id="19" name="Овал 18">
                 <a:extLst>
                   <a:ext uri="{FF2B5EF4-FFF2-40B4-BE49-F238E27FC236}">
-                    <a16:creationId xmlns:a16="http://schemas.microsoft.com/office/drawing/2014/main" xmlns="" id="{03E676E9-9DCC-4F60-B574-E1C1AA87C2CC}"/>
+                    <a16:creationId xmlns:a16="http://schemas.microsoft.com/office/drawing/2014/main" id="{03E676E9-9DCC-4F60-B574-E1C1AA87C2CC}"/>
                   </a:ext>
                 </a:extLst>
               </p:cNvPr>
@@ -38810,7 +42351,7 @@
               <p:cNvPr id="20" name="TextBox 19">
                 <a:extLst>
                   <a:ext uri="{FF2B5EF4-FFF2-40B4-BE49-F238E27FC236}">
-                    <a16:creationId xmlns:a16="http://schemas.microsoft.com/office/drawing/2014/main" xmlns="" id="{A733F6D1-2B8A-4DC2-B0FA-03B41AD271CD}"/>
+                    <a16:creationId xmlns:a16="http://schemas.microsoft.com/office/drawing/2014/main" id="{A733F6D1-2B8A-4DC2-B0FA-03B41AD271CD}"/>
                   </a:ext>
                 </a:extLst>
               </p:cNvPr>
@@ -39097,7 +42638,7 @@
           <p:cNvPr id="35" name="TextBox 34">
             <a:extLst>
               <a:ext uri="{FF2B5EF4-FFF2-40B4-BE49-F238E27FC236}">
-                <a16:creationId xmlns:a16="http://schemas.microsoft.com/office/drawing/2014/main" xmlns="" id="{A733F6D1-2B8A-4DC2-B0FA-03B41AD271CD}"/>
+                <a16:creationId xmlns:a16="http://schemas.microsoft.com/office/drawing/2014/main" id="{A733F6D1-2B8A-4DC2-B0FA-03B41AD271CD}"/>
               </a:ext>
             </a:extLst>
           </p:cNvPr>
@@ -39430,7 +42971,7 @@
           <p:cNvPr id="2" name="Рисунок 2" descr="Изображение выглядит как текст&#10;&#10;Автоматически созданное описание">
             <a:extLst>
               <a:ext uri="{FF2B5EF4-FFF2-40B4-BE49-F238E27FC236}">
-                <a16:creationId xmlns:a16="http://schemas.microsoft.com/office/drawing/2014/main" xmlns="" id="{D1C05644-018B-464B-AE75-F6CF04D683C7}"/>
+                <a16:creationId xmlns:a16="http://schemas.microsoft.com/office/drawing/2014/main" id="{D1C05644-018B-464B-AE75-F6CF04D683C7}"/>
               </a:ext>
             </a:extLst>
           </p:cNvPr>
@@ -39498,7 +43039,7 @@
           <p:cNvPr id="2" name="TextBox 1">
             <a:extLst>
               <a:ext uri="{FF2B5EF4-FFF2-40B4-BE49-F238E27FC236}">
-                <a16:creationId xmlns:a16="http://schemas.microsoft.com/office/drawing/2014/main" xmlns="" id="{AFAB66F8-ED4A-48EE-85D2-C79AC4668A7D}"/>
+                <a16:creationId xmlns:a16="http://schemas.microsoft.com/office/drawing/2014/main" id="{AFAB66F8-ED4A-48EE-85D2-C79AC4668A7D}"/>
               </a:ext>
             </a:extLst>
           </p:cNvPr>
@@ -39550,7 +43091,7 @@
           <p:cNvPr id="3" name="TextBox 2">
             <a:extLst>
               <a:ext uri="{FF2B5EF4-FFF2-40B4-BE49-F238E27FC236}">
-                <a16:creationId xmlns:a16="http://schemas.microsoft.com/office/drawing/2014/main" xmlns="" id="{AFAB66F8-ED4A-48EE-85D2-C79AC4668A7D}"/>
+                <a16:creationId xmlns:a16="http://schemas.microsoft.com/office/drawing/2014/main" id="{AFAB66F8-ED4A-48EE-85D2-C79AC4668A7D}"/>
               </a:ext>
             </a:extLst>
           </p:cNvPr>
@@ -39762,7 +43303,7 @@
           <p:cNvPr id="4" name="TextBox 3">
             <a:extLst>
               <a:ext uri="{FF2B5EF4-FFF2-40B4-BE49-F238E27FC236}">
-                <a16:creationId xmlns:a16="http://schemas.microsoft.com/office/drawing/2014/main" xmlns="" id="{AFAB66F8-ED4A-48EE-85D2-C79AC4668A7D}"/>
+                <a16:creationId xmlns:a16="http://schemas.microsoft.com/office/drawing/2014/main" id="{AFAB66F8-ED4A-48EE-85D2-C79AC4668A7D}"/>
               </a:ext>
             </a:extLst>
           </p:cNvPr>
@@ -39865,7 +43406,7 @@
           <p:cNvPr id="4" name="TextBox 3">
             <a:extLst>
               <a:ext uri="{FF2B5EF4-FFF2-40B4-BE49-F238E27FC236}">
-                <a16:creationId xmlns:a16="http://schemas.microsoft.com/office/drawing/2014/main" xmlns="" id="{AFAB66F8-ED4A-48EE-85D2-C79AC4668A7D}"/>
+                <a16:creationId xmlns:a16="http://schemas.microsoft.com/office/drawing/2014/main" id="{AFAB66F8-ED4A-48EE-85D2-C79AC4668A7D}"/>
               </a:ext>
             </a:extLst>
           </p:cNvPr>
@@ -39988,7 +43529,7 @@
           <p:cNvPr id="4" name="TextBox 3">
             <a:extLst>
               <a:ext uri="{FF2B5EF4-FFF2-40B4-BE49-F238E27FC236}">
-                <a16:creationId xmlns:a16="http://schemas.microsoft.com/office/drawing/2014/main" xmlns="" id="{AFAB66F8-ED4A-48EE-85D2-C79AC4668A7D}"/>
+                <a16:creationId xmlns:a16="http://schemas.microsoft.com/office/drawing/2014/main" id="{AFAB66F8-ED4A-48EE-85D2-C79AC4668A7D}"/>
               </a:ext>
             </a:extLst>
           </p:cNvPr>
@@ -40233,7 +43774,7 @@
           <p:cNvPr id="4" name="TextBox 3">
             <a:extLst>
               <a:ext uri="{FF2B5EF4-FFF2-40B4-BE49-F238E27FC236}">
-                <a16:creationId xmlns:a16="http://schemas.microsoft.com/office/drawing/2014/main" xmlns="" id="{AFAB66F8-ED4A-48EE-85D2-C79AC4668A7D}"/>
+                <a16:creationId xmlns:a16="http://schemas.microsoft.com/office/drawing/2014/main" id="{AFAB66F8-ED4A-48EE-85D2-C79AC4668A7D}"/>
               </a:ext>
             </a:extLst>
           </p:cNvPr>
@@ -40364,7 +43905,7 @@
             <p:cNvPr id="5" name="Рисунок 2" descr="Изображение выглядит как знак&#10;&#10;Автоматически созданное описание">
               <a:extLst>
                 <a:ext uri="{FF2B5EF4-FFF2-40B4-BE49-F238E27FC236}">
-                  <a16:creationId xmlns:a16="http://schemas.microsoft.com/office/drawing/2014/main" xmlns="" id="{94CE257F-A4AB-4D99-8638-F51E066F3AF6}"/>
+                  <a16:creationId xmlns:a16="http://schemas.microsoft.com/office/drawing/2014/main" id="{94CE257F-A4AB-4D99-8638-F51E066F3AF6}"/>
                 </a:ext>
               </a:extLst>
             </p:cNvPr>
@@ -40451,7 +43992,7 @@
             <p:cNvPr id="8" name="Рисунок 2" descr="Изображение выглядит как знак&#10;&#10;Автоматически созданное описание">
               <a:extLst>
                 <a:ext uri="{FF2B5EF4-FFF2-40B4-BE49-F238E27FC236}">
-                  <a16:creationId xmlns:a16="http://schemas.microsoft.com/office/drawing/2014/main" xmlns="" id="{94CE257F-A4AB-4D99-8638-F51E066F3AF6}"/>
+                  <a16:creationId xmlns:a16="http://schemas.microsoft.com/office/drawing/2014/main" id="{94CE257F-A4AB-4D99-8638-F51E066F3AF6}"/>
                 </a:ext>
               </a:extLst>
             </p:cNvPr>
@@ -41207,7 +44748,7 @@
           <p:cNvPr id="7" name="TextBox 6">
             <a:extLst>
               <a:ext uri="{FF2B5EF4-FFF2-40B4-BE49-F238E27FC236}">
-                <a16:creationId xmlns:a16="http://schemas.microsoft.com/office/drawing/2014/main" xmlns="" id="{AFAB66F8-ED4A-48EE-85D2-C79AC4668A7D}"/>
+                <a16:creationId xmlns:a16="http://schemas.microsoft.com/office/drawing/2014/main" id="{AFAB66F8-ED4A-48EE-85D2-C79AC4668A7D}"/>
               </a:ext>
             </a:extLst>
           </p:cNvPr>
@@ -41317,7 +44858,7 @@
           <p:cNvPr id="7" name="TextBox 6">
             <a:extLst>
               <a:ext uri="{FF2B5EF4-FFF2-40B4-BE49-F238E27FC236}">
-                <a16:creationId xmlns:a16="http://schemas.microsoft.com/office/drawing/2014/main" xmlns="" id="{AFAB66F8-ED4A-48EE-85D2-C79AC4668A7D}"/>
+                <a16:creationId xmlns:a16="http://schemas.microsoft.com/office/drawing/2014/main" id="{AFAB66F8-ED4A-48EE-85D2-C79AC4668A7D}"/>
               </a:ext>
             </a:extLst>
           </p:cNvPr>
@@ -41420,7 +44961,7 @@
           <p:cNvPr id="7" name="TextBox 6">
             <a:extLst>
               <a:ext uri="{FF2B5EF4-FFF2-40B4-BE49-F238E27FC236}">
-                <a16:creationId xmlns:a16="http://schemas.microsoft.com/office/drawing/2014/main" xmlns="" id="{AFAB66F8-ED4A-48EE-85D2-C79AC4668A7D}"/>
+                <a16:creationId xmlns:a16="http://schemas.microsoft.com/office/drawing/2014/main" id="{AFAB66F8-ED4A-48EE-85D2-C79AC4668A7D}"/>
               </a:ext>
             </a:extLst>
           </p:cNvPr>
@@ -41517,7 +45058,7 @@
           <p:cNvPr id="4" name="Рисунок 2" descr="Изображение выглядит как рисунок&#10;&#10;Автоматически созданное описание">
             <a:extLst>
               <a:ext uri="{FF2B5EF4-FFF2-40B4-BE49-F238E27FC236}">
-                <a16:creationId xmlns:a16="http://schemas.microsoft.com/office/drawing/2014/main" xmlns="" id="{AFCE28E7-A6A4-4ED2-AF42-F79DD8B66AE7}"/>
+                <a16:creationId xmlns:a16="http://schemas.microsoft.com/office/drawing/2014/main" id="{AFCE28E7-A6A4-4ED2-AF42-F79DD8B66AE7}"/>
               </a:ext>
             </a:extLst>
           </p:cNvPr>
@@ -41585,7 +45126,7 @@
           <p:cNvPr id="7" name="TextBox 6">
             <a:extLst>
               <a:ext uri="{FF2B5EF4-FFF2-40B4-BE49-F238E27FC236}">
-                <a16:creationId xmlns:a16="http://schemas.microsoft.com/office/drawing/2014/main" xmlns="" id="{AFAB66F8-ED4A-48EE-85D2-C79AC4668A7D}"/>
+                <a16:creationId xmlns:a16="http://schemas.microsoft.com/office/drawing/2014/main" id="{AFAB66F8-ED4A-48EE-85D2-C79AC4668A7D}"/>
               </a:ext>
             </a:extLst>
           </p:cNvPr>
@@ -41685,7 +45226,7 @@
           <p:cNvPr id="7" name="TextBox 6">
             <a:extLst>
               <a:ext uri="{FF2B5EF4-FFF2-40B4-BE49-F238E27FC236}">
-                <a16:creationId xmlns:a16="http://schemas.microsoft.com/office/drawing/2014/main" xmlns="" id="{AFAB66F8-ED4A-48EE-85D2-C79AC4668A7D}"/>
+                <a16:creationId xmlns:a16="http://schemas.microsoft.com/office/drawing/2014/main" id="{AFAB66F8-ED4A-48EE-85D2-C79AC4668A7D}"/>
               </a:ext>
             </a:extLst>
           </p:cNvPr>
@@ -41788,7 +45329,7 @@
           <p:cNvPr id="7" name="TextBox 6">
             <a:extLst>
               <a:ext uri="{FF2B5EF4-FFF2-40B4-BE49-F238E27FC236}">
-                <a16:creationId xmlns:a16="http://schemas.microsoft.com/office/drawing/2014/main" xmlns="" id="{AFAB66F8-ED4A-48EE-85D2-C79AC4668A7D}"/>
+                <a16:creationId xmlns:a16="http://schemas.microsoft.com/office/drawing/2014/main" id="{AFAB66F8-ED4A-48EE-85D2-C79AC4668A7D}"/>
               </a:ext>
             </a:extLst>
           </p:cNvPr>
@@ -41891,7 +45432,7 @@
           <p:cNvPr id="7" name="TextBox 6">
             <a:extLst>
               <a:ext uri="{FF2B5EF4-FFF2-40B4-BE49-F238E27FC236}">
-                <a16:creationId xmlns:a16="http://schemas.microsoft.com/office/drawing/2014/main" xmlns="" id="{AFAB66F8-ED4A-48EE-85D2-C79AC4668A7D}"/>
+                <a16:creationId xmlns:a16="http://schemas.microsoft.com/office/drawing/2014/main" id="{AFAB66F8-ED4A-48EE-85D2-C79AC4668A7D}"/>
               </a:ext>
             </a:extLst>
           </p:cNvPr>
@@ -42008,7 +45549,7 @@
           <p:cNvPr id="7" name="TextBox 6">
             <a:extLst>
               <a:ext uri="{FF2B5EF4-FFF2-40B4-BE49-F238E27FC236}">
-                <a16:creationId xmlns:a16="http://schemas.microsoft.com/office/drawing/2014/main" xmlns="" id="{AFAB66F8-ED4A-48EE-85D2-C79AC4668A7D}"/>
+                <a16:creationId xmlns:a16="http://schemas.microsoft.com/office/drawing/2014/main" id="{AFAB66F8-ED4A-48EE-85D2-C79AC4668A7D}"/>
               </a:ext>
             </a:extLst>
           </p:cNvPr>
@@ -42118,7 +45659,7 @@
           <p:cNvPr id="7" name="TextBox 6">
             <a:extLst>
               <a:ext uri="{FF2B5EF4-FFF2-40B4-BE49-F238E27FC236}">
-                <a16:creationId xmlns:a16="http://schemas.microsoft.com/office/drawing/2014/main" xmlns="" id="{AFAB66F8-ED4A-48EE-85D2-C79AC4668A7D}"/>
+                <a16:creationId xmlns:a16="http://schemas.microsoft.com/office/drawing/2014/main" id="{AFAB66F8-ED4A-48EE-85D2-C79AC4668A7D}"/>
               </a:ext>
             </a:extLst>
           </p:cNvPr>
@@ -42238,7 +45779,7 @@
           <p:cNvPr id="7" name="TextBox 6">
             <a:extLst>
               <a:ext uri="{FF2B5EF4-FFF2-40B4-BE49-F238E27FC236}">
-                <a16:creationId xmlns:a16="http://schemas.microsoft.com/office/drawing/2014/main" xmlns="" id="{AFAB66F8-ED4A-48EE-85D2-C79AC4668A7D}"/>
+                <a16:creationId xmlns:a16="http://schemas.microsoft.com/office/drawing/2014/main" id="{AFAB66F8-ED4A-48EE-85D2-C79AC4668A7D}"/>
               </a:ext>
             </a:extLst>
           </p:cNvPr>
@@ -42335,7 +45876,7 @@
           <p:cNvPr id="7" name="TextBox 6">
             <a:extLst>
               <a:ext uri="{FF2B5EF4-FFF2-40B4-BE49-F238E27FC236}">
-                <a16:creationId xmlns:a16="http://schemas.microsoft.com/office/drawing/2014/main" xmlns="" id="{AFAB66F8-ED4A-48EE-85D2-C79AC4668A7D}"/>
+                <a16:creationId xmlns:a16="http://schemas.microsoft.com/office/drawing/2014/main" id="{AFAB66F8-ED4A-48EE-85D2-C79AC4668A7D}"/>
               </a:ext>
             </a:extLst>
           </p:cNvPr>
@@ -42472,7 +46013,7 @@
           <p:cNvPr id="7" name="TextBox 6">
             <a:extLst>
               <a:ext uri="{FF2B5EF4-FFF2-40B4-BE49-F238E27FC236}">
-                <a16:creationId xmlns:a16="http://schemas.microsoft.com/office/drawing/2014/main" xmlns="" id="{AFAB66F8-ED4A-48EE-85D2-C79AC4668A7D}"/>
+                <a16:creationId xmlns:a16="http://schemas.microsoft.com/office/drawing/2014/main" id="{AFAB66F8-ED4A-48EE-85D2-C79AC4668A7D}"/>
               </a:ext>
             </a:extLst>
           </p:cNvPr>
@@ -42579,7 +46120,7 @@
           <p:cNvPr id="7" name="TextBox 6">
             <a:extLst>
               <a:ext uri="{FF2B5EF4-FFF2-40B4-BE49-F238E27FC236}">
-                <a16:creationId xmlns:a16="http://schemas.microsoft.com/office/drawing/2014/main" xmlns="" id="{AFAB66F8-ED4A-48EE-85D2-C79AC4668A7D}"/>
+                <a16:creationId xmlns:a16="http://schemas.microsoft.com/office/drawing/2014/main" id="{AFAB66F8-ED4A-48EE-85D2-C79AC4668A7D}"/>
               </a:ext>
             </a:extLst>
           </p:cNvPr>
@@ -42688,7 +46229,7 @@
           <p:cNvPr id="4" name="Рисунок 4" descr="Изображение выглядит как часы, рисунок&#10;&#10;Автоматически созданное описание">
             <a:extLst>
               <a:ext uri="{FF2B5EF4-FFF2-40B4-BE49-F238E27FC236}">
-                <a16:creationId xmlns:a16="http://schemas.microsoft.com/office/drawing/2014/main" xmlns="" id="{94FAFFE4-0131-4A6D-B497-6291BBBB7CD5}"/>
+                <a16:creationId xmlns:a16="http://schemas.microsoft.com/office/drawing/2014/main" id="{94FAFFE4-0131-4A6D-B497-6291BBBB7CD5}"/>
               </a:ext>
             </a:extLst>
           </p:cNvPr>
@@ -42718,7 +46259,7 @@
           <p:cNvPr id="6" name="Рисунок 2" descr="Изображение выглядит как рисунок&#10;&#10;Автоматически созданное описание">
             <a:extLst>
               <a:ext uri="{FF2B5EF4-FFF2-40B4-BE49-F238E27FC236}">
-                <a16:creationId xmlns:a16="http://schemas.microsoft.com/office/drawing/2014/main" xmlns="" id="{29ADE3EE-E3E7-4754-AC30-59FDFF3867D2}"/>
+                <a16:creationId xmlns:a16="http://schemas.microsoft.com/office/drawing/2014/main" id="{29ADE3EE-E3E7-4754-AC30-59FDFF3867D2}"/>
               </a:ext>
             </a:extLst>
           </p:cNvPr>
@@ -42748,7 +46289,7 @@
           <p:cNvPr id="8" name="Рисунок 2" descr="Изображение выглядит как знак&#10;&#10;Автоматически созданное описание">
             <a:extLst>
               <a:ext uri="{FF2B5EF4-FFF2-40B4-BE49-F238E27FC236}">
-                <a16:creationId xmlns:a16="http://schemas.microsoft.com/office/drawing/2014/main" xmlns="" id="{29762B8E-9DB8-45E8-A962-1D02C5044356}"/>
+                <a16:creationId xmlns:a16="http://schemas.microsoft.com/office/drawing/2014/main" id="{29762B8E-9DB8-45E8-A962-1D02C5044356}"/>
               </a:ext>
             </a:extLst>
           </p:cNvPr>
@@ -42876,7 +46417,7 @@
             <p:cNvPr id="12" name="TextBox 11">
               <a:extLst>
                 <a:ext uri="{FF2B5EF4-FFF2-40B4-BE49-F238E27FC236}">
-                  <a16:creationId xmlns:a16="http://schemas.microsoft.com/office/drawing/2014/main" xmlns="" id="{AFAB66F8-ED4A-48EE-85D2-C79AC4668A7D}"/>
+                  <a16:creationId xmlns:a16="http://schemas.microsoft.com/office/drawing/2014/main" id="{AFAB66F8-ED4A-48EE-85D2-C79AC4668A7D}"/>
                 </a:ext>
               </a:extLst>
             </p:cNvPr>
@@ -43023,7 +46564,7 @@
             <p:cNvPr id="15" name="TextBox 14">
               <a:extLst>
                 <a:ext uri="{FF2B5EF4-FFF2-40B4-BE49-F238E27FC236}">
-                  <a16:creationId xmlns:a16="http://schemas.microsoft.com/office/drawing/2014/main" xmlns="" id="{AFAB66F8-ED4A-48EE-85D2-C79AC4668A7D}"/>
+                  <a16:creationId xmlns:a16="http://schemas.microsoft.com/office/drawing/2014/main" id="{AFAB66F8-ED4A-48EE-85D2-C79AC4668A7D}"/>
                 </a:ext>
               </a:extLst>
             </p:cNvPr>
@@ -43158,7 +46699,7 @@
             <p:cNvPr id="18" name="TextBox 17">
               <a:extLst>
                 <a:ext uri="{FF2B5EF4-FFF2-40B4-BE49-F238E27FC236}">
-                  <a16:creationId xmlns:a16="http://schemas.microsoft.com/office/drawing/2014/main" xmlns="" id="{AFAB66F8-ED4A-48EE-85D2-C79AC4668A7D}"/>
+                  <a16:creationId xmlns:a16="http://schemas.microsoft.com/office/drawing/2014/main" id="{AFAB66F8-ED4A-48EE-85D2-C79AC4668A7D}"/>
                 </a:ext>
               </a:extLst>
             </p:cNvPr>
@@ -43278,7 +46819,7 @@
           <p:cNvPr id="7" name="TextBox 6">
             <a:extLst>
               <a:ext uri="{FF2B5EF4-FFF2-40B4-BE49-F238E27FC236}">
-                <a16:creationId xmlns:a16="http://schemas.microsoft.com/office/drawing/2014/main" xmlns="" id="{AFAB66F8-ED4A-48EE-85D2-C79AC4668A7D}"/>
+                <a16:creationId xmlns:a16="http://schemas.microsoft.com/office/drawing/2014/main" id="{AFAB66F8-ED4A-48EE-85D2-C79AC4668A7D}"/>
               </a:ext>
             </a:extLst>
           </p:cNvPr>
@@ -43641,7 +47182,7 @@
             <p:cNvPr id="7" name="TextBox 6">
               <a:extLst>
                 <a:ext uri="{FF2B5EF4-FFF2-40B4-BE49-F238E27FC236}">
-                  <a16:creationId xmlns:a16="http://schemas.microsoft.com/office/drawing/2014/main" xmlns="" id="{AFAB66F8-ED4A-48EE-85D2-C79AC4668A7D}"/>
+                  <a16:creationId xmlns:a16="http://schemas.microsoft.com/office/drawing/2014/main" id="{AFAB66F8-ED4A-48EE-85D2-C79AC4668A7D}"/>
                 </a:ext>
               </a:extLst>
             </p:cNvPr>
@@ -43788,7 +47329,7 @@
             <p:cNvPr id="9" name="TextBox 8">
               <a:extLst>
                 <a:ext uri="{FF2B5EF4-FFF2-40B4-BE49-F238E27FC236}">
-                  <a16:creationId xmlns:a16="http://schemas.microsoft.com/office/drawing/2014/main" xmlns="" id="{AFAB66F8-ED4A-48EE-85D2-C79AC4668A7D}"/>
+                  <a16:creationId xmlns:a16="http://schemas.microsoft.com/office/drawing/2014/main" id="{AFAB66F8-ED4A-48EE-85D2-C79AC4668A7D}"/>
                 </a:ext>
               </a:extLst>
             </p:cNvPr>
@@ -43874,7 +47415,7 @@
           <p:cNvPr id="10" name="TextBox 9">
             <a:extLst>
               <a:ext uri="{FF2B5EF4-FFF2-40B4-BE49-F238E27FC236}">
-                <a16:creationId xmlns:a16="http://schemas.microsoft.com/office/drawing/2014/main" xmlns="" id="{AFAB66F8-ED4A-48EE-85D2-C79AC4668A7D}"/>
+                <a16:creationId xmlns:a16="http://schemas.microsoft.com/office/drawing/2014/main" id="{AFAB66F8-ED4A-48EE-85D2-C79AC4668A7D}"/>
               </a:ext>
             </a:extLst>
           </p:cNvPr>
@@ -43976,7 +47517,7 @@
           <p:cNvPr id="11" name="TextBox 10">
             <a:extLst>
               <a:ext uri="{FF2B5EF4-FFF2-40B4-BE49-F238E27FC236}">
-                <a16:creationId xmlns:a16="http://schemas.microsoft.com/office/drawing/2014/main" xmlns="" id="{AFAB66F8-ED4A-48EE-85D2-C79AC4668A7D}"/>
+                <a16:creationId xmlns:a16="http://schemas.microsoft.com/office/drawing/2014/main" id="{AFAB66F8-ED4A-48EE-85D2-C79AC4668A7D}"/>
               </a:ext>
             </a:extLst>
           </p:cNvPr>
@@ -44444,7 +47985,7 @@
             <p:cNvPr id="7" name="TextBox 6">
               <a:extLst>
                 <a:ext uri="{FF2B5EF4-FFF2-40B4-BE49-F238E27FC236}">
-                  <a16:creationId xmlns:a16="http://schemas.microsoft.com/office/drawing/2014/main" xmlns="" id="{AFAB66F8-ED4A-48EE-85D2-C79AC4668A7D}"/>
+                  <a16:creationId xmlns:a16="http://schemas.microsoft.com/office/drawing/2014/main" id="{AFAB66F8-ED4A-48EE-85D2-C79AC4668A7D}"/>
                 </a:ext>
               </a:extLst>
             </p:cNvPr>
@@ -44591,7 +48132,7 @@
             <p:cNvPr id="14" name="TextBox 13">
               <a:extLst>
                 <a:ext uri="{FF2B5EF4-FFF2-40B4-BE49-F238E27FC236}">
-                  <a16:creationId xmlns:a16="http://schemas.microsoft.com/office/drawing/2014/main" xmlns="" id="{AFAB66F8-ED4A-48EE-85D2-C79AC4668A7D}"/>
+                  <a16:creationId xmlns:a16="http://schemas.microsoft.com/office/drawing/2014/main" id="{AFAB66F8-ED4A-48EE-85D2-C79AC4668A7D}"/>
                 </a:ext>
               </a:extLst>
             </p:cNvPr>
@@ -45935,7 +49476,7 @@
           <p:cNvPr id="5" name="Рисунок 5" descr="Изображение выглядит как текст, карта, стол, большой&#10;&#10;Автоматически созданное описание">
             <a:extLst>
               <a:ext uri="{FF2B5EF4-FFF2-40B4-BE49-F238E27FC236}">
-                <a16:creationId xmlns:a16="http://schemas.microsoft.com/office/drawing/2014/main" xmlns="" id="{E933646D-3FE1-4B4E-9BC3-A601B4B2FE1B}"/>
+                <a16:creationId xmlns:a16="http://schemas.microsoft.com/office/drawing/2014/main" id="{E933646D-3FE1-4B4E-9BC3-A601B4B2FE1B}"/>
               </a:ext>
             </a:extLst>
           </p:cNvPr>
@@ -47031,7 +50572,7 @@
             <p:cNvPr id="6" name="TextBox 5">
               <a:extLst>
                 <a:ext uri="{FF2B5EF4-FFF2-40B4-BE49-F238E27FC236}">
-                  <a16:creationId xmlns:a16="http://schemas.microsoft.com/office/drawing/2014/main" xmlns="" id="{AFAB66F8-ED4A-48EE-85D2-C79AC4668A7D}"/>
+                  <a16:creationId xmlns:a16="http://schemas.microsoft.com/office/drawing/2014/main" id="{AFAB66F8-ED4A-48EE-85D2-C79AC4668A7D}"/>
                 </a:ext>
               </a:extLst>
             </p:cNvPr>
@@ -47203,7 +50744,7 @@
             <p:cNvPr id="9" name="TextBox 8">
               <a:extLst>
                 <a:ext uri="{FF2B5EF4-FFF2-40B4-BE49-F238E27FC236}">
-                  <a16:creationId xmlns:a16="http://schemas.microsoft.com/office/drawing/2014/main" xmlns="" id="{AFAB66F8-ED4A-48EE-85D2-C79AC4668A7D}"/>
+                  <a16:creationId xmlns:a16="http://schemas.microsoft.com/office/drawing/2014/main" id="{AFAB66F8-ED4A-48EE-85D2-C79AC4668A7D}"/>
                 </a:ext>
               </a:extLst>
             </p:cNvPr>
@@ -47286,7 +50827,7 @@
           <p:cNvPr id="10" name="TextBox 9">
             <a:extLst>
               <a:ext uri="{FF2B5EF4-FFF2-40B4-BE49-F238E27FC236}">
-                <a16:creationId xmlns:a16="http://schemas.microsoft.com/office/drawing/2014/main" xmlns="" id="{AFAB66F8-ED4A-48EE-85D2-C79AC4668A7D}"/>
+                <a16:creationId xmlns:a16="http://schemas.microsoft.com/office/drawing/2014/main" id="{AFAB66F8-ED4A-48EE-85D2-C79AC4668A7D}"/>
               </a:ext>
             </a:extLst>
           </p:cNvPr>
@@ -47753,7 +51294,7 @@
             <p:cNvPr id="6" name="TextBox 5">
               <a:extLst>
                 <a:ext uri="{FF2B5EF4-FFF2-40B4-BE49-F238E27FC236}">
-                  <a16:creationId xmlns:a16="http://schemas.microsoft.com/office/drawing/2014/main" xmlns="" id="{AFAB66F8-ED4A-48EE-85D2-C79AC4668A7D}"/>
+                  <a16:creationId xmlns:a16="http://schemas.microsoft.com/office/drawing/2014/main" id="{AFAB66F8-ED4A-48EE-85D2-C79AC4668A7D}"/>
                 </a:ext>
               </a:extLst>
             </p:cNvPr>
@@ -47925,7 +51466,7 @@
             <p:cNvPr id="13" name="TextBox 12">
               <a:extLst>
                 <a:ext uri="{FF2B5EF4-FFF2-40B4-BE49-F238E27FC236}">
-                  <a16:creationId xmlns:a16="http://schemas.microsoft.com/office/drawing/2014/main" xmlns="" id="{AFAB66F8-ED4A-48EE-85D2-C79AC4668A7D}"/>
+                  <a16:creationId xmlns:a16="http://schemas.microsoft.com/office/drawing/2014/main" id="{AFAB66F8-ED4A-48EE-85D2-C79AC4668A7D}"/>
                 </a:ext>
               </a:extLst>
             </p:cNvPr>
@@ -48097,7 +51638,7 @@
             <p:cNvPr id="16" name="TextBox 15">
               <a:extLst>
                 <a:ext uri="{FF2B5EF4-FFF2-40B4-BE49-F238E27FC236}">
-                  <a16:creationId xmlns:a16="http://schemas.microsoft.com/office/drawing/2014/main" xmlns="" id="{AFAB66F8-ED4A-48EE-85D2-C79AC4668A7D}"/>
+                  <a16:creationId xmlns:a16="http://schemas.microsoft.com/office/drawing/2014/main" id="{AFAB66F8-ED4A-48EE-85D2-C79AC4668A7D}"/>
                 </a:ext>
               </a:extLst>
             </p:cNvPr>
@@ -48569,7 +52110,7 @@
           <p:cNvPr id="5" name="Рисунок 5" descr="Изображение выглядит как рисунок&#10;&#10;Автоматически созданное описание">
             <a:extLst>
               <a:ext uri="{FF2B5EF4-FFF2-40B4-BE49-F238E27FC236}">
-                <a16:creationId xmlns:a16="http://schemas.microsoft.com/office/drawing/2014/main" xmlns="" id="{CDD0D392-856C-47F0-9735-BEF68F5D9DAC}"/>
+                <a16:creationId xmlns:a16="http://schemas.microsoft.com/office/drawing/2014/main" id="{CDD0D392-856C-47F0-9735-BEF68F5D9DAC}"/>
               </a:ext>
             </a:extLst>
           </p:cNvPr>
@@ -48599,7 +52140,7 @@
           <p:cNvPr id="9" name="Рисунок 9" descr="Изображение выглядит как знак&#10;&#10;Автоматически созданное описание">
             <a:extLst>
               <a:ext uri="{FF2B5EF4-FFF2-40B4-BE49-F238E27FC236}">
-                <a16:creationId xmlns:a16="http://schemas.microsoft.com/office/drawing/2014/main" xmlns="" id="{05DBF68E-E15B-4C8D-B88E-DD5E51FB28A6}"/>
+                <a16:creationId xmlns:a16="http://schemas.microsoft.com/office/drawing/2014/main" id="{05DBF68E-E15B-4C8D-B88E-DD5E51FB28A6}"/>
               </a:ext>
             </a:extLst>
           </p:cNvPr>
@@ -49546,7 +53087,7 @@
             <p:cNvPr id="6" name="TextBox 5">
               <a:extLst>
                 <a:ext uri="{FF2B5EF4-FFF2-40B4-BE49-F238E27FC236}">
-                  <a16:creationId xmlns:a16="http://schemas.microsoft.com/office/drawing/2014/main" xmlns="" id="{AFAB66F8-ED4A-48EE-85D2-C79AC4668A7D}"/>
+                  <a16:creationId xmlns:a16="http://schemas.microsoft.com/office/drawing/2014/main" id="{AFAB66F8-ED4A-48EE-85D2-C79AC4668A7D}"/>
                 </a:ext>
               </a:extLst>
             </p:cNvPr>
@@ -49601,7 +53142,7 @@
           <p:cNvPr id="7" name="TextBox 6">
             <a:extLst>
               <a:ext uri="{FF2B5EF4-FFF2-40B4-BE49-F238E27FC236}">
-                <a16:creationId xmlns:a16="http://schemas.microsoft.com/office/drawing/2014/main" xmlns="" id="{AFAB66F8-ED4A-48EE-85D2-C79AC4668A7D}"/>
+                <a16:creationId xmlns:a16="http://schemas.microsoft.com/office/drawing/2014/main" id="{AFAB66F8-ED4A-48EE-85D2-C79AC4668A7D}"/>
               </a:ext>
             </a:extLst>
           </p:cNvPr>
@@ -49731,7 +53272,7 @@
             <p:cNvPr id="10" name="TextBox 9">
               <a:extLst>
                 <a:ext uri="{FF2B5EF4-FFF2-40B4-BE49-F238E27FC236}">
-                  <a16:creationId xmlns:a16="http://schemas.microsoft.com/office/drawing/2014/main" xmlns="" id="{AFAB66F8-ED4A-48EE-85D2-C79AC4668A7D}"/>
+                  <a16:creationId xmlns:a16="http://schemas.microsoft.com/office/drawing/2014/main" id="{AFAB66F8-ED4A-48EE-85D2-C79AC4668A7D}"/>
                 </a:ext>
               </a:extLst>
             </p:cNvPr>
@@ -49786,7 +53327,7 @@
           <p:cNvPr id="11" name="TextBox 10">
             <a:extLst>
               <a:ext uri="{FF2B5EF4-FFF2-40B4-BE49-F238E27FC236}">
-                <a16:creationId xmlns:a16="http://schemas.microsoft.com/office/drawing/2014/main" xmlns="" id="{AFAB66F8-ED4A-48EE-85D2-C79AC4668A7D}"/>
+                <a16:creationId xmlns:a16="http://schemas.microsoft.com/office/drawing/2014/main" id="{AFAB66F8-ED4A-48EE-85D2-C79AC4668A7D}"/>
               </a:ext>
             </a:extLst>
           </p:cNvPr>
@@ -49850,7 +53391,7 @@
           <p:cNvPr id="12" name="TextBox 11">
             <a:extLst>
               <a:ext uri="{FF2B5EF4-FFF2-40B4-BE49-F238E27FC236}">
-                <a16:creationId xmlns:a16="http://schemas.microsoft.com/office/drawing/2014/main" xmlns="" id="{AFAB66F8-ED4A-48EE-85D2-C79AC4668A7D}"/>
+                <a16:creationId xmlns:a16="http://schemas.microsoft.com/office/drawing/2014/main" id="{AFAB66F8-ED4A-48EE-85D2-C79AC4668A7D}"/>
               </a:ext>
             </a:extLst>
           </p:cNvPr>
@@ -49904,7 +53445,7 @@
           <p:cNvPr id="13" name="TextBox 12">
             <a:extLst>
               <a:ext uri="{FF2B5EF4-FFF2-40B4-BE49-F238E27FC236}">
-                <a16:creationId xmlns:a16="http://schemas.microsoft.com/office/drawing/2014/main" xmlns="" id="{AFAB66F8-ED4A-48EE-85D2-C79AC4668A7D}"/>
+                <a16:creationId xmlns:a16="http://schemas.microsoft.com/office/drawing/2014/main" id="{AFAB66F8-ED4A-48EE-85D2-C79AC4668A7D}"/>
               </a:ext>
             </a:extLst>
           </p:cNvPr>
@@ -49968,7 +53509,7 @@
           <p:cNvPr id="14" name="TextBox 13">
             <a:extLst>
               <a:ext uri="{FF2B5EF4-FFF2-40B4-BE49-F238E27FC236}">
-                <a16:creationId xmlns:a16="http://schemas.microsoft.com/office/drawing/2014/main" xmlns="" id="{AFAB66F8-ED4A-48EE-85D2-C79AC4668A7D}"/>
+                <a16:creationId xmlns:a16="http://schemas.microsoft.com/office/drawing/2014/main" id="{AFAB66F8-ED4A-48EE-85D2-C79AC4668A7D}"/>
               </a:ext>
             </a:extLst>
           </p:cNvPr>
@@ -50032,7 +53573,7 @@
           <p:cNvPr id="15" name="TextBox 14">
             <a:extLst>
               <a:ext uri="{FF2B5EF4-FFF2-40B4-BE49-F238E27FC236}">
-                <a16:creationId xmlns:a16="http://schemas.microsoft.com/office/drawing/2014/main" xmlns="" id="{AFAB66F8-ED4A-48EE-85D2-C79AC4668A7D}"/>
+                <a16:creationId xmlns:a16="http://schemas.microsoft.com/office/drawing/2014/main" id="{AFAB66F8-ED4A-48EE-85D2-C79AC4668A7D}"/>
               </a:ext>
             </a:extLst>
           </p:cNvPr>
@@ -50588,7 +54129,7 @@
           <p:cNvPr id="2" name="Рисунок 2" descr="Изображение выглядит как знак&#10;&#10;Автоматически созданное описание">
             <a:extLst>
               <a:ext uri="{FF2B5EF4-FFF2-40B4-BE49-F238E27FC236}">
-                <a16:creationId xmlns:a16="http://schemas.microsoft.com/office/drawing/2014/main" xmlns="" id="{0E8DF96B-8443-4131-BD5B-83E6EE370AF8}"/>
+                <a16:creationId xmlns:a16="http://schemas.microsoft.com/office/drawing/2014/main" id="{0E8DF96B-8443-4131-BD5B-83E6EE370AF8}"/>
               </a:ext>
             </a:extLst>
           </p:cNvPr>
@@ -51076,7 +54617,7 @@
             <p:cNvPr id="12" name="TextBox 11">
               <a:extLst>
                 <a:ext uri="{FF2B5EF4-FFF2-40B4-BE49-F238E27FC236}">
-                  <a16:creationId xmlns:a16="http://schemas.microsoft.com/office/drawing/2014/main" xmlns="" id="{AFAB66F8-ED4A-48EE-85D2-C79AC4668A7D}"/>
+                  <a16:creationId xmlns:a16="http://schemas.microsoft.com/office/drawing/2014/main" id="{AFAB66F8-ED4A-48EE-85D2-C79AC4668A7D}"/>
                 </a:ext>
               </a:extLst>
             </p:cNvPr>
@@ -51195,7 +54736,7 @@
             <p:cNvPr id="15" name="TextBox 14">
               <a:extLst>
                 <a:ext uri="{FF2B5EF4-FFF2-40B4-BE49-F238E27FC236}">
-                  <a16:creationId xmlns:a16="http://schemas.microsoft.com/office/drawing/2014/main" xmlns="" id="{AFAB66F8-ED4A-48EE-85D2-C79AC4668A7D}"/>
+                  <a16:creationId xmlns:a16="http://schemas.microsoft.com/office/drawing/2014/main" id="{AFAB66F8-ED4A-48EE-85D2-C79AC4668A7D}"/>
                 </a:ext>
               </a:extLst>
             </p:cNvPr>
@@ -51314,7 +54855,7 @@
             <p:cNvPr id="18" name="TextBox 17">
               <a:extLst>
                 <a:ext uri="{FF2B5EF4-FFF2-40B4-BE49-F238E27FC236}">
-                  <a16:creationId xmlns:a16="http://schemas.microsoft.com/office/drawing/2014/main" xmlns="" id="{AFAB66F8-ED4A-48EE-85D2-C79AC4668A7D}"/>
+                  <a16:creationId xmlns:a16="http://schemas.microsoft.com/office/drawing/2014/main" id="{AFAB66F8-ED4A-48EE-85D2-C79AC4668A7D}"/>
                 </a:ext>
               </a:extLst>
             </p:cNvPr>
